--- a/Homework-aAlphaBio.pptx
+++ b/Homework-aAlphaBio.pptx
@@ -280,7 +280,7 @@
           <a:p>
             <a:fld id="{A99D5239-F08C-4643-B440-E380AF94EFE9}" type="datetimeFigureOut">
               <a:rPr lang="en-US" smtClean="0"/>
-              <a:t>4/29/24</a:t>
+              <a:t>5/1/24</a:t>
             </a:fld>
             <a:endParaRPr lang="en-US"/>
           </a:p>
@@ -478,7 +478,7 @@
           <a:p>
             <a:fld id="{A99D5239-F08C-4643-B440-E380AF94EFE9}" type="datetimeFigureOut">
               <a:rPr lang="en-US" smtClean="0"/>
-              <a:t>4/29/24</a:t>
+              <a:t>5/1/24</a:t>
             </a:fld>
             <a:endParaRPr lang="en-US"/>
           </a:p>
@@ -686,7 +686,7 @@
           <a:p>
             <a:fld id="{A99D5239-F08C-4643-B440-E380AF94EFE9}" type="datetimeFigureOut">
               <a:rPr lang="en-US" smtClean="0"/>
-              <a:t>4/29/24</a:t>
+              <a:t>5/1/24</a:t>
             </a:fld>
             <a:endParaRPr lang="en-US"/>
           </a:p>
@@ -884,7 +884,7 @@
           <a:p>
             <a:fld id="{A99D5239-F08C-4643-B440-E380AF94EFE9}" type="datetimeFigureOut">
               <a:rPr lang="en-US" smtClean="0"/>
-              <a:t>4/29/24</a:t>
+              <a:t>5/1/24</a:t>
             </a:fld>
             <a:endParaRPr lang="en-US"/>
           </a:p>
@@ -1159,7 +1159,7 @@
           <a:p>
             <a:fld id="{A99D5239-F08C-4643-B440-E380AF94EFE9}" type="datetimeFigureOut">
               <a:rPr lang="en-US" smtClean="0"/>
-              <a:t>4/29/24</a:t>
+              <a:t>5/1/24</a:t>
             </a:fld>
             <a:endParaRPr lang="en-US"/>
           </a:p>
@@ -1424,7 +1424,7 @@
           <a:p>
             <a:fld id="{A99D5239-F08C-4643-B440-E380AF94EFE9}" type="datetimeFigureOut">
               <a:rPr lang="en-US" smtClean="0"/>
-              <a:t>4/29/24</a:t>
+              <a:t>5/1/24</a:t>
             </a:fld>
             <a:endParaRPr lang="en-US"/>
           </a:p>
@@ -1836,7 +1836,7 @@
           <a:p>
             <a:fld id="{A99D5239-F08C-4643-B440-E380AF94EFE9}" type="datetimeFigureOut">
               <a:rPr lang="en-US" smtClean="0"/>
-              <a:t>4/29/24</a:t>
+              <a:t>5/1/24</a:t>
             </a:fld>
             <a:endParaRPr lang="en-US"/>
           </a:p>
@@ -1977,7 +1977,7 @@
           <a:p>
             <a:fld id="{A99D5239-F08C-4643-B440-E380AF94EFE9}" type="datetimeFigureOut">
               <a:rPr lang="en-US" smtClean="0"/>
-              <a:t>4/29/24</a:t>
+              <a:t>5/1/24</a:t>
             </a:fld>
             <a:endParaRPr lang="en-US"/>
           </a:p>
@@ -2090,7 +2090,7 @@
           <a:p>
             <a:fld id="{A99D5239-F08C-4643-B440-E380AF94EFE9}" type="datetimeFigureOut">
               <a:rPr lang="en-US" smtClean="0"/>
-              <a:t>4/29/24</a:t>
+              <a:t>5/1/24</a:t>
             </a:fld>
             <a:endParaRPr lang="en-US"/>
           </a:p>
@@ -2401,7 +2401,7 @@
           <a:p>
             <a:fld id="{A99D5239-F08C-4643-B440-E380AF94EFE9}" type="datetimeFigureOut">
               <a:rPr lang="en-US" smtClean="0"/>
-              <a:t>4/29/24</a:t>
+              <a:t>5/1/24</a:t>
             </a:fld>
             <a:endParaRPr lang="en-US"/>
           </a:p>
@@ -2689,7 +2689,7 @@
           <a:p>
             <a:fld id="{A99D5239-F08C-4643-B440-E380AF94EFE9}" type="datetimeFigureOut">
               <a:rPr lang="en-US" smtClean="0"/>
-              <a:t>4/29/24</a:t>
+              <a:t>5/1/24</a:t>
             </a:fld>
             <a:endParaRPr lang="en-US"/>
           </a:p>
@@ -2930,7 +2930,7 @@
           <a:p>
             <a:fld id="{A99D5239-F08C-4643-B440-E380AF94EFE9}" type="datetimeFigureOut">
               <a:rPr lang="en-US" smtClean="0"/>
-              <a:t>4/29/24</a:t>
+              <a:t>5/1/24</a:t>
             </a:fld>
             <a:endParaRPr lang="en-US"/>
           </a:p>
@@ -3377,15 +3377,7 @@
           <a:p>
             <a:r>
               <a:rPr lang="en-US" dirty="0"/>
-              <a:t>a-</a:t>
-            </a:r>
-            <a:r>
-              <a:rPr lang="en-US" dirty="0" err="1"/>
-              <a:t>alphaBio</a:t>
-            </a:r>
-            <a:r>
-              <a:rPr lang="en-US" dirty="0"/>
-              <a:t> Homework</a:t>
+              <a:t>A-Alpha Bio Homework</a:t>
             </a:r>
           </a:p>
         </p:txBody>
@@ -17782,10 +17774,14 @@
               <a:buChar char="•"/>
             </a:pPr>
             <a:r>
+              <a:rPr lang="en-US" dirty="0"/>
+              <a:t>A</a:t>
+            </a:r>
+            <a:r>
               <a:rPr lang="en-US" b="0" dirty="0">
                 <a:effectLst/>
               </a:rPr>
-              <a:t>a-Alpha-Bio:</a:t>
+              <a:t>-Alpha Bio:</a:t>
             </a:r>
           </a:p>
           <a:p>
@@ -17918,7 +17914,15 @@
             </a:r>
             <a:r>
               <a:rPr lang="en-US" dirty="0"/>
-              <a:t> repo for this homework’s code: TODO (2 repos) </a:t>
+              <a:t> repo for this homework’s code: </a:t>
+            </a:r>
+            <a:r>
+              <a:rPr lang="en-US" dirty="0">
+                <a:solidFill>
+                  <a:srgbClr val="FF0000"/>
+                </a:solidFill>
+              </a:rPr>
+              <a:t>TODO (2 repos) </a:t>
             </a:r>
             <a:r>
               <a:rPr lang="en-US" dirty="0">
@@ -19211,7 +19215,7 @@
         <p:spPr>
           <a:xfrm>
             <a:off x="140127" y="221836"/>
-            <a:ext cx="776175" cy="461665"/>
+            <a:ext cx="3165995" cy="461665"/>
           </a:xfrm>
           <a:prstGeom prst="rect">
             <a:avLst/>
@@ -19226,7 +19230,7 @@
           <a:p>
             <a:r>
               <a:rPr lang="en-US" sz="2400" dirty="0"/>
-              <a:t>Plan</a:t>
+              <a:t>Plan for model training</a:t>
             </a:r>
           </a:p>
         </p:txBody>
@@ -19245,8 +19249,8 @@
         </p:nvSpPr>
         <p:spPr>
           <a:xfrm>
-            <a:off x="381663" y="946205"/>
-            <a:ext cx="4206594" cy="5078313"/>
+            <a:off x="381662" y="726854"/>
+            <a:ext cx="4206594" cy="5909310"/>
           </a:xfrm>
           <a:prstGeom prst="rect">
             <a:avLst/>
@@ -19265,7 +19269,7 @@
             </a:pPr>
             <a:r>
               <a:rPr lang="en-US" dirty="0"/>
-              <a:t>Train with a three simple models </a:t>
+              <a:t>Three MLP-based models </a:t>
             </a:r>
           </a:p>
           <a:p>
@@ -19317,14 +19321,40 @@
               <a:buFont typeface="Arial" panose="020B0604020202020204" pitchFamily="34" charset="0"/>
               <a:buChar char="•"/>
             </a:pPr>
-            <a:endParaRPr lang="en-US" dirty="0"/>
-          </a:p>
-          <a:p>
-            <a:pPr marL="285750" indent="-285750">
+            <a:r>
+              <a:rPr lang="en-US" dirty="0"/>
+              <a:t>CNN</a:t>
+            </a:r>
+          </a:p>
+          <a:p>
+            <a:pPr marL="742950" lvl="1" indent="-285750">
               <a:buFont typeface="Arial" panose="020B0604020202020204" pitchFamily="34" charset="0"/>
               <a:buChar char="•"/>
             </a:pPr>
-            <a:endParaRPr lang="en-US" dirty="0"/>
+            <a:r>
+              <a:rPr lang="en-US" dirty="0"/>
+              <a:t>binary encode aa residue tokens</a:t>
+            </a:r>
+          </a:p>
+          <a:p>
+            <a:pPr marL="742950" lvl="1" indent="-285750">
+              <a:buFont typeface="Arial" panose="020B0604020202020204" pitchFamily="34" charset="0"/>
+              <a:buChar char="•"/>
+            </a:pPr>
+            <a:r>
+              <a:rPr lang="en-US" dirty="0"/>
+              <a:t>reshape into 46x46 monochrome image</a:t>
+            </a:r>
+          </a:p>
+          <a:p>
+            <a:pPr marL="742950" lvl="1" indent="-285750">
+              <a:buFont typeface="Arial" panose="020B0604020202020204" pitchFamily="34" charset="0"/>
+              <a:buChar char="•"/>
+            </a:pPr>
+            <a:r>
+              <a:rPr lang="en-US" dirty="0"/>
+              <a:t>single-stack CNN model</a:t>
+            </a:r>
           </a:p>
           <a:p>
             <a:endParaRPr lang="en-US" dirty="0"/>
@@ -19473,8 +19503,8 @@
         </p:blipFill>
         <p:spPr>
           <a:xfrm>
-            <a:off x="4981185" y="3301053"/>
-            <a:ext cx="4698772" cy="1502796"/>
+            <a:off x="5167306" y="4159472"/>
+            <a:ext cx="3602098" cy="1152050"/>
           </a:xfrm>
           <a:prstGeom prst="rect">
             <a:avLst/>
@@ -19510,8 +19540,8 @@
         </p:blipFill>
         <p:spPr>
           <a:xfrm>
-            <a:off x="4981185" y="4986918"/>
-            <a:ext cx="4435765" cy="1585391"/>
+            <a:off x="5167306" y="5482491"/>
+            <a:ext cx="3602098" cy="1287429"/>
           </a:xfrm>
           <a:prstGeom prst="rect">
             <a:avLst/>
@@ -19609,8 +19639,8 @@
         </p:nvSpPr>
         <p:spPr>
           <a:xfrm>
-            <a:off x="9679957" y="3867785"/>
-            <a:ext cx="1225400" cy="369332"/>
+            <a:off x="8769404" y="4550831"/>
+            <a:ext cx="2191626" cy="369332"/>
           </a:xfrm>
           <a:prstGeom prst="rect">
             <a:avLst/>
@@ -19625,7 +19655,7 @@
           <a:p>
             <a:r>
               <a:rPr lang="en-US" dirty="0"/>
-              <a:t>BERT MLM</a:t>
+              <a:t>BERT pre-train, MLM</a:t>
             </a:r>
           </a:p>
         </p:txBody>
@@ -19644,7 +19674,7 @@
         </p:nvSpPr>
         <p:spPr>
           <a:xfrm>
-            <a:off x="9394071" y="5594726"/>
+            <a:off x="8769404" y="5941539"/>
             <a:ext cx="1614929" cy="369332"/>
           </a:xfrm>
           <a:prstGeom prst="rect">
@@ -19730,6 +19760,71 @@
           </a:prstGeom>
         </p:spPr>
       </p:pic>
+      <p:pic>
+        <p:nvPicPr>
+          <p:cNvPr id="14" name="Picture 13">
+            <a:extLst>
+              <a:ext uri="{FF2B5EF4-FFF2-40B4-BE49-F238E27FC236}">
+                <a16:creationId xmlns:a16="http://schemas.microsoft.com/office/drawing/2014/main" id="{77D2AD9E-3301-393F-2422-49D7276C572D}"/>
+              </a:ext>
+            </a:extLst>
+          </p:cNvPr>
+          <p:cNvPicPr>
+            <a:picLocks noChangeAspect="1"/>
+          </p:cNvPicPr>
+          <p:nvPr/>
+        </p:nvPicPr>
+        <p:blipFill>
+          <a:blip r:embed="rId7"/>
+          <a:stretch>
+            <a:fillRect/>
+          </a:stretch>
+        </p:blipFill>
+        <p:spPr>
+          <a:xfrm>
+            <a:off x="5218843" y="2564467"/>
+            <a:ext cx="1070708" cy="1312481"/>
+          </a:xfrm>
+          <a:prstGeom prst="rect">
+            <a:avLst/>
+          </a:prstGeom>
+        </p:spPr>
+      </p:pic>
+      <p:sp>
+        <p:nvSpPr>
+          <p:cNvPr id="15" name="TextBox 14">
+            <a:extLst>
+              <a:ext uri="{FF2B5EF4-FFF2-40B4-BE49-F238E27FC236}">
+                <a16:creationId xmlns:a16="http://schemas.microsoft.com/office/drawing/2014/main" id="{A3E7B4E8-E1CB-D47B-2037-5A1C5650A36B}"/>
+              </a:ext>
+            </a:extLst>
+          </p:cNvPr>
+          <p:cNvSpPr txBox="1"/>
+          <p:nvPr/>
+        </p:nvSpPr>
+        <p:spPr>
+          <a:xfrm>
+            <a:off x="6316574" y="3091614"/>
+            <a:ext cx="671979" cy="369332"/>
+          </a:xfrm>
+          <a:prstGeom prst="rect">
+            <a:avLst/>
+          </a:prstGeom>
+          <a:noFill/>
+        </p:spPr>
+        <p:txBody>
+          <a:bodyPr wrap="none" rtlCol="0">
+            <a:spAutoFit/>
+          </a:bodyPr>
+          <a:lstStyle/>
+          <a:p>
+            <a:r>
+              <a:rPr lang="en-US" dirty="0"/>
+              <a:t>CNN</a:t>
+            </a:r>
+          </a:p>
+        </p:txBody>
+      </p:sp>
     </p:spTree>
     <p:extLst>
       <p:ext uri="{BB962C8B-B14F-4D97-AF65-F5344CB8AC3E}">
@@ -19810,14 +19905,14 @@
           <p:nvPr>
             <p:extLst>
               <p:ext uri="{D42A27DB-BD31-4B8C-83A1-F6EECF244321}">
-                <p14:modId xmlns:p14="http://schemas.microsoft.com/office/powerpoint/2010/main" val="3129220810"/>
+                <p14:modId xmlns:p14="http://schemas.microsoft.com/office/powerpoint/2010/main" val="3732987322"/>
               </p:ext>
             </p:extLst>
           </p:nvPr>
         </p:nvGraphicFramePr>
         <p:xfrm>
-          <a:off x="1510121" y="1092008"/>
-          <a:ext cx="7921072" cy="3538983"/>
+          <a:off x="1962405" y="826537"/>
+          <a:ext cx="8081086" cy="4044552"/>
         </p:xfrm>
         <a:graphic>
           <a:graphicData uri="http://schemas.openxmlformats.org/drawingml/2006/table">
@@ -19826,7 +19921,7 @@
                 <a:tableStyleId>{5C22544A-7EE6-4342-B048-85BDC9FD1C3A}</a:tableStyleId>
               </a:tblPr>
               <a:tblGrid>
-                <a:gridCol w="1770450">
+                <a:gridCol w="1930464">
                   <a:extLst>
                     <a:ext uri="{9D8B030D-6E8A-4147-A177-3AD203B41FA5}">
                       <a16:colId xmlns:a16="http://schemas.microsoft.com/office/drawing/2014/main" val="1065848917"/>
@@ -20160,6 +20255,70 @@
                     <a:p>
                       <a:r>
                         <a:rPr lang="en-US" dirty="0"/>
+                        <a:t>CNN (MNIST-like)</a:t>
+                      </a:r>
+                    </a:p>
+                  </a:txBody>
+                  <a:tcPr anchor="ctr"/>
+                </a:tc>
+                <a:tc>
+                  <a:txBody>
+                    <a:bodyPr/>
+                    <a:lstStyle/>
+                    <a:p>
+                      <a:pPr algn="ctr"/>
+                      <a:endParaRPr lang="en-US" dirty="0"/>
+                    </a:p>
+                  </a:txBody>
+                  <a:tcPr anchor="ctr"/>
+                </a:tc>
+                <a:tc>
+                  <a:txBody>
+                    <a:bodyPr/>
+                    <a:lstStyle/>
+                    <a:p>
+                      <a:pPr algn="ctr"/>
+                      <a:endParaRPr lang="en-US" dirty="0"/>
+                    </a:p>
+                  </a:txBody>
+                  <a:tcPr anchor="ctr"/>
+                </a:tc>
+                <a:tc>
+                  <a:txBody>
+                    <a:bodyPr/>
+                    <a:lstStyle/>
+                    <a:p>
+                      <a:pPr algn="ctr"/>
+                      <a:endParaRPr lang="en-US" dirty="0"/>
+                    </a:p>
+                  </a:txBody>
+                  <a:tcPr anchor="ctr"/>
+                </a:tc>
+                <a:tc>
+                  <a:txBody>
+                    <a:bodyPr/>
+                    <a:lstStyle/>
+                    <a:p>
+                      <a:pPr algn="ctr"/>
+                      <a:endParaRPr lang="en-US" dirty="0"/>
+                    </a:p>
+                  </a:txBody>
+                  <a:tcPr anchor="ctr"/>
+                </a:tc>
+                <a:extLst>
+                  <a:ext uri="{0D108BD9-81ED-4DB2-BD59-A6C34878D82A}">
+                    <a16:rowId xmlns:a16="http://schemas.microsoft.com/office/drawing/2014/main" val="1232718432"/>
+                  </a:ext>
+                </a:extLst>
+              </a:tr>
+              <a:tr h="505569">
+                <a:tc>
+                  <a:txBody>
+                    <a:bodyPr/>
+                    <a:lstStyle/>
+                    <a:p>
+                      <a:r>
+                        <a:rPr lang="en-US" dirty="0"/>
                         <a:t>BERT (naive) </a:t>
                       </a:r>
                       <a:r>
@@ -21255,6 +21414,361 @@
           <a:chExt cx="0" cy="0"/>
         </a:xfrm>
       </p:grpSpPr>
+      <p:grpSp>
+        <p:nvGrpSpPr>
+          <p:cNvPr id="8" name="Group 7">
+            <a:extLst>
+              <a:ext uri="{FF2B5EF4-FFF2-40B4-BE49-F238E27FC236}">
+                <a16:creationId xmlns:a16="http://schemas.microsoft.com/office/drawing/2014/main" id="{C0434CF7-A283-2E47-7026-4A512CD8547A}"/>
+              </a:ext>
+            </a:extLst>
+          </p:cNvPr>
+          <p:cNvGrpSpPr/>
+          <p:nvPr/>
+        </p:nvGrpSpPr>
+        <p:grpSpPr>
+          <a:xfrm>
+            <a:off x="2745265" y="1617784"/>
+            <a:ext cx="1984997" cy="2242039"/>
+            <a:chOff x="2745265" y="1617784"/>
+            <a:chExt cx="1984997" cy="2242039"/>
+          </a:xfrm>
+        </p:grpSpPr>
+        <p:sp>
+          <p:nvSpPr>
+            <p:cNvPr id="2" name="Rectangle 1">
+              <a:extLst>
+                <a:ext uri="{FF2B5EF4-FFF2-40B4-BE49-F238E27FC236}">
+                  <a16:creationId xmlns:a16="http://schemas.microsoft.com/office/drawing/2014/main" id="{C9EC799C-6315-6FBC-44EF-B3BA08648387}"/>
+                </a:ext>
+              </a:extLst>
+            </p:cNvPr>
+            <p:cNvSpPr/>
+            <p:nvPr/>
+          </p:nvSpPr>
+          <p:spPr>
+            <a:xfrm>
+              <a:off x="3209931" y="1617784"/>
+              <a:ext cx="197399" cy="2242039"/>
+            </a:xfrm>
+            <a:prstGeom prst="rect">
+              <a:avLst/>
+            </a:prstGeom>
+            <a:solidFill>
+              <a:schemeClr val="accent4">
+                <a:alpha val="58000"/>
+              </a:schemeClr>
+            </a:solidFill>
+            <a:ln>
+              <a:solidFill>
+                <a:schemeClr val="bg2">
+                  <a:lumMod val="50000"/>
+                </a:schemeClr>
+              </a:solidFill>
+            </a:ln>
+          </p:spPr>
+          <p:style>
+            <a:lnRef idx="2">
+              <a:schemeClr val="accent1">
+                <a:shade val="15000"/>
+              </a:schemeClr>
+            </a:lnRef>
+            <a:fillRef idx="1">
+              <a:schemeClr val="accent1"/>
+            </a:fillRef>
+            <a:effectRef idx="0">
+              <a:schemeClr val="accent1"/>
+            </a:effectRef>
+            <a:fontRef idx="minor">
+              <a:schemeClr val="lt1"/>
+            </a:fontRef>
+          </p:style>
+          <p:txBody>
+            <a:bodyPr rtlCol="0" anchor="ctr"/>
+            <a:lstStyle/>
+            <a:p>
+              <a:pPr algn="ctr"/>
+              <a:endParaRPr lang="en-US" dirty="0"/>
+            </a:p>
+          </p:txBody>
+        </p:sp>
+        <p:sp>
+          <p:nvSpPr>
+            <p:cNvPr id="3" name="Rectangle 2">
+              <a:extLst>
+                <a:ext uri="{FF2B5EF4-FFF2-40B4-BE49-F238E27FC236}">
+                  <a16:creationId xmlns:a16="http://schemas.microsoft.com/office/drawing/2014/main" id="{AB378311-44E7-5FD4-4420-3DEE1468F9D1}"/>
+                </a:ext>
+              </a:extLst>
+            </p:cNvPr>
+            <p:cNvSpPr/>
+            <p:nvPr/>
+          </p:nvSpPr>
+          <p:spPr>
+            <a:xfrm>
+              <a:off x="3453921" y="1922476"/>
+              <a:ext cx="197403" cy="1699955"/>
+            </a:xfrm>
+            <a:prstGeom prst="rect">
+              <a:avLst/>
+            </a:prstGeom>
+            <a:solidFill>
+              <a:schemeClr val="accent4">
+                <a:alpha val="58000"/>
+              </a:schemeClr>
+            </a:solidFill>
+            <a:ln>
+              <a:solidFill>
+                <a:schemeClr val="bg2">
+                  <a:lumMod val="50000"/>
+                </a:schemeClr>
+              </a:solidFill>
+            </a:ln>
+          </p:spPr>
+          <p:style>
+            <a:lnRef idx="2">
+              <a:schemeClr val="accent1">
+                <a:shade val="15000"/>
+              </a:schemeClr>
+            </a:lnRef>
+            <a:fillRef idx="1">
+              <a:schemeClr val="accent1"/>
+            </a:fillRef>
+            <a:effectRef idx="0">
+              <a:schemeClr val="accent1"/>
+            </a:effectRef>
+            <a:fontRef idx="minor">
+              <a:schemeClr val="lt1"/>
+            </a:fontRef>
+          </p:style>
+          <p:txBody>
+            <a:bodyPr rtlCol="0" anchor="ctr"/>
+            <a:lstStyle/>
+            <a:p>
+              <a:pPr algn="ctr"/>
+              <a:endParaRPr lang="en-US" dirty="0"/>
+            </a:p>
+          </p:txBody>
+        </p:sp>
+        <p:sp>
+          <p:nvSpPr>
+            <p:cNvPr id="4" name="Rectangle 3">
+              <a:extLst>
+                <a:ext uri="{FF2B5EF4-FFF2-40B4-BE49-F238E27FC236}">
+                  <a16:creationId xmlns:a16="http://schemas.microsoft.com/office/drawing/2014/main" id="{72785462-D7F0-1C23-6249-BBFEDB767315}"/>
+                </a:ext>
+              </a:extLst>
+            </p:cNvPr>
+            <p:cNvSpPr/>
+            <p:nvPr/>
+          </p:nvSpPr>
+          <p:spPr>
+            <a:xfrm>
+              <a:off x="3697915" y="2291753"/>
+              <a:ext cx="197403" cy="1137247"/>
+            </a:xfrm>
+            <a:prstGeom prst="rect">
+              <a:avLst/>
+            </a:prstGeom>
+            <a:solidFill>
+              <a:schemeClr val="accent4">
+                <a:alpha val="58000"/>
+              </a:schemeClr>
+            </a:solidFill>
+            <a:ln>
+              <a:solidFill>
+                <a:schemeClr val="bg2">
+                  <a:lumMod val="50000"/>
+                </a:schemeClr>
+              </a:solidFill>
+            </a:ln>
+          </p:spPr>
+          <p:style>
+            <a:lnRef idx="2">
+              <a:schemeClr val="accent1">
+                <a:shade val="15000"/>
+              </a:schemeClr>
+            </a:lnRef>
+            <a:fillRef idx="1">
+              <a:schemeClr val="accent1"/>
+            </a:fillRef>
+            <a:effectRef idx="0">
+              <a:schemeClr val="accent1"/>
+            </a:effectRef>
+            <a:fontRef idx="minor">
+              <a:schemeClr val="lt1"/>
+            </a:fontRef>
+          </p:style>
+          <p:txBody>
+            <a:bodyPr rtlCol="0" anchor="ctr"/>
+            <a:lstStyle/>
+            <a:p>
+              <a:pPr algn="ctr"/>
+              <a:endParaRPr lang="en-US" dirty="0"/>
+            </a:p>
+          </p:txBody>
+        </p:sp>
+        <p:sp>
+          <p:nvSpPr>
+            <p:cNvPr id="5" name="Rectangle 4">
+              <a:extLst>
+                <a:ext uri="{FF2B5EF4-FFF2-40B4-BE49-F238E27FC236}">
+                  <a16:creationId xmlns:a16="http://schemas.microsoft.com/office/drawing/2014/main" id="{D41DC3D8-6B18-B938-F6DA-7AACCD2512A5}"/>
+                </a:ext>
+              </a:extLst>
+            </p:cNvPr>
+            <p:cNvSpPr/>
+            <p:nvPr/>
+          </p:nvSpPr>
+          <p:spPr>
+            <a:xfrm>
+              <a:off x="3933117" y="2537937"/>
+              <a:ext cx="197403" cy="600915"/>
+            </a:xfrm>
+            <a:prstGeom prst="rect">
+              <a:avLst/>
+            </a:prstGeom>
+            <a:solidFill>
+              <a:schemeClr val="accent4">
+                <a:alpha val="58000"/>
+              </a:schemeClr>
+            </a:solidFill>
+            <a:ln>
+              <a:solidFill>
+                <a:schemeClr val="bg2">
+                  <a:lumMod val="50000"/>
+                </a:schemeClr>
+              </a:solidFill>
+            </a:ln>
+          </p:spPr>
+          <p:style>
+            <a:lnRef idx="2">
+              <a:schemeClr val="accent1">
+                <a:shade val="15000"/>
+              </a:schemeClr>
+            </a:lnRef>
+            <a:fillRef idx="1">
+              <a:schemeClr val="accent1"/>
+            </a:fillRef>
+            <a:effectRef idx="0">
+              <a:schemeClr val="accent1"/>
+            </a:effectRef>
+            <a:fontRef idx="minor">
+              <a:schemeClr val="lt1"/>
+            </a:fontRef>
+          </p:style>
+          <p:txBody>
+            <a:bodyPr rtlCol="0" anchor="ctr"/>
+            <a:lstStyle/>
+            <a:p>
+              <a:pPr algn="ctr"/>
+              <a:endParaRPr lang="en-US" dirty="0"/>
+            </a:p>
+          </p:txBody>
+        </p:sp>
+        <p:sp>
+          <p:nvSpPr>
+            <p:cNvPr id="6" name="Rectangle 5">
+              <a:extLst>
+                <a:ext uri="{FF2B5EF4-FFF2-40B4-BE49-F238E27FC236}">
+                  <a16:creationId xmlns:a16="http://schemas.microsoft.com/office/drawing/2014/main" id="{213F8196-0439-8F97-2D90-4868A8C14AA2}"/>
+                </a:ext>
+              </a:extLst>
+            </p:cNvPr>
+            <p:cNvSpPr/>
+            <p:nvPr/>
+          </p:nvSpPr>
+          <p:spPr>
+            <a:xfrm rot="16200000">
+              <a:off x="4414016" y="2567630"/>
+              <a:ext cx="75369" cy="557123"/>
+            </a:xfrm>
+            <a:prstGeom prst="rect">
+              <a:avLst/>
+            </a:prstGeom>
+            <a:solidFill>
+              <a:schemeClr val="accent4">
+                <a:alpha val="58000"/>
+              </a:schemeClr>
+            </a:solidFill>
+            <a:ln>
+              <a:solidFill>
+                <a:schemeClr val="bg2">
+                  <a:lumMod val="50000"/>
+                </a:schemeClr>
+              </a:solidFill>
+            </a:ln>
+          </p:spPr>
+          <p:style>
+            <a:lnRef idx="2">
+              <a:schemeClr val="accent1">
+                <a:shade val="15000"/>
+              </a:schemeClr>
+            </a:lnRef>
+            <a:fillRef idx="1">
+              <a:schemeClr val="accent1"/>
+            </a:fillRef>
+            <a:effectRef idx="0">
+              <a:schemeClr val="accent1"/>
+            </a:effectRef>
+            <a:fontRef idx="minor">
+              <a:schemeClr val="lt1"/>
+            </a:fontRef>
+          </p:style>
+          <p:txBody>
+            <a:bodyPr rtlCol="0" anchor="ctr"/>
+            <a:lstStyle/>
+            <a:p>
+              <a:pPr algn="ctr"/>
+              <a:endParaRPr lang="en-US" dirty="0"/>
+            </a:p>
+          </p:txBody>
+        </p:sp>
+        <p:cxnSp>
+          <p:nvCxnSpPr>
+            <p:cNvPr id="7" name="Straight Arrow Connector 6">
+              <a:extLst>
+                <a:ext uri="{FF2B5EF4-FFF2-40B4-BE49-F238E27FC236}">
+                  <a16:creationId xmlns:a16="http://schemas.microsoft.com/office/drawing/2014/main" id="{B3A6D2FF-2DEC-C6E9-6E86-3A584BF35F7A}"/>
+                </a:ext>
+              </a:extLst>
+            </p:cNvPr>
+            <p:cNvCxnSpPr>
+              <a:cxnSpLocks/>
+            </p:cNvCxnSpPr>
+            <p:nvPr/>
+          </p:nvCxnSpPr>
+          <p:spPr>
+            <a:xfrm>
+              <a:off x="2745265" y="2808507"/>
+              <a:ext cx="391112" cy="0"/>
+            </a:xfrm>
+            <a:prstGeom prst="straightConnector1">
+              <a:avLst/>
+            </a:prstGeom>
+            <a:ln>
+              <a:solidFill>
+                <a:schemeClr val="tx1"/>
+              </a:solidFill>
+              <a:tailEnd type="triangle"/>
+            </a:ln>
+          </p:spPr>
+          <p:style>
+            <a:lnRef idx="2">
+              <a:schemeClr val="accent1"/>
+            </a:lnRef>
+            <a:fillRef idx="0">
+              <a:schemeClr val="accent1"/>
+            </a:fillRef>
+            <a:effectRef idx="1">
+              <a:schemeClr val="accent1"/>
+            </a:effectRef>
+            <a:fontRef idx="minor">
+              <a:schemeClr val="tx1"/>
+            </a:fontRef>
+          </p:style>
+        </p:cxnSp>
+      </p:grpSp>
     </p:spTree>
     <p:extLst>
       <p:ext uri="{BB962C8B-B14F-4D97-AF65-F5344CB8AC3E}">

--- a/Homework-aAlphaBio.pptx
+++ b/Homework-aAlphaBio.pptx
@@ -10,11 +10,11 @@
     <p:sldId id="325" r:id="rId4"/>
     <p:sldId id="328" r:id="rId5"/>
     <p:sldId id="333" r:id="rId6"/>
-    <p:sldId id="334" r:id="rId7"/>
-    <p:sldId id="257" r:id="rId8"/>
-    <p:sldId id="258" r:id="rId9"/>
-    <p:sldId id="335" r:id="rId10"/>
-    <p:sldId id="336" r:id="rId11"/>
+    <p:sldId id="336" r:id="rId7"/>
+    <p:sldId id="334" r:id="rId8"/>
+    <p:sldId id="257" r:id="rId9"/>
+    <p:sldId id="258" r:id="rId10"/>
+    <p:sldId id="335" r:id="rId11"/>
     <p:sldId id="337" r:id="rId12"/>
     <p:sldId id="330" r:id="rId13"/>
     <p:sldId id="329" r:id="rId14"/>
@@ -3447,10 +3447,365 @@
           <a:chExt cx="0" cy="0"/>
         </a:xfrm>
       </p:grpSpPr>
+      <p:grpSp>
+        <p:nvGrpSpPr>
+          <p:cNvPr id="8" name="Group 7">
+            <a:extLst>
+              <a:ext uri="{FF2B5EF4-FFF2-40B4-BE49-F238E27FC236}">
+                <a16:creationId xmlns:a16="http://schemas.microsoft.com/office/drawing/2014/main" id="{C0434CF7-A283-2E47-7026-4A512CD8547A}"/>
+              </a:ext>
+            </a:extLst>
+          </p:cNvPr>
+          <p:cNvGrpSpPr/>
+          <p:nvPr/>
+        </p:nvGrpSpPr>
+        <p:grpSpPr>
+          <a:xfrm>
+            <a:off x="2745265" y="1617784"/>
+            <a:ext cx="1984997" cy="2242039"/>
+            <a:chOff x="2745265" y="1617784"/>
+            <a:chExt cx="1984997" cy="2242039"/>
+          </a:xfrm>
+        </p:grpSpPr>
+        <p:sp>
+          <p:nvSpPr>
+            <p:cNvPr id="2" name="Rectangle 1">
+              <a:extLst>
+                <a:ext uri="{FF2B5EF4-FFF2-40B4-BE49-F238E27FC236}">
+                  <a16:creationId xmlns:a16="http://schemas.microsoft.com/office/drawing/2014/main" id="{C9EC799C-6315-6FBC-44EF-B3BA08648387}"/>
+                </a:ext>
+              </a:extLst>
+            </p:cNvPr>
+            <p:cNvSpPr/>
+            <p:nvPr/>
+          </p:nvSpPr>
+          <p:spPr>
+            <a:xfrm>
+              <a:off x="3209931" y="1617784"/>
+              <a:ext cx="197399" cy="2242039"/>
+            </a:xfrm>
+            <a:prstGeom prst="rect">
+              <a:avLst/>
+            </a:prstGeom>
+            <a:solidFill>
+              <a:schemeClr val="accent4">
+                <a:alpha val="58000"/>
+              </a:schemeClr>
+            </a:solidFill>
+            <a:ln>
+              <a:solidFill>
+                <a:schemeClr val="bg2">
+                  <a:lumMod val="50000"/>
+                </a:schemeClr>
+              </a:solidFill>
+            </a:ln>
+          </p:spPr>
+          <p:style>
+            <a:lnRef idx="2">
+              <a:schemeClr val="accent1">
+                <a:shade val="15000"/>
+              </a:schemeClr>
+            </a:lnRef>
+            <a:fillRef idx="1">
+              <a:schemeClr val="accent1"/>
+            </a:fillRef>
+            <a:effectRef idx="0">
+              <a:schemeClr val="accent1"/>
+            </a:effectRef>
+            <a:fontRef idx="minor">
+              <a:schemeClr val="lt1"/>
+            </a:fontRef>
+          </p:style>
+          <p:txBody>
+            <a:bodyPr rtlCol="0" anchor="ctr"/>
+            <a:lstStyle/>
+            <a:p>
+              <a:pPr algn="ctr"/>
+              <a:endParaRPr lang="en-US" dirty="0"/>
+            </a:p>
+          </p:txBody>
+        </p:sp>
+        <p:sp>
+          <p:nvSpPr>
+            <p:cNvPr id="3" name="Rectangle 2">
+              <a:extLst>
+                <a:ext uri="{FF2B5EF4-FFF2-40B4-BE49-F238E27FC236}">
+                  <a16:creationId xmlns:a16="http://schemas.microsoft.com/office/drawing/2014/main" id="{AB378311-44E7-5FD4-4420-3DEE1468F9D1}"/>
+                </a:ext>
+              </a:extLst>
+            </p:cNvPr>
+            <p:cNvSpPr/>
+            <p:nvPr/>
+          </p:nvSpPr>
+          <p:spPr>
+            <a:xfrm>
+              <a:off x="3453921" y="1922476"/>
+              <a:ext cx="197403" cy="1699955"/>
+            </a:xfrm>
+            <a:prstGeom prst="rect">
+              <a:avLst/>
+            </a:prstGeom>
+            <a:solidFill>
+              <a:schemeClr val="accent4">
+                <a:alpha val="58000"/>
+              </a:schemeClr>
+            </a:solidFill>
+            <a:ln>
+              <a:solidFill>
+                <a:schemeClr val="bg2">
+                  <a:lumMod val="50000"/>
+                </a:schemeClr>
+              </a:solidFill>
+            </a:ln>
+          </p:spPr>
+          <p:style>
+            <a:lnRef idx="2">
+              <a:schemeClr val="accent1">
+                <a:shade val="15000"/>
+              </a:schemeClr>
+            </a:lnRef>
+            <a:fillRef idx="1">
+              <a:schemeClr val="accent1"/>
+            </a:fillRef>
+            <a:effectRef idx="0">
+              <a:schemeClr val="accent1"/>
+            </a:effectRef>
+            <a:fontRef idx="minor">
+              <a:schemeClr val="lt1"/>
+            </a:fontRef>
+          </p:style>
+          <p:txBody>
+            <a:bodyPr rtlCol="0" anchor="ctr"/>
+            <a:lstStyle/>
+            <a:p>
+              <a:pPr algn="ctr"/>
+              <a:endParaRPr lang="en-US" dirty="0"/>
+            </a:p>
+          </p:txBody>
+        </p:sp>
+        <p:sp>
+          <p:nvSpPr>
+            <p:cNvPr id="4" name="Rectangle 3">
+              <a:extLst>
+                <a:ext uri="{FF2B5EF4-FFF2-40B4-BE49-F238E27FC236}">
+                  <a16:creationId xmlns:a16="http://schemas.microsoft.com/office/drawing/2014/main" id="{72785462-D7F0-1C23-6249-BBFEDB767315}"/>
+                </a:ext>
+              </a:extLst>
+            </p:cNvPr>
+            <p:cNvSpPr/>
+            <p:nvPr/>
+          </p:nvSpPr>
+          <p:spPr>
+            <a:xfrm>
+              <a:off x="3697915" y="2291753"/>
+              <a:ext cx="197403" cy="1137247"/>
+            </a:xfrm>
+            <a:prstGeom prst="rect">
+              <a:avLst/>
+            </a:prstGeom>
+            <a:solidFill>
+              <a:schemeClr val="accent4">
+                <a:alpha val="58000"/>
+              </a:schemeClr>
+            </a:solidFill>
+            <a:ln>
+              <a:solidFill>
+                <a:schemeClr val="bg2">
+                  <a:lumMod val="50000"/>
+                </a:schemeClr>
+              </a:solidFill>
+            </a:ln>
+          </p:spPr>
+          <p:style>
+            <a:lnRef idx="2">
+              <a:schemeClr val="accent1">
+                <a:shade val="15000"/>
+              </a:schemeClr>
+            </a:lnRef>
+            <a:fillRef idx="1">
+              <a:schemeClr val="accent1"/>
+            </a:fillRef>
+            <a:effectRef idx="0">
+              <a:schemeClr val="accent1"/>
+            </a:effectRef>
+            <a:fontRef idx="minor">
+              <a:schemeClr val="lt1"/>
+            </a:fontRef>
+          </p:style>
+          <p:txBody>
+            <a:bodyPr rtlCol="0" anchor="ctr"/>
+            <a:lstStyle/>
+            <a:p>
+              <a:pPr algn="ctr"/>
+              <a:endParaRPr lang="en-US" dirty="0"/>
+            </a:p>
+          </p:txBody>
+        </p:sp>
+        <p:sp>
+          <p:nvSpPr>
+            <p:cNvPr id="5" name="Rectangle 4">
+              <a:extLst>
+                <a:ext uri="{FF2B5EF4-FFF2-40B4-BE49-F238E27FC236}">
+                  <a16:creationId xmlns:a16="http://schemas.microsoft.com/office/drawing/2014/main" id="{D41DC3D8-6B18-B938-F6DA-7AACCD2512A5}"/>
+                </a:ext>
+              </a:extLst>
+            </p:cNvPr>
+            <p:cNvSpPr/>
+            <p:nvPr/>
+          </p:nvSpPr>
+          <p:spPr>
+            <a:xfrm>
+              <a:off x="3933117" y="2537937"/>
+              <a:ext cx="197403" cy="600915"/>
+            </a:xfrm>
+            <a:prstGeom prst="rect">
+              <a:avLst/>
+            </a:prstGeom>
+            <a:solidFill>
+              <a:schemeClr val="accent4">
+                <a:alpha val="58000"/>
+              </a:schemeClr>
+            </a:solidFill>
+            <a:ln>
+              <a:solidFill>
+                <a:schemeClr val="bg2">
+                  <a:lumMod val="50000"/>
+                </a:schemeClr>
+              </a:solidFill>
+            </a:ln>
+          </p:spPr>
+          <p:style>
+            <a:lnRef idx="2">
+              <a:schemeClr val="accent1">
+                <a:shade val="15000"/>
+              </a:schemeClr>
+            </a:lnRef>
+            <a:fillRef idx="1">
+              <a:schemeClr val="accent1"/>
+            </a:fillRef>
+            <a:effectRef idx="0">
+              <a:schemeClr val="accent1"/>
+            </a:effectRef>
+            <a:fontRef idx="minor">
+              <a:schemeClr val="lt1"/>
+            </a:fontRef>
+          </p:style>
+          <p:txBody>
+            <a:bodyPr rtlCol="0" anchor="ctr"/>
+            <a:lstStyle/>
+            <a:p>
+              <a:pPr algn="ctr"/>
+              <a:endParaRPr lang="en-US" dirty="0"/>
+            </a:p>
+          </p:txBody>
+        </p:sp>
+        <p:sp>
+          <p:nvSpPr>
+            <p:cNvPr id="6" name="Rectangle 5">
+              <a:extLst>
+                <a:ext uri="{FF2B5EF4-FFF2-40B4-BE49-F238E27FC236}">
+                  <a16:creationId xmlns:a16="http://schemas.microsoft.com/office/drawing/2014/main" id="{213F8196-0439-8F97-2D90-4868A8C14AA2}"/>
+                </a:ext>
+              </a:extLst>
+            </p:cNvPr>
+            <p:cNvSpPr/>
+            <p:nvPr/>
+          </p:nvSpPr>
+          <p:spPr>
+            <a:xfrm rot="16200000">
+              <a:off x="4414016" y="2567630"/>
+              <a:ext cx="75369" cy="557123"/>
+            </a:xfrm>
+            <a:prstGeom prst="rect">
+              <a:avLst/>
+            </a:prstGeom>
+            <a:solidFill>
+              <a:schemeClr val="accent4">
+                <a:alpha val="58000"/>
+              </a:schemeClr>
+            </a:solidFill>
+            <a:ln>
+              <a:solidFill>
+                <a:schemeClr val="bg2">
+                  <a:lumMod val="50000"/>
+                </a:schemeClr>
+              </a:solidFill>
+            </a:ln>
+          </p:spPr>
+          <p:style>
+            <a:lnRef idx="2">
+              <a:schemeClr val="accent1">
+                <a:shade val="15000"/>
+              </a:schemeClr>
+            </a:lnRef>
+            <a:fillRef idx="1">
+              <a:schemeClr val="accent1"/>
+            </a:fillRef>
+            <a:effectRef idx="0">
+              <a:schemeClr val="accent1"/>
+            </a:effectRef>
+            <a:fontRef idx="minor">
+              <a:schemeClr val="lt1"/>
+            </a:fontRef>
+          </p:style>
+          <p:txBody>
+            <a:bodyPr rtlCol="0" anchor="ctr"/>
+            <a:lstStyle/>
+            <a:p>
+              <a:pPr algn="ctr"/>
+              <a:endParaRPr lang="en-US" dirty="0"/>
+            </a:p>
+          </p:txBody>
+        </p:sp>
+        <p:cxnSp>
+          <p:nvCxnSpPr>
+            <p:cNvPr id="7" name="Straight Arrow Connector 6">
+              <a:extLst>
+                <a:ext uri="{FF2B5EF4-FFF2-40B4-BE49-F238E27FC236}">
+                  <a16:creationId xmlns:a16="http://schemas.microsoft.com/office/drawing/2014/main" id="{B3A6D2FF-2DEC-C6E9-6E86-3A584BF35F7A}"/>
+                </a:ext>
+              </a:extLst>
+            </p:cNvPr>
+            <p:cNvCxnSpPr>
+              <a:cxnSpLocks/>
+            </p:cNvCxnSpPr>
+            <p:nvPr/>
+          </p:nvCxnSpPr>
+          <p:spPr>
+            <a:xfrm>
+              <a:off x="2745265" y="2808507"/>
+              <a:ext cx="391112" cy="0"/>
+            </a:xfrm>
+            <a:prstGeom prst="straightConnector1">
+              <a:avLst/>
+            </a:prstGeom>
+            <a:ln>
+              <a:solidFill>
+                <a:schemeClr val="tx1"/>
+              </a:solidFill>
+              <a:tailEnd type="triangle"/>
+            </a:ln>
+          </p:spPr>
+          <p:style>
+            <a:lnRef idx="2">
+              <a:schemeClr val="accent1"/>
+            </a:lnRef>
+            <a:fillRef idx="0">
+              <a:schemeClr val="accent1"/>
+            </a:fillRef>
+            <a:effectRef idx="1">
+              <a:schemeClr val="accent1"/>
+            </a:effectRef>
+            <a:fontRef idx="minor">
+              <a:schemeClr val="tx1"/>
+            </a:fontRef>
+          </p:style>
+        </p:cxnSp>
+      </p:grpSp>
     </p:spTree>
     <p:extLst>
       <p:ext uri="{BB962C8B-B14F-4D97-AF65-F5344CB8AC3E}">
-        <p14:creationId xmlns:p14="http://schemas.microsoft.com/office/powerpoint/2010/main" val="658684484"/>
+        <p14:creationId xmlns:p14="http://schemas.microsoft.com/office/powerpoint/2010/main" val="1146156093"/>
       </p:ext>
     </p:extLst>
   </p:cSld>
@@ -19214,7 +19569,7 @@
         </p:nvSpPr>
         <p:spPr>
           <a:xfrm>
-            <a:off x="140127" y="221836"/>
+            <a:off x="0" y="42099"/>
             <a:ext cx="3165995" cy="461665"/>
           </a:xfrm>
           <a:prstGeom prst="rect">
@@ -19503,7 +19858,7 @@
         </p:blipFill>
         <p:spPr>
           <a:xfrm>
-            <a:off x="5167306" y="4159472"/>
+            <a:off x="6289551" y="3900819"/>
             <a:ext cx="3602098" cy="1152050"/>
           </a:xfrm>
           <a:prstGeom prst="rect">
@@ -19540,7 +19895,7 @@
         </p:blipFill>
         <p:spPr>
           <a:xfrm>
-            <a:off x="5167306" y="5482491"/>
+            <a:off x="6289551" y="5223838"/>
             <a:ext cx="3602098" cy="1287429"/>
           </a:xfrm>
           <a:prstGeom prst="rect">
@@ -19639,7 +19994,7 @@
         </p:nvSpPr>
         <p:spPr>
           <a:xfrm>
-            <a:off x="8769404" y="4550831"/>
+            <a:off x="9891649" y="4292178"/>
             <a:ext cx="2191626" cy="369332"/>
           </a:xfrm>
           <a:prstGeom prst="rect">
@@ -19674,7 +20029,7 @@
         </p:nvSpPr>
         <p:spPr>
           <a:xfrm>
-            <a:off x="8769404" y="5941539"/>
+            <a:off x="9891649" y="5682886"/>
             <a:ext cx="1614929" cy="369332"/>
           </a:xfrm>
           <a:prstGeom prst="rect">
@@ -19839,6 +20194,614 @@
 </file>
 
 <file path=ppt/slides/slide6.xml><?xml version="1.0" encoding="utf-8"?>
+<p:sld xmlns:a="http://schemas.openxmlformats.org/drawingml/2006/main" xmlns:r="http://schemas.openxmlformats.org/officeDocument/2006/relationships" xmlns:p="http://schemas.openxmlformats.org/presentationml/2006/main">
+  <p:cSld>
+    <p:spTree>
+      <p:nvGrpSpPr>
+        <p:cNvPr id="1" name=""/>
+        <p:cNvGrpSpPr/>
+        <p:nvPr/>
+      </p:nvGrpSpPr>
+      <p:grpSpPr>
+        <a:xfrm>
+          <a:off x="0" y="0"/>
+          <a:ext cx="0" cy="0"/>
+          <a:chOff x="0" y="0"/>
+          <a:chExt cx="0" cy="0"/>
+        </a:xfrm>
+      </p:grpSpPr>
+      <p:pic>
+        <p:nvPicPr>
+          <p:cNvPr id="2" name="Picture 1">
+            <a:extLst>
+              <a:ext uri="{FF2B5EF4-FFF2-40B4-BE49-F238E27FC236}">
+                <a16:creationId xmlns:a16="http://schemas.microsoft.com/office/drawing/2014/main" id="{13D72AEF-BCEE-0137-2692-6CE2806A8BD0}"/>
+              </a:ext>
+            </a:extLst>
+          </p:cNvPr>
+          <p:cNvPicPr>
+            <a:picLocks noChangeAspect="1"/>
+          </p:cNvPicPr>
+          <p:nvPr/>
+        </p:nvPicPr>
+        <p:blipFill>
+          <a:blip r:embed="rId2"/>
+          <a:stretch>
+            <a:fillRect/>
+          </a:stretch>
+        </p:blipFill>
+        <p:spPr>
+          <a:xfrm>
+            <a:off x="1389780" y="3615546"/>
+            <a:ext cx="2651352" cy="2638605"/>
+          </a:xfrm>
+          <a:prstGeom prst="rect">
+            <a:avLst/>
+          </a:prstGeom>
+        </p:spPr>
+      </p:pic>
+      <p:sp>
+        <p:nvSpPr>
+          <p:cNvPr id="3" name="TextBox 2">
+            <a:extLst>
+              <a:ext uri="{FF2B5EF4-FFF2-40B4-BE49-F238E27FC236}">
+                <a16:creationId xmlns:a16="http://schemas.microsoft.com/office/drawing/2014/main" id="{E9FDD25F-6501-8CA5-89EF-C711D6688400}"/>
+              </a:ext>
+            </a:extLst>
+          </p:cNvPr>
+          <p:cNvSpPr txBox="1"/>
+          <p:nvPr/>
+        </p:nvSpPr>
+        <p:spPr>
+          <a:xfrm>
+            <a:off x="1389781" y="992038"/>
+            <a:ext cx="5728491" cy="369332"/>
+          </a:xfrm>
+          <a:prstGeom prst="rect">
+            <a:avLst/>
+          </a:prstGeom>
+          <a:noFill/>
+        </p:spPr>
+        <p:txBody>
+          <a:bodyPr wrap="none" rtlCol="0">
+            <a:spAutoFit/>
+          </a:bodyPr>
+          <a:lstStyle/>
+          <a:p>
+            <a:r>
+              <a:rPr lang="en-US" dirty="0"/>
+              <a:t>aa sequence: </a:t>
+            </a:r>
+            <a:r>
+              <a:rPr lang="en-US" b="0" i="0" dirty="0">
+                <a:effectLst/>
+              </a:rPr>
+              <a:t> ['CLS', 'Q', 'V', 'Q', 'L', 'V', ‘Q, …, ‘PAD’, ‘PAD’]</a:t>
+            </a:r>
+            <a:endParaRPr lang="en-US" dirty="0"/>
+          </a:p>
+        </p:txBody>
+      </p:sp>
+      <p:sp>
+        <p:nvSpPr>
+          <p:cNvPr id="5" name="TextBox 4">
+            <a:extLst>
+              <a:ext uri="{FF2B5EF4-FFF2-40B4-BE49-F238E27FC236}">
+                <a16:creationId xmlns:a16="http://schemas.microsoft.com/office/drawing/2014/main" id="{155D5DCD-DEEC-39C6-6802-35236D434F1B}"/>
+              </a:ext>
+            </a:extLst>
+          </p:cNvPr>
+          <p:cNvSpPr txBox="1"/>
+          <p:nvPr/>
+        </p:nvSpPr>
+        <p:spPr>
+          <a:xfrm>
+            <a:off x="1389781" y="1683491"/>
+            <a:ext cx="4653838" cy="369332"/>
+          </a:xfrm>
+          <a:prstGeom prst="rect">
+            <a:avLst/>
+          </a:prstGeom>
+          <a:noFill/>
+        </p:spPr>
+        <p:txBody>
+          <a:bodyPr wrap="none" rtlCol="0">
+            <a:spAutoFit/>
+          </a:bodyPr>
+          <a:lstStyle/>
+          <a:p>
+            <a:r>
+              <a:rPr lang="en-US" dirty="0"/>
+              <a:t>encoded: </a:t>
+            </a:r>
+            <a:r>
+              <a:rPr lang="en-US" b="0" i="0" dirty="0">
+                <a:effectLst/>
+              </a:rPr>
+              <a:t>[ 0, 14, 18, 14, 10, 18, 14, …, 23, 23]</a:t>
+            </a:r>
+            <a:endParaRPr lang="en-US" dirty="0"/>
+          </a:p>
+        </p:txBody>
+      </p:sp>
+      <p:sp>
+        <p:nvSpPr>
+          <p:cNvPr id="6" name="TextBox 5">
+            <a:extLst>
+              <a:ext uri="{FF2B5EF4-FFF2-40B4-BE49-F238E27FC236}">
+                <a16:creationId xmlns:a16="http://schemas.microsoft.com/office/drawing/2014/main" id="{0FBB4CDD-25CA-0CF2-05D8-0166E2F0CA55}"/>
+              </a:ext>
+            </a:extLst>
+          </p:cNvPr>
+          <p:cNvSpPr txBox="1"/>
+          <p:nvPr/>
+        </p:nvSpPr>
+        <p:spPr>
+          <a:xfrm>
+            <a:off x="1389781" y="2374219"/>
+            <a:ext cx="8807924" cy="369332"/>
+          </a:xfrm>
+          <a:prstGeom prst="rect">
+            <a:avLst/>
+          </a:prstGeom>
+          <a:noFill/>
+        </p:spPr>
+        <p:txBody>
+          <a:bodyPr wrap="none" rtlCol="0">
+            <a:spAutoFit/>
+          </a:bodyPr>
+          <a:lstStyle/>
+          <a:p>
+            <a:r>
+              <a:rPr lang="en-US" b="0" i="0" dirty="0">
+                <a:effectLst/>
+              </a:rPr>
+              <a:t>binary: [000000000000110100010010000011010000010000…]    (using 8-bits per token)</a:t>
+            </a:r>
+            <a:endParaRPr lang="en-US" dirty="0"/>
+          </a:p>
+        </p:txBody>
+      </p:sp>
+      <p:sp>
+        <p:nvSpPr>
+          <p:cNvPr id="7" name="TextBox 6">
+            <a:extLst>
+              <a:ext uri="{FF2B5EF4-FFF2-40B4-BE49-F238E27FC236}">
+                <a16:creationId xmlns:a16="http://schemas.microsoft.com/office/drawing/2014/main" id="{B46F76B6-E938-FE65-CE90-2F5BDE5886EB}"/>
+              </a:ext>
+            </a:extLst>
+          </p:cNvPr>
+          <p:cNvSpPr txBox="1"/>
+          <p:nvPr/>
+        </p:nvSpPr>
+        <p:spPr>
+          <a:xfrm>
+            <a:off x="148753" y="101886"/>
+            <a:ext cx="6100453" cy="461665"/>
+          </a:xfrm>
+          <a:prstGeom prst="rect">
+            <a:avLst/>
+          </a:prstGeom>
+          <a:noFill/>
+        </p:spPr>
+        <p:txBody>
+          <a:bodyPr wrap="none" rtlCol="0">
+            <a:spAutoFit/>
+          </a:bodyPr>
+          <a:lstStyle/>
+          <a:p>
+            <a:r>
+              <a:rPr lang="en-US" sz="2400" dirty="0"/>
+              <a:t>Treat the </a:t>
+            </a:r>
+            <a:r>
+              <a:rPr lang="en-US" sz="2400" dirty="0" err="1"/>
+              <a:t>scFv</a:t>
+            </a:r>
+            <a:r>
+              <a:rPr lang="en-US" sz="2400" dirty="0"/>
+              <a:t> aa sequences as a B&amp;W image</a:t>
+            </a:r>
+          </a:p>
+        </p:txBody>
+      </p:sp>
+      <p:cxnSp>
+        <p:nvCxnSpPr>
+          <p:cNvPr id="9" name="Curved Connector 8">
+            <a:extLst>
+              <a:ext uri="{FF2B5EF4-FFF2-40B4-BE49-F238E27FC236}">
+                <a16:creationId xmlns:a16="http://schemas.microsoft.com/office/drawing/2014/main" id="{82820658-53FA-DD3B-39DC-7302B329DA04}"/>
+              </a:ext>
+            </a:extLst>
+          </p:cNvPr>
+          <p:cNvCxnSpPr>
+            <a:cxnSpLocks/>
+            <a:stCxn id="3" idx="1"/>
+            <a:endCxn id="5" idx="1"/>
+          </p:cNvCxnSpPr>
+          <p:nvPr/>
+        </p:nvCxnSpPr>
+        <p:spPr>
+          <a:xfrm rot="10800000" flipV="1">
+            <a:off x="1389781" y="1176703"/>
+            <a:ext cx="12700" cy="691453"/>
+          </a:xfrm>
+          <a:prstGeom prst="curvedConnector3">
+            <a:avLst>
+              <a:gd name="adj1" fmla="val 1800000"/>
+            </a:avLst>
+          </a:prstGeom>
+          <a:ln>
+            <a:tailEnd type="triangle" w="lg" len="lg"/>
+          </a:ln>
+        </p:spPr>
+        <p:style>
+          <a:lnRef idx="2">
+            <a:schemeClr val="accent1"/>
+          </a:lnRef>
+          <a:fillRef idx="0">
+            <a:schemeClr val="accent1"/>
+          </a:fillRef>
+          <a:effectRef idx="1">
+            <a:schemeClr val="accent1"/>
+          </a:effectRef>
+          <a:fontRef idx="minor">
+            <a:schemeClr val="tx1"/>
+          </a:fontRef>
+        </p:style>
+      </p:cxnSp>
+      <p:cxnSp>
+        <p:nvCxnSpPr>
+          <p:cNvPr id="11" name="Curved Connector 10">
+            <a:extLst>
+              <a:ext uri="{FF2B5EF4-FFF2-40B4-BE49-F238E27FC236}">
+                <a16:creationId xmlns:a16="http://schemas.microsoft.com/office/drawing/2014/main" id="{75342AFA-FBFA-F9AD-8AC3-B9BAB0848A16}"/>
+              </a:ext>
+            </a:extLst>
+          </p:cNvPr>
+          <p:cNvCxnSpPr>
+            <a:cxnSpLocks/>
+            <a:stCxn id="5" idx="1"/>
+            <a:endCxn id="6" idx="1"/>
+          </p:cNvCxnSpPr>
+          <p:nvPr/>
+        </p:nvCxnSpPr>
+        <p:spPr>
+          <a:xfrm rot="10800000" flipV="1">
+            <a:off x="1389781" y="1868157"/>
+            <a:ext cx="12700" cy="690728"/>
+          </a:xfrm>
+          <a:prstGeom prst="curvedConnector3">
+            <a:avLst>
+              <a:gd name="adj1" fmla="val 1800000"/>
+            </a:avLst>
+          </a:prstGeom>
+          <a:ln>
+            <a:tailEnd type="triangle" w="lg" len="lg"/>
+          </a:ln>
+        </p:spPr>
+        <p:style>
+          <a:lnRef idx="2">
+            <a:schemeClr val="accent1"/>
+          </a:lnRef>
+          <a:fillRef idx="0">
+            <a:schemeClr val="accent1"/>
+          </a:fillRef>
+          <a:effectRef idx="1">
+            <a:schemeClr val="accent1"/>
+          </a:effectRef>
+          <a:fontRef idx="minor">
+            <a:schemeClr val="tx1"/>
+          </a:fontRef>
+        </p:style>
+      </p:cxnSp>
+      <p:sp>
+        <p:nvSpPr>
+          <p:cNvPr id="15" name="TextBox 14">
+            <a:extLst>
+              <a:ext uri="{FF2B5EF4-FFF2-40B4-BE49-F238E27FC236}">
+                <a16:creationId xmlns:a16="http://schemas.microsoft.com/office/drawing/2014/main" id="{49C96ADA-8EDD-82DB-6425-07FC116B3FCD}"/>
+              </a:ext>
+            </a:extLst>
+          </p:cNvPr>
+          <p:cNvSpPr txBox="1"/>
+          <p:nvPr/>
+        </p:nvSpPr>
+        <p:spPr>
+          <a:xfrm>
+            <a:off x="7737231" y="981985"/>
+            <a:ext cx="2356479" cy="369332"/>
+          </a:xfrm>
+          <a:prstGeom prst="rect">
+            <a:avLst/>
+          </a:prstGeom>
+          <a:noFill/>
+        </p:spPr>
+        <p:txBody>
+          <a:bodyPr wrap="none" rtlCol="0">
+            <a:spAutoFit/>
+          </a:bodyPr>
+          <a:lstStyle/>
+          <a:p>
+            <a:r>
+              <a:rPr lang="en-US" dirty="0"/>
+              <a:t>(use </a:t>
+            </a:r>
+            <a:r>
+              <a:rPr lang="en-US" dirty="0" err="1"/>
+              <a:t>block_size</a:t>
+            </a:r>
+            <a:r>
+              <a:rPr lang="en-US" dirty="0"/>
+              <a:t> = 265)</a:t>
+            </a:r>
+          </a:p>
+        </p:txBody>
+      </p:sp>
+      <p:cxnSp>
+        <p:nvCxnSpPr>
+          <p:cNvPr id="20" name="Straight Arrow Connector 19">
+            <a:extLst>
+              <a:ext uri="{FF2B5EF4-FFF2-40B4-BE49-F238E27FC236}">
+                <a16:creationId xmlns:a16="http://schemas.microsoft.com/office/drawing/2014/main" id="{33F2553E-D858-87E9-D35A-54F54488FDCF}"/>
+              </a:ext>
+            </a:extLst>
+          </p:cNvPr>
+          <p:cNvCxnSpPr>
+            <a:cxnSpLocks/>
+            <a:endCxn id="2" idx="0"/>
+          </p:cNvCxnSpPr>
+          <p:nvPr/>
+        </p:nvCxnSpPr>
+        <p:spPr>
+          <a:xfrm>
+            <a:off x="2715456" y="2811916"/>
+            <a:ext cx="0" cy="803630"/>
+          </a:xfrm>
+          <a:prstGeom prst="straightConnector1">
+            <a:avLst/>
+          </a:prstGeom>
+          <a:ln>
+            <a:tailEnd type="triangle"/>
+          </a:ln>
+        </p:spPr>
+        <p:style>
+          <a:lnRef idx="2">
+            <a:schemeClr val="accent1"/>
+          </a:lnRef>
+          <a:fillRef idx="0">
+            <a:schemeClr val="accent1"/>
+          </a:fillRef>
+          <a:effectRef idx="1">
+            <a:schemeClr val="accent1"/>
+          </a:effectRef>
+          <a:fontRef idx="minor">
+            <a:schemeClr val="tx1"/>
+          </a:fontRef>
+        </p:style>
+      </p:cxnSp>
+      <p:sp>
+        <p:nvSpPr>
+          <p:cNvPr id="24" name="TextBox 23">
+            <a:extLst>
+              <a:ext uri="{FF2B5EF4-FFF2-40B4-BE49-F238E27FC236}">
+                <a16:creationId xmlns:a16="http://schemas.microsoft.com/office/drawing/2014/main" id="{B26A3E11-8473-4A37-4C69-7B241757DAF2}"/>
+              </a:ext>
+            </a:extLst>
+          </p:cNvPr>
+          <p:cNvSpPr txBox="1"/>
+          <p:nvPr/>
+        </p:nvSpPr>
+        <p:spPr>
+          <a:xfrm>
+            <a:off x="2759635" y="3011480"/>
+            <a:ext cx="5017527" cy="369332"/>
+          </a:xfrm>
+          <a:prstGeom prst="rect">
+            <a:avLst/>
+          </a:prstGeom>
+          <a:noFill/>
+        </p:spPr>
+        <p:txBody>
+          <a:bodyPr wrap="none" rtlCol="0">
+            <a:spAutoFit/>
+          </a:bodyPr>
+          <a:lstStyle/>
+          <a:p>
+            <a:r>
+              <a:rPr lang="en-US" dirty="0"/>
+              <a:t>reshape: (1,46,46) </a:t>
+            </a:r>
+            <a:r>
+              <a:rPr lang="en-US" sz="1400" dirty="0"/>
+              <a:t>(first, trim off trailing 4 bits from above)</a:t>
+            </a:r>
+          </a:p>
+        </p:txBody>
+      </p:sp>
+      <p:sp>
+        <p:nvSpPr>
+          <p:cNvPr id="25" name="TextBox 24">
+            <a:extLst>
+              <a:ext uri="{FF2B5EF4-FFF2-40B4-BE49-F238E27FC236}">
+                <a16:creationId xmlns:a16="http://schemas.microsoft.com/office/drawing/2014/main" id="{8A84EC52-354B-6026-AE1F-4CC252F95C53}"/>
+              </a:ext>
+            </a:extLst>
+          </p:cNvPr>
+          <p:cNvSpPr txBox="1"/>
+          <p:nvPr/>
+        </p:nvSpPr>
+        <p:spPr>
+          <a:xfrm>
+            <a:off x="7118272" y="5495565"/>
+            <a:ext cx="4779706" cy="1169551"/>
+          </a:xfrm>
+          <a:prstGeom prst="rect">
+            <a:avLst/>
+          </a:prstGeom>
+          <a:noFill/>
+        </p:spPr>
+        <p:txBody>
+          <a:bodyPr wrap="none" rtlCol="0">
+            <a:spAutoFit/>
+          </a:bodyPr>
+          <a:lstStyle/>
+          <a:p>
+            <a:r>
+              <a:rPr lang="en-US" sz="1400" dirty="0"/>
+              <a:t>stretch goals? </a:t>
+            </a:r>
+          </a:p>
+          <a:p>
+            <a:pPr marL="285750" indent="-285750">
+              <a:buFont typeface="Arial" panose="020B0604020202020204" pitchFamily="34" charset="0"/>
+              <a:buChar char="•"/>
+            </a:pPr>
+            <a:r>
+              <a:rPr lang="en-US" sz="1400" dirty="0"/>
+              <a:t>add some inductive bias:</a:t>
+            </a:r>
+          </a:p>
+          <a:p>
+            <a:pPr marL="742950" lvl="1" indent="-285750">
+              <a:buFont typeface="Arial" panose="020B0604020202020204" pitchFamily="34" charset="0"/>
+              <a:buChar char="•"/>
+            </a:pPr>
+            <a:r>
+              <a:rPr lang="en-US" sz="1400" dirty="0"/>
+              <a:t>add 2</a:t>
+            </a:r>
+            <a:r>
+              <a:rPr lang="en-US" sz="1400" baseline="30000" dirty="0"/>
+              <a:t>nd</a:t>
+            </a:r>
+            <a:r>
+              <a:rPr lang="en-US" sz="1400" dirty="0"/>
+              <a:t> channel for variability in aa sequence</a:t>
+            </a:r>
+          </a:p>
+          <a:p>
+            <a:pPr marL="742950" lvl="1" indent="-285750">
+              <a:buFont typeface="Arial" panose="020B0604020202020204" pitchFamily="34" charset="0"/>
+              <a:buChar char="•"/>
+            </a:pPr>
+            <a:r>
+              <a:rPr lang="en-US" sz="1400" dirty="0"/>
+              <a:t>add 3</a:t>
+            </a:r>
+            <a:r>
+              <a:rPr lang="en-US" sz="1400" baseline="30000" dirty="0"/>
+              <a:t>rd</a:t>
+            </a:r>
+            <a:r>
+              <a:rPr lang="en-US" sz="1400" dirty="0"/>
+              <a:t> channel for aa groups (polar, </a:t>
+            </a:r>
+            <a:r>
+              <a:rPr lang="en-US" sz="1400" dirty="0" err="1"/>
+              <a:t>hyrdophobic</a:t>
+            </a:r>
+            <a:r>
+              <a:rPr lang="en-US" sz="1400" dirty="0"/>
+              <a:t>)</a:t>
+            </a:r>
+          </a:p>
+          <a:p>
+            <a:pPr marL="285750" indent="-285750">
+              <a:buFont typeface="Arial" panose="020B0604020202020204" pitchFamily="34" charset="0"/>
+              <a:buChar char="•"/>
+            </a:pPr>
+            <a:r>
+              <a:rPr lang="en-US" sz="1400" dirty="0"/>
+              <a:t>Try vision-transformer on these images?</a:t>
+            </a:r>
+          </a:p>
+        </p:txBody>
+      </p:sp>
+      <p:sp>
+        <p:nvSpPr>
+          <p:cNvPr id="26" name="TextBox 25">
+            <a:extLst>
+              <a:ext uri="{FF2B5EF4-FFF2-40B4-BE49-F238E27FC236}">
+                <a16:creationId xmlns:a16="http://schemas.microsoft.com/office/drawing/2014/main" id="{6C423AA7-8846-61D8-5D84-61D9DFC52729}"/>
+              </a:ext>
+            </a:extLst>
+          </p:cNvPr>
+          <p:cNvSpPr txBox="1"/>
+          <p:nvPr/>
+        </p:nvSpPr>
+        <p:spPr>
+          <a:xfrm>
+            <a:off x="4114800" y="4114450"/>
+            <a:ext cx="4105676" cy="369332"/>
+          </a:xfrm>
+          <a:prstGeom prst="rect">
+            <a:avLst/>
+          </a:prstGeom>
+          <a:noFill/>
+        </p:spPr>
+        <p:txBody>
+          <a:bodyPr wrap="none" rtlCol="0">
+            <a:spAutoFit/>
+          </a:bodyPr>
+          <a:lstStyle/>
+          <a:p>
+            <a:r>
+              <a:rPr lang="en-US" dirty="0"/>
+              <a:t>CNN regression model on these images</a:t>
+            </a:r>
+          </a:p>
+        </p:txBody>
+      </p:sp>
+      <p:sp>
+        <p:nvSpPr>
+          <p:cNvPr id="27" name="TextBox 26">
+            <a:extLst>
+              <a:ext uri="{FF2B5EF4-FFF2-40B4-BE49-F238E27FC236}">
+                <a16:creationId xmlns:a16="http://schemas.microsoft.com/office/drawing/2014/main" id="{6A7A9A3B-870D-C756-01C3-8F6EAA0F260B}"/>
+              </a:ext>
+            </a:extLst>
+          </p:cNvPr>
+          <p:cNvSpPr txBox="1"/>
+          <p:nvPr/>
+        </p:nvSpPr>
+        <p:spPr>
+          <a:xfrm>
+            <a:off x="4114800" y="4483782"/>
+            <a:ext cx="7480574" cy="307777"/>
+          </a:xfrm>
+          <a:prstGeom prst="rect">
+            <a:avLst/>
+          </a:prstGeom>
+          <a:noFill/>
+        </p:spPr>
+        <p:txBody>
+          <a:bodyPr wrap="none" rtlCol="0">
+            <a:spAutoFit/>
+          </a:bodyPr>
+          <a:lstStyle/>
+          <a:p>
+            <a:r>
+              <a:rPr lang="en-US" sz="1400" dirty="0"/>
+              <a:t>(since any two images differs by at most a few bits, this is a bit of a needle-in-haystack problem)</a:t>
+            </a:r>
+          </a:p>
+        </p:txBody>
+      </p:sp>
+    </p:spTree>
+    <p:extLst>
+      <p:ext uri="{BB962C8B-B14F-4D97-AF65-F5344CB8AC3E}">
+        <p14:creationId xmlns:p14="http://schemas.microsoft.com/office/powerpoint/2010/main" val="658684484"/>
+      </p:ext>
+    </p:extLst>
+  </p:cSld>
+  <p:clrMapOvr>
+    <a:masterClrMapping/>
+  </p:clrMapOvr>
+</p:sld>
+</file>
+
+<file path=ppt/slides/slide7.xml><?xml version="1.0" encoding="utf-8"?>
 <p:sld xmlns:a="http://schemas.openxmlformats.org/drawingml/2006/main" xmlns:r="http://schemas.openxmlformats.org/officeDocument/2006/relationships" xmlns:p="http://schemas.openxmlformats.org/presentationml/2006/main">
   <p:cSld>
     <p:spTree>
@@ -20606,7 +21569,7 @@
 </p:sld>
 </file>
 
-<file path=ppt/slides/slide7.xml><?xml version="1.0" encoding="utf-8"?>
+<file path=ppt/slides/slide8.xml><?xml version="1.0" encoding="utf-8"?>
 <p:sld xmlns:a="http://schemas.openxmlformats.org/drawingml/2006/main" xmlns:r="http://schemas.openxmlformats.org/officeDocument/2006/relationships" xmlns:p="http://schemas.openxmlformats.org/presentationml/2006/main">
   <p:cSld>
     <p:spTree>
@@ -21009,7 +21972,7 @@
 </p:sld>
 </file>
 
-<file path=ppt/slides/slide8.xml><?xml version="1.0" encoding="utf-8"?>
+<file path=ppt/slides/slide9.xml><?xml version="1.0" encoding="utf-8"?>
 <p:sld xmlns:a="http://schemas.openxmlformats.org/drawingml/2006/main" xmlns:r="http://schemas.openxmlformats.org/officeDocument/2006/relationships" xmlns:p="http://schemas.openxmlformats.org/presentationml/2006/main">
   <p:cSld>
     <p:spTree>
@@ -21388,391 +22351,6 @@
     <p:extLst>
       <p:ext uri="{BB962C8B-B14F-4D97-AF65-F5344CB8AC3E}">
         <p14:creationId xmlns:p14="http://schemas.microsoft.com/office/powerpoint/2010/main" val="3339313360"/>
-      </p:ext>
-    </p:extLst>
-  </p:cSld>
-  <p:clrMapOvr>
-    <a:masterClrMapping/>
-  </p:clrMapOvr>
-</p:sld>
-</file>
-
-<file path=ppt/slides/slide9.xml><?xml version="1.0" encoding="utf-8"?>
-<p:sld xmlns:a="http://schemas.openxmlformats.org/drawingml/2006/main" xmlns:r="http://schemas.openxmlformats.org/officeDocument/2006/relationships" xmlns:p="http://schemas.openxmlformats.org/presentationml/2006/main">
-  <p:cSld>
-    <p:spTree>
-      <p:nvGrpSpPr>
-        <p:cNvPr id="1" name=""/>
-        <p:cNvGrpSpPr/>
-        <p:nvPr/>
-      </p:nvGrpSpPr>
-      <p:grpSpPr>
-        <a:xfrm>
-          <a:off x="0" y="0"/>
-          <a:ext cx="0" cy="0"/>
-          <a:chOff x="0" y="0"/>
-          <a:chExt cx="0" cy="0"/>
-        </a:xfrm>
-      </p:grpSpPr>
-      <p:grpSp>
-        <p:nvGrpSpPr>
-          <p:cNvPr id="8" name="Group 7">
-            <a:extLst>
-              <a:ext uri="{FF2B5EF4-FFF2-40B4-BE49-F238E27FC236}">
-                <a16:creationId xmlns:a16="http://schemas.microsoft.com/office/drawing/2014/main" id="{C0434CF7-A283-2E47-7026-4A512CD8547A}"/>
-              </a:ext>
-            </a:extLst>
-          </p:cNvPr>
-          <p:cNvGrpSpPr/>
-          <p:nvPr/>
-        </p:nvGrpSpPr>
-        <p:grpSpPr>
-          <a:xfrm>
-            <a:off x="2745265" y="1617784"/>
-            <a:ext cx="1984997" cy="2242039"/>
-            <a:chOff x="2745265" y="1617784"/>
-            <a:chExt cx="1984997" cy="2242039"/>
-          </a:xfrm>
-        </p:grpSpPr>
-        <p:sp>
-          <p:nvSpPr>
-            <p:cNvPr id="2" name="Rectangle 1">
-              <a:extLst>
-                <a:ext uri="{FF2B5EF4-FFF2-40B4-BE49-F238E27FC236}">
-                  <a16:creationId xmlns:a16="http://schemas.microsoft.com/office/drawing/2014/main" id="{C9EC799C-6315-6FBC-44EF-B3BA08648387}"/>
-                </a:ext>
-              </a:extLst>
-            </p:cNvPr>
-            <p:cNvSpPr/>
-            <p:nvPr/>
-          </p:nvSpPr>
-          <p:spPr>
-            <a:xfrm>
-              <a:off x="3209931" y="1617784"/>
-              <a:ext cx="197399" cy="2242039"/>
-            </a:xfrm>
-            <a:prstGeom prst="rect">
-              <a:avLst/>
-            </a:prstGeom>
-            <a:solidFill>
-              <a:schemeClr val="accent4">
-                <a:alpha val="58000"/>
-              </a:schemeClr>
-            </a:solidFill>
-            <a:ln>
-              <a:solidFill>
-                <a:schemeClr val="bg2">
-                  <a:lumMod val="50000"/>
-                </a:schemeClr>
-              </a:solidFill>
-            </a:ln>
-          </p:spPr>
-          <p:style>
-            <a:lnRef idx="2">
-              <a:schemeClr val="accent1">
-                <a:shade val="15000"/>
-              </a:schemeClr>
-            </a:lnRef>
-            <a:fillRef idx="1">
-              <a:schemeClr val="accent1"/>
-            </a:fillRef>
-            <a:effectRef idx="0">
-              <a:schemeClr val="accent1"/>
-            </a:effectRef>
-            <a:fontRef idx="minor">
-              <a:schemeClr val="lt1"/>
-            </a:fontRef>
-          </p:style>
-          <p:txBody>
-            <a:bodyPr rtlCol="0" anchor="ctr"/>
-            <a:lstStyle/>
-            <a:p>
-              <a:pPr algn="ctr"/>
-              <a:endParaRPr lang="en-US" dirty="0"/>
-            </a:p>
-          </p:txBody>
-        </p:sp>
-        <p:sp>
-          <p:nvSpPr>
-            <p:cNvPr id="3" name="Rectangle 2">
-              <a:extLst>
-                <a:ext uri="{FF2B5EF4-FFF2-40B4-BE49-F238E27FC236}">
-                  <a16:creationId xmlns:a16="http://schemas.microsoft.com/office/drawing/2014/main" id="{AB378311-44E7-5FD4-4420-3DEE1468F9D1}"/>
-                </a:ext>
-              </a:extLst>
-            </p:cNvPr>
-            <p:cNvSpPr/>
-            <p:nvPr/>
-          </p:nvSpPr>
-          <p:spPr>
-            <a:xfrm>
-              <a:off x="3453921" y="1922476"/>
-              <a:ext cx="197403" cy="1699955"/>
-            </a:xfrm>
-            <a:prstGeom prst="rect">
-              <a:avLst/>
-            </a:prstGeom>
-            <a:solidFill>
-              <a:schemeClr val="accent4">
-                <a:alpha val="58000"/>
-              </a:schemeClr>
-            </a:solidFill>
-            <a:ln>
-              <a:solidFill>
-                <a:schemeClr val="bg2">
-                  <a:lumMod val="50000"/>
-                </a:schemeClr>
-              </a:solidFill>
-            </a:ln>
-          </p:spPr>
-          <p:style>
-            <a:lnRef idx="2">
-              <a:schemeClr val="accent1">
-                <a:shade val="15000"/>
-              </a:schemeClr>
-            </a:lnRef>
-            <a:fillRef idx="1">
-              <a:schemeClr val="accent1"/>
-            </a:fillRef>
-            <a:effectRef idx="0">
-              <a:schemeClr val="accent1"/>
-            </a:effectRef>
-            <a:fontRef idx="minor">
-              <a:schemeClr val="lt1"/>
-            </a:fontRef>
-          </p:style>
-          <p:txBody>
-            <a:bodyPr rtlCol="0" anchor="ctr"/>
-            <a:lstStyle/>
-            <a:p>
-              <a:pPr algn="ctr"/>
-              <a:endParaRPr lang="en-US" dirty="0"/>
-            </a:p>
-          </p:txBody>
-        </p:sp>
-        <p:sp>
-          <p:nvSpPr>
-            <p:cNvPr id="4" name="Rectangle 3">
-              <a:extLst>
-                <a:ext uri="{FF2B5EF4-FFF2-40B4-BE49-F238E27FC236}">
-                  <a16:creationId xmlns:a16="http://schemas.microsoft.com/office/drawing/2014/main" id="{72785462-D7F0-1C23-6249-BBFEDB767315}"/>
-                </a:ext>
-              </a:extLst>
-            </p:cNvPr>
-            <p:cNvSpPr/>
-            <p:nvPr/>
-          </p:nvSpPr>
-          <p:spPr>
-            <a:xfrm>
-              <a:off x="3697915" y="2291753"/>
-              <a:ext cx="197403" cy="1137247"/>
-            </a:xfrm>
-            <a:prstGeom prst="rect">
-              <a:avLst/>
-            </a:prstGeom>
-            <a:solidFill>
-              <a:schemeClr val="accent4">
-                <a:alpha val="58000"/>
-              </a:schemeClr>
-            </a:solidFill>
-            <a:ln>
-              <a:solidFill>
-                <a:schemeClr val="bg2">
-                  <a:lumMod val="50000"/>
-                </a:schemeClr>
-              </a:solidFill>
-            </a:ln>
-          </p:spPr>
-          <p:style>
-            <a:lnRef idx="2">
-              <a:schemeClr val="accent1">
-                <a:shade val="15000"/>
-              </a:schemeClr>
-            </a:lnRef>
-            <a:fillRef idx="1">
-              <a:schemeClr val="accent1"/>
-            </a:fillRef>
-            <a:effectRef idx="0">
-              <a:schemeClr val="accent1"/>
-            </a:effectRef>
-            <a:fontRef idx="minor">
-              <a:schemeClr val="lt1"/>
-            </a:fontRef>
-          </p:style>
-          <p:txBody>
-            <a:bodyPr rtlCol="0" anchor="ctr"/>
-            <a:lstStyle/>
-            <a:p>
-              <a:pPr algn="ctr"/>
-              <a:endParaRPr lang="en-US" dirty="0"/>
-            </a:p>
-          </p:txBody>
-        </p:sp>
-        <p:sp>
-          <p:nvSpPr>
-            <p:cNvPr id="5" name="Rectangle 4">
-              <a:extLst>
-                <a:ext uri="{FF2B5EF4-FFF2-40B4-BE49-F238E27FC236}">
-                  <a16:creationId xmlns:a16="http://schemas.microsoft.com/office/drawing/2014/main" id="{D41DC3D8-6B18-B938-F6DA-7AACCD2512A5}"/>
-                </a:ext>
-              </a:extLst>
-            </p:cNvPr>
-            <p:cNvSpPr/>
-            <p:nvPr/>
-          </p:nvSpPr>
-          <p:spPr>
-            <a:xfrm>
-              <a:off x="3933117" y="2537937"/>
-              <a:ext cx="197403" cy="600915"/>
-            </a:xfrm>
-            <a:prstGeom prst="rect">
-              <a:avLst/>
-            </a:prstGeom>
-            <a:solidFill>
-              <a:schemeClr val="accent4">
-                <a:alpha val="58000"/>
-              </a:schemeClr>
-            </a:solidFill>
-            <a:ln>
-              <a:solidFill>
-                <a:schemeClr val="bg2">
-                  <a:lumMod val="50000"/>
-                </a:schemeClr>
-              </a:solidFill>
-            </a:ln>
-          </p:spPr>
-          <p:style>
-            <a:lnRef idx="2">
-              <a:schemeClr val="accent1">
-                <a:shade val="15000"/>
-              </a:schemeClr>
-            </a:lnRef>
-            <a:fillRef idx="1">
-              <a:schemeClr val="accent1"/>
-            </a:fillRef>
-            <a:effectRef idx="0">
-              <a:schemeClr val="accent1"/>
-            </a:effectRef>
-            <a:fontRef idx="minor">
-              <a:schemeClr val="lt1"/>
-            </a:fontRef>
-          </p:style>
-          <p:txBody>
-            <a:bodyPr rtlCol="0" anchor="ctr"/>
-            <a:lstStyle/>
-            <a:p>
-              <a:pPr algn="ctr"/>
-              <a:endParaRPr lang="en-US" dirty="0"/>
-            </a:p>
-          </p:txBody>
-        </p:sp>
-        <p:sp>
-          <p:nvSpPr>
-            <p:cNvPr id="6" name="Rectangle 5">
-              <a:extLst>
-                <a:ext uri="{FF2B5EF4-FFF2-40B4-BE49-F238E27FC236}">
-                  <a16:creationId xmlns:a16="http://schemas.microsoft.com/office/drawing/2014/main" id="{213F8196-0439-8F97-2D90-4868A8C14AA2}"/>
-                </a:ext>
-              </a:extLst>
-            </p:cNvPr>
-            <p:cNvSpPr/>
-            <p:nvPr/>
-          </p:nvSpPr>
-          <p:spPr>
-            <a:xfrm rot="16200000">
-              <a:off x="4414016" y="2567630"/>
-              <a:ext cx="75369" cy="557123"/>
-            </a:xfrm>
-            <a:prstGeom prst="rect">
-              <a:avLst/>
-            </a:prstGeom>
-            <a:solidFill>
-              <a:schemeClr val="accent4">
-                <a:alpha val="58000"/>
-              </a:schemeClr>
-            </a:solidFill>
-            <a:ln>
-              <a:solidFill>
-                <a:schemeClr val="bg2">
-                  <a:lumMod val="50000"/>
-                </a:schemeClr>
-              </a:solidFill>
-            </a:ln>
-          </p:spPr>
-          <p:style>
-            <a:lnRef idx="2">
-              <a:schemeClr val="accent1">
-                <a:shade val="15000"/>
-              </a:schemeClr>
-            </a:lnRef>
-            <a:fillRef idx="1">
-              <a:schemeClr val="accent1"/>
-            </a:fillRef>
-            <a:effectRef idx="0">
-              <a:schemeClr val="accent1"/>
-            </a:effectRef>
-            <a:fontRef idx="minor">
-              <a:schemeClr val="lt1"/>
-            </a:fontRef>
-          </p:style>
-          <p:txBody>
-            <a:bodyPr rtlCol="0" anchor="ctr"/>
-            <a:lstStyle/>
-            <a:p>
-              <a:pPr algn="ctr"/>
-              <a:endParaRPr lang="en-US" dirty="0"/>
-            </a:p>
-          </p:txBody>
-        </p:sp>
-        <p:cxnSp>
-          <p:nvCxnSpPr>
-            <p:cNvPr id="7" name="Straight Arrow Connector 6">
-              <a:extLst>
-                <a:ext uri="{FF2B5EF4-FFF2-40B4-BE49-F238E27FC236}">
-                  <a16:creationId xmlns:a16="http://schemas.microsoft.com/office/drawing/2014/main" id="{B3A6D2FF-2DEC-C6E9-6E86-3A584BF35F7A}"/>
-                </a:ext>
-              </a:extLst>
-            </p:cNvPr>
-            <p:cNvCxnSpPr>
-              <a:cxnSpLocks/>
-            </p:cNvCxnSpPr>
-            <p:nvPr/>
-          </p:nvCxnSpPr>
-          <p:spPr>
-            <a:xfrm>
-              <a:off x="2745265" y="2808507"/>
-              <a:ext cx="391112" cy="0"/>
-            </a:xfrm>
-            <a:prstGeom prst="straightConnector1">
-              <a:avLst/>
-            </a:prstGeom>
-            <a:ln>
-              <a:solidFill>
-                <a:schemeClr val="tx1"/>
-              </a:solidFill>
-              <a:tailEnd type="triangle"/>
-            </a:ln>
-          </p:spPr>
-          <p:style>
-            <a:lnRef idx="2">
-              <a:schemeClr val="accent1"/>
-            </a:lnRef>
-            <a:fillRef idx="0">
-              <a:schemeClr val="accent1"/>
-            </a:fillRef>
-            <a:effectRef idx="1">
-              <a:schemeClr val="accent1"/>
-            </a:effectRef>
-            <a:fontRef idx="minor">
-              <a:schemeClr val="tx1"/>
-            </a:fontRef>
-          </p:style>
-        </p:cxnSp>
-      </p:grpSp>
-    </p:spTree>
-    <p:extLst>
-      <p:ext uri="{BB962C8B-B14F-4D97-AF65-F5344CB8AC3E}">
-        <p14:creationId xmlns:p14="http://schemas.microsoft.com/office/powerpoint/2010/main" val="1146156093"/>
       </p:ext>
     </p:extLst>
   </p:cSld>

--- a/Homework-aAlphaBio.pptx
+++ b/Homework-aAlphaBio.pptx
@@ -6,11 +6,11 @@
   </p:sldMasterIdLst>
   <p:sldIdLst>
     <p:sldId id="326" r:id="rId2"/>
-    <p:sldId id="320" r:id="rId3"/>
-    <p:sldId id="325" r:id="rId4"/>
-    <p:sldId id="328" r:id="rId5"/>
-    <p:sldId id="333" r:id="rId6"/>
-    <p:sldId id="336" r:id="rId7"/>
+    <p:sldId id="325" r:id="rId3"/>
+    <p:sldId id="328" r:id="rId4"/>
+    <p:sldId id="333" r:id="rId5"/>
+    <p:sldId id="336" r:id="rId6"/>
+    <p:sldId id="320" r:id="rId7"/>
     <p:sldId id="334" r:id="rId8"/>
     <p:sldId id="257" r:id="rId9"/>
     <p:sldId id="258" r:id="rId10"/>
@@ -17943,7 +17943,7 @@
           <p:cNvPr id="2" name="TextBox 1">
             <a:extLst>
               <a:ext uri="{FF2B5EF4-FFF2-40B4-BE49-F238E27FC236}">
-                <a16:creationId xmlns:a16="http://schemas.microsoft.com/office/drawing/2014/main" id="{A6B8D544-62FB-BED5-1F3D-8DE1F9A51DC3}"/>
+                <a16:creationId xmlns:a16="http://schemas.microsoft.com/office/drawing/2014/main" id="{E758D5CD-18BF-EE2E-47E2-E832CEE7988E}"/>
               </a:ext>
             </a:extLst>
           </p:cNvPr>
@@ -17953,7 +17953,7 @@
         <p:spPr>
           <a:xfrm>
             <a:off x="140127" y="221836"/>
-            <a:ext cx="4721421" cy="461665"/>
+            <a:ext cx="2440476" cy="461665"/>
           </a:xfrm>
           <a:prstGeom prst="rect">
             <a:avLst/>
@@ -17968,7 +17968,7 @@
           <a:p>
             <a:r>
               <a:rPr lang="en-US" sz="2400" dirty="0"/>
-              <a:t>Relevant literature, code, and data</a:t>
+              <a:t>Data set analysis</a:t>
             </a:r>
           </a:p>
         </p:txBody>
@@ -17978,7 +17978,7 @@
           <p:cNvPr id="3" name="TextBox 2">
             <a:extLst>
               <a:ext uri="{FF2B5EF4-FFF2-40B4-BE49-F238E27FC236}">
-                <a16:creationId xmlns:a16="http://schemas.microsoft.com/office/drawing/2014/main" id="{9750003C-8501-0DA4-F28D-311FF3F150A4}"/>
+                <a16:creationId xmlns:a16="http://schemas.microsoft.com/office/drawing/2014/main" id="{D8B95F42-7908-E503-6060-6100B97ECD43}"/>
               </a:ext>
             </a:extLst>
           </p:cNvPr>
@@ -17987,8 +17987,8 @@
         </p:nvSpPr>
         <p:spPr>
           <a:xfrm>
-            <a:off x="774013" y="886174"/>
-            <a:ext cx="9574610" cy="5909310"/>
+            <a:off x="986118" y="941294"/>
+            <a:ext cx="3857659" cy="923330"/>
           </a:xfrm>
           <a:prstGeom prst="rect">
             <a:avLst/>
@@ -17996,7 +17996,7 @@
           <a:noFill/>
         </p:spPr>
         <p:txBody>
-          <a:bodyPr wrap="square" rtlCol="0">
+          <a:bodyPr wrap="none" rtlCol="0">
             <a:spAutoFit/>
           </a:bodyPr>
           <a:lstStyle/>
@@ -18007,22 +18007,18 @@
             </a:pPr>
             <a:r>
               <a:rPr lang="en-US" dirty="0"/>
-              <a:t>BERT : </a:t>
-            </a:r>
-            <a:r>
-              <a:rPr lang="en-US" dirty="0">
-                <a:hlinkClick r:id="rId2"/>
-              </a:rPr>
-              <a:t>https://aclanthology.org/N19-1423.pdf</a:t>
-            </a:r>
-            <a:endParaRPr lang="en-US" dirty="0"/>
+              <a:t>nans</a:t>
+            </a:r>
           </a:p>
           <a:p>
             <a:pPr marL="285750" indent="-285750">
               <a:buFont typeface="Arial" panose="020B0604020202020204" pitchFamily="34" charset="0"/>
               <a:buChar char="•"/>
             </a:pPr>
-            <a:endParaRPr lang="en-US" dirty="0"/>
+            <a:r>
+              <a:rPr lang="en-US" dirty="0"/>
+              <a:t>dups</a:t>
+            </a:r>
           </a:p>
           <a:p>
             <a:pPr marL="285750" indent="-285750">
@@ -18030,276 +18026,16 @@
               <a:buChar char="•"/>
             </a:pPr>
             <a:r>
-              <a:rPr lang="en-US" dirty="0" err="1"/>
-              <a:t>ProteinBERT</a:t>
-            </a:r>
-            <a:r>
               <a:rPr lang="en-US" dirty="0"/>
-              <a:t> : </a:t>
-            </a:r>
-            <a:r>
-              <a:rPr lang="en-US" dirty="0">
-                <a:hlinkClick r:id="rId3"/>
-              </a:rPr>
-              <a:t>https://doi.org/10.1093/bioinformatics/btac020</a:t>
-            </a:r>
-            <a:endParaRPr lang="en-US" dirty="0"/>
-          </a:p>
-          <a:p>
-            <a:endParaRPr lang="en-US" dirty="0"/>
-          </a:p>
-          <a:p>
-            <a:pPr marL="285750" indent="-285750">
-              <a:buFont typeface="Arial" panose="020B0604020202020204" pitchFamily="34" charset="0"/>
-              <a:buChar char="•"/>
-            </a:pPr>
-            <a:r>
-              <a:rPr lang="en-US" dirty="0"/>
-              <a:t>Code partially taken from:</a:t>
-            </a:r>
-          </a:p>
-          <a:p>
-            <a:pPr marL="742950" lvl="1" indent="-285750">
-              <a:buFont typeface="Arial" panose="020B0604020202020204" pitchFamily="34" charset="0"/>
-              <a:buChar char="•"/>
-            </a:pPr>
-            <a:r>
-              <a:rPr lang="en-US" dirty="0"/>
-              <a:t>Barney Hill : </a:t>
-            </a:r>
-            <a:r>
-              <a:rPr lang="en-US" b="0" dirty="0">
-                <a:effectLst/>
-                <a:hlinkClick r:id="rId4"/>
-              </a:rPr>
-              <a:t>https://github.com/barneyhill/minBERT</a:t>
-            </a:r>
-            <a:endParaRPr lang="en-US" b="0" dirty="0">
-              <a:effectLst/>
-            </a:endParaRPr>
-          </a:p>
-          <a:p>
-            <a:pPr marL="742950" lvl="1" indent="-285750">
-              <a:buFont typeface="Arial" panose="020B0604020202020204" pitchFamily="34" charset="0"/>
-              <a:buChar char="•"/>
-            </a:pPr>
-            <a:r>
-              <a:rPr lang="en-US" dirty="0"/>
-              <a:t>Andrej </a:t>
-            </a:r>
-            <a:r>
-              <a:rPr lang="en-US" dirty="0" err="1"/>
-              <a:t>Karpathy</a:t>
-            </a:r>
-            <a:r>
-              <a:rPr lang="en-US" dirty="0"/>
-              <a:t>: </a:t>
-            </a:r>
-            <a:r>
-              <a:rPr lang="en-US" b="0" dirty="0">
-                <a:effectLst/>
-                <a:hlinkClick r:id="rId5"/>
-              </a:rPr>
-              <a:t>https://github.com/karpathy/minGPT</a:t>
-            </a:r>
-            <a:endParaRPr lang="en-US" b="0" dirty="0">
-              <a:effectLst/>
-            </a:endParaRPr>
-          </a:p>
-          <a:p>
-            <a:pPr marL="742950" lvl="1" indent="-285750">
-              <a:buFont typeface="Arial" panose="020B0604020202020204" pitchFamily="34" charset="0"/>
-              <a:buChar char="•"/>
-            </a:pPr>
-            <a:r>
-              <a:rPr lang="en-US" dirty="0"/>
-              <a:t>my Table Transformer code (from real-estate automated valuation model development)</a:t>
-            </a:r>
-          </a:p>
-          <a:p>
-            <a:pPr marL="742950" lvl="1" indent="-285750">
-              <a:buFont typeface="Arial" panose="020B0604020202020204" pitchFamily="34" charset="0"/>
-              <a:buChar char="•"/>
-            </a:pPr>
-            <a:endParaRPr lang="en-US" dirty="0"/>
-          </a:p>
-          <a:p>
-            <a:pPr marL="285750" indent="-285750">
-              <a:buFont typeface="Arial" panose="020B0604020202020204" pitchFamily="34" charset="0"/>
-              <a:buChar char="•"/>
-            </a:pPr>
-            <a:r>
-              <a:rPr lang="en-US" dirty="0"/>
-              <a:t>A</a:t>
-            </a:r>
-            <a:r>
-              <a:rPr lang="en-US" b="0" dirty="0">
-                <a:effectLst/>
-              </a:rPr>
-              <a:t>-Alpha Bio:</a:t>
-            </a:r>
-          </a:p>
-          <a:p>
-            <a:pPr marL="742950" lvl="1" indent="-285750">
-              <a:buFont typeface="Arial" panose="020B0604020202020204" pitchFamily="34" charset="0"/>
-              <a:buChar char="•"/>
-            </a:pPr>
-            <a:r>
-              <a:rPr lang="en-US" dirty="0"/>
-              <a:t>Nature Comm: </a:t>
-            </a:r>
-            <a:r>
-              <a:rPr lang="en-US" dirty="0">
-                <a:hlinkClick r:id="rId6"/>
-              </a:rPr>
-              <a:t>http://biorxiv.org/lookup/doi/10.1101/2022.10.07.502662</a:t>
-            </a:r>
-            <a:endParaRPr lang="en-US" dirty="0"/>
-          </a:p>
-          <a:p>
-            <a:pPr marL="742950" lvl="1" indent="-285750">
-              <a:buFont typeface="Arial" panose="020B0604020202020204" pitchFamily="34" charset="0"/>
-              <a:buChar char="•"/>
-            </a:pPr>
-            <a:r>
-              <a:rPr lang="en-US" dirty="0"/>
-              <a:t>Nature: </a:t>
-            </a:r>
-            <a:r>
-              <a:rPr lang="en-US" dirty="0">
-                <a:hlinkClick r:id="rId7"/>
-              </a:rPr>
-              <a:t>https://www.nature.com/articles/s41597-022-01779-4</a:t>
-            </a:r>
-            <a:endParaRPr lang="en-US" dirty="0"/>
-          </a:p>
-          <a:p>
-            <a:pPr marL="742950" lvl="1" indent="-285750">
-              <a:buFont typeface="Arial" panose="020B0604020202020204" pitchFamily="34" charset="0"/>
-              <a:buChar char="•"/>
-            </a:pPr>
-            <a:r>
-              <a:rPr lang="en-US" dirty="0" err="1"/>
-              <a:t>scFv</a:t>
-            </a:r>
-            <a:r>
-              <a:rPr lang="en-US" dirty="0"/>
-              <a:t> Datasets: </a:t>
-            </a:r>
-            <a:r>
-              <a:rPr lang="en-US" dirty="0">
-                <a:hlinkClick r:id="rId8"/>
-              </a:rPr>
-              <a:t>https://github.com/mit-ll/AlphaSeq_Antibody_Dataset.git</a:t>
-            </a:r>
-            <a:endParaRPr lang="en-US" b="0" dirty="0">
-              <a:effectLst/>
-            </a:endParaRPr>
-          </a:p>
-          <a:p>
-            <a:pPr marL="742950" lvl="1" indent="-285750">
-              <a:buFont typeface="Arial" panose="020B0604020202020204" pitchFamily="34" charset="0"/>
-              <a:buChar char="•"/>
-            </a:pPr>
-            <a:endParaRPr lang="en-US" dirty="0"/>
-          </a:p>
-          <a:p>
-            <a:pPr marL="285750" indent="-285750">
-              <a:buFont typeface="Arial" panose="020B0604020202020204" pitchFamily="34" charset="0"/>
-              <a:buChar char="•"/>
-            </a:pPr>
-            <a:r>
-              <a:rPr lang="en-US" b="0" dirty="0">
-                <a:effectLst/>
-              </a:rPr>
-              <a:t>Observed Antibody Space :  </a:t>
-            </a:r>
-          </a:p>
-          <a:p>
-            <a:pPr marL="742950" lvl="1" indent="-285750">
-              <a:buFont typeface="Arial" panose="020B0604020202020204" pitchFamily="34" charset="0"/>
-              <a:buChar char="•"/>
-            </a:pPr>
-            <a:r>
-              <a:rPr lang="en-US" b="0" dirty="0">
-                <a:effectLst/>
-                <a:hlinkClick r:id="rId9"/>
-              </a:rPr>
-              <a:t>https://doi.org/10.4049/jimmunol.1800708</a:t>
-            </a:r>
-            <a:endParaRPr lang="en-US" b="0" dirty="0">
-              <a:effectLst/>
-            </a:endParaRPr>
-          </a:p>
-          <a:p>
-            <a:pPr marL="742950" lvl="1" indent="-285750">
-              <a:buFont typeface="Arial" panose="020B0604020202020204" pitchFamily="34" charset="0"/>
-              <a:buChar char="•"/>
-            </a:pPr>
-            <a:r>
-              <a:rPr lang="en-US" b="0" dirty="0">
-                <a:effectLst/>
-                <a:hlinkClick r:id="rId10"/>
-              </a:rPr>
-              <a:t>https://opig.stats.ox.ac.uk/webapps/oas/</a:t>
-            </a:r>
-            <a:endParaRPr lang="en-US" b="0" dirty="0">
-              <a:effectLst/>
-            </a:endParaRPr>
-          </a:p>
-          <a:p>
-            <a:pPr marL="742950" lvl="1" indent="-285750">
-              <a:buFont typeface="Arial" panose="020B0604020202020204" pitchFamily="34" charset="0"/>
-              <a:buChar char="•"/>
-            </a:pPr>
-            <a:endParaRPr lang="en-US" dirty="0"/>
-          </a:p>
-          <a:p>
-            <a:pPr marL="285750" indent="-285750">
-              <a:buFont typeface="Arial" panose="020B0604020202020204" pitchFamily="34" charset="0"/>
-              <a:buChar char="•"/>
-            </a:pPr>
-            <a:r>
-              <a:rPr lang="en-US" dirty="0"/>
-              <a:t>My </a:t>
-            </a:r>
-            <a:r>
-              <a:rPr lang="en-US" dirty="0" err="1"/>
-              <a:t>Github</a:t>
-            </a:r>
-            <a:r>
-              <a:rPr lang="en-US" dirty="0"/>
-              <a:t> repo for this homework’s code: </a:t>
-            </a:r>
-            <a:r>
-              <a:rPr lang="en-US" dirty="0">
-                <a:solidFill>
-                  <a:srgbClr val="FF0000"/>
-                </a:solidFill>
-              </a:rPr>
-              <a:t>TODO (2 repos) </a:t>
-            </a:r>
-            <a:r>
-              <a:rPr lang="en-US" dirty="0">
-                <a:hlinkClick r:id="rId11"/>
-              </a:rPr>
-              <a:t>https://github.com/planaria158/BERT.git</a:t>
-            </a:r>
-            <a:endParaRPr lang="en-US" dirty="0"/>
-          </a:p>
-          <a:p>
-            <a:pPr marL="285750" indent="-285750">
-              <a:buFont typeface="Arial" panose="020B0604020202020204" pitchFamily="34" charset="0"/>
-              <a:buChar char="•"/>
-            </a:pPr>
-            <a:endParaRPr lang="en-US" dirty="0"/>
+              <a:t>distribution of binding affinity data</a:t>
+            </a:r>
           </a:p>
         </p:txBody>
       </p:sp>
     </p:spTree>
     <p:extLst>
       <p:ext uri="{BB962C8B-B14F-4D97-AF65-F5344CB8AC3E}">
-        <p14:creationId xmlns:p14="http://schemas.microsoft.com/office/powerpoint/2010/main" val="1592508389"/>
+        <p14:creationId xmlns:p14="http://schemas.microsoft.com/office/powerpoint/2010/main" val="2470448845"/>
       </p:ext>
     </p:extLst>
   </p:cSld>
@@ -19330,130 +19066,6 @@
           <p:cNvPr id="3" name="TextBox 2">
             <a:extLst>
               <a:ext uri="{FF2B5EF4-FFF2-40B4-BE49-F238E27FC236}">
-                <a16:creationId xmlns:a16="http://schemas.microsoft.com/office/drawing/2014/main" id="{D8B95F42-7908-E503-6060-6100B97ECD43}"/>
-              </a:ext>
-            </a:extLst>
-          </p:cNvPr>
-          <p:cNvSpPr txBox="1"/>
-          <p:nvPr/>
-        </p:nvSpPr>
-        <p:spPr>
-          <a:xfrm>
-            <a:off x="986118" y="941294"/>
-            <a:ext cx="3857659" cy="923330"/>
-          </a:xfrm>
-          <a:prstGeom prst="rect">
-            <a:avLst/>
-          </a:prstGeom>
-          <a:noFill/>
-        </p:spPr>
-        <p:txBody>
-          <a:bodyPr wrap="none" rtlCol="0">
-            <a:spAutoFit/>
-          </a:bodyPr>
-          <a:lstStyle/>
-          <a:p>
-            <a:pPr marL="285750" indent="-285750">
-              <a:buFont typeface="Arial" panose="020B0604020202020204" pitchFamily="34" charset="0"/>
-              <a:buChar char="•"/>
-            </a:pPr>
-            <a:r>
-              <a:rPr lang="en-US" dirty="0"/>
-              <a:t>nans</a:t>
-            </a:r>
-          </a:p>
-          <a:p>
-            <a:pPr marL="285750" indent="-285750">
-              <a:buFont typeface="Arial" panose="020B0604020202020204" pitchFamily="34" charset="0"/>
-              <a:buChar char="•"/>
-            </a:pPr>
-            <a:r>
-              <a:rPr lang="en-US" dirty="0"/>
-              <a:t>dups</a:t>
-            </a:r>
-          </a:p>
-          <a:p>
-            <a:pPr marL="285750" indent="-285750">
-              <a:buFont typeface="Arial" panose="020B0604020202020204" pitchFamily="34" charset="0"/>
-              <a:buChar char="•"/>
-            </a:pPr>
-            <a:r>
-              <a:rPr lang="en-US" dirty="0"/>
-              <a:t>distribution of binding affinity data</a:t>
-            </a:r>
-          </a:p>
-        </p:txBody>
-      </p:sp>
-    </p:spTree>
-    <p:extLst>
-      <p:ext uri="{BB962C8B-B14F-4D97-AF65-F5344CB8AC3E}">
-        <p14:creationId xmlns:p14="http://schemas.microsoft.com/office/powerpoint/2010/main" val="2470448845"/>
-      </p:ext>
-    </p:extLst>
-  </p:cSld>
-  <p:clrMapOvr>
-    <a:masterClrMapping/>
-  </p:clrMapOvr>
-</p:sld>
-</file>
-
-<file path=ppt/slides/slide4.xml><?xml version="1.0" encoding="utf-8"?>
-<p:sld xmlns:a="http://schemas.openxmlformats.org/drawingml/2006/main" xmlns:r="http://schemas.openxmlformats.org/officeDocument/2006/relationships" xmlns:p="http://schemas.openxmlformats.org/presentationml/2006/main">
-  <p:cSld>
-    <p:spTree>
-      <p:nvGrpSpPr>
-        <p:cNvPr id="1" name=""/>
-        <p:cNvGrpSpPr/>
-        <p:nvPr/>
-      </p:nvGrpSpPr>
-      <p:grpSpPr>
-        <a:xfrm>
-          <a:off x="0" y="0"/>
-          <a:ext cx="0" cy="0"/>
-          <a:chOff x="0" y="0"/>
-          <a:chExt cx="0" cy="0"/>
-        </a:xfrm>
-      </p:grpSpPr>
-      <p:sp>
-        <p:nvSpPr>
-          <p:cNvPr id="2" name="TextBox 1">
-            <a:extLst>
-              <a:ext uri="{FF2B5EF4-FFF2-40B4-BE49-F238E27FC236}">
-                <a16:creationId xmlns:a16="http://schemas.microsoft.com/office/drawing/2014/main" id="{E758D5CD-18BF-EE2E-47E2-E832CEE7988E}"/>
-              </a:ext>
-            </a:extLst>
-          </p:cNvPr>
-          <p:cNvSpPr txBox="1"/>
-          <p:nvPr/>
-        </p:nvSpPr>
-        <p:spPr>
-          <a:xfrm>
-            <a:off x="140127" y="221836"/>
-            <a:ext cx="2440476" cy="461665"/>
-          </a:xfrm>
-          <a:prstGeom prst="rect">
-            <a:avLst/>
-          </a:prstGeom>
-          <a:noFill/>
-        </p:spPr>
-        <p:txBody>
-          <a:bodyPr wrap="none" rtlCol="0">
-            <a:spAutoFit/>
-          </a:bodyPr>
-          <a:lstStyle/>
-          <a:p>
-            <a:r>
-              <a:rPr lang="en-US" sz="2400" dirty="0"/>
-              <a:t>Data set analysis</a:t>
-            </a:r>
-          </a:p>
-        </p:txBody>
-      </p:sp>
-      <p:sp>
-        <p:nvSpPr>
-          <p:cNvPr id="3" name="TextBox 2">
-            <a:extLst>
-              <a:ext uri="{FF2B5EF4-FFF2-40B4-BE49-F238E27FC236}">
                 <a16:creationId xmlns:a16="http://schemas.microsoft.com/office/drawing/2014/main" id="{7E599AD6-DD1F-452C-E83F-FF0E0FAF05B1}"/>
               </a:ext>
             </a:extLst>
@@ -19538,7 +19150,7 @@
 </p:sld>
 </file>
 
-<file path=ppt/slides/slide5.xml><?xml version="1.0" encoding="utf-8"?>
+<file path=ppt/slides/slide4.xml><?xml version="1.0" encoding="utf-8"?>
 <p:sld xmlns:a="http://schemas.openxmlformats.org/drawingml/2006/main" xmlns:r="http://schemas.openxmlformats.org/officeDocument/2006/relationships" xmlns:p="http://schemas.openxmlformats.org/presentationml/2006/main">
   <p:cSld>
     <p:spTree>
@@ -20193,7 +19805,7 @@
 </p:sld>
 </file>
 
-<file path=ppt/slides/slide6.xml><?xml version="1.0" encoding="utf-8"?>
+<file path=ppt/slides/slide5.xml><?xml version="1.0" encoding="utf-8"?>
 <p:sld xmlns:a="http://schemas.openxmlformats.org/drawingml/2006/main" xmlns:r="http://schemas.openxmlformats.org/officeDocument/2006/relationships" xmlns:p="http://schemas.openxmlformats.org/presentationml/2006/main">
   <p:cSld>
     <p:spTree>
@@ -20792,6 +20404,429 @@
     <p:extLst>
       <p:ext uri="{BB962C8B-B14F-4D97-AF65-F5344CB8AC3E}">
         <p14:creationId xmlns:p14="http://schemas.microsoft.com/office/powerpoint/2010/main" val="658684484"/>
+      </p:ext>
+    </p:extLst>
+  </p:cSld>
+  <p:clrMapOvr>
+    <a:masterClrMapping/>
+  </p:clrMapOvr>
+</p:sld>
+</file>
+
+<file path=ppt/slides/slide6.xml><?xml version="1.0" encoding="utf-8"?>
+<p:sld xmlns:a="http://schemas.openxmlformats.org/drawingml/2006/main" xmlns:r="http://schemas.openxmlformats.org/officeDocument/2006/relationships" xmlns:p="http://schemas.openxmlformats.org/presentationml/2006/main">
+  <p:cSld>
+    <p:spTree>
+      <p:nvGrpSpPr>
+        <p:cNvPr id="1" name=""/>
+        <p:cNvGrpSpPr/>
+        <p:nvPr/>
+      </p:nvGrpSpPr>
+      <p:grpSpPr>
+        <a:xfrm>
+          <a:off x="0" y="0"/>
+          <a:ext cx="0" cy="0"/>
+          <a:chOff x="0" y="0"/>
+          <a:chExt cx="0" cy="0"/>
+        </a:xfrm>
+      </p:grpSpPr>
+      <p:sp>
+        <p:nvSpPr>
+          <p:cNvPr id="2" name="TextBox 1">
+            <a:extLst>
+              <a:ext uri="{FF2B5EF4-FFF2-40B4-BE49-F238E27FC236}">
+                <a16:creationId xmlns:a16="http://schemas.microsoft.com/office/drawing/2014/main" id="{A6B8D544-62FB-BED5-1F3D-8DE1F9A51DC3}"/>
+              </a:ext>
+            </a:extLst>
+          </p:cNvPr>
+          <p:cNvSpPr txBox="1"/>
+          <p:nvPr/>
+        </p:nvSpPr>
+        <p:spPr>
+          <a:xfrm>
+            <a:off x="140127" y="221836"/>
+            <a:ext cx="6376297" cy="461665"/>
+          </a:xfrm>
+          <a:prstGeom prst="rect">
+            <a:avLst/>
+          </a:prstGeom>
+          <a:noFill/>
+        </p:spPr>
+        <p:txBody>
+          <a:bodyPr wrap="none" rtlCol="0">
+            <a:spAutoFit/>
+          </a:bodyPr>
+          <a:lstStyle/>
+          <a:p>
+            <a:r>
+              <a:rPr lang="en-US" sz="2400" dirty="0"/>
+              <a:t>BERT Stuff:   Relevant literature, code, and data</a:t>
+            </a:r>
+          </a:p>
+        </p:txBody>
+      </p:sp>
+      <p:sp>
+        <p:nvSpPr>
+          <p:cNvPr id="3" name="TextBox 2">
+            <a:extLst>
+              <a:ext uri="{FF2B5EF4-FFF2-40B4-BE49-F238E27FC236}">
+                <a16:creationId xmlns:a16="http://schemas.microsoft.com/office/drawing/2014/main" id="{9750003C-8501-0DA4-F28D-311FF3F150A4}"/>
+              </a:ext>
+            </a:extLst>
+          </p:cNvPr>
+          <p:cNvSpPr txBox="1"/>
+          <p:nvPr/>
+        </p:nvSpPr>
+        <p:spPr>
+          <a:xfrm>
+            <a:off x="765387" y="1291616"/>
+            <a:ext cx="9574610" cy="5016758"/>
+          </a:xfrm>
+          <a:prstGeom prst="rect">
+            <a:avLst/>
+          </a:prstGeom>
+          <a:noFill/>
+        </p:spPr>
+        <p:txBody>
+          <a:bodyPr wrap="square" rtlCol="0">
+            <a:spAutoFit/>
+          </a:bodyPr>
+          <a:lstStyle/>
+          <a:p>
+            <a:pPr marL="285750" indent="-285750">
+              <a:buFont typeface="Arial" panose="020B0604020202020204" pitchFamily="34" charset="0"/>
+              <a:buChar char="•"/>
+            </a:pPr>
+            <a:r>
+              <a:rPr lang="en-US" sz="1600" dirty="0"/>
+              <a:t>BERT : </a:t>
+            </a:r>
+            <a:r>
+              <a:rPr lang="en-US" sz="1600" dirty="0">
+                <a:hlinkClick r:id="rId2"/>
+              </a:rPr>
+              <a:t>https://aclanthology.org/N19-1423.pdf</a:t>
+            </a:r>
+            <a:endParaRPr lang="en-US" sz="1600" dirty="0"/>
+          </a:p>
+          <a:p>
+            <a:pPr marL="285750" indent="-285750">
+              <a:buFont typeface="Arial" panose="020B0604020202020204" pitchFamily="34" charset="0"/>
+              <a:buChar char="•"/>
+            </a:pPr>
+            <a:endParaRPr lang="en-US" sz="1600" dirty="0"/>
+          </a:p>
+          <a:p>
+            <a:pPr marL="285750" indent="-285750">
+              <a:buFont typeface="Arial" panose="020B0604020202020204" pitchFamily="34" charset="0"/>
+              <a:buChar char="•"/>
+            </a:pPr>
+            <a:r>
+              <a:rPr lang="en-US" sz="1600" dirty="0" err="1"/>
+              <a:t>ProteinBERT</a:t>
+            </a:r>
+            <a:r>
+              <a:rPr lang="en-US" sz="1600" dirty="0"/>
+              <a:t> : </a:t>
+            </a:r>
+            <a:r>
+              <a:rPr lang="en-US" sz="1600" dirty="0">
+                <a:hlinkClick r:id="rId3"/>
+              </a:rPr>
+              <a:t>https://doi.org/10.1093/bioinformatics/btac020</a:t>
+            </a:r>
+            <a:endParaRPr lang="en-US" sz="1600" dirty="0"/>
+          </a:p>
+          <a:p>
+            <a:endParaRPr lang="en-US" sz="1600" dirty="0"/>
+          </a:p>
+          <a:p>
+            <a:pPr marL="285750" indent="-285750">
+              <a:buFont typeface="Arial" panose="020B0604020202020204" pitchFamily="34" charset="0"/>
+              <a:buChar char="•"/>
+            </a:pPr>
+            <a:r>
+              <a:rPr lang="en-US" sz="1600" dirty="0"/>
+              <a:t>Code partially taken from:</a:t>
+            </a:r>
+          </a:p>
+          <a:p>
+            <a:pPr marL="742950" lvl="1" indent="-285750">
+              <a:buFont typeface="Arial" panose="020B0604020202020204" pitchFamily="34" charset="0"/>
+              <a:buChar char="•"/>
+            </a:pPr>
+            <a:r>
+              <a:rPr lang="en-US" sz="1600" dirty="0"/>
+              <a:t>Barney Hill : </a:t>
+            </a:r>
+            <a:r>
+              <a:rPr lang="en-US" sz="1600" b="0" dirty="0">
+                <a:effectLst/>
+                <a:hlinkClick r:id="rId4"/>
+              </a:rPr>
+              <a:t>https://github.com/barneyhill/minBERT</a:t>
+            </a:r>
+            <a:endParaRPr lang="en-US" sz="1600" b="0" dirty="0">
+              <a:effectLst/>
+            </a:endParaRPr>
+          </a:p>
+          <a:p>
+            <a:pPr marL="742950" lvl="1" indent="-285750">
+              <a:buFont typeface="Arial" panose="020B0604020202020204" pitchFamily="34" charset="0"/>
+              <a:buChar char="•"/>
+            </a:pPr>
+            <a:r>
+              <a:rPr lang="en-US" sz="1600" dirty="0"/>
+              <a:t>Andrej </a:t>
+            </a:r>
+            <a:r>
+              <a:rPr lang="en-US" sz="1600" dirty="0" err="1"/>
+              <a:t>Karpathy</a:t>
+            </a:r>
+            <a:r>
+              <a:rPr lang="en-US" sz="1600" dirty="0"/>
+              <a:t>: </a:t>
+            </a:r>
+            <a:r>
+              <a:rPr lang="en-US" sz="1600" b="0" dirty="0">
+                <a:effectLst/>
+                <a:hlinkClick r:id="rId5"/>
+              </a:rPr>
+              <a:t>https://github.com/karpathy/minGPT</a:t>
+            </a:r>
+            <a:endParaRPr lang="en-US" sz="1600" b="0" dirty="0">
+              <a:effectLst/>
+            </a:endParaRPr>
+          </a:p>
+          <a:p>
+            <a:pPr marL="742950" lvl="1" indent="-285750">
+              <a:buFont typeface="Arial" panose="020B0604020202020204" pitchFamily="34" charset="0"/>
+              <a:buChar char="•"/>
+            </a:pPr>
+            <a:r>
+              <a:rPr lang="en-US" sz="1600" dirty="0"/>
+              <a:t>my Table Transformer code (from real-estate automated valuation model development)</a:t>
+            </a:r>
+          </a:p>
+          <a:p>
+            <a:pPr marL="742950" lvl="1" indent="-285750">
+              <a:buFont typeface="Arial" panose="020B0604020202020204" pitchFamily="34" charset="0"/>
+              <a:buChar char="•"/>
+            </a:pPr>
+            <a:endParaRPr lang="en-US" sz="1600" dirty="0"/>
+          </a:p>
+          <a:p>
+            <a:pPr marL="285750" indent="-285750">
+              <a:buFont typeface="Arial" panose="020B0604020202020204" pitchFamily="34" charset="0"/>
+              <a:buChar char="•"/>
+            </a:pPr>
+            <a:r>
+              <a:rPr lang="en-US" sz="1600" dirty="0"/>
+              <a:t>A</a:t>
+            </a:r>
+            <a:r>
+              <a:rPr lang="en-US" sz="1600" b="0" dirty="0">
+                <a:effectLst/>
+              </a:rPr>
+              <a:t>-Alpha Bio:</a:t>
+            </a:r>
+          </a:p>
+          <a:p>
+            <a:pPr marL="742950" lvl="1" indent="-285750">
+              <a:buFont typeface="Arial" panose="020B0604020202020204" pitchFamily="34" charset="0"/>
+              <a:buChar char="•"/>
+            </a:pPr>
+            <a:r>
+              <a:rPr lang="en-US" sz="1600" dirty="0"/>
+              <a:t>Nature Comm: </a:t>
+            </a:r>
+            <a:r>
+              <a:rPr lang="en-US" sz="1600" dirty="0">
+                <a:hlinkClick r:id="rId6"/>
+              </a:rPr>
+              <a:t>http://biorxiv.org/lookup/doi/10.1101/2022.10.07.502662</a:t>
+            </a:r>
+            <a:endParaRPr lang="en-US" sz="1600" dirty="0"/>
+          </a:p>
+          <a:p>
+            <a:pPr marL="742950" lvl="1" indent="-285750">
+              <a:buFont typeface="Arial" panose="020B0604020202020204" pitchFamily="34" charset="0"/>
+              <a:buChar char="•"/>
+            </a:pPr>
+            <a:r>
+              <a:rPr lang="en-US" sz="1600" dirty="0"/>
+              <a:t>Nature: </a:t>
+            </a:r>
+            <a:r>
+              <a:rPr lang="en-US" sz="1600" dirty="0">
+                <a:hlinkClick r:id="rId7"/>
+              </a:rPr>
+              <a:t>https://www.nature.com/articles/s41597-022-01779-4</a:t>
+            </a:r>
+            <a:endParaRPr lang="en-US" sz="1600" dirty="0"/>
+          </a:p>
+          <a:p>
+            <a:pPr marL="742950" lvl="1" indent="-285750">
+              <a:buFont typeface="Arial" panose="020B0604020202020204" pitchFamily="34" charset="0"/>
+              <a:buChar char="•"/>
+            </a:pPr>
+            <a:r>
+              <a:rPr lang="en-US" sz="1600" dirty="0" err="1"/>
+              <a:t>scFv</a:t>
+            </a:r>
+            <a:r>
+              <a:rPr lang="en-US" sz="1600" dirty="0"/>
+              <a:t> Datasets: </a:t>
+            </a:r>
+            <a:r>
+              <a:rPr lang="en-US" sz="1600" dirty="0">
+                <a:hlinkClick r:id="rId8"/>
+              </a:rPr>
+              <a:t>https://github.com/mit-ll/AlphaSeq_Antibody_Dataset.git</a:t>
+            </a:r>
+            <a:endParaRPr lang="en-US" sz="1600" b="0" dirty="0">
+              <a:effectLst/>
+            </a:endParaRPr>
+          </a:p>
+          <a:p>
+            <a:pPr marL="742950" lvl="1" indent="-285750">
+              <a:buFont typeface="Arial" panose="020B0604020202020204" pitchFamily="34" charset="0"/>
+              <a:buChar char="•"/>
+            </a:pPr>
+            <a:endParaRPr lang="en-US" sz="1600" dirty="0"/>
+          </a:p>
+          <a:p>
+            <a:pPr marL="285750" indent="-285750">
+              <a:buFont typeface="Arial" panose="020B0604020202020204" pitchFamily="34" charset="0"/>
+              <a:buChar char="•"/>
+            </a:pPr>
+            <a:r>
+              <a:rPr lang="en-US" sz="1600" b="0" dirty="0">
+                <a:effectLst/>
+              </a:rPr>
+              <a:t>Observed Antibody Space :  </a:t>
+            </a:r>
+          </a:p>
+          <a:p>
+            <a:pPr marL="742950" lvl="1" indent="-285750">
+              <a:buFont typeface="Arial" panose="020B0604020202020204" pitchFamily="34" charset="0"/>
+              <a:buChar char="•"/>
+            </a:pPr>
+            <a:r>
+              <a:rPr lang="en-US" sz="1600" b="0" dirty="0">
+                <a:effectLst/>
+                <a:hlinkClick r:id="rId9"/>
+              </a:rPr>
+              <a:t>https://doi.org/10.4049/jimmunol.1800708</a:t>
+            </a:r>
+            <a:endParaRPr lang="en-US" sz="1600" b="0" dirty="0">
+              <a:effectLst/>
+            </a:endParaRPr>
+          </a:p>
+          <a:p>
+            <a:pPr marL="742950" lvl="1" indent="-285750">
+              <a:buFont typeface="Arial" panose="020B0604020202020204" pitchFamily="34" charset="0"/>
+              <a:buChar char="•"/>
+            </a:pPr>
+            <a:r>
+              <a:rPr lang="en-US" sz="1600" b="0" dirty="0">
+                <a:effectLst/>
+                <a:hlinkClick r:id="rId10"/>
+              </a:rPr>
+              <a:t>https://opig.stats.ox.ac.uk/webapps/oas/</a:t>
+            </a:r>
+            <a:endParaRPr lang="en-US" sz="1600" b="0" dirty="0">
+              <a:effectLst/>
+            </a:endParaRPr>
+          </a:p>
+          <a:p>
+            <a:pPr marL="742950" lvl="1" indent="-285750">
+              <a:buFont typeface="Arial" panose="020B0604020202020204" pitchFamily="34" charset="0"/>
+              <a:buChar char="•"/>
+            </a:pPr>
+            <a:endParaRPr lang="en-US" sz="1600" dirty="0"/>
+          </a:p>
+          <a:p>
+            <a:pPr marL="285750" indent="-285750">
+              <a:buFont typeface="Arial" panose="020B0604020202020204" pitchFamily="34" charset="0"/>
+              <a:buChar char="•"/>
+            </a:pPr>
+            <a:r>
+              <a:rPr lang="en-US" sz="1600" dirty="0"/>
+              <a:t>My </a:t>
+            </a:r>
+            <a:r>
+              <a:rPr lang="en-US" sz="1600" dirty="0" err="1"/>
+              <a:t>Github</a:t>
+            </a:r>
+            <a:r>
+              <a:rPr lang="en-US" sz="1600" dirty="0"/>
+              <a:t> repo for this homework’s code: </a:t>
+            </a:r>
+            <a:r>
+              <a:rPr lang="en-US" sz="1600" dirty="0">
+                <a:solidFill>
+                  <a:srgbClr val="FF0000"/>
+                </a:solidFill>
+              </a:rPr>
+              <a:t>TODO (2 repos) </a:t>
+            </a:r>
+            <a:r>
+              <a:rPr lang="en-US" sz="1600" dirty="0">
+                <a:hlinkClick r:id="rId11"/>
+              </a:rPr>
+              <a:t>https://github.com/planaria158/BERT.git</a:t>
+            </a:r>
+            <a:endParaRPr lang="en-US" sz="1600" dirty="0"/>
+          </a:p>
+          <a:p>
+            <a:pPr marL="285750" indent="-285750">
+              <a:buFont typeface="Arial" panose="020B0604020202020204" pitchFamily="34" charset="0"/>
+              <a:buChar char="•"/>
+            </a:pPr>
+            <a:endParaRPr lang="en-US" sz="1600" dirty="0"/>
+          </a:p>
+        </p:txBody>
+      </p:sp>
+      <p:sp>
+        <p:nvSpPr>
+          <p:cNvPr id="5" name="TextBox 4">
+            <a:extLst>
+              <a:ext uri="{FF2B5EF4-FFF2-40B4-BE49-F238E27FC236}">
+                <a16:creationId xmlns:a16="http://schemas.microsoft.com/office/drawing/2014/main" id="{00DEACF3-1DAE-F38C-6985-089A5766A04C}"/>
+              </a:ext>
+            </a:extLst>
+          </p:cNvPr>
+          <p:cNvSpPr txBox="1"/>
+          <p:nvPr/>
+        </p:nvSpPr>
+        <p:spPr>
+          <a:xfrm>
+            <a:off x="140127" y="679781"/>
+            <a:ext cx="9369296" cy="307777"/>
+          </a:xfrm>
+          <a:prstGeom prst="rect">
+            <a:avLst/>
+          </a:prstGeom>
+          <a:noFill/>
+        </p:spPr>
+        <p:txBody>
+          <a:bodyPr wrap="none" rtlCol="0">
+            <a:spAutoFit/>
+          </a:bodyPr>
+          <a:lstStyle/>
+          <a:p>
+            <a:r>
+              <a:rPr lang="en-US" sz="1400" dirty="0"/>
+              <a:t>Note: I did most of the BERT coding/testing in the 2 weeks before my call with Adrian (i.e. before getting the HW problem)</a:t>
+            </a:r>
+          </a:p>
+        </p:txBody>
+      </p:sp>
+    </p:spTree>
+    <p:extLst>
+      <p:ext uri="{BB962C8B-B14F-4D97-AF65-F5344CB8AC3E}">
+        <p14:creationId xmlns:p14="http://schemas.microsoft.com/office/powerpoint/2010/main" val="1592508389"/>
       </p:ext>
     </p:extLst>
   </p:cSld>

--- a/Homework-aAlphaBio.pptx
+++ b/Homework-aAlphaBio.pptx
@@ -8,25 +8,27 @@
     <p:sldId id="326" r:id="rId2"/>
     <p:sldId id="325" r:id="rId3"/>
     <p:sldId id="328" r:id="rId4"/>
-    <p:sldId id="333" r:id="rId5"/>
-    <p:sldId id="336" r:id="rId6"/>
-    <p:sldId id="320" r:id="rId7"/>
-    <p:sldId id="334" r:id="rId8"/>
-    <p:sldId id="257" r:id="rId9"/>
-    <p:sldId id="258" r:id="rId10"/>
-    <p:sldId id="335" r:id="rId11"/>
-    <p:sldId id="337" r:id="rId12"/>
-    <p:sldId id="330" r:id="rId13"/>
-    <p:sldId id="329" r:id="rId14"/>
-    <p:sldId id="331" r:id="rId15"/>
-    <p:sldId id="318" r:id="rId16"/>
-    <p:sldId id="321" r:id="rId17"/>
-    <p:sldId id="259" r:id="rId18"/>
-    <p:sldId id="322" r:id="rId19"/>
-    <p:sldId id="260" r:id="rId20"/>
-    <p:sldId id="324" r:id="rId21"/>
-    <p:sldId id="261" r:id="rId22"/>
-    <p:sldId id="323" r:id="rId23"/>
+    <p:sldId id="338" r:id="rId5"/>
+    <p:sldId id="339" r:id="rId6"/>
+    <p:sldId id="333" r:id="rId7"/>
+    <p:sldId id="336" r:id="rId8"/>
+    <p:sldId id="320" r:id="rId9"/>
+    <p:sldId id="334" r:id="rId10"/>
+    <p:sldId id="257" r:id="rId11"/>
+    <p:sldId id="258" r:id="rId12"/>
+    <p:sldId id="335" r:id="rId13"/>
+    <p:sldId id="337" r:id="rId14"/>
+    <p:sldId id="330" r:id="rId15"/>
+    <p:sldId id="329" r:id="rId16"/>
+    <p:sldId id="331" r:id="rId17"/>
+    <p:sldId id="318" r:id="rId18"/>
+    <p:sldId id="321" r:id="rId19"/>
+    <p:sldId id="259" r:id="rId20"/>
+    <p:sldId id="322" r:id="rId21"/>
+    <p:sldId id="260" r:id="rId22"/>
+    <p:sldId id="324" r:id="rId23"/>
+    <p:sldId id="261" r:id="rId24"/>
+    <p:sldId id="323" r:id="rId25"/>
   </p:sldIdLst>
   <p:sldSz cx="12192000" cy="6858000"/>
   <p:notesSz cx="6858000" cy="9144000"/>
@@ -3431,6 +3433,797 @@
 </file>
 
 <file path=ppt/slides/slide10.xml><?xml version="1.0" encoding="utf-8"?>
+<p:sld xmlns:a="http://schemas.openxmlformats.org/drawingml/2006/main" xmlns:r="http://schemas.openxmlformats.org/officeDocument/2006/relationships" xmlns:p="http://schemas.openxmlformats.org/presentationml/2006/main">
+  <p:cSld>
+    <p:spTree>
+      <p:nvGrpSpPr>
+        <p:cNvPr id="1" name=""/>
+        <p:cNvGrpSpPr/>
+        <p:nvPr/>
+      </p:nvGrpSpPr>
+      <p:grpSpPr>
+        <a:xfrm>
+          <a:off x="0" y="0"/>
+          <a:ext cx="0" cy="0"/>
+          <a:chOff x="0" y="0"/>
+          <a:chExt cx="0" cy="0"/>
+        </a:xfrm>
+      </p:grpSpPr>
+      <p:sp>
+        <p:nvSpPr>
+          <p:cNvPr id="3" name="TextBox 2">
+            <a:extLst>
+              <a:ext uri="{FF2B5EF4-FFF2-40B4-BE49-F238E27FC236}">
+                <a16:creationId xmlns:a16="http://schemas.microsoft.com/office/drawing/2014/main" id="{956EFD40-D78B-378C-E823-CCF3AB5FFDA0}"/>
+              </a:ext>
+            </a:extLst>
+          </p:cNvPr>
+          <p:cNvSpPr txBox="1"/>
+          <p:nvPr/>
+        </p:nvSpPr>
+        <p:spPr>
+          <a:xfrm>
+            <a:off x="630945" y="2424644"/>
+            <a:ext cx="8760123" cy="3416320"/>
+          </a:xfrm>
+          <a:prstGeom prst="rect">
+            <a:avLst/>
+          </a:prstGeom>
+          <a:noFill/>
+        </p:spPr>
+        <p:txBody>
+          <a:bodyPr wrap="square">
+            <a:spAutoFit/>
+          </a:bodyPr>
+          <a:lstStyle/>
+          <a:p>
+            <a:r>
+              <a:rPr lang="en-US" b="1" dirty="0">
+                <a:effectLst/>
+              </a:rPr>
+              <a:t>Plan</a:t>
+            </a:r>
+            <a:endParaRPr lang="en-US" b="0" dirty="0">
+              <a:effectLst/>
+            </a:endParaRPr>
+          </a:p>
+          <a:p>
+            <a:pPr marL="285750" indent="-285750">
+              <a:buFont typeface="Arial" panose="020B0604020202020204" pitchFamily="34" charset="0"/>
+              <a:buChar char="•"/>
+            </a:pPr>
+            <a:r>
+              <a:rPr lang="en-US" b="0" dirty="0">
+                <a:effectLst/>
+              </a:rPr>
+              <a:t>focus on just </a:t>
+            </a:r>
+            <a:r>
+              <a:rPr lang="en-US" b="0" dirty="0" err="1">
+                <a:effectLst/>
+              </a:rPr>
+              <a:t>sequence_alignment_aa</a:t>
+            </a:r>
+            <a:r>
+              <a:rPr lang="en-US" b="0" dirty="0">
+                <a:effectLst/>
+              </a:rPr>
+              <a:t> column (not germline)</a:t>
+            </a:r>
+          </a:p>
+          <a:p>
+            <a:pPr marL="742950" lvl="1" indent="-285750">
+              <a:buFont typeface="Arial" panose="020B0604020202020204" pitchFamily="34" charset="0"/>
+              <a:buChar char="•"/>
+            </a:pPr>
+            <a:r>
+              <a:rPr lang="en-US" b="0" dirty="0">
+                <a:effectLst/>
+              </a:rPr>
+              <a:t>eliminate duplicates</a:t>
+            </a:r>
+          </a:p>
+          <a:p>
+            <a:pPr marL="285750" indent="-285750">
+              <a:buFont typeface="Arial" panose="020B0604020202020204" pitchFamily="34" charset="0"/>
+              <a:buChar char="•"/>
+            </a:pPr>
+            <a:r>
+              <a:rPr lang="en-US" b="0" dirty="0">
+                <a:effectLst/>
+              </a:rPr>
+              <a:t>ignore the separate v, d, and j (they are already in the light chain)</a:t>
+            </a:r>
+          </a:p>
+          <a:p>
+            <a:pPr marL="285750" indent="-285750">
+              <a:buFont typeface="Arial" panose="020B0604020202020204" pitchFamily="34" charset="0"/>
+              <a:buChar char="•"/>
+            </a:pPr>
+            <a:r>
+              <a:rPr lang="en-US" b="0" dirty="0">
+                <a:effectLst/>
+              </a:rPr>
+              <a:t>ignore fwr1, fwr2, fwr3, fwr4 regions (on the heavy chain?)</a:t>
+            </a:r>
+          </a:p>
+          <a:p>
+            <a:pPr marL="285750" indent="-285750">
+              <a:buFont typeface="Arial" panose="020B0604020202020204" pitchFamily="34" charset="0"/>
+              <a:buChar char="•"/>
+            </a:pPr>
+            <a:r>
+              <a:rPr lang="en-US" b="0" dirty="0">
+                <a:effectLst/>
+              </a:rPr>
+              <a:t>ignore </a:t>
+            </a:r>
+            <a:r>
+              <a:rPr lang="en-US" dirty="0"/>
+              <a:t>CDR</a:t>
+            </a:r>
+            <a:r>
+              <a:rPr lang="en-US" b="0" dirty="0">
+                <a:effectLst/>
+              </a:rPr>
+              <a:t> sequences (they are already contained in the longer light-chain sequences)</a:t>
+            </a:r>
+          </a:p>
+          <a:p>
+            <a:br>
+              <a:rPr lang="en-US" b="0" dirty="0">
+                <a:effectLst/>
+              </a:rPr>
+            </a:br>
+            <a:r>
+              <a:rPr lang="en-US" b="1" dirty="0">
+                <a:effectLst/>
+              </a:rPr>
+              <a:t>Result of data extraction</a:t>
+            </a:r>
+            <a:endParaRPr lang="en-US" b="0" dirty="0">
+              <a:effectLst/>
+            </a:endParaRPr>
+          </a:p>
+          <a:p>
+            <a:pPr marL="285750" indent="-285750">
+              <a:buFont typeface="Arial" panose="020B0604020202020204" pitchFamily="34" charset="0"/>
+              <a:buChar char="•"/>
+            </a:pPr>
+            <a:r>
+              <a:rPr lang="en-US" b="0" dirty="0">
+                <a:effectLst/>
+              </a:rPr>
+              <a:t>total rows 20306305, num unique, </a:t>
+            </a:r>
+            <a:r>
+              <a:rPr lang="en-US" b="0" dirty="0" err="1">
+                <a:effectLst/>
+              </a:rPr>
+              <a:t>len</a:t>
+            </a:r>
+            <a:r>
+              <a:rPr lang="en-US" b="0" dirty="0">
+                <a:effectLst/>
+              </a:rPr>
+              <a:t>(seqs): 18061315</a:t>
+            </a:r>
+          </a:p>
+          <a:p>
+            <a:pPr marL="285750" indent="-285750">
+              <a:buFont typeface="Arial" panose="020B0604020202020204" pitchFamily="34" charset="0"/>
+              <a:buChar char="•"/>
+            </a:pPr>
+            <a:r>
+              <a:rPr lang="en-US" b="0" dirty="0">
+                <a:effectLst/>
+              </a:rPr>
+              <a:t>range in length from </a:t>
+            </a:r>
+            <a:r>
+              <a:rPr lang="en-US" b="0" dirty="0" err="1">
+                <a:effectLst/>
+              </a:rPr>
+              <a:t>min_len</a:t>
+            </a:r>
+            <a:r>
+              <a:rPr lang="en-US" b="0" dirty="0">
+                <a:effectLst/>
+              </a:rPr>
+              <a:t>: 43 , </a:t>
+            </a:r>
+            <a:r>
+              <a:rPr lang="en-US" b="0" dirty="0" err="1">
+                <a:effectLst/>
+              </a:rPr>
+              <a:t>max_len</a:t>
+            </a:r>
+            <a:r>
+              <a:rPr lang="en-US" b="0" dirty="0">
+                <a:effectLst/>
+              </a:rPr>
+              <a:t>: 132</a:t>
+            </a:r>
+            <a:br>
+              <a:rPr lang="en-US" b="0" dirty="0">
+                <a:effectLst/>
+              </a:rPr>
+            </a:br>
+            <a:endParaRPr lang="en-US" b="0" dirty="0">
+              <a:effectLst/>
+            </a:endParaRPr>
+          </a:p>
+        </p:txBody>
+      </p:sp>
+      <p:sp>
+        <p:nvSpPr>
+          <p:cNvPr id="5" name="TextBox 4">
+            <a:extLst>
+              <a:ext uri="{FF2B5EF4-FFF2-40B4-BE49-F238E27FC236}">
+                <a16:creationId xmlns:a16="http://schemas.microsoft.com/office/drawing/2014/main" id="{134BD8A0-CE7C-283D-1E05-408E2C1C9AAE}"/>
+              </a:ext>
+            </a:extLst>
+          </p:cNvPr>
+          <p:cNvSpPr txBox="1"/>
+          <p:nvPr/>
+        </p:nvSpPr>
+        <p:spPr>
+          <a:xfrm>
+            <a:off x="698740" y="1547415"/>
+            <a:ext cx="4439420" cy="646331"/>
+          </a:xfrm>
+          <a:prstGeom prst="rect">
+            <a:avLst/>
+          </a:prstGeom>
+          <a:noFill/>
+        </p:spPr>
+        <p:txBody>
+          <a:bodyPr wrap="none" rtlCol="0">
+            <a:spAutoFit/>
+          </a:bodyPr>
+          <a:lstStyle/>
+          <a:p>
+            <a:r>
+              <a:rPr lang="en-US" dirty="0"/>
+              <a:t>Human, SARS-COV-2, light chain, unpaired</a:t>
+            </a:r>
+          </a:p>
+          <a:p>
+            <a:pPr marL="285750" indent="-285750">
+              <a:buFont typeface="Arial" panose="020B0604020202020204" pitchFamily="34" charset="0"/>
+              <a:buChar char="•"/>
+            </a:pPr>
+            <a:r>
+              <a:rPr lang="en-US" dirty="0"/>
+              <a:t>175 datafiles </a:t>
+            </a:r>
+          </a:p>
+        </p:txBody>
+      </p:sp>
+      <p:sp>
+        <p:nvSpPr>
+          <p:cNvPr id="6" name="TextBox 5">
+            <a:hlinkClick r:id="rId2"/>
+            <a:extLst>
+              <a:ext uri="{FF2B5EF4-FFF2-40B4-BE49-F238E27FC236}">
+                <a16:creationId xmlns:a16="http://schemas.microsoft.com/office/drawing/2014/main" id="{29B86055-40FC-B110-8BF1-C3F390607AFB}"/>
+              </a:ext>
+            </a:extLst>
+          </p:cNvPr>
+          <p:cNvSpPr txBox="1"/>
+          <p:nvPr/>
+        </p:nvSpPr>
+        <p:spPr>
+          <a:xfrm>
+            <a:off x="7625751" y="6071862"/>
+            <a:ext cx="4270400" cy="369332"/>
+          </a:xfrm>
+          <a:prstGeom prst="rect">
+            <a:avLst/>
+          </a:prstGeom>
+          <a:noFill/>
+        </p:spPr>
+        <p:txBody>
+          <a:bodyPr wrap="none" rtlCol="0">
+            <a:spAutoFit/>
+          </a:bodyPr>
+          <a:lstStyle/>
+          <a:p>
+            <a:r>
+              <a:rPr lang="en-US" dirty="0"/>
+              <a:t>https://</a:t>
+            </a:r>
+            <a:r>
+              <a:rPr lang="en-US" dirty="0" err="1"/>
+              <a:t>opig.stats.ox.ac.uk</a:t>
+            </a:r>
+            <a:r>
+              <a:rPr lang="en-US" dirty="0"/>
+              <a:t>/webapps/</a:t>
+            </a:r>
+            <a:r>
+              <a:rPr lang="en-US" dirty="0" err="1"/>
+              <a:t>oas</a:t>
+            </a:r>
+            <a:r>
+              <a:rPr lang="en-US" dirty="0"/>
+              <a:t>/</a:t>
+            </a:r>
+          </a:p>
+        </p:txBody>
+      </p:sp>
+      <p:sp>
+        <p:nvSpPr>
+          <p:cNvPr id="7" name="TextBox 6">
+            <a:extLst>
+              <a:ext uri="{FF2B5EF4-FFF2-40B4-BE49-F238E27FC236}">
+                <a16:creationId xmlns:a16="http://schemas.microsoft.com/office/drawing/2014/main" id="{9FCB3EB8-5AA1-7DF9-6F60-2FAA11D05739}"/>
+              </a:ext>
+            </a:extLst>
+          </p:cNvPr>
+          <p:cNvSpPr txBox="1"/>
+          <p:nvPr/>
+        </p:nvSpPr>
+        <p:spPr>
+          <a:xfrm>
+            <a:off x="630945" y="952711"/>
+            <a:ext cx="4102213" cy="369332"/>
+          </a:xfrm>
+          <a:prstGeom prst="rect">
+            <a:avLst/>
+          </a:prstGeom>
+          <a:noFill/>
+        </p:spPr>
+        <p:txBody>
+          <a:bodyPr wrap="none" rtlCol="0">
+            <a:spAutoFit/>
+          </a:bodyPr>
+          <a:lstStyle/>
+          <a:p>
+            <a:r>
+              <a:rPr lang="en-US" dirty="0"/>
+              <a:t>Pretrain (masked language model) with:</a:t>
+            </a:r>
+          </a:p>
+        </p:txBody>
+      </p:sp>
+      <p:sp>
+        <p:nvSpPr>
+          <p:cNvPr id="10" name="TextBox 9">
+            <a:extLst>
+              <a:ext uri="{FF2B5EF4-FFF2-40B4-BE49-F238E27FC236}">
+                <a16:creationId xmlns:a16="http://schemas.microsoft.com/office/drawing/2014/main" id="{997EC2EE-0227-F1B7-7BA5-DDB88BC4DBC8}"/>
+              </a:ext>
+            </a:extLst>
+          </p:cNvPr>
+          <p:cNvSpPr txBox="1"/>
+          <p:nvPr/>
+        </p:nvSpPr>
+        <p:spPr>
+          <a:xfrm>
+            <a:off x="157088" y="241780"/>
+            <a:ext cx="8903591" cy="461665"/>
+          </a:xfrm>
+          <a:prstGeom prst="rect">
+            <a:avLst/>
+          </a:prstGeom>
+          <a:noFill/>
+        </p:spPr>
+        <p:txBody>
+          <a:bodyPr wrap="none" rtlCol="0">
+            <a:spAutoFit/>
+          </a:bodyPr>
+          <a:lstStyle/>
+          <a:p>
+            <a:r>
+              <a:rPr lang="en-US" sz="2400" dirty="0"/>
+              <a:t>BERT pre-train dataset:  OAS (Observed Antibody Space) database</a:t>
+            </a:r>
+          </a:p>
+        </p:txBody>
+      </p:sp>
+    </p:spTree>
+    <p:extLst>
+      <p:ext uri="{BB962C8B-B14F-4D97-AF65-F5344CB8AC3E}">
+        <p14:creationId xmlns:p14="http://schemas.microsoft.com/office/powerpoint/2010/main" val="2598926606"/>
+      </p:ext>
+    </p:extLst>
+  </p:cSld>
+  <p:clrMapOvr>
+    <a:masterClrMapping/>
+  </p:clrMapOvr>
+</p:sld>
+</file>
+
+<file path=ppt/slides/slide11.xml><?xml version="1.0" encoding="utf-8"?>
+<p:sld xmlns:a="http://schemas.openxmlformats.org/drawingml/2006/main" xmlns:r="http://schemas.openxmlformats.org/officeDocument/2006/relationships" xmlns:p="http://schemas.openxmlformats.org/presentationml/2006/main">
+  <p:cSld>
+    <p:spTree>
+      <p:nvGrpSpPr>
+        <p:cNvPr id="1" name=""/>
+        <p:cNvGrpSpPr/>
+        <p:nvPr/>
+      </p:nvGrpSpPr>
+      <p:grpSpPr>
+        <a:xfrm>
+          <a:off x="0" y="0"/>
+          <a:ext cx="0" cy="0"/>
+          <a:chOff x="0" y="0"/>
+          <a:chExt cx="0" cy="0"/>
+        </a:xfrm>
+      </p:grpSpPr>
+      <p:pic>
+        <p:nvPicPr>
+          <p:cNvPr id="3" name="Picture 2">
+            <a:extLst>
+              <a:ext uri="{FF2B5EF4-FFF2-40B4-BE49-F238E27FC236}">
+                <a16:creationId xmlns:a16="http://schemas.microsoft.com/office/drawing/2014/main" id="{64948729-3F72-C5CE-039F-870B604CA0CB}"/>
+              </a:ext>
+            </a:extLst>
+          </p:cNvPr>
+          <p:cNvPicPr>
+            <a:picLocks noChangeAspect="1"/>
+          </p:cNvPicPr>
+          <p:nvPr/>
+        </p:nvPicPr>
+        <p:blipFill>
+          <a:blip r:embed="rId2"/>
+          <a:stretch>
+            <a:fillRect/>
+          </a:stretch>
+        </p:blipFill>
+        <p:spPr>
+          <a:xfrm>
+            <a:off x="7869577" y="1612489"/>
+            <a:ext cx="3390900" cy="2717800"/>
+          </a:xfrm>
+          <a:prstGeom prst="rect">
+            <a:avLst/>
+          </a:prstGeom>
+        </p:spPr>
+      </p:pic>
+      <p:pic>
+        <p:nvPicPr>
+          <p:cNvPr id="4" name="Picture 3">
+            <a:extLst>
+              <a:ext uri="{FF2B5EF4-FFF2-40B4-BE49-F238E27FC236}">
+                <a16:creationId xmlns:a16="http://schemas.microsoft.com/office/drawing/2014/main" id="{3FC35F10-2E2B-6C99-CFDE-7CC76685FCFE}"/>
+              </a:ext>
+            </a:extLst>
+          </p:cNvPr>
+          <p:cNvPicPr>
+            <a:picLocks noChangeAspect="1"/>
+          </p:cNvPicPr>
+          <p:nvPr/>
+        </p:nvPicPr>
+        <p:blipFill>
+          <a:blip r:embed="rId3"/>
+          <a:stretch>
+            <a:fillRect/>
+          </a:stretch>
+        </p:blipFill>
+        <p:spPr>
+          <a:xfrm>
+            <a:off x="1009093" y="1612489"/>
+            <a:ext cx="3390900" cy="2717800"/>
+          </a:xfrm>
+          <a:prstGeom prst="rect">
+            <a:avLst/>
+          </a:prstGeom>
+        </p:spPr>
+      </p:pic>
+      <p:sp>
+        <p:nvSpPr>
+          <p:cNvPr id="5" name="TextBox 4">
+            <a:extLst>
+              <a:ext uri="{FF2B5EF4-FFF2-40B4-BE49-F238E27FC236}">
+                <a16:creationId xmlns:a16="http://schemas.microsoft.com/office/drawing/2014/main" id="{3263153C-4088-0D30-46AC-9C60901E6F67}"/>
+              </a:ext>
+            </a:extLst>
+          </p:cNvPr>
+          <p:cNvSpPr txBox="1"/>
+          <p:nvPr/>
+        </p:nvSpPr>
+        <p:spPr>
+          <a:xfrm>
+            <a:off x="1820173" y="4330289"/>
+            <a:ext cx="1837362" cy="369332"/>
+          </a:xfrm>
+          <a:prstGeom prst="rect">
+            <a:avLst/>
+          </a:prstGeom>
+          <a:noFill/>
+        </p:spPr>
+        <p:txBody>
+          <a:bodyPr wrap="none" rtlCol="0">
+            <a:spAutoFit/>
+          </a:bodyPr>
+          <a:lstStyle/>
+          <a:p>
+            <a:r>
+              <a:rPr lang="en-US" dirty="0"/>
+              <a:t>sequence length</a:t>
+            </a:r>
+          </a:p>
+        </p:txBody>
+      </p:sp>
+      <p:sp>
+        <p:nvSpPr>
+          <p:cNvPr id="6" name="TextBox 5">
+            <a:extLst>
+              <a:ext uri="{FF2B5EF4-FFF2-40B4-BE49-F238E27FC236}">
+                <a16:creationId xmlns:a16="http://schemas.microsoft.com/office/drawing/2014/main" id="{7BEA78C9-A044-5DEF-4A91-AEAD6C084346}"/>
+              </a:ext>
+            </a:extLst>
+          </p:cNvPr>
+          <p:cNvSpPr txBox="1"/>
+          <p:nvPr/>
+        </p:nvSpPr>
+        <p:spPr>
+          <a:xfrm>
+            <a:off x="1388853" y="1293551"/>
+            <a:ext cx="2315057" cy="369332"/>
+          </a:xfrm>
+          <a:prstGeom prst="rect">
+            <a:avLst/>
+          </a:prstGeom>
+          <a:noFill/>
+        </p:spPr>
+        <p:txBody>
+          <a:bodyPr wrap="none" rtlCol="0">
+            <a:spAutoFit/>
+          </a:bodyPr>
+          <a:lstStyle/>
+          <a:p>
+            <a:r>
+              <a:rPr lang="en-US" b="0" dirty="0">
+                <a:effectLst/>
+              </a:rPr>
+              <a:t>18061315 sequences</a:t>
+            </a:r>
+            <a:endParaRPr lang="en-US" dirty="0"/>
+          </a:p>
+        </p:txBody>
+      </p:sp>
+      <p:sp>
+        <p:nvSpPr>
+          <p:cNvPr id="7" name="TextBox 6">
+            <a:extLst>
+              <a:ext uri="{FF2B5EF4-FFF2-40B4-BE49-F238E27FC236}">
+                <a16:creationId xmlns:a16="http://schemas.microsoft.com/office/drawing/2014/main" id="{1B741A1D-2375-DA7B-D1A6-99AB694C08AC}"/>
+              </a:ext>
+            </a:extLst>
+          </p:cNvPr>
+          <p:cNvSpPr txBox="1"/>
+          <p:nvPr/>
+        </p:nvSpPr>
+        <p:spPr>
+          <a:xfrm>
+            <a:off x="8407498" y="1293551"/>
+            <a:ext cx="2315057" cy="369332"/>
+          </a:xfrm>
+          <a:prstGeom prst="rect">
+            <a:avLst/>
+          </a:prstGeom>
+          <a:noFill/>
+        </p:spPr>
+        <p:txBody>
+          <a:bodyPr wrap="none" rtlCol="0">
+            <a:spAutoFit/>
+          </a:bodyPr>
+          <a:lstStyle/>
+          <a:p>
+            <a:r>
+              <a:rPr lang="en-US" b="0" i="0" dirty="0">
+                <a:effectLst/>
+              </a:rPr>
+              <a:t>17599987 sequences</a:t>
+            </a:r>
+            <a:endParaRPr lang="en-US" dirty="0"/>
+          </a:p>
+        </p:txBody>
+      </p:sp>
+      <p:sp>
+        <p:nvSpPr>
+          <p:cNvPr id="8" name="TextBox 7">
+            <a:extLst>
+              <a:ext uri="{FF2B5EF4-FFF2-40B4-BE49-F238E27FC236}">
+                <a16:creationId xmlns:a16="http://schemas.microsoft.com/office/drawing/2014/main" id="{44458037-5862-9360-6238-08F5720BC272}"/>
+              </a:ext>
+            </a:extLst>
+          </p:cNvPr>
+          <p:cNvSpPr txBox="1"/>
+          <p:nvPr/>
+        </p:nvSpPr>
+        <p:spPr>
+          <a:xfrm>
+            <a:off x="4661761" y="2786723"/>
+            <a:ext cx="2868478" cy="369332"/>
+          </a:xfrm>
+          <a:prstGeom prst="rect">
+            <a:avLst/>
+          </a:prstGeom>
+          <a:noFill/>
+        </p:spPr>
+        <p:txBody>
+          <a:bodyPr wrap="none" rtlCol="0">
+            <a:spAutoFit/>
+          </a:bodyPr>
+          <a:lstStyle/>
+          <a:p>
+            <a:r>
+              <a:rPr lang="en-US" dirty="0">
+                <a:highlight>
+                  <a:srgbClr val="FFFF00"/>
+                </a:highlight>
+              </a:rPr>
+              <a:t>remove all seqs &lt; 90 length</a:t>
+            </a:r>
+          </a:p>
+        </p:txBody>
+      </p:sp>
+      <p:sp>
+        <p:nvSpPr>
+          <p:cNvPr id="9" name="TextBox 8">
+            <a:extLst>
+              <a:ext uri="{FF2B5EF4-FFF2-40B4-BE49-F238E27FC236}">
+                <a16:creationId xmlns:a16="http://schemas.microsoft.com/office/drawing/2014/main" id="{5DCE4DA8-3B27-FD6C-5515-A9606CFAA53F}"/>
+              </a:ext>
+            </a:extLst>
+          </p:cNvPr>
+          <p:cNvSpPr txBox="1"/>
+          <p:nvPr/>
+        </p:nvSpPr>
+        <p:spPr>
+          <a:xfrm>
+            <a:off x="8885193" y="4260866"/>
+            <a:ext cx="1837362" cy="369332"/>
+          </a:xfrm>
+          <a:prstGeom prst="rect">
+            <a:avLst/>
+          </a:prstGeom>
+          <a:noFill/>
+        </p:spPr>
+        <p:txBody>
+          <a:bodyPr wrap="none" rtlCol="0">
+            <a:spAutoFit/>
+          </a:bodyPr>
+          <a:lstStyle/>
+          <a:p>
+            <a:r>
+              <a:rPr lang="en-US" dirty="0"/>
+              <a:t>sequence length</a:t>
+            </a:r>
+          </a:p>
+        </p:txBody>
+      </p:sp>
+      <p:sp>
+        <p:nvSpPr>
+          <p:cNvPr id="10" name="TextBox 9">
+            <a:extLst>
+              <a:ext uri="{FF2B5EF4-FFF2-40B4-BE49-F238E27FC236}">
+                <a16:creationId xmlns:a16="http://schemas.microsoft.com/office/drawing/2014/main" id="{E3635CC3-470B-3685-D2AD-542AC4874315}"/>
+              </a:ext>
+            </a:extLst>
+          </p:cNvPr>
+          <p:cNvSpPr txBox="1"/>
+          <p:nvPr/>
+        </p:nvSpPr>
+        <p:spPr>
+          <a:xfrm>
+            <a:off x="1445017" y="5080307"/>
+            <a:ext cx="5909951" cy="1200329"/>
+          </a:xfrm>
+          <a:prstGeom prst="rect">
+            <a:avLst/>
+          </a:prstGeom>
+          <a:noFill/>
+        </p:spPr>
+        <p:txBody>
+          <a:bodyPr wrap="none" rtlCol="0">
+            <a:spAutoFit/>
+          </a:bodyPr>
+          <a:lstStyle/>
+          <a:p>
+            <a:r>
+              <a:rPr lang="en-US" dirty="0"/>
+              <a:t>Final dataset:  </a:t>
+            </a:r>
+          </a:p>
+          <a:p>
+            <a:pPr marL="285750" indent="-285750">
+              <a:buFont typeface="Arial" panose="020B0604020202020204" pitchFamily="34" charset="0"/>
+              <a:buChar char="•"/>
+            </a:pPr>
+            <a:r>
+              <a:rPr lang="en-US" dirty="0"/>
+              <a:t>17599987 unique sequences between 90 – 132 length</a:t>
+            </a:r>
+          </a:p>
+          <a:p>
+            <a:pPr marL="285750" indent="-285750">
+              <a:buFont typeface="Arial" panose="020B0604020202020204" pitchFamily="34" charset="0"/>
+              <a:buChar char="•"/>
+            </a:pPr>
+            <a:r>
+              <a:rPr lang="en-US" dirty="0"/>
+              <a:t>train: </a:t>
+            </a:r>
+            <a:r>
+              <a:rPr lang="en-US" b="0" i="0" dirty="0">
+                <a:effectLst/>
+              </a:rPr>
+              <a:t>14079989</a:t>
+            </a:r>
+          </a:p>
+          <a:p>
+            <a:pPr marL="285750" indent="-285750">
+              <a:buFont typeface="Arial" panose="020B0604020202020204" pitchFamily="34" charset="0"/>
+              <a:buChar char="•"/>
+            </a:pPr>
+            <a:r>
+              <a:rPr lang="en-US" dirty="0"/>
+              <a:t>test: </a:t>
+            </a:r>
+            <a:r>
+              <a:rPr lang="en-US" b="0" i="0" dirty="0">
+                <a:effectLst/>
+              </a:rPr>
+              <a:t>3519998</a:t>
+            </a:r>
+            <a:endParaRPr lang="en-US" dirty="0"/>
+          </a:p>
+        </p:txBody>
+      </p:sp>
+      <p:sp>
+        <p:nvSpPr>
+          <p:cNvPr id="11" name="TextBox 10">
+            <a:extLst>
+              <a:ext uri="{FF2B5EF4-FFF2-40B4-BE49-F238E27FC236}">
+                <a16:creationId xmlns:a16="http://schemas.microsoft.com/office/drawing/2014/main" id="{CA4BBF3D-2B4A-5ABA-DDD8-860228311B7F}"/>
+              </a:ext>
+            </a:extLst>
+          </p:cNvPr>
+          <p:cNvSpPr txBox="1"/>
+          <p:nvPr/>
+        </p:nvSpPr>
+        <p:spPr>
+          <a:xfrm>
+            <a:off x="157088" y="241780"/>
+            <a:ext cx="6015429" cy="461665"/>
+          </a:xfrm>
+          <a:prstGeom prst="rect">
+            <a:avLst/>
+          </a:prstGeom>
+          <a:noFill/>
+        </p:spPr>
+        <p:txBody>
+          <a:bodyPr wrap="none" rtlCol="0">
+            <a:spAutoFit/>
+          </a:bodyPr>
+          <a:lstStyle/>
+          <a:p>
+            <a:r>
+              <a:rPr lang="en-US" sz="2400" dirty="0"/>
+              <a:t>OAS dataset:  distribution of peptide lengths</a:t>
+            </a:r>
+          </a:p>
+        </p:txBody>
+      </p:sp>
+    </p:spTree>
+    <p:extLst>
+      <p:ext uri="{BB962C8B-B14F-4D97-AF65-F5344CB8AC3E}">
+        <p14:creationId xmlns:p14="http://schemas.microsoft.com/office/powerpoint/2010/main" val="3339313360"/>
+      </p:ext>
+    </p:extLst>
+  </p:cSld>
+  <p:clrMapOvr>
+    <a:masterClrMapping/>
+  </p:clrMapOvr>
+</p:sld>
+</file>
+
+<file path=ppt/slides/slide12.xml><?xml version="1.0" encoding="utf-8"?>
 <p:sld xmlns:a="http://schemas.openxmlformats.org/drawingml/2006/main" xmlns:r="http://schemas.openxmlformats.org/officeDocument/2006/relationships" xmlns:p="http://schemas.openxmlformats.org/presentationml/2006/main">
   <p:cSld>
     <p:spTree>
@@ -3815,7 +4608,7 @@
 </p:sld>
 </file>
 
-<file path=ppt/slides/slide11.xml><?xml version="1.0" encoding="utf-8"?>
+<file path=ppt/slides/slide13.xml><?xml version="1.0" encoding="utf-8"?>
 <p:sld xmlns:a="http://schemas.openxmlformats.org/drawingml/2006/main" xmlns:r="http://schemas.openxmlformats.org/officeDocument/2006/relationships" xmlns:p="http://schemas.openxmlformats.org/presentationml/2006/main">
   <p:cSld>
     <p:spTree>
@@ -5506,7 +6299,7 @@
 </p:sld>
 </file>
 
-<file path=ppt/slides/slide12.xml><?xml version="1.0" encoding="utf-8"?>
+<file path=ppt/slides/slide14.xml><?xml version="1.0" encoding="utf-8"?>
 <p:sld xmlns:a="http://schemas.openxmlformats.org/drawingml/2006/main" xmlns:r="http://schemas.openxmlformats.org/officeDocument/2006/relationships" xmlns:p="http://schemas.openxmlformats.org/presentationml/2006/main">
   <p:cSld>
     <p:spTree>
@@ -6185,7 +6978,7 @@
 </p:sld>
 </file>
 
-<file path=ppt/slides/slide13.xml><?xml version="1.0" encoding="utf-8"?>
+<file path=ppt/slides/slide15.xml><?xml version="1.0" encoding="utf-8"?>
 <p:sld xmlns:a="http://schemas.openxmlformats.org/drawingml/2006/main" xmlns:r="http://schemas.openxmlformats.org/officeDocument/2006/relationships" xmlns:p="http://schemas.openxmlformats.org/presentationml/2006/main">
   <p:cSld>
     <p:spTree>
@@ -7413,7 +8206,7 @@
 </p:sld>
 </file>
 
-<file path=ppt/slides/slide14.xml><?xml version="1.0" encoding="utf-8"?>
+<file path=ppt/slides/slide16.xml><?xml version="1.0" encoding="utf-8"?>
 <p:sld xmlns:a="http://schemas.openxmlformats.org/drawingml/2006/main" xmlns:r="http://schemas.openxmlformats.org/officeDocument/2006/relationships" xmlns:p="http://schemas.openxmlformats.org/presentationml/2006/main">
   <p:cSld>
     <p:spTree>
@@ -10236,7 +11029,7 @@
 </p:sld>
 </file>
 
-<file path=ppt/slides/slide15.xml><?xml version="1.0" encoding="utf-8"?>
+<file path=ppt/slides/slide17.xml><?xml version="1.0" encoding="utf-8"?>
 <p:sld xmlns:a="http://schemas.openxmlformats.org/drawingml/2006/main" xmlns:r="http://schemas.openxmlformats.org/officeDocument/2006/relationships" xmlns:p="http://schemas.openxmlformats.org/presentationml/2006/main">
   <p:cSld>
     <p:spTree>
@@ -14184,7 +14977,7 @@
 </p:sld>
 </file>
 
-<file path=ppt/slides/slide16.xml><?xml version="1.0" encoding="utf-8"?>
+<file path=ppt/slides/slide18.xml><?xml version="1.0" encoding="utf-8"?>
 <p:sld xmlns:a="http://schemas.openxmlformats.org/drawingml/2006/main" xmlns:r="http://schemas.openxmlformats.org/officeDocument/2006/relationships" xmlns:p="http://schemas.openxmlformats.org/presentationml/2006/main">
   <p:cSld>
     <p:spTree>
@@ -17199,7 +17992,7 @@
 </p:sld>
 </file>
 
-<file path=ppt/slides/slide17.xml><?xml version="1.0" encoding="utf-8"?>
+<file path=ppt/slides/slide19.xml><?xml version="1.0" encoding="utf-8"?>
 <p:sld xmlns:a="http://schemas.openxmlformats.org/drawingml/2006/main" xmlns:r="http://schemas.openxmlformats.org/officeDocument/2006/relationships" xmlns:p="http://schemas.openxmlformats.org/presentationml/2006/main">
   <p:cSld>
     <p:spTree>
@@ -17397,7 +18190,386 @@
 </p:sld>
 </file>
 
-<file path=ppt/slides/slide18.xml><?xml version="1.0" encoding="utf-8"?>
+<file path=ppt/slides/slide2.xml><?xml version="1.0" encoding="utf-8"?>
+<p:sld xmlns:a="http://schemas.openxmlformats.org/drawingml/2006/main" xmlns:r="http://schemas.openxmlformats.org/officeDocument/2006/relationships" xmlns:p="http://schemas.openxmlformats.org/presentationml/2006/main">
+  <p:cSld>
+    <p:spTree>
+      <p:nvGrpSpPr>
+        <p:cNvPr id="1" name=""/>
+        <p:cNvGrpSpPr/>
+        <p:nvPr/>
+      </p:nvGrpSpPr>
+      <p:grpSpPr>
+        <a:xfrm>
+          <a:off x="0" y="0"/>
+          <a:ext cx="0" cy="0"/>
+          <a:chOff x="0" y="0"/>
+          <a:chExt cx="0" cy="0"/>
+        </a:xfrm>
+      </p:grpSpPr>
+      <p:sp>
+        <p:nvSpPr>
+          <p:cNvPr id="2" name="TextBox 1">
+            <a:extLst>
+              <a:ext uri="{FF2B5EF4-FFF2-40B4-BE49-F238E27FC236}">
+                <a16:creationId xmlns:a16="http://schemas.microsoft.com/office/drawing/2014/main" id="{E758D5CD-18BF-EE2E-47E2-E832CEE7988E}"/>
+              </a:ext>
+            </a:extLst>
+          </p:cNvPr>
+          <p:cNvSpPr txBox="1"/>
+          <p:nvPr/>
+        </p:nvSpPr>
+        <p:spPr>
+          <a:xfrm>
+            <a:off x="140127" y="221836"/>
+            <a:ext cx="3472810" cy="461665"/>
+          </a:xfrm>
+          <a:prstGeom prst="rect">
+            <a:avLst/>
+          </a:prstGeom>
+          <a:noFill/>
+        </p:spPr>
+        <p:txBody>
+          <a:bodyPr wrap="none" rtlCol="0">
+            <a:spAutoFit/>
+          </a:bodyPr>
+          <a:lstStyle/>
+          <a:p>
+            <a:r>
+              <a:rPr lang="en-US" sz="2400" dirty="0"/>
+              <a:t>Data set analysis – part 1</a:t>
+            </a:r>
+          </a:p>
+        </p:txBody>
+      </p:sp>
+      <p:sp>
+        <p:nvSpPr>
+          <p:cNvPr id="5" name="TextBox 4">
+            <a:extLst>
+              <a:ext uri="{FF2B5EF4-FFF2-40B4-BE49-F238E27FC236}">
+                <a16:creationId xmlns:a16="http://schemas.microsoft.com/office/drawing/2014/main" id="{9D21562E-004E-F27D-F7B0-73BC9E3A90A1}"/>
+              </a:ext>
+            </a:extLst>
+          </p:cNvPr>
+          <p:cNvSpPr txBox="1"/>
+          <p:nvPr/>
+        </p:nvSpPr>
+        <p:spPr>
+          <a:xfrm>
+            <a:off x="223864" y="961394"/>
+            <a:ext cx="7074915" cy="2800767"/>
+          </a:xfrm>
+          <a:prstGeom prst="rect">
+            <a:avLst/>
+          </a:prstGeom>
+          <a:noFill/>
+        </p:spPr>
+        <p:txBody>
+          <a:bodyPr wrap="square">
+            <a:spAutoFit/>
+          </a:bodyPr>
+          <a:lstStyle/>
+          <a:p>
+            <a:r>
+              <a:rPr lang="en-US" sz="1600" b="1" dirty="0" err="1">
+                <a:effectLst/>
+              </a:rPr>
+              <a:t>alphaseq_data_train.csv</a:t>
+            </a:r>
+            <a:endParaRPr lang="en-US" sz="1600" b="1" dirty="0">
+              <a:effectLst/>
+            </a:endParaRPr>
+          </a:p>
+          <a:p>
+            <a:pPr marL="285750" indent="-285750">
+              <a:buFont typeface="Arial" panose="020B0604020202020204" pitchFamily="34" charset="0"/>
+              <a:buChar char="•"/>
+            </a:pPr>
+            <a:r>
+              <a:rPr lang="en-US" sz="1600" b="0" dirty="0">
+                <a:effectLst/>
+              </a:rPr>
+              <a:t>29199 unique aa sequences</a:t>
+            </a:r>
+          </a:p>
+          <a:p>
+            <a:pPr marL="742950" lvl="1" indent="-285750">
+              <a:buFont typeface="Arial" panose="020B0604020202020204" pitchFamily="34" charset="0"/>
+              <a:buChar char="•"/>
+            </a:pPr>
+            <a:r>
+              <a:rPr lang="en-US" sz="1600" dirty="0"/>
+              <a:t>For duplicate entries use the mean of their </a:t>
+            </a:r>
+            <a:r>
+              <a:rPr lang="en-US" sz="1600" dirty="0" err="1"/>
+              <a:t>Kd</a:t>
+            </a:r>
+            <a:r>
+              <a:rPr lang="en-US" sz="1600" dirty="0"/>
+              <a:t> values</a:t>
+            </a:r>
+            <a:endParaRPr lang="en-US" sz="1600" b="0" dirty="0">
+              <a:effectLst/>
+            </a:endParaRPr>
+          </a:p>
+          <a:p>
+            <a:pPr marL="285750" indent="-285750">
+              <a:buFont typeface="Arial" panose="020B0604020202020204" pitchFamily="34" charset="0"/>
+              <a:buChar char="•"/>
+            </a:pPr>
+            <a:r>
+              <a:rPr lang="en-US" sz="1600" b="0" dirty="0">
+                <a:effectLst/>
+              </a:rPr>
+              <a:t>remove all entries with NANs for </a:t>
+            </a:r>
+            <a:r>
+              <a:rPr lang="en-US" sz="1600" b="0" dirty="0" err="1">
+                <a:effectLst/>
+              </a:rPr>
+              <a:t>Kd</a:t>
+            </a:r>
+            <a:endParaRPr lang="en-US" sz="1600" b="0" dirty="0">
+              <a:effectLst/>
+            </a:endParaRPr>
+          </a:p>
+          <a:p>
+            <a:pPr marL="285750" indent="-285750">
+              <a:buFont typeface="Arial" panose="020B0604020202020204" pitchFamily="34" charset="0"/>
+              <a:buChar char="•"/>
+            </a:pPr>
+            <a:r>
+              <a:rPr lang="en-US" sz="1600" b="0" dirty="0">
+                <a:effectLst/>
+              </a:rPr>
+              <a:t>all sequences are same length: 246 residues</a:t>
+            </a:r>
+          </a:p>
+          <a:p>
+            <a:pPr marL="285750" indent="-285750">
+              <a:buFont typeface="Arial" panose="020B0604020202020204" pitchFamily="34" charset="0"/>
+              <a:buChar char="•"/>
+            </a:pPr>
+            <a:r>
+              <a:rPr lang="en-US" sz="1600" dirty="0"/>
+              <a:t>plot distribution of </a:t>
+            </a:r>
+            <a:r>
+              <a:rPr lang="en-US" sz="1600" dirty="0" err="1"/>
+              <a:t>Kd</a:t>
+            </a:r>
+            <a:r>
+              <a:rPr lang="en-US" sz="1600" dirty="0"/>
+              <a:t> values</a:t>
+            </a:r>
+          </a:p>
+          <a:p>
+            <a:pPr marL="742950" lvl="1" indent="-285750">
+              <a:buFont typeface="Arial" panose="020B0604020202020204" pitchFamily="34" charset="0"/>
+              <a:buChar char="•"/>
+            </a:pPr>
+            <a:r>
+              <a:rPr lang="en-US" sz="1600" dirty="0"/>
+              <a:t>interesting bimodal distribution</a:t>
+            </a:r>
+          </a:p>
+          <a:p>
+            <a:pPr marL="742950" lvl="1" indent="-285750">
+              <a:buFont typeface="Arial" panose="020B0604020202020204" pitchFamily="34" charset="0"/>
+              <a:buChar char="•"/>
+            </a:pPr>
+            <a:r>
+              <a:rPr lang="en-US" sz="1600" dirty="0"/>
+              <a:t>diff between the two peaks is ~0.25 kcal/mol </a:t>
+            </a:r>
+            <a:r>
+              <a:rPr lang="en-US" sz="1600" dirty="0">
+                <a:latin typeface="Symbol" pitchFamily="2" charset="2"/>
+              </a:rPr>
+              <a:t>D</a:t>
+            </a:r>
+            <a:r>
+              <a:rPr lang="en-US" sz="1600" dirty="0"/>
+              <a:t>G</a:t>
+            </a:r>
+          </a:p>
+          <a:p>
+            <a:pPr marL="285750" indent="-285750">
+              <a:buFont typeface="Arial" panose="020B0604020202020204" pitchFamily="34" charset="0"/>
+              <a:buChar char="•"/>
+            </a:pPr>
+            <a:r>
+              <a:rPr lang="en-US" sz="1600" b="0" dirty="0">
+                <a:effectLst/>
+              </a:rPr>
+              <a:t>plot the variability at each residue position in the sequence</a:t>
+            </a:r>
+          </a:p>
+          <a:p>
+            <a:pPr marL="742950" lvl="1" indent="-285750">
+              <a:buFont typeface="Arial" panose="020B0604020202020204" pitchFamily="34" charset="0"/>
+              <a:buChar char="•"/>
+            </a:pPr>
+            <a:r>
+              <a:rPr lang="en-US" sz="1600" dirty="0"/>
+              <a:t>80 residue region (position 29 to 108) has all the mutations</a:t>
+            </a:r>
+          </a:p>
+          <a:p>
+            <a:pPr marL="742950" lvl="1" indent="-285750">
+              <a:buFont typeface="Arial" panose="020B0604020202020204" pitchFamily="34" charset="0"/>
+              <a:buChar char="•"/>
+            </a:pPr>
+            <a:r>
+              <a:rPr lang="en-US" sz="1600" dirty="0"/>
+              <a:t>this is likely a CDR region</a:t>
+            </a:r>
+            <a:endParaRPr lang="en-US" sz="1600" b="0" dirty="0">
+              <a:effectLst/>
+            </a:endParaRPr>
+          </a:p>
+        </p:txBody>
+      </p:sp>
+      <p:pic>
+        <p:nvPicPr>
+          <p:cNvPr id="6" name="Picture 5">
+            <a:extLst>
+              <a:ext uri="{FF2B5EF4-FFF2-40B4-BE49-F238E27FC236}">
+                <a16:creationId xmlns:a16="http://schemas.microsoft.com/office/drawing/2014/main" id="{D17F21C1-D1A7-E53B-97D8-88CD6C8728DA}"/>
+              </a:ext>
+            </a:extLst>
+          </p:cNvPr>
+          <p:cNvPicPr>
+            <a:picLocks noChangeAspect="1"/>
+          </p:cNvPicPr>
+          <p:nvPr/>
+        </p:nvPicPr>
+        <p:blipFill>
+          <a:blip r:embed="rId2"/>
+          <a:stretch>
+            <a:fillRect/>
+          </a:stretch>
+        </p:blipFill>
+        <p:spPr>
+          <a:xfrm>
+            <a:off x="8015617" y="221836"/>
+            <a:ext cx="3683000" cy="2870200"/>
+          </a:xfrm>
+          <a:prstGeom prst="rect">
+            <a:avLst/>
+          </a:prstGeom>
+        </p:spPr>
+      </p:pic>
+      <p:sp>
+        <p:nvSpPr>
+          <p:cNvPr id="7" name="TextBox 6">
+            <a:extLst>
+              <a:ext uri="{FF2B5EF4-FFF2-40B4-BE49-F238E27FC236}">
+                <a16:creationId xmlns:a16="http://schemas.microsoft.com/office/drawing/2014/main" id="{6F74E53A-581B-C458-F657-00CE2DE6B2CE}"/>
+              </a:ext>
+            </a:extLst>
+          </p:cNvPr>
+          <p:cNvSpPr txBox="1"/>
+          <p:nvPr/>
+        </p:nvSpPr>
+        <p:spPr>
+          <a:xfrm>
+            <a:off x="8556321" y="3092036"/>
+            <a:ext cx="3288946" cy="523220"/>
+          </a:xfrm>
+          <a:prstGeom prst="rect">
+            <a:avLst/>
+          </a:prstGeom>
+          <a:noFill/>
+        </p:spPr>
+        <p:txBody>
+          <a:bodyPr wrap="square" rtlCol="0">
+            <a:spAutoFit/>
+          </a:bodyPr>
+          <a:lstStyle/>
+          <a:p>
+            <a:r>
+              <a:rPr lang="en-US" sz="1400" dirty="0"/>
+              <a:t>bimodal-like distribution is similar to that reported in the Nature paper</a:t>
+            </a:r>
+          </a:p>
+        </p:txBody>
+      </p:sp>
+      <p:pic>
+        <p:nvPicPr>
+          <p:cNvPr id="8" name="Picture 7">
+            <a:extLst>
+              <a:ext uri="{FF2B5EF4-FFF2-40B4-BE49-F238E27FC236}">
+                <a16:creationId xmlns:a16="http://schemas.microsoft.com/office/drawing/2014/main" id="{6A5B62CE-2B72-1D08-0C96-9BE8BE846DFD}"/>
+              </a:ext>
+            </a:extLst>
+          </p:cNvPr>
+          <p:cNvPicPr>
+            <a:picLocks noChangeAspect="1"/>
+          </p:cNvPicPr>
+          <p:nvPr/>
+        </p:nvPicPr>
+        <p:blipFill>
+          <a:blip r:embed="rId3"/>
+          <a:stretch>
+            <a:fillRect/>
+          </a:stretch>
+        </p:blipFill>
+        <p:spPr>
+          <a:xfrm>
+            <a:off x="2078121" y="4196152"/>
+            <a:ext cx="3366402" cy="2454215"/>
+          </a:xfrm>
+          <a:prstGeom prst="rect">
+            <a:avLst/>
+          </a:prstGeom>
+        </p:spPr>
+      </p:pic>
+      <p:pic>
+        <p:nvPicPr>
+          <p:cNvPr id="9" name="Picture 8">
+            <a:extLst>
+              <a:ext uri="{FF2B5EF4-FFF2-40B4-BE49-F238E27FC236}">
+                <a16:creationId xmlns:a16="http://schemas.microsoft.com/office/drawing/2014/main" id="{3BFBCF0B-3639-7E22-34EB-3B5317FFCBF8}"/>
+              </a:ext>
+            </a:extLst>
+          </p:cNvPr>
+          <p:cNvPicPr>
+            <a:picLocks noChangeAspect="1"/>
+          </p:cNvPicPr>
+          <p:nvPr/>
+        </p:nvPicPr>
+        <p:blipFill>
+          <a:blip r:embed="rId4"/>
+          <a:stretch>
+            <a:fillRect/>
+          </a:stretch>
+        </p:blipFill>
+        <p:spPr>
+          <a:xfrm>
+            <a:off x="6631692" y="3893149"/>
+            <a:ext cx="3225425" cy="2757218"/>
+          </a:xfrm>
+          <a:prstGeom prst="rect">
+            <a:avLst/>
+          </a:prstGeom>
+        </p:spPr>
+      </p:pic>
+    </p:spTree>
+    <p:extLst>
+      <p:ext uri="{BB962C8B-B14F-4D97-AF65-F5344CB8AC3E}">
+        <p14:creationId xmlns:p14="http://schemas.microsoft.com/office/powerpoint/2010/main" val="2470448845"/>
+      </p:ext>
+    </p:extLst>
+  </p:cSld>
+  <p:clrMapOvr>
+    <a:masterClrMapping/>
+  </p:clrMapOvr>
+</p:sld>
+</file>
+
+<file path=ppt/slides/slide20.xml><?xml version="1.0" encoding="utf-8"?>
 <p:sld xmlns:a="http://schemas.openxmlformats.org/drawingml/2006/main" xmlns:r="http://schemas.openxmlformats.org/officeDocument/2006/relationships" xmlns:p="http://schemas.openxmlformats.org/presentationml/2006/main">
   <p:cSld>
     <p:spTree>
@@ -17734,7 +18906,7 @@
 </p:sld>
 </file>
 
-<file path=ppt/slides/slide19.xml><?xml version="1.0" encoding="utf-8"?>
+<file path=ppt/slides/slide21.xml><?xml version="1.0" encoding="utf-8"?>
 <p:sld xmlns:a="http://schemas.openxmlformats.org/drawingml/2006/main" xmlns:r="http://schemas.openxmlformats.org/officeDocument/2006/relationships" xmlns:p="http://schemas.openxmlformats.org/presentationml/2006/main">
   <p:cSld>
     <p:spTree>
@@ -17921,131 +19093,7 @@
 </p:sld>
 </file>
 
-<file path=ppt/slides/slide2.xml><?xml version="1.0" encoding="utf-8"?>
-<p:sld xmlns:a="http://schemas.openxmlformats.org/drawingml/2006/main" xmlns:r="http://schemas.openxmlformats.org/officeDocument/2006/relationships" xmlns:p="http://schemas.openxmlformats.org/presentationml/2006/main">
-  <p:cSld>
-    <p:spTree>
-      <p:nvGrpSpPr>
-        <p:cNvPr id="1" name=""/>
-        <p:cNvGrpSpPr/>
-        <p:nvPr/>
-      </p:nvGrpSpPr>
-      <p:grpSpPr>
-        <a:xfrm>
-          <a:off x="0" y="0"/>
-          <a:ext cx="0" cy="0"/>
-          <a:chOff x="0" y="0"/>
-          <a:chExt cx="0" cy="0"/>
-        </a:xfrm>
-      </p:grpSpPr>
-      <p:sp>
-        <p:nvSpPr>
-          <p:cNvPr id="2" name="TextBox 1">
-            <a:extLst>
-              <a:ext uri="{FF2B5EF4-FFF2-40B4-BE49-F238E27FC236}">
-                <a16:creationId xmlns:a16="http://schemas.microsoft.com/office/drawing/2014/main" id="{E758D5CD-18BF-EE2E-47E2-E832CEE7988E}"/>
-              </a:ext>
-            </a:extLst>
-          </p:cNvPr>
-          <p:cNvSpPr txBox="1"/>
-          <p:nvPr/>
-        </p:nvSpPr>
-        <p:spPr>
-          <a:xfrm>
-            <a:off x="140127" y="221836"/>
-            <a:ext cx="2440476" cy="461665"/>
-          </a:xfrm>
-          <a:prstGeom prst="rect">
-            <a:avLst/>
-          </a:prstGeom>
-          <a:noFill/>
-        </p:spPr>
-        <p:txBody>
-          <a:bodyPr wrap="none" rtlCol="0">
-            <a:spAutoFit/>
-          </a:bodyPr>
-          <a:lstStyle/>
-          <a:p>
-            <a:r>
-              <a:rPr lang="en-US" sz="2400" dirty="0"/>
-              <a:t>Data set analysis</a:t>
-            </a:r>
-          </a:p>
-        </p:txBody>
-      </p:sp>
-      <p:sp>
-        <p:nvSpPr>
-          <p:cNvPr id="3" name="TextBox 2">
-            <a:extLst>
-              <a:ext uri="{FF2B5EF4-FFF2-40B4-BE49-F238E27FC236}">
-                <a16:creationId xmlns:a16="http://schemas.microsoft.com/office/drawing/2014/main" id="{D8B95F42-7908-E503-6060-6100B97ECD43}"/>
-              </a:ext>
-            </a:extLst>
-          </p:cNvPr>
-          <p:cNvSpPr txBox="1"/>
-          <p:nvPr/>
-        </p:nvSpPr>
-        <p:spPr>
-          <a:xfrm>
-            <a:off x="986118" y="941294"/>
-            <a:ext cx="3857659" cy="923330"/>
-          </a:xfrm>
-          <a:prstGeom prst="rect">
-            <a:avLst/>
-          </a:prstGeom>
-          <a:noFill/>
-        </p:spPr>
-        <p:txBody>
-          <a:bodyPr wrap="none" rtlCol="0">
-            <a:spAutoFit/>
-          </a:bodyPr>
-          <a:lstStyle/>
-          <a:p>
-            <a:pPr marL="285750" indent="-285750">
-              <a:buFont typeface="Arial" panose="020B0604020202020204" pitchFamily="34" charset="0"/>
-              <a:buChar char="•"/>
-            </a:pPr>
-            <a:r>
-              <a:rPr lang="en-US" dirty="0"/>
-              <a:t>nans</a:t>
-            </a:r>
-          </a:p>
-          <a:p>
-            <a:pPr marL="285750" indent="-285750">
-              <a:buFont typeface="Arial" panose="020B0604020202020204" pitchFamily="34" charset="0"/>
-              <a:buChar char="•"/>
-            </a:pPr>
-            <a:r>
-              <a:rPr lang="en-US" dirty="0"/>
-              <a:t>dups</a:t>
-            </a:r>
-          </a:p>
-          <a:p>
-            <a:pPr marL="285750" indent="-285750">
-              <a:buFont typeface="Arial" panose="020B0604020202020204" pitchFamily="34" charset="0"/>
-              <a:buChar char="•"/>
-            </a:pPr>
-            <a:r>
-              <a:rPr lang="en-US" dirty="0"/>
-              <a:t>distribution of binding affinity data</a:t>
-            </a:r>
-          </a:p>
-        </p:txBody>
-      </p:sp>
-    </p:spTree>
-    <p:extLst>
-      <p:ext uri="{BB962C8B-B14F-4D97-AF65-F5344CB8AC3E}">
-        <p14:creationId xmlns:p14="http://schemas.microsoft.com/office/powerpoint/2010/main" val="2470448845"/>
-      </p:ext>
-    </p:extLst>
-  </p:cSld>
-  <p:clrMapOvr>
-    <a:masterClrMapping/>
-  </p:clrMapOvr>
-</p:sld>
-</file>
-
-<file path=ppt/slides/slide20.xml><?xml version="1.0" encoding="utf-8"?>
+<file path=ppt/slides/slide22.xml><?xml version="1.0" encoding="utf-8"?>
 <p:sld xmlns:a="http://schemas.openxmlformats.org/drawingml/2006/main" xmlns:r="http://schemas.openxmlformats.org/officeDocument/2006/relationships" xmlns:p="http://schemas.openxmlformats.org/presentationml/2006/main">
   <p:cSld>
     <p:spTree>
@@ -18597,7 +19645,7 @@
 </p:sld>
 </file>
 
-<file path=ppt/slides/slide21.xml><?xml version="1.0" encoding="utf-8"?>
+<file path=ppt/slides/slide23.xml><?xml version="1.0" encoding="utf-8"?>
 <p:sld xmlns:a="http://schemas.openxmlformats.org/drawingml/2006/main" xmlns:r="http://schemas.openxmlformats.org/officeDocument/2006/relationships" xmlns:p="http://schemas.openxmlformats.org/presentationml/2006/main">
   <p:cSld>
     <p:spTree>
@@ -18905,7 +19953,7 @@
 </p:sld>
 </file>
 
-<file path=ppt/slides/slide22.xml><?xml version="1.0" encoding="utf-8"?>
+<file path=ppt/slides/slide24.xml><?xml version="1.0" encoding="utf-8"?>
 <p:sld xmlns:a="http://schemas.openxmlformats.org/drawingml/2006/main" xmlns:r="http://schemas.openxmlformats.org/officeDocument/2006/relationships" xmlns:p="http://schemas.openxmlformats.org/presentationml/2006/main">
   <p:cSld>
     <p:spTree>
@@ -19026,6 +20074,36 @@
           <a:chExt cx="0" cy="0"/>
         </a:xfrm>
       </p:grpSpPr>
+      <p:pic>
+        <p:nvPicPr>
+          <p:cNvPr id="6" name="Picture 5">
+            <a:extLst>
+              <a:ext uri="{FF2B5EF4-FFF2-40B4-BE49-F238E27FC236}">
+                <a16:creationId xmlns:a16="http://schemas.microsoft.com/office/drawing/2014/main" id="{3AB9F594-C03F-C97E-A552-D21028275E9B}"/>
+              </a:ext>
+            </a:extLst>
+          </p:cNvPr>
+          <p:cNvPicPr>
+            <a:picLocks noChangeAspect="1"/>
+          </p:cNvPicPr>
+          <p:nvPr/>
+        </p:nvPicPr>
+        <p:blipFill>
+          <a:blip r:embed="rId2"/>
+          <a:stretch>
+            <a:fillRect/>
+          </a:stretch>
+        </p:blipFill>
+        <p:spPr>
+          <a:xfrm>
+            <a:off x="671064" y="3975100"/>
+            <a:ext cx="4000500" cy="2882900"/>
+          </a:xfrm>
+          <a:prstGeom prst="rect">
+            <a:avLst/>
+          </a:prstGeom>
+        </p:spPr>
+      </p:pic>
       <p:sp>
         <p:nvSpPr>
           <p:cNvPr id="2" name="TextBox 1">
@@ -19041,7 +20119,7 @@
         <p:spPr>
           <a:xfrm>
             <a:off x="140127" y="221836"/>
-            <a:ext cx="2440476" cy="461665"/>
+            <a:ext cx="3472810" cy="461665"/>
           </a:xfrm>
           <a:prstGeom prst="rect">
             <a:avLst/>
@@ -19056,17 +20134,121 @@
           <a:p>
             <a:r>
               <a:rPr lang="en-US" sz="2400" dirty="0"/>
-              <a:t>Data set analysis</a:t>
-            </a:r>
+              <a:t>Data set analysis – part 2</a:t>
+            </a:r>
+          </a:p>
+        </p:txBody>
+      </p:sp>
+      <p:pic>
+        <p:nvPicPr>
+          <p:cNvPr id="5" name="Picture 4">
+            <a:extLst>
+              <a:ext uri="{FF2B5EF4-FFF2-40B4-BE49-F238E27FC236}">
+                <a16:creationId xmlns:a16="http://schemas.microsoft.com/office/drawing/2014/main" id="{004E675A-1C32-B792-0686-94A327045471}"/>
+              </a:ext>
+            </a:extLst>
+          </p:cNvPr>
+          <p:cNvPicPr>
+            <a:picLocks noChangeAspect="1"/>
+          </p:cNvPicPr>
+          <p:nvPr/>
+        </p:nvPicPr>
+        <p:blipFill>
+          <a:blip r:embed="rId3"/>
+          <a:stretch>
+            <a:fillRect/>
+          </a:stretch>
+        </p:blipFill>
+        <p:spPr>
+          <a:xfrm>
+            <a:off x="3670560" y="698948"/>
+            <a:ext cx="3683000" cy="2882900"/>
+          </a:xfrm>
+          <a:prstGeom prst="rect">
+            <a:avLst/>
+          </a:prstGeom>
+        </p:spPr>
+      </p:pic>
+      <p:pic>
+        <p:nvPicPr>
+          <p:cNvPr id="7" name="Picture 6">
+            <a:extLst>
+              <a:ext uri="{FF2B5EF4-FFF2-40B4-BE49-F238E27FC236}">
+                <a16:creationId xmlns:a16="http://schemas.microsoft.com/office/drawing/2014/main" id="{27C0F13D-962E-3657-5DEE-34FD510A4981}"/>
+              </a:ext>
+            </a:extLst>
+          </p:cNvPr>
+          <p:cNvPicPr>
+            <a:picLocks noChangeAspect="1"/>
+          </p:cNvPicPr>
+          <p:nvPr/>
+        </p:nvPicPr>
+        <p:blipFill>
+          <a:blip r:embed="rId4"/>
+          <a:stretch>
+            <a:fillRect/>
+          </a:stretch>
+        </p:blipFill>
+        <p:spPr>
+          <a:xfrm>
+            <a:off x="7714172" y="711289"/>
+            <a:ext cx="3733800" cy="2882900"/>
+          </a:xfrm>
+          <a:prstGeom prst="rect">
+            <a:avLst/>
+          </a:prstGeom>
+        </p:spPr>
+      </p:pic>
+      <p:sp>
+        <p:nvSpPr>
+          <p:cNvPr id="8" name="Right Brace 7">
+            <a:extLst>
+              <a:ext uri="{FF2B5EF4-FFF2-40B4-BE49-F238E27FC236}">
+                <a16:creationId xmlns:a16="http://schemas.microsoft.com/office/drawing/2014/main" id="{384E57D8-39A4-D74D-ED33-24E95A329067}"/>
+              </a:ext>
+            </a:extLst>
+          </p:cNvPr>
+          <p:cNvSpPr/>
+          <p:nvPr/>
+        </p:nvSpPr>
+        <p:spPr>
+          <a:xfrm rot="3425923">
+            <a:off x="3184486" y="3975387"/>
+            <a:ext cx="326415" cy="2305605"/>
+          </a:xfrm>
+          <a:prstGeom prst="rightBrace">
+            <a:avLst/>
+          </a:prstGeom>
+        </p:spPr>
+        <p:style>
+          <a:lnRef idx="2">
+            <a:schemeClr val="accent1"/>
+          </a:lnRef>
+          <a:fillRef idx="0">
+            <a:schemeClr val="accent1"/>
+          </a:fillRef>
+          <a:effectRef idx="1">
+            <a:schemeClr val="accent1"/>
+          </a:effectRef>
+          <a:fontRef idx="minor">
+            <a:schemeClr val="tx1"/>
+          </a:fontRef>
+        </p:style>
+        <p:txBody>
+          <a:bodyPr rtlCol="0" anchor="ctr"/>
+          <a:lstStyle/>
+          <a:p>
+            <a:pPr algn="ctr"/>
+            <a:endParaRPr lang="en-US"/>
           </a:p>
         </p:txBody>
       </p:sp>
       <p:sp>
         <p:nvSpPr>
-          <p:cNvPr id="3" name="TextBox 2">
+          <p:cNvPr id="9" name="TextBox 8">
             <a:extLst>
               <a:ext uri="{FF2B5EF4-FFF2-40B4-BE49-F238E27FC236}">
-                <a16:creationId xmlns:a16="http://schemas.microsoft.com/office/drawing/2014/main" id="{7E599AD6-DD1F-452C-E83F-FF0E0FAF05B1}"/>
+                <a16:creationId xmlns:a16="http://schemas.microsoft.com/office/drawing/2014/main" id="{EC1A7CCE-E29E-8773-70DE-2B8B0A3A53C2}"/>
               </a:ext>
             </a:extLst>
           </p:cNvPr>
@@ -19075,8 +20257,8 @@
         </p:nvSpPr>
         <p:spPr>
           <a:xfrm>
-            <a:off x="1380565" y="1434353"/>
-            <a:ext cx="4729756" cy="923330"/>
+            <a:off x="4996724" y="4364964"/>
+            <a:ext cx="6038000" cy="369332"/>
           </a:xfrm>
           <a:prstGeom prst="rect">
             <a:avLst/>
@@ -19089,54 +20271,237 @@
           </a:bodyPr>
           <a:lstStyle/>
           <a:p>
-            <a:pPr marL="285750" indent="-285750">
-              <a:buFont typeface="Arial" panose="020B0604020202020204" pitchFamily="34" charset="0"/>
-              <a:buChar char="•"/>
-            </a:pPr>
+            <a:r>
+              <a:rPr lang="en-US" dirty="0"/>
+              <a:t>Not surprising that larger </a:t>
+            </a:r>
+            <a:r>
+              <a:rPr lang="en-US" dirty="0" err="1">
+                <a:latin typeface="Symbol" pitchFamily="2" charset="2"/>
+              </a:rPr>
+              <a:t>D</a:t>
+            </a:r>
             <a:r>
               <a:rPr lang="en-US" dirty="0" err="1"/>
               <a:t>Kd</a:t>
             </a:r>
             <a:r>
               <a:rPr lang="en-US" dirty="0"/>
-              <a:t> lower, upper ??</a:t>
-            </a:r>
-          </a:p>
-          <a:p>
-            <a:pPr marL="285750" indent="-285750">
-              <a:buFont typeface="Arial" panose="020B0604020202020204" pitchFamily="34" charset="0"/>
-              <a:buChar char="•"/>
-            </a:pPr>
-            <a:r>
-              <a:rPr lang="en-US" b="0" dirty="0" err="1">
-                <a:effectLst/>
-              </a:rPr>
-              <a:t>Kd_lower_bound,Kd_upper_bound,q_value</a:t>
-            </a:r>
-            <a:endParaRPr lang="en-US" b="0" dirty="0">
-              <a:effectLst/>
-            </a:endParaRPr>
-          </a:p>
-          <a:p>
-            <a:pPr marL="285750" indent="-285750">
-              <a:buFont typeface="Arial" panose="020B0604020202020204" pitchFamily="34" charset="0"/>
-              <a:buChar char="•"/>
-            </a:pPr>
-            <a:r>
-              <a:rPr lang="en-US" dirty="0"/>
-              <a:t>Nature paper’s </a:t>
+              <a:t> correlate with larger </a:t>
             </a:r>
             <a:r>
               <a:rPr lang="en-US" dirty="0" err="1"/>
-              <a:t>scFv</a:t>
-            </a:r>
-            <a:r>
-              <a:rPr lang="en-US" dirty="0"/>
-              <a:t> data set?</a:t>
-            </a:r>
+              <a:t>q_values</a:t>
+            </a:r>
+            <a:endParaRPr lang="en-US" dirty="0"/>
           </a:p>
         </p:txBody>
       </p:sp>
+      <p:sp>
+        <p:nvSpPr>
+          <p:cNvPr id="10" name="TextBox 9">
+            <a:extLst>
+              <a:ext uri="{FF2B5EF4-FFF2-40B4-BE49-F238E27FC236}">
+                <a16:creationId xmlns:a16="http://schemas.microsoft.com/office/drawing/2014/main" id="{086D1D2D-CE4E-8707-3A56-AEBF7E6EF12B}"/>
+              </a:ext>
+            </a:extLst>
+          </p:cNvPr>
+          <p:cNvSpPr txBox="1"/>
+          <p:nvPr/>
+        </p:nvSpPr>
+        <p:spPr>
+          <a:xfrm>
+            <a:off x="5323334" y="302307"/>
+            <a:ext cx="582724" cy="369332"/>
+          </a:xfrm>
+          <a:prstGeom prst="rect">
+            <a:avLst/>
+          </a:prstGeom>
+          <a:noFill/>
+        </p:spPr>
+        <p:txBody>
+          <a:bodyPr wrap="none" rtlCol="0">
+            <a:spAutoFit/>
+          </a:bodyPr>
+          <a:lstStyle/>
+          <a:p>
+            <a:r>
+              <a:rPr lang="en-US" dirty="0" err="1">
+                <a:latin typeface="Symbol" pitchFamily="2" charset="2"/>
+              </a:rPr>
+              <a:t>D</a:t>
+            </a:r>
+            <a:r>
+              <a:rPr lang="en-US" dirty="0" err="1"/>
+              <a:t>Kd</a:t>
+            </a:r>
+            <a:endParaRPr lang="en-US" dirty="0"/>
+          </a:p>
+        </p:txBody>
+      </p:sp>
+      <p:sp>
+        <p:nvSpPr>
+          <p:cNvPr id="11" name="TextBox 10">
+            <a:extLst>
+              <a:ext uri="{FF2B5EF4-FFF2-40B4-BE49-F238E27FC236}">
+                <a16:creationId xmlns:a16="http://schemas.microsoft.com/office/drawing/2014/main" id="{C911AC79-99E3-3159-74E9-7C2EACF44FA1}"/>
+              </a:ext>
+            </a:extLst>
+          </p:cNvPr>
+          <p:cNvSpPr txBox="1"/>
+          <p:nvPr/>
+        </p:nvSpPr>
+        <p:spPr>
+          <a:xfrm>
+            <a:off x="9237548" y="314648"/>
+            <a:ext cx="1068754" cy="369332"/>
+          </a:xfrm>
+          <a:prstGeom prst="rect">
+            <a:avLst/>
+          </a:prstGeom>
+          <a:noFill/>
+        </p:spPr>
+        <p:txBody>
+          <a:bodyPr wrap="none" rtlCol="0">
+            <a:spAutoFit/>
+          </a:bodyPr>
+          <a:lstStyle/>
+          <a:p>
+            <a:r>
+              <a:rPr lang="en-US" dirty="0" err="1"/>
+              <a:t>q_values</a:t>
+            </a:r>
+            <a:endParaRPr lang="en-US" dirty="0"/>
+          </a:p>
+        </p:txBody>
+      </p:sp>
+      <p:sp>
+        <p:nvSpPr>
+          <p:cNvPr id="13" name="TextBox 12">
+            <a:extLst>
+              <a:ext uri="{FF2B5EF4-FFF2-40B4-BE49-F238E27FC236}">
+                <a16:creationId xmlns:a16="http://schemas.microsoft.com/office/drawing/2014/main" id="{D4AB0126-C1AF-39FE-F8F1-B266C4A5FFE9}"/>
+              </a:ext>
+            </a:extLst>
+          </p:cNvPr>
+          <p:cNvSpPr txBox="1"/>
+          <p:nvPr/>
+        </p:nvSpPr>
+        <p:spPr>
+          <a:xfrm>
+            <a:off x="1643252" y="3594189"/>
+            <a:ext cx="1662635" cy="369332"/>
+          </a:xfrm>
+          <a:prstGeom prst="rect">
+            <a:avLst/>
+          </a:prstGeom>
+          <a:noFill/>
+        </p:spPr>
+        <p:txBody>
+          <a:bodyPr wrap="none" rtlCol="0">
+            <a:spAutoFit/>
+          </a:bodyPr>
+          <a:lstStyle/>
+          <a:p>
+            <a:r>
+              <a:rPr lang="en-US" dirty="0" err="1">
+                <a:latin typeface="Symbol" pitchFamily="2" charset="2"/>
+              </a:rPr>
+              <a:t>D</a:t>
+            </a:r>
+            <a:r>
+              <a:rPr lang="en-US" dirty="0" err="1"/>
+              <a:t>Kd</a:t>
+            </a:r>
+            <a:r>
+              <a:rPr lang="en-US" dirty="0"/>
+              <a:t> vs </a:t>
+            </a:r>
+            <a:r>
+              <a:rPr lang="en-US" dirty="0" err="1"/>
+              <a:t>q_value</a:t>
+            </a:r>
+            <a:endParaRPr lang="en-US" dirty="0"/>
+          </a:p>
+        </p:txBody>
+      </p:sp>
+      <p:sp>
+        <p:nvSpPr>
+          <p:cNvPr id="14" name="TextBox 13">
+            <a:extLst>
+              <a:ext uri="{FF2B5EF4-FFF2-40B4-BE49-F238E27FC236}">
+                <a16:creationId xmlns:a16="http://schemas.microsoft.com/office/drawing/2014/main" id="{A11BB0B1-F8C8-C7DA-DD29-480E8BEA37CF}"/>
+              </a:ext>
+            </a:extLst>
+          </p:cNvPr>
+          <p:cNvSpPr txBox="1"/>
+          <p:nvPr/>
+        </p:nvSpPr>
+        <p:spPr>
+          <a:xfrm>
+            <a:off x="5037826" y="5365630"/>
+            <a:ext cx="5996898" cy="369332"/>
+          </a:xfrm>
+          <a:prstGeom prst="rect">
+            <a:avLst/>
+          </a:prstGeom>
+          <a:noFill/>
+        </p:spPr>
+        <p:txBody>
+          <a:bodyPr wrap="none" rtlCol="0">
+            <a:spAutoFit/>
+          </a:bodyPr>
+          <a:lstStyle/>
+          <a:p>
+            <a:r>
+              <a:rPr lang="en-US" dirty="0"/>
+              <a:t>Data points in this region should be considered for removal</a:t>
+            </a:r>
+          </a:p>
+        </p:txBody>
+      </p:sp>
+      <p:cxnSp>
+        <p:nvCxnSpPr>
+          <p:cNvPr id="16" name="Straight Arrow Connector 15">
+            <a:extLst>
+              <a:ext uri="{FF2B5EF4-FFF2-40B4-BE49-F238E27FC236}">
+                <a16:creationId xmlns:a16="http://schemas.microsoft.com/office/drawing/2014/main" id="{E08DA9AE-070F-EC00-8E9C-B9BB358B7474}"/>
+              </a:ext>
+            </a:extLst>
+          </p:cNvPr>
+          <p:cNvCxnSpPr>
+            <a:cxnSpLocks/>
+            <a:stCxn id="14" idx="1"/>
+          </p:cNvCxnSpPr>
+          <p:nvPr/>
+        </p:nvCxnSpPr>
+        <p:spPr>
+          <a:xfrm flipH="1" flipV="1">
+            <a:off x="3519577" y="5296619"/>
+            <a:ext cx="1518249" cy="253677"/>
+          </a:xfrm>
+          <a:prstGeom prst="straightConnector1">
+            <a:avLst/>
+          </a:prstGeom>
+          <a:ln>
+            <a:tailEnd type="triangle"/>
+          </a:ln>
+        </p:spPr>
+        <p:style>
+          <a:lnRef idx="2">
+            <a:schemeClr val="accent1"/>
+          </a:lnRef>
+          <a:fillRef idx="0">
+            <a:schemeClr val="accent1"/>
+          </a:fillRef>
+          <a:effectRef idx="1">
+            <a:schemeClr val="accent1"/>
+          </a:effectRef>
+          <a:fontRef idx="minor">
+            <a:schemeClr val="tx1"/>
+          </a:fontRef>
+        </p:style>
+      </p:cxnSp>
     </p:spTree>
     <p:extLst>
       <p:ext uri="{BB962C8B-B14F-4D97-AF65-F5344CB8AC3E}">
@@ -19151,6 +20516,739 @@
 </file>
 
 <file path=ppt/slides/slide4.xml><?xml version="1.0" encoding="utf-8"?>
+<p:sld xmlns:a="http://schemas.openxmlformats.org/drawingml/2006/main" xmlns:r="http://schemas.openxmlformats.org/officeDocument/2006/relationships" xmlns:p="http://schemas.openxmlformats.org/presentationml/2006/main">
+  <p:cSld>
+    <p:spTree>
+      <p:nvGrpSpPr>
+        <p:cNvPr id="1" name=""/>
+        <p:cNvGrpSpPr/>
+        <p:nvPr/>
+      </p:nvGrpSpPr>
+      <p:grpSpPr>
+        <a:xfrm>
+          <a:off x="0" y="0"/>
+          <a:ext cx="0" cy="0"/>
+          <a:chOff x="0" y="0"/>
+          <a:chExt cx="0" cy="0"/>
+        </a:xfrm>
+      </p:grpSpPr>
+      <p:sp>
+        <p:nvSpPr>
+          <p:cNvPr id="3" name="TextBox 2">
+            <a:extLst>
+              <a:ext uri="{FF2B5EF4-FFF2-40B4-BE49-F238E27FC236}">
+                <a16:creationId xmlns:a16="http://schemas.microsoft.com/office/drawing/2014/main" id="{90F59776-7CC5-CCAF-413F-1B038A87DE9F}"/>
+              </a:ext>
+            </a:extLst>
+          </p:cNvPr>
+          <p:cNvSpPr txBox="1"/>
+          <p:nvPr/>
+        </p:nvSpPr>
+        <p:spPr>
+          <a:xfrm>
+            <a:off x="933806" y="1292358"/>
+            <a:ext cx="7761620" cy="923330"/>
+          </a:xfrm>
+          <a:prstGeom prst="rect">
+            <a:avLst/>
+          </a:prstGeom>
+          <a:noFill/>
+        </p:spPr>
+        <p:txBody>
+          <a:bodyPr wrap="square">
+            <a:spAutoFit/>
+          </a:bodyPr>
+          <a:lstStyle/>
+          <a:p>
+            <a:pPr marL="285750" indent="-285750">
+              <a:buFont typeface="Arial" panose="020B0604020202020204" pitchFamily="34" charset="0"/>
+              <a:buChar char="•"/>
+            </a:pPr>
+            <a:r>
+              <a:rPr lang="en-US" dirty="0"/>
+              <a:t>remove NANs, duplicates, and use mean </a:t>
+            </a:r>
+            <a:r>
+              <a:rPr lang="en-US" dirty="0" err="1"/>
+              <a:t>Kd</a:t>
+            </a:r>
+            <a:r>
+              <a:rPr lang="en-US" dirty="0"/>
+              <a:t> for duplicates</a:t>
+            </a:r>
+            <a:endParaRPr lang="en-US" sz="1800" b="0" dirty="0">
+              <a:effectLst/>
+            </a:endParaRPr>
+          </a:p>
+          <a:p>
+            <a:pPr marL="285750" indent="-285750">
+              <a:buFont typeface="Arial" panose="020B0604020202020204" pitchFamily="34" charset="0"/>
+              <a:buChar char="•"/>
+            </a:pPr>
+            <a:r>
+              <a:rPr lang="en-US" sz="1800" b="0" dirty="0">
+                <a:effectLst/>
+              </a:rPr>
+              <a:t>90/10 split for train/validation sets</a:t>
+            </a:r>
+          </a:p>
+          <a:p>
+            <a:pPr marL="285750" indent="-285750">
+              <a:buFont typeface="Arial" panose="020B0604020202020204" pitchFamily="34" charset="0"/>
+              <a:buChar char="•"/>
+            </a:pPr>
+            <a:r>
+              <a:rPr lang="en-US" sz="1800" dirty="0"/>
+              <a:t>train (26279 rows), </a:t>
+            </a:r>
+            <a:r>
+              <a:rPr lang="en-US" sz="1800" dirty="0" err="1"/>
+              <a:t>val</a:t>
+            </a:r>
+            <a:r>
+              <a:rPr lang="en-US" sz="1800" dirty="0"/>
+              <a:t> (2920 rows)</a:t>
+            </a:r>
+          </a:p>
+        </p:txBody>
+      </p:sp>
+      <p:sp>
+        <p:nvSpPr>
+          <p:cNvPr id="4" name="TextBox 3">
+            <a:extLst>
+              <a:ext uri="{FF2B5EF4-FFF2-40B4-BE49-F238E27FC236}">
+                <a16:creationId xmlns:a16="http://schemas.microsoft.com/office/drawing/2014/main" id="{A823B7D1-6885-6524-808E-292692E93FBC}"/>
+              </a:ext>
+            </a:extLst>
+          </p:cNvPr>
+          <p:cNvSpPr txBox="1"/>
+          <p:nvPr/>
+        </p:nvSpPr>
+        <p:spPr>
+          <a:xfrm>
+            <a:off x="146649" y="184362"/>
+            <a:ext cx="4339008" cy="461665"/>
+          </a:xfrm>
+          <a:prstGeom prst="rect">
+            <a:avLst/>
+          </a:prstGeom>
+          <a:noFill/>
+        </p:spPr>
+        <p:txBody>
+          <a:bodyPr wrap="none" rtlCol="0">
+            <a:spAutoFit/>
+          </a:bodyPr>
+          <a:lstStyle/>
+          <a:p>
+            <a:r>
+              <a:rPr lang="en-US" sz="2400" dirty="0"/>
+              <a:t>Training Datasets : two versions</a:t>
+            </a:r>
+          </a:p>
+        </p:txBody>
+      </p:sp>
+      <p:sp>
+        <p:nvSpPr>
+          <p:cNvPr id="5" name="TextBox 4">
+            <a:extLst>
+              <a:ext uri="{FF2B5EF4-FFF2-40B4-BE49-F238E27FC236}">
+                <a16:creationId xmlns:a16="http://schemas.microsoft.com/office/drawing/2014/main" id="{B2600AAF-F4BA-D6D8-31D9-0D669D1AB800}"/>
+              </a:ext>
+            </a:extLst>
+          </p:cNvPr>
+          <p:cNvSpPr txBox="1"/>
+          <p:nvPr/>
+        </p:nvSpPr>
+        <p:spPr>
+          <a:xfrm>
+            <a:off x="586596" y="923026"/>
+            <a:ext cx="960776" cy="369332"/>
+          </a:xfrm>
+          <a:prstGeom prst="rect">
+            <a:avLst/>
+          </a:prstGeom>
+          <a:noFill/>
+        </p:spPr>
+        <p:txBody>
+          <a:bodyPr wrap="none" rtlCol="0">
+            <a:spAutoFit/>
+          </a:bodyPr>
+          <a:lstStyle/>
+          <a:p>
+            <a:r>
+              <a:rPr lang="en-US" dirty="0"/>
+              <a:t>Clean-1</a:t>
+            </a:r>
+          </a:p>
+        </p:txBody>
+      </p:sp>
+      <p:sp>
+        <p:nvSpPr>
+          <p:cNvPr id="6" name="TextBox 5">
+            <a:extLst>
+              <a:ext uri="{FF2B5EF4-FFF2-40B4-BE49-F238E27FC236}">
+                <a16:creationId xmlns:a16="http://schemas.microsoft.com/office/drawing/2014/main" id="{C32A8199-D7F0-934C-F158-7AEAC442FB70}"/>
+              </a:ext>
+            </a:extLst>
+          </p:cNvPr>
+          <p:cNvSpPr txBox="1"/>
+          <p:nvPr/>
+        </p:nvSpPr>
+        <p:spPr>
+          <a:xfrm>
+            <a:off x="933805" y="3411581"/>
+            <a:ext cx="9486903" cy="1477328"/>
+          </a:xfrm>
+          <a:prstGeom prst="rect">
+            <a:avLst/>
+          </a:prstGeom>
+          <a:noFill/>
+        </p:spPr>
+        <p:txBody>
+          <a:bodyPr wrap="square">
+            <a:spAutoFit/>
+          </a:bodyPr>
+          <a:lstStyle/>
+          <a:p>
+            <a:pPr marL="285750" indent="-285750">
+              <a:buFont typeface="Arial" panose="020B0604020202020204" pitchFamily="34" charset="0"/>
+              <a:buChar char="•"/>
+            </a:pPr>
+            <a:r>
+              <a:rPr lang="en-US" dirty="0"/>
+              <a:t>remove NANs, duplicates, and use mean </a:t>
+            </a:r>
+            <a:r>
+              <a:rPr lang="en-US" dirty="0" err="1"/>
+              <a:t>Kd</a:t>
+            </a:r>
+            <a:r>
+              <a:rPr lang="en-US" dirty="0"/>
+              <a:t> for duplicates</a:t>
+            </a:r>
+          </a:p>
+          <a:p>
+            <a:pPr marL="285750" indent="-285750">
+              <a:buFont typeface="Arial" panose="020B0604020202020204" pitchFamily="34" charset="0"/>
+              <a:buChar char="•"/>
+            </a:pPr>
+            <a:r>
+              <a:rPr lang="en-US" sz="1800" b="0" dirty="0">
+                <a:effectLst/>
+              </a:rPr>
+              <a:t>remove all rows with </a:t>
+            </a:r>
+            <a:r>
+              <a:rPr lang="en-US" sz="1800" b="0" dirty="0" err="1">
+                <a:effectLst/>
+              </a:rPr>
+              <a:t>q_value</a:t>
+            </a:r>
+            <a:r>
+              <a:rPr lang="en-US" sz="1800" b="0" dirty="0">
+                <a:effectLst/>
+              </a:rPr>
+              <a:t> &gt; 0.5 (Note: about 50% of the original data has </a:t>
+            </a:r>
+            <a:r>
+              <a:rPr lang="en-US" sz="1800" b="0" dirty="0" err="1">
+                <a:effectLst/>
+              </a:rPr>
+              <a:t>q_value</a:t>
+            </a:r>
+            <a:r>
+              <a:rPr lang="en-US" sz="1800" b="0" dirty="0">
+                <a:effectLst/>
+              </a:rPr>
+              <a:t> = 1.0)</a:t>
+            </a:r>
+          </a:p>
+          <a:p>
+            <a:pPr marL="285750" indent="-285750">
+              <a:buFont typeface="Arial" panose="020B0604020202020204" pitchFamily="34" charset="0"/>
+              <a:buChar char="•"/>
+            </a:pPr>
+            <a:r>
+              <a:rPr lang="en-US" sz="1800" b="0" dirty="0">
+                <a:effectLst/>
+              </a:rPr>
+              <a:t>90/10 split for train/validation sets</a:t>
+            </a:r>
+          </a:p>
+          <a:p>
+            <a:pPr marL="285750" indent="-285750">
+              <a:buFont typeface="Arial" panose="020B0604020202020204" pitchFamily="34" charset="0"/>
+              <a:buChar char="•"/>
+            </a:pPr>
+            <a:r>
+              <a:rPr lang="en-US" sz="1800" dirty="0"/>
+              <a:t>train (11088 rows), </a:t>
+            </a:r>
+            <a:r>
+              <a:rPr lang="en-US" sz="1800" dirty="0" err="1"/>
+              <a:t>val</a:t>
+            </a:r>
+            <a:r>
+              <a:rPr lang="en-US" sz="1800" dirty="0"/>
+              <a:t> (1232 rows)</a:t>
+            </a:r>
+            <a:endParaRPr lang="en-US" dirty="0"/>
+          </a:p>
+          <a:p>
+            <a:pPr marL="285750" indent="-285750">
+              <a:buFont typeface="Arial" panose="020B0604020202020204" pitchFamily="34" charset="0"/>
+              <a:buChar char="•"/>
+            </a:pPr>
+            <a:r>
+              <a:rPr lang="en-US" sz="1800" dirty="0"/>
+              <a:t>overfitting is a concern with this dataset</a:t>
+            </a:r>
+          </a:p>
+        </p:txBody>
+      </p:sp>
+      <p:sp>
+        <p:nvSpPr>
+          <p:cNvPr id="7" name="TextBox 6">
+            <a:extLst>
+              <a:ext uri="{FF2B5EF4-FFF2-40B4-BE49-F238E27FC236}">
+                <a16:creationId xmlns:a16="http://schemas.microsoft.com/office/drawing/2014/main" id="{DC5E5CB7-B92A-B4E6-8F3F-94929B8233BC}"/>
+              </a:ext>
+            </a:extLst>
+          </p:cNvPr>
+          <p:cNvSpPr txBox="1"/>
+          <p:nvPr/>
+        </p:nvSpPr>
+        <p:spPr>
+          <a:xfrm>
+            <a:off x="586596" y="3042249"/>
+            <a:ext cx="978153" cy="369332"/>
+          </a:xfrm>
+          <a:prstGeom prst="rect">
+            <a:avLst/>
+          </a:prstGeom>
+          <a:noFill/>
+        </p:spPr>
+        <p:txBody>
+          <a:bodyPr wrap="none" rtlCol="0">
+            <a:spAutoFit/>
+          </a:bodyPr>
+          <a:lstStyle/>
+          <a:p>
+            <a:r>
+              <a:rPr lang="en-US" dirty="0"/>
+              <a:t>Clean-2</a:t>
+            </a:r>
+          </a:p>
+        </p:txBody>
+      </p:sp>
+      <p:pic>
+        <p:nvPicPr>
+          <p:cNvPr id="8" name="Picture 7">
+            <a:extLst>
+              <a:ext uri="{FF2B5EF4-FFF2-40B4-BE49-F238E27FC236}">
+                <a16:creationId xmlns:a16="http://schemas.microsoft.com/office/drawing/2014/main" id="{AE83AF95-EFB8-D9AC-6769-E9A67E57C14B}"/>
+              </a:ext>
+            </a:extLst>
+          </p:cNvPr>
+          <p:cNvPicPr>
+            <a:picLocks noChangeAspect="1"/>
+          </p:cNvPicPr>
+          <p:nvPr/>
+        </p:nvPicPr>
+        <p:blipFill>
+          <a:blip r:embed="rId2"/>
+          <a:stretch>
+            <a:fillRect/>
+          </a:stretch>
+        </p:blipFill>
+        <p:spPr>
+          <a:xfrm>
+            <a:off x="7593043" y="4490202"/>
+            <a:ext cx="3026075" cy="2223039"/>
+          </a:xfrm>
+          <a:prstGeom prst="rect">
+            <a:avLst/>
+          </a:prstGeom>
+        </p:spPr>
+      </p:pic>
+      <p:sp>
+        <p:nvSpPr>
+          <p:cNvPr id="9" name="TextBox 8">
+            <a:extLst>
+              <a:ext uri="{FF2B5EF4-FFF2-40B4-BE49-F238E27FC236}">
+                <a16:creationId xmlns:a16="http://schemas.microsoft.com/office/drawing/2014/main" id="{DEB93D53-C98F-967F-FD08-149A4D6157AA}"/>
+              </a:ext>
+            </a:extLst>
+          </p:cNvPr>
+          <p:cNvSpPr txBox="1"/>
+          <p:nvPr/>
+        </p:nvSpPr>
+        <p:spPr>
+          <a:xfrm>
+            <a:off x="8100204" y="4120870"/>
+            <a:ext cx="1783117" cy="369332"/>
+          </a:xfrm>
+          <a:prstGeom prst="rect">
+            <a:avLst/>
+          </a:prstGeom>
+          <a:noFill/>
+        </p:spPr>
+        <p:txBody>
+          <a:bodyPr wrap="none" rtlCol="0">
+            <a:spAutoFit/>
+          </a:bodyPr>
+          <a:lstStyle/>
+          <a:p>
+            <a:r>
+              <a:rPr lang="en-US" dirty="0"/>
+              <a:t>Clean-2 dataset</a:t>
+            </a:r>
+          </a:p>
+        </p:txBody>
+      </p:sp>
+      <p:pic>
+        <p:nvPicPr>
+          <p:cNvPr id="10" name="Picture 9">
+            <a:extLst>
+              <a:ext uri="{FF2B5EF4-FFF2-40B4-BE49-F238E27FC236}">
+                <a16:creationId xmlns:a16="http://schemas.microsoft.com/office/drawing/2014/main" id="{6395B665-70EA-5B20-8B8B-7EAA1ED916E2}"/>
+              </a:ext>
+            </a:extLst>
+          </p:cNvPr>
+          <p:cNvPicPr>
+            <a:picLocks noChangeAspect="1"/>
+          </p:cNvPicPr>
+          <p:nvPr/>
+        </p:nvPicPr>
+        <p:blipFill>
+          <a:blip r:embed="rId3"/>
+          <a:stretch>
+            <a:fillRect/>
+          </a:stretch>
+        </p:blipFill>
+        <p:spPr>
+          <a:xfrm>
+            <a:off x="7663580" y="704181"/>
+            <a:ext cx="2955538" cy="2154682"/>
+          </a:xfrm>
+          <a:prstGeom prst="rect">
+            <a:avLst/>
+          </a:prstGeom>
+        </p:spPr>
+      </p:pic>
+      <p:sp>
+        <p:nvSpPr>
+          <p:cNvPr id="11" name="TextBox 10">
+            <a:extLst>
+              <a:ext uri="{FF2B5EF4-FFF2-40B4-BE49-F238E27FC236}">
+                <a16:creationId xmlns:a16="http://schemas.microsoft.com/office/drawing/2014/main" id="{E352572C-0B04-B7EF-D36F-336747D674CB}"/>
+              </a:ext>
+            </a:extLst>
+          </p:cNvPr>
+          <p:cNvSpPr txBox="1"/>
+          <p:nvPr/>
+        </p:nvSpPr>
+        <p:spPr>
+          <a:xfrm>
+            <a:off x="8223210" y="345092"/>
+            <a:ext cx="1765740" cy="369332"/>
+          </a:xfrm>
+          <a:prstGeom prst="rect">
+            <a:avLst/>
+          </a:prstGeom>
+          <a:noFill/>
+        </p:spPr>
+        <p:txBody>
+          <a:bodyPr wrap="none" rtlCol="0">
+            <a:spAutoFit/>
+          </a:bodyPr>
+          <a:lstStyle/>
+          <a:p>
+            <a:r>
+              <a:rPr lang="en-US" dirty="0"/>
+              <a:t>Clean-1 dataset</a:t>
+            </a:r>
+          </a:p>
+        </p:txBody>
+      </p:sp>
+    </p:spTree>
+    <p:extLst>
+      <p:ext uri="{BB962C8B-B14F-4D97-AF65-F5344CB8AC3E}">
+        <p14:creationId xmlns:p14="http://schemas.microsoft.com/office/powerpoint/2010/main" val="1507180346"/>
+      </p:ext>
+    </p:extLst>
+  </p:cSld>
+  <p:clrMapOvr>
+    <a:masterClrMapping/>
+  </p:clrMapOvr>
+</p:sld>
+</file>
+
+<file path=ppt/slides/slide5.xml><?xml version="1.0" encoding="utf-8"?>
+<p:sld xmlns:a="http://schemas.openxmlformats.org/drawingml/2006/main" xmlns:r="http://schemas.openxmlformats.org/officeDocument/2006/relationships" xmlns:p="http://schemas.openxmlformats.org/presentationml/2006/main">
+  <p:cSld>
+    <p:spTree>
+      <p:nvGrpSpPr>
+        <p:cNvPr id="1" name=""/>
+        <p:cNvGrpSpPr/>
+        <p:nvPr/>
+      </p:nvGrpSpPr>
+      <p:grpSpPr>
+        <a:xfrm>
+          <a:off x="0" y="0"/>
+          <a:ext cx="0" cy="0"/>
+          <a:chOff x="0" y="0"/>
+          <a:chExt cx="0" cy="0"/>
+        </a:xfrm>
+      </p:grpSpPr>
+      <p:sp>
+        <p:nvSpPr>
+          <p:cNvPr id="2" name="TextBox 1">
+            <a:extLst>
+              <a:ext uri="{FF2B5EF4-FFF2-40B4-BE49-F238E27FC236}">
+                <a16:creationId xmlns:a16="http://schemas.microsoft.com/office/drawing/2014/main" id="{AFC9D980-DB6C-F217-ACEB-CB176E6A7B87}"/>
+              </a:ext>
+            </a:extLst>
+          </p:cNvPr>
+          <p:cNvSpPr txBox="1"/>
+          <p:nvPr/>
+        </p:nvSpPr>
+        <p:spPr>
+          <a:xfrm>
+            <a:off x="146649" y="184362"/>
+            <a:ext cx="2080057" cy="461665"/>
+          </a:xfrm>
+          <a:prstGeom prst="rect">
+            <a:avLst/>
+          </a:prstGeom>
+          <a:noFill/>
+        </p:spPr>
+        <p:txBody>
+          <a:bodyPr wrap="none" rtlCol="0">
+            <a:spAutoFit/>
+          </a:bodyPr>
+          <a:lstStyle/>
+          <a:p>
+            <a:r>
+              <a:rPr lang="en-US" sz="2400" dirty="0"/>
+              <a:t>Regularization</a:t>
+            </a:r>
+          </a:p>
+        </p:txBody>
+      </p:sp>
+      <p:sp>
+        <p:nvSpPr>
+          <p:cNvPr id="3" name="TextBox 2">
+            <a:extLst>
+              <a:ext uri="{FF2B5EF4-FFF2-40B4-BE49-F238E27FC236}">
+                <a16:creationId xmlns:a16="http://schemas.microsoft.com/office/drawing/2014/main" id="{F59BB385-201F-DEC8-67A1-77FED4839CC2}"/>
+              </a:ext>
+            </a:extLst>
+          </p:cNvPr>
+          <p:cNvSpPr txBox="1"/>
+          <p:nvPr/>
+        </p:nvSpPr>
+        <p:spPr>
+          <a:xfrm>
+            <a:off x="508958" y="923025"/>
+            <a:ext cx="10877909" cy="3693319"/>
+          </a:xfrm>
+          <a:prstGeom prst="rect">
+            <a:avLst/>
+          </a:prstGeom>
+          <a:noFill/>
+        </p:spPr>
+        <p:txBody>
+          <a:bodyPr wrap="square" rtlCol="0">
+            <a:spAutoFit/>
+          </a:bodyPr>
+          <a:lstStyle/>
+          <a:p>
+            <a:r>
+              <a:rPr lang="en-US" dirty="0"/>
+              <a:t>Overfitting will be an issue with datasets this small  (especially the Clean-2 dataset)</a:t>
+            </a:r>
+          </a:p>
+          <a:p>
+            <a:endParaRPr lang="en-US" dirty="0"/>
+          </a:p>
+          <a:p>
+            <a:endParaRPr lang="en-US" dirty="0"/>
+          </a:p>
+          <a:p>
+            <a:r>
+              <a:rPr lang="en-US" dirty="0"/>
+              <a:t>Regularization, data augmentation, and </a:t>
+            </a:r>
+            <a:r>
+              <a:rPr lang="en-US" dirty="0" err="1"/>
+              <a:t>misc</a:t>
+            </a:r>
+            <a:r>
+              <a:rPr lang="en-US" dirty="0"/>
+              <a:t> training ideas:</a:t>
+            </a:r>
+          </a:p>
+          <a:p>
+            <a:pPr marL="285750" indent="-285750">
+              <a:buFont typeface="Arial" panose="020B0604020202020204" pitchFamily="34" charset="0"/>
+              <a:buChar char="•"/>
+            </a:pPr>
+            <a:r>
+              <a:rPr lang="en-US" dirty="0"/>
+              <a:t>Rather than regress to a single </a:t>
+            </a:r>
+            <a:r>
+              <a:rPr lang="en-US" dirty="0" err="1"/>
+              <a:t>Kd</a:t>
+            </a:r>
+            <a:r>
+              <a:rPr lang="en-US" dirty="0"/>
+              <a:t> value, randomly choose </a:t>
+            </a:r>
+            <a:r>
+              <a:rPr lang="en-US" dirty="0" err="1"/>
+              <a:t>Kd</a:t>
+            </a:r>
+            <a:r>
+              <a:rPr lang="en-US" dirty="0"/>
+              <a:t> from the range </a:t>
+            </a:r>
+            <a:r>
+              <a:rPr lang="en-US" dirty="0" err="1"/>
+              <a:t>Kd_lower</a:t>
+            </a:r>
+            <a:r>
+              <a:rPr lang="en-US" dirty="0"/>
+              <a:t> -&gt; </a:t>
+            </a:r>
+            <a:r>
+              <a:rPr lang="en-US" dirty="0" err="1"/>
+              <a:t>Kd_upper</a:t>
+            </a:r>
+            <a:r>
+              <a:rPr lang="en-US" dirty="0"/>
+              <a:t>.  Do this every batch</a:t>
+            </a:r>
+          </a:p>
+          <a:p>
+            <a:pPr marL="285750" indent="-285750">
+              <a:buFont typeface="Arial" panose="020B0604020202020204" pitchFamily="34" charset="0"/>
+              <a:buChar char="•"/>
+            </a:pPr>
+            <a:r>
+              <a:rPr lang="en-US" dirty="0"/>
+              <a:t>Make random point mutations in the non-CDR regions of the sequence with low frequency</a:t>
+            </a:r>
+          </a:p>
+          <a:p>
+            <a:pPr marL="285750" indent="-285750">
+              <a:buFont typeface="Arial" panose="020B0604020202020204" pitchFamily="34" charset="0"/>
+              <a:buChar char="•"/>
+            </a:pPr>
+            <a:r>
+              <a:rPr lang="en-US" dirty="0"/>
+              <a:t>Clip just the CDR extended by +/- 5-10 residues from the entire sequence and train on just that</a:t>
+            </a:r>
+          </a:p>
+          <a:p>
+            <a:pPr marL="285750" indent="-285750">
+              <a:buFont typeface="Arial" panose="020B0604020202020204" pitchFamily="34" charset="0"/>
+              <a:buChar char="•"/>
+            </a:pPr>
+            <a:r>
+              <a:rPr lang="en-US" dirty="0"/>
+              <a:t>Different objectives: MSE and MAE in separate training runs</a:t>
+            </a:r>
+          </a:p>
+          <a:p>
+            <a:pPr marL="285750" indent="-285750">
+              <a:buFont typeface="Arial" panose="020B0604020202020204" pitchFamily="34" charset="0"/>
+              <a:buChar char="•"/>
+            </a:pPr>
+            <a:r>
+              <a:rPr lang="en-US" dirty="0"/>
+              <a:t>Where possible, pre-train model on much-larger relevant dataset, then fine-tune on these smaller sets</a:t>
+            </a:r>
+          </a:p>
+          <a:p>
+            <a:pPr marL="285750" indent="-285750">
+              <a:buFont typeface="Arial" panose="020B0604020202020204" pitchFamily="34" charset="0"/>
+              <a:buChar char="•"/>
+            </a:pPr>
+            <a:r>
+              <a:rPr lang="en-US"/>
+              <a:t>Early stopping</a:t>
+            </a:r>
+            <a:endParaRPr lang="en-US" dirty="0"/>
+          </a:p>
+          <a:p>
+            <a:pPr marL="285750" indent="-285750">
+              <a:buFont typeface="Arial" panose="020B0604020202020204" pitchFamily="34" charset="0"/>
+              <a:buChar char="•"/>
+            </a:pPr>
+            <a:endParaRPr lang="en-US" dirty="0"/>
+          </a:p>
+          <a:p>
+            <a:r>
+              <a:rPr lang="en-US" dirty="0"/>
+              <a:t>Is there anyway to recover the data that was culled by </a:t>
+            </a:r>
+            <a:r>
+              <a:rPr lang="en-US" dirty="0" err="1"/>
+              <a:t>q_value</a:t>
+            </a:r>
+            <a:r>
+              <a:rPr lang="en-US" dirty="0"/>
+              <a:t>?  (prob not)</a:t>
+            </a:r>
+          </a:p>
+        </p:txBody>
+      </p:sp>
+      <p:pic>
+        <p:nvPicPr>
+          <p:cNvPr id="4" name="Picture 3">
+            <a:extLst>
+              <a:ext uri="{FF2B5EF4-FFF2-40B4-BE49-F238E27FC236}">
+                <a16:creationId xmlns:a16="http://schemas.microsoft.com/office/drawing/2014/main" id="{510BBC9C-46BD-2962-9C0A-DDCC35CDBAB3}"/>
+              </a:ext>
+            </a:extLst>
+          </p:cNvPr>
+          <p:cNvPicPr>
+            <a:picLocks noChangeAspect="1"/>
+          </p:cNvPicPr>
+          <p:nvPr/>
+        </p:nvPicPr>
+        <p:blipFill>
+          <a:blip r:embed="rId2"/>
+          <a:stretch>
+            <a:fillRect/>
+          </a:stretch>
+        </p:blipFill>
+        <p:spPr>
+          <a:xfrm>
+            <a:off x="9033655" y="4523799"/>
+            <a:ext cx="3026075" cy="2223039"/>
+          </a:xfrm>
+          <a:prstGeom prst="rect">
+            <a:avLst/>
+          </a:prstGeom>
+        </p:spPr>
+      </p:pic>
+    </p:spTree>
+    <p:extLst>
+      <p:ext uri="{BB962C8B-B14F-4D97-AF65-F5344CB8AC3E}">
+        <p14:creationId xmlns:p14="http://schemas.microsoft.com/office/powerpoint/2010/main" val="3822040936"/>
+      </p:ext>
+    </p:extLst>
+  </p:cSld>
+  <p:clrMapOvr>
+    <a:masterClrMapping/>
+  </p:clrMapOvr>
+</p:sld>
+</file>
+
+<file path=ppt/slides/slide6.xml><?xml version="1.0" encoding="utf-8"?>
 <p:sld xmlns:a="http://schemas.openxmlformats.org/drawingml/2006/main" xmlns:r="http://schemas.openxmlformats.org/officeDocument/2006/relationships" xmlns:p="http://schemas.openxmlformats.org/presentationml/2006/main">
   <p:cSld>
     <p:spTree>
@@ -19216,8 +21314,8 @@
         </p:nvSpPr>
         <p:spPr>
           <a:xfrm>
-            <a:off x="381662" y="726854"/>
-            <a:ext cx="4206594" cy="5909310"/>
+            <a:off x="126393" y="709002"/>
+            <a:ext cx="4862453" cy="5355312"/>
           </a:xfrm>
           <a:prstGeom prst="rect">
             <a:avLst/>
@@ -19290,7 +21388,7 @@
             </a:pPr>
             <a:r>
               <a:rPr lang="en-US" dirty="0"/>
-              <a:t>CNN</a:t>
+              <a:t>Vision Transformer (VIT)</a:t>
             </a:r>
           </a:p>
           <a:p>
@@ -19310,7 +21408,7 @@
             </a:pPr>
             <a:r>
               <a:rPr lang="en-US" dirty="0"/>
-              <a:t>reshape into 46x46 monochrome image</a:t>
+              <a:t>reshape into 48x48 monochrome image</a:t>
             </a:r>
           </a:p>
           <a:p>
@@ -19320,7 +21418,7 @@
             </a:pPr>
             <a:r>
               <a:rPr lang="en-US" dirty="0"/>
-              <a:t>single-stack CNN model</a:t>
+              <a:t>VIT modified for regression</a:t>
             </a:r>
           </a:p>
           <a:p>
@@ -19727,71 +21825,6 @@
           </a:prstGeom>
         </p:spPr>
       </p:pic>
-      <p:pic>
-        <p:nvPicPr>
-          <p:cNvPr id="14" name="Picture 13">
-            <a:extLst>
-              <a:ext uri="{FF2B5EF4-FFF2-40B4-BE49-F238E27FC236}">
-                <a16:creationId xmlns:a16="http://schemas.microsoft.com/office/drawing/2014/main" id="{77D2AD9E-3301-393F-2422-49D7276C572D}"/>
-              </a:ext>
-            </a:extLst>
-          </p:cNvPr>
-          <p:cNvPicPr>
-            <a:picLocks noChangeAspect="1"/>
-          </p:cNvPicPr>
-          <p:nvPr/>
-        </p:nvPicPr>
-        <p:blipFill>
-          <a:blip r:embed="rId7"/>
-          <a:stretch>
-            <a:fillRect/>
-          </a:stretch>
-        </p:blipFill>
-        <p:spPr>
-          <a:xfrm>
-            <a:off x="5218843" y="2564467"/>
-            <a:ext cx="1070708" cy="1312481"/>
-          </a:xfrm>
-          <a:prstGeom prst="rect">
-            <a:avLst/>
-          </a:prstGeom>
-        </p:spPr>
-      </p:pic>
-      <p:sp>
-        <p:nvSpPr>
-          <p:cNvPr id="15" name="TextBox 14">
-            <a:extLst>
-              <a:ext uri="{FF2B5EF4-FFF2-40B4-BE49-F238E27FC236}">
-                <a16:creationId xmlns:a16="http://schemas.microsoft.com/office/drawing/2014/main" id="{A3E7B4E8-E1CB-D47B-2037-5A1C5650A36B}"/>
-              </a:ext>
-            </a:extLst>
-          </p:cNvPr>
-          <p:cNvSpPr txBox="1"/>
-          <p:nvPr/>
-        </p:nvSpPr>
-        <p:spPr>
-          <a:xfrm>
-            <a:off x="6316574" y="3091614"/>
-            <a:ext cx="671979" cy="369332"/>
-          </a:xfrm>
-          <a:prstGeom prst="rect">
-            <a:avLst/>
-          </a:prstGeom>
-          <a:noFill/>
-        </p:spPr>
-        <p:txBody>
-          <a:bodyPr wrap="none" rtlCol="0">
-            <a:spAutoFit/>
-          </a:bodyPr>
-          <a:lstStyle/>
-          <a:p>
-            <a:r>
-              <a:rPr lang="en-US" dirty="0"/>
-              <a:t>CNN</a:t>
-            </a:r>
-          </a:p>
-        </p:txBody>
-      </p:sp>
     </p:spTree>
     <p:extLst>
       <p:ext uri="{BB962C8B-B14F-4D97-AF65-F5344CB8AC3E}">
@@ -19805,7 +21838,7 @@
 </p:sld>
 </file>
 
-<file path=ppt/slides/slide5.xml><?xml version="1.0" encoding="utf-8"?>
+<file path=ppt/slides/slide7.xml><?xml version="1.0" encoding="utf-8"?>
 <p:sld xmlns:a="http://schemas.openxmlformats.org/drawingml/2006/main" xmlns:r="http://schemas.openxmlformats.org/officeDocument/2006/relationships" xmlns:p="http://schemas.openxmlformats.org/presentationml/2006/main">
   <p:cSld>
     <p:spTree>
@@ -20145,7 +22178,7 @@
             </a:r>
             <a:r>
               <a:rPr lang="en-US" dirty="0"/>
-              <a:t> = 265)</a:t>
+              <a:t> = 288)</a:t>
             </a:r>
           </a:p>
         </p:txBody>
@@ -20222,7 +22255,7 @@
           <a:p>
             <a:r>
               <a:rPr lang="en-US" dirty="0"/>
-              <a:t>reshape: (1,46,46) </a:t>
+              <a:t>reshape: (1,48,48) </a:t>
             </a:r>
             <a:r>
               <a:rPr lang="en-US" sz="1400" dirty="0"/>
@@ -20246,7 +22279,7 @@
         <p:spPr>
           <a:xfrm>
             <a:off x="7118272" y="5495565"/>
-            <a:ext cx="4779706" cy="1169551"/>
+            <a:ext cx="4779706" cy="954107"/>
           </a:xfrm>
           <a:prstGeom prst="rect">
             <a:avLst/>
@@ -20307,25 +22340,7 @@
             </a:r>
             <a:r>
               <a:rPr lang="en-US" sz="1400" dirty="0"/>
-              <a:t> channel for aa groups (polar, </a:t>
-            </a:r>
-            <a:r>
-              <a:rPr lang="en-US" sz="1400" dirty="0" err="1"/>
-              <a:t>hyrdophobic</a:t>
-            </a:r>
-            <a:r>
-              <a:rPr lang="en-US" sz="1400" dirty="0"/>
-              <a:t>)</a:t>
-            </a:r>
-          </a:p>
-          <a:p>
-            <a:pPr marL="285750" indent="-285750">
-              <a:buFont typeface="Arial" panose="020B0604020202020204" pitchFamily="34" charset="0"/>
-              <a:buChar char="•"/>
-            </a:pPr>
-            <a:r>
-              <a:rPr lang="en-US" sz="1400" dirty="0"/>
-              <a:t>Try vision-transformer on these images?</a:t>
+              <a:t> channel for aa groups (polar, hydrophobic)</a:t>
             </a:r>
           </a:p>
         </p:txBody>
@@ -20345,7 +22360,7 @@
         <p:spPr>
           <a:xfrm>
             <a:off x="4114800" y="4114450"/>
-            <a:ext cx="4105676" cy="369332"/>
+            <a:ext cx="5472075" cy="369332"/>
           </a:xfrm>
           <a:prstGeom prst="rect">
             <a:avLst/>
@@ -20360,42 +22375,7 @@
           <a:p>
             <a:r>
               <a:rPr lang="en-US" dirty="0"/>
-              <a:t>CNN regression model on these images</a:t>
-            </a:r>
-          </a:p>
-        </p:txBody>
-      </p:sp>
-      <p:sp>
-        <p:nvSpPr>
-          <p:cNvPr id="27" name="TextBox 26">
-            <a:extLst>
-              <a:ext uri="{FF2B5EF4-FFF2-40B4-BE49-F238E27FC236}">
-                <a16:creationId xmlns:a16="http://schemas.microsoft.com/office/drawing/2014/main" id="{6A7A9A3B-870D-C756-01C3-8F6EAA0F260B}"/>
-              </a:ext>
-            </a:extLst>
-          </p:cNvPr>
-          <p:cNvSpPr txBox="1"/>
-          <p:nvPr/>
-        </p:nvSpPr>
-        <p:spPr>
-          <a:xfrm>
-            <a:off x="4114800" y="4483782"/>
-            <a:ext cx="7480574" cy="307777"/>
-          </a:xfrm>
-          <a:prstGeom prst="rect">
-            <a:avLst/>
-          </a:prstGeom>
-          <a:noFill/>
-        </p:spPr>
-        <p:txBody>
-          <a:bodyPr wrap="none" rtlCol="0">
-            <a:spAutoFit/>
-          </a:bodyPr>
-          <a:lstStyle/>
-          <a:p>
-            <a:r>
-              <a:rPr lang="en-US" sz="1400" dirty="0"/>
-              <a:t>(since any two images differs by at most a few bits, this is a bit of a needle-in-haystack problem)</a:t>
+              <a:t>Vision Transformer regression model on these images</a:t>
             </a:r>
           </a:p>
         </p:txBody>
@@ -20413,7 +22393,7 @@
 </p:sld>
 </file>
 
-<file path=ppt/slides/slide6.xml><?xml version="1.0" encoding="utf-8"?>
+<file path=ppt/slides/slide8.xml><?xml version="1.0" encoding="utf-8"?>
 <p:sld xmlns:a="http://schemas.openxmlformats.org/drawingml/2006/main" xmlns:r="http://schemas.openxmlformats.org/officeDocument/2006/relationships" xmlns:p="http://schemas.openxmlformats.org/presentationml/2006/main">
   <p:cSld>
     <p:spTree>
@@ -20836,7 +22816,7 @@
 </p:sld>
 </file>
 
-<file path=ppt/slides/slide7.xml><?xml version="1.0" encoding="utf-8"?>
+<file path=ppt/slides/slide9.xml><?xml version="1.0" encoding="utf-8"?>
 <p:sld xmlns:a="http://schemas.openxmlformats.org/drawingml/2006/main" xmlns:r="http://schemas.openxmlformats.org/officeDocument/2006/relationships" xmlns:p="http://schemas.openxmlformats.org/presentationml/2006/main">
   <p:cSld>
     <p:spTree>
@@ -20903,14 +22883,14 @@
           <p:nvPr>
             <p:extLst>
               <p:ext uri="{D42A27DB-BD31-4B8C-83A1-F6EECF244321}">
-                <p14:modId xmlns:p14="http://schemas.microsoft.com/office/powerpoint/2010/main" val="3732987322"/>
+                <p14:modId xmlns:p14="http://schemas.microsoft.com/office/powerpoint/2010/main" val="1437116497"/>
               </p:ext>
             </p:extLst>
           </p:nvPr>
         </p:nvGraphicFramePr>
         <p:xfrm>
-          <a:off x="1962405" y="826537"/>
-          <a:ext cx="8081086" cy="4044552"/>
+          <a:off x="1729491" y="800657"/>
+          <a:ext cx="8484185" cy="4044552"/>
         </p:xfrm>
         <a:graphic>
           <a:graphicData uri="http://schemas.openxmlformats.org/drawingml/2006/table">
@@ -20919,35 +22899,35 @@
                 <a:tableStyleId>{5C22544A-7EE6-4342-B048-85BDC9FD1C3A}</a:tableStyleId>
               </a:tblPr>
               <a:tblGrid>
-                <a:gridCol w="1930464">
+                <a:gridCol w="2026759">
                   <a:extLst>
                     <a:ext uri="{9D8B030D-6E8A-4147-A177-3AD203B41FA5}">
                       <a16:colId xmlns:a16="http://schemas.microsoft.com/office/drawing/2014/main" val="1065848917"/>
                     </a:ext>
                   </a:extLst>
                 </a:gridCol>
-                <a:gridCol w="1262760">
+                <a:gridCol w="1325749">
                   <a:extLst>
                     <a:ext uri="{9D8B030D-6E8A-4147-A177-3AD203B41FA5}">
                       <a16:colId xmlns:a16="http://schemas.microsoft.com/office/drawing/2014/main" val="873310604"/>
                     </a:ext>
                   </a:extLst>
                 </a:gridCol>
-                <a:gridCol w="1346962">
+                <a:gridCol w="1414151">
                   <a:extLst>
                     <a:ext uri="{9D8B030D-6E8A-4147-A177-3AD203B41FA5}">
                       <a16:colId xmlns:a16="http://schemas.microsoft.com/office/drawing/2014/main" val="3981708244"/>
                     </a:ext>
                   </a:extLst>
                 </a:gridCol>
-                <a:gridCol w="1770450">
+                <a:gridCol w="1858763">
                   <a:extLst>
                     <a:ext uri="{9D8B030D-6E8A-4147-A177-3AD203B41FA5}">
                       <a16:colId xmlns:a16="http://schemas.microsoft.com/office/drawing/2014/main" val="1135465181"/>
                     </a:ext>
                   </a:extLst>
                 </a:gridCol>
-                <a:gridCol w="1770450">
+                <a:gridCol w="1858763">
                   <a:extLst>
                     <a:ext uri="{9D8B030D-6E8A-4147-A177-3AD203B41FA5}">
                       <a16:colId xmlns:a16="http://schemas.microsoft.com/office/drawing/2014/main" val="2256753199"/>
@@ -21253,7 +23233,7 @@
                     <a:p>
                       <a:r>
                         <a:rPr lang="en-US" dirty="0"/>
-                        <a:t>CNN (MNIST-like)</a:t>
+                        <a:t>VIT</a:t>
                       </a:r>
                     </a:p>
                   </a:txBody>
@@ -21377,7 +23357,7 @@
                       <a:pPr algn="ctr"/>
                       <a:r>
                         <a:rPr lang="en-US" dirty="0"/>
-                        <a:t>clear overfitting</a:t>
+                        <a:t>strong overfitting</a:t>
                       </a:r>
                     </a:p>
                   </a:txBody>
@@ -21543,7 +23523,7 @@
         <p:spPr>
           <a:xfrm>
             <a:off x="389614" y="5534108"/>
-            <a:ext cx="6809941" cy="646331"/>
+            <a:ext cx="8333435" cy="646331"/>
           </a:xfrm>
           <a:prstGeom prst="rect">
             <a:avLst/>
@@ -21561,7 +23541,7 @@
             </a:pPr>
             <a:r>
               <a:rPr lang="en-US" dirty="0"/>
-              <a:t>Fine-tune BERT from scratch (no pre-training) on </a:t>
+              <a:t>Train the fine-tune BERT model from scratch (no pre-training) on </a:t>
             </a:r>
             <a:r>
               <a:rPr lang="en-US" dirty="0" err="1"/>
@@ -21578,7 +23558,7 @@
             </a:pPr>
             <a:r>
               <a:rPr lang="en-US" dirty="0"/>
-              <a:t>Pre-train on OAS dataset, then fine-tune on </a:t>
+              <a:t>Pre-train BERT on OAS dataset, then fine-tune on </a:t>
             </a:r>
             <a:r>
               <a:rPr lang="en-US" dirty="0" err="1"/>
@@ -21595,797 +23575,6 @@
     <p:extLst>
       <p:ext uri="{BB962C8B-B14F-4D97-AF65-F5344CB8AC3E}">
         <p14:creationId xmlns:p14="http://schemas.microsoft.com/office/powerpoint/2010/main" val="127111251"/>
-      </p:ext>
-    </p:extLst>
-  </p:cSld>
-  <p:clrMapOvr>
-    <a:masterClrMapping/>
-  </p:clrMapOvr>
-</p:sld>
-</file>
-
-<file path=ppt/slides/slide8.xml><?xml version="1.0" encoding="utf-8"?>
-<p:sld xmlns:a="http://schemas.openxmlformats.org/drawingml/2006/main" xmlns:r="http://schemas.openxmlformats.org/officeDocument/2006/relationships" xmlns:p="http://schemas.openxmlformats.org/presentationml/2006/main">
-  <p:cSld>
-    <p:spTree>
-      <p:nvGrpSpPr>
-        <p:cNvPr id="1" name=""/>
-        <p:cNvGrpSpPr/>
-        <p:nvPr/>
-      </p:nvGrpSpPr>
-      <p:grpSpPr>
-        <a:xfrm>
-          <a:off x="0" y="0"/>
-          <a:ext cx="0" cy="0"/>
-          <a:chOff x="0" y="0"/>
-          <a:chExt cx="0" cy="0"/>
-        </a:xfrm>
-      </p:grpSpPr>
-      <p:sp>
-        <p:nvSpPr>
-          <p:cNvPr id="3" name="TextBox 2">
-            <a:extLst>
-              <a:ext uri="{FF2B5EF4-FFF2-40B4-BE49-F238E27FC236}">
-                <a16:creationId xmlns:a16="http://schemas.microsoft.com/office/drawing/2014/main" id="{956EFD40-D78B-378C-E823-CCF3AB5FFDA0}"/>
-              </a:ext>
-            </a:extLst>
-          </p:cNvPr>
-          <p:cNvSpPr txBox="1"/>
-          <p:nvPr/>
-        </p:nvSpPr>
-        <p:spPr>
-          <a:xfrm>
-            <a:off x="630945" y="2424644"/>
-            <a:ext cx="8760123" cy="3416320"/>
-          </a:xfrm>
-          <a:prstGeom prst="rect">
-            <a:avLst/>
-          </a:prstGeom>
-          <a:noFill/>
-        </p:spPr>
-        <p:txBody>
-          <a:bodyPr wrap="square">
-            <a:spAutoFit/>
-          </a:bodyPr>
-          <a:lstStyle/>
-          <a:p>
-            <a:r>
-              <a:rPr lang="en-US" b="1" dirty="0">
-                <a:effectLst/>
-              </a:rPr>
-              <a:t>Plan</a:t>
-            </a:r>
-            <a:endParaRPr lang="en-US" b="0" dirty="0">
-              <a:effectLst/>
-            </a:endParaRPr>
-          </a:p>
-          <a:p>
-            <a:pPr marL="285750" indent="-285750">
-              <a:buFont typeface="Arial" panose="020B0604020202020204" pitchFamily="34" charset="0"/>
-              <a:buChar char="•"/>
-            </a:pPr>
-            <a:r>
-              <a:rPr lang="en-US" b="0" dirty="0">
-                <a:effectLst/>
-              </a:rPr>
-              <a:t>focus on just </a:t>
-            </a:r>
-            <a:r>
-              <a:rPr lang="en-US" b="0" dirty="0" err="1">
-                <a:effectLst/>
-              </a:rPr>
-              <a:t>sequence_alignment_aa</a:t>
-            </a:r>
-            <a:r>
-              <a:rPr lang="en-US" b="0" dirty="0">
-                <a:effectLst/>
-              </a:rPr>
-              <a:t> column (not germline)</a:t>
-            </a:r>
-          </a:p>
-          <a:p>
-            <a:pPr marL="742950" lvl="1" indent="-285750">
-              <a:buFont typeface="Arial" panose="020B0604020202020204" pitchFamily="34" charset="0"/>
-              <a:buChar char="•"/>
-            </a:pPr>
-            <a:r>
-              <a:rPr lang="en-US" b="0" dirty="0">
-                <a:effectLst/>
-              </a:rPr>
-              <a:t>eliminate duplicates</a:t>
-            </a:r>
-          </a:p>
-          <a:p>
-            <a:pPr marL="285750" indent="-285750">
-              <a:buFont typeface="Arial" panose="020B0604020202020204" pitchFamily="34" charset="0"/>
-              <a:buChar char="•"/>
-            </a:pPr>
-            <a:r>
-              <a:rPr lang="en-US" b="0" dirty="0">
-                <a:effectLst/>
-              </a:rPr>
-              <a:t>ignore the separate v, d, and j (they are already in the light chain)</a:t>
-            </a:r>
-          </a:p>
-          <a:p>
-            <a:pPr marL="285750" indent="-285750">
-              <a:buFont typeface="Arial" panose="020B0604020202020204" pitchFamily="34" charset="0"/>
-              <a:buChar char="•"/>
-            </a:pPr>
-            <a:r>
-              <a:rPr lang="en-US" b="0" dirty="0">
-                <a:effectLst/>
-              </a:rPr>
-              <a:t>ignore fwr1, fwr2, fwr3, fwr4 regions (on the heavy chain?)</a:t>
-            </a:r>
-          </a:p>
-          <a:p>
-            <a:pPr marL="285750" indent="-285750">
-              <a:buFont typeface="Arial" panose="020B0604020202020204" pitchFamily="34" charset="0"/>
-              <a:buChar char="•"/>
-            </a:pPr>
-            <a:r>
-              <a:rPr lang="en-US" b="0" dirty="0">
-                <a:effectLst/>
-              </a:rPr>
-              <a:t>ignore </a:t>
-            </a:r>
-            <a:r>
-              <a:rPr lang="en-US" dirty="0"/>
-              <a:t>CDR</a:t>
-            </a:r>
-            <a:r>
-              <a:rPr lang="en-US" b="0" dirty="0">
-                <a:effectLst/>
-              </a:rPr>
-              <a:t> sequences (they are already contained in the longer light-chain sequences)</a:t>
-            </a:r>
-          </a:p>
-          <a:p>
-            <a:br>
-              <a:rPr lang="en-US" b="0" dirty="0">
-                <a:effectLst/>
-              </a:rPr>
-            </a:br>
-            <a:r>
-              <a:rPr lang="en-US" b="1" dirty="0">
-                <a:effectLst/>
-              </a:rPr>
-              <a:t>Result of data extraction</a:t>
-            </a:r>
-            <a:endParaRPr lang="en-US" b="0" dirty="0">
-              <a:effectLst/>
-            </a:endParaRPr>
-          </a:p>
-          <a:p>
-            <a:pPr marL="285750" indent="-285750">
-              <a:buFont typeface="Arial" panose="020B0604020202020204" pitchFamily="34" charset="0"/>
-              <a:buChar char="•"/>
-            </a:pPr>
-            <a:r>
-              <a:rPr lang="en-US" b="0" dirty="0">
-                <a:effectLst/>
-              </a:rPr>
-              <a:t>total rows 20306305, num unique, </a:t>
-            </a:r>
-            <a:r>
-              <a:rPr lang="en-US" b="0" dirty="0" err="1">
-                <a:effectLst/>
-              </a:rPr>
-              <a:t>len</a:t>
-            </a:r>
-            <a:r>
-              <a:rPr lang="en-US" b="0" dirty="0">
-                <a:effectLst/>
-              </a:rPr>
-              <a:t>(seqs): 18061315</a:t>
-            </a:r>
-          </a:p>
-          <a:p>
-            <a:pPr marL="285750" indent="-285750">
-              <a:buFont typeface="Arial" panose="020B0604020202020204" pitchFamily="34" charset="0"/>
-              <a:buChar char="•"/>
-            </a:pPr>
-            <a:r>
-              <a:rPr lang="en-US" b="0" dirty="0">
-                <a:effectLst/>
-              </a:rPr>
-              <a:t>range in length from </a:t>
-            </a:r>
-            <a:r>
-              <a:rPr lang="en-US" b="0" dirty="0" err="1">
-                <a:effectLst/>
-              </a:rPr>
-              <a:t>min_len</a:t>
-            </a:r>
-            <a:r>
-              <a:rPr lang="en-US" b="0" dirty="0">
-                <a:effectLst/>
-              </a:rPr>
-              <a:t>: 43 , </a:t>
-            </a:r>
-            <a:r>
-              <a:rPr lang="en-US" b="0" dirty="0" err="1">
-                <a:effectLst/>
-              </a:rPr>
-              <a:t>max_len</a:t>
-            </a:r>
-            <a:r>
-              <a:rPr lang="en-US" b="0" dirty="0">
-                <a:effectLst/>
-              </a:rPr>
-              <a:t>: 132</a:t>
-            </a:r>
-            <a:br>
-              <a:rPr lang="en-US" b="0" dirty="0">
-                <a:effectLst/>
-              </a:rPr>
-            </a:br>
-            <a:endParaRPr lang="en-US" b="0" dirty="0">
-              <a:effectLst/>
-            </a:endParaRPr>
-          </a:p>
-        </p:txBody>
-      </p:sp>
-      <p:sp>
-        <p:nvSpPr>
-          <p:cNvPr id="5" name="TextBox 4">
-            <a:extLst>
-              <a:ext uri="{FF2B5EF4-FFF2-40B4-BE49-F238E27FC236}">
-                <a16:creationId xmlns:a16="http://schemas.microsoft.com/office/drawing/2014/main" id="{134BD8A0-CE7C-283D-1E05-408E2C1C9AAE}"/>
-              </a:ext>
-            </a:extLst>
-          </p:cNvPr>
-          <p:cNvSpPr txBox="1"/>
-          <p:nvPr/>
-        </p:nvSpPr>
-        <p:spPr>
-          <a:xfrm>
-            <a:off x="698740" y="1547415"/>
-            <a:ext cx="4439420" cy="646331"/>
-          </a:xfrm>
-          <a:prstGeom prst="rect">
-            <a:avLst/>
-          </a:prstGeom>
-          <a:noFill/>
-        </p:spPr>
-        <p:txBody>
-          <a:bodyPr wrap="none" rtlCol="0">
-            <a:spAutoFit/>
-          </a:bodyPr>
-          <a:lstStyle/>
-          <a:p>
-            <a:r>
-              <a:rPr lang="en-US" dirty="0"/>
-              <a:t>Human, SARS-COV-2, light chain, unpaired</a:t>
-            </a:r>
-          </a:p>
-          <a:p>
-            <a:pPr marL="285750" indent="-285750">
-              <a:buFont typeface="Arial" panose="020B0604020202020204" pitchFamily="34" charset="0"/>
-              <a:buChar char="•"/>
-            </a:pPr>
-            <a:r>
-              <a:rPr lang="en-US" dirty="0"/>
-              <a:t>175 datafiles </a:t>
-            </a:r>
-          </a:p>
-        </p:txBody>
-      </p:sp>
-      <p:sp>
-        <p:nvSpPr>
-          <p:cNvPr id="6" name="TextBox 5">
-            <a:hlinkClick r:id="rId2"/>
-            <a:extLst>
-              <a:ext uri="{FF2B5EF4-FFF2-40B4-BE49-F238E27FC236}">
-                <a16:creationId xmlns:a16="http://schemas.microsoft.com/office/drawing/2014/main" id="{29B86055-40FC-B110-8BF1-C3F390607AFB}"/>
-              </a:ext>
-            </a:extLst>
-          </p:cNvPr>
-          <p:cNvSpPr txBox="1"/>
-          <p:nvPr/>
-        </p:nvSpPr>
-        <p:spPr>
-          <a:xfrm>
-            <a:off x="7625751" y="6071862"/>
-            <a:ext cx="4270400" cy="369332"/>
-          </a:xfrm>
-          <a:prstGeom prst="rect">
-            <a:avLst/>
-          </a:prstGeom>
-          <a:noFill/>
-        </p:spPr>
-        <p:txBody>
-          <a:bodyPr wrap="none" rtlCol="0">
-            <a:spAutoFit/>
-          </a:bodyPr>
-          <a:lstStyle/>
-          <a:p>
-            <a:r>
-              <a:rPr lang="en-US" dirty="0"/>
-              <a:t>https://</a:t>
-            </a:r>
-            <a:r>
-              <a:rPr lang="en-US" dirty="0" err="1"/>
-              <a:t>opig.stats.ox.ac.uk</a:t>
-            </a:r>
-            <a:r>
-              <a:rPr lang="en-US" dirty="0"/>
-              <a:t>/webapps/</a:t>
-            </a:r>
-            <a:r>
-              <a:rPr lang="en-US" dirty="0" err="1"/>
-              <a:t>oas</a:t>
-            </a:r>
-            <a:r>
-              <a:rPr lang="en-US" dirty="0"/>
-              <a:t>/</a:t>
-            </a:r>
-          </a:p>
-        </p:txBody>
-      </p:sp>
-      <p:sp>
-        <p:nvSpPr>
-          <p:cNvPr id="7" name="TextBox 6">
-            <a:extLst>
-              <a:ext uri="{FF2B5EF4-FFF2-40B4-BE49-F238E27FC236}">
-                <a16:creationId xmlns:a16="http://schemas.microsoft.com/office/drawing/2014/main" id="{9FCB3EB8-5AA1-7DF9-6F60-2FAA11D05739}"/>
-              </a:ext>
-            </a:extLst>
-          </p:cNvPr>
-          <p:cNvSpPr txBox="1"/>
-          <p:nvPr/>
-        </p:nvSpPr>
-        <p:spPr>
-          <a:xfrm>
-            <a:off x="630945" y="952711"/>
-            <a:ext cx="4102213" cy="369332"/>
-          </a:xfrm>
-          <a:prstGeom prst="rect">
-            <a:avLst/>
-          </a:prstGeom>
-          <a:noFill/>
-        </p:spPr>
-        <p:txBody>
-          <a:bodyPr wrap="none" rtlCol="0">
-            <a:spAutoFit/>
-          </a:bodyPr>
-          <a:lstStyle/>
-          <a:p>
-            <a:r>
-              <a:rPr lang="en-US" dirty="0"/>
-              <a:t>Pretrain (masked language model) with:</a:t>
-            </a:r>
-          </a:p>
-        </p:txBody>
-      </p:sp>
-      <p:sp>
-        <p:nvSpPr>
-          <p:cNvPr id="10" name="TextBox 9">
-            <a:extLst>
-              <a:ext uri="{FF2B5EF4-FFF2-40B4-BE49-F238E27FC236}">
-                <a16:creationId xmlns:a16="http://schemas.microsoft.com/office/drawing/2014/main" id="{997EC2EE-0227-F1B7-7BA5-DDB88BC4DBC8}"/>
-              </a:ext>
-            </a:extLst>
-          </p:cNvPr>
-          <p:cNvSpPr txBox="1"/>
-          <p:nvPr/>
-        </p:nvSpPr>
-        <p:spPr>
-          <a:xfrm>
-            <a:off x="157088" y="241780"/>
-            <a:ext cx="8903591" cy="461665"/>
-          </a:xfrm>
-          <a:prstGeom prst="rect">
-            <a:avLst/>
-          </a:prstGeom>
-          <a:noFill/>
-        </p:spPr>
-        <p:txBody>
-          <a:bodyPr wrap="none" rtlCol="0">
-            <a:spAutoFit/>
-          </a:bodyPr>
-          <a:lstStyle/>
-          <a:p>
-            <a:r>
-              <a:rPr lang="en-US" sz="2400" dirty="0"/>
-              <a:t>BERT pre-train dataset:  OAS (Observed Antibody Space) database</a:t>
-            </a:r>
-          </a:p>
-        </p:txBody>
-      </p:sp>
-    </p:spTree>
-    <p:extLst>
-      <p:ext uri="{BB962C8B-B14F-4D97-AF65-F5344CB8AC3E}">
-        <p14:creationId xmlns:p14="http://schemas.microsoft.com/office/powerpoint/2010/main" val="2598926606"/>
-      </p:ext>
-    </p:extLst>
-  </p:cSld>
-  <p:clrMapOvr>
-    <a:masterClrMapping/>
-  </p:clrMapOvr>
-</p:sld>
-</file>
-
-<file path=ppt/slides/slide9.xml><?xml version="1.0" encoding="utf-8"?>
-<p:sld xmlns:a="http://schemas.openxmlformats.org/drawingml/2006/main" xmlns:r="http://schemas.openxmlformats.org/officeDocument/2006/relationships" xmlns:p="http://schemas.openxmlformats.org/presentationml/2006/main">
-  <p:cSld>
-    <p:spTree>
-      <p:nvGrpSpPr>
-        <p:cNvPr id="1" name=""/>
-        <p:cNvGrpSpPr/>
-        <p:nvPr/>
-      </p:nvGrpSpPr>
-      <p:grpSpPr>
-        <a:xfrm>
-          <a:off x="0" y="0"/>
-          <a:ext cx="0" cy="0"/>
-          <a:chOff x="0" y="0"/>
-          <a:chExt cx="0" cy="0"/>
-        </a:xfrm>
-      </p:grpSpPr>
-      <p:pic>
-        <p:nvPicPr>
-          <p:cNvPr id="3" name="Picture 2">
-            <a:extLst>
-              <a:ext uri="{FF2B5EF4-FFF2-40B4-BE49-F238E27FC236}">
-                <a16:creationId xmlns:a16="http://schemas.microsoft.com/office/drawing/2014/main" id="{64948729-3F72-C5CE-039F-870B604CA0CB}"/>
-              </a:ext>
-            </a:extLst>
-          </p:cNvPr>
-          <p:cNvPicPr>
-            <a:picLocks noChangeAspect="1"/>
-          </p:cNvPicPr>
-          <p:nvPr/>
-        </p:nvPicPr>
-        <p:blipFill>
-          <a:blip r:embed="rId2"/>
-          <a:stretch>
-            <a:fillRect/>
-          </a:stretch>
-        </p:blipFill>
-        <p:spPr>
-          <a:xfrm>
-            <a:off x="7869577" y="1612489"/>
-            <a:ext cx="3390900" cy="2717800"/>
-          </a:xfrm>
-          <a:prstGeom prst="rect">
-            <a:avLst/>
-          </a:prstGeom>
-        </p:spPr>
-      </p:pic>
-      <p:pic>
-        <p:nvPicPr>
-          <p:cNvPr id="4" name="Picture 3">
-            <a:extLst>
-              <a:ext uri="{FF2B5EF4-FFF2-40B4-BE49-F238E27FC236}">
-                <a16:creationId xmlns:a16="http://schemas.microsoft.com/office/drawing/2014/main" id="{3FC35F10-2E2B-6C99-CFDE-7CC76685FCFE}"/>
-              </a:ext>
-            </a:extLst>
-          </p:cNvPr>
-          <p:cNvPicPr>
-            <a:picLocks noChangeAspect="1"/>
-          </p:cNvPicPr>
-          <p:nvPr/>
-        </p:nvPicPr>
-        <p:blipFill>
-          <a:blip r:embed="rId3"/>
-          <a:stretch>
-            <a:fillRect/>
-          </a:stretch>
-        </p:blipFill>
-        <p:spPr>
-          <a:xfrm>
-            <a:off x="1009093" y="1612489"/>
-            <a:ext cx="3390900" cy="2717800"/>
-          </a:xfrm>
-          <a:prstGeom prst="rect">
-            <a:avLst/>
-          </a:prstGeom>
-        </p:spPr>
-      </p:pic>
-      <p:sp>
-        <p:nvSpPr>
-          <p:cNvPr id="5" name="TextBox 4">
-            <a:extLst>
-              <a:ext uri="{FF2B5EF4-FFF2-40B4-BE49-F238E27FC236}">
-                <a16:creationId xmlns:a16="http://schemas.microsoft.com/office/drawing/2014/main" id="{3263153C-4088-0D30-46AC-9C60901E6F67}"/>
-              </a:ext>
-            </a:extLst>
-          </p:cNvPr>
-          <p:cNvSpPr txBox="1"/>
-          <p:nvPr/>
-        </p:nvSpPr>
-        <p:spPr>
-          <a:xfrm>
-            <a:off x="1820173" y="4330289"/>
-            <a:ext cx="1837362" cy="369332"/>
-          </a:xfrm>
-          <a:prstGeom prst="rect">
-            <a:avLst/>
-          </a:prstGeom>
-          <a:noFill/>
-        </p:spPr>
-        <p:txBody>
-          <a:bodyPr wrap="none" rtlCol="0">
-            <a:spAutoFit/>
-          </a:bodyPr>
-          <a:lstStyle/>
-          <a:p>
-            <a:r>
-              <a:rPr lang="en-US" dirty="0"/>
-              <a:t>sequence length</a:t>
-            </a:r>
-          </a:p>
-        </p:txBody>
-      </p:sp>
-      <p:sp>
-        <p:nvSpPr>
-          <p:cNvPr id="6" name="TextBox 5">
-            <a:extLst>
-              <a:ext uri="{FF2B5EF4-FFF2-40B4-BE49-F238E27FC236}">
-                <a16:creationId xmlns:a16="http://schemas.microsoft.com/office/drawing/2014/main" id="{7BEA78C9-A044-5DEF-4A91-AEAD6C084346}"/>
-              </a:ext>
-            </a:extLst>
-          </p:cNvPr>
-          <p:cNvSpPr txBox="1"/>
-          <p:nvPr/>
-        </p:nvSpPr>
-        <p:spPr>
-          <a:xfrm>
-            <a:off x="1388853" y="1293551"/>
-            <a:ext cx="2315057" cy="369332"/>
-          </a:xfrm>
-          <a:prstGeom prst="rect">
-            <a:avLst/>
-          </a:prstGeom>
-          <a:noFill/>
-        </p:spPr>
-        <p:txBody>
-          <a:bodyPr wrap="none" rtlCol="0">
-            <a:spAutoFit/>
-          </a:bodyPr>
-          <a:lstStyle/>
-          <a:p>
-            <a:r>
-              <a:rPr lang="en-US" b="0" dirty="0">
-                <a:effectLst/>
-              </a:rPr>
-              <a:t>18061315 sequences</a:t>
-            </a:r>
-            <a:endParaRPr lang="en-US" dirty="0"/>
-          </a:p>
-        </p:txBody>
-      </p:sp>
-      <p:sp>
-        <p:nvSpPr>
-          <p:cNvPr id="7" name="TextBox 6">
-            <a:extLst>
-              <a:ext uri="{FF2B5EF4-FFF2-40B4-BE49-F238E27FC236}">
-                <a16:creationId xmlns:a16="http://schemas.microsoft.com/office/drawing/2014/main" id="{1B741A1D-2375-DA7B-D1A6-99AB694C08AC}"/>
-              </a:ext>
-            </a:extLst>
-          </p:cNvPr>
-          <p:cNvSpPr txBox="1"/>
-          <p:nvPr/>
-        </p:nvSpPr>
-        <p:spPr>
-          <a:xfrm>
-            <a:off x="8407498" y="1293551"/>
-            <a:ext cx="2315057" cy="369332"/>
-          </a:xfrm>
-          <a:prstGeom prst="rect">
-            <a:avLst/>
-          </a:prstGeom>
-          <a:noFill/>
-        </p:spPr>
-        <p:txBody>
-          <a:bodyPr wrap="none" rtlCol="0">
-            <a:spAutoFit/>
-          </a:bodyPr>
-          <a:lstStyle/>
-          <a:p>
-            <a:r>
-              <a:rPr lang="en-US" b="0" i="0" dirty="0">
-                <a:effectLst/>
-              </a:rPr>
-              <a:t>17599987 sequences</a:t>
-            </a:r>
-            <a:endParaRPr lang="en-US" dirty="0"/>
-          </a:p>
-        </p:txBody>
-      </p:sp>
-      <p:sp>
-        <p:nvSpPr>
-          <p:cNvPr id="8" name="TextBox 7">
-            <a:extLst>
-              <a:ext uri="{FF2B5EF4-FFF2-40B4-BE49-F238E27FC236}">
-                <a16:creationId xmlns:a16="http://schemas.microsoft.com/office/drawing/2014/main" id="{44458037-5862-9360-6238-08F5720BC272}"/>
-              </a:ext>
-            </a:extLst>
-          </p:cNvPr>
-          <p:cNvSpPr txBox="1"/>
-          <p:nvPr/>
-        </p:nvSpPr>
-        <p:spPr>
-          <a:xfrm>
-            <a:off x="4661761" y="2786723"/>
-            <a:ext cx="2868478" cy="369332"/>
-          </a:xfrm>
-          <a:prstGeom prst="rect">
-            <a:avLst/>
-          </a:prstGeom>
-          <a:noFill/>
-        </p:spPr>
-        <p:txBody>
-          <a:bodyPr wrap="none" rtlCol="0">
-            <a:spAutoFit/>
-          </a:bodyPr>
-          <a:lstStyle/>
-          <a:p>
-            <a:r>
-              <a:rPr lang="en-US" dirty="0">
-                <a:highlight>
-                  <a:srgbClr val="FFFF00"/>
-                </a:highlight>
-              </a:rPr>
-              <a:t>remove all seqs &lt; 90 length</a:t>
-            </a:r>
-          </a:p>
-        </p:txBody>
-      </p:sp>
-      <p:sp>
-        <p:nvSpPr>
-          <p:cNvPr id="9" name="TextBox 8">
-            <a:extLst>
-              <a:ext uri="{FF2B5EF4-FFF2-40B4-BE49-F238E27FC236}">
-                <a16:creationId xmlns:a16="http://schemas.microsoft.com/office/drawing/2014/main" id="{5DCE4DA8-3B27-FD6C-5515-A9606CFAA53F}"/>
-              </a:ext>
-            </a:extLst>
-          </p:cNvPr>
-          <p:cNvSpPr txBox="1"/>
-          <p:nvPr/>
-        </p:nvSpPr>
-        <p:spPr>
-          <a:xfrm>
-            <a:off x="8885193" y="4260866"/>
-            <a:ext cx="1837362" cy="369332"/>
-          </a:xfrm>
-          <a:prstGeom prst="rect">
-            <a:avLst/>
-          </a:prstGeom>
-          <a:noFill/>
-        </p:spPr>
-        <p:txBody>
-          <a:bodyPr wrap="none" rtlCol="0">
-            <a:spAutoFit/>
-          </a:bodyPr>
-          <a:lstStyle/>
-          <a:p>
-            <a:r>
-              <a:rPr lang="en-US" dirty="0"/>
-              <a:t>sequence length</a:t>
-            </a:r>
-          </a:p>
-        </p:txBody>
-      </p:sp>
-      <p:sp>
-        <p:nvSpPr>
-          <p:cNvPr id="10" name="TextBox 9">
-            <a:extLst>
-              <a:ext uri="{FF2B5EF4-FFF2-40B4-BE49-F238E27FC236}">
-                <a16:creationId xmlns:a16="http://schemas.microsoft.com/office/drawing/2014/main" id="{E3635CC3-470B-3685-D2AD-542AC4874315}"/>
-              </a:ext>
-            </a:extLst>
-          </p:cNvPr>
-          <p:cNvSpPr txBox="1"/>
-          <p:nvPr/>
-        </p:nvSpPr>
-        <p:spPr>
-          <a:xfrm>
-            <a:off x="1445017" y="5080307"/>
-            <a:ext cx="5909951" cy="1200329"/>
-          </a:xfrm>
-          <a:prstGeom prst="rect">
-            <a:avLst/>
-          </a:prstGeom>
-          <a:noFill/>
-        </p:spPr>
-        <p:txBody>
-          <a:bodyPr wrap="none" rtlCol="0">
-            <a:spAutoFit/>
-          </a:bodyPr>
-          <a:lstStyle/>
-          <a:p>
-            <a:r>
-              <a:rPr lang="en-US" dirty="0"/>
-              <a:t>Final dataset:  </a:t>
-            </a:r>
-          </a:p>
-          <a:p>
-            <a:pPr marL="285750" indent="-285750">
-              <a:buFont typeface="Arial" panose="020B0604020202020204" pitchFamily="34" charset="0"/>
-              <a:buChar char="•"/>
-            </a:pPr>
-            <a:r>
-              <a:rPr lang="en-US" dirty="0"/>
-              <a:t>17599987 unique sequences between 90 – 132 length</a:t>
-            </a:r>
-          </a:p>
-          <a:p>
-            <a:pPr marL="285750" indent="-285750">
-              <a:buFont typeface="Arial" panose="020B0604020202020204" pitchFamily="34" charset="0"/>
-              <a:buChar char="•"/>
-            </a:pPr>
-            <a:r>
-              <a:rPr lang="en-US" dirty="0"/>
-              <a:t>train: </a:t>
-            </a:r>
-            <a:r>
-              <a:rPr lang="en-US" b="0" i="0" dirty="0">
-                <a:effectLst/>
-              </a:rPr>
-              <a:t>14079989</a:t>
-            </a:r>
-          </a:p>
-          <a:p>
-            <a:pPr marL="285750" indent="-285750">
-              <a:buFont typeface="Arial" panose="020B0604020202020204" pitchFamily="34" charset="0"/>
-              <a:buChar char="•"/>
-            </a:pPr>
-            <a:r>
-              <a:rPr lang="en-US" dirty="0"/>
-              <a:t>test: </a:t>
-            </a:r>
-            <a:r>
-              <a:rPr lang="en-US" b="0" i="0" dirty="0">
-                <a:effectLst/>
-              </a:rPr>
-              <a:t>3519998</a:t>
-            </a:r>
-            <a:endParaRPr lang="en-US" dirty="0"/>
-          </a:p>
-        </p:txBody>
-      </p:sp>
-      <p:sp>
-        <p:nvSpPr>
-          <p:cNvPr id="11" name="TextBox 10">
-            <a:extLst>
-              <a:ext uri="{FF2B5EF4-FFF2-40B4-BE49-F238E27FC236}">
-                <a16:creationId xmlns:a16="http://schemas.microsoft.com/office/drawing/2014/main" id="{CA4BBF3D-2B4A-5ABA-DDD8-860228311B7F}"/>
-              </a:ext>
-            </a:extLst>
-          </p:cNvPr>
-          <p:cNvSpPr txBox="1"/>
-          <p:nvPr/>
-        </p:nvSpPr>
-        <p:spPr>
-          <a:xfrm>
-            <a:off x="157088" y="241780"/>
-            <a:ext cx="6015429" cy="461665"/>
-          </a:xfrm>
-          <a:prstGeom prst="rect">
-            <a:avLst/>
-          </a:prstGeom>
-          <a:noFill/>
-        </p:spPr>
-        <p:txBody>
-          <a:bodyPr wrap="none" rtlCol="0">
-            <a:spAutoFit/>
-          </a:bodyPr>
-          <a:lstStyle/>
-          <a:p>
-            <a:r>
-              <a:rPr lang="en-US" sz="2400" dirty="0"/>
-              <a:t>OAS dataset:  distribution of peptide lengths</a:t>
-            </a:r>
-          </a:p>
-        </p:txBody>
-      </p:sp>
-    </p:spTree>
-    <p:extLst>
-      <p:ext uri="{BB962C8B-B14F-4D97-AF65-F5344CB8AC3E}">
-        <p14:creationId xmlns:p14="http://schemas.microsoft.com/office/powerpoint/2010/main" val="3339313360"/>
       </p:ext>
     </p:extLst>
   </p:cSld>

--- a/Homework-aAlphaBio.pptx
+++ b/Homework-aAlphaBio.pptx
@@ -14,21 +14,22 @@
     <p:sldId id="336" r:id="rId8"/>
     <p:sldId id="320" r:id="rId9"/>
     <p:sldId id="334" r:id="rId10"/>
-    <p:sldId id="257" r:id="rId11"/>
-    <p:sldId id="258" r:id="rId12"/>
-    <p:sldId id="335" r:id="rId13"/>
-    <p:sldId id="337" r:id="rId14"/>
-    <p:sldId id="330" r:id="rId15"/>
-    <p:sldId id="329" r:id="rId16"/>
-    <p:sldId id="331" r:id="rId17"/>
-    <p:sldId id="318" r:id="rId18"/>
-    <p:sldId id="321" r:id="rId19"/>
-    <p:sldId id="259" r:id="rId20"/>
-    <p:sldId id="322" r:id="rId21"/>
-    <p:sldId id="260" r:id="rId22"/>
-    <p:sldId id="324" r:id="rId23"/>
-    <p:sldId id="261" r:id="rId24"/>
-    <p:sldId id="323" r:id="rId25"/>
+    <p:sldId id="340" r:id="rId11"/>
+    <p:sldId id="257" r:id="rId12"/>
+    <p:sldId id="258" r:id="rId13"/>
+    <p:sldId id="335" r:id="rId14"/>
+    <p:sldId id="337" r:id="rId15"/>
+    <p:sldId id="330" r:id="rId16"/>
+    <p:sldId id="329" r:id="rId17"/>
+    <p:sldId id="331" r:id="rId18"/>
+    <p:sldId id="318" r:id="rId19"/>
+    <p:sldId id="321" r:id="rId20"/>
+    <p:sldId id="259" r:id="rId21"/>
+    <p:sldId id="322" r:id="rId22"/>
+    <p:sldId id="260" r:id="rId23"/>
+    <p:sldId id="324" r:id="rId24"/>
+    <p:sldId id="261" r:id="rId25"/>
+    <p:sldId id="323" r:id="rId26"/>
   </p:sldIdLst>
   <p:sldSz cx="12192000" cy="6858000"/>
   <p:notesSz cx="6858000" cy="9144000"/>
@@ -3451,6 +3452,706 @@
       </p:grpSpPr>
       <p:sp>
         <p:nvSpPr>
+          <p:cNvPr id="2" name="TextBox 1">
+            <a:extLst>
+              <a:ext uri="{FF2B5EF4-FFF2-40B4-BE49-F238E27FC236}">
+                <a16:creationId xmlns:a16="http://schemas.microsoft.com/office/drawing/2014/main" id="{D7B699E5-6A91-D5D4-A6B0-C71C42589BC8}"/>
+              </a:ext>
+            </a:extLst>
+          </p:cNvPr>
+          <p:cNvSpPr txBox="1"/>
+          <p:nvPr/>
+        </p:nvSpPr>
+        <p:spPr>
+          <a:xfrm>
+            <a:off x="140127" y="221836"/>
+            <a:ext cx="3558346" cy="461665"/>
+          </a:xfrm>
+          <a:prstGeom prst="rect">
+            <a:avLst/>
+          </a:prstGeom>
+          <a:noFill/>
+        </p:spPr>
+        <p:txBody>
+          <a:bodyPr wrap="none" rtlCol="0">
+            <a:spAutoFit/>
+          </a:bodyPr>
+          <a:lstStyle/>
+          <a:p>
+            <a:r>
+              <a:rPr lang="en-US" sz="2400" dirty="0"/>
+              <a:t>Results:  Dataset Clean-2</a:t>
+            </a:r>
+          </a:p>
+        </p:txBody>
+      </p:sp>
+      <p:graphicFrame>
+        <p:nvGraphicFramePr>
+          <p:cNvPr id="3" name="Table 2">
+            <a:extLst>
+              <a:ext uri="{FF2B5EF4-FFF2-40B4-BE49-F238E27FC236}">
+                <a16:creationId xmlns:a16="http://schemas.microsoft.com/office/drawing/2014/main" id="{06968A34-6E02-9A89-9D28-711A65FA6A49}"/>
+              </a:ext>
+            </a:extLst>
+          </p:cNvPr>
+          <p:cNvGraphicFramePr>
+            <a:graphicFrameLocks noGrp="1"/>
+          </p:cNvGraphicFramePr>
+          <p:nvPr>
+            <p:extLst>
+              <p:ext uri="{D42A27DB-BD31-4B8C-83A1-F6EECF244321}">
+                <p14:modId xmlns:p14="http://schemas.microsoft.com/office/powerpoint/2010/main" val="1768969518"/>
+              </p:ext>
+            </p:extLst>
+          </p:nvPr>
+        </p:nvGraphicFramePr>
+        <p:xfrm>
+          <a:off x="1729491" y="1086528"/>
+          <a:ext cx="8484186" cy="3167925"/>
+        </p:xfrm>
+        <a:graphic>
+          <a:graphicData uri="http://schemas.openxmlformats.org/drawingml/2006/table">
+            <a:tbl>
+              <a:tblPr firstRow="1" bandRow="1">
+                <a:tableStyleId>{5C22544A-7EE6-4342-B048-85BDC9FD1C3A}</a:tableStyleId>
+              </a:tblPr>
+              <a:tblGrid>
+                <a:gridCol w="1662524">
+                  <a:extLst>
+                    <a:ext uri="{9D8B030D-6E8A-4147-A177-3AD203B41FA5}">
+                      <a16:colId xmlns:a16="http://schemas.microsoft.com/office/drawing/2014/main" val="1065848917"/>
+                    </a:ext>
+                  </a:extLst>
+                </a:gridCol>
+                <a:gridCol w="1087495">
+                  <a:extLst>
+                    <a:ext uri="{9D8B030D-6E8A-4147-A177-3AD203B41FA5}">
+                      <a16:colId xmlns:a16="http://schemas.microsoft.com/office/drawing/2014/main" val="873310604"/>
+                    </a:ext>
+                  </a:extLst>
+                </a:gridCol>
+                <a:gridCol w="1160010">
+                  <a:extLst>
+                    <a:ext uri="{9D8B030D-6E8A-4147-A177-3AD203B41FA5}">
+                      <a16:colId xmlns:a16="http://schemas.microsoft.com/office/drawing/2014/main" val="3981708244"/>
+                    </a:ext>
+                  </a:extLst>
+                </a:gridCol>
+                <a:gridCol w="1524719">
+                  <a:extLst>
+                    <a:ext uri="{9D8B030D-6E8A-4147-A177-3AD203B41FA5}">
+                      <a16:colId xmlns:a16="http://schemas.microsoft.com/office/drawing/2014/main" val="1135465181"/>
+                    </a:ext>
+                  </a:extLst>
+                </a:gridCol>
+                <a:gridCol w="1524719">
+                  <a:extLst>
+                    <a:ext uri="{9D8B030D-6E8A-4147-A177-3AD203B41FA5}">
+                      <a16:colId xmlns:a16="http://schemas.microsoft.com/office/drawing/2014/main" val="91865083"/>
+                    </a:ext>
+                  </a:extLst>
+                </a:gridCol>
+                <a:gridCol w="1524719">
+                  <a:extLst>
+                    <a:ext uri="{9D8B030D-6E8A-4147-A177-3AD203B41FA5}">
+                      <a16:colId xmlns:a16="http://schemas.microsoft.com/office/drawing/2014/main" val="2256753199"/>
+                    </a:ext>
+                  </a:extLst>
+                </a:gridCol>
+              </a:tblGrid>
+              <a:tr h="505569">
+                <a:tc>
+                  <a:txBody>
+                    <a:bodyPr/>
+                    <a:lstStyle/>
+                    <a:p>
+                      <a:pPr algn="ctr"/>
+                      <a:r>
+                        <a:rPr lang="en-US" dirty="0"/>
+                        <a:t>Model</a:t>
+                      </a:r>
+                    </a:p>
+                  </a:txBody>
+                  <a:tcPr anchor="ctr"/>
+                </a:tc>
+                <a:tc>
+                  <a:txBody>
+                    <a:bodyPr/>
+                    <a:lstStyle/>
+                    <a:p>
+                      <a:pPr algn="ctr"/>
+                      <a:r>
+                        <a:rPr lang="en-US" dirty="0"/>
+                        <a:t>Train Loss</a:t>
+                      </a:r>
+                    </a:p>
+                  </a:txBody>
+                  <a:tcPr anchor="ctr"/>
+                </a:tc>
+                <a:tc>
+                  <a:txBody>
+                    <a:bodyPr/>
+                    <a:lstStyle/>
+                    <a:p>
+                      <a:pPr algn="ctr"/>
+                      <a:r>
+                        <a:rPr lang="en-US" dirty="0"/>
+                        <a:t>Valid. Loss</a:t>
+                      </a:r>
+                    </a:p>
+                  </a:txBody>
+                  <a:tcPr anchor="ctr"/>
+                </a:tc>
+                <a:tc>
+                  <a:txBody>
+                    <a:bodyPr/>
+                    <a:lstStyle/>
+                    <a:p>
+                      <a:pPr algn="ctr"/>
+                      <a:r>
+                        <a:rPr lang="en-US" dirty="0"/>
+                        <a:t>Epochs</a:t>
+                      </a:r>
+                    </a:p>
+                  </a:txBody>
+                  <a:tcPr anchor="ctr"/>
+                </a:tc>
+                <a:tc>
+                  <a:txBody>
+                    <a:bodyPr/>
+                    <a:lstStyle/>
+                    <a:p>
+                      <a:pPr algn="ctr"/>
+                      <a:r>
+                        <a:rPr lang="en-US" dirty="0"/>
+                        <a:t>RMSD</a:t>
+                      </a:r>
+                    </a:p>
+                    <a:p>
+                      <a:pPr algn="ctr"/>
+                      <a:r>
+                        <a:rPr lang="en-US" dirty="0"/>
+                        <a:t>(valid set)</a:t>
+                      </a:r>
+                    </a:p>
+                  </a:txBody>
+                  <a:tcPr anchor="ctr"/>
+                </a:tc>
+                <a:tc>
+                  <a:txBody>
+                    <a:bodyPr/>
+                    <a:lstStyle/>
+                    <a:p>
+                      <a:pPr algn="ctr"/>
+                      <a:r>
+                        <a:rPr lang="en-US" dirty="0"/>
+                        <a:t>Comment</a:t>
+                      </a:r>
+                    </a:p>
+                  </a:txBody>
+                  <a:tcPr anchor="ctr"/>
+                </a:tc>
+                <a:extLst>
+                  <a:ext uri="{0D108BD9-81ED-4DB2-BD59-A6C34878D82A}">
+                    <a16:rowId xmlns:a16="http://schemas.microsoft.com/office/drawing/2014/main" val="1617347897"/>
+                  </a:ext>
+                </a:extLst>
+              </a:tr>
+              <a:tr h="505569">
+                <a:tc>
+                  <a:txBody>
+                    <a:bodyPr/>
+                    <a:lstStyle/>
+                    <a:p>
+                      <a:r>
+                        <a:rPr lang="en-US" dirty="0"/>
+                        <a:t>residual MLP</a:t>
+                      </a:r>
+                    </a:p>
+                  </a:txBody>
+                  <a:tcPr anchor="ctr"/>
+                </a:tc>
+                <a:tc>
+                  <a:txBody>
+                    <a:bodyPr/>
+                    <a:lstStyle/>
+                    <a:p>
+                      <a:pPr algn="ctr"/>
+                      <a:endParaRPr lang="en-US" dirty="0"/>
+                    </a:p>
+                  </a:txBody>
+                  <a:tcPr anchor="ctr"/>
+                </a:tc>
+                <a:tc>
+                  <a:txBody>
+                    <a:bodyPr/>
+                    <a:lstStyle/>
+                    <a:p>
+                      <a:pPr algn="ctr"/>
+                      <a:endParaRPr lang="en-US" dirty="0"/>
+                    </a:p>
+                  </a:txBody>
+                  <a:tcPr anchor="ctr"/>
+                </a:tc>
+                <a:tc>
+                  <a:txBody>
+                    <a:bodyPr/>
+                    <a:lstStyle/>
+                    <a:p>
+                      <a:pPr algn="ctr"/>
+                      <a:endParaRPr lang="en-US" dirty="0"/>
+                    </a:p>
+                  </a:txBody>
+                  <a:tcPr anchor="ctr"/>
+                </a:tc>
+                <a:tc>
+                  <a:txBody>
+                    <a:bodyPr/>
+                    <a:lstStyle/>
+                    <a:p>
+                      <a:pPr algn="ctr"/>
+                      <a:endParaRPr lang="en-US" dirty="0"/>
+                    </a:p>
+                  </a:txBody>
+                  <a:tcPr anchor="ctr"/>
+                </a:tc>
+                <a:tc>
+                  <a:txBody>
+                    <a:bodyPr/>
+                    <a:lstStyle/>
+                    <a:p>
+                      <a:pPr algn="ctr"/>
+                      <a:endParaRPr lang="en-US" dirty="0"/>
+                    </a:p>
+                  </a:txBody>
+                  <a:tcPr anchor="ctr"/>
+                </a:tc>
+                <a:extLst>
+                  <a:ext uri="{0D108BD9-81ED-4DB2-BD59-A6C34878D82A}">
+                    <a16:rowId xmlns:a16="http://schemas.microsoft.com/office/drawing/2014/main" val="3248717932"/>
+                  </a:ext>
+                </a:extLst>
+              </a:tr>
+              <a:tr h="505569">
+                <a:tc>
+                  <a:txBody>
+                    <a:bodyPr/>
+                    <a:lstStyle/>
+                    <a:p>
+                      <a:r>
+                        <a:rPr lang="en-US" dirty="0"/>
+                        <a:t>VIT</a:t>
+                      </a:r>
+                    </a:p>
+                  </a:txBody>
+                  <a:tcPr anchor="ctr"/>
+                </a:tc>
+                <a:tc>
+                  <a:txBody>
+                    <a:bodyPr/>
+                    <a:lstStyle/>
+                    <a:p>
+                      <a:pPr algn="ctr"/>
+                      <a:r>
+                        <a:rPr lang="en-US" dirty="0"/>
+                        <a:t>0.26</a:t>
+                      </a:r>
+                    </a:p>
+                  </a:txBody>
+                  <a:tcPr anchor="ctr"/>
+                </a:tc>
+                <a:tc>
+                  <a:txBody>
+                    <a:bodyPr/>
+                    <a:lstStyle/>
+                    <a:p>
+                      <a:pPr algn="ctr"/>
+                      <a:r>
+                        <a:rPr lang="en-US" dirty="0"/>
+                        <a:t>0.32</a:t>
+                      </a:r>
+                    </a:p>
+                  </a:txBody>
+                  <a:tcPr anchor="ctr"/>
+                </a:tc>
+                <a:tc>
+                  <a:txBody>
+                    <a:bodyPr/>
+                    <a:lstStyle/>
+                    <a:p>
+                      <a:pPr algn="ctr"/>
+                      <a:r>
+                        <a:rPr lang="en-US"/>
+                        <a:t>860</a:t>
+                      </a:r>
+                      <a:endParaRPr lang="en-US" dirty="0"/>
+                    </a:p>
+                  </a:txBody>
+                  <a:tcPr anchor="ctr"/>
+                </a:tc>
+                <a:tc>
+                  <a:txBody>
+                    <a:bodyPr/>
+                    <a:lstStyle/>
+                    <a:p>
+                      <a:pPr algn="ctr"/>
+                      <a:endParaRPr lang="en-US" dirty="0"/>
+                    </a:p>
+                  </a:txBody>
+                  <a:tcPr anchor="ctr"/>
+                </a:tc>
+                <a:tc>
+                  <a:txBody>
+                    <a:bodyPr/>
+                    <a:lstStyle/>
+                    <a:p>
+                      <a:pPr algn="ctr"/>
+                      <a:endParaRPr lang="en-US" dirty="0"/>
+                    </a:p>
+                  </a:txBody>
+                  <a:tcPr anchor="ctr"/>
+                </a:tc>
+                <a:extLst>
+                  <a:ext uri="{0D108BD9-81ED-4DB2-BD59-A6C34878D82A}">
+                    <a16:rowId xmlns:a16="http://schemas.microsoft.com/office/drawing/2014/main" val="1232718432"/>
+                  </a:ext>
+                </a:extLst>
+              </a:tr>
+              <a:tr h="505569">
+                <a:tc>
+                  <a:txBody>
+                    <a:bodyPr/>
+                    <a:lstStyle/>
+                    <a:p>
+                      <a:r>
+                        <a:rPr lang="en-US" dirty="0"/>
+                        <a:t>BERT (naive) </a:t>
+                      </a:r>
+                      <a:r>
+                        <a:rPr lang="en-US" baseline="30000" dirty="0"/>
+                        <a:t>1</a:t>
+                      </a:r>
+                    </a:p>
+                  </a:txBody>
+                  <a:tcPr anchor="ctr"/>
+                </a:tc>
+                <a:tc>
+                  <a:txBody>
+                    <a:bodyPr/>
+                    <a:lstStyle/>
+                    <a:p>
+                      <a:pPr algn="ctr"/>
+                      <a:endParaRPr lang="en-US" dirty="0"/>
+                    </a:p>
+                  </a:txBody>
+                  <a:tcPr anchor="ctr"/>
+                </a:tc>
+                <a:tc>
+                  <a:txBody>
+                    <a:bodyPr/>
+                    <a:lstStyle/>
+                    <a:p>
+                      <a:pPr algn="ctr"/>
+                      <a:endParaRPr lang="en-US" dirty="0"/>
+                    </a:p>
+                  </a:txBody>
+                  <a:tcPr anchor="ctr"/>
+                </a:tc>
+                <a:tc>
+                  <a:txBody>
+                    <a:bodyPr/>
+                    <a:lstStyle/>
+                    <a:p>
+                      <a:pPr algn="ctr"/>
+                      <a:endParaRPr lang="en-US" dirty="0"/>
+                    </a:p>
+                  </a:txBody>
+                  <a:tcPr anchor="ctr"/>
+                </a:tc>
+                <a:tc>
+                  <a:txBody>
+                    <a:bodyPr/>
+                    <a:lstStyle/>
+                    <a:p>
+                      <a:pPr algn="ctr"/>
+                      <a:endParaRPr lang="en-US" dirty="0"/>
+                    </a:p>
+                  </a:txBody>
+                  <a:tcPr anchor="ctr"/>
+                </a:tc>
+                <a:tc>
+                  <a:txBody>
+                    <a:bodyPr/>
+                    <a:lstStyle/>
+                    <a:p>
+                      <a:pPr algn="ctr"/>
+                      <a:endParaRPr lang="en-US" dirty="0"/>
+                    </a:p>
+                  </a:txBody>
+                  <a:tcPr anchor="ctr"/>
+                </a:tc>
+                <a:extLst>
+                  <a:ext uri="{0D108BD9-81ED-4DB2-BD59-A6C34878D82A}">
+                    <a16:rowId xmlns:a16="http://schemas.microsoft.com/office/drawing/2014/main" val="461321389"/>
+                  </a:ext>
+                </a:extLst>
+              </a:tr>
+              <a:tr h="505569">
+                <a:tc rowSpan="2">
+                  <a:txBody>
+                    <a:bodyPr/>
+                    <a:lstStyle/>
+                    <a:p>
+                      <a:r>
+                        <a:rPr lang="en-US" dirty="0"/>
+                        <a:t>BERT (full) </a:t>
+                      </a:r>
+                      <a:r>
+                        <a:rPr lang="en-US" baseline="30000" dirty="0"/>
+                        <a:t>2</a:t>
+                      </a:r>
+                    </a:p>
+                  </a:txBody>
+                  <a:tcPr anchor="ctr"/>
+                </a:tc>
+                <a:tc>
+                  <a:txBody>
+                    <a:bodyPr/>
+                    <a:lstStyle/>
+                    <a:p>
+                      <a:pPr algn="ctr"/>
+                      <a:endParaRPr lang="en-US" dirty="0"/>
+                    </a:p>
+                  </a:txBody>
+                  <a:tcPr anchor="ctr"/>
+                </a:tc>
+                <a:tc>
+                  <a:txBody>
+                    <a:bodyPr/>
+                    <a:lstStyle/>
+                    <a:p>
+                      <a:pPr algn="ctr"/>
+                      <a:endParaRPr lang="en-US"/>
+                    </a:p>
+                  </a:txBody>
+                  <a:tcPr anchor="ctr"/>
+                </a:tc>
+                <a:tc>
+                  <a:txBody>
+                    <a:bodyPr/>
+                    <a:lstStyle/>
+                    <a:p>
+                      <a:pPr algn="ctr"/>
+                      <a:endParaRPr lang="en-US"/>
+                    </a:p>
+                  </a:txBody>
+                  <a:tcPr anchor="ctr"/>
+                </a:tc>
+                <a:tc>
+                  <a:txBody>
+                    <a:bodyPr/>
+                    <a:lstStyle/>
+                    <a:p>
+                      <a:pPr algn="ctr"/>
+                      <a:endParaRPr lang="en-US"/>
+                    </a:p>
+                  </a:txBody>
+                  <a:tcPr anchor="ctr"/>
+                </a:tc>
+                <a:tc>
+                  <a:txBody>
+                    <a:bodyPr/>
+                    <a:lstStyle/>
+                    <a:p>
+                      <a:pPr algn="ctr"/>
+                      <a:r>
+                        <a:rPr lang="en-US" dirty="0"/>
+                        <a:t>pre-train</a:t>
+                      </a:r>
+                    </a:p>
+                  </a:txBody>
+                  <a:tcPr anchor="ctr"/>
+                </a:tc>
+                <a:extLst>
+                  <a:ext uri="{0D108BD9-81ED-4DB2-BD59-A6C34878D82A}">
+                    <a16:rowId xmlns:a16="http://schemas.microsoft.com/office/drawing/2014/main" val="4051566852"/>
+                  </a:ext>
+                </a:extLst>
+              </a:tr>
+              <a:tr h="505569">
+                <a:tc vMerge="1">
+                  <a:txBody>
+                    <a:bodyPr/>
+                    <a:lstStyle/>
+                    <a:p>
+                      <a:endParaRPr lang="en-US" baseline="30000" dirty="0"/>
+                    </a:p>
+                  </a:txBody>
+                  <a:tcPr/>
+                </a:tc>
+                <a:tc>
+                  <a:txBody>
+                    <a:bodyPr/>
+                    <a:lstStyle/>
+                    <a:p>
+                      <a:pPr algn="ctr"/>
+                      <a:endParaRPr lang="en-US"/>
+                    </a:p>
+                  </a:txBody>
+                  <a:tcPr anchor="ctr"/>
+                </a:tc>
+                <a:tc>
+                  <a:txBody>
+                    <a:bodyPr/>
+                    <a:lstStyle/>
+                    <a:p>
+                      <a:pPr algn="ctr"/>
+                      <a:endParaRPr lang="en-US"/>
+                    </a:p>
+                  </a:txBody>
+                  <a:tcPr anchor="ctr"/>
+                </a:tc>
+                <a:tc>
+                  <a:txBody>
+                    <a:bodyPr/>
+                    <a:lstStyle/>
+                    <a:p>
+                      <a:pPr algn="ctr"/>
+                      <a:endParaRPr lang="en-US"/>
+                    </a:p>
+                  </a:txBody>
+                  <a:tcPr anchor="ctr"/>
+                </a:tc>
+                <a:tc>
+                  <a:txBody>
+                    <a:bodyPr/>
+                    <a:lstStyle/>
+                    <a:p>
+                      <a:pPr algn="ctr"/>
+                      <a:endParaRPr lang="en-US" dirty="0"/>
+                    </a:p>
+                  </a:txBody>
+                  <a:tcPr anchor="ctr"/>
+                </a:tc>
+                <a:tc>
+                  <a:txBody>
+                    <a:bodyPr/>
+                    <a:lstStyle/>
+                    <a:p>
+                      <a:pPr algn="ctr"/>
+                      <a:r>
+                        <a:rPr lang="en-US" dirty="0"/>
+                        <a:t>fine-tune</a:t>
+                      </a:r>
+                    </a:p>
+                  </a:txBody>
+                  <a:tcPr anchor="ctr"/>
+                </a:tc>
+                <a:extLst>
+                  <a:ext uri="{0D108BD9-81ED-4DB2-BD59-A6C34878D82A}">
+                    <a16:rowId xmlns:a16="http://schemas.microsoft.com/office/drawing/2014/main" val="3788428899"/>
+                  </a:ext>
+                </a:extLst>
+              </a:tr>
+            </a:tbl>
+          </a:graphicData>
+        </a:graphic>
+      </p:graphicFrame>
+      <p:sp>
+        <p:nvSpPr>
+          <p:cNvPr id="4" name="TextBox 3">
+            <a:extLst>
+              <a:ext uri="{FF2B5EF4-FFF2-40B4-BE49-F238E27FC236}">
+                <a16:creationId xmlns:a16="http://schemas.microsoft.com/office/drawing/2014/main" id="{00DD7777-9BF6-823F-4376-3C2BB81EAC9C}"/>
+              </a:ext>
+            </a:extLst>
+          </p:cNvPr>
+          <p:cNvSpPr txBox="1"/>
+          <p:nvPr/>
+        </p:nvSpPr>
+        <p:spPr>
+          <a:xfrm>
+            <a:off x="389614" y="5534108"/>
+            <a:ext cx="8333435" cy="646331"/>
+          </a:xfrm>
+          <a:prstGeom prst="rect">
+            <a:avLst/>
+          </a:prstGeom>
+          <a:noFill/>
+        </p:spPr>
+        <p:txBody>
+          <a:bodyPr wrap="none" rtlCol="0">
+            <a:spAutoFit/>
+          </a:bodyPr>
+          <a:lstStyle/>
+          <a:p>
+            <a:pPr marL="342900" indent="-342900">
+              <a:buAutoNum type="arabicPeriod"/>
+            </a:pPr>
+            <a:r>
+              <a:rPr lang="en-US" dirty="0"/>
+              <a:t>Train the fine-tune BERT model from scratch (no pre-training) on </a:t>
+            </a:r>
+            <a:r>
+              <a:rPr lang="en-US" dirty="0" err="1"/>
+              <a:t>scFV</a:t>
+            </a:r>
+            <a:r>
+              <a:rPr lang="en-US" dirty="0"/>
+              <a:t> train data</a:t>
+            </a:r>
+          </a:p>
+          <a:p>
+            <a:pPr marL="342900" indent="-342900">
+              <a:buAutoNum type="arabicPeriod"/>
+            </a:pPr>
+            <a:r>
+              <a:rPr lang="en-US" dirty="0"/>
+              <a:t>Pre-train BERT on OAS dataset, then fine-tune on </a:t>
+            </a:r>
+            <a:r>
+              <a:rPr lang="en-US" dirty="0" err="1"/>
+              <a:t>scFv</a:t>
+            </a:r>
+            <a:r>
+              <a:rPr lang="en-US" dirty="0"/>
+              <a:t> train data</a:t>
+            </a:r>
+          </a:p>
+        </p:txBody>
+      </p:sp>
+    </p:spTree>
+    <p:extLst>
+      <p:ext uri="{BB962C8B-B14F-4D97-AF65-F5344CB8AC3E}">
+        <p14:creationId xmlns:p14="http://schemas.microsoft.com/office/powerpoint/2010/main" val="1303042645"/>
+      </p:ext>
+    </p:extLst>
+  </p:cSld>
+  <p:clrMapOvr>
+    <a:masterClrMapping/>
+  </p:clrMapOvr>
+</p:sld>
+</file>
+
+<file path=ppt/slides/slide11.xml><?xml version="1.0" encoding="utf-8"?>
+<p:sld xmlns:a="http://schemas.openxmlformats.org/drawingml/2006/main" xmlns:r="http://schemas.openxmlformats.org/officeDocument/2006/relationships" xmlns:p="http://schemas.openxmlformats.org/presentationml/2006/main">
+  <p:cSld>
+    <p:spTree>
+      <p:nvGrpSpPr>
+        <p:cNvPr id="1" name=""/>
+        <p:cNvGrpSpPr/>
+        <p:nvPr/>
+      </p:nvGrpSpPr>
+      <p:grpSpPr>
+        <a:xfrm>
+          <a:off x="0" y="0"/>
+          <a:ext cx="0" cy="0"/>
+          <a:chOff x="0" y="0"/>
+          <a:chExt cx="0" cy="0"/>
+        </a:xfrm>
+      </p:grpSpPr>
+      <p:sp>
+        <p:nvSpPr>
           <p:cNvPr id="3" name="TextBox 2">
             <a:extLst>
               <a:ext uri="{FF2B5EF4-FFF2-40B4-BE49-F238E27FC236}">
@@ -3835,7 +4536,7 @@
 </p:sld>
 </file>
 
-<file path=ppt/slides/slide11.xml><?xml version="1.0" encoding="utf-8"?>
+<file path=ppt/slides/slide12.xml><?xml version="1.0" encoding="utf-8"?>
 <p:sld xmlns:a="http://schemas.openxmlformats.org/drawingml/2006/main" xmlns:r="http://schemas.openxmlformats.org/officeDocument/2006/relationships" xmlns:p="http://schemas.openxmlformats.org/presentationml/2006/main">
   <p:cSld>
     <p:spTree>
@@ -4223,7 +4924,7 @@
 </p:sld>
 </file>
 
-<file path=ppt/slides/slide12.xml><?xml version="1.0" encoding="utf-8"?>
+<file path=ppt/slides/slide13.xml><?xml version="1.0" encoding="utf-8"?>
 <p:sld xmlns:a="http://schemas.openxmlformats.org/drawingml/2006/main" xmlns:r="http://schemas.openxmlformats.org/officeDocument/2006/relationships" xmlns:p="http://schemas.openxmlformats.org/presentationml/2006/main">
   <p:cSld>
     <p:spTree>
@@ -4608,7 +5309,7 @@
 </p:sld>
 </file>
 
-<file path=ppt/slides/slide13.xml><?xml version="1.0" encoding="utf-8"?>
+<file path=ppt/slides/slide14.xml><?xml version="1.0" encoding="utf-8"?>
 <p:sld xmlns:a="http://schemas.openxmlformats.org/drawingml/2006/main" xmlns:r="http://schemas.openxmlformats.org/officeDocument/2006/relationships" xmlns:p="http://schemas.openxmlformats.org/presentationml/2006/main">
   <p:cSld>
     <p:spTree>
@@ -6299,7 +7000,7 @@
 </p:sld>
 </file>
 
-<file path=ppt/slides/slide14.xml><?xml version="1.0" encoding="utf-8"?>
+<file path=ppt/slides/slide15.xml><?xml version="1.0" encoding="utf-8"?>
 <p:sld xmlns:a="http://schemas.openxmlformats.org/drawingml/2006/main" xmlns:r="http://schemas.openxmlformats.org/officeDocument/2006/relationships" xmlns:p="http://schemas.openxmlformats.org/presentationml/2006/main">
   <p:cSld>
     <p:spTree>
@@ -6978,7 +7679,7 @@
 </p:sld>
 </file>
 
-<file path=ppt/slides/slide15.xml><?xml version="1.0" encoding="utf-8"?>
+<file path=ppt/slides/slide16.xml><?xml version="1.0" encoding="utf-8"?>
 <p:sld xmlns:a="http://schemas.openxmlformats.org/drawingml/2006/main" xmlns:r="http://schemas.openxmlformats.org/officeDocument/2006/relationships" xmlns:p="http://schemas.openxmlformats.org/presentationml/2006/main">
   <p:cSld>
     <p:spTree>
@@ -8206,7 +8907,7 @@
 </p:sld>
 </file>
 
-<file path=ppt/slides/slide16.xml><?xml version="1.0" encoding="utf-8"?>
+<file path=ppt/slides/slide17.xml><?xml version="1.0" encoding="utf-8"?>
 <p:sld xmlns:a="http://schemas.openxmlformats.org/drawingml/2006/main" xmlns:r="http://schemas.openxmlformats.org/officeDocument/2006/relationships" xmlns:p="http://schemas.openxmlformats.org/presentationml/2006/main">
   <p:cSld>
     <p:spTree>
@@ -11029,7 +11730,7 @@
 </p:sld>
 </file>
 
-<file path=ppt/slides/slide17.xml><?xml version="1.0" encoding="utf-8"?>
+<file path=ppt/slides/slide18.xml><?xml version="1.0" encoding="utf-8"?>
 <p:sld xmlns:a="http://schemas.openxmlformats.org/drawingml/2006/main" xmlns:r="http://schemas.openxmlformats.org/officeDocument/2006/relationships" xmlns:p="http://schemas.openxmlformats.org/presentationml/2006/main">
   <p:cSld>
     <p:spTree>
@@ -14977,7 +15678,7 @@
 </p:sld>
 </file>
 
-<file path=ppt/slides/slide18.xml><?xml version="1.0" encoding="utf-8"?>
+<file path=ppt/slides/slide19.xml><?xml version="1.0" encoding="utf-8"?>
 <p:sld xmlns:a="http://schemas.openxmlformats.org/drawingml/2006/main" xmlns:r="http://schemas.openxmlformats.org/officeDocument/2006/relationships" xmlns:p="http://schemas.openxmlformats.org/presentationml/2006/main">
   <p:cSld>
     <p:spTree>
@@ -17992,204 +18693,6 @@
 </p:sld>
 </file>
 
-<file path=ppt/slides/slide19.xml><?xml version="1.0" encoding="utf-8"?>
-<p:sld xmlns:a="http://schemas.openxmlformats.org/drawingml/2006/main" xmlns:r="http://schemas.openxmlformats.org/officeDocument/2006/relationships" xmlns:p="http://schemas.openxmlformats.org/presentationml/2006/main">
-  <p:cSld>
-    <p:spTree>
-      <p:nvGrpSpPr>
-        <p:cNvPr id="1" name=""/>
-        <p:cNvGrpSpPr/>
-        <p:nvPr/>
-      </p:nvGrpSpPr>
-      <p:grpSpPr>
-        <a:xfrm>
-          <a:off x="0" y="0"/>
-          <a:ext cx="0" cy="0"/>
-          <a:chOff x="0" y="0"/>
-          <a:chExt cx="0" cy="0"/>
-        </a:xfrm>
-      </p:grpSpPr>
-      <p:sp>
-        <p:nvSpPr>
-          <p:cNvPr id="2" name="TextBox 1">
-            <a:extLst>
-              <a:ext uri="{FF2B5EF4-FFF2-40B4-BE49-F238E27FC236}">
-                <a16:creationId xmlns:a16="http://schemas.microsoft.com/office/drawing/2014/main" id="{173364C4-CB84-A1D3-F6F3-AC3B3E94681F}"/>
-              </a:ext>
-            </a:extLst>
-          </p:cNvPr>
-          <p:cNvSpPr txBox="1"/>
-          <p:nvPr/>
-        </p:nvSpPr>
-        <p:spPr>
-          <a:xfrm>
-            <a:off x="933090" y="1100040"/>
-            <a:ext cx="10325819" cy="2308324"/>
-          </a:xfrm>
-          <a:prstGeom prst="rect">
-            <a:avLst/>
-          </a:prstGeom>
-          <a:noFill/>
-        </p:spPr>
-        <p:txBody>
-          <a:bodyPr wrap="square" rtlCol="0">
-            <a:spAutoFit/>
-          </a:bodyPr>
-          <a:lstStyle/>
-          <a:p>
-            <a:r>
-              <a:rPr lang="en-US" dirty="0"/>
-              <a:t>Position embedding:</a:t>
-            </a:r>
-          </a:p>
-          <a:p>
-            <a:pPr marL="342900" indent="-342900">
-              <a:buFont typeface="+mj-lt"/>
-              <a:buAutoNum type="arabicPeriod"/>
-            </a:pPr>
-            <a:r>
-              <a:rPr lang="en-US" dirty="0"/>
-              <a:t>Use absolute position determined from each specific aa sequence?</a:t>
-            </a:r>
-          </a:p>
-          <a:p>
-            <a:pPr marL="342900" indent="-342900">
-              <a:buFont typeface="+mj-lt"/>
-              <a:buAutoNum type="arabicPeriod"/>
-            </a:pPr>
-            <a:endParaRPr lang="en-US" dirty="0"/>
-          </a:p>
-          <a:p>
-            <a:pPr marL="342900" indent="-342900">
-              <a:buFont typeface="+mj-lt"/>
-              <a:buAutoNum type="arabicPeriod"/>
-            </a:pPr>
-            <a:r>
-              <a:rPr lang="en-US" dirty="0"/>
-              <a:t>Or, the absolute position in the entire human light chain? </a:t>
-            </a:r>
-          </a:p>
-          <a:p>
-            <a:pPr marL="742950" lvl="1" indent="-285750">
-              <a:buFont typeface="Arial" panose="020B0604020202020204" pitchFamily="34" charset="0"/>
-              <a:buChar char="•"/>
-            </a:pPr>
-            <a:r>
-              <a:rPr lang="en-US" dirty="0"/>
-              <a:t>makes more sense but not sure how I can get this information or if it changes for different antibody types (</a:t>
-            </a:r>
-            <a:r>
-              <a:rPr lang="en-US" dirty="0" err="1"/>
-              <a:t>ie</a:t>
-            </a:r>
-            <a:r>
-              <a:rPr lang="en-US" dirty="0"/>
-              <a:t>. IgG, IgA, </a:t>
-            </a:r>
-            <a:r>
-              <a:rPr lang="en-US" dirty="0" err="1"/>
-              <a:t>etc</a:t>
-            </a:r>
-            <a:r>
-              <a:rPr lang="en-US" dirty="0"/>
-              <a:t>)</a:t>
-            </a:r>
-          </a:p>
-          <a:p>
-            <a:pPr marL="742950" lvl="1" indent="-285750">
-              <a:buFont typeface="Arial" panose="020B0604020202020204" pitchFamily="34" charset="0"/>
-              <a:buChar char="•"/>
-            </a:pPr>
-            <a:r>
-              <a:rPr lang="en-US" dirty="0"/>
-              <a:t>There is no absolute light chain length for human IgG abs.  A few different chains have slightly different lengths.  Absolute alignment with reference light chains is probably not practical.</a:t>
-            </a:r>
-          </a:p>
-        </p:txBody>
-      </p:sp>
-      <p:sp>
-        <p:nvSpPr>
-          <p:cNvPr id="3" name="TextBox 2">
-            <a:extLst>
-              <a:ext uri="{FF2B5EF4-FFF2-40B4-BE49-F238E27FC236}">
-                <a16:creationId xmlns:a16="http://schemas.microsoft.com/office/drawing/2014/main" id="{86DCB64A-0BD4-1C80-7F06-5E42F0FEC3C4}"/>
-              </a:ext>
-            </a:extLst>
-          </p:cNvPr>
-          <p:cNvSpPr txBox="1"/>
-          <p:nvPr/>
-        </p:nvSpPr>
-        <p:spPr>
-          <a:xfrm>
-            <a:off x="219456" y="192024"/>
-            <a:ext cx="6630918" cy="461665"/>
-          </a:xfrm>
-          <a:prstGeom prst="rect">
-            <a:avLst/>
-          </a:prstGeom>
-          <a:noFill/>
-        </p:spPr>
-        <p:txBody>
-          <a:bodyPr wrap="none" rtlCol="0">
-            <a:spAutoFit/>
-          </a:bodyPr>
-          <a:lstStyle/>
-          <a:p>
-            <a:r>
-              <a:rPr lang="en-US" sz="2400" dirty="0"/>
-              <a:t>Issue(s) I have not resolved to my satisfaction yet</a:t>
-            </a:r>
-          </a:p>
-        </p:txBody>
-      </p:sp>
-      <p:sp>
-        <p:nvSpPr>
-          <p:cNvPr id="4" name="TextBox 3">
-            <a:extLst>
-              <a:ext uri="{FF2B5EF4-FFF2-40B4-BE49-F238E27FC236}">
-                <a16:creationId xmlns:a16="http://schemas.microsoft.com/office/drawing/2014/main" id="{F743C41F-EB12-14F8-5B10-D2C9FEE59C1B}"/>
-              </a:ext>
-            </a:extLst>
-          </p:cNvPr>
-          <p:cNvSpPr txBox="1"/>
-          <p:nvPr/>
-        </p:nvSpPr>
-        <p:spPr>
-          <a:xfrm>
-            <a:off x="630936" y="4233672"/>
-            <a:ext cx="2885342" cy="369332"/>
-          </a:xfrm>
-          <a:prstGeom prst="rect">
-            <a:avLst/>
-          </a:prstGeom>
-          <a:noFill/>
-        </p:spPr>
-        <p:txBody>
-          <a:bodyPr wrap="none" rtlCol="0">
-            <a:spAutoFit/>
-          </a:bodyPr>
-          <a:lstStyle/>
-          <a:p>
-            <a:r>
-              <a:rPr lang="en-US" dirty="0"/>
-              <a:t>I’ll pre-train using option #1</a:t>
-            </a:r>
-          </a:p>
-        </p:txBody>
-      </p:sp>
-    </p:spTree>
-    <p:extLst>
-      <p:ext uri="{BB962C8B-B14F-4D97-AF65-F5344CB8AC3E}">
-        <p14:creationId xmlns:p14="http://schemas.microsoft.com/office/powerpoint/2010/main" val="1802993917"/>
-      </p:ext>
-    </p:extLst>
-  </p:cSld>
-  <p:clrMapOvr>
-    <a:masterClrMapping/>
-  </p:clrMapOvr>
-</p:sld>
-</file>
-
 <file path=ppt/slides/slide2.xml><?xml version="1.0" encoding="utf-8"?>
 <p:sld xmlns:a="http://schemas.openxmlformats.org/drawingml/2006/main" xmlns:r="http://schemas.openxmlformats.org/officeDocument/2006/relationships" xmlns:p="http://schemas.openxmlformats.org/presentationml/2006/main">
   <p:cSld>
@@ -18591,6 +19094,204 @@
           <p:cNvPr id="2" name="TextBox 1">
             <a:extLst>
               <a:ext uri="{FF2B5EF4-FFF2-40B4-BE49-F238E27FC236}">
+                <a16:creationId xmlns:a16="http://schemas.microsoft.com/office/drawing/2014/main" id="{173364C4-CB84-A1D3-F6F3-AC3B3E94681F}"/>
+              </a:ext>
+            </a:extLst>
+          </p:cNvPr>
+          <p:cNvSpPr txBox="1"/>
+          <p:nvPr/>
+        </p:nvSpPr>
+        <p:spPr>
+          <a:xfrm>
+            <a:off x="933090" y="1100040"/>
+            <a:ext cx="10325819" cy="2308324"/>
+          </a:xfrm>
+          <a:prstGeom prst="rect">
+            <a:avLst/>
+          </a:prstGeom>
+          <a:noFill/>
+        </p:spPr>
+        <p:txBody>
+          <a:bodyPr wrap="square" rtlCol="0">
+            <a:spAutoFit/>
+          </a:bodyPr>
+          <a:lstStyle/>
+          <a:p>
+            <a:r>
+              <a:rPr lang="en-US" dirty="0"/>
+              <a:t>Position embedding:</a:t>
+            </a:r>
+          </a:p>
+          <a:p>
+            <a:pPr marL="342900" indent="-342900">
+              <a:buFont typeface="+mj-lt"/>
+              <a:buAutoNum type="arabicPeriod"/>
+            </a:pPr>
+            <a:r>
+              <a:rPr lang="en-US" dirty="0"/>
+              <a:t>Use absolute position determined from each specific aa sequence?</a:t>
+            </a:r>
+          </a:p>
+          <a:p>
+            <a:pPr marL="342900" indent="-342900">
+              <a:buFont typeface="+mj-lt"/>
+              <a:buAutoNum type="arabicPeriod"/>
+            </a:pPr>
+            <a:endParaRPr lang="en-US" dirty="0"/>
+          </a:p>
+          <a:p>
+            <a:pPr marL="342900" indent="-342900">
+              <a:buFont typeface="+mj-lt"/>
+              <a:buAutoNum type="arabicPeriod"/>
+            </a:pPr>
+            <a:r>
+              <a:rPr lang="en-US" dirty="0"/>
+              <a:t>Or, the absolute position in the entire human light chain? </a:t>
+            </a:r>
+          </a:p>
+          <a:p>
+            <a:pPr marL="742950" lvl="1" indent="-285750">
+              <a:buFont typeface="Arial" panose="020B0604020202020204" pitchFamily="34" charset="0"/>
+              <a:buChar char="•"/>
+            </a:pPr>
+            <a:r>
+              <a:rPr lang="en-US" dirty="0"/>
+              <a:t>makes more sense but not sure how I can get this information or if it changes for different antibody types (</a:t>
+            </a:r>
+            <a:r>
+              <a:rPr lang="en-US" dirty="0" err="1"/>
+              <a:t>ie</a:t>
+            </a:r>
+            <a:r>
+              <a:rPr lang="en-US" dirty="0"/>
+              <a:t>. IgG, IgA, </a:t>
+            </a:r>
+            <a:r>
+              <a:rPr lang="en-US" dirty="0" err="1"/>
+              <a:t>etc</a:t>
+            </a:r>
+            <a:r>
+              <a:rPr lang="en-US" dirty="0"/>
+              <a:t>)</a:t>
+            </a:r>
+          </a:p>
+          <a:p>
+            <a:pPr marL="742950" lvl="1" indent="-285750">
+              <a:buFont typeface="Arial" panose="020B0604020202020204" pitchFamily="34" charset="0"/>
+              <a:buChar char="•"/>
+            </a:pPr>
+            <a:r>
+              <a:rPr lang="en-US" dirty="0"/>
+              <a:t>There is no absolute light chain length for human IgG abs.  A few different chains have slightly different lengths.  Absolute alignment with reference light chains is probably not practical.</a:t>
+            </a:r>
+          </a:p>
+        </p:txBody>
+      </p:sp>
+      <p:sp>
+        <p:nvSpPr>
+          <p:cNvPr id="3" name="TextBox 2">
+            <a:extLst>
+              <a:ext uri="{FF2B5EF4-FFF2-40B4-BE49-F238E27FC236}">
+                <a16:creationId xmlns:a16="http://schemas.microsoft.com/office/drawing/2014/main" id="{86DCB64A-0BD4-1C80-7F06-5E42F0FEC3C4}"/>
+              </a:ext>
+            </a:extLst>
+          </p:cNvPr>
+          <p:cNvSpPr txBox="1"/>
+          <p:nvPr/>
+        </p:nvSpPr>
+        <p:spPr>
+          <a:xfrm>
+            <a:off x="219456" y="192024"/>
+            <a:ext cx="6630918" cy="461665"/>
+          </a:xfrm>
+          <a:prstGeom prst="rect">
+            <a:avLst/>
+          </a:prstGeom>
+          <a:noFill/>
+        </p:spPr>
+        <p:txBody>
+          <a:bodyPr wrap="none" rtlCol="0">
+            <a:spAutoFit/>
+          </a:bodyPr>
+          <a:lstStyle/>
+          <a:p>
+            <a:r>
+              <a:rPr lang="en-US" sz="2400" dirty="0"/>
+              <a:t>Issue(s) I have not resolved to my satisfaction yet</a:t>
+            </a:r>
+          </a:p>
+        </p:txBody>
+      </p:sp>
+      <p:sp>
+        <p:nvSpPr>
+          <p:cNvPr id="4" name="TextBox 3">
+            <a:extLst>
+              <a:ext uri="{FF2B5EF4-FFF2-40B4-BE49-F238E27FC236}">
+                <a16:creationId xmlns:a16="http://schemas.microsoft.com/office/drawing/2014/main" id="{F743C41F-EB12-14F8-5B10-D2C9FEE59C1B}"/>
+              </a:ext>
+            </a:extLst>
+          </p:cNvPr>
+          <p:cNvSpPr txBox="1"/>
+          <p:nvPr/>
+        </p:nvSpPr>
+        <p:spPr>
+          <a:xfrm>
+            <a:off x="630936" y="4233672"/>
+            <a:ext cx="2885342" cy="369332"/>
+          </a:xfrm>
+          <a:prstGeom prst="rect">
+            <a:avLst/>
+          </a:prstGeom>
+          <a:noFill/>
+        </p:spPr>
+        <p:txBody>
+          <a:bodyPr wrap="none" rtlCol="0">
+            <a:spAutoFit/>
+          </a:bodyPr>
+          <a:lstStyle/>
+          <a:p>
+            <a:r>
+              <a:rPr lang="en-US" dirty="0"/>
+              <a:t>I’ll pre-train using option #1</a:t>
+            </a:r>
+          </a:p>
+        </p:txBody>
+      </p:sp>
+    </p:spTree>
+    <p:extLst>
+      <p:ext uri="{BB962C8B-B14F-4D97-AF65-F5344CB8AC3E}">
+        <p14:creationId xmlns:p14="http://schemas.microsoft.com/office/powerpoint/2010/main" val="1802993917"/>
+      </p:ext>
+    </p:extLst>
+  </p:cSld>
+  <p:clrMapOvr>
+    <a:masterClrMapping/>
+  </p:clrMapOvr>
+</p:sld>
+</file>
+
+<file path=ppt/slides/slide21.xml><?xml version="1.0" encoding="utf-8"?>
+<p:sld xmlns:a="http://schemas.openxmlformats.org/drawingml/2006/main" xmlns:r="http://schemas.openxmlformats.org/officeDocument/2006/relationships" xmlns:p="http://schemas.openxmlformats.org/presentationml/2006/main">
+  <p:cSld>
+    <p:spTree>
+      <p:nvGrpSpPr>
+        <p:cNvPr id="1" name=""/>
+        <p:cNvGrpSpPr/>
+        <p:nvPr/>
+      </p:nvGrpSpPr>
+      <p:grpSpPr>
+        <a:xfrm>
+          <a:off x="0" y="0"/>
+          <a:ext cx="0" cy="0"/>
+          <a:chOff x="0" y="0"/>
+          <a:chExt cx="0" cy="0"/>
+        </a:xfrm>
+      </p:grpSpPr>
+      <p:sp>
+        <p:nvSpPr>
+          <p:cNvPr id="2" name="TextBox 1">
+            <a:extLst>
+              <a:ext uri="{FF2B5EF4-FFF2-40B4-BE49-F238E27FC236}">
                 <a16:creationId xmlns:a16="http://schemas.microsoft.com/office/drawing/2014/main" id="{F1009346-0A06-C618-B97B-16F018B30694}"/>
               </a:ext>
             </a:extLst>
@@ -18906,7 +19607,7 @@
 </p:sld>
 </file>
 
-<file path=ppt/slides/slide21.xml><?xml version="1.0" encoding="utf-8"?>
+<file path=ppt/slides/slide22.xml><?xml version="1.0" encoding="utf-8"?>
 <p:sld xmlns:a="http://schemas.openxmlformats.org/drawingml/2006/main" xmlns:r="http://schemas.openxmlformats.org/officeDocument/2006/relationships" xmlns:p="http://schemas.openxmlformats.org/presentationml/2006/main">
   <p:cSld>
     <p:spTree>
@@ -19093,7 +19794,7 @@
 </p:sld>
 </file>
 
-<file path=ppt/slides/slide22.xml><?xml version="1.0" encoding="utf-8"?>
+<file path=ppt/slides/slide23.xml><?xml version="1.0" encoding="utf-8"?>
 <p:sld xmlns:a="http://schemas.openxmlformats.org/drawingml/2006/main" xmlns:r="http://schemas.openxmlformats.org/officeDocument/2006/relationships" xmlns:p="http://schemas.openxmlformats.org/presentationml/2006/main">
   <p:cSld>
     <p:spTree>
@@ -19645,7 +20346,7 @@
 </p:sld>
 </file>
 
-<file path=ppt/slides/slide23.xml><?xml version="1.0" encoding="utf-8"?>
+<file path=ppt/slides/slide24.xml><?xml version="1.0" encoding="utf-8"?>
 <p:sld xmlns:a="http://schemas.openxmlformats.org/drawingml/2006/main" xmlns:r="http://schemas.openxmlformats.org/officeDocument/2006/relationships" xmlns:p="http://schemas.openxmlformats.org/presentationml/2006/main">
   <p:cSld>
     <p:spTree>
@@ -19953,7 +20654,7 @@
 </p:sld>
 </file>
 
-<file path=ppt/slides/slide24.xml><?xml version="1.0" encoding="utf-8"?>
+<file path=ppt/slides/slide25.xml><?xml version="1.0" encoding="utf-8"?>
 <p:sld xmlns:a="http://schemas.openxmlformats.org/drawingml/2006/main" xmlns:r="http://schemas.openxmlformats.org/officeDocument/2006/relationships" xmlns:p="http://schemas.openxmlformats.org/presentationml/2006/main">
   <p:cSld>
     <p:spTree>
@@ -20212,9 +20913,9 @@
           <p:nvPr/>
         </p:nvSpPr>
         <p:spPr>
-          <a:xfrm rot="3425923">
-            <a:off x="3184486" y="3975387"/>
-            <a:ext cx="326415" cy="2305605"/>
+          <a:xfrm rot="3143533">
+            <a:off x="3147459" y="3942365"/>
+            <a:ext cx="297297" cy="2905664"/>
           </a:xfrm>
           <a:prstGeom prst="rightBrace">
             <a:avLst/>
@@ -20440,7 +21141,7 @@
         <p:spPr>
           <a:xfrm>
             <a:off x="5037826" y="5365630"/>
-            <a:ext cx="5996898" cy="369332"/>
+            <a:ext cx="5326138" cy="369332"/>
           </a:xfrm>
           <a:prstGeom prst="rect">
             <a:avLst/>
@@ -20455,7 +21156,7 @@
           <a:p>
             <a:r>
               <a:rPr lang="en-US" dirty="0"/>
-              <a:t>Data points in this region should be considered for removal</a:t>
+              <a:t>Data in this region should be considered for removal</a:t>
             </a:r>
           </a:p>
         </p:txBody>
@@ -20476,9 +21177,9 @@
           <p:nvPr/>
         </p:nvCxnSpPr>
         <p:spPr>
-          <a:xfrm flipH="1" flipV="1">
-            <a:off x="3519577" y="5296619"/>
-            <a:ext cx="1518249" cy="253677"/>
+          <a:xfrm flipH="1">
+            <a:off x="3485072" y="5550296"/>
+            <a:ext cx="1552754" cy="0"/>
           </a:xfrm>
           <a:prstGeom prst="straightConnector1">
             <a:avLst/>
@@ -20696,7 +21397,7 @@
         </p:nvSpPr>
         <p:spPr>
           <a:xfrm>
-            <a:off x="933805" y="3411581"/>
+            <a:off x="933805" y="2950039"/>
             <a:ext cx="9486903" cy="1477328"/>
           </a:xfrm>
           <a:prstGeom prst="rect">
@@ -20820,7 +21521,7 @@
         </p:nvSpPr>
         <p:spPr>
           <a:xfrm>
-            <a:off x="586596" y="3042249"/>
+            <a:off x="586596" y="2580707"/>
             <a:ext cx="978153" cy="369332"/>
           </a:xfrm>
           <a:prstGeom prst="rect">
@@ -20841,36 +21542,6 @@
           </a:p>
         </p:txBody>
       </p:sp>
-      <p:pic>
-        <p:nvPicPr>
-          <p:cNvPr id="8" name="Picture 7">
-            <a:extLst>
-              <a:ext uri="{FF2B5EF4-FFF2-40B4-BE49-F238E27FC236}">
-                <a16:creationId xmlns:a16="http://schemas.microsoft.com/office/drawing/2014/main" id="{AE83AF95-EFB8-D9AC-6769-E9A67E57C14B}"/>
-              </a:ext>
-            </a:extLst>
-          </p:cNvPr>
-          <p:cNvPicPr>
-            <a:picLocks noChangeAspect="1"/>
-          </p:cNvPicPr>
-          <p:nvPr/>
-        </p:nvPicPr>
-        <p:blipFill>
-          <a:blip r:embed="rId2"/>
-          <a:stretch>
-            <a:fillRect/>
-          </a:stretch>
-        </p:blipFill>
-        <p:spPr>
-          <a:xfrm>
-            <a:off x="7593043" y="4490202"/>
-            <a:ext cx="3026075" cy="2223039"/>
-          </a:xfrm>
-          <a:prstGeom prst="rect">
-            <a:avLst/>
-          </a:prstGeom>
-        </p:spPr>
-      </p:pic>
       <p:sp>
         <p:nvSpPr>
           <p:cNvPr id="9" name="TextBox 8">
@@ -20901,7 +21572,7 @@
           <a:p>
             <a:r>
               <a:rPr lang="en-US" dirty="0"/>
-              <a:t>Clean-2 dataset</a:t>
+              <a:t>Clean-3 dataset</a:t>
             </a:r>
           </a:p>
         </p:txBody>
@@ -20921,7 +21592,7 @@
           <p:nvPr/>
         </p:nvPicPr>
         <p:blipFill>
-          <a:blip r:embed="rId3"/>
+          <a:blip r:embed="rId2"/>
           <a:stretch>
             <a:fillRect/>
           </a:stretch>
@@ -20971,6 +21642,170 @@
           </a:p>
         </p:txBody>
       </p:sp>
+      <p:sp>
+        <p:nvSpPr>
+          <p:cNvPr id="12" name="TextBox 11">
+            <a:extLst>
+              <a:ext uri="{FF2B5EF4-FFF2-40B4-BE49-F238E27FC236}">
+                <a16:creationId xmlns:a16="http://schemas.microsoft.com/office/drawing/2014/main" id="{4379C880-87A8-E4F0-3029-8D5A6116FAEB}"/>
+              </a:ext>
+            </a:extLst>
+          </p:cNvPr>
+          <p:cNvSpPr txBox="1"/>
+          <p:nvPr/>
+        </p:nvSpPr>
+        <p:spPr>
+          <a:xfrm>
+            <a:off x="598097" y="4792386"/>
+            <a:ext cx="978153" cy="369332"/>
+          </a:xfrm>
+          <a:prstGeom prst="rect">
+            <a:avLst/>
+          </a:prstGeom>
+          <a:noFill/>
+        </p:spPr>
+        <p:txBody>
+          <a:bodyPr wrap="none" rtlCol="0">
+            <a:spAutoFit/>
+          </a:bodyPr>
+          <a:lstStyle/>
+          <a:p>
+            <a:r>
+              <a:rPr lang="en-US" dirty="0"/>
+              <a:t>Clean-3</a:t>
+            </a:r>
+          </a:p>
+        </p:txBody>
+      </p:sp>
+      <p:sp>
+        <p:nvSpPr>
+          <p:cNvPr id="13" name="TextBox 12">
+            <a:extLst>
+              <a:ext uri="{FF2B5EF4-FFF2-40B4-BE49-F238E27FC236}">
+                <a16:creationId xmlns:a16="http://schemas.microsoft.com/office/drawing/2014/main" id="{593741C5-6171-594F-EF0C-3540745BA613}"/>
+              </a:ext>
+            </a:extLst>
+          </p:cNvPr>
+          <p:cNvSpPr txBox="1"/>
+          <p:nvPr/>
+        </p:nvSpPr>
+        <p:spPr>
+          <a:xfrm>
+            <a:off x="933805" y="5161718"/>
+            <a:ext cx="6467660" cy="1200329"/>
+          </a:xfrm>
+          <a:prstGeom prst="rect">
+            <a:avLst/>
+          </a:prstGeom>
+          <a:noFill/>
+        </p:spPr>
+        <p:txBody>
+          <a:bodyPr wrap="square">
+            <a:spAutoFit/>
+          </a:bodyPr>
+          <a:lstStyle/>
+          <a:p>
+            <a:pPr marL="285750" indent="-285750">
+              <a:buFont typeface="Arial" panose="020B0604020202020204" pitchFamily="34" charset="0"/>
+              <a:buChar char="•"/>
+            </a:pPr>
+            <a:r>
+              <a:rPr lang="en-US" dirty="0"/>
+              <a:t>remove NANs, duplicates, and use mean </a:t>
+            </a:r>
+            <a:r>
+              <a:rPr lang="en-US" dirty="0" err="1"/>
+              <a:t>Kd</a:t>
+            </a:r>
+            <a:r>
+              <a:rPr lang="en-US" dirty="0"/>
+              <a:t> for duplicates</a:t>
+            </a:r>
+          </a:p>
+          <a:p>
+            <a:pPr marL="285750" indent="-285750">
+              <a:buFont typeface="Arial" panose="020B0604020202020204" pitchFamily="34" charset="0"/>
+              <a:buChar char="•"/>
+            </a:pPr>
+            <a:r>
+              <a:rPr lang="en-US" sz="1800" b="0" dirty="0">
+                <a:effectLst/>
+              </a:rPr>
+              <a:t>remove all rows with </a:t>
+            </a:r>
+            <a:r>
+              <a:rPr lang="en-US" sz="1800" b="0" dirty="0" err="1">
+                <a:effectLst/>
+              </a:rPr>
+              <a:t>q_value</a:t>
+            </a:r>
+            <a:r>
+              <a:rPr lang="en-US" sz="1800" b="0" dirty="0">
+                <a:effectLst/>
+              </a:rPr>
+              <a:t> &gt; 0.05 (9302 rows remain)</a:t>
+            </a:r>
+          </a:p>
+          <a:p>
+            <a:pPr marL="285750" indent="-285750">
+              <a:buFont typeface="Arial" panose="020B0604020202020204" pitchFamily="34" charset="0"/>
+              <a:buChar char="•"/>
+            </a:pPr>
+            <a:r>
+              <a:rPr lang="en-US" dirty="0"/>
+              <a:t>90/10 split: train(8325), </a:t>
+            </a:r>
+            <a:r>
+              <a:rPr lang="en-US" dirty="0" err="1"/>
+              <a:t>val</a:t>
+            </a:r>
+            <a:r>
+              <a:rPr lang="en-US" dirty="0"/>
+              <a:t>(925)</a:t>
+            </a:r>
+            <a:endParaRPr lang="en-US" sz="1800" b="0" dirty="0">
+              <a:effectLst/>
+            </a:endParaRPr>
+          </a:p>
+          <a:p>
+            <a:pPr marL="285750" indent="-285750">
+              <a:buFont typeface="Arial" panose="020B0604020202020204" pitchFamily="34" charset="0"/>
+              <a:buChar char="•"/>
+            </a:pPr>
+            <a:endParaRPr lang="en-US" dirty="0"/>
+          </a:p>
+        </p:txBody>
+      </p:sp>
+      <p:pic>
+        <p:nvPicPr>
+          <p:cNvPr id="14" name="Picture 13">
+            <a:extLst>
+              <a:ext uri="{FF2B5EF4-FFF2-40B4-BE49-F238E27FC236}">
+                <a16:creationId xmlns:a16="http://schemas.microsoft.com/office/drawing/2014/main" id="{B6B8555E-543F-42E6-240A-282609C1AB30}"/>
+              </a:ext>
+            </a:extLst>
+          </p:cNvPr>
+          <p:cNvPicPr>
+            <a:picLocks noChangeAspect="1"/>
+          </p:cNvPicPr>
+          <p:nvPr/>
+        </p:nvPicPr>
+        <p:blipFill>
+          <a:blip r:embed="rId3"/>
+          <a:stretch>
+            <a:fillRect/>
+          </a:stretch>
+        </p:blipFill>
+        <p:spPr>
+          <a:xfrm>
+            <a:off x="8009387" y="4684541"/>
+            <a:ext cx="2955537" cy="2154682"/>
+          </a:xfrm>
+          <a:prstGeom prst="rect">
+            <a:avLst/>
+          </a:prstGeom>
+        </p:spPr>
+      </p:pic>
     </p:spTree>
     <p:extLst>
       <p:ext uri="{BB962C8B-B14F-4D97-AF65-F5344CB8AC3E}">
@@ -21177,10 +22012,9 @@
               <a:buChar char="•"/>
             </a:pPr>
             <a:r>
-              <a:rPr lang="en-US"/>
+              <a:rPr lang="en-US" dirty="0"/>
               <a:t>Early stopping</a:t>
             </a:r>
-            <a:endParaRPr lang="en-US" dirty="0"/>
           </a:p>
           <a:p>
             <a:pPr marL="285750" indent="-285750">
@@ -22848,7 +23682,7 @@
         <p:spPr>
           <a:xfrm>
             <a:off x="140127" y="221836"/>
-            <a:ext cx="1180516" cy="461665"/>
+            <a:ext cx="3535199" cy="461665"/>
           </a:xfrm>
           <a:prstGeom prst="rect">
             <a:avLst/>
@@ -22863,7 +23697,7 @@
           <a:p>
             <a:r>
               <a:rPr lang="en-US" sz="2400" dirty="0"/>
-              <a:t>Results</a:t>
+              <a:t>Results:  Dataset Clean-1</a:t>
             </a:r>
           </a:p>
         </p:txBody>
@@ -22883,14 +23717,14 @@
           <p:nvPr>
             <p:extLst>
               <p:ext uri="{D42A27DB-BD31-4B8C-83A1-F6EECF244321}">
-                <p14:modId xmlns:p14="http://schemas.microsoft.com/office/powerpoint/2010/main" val="1437116497"/>
+                <p14:modId xmlns:p14="http://schemas.microsoft.com/office/powerpoint/2010/main" val="3726838997"/>
               </p:ext>
             </p:extLst>
           </p:nvPr>
         </p:nvGraphicFramePr>
         <p:xfrm>
-          <a:off x="1729491" y="800657"/>
-          <a:ext cx="8484185" cy="4044552"/>
+          <a:off x="1155168" y="1019273"/>
+          <a:ext cx="8556704" cy="4179063"/>
         </p:xfrm>
         <a:graphic>
           <a:graphicData uri="http://schemas.openxmlformats.org/drawingml/2006/table">
@@ -22899,35 +23733,42 @@
                 <a:tableStyleId>{5C22544A-7EE6-4342-B048-85BDC9FD1C3A}</a:tableStyleId>
               </a:tblPr>
               <a:tblGrid>
-                <a:gridCol w="2026759">
+                <a:gridCol w="1552639">
                   <a:extLst>
                     <a:ext uri="{9D8B030D-6E8A-4147-A177-3AD203B41FA5}">
                       <a16:colId xmlns:a16="http://schemas.microsoft.com/office/drawing/2014/main" val="1065848917"/>
                     </a:ext>
                   </a:extLst>
                 </a:gridCol>
-                <a:gridCol w="1325749">
+                <a:gridCol w="1355182">
                   <a:extLst>
                     <a:ext uri="{9D8B030D-6E8A-4147-A177-3AD203B41FA5}">
                       <a16:colId xmlns:a16="http://schemas.microsoft.com/office/drawing/2014/main" val="873310604"/>
                     </a:ext>
                   </a:extLst>
                 </a:gridCol>
-                <a:gridCol w="1414151">
+                <a:gridCol w="1445547">
                   <a:extLst>
                     <a:ext uri="{9D8B030D-6E8A-4147-A177-3AD203B41FA5}">
                       <a16:colId xmlns:a16="http://schemas.microsoft.com/office/drawing/2014/main" val="3981708244"/>
                     </a:ext>
                   </a:extLst>
                 </a:gridCol>
-                <a:gridCol w="1858763">
+                <a:gridCol w="1070391">
                   <a:extLst>
                     <a:ext uri="{9D8B030D-6E8A-4147-A177-3AD203B41FA5}">
                       <a16:colId xmlns:a16="http://schemas.microsoft.com/office/drawing/2014/main" val="1135465181"/>
                     </a:ext>
                   </a:extLst>
                 </a:gridCol>
-                <a:gridCol w="1858763">
+                <a:gridCol w="1232916">
+                  <a:extLst>
+                    <a:ext uri="{9D8B030D-6E8A-4147-A177-3AD203B41FA5}">
+                      <a16:colId xmlns:a16="http://schemas.microsoft.com/office/drawing/2014/main" val="784973340"/>
+                    </a:ext>
+                  </a:extLst>
+                </a:gridCol>
+                <a:gridCol w="1900029">
                   <a:extLst>
                     <a:ext uri="{9D8B030D-6E8A-4147-A177-3AD203B41FA5}">
                       <a16:colId xmlns:a16="http://schemas.microsoft.com/office/drawing/2014/main" val="2256753199"/>
@@ -22948,7 +23789,7 @@
                       </a:r>
                     </a:p>
                   </a:txBody>
-                  <a:tcPr/>
+                  <a:tcPr anchor="ctr"/>
                 </a:tc>
                 <a:tc>
                   <a:txBody>
@@ -22962,7 +23803,7 @@
                       </a:r>
                     </a:p>
                   </a:txBody>
-                  <a:tcPr/>
+                  <a:tcPr anchor="ctr"/>
                 </a:tc>
                 <a:tc>
                   <a:txBody>
@@ -22976,7 +23817,7 @@
                       </a:r>
                     </a:p>
                   </a:txBody>
-                  <a:tcPr/>
+                  <a:tcPr anchor="ctr"/>
                 </a:tc>
                 <a:tc>
                   <a:txBody>
@@ -22990,7 +23831,28 @@
                       </a:r>
                     </a:p>
                   </a:txBody>
-                  <a:tcPr/>
+                  <a:tcPr anchor="ctr"/>
+                </a:tc>
+                <a:tc>
+                  <a:txBody>
+                    <a:bodyPr/>
+                    <a:lstStyle/>
+                    <a:p>
+                      <a:pPr algn="ctr"/>
+                      <a:r>
+                        <a:rPr lang="en-US" dirty="0"/>
+                        <a:t>RMSD </a:t>
+                      </a:r>
+                    </a:p>
+                    <a:p>
+                      <a:pPr algn="ctr"/>
+                      <a:r>
+                        <a:rPr lang="en-US" dirty="0"/>
+                        <a:t>(valid set)</a:t>
+                      </a:r>
+                    </a:p>
+                  </a:txBody>
+                  <a:tcPr anchor="ctr"/>
                 </a:tc>
                 <a:tc>
                   <a:txBody>
@@ -23004,7 +23866,7 @@
                       </a:r>
                     </a:p>
                   </a:txBody>
-                  <a:tcPr/>
+                  <a:tcPr anchor="ctr"/>
                 </a:tc>
                 <a:extLst>
                   <a:ext uri="{0D108BD9-81ED-4DB2-BD59-A6C34878D82A}">
@@ -23062,7 +23924,21 @@
                       <a:pPr algn="ctr"/>
                       <a:r>
                         <a:rPr lang="en-US" dirty="0"/>
-                        <a:t>10,000</a:t>
+                        <a:t>10K</a:t>
+                      </a:r>
+                    </a:p>
+                  </a:txBody>
+                  <a:tcPr anchor="ctr"/>
+                </a:tc>
+                <a:tc>
+                  <a:txBody>
+                    <a:bodyPr/>
+                    <a:lstStyle/>
+                    <a:p>
+                      <a:pPr algn="ctr"/>
+                      <a:r>
+                        <a:rPr lang="en-US" dirty="0"/>
+                        <a:t>1.08</a:t>
                       </a:r>
                     </a:p>
                   </a:txBody>
@@ -23135,7 +24011,7 @@
                       <a:pPr algn="ctr"/>
                       <a:r>
                         <a:rPr lang="en-US" dirty="0"/>
-                        <a:t>10,000</a:t>
+                        <a:t>10K</a:t>
                       </a:r>
                     </a:p>
                   </a:txBody>
@@ -23147,7 +24023,21 @@
                     <a:lstStyle/>
                     <a:p>
                       <a:pPr algn="ctr"/>
-                      <a:endParaRPr lang="en-US"/>
+                      <a:r>
+                        <a:rPr lang="en-US" dirty="0"/>
+                        <a:t>1.06</a:t>
+                      </a:r>
+                    </a:p>
+                  </a:txBody>
+                  <a:tcPr anchor="ctr"/>
+                </a:tc>
+                <a:tc>
+                  <a:txBody>
+                    <a:bodyPr/>
+                    <a:lstStyle/>
+                    <a:p>
+                      <a:pPr algn="ctr"/>
+                      <a:endParaRPr lang="en-US" dirty="0"/>
                     </a:p>
                   </a:txBody>
                   <a:tcPr anchor="ctr"/>
@@ -23178,18 +24068,10 @@
                     <a:lstStyle/>
                     <a:p>
                       <a:pPr algn="ctr"/>
-                      <a:endParaRPr lang="en-US" dirty="0"/>
-                    </a:p>
-                  </a:txBody>
-                  <a:tcPr anchor="ctr"/>
-                </a:tc>
-                <a:tc>
-                  <a:txBody>
-                    <a:bodyPr/>
-                    <a:lstStyle/>
-                    <a:p>
-                      <a:pPr algn="ctr"/>
-                      <a:endParaRPr lang="en-US" dirty="0"/>
+                      <a:r>
+                        <a:rPr lang="en-US" dirty="0"/>
+                        <a:t>0.24</a:t>
+                      </a:r>
                     </a:p>
                   </a:txBody>
                   <a:tcPr anchor="ctr"/>
@@ -23202,7 +24084,35 @@
                       <a:pPr algn="ctr"/>
                       <a:r>
                         <a:rPr lang="en-US" dirty="0"/>
-                        <a:t>10,000</a:t>
+                        <a:t>0.30</a:t>
+                      </a:r>
+                    </a:p>
+                  </a:txBody>
+                  <a:tcPr anchor="ctr"/>
+                </a:tc>
+                <a:tc>
+                  <a:txBody>
+                    <a:bodyPr/>
+                    <a:lstStyle/>
+                    <a:p>
+                      <a:pPr algn="ctr"/>
+                      <a:r>
+                        <a:rPr lang="en-US" dirty="0"/>
+                        <a:t>10K</a:t>
+                      </a:r>
+                    </a:p>
+                  </a:txBody>
+                  <a:tcPr anchor="ctr"/>
+                </a:tc>
+                <a:tc>
+                  <a:txBody>
+                    <a:bodyPr/>
+                    <a:lstStyle/>
+                    <a:p>
+                      <a:pPr algn="ctr"/>
+                      <a:r>
+                        <a:rPr lang="en-US" dirty="0"/>
+                        <a:t>1.05</a:t>
                       </a:r>
                     </a:p>
                   </a:txBody>
@@ -23245,7 +24155,10 @@
                     <a:lstStyle/>
                     <a:p>
                       <a:pPr algn="ctr"/>
-                      <a:endParaRPr lang="en-US" dirty="0"/>
+                      <a:r>
+                        <a:rPr lang="en-US" dirty="0"/>
+                        <a:t>0.28</a:t>
+                      </a:r>
                     </a:p>
                   </a:txBody>
                   <a:tcPr anchor="ctr"/>
@@ -23256,7 +24169,10 @@
                     <a:lstStyle/>
                     <a:p>
                       <a:pPr algn="ctr"/>
-                      <a:endParaRPr lang="en-US" dirty="0"/>
+                      <a:r>
+                        <a:rPr lang="en-US" dirty="0"/>
+                        <a:t>0.34</a:t>
+                      </a:r>
                     </a:p>
                   </a:txBody>
                   <a:tcPr anchor="ctr"/>
@@ -23267,7 +24183,24 @@
                     <a:lstStyle/>
                     <a:p>
                       <a:pPr algn="ctr"/>
-                      <a:endParaRPr lang="en-US" dirty="0"/>
+                      <a:r>
+                        <a:rPr lang="en-US" dirty="0"/>
+                        <a:t>1250</a:t>
+                      </a:r>
+                    </a:p>
+                  </a:txBody>
+                  <a:tcPr anchor="ctr"/>
+                </a:tc>
+                <a:tc>
+                  <a:txBody>
+                    <a:bodyPr/>
+                    <a:lstStyle/>
+                    <a:p>
+                      <a:pPr algn="ctr"/>
+                      <a:r>
+                        <a:rPr lang="en-US" dirty="0"/>
+                        <a:t>1.02</a:t>
+                      </a:r>
                     </a:p>
                   </a:txBody>
                   <a:tcPr anchor="ctr"/>
@@ -23355,6 +24288,17 @@
                     <a:lstStyle/>
                     <a:p>
                       <a:pPr algn="ctr"/>
+                      <a:endParaRPr lang="en-US" dirty="0"/>
+                    </a:p>
+                  </a:txBody>
+                  <a:tcPr anchor="ctr"/>
+                </a:tc>
+                <a:tc>
+                  <a:txBody>
+                    <a:bodyPr/>
+                    <a:lstStyle/>
+                    <a:p>
+                      <a:pPr algn="ctr"/>
                       <a:r>
                         <a:rPr lang="en-US" dirty="0"/>
                         <a:t>strong overfitting</a:t>
@@ -23394,6 +24338,17 @@
                     <a:p>
                       <a:pPr algn="ctr"/>
                       <a:endParaRPr lang="en-US" dirty="0"/>
+                    </a:p>
+                  </a:txBody>
+                  <a:tcPr anchor="ctr"/>
+                </a:tc>
+                <a:tc>
+                  <a:txBody>
+                    <a:bodyPr/>
+                    <a:lstStyle/>
+                    <a:p>
+                      <a:pPr algn="ctr"/>
+                      <a:endParaRPr lang="en-US"/>
                     </a:p>
                   </a:txBody>
                   <a:tcPr anchor="ctr"/>
@@ -23480,6 +24435,17 @@
                     <a:p>
                       <a:pPr algn="ctr"/>
                       <a:endParaRPr lang="en-US"/>
+                    </a:p>
+                  </a:txBody>
+                  <a:tcPr anchor="ctr"/>
+                </a:tc>
+                <a:tc>
+                  <a:txBody>
+                    <a:bodyPr/>
+                    <a:lstStyle/>
+                    <a:p>
+                      <a:pPr algn="ctr"/>
+                      <a:endParaRPr lang="en-US" dirty="0"/>
                     </a:p>
                   </a:txBody>
                   <a:tcPr anchor="ctr"/>

--- a/Homework-aAlphaBio.pptx
+++ b/Homework-aAlphaBio.pptx
@@ -3781,10 +3781,9 @@
                     <a:p>
                       <a:pPr algn="ctr"/>
                       <a:r>
-                        <a:rPr lang="en-US"/>
+                        <a:rPr lang="en-US" dirty="0"/>
                         <a:t>860</a:t>
                       </a:r>
-                      <a:endParaRPr lang="en-US" dirty="0"/>
                     </a:p>
                   </a:txBody>
                   <a:tcPr anchor="ctr"/>

--- a/Homework-aAlphaBio.pptx
+++ b/Homework-aAlphaBio.pptx
@@ -23716,7 +23716,7 @@
           <p:nvPr>
             <p:extLst>
               <p:ext uri="{D42A27DB-BD31-4B8C-83A1-F6EECF244321}">
-                <p14:modId xmlns:p14="http://schemas.microsoft.com/office/powerpoint/2010/main" val="3726838997"/>
+                <p14:modId xmlns:p14="http://schemas.microsoft.com/office/powerpoint/2010/main" val="1561107242"/>
               </p:ext>
             </p:extLst>
           </p:nvPr>
@@ -24336,7 +24336,10 @@
                     <a:lstStyle/>
                     <a:p>
                       <a:pPr algn="ctr"/>
-                      <a:endParaRPr lang="en-US" dirty="0"/>
+                      <a:r>
+                        <a:rPr lang="en-US" dirty="0"/>
+                        <a:t>0.34</a:t>
+                      </a:r>
                     </a:p>
                   </a:txBody>
                   <a:tcPr anchor="ctr"/>
@@ -24347,7 +24350,10 @@
                     <a:lstStyle/>
                     <a:p>
                       <a:pPr algn="ctr"/>
-                      <a:endParaRPr lang="en-US"/>
+                      <a:r>
+                        <a:rPr lang="en-US" dirty="0"/>
+                        <a:t>0.33</a:t>
+                      </a:r>
                     </a:p>
                   </a:txBody>
                   <a:tcPr anchor="ctr"/>
@@ -24358,7 +24364,14 @@
                     <a:lstStyle/>
                     <a:p>
                       <a:pPr algn="ctr"/>
-                      <a:endParaRPr lang="en-US"/>
+                      <a:r>
+                        <a:rPr lang="en-US" dirty="0"/>
+                        <a:t>10 </a:t>
+                      </a:r>
+                      <a:r>
+                        <a:rPr lang="en-US" baseline="30000" dirty="0"/>
+                        <a:t>3</a:t>
+                      </a:r>
                     </a:p>
                   </a:txBody>
                   <a:tcPr anchor="ctr"/>
@@ -24369,7 +24382,11 @@
                     <a:lstStyle/>
                     <a:p>
                       <a:pPr algn="ctr"/>
-                      <a:endParaRPr lang="en-US"/>
+                      <a:r>
+                        <a:rPr lang="en-US" dirty="0" err="1"/>
+                        <a:t>na</a:t>
+                      </a:r>
+                      <a:endParaRPr lang="en-US" dirty="0"/>
                     </a:p>
                   </a:txBody>
                   <a:tcPr anchor="ctr"/>
@@ -24488,7 +24505,7 @@
         <p:spPr>
           <a:xfrm>
             <a:off x="389614" y="5534108"/>
-            <a:ext cx="8333435" cy="646331"/>
+            <a:ext cx="8333435" cy="923330"/>
           </a:xfrm>
           <a:prstGeom prst="rect">
             <a:avLst/>
@@ -24533,6 +24550,22 @@
               <a:rPr lang="en-US" dirty="0"/>
               <a:t> train data</a:t>
             </a:r>
+          </a:p>
+          <a:p>
+            <a:pPr marL="342900" indent="-342900">
+              <a:buAutoNum type="arabicPeriod"/>
+            </a:pPr>
+            <a:r>
+              <a:rPr lang="en-US" dirty="0"/>
+              <a:t>OAS dataset is </a:t>
+            </a:r>
+            <a:r>
+              <a:rPr lang="en-US" b="0" dirty="0">
+                <a:effectLst/>
+              </a:rPr>
+              <a:t>18061315 rows.</a:t>
+            </a:r>
+            <a:endParaRPr lang="en-US" dirty="0"/>
           </a:p>
         </p:txBody>
       </p:sp>

--- a/Homework-aAlphaBio.pptx
+++ b/Homework-aAlphaBio.pptx
@@ -11,25 +11,27 @@
     <p:sldId id="338" r:id="rId5"/>
     <p:sldId id="339" r:id="rId6"/>
     <p:sldId id="333" r:id="rId7"/>
-    <p:sldId id="336" r:id="rId8"/>
-    <p:sldId id="320" r:id="rId9"/>
-    <p:sldId id="334" r:id="rId10"/>
-    <p:sldId id="340" r:id="rId11"/>
-    <p:sldId id="257" r:id="rId12"/>
-    <p:sldId id="258" r:id="rId13"/>
-    <p:sldId id="335" r:id="rId14"/>
-    <p:sldId id="337" r:id="rId15"/>
-    <p:sldId id="330" r:id="rId16"/>
-    <p:sldId id="329" r:id="rId17"/>
-    <p:sldId id="331" r:id="rId18"/>
-    <p:sldId id="318" r:id="rId19"/>
-    <p:sldId id="321" r:id="rId20"/>
-    <p:sldId id="259" r:id="rId21"/>
-    <p:sldId id="322" r:id="rId22"/>
-    <p:sldId id="260" r:id="rId23"/>
-    <p:sldId id="324" r:id="rId24"/>
-    <p:sldId id="261" r:id="rId25"/>
-    <p:sldId id="323" r:id="rId26"/>
+    <p:sldId id="342" r:id="rId8"/>
+    <p:sldId id="336" r:id="rId9"/>
+    <p:sldId id="320" r:id="rId10"/>
+    <p:sldId id="334" r:id="rId11"/>
+    <p:sldId id="340" r:id="rId12"/>
+    <p:sldId id="341" r:id="rId13"/>
+    <p:sldId id="257" r:id="rId14"/>
+    <p:sldId id="258" r:id="rId15"/>
+    <p:sldId id="335" r:id="rId16"/>
+    <p:sldId id="337" r:id="rId17"/>
+    <p:sldId id="330" r:id="rId18"/>
+    <p:sldId id="329" r:id="rId19"/>
+    <p:sldId id="331" r:id="rId20"/>
+    <p:sldId id="318" r:id="rId21"/>
+    <p:sldId id="321" r:id="rId22"/>
+    <p:sldId id="259" r:id="rId23"/>
+    <p:sldId id="322" r:id="rId24"/>
+    <p:sldId id="260" r:id="rId25"/>
+    <p:sldId id="324" r:id="rId26"/>
+    <p:sldId id="261" r:id="rId27"/>
+    <p:sldId id="323" r:id="rId28"/>
   </p:sldIdLst>
   <p:sldSz cx="12192000" cy="6858000"/>
   <p:notesSz cx="6858000" cy="9144000"/>
@@ -3465,7 +3467,7 @@
         <p:spPr>
           <a:xfrm>
             <a:off x="140127" y="221836"/>
-            <a:ext cx="3558346" cy="461665"/>
+            <a:ext cx="3535199" cy="461665"/>
           </a:xfrm>
           <a:prstGeom prst="rect">
             <a:avLst/>
@@ -3480,7 +3482,7 @@
           <a:p>
             <a:r>
               <a:rPr lang="en-US" sz="2400" dirty="0"/>
-              <a:t>Results:  Dataset Clean-2</a:t>
+              <a:t>Results:  Dataset Clean-1</a:t>
             </a:r>
           </a:p>
         </p:txBody>
@@ -3500,7 +3502,940 @@
           <p:nvPr>
             <p:extLst>
               <p:ext uri="{D42A27DB-BD31-4B8C-83A1-F6EECF244321}">
-                <p14:modId xmlns:p14="http://schemas.microsoft.com/office/powerpoint/2010/main" val="1768969518"/>
+                <p14:modId xmlns:p14="http://schemas.microsoft.com/office/powerpoint/2010/main" val="1561107242"/>
+              </p:ext>
+            </p:extLst>
+          </p:nvPr>
+        </p:nvGraphicFramePr>
+        <p:xfrm>
+          <a:off x="1155168" y="1019273"/>
+          <a:ext cx="8556704" cy="4179063"/>
+        </p:xfrm>
+        <a:graphic>
+          <a:graphicData uri="http://schemas.openxmlformats.org/drawingml/2006/table">
+            <a:tbl>
+              <a:tblPr firstRow="1" bandRow="1">
+                <a:tableStyleId>{5C22544A-7EE6-4342-B048-85BDC9FD1C3A}</a:tableStyleId>
+              </a:tblPr>
+              <a:tblGrid>
+                <a:gridCol w="1552639">
+                  <a:extLst>
+                    <a:ext uri="{9D8B030D-6E8A-4147-A177-3AD203B41FA5}">
+                      <a16:colId xmlns:a16="http://schemas.microsoft.com/office/drawing/2014/main" val="1065848917"/>
+                    </a:ext>
+                  </a:extLst>
+                </a:gridCol>
+                <a:gridCol w="1355182">
+                  <a:extLst>
+                    <a:ext uri="{9D8B030D-6E8A-4147-A177-3AD203B41FA5}">
+                      <a16:colId xmlns:a16="http://schemas.microsoft.com/office/drawing/2014/main" val="873310604"/>
+                    </a:ext>
+                  </a:extLst>
+                </a:gridCol>
+                <a:gridCol w="1445547">
+                  <a:extLst>
+                    <a:ext uri="{9D8B030D-6E8A-4147-A177-3AD203B41FA5}">
+                      <a16:colId xmlns:a16="http://schemas.microsoft.com/office/drawing/2014/main" val="3981708244"/>
+                    </a:ext>
+                  </a:extLst>
+                </a:gridCol>
+                <a:gridCol w="1070391">
+                  <a:extLst>
+                    <a:ext uri="{9D8B030D-6E8A-4147-A177-3AD203B41FA5}">
+                      <a16:colId xmlns:a16="http://schemas.microsoft.com/office/drawing/2014/main" val="1135465181"/>
+                    </a:ext>
+                  </a:extLst>
+                </a:gridCol>
+                <a:gridCol w="1232916">
+                  <a:extLst>
+                    <a:ext uri="{9D8B030D-6E8A-4147-A177-3AD203B41FA5}">
+                      <a16:colId xmlns:a16="http://schemas.microsoft.com/office/drawing/2014/main" val="784973340"/>
+                    </a:ext>
+                  </a:extLst>
+                </a:gridCol>
+                <a:gridCol w="1900029">
+                  <a:extLst>
+                    <a:ext uri="{9D8B030D-6E8A-4147-A177-3AD203B41FA5}">
+                      <a16:colId xmlns:a16="http://schemas.microsoft.com/office/drawing/2014/main" val="2256753199"/>
+                    </a:ext>
+                  </a:extLst>
+                </a:gridCol>
+              </a:tblGrid>
+              <a:tr h="505569">
+                <a:tc>
+                  <a:txBody>
+                    <a:bodyPr/>
+                    <a:lstStyle/>
+                    <a:p>
+                      <a:pPr algn="ctr"/>
+                      <a:r>
+                        <a:rPr lang="en-US" dirty="0"/>
+                        <a:t>Model</a:t>
+                      </a:r>
+                    </a:p>
+                  </a:txBody>
+                  <a:tcPr anchor="ctr"/>
+                </a:tc>
+                <a:tc>
+                  <a:txBody>
+                    <a:bodyPr/>
+                    <a:lstStyle/>
+                    <a:p>
+                      <a:pPr algn="ctr"/>
+                      <a:r>
+                        <a:rPr lang="en-US" dirty="0"/>
+                        <a:t>Train Loss</a:t>
+                      </a:r>
+                    </a:p>
+                  </a:txBody>
+                  <a:tcPr anchor="ctr"/>
+                </a:tc>
+                <a:tc>
+                  <a:txBody>
+                    <a:bodyPr/>
+                    <a:lstStyle/>
+                    <a:p>
+                      <a:pPr algn="ctr"/>
+                      <a:r>
+                        <a:rPr lang="en-US" dirty="0"/>
+                        <a:t>Valid. Loss</a:t>
+                      </a:r>
+                    </a:p>
+                  </a:txBody>
+                  <a:tcPr anchor="ctr"/>
+                </a:tc>
+                <a:tc>
+                  <a:txBody>
+                    <a:bodyPr/>
+                    <a:lstStyle/>
+                    <a:p>
+                      <a:pPr algn="ctr"/>
+                      <a:r>
+                        <a:rPr lang="en-US" dirty="0"/>
+                        <a:t>Epochs</a:t>
+                      </a:r>
+                    </a:p>
+                  </a:txBody>
+                  <a:tcPr anchor="ctr"/>
+                </a:tc>
+                <a:tc>
+                  <a:txBody>
+                    <a:bodyPr/>
+                    <a:lstStyle/>
+                    <a:p>
+                      <a:pPr algn="ctr"/>
+                      <a:r>
+                        <a:rPr lang="en-US" dirty="0"/>
+                        <a:t>RMSD </a:t>
+                      </a:r>
+                    </a:p>
+                    <a:p>
+                      <a:pPr algn="ctr"/>
+                      <a:r>
+                        <a:rPr lang="en-US" dirty="0"/>
+                        <a:t>(valid set)</a:t>
+                      </a:r>
+                    </a:p>
+                  </a:txBody>
+                  <a:tcPr anchor="ctr"/>
+                </a:tc>
+                <a:tc>
+                  <a:txBody>
+                    <a:bodyPr/>
+                    <a:lstStyle/>
+                    <a:p>
+                      <a:pPr algn="ctr"/>
+                      <a:r>
+                        <a:rPr lang="en-US" dirty="0"/>
+                        <a:t>Comment</a:t>
+                      </a:r>
+                    </a:p>
+                  </a:txBody>
+                  <a:tcPr anchor="ctr"/>
+                </a:tc>
+                <a:extLst>
+                  <a:ext uri="{0D108BD9-81ED-4DB2-BD59-A6C34878D82A}">
+                    <a16:rowId xmlns:a16="http://schemas.microsoft.com/office/drawing/2014/main" val="1617347897"/>
+                  </a:ext>
+                </a:extLst>
+              </a:tr>
+              <a:tr h="505569">
+                <a:tc>
+                  <a:txBody>
+                    <a:bodyPr/>
+                    <a:lstStyle/>
+                    <a:p>
+                      <a:r>
+                        <a:rPr lang="en-US" dirty="0"/>
+                        <a:t>MLP</a:t>
+                      </a:r>
+                    </a:p>
+                  </a:txBody>
+                  <a:tcPr anchor="ctr"/>
+                </a:tc>
+                <a:tc>
+                  <a:txBody>
+                    <a:bodyPr/>
+                    <a:lstStyle/>
+                    <a:p>
+                      <a:pPr algn="ctr"/>
+                      <a:r>
+                        <a:rPr lang="en-US" dirty="0"/>
+                        <a:t>0.23</a:t>
+                      </a:r>
+                    </a:p>
+                  </a:txBody>
+                  <a:tcPr anchor="ctr"/>
+                </a:tc>
+                <a:tc>
+                  <a:txBody>
+                    <a:bodyPr/>
+                    <a:lstStyle/>
+                    <a:p>
+                      <a:pPr algn="ctr"/>
+                      <a:r>
+                        <a:rPr lang="en-US" dirty="0"/>
+                        <a:t>0.31</a:t>
+                      </a:r>
+                    </a:p>
+                  </a:txBody>
+                  <a:tcPr anchor="ctr"/>
+                </a:tc>
+                <a:tc>
+                  <a:txBody>
+                    <a:bodyPr/>
+                    <a:lstStyle/>
+                    <a:p>
+                      <a:pPr algn="ctr"/>
+                      <a:r>
+                        <a:rPr lang="en-US" dirty="0"/>
+                        <a:t>10K</a:t>
+                      </a:r>
+                    </a:p>
+                  </a:txBody>
+                  <a:tcPr anchor="ctr"/>
+                </a:tc>
+                <a:tc>
+                  <a:txBody>
+                    <a:bodyPr/>
+                    <a:lstStyle/>
+                    <a:p>
+                      <a:pPr algn="ctr"/>
+                      <a:r>
+                        <a:rPr lang="en-US" dirty="0"/>
+                        <a:t>1.08</a:t>
+                      </a:r>
+                    </a:p>
+                  </a:txBody>
+                  <a:tcPr anchor="ctr"/>
+                </a:tc>
+                <a:tc>
+                  <a:txBody>
+                    <a:bodyPr/>
+                    <a:lstStyle/>
+                    <a:p>
+                      <a:pPr algn="ctr"/>
+                      <a:endParaRPr lang="en-US" dirty="0"/>
+                    </a:p>
+                  </a:txBody>
+                  <a:tcPr anchor="ctr"/>
+                </a:tc>
+                <a:extLst>
+                  <a:ext uri="{0D108BD9-81ED-4DB2-BD59-A6C34878D82A}">
+                    <a16:rowId xmlns:a16="http://schemas.microsoft.com/office/drawing/2014/main" val="282036224"/>
+                  </a:ext>
+                </a:extLst>
+              </a:tr>
+              <a:tr h="505569">
+                <a:tc>
+                  <a:txBody>
+                    <a:bodyPr/>
+                    <a:lstStyle/>
+                    <a:p>
+                      <a:r>
+                        <a:rPr lang="en-US" dirty="0"/>
+                        <a:t>dense MLP</a:t>
+                      </a:r>
+                    </a:p>
+                  </a:txBody>
+                  <a:tcPr anchor="ctr"/>
+                </a:tc>
+                <a:tc>
+                  <a:txBody>
+                    <a:bodyPr/>
+                    <a:lstStyle/>
+                    <a:p>
+                      <a:pPr algn="ctr"/>
+                      <a:r>
+                        <a:rPr lang="en-US" dirty="0"/>
+                        <a:t>0.20</a:t>
+                      </a:r>
+                    </a:p>
+                  </a:txBody>
+                  <a:tcPr anchor="ctr"/>
+                </a:tc>
+                <a:tc>
+                  <a:txBody>
+                    <a:bodyPr/>
+                    <a:lstStyle/>
+                    <a:p>
+                      <a:pPr algn="ctr"/>
+                      <a:r>
+                        <a:rPr lang="en-US" dirty="0"/>
+                        <a:t>0.29</a:t>
+                      </a:r>
+                    </a:p>
+                  </a:txBody>
+                  <a:tcPr anchor="ctr"/>
+                </a:tc>
+                <a:tc>
+                  <a:txBody>
+                    <a:bodyPr/>
+                    <a:lstStyle/>
+                    <a:p>
+                      <a:pPr algn="ctr"/>
+                      <a:r>
+                        <a:rPr lang="en-US" dirty="0"/>
+                        <a:t>10K</a:t>
+                      </a:r>
+                    </a:p>
+                  </a:txBody>
+                  <a:tcPr anchor="ctr"/>
+                </a:tc>
+                <a:tc>
+                  <a:txBody>
+                    <a:bodyPr/>
+                    <a:lstStyle/>
+                    <a:p>
+                      <a:pPr algn="ctr"/>
+                      <a:r>
+                        <a:rPr lang="en-US" dirty="0"/>
+                        <a:t>1.06</a:t>
+                      </a:r>
+                    </a:p>
+                  </a:txBody>
+                  <a:tcPr anchor="ctr"/>
+                </a:tc>
+                <a:tc>
+                  <a:txBody>
+                    <a:bodyPr/>
+                    <a:lstStyle/>
+                    <a:p>
+                      <a:pPr algn="ctr"/>
+                      <a:endParaRPr lang="en-US" dirty="0"/>
+                    </a:p>
+                  </a:txBody>
+                  <a:tcPr anchor="ctr"/>
+                </a:tc>
+                <a:extLst>
+                  <a:ext uri="{0D108BD9-81ED-4DB2-BD59-A6C34878D82A}">
+                    <a16:rowId xmlns:a16="http://schemas.microsoft.com/office/drawing/2014/main" val="3862729885"/>
+                  </a:ext>
+                </a:extLst>
+              </a:tr>
+              <a:tr h="505569">
+                <a:tc>
+                  <a:txBody>
+                    <a:bodyPr/>
+                    <a:lstStyle/>
+                    <a:p>
+                      <a:r>
+                        <a:rPr lang="en-US" dirty="0"/>
+                        <a:t>residual MLP</a:t>
+                      </a:r>
+                    </a:p>
+                  </a:txBody>
+                  <a:tcPr anchor="ctr"/>
+                </a:tc>
+                <a:tc>
+                  <a:txBody>
+                    <a:bodyPr/>
+                    <a:lstStyle/>
+                    <a:p>
+                      <a:pPr algn="ctr"/>
+                      <a:r>
+                        <a:rPr lang="en-US" dirty="0"/>
+                        <a:t>0.24</a:t>
+                      </a:r>
+                    </a:p>
+                  </a:txBody>
+                  <a:tcPr anchor="ctr"/>
+                </a:tc>
+                <a:tc>
+                  <a:txBody>
+                    <a:bodyPr/>
+                    <a:lstStyle/>
+                    <a:p>
+                      <a:pPr algn="ctr"/>
+                      <a:r>
+                        <a:rPr lang="en-US" dirty="0"/>
+                        <a:t>0.30</a:t>
+                      </a:r>
+                    </a:p>
+                  </a:txBody>
+                  <a:tcPr anchor="ctr"/>
+                </a:tc>
+                <a:tc>
+                  <a:txBody>
+                    <a:bodyPr/>
+                    <a:lstStyle/>
+                    <a:p>
+                      <a:pPr algn="ctr"/>
+                      <a:r>
+                        <a:rPr lang="en-US" dirty="0"/>
+                        <a:t>10K</a:t>
+                      </a:r>
+                    </a:p>
+                  </a:txBody>
+                  <a:tcPr anchor="ctr"/>
+                </a:tc>
+                <a:tc>
+                  <a:txBody>
+                    <a:bodyPr/>
+                    <a:lstStyle/>
+                    <a:p>
+                      <a:pPr algn="ctr"/>
+                      <a:r>
+                        <a:rPr lang="en-US" dirty="0"/>
+                        <a:t>1.05</a:t>
+                      </a:r>
+                    </a:p>
+                  </a:txBody>
+                  <a:tcPr anchor="ctr"/>
+                </a:tc>
+                <a:tc>
+                  <a:txBody>
+                    <a:bodyPr/>
+                    <a:lstStyle/>
+                    <a:p>
+                      <a:pPr algn="ctr"/>
+                      <a:endParaRPr lang="en-US" dirty="0"/>
+                    </a:p>
+                  </a:txBody>
+                  <a:tcPr anchor="ctr"/>
+                </a:tc>
+                <a:extLst>
+                  <a:ext uri="{0D108BD9-81ED-4DB2-BD59-A6C34878D82A}">
+                    <a16:rowId xmlns:a16="http://schemas.microsoft.com/office/drawing/2014/main" val="3248717932"/>
+                  </a:ext>
+                </a:extLst>
+              </a:tr>
+              <a:tr h="505569">
+                <a:tc>
+                  <a:txBody>
+                    <a:bodyPr/>
+                    <a:lstStyle/>
+                    <a:p>
+                      <a:r>
+                        <a:rPr lang="en-US" dirty="0"/>
+                        <a:t>VIT</a:t>
+                      </a:r>
+                    </a:p>
+                  </a:txBody>
+                  <a:tcPr anchor="ctr"/>
+                </a:tc>
+                <a:tc>
+                  <a:txBody>
+                    <a:bodyPr/>
+                    <a:lstStyle/>
+                    <a:p>
+                      <a:pPr algn="ctr"/>
+                      <a:r>
+                        <a:rPr lang="en-US" dirty="0"/>
+                        <a:t>0.28</a:t>
+                      </a:r>
+                    </a:p>
+                  </a:txBody>
+                  <a:tcPr anchor="ctr"/>
+                </a:tc>
+                <a:tc>
+                  <a:txBody>
+                    <a:bodyPr/>
+                    <a:lstStyle/>
+                    <a:p>
+                      <a:pPr algn="ctr"/>
+                      <a:r>
+                        <a:rPr lang="en-US" dirty="0"/>
+                        <a:t>0.34</a:t>
+                      </a:r>
+                    </a:p>
+                  </a:txBody>
+                  <a:tcPr anchor="ctr"/>
+                </a:tc>
+                <a:tc>
+                  <a:txBody>
+                    <a:bodyPr/>
+                    <a:lstStyle/>
+                    <a:p>
+                      <a:pPr algn="ctr"/>
+                      <a:r>
+                        <a:rPr lang="en-US" dirty="0"/>
+                        <a:t>1250</a:t>
+                      </a:r>
+                    </a:p>
+                  </a:txBody>
+                  <a:tcPr anchor="ctr"/>
+                </a:tc>
+                <a:tc>
+                  <a:txBody>
+                    <a:bodyPr/>
+                    <a:lstStyle/>
+                    <a:p>
+                      <a:pPr algn="ctr"/>
+                      <a:r>
+                        <a:rPr lang="en-US" dirty="0"/>
+                        <a:t>1.02</a:t>
+                      </a:r>
+                    </a:p>
+                  </a:txBody>
+                  <a:tcPr anchor="ctr"/>
+                </a:tc>
+                <a:tc>
+                  <a:txBody>
+                    <a:bodyPr/>
+                    <a:lstStyle/>
+                    <a:p>
+                      <a:pPr algn="ctr"/>
+                      <a:endParaRPr lang="en-US" dirty="0"/>
+                    </a:p>
+                  </a:txBody>
+                  <a:tcPr anchor="ctr"/>
+                </a:tc>
+                <a:extLst>
+                  <a:ext uri="{0D108BD9-81ED-4DB2-BD59-A6C34878D82A}">
+                    <a16:rowId xmlns:a16="http://schemas.microsoft.com/office/drawing/2014/main" val="1232718432"/>
+                  </a:ext>
+                </a:extLst>
+              </a:tr>
+              <a:tr h="505569">
+                <a:tc>
+                  <a:txBody>
+                    <a:bodyPr/>
+                    <a:lstStyle/>
+                    <a:p>
+                      <a:r>
+                        <a:rPr lang="en-US" dirty="0"/>
+                        <a:t>BERT (naive) </a:t>
+                      </a:r>
+                      <a:r>
+                        <a:rPr lang="en-US" baseline="30000" dirty="0"/>
+                        <a:t>1</a:t>
+                      </a:r>
+                    </a:p>
+                  </a:txBody>
+                  <a:tcPr anchor="ctr"/>
+                </a:tc>
+                <a:tc>
+                  <a:txBody>
+                    <a:bodyPr/>
+                    <a:lstStyle/>
+                    <a:p>
+                      <a:pPr algn="ctr"/>
+                      <a:r>
+                        <a:rPr lang="en-US" dirty="0"/>
+                        <a:t>0.03</a:t>
+                      </a:r>
+                    </a:p>
+                  </a:txBody>
+                  <a:tcPr anchor="ctr"/>
+                </a:tc>
+                <a:tc>
+                  <a:txBody>
+                    <a:bodyPr/>
+                    <a:lstStyle/>
+                    <a:p>
+                      <a:pPr algn="ctr"/>
+                      <a:r>
+                        <a:rPr lang="en-US" dirty="0"/>
+                        <a:t>0.27</a:t>
+                      </a:r>
+                    </a:p>
+                  </a:txBody>
+                  <a:tcPr anchor="ctr"/>
+                </a:tc>
+                <a:tc>
+                  <a:txBody>
+                    <a:bodyPr/>
+                    <a:lstStyle/>
+                    <a:p>
+                      <a:pPr algn="ctr"/>
+                      <a:r>
+                        <a:rPr lang="en-US" dirty="0"/>
+                        <a:t>1000</a:t>
+                      </a:r>
+                    </a:p>
+                  </a:txBody>
+                  <a:tcPr anchor="ctr"/>
+                </a:tc>
+                <a:tc>
+                  <a:txBody>
+                    <a:bodyPr/>
+                    <a:lstStyle/>
+                    <a:p>
+                      <a:pPr algn="ctr"/>
+                      <a:endParaRPr lang="en-US" dirty="0"/>
+                    </a:p>
+                  </a:txBody>
+                  <a:tcPr anchor="ctr"/>
+                </a:tc>
+                <a:tc>
+                  <a:txBody>
+                    <a:bodyPr/>
+                    <a:lstStyle/>
+                    <a:p>
+                      <a:pPr algn="ctr"/>
+                      <a:r>
+                        <a:rPr lang="en-US" dirty="0"/>
+                        <a:t>strong overfitting</a:t>
+                      </a:r>
+                    </a:p>
+                  </a:txBody>
+                  <a:tcPr anchor="ctr"/>
+                </a:tc>
+                <a:extLst>
+                  <a:ext uri="{0D108BD9-81ED-4DB2-BD59-A6C34878D82A}">
+                    <a16:rowId xmlns:a16="http://schemas.microsoft.com/office/drawing/2014/main" val="461321389"/>
+                  </a:ext>
+                </a:extLst>
+              </a:tr>
+              <a:tr h="505569">
+                <a:tc rowSpan="2">
+                  <a:txBody>
+                    <a:bodyPr/>
+                    <a:lstStyle/>
+                    <a:p>
+                      <a:r>
+                        <a:rPr lang="en-US" dirty="0"/>
+                        <a:t>BERT (full) </a:t>
+                      </a:r>
+                      <a:r>
+                        <a:rPr lang="en-US" baseline="30000" dirty="0"/>
+                        <a:t>2</a:t>
+                      </a:r>
+                    </a:p>
+                  </a:txBody>
+                  <a:tcPr anchor="ctr"/>
+                </a:tc>
+                <a:tc>
+                  <a:txBody>
+                    <a:bodyPr/>
+                    <a:lstStyle/>
+                    <a:p>
+                      <a:pPr algn="ctr"/>
+                      <a:r>
+                        <a:rPr lang="en-US" dirty="0"/>
+                        <a:t>0.34</a:t>
+                      </a:r>
+                    </a:p>
+                  </a:txBody>
+                  <a:tcPr anchor="ctr"/>
+                </a:tc>
+                <a:tc>
+                  <a:txBody>
+                    <a:bodyPr/>
+                    <a:lstStyle/>
+                    <a:p>
+                      <a:pPr algn="ctr"/>
+                      <a:r>
+                        <a:rPr lang="en-US" dirty="0"/>
+                        <a:t>0.33</a:t>
+                      </a:r>
+                    </a:p>
+                  </a:txBody>
+                  <a:tcPr anchor="ctr"/>
+                </a:tc>
+                <a:tc>
+                  <a:txBody>
+                    <a:bodyPr/>
+                    <a:lstStyle/>
+                    <a:p>
+                      <a:pPr algn="ctr"/>
+                      <a:r>
+                        <a:rPr lang="en-US" dirty="0"/>
+                        <a:t>10 </a:t>
+                      </a:r>
+                      <a:r>
+                        <a:rPr lang="en-US" baseline="30000" dirty="0"/>
+                        <a:t>3</a:t>
+                      </a:r>
+                    </a:p>
+                  </a:txBody>
+                  <a:tcPr anchor="ctr"/>
+                </a:tc>
+                <a:tc>
+                  <a:txBody>
+                    <a:bodyPr/>
+                    <a:lstStyle/>
+                    <a:p>
+                      <a:pPr algn="ctr"/>
+                      <a:r>
+                        <a:rPr lang="en-US" dirty="0" err="1"/>
+                        <a:t>na</a:t>
+                      </a:r>
+                      <a:endParaRPr lang="en-US" dirty="0"/>
+                    </a:p>
+                  </a:txBody>
+                  <a:tcPr anchor="ctr"/>
+                </a:tc>
+                <a:tc>
+                  <a:txBody>
+                    <a:bodyPr/>
+                    <a:lstStyle/>
+                    <a:p>
+                      <a:pPr algn="ctr"/>
+                      <a:r>
+                        <a:rPr lang="en-US" dirty="0"/>
+                        <a:t>pre-train</a:t>
+                      </a:r>
+                    </a:p>
+                  </a:txBody>
+                  <a:tcPr anchor="ctr"/>
+                </a:tc>
+                <a:extLst>
+                  <a:ext uri="{0D108BD9-81ED-4DB2-BD59-A6C34878D82A}">
+                    <a16:rowId xmlns:a16="http://schemas.microsoft.com/office/drawing/2014/main" val="4051566852"/>
+                  </a:ext>
+                </a:extLst>
+              </a:tr>
+              <a:tr h="505569">
+                <a:tc vMerge="1">
+                  <a:txBody>
+                    <a:bodyPr/>
+                    <a:lstStyle/>
+                    <a:p>
+                      <a:endParaRPr lang="en-US" baseline="30000" dirty="0"/>
+                    </a:p>
+                  </a:txBody>
+                  <a:tcPr/>
+                </a:tc>
+                <a:tc>
+                  <a:txBody>
+                    <a:bodyPr/>
+                    <a:lstStyle/>
+                    <a:p>
+                      <a:pPr algn="ctr"/>
+                      <a:endParaRPr lang="en-US"/>
+                    </a:p>
+                  </a:txBody>
+                  <a:tcPr anchor="ctr"/>
+                </a:tc>
+                <a:tc>
+                  <a:txBody>
+                    <a:bodyPr/>
+                    <a:lstStyle/>
+                    <a:p>
+                      <a:pPr algn="ctr"/>
+                      <a:endParaRPr lang="en-US"/>
+                    </a:p>
+                  </a:txBody>
+                  <a:tcPr anchor="ctr"/>
+                </a:tc>
+                <a:tc>
+                  <a:txBody>
+                    <a:bodyPr/>
+                    <a:lstStyle/>
+                    <a:p>
+                      <a:pPr algn="ctr"/>
+                      <a:endParaRPr lang="en-US"/>
+                    </a:p>
+                  </a:txBody>
+                  <a:tcPr anchor="ctr"/>
+                </a:tc>
+                <a:tc>
+                  <a:txBody>
+                    <a:bodyPr/>
+                    <a:lstStyle/>
+                    <a:p>
+                      <a:pPr algn="ctr"/>
+                      <a:endParaRPr lang="en-US" dirty="0"/>
+                    </a:p>
+                  </a:txBody>
+                  <a:tcPr anchor="ctr"/>
+                </a:tc>
+                <a:tc>
+                  <a:txBody>
+                    <a:bodyPr/>
+                    <a:lstStyle/>
+                    <a:p>
+                      <a:pPr algn="ctr"/>
+                      <a:r>
+                        <a:rPr lang="en-US" dirty="0"/>
+                        <a:t>fine-tune</a:t>
+                      </a:r>
+                    </a:p>
+                  </a:txBody>
+                  <a:tcPr anchor="ctr"/>
+                </a:tc>
+                <a:extLst>
+                  <a:ext uri="{0D108BD9-81ED-4DB2-BD59-A6C34878D82A}">
+                    <a16:rowId xmlns:a16="http://schemas.microsoft.com/office/drawing/2014/main" val="3788428899"/>
+                  </a:ext>
+                </a:extLst>
+              </a:tr>
+            </a:tbl>
+          </a:graphicData>
+        </a:graphic>
+      </p:graphicFrame>
+      <p:sp>
+        <p:nvSpPr>
+          <p:cNvPr id="4" name="TextBox 3">
+            <a:extLst>
+              <a:ext uri="{FF2B5EF4-FFF2-40B4-BE49-F238E27FC236}">
+                <a16:creationId xmlns:a16="http://schemas.microsoft.com/office/drawing/2014/main" id="{00DD7777-9BF6-823F-4376-3C2BB81EAC9C}"/>
+              </a:ext>
+            </a:extLst>
+          </p:cNvPr>
+          <p:cNvSpPr txBox="1"/>
+          <p:nvPr/>
+        </p:nvSpPr>
+        <p:spPr>
+          <a:xfrm>
+            <a:off x="389614" y="5534108"/>
+            <a:ext cx="8333435" cy="923330"/>
+          </a:xfrm>
+          <a:prstGeom prst="rect">
+            <a:avLst/>
+          </a:prstGeom>
+          <a:noFill/>
+        </p:spPr>
+        <p:txBody>
+          <a:bodyPr wrap="none" rtlCol="0">
+            <a:spAutoFit/>
+          </a:bodyPr>
+          <a:lstStyle/>
+          <a:p>
+            <a:pPr marL="342900" indent="-342900">
+              <a:buAutoNum type="arabicPeriod"/>
+            </a:pPr>
+            <a:r>
+              <a:rPr lang="en-US" dirty="0"/>
+              <a:t>Train the fine-tune BERT model from scratch (no pre-training) on </a:t>
+            </a:r>
+            <a:r>
+              <a:rPr lang="en-US" dirty="0" err="1"/>
+              <a:t>scFV</a:t>
+            </a:r>
+            <a:r>
+              <a:rPr lang="en-US" dirty="0"/>
+              <a:t> train data</a:t>
+            </a:r>
+          </a:p>
+          <a:p>
+            <a:pPr marL="342900" indent="-342900">
+              <a:buAutoNum type="arabicPeriod"/>
+            </a:pPr>
+            <a:r>
+              <a:rPr lang="en-US" dirty="0"/>
+              <a:t>Pre-train BERT on OAS dataset, then fine-tune on </a:t>
+            </a:r>
+            <a:r>
+              <a:rPr lang="en-US" dirty="0" err="1"/>
+              <a:t>scFv</a:t>
+            </a:r>
+            <a:r>
+              <a:rPr lang="en-US" dirty="0"/>
+              <a:t> train data</a:t>
+            </a:r>
+          </a:p>
+          <a:p>
+            <a:pPr marL="342900" indent="-342900">
+              <a:buAutoNum type="arabicPeriod"/>
+            </a:pPr>
+            <a:r>
+              <a:rPr lang="en-US" dirty="0"/>
+              <a:t>OAS dataset is </a:t>
+            </a:r>
+            <a:r>
+              <a:rPr lang="en-US" b="0" dirty="0">
+                <a:effectLst/>
+              </a:rPr>
+              <a:t>18061315 rows.</a:t>
+            </a:r>
+            <a:endParaRPr lang="en-US" dirty="0"/>
+          </a:p>
+        </p:txBody>
+      </p:sp>
+    </p:spTree>
+    <p:extLst>
+      <p:ext uri="{BB962C8B-B14F-4D97-AF65-F5344CB8AC3E}">
+        <p14:creationId xmlns:p14="http://schemas.microsoft.com/office/powerpoint/2010/main" val="127111251"/>
+      </p:ext>
+    </p:extLst>
+  </p:cSld>
+  <p:clrMapOvr>
+    <a:masterClrMapping/>
+  </p:clrMapOvr>
+</p:sld>
+</file>
+
+<file path=ppt/slides/slide11.xml><?xml version="1.0" encoding="utf-8"?>
+<p:sld xmlns:a="http://schemas.openxmlformats.org/drawingml/2006/main" xmlns:r="http://schemas.openxmlformats.org/officeDocument/2006/relationships" xmlns:p="http://schemas.openxmlformats.org/presentationml/2006/main">
+  <p:cSld>
+    <p:spTree>
+      <p:nvGrpSpPr>
+        <p:cNvPr id="1" name=""/>
+        <p:cNvGrpSpPr/>
+        <p:nvPr/>
+      </p:nvGrpSpPr>
+      <p:grpSpPr>
+        <a:xfrm>
+          <a:off x="0" y="0"/>
+          <a:ext cx="0" cy="0"/>
+          <a:chOff x="0" y="0"/>
+          <a:chExt cx="0" cy="0"/>
+        </a:xfrm>
+      </p:grpSpPr>
+      <p:sp>
+        <p:nvSpPr>
+          <p:cNvPr id="2" name="TextBox 1">
+            <a:extLst>
+              <a:ext uri="{FF2B5EF4-FFF2-40B4-BE49-F238E27FC236}">
+                <a16:creationId xmlns:a16="http://schemas.microsoft.com/office/drawing/2014/main" id="{D7B699E5-6A91-D5D4-A6B0-C71C42589BC8}"/>
+              </a:ext>
+            </a:extLst>
+          </p:cNvPr>
+          <p:cNvSpPr txBox="1"/>
+          <p:nvPr/>
+        </p:nvSpPr>
+        <p:spPr>
+          <a:xfrm>
+            <a:off x="140127" y="221836"/>
+            <a:ext cx="3558346" cy="461665"/>
+          </a:xfrm>
+          <a:prstGeom prst="rect">
+            <a:avLst/>
+          </a:prstGeom>
+          <a:noFill/>
+        </p:spPr>
+        <p:txBody>
+          <a:bodyPr wrap="none" rtlCol="0">
+            <a:spAutoFit/>
+          </a:bodyPr>
+          <a:lstStyle/>
+          <a:p>
+            <a:r>
+              <a:rPr lang="en-US" sz="2400" dirty="0"/>
+              <a:t>Results:  Dataset Clean-2</a:t>
+            </a:r>
+          </a:p>
+        </p:txBody>
+      </p:sp>
+      <p:graphicFrame>
+        <p:nvGraphicFramePr>
+          <p:cNvPr id="3" name="Table 2">
+            <a:extLst>
+              <a:ext uri="{FF2B5EF4-FFF2-40B4-BE49-F238E27FC236}">
+                <a16:creationId xmlns:a16="http://schemas.microsoft.com/office/drawing/2014/main" id="{06968A34-6E02-9A89-9D28-711A65FA6A49}"/>
+              </a:ext>
+            </a:extLst>
+          </p:cNvPr>
+          <p:cNvGraphicFramePr>
+            <a:graphicFrameLocks noGrp="1"/>
+          </p:cNvGraphicFramePr>
+          <p:nvPr>
+            <p:extLst>
+              <p:ext uri="{D42A27DB-BD31-4B8C-83A1-F6EECF244321}">
+                <p14:modId xmlns:p14="http://schemas.microsoft.com/office/powerpoint/2010/main" val="3225059863"/>
               </p:ext>
             </p:extLst>
           </p:nvPr>
@@ -3784,6 +4719,699 @@
                         <a:rPr lang="en-US" dirty="0"/>
                         <a:t>860</a:t>
                       </a:r>
+                    </a:p>
+                  </a:txBody>
+                  <a:tcPr anchor="ctr"/>
+                </a:tc>
+                <a:tc>
+                  <a:txBody>
+                    <a:bodyPr/>
+                    <a:lstStyle/>
+                    <a:p>
+                      <a:pPr algn="ctr"/>
+                      <a:r>
+                        <a:rPr lang="en-US" dirty="0"/>
+                        <a:t>0.94</a:t>
+                      </a:r>
+                    </a:p>
+                  </a:txBody>
+                  <a:tcPr anchor="ctr"/>
+                </a:tc>
+                <a:tc>
+                  <a:txBody>
+                    <a:bodyPr/>
+                    <a:lstStyle/>
+                    <a:p>
+                      <a:pPr algn="ctr"/>
+                      <a:endParaRPr lang="en-US" dirty="0"/>
+                    </a:p>
+                  </a:txBody>
+                  <a:tcPr anchor="ctr"/>
+                </a:tc>
+                <a:extLst>
+                  <a:ext uri="{0D108BD9-81ED-4DB2-BD59-A6C34878D82A}">
+                    <a16:rowId xmlns:a16="http://schemas.microsoft.com/office/drawing/2014/main" val="1232718432"/>
+                  </a:ext>
+                </a:extLst>
+              </a:tr>
+              <a:tr h="505569">
+                <a:tc>
+                  <a:txBody>
+                    <a:bodyPr/>
+                    <a:lstStyle/>
+                    <a:p>
+                      <a:r>
+                        <a:rPr lang="en-US" dirty="0"/>
+                        <a:t>BERT (naive) </a:t>
+                      </a:r>
+                      <a:r>
+                        <a:rPr lang="en-US" baseline="30000" dirty="0"/>
+                        <a:t>1</a:t>
+                      </a:r>
+                    </a:p>
+                  </a:txBody>
+                  <a:tcPr anchor="ctr"/>
+                </a:tc>
+                <a:tc>
+                  <a:txBody>
+                    <a:bodyPr/>
+                    <a:lstStyle/>
+                    <a:p>
+                      <a:pPr algn="ctr"/>
+                      <a:endParaRPr lang="en-US" dirty="0"/>
+                    </a:p>
+                  </a:txBody>
+                  <a:tcPr anchor="ctr"/>
+                </a:tc>
+                <a:tc>
+                  <a:txBody>
+                    <a:bodyPr/>
+                    <a:lstStyle/>
+                    <a:p>
+                      <a:pPr algn="ctr"/>
+                      <a:endParaRPr lang="en-US" dirty="0"/>
+                    </a:p>
+                  </a:txBody>
+                  <a:tcPr anchor="ctr"/>
+                </a:tc>
+                <a:tc>
+                  <a:txBody>
+                    <a:bodyPr/>
+                    <a:lstStyle/>
+                    <a:p>
+                      <a:pPr algn="ctr"/>
+                      <a:endParaRPr lang="en-US" dirty="0"/>
+                    </a:p>
+                  </a:txBody>
+                  <a:tcPr anchor="ctr"/>
+                </a:tc>
+                <a:tc>
+                  <a:txBody>
+                    <a:bodyPr/>
+                    <a:lstStyle/>
+                    <a:p>
+                      <a:pPr algn="ctr"/>
+                      <a:endParaRPr lang="en-US" dirty="0"/>
+                    </a:p>
+                  </a:txBody>
+                  <a:tcPr anchor="ctr"/>
+                </a:tc>
+                <a:tc>
+                  <a:txBody>
+                    <a:bodyPr/>
+                    <a:lstStyle/>
+                    <a:p>
+                      <a:pPr algn="ctr"/>
+                      <a:endParaRPr lang="en-US" dirty="0"/>
+                    </a:p>
+                  </a:txBody>
+                  <a:tcPr anchor="ctr"/>
+                </a:tc>
+                <a:extLst>
+                  <a:ext uri="{0D108BD9-81ED-4DB2-BD59-A6C34878D82A}">
+                    <a16:rowId xmlns:a16="http://schemas.microsoft.com/office/drawing/2014/main" val="461321389"/>
+                  </a:ext>
+                </a:extLst>
+              </a:tr>
+              <a:tr h="505569">
+                <a:tc rowSpan="2">
+                  <a:txBody>
+                    <a:bodyPr/>
+                    <a:lstStyle/>
+                    <a:p>
+                      <a:r>
+                        <a:rPr lang="en-US" dirty="0"/>
+                        <a:t>BERT (full) </a:t>
+                      </a:r>
+                      <a:r>
+                        <a:rPr lang="en-US" baseline="30000" dirty="0"/>
+                        <a:t>2</a:t>
+                      </a:r>
+                    </a:p>
+                  </a:txBody>
+                  <a:tcPr anchor="ctr"/>
+                </a:tc>
+                <a:tc>
+                  <a:txBody>
+                    <a:bodyPr/>
+                    <a:lstStyle/>
+                    <a:p>
+                      <a:pPr algn="ctr"/>
+                      <a:endParaRPr lang="en-US" dirty="0"/>
+                    </a:p>
+                  </a:txBody>
+                  <a:tcPr anchor="ctr"/>
+                </a:tc>
+                <a:tc>
+                  <a:txBody>
+                    <a:bodyPr/>
+                    <a:lstStyle/>
+                    <a:p>
+                      <a:pPr algn="ctr"/>
+                      <a:endParaRPr lang="en-US"/>
+                    </a:p>
+                  </a:txBody>
+                  <a:tcPr anchor="ctr"/>
+                </a:tc>
+                <a:tc>
+                  <a:txBody>
+                    <a:bodyPr/>
+                    <a:lstStyle/>
+                    <a:p>
+                      <a:pPr algn="ctr"/>
+                      <a:endParaRPr lang="en-US"/>
+                    </a:p>
+                  </a:txBody>
+                  <a:tcPr anchor="ctr"/>
+                </a:tc>
+                <a:tc>
+                  <a:txBody>
+                    <a:bodyPr/>
+                    <a:lstStyle/>
+                    <a:p>
+                      <a:pPr algn="ctr"/>
+                      <a:endParaRPr lang="en-US"/>
+                    </a:p>
+                  </a:txBody>
+                  <a:tcPr anchor="ctr"/>
+                </a:tc>
+                <a:tc>
+                  <a:txBody>
+                    <a:bodyPr/>
+                    <a:lstStyle/>
+                    <a:p>
+                      <a:pPr algn="ctr"/>
+                      <a:r>
+                        <a:rPr lang="en-US" dirty="0"/>
+                        <a:t>pre-train</a:t>
+                      </a:r>
+                    </a:p>
+                  </a:txBody>
+                  <a:tcPr anchor="ctr"/>
+                </a:tc>
+                <a:extLst>
+                  <a:ext uri="{0D108BD9-81ED-4DB2-BD59-A6C34878D82A}">
+                    <a16:rowId xmlns:a16="http://schemas.microsoft.com/office/drawing/2014/main" val="4051566852"/>
+                  </a:ext>
+                </a:extLst>
+              </a:tr>
+              <a:tr h="505569">
+                <a:tc vMerge="1">
+                  <a:txBody>
+                    <a:bodyPr/>
+                    <a:lstStyle/>
+                    <a:p>
+                      <a:endParaRPr lang="en-US" baseline="30000" dirty="0"/>
+                    </a:p>
+                  </a:txBody>
+                  <a:tcPr/>
+                </a:tc>
+                <a:tc>
+                  <a:txBody>
+                    <a:bodyPr/>
+                    <a:lstStyle/>
+                    <a:p>
+                      <a:pPr algn="ctr"/>
+                      <a:endParaRPr lang="en-US"/>
+                    </a:p>
+                  </a:txBody>
+                  <a:tcPr anchor="ctr"/>
+                </a:tc>
+                <a:tc>
+                  <a:txBody>
+                    <a:bodyPr/>
+                    <a:lstStyle/>
+                    <a:p>
+                      <a:pPr algn="ctr"/>
+                      <a:endParaRPr lang="en-US"/>
+                    </a:p>
+                  </a:txBody>
+                  <a:tcPr anchor="ctr"/>
+                </a:tc>
+                <a:tc>
+                  <a:txBody>
+                    <a:bodyPr/>
+                    <a:lstStyle/>
+                    <a:p>
+                      <a:pPr algn="ctr"/>
+                      <a:endParaRPr lang="en-US"/>
+                    </a:p>
+                  </a:txBody>
+                  <a:tcPr anchor="ctr"/>
+                </a:tc>
+                <a:tc>
+                  <a:txBody>
+                    <a:bodyPr/>
+                    <a:lstStyle/>
+                    <a:p>
+                      <a:pPr algn="ctr"/>
+                      <a:endParaRPr lang="en-US" dirty="0"/>
+                    </a:p>
+                  </a:txBody>
+                  <a:tcPr anchor="ctr"/>
+                </a:tc>
+                <a:tc>
+                  <a:txBody>
+                    <a:bodyPr/>
+                    <a:lstStyle/>
+                    <a:p>
+                      <a:pPr algn="ctr"/>
+                      <a:r>
+                        <a:rPr lang="en-US" dirty="0"/>
+                        <a:t>fine-tune</a:t>
+                      </a:r>
+                    </a:p>
+                  </a:txBody>
+                  <a:tcPr anchor="ctr"/>
+                </a:tc>
+                <a:extLst>
+                  <a:ext uri="{0D108BD9-81ED-4DB2-BD59-A6C34878D82A}">
+                    <a16:rowId xmlns:a16="http://schemas.microsoft.com/office/drawing/2014/main" val="3788428899"/>
+                  </a:ext>
+                </a:extLst>
+              </a:tr>
+            </a:tbl>
+          </a:graphicData>
+        </a:graphic>
+      </p:graphicFrame>
+      <p:sp>
+        <p:nvSpPr>
+          <p:cNvPr id="4" name="TextBox 3">
+            <a:extLst>
+              <a:ext uri="{FF2B5EF4-FFF2-40B4-BE49-F238E27FC236}">
+                <a16:creationId xmlns:a16="http://schemas.microsoft.com/office/drawing/2014/main" id="{00DD7777-9BF6-823F-4376-3C2BB81EAC9C}"/>
+              </a:ext>
+            </a:extLst>
+          </p:cNvPr>
+          <p:cNvSpPr txBox="1"/>
+          <p:nvPr/>
+        </p:nvSpPr>
+        <p:spPr>
+          <a:xfrm>
+            <a:off x="389614" y="5534108"/>
+            <a:ext cx="8333435" cy="646331"/>
+          </a:xfrm>
+          <a:prstGeom prst="rect">
+            <a:avLst/>
+          </a:prstGeom>
+          <a:noFill/>
+        </p:spPr>
+        <p:txBody>
+          <a:bodyPr wrap="none" rtlCol="0">
+            <a:spAutoFit/>
+          </a:bodyPr>
+          <a:lstStyle/>
+          <a:p>
+            <a:pPr marL="342900" indent="-342900">
+              <a:buAutoNum type="arabicPeriod"/>
+            </a:pPr>
+            <a:r>
+              <a:rPr lang="en-US" dirty="0"/>
+              <a:t>Train the fine-tune BERT model from scratch (no pre-training) on </a:t>
+            </a:r>
+            <a:r>
+              <a:rPr lang="en-US" dirty="0" err="1"/>
+              <a:t>scFV</a:t>
+            </a:r>
+            <a:r>
+              <a:rPr lang="en-US" dirty="0"/>
+              <a:t> train data</a:t>
+            </a:r>
+          </a:p>
+          <a:p>
+            <a:pPr marL="342900" indent="-342900">
+              <a:buAutoNum type="arabicPeriod"/>
+            </a:pPr>
+            <a:r>
+              <a:rPr lang="en-US" dirty="0"/>
+              <a:t>Pre-train BERT on OAS dataset, then fine-tune on </a:t>
+            </a:r>
+            <a:r>
+              <a:rPr lang="en-US" dirty="0" err="1"/>
+              <a:t>scFv</a:t>
+            </a:r>
+            <a:r>
+              <a:rPr lang="en-US" dirty="0"/>
+              <a:t> train data</a:t>
+            </a:r>
+          </a:p>
+        </p:txBody>
+      </p:sp>
+    </p:spTree>
+    <p:extLst>
+      <p:ext uri="{BB962C8B-B14F-4D97-AF65-F5344CB8AC3E}">
+        <p14:creationId xmlns:p14="http://schemas.microsoft.com/office/powerpoint/2010/main" val="1303042645"/>
+      </p:ext>
+    </p:extLst>
+  </p:cSld>
+  <p:clrMapOvr>
+    <a:masterClrMapping/>
+  </p:clrMapOvr>
+</p:sld>
+</file>
+
+<file path=ppt/slides/slide12.xml><?xml version="1.0" encoding="utf-8"?>
+<p:sld xmlns:a="http://schemas.openxmlformats.org/drawingml/2006/main" xmlns:r="http://schemas.openxmlformats.org/officeDocument/2006/relationships" xmlns:p="http://schemas.openxmlformats.org/presentationml/2006/main">
+  <p:cSld>
+    <p:spTree>
+      <p:nvGrpSpPr>
+        <p:cNvPr id="1" name=""/>
+        <p:cNvGrpSpPr/>
+        <p:nvPr/>
+      </p:nvGrpSpPr>
+      <p:grpSpPr>
+        <a:xfrm>
+          <a:off x="0" y="0"/>
+          <a:ext cx="0" cy="0"/>
+          <a:chOff x="0" y="0"/>
+          <a:chExt cx="0" cy="0"/>
+        </a:xfrm>
+      </p:grpSpPr>
+      <p:sp>
+        <p:nvSpPr>
+          <p:cNvPr id="2" name="TextBox 1">
+            <a:extLst>
+              <a:ext uri="{FF2B5EF4-FFF2-40B4-BE49-F238E27FC236}">
+                <a16:creationId xmlns:a16="http://schemas.microsoft.com/office/drawing/2014/main" id="{D7B699E5-6A91-D5D4-A6B0-C71C42589BC8}"/>
+              </a:ext>
+            </a:extLst>
+          </p:cNvPr>
+          <p:cNvSpPr txBox="1"/>
+          <p:nvPr/>
+        </p:nvSpPr>
+        <p:spPr>
+          <a:xfrm>
+            <a:off x="140127" y="221836"/>
+            <a:ext cx="3558346" cy="461665"/>
+          </a:xfrm>
+          <a:prstGeom prst="rect">
+            <a:avLst/>
+          </a:prstGeom>
+          <a:noFill/>
+        </p:spPr>
+        <p:txBody>
+          <a:bodyPr wrap="none" rtlCol="0">
+            <a:spAutoFit/>
+          </a:bodyPr>
+          <a:lstStyle/>
+          <a:p>
+            <a:r>
+              <a:rPr lang="en-US" sz="2400" dirty="0"/>
+              <a:t>Results:  Dataset Clean-3</a:t>
+            </a:r>
+          </a:p>
+        </p:txBody>
+      </p:sp>
+      <p:graphicFrame>
+        <p:nvGraphicFramePr>
+          <p:cNvPr id="3" name="Table 2">
+            <a:extLst>
+              <a:ext uri="{FF2B5EF4-FFF2-40B4-BE49-F238E27FC236}">
+                <a16:creationId xmlns:a16="http://schemas.microsoft.com/office/drawing/2014/main" id="{06968A34-6E02-9A89-9D28-711A65FA6A49}"/>
+              </a:ext>
+            </a:extLst>
+          </p:cNvPr>
+          <p:cNvGraphicFramePr>
+            <a:graphicFrameLocks noGrp="1"/>
+          </p:cNvGraphicFramePr>
+          <p:nvPr>
+            <p:extLst>
+              <p:ext uri="{D42A27DB-BD31-4B8C-83A1-F6EECF244321}">
+                <p14:modId xmlns:p14="http://schemas.microsoft.com/office/powerpoint/2010/main" val="3375131024"/>
+              </p:ext>
+            </p:extLst>
+          </p:nvPr>
+        </p:nvGraphicFramePr>
+        <p:xfrm>
+          <a:off x="1729491" y="1086528"/>
+          <a:ext cx="8484186" cy="3167925"/>
+        </p:xfrm>
+        <a:graphic>
+          <a:graphicData uri="http://schemas.openxmlformats.org/drawingml/2006/table">
+            <a:tbl>
+              <a:tblPr firstRow="1" bandRow="1">
+                <a:tableStyleId>{5C22544A-7EE6-4342-B048-85BDC9FD1C3A}</a:tableStyleId>
+              </a:tblPr>
+              <a:tblGrid>
+                <a:gridCol w="1662524">
+                  <a:extLst>
+                    <a:ext uri="{9D8B030D-6E8A-4147-A177-3AD203B41FA5}">
+                      <a16:colId xmlns:a16="http://schemas.microsoft.com/office/drawing/2014/main" val="1065848917"/>
+                    </a:ext>
+                  </a:extLst>
+                </a:gridCol>
+                <a:gridCol w="1087495">
+                  <a:extLst>
+                    <a:ext uri="{9D8B030D-6E8A-4147-A177-3AD203B41FA5}">
+                      <a16:colId xmlns:a16="http://schemas.microsoft.com/office/drawing/2014/main" val="873310604"/>
+                    </a:ext>
+                  </a:extLst>
+                </a:gridCol>
+                <a:gridCol w="1160010">
+                  <a:extLst>
+                    <a:ext uri="{9D8B030D-6E8A-4147-A177-3AD203B41FA5}">
+                      <a16:colId xmlns:a16="http://schemas.microsoft.com/office/drawing/2014/main" val="3981708244"/>
+                    </a:ext>
+                  </a:extLst>
+                </a:gridCol>
+                <a:gridCol w="1524719">
+                  <a:extLst>
+                    <a:ext uri="{9D8B030D-6E8A-4147-A177-3AD203B41FA5}">
+                      <a16:colId xmlns:a16="http://schemas.microsoft.com/office/drawing/2014/main" val="1135465181"/>
+                    </a:ext>
+                  </a:extLst>
+                </a:gridCol>
+                <a:gridCol w="1524719">
+                  <a:extLst>
+                    <a:ext uri="{9D8B030D-6E8A-4147-A177-3AD203B41FA5}">
+                      <a16:colId xmlns:a16="http://schemas.microsoft.com/office/drawing/2014/main" val="91865083"/>
+                    </a:ext>
+                  </a:extLst>
+                </a:gridCol>
+                <a:gridCol w="1524719">
+                  <a:extLst>
+                    <a:ext uri="{9D8B030D-6E8A-4147-A177-3AD203B41FA5}">
+                      <a16:colId xmlns:a16="http://schemas.microsoft.com/office/drawing/2014/main" val="2256753199"/>
+                    </a:ext>
+                  </a:extLst>
+                </a:gridCol>
+              </a:tblGrid>
+              <a:tr h="505569">
+                <a:tc>
+                  <a:txBody>
+                    <a:bodyPr/>
+                    <a:lstStyle/>
+                    <a:p>
+                      <a:pPr algn="ctr"/>
+                      <a:r>
+                        <a:rPr lang="en-US" dirty="0"/>
+                        <a:t>Model</a:t>
+                      </a:r>
+                    </a:p>
+                  </a:txBody>
+                  <a:tcPr anchor="ctr"/>
+                </a:tc>
+                <a:tc>
+                  <a:txBody>
+                    <a:bodyPr/>
+                    <a:lstStyle/>
+                    <a:p>
+                      <a:pPr algn="ctr"/>
+                      <a:r>
+                        <a:rPr lang="en-US" dirty="0"/>
+                        <a:t>Train Loss</a:t>
+                      </a:r>
+                    </a:p>
+                  </a:txBody>
+                  <a:tcPr anchor="ctr"/>
+                </a:tc>
+                <a:tc>
+                  <a:txBody>
+                    <a:bodyPr/>
+                    <a:lstStyle/>
+                    <a:p>
+                      <a:pPr algn="ctr"/>
+                      <a:r>
+                        <a:rPr lang="en-US" dirty="0"/>
+                        <a:t>Valid. Loss</a:t>
+                      </a:r>
+                    </a:p>
+                  </a:txBody>
+                  <a:tcPr anchor="ctr"/>
+                </a:tc>
+                <a:tc>
+                  <a:txBody>
+                    <a:bodyPr/>
+                    <a:lstStyle/>
+                    <a:p>
+                      <a:pPr algn="ctr"/>
+                      <a:r>
+                        <a:rPr lang="en-US" dirty="0"/>
+                        <a:t>Epochs</a:t>
+                      </a:r>
+                    </a:p>
+                  </a:txBody>
+                  <a:tcPr anchor="ctr"/>
+                </a:tc>
+                <a:tc>
+                  <a:txBody>
+                    <a:bodyPr/>
+                    <a:lstStyle/>
+                    <a:p>
+                      <a:pPr algn="ctr"/>
+                      <a:r>
+                        <a:rPr lang="en-US" dirty="0"/>
+                        <a:t>RMSD</a:t>
+                      </a:r>
+                    </a:p>
+                    <a:p>
+                      <a:pPr algn="ctr"/>
+                      <a:r>
+                        <a:rPr lang="en-US" dirty="0"/>
+                        <a:t>(valid set)</a:t>
+                      </a:r>
+                    </a:p>
+                  </a:txBody>
+                  <a:tcPr anchor="ctr"/>
+                </a:tc>
+                <a:tc>
+                  <a:txBody>
+                    <a:bodyPr/>
+                    <a:lstStyle/>
+                    <a:p>
+                      <a:pPr algn="ctr"/>
+                      <a:r>
+                        <a:rPr lang="en-US" dirty="0"/>
+                        <a:t>Comment</a:t>
+                      </a:r>
+                    </a:p>
+                  </a:txBody>
+                  <a:tcPr anchor="ctr"/>
+                </a:tc>
+                <a:extLst>
+                  <a:ext uri="{0D108BD9-81ED-4DB2-BD59-A6C34878D82A}">
+                    <a16:rowId xmlns:a16="http://schemas.microsoft.com/office/drawing/2014/main" val="1617347897"/>
+                  </a:ext>
+                </a:extLst>
+              </a:tr>
+              <a:tr h="505569">
+                <a:tc>
+                  <a:txBody>
+                    <a:bodyPr/>
+                    <a:lstStyle/>
+                    <a:p>
+                      <a:r>
+                        <a:rPr lang="en-US" dirty="0"/>
+                        <a:t>residual MLP</a:t>
+                      </a:r>
+                    </a:p>
+                  </a:txBody>
+                  <a:tcPr anchor="ctr"/>
+                </a:tc>
+                <a:tc>
+                  <a:txBody>
+                    <a:bodyPr/>
+                    <a:lstStyle/>
+                    <a:p>
+                      <a:pPr algn="ctr"/>
+                      <a:endParaRPr lang="en-US" dirty="0"/>
+                    </a:p>
+                  </a:txBody>
+                  <a:tcPr anchor="ctr"/>
+                </a:tc>
+                <a:tc>
+                  <a:txBody>
+                    <a:bodyPr/>
+                    <a:lstStyle/>
+                    <a:p>
+                      <a:pPr algn="ctr"/>
+                      <a:endParaRPr lang="en-US" dirty="0"/>
+                    </a:p>
+                  </a:txBody>
+                  <a:tcPr anchor="ctr"/>
+                </a:tc>
+                <a:tc>
+                  <a:txBody>
+                    <a:bodyPr/>
+                    <a:lstStyle/>
+                    <a:p>
+                      <a:pPr algn="ctr"/>
+                      <a:endParaRPr lang="en-US" dirty="0"/>
+                    </a:p>
+                  </a:txBody>
+                  <a:tcPr anchor="ctr"/>
+                </a:tc>
+                <a:tc>
+                  <a:txBody>
+                    <a:bodyPr/>
+                    <a:lstStyle/>
+                    <a:p>
+                      <a:pPr algn="ctr"/>
+                      <a:endParaRPr lang="en-US" dirty="0"/>
+                    </a:p>
+                  </a:txBody>
+                  <a:tcPr anchor="ctr"/>
+                </a:tc>
+                <a:tc>
+                  <a:txBody>
+                    <a:bodyPr/>
+                    <a:lstStyle/>
+                    <a:p>
+                      <a:pPr algn="ctr"/>
+                      <a:endParaRPr lang="en-US" dirty="0"/>
+                    </a:p>
+                  </a:txBody>
+                  <a:tcPr anchor="ctr"/>
+                </a:tc>
+                <a:extLst>
+                  <a:ext uri="{0D108BD9-81ED-4DB2-BD59-A6C34878D82A}">
+                    <a16:rowId xmlns:a16="http://schemas.microsoft.com/office/drawing/2014/main" val="3248717932"/>
+                  </a:ext>
+                </a:extLst>
+              </a:tr>
+              <a:tr h="505569">
+                <a:tc>
+                  <a:txBody>
+                    <a:bodyPr/>
+                    <a:lstStyle/>
+                    <a:p>
+                      <a:r>
+                        <a:rPr lang="en-US" dirty="0"/>
+                        <a:t>VIT</a:t>
+                      </a:r>
+                    </a:p>
+                  </a:txBody>
+                  <a:tcPr anchor="ctr"/>
+                </a:tc>
+                <a:tc>
+                  <a:txBody>
+                    <a:bodyPr/>
+                    <a:lstStyle/>
+                    <a:p>
+                      <a:pPr algn="ctr"/>
+                      <a:endParaRPr lang="en-US" dirty="0"/>
+                    </a:p>
+                  </a:txBody>
+                  <a:tcPr anchor="ctr"/>
+                </a:tc>
+                <a:tc>
+                  <a:txBody>
+                    <a:bodyPr/>
+                    <a:lstStyle/>
+                    <a:p>
+                      <a:pPr algn="ctr"/>
+                      <a:endParaRPr lang="en-US" dirty="0"/>
+                    </a:p>
+                  </a:txBody>
+                  <a:tcPr anchor="ctr"/>
+                </a:tc>
+                <a:tc>
+                  <a:txBody>
+                    <a:bodyPr/>
+                    <a:lstStyle/>
+                    <a:p>
+                      <a:pPr algn="ctr"/>
+                      <a:endParaRPr lang="en-US" dirty="0"/>
                     </a:p>
                   </a:txBody>
                   <a:tcPr anchor="ctr"/>
@@ -4122,7 +5750,7 @@
     </p:spTree>
     <p:extLst>
       <p:ext uri="{BB962C8B-B14F-4D97-AF65-F5344CB8AC3E}">
-        <p14:creationId xmlns:p14="http://schemas.microsoft.com/office/powerpoint/2010/main" val="1303042645"/>
+        <p14:creationId xmlns:p14="http://schemas.microsoft.com/office/powerpoint/2010/main" val="1062387867"/>
       </p:ext>
     </p:extLst>
   </p:cSld>
@@ -4132,7 +5760,7 @@
 </p:sld>
 </file>
 
-<file path=ppt/slides/slide11.xml><?xml version="1.0" encoding="utf-8"?>
+<file path=ppt/slides/slide13.xml><?xml version="1.0" encoding="utf-8"?>
 <p:sld xmlns:a="http://schemas.openxmlformats.org/drawingml/2006/main" xmlns:r="http://schemas.openxmlformats.org/officeDocument/2006/relationships" xmlns:p="http://schemas.openxmlformats.org/presentationml/2006/main">
   <p:cSld>
     <p:spTree>
@@ -4535,7 +6163,7 @@
 </p:sld>
 </file>
 
-<file path=ppt/slides/slide12.xml><?xml version="1.0" encoding="utf-8"?>
+<file path=ppt/slides/slide14.xml><?xml version="1.0" encoding="utf-8"?>
 <p:sld xmlns:a="http://schemas.openxmlformats.org/drawingml/2006/main" xmlns:r="http://schemas.openxmlformats.org/officeDocument/2006/relationships" xmlns:p="http://schemas.openxmlformats.org/presentationml/2006/main">
   <p:cSld>
     <p:spTree>
@@ -4923,7 +6551,7 @@
 </p:sld>
 </file>
 
-<file path=ppt/slides/slide13.xml><?xml version="1.0" encoding="utf-8"?>
+<file path=ppt/slides/slide15.xml><?xml version="1.0" encoding="utf-8"?>
 <p:sld xmlns:a="http://schemas.openxmlformats.org/drawingml/2006/main" xmlns:r="http://schemas.openxmlformats.org/officeDocument/2006/relationships" xmlns:p="http://schemas.openxmlformats.org/presentationml/2006/main">
   <p:cSld>
     <p:spTree>
@@ -5308,7 +6936,7 @@
 </p:sld>
 </file>
 
-<file path=ppt/slides/slide14.xml><?xml version="1.0" encoding="utf-8"?>
+<file path=ppt/slides/slide16.xml><?xml version="1.0" encoding="utf-8"?>
 <p:sld xmlns:a="http://schemas.openxmlformats.org/drawingml/2006/main" xmlns:r="http://schemas.openxmlformats.org/officeDocument/2006/relationships" xmlns:p="http://schemas.openxmlformats.org/presentationml/2006/main">
   <p:cSld>
     <p:spTree>
@@ -6999,7 +8627,7 @@
 </p:sld>
 </file>
 
-<file path=ppt/slides/slide15.xml><?xml version="1.0" encoding="utf-8"?>
+<file path=ppt/slides/slide17.xml><?xml version="1.0" encoding="utf-8"?>
 <p:sld xmlns:a="http://schemas.openxmlformats.org/drawingml/2006/main" xmlns:r="http://schemas.openxmlformats.org/officeDocument/2006/relationships" xmlns:p="http://schemas.openxmlformats.org/presentationml/2006/main">
   <p:cSld>
     <p:spTree>
@@ -7678,7 +9306,7 @@
 </p:sld>
 </file>
 
-<file path=ppt/slides/slide16.xml><?xml version="1.0" encoding="utf-8"?>
+<file path=ppt/slides/slide18.xml><?xml version="1.0" encoding="utf-8"?>
 <p:sld xmlns:a="http://schemas.openxmlformats.org/drawingml/2006/main" xmlns:r="http://schemas.openxmlformats.org/officeDocument/2006/relationships" xmlns:p="http://schemas.openxmlformats.org/presentationml/2006/main">
   <p:cSld>
     <p:spTree>
@@ -8906,7 +10534,7 @@
 </p:sld>
 </file>
 
-<file path=ppt/slides/slide17.xml><?xml version="1.0" encoding="utf-8"?>
+<file path=ppt/slides/slide19.xml><?xml version="1.0" encoding="utf-8"?>
 <p:sld xmlns:a="http://schemas.openxmlformats.org/drawingml/2006/main" xmlns:r="http://schemas.openxmlformats.org/officeDocument/2006/relationships" xmlns:p="http://schemas.openxmlformats.org/presentationml/2006/main">
   <p:cSld>
     <p:spTree>
@@ -11729,7 +13357,386 @@
 </p:sld>
 </file>
 
-<file path=ppt/slides/slide18.xml><?xml version="1.0" encoding="utf-8"?>
+<file path=ppt/slides/slide2.xml><?xml version="1.0" encoding="utf-8"?>
+<p:sld xmlns:a="http://schemas.openxmlformats.org/drawingml/2006/main" xmlns:r="http://schemas.openxmlformats.org/officeDocument/2006/relationships" xmlns:p="http://schemas.openxmlformats.org/presentationml/2006/main">
+  <p:cSld>
+    <p:spTree>
+      <p:nvGrpSpPr>
+        <p:cNvPr id="1" name=""/>
+        <p:cNvGrpSpPr/>
+        <p:nvPr/>
+      </p:nvGrpSpPr>
+      <p:grpSpPr>
+        <a:xfrm>
+          <a:off x="0" y="0"/>
+          <a:ext cx="0" cy="0"/>
+          <a:chOff x="0" y="0"/>
+          <a:chExt cx="0" cy="0"/>
+        </a:xfrm>
+      </p:grpSpPr>
+      <p:sp>
+        <p:nvSpPr>
+          <p:cNvPr id="2" name="TextBox 1">
+            <a:extLst>
+              <a:ext uri="{FF2B5EF4-FFF2-40B4-BE49-F238E27FC236}">
+                <a16:creationId xmlns:a16="http://schemas.microsoft.com/office/drawing/2014/main" id="{E758D5CD-18BF-EE2E-47E2-E832CEE7988E}"/>
+              </a:ext>
+            </a:extLst>
+          </p:cNvPr>
+          <p:cNvSpPr txBox="1"/>
+          <p:nvPr/>
+        </p:nvSpPr>
+        <p:spPr>
+          <a:xfrm>
+            <a:off x="140127" y="221836"/>
+            <a:ext cx="3472810" cy="461665"/>
+          </a:xfrm>
+          <a:prstGeom prst="rect">
+            <a:avLst/>
+          </a:prstGeom>
+          <a:noFill/>
+        </p:spPr>
+        <p:txBody>
+          <a:bodyPr wrap="none" rtlCol="0">
+            <a:spAutoFit/>
+          </a:bodyPr>
+          <a:lstStyle/>
+          <a:p>
+            <a:r>
+              <a:rPr lang="en-US" sz="2400" dirty="0"/>
+              <a:t>Data set analysis – part 1</a:t>
+            </a:r>
+          </a:p>
+        </p:txBody>
+      </p:sp>
+      <p:sp>
+        <p:nvSpPr>
+          <p:cNvPr id="5" name="TextBox 4">
+            <a:extLst>
+              <a:ext uri="{FF2B5EF4-FFF2-40B4-BE49-F238E27FC236}">
+                <a16:creationId xmlns:a16="http://schemas.microsoft.com/office/drawing/2014/main" id="{9D21562E-004E-F27D-F7B0-73BC9E3A90A1}"/>
+              </a:ext>
+            </a:extLst>
+          </p:cNvPr>
+          <p:cNvSpPr txBox="1"/>
+          <p:nvPr/>
+        </p:nvSpPr>
+        <p:spPr>
+          <a:xfrm>
+            <a:off x="223864" y="961394"/>
+            <a:ext cx="7074915" cy="2800767"/>
+          </a:xfrm>
+          <a:prstGeom prst="rect">
+            <a:avLst/>
+          </a:prstGeom>
+          <a:noFill/>
+        </p:spPr>
+        <p:txBody>
+          <a:bodyPr wrap="square">
+            <a:spAutoFit/>
+          </a:bodyPr>
+          <a:lstStyle/>
+          <a:p>
+            <a:r>
+              <a:rPr lang="en-US" sz="1600" b="1" dirty="0" err="1">
+                <a:effectLst/>
+              </a:rPr>
+              <a:t>alphaseq_data_train.csv</a:t>
+            </a:r>
+            <a:endParaRPr lang="en-US" sz="1600" b="1" dirty="0">
+              <a:effectLst/>
+            </a:endParaRPr>
+          </a:p>
+          <a:p>
+            <a:pPr marL="285750" indent="-285750">
+              <a:buFont typeface="Arial" panose="020B0604020202020204" pitchFamily="34" charset="0"/>
+              <a:buChar char="•"/>
+            </a:pPr>
+            <a:r>
+              <a:rPr lang="en-US" sz="1600" b="0" dirty="0">
+                <a:effectLst/>
+              </a:rPr>
+              <a:t>29199 unique aa sequences</a:t>
+            </a:r>
+          </a:p>
+          <a:p>
+            <a:pPr marL="742950" lvl="1" indent="-285750">
+              <a:buFont typeface="Arial" panose="020B0604020202020204" pitchFamily="34" charset="0"/>
+              <a:buChar char="•"/>
+            </a:pPr>
+            <a:r>
+              <a:rPr lang="en-US" sz="1600" dirty="0"/>
+              <a:t>For duplicate entries use the mean of their </a:t>
+            </a:r>
+            <a:r>
+              <a:rPr lang="en-US" sz="1600" dirty="0" err="1"/>
+              <a:t>Kd</a:t>
+            </a:r>
+            <a:r>
+              <a:rPr lang="en-US" sz="1600" dirty="0"/>
+              <a:t> values</a:t>
+            </a:r>
+            <a:endParaRPr lang="en-US" sz="1600" b="0" dirty="0">
+              <a:effectLst/>
+            </a:endParaRPr>
+          </a:p>
+          <a:p>
+            <a:pPr marL="285750" indent="-285750">
+              <a:buFont typeface="Arial" panose="020B0604020202020204" pitchFamily="34" charset="0"/>
+              <a:buChar char="•"/>
+            </a:pPr>
+            <a:r>
+              <a:rPr lang="en-US" sz="1600" b="0" dirty="0">
+                <a:effectLst/>
+              </a:rPr>
+              <a:t>remove all entries with NANs for </a:t>
+            </a:r>
+            <a:r>
+              <a:rPr lang="en-US" sz="1600" b="0" dirty="0" err="1">
+                <a:effectLst/>
+              </a:rPr>
+              <a:t>Kd</a:t>
+            </a:r>
+            <a:endParaRPr lang="en-US" sz="1600" b="0" dirty="0">
+              <a:effectLst/>
+            </a:endParaRPr>
+          </a:p>
+          <a:p>
+            <a:pPr marL="285750" indent="-285750">
+              <a:buFont typeface="Arial" panose="020B0604020202020204" pitchFamily="34" charset="0"/>
+              <a:buChar char="•"/>
+            </a:pPr>
+            <a:r>
+              <a:rPr lang="en-US" sz="1600" b="0" dirty="0">
+                <a:effectLst/>
+              </a:rPr>
+              <a:t>all sequences are same length: 246 residues</a:t>
+            </a:r>
+          </a:p>
+          <a:p>
+            <a:pPr marL="285750" indent="-285750">
+              <a:buFont typeface="Arial" panose="020B0604020202020204" pitchFamily="34" charset="0"/>
+              <a:buChar char="•"/>
+            </a:pPr>
+            <a:r>
+              <a:rPr lang="en-US" sz="1600" dirty="0"/>
+              <a:t>plot distribution of </a:t>
+            </a:r>
+            <a:r>
+              <a:rPr lang="en-US" sz="1600" dirty="0" err="1"/>
+              <a:t>Kd</a:t>
+            </a:r>
+            <a:r>
+              <a:rPr lang="en-US" sz="1600" dirty="0"/>
+              <a:t> values</a:t>
+            </a:r>
+          </a:p>
+          <a:p>
+            <a:pPr marL="742950" lvl="1" indent="-285750">
+              <a:buFont typeface="Arial" panose="020B0604020202020204" pitchFamily="34" charset="0"/>
+              <a:buChar char="•"/>
+            </a:pPr>
+            <a:r>
+              <a:rPr lang="en-US" sz="1600" dirty="0"/>
+              <a:t>interesting bimodal distribution</a:t>
+            </a:r>
+          </a:p>
+          <a:p>
+            <a:pPr marL="742950" lvl="1" indent="-285750">
+              <a:buFont typeface="Arial" panose="020B0604020202020204" pitchFamily="34" charset="0"/>
+              <a:buChar char="•"/>
+            </a:pPr>
+            <a:r>
+              <a:rPr lang="en-US" sz="1600" dirty="0"/>
+              <a:t>diff between the two peaks is ~0.25 kcal/mol </a:t>
+            </a:r>
+            <a:r>
+              <a:rPr lang="en-US" sz="1600" dirty="0">
+                <a:latin typeface="Symbol" pitchFamily="2" charset="2"/>
+              </a:rPr>
+              <a:t>D</a:t>
+            </a:r>
+            <a:r>
+              <a:rPr lang="en-US" sz="1600" dirty="0"/>
+              <a:t>G</a:t>
+            </a:r>
+          </a:p>
+          <a:p>
+            <a:pPr marL="285750" indent="-285750">
+              <a:buFont typeface="Arial" panose="020B0604020202020204" pitchFamily="34" charset="0"/>
+              <a:buChar char="•"/>
+            </a:pPr>
+            <a:r>
+              <a:rPr lang="en-US" sz="1600" b="0" dirty="0">
+                <a:effectLst/>
+              </a:rPr>
+              <a:t>plot the variability at each residue position in the sequence</a:t>
+            </a:r>
+          </a:p>
+          <a:p>
+            <a:pPr marL="742950" lvl="1" indent="-285750">
+              <a:buFont typeface="Arial" panose="020B0604020202020204" pitchFamily="34" charset="0"/>
+              <a:buChar char="•"/>
+            </a:pPr>
+            <a:r>
+              <a:rPr lang="en-US" sz="1600" dirty="0"/>
+              <a:t>80 residue region (position 29 to 108) has all the mutations</a:t>
+            </a:r>
+          </a:p>
+          <a:p>
+            <a:pPr marL="742950" lvl="1" indent="-285750">
+              <a:buFont typeface="Arial" panose="020B0604020202020204" pitchFamily="34" charset="0"/>
+              <a:buChar char="•"/>
+            </a:pPr>
+            <a:r>
+              <a:rPr lang="en-US" sz="1600" dirty="0"/>
+              <a:t>this is likely a CDR region</a:t>
+            </a:r>
+            <a:endParaRPr lang="en-US" sz="1600" b="0" dirty="0">
+              <a:effectLst/>
+            </a:endParaRPr>
+          </a:p>
+        </p:txBody>
+      </p:sp>
+      <p:pic>
+        <p:nvPicPr>
+          <p:cNvPr id="6" name="Picture 5">
+            <a:extLst>
+              <a:ext uri="{FF2B5EF4-FFF2-40B4-BE49-F238E27FC236}">
+                <a16:creationId xmlns:a16="http://schemas.microsoft.com/office/drawing/2014/main" id="{D17F21C1-D1A7-E53B-97D8-88CD6C8728DA}"/>
+              </a:ext>
+            </a:extLst>
+          </p:cNvPr>
+          <p:cNvPicPr>
+            <a:picLocks noChangeAspect="1"/>
+          </p:cNvPicPr>
+          <p:nvPr/>
+        </p:nvPicPr>
+        <p:blipFill>
+          <a:blip r:embed="rId2"/>
+          <a:stretch>
+            <a:fillRect/>
+          </a:stretch>
+        </p:blipFill>
+        <p:spPr>
+          <a:xfrm>
+            <a:off x="8015617" y="221836"/>
+            <a:ext cx="3683000" cy="2870200"/>
+          </a:xfrm>
+          <a:prstGeom prst="rect">
+            <a:avLst/>
+          </a:prstGeom>
+        </p:spPr>
+      </p:pic>
+      <p:sp>
+        <p:nvSpPr>
+          <p:cNvPr id="7" name="TextBox 6">
+            <a:extLst>
+              <a:ext uri="{FF2B5EF4-FFF2-40B4-BE49-F238E27FC236}">
+                <a16:creationId xmlns:a16="http://schemas.microsoft.com/office/drawing/2014/main" id="{6F74E53A-581B-C458-F657-00CE2DE6B2CE}"/>
+              </a:ext>
+            </a:extLst>
+          </p:cNvPr>
+          <p:cNvSpPr txBox="1"/>
+          <p:nvPr/>
+        </p:nvSpPr>
+        <p:spPr>
+          <a:xfrm>
+            <a:off x="8556321" y="3092036"/>
+            <a:ext cx="3288946" cy="523220"/>
+          </a:xfrm>
+          <a:prstGeom prst="rect">
+            <a:avLst/>
+          </a:prstGeom>
+          <a:noFill/>
+        </p:spPr>
+        <p:txBody>
+          <a:bodyPr wrap="square" rtlCol="0">
+            <a:spAutoFit/>
+          </a:bodyPr>
+          <a:lstStyle/>
+          <a:p>
+            <a:r>
+              <a:rPr lang="en-US" sz="1400" dirty="0"/>
+              <a:t>bimodal-like distribution is similar to that reported in the Nature paper</a:t>
+            </a:r>
+          </a:p>
+        </p:txBody>
+      </p:sp>
+      <p:pic>
+        <p:nvPicPr>
+          <p:cNvPr id="8" name="Picture 7">
+            <a:extLst>
+              <a:ext uri="{FF2B5EF4-FFF2-40B4-BE49-F238E27FC236}">
+                <a16:creationId xmlns:a16="http://schemas.microsoft.com/office/drawing/2014/main" id="{6A5B62CE-2B72-1D08-0C96-9BE8BE846DFD}"/>
+              </a:ext>
+            </a:extLst>
+          </p:cNvPr>
+          <p:cNvPicPr>
+            <a:picLocks noChangeAspect="1"/>
+          </p:cNvPicPr>
+          <p:nvPr/>
+        </p:nvPicPr>
+        <p:blipFill>
+          <a:blip r:embed="rId3"/>
+          <a:stretch>
+            <a:fillRect/>
+          </a:stretch>
+        </p:blipFill>
+        <p:spPr>
+          <a:xfrm>
+            <a:off x="2078121" y="4196152"/>
+            <a:ext cx="3366402" cy="2454215"/>
+          </a:xfrm>
+          <a:prstGeom prst="rect">
+            <a:avLst/>
+          </a:prstGeom>
+        </p:spPr>
+      </p:pic>
+      <p:pic>
+        <p:nvPicPr>
+          <p:cNvPr id="9" name="Picture 8">
+            <a:extLst>
+              <a:ext uri="{FF2B5EF4-FFF2-40B4-BE49-F238E27FC236}">
+                <a16:creationId xmlns:a16="http://schemas.microsoft.com/office/drawing/2014/main" id="{3BFBCF0B-3639-7E22-34EB-3B5317FFCBF8}"/>
+              </a:ext>
+            </a:extLst>
+          </p:cNvPr>
+          <p:cNvPicPr>
+            <a:picLocks noChangeAspect="1"/>
+          </p:cNvPicPr>
+          <p:nvPr/>
+        </p:nvPicPr>
+        <p:blipFill>
+          <a:blip r:embed="rId4"/>
+          <a:stretch>
+            <a:fillRect/>
+          </a:stretch>
+        </p:blipFill>
+        <p:spPr>
+          <a:xfrm>
+            <a:off x="6631692" y="3893149"/>
+            <a:ext cx="3225425" cy="2757218"/>
+          </a:xfrm>
+          <a:prstGeom prst="rect">
+            <a:avLst/>
+          </a:prstGeom>
+        </p:spPr>
+      </p:pic>
+    </p:spTree>
+    <p:extLst>
+      <p:ext uri="{BB962C8B-B14F-4D97-AF65-F5344CB8AC3E}">
+        <p14:creationId xmlns:p14="http://schemas.microsoft.com/office/powerpoint/2010/main" val="2470448845"/>
+      </p:ext>
+    </p:extLst>
+  </p:cSld>
+  <p:clrMapOvr>
+    <a:masterClrMapping/>
+  </p:clrMapOvr>
+</p:sld>
+</file>
+
+<file path=ppt/slides/slide20.xml><?xml version="1.0" encoding="utf-8"?>
 <p:sld xmlns:a="http://schemas.openxmlformats.org/drawingml/2006/main" xmlns:r="http://schemas.openxmlformats.org/officeDocument/2006/relationships" xmlns:p="http://schemas.openxmlformats.org/presentationml/2006/main">
   <p:cSld>
     <p:spTree>
@@ -15677,7 +17684,7 @@
 </p:sld>
 </file>
 
-<file path=ppt/slides/slide19.xml><?xml version="1.0" encoding="utf-8"?>
+<file path=ppt/slides/slide21.xml><?xml version="1.0" encoding="utf-8"?>
 <p:sld xmlns:a="http://schemas.openxmlformats.org/drawingml/2006/main" xmlns:r="http://schemas.openxmlformats.org/officeDocument/2006/relationships" xmlns:p="http://schemas.openxmlformats.org/presentationml/2006/main">
   <p:cSld>
     <p:spTree>
@@ -18692,386 +20699,7 @@
 </p:sld>
 </file>
 
-<file path=ppt/slides/slide2.xml><?xml version="1.0" encoding="utf-8"?>
-<p:sld xmlns:a="http://schemas.openxmlformats.org/drawingml/2006/main" xmlns:r="http://schemas.openxmlformats.org/officeDocument/2006/relationships" xmlns:p="http://schemas.openxmlformats.org/presentationml/2006/main">
-  <p:cSld>
-    <p:spTree>
-      <p:nvGrpSpPr>
-        <p:cNvPr id="1" name=""/>
-        <p:cNvGrpSpPr/>
-        <p:nvPr/>
-      </p:nvGrpSpPr>
-      <p:grpSpPr>
-        <a:xfrm>
-          <a:off x="0" y="0"/>
-          <a:ext cx="0" cy="0"/>
-          <a:chOff x="0" y="0"/>
-          <a:chExt cx="0" cy="0"/>
-        </a:xfrm>
-      </p:grpSpPr>
-      <p:sp>
-        <p:nvSpPr>
-          <p:cNvPr id="2" name="TextBox 1">
-            <a:extLst>
-              <a:ext uri="{FF2B5EF4-FFF2-40B4-BE49-F238E27FC236}">
-                <a16:creationId xmlns:a16="http://schemas.microsoft.com/office/drawing/2014/main" id="{E758D5CD-18BF-EE2E-47E2-E832CEE7988E}"/>
-              </a:ext>
-            </a:extLst>
-          </p:cNvPr>
-          <p:cNvSpPr txBox="1"/>
-          <p:nvPr/>
-        </p:nvSpPr>
-        <p:spPr>
-          <a:xfrm>
-            <a:off x="140127" y="221836"/>
-            <a:ext cx="3472810" cy="461665"/>
-          </a:xfrm>
-          <a:prstGeom prst="rect">
-            <a:avLst/>
-          </a:prstGeom>
-          <a:noFill/>
-        </p:spPr>
-        <p:txBody>
-          <a:bodyPr wrap="none" rtlCol="0">
-            <a:spAutoFit/>
-          </a:bodyPr>
-          <a:lstStyle/>
-          <a:p>
-            <a:r>
-              <a:rPr lang="en-US" sz="2400" dirty="0"/>
-              <a:t>Data set analysis – part 1</a:t>
-            </a:r>
-          </a:p>
-        </p:txBody>
-      </p:sp>
-      <p:sp>
-        <p:nvSpPr>
-          <p:cNvPr id="5" name="TextBox 4">
-            <a:extLst>
-              <a:ext uri="{FF2B5EF4-FFF2-40B4-BE49-F238E27FC236}">
-                <a16:creationId xmlns:a16="http://schemas.microsoft.com/office/drawing/2014/main" id="{9D21562E-004E-F27D-F7B0-73BC9E3A90A1}"/>
-              </a:ext>
-            </a:extLst>
-          </p:cNvPr>
-          <p:cNvSpPr txBox="1"/>
-          <p:nvPr/>
-        </p:nvSpPr>
-        <p:spPr>
-          <a:xfrm>
-            <a:off x="223864" y="961394"/>
-            <a:ext cx="7074915" cy="2800767"/>
-          </a:xfrm>
-          <a:prstGeom prst="rect">
-            <a:avLst/>
-          </a:prstGeom>
-          <a:noFill/>
-        </p:spPr>
-        <p:txBody>
-          <a:bodyPr wrap="square">
-            <a:spAutoFit/>
-          </a:bodyPr>
-          <a:lstStyle/>
-          <a:p>
-            <a:r>
-              <a:rPr lang="en-US" sz="1600" b="1" dirty="0" err="1">
-                <a:effectLst/>
-              </a:rPr>
-              <a:t>alphaseq_data_train.csv</a:t>
-            </a:r>
-            <a:endParaRPr lang="en-US" sz="1600" b="1" dirty="0">
-              <a:effectLst/>
-            </a:endParaRPr>
-          </a:p>
-          <a:p>
-            <a:pPr marL="285750" indent="-285750">
-              <a:buFont typeface="Arial" panose="020B0604020202020204" pitchFamily="34" charset="0"/>
-              <a:buChar char="•"/>
-            </a:pPr>
-            <a:r>
-              <a:rPr lang="en-US" sz="1600" b="0" dirty="0">
-                <a:effectLst/>
-              </a:rPr>
-              <a:t>29199 unique aa sequences</a:t>
-            </a:r>
-          </a:p>
-          <a:p>
-            <a:pPr marL="742950" lvl="1" indent="-285750">
-              <a:buFont typeface="Arial" panose="020B0604020202020204" pitchFamily="34" charset="0"/>
-              <a:buChar char="•"/>
-            </a:pPr>
-            <a:r>
-              <a:rPr lang="en-US" sz="1600" dirty="0"/>
-              <a:t>For duplicate entries use the mean of their </a:t>
-            </a:r>
-            <a:r>
-              <a:rPr lang="en-US" sz="1600" dirty="0" err="1"/>
-              <a:t>Kd</a:t>
-            </a:r>
-            <a:r>
-              <a:rPr lang="en-US" sz="1600" dirty="0"/>
-              <a:t> values</a:t>
-            </a:r>
-            <a:endParaRPr lang="en-US" sz="1600" b="0" dirty="0">
-              <a:effectLst/>
-            </a:endParaRPr>
-          </a:p>
-          <a:p>
-            <a:pPr marL="285750" indent="-285750">
-              <a:buFont typeface="Arial" panose="020B0604020202020204" pitchFamily="34" charset="0"/>
-              <a:buChar char="•"/>
-            </a:pPr>
-            <a:r>
-              <a:rPr lang="en-US" sz="1600" b="0" dirty="0">
-                <a:effectLst/>
-              </a:rPr>
-              <a:t>remove all entries with NANs for </a:t>
-            </a:r>
-            <a:r>
-              <a:rPr lang="en-US" sz="1600" b="0" dirty="0" err="1">
-                <a:effectLst/>
-              </a:rPr>
-              <a:t>Kd</a:t>
-            </a:r>
-            <a:endParaRPr lang="en-US" sz="1600" b="0" dirty="0">
-              <a:effectLst/>
-            </a:endParaRPr>
-          </a:p>
-          <a:p>
-            <a:pPr marL="285750" indent="-285750">
-              <a:buFont typeface="Arial" panose="020B0604020202020204" pitchFamily="34" charset="0"/>
-              <a:buChar char="•"/>
-            </a:pPr>
-            <a:r>
-              <a:rPr lang="en-US" sz="1600" b="0" dirty="0">
-                <a:effectLst/>
-              </a:rPr>
-              <a:t>all sequences are same length: 246 residues</a:t>
-            </a:r>
-          </a:p>
-          <a:p>
-            <a:pPr marL="285750" indent="-285750">
-              <a:buFont typeface="Arial" panose="020B0604020202020204" pitchFamily="34" charset="0"/>
-              <a:buChar char="•"/>
-            </a:pPr>
-            <a:r>
-              <a:rPr lang="en-US" sz="1600" dirty="0"/>
-              <a:t>plot distribution of </a:t>
-            </a:r>
-            <a:r>
-              <a:rPr lang="en-US" sz="1600" dirty="0" err="1"/>
-              <a:t>Kd</a:t>
-            </a:r>
-            <a:r>
-              <a:rPr lang="en-US" sz="1600" dirty="0"/>
-              <a:t> values</a:t>
-            </a:r>
-          </a:p>
-          <a:p>
-            <a:pPr marL="742950" lvl="1" indent="-285750">
-              <a:buFont typeface="Arial" panose="020B0604020202020204" pitchFamily="34" charset="0"/>
-              <a:buChar char="•"/>
-            </a:pPr>
-            <a:r>
-              <a:rPr lang="en-US" sz="1600" dirty="0"/>
-              <a:t>interesting bimodal distribution</a:t>
-            </a:r>
-          </a:p>
-          <a:p>
-            <a:pPr marL="742950" lvl="1" indent="-285750">
-              <a:buFont typeface="Arial" panose="020B0604020202020204" pitchFamily="34" charset="0"/>
-              <a:buChar char="•"/>
-            </a:pPr>
-            <a:r>
-              <a:rPr lang="en-US" sz="1600" dirty="0"/>
-              <a:t>diff between the two peaks is ~0.25 kcal/mol </a:t>
-            </a:r>
-            <a:r>
-              <a:rPr lang="en-US" sz="1600" dirty="0">
-                <a:latin typeface="Symbol" pitchFamily="2" charset="2"/>
-              </a:rPr>
-              <a:t>D</a:t>
-            </a:r>
-            <a:r>
-              <a:rPr lang="en-US" sz="1600" dirty="0"/>
-              <a:t>G</a:t>
-            </a:r>
-          </a:p>
-          <a:p>
-            <a:pPr marL="285750" indent="-285750">
-              <a:buFont typeface="Arial" panose="020B0604020202020204" pitchFamily="34" charset="0"/>
-              <a:buChar char="•"/>
-            </a:pPr>
-            <a:r>
-              <a:rPr lang="en-US" sz="1600" b="0" dirty="0">
-                <a:effectLst/>
-              </a:rPr>
-              <a:t>plot the variability at each residue position in the sequence</a:t>
-            </a:r>
-          </a:p>
-          <a:p>
-            <a:pPr marL="742950" lvl="1" indent="-285750">
-              <a:buFont typeface="Arial" panose="020B0604020202020204" pitchFamily="34" charset="0"/>
-              <a:buChar char="•"/>
-            </a:pPr>
-            <a:r>
-              <a:rPr lang="en-US" sz="1600" dirty="0"/>
-              <a:t>80 residue region (position 29 to 108) has all the mutations</a:t>
-            </a:r>
-          </a:p>
-          <a:p>
-            <a:pPr marL="742950" lvl="1" indent="-285750">
-              <a:buFont typeface="Arial" panose="020B0604020202020204" pitchFamily="34" charset="0"/>
-              <a:buChar char="•"/>
-            </a:pPr>
-            <a:r>
-              <a:rPr lang="en-US" sz="1600" dirty="0"/>
-              <a:t>this is likely a CDR region</a:t>
-            </a:r>
-            <a:endParaRPr lang="en-US" sz="1600" b="0" dirty="0">
-              <a:effectLst/>
-            </a:endParaRPr>
-          </a:p>
-        </p:txBody>
-      </p:sp>
-      <p:pic>
-        <p:nvPicPr>
-          <p:cNvPr id="6" name="Picture 5">
-            <a:extLst>
-              <a:ext uri="{FF2B5EF4-FFF2-40B4-BE49-F238E27FC236}">
-                <a16:creationId xmlns:a16="http://schemas.microsoft.com/office/drawing/2014/main" id="{D17F21C1-D1A7-E53B-97D8-88CD6C8728DA}"/>
-              </a:ext>
-            </a:extLst>
-          </p:cNvPr>
-          <p:cNvPicPr>
-            <a:picLocks noChangeAspect="1"/>
-          </p:cNvPicPr>
-          <p:nvPr/>
-        </p:nvPicPr>
-        <p:blipFill>
-          <a:blip r:embed="rId2"/>
-          <a:stretch>
-            <a:fillRect/>
-          </a:stretch>
-        </p:blipFill>
-        <p:spPr>
-          <a:xfrm>
-            <a:off x="8015617" y="221836"/>
-            <a:ext cx="3683000" cy="2870200"/>
-          </a:xfrm>
-          <a:prstGeom prst="rect">
-            <a:avLst/>
-          </a:prstGeom>
-        </p:spPr>
-      </p:pic>
-      <p:sp>
-        <p:nvSpPr>
-          <p:cNvPr id="7" name="TextBox 6">
-            <a:extLst>
-              <a:ext uri="{FF2B5EF4-FFF2-40B4-BE49-F238E27FC236}">
-                <a16:creationId xmlns:a16="http://schemas.microsoft.com/office/drawing/2014/main" id="{6F74E53A-581B-C458-F657-00CE2DE6B2CE}"/>
-              </a:ext>
-            </a:extLst>
-          </p:cNvPr>
-          <p:cNvSpPr txBox="1"/>
-          <p:nvPr/>
-        </p:nvSpPr>
-        <p:spPr>
-          <a:xfrm>
-            <a:off x="8556321" y="3092036"/>
-            <a:ext cx="3288946" cy="523220"/>
-          </a:xfrm>
-          <a:prstGeom prst="rect">
-            <a:avLst/>
-          </a:prstGeom>
-          <a:noFill/>
-        </p:spPr>
-        <p:txBody>
-          <a:bodyPr wrap="square" rtlCol="0">
-            <a:spAutoFit/>
-          </a:bodyPr>
-          <a:lstStyle/>
-          <a:p>
-            <a:r>
-              <a:rPr lang="en-US" sz="1400" dirty="0"/>
-              <a:t>bimodal-like distribution is similar to that reported in the Nature paper</a:t>
-            </a:r>
-          </a:p>
-        </p:txBody>
-      </p:sp>
-      <p:pic>
-        <p:nvPicPr>
-          <p:cNvPr id="8" name="Picture 7">
-            <a:extLst>
-              <a:ext uri="{FF2B5EF4-FFF2-40B4-BE49-F238E27FC236}">
-                <a16:creationId xmlns:a16="http://schemas.microsoft.com/office/drawing/2014/main" id="{6A5B62CE-2B72-1D08-0C96-9BE8BE846DFD}"/>
-              </a:ext>
-            </a:extLst>
-          </p:cNvPr>
-          <p:cNvPicPr>
-            <a:picLocks noChangeAspect="1"/>
-          </p:cNvPicPr>
-          <p:nvPr/>
-        </p:nvPicPr>
-        <p:blipFill>
-          <a:blip r:embed="rId3"/>
-          <a:stretch>
-            <a:fillRect/>
-          </a:stretch>
-        </p:blipFill>
-        <p:spPr>
-          <a:xfrm>
-            <a:off x="2078121" y="4196152"/>
-            <a:ext cx="3366402" cy="2454215"/>
-          </a:xfrm>
-          <a:prstGeom prst="rect">
-            <a:avLst/>
-          </a:prstGeom>
-        </p:spPr>
-      </p:pic>
-      <p:pic>
-        <p:nvPicPr>
-          <p:cNvPr id="9" name="Picture 8">
-            <a:extLst>
-              <a:ext uri="{FF2B5EF4-FFF2-40B4-BE49-F238E27FC236}">
-                <a16:creationId xmlns:a16="http://schemas.microsoft.com/office/drawing/2014/main" id="{3BFBCF0B-3639-7E22-34EB-3B5317FFCBF8}"/>
-              </a:ext>
-            </a:extLst>
-          </p:cNvPr>
-          <p:cNvPicPr>
-            <a:picLocks noChangeAspect="1"/>
-          </p:cNvPicPr>
-          <p:nvPr/>
-        </p:nvPicPr>
-        <p:blipFill>
-          <a:blip r:embed="rId4"/>
-          <a:stretch>
-            <a:fillRect/>
-          </a:stretch>
-        </p:blipFill>
-        <p:spPr>
-          <a:xfrm>
-            <a:off x="6631692" y="3893149"/>
-            <a:ext cx="3225425" cy="2757218"/>
-          </a:xfrm>
-          <a:prstGeom prst="rect">
-            <a:avLst/>
-          </a:prstGeom>
-        </p:spPr>
-      </p:pic>
-    </p:spTree>
-    <p:extLst>
-      <p:ext uri="{BB962C8B-B14F-4D97-AF65-F5344CB8AC3E}">
-        <p14:creationId xmlns:p14="http://schemas.microsoft.com/office/powerpoint/2010/main" val="2470448845"/>
-      </p:ext>
-    </p:extLst>
-  </p:cSld>
-  <p:clrMapOvr>
-    <a:masterClrMapping/>
-  </p:clrMapOvr>
-</p:sld>
-</file>
-
-<file path=ppt/slides/slide20.xml><?xml version="1.0" encoding="utf-8"?>
+<file path=ppt/slides/slide22.xml><?xml version="1.0" encoding="utf-8"?>
 <p:sld xmlns:a="http://schemas.openxmlformats.org/drawingml/2006/main" xmlns:r="http://schemas.openxmlformats.org/officeDocument/2006/relationships" xmlns:p="http://schemas.openxmlformats.org/presentationml/2006/main">
   <p:cSld>
     <p:spTree>
@@ -19269,7 +20897,7 @@
 </p:sld>
 </file>
 
-<file path=ppt/slides/slide21.xml><?xml version="1.0" encoding="utf-8"?>
+<file path=ppt/slides/slide23.xml><?xml version="1.0" encoding="utf-8"?>
 <p:sld xmlns:a="http://schemas.openxmlformats.org/drawingml/2006/main" xmlns:r="http://schemas.openxmlformats.org/officeDocument/2006/relationships" xmlns:p="http://schemas.openxmlformats.org/presentationml/2006/main">
   <p:cSld>
     <p:spTree>
@@ -19606,7 +21234,7 @@
 </p:sld>
 </file>
 
-<file path=ppt/slides/slide22.xml><?xml version="1.0" encoding="utf-8"?>
+<file path=ppt/slides/slide24.xml><?xml version="1.0" encoding="utf-8"?>
 <p:sld xmlns:a="http://schemas.openxmlformats.org/drawingml/2006/main" xmlns:r="http://schemas.openxmlformats.org/officeDocument/2006/relationships" xmlns:p="http://schemas.openxmlformats.org/presentationml/2006/main">
   <p:cSld>
     <p:spTree>
@@ -19793,7 +21421,7 @@
 </p:sld>
 </file>
 
-<file path=ppt/slides/slide23.xml><?xml version="1.0" encoding="utf-8"?>
+<file path=ppt/slides/slide25.xml><?xml version="1.0" encoding="utf-8"?>
 <p:sld xmlns:a="http://schemas.openxmlformats.org/drawingml/2006/main" xmlns:r="http://schemas.openxmlformats.org/officeDocument/2006/relationships" xmlns:p="http://schemas.openxmlformats.org/presentationml/2006/main">
   <p:cSld>
     <p:spTree>
@@ -20345,7 +21973,7 @@
 </p:sld>
 </file>
 
-<file path=ppt/slides/slide24.xml><?xml version="1.0" encoding="utf-8"?>
+<file path=ppt/slides/slide26.xml><?xml version="1.0" encoding="utf-8"?>
 <p:sld xmlns:a="http://schemas.openxmlformats.org/drawingml/2006/main" xmlns:r="http://schemas.openxmlformats.org/officeDocument/2006/relationships" xmlns:p="http://schemas.openxmlformats.org/presentationml/2006/main">
   <p:cSld>
     <p:spTree>
@@ -20653,7 +22281,7 @@
 </p:sld>
 </file>
 
-<file path=ppt/slides/slide25.xml><?xml version="1.0" encoding="utf-8"?>
+<file path=ppt/slides/slide27.xml><?xml version="1.0" encoding="utf-8"?>
 <p:sld xmlns:a="http://schemas.openxmlformats.org/drawingml/2006/main" xmlns:r="http://schemas.openxmlformats.org/officeDocument/2006/relationships" xmlns:p="http://schemas.openxmlformats.org/presentationml/2006/main">
   <p:cSld>
     <p:spTree>
@@ -22113,7 +23741,7 @@
         <p:spPr>
           <a:xfrm>
             <a:off x="0" y="42099"/>
-            <a:ext cx="3165995" cy="461665"/>
+            <a:ext cx="3302251" cy="461665"/>
           </a:xfrm>
           <a:prstGeom prst="rect">
             <a:avLst/>
@@ -22128,7 +23756,7 @@
           <a:p>
             <a:r>
               <a:rPr lang="en-US" sz="2400" dirty="0"/>
-              <a:t>Plan for model training</a:t>
+              <a:t>Ideas for model training</a:t>
             </a:r>
           </a:p>
         </p:txBody>
@@ -22688,6 +24316,188 @@
           <a:chExt cx="0" cy="0"/>
         </a:xfrm>
       </p:grpSpPr>
+      <p:sp>
+        <p:nvSpPr>
+          <p:cNvPr id="2" name="TextBox 1">
+            <a:extLst>
+              <a:ext uri="{FF2B5EF4-FFF2-40B4-BE49-F238E27FC236}">
+                <a16:creationId xmlns:a16="http://schemas.microsoft.com/office/drawing/2014/main" id="{943CD40A-05F3-9ADF-0C95-5997A3DC340E}"/>
+              </a:ext>
+            </a:extLst>
+          </p:cNvPr>
+          <p:cNvSpPr txBox="1"/>
+          <p:nvPr/>
+        </p:nvSpPr>
+        <p:spPr>
+          <a:xfrm>
+            <a:off x="173866" y="154242"/>
+            <a:ext cx="2661626" cy="461665"/>
+          </a:xfrm>
+          <a:prstGeom prst="rect">
+            <a:avLst/>
+          </a:prstGeom>
+          <a:noFill/>
+        </p:spPr>
+        <p:txBody>
+          <a:bodyPr wrap="none" rtlCol="0">
+            <a:spAutoFit/>
+          </a:bodyPr>
+          <a:lstStyle/>
+          <a:p>
+            <a:r>
+              <a:rPr lang="en-US" sz="2400" dirty="0"/>
+              <a:t>Vision Transformer</a:t>
+            </a:r>
+          </a:p>
+        </p:txBody>
+      </p:sp>
+      <p:sp>
+        <p:nvSpPr>
+          <p:cNvPr id="3" name="TextBox 2">
+            <a:extLst>
+              <a:ext uri="{FF2B5EF4-FFF2-40B4-BE49-F238E27FC236}">
+                <a16:creationId xmlns:a16="http://schemas.microsoft.com/office/drawing/2014/main" id="{7426AB23-99B9-FA2D-64B7-92464BD1021C}"/>
+              </a:ext>
+            </a:extLst>
+          </p:cNvPr>
+          <p:cNvSpPr txBox="1"/>
+          <p:nvPr/>
+        </p:nvSpPr>
+        <p:spPr>
+          <a:xfrm>
+            <a:off x="8091578" y="6124755"/>
+            <a:ext cx="2946128" cy="338554"/>
+          </a:xfrm>
+          <a:prstGeom prst="rect">
+            <a:avLst/>
+          </a:prstGeom>
+          <a:noFill/>
+        </p:spPr>
+        <p:txBody>
+          <a:bodyPr wrap="none" rtlCol="0">
+            <a:spAutoFit/>
+          </a:bodyPr>
+          <a:lstStyle/>
+          <a:p>
+            <a:r>
+              <a:rPr lang="en-US" sz="1600" dirty="0">
+                <a:hlinkClick r:id="rId2"/>
+              </a:rPr>
+              <a:t>http://arxiv.org/abs/2010.11929</a:t>
+            </a:r>
+            <a:endParaRPr lang="en-US" sz="1600" dirty="0"/>
+          </a:p>
+        </p:txBody>
+      </p:sp>
+      <p:pic>
+        <p:nvPicPr>
+          <p:cNvPr id="4" name="Picture 3">
+            <a:extLst>
+              <a:ext uri="{FF2B5EF4-FFF2-40B4-BE49-F238E27FC236}">
+                <a16:creationId xmlns:a16="http://schemas.microsoft.com/office/drawing/2014/main" id="{48E43E58-8692-E1E7-8341-CFB8086C1269}"/>
+              </a:ext>
+            </a:extLst>
+          </p:cNvPr>
+          <p:cNvPicPr>
+            <a:picLocks noChangeAspect="1"/>
+          </p:cNvPicPr>
+          <p:nvPr/>
+        </p:nvPicPr>
+        <p:blipFill>
+          <a:blip r:embed="rId3"/>
+          <a:stretch>
+            <a:fillRect/>
+          </a:stretch>
+        </p:blipFill>
+        <p:spPr>
+          <a:xfrm>
+            <a:off x="1373037" y="1614577"/>
+            <a:ext cx="7772400" cy="4267200"/>
+          </a:xfrm>
+          <a:prstGeom prst="rect">
+            <a:avLst/>
+          </a:prstGeom>
+        </p:spPr>
+      </p:pic>
+      <p:sp>
+        <p:nvSpPr>
+          <p:cNvPr id="5" name="TextBox 4">
+            <a:extLst>
+              <a:ext uri="{FF2B5EF4-FFF2-40B4-BE49-F238E27FC236}">
+                <a16:creationId xmlns:a16="http://schemas.microsoft.com/office/drawing/2014/main" id="{5462D80E-05AE-0E1C-ACAB-7014788A0B55}"/>
+              </a:ext>
+            </a:extLst>
+          </p:cNvPr>
+          <p:cNvSpPr txBox="1"/>
+          <p:nvPr/>
+        </p:nvSpPr>
+        <p:spPr>
+          <a:xfrm>
+            <a:off x="508072" y="725268"/>
+            <a:ext cx="8637365" cy="646331"/>
+          </a:xfrm>
+          <a:prstGeom prst="rect">
+            <a:avLst/>
+          </a:prstGeom>
+          <a:noFill/>
+        </p:spPr>
+        <p:txBody>
+          <a:bodyPr wrap="none" rtlCol="0">
+            <a:spAutoFit/>
+          </a:bodyPr>
+          <a:lstStyle/>
+          <a:p>
+            <a:r>
+              <a:rPr lang="en-US" sz="1800" dirty="0"/>
+              <a:t>The simplest model that uses self-attention that I think can be applied to this problem</a:t>
+            </a:r>
+          </a:p>
+          <a:p>
+            <a:r>
+              <a:rPr lang="en-US" dirty="0"/>
+              <a:t>Can be readily run on my </a:t>
+            </a:r>
+            <a:r>
+              <a:rPr lang="en-US" dirty="0" err="1"/>
+              <a:t>Macbook</a:t>
+            </a:r>
+            <a:r>
+              <a:rPr lang="en-US" dirty="0"/>
+              <a:t> M2 hardware</a:t>
+            </a:r>
+          </a:p>
+        </p:txBody>
+      </p:sp>
+    </p:spTree>
+    <p:extLst>
+      <p:ext uri="{BB962C8B-B14F-4D97-AF65-F5344CB8AC3E}">
+        <p14:creationId xmlns:p14="http://schemas.microsoft.com/office/powerpoint/2010/main" val="655398832"/>
+      </p:ext>
+    </p:extLst>
+  </p:cSld>
+  <p:clrMapOvr>
+    <a:masterClrMapping/>
+  </p:clrMapOvr>
+</p:sld>
+</file>
+
+<file path=ppt/slides/slide8.xml><?xml version="1.0" encoding="utf-8"?>
+<p:sld xmlns:a="http://schemas.openxmlformats.org/drawingml/2006/main" xmlns:r="http://schemas.openxmlformats.org/officeDocument/2006/relationships" xmlns:p="http://schemas.openxmlformats.org/presentationml/2006/main">
+  <p:cSld>
+    <p:spTree>
+      <p:nvGrpSpPr>
+        <p:cNvPr id="1" name=""/>
+        <p:cNvGrpSpPr/>
+        <p:nvPr/>
+      </p:nvGrpSpPr>
+      <p:grpSpPr>
+        <a:xfrm>
+          <a:off x="0" y="0"/>
+          <a:ext cx="0" cy="0"/>
+          <a:chOff x="0" y="0"/>
+          <a:chExt cx="0" cy="0"/>
+        </a:xfrm>
+      </p:grpSpPr>
       <p:pic>
         <p:nvPicPr>
           <p:cNvPr id="2" name="Picture 1">
@@ -22710,7 +24520,7 @@
         </p:blipFill>
         <p:spPr>
           <a:xfrm>
-            <a:off x="1389780" y="3615546"/>
+            <a:off x="1389780" y="4124507"/>
             <a:ext cx="2651352" cy="2638605"/>
           </a:xfrm>
           <a:prstGeom prst="rect">
@@ -22718,128 +24528,6 @@
           </a:prstGeom>
         </p:spPr>
       </p:pic>
-      <p:sp>
-        <p:nvSpPr>
-          <p:cNvPr id="3" name="TextBox 2">
-            <a:extLst>
-              <a:ext uri="{FF2B5EF4-FFF2-40B4-BE49-F238E27FC236}">
-                <a16:creationId xmlns:a16="http://schemas.microsoft.com/office/drawing/2014/main" id="{E9FDD25F-6501-8CA5-89EF-C711D6688400}"/>
-              </a:ext>
-            </a:extLst>
-          </p:cNvPr>
-          <p:cNvSpPr txBox="1"/>
-          <p:nvPr/>
-        </p:nvSpPr>
-        <p:spPr>
-          <a:xfrm>
-            <a:off x="1389781" y="992038"/>
-            <a:ext cx="5728491" cy="369332"/>
-          </a:xfrm>
-          <a:prstGeom prst="rect">
-            <a:avLst/>
-          </a:prstGeom>
-          <a:noFill/>
-        </p:spPr>
-        <p:txBody>
-          <a:bodyPr wrap="none" rtlCol="0">
-            <a:spAutoFit/>
-          </a:bodyPr>
-          <a:lstStyle/>
-          <a:p>
-            <a:r>
-              <a:rPr lang="en-US" dirty="0"/>
-              <a:t>aa sequence: </a:t>
-            </a:r>
-            <a:r>
-              <a:rPr lang="en-US" b="0" i="0" dirty="0">
-                <a:effectLst/>
-              </a:rPr>
-              <a:t> ['CLS', 'Q', 'V', 'Q', 'L', 'V', ‘Q, …, ‘PAD’, ‘PAD’]</a:t>
-            </a:r>
-            <a:endParaRPr lang="en-US" dirty="0"/>
-          </a:p>
-        </p:txBody>
-      </p:sp>
-      <p:sp>
-        <p:nvSpPr>
-          <p:cNvPr id="5" name="TextBox 4">
-            <a:extLst>
-              <a:ext uri="{FF2B5EF4-FFF2-40B4-BE49-F238E27FC236}">
-                <a16:creationId xmlns:a16="http://schemas.microsoft.com/office/drawing/2014/main" id="{155D5DCD-DEEC-39C6-6802-35236D434F1B}"/>
-              </a:ext>
-            </a:extLst>
-          </p:cNvPr>
-          <p:cNvSpPr txBox="1"/>
-          <p:nvPr/>
-        </p:nvSpPr>
-        <p:spPr>
-          <a:xfrm>
-            <a:off x="1389781" y="1683491"/>
-            <a:ext cx="4653838" cy="369332"/>
-          </a:xfrm>
-          <a:prstGeom prst="rect">
-            <a:avLst/>
-          </a:prstGeom>
-          <a:noFill/>
-        </p:spPr>
-        <p:txBody>
-          <a:bodyPr wrap="none" rtlCol="0">
-            <a:spAutoFit/>
-          </a:bodyPr>
-          <a:lstStyle/>
-          <a:p>
-            <a:r>
-              <a:rPr lang="en-US" dirty="0"/>
-              <a:t>encoded: </a:t>
-            </a:r>
-            <a:r>
-              <a:rPr lang="en-US" b="0" i="0" dirty="0">
-                <a:effectLst/>
-              </a:rPr>
-              <a:t>[ 0, 14, 18, 14, 10, 18, 14, …, 23, 23]</a:t>
-            </a:r>
-            <a:endParaRPr lang="en-US" dirty="0"/>
-          </a:p>
-        </p:txBody>
-      </p:sp>
-      <p:sp>
-        <p:nvSpPr>
-          <p:cNvPr id="6" name="TextBox 5">
-            <a:extLst>
-              <a:ext uri="{FF2B5EF4-FFF2-40B4-BE49-F238E27FC236}">
-                <a16:creationId xmlns:a16="http://schemas.microsoft.com/office/drawing/2014/main" id="{0FBB4CDD-25CA-0CF2-05D8-0166E2F0CA55}"/>
-              </a:ext>
-            </a:extLst>
-          </p:cNvPr>
-          <p:cNvSpPr txBox="1"/>
-          <p:nvPr/>
-        </p:nvSpPr>
-        <p:spPr>
-          <a:xfrm>
-            <a:off x="1389781" y="2374219"/>
-            <a:ext cx="8807924" cy="369332"/>
-          </a:xfrm>
-          <a:prstGeom prst="rect">
-            <a:avLst/>
-          </a:prstGeom>
-          <a:noFill/>
-        </p:spPr>
-        <p:txBody>
-          <a:bodyPr wrap="none" rtlCol="0">
-            <a:spAutoFit/>
-          </a:bodyPr>
-          <a:lstStyle/>
-          <a:p>
-            <a:r>
-              <a:rPr lang="en-US" b="0" i="0" dirty="0">
-                <a:effectLst/>
-              </a:rPr>
-              <a:t>binary: [000000000000110100010010000011010000010000…]    (using 8-bits per token)</a:t>
-            </a:r>
-            <a:endParaRPr lang="en-US" dirty="0"/>
-          </a:p>
-        </p:txBody>
-      </p:sp>
       <p:sp>
         <p:nvSpPr>
           <p:cNvPr id="7" name="TextBox 6">
@@ -22854,8 +24542,8 @@
         </p:nvSpPr>
         <p:spPr>
           <a:xfrm>
-            <a:off x="148753" y="101886"/>
-            <a:ext cx="6100453" cy="461665"/>
+            <a:off x="640464" y="665975"/>
+            <a:ext cx="5012462" cy="369332"/>
           </a:xfrm>
           <a:prstGeom prst="rect">
             <a:avLst/>
@@ -22869,153 +24557,296 @@
           <a:lstStyle/>
           <a:p>
             <a:r>
-              <a:rPr lang="en-US" sz="2400" dirty="0"/>
-              <a:t>Treat the </a:t>
-            </a:r>
-            <a:r>
-              <a:rPr lang="en-US" sz="2400" dirty="0" err="1"/>
+              <a:rPr lang="en-US" dirty="0"/>
+              <a:t>Convert the </a:t>
+            </a:r>
+            <a:r>
+              <a:rPr lang="en-US" dirty="0" err="1"/>
               <a:t>scFv</a:t>
             </a:r>
             <a:r>
-              <a:rPr lang="en-US" sz="2400" dirty="0"/>
-              <a:t> aa sequences as a B&amp;W image</a:t>
+              <a:rPr lang="en-US" dirty="0"/>
+              <a:t> aa sequences into B&amp;W images</a:t>
             </a:r>
           </a:p>
         </p:txBody>
       </p:sp>
-      <p:cxnSp>
-        <p:nvCxnSpPr>
-          <p:cNvPr id="9" name="Curved Connector 8">
+      <p:grpSp>
+        <p:nvGrpSpPr>
+          <p:cNvPr id="28" name="Group 27">
             <a:extLst>
               <a:ext uri="{FF2B5EF4-FFF2-40B4-BE49-F238E27FC236}">
-                <a16:creationId xmlns:a16="http://schemas.microsoft.com/office/drawing/2014/main" id="{82820658-53FA-DD3B-39DC-7302B329DA04}"/>
+                <a16:creationId xmlns:a16="http://schemas.microsoft.com/office/drawing/2014/main" id="{46D3CCCE-10BB-A7F0-E847-F3B504E206F7}"/>
               </a:ext>
             </a:extLst>
           </p:cNvPr>
-          <p:cNvCxnSpPr>
-            <a:cxnSpLocks/>
-            <a:stCxn id="3" idx="1"/>
-            <a:endCxn id="5" idx="1"/>
-          </p:cNvCxnSpPr>
+          <p:cNvGrpSpPr/>
           <p:nvPr/>
-        </p:nvCxnSpPr>
-        <p:spPr>
-          <a:xfrm rot="10800000" flipV="1">
-            <a:off x="1389781" y="1176703"/>
-            <a:ext cx="12700" cy="691453"/>
+        </p:nvGrpSpPr>
+        <p:grpSpPr>
+          <a:xfrm>
+            <a:off x="1389781" y="1490946"/>
+            <a:ext cx="8807924" cy="1761566"/>
+            <a:chOff x="1389781" y="981985"/>
+            <a:chExt cx="8807924" cy="1761566"/>
           </a:xfrm>
-          <a:prstGeom prst="curvedConnector3">
-            <a:avLst>
-              <a:gd name="adj1" fmla="val 1800000"/>
-            </a:avLst>
-          </a:prstGeom>
-          <a:ln>
-            <a:tailEnd type="triangle" w="lg" len="lg"/>
-          </a:ln>
-        </p:spPr>
-        <p:style>
-          <a:lnRef idx="2">
-            <a:schemeClr val="accent1"/>
-          </a:lnRef>
-          <a:fillRef idx="0">
-            <a:schemeClr val="accent1"/>
-          </a:fillRef>
-          <a:effectRef idx="1">
-            <a:schemeClr val="accent1"/>
-          </a:effectRef>
-          <a:fontRef idx="minor">
-            <a:schemeClr val="tx1"/>
-          </a:fontRef>
-        </p:style>
-      </p:cxnSp>
-      <p:cxnSp>
-        <p:nvCxnSpPr>
-          <p:cNvPr id="11" name="Curved Connector 10">
-            <a:extLst>
-              <a:ext uri="{FF2B5EF4-FFF2-40B4-BE49-F238E27FC236}">
-                <a16:creationId xmlns:a16="http://schemas.microsoft.com/office/drawing/2014/main" id="{75342AFA-FBFA-F9AD-8AC3-B9BAB0848A16}"/>
-              </a:ext>
-            </a:extLst>
-          </p:cNvPr>
-          <p:cNvCxnSpPr>
-            <a:cxnSpLocks/>
-            <a:stCxn id="5" idx="1"/>
-            <a:endCxn id="6" idx="1"/>
-          </p:cNvCxnSpPr>
-          <p:nvPr/>
-        </p:nvCxnSpPr>
-        <p:spPr>
-          <a:xfrm rot="10800000" flipV="1">
-            <a:off x="1389781" y="1868157"/>
-            <a:ext cx="12700" cy="690728"/>
-          </a:xfrm>
-          <a:prstGeom prst="curvedConnector3">
-            <a:avLst>
-              <a:gd name="adj1" fmla="val 1800000"/>
-            </a:avLst>
-          </a:prstGeom>
-          <a:ln>
-            <a:tailEnd type="triangle" w="lg" len="lg"/>
-          </a:ln>
-        </p:spPr>
-        <p:style>
-          <a:lnRef idx="2">
-            <a:schemeClr val="accent1"/>
-          </a:lnRef>
-          <a:fillRef idx="0">
-            <a:schemeClr val="accent1"/>
-          </a:fillRef>
-          <a:effectRef idx="1">
-            <a:schemeClr val="accent1"/>
-          </a:effectRef>
-          <a:fontRef idx="minor">
-            <a:schemeClr val="tx1"/>
-          </a:fontRef>
-        </p:style>
-      </p:cxnSp>
-      <p:sp>
-        <p:nvSpPr>
-          <p:cNvPr id="15" name="TextBox 14">
-            <a:extLst>
-              <a:ext uri="{FF2B5EF4-FFF2-40B4-BE49-F238E27FC236}">
-                <a16:creationId xmlns:a16="http://schemas.microsoft.com/office/drawing/2014/main" id="{49C96ADA-8EDD-82DB-6425-07FC116B3FCD}"/>
-              </a:ext>
-            </a:extLst>
-          </p:cNvPr>
-          <p:cNvSpPr txBox="1"/>
-          <p:nvPr/>
-        </p:nvSpPr>
-        <p:spPr>
-          <a:xfrm>
-            <a:off x="7737231" y="981985"/>
-            <a:ext cx="2356479" cy="369332"/>
-          </a:xfrm>
-          <a:prstGeom prst="rect">
-            <a:avLst/>
-          </a:prstGeom>
-          <a:noFill/>
-        </p:spPr>
-        <p:txBody>
-          <a:bodyPr wrap="none" rtlCol="0">
-            <a:spAutoFit/>
-          </a:bodyPr>
-          <a:lstStyle/>
-          <a:p>
-            <a:r>
-              <a:rPr lang="en-US" dirty="0"/>
-              <a:t>(use </a:t>
-            </a:r>
-            <a:r>
-              <a:rPr lang="en-US" dirty="0" err="1"/>
-              <a:t>block_size</a:t>
-            </a:r>
-            <a:r>
-              <a:rPr lang="en-US" dirty="0"/>
-              <a:t> = 288)</a:t>
-            </a:r>
-          </a:p>
-        </p:txBody>
-      </p:sp>
+        </p:grpSpPr>
+        <p:sp>
+          <p:nvSpPr>
+            <p:cNvPr id="3" name="TextBox 2">
+              <a:extLst>
+                <a:ext uri="{FF2B5EF4-FFF2-40B4-BE49-F238E27FC236}">
+                  <a16:creationId xmlns:a16="http://schemas.microsoft.com/office/drawing/2014/main" id="{E9FDD25F-6501-8CA5-89EF-C711D6688400}"/>
+                </a:ext>
+              </a:extLst>
+            </p:cNvPr>
+            <p:cNvSpPr txBox="1"/>
+            <p:nvPr/>
+          </p:nvSpPr>
+          <p:spPr>
+            <a:xfrm>
+              <a:off x="1389781" y="992038"/>
+              <a:ext cx="5728491" cy="369332"/>
+            </a:xfrm>
+            <a:prstGeom prst="rect">
+              <a:avLst/>
+            </a:prstGeom>
+            <a:noFill/>
+          </p:spPr>
+          <p:txBody>
+            <a:bodyPr wrap="none" rtlCol="0">
+              <a:spAutoFit/>
+            </a:bodyPr>
+            <a:lstStyle/>
+            <a:p>
+              <a:r>
+                <a:rPr lang="en-US" dirty="0"/>
+                <a:t>aa sequence: </a:t>
+              </a:r>
+              <a:r>
+                <a:rPr lang="en-US" b="0" i="0" dirty="0">
+                  <a:effectLst/>
+                </a:rPr>
+                <a:t> ['CLS', 'Q', 'V', 'Q', 'L', 'V', ‘Q, …, ‘PAD’, ‘PAD’]</a:t>
+              </a:r>
+              <a:endParaRPr lang="en-US" dirty="0"/>
+            </a:p>
+          </p:txBody>
+        </p:sp>
+        <p:sp>
+          <p:nvSpPr>
+            <p:cNvPr id="5" name="TextBox 4">
+              <a:extLst>
+                <a:ext uri="{FF2B5EF4-FFF2-40B4-BE49-F238E27FC236}">
+                  <a16:creationId xmlns:a16="http://schemas.microsoft.com/office/drawing/2014/main" id="{155D5DCD-DEEC-39C6-6802-35236D434F1B}"/>
+                </a:ext>
+              </a:extLst>
+            </p:cNvPr>
+            <p:cNvSpPr txBox="1"/>
+            <p:nvPr/>
+          </p:nvSpPr>
+          <p:spPr>
+            <a:xfrm>
+              <a:off x="1389781" y="1683491"/>
+              <a:ext cx="4653838" cy="369332"/>
+            </a:xfrm>
+            <a:prstGeom prst="rect">
+              <a:avLst/>
+            </a:prstGeom>
+            <a:noFill/>
+          </p:spPr>
+          <p:txBody>
+            <a:bodyPr wrap="none" rtlCol="0">
+              <a:spAutoFit/>
+            </a:bodyPr>
+            <a:lstStyle/>
+            <a:p>
+              <a:r>
+                <a:rPr lang="en-US" dirty="0"/>
+                <a:t>encoded: </a:t>
+              </a:r>
+              <a:r>
+                <a:rPr lang="en-US" b="0" i="0" dirty="0">
+                  <a:effectLst/>
+                </a:rPr>
+                <a:t>[ 0, 14, 18, 14, 10, 18, 14, …, 23, 23]</a:t>
+              </a:r>
+              <a:endParaRPr lang="en-US" dirty="0"/>
+            </a:p>
+          </p:txBody>
+        </p:sp>
+        <p:sp>
+          <p:nvSpPr>
+            <p:cNvPr id="6" name="TextBox 5">
+              <a:extLst>
+                <a:ext uri="{FF2B5EF4-FFF2-40B4-BE49-F238E27FC236}">
+                  <a16:creationId xmlns:a16="http://schemas.microsoft.com/office/drawing/2014/main" id="{0FBB4CDD-25CA-0CF2-05D8-0166E2F0CA55}"/>
+                </a:ext>
+              </a:extLst>
+            </p:cNvPr>
+            <p:cNvSpPr txBox="1"/>
+            <p:nvPr/>
+          </p:nvSpPr>
+          <p:spPr>
+            <a:xfrm>
+              <a:off x="1389781" y="2374219"/>
+              <a:ext cx="8807924" cy="369332"/>
+            </a:xfrm>
+            <a:prstGeom prst="rect">
+              <a:avLst/>
+            </a:prstGeom>
+            <a:noFill/>
+          </p:spPr>
+          <p:txBody>
+            <a:bodyPr wrap="none" rtlCol="0">
+              <a:spAutoFit/>
+            </a:bodyPr>
+            <a:lstStyle/>
+            <a:p>
+              <a:r>
+                <a:rPr lang="en-US" b="0" i="0" dirty="0">
+                  <a:effectLst/>
+                </a:rPr>
+                <a:t>binary: [000000000000110100010010000011010000010000…]    (using 8-bits per token)</a:t>
+              </a:r>
+              <a:endParaRPr lang="en-US" dirty="0"/>
+            </a:p>
+          </p:txBody>
+        </p:sp>
+        <p:cxnSp>
+          <p:nvCxnSpPr>
+            <p:cNvPr id="9" name="Curved Connector 8">
+              <a:extLst>
+                <a:ext uri="{FF2B5EF4-FFF2-40B4-BE49-F238E27FC236}">
+                  <a16:creationId xmlns:a16="http://schemas.microsoft.com/office/drawing/2014/main" id="{82820658-53FA-DD3B-39DC-7302B329DA04}"/>
+                </a:ext>
+              </a:extLst>
+            </p:cNvPr>
+            <p:cNvCxnSpPr>
+              <a:cxnSpLocks/>
+              <a:stCxn id="3" idx="1"/>
+              <a:endCxn id="5" idx="1"/>
+            </p:cNvCxnSpPr>
+            <p:nvPr/>
+          </p:nvCxnSpPr>
+          <p:spPr>
+            <a:xfrm rot="10800000" flipV="1">
+              <a:off x="1389781" y="1176703"/>
+              <a:ext cx="12700" cy="691453"/>
+            </a:xfrm>
+            <a:prstGeom prst="curvedConnector3">
+              <a:avLst>
+                <a:gd name="adj1" fmla="val 1800000"/>
+              </a:avLst>
+            </a:prstGeom>
+            <a:ln>
+              <a:tailEnd type="triangle" w="lg" len="lg"/>
+            </a:ln>
+          </p:spPr>
+          <p:style>
+            <a:lnRef idx="2">
+              <a:schemeClr val="accent1"/>
+            </a:lnRef>
+            <a:fillRef idx="0">
+              <a:schemeClr val="accent1"/>
+            </a:fillRef>
+            <a:effectRef idx="1">
+              <a:schemeClr val="accent1"/>
+            </a:effectRef>
+            <a:fontRef idx="minor">
+              <a:schemeClr val="tx1"/>
+            </a:fontRef>
+          </p:style>
+        </p:cxnSp>
+        <p:cxnSp>
+          <p:nvCxnSpPr>
+            <p:cNvPr id="11" name="Curved Connector 10">
+              <a:extLst>
+                <a:ext uri="{FF2B5EF4-FFF2-40B4-BE49-F238E27FC236}">
+                  <a16:creationId xmlns:a16="http://schemas.microsoft.com/office/drawing/2014/main" id="{75342AFA-FBFA-F9AD-8AC3-B9BAB0848A16}"/>
+                </a:ext>
+              </a:extLst>
+            </p:cNvPr>
+            <p:cNvCxnSpPr>
+              <a:cxnSpLocks/>
+              <a:stCxn id="5" idx="1"/>
+              <a:endCxn id="6" idx="1"/>
+            </p:cNvCxnSpPr>
+            <p:nvPr/>
+          </p:nvCxnSpPr>
+          <p:spPr>
+            <a:xfrm rot="10800000" flipV="1">
+              <a:off x="1389781" y="1868157"/>
+              <a:ext cx="12700" cy="690728"/>
+            </a:xfrm>
+            <a:prstGeom prst="curvedConnector3">
+              <a:avLst>
+                <a:gd name="adj1" fmla="val 1800000"/>
+              </a:avLst>
+            </a:prstGeom>
+            <a:ln>
+              <a:tailEnd type="triangle" w="lg" len="lg"/>
+            </a:ln>
+          </p:spPr>
+          <p:style>
+            <a:lnRef idx="2">
+              <a:schemeClr val="accent1"/>
+            </a:lnRef>
+            <a:fillRef idx="0">
+              <a:schemeClr val="accent1"/>
+            </a:fillRef>
+            <a:effectRef idx="1">
+              <a:schemeClr val="accent1"/>
+            </a:effectRef>
+            <a:fontRef idx="minor">
+              <a:schemeClr val="tx1"/>
+            </a:fontRef>
+          </p:style>
+        </p:cxnSp>
+        <p:sp>
+          <p:nvSpPr>
+            <p:cNvPr id="15" name="TextBox 14">
+              <a:extLst>
+                <a:ext uri="{FF2B5EF4-FFF2-40B4-BE49-F238E27FC236}">
+                  <a16:creationId xmlns:a16="http://schemas.microsoft.com/office/drawing/2014/main" id="{49C96ADA-8EDD-82DB-6425-07FC116B3FCD}"/>
+                </a:ext>
+              </a:extLst>
+            </p:cNvPr>
+            <p:cNvSpPr txBox="1"/>
+            <p:nvPr/>
+          </p:nvSpPr>
+          <p:spPr>
+            <a:xfrm>
+              <a:off x="7737231" y="981985"/>
+              <a:ext cx="2356479" cy="369332"/>
+            </a:xfrm>
+            <a:prstGeom prst="rect">
+              <a:avLst/>
+            </a:prstGeom>
+            <a:noFill/>
+          </p:spPr>
+          <p:txBody>
+            <a:bodyPr wrap="none" rtlCol="0">
+              <a:spAutoFit/>
+            </a:bodyPr>
+            <a:lstStyle/>
+            <a:p>
+              <a:r>
+                <a:rPr lang="en-US" dirty="0"/>
+                <a:t>(use </a:t>
+              </a:r>
+              <a:r>
+                <a:rPr lang="en-US" dirty="0" err="1"/>
+                <a:t>block_size</a:t>
+              </a:r>
+              <a:r>
+                <a:rPr lang="en-US" dirty="0"/>
+                <a:t> = 288)</a:t>
+              </a:r>
+            </a:p>
+          </p:txBody>
+        </p:sp>
+      </p:grpSp>
       <p:cxnSp>
         <p:nvCxnSpPr>
           <p:cNvPr id="20" name="Straight Arrow Connector 19">
@@ -23033,7 +24864,7 @@
         </p:nvCxnSpPr>
         <p:spPr>
           <a:xfrm>
-            <a:off x="2715456" y="2811916"/>
+            <a:off x="2715456" y="3320877"/>
             <a:ext cx="0" cy="803630"/>
           </a:xfrm>
           <a:prstGeom prst="straightConnector1">
@@ -23072,8 +24903,8 @@
         </p:nvSpPr>
         <p:spPr>
           <a:xfrm>
-            <a:off x="2759635" y="3011480"/>
-            <a:ext cx="5017527" cy="369332"/>
+            <a:off x="2759635" y="3520441"/>
+            <a:ext cx="5412700" cy="369332"/>
           </a:xfrm>
           <a:prstGeom prst="rect">
             <a:avLst/>
@@ -23092,7 +24923,7 @@
             </a:r>
             <a:r>
               <a:rPr lang="en-US" sz="1400" dirty="0"/>
-              <a:t>(first, trim off trailing 4 bits from above)</a:t>
+              <a:t>(after trimming off trailing 4 bits from above)</a:t>
             </a:r>
           </a:p>
         </p:txBody>
@@ -23111,8 +24942,8 @@
         </p:nvSpPr>
         <p:spPr>
           <a:xfrm>
-            <a:off x="7118272" y="5495565"/>
-            <a:ext cx="4779706" cy="954107"/>
+            <a:off x="6273945" y="5657911"/>
+            <a:ext cx="5283049" cy="954107"/>
           </a:xfrm>
           <a:prstGeom prst="rect">
             <a:avLst/>
@@ -23127,7 +24958,7 @@
           <a:p>
             <a:r>
               <a:rPr lang="en-US" sz="1400" dirty="0"/>
-              <a:t>stretch goals? </a:t>
+              <a:t>stretch goals </a:t>
             </a:r>
           </a:p>
           <a:p>
@@ -23155,7 +24986,7 @@
             </a:r>
             <a:r>
               <a:rPr lang="en-US" sz="1400" dirty="0"/>
-              <a:t> channel for variability in aa sequence</a:t>
+              <a:t> channel for variability vs position in aa sequence</a:t>
             </a:r>
           </a:p>
           <a:p>
@@ -23192,7 +25023,7 @@
         </p:nvSpPr>
         <p:spPr>
           <a:xfrm>
-            <a:off x="4114800" y="4114450"/>
+            <a:off x="4114800" y="4623411"/>
             <a:ext cx="5472075" cy="369332"/>
           </a:xfrm>
           <a:prstGeom prst="rect">
@@ -23209,6 +25040,41 @@
             <a:r>
               <a:rPr lang="en-US" dirty="0"/>
               <a:t>Vision Transformer regression model on these images</a:t>
+            </a:r>
+          </a:p>
+        </p:txBody>
+      </p:sp>
+      <p:sp>
+        <p:nvSpPr>
+          <p:cNvPr id="29" name="TextBox 28">
+            <a:extLst>
+              <a:ext uri="{FF2B5EF4-FFF2-40B4-BE49-F238E27FC236}">
+                <a16:creationId xmlns:a16="http://schemas.microsoft.com/office/drawing/2014/main" id="{036B47F0-B1B5-5A30-CC20-8AD75B5B40CA}"/>
+              </a:ext>
+            </a:extLst>
+          </p:cNvPr>
+          <p:cNvSpPr txBox="1"/>
+          <p:nvPr/>
+        </p:nvSpPr>
+        <p:spPr>
+          <a:xfrm>
+            <a:off x="173866" y="154242"/>
+            <a:ext cx="2661626" cy="461665"/>
+          </a:xfrm>
+          <a:prstGeom prst="rect">
+            <a:avLst/>
+          </a:prstGeom>
+          <a:noFill/>
+        </p:spPr>
+        <p:txBody>
+          <a:bodyPr wrap="none" rtlCol="0">
+            <a:spAutoFit/>
+          </a:bodyPr>
+          <a:lstStyle/>
+          <a:p>
+            <a:r>
+              <a:rPr lang="en-US" sz="2400" dirty="0"/>
+              <a:t>Vision Transformer</a:t>
             </a:r>
           </a:p>
         </p:txBody>
@@ -23226,7 +25092,7 @@
 </p:sld>
 </file>
 
-<file path=ppt/slides/slide8.xml><?xml version="1.0" encoding="utf-8"?>
+<file path=ppt/slides/slide9.xml><?xml version="1.0" encoding="utf-8"?>
 <p:sld xmlns:a="http://schemas.openxmlformats.org/drawingml/2006/main" xmlns:r="http://schemas.openxmlformats.org/officeDocument/2006/relationships" xmlns:p="http://schemas.openxmlformats.org/presentationml/2006/main">
   <p:cSld>
     <p:spTree>
@@ -23640,939 +25506,6 @@
     <p:extLst>
       <p:ext uri="{BB962C8B-B14F-4D97-AF65-F5344CB8AC3E}">
         <p14:creationId xmlns:p14="http://schemas.microsoft.com/office/powerpoint/2010/main" val="1592508389"/>
-      </p:ext>
-    </p:extLst>
-  </p:cSld>
-  <p:clrMapOvr>
-    <a:masterClrMapping/>
-  </p:clrMapOvr>
-</p:sld>
-</file>
-
-<file path=ppt/slides/slide9.xml><?xml version="1.0" encoding="utf-8"?>
-<p:sld xmlns:a="http://schemas.openxmlformats.org/drawingml/2006/main" xmlns:r="http://schemas.openxmlformats.org/officeDocument/2006/relationships" xmlns:p="http://schemas.openxmlformats.org/presentationml/2006/main">
-  <p:cSld>
-    <p:spTree>
-      <p:nvGrpSpPr>
-        <p:cNvPr id="1" name=""/>
-        <p:cNvGrpSpPr/>
-        <p:nvPr/>
-      </p:nvGrpSpPr>
-      <p:grpSpPr>
-        <a:xfrm>
-          <a:off x="0" y="0"/>
-          <a:ext cx="0" cy="0"/>
-          <a:chOff x="0" y="0"/>
-          <a:chExt cx="0" cy="0"/>
-        </a:xfrm>
-      </p:grpSpPr>
-      <p:sp>
-        <p:nvSpPr>
-          <p:cNvPr id="2" name="TextBox 1">
-            <a:extLst>
-              <a:ext uri="{FF2B5EF4-FFF2-40B4-BE49-F238E27FC236}">
-                <a16:creationId xmlns:a16="http://schemas.microsoft.com/office/drawing/2014/main" id="{D7B699E5-6A91-D5D4-A6B0-C71C42589BC8}"/>
-              </a:ext>
-            </a:extLst>
-          </p:cNvPr>
-          <p:cNvSpPr txBox="1"/>
-          <p:nvPr/>
-        </p:nvSpPr>
-        <p:spPr>
-          <a:xfrm>
-            <a:off x="140127" y="221836"/>
-            <a:ext cx="3535199" cy="461665"/>
-          </a:xfrm>
-          <a:prstGeom prst="rect">
-            <a:avLst/>
-          </a:prstGeom>
-          <a:noFill/>
-        </p:spPr>
-        <p:txBody>
-          <a:bodyPr wrap="none" rtlCol="0">
-            <a:spAutoFit/>
-          </a:bodyPr>
-          <a:lstStyle/>
-          <a:p>
-            <a:r>
-              <a:rPr lang="en-US" sz="2400" dirty="0"/>
-              <a:t>Results:  Dataset Clean-1</a:t>
-            </a:r>
-          </a:p>
-        </p:txBody>
-      </p:sp>
-      <p:graphicFrame>
-        <p:nvGraphicFramePr>
-          <p:cNvPr id="3" name="Table 2">
-            <a:extLst>
-              <a:ext uri="{FF2B5EF4-FFF2-40B4-BE49-F238E27FC236}">
-                <a16:creationId xmlns:a16="http://schemas.microsoft.com/office/drawing/2014/main" id="{06968A34-6E02-9A89-9D28-711A65FA6A49}"/>
-              </a:ext>
-            </a:extLst>
-          </p:cNvPr>
-          <p:cNvGraphicFramePr>
-            <a:graphicFrameLocks noGrp="1"/>
-          </p:cNvGraphicFramePr>
-          <p:nvPr>
-            <p:extLst>
-              <p:ext uri="{D42A27DB-BD31-4B8C-83A1-F6EECF244321}">
-                <p14:modId xmlns:p14="http://schemas.microsoft.com/office/powerpoint/2010/main" val="1561107242"/>
-              </p:ext>
-            </p:extLst>
-          </p:nvPr>
-        </p:nvGraphicFramePr>
-        <p:xfrm>
-          <a:off x="1155168" y="1019273"/>
-          <a:ext cx="8556704" cy="4179063"/>
-        </p:xfrm>
-        <a:graphic>
-          <a:graphicData uri="http://schemas.openxmlformats.org/drawingml/2006/table">
-            <a:tbl>
-              <a:tblPr firstRow="1" bandRow="1">
-                <a:tableStyleId>{5C22544A-7EE6-4342-B048-85BDC9FD1C3A}</a:tableStyleId>
-              </a:tblPr>
-              <a:tblGrid>
-                <a:gridCol w="1552639">
-                  <a:extLst>
-                    <a:ext uri="{9D8B030D-6E8A-4147-A177-3AD203B41FA5}">
-                      <a16:colId xmlns:a16="http://schemas.microsoft.com/office/drawing/2014/main" val="1065848917"/>
-                    </a:ext>
-                  </a:extLst>
-                </a:gridCol>
-                <a:gridCol w="1355182">
-                  <a:extLst>
-                    <a:ext uri="{9D8B030D-6E8A-4147-A177-3AD203B41FA5}">
-                      <a16:colId xmlns:a16="http://schemas.microsoft.com/office/drawing/2014/main" val="873310604"/>
-                    </a:ext>
-                  </a:extLst>
-                </a:gridCol>
-                <a:gridCol w="1445547">
-                  <a:extLst>
-                    <a:ext uri="{9D8B030D-6E8A-4147-A177-3AD203B41FA5}">
-                      <a16:colId xmlns:a16="http://schemas.microsoft.com/office/drawing/2014/main" val="3981708244"/>
-                    </a:ext>
-                  </a:extLst>
-                </a:gridCol>
-                <a:gridCol w="1070391">
-                  <a:extLst>
-                    <a:ext uri="{9D8B030D-6E8A-4147-A177-3AD203B41FA5}">
-                      <a16:colId xmlns:a16="http://schemas.microsoft.com/office/drawing/2014/main" val="1135465181"/>
-                    </a:ext>
-                  </a:extLst>
-                </a:gridCol>
-                <a:gridCol w="1232916">
-                  <a:extLst>
-                    <a:ext uri="{9D8B030D-6E8A-4147-A177-3AD203B41FA5}">
-                      <a16:colId xmlns:a16="http://schemas.microsoft.com/office/drawing/2014/main" val="784973340"/>
-                    </a:ext>
-                  </a:extLst>
-                </a:gridCol>
-                <a:gridCol w="1900029">
-                  <a:extLst>
-                    <a:ext uri="{9D8B030D-6E8A-4147-A177-3AD203B41FA5}">
-                      <a16:colId xmlns:a16="http://schemas.microsoft.com/office/drawing/2014/main" val="2256753199"/>
-                    </a:ext>
-                  </a:extLst>
-                </a:gridCol>
-              </a:tblGrid>
-              <a:tr h="505569">
-                <a:tc>
-                  <a:txBody>
-                    <a:bodyPr/>
-                    <a:lstStyle/>
-                    <a:p>
-                      <a:pPr algn="ctr"/>
-                      <a:r>
-                        <a:rPr lang="en-US" dirty="0"/>
-                        <a:t>Model</a:t>
-                      </a:r>
-                    </a:p>
-                  </a:txBody>
-                  <a:tcPr anchor="ctr"/>
-                </a:tc>
-                <a:tc>
-                  <a:txBody>
-                    <a:bodyPr/>
-                    <a:lstStyle/>
-                    <a:p>
-                      <a:pPr algn="ctr"/>
-                      <a:r>
-                        <a:rPr lang="en-US" dirty="0"/>
-                        <a:t>Train Loss</a:t>
-                      </a:r>
-                    </a:p>
-                  </a:txBody>
-                  <a:tcPr anchor="ctr"/>
-                </a:tc>
-                <a:tc>
-                  <a:txBody>
-                    <a:bodyPr/>
-                    <a:lstStyle/>
-                    <a:p>
-                      <a:pPr algn="ctr"/>
-                      <a:r>
-                        <a:rPr lang="en-US" dirty="0"/>
-                        <a:t>Valid. Loss</a:t>
-                      </a:r>
-                    </a:p>
-                  </a:txBody>
-                  <a:tcPr anchor="ctr"/>
-                </a:tc>
-                <a:tc>
-                  <a:txBody>
-                    <a:bodyPr/>
-                    <a:lstStyle/>
-                    <a:p>
-                      <a:pPr algn="ctr"/>
-                      <a:r>
-                        <a:rPr lang="en-US" dirty="0"/>
-                        <a:t>Epochs</a:t>
-                      </a:r>
-                    </a:p>
-                  </a:txBody>
-                  <a:tcPr anchor="ctr"/>
-                </a:tc>
-                <a:tc>
-                  <a:txBody>
-                    <a:bodyPr/>
-                    <a:lstStyle/>
-                    <a:p>
-                      <a:pPr algn="ctr"/>
-                      <a:r>
-                        <a:rPr lang="en-US" dirty="0"/>
-                        <a:t>RMSD </a:t>
-                      </a:r>
-                    </a:p>
-                    <a:p>
-                      <a:pPr algn="ctr"/>
-                      <a:r>
-                        <a:rPr lang="en-US" dirty="0"/>
-                        <a:t>(valid set)</a:t>
-                      </a:r>
-                    </a:p>
-                  </a:txBody>
-                  <a:tcPr anchor="ctr"/>
-                </a:tc>
-                <a:tc>
-                  <a:txBody>
-                    <a:bodyPr/>
-                    <a:lstStyle/>
-                    <a:p>
-                      <a:pPr algn="ctr"/>
-                      <a:r>
-                        <a:rPr lang="en-US" dirty="0"/>
-                        <a:t>Comment</a:t>
-                      </a:r>
-                    </a:p>
-                  </a:txBody>
-                  <a:tcPr anchor="ctr"/>
-                </a:tc>
-                <a:extLst>
-                  <a:ext uri="{0D108BD9-81ED-4DB2-BD59-A6C34878D82A}">
-                    <a16:rowId xmlns:a16="http://schemas.microsoft.com/office/drawing/2014/main" val="1617347897"/>
-                  </a:ext>
-                </a:extLst>
-              </a:tr>
-              <a:tr h="505569">
-                <a:tc>
-                  <a:txBody>
-                    <a:bodyPr/>
-                    <a:lstStyle/>
-                    <a:p>
-                      <a:r>
-                        <a:rPr lang="en-US" dirty="0"/>
-                        <a:t>MLP</a:t>
-                      </a:r>
-                    </a:p>
-                  </a:txBody>
-                  <a:tcPr anchor="ctr"/>
-                </a:tc>
-                <a:tc>
-                  <a:txBody>
-                    <a:bodyPr/>
-                    <a:lstStyle/>
-                    <a:p>
-                      <a:pPr algn="ctr"/>
-                      <a:r>
-                        <a:rPr lang="en-US" dirty="0"/>
-                        <a:t>0.23</a:t>
-                      </a:r>
-                    </a:p>
-                  </a:txBody>
-                  <a:tcPr anchor="ctr"/>
-                </a:tc>
-                <a:tc>
-                  <a:txBody>
-                    <a:bodyPr/>
-                    <a:lstStyle/>
-                    <a:p>
-                      <a:pPr algn="ctr"/>
-                      <a:r>
-                        <a:rPr lang="en-US" dirty="0"/>
-                        <a:t>0.31</a:t>
-                      </a:r>
-                    </a:p>
-                  </a:txBody>
-                  <a:tcPr anchor="ctr"/>
-                </a:tc>
-                <a:tc>
-                  <a:txBody>
-                    <a:bodyPr/>
-                    <a:lstStyle/>
-                    <a:p>
-                      <a:pPr algn="ctr"/>
-                      <a:r>
-                        <a:rPr lang="en-US" dirty="0"/>
-                        <a:t>10K</a:t>
-                      </a:r>
-                    </a:p>
-                  </a:txBody>
-                  <a:tcPr anchor="ctr"/>
-                </a:tc>
-                <a:tc>
-                  <a:txBody>
-                    <a:bodyPr/>
-                    <a:lstStyle/>
-                    <a:p>
-                      <a:pPr algn="ctr"/>
-                      <a:r>
-                        <a:rPr lang="en-US" dirty="0"/>
-                        <a:t>1.08</a:t>
-                      </a:r>
-                    </a:p>
-                  </a:txBody>
-                  <a:tcPr anchor="ctr"/>
-                </a:tc>
-                <a:tc>
-                  <a:txBody>
-                    <a:bodyPr/>
-                    <a:lstStyle/>
-                    <a:p>
-                      <a:pPr algn="ctr"/>
-                      <a:endParaRPr lang="en-US" dirty="0"/>
-                    </a:p>
-                  </a:txBody>
-                  <a:tcPr anchor="ctr"/>
-                </a:tc>
-                <a:extLst>
-                  <a:ext uri="{0D108BD9-81ED-4DB2-BD59-A6C34878D82A}">
-                    <a16:rowId xmlns:a16="http://schemas.microsoft.com/office/drawing/2014/main" val="282036224"/>
-                  </a:ext>
-                </a:extLst>
-              </a:tr>
-              <a:tr h="505569">
-                <a:tc>
-                  <a:txBody>
-                    <a:bodyPr/>
-                    <a:lstStyle/>
-                    <a:p>
-                      <a:r>
-                        <a:rPr lang="en-US" dirty="0"/>
-                        <a:t>dense MLP</a:t>
-                      </a:r>
-                    </a:p>
-                  </a:txBody>
-                  <a:tcPr anchor="ctr"/>
-                </a:tc>
-                <a:tc>
-                  <a:txBody>
-                    <a:bodyPr/>
-                    <a:lstStyle/>
-                    <a:p>
-                      <a:pPr algn="ctr"/>
-                      <a:r>
-                        <a:rPr lang="en-US" dirty="0"/>
-                        <a:t>0.20</a:t>
-                      </a:r>
-                    </a:p>
-                  </a:txBody>
-                  <a:tcPr anchor="ctr"/>
-                </a:tc>
-                <a:tc>
-                  <a:txBody>
-                    <a:bodyPr/>
-                    <a:lstStyle/>
-                    <a:p>
-                      <a:pPr algn="ctr"/>
-                      <a:r>
-                        <a:rPr lang="en-US" dirty="0"/>
-                        <a:t>0.29</a:t>
-                      </a:r>
-                    </a:p>
-                  </a:txBody>
-                  <a:tcPr anchor="ctr"/>
-                </a:tc>
-                <a:tc>
-                  <a:txBody>
-                    <a:bodyPr/>
-                    <a:lstStyle/>
-                    <a:p>
-                      <a:pPr algn="ctr"/>
-                      <a:r>
-                        <a:rPr lang="en-US" dirty="0"/>
-                        <a:t>10K</a:t>
-                      </a:r>
-                    </a:p>
-                  </a:txBody>
-                  <a:tcPr anchor="ctr"/>
-                </a:tc>
-                <a:tc>
-                  <a:txBody>
-                    <a:bodyPr/>
-                    <a:lstStyle/>
-                    <a:p>
-                      <a:pPr algn="ctr"/>
-                      <a:r>
-                        <a:rPr lang="en-US" dirty="0"/>
-                        <a:t>1.06</a:t>
-                      </a:r>
-                    </a:p>
-                  </a:txBody>
-                  <a:tcPr anchor="ctr"/>
-                </a:tc>
-                <a:tc>
-                  <a:txBody>
-                    <a:bodyPr/>
-                    <a:lstStyle/>
-                    <a:p>
-                      <a:pPr algn="ctr"/>
-                      <a:endParaRPr lang="en-US" dirty="0"/>
-                    </a:p>
-                  </a:txBody>
-                  <a:tcPr anchor="ctr"/>
-                </a:tc>
-                <a:extLst>
-                  <a:ext uri="{0D108BD9-81ED-4DB2-BD59-A6C34878D82A}">
-                    <a16:rowId xmlns:a16="http://schemas.microsoft.com/office/drawing/2014/main" val="3862729885"/>
-                  </a:ext>
-                </a:extLst>
-              </a:tr>
-              <a:tr h="505569">
-                <a:tc>
-                  <a:txBody>
-                    <a:bodyPr/>
-                    <a:lstStyle/>
-                    <a:p>
-                      <a:r>
-                        <a:rPr lang="en-US" dirty="0"/>
-                        <a:t>residual MLP</a:t>
-                      </a:r>
-                    </a:p>
-                  </a:txBody>
-                  <a:tcPr anchor="ctr"/>
-                </a:tc>
-                <a:tc>
-                  <a:txBody>
-                    <a:bodyPr/>
-                    <a:lstStyle/>
-                    <a:p>
-                      <a:pPr algn="ctr"/>
-                      <a:r>
-                        <a:rPr lang="en-US" dirty="0"/>
-                        <a:t>0.24</a:t>
-                      </a:r>
-                    </a:p>
-                  </a:txBody>
-                  <a:tcPr anchor="ctr"/>
-                </a:tc>
-                <a:tc>
-                  <a:txBody>
-                    <a:bodyPr/>
-                    <a:lstStyle/>
-                    <a:p>
-                      <a:pPr algn="ctr"/>
-                      <a:r>
-                        <a:rPr lang="en-US" dirty="0"/>
-                        <a:t>0.30</a:t>
-                      </a:r>
-                    </a:p>
-                  </a:txBody>
-                  <a:tcPr anchor="ctr"/>
-                </a:tc>
-                <a:tc>
-                  <a:txBody>
-                    <a:bodyPr/>
-                    <a:lstStyle/>
-                    <a:p>
-                      <a:pPr algn="ctr"/>
-                      <a:r>
-                        <a:rPr lang="en-US" dirty="0"/>
-                        <a:t>10K</a:t>
-                      </a:r>
-                    </a:p>
-                  </a:txBody>
-                  <a:tcPr anchor="ctr"/>
-                </a:tc>
-                <a:tc>
-                  <a:txBody>
-                    <a:bodyPr/>
-                    <a:lstStyle/>
-                    <a:p>
-                      <a:pPr algn="ctr"/>
-                      <a:r>
-                        <a:rPr lang="en-US" dirty="0"/>
-                        <a:t>1.05</a:t>
-                      </a:r>
-                    </a:p>
-                  </a:txBody>
-                  <a:tcPr anchor="ctr"/>
-                </a:tc>
-                <a:tc>
-                  <a:txBody>
-                    <a:bodyPr/>
-                    <a:lstStyle/>
-                    <a:p>
-                      <a:pPr algn="ctr"/>
-                      <a:endParaRPr lang="en-US" dirty="0"/>
-                    </a:p>
-                  </a:txBody>
-                  <a:tcPr anchor="ctr"/>
-                </a:tc>
-                <a:extLst>
-                  <a:ext uri="{0D108BD9-81ED-4DB2-BD59-A6C34878D82A}">
-                    <a16:rowId xmlns:a16="http://schemas.microsoft.com/office/drawing/2014/main" val="3248717932"/>
-                  </a:ext>
-                </a:extLst>
-              </a:tr>
-              <a:tr h="505569">
-                <a:tc>
-                  <a:txBody>
-                    <a:bodyPr/>
-                    <a:lstStyle/>
-                    <a:p>
-                      <a:r>
-                        <a:rPr lang="en-US" dirty="0"/>
-                        <a:t>VIT</a:t>
-                      </a:r>
-                    </a:p>
-                  </a:txBody>
-                  <a:tcPr anchor="ctr"/>
-                </a:tc>
-                <a:tc>
-                  <a:txBody>
-                    <a:bodyPr/>
-                    <a:lstStyle/>
-                    <a:p>
-                      <a:pPr algn="ctr"/>
-                      <a:r>
-                        <a:rPr lang="en-US" dirty="0"/>
-                        <a:t>0.28</a:t>
-                      </a:r>
-                    </a:p>
-                  </a:txBody>
-                  <a:tcPr anchor="ctr"/>
-                </a:tc>
-                <a:tc>
-                  <a:txBody>
-                    <a:bodyPr/>
-                    <a:lstStyle/>
-                    <a:p>
-                      <a:pPr algn="ctr"/>
-                      <a:r>
-                        <a:rPr lang="en-US" dirty="0"/>
-                        <a:t>0.34</a:t>
-                      </a:r>
-                    </a:p>
-                  </a:txBody>
-                  <a:tcPr anchor="ctr"/>
-                </a:tc>
-                <a:tc>
-                  <a:txBody>
-                    <a:bodyPr/>
-                    <a:lstStyle/>
-                    <a:p>
-                      <a:pPr algn="ctr"/>
-                      <a:r>
-                        <a:rPr lang="en-US" dirty="0"/>
-                        <a:t>1250</a:t>
-                      </a:r>
-                    </a:p>
-                  </a:txBody>
-                  <a:tcPr anchor="ctr"/>
-                </a:tc>
-                <a:tc>
-                  <a:txBody>
-                    <a:bodyPr/>
-                    <a:lstStyle/>
-                    <a:p>
-                      <a:pPr algn="ctr"/>
-                      <a:r>
-                        <a:rPr lang="en-US" dirty="0"/>
-                        <a:t>1.02</a:t>
-                      </a:r>
-                    </a:p>
-                  </a:txBody>
-                  <a:tcPr anchor="ctr"/>
-                </a:tc>
-                <a:tc>
-                  <a:txBody>
-                    <a:bodyPr/>
-                    <a:lstStyle/>
-                    <a:p>
-                      <a:pPr algn="ctr"/>
-                      <a:endParaRPr lang="en-US" dirty="0"/>
-                    </a:p>
-                  </a:txBody>
-                  <a:tcPr anchor="ctr"/>
-                </a:tc>
-                <a:extLst>
-                  <a:ext uri="{0D108BD9-81ED-4DB2-BD59-A6C34878D82A}">
-                    <a16:rowId xmlns:a16="http://schemas.microsoft.com/office/drawing/2014/main" val="1232718432"/>
-                  </a:ext>
-                </a:extLst>
-              </a:tr>
-              <a:tr h="505569">
-                <a:tc>
-                  <a:txBody>
-                    <a:bodyPr/>
-                    <a:lstStyle/>
-                    <a:p>
-                      <a:r>
-                        <a:rPr lang="en-US" dirty="0"/>
-                        <a:t>BERT (naive) </a:t>
-                      </a:r>
-                      <a:r>
-                        <a:rPr lang="en-US" baseline="30000" dirty="0"/>
-                        <a:t>1</a:t>
-                      </a:r>
-                    </a:p>
-                  </a:txBody>
-                  <a:tcPr anchor="ctr"/>
-                </a:tc>
-                <a:tc>
-                  <a:txBody>
-                    <a:bodyPr/>
-                    <a:lstStyle/>
-                    <a:p>
-                      <a:pPr algn="ctr"/>
-                      <a:r>
-                        <a:rPr lang="en-US" dirty="0"/>
-                        <a:t>0.03</a:t>
-                      </a:r>
-                    </a:p>
-                  </a:txBody>
-                  <a:tcPr anchor="ctr"/>
-                </a:tc>
-                <a:tc>
-                  <a:txBody>
-                    <a:bodyPr/>
-                    <a:lstStyle/>
-                    <a:p>
-                      <a:pPr algn="ctr"/>
-                      <a:r>
-                        <a:rPr lang="en-US" dirty="0"/>
-                        <a:t>0.27</a:t>
-                      </a:r>
-                    </a:p>
-                  </a:txBody>
-                  <a:tcPr anchor="ctr"/>
-                </a:tc>
-                <a:tc>
-                  <a:txBody>
-                    <a:bodyPr/>
-                    <a:lstStyle/>
-                    <a:p>
-                      <a:pPr algn="ctr"/>
-                      <a:r>
-                        <a:rPr lang="en-US" dirty="0"/>
-                        <a:t>1000</a:t>
-                      </a:r>
-                    </a:p>
-                  </a:txBody>
-                  <a:tcPr anchor="ctr"/>
-                </a:tc>
-                <a:tc>
-                  <a:txBody>
-                    <a:bodyPr/>
-                    <a:lstStyle/>
-                    <a:p>
-                      <a:pPr algn="ctr"/>
-                      <a:endParaRPr lang="en-US" dirty="0"/>
-                    </a:p>
-                  </a:txBody>
-                  <a:tcPr anchor="ctr"/>
-                </a:tc>
-                <a:tc>
-                  <a:txBody>
-                    <a:bodyPr/>
-                    <a:lstStyle/>
-                    <a:p>
-                      <a:pPr algn="ctr"/>
-                      <a:r>
-                        <a:rPr lang="en-US" dirty="0"/>
-                        <a:t>strong overfitting</a:t>
-                      </a:r>
-                    </a:p>
-                  </a:txBody>
-                  <a:tcPr anchor="ctr"/>
-                </a:tc>
-                <a:extLst>
-                  <a:ext uri="{0D108BD9-81ED-4DB2-BD59-A6C34878D82A}">
-                    <a16:rowId xmlns:a16="http://schemas.microsoft.com/office/drawing/2014/main" val="461321389"/>
-                  </a:ext>
-                </a:extLst>
-              </a:tr>
-              <a:tr h="505569">
-                <a:tc rowSpan="2">
-                  <a:txBody>
-                    <a:bodyPr/>
-                    <a:lstStyle/>
-                    <a:p>
-                      <a:r>
-                        <a:rPr lang="en-US" dirty="0"/>
-                        <a:t>BERT (full) </a:t>
-                      </a:r>
-                      <a:r>
-                        <a:rPr lang="en-US" baseline="30000" dirty="0"/>
-                        <a:t>2</a:t>
-                      </a:r>
-                    </a:p>
-                  </a:txBody>
-                  <a:tcPr anchor="ctr"/>
-                </a:tc>
-                <a:tc>
-                  <a:txBody>
-                    <a:bodyPr/>
-                    <a:lstStyle/>
-                    <a:p>
-                      <a:pPr algn="ctr"/>
-                      <a:r>
-                        <a:rPr lang="en-US" dirty="0"/>
-                        <a:t>0.34</a:t>
-                      </a:r>
-                    </a:p>
-                  </a:txBody>
-                  <a:tcPr anchor="ctr"/>
-                </a:tc>
-                <a:tc>
-                  <a:txBody>
-                    <a:bodyPr/>
-                    <a:lstStyle/>
-                    <a:p>
-                      <a:pPr algn="ctr"/>
-                      <a:r>
-                        <a:rPr lang="en-US" dirty="0"/>
-                        <a:t>0.33</a:t>
-                      </a:r>
-                    </a:p>
-                  </a:txBody>
-                  <a:tcPr anchor="ctr"/>
-                </a:tc>
-                <a:tc>
-                  <a:txBody>
-                    <a:bodyPr/>
-                    <a:lstStyle/>
-                    <a:p>
-                      <a:pPr algn="ctr"/>
-                      <a:r>
-                        <a:rPr lang="en-US" dirty="0"/>
-                        <a:t>10 </a:t>
-                      </a:r>
-                      <a:r>
-                        <a:rPr lang="en-US" baseline="30000" dirty="0"/>
-                        <a:t>3</a:t>
-                      </a:r>
-                    </a:p>
-                  </a:txBody>
-                  <a:tcPr anchor="ctr"/>
-                </a:tc>
-                <a:tc>
-                  <a:txBody>
-                    <a:bodyPr/>
-                    <a:lstStyle/>
-                    <a:p>
-                      <a:pPr algn="ctr"/>
-                      <a:r>
-                        <a:rPr lang="en-US" dirty="0" err="1"/>
-                        <a:t>na</a:t>
-                      </a:r>
-                      <a:endParaRPr lang="en-US" dirty="0"/>
-                    </a:p>
-                  </a:txBody>
-                  <a:tcPr anchor="ctr"/>
-                </a:tc>
-                <a:tc>
-                  <a:txBody>
-                    <a:bodyPr/>
-                    <a:lstStyle/>
-                    <a:p>
-                      <a:pPr algn="ctr"/>
-                      <a:r>
-                        <a:rPr lang="en-US" dirty="0"/>
-                        <a:t>pre-train</a:t>
-                      </a:r>
-                    </a:p>
-                  </a:txBody>
-                  <a:tcPr anchor="ctr"/>
-                </a:tc>
-                <a:extLst>
-                  <a:ext uri="{0D108BD9-81ED-4DB2-BD59-A6C34878D82A}">
-                    <a16:rowId xmlns:a16="http://schemas.microsoft.com/office/drawing/2014/main" val="4051566852"/>
-                  </a:ext>
-                </a:extLst>
-              </a:tr>
-              <a:tr h="505569">
-                <a:tc vMerge="1">
-                  <a:txBody>
-                    <a:bodyPr/>
-                    <a:lstStyle/>
-                    <a:p>
-                      <a:endParaRPr lang="en-US" baseline="30000" dirty="0"/>
-                    </a:p>
-                  </a:txBody>
-                  <a:tcPr/>
-                </a:tc>
-                <a:tc>
-                  <a:txBody>
-                    <a:bodyPr/>
-                    <a:lstStyle/>
-                    <a:p>
-                      <a:pPr algn="ctr"/>
-                      <a:endParaRPr lang="en-US"/>
-                    </a:p>
-                  </a:txBody>
-                  <a:tcPr anchor="ctr"/>
-                </a:tc>
-                <a:tc>
-                  <a:txBody>
-                    <a:bodyPr/>
-                    <a:lstStyle/>
-                    <a:p>
-                      <a:pPr algn="ctr"/>
-                      <a:endParaRPr lang="en-US"/>
-                    </a:p>
-                  </a:txBody>
-                  <a:tcPr anchor="ctr"/>
-                </a:tc>
-                <a:tc>
-                  <a:txBody>
-                    <a:bodyPr/>
-                    <a:lstStyle/>
-                    <a:p>
-                      <a:pPr algn="ctr"/>
-                      <a:endParaRPr lang="en-US"/>
-                    </a:p>
-                  </a:txBody>
-                  <a:tcPr anchor="ctr"/>
-                </a:tc>
-                <a:tc>
-                  <a:txBody>
-                    <a:bodyPr/>
-                    <a:lstStyle/>
-                    <a:p>
-                      <a:pPr algn="ctr"/>
-                      <a:endParaRPr lang="en-US" dirty="0"/>
-                    </a:p>
-                  </a:txBody>
-                  <a:tcPr anchor="ctr"/>
-                </a:tc>
-                <a:tc>
-                  <a:txBody>
-                    <a:bodyPr/>
-                    <a:lstStyle/>
-                    <a:p>
-                      <a:pPr algn="ctr"/>
-                      <a:r>
-                        <a:rPr lang="en-US" dirty="0"/>
-                        <a:t>fine-tune</a:t>
-                      </a:r>
-                    </a:p>
-                  </a:txBody>
-                  <a:tcPr anchor="ctr"/>
-                </a:tc>
-                <a:extLst>
-                  <a:ext uri="{0D108BD9-81ED-4DB2-BD59-A6C34878D82A}">
-                    <a16:rowId xmlns:a16="http://schemas.microsoft.com/office/drawing/2014/main" val="3788428899"/>
-                  </a:ext>
-                </a:extLst>
-              </a:tr>
-            </a:tbl>
-          </a:graphicData>
-        </a:graphic>
-      </p:graphicFrame>
-      <p:sp>
-        <p:nvSpPr>
-          <p:cNvPr id="4" name="TextBox 3">
-            <a:extLst>
-              <a:ext uri="{FF2B5EF4-FFF2-40B4-BE49-F238E27FC236}">
-                <a16:creationId xmlns:a16="http://schemas.microsoft.com/office/drawing/2014/main" id="{00DD7777-9BF6-823F-4376-3C2BB81EAC9C}"/>
-              </a:ext>
-            </a:extLst>
-          </p:cNvPr>
-          <p:cNvSpPr txBox="1"/>
-          <p:nvPr/>
-        </p:nvSpPr>
-        <p:spPr>
-          <a:xfrm>
-            <a:off x="389614" y="5534108"/>
-            <a:ext cx="8333435" cy="923330"/>
-          </a:xfrm>
-          <a:prstGeom prst="rect">
-            <a:avLst/>
-          </a:prstGeom>
-          <a:noFill/>
-        </p:spPr>
-        <p:txBody>
-          <a:bodyPr wrap="none" rtlCol="0">
-            <a:spAutoFit/>
-          </a:bodyPr>
-          <a:lstStyle/>
-          <a:p>
-            <a:pPr marL="342900" indent="-342900">
-              <a:buAutoNum type="arabicPeriod"/>
-            </a:pPr>
-            <a:r>
-              <a:rPr lang="en-US" dirty="0"/>
-              <a:t>Train the fine-tune BERT model from scratch (no pre-training) on </a:t>
-            </a:r>
-            <a:r>
-              <a:rPr lang="en-US" dirty="0" err="1"/>
-              <a:t>scFV</a:t>
-            </a:r>
-            <a:r>
-              <a:rPr lang="en-US" dirty="0"/>
-              <a:t> train data</a:t>
-            </a:r>
-          </a:p>
-          <a:p>
-            <a:pPr marL="342900" indent="-342900">
-              <a:buAutoNum type="arabicPeriod"/>
-            </a:pPr>
-            <a:r>
-              <a:rPr lang="en-US" dirty="0"/>
-              <a:t>Pre-train BERT on OAS dataset, then fine-tune on </a:t>
-            </a:r>
-            <a:r>
-              <a:rPr lang="en-US" dirty="0" err="1"/>
-              <a:t>scFv</a:t>
-            </a:r>
-            <a:r>
-              <a:rPr lang="en-US" dirty="0"/>
-              <a:t> train data</a:t>
-            </a:r>
-          </a:p>
-          <a:p>
-            <a:pPr marL="342900" indent="-342900">
-              <a:buAutoNum type="arabicPeriod"/>
-            </a:pPr>
-            <a:r>
-              <a:rPr lang="en-US" dirty="0"/>
-              <a:t>OAS dataset is </a:t>
-            </a:r>
-            <a:r>
-              <a:rPr lang="en-US" b="0" dirty="0">
-                <a:effectLst/>
-              </a:rPr>
-              <a:t>18061315 rows.</a:t>
-            </a:r>
-            <a:endParaRPr lang="en-US" dirty="0"/>
-          </a:p>
-        </p:txBody>
-      </p:sp>
-    </p:spTree>
-    <p:extLst>
-      <p:ext uri="{BB962C8B-B14F-4D97-AF65-F5344CB8AC3E}">
-        <p14:creationId xmlns:p14="http://schemas.microsoft.com/office/powerpoint/2010/main" val="127111251"/>
       </p:ext>
     </p:extLst>
   </p:cSld>

--- a/Homework-aAlphaBio.pptx
+++ b/Homework-aAlphaBio.pptx
@@ -13,25 +13,27 @@
     <p:sldId id="333" r:id="rId7"/>
     <p:sldId id="342" r:id="rId8"/>
     <p:sldId id="336" r:id="rId9"/>
-    <p:sldId id="320" r:id="rId10"/>
-    <p:sldId id="334" r:id="rId11"/>
-    <p:sldId id="340" r:id="rId12"/>
-    <p:sldId id="341" r:id="rId13"/>
-    <p:sldId id="257" r:id="rId14"/>
-    <p:sldId id="258" r:id="rId15"/>
-    <p:sldId id="335" r:id="rId16"/>
-    <p:sldId id="337" r:id="rId17"/>
-    <p:sldId id="330" r:id="rId18"/>
-    <p:sldId id="329" r:id="rId19"/>
-    <p:sldId id="331" r:id="rId20"/>
-    <p:sldId id="318" r:id="rId21"/>
-    <p:sldId id="321" r:id="rId22"/>
-    <p:sldId id="259" r:id="rId23"/>
-    <p:sldId id="322" r:id="rId24"/>
-    <p:sldId id="260" r:id="rId25"/>
-    <p:sldId id="324" r:id="rId26"/>
-    <p:sldId id="261" r:id="rId27"/>
-    <p:sldId id="323" r:id="rId28"/>
+    <p:sldId id="344" r:id="rId10"/>
+    <p:sldId id="343" r:id="rId11"/>
+    <p:sldId id="320" r:id="rId12"/>
+    <p:sldId id="334" r:id="rId13"/>
+    <p:sldId id="340" r:id="rId14"/>
+    <p:sldId id="341" r:id="rId15"/>
+    <p:sldId id="257" r:id="rId16"/>
+    <p:sldId id="258" r:id="rId17"/>
+    <p:sldId id="335" r:id="rId18"/>
+    <p:sldId id="337" r:id="rId19"/>
+    <p:sldId id="330" r:id="rId20"/>
+    <p:sldId id="329" r:id="rId21"/>
+    <p:sldId id="331" r:id="rId22"/>
+    <p:sldId id="318" r:id="rId23"/>
+    <p:sldId id="321" r:id="rId24"/>
+    <p:sldId id="259" r:id="rId25"/>
+    <p:sldId id="322" r:id="rId26"/>
+    <p:sldId id="260" r:id="rId27"/>
+    <p:sldId id="324" r:id="rId28"/>
+    <p:sldId id="261" r:id="rId29"/>
+    <p:sldId id="323" r:id="rId30"/>
   </p:sldIdLst>
   <p:sldSz cx="12192000" cy="6858000"/>
   <p:notesSz cx="6858000" cy="9144000"/>
@@ -3436,6 +3438,1522 @@
 </file>
 
 <file path=ppt/slides/slide10.xml><?xml version="1.0" encoding="utf-8"?>
+<p:sld xmlns:a="http://schemas.openxmlformats.org/drawingml/2006/main" xmlns:r="http://schemas.openxmlformats.org/officeDocument/2006/relationships" xmlns:p="http://schemas.openxmlformats.org/presentationml/2006/main">
+  <p:cSld>
+    <p:spTree>
+      <p:nvGrpSpPr>
+        <p:cNvPr id="1" name=""/>
+        <p:cNvGrpSpPr/>
+        <p:nvPr/>
+      </p:nvGrpSpPr>
+      <p:grpSpPr>
+        <a:xfrm>
+          <a:off x="0" y="0"/>
+          <a:ext cx="0" cy="0"/>
+          <a:chOff x="0" y="0"/>
+          <a:chExt cx="0" cy="0"/>
+        </a:xfrm>
+      </p:grpSpPr>
+      <p:sp>
+        <p:nvSpPr>
+          <p:cNvPr id="2" name="TextBox 1">
+            <a:extLst>
+              <a:ext uri="{FF2B5EF4-FFF2-40B4-BE49-F238E27FC236}">
+                <a16:creationId xmlns:a16="http://schemas.microsoft.com/office/drawing/2014/main" id="{F8E231D6-438C-BCE9-2D4A-B65BED30FBD7}"/>
+              </a:ext>
+            </a:extLst>
+          </p:cNvPr>
+          <p:cNvSpPr txBox="1"/>
+          <p:nvPr/>
+        </p:nvSpPr>
+        <p:spPr>
+          <a:xfrm>
+            <a:off x="173866" y="154242"/>
+            <a:ext cx="4369851" cy="461665"/>
+          </a:xfrm>
+          <a:prstGeom prst="rect">
+            <a:avLst/>
+          </a:prstGeom>
+          <a:noFill/>
+        </p:spPr>
+        <p:txBody>
+          <a:bodyPr wrap="none" rtlCol="0">
+            <a:spAutoFit/>
+          </a:bodyPr>
+          <a:lstStyle/>
+          <a:p>
+            <a:r>
+              <a:rPr lang="en-US" sz="2400" dirty="0"/>
+              <a:t>Settings for models and training</a:t>
+            </a:r>
+          </a:p>
+        </p:txBody>
+      </p:sp>
+      <p:grpSp>
+        <p:nvGrpSpPr>
+          <p:cNvPr id="22" name="Group 21">
+            <a:extLst>
+              <a:ext uri="{FF2B5EF4-FFF2-40B4-BE49-F238E27FC236}">
+                <a16:creationId xmlns:a16="http://schemas.microsoft.com/office/drawing/2014/main" id="{BB53754A-358D-9F4B-D58B-3A61F898B3A4}"/>
+              </a:ext>
+            </a:extLst>
+          </p:cNvPr>
+          <p:cNvGrpSpPr/>
+          <p:nvPr/>
+        </p:nvGrpSpPr>
+        <p:grpSpPr>
+          <a:xfrm>
+            <a:off x="681491" y="1052422"/>
+            <a:ext cx="2435923" cy="2941608"/>
+            <a:chOff x="681491" y="1052422"/>
+            <a:chExt cx="2435923" cy="2941608"/>
+          </a:xfrm>
+        </p:grpSpPr>
+        <p:sp>
+          <p:nvSpPr>
+            <p:cNvPr id="13" name="Rectangle 12">
+              <a:extLst>
+                <a:ext uri="{FF2B5EF4-FFF2-40B4-BE49-F238E27FC236}">
+                  <a16:creationId xmlns:a16="http://schemas.microsoft.com/office/drawing/2014/main" id="{FFDC333F-D8D2-B5D5-CDC0-E75EA11236F7}"/>
+                </a:ext>
+              </a:extLst>
+            </p:cNvPr>
+            <p:cNvSpPr/>
+            <p:nvPr/>
+          </p:nvSpPr>
+          <p:spPr>
+            <a:xfrm>
+              <a:off x="681491" y="1052422"/>
+              <a:ext cx="2435923" cy="2941608"/>
+            </a:xfrm>
+            <a:prstGeom prst="rect">
+              <a:avLst/>
+            </a:prstGeom>
+            <a:solidFill>
+              <a:schemeClr val="accent4">
+                <a:alpha val="19958"/>
+              </a:schemeClr>
+            </a:solidFill>
+            <a:ln>
+              <a:solidFill>
+                <a:schemeClr val="tx1"/>
+              </a:solidFill>
+            </a:ln>
+          </p:spPr>
+          <p:style>
+            <a:lnRef idx="2">
+              <a:schemeClr val="accent1">
+                <a:shade val="15000"/>
+              </a:schemeClr>
+            </a:lnRef>
+            <a:fillRef idx="1">
+              <a:schemeClr val="accent1"/>
+            </a:fillRef>
+            <a:effectRef idx="0">
+              <a:schemeClr val="accent1"/>
+            </a:effectRef>
+            <a:fontRef idx="minor">
+              <a:schemeClr val="lt1"/>
+            </a:fontRef>
+          </p:style>
+          <p:txBody>
+            <a:bodyPr rtlCol="0" anchor="ctr"/>
+            <a:lstStyle/>
+            <a:p>
+              <a:pPr algn="ctr"/>
+              <a:endParaRPr lang="en-US"/>
+            </a:p>
+          </p:txBody>
+        </p:sp>
+        <p:sp>
+          <p:nvSpPr>
+            <p:cNvPr id="8" name="TextBox 7">
+              <a:extLst>
+                <a:ext uri="{FF2B5EF4-FFF2-40B4-BE49-F238E27FC236}">
+                  <a16:creationId xmlns:a16="http://schemas.microsoft.com/office/drawing/2014/main" id="{A8AD42C4-3C54-2DA7-EBC4-0680E29331FB}"/>
+                </a:ext>
+              </a:extLst>
+            </p:cNvPr>
+            <p:cNvSpPr txBox="1"/>
+            <p:nvPr/>
+          </p:nvSpPr>
+          <p:spPr>
+            <a:xfrm>
+              <a:off x="1059560" y="1052425"/>
+              <a:ext cx="1531188" cy="369332"/>
+            </a:xfrm>
+            <a:prstGeom prst="rect">
+              <a:avLst/>
+            </a:prstGeom>
+            <a:noFill/>
+          </p:spPr>
+          <p:txBody>
+            <a:bodyPr wrap="none" rtlCol="0">
+              <a:spAutoFit/>
+            </a:bodyPr>
+            <a:lstStyle/>
+            <a:p>
+              <a:r>
+                <a:rPr lang="en-US" dirty="0"/>
+                <a:t>Residual MLP</a:t>
+              </a:r>
+            </a:p>
+          </p:txBody>
+        </p:sp>
+        <p:sp>
+          <p:nvSpPr>
+            <p:cNvPr id="9" name="TextBox 8">
+              <a:extLst>
+                <a:ext uri="{FF2B5EF4-FFF2-40B4-BE49-F238E27FC236}">
+                  <a16:creationId xmlns:a16="http://schemas.microsoft.com/office/drawing/2014/main" id="{9D35129A-ADAA-58D1-D1A6-5D364944A302}"/>
+                </a:ext>
+              </a:extLst>
+            </p:cNvPr>
+            <p:cNvSpPr txBox="1"/>
+            <p:nvPr/>
+          </p:nvSpPr>
+          <p:spPr>
+            <a:xfrm>
+              <a:off x="681491" y="1414740"/>
+              <a:ext cx="2435923" cy="830997"/>
+            </a:xfrm>
+            <a:prstGeom prst="rect">
+              <a:avLst/>
+            </a:prstGeom>
+            <a:noFill/>
+          </p:spPr>
+          <p:txBody>
+            <a:bodyPr wrap="none" rtlCol="0">
+              <a:spAutoFit/>
+            </a:bodyPr>
+            <a:lstStyle/>
+            <a:p>
+              <a:pPr marL="285750" indent="-285750">
+                <a:buFont typeface="Arial" panose="020B0604020202020204" pitchFamily="34" charset="0"/>
+                <a:buChar char="•"/>
+              </a:pPr>
+              <a:r>
+                <a:rPr lang="en-US" sz="1600" dirty="0"/>
+                <a:t>8 layers</a:t>
+              </a:r>
+            </a:p>
+            <a:p>
+              <a:pPr marL="285750" indent="-285750">
+                <a:buFont typeface="Arial" panose="020B0604020202020204" pitchFamily="34" charset="0"/>
+                <a:buChar char="•"/>
+              </a:pPr>
+              <a:r>
+                <a:rPr lang="en-US" sz="1600" dirty="0"/>
+                <a:t>input/output size : 248</a:t>
+              </a:r>
+            </a:p>
+            <a:p>
+              <a:pPr marL="285750" indent="-285750">
+                <a:buFont typeface="Arial" panose="020B0604020202020204" pitchFamily="34" charset="0"/>
+                <a:buChar char="•"/>
+              </a:pPr>
+              <a:r>
+                <a:rPr lang="en-US" sz="1600" dirty="0"/>
+                <a:t>dropout : 0.2</a:t>
+              </a:r>
+            </a:p>
+          </p:txBody>
+        </p:sp>
+      </p:grpSp>
+      <p:grpSp>
+        <p:nvGrpSpPr>
+          <p:cNvPr id="23" name="Group 22">
+            <a:extLst>
+              <a:ext uri="{FF2B5EF4-FFF2-40B4-BE49-F238E27FC236}">
+                <a16:creationId xmlns:a16="http://schemas.microsoft.com/office/drawing/2014/main" id="{0C3ECD85-051C-8EAD-5345-2A59D923A7E6}"/>
+              </a:ext>
+            </a:extLst>
+          </p:cNvPr>
+          <p:cNvGrpSpPr/>
+          <p:nvPr/>
+        </p:nvGrpSpPr>
+        <p:grpSpPr>
+          <a:xfrm>
+            <a:off x="3219842" y="1052422"/>
+            <a:ext cx="2524089" cy="2941608"/>
+            <a:chOff x="3219842" y="1052422"/>
+            <a:chExt cx="2524089" cy="2941608"/>
+          </a:xfrm>
+        </p:grpSpPr>
+        <p:sp>
+          <p:nvSpPr>
+            <p:cNvPr id="14" name="Rectangle 13">
+              <a:extLst>
+                <a:ext uri="{FF2B5EF4-FFF2-40B4-BE49-F238E27FC236}">
+                  <a16:creationId xmlns:a16="http://schemas.microsoft.com/office/drawing/2014/main" id="{74E03991-1C61-E3BE-0D5A-658BAA9108B0}"/>
+                </a:ext>
+              </a:extLst>
+            </p:cNvPr>
+            <p:cNvSpPr/>
+            <p:nvPr/>
+          </p:nvSpPr>
+          <p:spPr>
+            <a:xfrm>
+              <a:off x="3227451" y="1052422"/>
+              <a:ext cx="2435923" cy="2941608"/>
+            </a:xfrm>
+            <a:prstGeom prst="rect">
+              <a:avLst/>
+            </a:prstGeom>
+            <a:solidFill>
+              <a:schemeClr val="accent4">
+                <a:alpha val="19958"/>
+              </a:schemeClr>
+            </a:solidFill>
+            <a:ln>
+              <a:solidFill>
+                <a:schemeClr val="tx1"/>
+              </a:solidFill>
+            </a:ln>
+          </p:spPr>
+          <p:style>
+            <a:lnRef idx="2">
+              <a:schemeClr val="accent1">
+                <a:shade val="15000"/>
+              </a:schemeClr>
+            </a:lnRef>
+            <a:fillRef idx="1">
+              <a:schemeClr val="accent1"/>
+            </a:fillRef>
+            <a:effectRef idx="0">
+              <a:schemeClr val="accent1"/>
+            </a:effectRef>
+            <a:fontRef idx="minor">
+              <a:schemeClr val="lt1"/>
+            </a:fontRef>
+          </p:style>
+          <p:txBody>
+            <a:bodyPr rtlCol="0" anchor="ctr"/>
+            <a:lstStyle/>
+            <a:p>
+              <a:pPr algn="ctr"/>
+              <a:endParaRPr lang="en-US"/>
+            </a:p>
+          </p:txBody>
+        </p:sp>
+        <p:sp>
+          <p:nvSpPr>
+            <p:cNvPr id="4" name="TextBox 3">
+              <a:extLst>
+                <a:ext uri="{FF2B5EF4-FFF2-40B4-BE49-F238E27FC236}">
+                  <a16:creationId xmlns:a16="http://schemas.microsoft.com/office/drawing/2014/main" id="{865FD086-6A13-F70D-8E9B-4C8B87747B22}"/>
+                </a:ext>
+              </a:extLst>
+            </p:cNvPr>
+            <p:cNvSpPr txBox="1"/>
+            <p:nvPr/>
+          </p:nvSpPr>
+          <p:spPr>
+            <a:xfrm>
+              <a:off x="3219842" y="1052425"/>
+              <a:ext cx="2524089" cy="369332"/>
+            </a:xfrm>
+            <a:prstGeom prst="rect">
+              <a:avLst/>
+            </a:prstGeom>
+            <a:noFill/>
+          </p:spPr>
+          <p:txBody>
+            <a:bodyPr wrap="none" rtlCol="0">
+              <a:spAutoFit/>
+            </a:bodyPr>
+            <a:lstStyle/>
+            <a:p>
+              <a:r>
+                <a:rPr lang="en-US" dirty="0"/>
+                <a:t>Vision Transformer (VIT)</a:t>
+              </a:r>
+            </a:p>
+          </p:txBody>
+        </p:sp>
+        <p:sp>
+          <p:nvSpPr>
+            <p:cNvPr id="10" name="TextBox 9">
+              <a:extLst>
+                <a:ext uri="{FF2B5EF4-FFF2-40B4-BE49-F238E27FC236}">
+                  <a16:creationId xmlns:a16="http://schemas.microsoft.com/office/drawing/2014/main" id="{5858CE13-6B26-2D98-C03E-DBF7332C0E72}"/>
+                </a:ext>
+              </a:extLst>
+            </p:cNvPr>
+            <p:cNvSpPr txBox="1"/>
+            <p:nvPr/>
+          </p:nvSpPr>
+          <p:spPr>
+            <a:xfrm>
+              <a:off x="3264470" y="1414740"/>
+              <a:ext cx="2258311" cy="2308324"/>
+            </a:xfrm>
+            <a:prstGeom prst="rect">
+              <a:avLst/>
+            </a:prstGeom>
+            <a:noFill/>
+          </p:spPr>
+          <p:txBody>
+            <a:bodyPr wrap="none" rtlCol="0">
+              <a:spAutoFit/>
+            </a:bodyPr>
+            <a:lstStyle/>
+            <a:p>
+              <a:pPr marL="285750" indent="-285750">
+                <a:buFont typeface="Arial" panose="020B0604020202020204" pitchFamily="34" charset="0"/>
+                <a:buChar char="•"/>
+              </a:pPr>
+              <a:r>
+                <a:rPr lang="en-US" sz="1600" dirty="0"/>
+                <a:t>block size: 288</a:t>
+              </a:r>
+            </a:p>
+            <a:p>
+              <a:pPr marL="285750" indent="-285750">
+                <a:buFont typeface="Arial" panose="020B0604020202020204" pitchFamily="34" charset="0"/>
+                <a:buChar char="•"/>
+              </a:pPr>
+              <a:r>
+                <a:rPr lang="en-US" sz="1600" dirty="0" err="1"/>
+                <a:t>img</a:t>
+              </a:r>
+              <a:r>
+                <a:rPr lang="en-US" sz="1600" dirty="0"/>
+                <a:t> size: (1,48,48)</a:t>
+              </a:r>
+            </a:p>
+            <a:p>
+              <a:pPr marL="285750" indent="-285750">
+                <a:buFont typeface="Arial" panose="020B0604020202020204" pitchFamily="34" charset="0"/>
+                <a:buChar char="•"/>
+              </a:pPr>
+              <a:r>
+                <a:rPr lang="en-US" sz="1600" dirty="0" err="1"/>
+                <a:t>emb_dim</a:t>
+              </a:r>
+              <a:r>
+                <a:rPr lang="en-US" sz="1600" dirty="0"/>
+                <a:t>: 128</a:t>
+              </a:r>
+            </a:p>
+            <a:p>
+              <a:pPr marL="285750" indent="-285750">
+                <a:buFont typeface="Arial" panose="020B0604020202020204" pitchFamily="34" charset="0"/>
+                <a:buChar char="•"/>
+              </a:pPr>
+              <a:r>
+                <a:rPr lang="en-US" sz="1600" dirty="0" err="1"/>
+                <a:t>patch_dim</a:t>
+              </a:r>
+              <a:r>
+                <a:rPr lang="en-US" sz="1600" dirty="0"/>
+                <a:t>: 4</a:t>
+              </a:r>
+            </a:p>
+            <a:p>
+              <a:pPr marL="285750" indent="-285750">
+                <a:buFont typeface="Arial" panose="020B0604020202020204" pitchFamily="34" charset="0"/>
+                <a:buChar char="•"/>
+              </a:pPr>
+              <a:r>
+                <a:rPr lang="en-US" sz="1600" dirty="0"/>
+                <a:t>heads: 8</a:t>
+              </a:r>
+            </a:p>
+            <a:p>
+              <a:pPr marL="285750" indent="-285750">
+                <a:buFont typeface="Arial" panose="020B0604020202020204" pitchFamily="34" charset="0"/>
+                <a:buChar char="•"/>
+              </a:pPr>
+              <a:r>
+                <a:rPr lang="en-US" sz="1600" dirty="0"/>
+                <a:t>layers: 6</a:t>
+              </a:r>
+            </a:p>
+            <a:p>
+              <a:pPr marL="285750" indent="-285750">
+                <a:buFont typeface="Arial" panose="020B0604020202020204" pitchFamily="34" charset="0"/>
+                <a:buChar char="•"/>
+              </a:pPr>
+              <a:r>
+                <a:rPr lang="en-US" sz="1600" dirty="0"/>
+                <a:t>vocab size: 25</a:t>
+              </a:r>
+            </a:p>
+            <a:p>
+              <a:pPr marL="285750" indent="-285750">
+                <a:buFont typeface="Arial" panose="020B0604020202020204" pitchFamily="34" charset="0"/>
+                <a:buChar char="•"/>
+              </a:pPr>
+              <a:r>
+                <a:rPr lang="en-US" sz="1600" dirty="0"/>
+                <a:t>dropout </a:t>
+              </a:r>
+              <a:r>
+                <a:rPr lang="en-US" sz="1600" dirty="0" err="1"/>
+                <a:t>mlp</a:t>
+              </a:r>
+              <a:r>
+                <a:rPr lang="en-US" sz="1600" dirty="0"/>
+                <a:t>: 0.3</a:t>
+              </a:r>
+            </a:p>
+            <a:p>
+              <a:pPr marL="285750" indent="-285750">
+                <a:buFont typeface="Arial" panose="020B0604020202020204" pitchFamily="34" charset="0"/>
+                <a:buChar char="•"/>
+              </a:pPr>
+              <a:r>
+                <a:rPr lang="en-US" sz="1600" dirty="0"/>
+                <a:t>dropout </a:t>
+              </a:r>
+              <a:r>
+                <a:rPr lang="en-US" sz="1600" dirty="0" err="1"/>
+                <a:t>tformer</a:t>
+              </a:r>
+              <a:r>
+                <a:rPr lang="en-US" sz="1600" dirty="0"/>
+                <a:t>: 0.1</a:t>
+              </a:r>
+            </a:p>
+          </p:txBody>
+        </p:sp>
+      </p:grpSp>
+      <p:grpSp>
+        <p:nvGrpSpPr>
+          <p:cNvPr id="24" name="Group 23">
+            <a:extLst>
+              <a:ext uri="{FF2B5EF4-FFF2-40B4-BE49-F238E27FC236}">
+                <a16:creationId xmlns:a16="http://schemas.microsoft.com/office/drawing/2014/main" id="{16549EC4-5C33-A19F-7347-12AA8BDDE2E3}"/>
+              </a:ext>
+            </a:extLst>
+          </p:cNvPr>
+          <p:cNvGrpSpPr/>
+          <p:nvPr/>
+        </p:nvGrpSpPr>
+        <p:grpSpPr>
+          <a:xfrm>
+            <a:off x="5828290" y="1052422"/>
+            <a:ext cx="2435923" cy="3163085"/>
+            <a:chOff x="5828290" y="1052422"/>
+            <a:chExt cx="2435923" cy="3163085"/>
+          </a:xfrm>
+        </p:grpSpPr>
+        <p:sp>
+          <p:nvSpPr>
+            <p:cNvPr id="15" name="Rectangle 14">
+              <a:extLst>
+                <a:ext uri="{FF2B5EF4-FFF2-40B4-BE49-F238E27FC236}">
+                  <a16:creationId xmlns:a16="http://schemas.microsoft.com/office/drawing/2014/main" id="{62BEBBAF-18EA-F3CD-2ECC-EA9E8D4B73D7}"/>
+                </a:ext>
+              </a:extLst>
+            </p:cNvPr>
+            <p:cNvSpPr/>
+            <p:nvPr/>
+          </p:nvSpPr>
+          <p:spPr>
+            <a:xfrm>
+              <a:off x="5828290" y="1052422"/>
+              <a:ext cx="2435923" cy="2941608"/>
+            </a:xfrm>
+            <a:prstGeom prst="rect">
+              <a:avLst/>
+            </a:prstGeom>
+            <a:solidFill>
+              <a:schemeClr val="accent4">
+                <a:alpha val="19958"/>
+              </a:schemeClr>
+            </a:solidFill>
+            <a:ln>
+              <a:solidFill>
+                <a:schemeClr val="tx1"/>
+              </a:solidFill>
+            </a:ln>
+          </p:spPr>
+          <p:style>
+            <a:lnRef idx="2">
+              <a:schemeClr val="accent1">
+                <a:shade val="15000"/>
+              </a:schemeClr>
+            </a:lnRef>
+            <a:fillRef idx="1">
+              <a:schemeClr val="accent1"/>
+            </a:fillRef>
+            <a:effectRef idx="0">
+              <a:schemeClr val="accent1"/>
+            </a:effectRef>
+            <a:fontRef idx="minor">
+              <a:schemeClr val="lt1"/>
+            </a:fontRef>
+          </p:style>
+          <p:txBody>
+            <a:bodyPr rtlCol="0" anchor="ctr"/>
+            <a:lstStyle/>
+            <a:p>
+              <a:pPr algn="ctr"/>
+              <a:endParaRPr lang="en-US"/>
+            </a:p>
+          </p:txBody>
+        </p:sp>
+        <p:sp>
+          <p:nvSpPr>
+            <p:cNvPr id="6" name="TextBox 5">
+              <a:extLst>
+                <a:ext uri="{FF2B5EF4-FFF2-40B4-BE49-F238E27FC236}">
+                  <a16:creationId xmlns:a16="http://schemas.microsoft.com/office/drawing/2014/main" id="{94D35DF2-BD73-C434-8BB7-FF641C7D2938}"/>
+                </a:ext>
+              </a:extLst>
+            </p:cNvPr>
+            <p:cNvSpPr txBox="1"/>
+            <p:nvPr/>
+          </p:nvSpPr>
+          <p:spPr>
+            <a:xfrm>
+              <a:off x="6247667" y="1052425"/>
+              <a:ext cx="1598515" cy="369332"/>
+            </a:xfrm>
+            <a:prstGeom prst="rect">
+              <a:avLst/>
+            </a:prstGeom>
+            <a:noFill/>
+          </p:spPr>
+          <p:txBody>
+            <a:bodyPr wrap="none" rtlCol="0">
+              <a:spAutoFit/>
+            </a:bodyPr>
+            <a:lstStyle/>
+            <a:p>
+              <a:r>
+                <a:rPr lang="en-US" dirty="0"/>
+                <a:t>BERT pre-train</a:t>
+              </a:r>
+            </a:p>
+          </p:txBody>
+        </p:sp>
+        <p:sp>
+          <p:nvSpPr>
+            <p:cNvPr id="11" name="TextBox 10">
+              <a:extLst>
+                <a:ext uri="{FF2B5EF4-FFF2-40B4-BE49-F238E27FC236}">
+                  <a16:creationId xmlns:a16="http://schemas.microsoft.com/office/drawing/2014/main" id="{1295B3D1-E65B-D10A-E01A-745ED5F1ED49}"/>
+                </a:ext>
+              </a:extLst>
+            </p:cNvPr>
+            <p:cNvSpPr txBox="1"/>
+            <p:nvPr/>
+          </p:nvSpPr>
+          <p:spPr>
+            <a:xfrm>
+              <a:off x="6080611" y="1414740"/>
+              <a:ext cx="2028504" cy="2800767"/>
+            </a:xfrm>
+            <a:prstGeom prst="rect">
+              <a:avLst/>
+            </a:prstGeom>
+            <a:noFill/>
+          </p:spPr>
+          <p:txBody>
+            <a:bodyPr wrap="none" rtlCol="0">
+              <a:spAutoFit/>
+            </a:bodyPr>
+            <a:lstStyle/>
+            <a:p>
+              <a:pPr marL="285750" indent="-285750">
+                <a:buFont typeface="Arial" panose="020B0604020202020204" pitchFamily="34" charset="0"/>
+                <a:buChar char="•"/>
+              </a:pPr>
+              <a:r>
+                <a:rPr lang="en-US" sz="1600" dirty="0"/>
+                <a:t>block size: 248</a:t>
+              </a:r>
+            </a:p>
+            <a:p>
+              <a:pPr marL="285750" indent="-285750">
+                <a:buFont typeface="Arial" panose="020B0604020202020204" pitchFamily="34" charset="0"/>
+                <a:buChar char="•"/>
+              </a:pPr>
+              <a:r>
+                <a:rPr lang="en-US" sz="1600" dirty="0" err="1"/>
+                <a:t>emb_dim</a:t>
+              </a:r>
+              <a:r>
+                <a:rPr lang="en-US" sz="1600" dirty="0"/>
+                <a:t>: 192</a:t>
+              </a:r>
+            </a:p>
+            <a:p>
+              <a:pPr marL="285750" indent="-285750">
+                <a:buFont typeface="Arial" panose="020B0604020202020204" pitchFamily="34" charset="0"/>
+                <a:buChar char="•"/>
+              </a:pPr>
+              <a:r>
+                <a:rPr lang="en-US" sz="1600" dirty="0"/>
+                <a:t>heads: 8</a:t>
+              </a:r>
+            </a:p>
+            <a:p>
+              <a:pPr marL="285750" indent="-285750">
+                <a:buFont typeface="Arial" panose="020B0604020202020204" pitchFamily="34" charset="0"/>
+                <a:buChar char="•"/>
+              </a:pPr>
+              <a:r>
+                <a:rPr lang="en-US" sz="1600" dirty="0"/>
+                <a:t>layers: 6</a:t>
+              </a:r>
+            </a:p>
+            <a:p>
+              <a:pPr marL="285750" indent="-285750">
+                <a:buFont typeface="Arial" panose="020B0604020202020204" pitchFamily="34" charset="0"/>
+                <a:buChar char="•"/>
+              </a:pPr>
+              <a:r>
+                <a:rPr lang="en-US" sz="1600" dirty="0"/>
+                <a:t>mask prob: 0.15</a:t>
+              </a:r>
+            </a:p>
+            <a:p>
+              <a:pPr marL="285750" indent="-285750">
+                <a:buFont typeface="Arial" panose="020B0604020202020204" pitchFamily="34" charset="0"/>
+                <a:buChar char="•"/>
+              </a:pPr>
+              <a:r>
+                <a:rPr lang="en-US" sz="1600" dirty="0"/>
+                <a:t>vocab size: 25</a:t>
+              </a:r>
+            </a:p>
+            <a:p>
+              <a:pPr marL="285750" indent="-285750">
+                <a:buFont typeface="Arial" panose="020B0604020202020204" pitchFamily="34" charset="0"/>
+                <a:buChar char="•"/>
+              </a:pPr>
+              <a:r>
+                <a:rPr lang="en-US" sz="1600" dirty="0"/>
+                <a:t>dropouts</a:t>
+              </a:r>
+            </a:p>
+            <a:p>
+              <a:pPr marL="742950" lvl="1" indent="-285750">
+                <a:buFont typeface="Arial" panose="020B0604020202020204" pitchFamily="34" charset="0"/>
+                <a:buChar char="•"/>
+              </a:pPr>
+              <a:r>
+                <a:rPr lang="en-US" sz="1600" dirty="0" err="1"/>
+                <a:t>emb</a:t>
+              </a:r>
+              <a:r>
+                <a:rPr lang="en-US" sz="1600" dirty="0"/>
+                <a:t>: 0.1</a:t>
+              </a:r>
+            </a:p>
+            <a:p>
+              <a:pPr marL="742950" lvl="1" indent="-285750">
+                <a:buFont typeface="Arial" panose="020B0604020202020204" pitchFamily="34" charset="0"/>
+                <a:buChar char="•"/>
+              </a:pPr>
+              <a:r>
+                <a:rPr lang="en-US" sz="1600" dirty="0"/>
+                <a:t>residual: 0.1</a:t>
+              </a:r>
+            </a:p>
+            <a:p>
+              <a:pPr marL="742950" lvl="1" indent="-285750">
+                <a:buFont typeface="Arial" panose="020B0604020202020204" pitchFamily="34" charset="0"/>
+                <a:buChar char="•"/>
+              </a:pPr>
+              <a:r>
+                <a:rPr lang="en-US" sz="1600" dirty="0" err="1"/>
+                <a:t>attn:</a:t>
+              </a:r>
+              <a:r>
+                <a:rPr lang="en-US" sz="1600" dirty="0"/>
+                <a:t> 0.1</a:t>
+              </a:r>
+            </a:p>
+            <a:p>
+              <a:pPr marL="285750" indent="-285750">
+                <a:buFont typeface="Arial" panose="020B0604020202020204" pitchFamily="34" charset="0"/>
+                <a:buChar char="•"/>
+              </a:pPr>
+              <a:endParaRPr lang="en-US" sz="1600" dirty="0"/>
+            </a:p>
+          </p:txBody>
+        </p:sp>
+      </p:grpSp>
+      <p:grpSp>
+        <p:nvGrpSpPr>
+          <p:cNvPr id="25" name="Group 24">
+            <a:extLst>
+              <a:ext uri="{FF2B5EF4-FFF2-40B4-BE49-F238E27FC236}">
+                <a16:creationId xmlns:a16="http://schemas.microsoft.com/office/drawing/2014/main" id="{D84FB101-46A9-724B-73E3-3460EF2C80F7}"/>
+              </a:ext>
+            </a:extLst>
+          </p:cNvPr>
+          <p:cNvGrpSpPr/>
+          <p:nvPr/>
+        </p:nvGrpSpPr>
+        <p:grpSpPr>
+          <a:xfrm>
+            <a:off x="8516534" y="1052422"/>
+            <a:ext cx="2435923" cy="2941608"/>
+            <a:chOff x="8516534" y="1052422"/>
+            <a:chExt cx="2435923" cy="2941608"/>
+          </a:xfrm>
+        </p:grpSpPr>
+        <p:sp>
+          <p:nvSpPr>
+            <p:cNvPr id="16" name="Rectangle 15">
+              <a:extLst>
+                <a:ext uri="{FF2B5EF4-FFF2-40B4-BE49-F238E27FC236}">
+                  <a16:creationId xmlns:a16="http://schemas.microsoft.com/office/drawing/2014/main" id="{9076DE57-CD38-F5D7-D311-F3C498F8F124}"/>
+                </a:ext>
+              </a:extLst>
+            </p:cNvPr>
+            <p:cNvSpPr/>
+            <p:nvPr/>
+          </p:nvSpPr>
+          <p:spPr>
+            <a:xfrm>
+              <a:off x="8516534" y="1052422"/>
+              <a:ext cx="2435923" cy="2941608"/>
+            </a:xfrm>
+            <a:prstGeom prst="rect">
+              <a:avLst/>
+            </a:prstGeom>
+            <a:solidFill>
+              <a:schemeClr val="accent4">
+                <a:alpha val="19958"/>
+              </a:schemeClr>
+            </a:solidFill>
+            <a:ln>
+              <a:solidFill>
+                <a:schemeClr val="tx1"/>
+              </a:solidFill>
+            </a:ln>
+          </p:spPr>
+          <p:style>
+            <a:lnRef idx="2">
+              <a:schemeClr val="accent1">
+                <a:shade val="15000"/>
+              </a:schemeClr>
+            </a:lnRef>
+            <a:fillRef idx="1">
+              <a:schemeClr val="accent1"/>
+            </a:fillRef>
+            <a:effectRef idx="0">
+              <a:schemeClr val="accent1"/>
+            </a:effectRef>
+            <a:fontRef idx="minor">
+              <a:schemeClr val="lt1"/>
+            </a:fontRef>
+          </p:style>
+          <p:txBody>
+            <a:bodyPr rtlCol="0" anchor="ctr"/>
+            <a:lstStyle/>
+            <a:p>
+              <a:pPr algn="ctr"/>
+              <a:endParaRPr lang="en-US"/>
+            </a:p>
+          </p:txBody>
+        </p:sp>
+        <p:sp>
+          <p:nvSpPr>
+            <p:cNvPr id="7" name="TextBox 6">
+              <a:extLst>
+                <a:ext uri="{FF2B5EF4-FFF2-40B4-BE49-F238E27FC236}">
+                  <a16:creationId xmlns:a16="http://schemas.microsoft.com/office/drawing/2014/main" id="{843B2943-5BB5-5DBB-7721-E313935CD162}"/>
+                </a:ext>
+              </a:extLst>
+            </p:cNvPr>
+            <p:cNvSpPr txBox="1"/>
+            <p:nvPr/>
+          </p:nvSpPr>
+          <p:spPr>
+            <a:xfrm>
+              <a:off x="8896602" y="1052425"/>
+              <a:ext cx="1646989" cy="369332"/>
+            </a:xfrm>
+            <a:prstGeom prst="rect">
+              <a:avLst/>
+            </a:prstGeom>
+            <a:noFill/>
+          </p:spPr>
+          <p:txBody>
+            <a:bodyPr wrap="none" rtlCol="0">
+              <a:spAutoFit/>
+            </a:bodyPr>
+            <a:lstStyle/>
+            <a:p>
+              <a:r>
+                <a:rPr lang="en-US" dirty="0"/>
+                <a:t>BERT fine-tune</a:t>
+              </a:r>
+            </a:p>
+          </p:txBody>
+        </p:sp>
+        <p:sp>
+          <p:nvSpPr>
+            <p:cNvPr id="12" name="TextBox 11">
+              <a:extLst>
+                <a:ext uri="{FF2B5EF4-FFF2-40B4-BE49-F238E27FC236}">
+                  <a16:creationId xmlns:a16="http://schemas.microsoft.com/office/drawing/2014/main" id="{D345135F-4C5E-C0F0-FDA6-6CE9C653C015}"/>
+                </a:ext>
+              </a:extLst>
+            </p:cNvPr>
+            <p:cNvSpPr txBox="1"/>
+            <p:nvPr/>
+          </p:nvSpPr>
+          <p:spPr>
+            <a:xfrm>
+              <a:off x="8597668" y="1414740"/>
+              <a:ext cx="2354789" cy="2062103"/>
+            </a:xfrm>
+            <a:prstGeom prst="rect">
+              <a:avLst/>
+            </a:prstGeom>
+            <a:noFill/>
+          </p:spPr>
+          <p:txBody>
+            <a:bodyPr wrap="square" rtlCol="0">
+              <a:spAutoFit/>
+            </a:bodyPr>
+            <a:lstStyle/>
+            <a:p>
+              <a:pPr marL="285750" indent="-285750">
+                <a:buFont typeface="Arial" panose="020B0604020202020204" pitchFamily="34" charset="0"/>
+                <a:buChar char="•"/>
+              </a:pPr>
+              <a:r>
+                <a:rPr lang="en-US" sz="1600" dirty="0"/>
+                <a:t>BERT pre-train</a:t>
+              </a:r>
+            </a:p>
+            <a:p>
+              <a:pPr marL="285750" indent="-285750">
+                <a:buFont typeface="Arial" panose="020B0604020202020204" pitchFamily="34" charset="0"/>
+                <a:buChar char="•"/>
+              </a:pPr>
+              <a:r>
+                <a:rPr lang="en-US" sz="1600" dirty="0"/>
+                <a:t>mask prob: 0</a:t>
+              </a:r>
+            </a:p>
+            <a:p>
+              <a:pPr marL="285750" indent="-285750">
+                <a:buFont typeface="Arial" panose="020B0604020202020204" pitchFamily="34" charset="0"/>
+                <a:buChar char="•"/>
+              </a:pPr>
+              <a:r>
+                <a:rPr lang="en-US" sz="1600" dirty="0"/>
+                <a:t>head dropout: 0.2</a:t>
+              </a:r>
+            </a:p>
+            <a:p>
+              <a:pPr marL="285750" indent="-285750">
+                <a:buFont typeface="Arial" panose="020B0604020202020204" pitchFamily="34" charset="0"/>
+                <a:buChar char="•"/>
+              </a:pPr>
+              <a:r>
+                <a:rPr lang="en-US" sz="1600" dirty="0"/>
+                <a:t>base </a:t>
+              </a:r>
+              <a:r>
+                <a:rPr lang="en-US" sz="1600" dirty="0" err="1"/>
+                <a:t>tformer</a:t>
+              </a:r>
+              <a:r>
+                <a:rPr lang="en-US" sz="1600" dirty="0"/>
+                <a:t> layers:</a:t>
+              </a:r>
+            </a:p>
+            <a:p>
+              <a:pPr marL="742950" lvl="1" indent="-285750">
+                <a:buFont typeface="Arial" panose="020B0604020202020204" pitchFamily="34" charset="0"/>
+                <a:buChar char="•"/>
+              </a:pPr>
+              <a:r>
+                <a:rPr lang="en-US" sz="1600" dirty="0"/>
+                <a:t>all frozen</a:t>
+              </a:r>
+            </a:p>
+            <a:p>
+              <a:pPr marL="742950" lvl="1" indent="-285750">
+                <a:buFont typeface="Arial" panose="020B0604020202020204" pitchFamily="34" charset="0"/>
+                <a:buChar char="•"/>
+              </a:pPr>
+              <a:r>
+                <a:rPr lang="en-US" sz="1600" dirty="0"/>
+                <a:t>unfreeze last 1</a:t>
+              </a:r>
+            </a:p>
+            <a:p>
+              <a:pPr marL="742950" lvl="1" indent="-285750">
+                <a:buFont typeface="Arial" panose="020B0604020202020204" pitchFamily="34" charset="0"/>
+                <a:buChar char="•"/>
+              </a:pPr>
+              <a:r>
+                <a:rPr lang="en-US" sz="1600" dirty="0"/>
+                <a:t>unfreeze last 2</a:t>
+              </a:r>
+            </a:p>
+            <a:p>
+              <a:pPr marL="742950" lvl="1" indent="-285750">
+                <a:buFont typeface="Arial" panose="020B0604020202020204" pitchFamily="34" charset="0"/>
+                <a:buChar char="•"/>
+              </a:pPr>
+              <a:r>
+                <a:rPr lang="en-US" sz="1600" dirty="0"/>
+                <a:t>unfreeze last 3</a:t>
+              </a:r>
+            </a:p>
+          </p:txBody>
+        </p:sp>
+      </p:grpSp>
+      <p:sp>
+        <p:nvSpPr>
+          <p:cNvPr id="21" name="TextBox 20">
+            <a:extLst>
+              <a:ext uri="{FF2B5EF4-FFF2-40B4-BE49-F238E27FC236}">
+                <a16:creationId xmlns:a16="http://schemas.microsoft.com/office/drawing/2014/main" id="{55619909-2482-8E10-24D1-F543F57A7335}"/>
+              </a:ext>
+            </a:extLst>
+          </p:cNvPr>
+          <p:cNvSpPr txBox="1"/>
+          <p:nvPr/>
+        </p:nvSpPr>
+        <p:spPr>
+          <a:xfrm>
+            <a:off x="436781" y="4430545"/>
+            <a:ext cx="10783018" cy="1815882"/>
+          </a:xfrm>
+          <a:prstGeom prst="rect">
+            <a:avLst/>
+          </a:prstGeom>
+          <a:noFill/>
+        </p:spPr>
+        <p:txBody>
+          <a:bodyPr wrap="square" rtlCol="0">
+            <a:spAutoFit/>
+          </a:bodyPr>
+          <a:lstStyle/>
+          <a:p>
+            <a:r>
+              <a:rPr lang="en-US" sz="1600" dirty="0" err="1"/>
+              <a:t>Misc</a:t>
+            </a:r>
+            <a:r>
+              <a:rPr lang="en-US" sz="1600" dirty="0"/>
+              <a:t>:</a:t>
+            </a:r>
+          </a:p>
+          <a:p>
+            <a:pPr marL="285750" indent="-285750">
+              <a:buFont typeface="Arial" panose="020B0604020202020204" pitchFamily="34" charset="0"/>
+              <a:buChar char="•"/>
+            </a:pPr>
+            <a:r>
+              <a:rPr lang="en-US" sz="1600" dirty="0"/>
+              <a:t>BERT pre-train: due to resource constraints, I had to use a very tiny BERT (</a:t>
+            </a:r>
+            <a:r>
+              <a:rPr lang="en-US" sz="1600" dirty="0" err="1"/>
+              <a:t>emb</a:t>
+            </a:r>
+            <a:r>
+              <a:rPr lang="en-US" sz="1600" dirty="0"/>
+              <a:t>, heads, layers) and only did 10 epochs of pre-training</a:t>
+            </a:r>
+          </a:p>
+          <a:p>
+            <a:pPr marL="285750" indent="-285750">
+              <a:buFont typeface="Arial" panose="020B0604020202020204" pitchFamily="34" charset="0"/>
+              <a:buChar char="•"/>
+            </a:pPr>
+            <a:r>
+              <a:rPr lang="en-US" sz="1600" dirty="0"/>
+              <a:t>VIT: due to resource constraints, I could not explore larger attention heads (</a:t>
+            </a:r>
+            <a:r>
+              <a:rPr lang="en-US" sz="1600" dirty="0" err="1"/>
+              <a:t>emb</a:t>
+            </a:r>
+            <a:r>
+              <a:rPr lang="en-US" sz="1600" dirty="0"/>
+              <a:t>, heads, layers)</a:t>
+            </a:r>
+          </a:p>
+          <a:p>
+            <a:pPr marL="285750" indent="-285750">
+              <a:buFont typeface="Arial" panose="020B0604020202020204" pitchFamily="34" charset="0"/>
+              <a:buChar char="•"/>
+            </a:pPr>
+            <a:r>
+              <a:rPr lang="en-US" sz="1600" dirty="0" err="1"/>
+              <a:t>AdamW</a:t>
+            </a:r>
+            <a:r>
+              <a:rPr lang="en-US" sz="1600" dirty="0"/>
+              <a:t> and exponential learning rate decay for all trainings</a:t>
+            </a:r>
+          </a:p>
+          <a:p>
+            <a:pPr marL="285750" indent="-285750">
+              <a:buFont typeface="Arial" panose="020B0604020202020204" pitchFamily="34" charset="0"/>
+              <a:buChar char="•"/>
+            </a:pPr>
+            <a:r>
+              <a:rPr lang="en-US" sz="1600" dirty="0"/>
+              <a:t>Initial learning rate 0.0001</a:t>
+            </a:r>
+          </a:p>
+          <a:p>
+            <a:pPr marL="285750" indent="-285750">
+              <a:buFont typeface="Arial" panose="020B0604020202020204" pitchFamily="34" charset="0"/>
+              <a:buChar char="•"/>
+            </a:pPr>
+            <a:r>
+              <a:rPr lang="en-US" sz="1600" dirty="0"/>
+              <a:t>Loss: MSE</a:t>
+            </a:r>
+          </a:p>
+        </p:txBody>
+      </p:sp>
+    </p:spTree>
+    <p:extLst>
+      <p:ext uri="{BB962C8B-B14F-4D97-AF65-F5344CB8AC3E}">
+        <p14:creationId xmlns:p14="http://schemas.microsoft.com/office/powerpoint/2010/main" val="4045523547"/>
+      </p:ext>
+    </p:extLst>
+  </p:cSld>
+  <p:clrMapOvr>
+    <a:masterClrMapping/>
+  </p:clrMapOvr>
+</p:sld>
+</file>
+
+<file path=ppt/slides/slide11.xml><?xml version="1.0" encoding="utf-8"?>
+<p:sld xmlns:a="http://schemas.openxmlformats.org/drawingml/2006/main" xmlns:r="http://schemas.openxmlformats.org/officeDocument/2006/relationships" xmlns:p="http://schemas.openxmlformats.org/presentationml/2006/main">
+  <p:cSld>
+    <p:spTree>
+      <p:nvGrpSpPr>
+        <p:cNvPr id="1" name=""/>
+        <p:cNvGrpSpPr/>
+        <p:nvPr/>
+      </p:nvGrpSpPr>
+      <p:grpSpPr>
+        <a:xfrm>
+          <a:off x="0" y="0"/>
+          <a:ext cx="0" cy="0"/>
+          <a:chOff x="0" y="0"/>
+          <a:chExt cx="0" cy="0"/>
+        </a:xfrm>
+      </p:grpSpPr>
+      <p:sp>
+        <p:nvSpPr>
+          <p:cNvPr id="2" name="TextBox 1">
+            <a:extLst>
+              <a:ext uri="{FF2B5EF4-FFF2-40B4-BE49-F238E27FC236}">
+                <a16:creationId xmlns:a16="http://schemas.microsoft.com/office/drawing/2014/main" id="{A6B8D544-62FB-BED5-1F3D-8DE1F9A51DC3}"/>
+              </a:ext>
+            </a:extLst>
+          </p:cNvPr>
+          <p:cNvSpPr txBox="1"/>
+          <p:nvPr/>
+        </p:nvSpPr>
+        <p:spPr>
+          <a:xfrm>
+            <a:off x="140127" y="221836"/>
+            <a:ext cx="6376297" cy="461665"/>
+          </a:xfrm>
+          <a:prstGeom prst="rect">
+            <a:avLst/>
+          </a:prstGeom>
+          <a:noFill/>
+        </p:spPr>
+        <p:txBody>
+          <a:bodyPr wrap="none" rtlCol="0">
+            <a:spAutoFit/>
+          </a:bodyPr>
+          <a:lstStyle/>
+          <a:p>
+            <a:r>
+              <a:rPr lang="en-US" sz="2400" dirty="0"/>
+              <a:t>BERT Stuff:   Relevant literature, code, and data</a:t>
+            </a:r>
+          </a:p>
+        </p:txBody>
+      </p:sp>
+      <p:sp>
+        <p:nvSpPr>
+          <p:cNvPr id="3" name="TextBox 2">
+            <a:extLst>
+              <a:ext uri="{FF2B5EF4-FFF2-40B4-BE49-F238E27FC236}">
+                <a16:creationId xmlns:a16="http://schemas.microsoft.com/office/drawing/2014/main" id="{9750003C-8501-0DA4-F28D-311FF3F150A4}"/>
+              </a:ext>
+            </a:extLst>
+          </p:cNvPr>
+          <p:cNvSpPr txBox="1"/>
+          <p:nvPr/>
+        </p:nvSpPr>
+        <p:spPr>
+          <a:xfrm>
+            <a:off x="765387" y="1291616"/>
+            <a:ext cx="9574610" cy="5016758"/>
+          </a:xfrm>
+          <a:prstGeom prst="rect">
+            <a:avLst/>
+          </a:prstGeom>
+          <a:noFill/>
+        </p:spPr>
+        <p:txBody>
+          <a:bodyPr wrap="square" rtlCol="0">
+            <a:spAutoFit/>
+          </a:bodyPr>
+          <a:lstStyle/>
+          <a:p>
+            <a:pPr marL="285750" indent="-285750">
+              <a:buFont typeface="Arial" panose="020B0604020202020204" pitchFamily="34" charset="0"/>
+              <a:buChar char="•"/>
+            </a:pPr>
+            <a:r>
+              <a:rPr lang="en-US" sz="1600" dirty="0"/>
+              <a:t>BERT : </a:t>
+            </a:r>
+            <a:r>
+              <a:rPr lang="en-US" sz="1600" dirty="0">
+                <a:hlinkClick r:id="rId2"/>
+              </a:rPr>
+              <a:t>https://aclanthology.org/N19-1423.pdf</a:t>
+            </a:r>
+            <a:endParaRPr lang="en-US" sz="1600" dirty="0"/>
+          </a:p>
+          <a:p>
+            <a:pPr marL="285750" indent="-285750">
+              <a:buFont typeface="Arial" panose="020B0604020202020204" pitchFamily="34" charset="0"/>
+              <a:buChar char="•"/>
+            </a:pPr>
+            <a:endParaRPr lang="en-US" sz="1600" dirty="0"/>
+          </a:p>
+          <a:p>
+            <a:pPr marL="285750" indent="-285750">
+              <a:buFont typeface="Arial" panose="020B0604020202020204" pitchFamily="34" charset="0"/>
+              <a:buChar char="•"/>
+            </a:pPr>
+            <a:r>
+              <a:rPr lang="en-US" sz="1600" dirty="0" err="1"/>
+              <a:t>ProteinBERT</a:t>
+            </a:r>
+            <a:r>
+              <a:rPr lang="en-US" sz="1600" dirty="0"/>
+              <a:t> : </a:t>
+            </a:r>
+            <a:r>
+              <a:rPr lang="en-US" sz="1600" dirty="0">
+                <a:hlinkClick r:id="rId3"/>
+              </a:rPr>
+              <a:t>https://doi.org/10.1093/bioinformatics/btac020</a:t>
+            </a:r>
+            <a:endParaRPr lang="en-US" sz="1600" dirty="0"/>
+          </a:p>
+          <a:p>
+            <a:endParaRPr lang="en-US" sz="1600" dirty="0"/>
+          </a:p>
+          <a:p>
+            <a:pPr marL="285750" indent="-285750">
+              <a:buFont typeface="Arial" panose="020B0604020202020204" pitchFamily="34" charset="0"/>
+              <a:buChar char="•"/>
+            </a:pPr>
+            <a:r>
+              <a:rPr lang="en-US" sz="1600" dirty="0"/>
+              <a:t>Code partially taken from:</a:t>
+            </a:r>
+          </a:p>
+          <a:p>
+            <a:pPr marL="742950" lvl="1" indent="-285750">
+              <a:buFont typeface="Arial" panose="020B0604020202020204" pitchFamily="34" charset="0"/>
+              <a:buChar char="•"/>
+            </a:pPr>
+            <a:r>
+              <a:rPr lang="en-US" sz="1600" dirty="0"/>
+              <a:t>Barney Hill : </a:t>
+            </a:r>
+            <a:r>
+              <a:rPr lang="en-US" sz="1600" b="0" dirty="0">
+                <a:effectLst/>
+                <a:hlinkClick r:id="rId4"/>
+              </a:rPr>
+              <a:t>https://github.com/barneyhill/minBERT</a:t>
+            </a:r>
+            <a:endParaRPr lang="en-US" sz="1600" b="0" dirty="0">
+              <a:effectLst/>
+            </a:endParaRPr>
+          </a:p>
+          <a:p>
+            <a:pPr marL="742950" lvl="1" indent="-285750">
+              <a:buFont typeface="Arial" panose="020B0604020202020204" pitchFamily="34" charset="0"/>
+              <a:buChar char="•"/>
+            </a:pPr>
+            <a:r>
+              <a:rPr lang="en-US" sz="1600" dirty="0"/>
+              <a:t>Andrej </a:t>
+            </a:r>
+            <a:r>
+              <a:rPr lang="en-US" sz="1600" dirty="0" err="1"/>
+              <a:t>Karpathy</a:t>
+            </a:r>
+            <a:r>
+              <a:rPr lang="en-US" sz="1600" dirty="0"/>
+              <a:t>: </a:t>
+            </a:r>
+            <a:r>
+              <a:rPr lang="en-US" sz="1600" b="0" dirty="0">
+                <a:effectLst/>
+                <a:hlinkClick r:id="rId5"/>
+              </a:rPr>
+              <a:t>https://github.com/karpathy/minGPT</a:t>
+            </a:r>
+            <a:endParaRPr lang="en-US" sz="1600" b="0" dirty="0">
+              <a:effectLst/>
+            </a:endParaRPr>
+          </a:p>
+          <a:p>
+            <a:pPr marL="742950" lvl="1" indent="-285750">
+              <a:buFont typeface="Arial" panose="020B0604020202020204" pitchFamily="34" charset="0"/>
+              <a:buChar char="•"/>
+            </a:pPr>
+            <a:r>
+              <a:rPr lang="en-US" sz="1600" dirty="0"/>
+              <a:t>my Table Transformer code (from real-estate automated valuation model development)</a:t>
+            </a:r>
+          </a:p>
+          <a:p>
+            <a:pPr marL="742950" lvl="1" indent="-285750">
+              <a:buFont typeface="Arial" panose="020B0604020202020204" pitchFamily="34" charset="0"/>
+              <a:buChar char="•"/>
+            </a:pPr>
+            <a:endParaRPr lang="en-US" sz="1600" dirty="0"/>
+          </a:p>
+          <a:p>
+            <a:pPr marL="285750" indent="-285750">
+              <a:buFont typeface="Arial" panose="020B0604020202020204" pitchFamily="34" charset="0"/>
+              <a:buChar char="•"/>
+            </a:pPr>
+            <a:r>
+              <a:rPr lang="en-US" sz="1600" dirty="0"/>
+              <a:t>A</a:t>
+            </a:r>
+            <a:r>
+              <a:rPr lang="en-US" sz="1600" b="0" dirty="0">
+                <a:effectLst/>
+              </a:rPr>
+              <a:t>-Alpha Bio:</a:t>
+            </a:r>
+          </a:p>
+          <a:p>
+            <a:pPr marL="742950" lvl="1" indent="-285750">
+              <a:buFont typeface="Arial" panose="020B0604020202020204" pitchFamily="34" charset="0"/>
+              <a:buChar char="•"/>
+            </a:pPr>
+            <a:r>
+              <a:rPr lang="en-US" sz="1600" dirty="0"/>
+              <a:t>Nature Comm: </a:t>
+            </a:r>
+            <a:r>
+              <a:rPr lang="en-US" sz="1600" dirty="0">
+                <a:hlinkClick r:id="rId6"/>
+              </a:rPr>
+              <a:t>http://biorxiv.org/lookup/doi/10.1101/2022.10.07.502662</a:t>
+            </a:r>
+            <a:endParaRPr lang="en-US" sz="1600" dirty="0"/>
+          </a:p>
+          <a:p>
+            <a:pPr marL="742950" lvl="1" indent="-285750">
+              <a:buFont typeface="Arial" panose="020B0604020202020204" pitchFamily="34" charset="0"/>
+              <a:buChar char="•"/>
+            </a:pPr>
+            <a:r>
+              <a:rPr lang="en-US" sz="1600" dirty="0"/>
+              <a:t>Nature: </a:t>
+            </a:r>
+            <a:r>
+              <a:rPr lang="en-US" sz="1600" dirty="0">
+                <a:hlinkClick r:id="rId7"/>
+              </a:rPr>
+              <a:t>https://www.nature.com/articles/s41597-022-01779-4</a:t>
+            </a:r>
+            <a:endParaRPr lang="en-US" sz="1600" dirty="0"/>
+          </a:p>
+          <a:p>
+            <a:pPr marL="742950" lvl="1" indent="-285750">
+              <a:buFont typeface="Arial" panose="020B0604020202020204" pitchFamily="34" charset="0"/>
+              <a:buChar char="•"/>
+            </a:pPr>
+            <a:r>
+              <a:rPr lang="en-US" sz="1600" dirty="0" err="1"/>
+              <a:t>scFv</a:t>
+            </a:r>
+            <a:r>
+              <a:rPr lang="en-US" sz="1600" dirty="0"/>
+              <a:t> Datasets: </a:t>
+            </a:r>
+            <a:r>
+              <a:rPr lang="en-US" sz="1600" dirty="0">
+                <a:hlinkClick r:id="rId8"/>
+              </a:rPr>
+              <a:t>https://github.com/mit-ll/AlphaSeq_Antibody_Dataset.git</a:t>
+            </a:r>
+            <a:endParaRPr lang="en-US" sz="1600" b="0" dirty="0">
+              <a:effectLst/>
+            </a:endParaRPr>
+          </a:p>
+          <a:p>
+            <a:pPr marL="742950" lvl="1" indent="-285750">
+              <a:buFont typeface="Arial" panose="020B0604020202020204" pitchFamily="34" charset="0"/>
+              <a:buChar char="•"/>
+            </a:pPr>
+            <a:endParaRPr lang="en-US" sz="1600" dirty="0"/>
+          </a:p>
+          <a:p>
+            <a:pPr marL="285750" indent="-285750">
+              <a:buFont typeface="Arial" panose="020B0604020202020204" pitchFamily="34" charset="0"/>
+              <a:buChar char="•"/>
+            </a:pPr>
+            <a:r>
+              <a:rPr lang="en-US" sz="1600" b="0" dirty="0">
+                <a:effectLst/>
+              </a:rPr>
+              <a:t>Observed Antibody Space :  </a:t>
+            </a:r>
+          </a:p>
+          <a:p>
+            <a:pPr marL="742950" lvl="1" indent="-285750">
+              <a:buFont typeface="Arial" panose="020B0604020202020204" pitchFamily="34" charset="0"/>
+              <a:buChar char="•"/>
+            </a:pPr>
+            <a:r>
+              <a:rPr lang="en-US" sz="1600" b="0" dirty="0">
+                <a:effectLst/>
+                <a:hlinkClick r:id="rId9"/>
+              </a:rPr>
+              <a:t>https://doi.org/10.4049/jimmunol.1800708</a:t>
+            </a:r>
+            <a:endParaRPr lang="en-US" sz="1600" b="0" dirty="0">
+              <a:effectLst/>
+            </a:endParaRPr>
+          </a:p>
+          <a:p>
+            <a:pPr marL="742950" lvl="1" indent="-285750">
+              <a:buFont typeface="Arial" panose="020B0604020202020204" pitchFamily="34" charset="0"/>
+              <a:buChar char="•"/>
+            </a:pPr>
+            <a:r>
+              <a:rPr lang="en-US" sz="1600" b="0" dirty="0">
+                <a:effectLst/>
+                <a:hlinkClick r:id="rId10"/>
+              </a:rPr>
+              <a:t>https://opig.stats.ox.ac.uk/webapps/oas/</a:t>
+            </a:r>
+            <a:endParaRPr lang="en-US" sz="1600" b="0" dirty="0">
+              <a:effectLst/>
+            </a:endParaRPr>
+          </a:p>
+          <a:p>
+            <a:pPr marL="742950" lvl="1" indent="-285750">
+              <a:buFont typeface="Arial" panose="020B0604020202020204" pitchFamily="34" charset="0"/>
+              <a:buChar char="•"/>
+            </a:pPr>
+            <a:endParaRPr lang="en-US" sz="1600" dirty="0"/>
+          </a:p>
+          <a:p>
+            <a:pPr marL="285750" indent="-285750">
+              <a:buFont typeface="Arial" panose="020B0604020202020204" pitchFamily="34" charset="0"/>
+              <a:buChar char="•"/>
+            </a:pPr>
+            <a:r>
+              <a:rPr lang="en-US" sz="1600" dirty="0"/>
+              <a:t>My </a:t>
+            </a:r>
+            <a:r>
+              <a:rPr lang="en-US" sz="1600" dirty="0" err="1"/>
+              <a:t>Github</a:t>
+            </a:r>
+            <a:r>
+              <a:rPr lang="en-US" sz="1600" dirty="0"/>
+              <a:t> repo for this homework’s code: </a:t>
+            </a:r>
+            <a:r>
+              <a:rPr lang="en-US" sz="1600" dirty="0">
+                <a:solidFill>
+                  <a:srgbClr val="FF0000"/>
+                </a:solidFill>
+              </a:rPr>
+              <a:t>TODO (2 repos) </a:t>
+            </a:r>
+            <a:r>
+              <a:rPr lang="en-US" sz="1600" dirty="0">
+                <a:hlinkClick r:id="rId11"/>
+              </a:rPr>
+              <a:t>https://github.com/planaria158/BERT.git</a:t>
+            </a:r>
+            <a:endParaRPr lang="en-US" sz="1600" dirty="0"/>
+          </a:p>
+          <a:p>
+            <a:pPr marL="285750" indent="-285750">
+              <a:buFont typeface="Arial" panose="020B0604020202020204" pitchFamily="34" charset="0"/>
+              <a:buChar char="•"/>
+            </a:pPr>
+            <a:endParaRPr lang="en-US" sz="1600" dirty="0"/>
+          </a:p>
+        </p:txBody>
+      </p:sp>
+      <p:sp>
+        <p:nvSpPr>
+          <p:cNvPr id="5" name="TextBox 4">
+            <a:extLst>
+              <a:ext uri="{FF2B5EF4-FFF2-40B4-BE49-F238E27FC236}">
+                <a16:creationId xmlns:a16="http://schemas.microsoft.com/office/drawing/2014/main" id="{00DEACF3-1DAE-F38C-6985-089A5766A04C}"/>
+              </a:ext>
+            </a:extLst>
+          </p:cNvPr>
+          <p:cNvSpPr txBox="1"/>
+          <p:nvPr/>
+        </p:nvSpPr>
+        <p:spPr>
+          <a:xfrm>
+            <a:off x="140127" y="679781"/>
+            <a:ext cx="9369296" cy="307777"/>
+          </a:xfrm>
+          <a:prstGeom prst="rect">
+            <a:avLst/>
+          </a:prstGeom>
+          <a:noFill/>
+        </p:spPr>
+        <p:txBody>
+          <a:bodyPr wrap="none" rtlCol="0">
+            <a:spAutoFit/>
+          </a:bodyPr>
+          <a:lstStyle/>
+          <a:p>
+            <a:r>
+              <a:rPr lang="en-US" sz="1400" dirty="0"/>
+              <a:t>Note: I did most of the BERT coding/testing in the 2 weeks before my call with Adrian (i.e. before getting the HW problem)</a:t>
+            </a:r>
+          </a:p>
+        </p:txBody>
+      </p:sp>
+    </p:spTree>
+    <p:extLst>
+      <p:ext uri="{BB962C8B-B14F-4D97-AF65-F5344CB8AC3E}">
+        <p14:creationId xmlns:p14="http://schemas.microsoft.com/office/powerpoint/2010/main" val="1592508389"/>
+      </p:ext>
+    </p:extLst>
+  </p:cSld>
+  <p:clrMapOvr>
+    <a:masterClrMapping/>
+  </p:clrMapOvr>
+</p:sld>
+</file>
+
+<file path=ppt/slides/slide12.xml><?xml version="1.0" encoding="utf-8"?>
 <p:sld xmlns:a="http://schemas.openxmlformats.org/drawingml/2006/main" xmlns:r="http://schemas.openxmlformats.org/officeDocument/2006/relationships" xmlns:p="http://schemas.openxmlformats.org/presentationml/2006/main">
   <p:cSld>
     <p:spTree>
@@ -4368,7 +5886,7 @@
 </p:sld>
 </file>
 
-<file path=ppt/slides/slide11.xml><?xml version="1.0" encoding="utf-8"?>
+<file path=ppt/slides/slide13.xml><?xml version="1.0" encoding="utf-8"?>
 <p:sld xmlns:a="http://schemas.openxmlformats.org/drawingml/2006/main" xmlns:r="http://schemas.openxmlformats.org/officeDocument/2006/relationships" xmlns:p="http://schemas.openxmlformats.org/presentationml/2006/main">
   <p:cSld>
     <p:spTree>
@@ -5070,7 +6588,7 @@
 </p:sld>
 </file>
 
-<file path=ppt/slides/slide12.xml><?xml version="1.0" encoding="utf-8"?>
+<file path=ppt/slides/slide14.xml><?xml version="1.0" encoding="utf-8"?>
 <p:sld xmlns:a="http://schemas.openxmlformats.org/drawingml/2006/main" xmlns:r="http://schemas.openxmlformats.org/officeDocument/2006/relationships" xmlns:p="http://schemas.openxmlformats.org/presentationml/2006/main">
   <p:cSld>
     <p:spTree>
@@ -5137,14 +6655,14 @@
           <p:nvPr>
             <p:extLst>
               <p:ext uri="{D42A27DB-BD31-4B8C-83A1-F6EECF244321}">
-                <p14:modId xmlns:p14="http://schemas.microsoft.com/office/powerpoint/2010/main" val="3375131024"/>
+                <p14:modId xmlns:p14="http://schemas.microsoft.com/office/powerpoint/2010/main" val="3799707048"/>
               </p:ext>
             </p:extLst>
           </p:nvPr>
         </p:nvGraphicFramePr>
         <p:xfrm>
-          <a:off x="1729491" y="1086528"/>
-          <a:ext cx="8484186" cy="3167925"/>
+          <a:off x="671456" y="784606"/>
+          <a:ext cx="9734939" cy="5020221"/>
         </p:xfrm>
         <a:graphic>
           <a:graphicData uri="http://schemas.openxmlformats.org/drawingml/2006/table">
@@ -5153,42 +6671,42 @@
                 <a:tableStyleId>{5C22544A-7EE6-4342-B048-85BDC9FD1C3A}</a:tableStyleId>
               </a:tblPr>
               <a:tblGrid>
-                <a:gridCol w="1662524">
+                <a:gridCol w="1655724">
                   <a:extLst>
                     <a:ext uri="{9D8B030D-6E8A-4147-A177-3AD203B41FA5}">
                       <a16:colId xmlns:a16="http://schemas.microsoft.com/office/drawing/2014/main" val="1065848917"/>
                     </a:ext>
                   </a:extLst>
                 </a:gridCol>
-                <a:gridCol w="1087495">
+                <a:gridCol w="1396282">
                   <a:extLst>
                     <a:ext uri="{9D8B030D-6E8A-4147-A177-3AD203B41FA5}">
                       <a16:colId xmlns:a16="http://schemas.microsoft.com/office/drawing/2014/main" val="873310604"/>
                     </a:ext>
                   </a:extLst>
                 </a:gridCol>
-                <a:gridCol w="1160010">
+                <a:gridCol w="1489386">
                   <a:extLst>
                     <a:ext uri="{9D8B030D-6E8A-4147-A177-3AD203B41FA5}">
                       <a16:colId xmlns:a16="http://schemas.microsoft.com/office/drawing/2014/main" val="3981708244"/>
                     </a:ext>
                   </a:extLst>
                 </a:gridCol>
-                <a:gridCol w="1524719">
+                <a:gridCol w="1106226">
                   <a:extLst>
                     <a:ext uri="{9D8B030D-6E8A-4147-A177-3AD203B41FA5}">
                       <a16:colId xmlns:a16="http://schemas.microsoft.com/office/drawing/2014/main" val="1135465181"/>
                     </a:ext>
                   </a:extLst>
                 </a:gridCol>
-                <a:gridCol w="1524719">
+                <a:gridCol w="1363281">
                   <a:extLst>
                     <a:ext uri="{9D8B030D-6E8A-4147-A177-3AD203B41FA5}">
                       <a16:colId xmlns:a16="http://schemas.microsoft.com/office/drawing/2014/main" val="91865083"/>
                     </a:ext>
                   </a:extLst>
                 </a:gridCol>
-                <a:gridCol w="1524719">
+                <a:gridCol w="2724040">
                   <a:extLst>
                     <a:ext uri="{9D8B030D-6E8A-4147-A177-3AD203B41FA5}">
                       <a16:colId xmlns:a16="http://schemas.microsoft.com/office/drawing/2014/main" val="2256753199"/>
@@ -5196,7 +6714,7 @@
                   </a:extLst>
                 </a:gridCol>
               </a:tblGrid>
-              <a:tr h="505569">
+              <a:tr h="565542">
                 <a:tc>
                   <a:txBody>
                     <a:bodyPr/>
@@ -5294,7 +6812,7 @@
                   </a:ext>
                 </a:extLst>
               </a:tr>
-              <a:tr h="505569">
+              <a:tr h="446695">
                 <a:tc>
                   <a:txBody>
                     <a:bodyPr/>
@@ -5369,7 +6887,7 @@
                   </a:ext>
                 </a:extLst>
               </a:tr>
-              <a:tr h="505569">
+              <a:tr h="446695">
                 <a:tc>
                   <a:txBody>
                     <a:bodyPr/>
@@ -5444,15 +6962,15 @@
                   </a:ext>
                 </a:extLst>
               </a:tr>
-              <a:tr h="505569">
-                <a:tc>
+              <a:tr h="446695">
+                <a:tc rowSpan="5">
                   <a:txBody>
                     <a:bodyPr/>
                     <a:lstStyle/>
                     <a:p>
                       <a:r>
                         <a:rPr lang="en-US" dirty="0"/>
-                        <a:t>BERT (naive) </a:t>
+                        <a:t>BERT </a:t>
                       </a:r>
                       <a:r>
                         <a:rPr lang="en-US" baseline="30000" dirty="0"/>
@@ -5468,74 +6986,9 @@
                     <a:lstStyle/>
                     <a:p>
                       <a:pPr algn="ctr"/>
-                      <a:endParaRPr lang="en-US" dirty="0"/>
-                    </a:p>
-                  </a:txBody>
-                  <a:tcPr anchor="ctr"/>
-                </a:tc>
-                <a:tc>
-                  <a:txBody>
-                    <a:bodyPr/>
-                    <a:lstStyle/>
-                    <a:p>
-                      <a:pPr algn="ctr"/>
-                      <a:endParaRPr lang="en-US" dirty="0"/>
-                    </a:p>
-                  </a:txBody>
-                  <a:tcPr anchor="ctr"/>
-                </a:tc>
-                <a:tc>
-                  <a:txBody>
-                    <a:bodyPr/>
-                    <a:lstStyle/>
-                    <a:p>
-                      <a:pPr algn="ctr"/>
-                      <a:endParaRPr lang="en-US" dirty="0"/>
-                    </a:p>
-                  </a:txBody>
-                  <a:tcPr anchor="ctr"/>
-                </a:tc>
-                <a:tc>
-                  <a:txBody>
-                    <a:bodyPr/>
-                    <a:lstStyle/>
-                    <a:p>
-                      <a:pPr algn="ctr"/>
-                      <a:endParaRPr lang="en-US" dirty="0"/>
-                    </a:p>
-                  </a:txBody>
-                  <a:tcPr anchor="ctr"/>
-                </a:tc>
-                <a:tc>
-                  <a:txBody>
-                    <a:bodyPr/>
-                    <a:lstStyle/>
-                    <a:p>
-                      <a:pPr algn="ctr"/>
-                      <a:endParaRPr lang="en-US" dirty="0"/>
-                    </a:p>
-                  </a:txBody>
-                  <a:tcPr anchor="ctr"/>
-                </a:tc>
-                <a:extLst>
-                  <a:ext uri="{0D108BD9-81ED-4DB2-BD59-A6C34878D82A}">
-                    <a16:rowId xmlns:a16="http://schemas.microsoft.com/office/drawing/2014/main" val="461321389"/>
-                  </a:ext>
-                </a:extLst>
-              </a:tr>
-              <a:tr h="505569">
-                <a:tc rowSpan="2">
-                  <a:txBody>
-                    <a:bodyPr/>
-                    <a:lstStyle/>
-                    <a:p>
                       <a:r>
                         <a:rPr lang="en-US" dirty="0"/>
-                        <a:t>BERT (full) </a:t>
-                      </a:r>
-                      <a:r>
-                        <a:rPr lang="en-US" baseline="30000" dirty="0"/>
-                        <a:t>2</a:t>
+                        <a:t>0.34</a:t>
                       </a:r>
                     </a:p>
                   </a:txBody>
@@ -5547,7 +7000,10 @@
                     <a:lstStyle/>
                     <a:p>
                       <a:pPr algn="ctr"/>
-                      <a:endParaRPr lang="en-US" dirty="0"/>
+                      <a:r>
+                        <a:rPr lang="en-US" dirty="0"/>
+                        <a:t>0.33</a:t>
+                      </a:r>
                     </a:p>
                   </a:txBody>
                   <a:tcPr anchor="ctr"/>
@@ -5558,7 +7014,11 @@
                     <a:lstStyle/>
                     <a:p>
                       <a:pPr algn="ctr"/>
-                      <a:endParaRPr lang="en-US"/>
+                      <a:r>
+                        <a:rPr lang="en-US" dirty="0"/>
+                        <a:t>10</a:t>
+                      </a:r>
+                      <a:endParaRPr lang="en-US" baseline="30000" dirty="0"/>
                     </a:p>
                   </a:txBody>
                   <a:tcPr anchor="ctr"/>
@@ -5569,18 +7029,11 @@
                     <a:lstStyle/>
                     <a:p>
                       <a:pPr algn="ctr"/>
-                      <a:endParaRPr lang="en-US"/>
-                    </a:p>
-                  </a:txBody>
-                  <a:tcPr anchor="ctr"/>
-                </a:tc>
-                <a:tc>
-                  <a:txBody>
-                    <a:bodyPr/>
-                    <a:lstStyle/>
-                    <a:p>
-                      <a:pPr algn="ctr"/>
-                      <a:endParaRPr lang="en-US"/>
+                      <a:r>
+                        <a:rPr lang="en-US" dirty="0" err="1"/>
+                        <a:t>na</a:t>
+                      </a:r>
+                      <a:endParaRPr lang="en-US" dirty="0"/>
                     </a:p>
                   </a:txBody>
                   <a:tcPr anchor="ctr"/>
@@ -5605,7 +7058,7 @@
                   </a:ext>
                 </a:extLst>
               </a:tr>
-              <a:tr h="505569">
+              <a:tr h="538611">
                 <a:tc vMerge="1">
                   <a:txBody>
                     <a:bodyPr/>
@@ -5622,7 +7075,10 @@
                     <a:lstStyle/>
                     <a:p>
                       <a:pPr algn="ctr"/>
-                      <a:endParaRPr lang="en-US"/>
+                      <a:r>
+                        <a:rPr lang="en-US" dirty="0"/>
+                        <a:t>0.51</a:t>
+                      </a:r>
                     </a:p>
                   </a:txBody>
                   <a:tcPr anchor="ctr"/>
@@ -5633,7 +7089,10 @@
                     <a:lstStyle/>
                     <a:p>
                       <a:pPr algn="ctr"/>
-                      <a:endParaRPr lang="en-US"/>
+                      <a:r>
+                        <a:rPr lang="en-US" dirty="0"/>
+                        <a:t>0.52</a:t>
+                      </a:r>
                     </a:p>
                   </a:txBody>
                   <a:tcPr anchor="ctr"/>
@@ -5644,7 +7103,10 @@
                     <a:lstStyle/>
                     <a:p>
                       <a:pPr algn="ctr"/>
-                      <a:endParaRPr lang="en-US"/>
+                      <a:r>
+                        <a:rPr lang="en-US" dirty="0"/>
+                        <a:t>160</a:t>
+                      </a:r>
                     </a:p>
                   </a:txBody>
                   <a:tcPr anchor="ctr"/>
@@ -5671,12 +7133,316 @@
                         <a:t>fine-tune</a:t>
                       </a:r>
                     </a:p>
+                    <a:p>
+                      <a:pPr algn="ctr"/>
+                      <a:r>
+                        <a:rPr lang="en-US" sz="1600" dirty="0"/>
+                        <a:t>transformer frozen</a:t>
+                      </a:r>
+                    </a:p>
                   </a:txBody>
                   <a:tcPr anchor="ctr"/>
                 </a:tc>
                 <a:extLst>
                   <a:ext uri="{0D108BD9-81ED-4DB2-BD59-A6C34878D82A}">
                     <a16:rowId xmlns:a16="http://schemas.microsoft.com/office/drawing/2014/main" val="3788428899"/>
+                  </a:ext>
+                </a:extLst>
+              </a:tr>
+              <a:tr h="727125">
+                <a:tc vMerge="1">
+                  <a:txBody>
+                    <a:bodyPr/>
+                    <a:lstStyle/>
+                    <a:p>
+                      <a:endParaRPr lang="en-US"/>
+                    </a:p>
+                  </a:txBody>
+                  <a:tcPr/>
+                </a:tc>
+                <a:tc>
+                  <a:txBody>
+                    <a:bodyPr/>
+                    <a:lstStyle/>
+                    <a:p>
+                      <a:pPr algn="ctr"/>
+                      <a:r>
+                        <a:rPr lang="en-US" dirty="0"/>
+                        <a:t>0.50</a:t>
+                      </a:r>
+                    </a:p>
+                  </a:txBody>
+                  <a:tcPr anchor="ctr"/>
+                </a:tc>
+                <a:tc>
+                  <a:txBody>
+                    <a:bodyPr/>
+                    <a:lstStyle/>
+                    <a:p>
+                      <a:pPr algn="ctr"/>
+                      <a:r>
+                        <a:rPr lang="en-US" dirty="0"/>
+                        <a:t>0.52</a:t>
+                      </a:r>
+                    </a:p>
+                  </a:txBody>
+                  <a:tcPr anchor="ctr"/>
+                </a:tc>
+                <a:tc>
+                  <a:txBody>
+                    <a:bodyPr/>
+                    <a:lstStyle/>
+                    <a:p>
+                      <a:pPr algn="ctr"/>
+                      <a:r>
+                        <a:rPr lang="en-US" dirty="0"/>
+                        <a:t>335</a:t>
+                      </a:r>
+                    </a:p>
+                  </a:txBody>
+                  <a:tcPr anchor="ctr"/>
+                </a:tc>
+                <a:tc>
+                  <a:txBody>
+                    <a:bodyPr/>
+                    <a:lstStyle/>
+                    <a:p>
+                      <a:pPr algn="ctr"/>
+                      <a:endParaRPr lang="en-US" dirty="0"/>
+                    </a:p>
+                  </a:txBody>
+                  <a:tcPr anchor="ctr"/>
+                </a:tc>
+                <a:tc>
+                  <a:txBody>
+                    <a:bodyPr/>
+                    <a:lstStyle/>
+                    <a:p>
+                      <a:pPr algn="ctr"/>
+                      <a:r>
+                        <a:rPr lang="en-US" sz="1600" dirty="0"/>
+                        <a:t>fine-tune</a:t>
+                      </a:r>
+                    </a:p>
+                    <a:p>
+                      <a:pPr algn="ctr"/>
+                      <a:r>
+                        <a:rPr lang="en-US" sz="1600" dirty="0"/>
+                        <a:t>last 1 layer </a:t>
+                      </a:r>
+                      <a:r>
+                        <a:rPr lang="en-US" sz="1600" dirty="0" err="1"/>
+                        <a:t>tform</a:t>
+                      </a:r>
+                      <a:r>
+                        <a:rPr lang="en-US" sz="1600" dirty="0"/>
+                        <a:t> unfrozen</a:t>
+                      </a:r>
+                    </a:p>
+                    <a:p>
+                      <a:pPr algn="ctr"/>
+                      <a:r>
+                        <a:rPr lang="en-US" sz="1600" dirty="0"/>
+                        <a:t>maybe overfitting…</a:t>
+                      </a:r>
+                    </a:p>
+                  </a:txBody>
+                  <a:tcPr anchor="ctr"/>
+                </a:tc>
+                <a:extLst>
+                  <a:ext uri="{0D108BD9-81ED-4DB2-BD59-A6C34878D82A}">
+                    <a16:rowId xmlns:a16="http://schemas.microsoft.com/office/drawing/2014/main" val="3796785061"/>
+                  </a:ext>
+                </a:extLst>
+              </a:tr>
+              <a:tr h="754056">
+                <a:tc vMerge="1">
+                  <a:txBody>
+                    <a:bodyPr/>
+                    <a:lstStyle/>
+                    <a:p>
+                      <a:endParaRPr lang="en-US" baseline="30000" dirty="0"/>
+                    </a:p>
+                  </a:txBody>
+                  <a:tcPr anchor="ctr"/>
+                </a:tc>
+                <a:tc>
+                  <a:txBody>
+                    <a:bodyPr/>
+                    <a:lstStyle/>
+                    <a:p>
+                      <a:pPr algn="ctr"/>
+                      <a:r>
+                        <a:rPr lang="en-US" dirty="0"/>
+                        <a:t>0.24</a:t>
+                      </a:r>
+                    </a:p>
+                  </a:txBody>
+                  <a:tcPr anchor="ctr"/>
+                </a:tc>
+                <a:tc>
+                  <a:txBody>
+                    <a:bodyPr/>
+                    <a:lstStyle/>
+                    <a:p>
+                      <a:pPr algn="ctr"/>
+                      <a:r>
+                        <a:rPr lang="en-US" dirty="0"/>
+                        <a:t>0.29</a:t>
+                      </a:r>
+                    </a:p>
+                  </a:txBody>
+                  <a:tcPr anchor="ctr"/>
+                </a:tc>
+                <a:tc>
+                  <a:txBody>
+                    <a:bodyPr/>
+                    <a:lstStyle/>
+                    <a:p>
+                      <a:pPr algn="ctr"/>
+                      <a:r>
+                        <a:rPr lang="en-US" dirty="0"/>
+                        <a:t>460</a:t>
+                      </a:r>
+                    </a:p>
+                  </a:txBody>
+                  <a:tcPr anchor="ctr"/>
+                </a:tc>
+                <a:tc>
+                  <a:txBody>
+                    <a:bodyPr/>
+                    <a:lstStyle/>
+                    <a:p>
+                      <a:pPr algn="ctr"/>
+                      <a:endParaRPr lang="en-US" dirty="0"/>
+                    </a:p>
+                  </a:txBody>
+                  <a:tcPr anchor="ctr"/>
+                </a:tc>
+                <a:tc>
+                  <a:txBody>
+                    <a:bodyPr/>
+                    <a:lstStyle/>
+                    <a:p>
+                      <a:pPr algn="ctr"/>
+                      <a:r>
+                        <a:rPr lang="en-US" dirty="0"/>
+                        <a:t>fine-tune</a:t>
+                      </a:r>
+                    </a:p>
+                    <a:p>
+                      <a:pPr algn="ctr"/>
+                      <a:r>
+                        <a:rPr lang="en-US" sz="1600" dirty="0"/>
+                        <a:t>last 2 layers </a:t>
+                      </a:r>
+                      <a:r>
+                        <a:rPr lang="en-US" sz="1600" dirty="0" err="1"/>
+                        <a:t>tform</a:t>
+                      </a:r>
+                      <a:r>
+                        <a:rPr lang="en-US" sz="1600" dirty="0"/>
+                        <a:t> unfrozen</a:t>
+                      </a:r>
+                    </a:p>
+                    <a:p>
+                      <a:pPr algn="ctr"/>
+                      <a:r>
+                        <a:rPr lang="en-US" sz="1600" dirty="0"/>
+                        <a:t>maybe overfitting…</a:t>
+                      </a:r>
+                    </a:p>
+                  </a:txBody>
+                  <a:tcPr anchor="ctr"/>
+                </a:tc>
+                <a:extLst>
+                  <a:ext uri="{0D108BD9-81ED-4DB2-BD59-A6C34878D82A}">
+                    <a16:rowId xmlns:a16="http://schemas.microsoft.com/office/drawing/2014/main" val="3068902763"/>
+                  </a:ext>
+                </a:extLst>
+              </a:tr>
+              <a:tr h="754056">
+                <a:tc vMerge="1">
+                  <a:txBody>
+                    <a:bodyPr/>
+                    <a:lstStyle/>
+                    <a:p>
+                      <a:endParaRPr lang="en-US" baseline="30000" dirty="0"/>
+                    </a:p>
+                  </a:txBody>
+                  <a:tcPr anchor="ctr"/>
+                </a:tc>
+                <a:tc>
+                  <a:txBody>
+                    <a:bodyPr/>
+                    <a:lstStyle/>
+                    <a:p>
+                      <a:pPr algn="ctr"/>
+                      <a:r>
+                        <a:rPr lang="en-US" dirty="0"/>
+                        <a:t>0.05</a:t>
+                      </a:r>
+                    </a:p>
+                  </a:txBody>
+                  <a:tcPr anchor="ctr"/>
+                </a:tc>
+                <a:tc>
+                  <a:txBody>
+                    <a:bodyPr/>
+                    <a:lstStyle/>
+                    <a:p>
+                      <a:pPr algn="ctr"/>
+                      <a:r>
+                        <a:rPr lang="en-US"/>
+                        <a:t>0.18</a:t>
+                      </a:r>
+                      <a:endParaRPr lang="en-US" dirty="0"/>
+                    </a:p>
+                  </a:txBody>
+                  <a:tcPr anchor="ctr"/>
+                </a:tc>
+                <a:tc>
+                  <a:txBody>
+                    <a:bodyPr/>
+                    <a:lstStyle/>
+                    <a:p>
+                      <a:pPr algn="ctr"/>
+                      <a:r>
+                        <a:rPr lang="en-US" dirty="0"/>
+                        <a:t>675</a:t>
+                      </a:r>
+                    </a:p>
+                  </a:txBody>
+                  <a:tcPr anchor="ctr"/>
+                </a:tc>
+                <a:tc>
+                  <a:txBody>
+                    <a:bodyPr/>
+                    <a:lstStyle/>
+                    <a:p>
+                      <a:pPr algn="ctr"/>
+                      <a:endParaRPr lang="en-US" dirty="0"/>
+                    </a:p>
+                  </a:txBody>
+                  <a:tcPr anchor="ctr"/>
+                </a:tc>
+                <a:tc>
+                  <a:txBody>
+                    <a:bodyPr/>
+                    <a:lstStyle/>
+                    <a:p>
+                      <a:pPr algn="ctr"/>
+                      <a:r>
+                        <a:rPr lang="en-US" sz="1600" dirty="0"/>
+                        <a:t>unfreeze last 3 layers</a:t>
+                      </a:r>
+                    </a:p>
+                  </a:txBody>
+                  <a:tcPr anchor="ctr"/>
+                </a:tc>
+                <a:extLst>
+                  <a:ext uri="{0D108BD9-81ED-4DB2-BD59-A6C34878D82A}">
+                    <a16:rowId xmlns:a16="http://schemas.microsoft.com/office/drawing/2014/main" val="3315586637"/>
                   </a:ext>
                 </a:extLst>
               </a:tr>
@@ -5698,8 +7464,8 @@
         </p:nvSpPr>
         <p:spPr>
           <a:xfrm>
-            <a:off x="389614" y="5534108"/>
-            <a:ext cx="8333435" cy="646331"/>
+            <a:off x="389614" y="6344991"/>
+            <a:ext cx="10016781" cy="369332"/>
           </a:xfrm>
           <a:prstGeom prst="rect">
             <a:avLst/>
@@ -5717,23 +7483,6 @@
             </a:pPr>
             <a:r>
               <a:rPr lang="en-US" dirty="0"/>
-              <a:t>Train the fine-tune BERT model from scratch (no pre-training) on </a:t>
-            </a:r>
-            <a:r>
-              <a:rPr lang="en-US" dirty="0" err="1"/>
-              <a:t>scFV</a:t>
-            </a:r>
-            <a:r>
-              <a:rPr lang="en-US" dirty="0"/>
-              <a:t> train data</a:t>
-            </a:r>
-          </a:p>
-          <a:p>
-            <a:pPr marL="342900" indent="-342900">
-              <a:buAutoNum type="arabicPeriod"/>
-            </a:pPr>
-            <a:r>
-              <a:rPr lang="en-US" dirty="0"/>
               <a:t>Pre-train BERT on OAS dataset, then fine-tune on </a:t>
             </a:r>
             <a:r>
@@ -5742,8 +7491,15 @@
             </a:r>
             <a:r>
               <a:rPr lang="en-US" dirty="0"/>
-              <a:t> train data</a:t>
-            </a:r>
+              <a:t> train data (OAS dataset is </a:t>
+            </a:r>
+            <a:r>
+              <a:rPr lang="en-US" b="0" dirty="0">
+                <a:effectLst/>
+              </a:rPr>
+              <a:t>18061315 rows)</a:t>
+            </a:r>
+            <a:endParaRPr lang="en-US" dirty="0"/>
           </a:p>
         </p:txBody>
       </p:sp>
@@ -5760,7 +7516,7 @@
 </p:sld>
 </file>
 
-<file path=ppt/slides/slide13.xml><?xml version="1.0" encoding="utf-8"?>
+<file path=ppt/slides/slide15.xml><?xml version="1.0" encoding="utf-8"?>
 <p:sld xmlns:a="http://schemas.openxmlformats.org/drawingml/2006/main" xmlns:r="http://schemas.openxmlformats.org/officeDocument/2006/relationships" xmlns:p="http://schemas.openxmlformats.org/presentationml/2006/main">
   <p:cSld>
     <p:spTree>
@@ -6163,7 +7919,7 @@
 </p:sld>
 </file>
 
-<file path=ppt/slides/slide14.xml><?xml version="1.0" encoding="utf-8"?>
+<file path=ppt/slides/slide16.xml><?xml version="1.0" encoding="utf-8"?>
 <p:sld xmlns:a="http://schemas.openxmlformats.org/drawingml/2006/main" xmlns:r="http://schemas.openxmlformats.org/officeDocument/2006/relationships" xmlns:p="http://schemas.openxmlformats.org/presentationml/2006/main">
   <p:cSld>
     <p:spTree>
@@ -6551,7 +8307,7 @@
 </p:sld>
 </file>
 
-<file path=ppt/slides/slide15.xml><?xml version="1.0" encoding="utf-8"?>
+<file path=ppt/slides/slide17.xml><?xml version="1.0" encoding="utf-8"?>
 <p:sld xmlns:a="http://schemas.openxmlformats.org/drawingml/2006/main" xmlns:r="http://schemas.openxmlformats.org/officeDocument/2006/relationships" xmlns:p="http://schemas.openxmlformats.org/presentationml/2006/main">
   <p:cSld>
     <p:spTree>
@@ -6936,7 +8692,7 @@
 </p:sld>
 </file>
 
-<file path=ppt/slides/slide16.xml><?xml version="1.0" encoding="utf-8"?>
+<file path=ppt/slides/slide18.xml><?xml version="1.0" encoding="utf-8"?>
 <p:sld xmlns:a="http://schemas.openxmlformats.org/drawingml/2006/main" xmlns:r="http://schemas.openxmlformats.org/officeDocument/2006/relationships" xmlns:p="http://schemas.openxmlformats.org/presentationml/2006/main">
   <p:cSld>
     <p:spTree>
@@ -8627,7 +10383,7 @@
 </p:sld>
 </file>
 
-<file path=ppt/slides/slide17.xml><?xml version="1.0" encoding="utf-8"?>
+<file path=ppt/slides/slide19.xml><?xml version="1.0" encoding="utf-8"?>
 <p:sld xmlns:a="http://schemas.openxmlformats.org/drawingml/2006/main" xmlns:r="http://schemas.openxmlformats.org/officeDocument/2006/relationships" xmlns:p="http://schemas.openxmlformats.org/presentationml/2006/main">
   <p:cSld>
     <p:spTree>
@@ -9306,7 +11062,386 @@
 </p:sld>
 </file>
 
-<file path=ppt/slides/slide18.xml><?xml version="1.0" encoding="utf-8"?>
+<file path=ppt/slides/slide2.xml><?xml version="1.0" encoding="utf-8"?>
+<p:sld xmlns:a="http://schemas.openxmlformats.org/drawingml/2006/main" xmlns:r="http://schemas.openxmlformats.org/officeDocument/2006/relationships" xmlns:p="http://schemas.openxmlformats.org/presentationml/2006/main">
+  <p:cSld>
+    <p:spTree>
+      <p:nvGrpSpPr>
+        <p:cNvPr id="1" name=""/>
+        <p:cNvGrpSpPr/>
+        <p:nvPr/>
+      </p:nvGrpSpPr>
+      <p:grpSpPr>
+        <a:xfrm>
+          <a:off x="0" y="0"/>
+          <a:ext cx="0" cy="0"/>
+          <a:chOff x="0" y="0"/>
+          <a:chExt cx="0" cy="0"/>
+        </a:xfrm>
+      </p:grpSpPr>
+      <p:sp>
+        <p:nvSpPr>
+          <p:cNvPr id="2" name="TextBox 1">
+            <a:extLst>
+              <a:ext uri="{FF2B5EF4-FFF2-40B4-BE49-F238E27FC236}">
+                <a16:creationId xmlns:a16="http://schemas.microsoft.com/office/drawing/2014/main" id="{E758D5CD-18BF-EE2E-47E2-E832CEE7988E}"/>
+              </a:ext>
+            </a:extLst>
+          </p:cNvPr>
+          <p:cNvSpPr txBox="1"/>
+          <p:nvPr/>
+        </p:nvSpPr>
+        <p:spPr>
+          <a:xfrm>
+            <a:off x="140127" y="221836"/>
+            <a:ext cx="3472810" cy="461665"/>
+          </a:xfrm>
+          <a:prstGeom prst="rect">
+            <a:avLst/>
+          </a:prstGeom>
+          <a:noFill/>
+        </p:spPr>
+        <p:txBody>
+          <a:bodyPr wrap="none" rtlCol="0">
+            <a:spAutoFit/>
+          </a:bodyPr>
+          <a:lstStyle/>
+          <a:p>
+            <a:r>
+              <a:rPr lang="en-US" sz="2400" dirty="0"/>
+              <a:t>Data set analysis – part 1</a:t>
+            </a:r>
+          </a:p>
+        </p:txBody>
+      </p:sp>
+      <p:sp>
+        <p:nvSpPr>
+          <p:cNvPr id="5" name="TextBox 4">
+            <a:extLst>
+              <a:ext uri="{FF2B5EF4-FFF2-40B4-BE49-F238E27FC236}">
+                <a16:creationId xmlns:a16="http://schemas.microsoft.com/office/drawing/2014/main" id="{9D21562E-004E-F27D-F7B0-73BC9E3A90A1}"/>
+              </a:ext>
+            </a:extLst>
+          </p:cNvPr>
+          <p:cNvSpPr txBox="1"/>
+          <p:nvPr/>
+        </p:nvSpPr>
+        <p:spPr>
+          <a:xfrm>
+            <a:off x="223864" y="961394"/>
+            <a:ext cx="7074915" cy="2800767"/>
+          </a:xfrm>
+          <a:prstGeom prst="rect">
+            <a:avLst/>
+          </a:prstGeom>
+          <a:noFill/>
+        </p:spPr>
+        <p:txBody>
+          <a:bodyPr wrap="square">
+            <a:spAutoFit/>
+          </a:bodyPr>
+          <a:lstStyle/>
+          <a:p>
+            <a:r>
+              <a:rPr lang="en-US" sz="1600" b="1" dirty="0" err="1">
+                <a:effectLst/>
+              </a:rPr>
+              <a:t>alphaseq_data_train.csv</a:t>
+            </a:r>
+            <a:endParaRPr lang="en-US" sz="1600" b="1" dirty="0">
+              <a:effectLst/>
+            </a:endParaRPr>
+          </a:p>
+          <a:p>
+            <a:pPr marL="285750" indent="-285750">
+              <a:buFont typeface="Arial" panose="020B0604020202020204" pitchFamily="34" charset="0"/>
+              <a:buChar char="•"/>
+            </a:pPr>
+            <a:r>
+              <a:rPr lang="en-US" sz="1600" b="0" dirty="0">
+                <a:effectLst/>
+              </a:rPr>
+              <a:t>29199 unique aa sequences</a:t>
+            </a:r>
+          </a:p>
+          <a:p>
+            <a:pPr marL="742950" lvl="1" indent="-285750">
+              <a:buFont typeface="Arial" panose="020B0604020202020204" pitchFamily="34" charset="0"/>
+              <a:buChar char="•"/>
+            </a:pPr>
+            <a:r>
+              <a:rPr lang="en-US" sz="1600" dirty="0"/>
+              <a:t>For duplicate entries use the mean of their </a:t>
+            </a:r>
+            <a:r>
+              <a:rPr lang="en-US" sz="1600" dirty="0" err="1"/>
+              <a:t>Kd</a:t>
+            </a:r>
+            <a:r>
+              <a:rPr lang="en-US" sz="1600" dirty="0"/>
+              <a:t> values</a:t>
+            </a:r>
+            <a:endParaRPr lang="en-US" sz="1600" b="0" dirty="0">
+              <a:effectLst/>
+            </a:endParaRPr>
+          </a:p>
+          <a:p>
+            <a:pPr marL="285750" indent="-285750">
+              <a:buFont typeface="Arial" panose="020B0604020202020204" pitchFamily="34" charset="0"/>
+              <a:buChar char="•"/>
+            </a:pPr>
+            <a:r>
+              <a:rPr lang="en-US" sz="1600" b="0" dirty="0">
+                <a:effectLst/>
+              </a:rPr>
+              <a:t>remove all entries with NANs for </a:t>
+            </a:r>
+            <a:r>
+              <a:rPr lang="en-US" sz="1600" b="0" dirty="0" err="1">
+                <a:effectLst/>
+              </a:rPr>
+              <a:t>Kd</a:t>
+            </a:r>
+            <a:endParaRPr lang="en-US" sz="1600" b="0" dirty="0">
+              <a:effectLst/>
+            </a:endParaRPr>
+          </a:p>
+          <a:p>
+            <a:pPr marL="285750" indent="-285750">
+              <a:buFont typeface="Arial" panose="020B0604020202020204" pitchFamily="34" charset="0"/>
+              <a:buChar char="•"/>
+            </a:pPr>
+            <a:r>
+              <a:rPr lang="en-US" sz="1600" b="0" dirty="0">
+                <a:effectLst/>
+              </a:rPr>
+              <a:t>all sequences are same length: 246 residues</a:t>
+            </a:r>
+          </a:p>
+          <a:p>
+            <a:pPr marL="285750" indent="-285750">
+              <a:buFont typeface="Arial" panose="020B0604020202020204" pitchFamily="34" charset="0"/>
+              <a:buChar char="•"/>
+            </a:pPr>
+            <a:r>
+              <a:rPr lang="en-US" sz="1600" dirty="0"/>
+              <a:t>plot distribution of </a:t>
+            </a:r>
+            <a:r>
+              <a:rPr lang="en-US" sz="1600" dirty="0" err="1"/>
+              <a:t>Kd</a:t>
+            </a:r>
+            <a:r>
+              <a:rPr lang="en-US" sz="1600" dirty="0"/>
+              <a:t> values</a:t>
+            </a:r>
+          </a:p>
+          <a:p>
+            <a:pPr marL="742950" lvl="1" indent="-285750">
+              <a:buFont typeface="Arial" panose="020B0604020202020204" pitchFamily="34" charset="0"/>
+              <a:buChar char="•"/>
+            </a:pPr>
+            <a:r>
+              <a:rPr lang="en-US" sz="1600" dirty="0"/>
+              <a:t>interesting bimodal distribution</a:t>
+            </a:r>
+          </a:p>
+          <a:p>
+            <a:pPr marL="742950" lvl="1" indent="-285750">
+              <a:buFont typeface="Arial" panose="020B0604020202020204" pitchFamily="34" charset="0"/>
+              <a:buChar char="•"/>
+            </a:pPr>
+            <a:r>
+              <a:rPr lang="en-US" sz="1600" dirty="0"/>
+              <a:t>diff between the two peaks is ~0.25 kcal/mol </a:t>
+            </a:r>
+            <a:r>
+              <a:rPr lang="en-US" sz="1600" dirty="0">
+                <a:latin typeface="Symbol" pitchFamily="2" charset="2"/>
+              </a:rPr>
+              <a:t>D</a:t>
+            </a:r>
+            <a:r>
+              <a:rPr lang="en-US" sz="1600" dirty="0"/>
+              <a:t>G</a:t>
+            </a:r>
+          </a:p>
+          <a:p>
+            <a:pPr marL="285750" indent="-285750">
+              <a:buFont typeface="Arial" panose="020B0604020202020204" pitchFamily="34" charset="0"/>
+              <a:buChar char="•"/>
+            </a:pPr>
+            <a:r>
+              <a:rPr lang="en-US" sz="1600" b="0" dirty="0">
+                <a:effectLst/>
+              </a:rPr>
+              <a:t>plot the variability at each residue position in the sequence</a:t>
+            </a:r>
+          </a:p>
+          <a:p>
+            <a:pPr marL="742950" lvl="1" indent="-285750">
+              <a:buFont typeface="Arial" panose="020B0604020202020204" pitchFamily="34" charset="0"/>
+              <a:buChar char="•"/>
+            </a:pPr>
+            <a:r>
+              <a:rPr lang="en-US" sz="1600" dirty="0"/>
+              <a:t>80 residue region (position 29 to 108) has all the mutations</a:t>
+            </a:r>
+          </a:p>
+          <a:p>
+            <a:pPr marL="742950" lvl="1" indent="-285750">
+              <a:buFont typeface="Arial" panose="020B0604020202020204" pitchFamily="34" charset="0"/>
+              <a:buChar char="•"/>
+            </a:pPr>
+            <a:r>
+              <a:rPr lang="en-US" sz="1600" dirty="0"/>
+              <a:t>this is likely a CDR region</a:t>
+            </a:r>
+            <a:endParaRPr lang="en-US" sz="1600" b="0" dirty="0">
+              <a:effectLst/>
+            </a:endParaRPr>
+          </a:p>
+        </p:txBody>
+      </p:sp>
+      <p:pic>
+        <p:nvPicPr>
+          <p:cNvPr id="6" name="Picture 5">
+            <a:extLst>
+              <a:ext uri="{FF2B5EF4-FFF2-40B4-BE49-F238E27FC236}">
+                <a16:creationId xmlns:a16="http://schemas.microsoft.com/office/drawing/2014/main" id="{D17F21C1-D1A7-E53B-97D8-88CD6C8728DA}"/>
+              </a:ext>
+            </a:extLst>
+          </p:cNvPr>
+          <p:cNvPicPr>
+            <a:picLocks noChangeAspect="1"/>
+          </p:cNvPicPr>
+          <p:nvPr/>
+        </p:nvPicPr>
+        <p:blipFill>
+          <a:blip r:embed="rId2"/>
+          <a:stretch>
+            <a:fillRect/>
+          </a:stretch>
+        </p:blipFill>
+        <p:spPr>
+          <a:xfrm>
+            <a:off x="8015617" y="221836"/>
+            <a:ext cx="3683000" cy="2870200"/>
+          </a:xfrm>
+          <a:prstGeom prst="rect">
+            <a:avLst/>
+          </a:prstGeom>
+        </p:spPr>
+      </p:pic>
+      <p:sp>
+        <p:nvSpPr>
+          <p:cNvPr id="7" name="TextBox 6">
+            <a:extLst>
+              <a:ext uri="{FF2B5EF4-FFF2-40B4-BE49-F238E27FC236}">
+                <a16:creationId xmlns:a16="http://schemas.microsoft.com/office/drawing/2014/main" id="{6F74E53A-581B-C458-F657-00CE2DE6B2CE}"/>
+              </a:ext>
+            </a:extLst>
+          </p:cNvPr>
+          <p:cNvSpPr txBox="1"/>
+          <p:nvPr/>
+        </p:nvSpPr>
+        <p:spPr>
+          <a:xfrm>
+            <a:off x="8556321" y="3092036"/>
+            <a:ext cx="3288946" cy="523220"/>
+          </a:xfrm>
+          <a:prstGeom prst="rect">
+            <a:avLst/>
+          </a:prstGeom>
+          <a:noFill/>
+        </p:spPr>
+        <p:txBody>
+          <a:bodyPr wrap="square" rtlCol="0">
+            <a:spAutoFit/>
+          </a:bodyPr>
+          <a:lstStyle/>
+          <a:p>
+            <a:r>
+              <a:rPr lang="en-US" sz="1400" dirty="0"/>
+              <a:t>bimodal-like distribution is similar to that reported in the Nature paper</a:t>
+            </a:r>
+          </a:p>
+        </p:txBody>
+      </p:sp>
+      <p:pic>
+        <p:nvPicPr>
+          <p:cNvPr id="8" name="Picture 7">
+            <a:extLst>
+              <a:ext uri="{FF2B5EF4-FFF2-40B4-BE49-F238E27FC236}">
+                <a16:creationId xmlns:a16="http://schemas.microsoft.com/office/drawing/2014/main" id="{6A5B62CE-2B72-1D08-0C96-9BE8BE846DFD}"/>
+              </a:ext>
+            </a:extLst>
+          </p:cNvPr>
+          <p:cNvPicPr>
+            <a:picLocks noChangeAspect="1"/>
+          </p:cNvPicPr>
+          <p:nvPr/>
+        </p:nvPicPr>
+        <p:blipFill>
+          <a:blip r:embed="rId3"/>
+          <a:stretch>
+            <a:fillRect/>
+          </a:stretch>
+        </p:blipFill>
+        <p:spPr>
+          <a:xfrm>
+            <a:off x="2078121" y="4196152"/>
+            <a:ext cx="3366402" cy="2454215"/>
+          </a:xfrm>
+          <a:prstGeom prst="rect">
+            <a:avLst/>
+          </a:prstGeom>
+        </p:spPr>
+      </p:pic>
+      <p:pic>
+        <p:nvPicPr>
+          <p:cNvPr id="9" name="Picture 8">
+            <a:extLst>
+              <a:ext uri="{FF2B5EF4-FFF2-40B4-BE49-F238E27FC236}">
+                <a16:creationId xmlns:a16="http://schemas.microsoft.com/office/drawing/2014/main" id="{3BFBCF0B-3639-7E22-34EB-3B5317FFCBF8}"/>
+              </a:ext>
+            </a:extLst>
+          </p:cNvPr>
+          <p:cNvPicPr>
+            <a:picLocks noChangeAspect="1"/>
+          </p:cNvPicPr>
+          <p:nvPr/>
+        </p:nvPicPr>
+        <p:blipFill>
+          <a:blip r:embed="rId4"/>
+          <a:stretch>
+            <a:fillRect/>
+          </a:stretch>
+        </p:blipFill>
+        <p:spPr>
+          <a:xfrm>
+            <a:off x="6631692" y="3893149"/>
+            <a:ext cx="3225425" cy="2757218"/>
+          </a:xfrm>
+          <a:prstGeom prst="rect">
+            <a:avLst/>
+          </a:prstGeom>
+        </p:spPr>
+      </p:pic>
+    </p:spTree>
+    <p:extLst>
+      <p:ext uri="{BB962C8B-B14F-4D97-AF65-F5344CB8AC3E}">
+        <p14:creationId xmlns:p14="http://schemas.microsoft.com/office/powerpoint/2010/main" val="2470448845"/>
+      </p:ext>
+    </p:extLst>
+  </p:cSld>
+  <p:clrMapOvr>
+    <a:masterClrMapping/>
+  </p:clrMapOvr>
+</p:sld>
+</file>
+
+<file path=ppt/slides/slide20.xml><?xml version="1.0" encoding="utf-8"?>
 <p:sld xmlns:a="http://schemas.openxmlformats.org/drawingml/2006/main" xmlns:r="http://schemas.openxmlformats.org/officeDocument/2006/relationships" xmlns:p="http://schemas.openxmlformats.org/presentationml/2006/main">
   <p:cSld>
     <p:spTree>
@@ -10534,7 +12669,7 @@
 </p:sld>
 </file>
 
-<file path=ppt/slides/slide19.xml><?xml version="1.0" encoding="utf-8"?>
+<file path=ppt/slides/slide21.xml><?xml version="1.0" encoding="utf-8"?>
 <p:sld xmlns:a="http://schemas.openxmlformats.org/drawingml/2006/main" xmlns:r="http://schemas.openxmlformats.org/officeDocument/2006/relationships" xmlns:p="http://schemas.openxmlformats.org/presentationml/2006/main">
   <p:cSld>
     <p:spTree>
@@ -13357,386 +15492,7 @@
 </p:sld>
 </file>
 
-<file path=ppt/slides/slide2.xml><?xml version="1.0" encoding="utf-8"?>
-<p:sld xmlns:a="http://schemas.openxmlformats.org/drawingml/2006/main" xmlns:r="http://schemas.openxmlformats.org/officeDocument/2006/relationships" xmlns:p="http://schemas.openxmlformats.org/presentationml/2006/main">
-  <p:cSld>
-    <p:spTree>
-      <p:nvGrpSpPr>
-        <p:cNvPr id="1" name=""/>
-        <p:cNvGrpSpPr/>
-        <p:nvPr/>
-      </p:nvGrpSpPr>
-      <p:grpSpPr>
-        <a:xfrm>
-          <a:off x="0" y="0"/>
-          <a:ext cx="0" cy="0"/>
-          <a:chOff x="0" y="0"/>
-          <a:chExt cx="0" cy="0"/>
-        </a:xfrm>
-      </p:grpSpPr>
-      <p:sp>
-        <p:nvSpPr>
-          <p:cNvPr id="2" name="TextBox 1">
-            <a:extLst>
-              <a:ext uri="{FF2B5EF4-FFF2-40B4-BE49-F238E27FC236}">
-                <a16:creationId xmlns:a16="http://schemas.microsoft.com/office/drawing/2014/main" id="{E758D5CD-18BF-EE2E-47E2-E832CEE7988E}"/>
-              </a:ext>
-            </a:extLst>
-          </p:cNvPr>
-          <p:cNvSpPr txBox="1"/>
-          <p:nvPr/>
-        </p:nvSpPr>
-        <p:spPr>
-          <a:xfrm>
-            <a:off x="140127" y="221836"/>
-            <a:ext cx="3472810" cy="461665"/>
-          </a:xfrm>
-          <a:prstGeom prst="rect">
-            <a:avLst/>
-          </a:prstGeom>
-          <a:noFill/>
-        </p:spPr>
-        <p:txBody>
-          <a:bodyPr wrap="none" rtlCol="0">
-            <a:spAutoFit/>
-          </a:bodyPr>
-          <a:lstStyle/>
-          <a:p>
-            <a:r>
-              <a:rPr lang="en-US" sz="2400" dirty="0"/>
-              <a:t>Data set analysis – part 1</a:t>
-            </a:r>
-          </a:p>
-        </p:txBody>
-      </p:sp>
-      <p:sp>
-        <p:nvSpPr>
-          <p:cNvPr id="5" name="TextBox 4">
-            <a:extLst>
-              <a:ext uri="{FF2B5EF4-FFF2-40B4-BE49-F238E27FC236}">
-                <a16:creationId xmlns:a16="http://schemas.microsoft.com/office/drawing/2014/main" id="{9D21562E-004E-F27D-F7B0-73BC9E3A90A1}"/>
-              </a:ext>
-            </a:extLst>
-          </p:cNvPr>
-          <p:cNvSpPr txBox="1"/>
-          <p:nvPr/>
-        </p:nvSpPr>
-        <p:spPr>
-          <a:xfrm>
-            <a:off x="223864" y="961394"/>
-            <a:ext cx="7074915" cy="2800767"/>
-          </a:xfrm>
-          <a:prstGeom prst="rect">
-            <a:avLst/>
-          </a:prstGeom>
-          <a:noFill/>
-        </p:spPr>
-        <p:txBody>
-          <a:bodyPr wrap="square">
-            <a:spAutoFit/>
-          </a:bodyPr>
-          <a:lstStyle/>
-          <a:p>
-            <a:r>
-              <a:rPr lang="en-US" sz="1600" b="1" dirty="0" err="1">
-                <a:effectLst/>
-              </a:rPr>
-              <a:t>alphaseq_data_train.csv</a:t>
-            </a:r>
-            <a:endParaRPr lang="en-US" sz="1600" b="1" dirty="0">
-              <a:effectLst/>
-            </a:endParaRPr>
-          </a:p>
-          <a:p>
-            <a:pPr marL="285750" indent="-285750">
-              <a:buFont typeface="Arial" panose="020B0604020202020204" pitchFamily="34" charset="0"/>
-              <a:buChar char="•"/>
-            </a:pPr>
-            <a:r>
-              <a:rPr lang="en-US" sz="1600" b="0" dirty="0">
-                <a:effectLst/>
-              </a:rPr>
-              <a:t>29199 unique aa sequences</a:t>
-            </a:r>
-          </a:p>
-          <a:p>
-            <a:pPr marL="742950" lvl="1" indent="-285750">
-              <a:buFont typeface="Arial" panose="020B0604020202020204" pitchFamily="34" charset="0"/>
-              <a:buChar char="•"/>
-            </a:pPr>
-            <a:r>
-              <a:rPr lang="en-US" sz="1600" dirty="0"/>
-              <a:t>For duplicate entries use the mean of their </a:t>
-            </a:r>
-            <a:r>
-              <a:rPr lang="en-US" sz="1600" dirty="0" err="1"/>
-              <a:t>Kd</a:t>
-            </a:r>
-            <a:r>
-              <a:rPr lang="en-US" sz="1600" dirty="0"/>
-              <a:t> values</a:t>
-            </a:r>
-            <a:endParaRPr lang="en-US" sz="1600" b="0" dirty="0">
-              <a:effectLst/>
-            </a:endParaRPr>
-          </a:p>
-          <a:p>
-            <a:pPr marL="285750" indent="-285750">
-              <a:buFont typeface="Arial" panose="020B0604020202020204" pitchFamily="34" charset="0"/>
-              <a:buChar char="•"/>
-            </a:pPr>
-            <a:r>
-              <a:rPr lang="en-US" sz="1600" b="0" dirty="0">
-                <a:effectLst/>
-              </a:rPr>
-              <a:t>remove all entries with NANs for </a:t>
-            </a:r>
-            <a:r>
-              <a:rPr lang="en-US" sz="1600" b="0" dirty="0" err="1">
-                <a:effectLst/>
-              </a:rPr>
-              <a:t>Kd</a:t>
-            </a:r>
-            <a:endParaRPr lang="en-US" sz="1600" b="0" dirty="0">
-              <a:effectLst/>
-            </a:endParaRPr>
-          </a:p>
-          <a:p>
-            <a:pPr marL="285750" indent="-285750">
-              <a:buFont typeface="Arial" panose="020B0604020202020204" pitchFamily="34" charset="0"/>
-              <a:buChar char="•"/>
-            </a:pPr>
-            <a:r>
-              <a:rPr lang="en-US" sz="1600" b="0" dirty="0">
-                <a:effectLst/>
-              </a:rPr>
-              <a:t>all sequences are same length: 246 residues</a:t>
-            </a:r>
-          </a:p>
-          <a:p>
-            <a:pPr marL="285750" indent="-285750">
-              <a:buFont typeface="Arial" panose="020B0604020202020204" pitchFamily="34" charset="0"/>
-              <a:buChar char="•"/>
-            </a:pPr>
-            <a:r>
-              <a:rPr lang="en-US" sz="1600" dirty="0"/>
-              <a:t>plot distribution of </a:t>
-            </a:r>
-            <a:r>
-              <a:rPr lang="en-US" sz="1600" dirty="0" err="1"/>
-              <a:t>Kd</a:t>
-            </a:r>
-            <a:r>
-              <a:rPr lang="en-US" sz="1600" dirty="0"/>
-              <a:t> values</a:t>
-            </a:r>
-          </a:p>
-          <a:p>
-            <a:pPr marL="742950" lvl="1" indent="-285750">
-              <a:buFont typeface="Arial" panose="020B0604020202020204" pitchFamily="34" charset="0"/>
-              <a:buChar char="•"/>
-            </a:pPr>
-            <a:r>
-              <a:rPr lang="en-US" sz="1600" dirty="0"/>
-              <a:t>interesting bimodal distribution</a:t>
-            </a:r>
-          </a:p>
-          <a:p>
-            <a:pPr marL="742950" lvl="1" indent="-285750">
-              <a:buFont typeface="Arial" panose="020B0604020202020204" pitchFamily="34" charset="0"/>
-              <a:buChar char="•"/>
-            </a:pPr>
-            <a:r>
-              <a:rPr lang="en-US" sz="1600" dirty="0"/>
-              <a:t>diff between the two peaks is ~0.25 kcal/mol </a:t>
-            </a:r>
-            <a:r>
-              <a:rPr lang="en-US" sz="1600" dirty="0">
-                <a:latin typeface="Symbol" pitchFamily="2" charset="2"/>
-              </a:rPr>
-              <a:t>D</a:t>
-            </a:r>
-            <a:r>
-              <a:rPr lang="en-US" sz="1600" dirty="0"/>
-              <a:t>G</a:t>
-            </a:r>
-          </a:p>
-          <a:p>
-            <a:pPr marL="285750" indent="-285750">
-              <a:buFont typeface="Arial" panose="020B0604020202020204" pitchFamily="34" charset="0"/>
-              <a:buChar char="•"/>
-            </a:pPr>
-            <a:r>
-              <a:rPr lang="en-US" sz="1600" b="0" dirty="0">
-                <a:effectLst/>
-              </a:rPr>
-              <a:t>plot the variability at each residue position in the sequence</a:t>
-            </a:r>
-          </a:p>
-          <a:p>
-            <a:pPr marL="742950" lvl="1" indent="-285750">
-              <a:buFont typeface="Arial" panose="020B0604020202020204" pitchFamily="34" charset="0"/>
-              <a:buChar char="•"/>
-            </a:pPr>
-            <a:r>
-              <a:rPr lang="en-US" sz="1600" dirty="0"/>
-              <a:t>80 residue region (position 29 to 108) has all the mutations</a:t>
-            </a:r>
-          </a:p>
-          <a:p>
-            <a:pPr marL="742950" lvl="1" indent="-285750">
-              <a:buFont typeface="Arial" panose="020B0604020202020204" pitchFamily="34" charset="0"/>
-              <a:buChar char="•"/>
-            </a:pPr>
-            <a:r>
-              <a:rPr lang="en-US" sz="1600" dirty="0"/>
-              <a:t>this is likely a CDR region</a:t>
-            </a:r>
-            <a:endParaRPr lang="en-US" sz="1600" b="0" dirty="0">
-              <a:effectLst/>
-            </a:endParaRPr>
-          </a:p>
-        </p:txBody>
-      </p:sp>
-      <p:pic>
-        <p:nvPicPr>
-          <p:cNvPr id="6" name="Picture 5">
-            <a:extLst>
-              <a:ext uri="{FF2B5EF4-FFF2-40B4-BE49-F238E27FC236}">
-                <a16:creationId xmlns:a16="http://schemas.microsoft.com/office/drawing/2014/main" id="{D17F21C1-D1A7-E53B-97D8-88CD6C8728DA}"/>
-              </a:ext>
-            </a:extLst>
-          </p:cNvPr>
-          <p:cNvPicPr>
-            <a:picLocks noChangeAspect="1"/>
-          </p:cNvPicPr>
-          <p:nvPr/>
-        </p:nvPicPr>
-        <p:blipFill>
-          <a:blip r:embed="rId2"/>
-          <a:stretch>
-            <a:fillRect/>
-          </a:stretch>
-        </p:blipFill>
-        <p:spPr>
-          <a:xfrm>
-            <a:off x="8015617" y="221836"/>
-            <a:ext cx="3683000" cy="2870200"/>
-          </a:xfrm>
-          <a:prstGeom prst="rect">
-            <a:avLst/>
-          </a:prstGeom>
-        </p:spPr>
-      </p:pic>
-      <p:sp>
-        <p:nvSpPr>
-          <p:cNvPr id="7" name="TextBox 6">
-            <a:extLst>
-              <a:ext uri="{FF2B5EF4-FFF2-40B4-BE49-F238E27FC236}">
-                <a16:creationId xmlns:a16="http://schemas.microsoft.com/office/drawing/2014/main" id="{6F74E53A-581B-C458-F657-00CE2DE6B2CE}"/>
-              </a:ext>
-            </a:extLst>
-          </p:cNvPr>
-          <p:cNvSpPr txBox="1"/>
-          <p:nvPr/>
-        </p:nvSpPr>
-        <p:spPr>
-          <a:xfrm>
-            <a:off x="8556321" y="3092036"/>
-            <a:ext cx="3288946" cy="523220"/>
-          </a:xfrm>
-          <a:prstGeom prst="rect">
-            <a:avLst/>
-          </a:prstGeom>
-          <a:noFill/>
-        </p:spPr>
-        <p:txBody>
-          <a:bodyPr wrap="square" rtlCol="0">
-            <a:spAutoFit/>
-          </a:bodyPr>
-          <a:lstStyle/>
-          <a:p>
-            <a:r>
-              <a:rPr lang="en-US" sz="1400" dirty="0"/>
-              <a:t>bimodal-like distribution is similar to that reported in the Nature paper</a:t>
-            </a:r>
-          </a:p>
-        </p:txBody>
-      </p:sp>
-      <p:pic>
-        <p:nvPicPr>
-          <p:cNvPr id="8" name="Picture 7">
-            <a:extLst>
-              <a:ext uri="{FF2B5EF4-FFF2-40B4-BE49-F238E27FC236}">
-                <a16:creationId xmlns:a16="http://schemas.microsoft.com/office/drawing/2014/main" id="{6A5B62CE-2B72-1D08-0C96-9BE8BE846DFD}"/>
-              </a:ext>
-            </a:extLst>
-          </p:cNvPr>
-          <p:cNvPicPr>
-            <a:picLocks noChangeAspect="1"/>
-          </p:cNvPicPr>
-          <p:nvPr/>
-        </p:nvPicPr>
-        <p:blipFill>
-          <a:blip r:embed="rId3"/>
-          <a:stretch>
-            <a:fillRect/>
-          </a:stretch>
-        </p:blipFill>
-        <p:spPr>
-          <a:xfrm>
-            <a:off x="2078121" y="4196152"/>
-            <a:ext cx="3366402" cy="2454215"/>
-          </a:xfrm>
-          <a:prstGeom prst="rect">
-            <a:avLst/>
-          </a:prstGeom>
-        </p:spPr>
-      </p:pic>
-      <p:pic>
-        <p:nvPicPr>
-          <p:cNvPr id="9" name="Picture 8">
-            <a:extLst>
-              <a:ext uri="{FF2B5EF4-FFF2-40B4-BE49-F238E27FC236}">
-                <a16:creationId xmlns:a16="http://schemas.microsoft.com/office/drawing/2014/main" id="{3BFBCF0B-3639-7E22-34EB-3B5317FFCBF8}"/>
-              </a:ext>
-            </a:extLst>
-          </p:cNvPr>
-          <p:cNvPicPr>
-            <a:picLocks noChangeAspect="1"/>
-          </p:cNvPicPr>
-          <p:nvPr/>
-        </p:nvPicPr>
-        <p:blipFill>
-          <a:blip r:embed="rId4"/>
-          <a:stretch>
-            <a:fillRect/>
-          </a:stretch>
-        </p:blipFill>
-        <p:spPr>
-          <a:xfrm>
-            <a:off x="6631692" y="3893149"/>
-            <a:ext cx="3225425" cy="2757218"/>
-          </a:xfrm>
-          <a:prstGeom prst="rect">
-            <a:avLst/>
-          </a:prstGeom>
-        </p:spPr>
-      </p:pic>
-    </p:spTree>
-    <p:extLst>
-      <p:ext uri="{BB962C8B-B14F-4D97-AF65-F5344CB8AC3E}">
-        <p14:creationId xmlns:p14="http://schemas.microsoft.com/office/powerpoint/2010/main" val="2470448845"/>
-      </p:ext>
-    </p:extLst>
-  </p:cSld>
-  <p:clrMapOvr>
-    <a:masterClrMapping/>
-  </p:clrMapOvr>
-</p:sld>
-</file>
-
-<file path=ppt/slides/slide20.xml><?xml version="1.0" encoding="utf-8"?>
+<file path=ppt/slides/slide22.xml><?xml version="1.0" encoding="utf-8"?>
 <p:sld xmlns:a="http://schemas.openxmlformats.org/drawingml/2006/main" xmlns:r="http://schemas.openxmlformats.org/officeDocument/2006/relationships" xmlns:p="http://schemas.openxmlformats.org/presentationml/2006/main">
   <p:cSld>
     <p:spTree>
@@ -14969,7 +16725,7 @@
         </p:nvSpPr>
         <p:spPr>
           <a:xfrm rot="4384904">
-            <a:off x="1167205" y="5890212"/>
+            <a:off x="769894" y="4569544"/>
             <a:ext cx="1569005" cy="307777"/>
           </a:xfrm>
           <a:prstGeom prst="rect">
@@ -16060,7 +17816,7 @@
         </p:nvSpPr>
         <p:spPr>
           <a:xfrm rot="4384904">
-            <a:off x="1959758" y="5992727"/>
+            <a:off x="1562447" y="4672059"/>
             <a:ext cx="1783310" cy="307777"/>
           </a:xfrm>
           <a:prstGeom prst="rect">
@@ -16095,7 +17851,7 @@
         </p:nvSpPr>
         <p:spPr>
           <a:xfrm rot="4384904">
-            <a:off x="3033033" y="5890212"/>
+            <a:off x="2635722" y="4569544"/>
             <a:ext cx="1569005" cy="307777"/>
           </a:xfrm>
           <a:prstGeom prst="rect">
@@ -17372,7 +19128,7 @@
         </p:nvSpPr>
         <p:spPr>
           <a:xfrm rot="4384904">
-            <a:off x="7973606" y="5485964"/>
+            <a:off x="7576295" y="4165296"/>
             <a:ext cx="723936" cy="307777"/>
           </a:xfrm>
           <a:prstGeom prst="rect">
@@ -17407,7 +19163,7 @@
         </p:nvSpPr>
         <p:spPr>
           <a:xfrm rot="4384904">
-            <a:off x="8774889" y="5485964"/>
+            <a:off x="8377578" y="4165296"/>
             <a:ext cx="723936" cy="307777"/>
           </a:xfrm>
           <a:prstGeom prst="rect">
@@ -17609,7 +19365,7 @@
         </p:nvSpPr>
         <p:spPr>
           <a:xfrm rot="4384904">
-            <a:off x="6074625" y="5571766"/>
+            <a:off x="5677314" y="4251098"/>
             <a:ext cx="903303" cy="307777"/>
           </a:xfrm>
           <a:prstGeom prst="rect">
@@ -17644,7 +19400,7 @@
         </p:nvSpPr>
         <p:spPr>
           <a:xfrm>
-            <a:off x="2231068" y="5659733"/>
+            <a:off x="1929023" y="5644031"/>
             <a:ext cx="3326616" cy="523220"/>
           </a:xfrm>
           <a:prstGeom prst="rect">
@@ -17684,7 +19440,7 @@
 </p:sld>
 </file>
 
-<file path=ppt/slides/slide21.xml><?xml version="1.0" encoding="utf-8"?>
+<file path=ppt/slides/slide23.xml><?xml version="1.0" encoding="utf-8"?>
 <p:sld xmlns:a="http://schemas.openxmlformats.org/drawingml/2006/main" xmlns:r="http://schemas.openxmlformats.org/officeDocument/2006/relationships" xmlns:p="http://schemas.openxmlformats.org/presentationml/2006/main">
   <p:cSld>
     <p:spTree>
@@ -20699,7 +22455,7 @@
 </p:sld>
 </file>
 
-<file path=ppt/slides/slide22.xml><?xml version="1.0" encoding="utf-8"?>
+<file path=ppt/slides/slide24.xml><?xml version="1.0" encoding="utf-8"?>
 <p:sld xmlns:a="http://schemas.openxmlformats.org/drawingml/2006/main" xmlns:r="http://schemas.openxmlformats.org/officeDocument/2006/relationships" xmlns:p="http://schemas.openxmlformats.org/presentationml/2006/main">
   <p:cSld>
     <p:spTree>
@@ -20897,7 +22653,7 @@
 </p:sld>
 </file>
 
-<file path=ppt/slides/slide23.xml><?xml version="1.0" encoding="utf-8"?>
+<file path=ppt/slides/slide25.xml><?xml version="1.0" encoding="utf-8"?>
 <p:sld xmlns:a="http://schemas.openxmlformats.org/drawingml/2006/main" xmlns:r="http://schemas.openxmlformats.org/officeDocument/2006/relationships" xmlns:p="http://schemas.openxmlformats.org/presentationml/2006/main">
   <p:cSld>
     <p:spTree>
@@ -21234,7 +22990,7 @@
 </p:sld>
 </file>
 
-<file path=ppt/slides/slide24.xml><?xml version="1.0" encoding="utf-8"?>
+<file path=ppt/slides/slide26.xml><?xml version="1.0" encoding="utf-8"?>
 <p:sld xmlns:a="http://schemas.openxmlformats.org/drawingml/2006/main" xmlns:r="http://schemas.openxmlformats.org/officeDocument/2006/relationships" xmlns:p="http://schemas.openxmlformats.org/presentationml/2006/main">
   <p:cSld>
     <p:spTree>
@@ -21421,7 +23177,7 @@
 </p:sld>
 </file>
 
-<file path=ppt/slides/slide25.xml><?xml version="1.0" encoding="utf-8"?>
+<file path=ppt/slides/slide27.xml><?xml version="1.0" encoding="utf-8"?>
 <p:sld xmlns:a="http://schemas.openxmlformats.org/drawingml/2006/main" xmlns:r="http://schemas.openxmlformats.org/officeDocument/2006/relationships" xmlns:p="http://schemas.openxmlformats.org/presentationml/2006/main">
   <p:cSld>
     <p:spTree>
@@ -21973,7 +23729,7 @@
 </p:sld>
 </file>
 
-<file path=ppt/slides/slide26.xml><?xml version="1.0" encoding="utf-8"?>
+<file path=ppt/slides/slide28.xml><?xml version="1.0" encoding="utf-8"?>
 <p:sld xmlns:a="http://schemas.openxmlformats.org/drawingml/2006/main" xmlns:r="http://schemas.openxmlformats.org/officeDocument/2006/relationships" xmlns:p="http://schemas.openxmlformats.org/presentationml/2006/main">
   <p:cSld>
     <p:spTree>
@@ -22281,7 +24037,7 @@
 </p:sld>
 </file>
 
-<file path=ppt/slides/slide27.xml><?xml version="1.0" encoding="utf-8"?>
+<file path=ppt/slides/slide29.xml><?xml version="1.0" encoding="utf-8"?>
 <p:sld xmlns:a="http://schemas.openxmlformats.org/drawingml/2006/main" xmlns:r="http://schemas.openxmlformats.org/officeDocument/2006/relationships" xmlns:p="http://schemas.openxmlformats.org/presentationml/2006/main">
   <p:cSld>
     <p:spTree>
@@ -24434,7 +26190,7 @@
         <p:spPr>
           <a:xfrm>
             <a:off x="508072" y="725268"/>
-            <a:ext cx="8637365" cy="646331"/>
+            <a:ext cx="8834983" cy="646331"/>
           </a:xfrm>
           <a:prstGeom prst="rect">
             <a:avLst/>
@@ -24449,13 +26205,13 @@
           <a:p>
             <a:r>
               <a:rPr lang="en-US" sz="1800" dirty="0"/>
-              <a:t>The simplest model that uses self-attention that I think can be applied to this problem</a:t>
+              <a:t>The simplest model that uses self-attention which I think can be applied to this problem</a:t>
             </a:r>
           </a:p>
           <a:p>
             <a:r>
               <a:rPr lang="en-US" dirty="0"/>
-              <a:t>Can be readily run on my </a:t>
+              <a:t>Also, it can run on my </a:t>
             </a:r>
             <a:r>
               <a:rPr lang="en-US" dirty="0" err="1"/>
@@ -24463,7 +26219,7 @@
             </a:r>
             <a:r>
               <a:rPr lang="en-US" dirty="0"/>
-              <a:t> M2 hardware</a:t>
+              <a:t> M2 hardware pretty quickly</a:t>
             </a:r>
           </a:p>
         </p:txBody>
@@ -25114,7 +26870,7 @@
           <p:cNvPr id="2" name="TextBox 1">
             <a:extLst>
               <a:ext uri="{FF2B5EF4-FFF2-40B4-BE49-F238E27FC236}">
-                <a16:creationId xmlns:a16="http://schemas.microsoft.com/office/drawing/2014/main" id="{A6B8D544-62FB-BED5-1F3D-8DE1F9A51DC3}"/>
+                <a16:creationId xmlns:a16="http://schemas.microsoft.com/office/drawing/2014/main" id="{1AAA1C9C-FB2D-CD2D-F85E-23BCF1A59DF3}"/>
               </a:ext>
             </a:extLst>
           </p:cNvPr>
@@ -25123,8 +26879,8 @@
         </p:nvSpPr>
         <p:spPr>
           <a:xfrm>
-            <a:off x="140127" y="221836"/>
-            <a:ext cx="6376297" cy="461665"/>
+            <a:off x="173866" y="154242"/>
+            <a:ext cx="869725" cy="461665"/>
           </a:xfrm>
           <a:prstGeom prst="rect">
             <a:avLst/>
@@ -25139,17 +26895,91 @@
           <a:p>
             <a:r>
               <a:rPr lang="en-US" sz="2400" dirty="0"/>
-              <a:t>BERT Stuff:   Relevant literature, code, and data</a:t>
+              <a:t>BERT</a:t>
             </a:r>
           </a:p>
         </p:txBody>
       </p:sp>
+      <p:pic>
+        <p:nvPicPr>
+          <p:cNvPr id="3" name="Picture 2">
+            <a:extLst>
+              <a:ext uri="{FF2B5EF4-FFF2-40B4-BE49-F238E27FC236}">
+                <a16:creationId xmlns:a16="http://schemas.microsoft.com/office/drawing/2014/main" id="{BE5CECA3-BD7D-460A-C42C-78CB24379D4B}"/>
+              </a:ext>
+            </a:extLst>
+          </p:cNvPr>
+          <p:cNvPicPr>
+            <a:picLocks noChangeAspect="1"/>
+          </p:cNvPicPr>
+          <p:nvPr/>
+        </p:nvPicPr>
+        <p:blipFill>
+          <a:blip r:embed="rId2"/>
+          <a:stretch>
+            <a:fillRect/>
+          </a:stretch>
+        </p:blipFill>
+        <p:spPr>
+          <a:xfrm>
+            <a:off x="861748" y="1092920"/>
+            <a:ext cx="7304187" cy="2336080"/>
+          </a:xfrm>
+          <a:prstGeom prst="rect">
+            <a:avLst/>
+          </a:prstGeom>
+          <a:ln>
+            <a:solidFill>
+              <a:schemeClr val="bg2">
+                <a:lumMod val="50000"/>
+              </a:schemeClr>
+            </a:solidFill>
+          </a:ln>
+        </p:spPr>
+      </p:pic>
+      <p:pic>
+        <p:nvPicPr>
+          <p:cNvPr id="4" name="Picture 3">
+            <a:extLst>
+              <a:ext uri="{FF2B5EF4-FFF2-40B4-BE49-F238E27FC236}">
+                <a16:creationId xmlns:a16="http://schemas.microsoft.com/office/drawing/2014/main" id="{7EABCB51-05DF-27E1-4369-F5A1A2870E22}"/>
+              </a:ext>
+            </a:extLst>
+          </p:cNvPr>
+          <p:cNvPicPr>
+            <a:picLocks noChangeAspect="1"/>
+          </p:cNvPicPr>
+          <p:nvPr/>
+        </p:nvPicPr>
+        <p:blipFill>
+          <a:blip r:embed="rId3"/>
+          <a:stretch>
+            <a:fillRect/>
+          </a:stretch>
+        </p:blipFill>
+        <p:spPr>
+          <a:xfrm>
+            <a:off x="861748" y="4130129"/>
+            <a:ext cx="6536116" cy="2336079"/>
+          </a:xfrm>
+          <a:prstGeom prst="rect">
+            <a:avLst/>
+          </a:prstGeom>
+          <a:ln>
+            <a:solidFill>
+              <a:schemeClr val="bg2">
+                <a:lumMod val="50000"/>
+              </a:schemeClr>
+            </a:solidFill>
+          </a:ln>
+        </p:spPr>
+      </p:pic>
       <p:sp>
         <p:nvSpPr>
-          <p:cNvPr id="3" name="TextBox 2">
+          <p:cNvPr id="5" name="TextBox 4">
             <a:extLst>
               <a:ext uri="{FF2B5EF4-FFF2-40B4-BE49-F238E27FC236}">
-                <a16:creationId xmlns:a16="http://schemas.microsoft.com/office/drawing/2014/main" id="{9750003C-8501-0DA4-F28D-311FF3F150A4}"/>
+                <a16:creationId xmlns:a16="http://schemas.microsoft.com/office/drawing/2014/main" id="{CCC6965F-FA30-7F55-A393-2A31108BF7F6}"/>
               </a:ext>
             </a:extLst>
           </p:cNvPr>
@@ -25158,331 +26988,8 @@
         </p:nvSpPr>
         <p:spPr>
           <a:xfrm>
-            <a:off x="765387" y="1291616"/>
-            <a:ext cx="9574610" cy="5016758"/>
-          </a:xfrm>
-          <a:prstGeom prst="rect">
-            <a:avLst/>
-          </a:prstGeom>
-          <a:noFill/>
-        </p:spPr>
-        <p:txBody>
-          <a:bodyPr wrap="square" rtlCol="0">
-            <a:spAutoFit/>
-          </a:bodyPr>
-          <a:lstStyle/>
-          <a:p>
-            <a:pPr marL="285750" indent="-285750">
-              <a:buFont typeface="Arial" panose="020B0604020202020204" pitchFamily="34" charset="0"/>
-              <a:buChar char="•"/>
-            </a:pPr>
-            <a:r>
-              <a:rPr lang="en-US" sz="1600" dirty="0"/>
-              <a:t>BERT : </a:t>
-            </a:r>
-            <a:r>
-              <a:rPr lang="en-US" sz="1600" dirty="0">
-                <a:hlinkClick r:id="rId2"/>
-              </a:rPr>
-              <a:t>https://aclanthology.org/N19-1423.pdf</a:t>
-            </a:r>
-            <a:endParaRPr lang="en-US" sz="1600" dirty="0"/>
-          </a:p>
-          <a:p>
-            <a:pPr marL="285750" indent="-285750">
-              <a:buFont typeface="Arial" panose="020B0604020202020204" pitchFamily="34" charset="0"/>
-              <a:buChar char="•"/>
-            </a:pPr>
-            <a:endParaRPr lang="en-US" sz="1600" dirty="0"/>
-          </a:p>
-          <a:p>
-            <a:pPr marL="285750" indent="-285750">
-              <a:buFont typeface="Arial" panose="020B0604020202020204" pitchFamily="34" charset="0"/>
-              <a:buChar char="•"/>
-            </a:pPr>
-            <a:r>
-              <a:rPr lang="en-US" sz="1600" dirty="0" err="1"/>
-              <a:t>ProteinBERT</a:t>
-            </a:r>
-            <a:r>
-              <a:rPr lang="en-US" sz="1600" dirty="0"/>
-              <a:t> : </a:t>
-            </a:r>
-            <a:r>
-              <a:rPr lang="en-US" sz="1600" dirty="0">
-                <a:hlinkClick r:id="rId3"/>
-              </a:rPr>
-              <a:t>https://doi.org/10.1093/bioinformatics/btac020</a:t>
-            </a:r>
-            <a:endParaRPr lang="en-US" sz="1600" dirty="0"/>
-          </a:p>
-          <a:p>
-            <a:endParaRPr lang="en-US" sz="1600" dirty="0"/>
-          </a:p>
-          <a:p>
-            <a:pPr marL="285750" indent="-285750">
-              <a:buFont typeface="Arial" panose="020B0604020202020204" pitchFamily="34" charset="0"/>
-              <a:buChar char="•"/>
-            </a:pPr>
-            <a:r>
-              <a:rPr lang="en-US" sz="1600" dirty="0"/>
-              <a:t>Code partially taken from:</a:t>
-            </a:r>
-          </a:p>
-          <a:p>
-            <a:pPr marL="742950" lvl="1" indent="-285750">
-              <a:buFont typeface="Arial" panose="020B0604020202020204" pitchFamily="34" charset="0"/>
-              <a:buChar char="•"/>
-            </a:pPr>
-            <a:r>
-              <a:rPr lang="en-US" sz="1600" dirty="0"/>
-              <a:t>Barney Hill : </a:t>
-            </a:r>
-            <a:r>
-              <a:rPr lang="en-US" sz="1600" b="0" dirty="0">
-                <a:effectLst/>
-                <a:hlinkClick r:id="rId4"/>
-              </a:rPr>
-              <a:t>https://github.com/barneyhill/minBERT</a:t>
-            </a:r>
-            <a:endParaRPr lang="en-US" sz="1600" b="0" dirty="0">
-              <a:effectLst/>
-            </a:endParaRPr>
-          </a:p>
-          <a:p>
-            <a:pPr marL="742950" lvl="1" indent="-285750">
-              <a:buFont typeface="Arial" panose="020B0604020202020204" pitchFamily="34" charset="0"/>
-              <a:buChar char="•"/>
-            </a:pPr>
-            <a:r>
-              <a:rPr lang="en-US" sz="1600" dirty="0"/>
-              <a:t>Andrej </a:t>
-            </a:r>
-            <a:r>
-              <a:rPr lang="en-US" sz="1600" dirty="0" err="1"/>
-              <a:t>Karpathy</a:t>
-            </a:r>
-            <a:r>
-              <a:rPr lang="en-US" sz="1600" dirty="0"/>
-              <a:t>: </a:t>
-            </a:r>
-            <a:r>
-              <a:rPr lang="en-US" sz="1600" b="0" dirty="0">
-                <a:effectLst/>
-                <a:hlinkClick r:id="rId5"/>
-              </a:rPr>
-              <a:t>https://github.com/karpathy/minGPT</a:t>
-            </a:r>
-            <a:endParaRPr lang="en-US" sz="1600" b="0" dirty="0">
-              <a:effectLst/>
-            </a:endParaRPr>
-          </a:p>
-          <a:p>
-            <a:pPr marL="742950" lvl="1" indent="-285750">
-              <a:buFont typeface="Arial" panose="020B0604020202020204" pitchFamily="34" charset="0"/>
-              <a:buChar char="•"/>
-            </a:pPr>
-            <a:r>
-              <a:rPr lang="en-US" sz="1600" dirty="0"/>
-              <a:t>my Table Transformer code (from real-estate automated valuation model development)</a:t>
-            </a:r>
-          </a:p>
-          <a:p>
-            <a:pPr marL="742950" lvl="1" indent="-285750">
-              <a:buFont typeface="Arial" panose="020B0604020202020204" pitchFamily="34" charset="0"/>
-              <a:buChar char="•"/>
-            </a:pPr>
-            <a:endParaRPr lang="en-US" sz="1600" dirty="0"/>
-          </a:p>
-          <a:p>
-            <a:pPr marL="285750" indent="-285750">
-              <a:buFont typeface="Arial" panose="020B0604020202020204" pitchFamily="34" charset="0"/>
-              <a:buChar char="•"/>
-            </a:pPr>
-            <a:r>
-              <a:rPr lang="en-US" sz="1600" dirty="0"/>
-              <a:t>A</a:t>
-            </a:r>
-            <a:r>
-              <a:rPr lang="en-US" sz="1600" b="0" dirty="0">
-                <a:effectLst/>
-              </a:rPr>
-              <a:t>-Alpha Bio:</a:t>
-            </a:r>
-          </a:p>
-          <a:p>
-            <a:pPr marL="742950" lvl="1" indent="-285750">
-              <a:buFont typeface="Arial" panose="020B0604020202020204" pitchFamily="34" charset="0"/>
-              <a:buChar char="•"/>
-            </a:pPr>
-            <a:r>
-              <a:rPr lang="en-US" sz="1600" dirty="0"/>
-              <a:t>Nature Comm: </a:t>
-            </a:r>
-            <a:r>
-              <a:rPr lang="en-US" sz="1600" dirty="0">
-                <a:hlinkClick r:id="rId6"/>
-              </a:rPr>
-              <a:t>http://biorxiv.org/lookup/doi/10.1101/2022.10.07.502662</a:t>
-            </a:r>
-            <a:endParaRPr lang="en-US" sz="1600" dirty="0"/>
-          </a:p>
-          <a:p>
-            <a:pPr marL="742950" lvl="1" indent="-285750">
-              <a:buFont typeface="Arial" panose="020B0604020202020204" pitchFamily="34" charset="0"/>
-              <a:buChar char="•"/>
-            </a:pPr>
-            <a:r>
-              <a:rPr lang="en-US" sz="1600" dirty="0"/>
-              <a:t>Nature: </a:t>
-            </a:r>
-            <a:r>
-              <a:rPr lang="en-US" sz="1600" dirty="0">
-                <a:hlinkClick r:id="rId7"/>
-              </a:rPr>
-              <a:t>https://www.nature.com/articles/s41597-022-01779-4</a:t>
-            </a:r>
-            <a:endParaRPr lang="en-US" sz="1600" dirty="0"/>
-          </a:p>
-          <a:p>
-            <a:pPr marL="742950" lvl="1" indent="-285750">
-              <a:buFont typeface="Arial" panose="020B0604020202020204" pitchFamily="34" charset="0"/>
-              <a:buChar char="•"/>
-            </a:pPr>
-            <a:r>
-              <a:rPr lang="en-US" sz="1600" dirty="0" err="1"/>
-              <a:t>scFv</a:t>
-            </a:r>
-            <a:r>
-              <a:rPr lang="en-US" sz="1600" dirty="0"/>
-              <a:t> Datasets: </a:t>
-            </a:r>
-            <a:r>
-              <a:rPr lang="en-US" sz="1600" dirty="0">
-                <a:hlinkClick r:id="rId8"/>
-              </a:rPr>
-              <a:t>https://github.com/mit-ll/AlphaSeq_Antibody_Dataset.git</a:t>
-            </a:r>
-            <a:endParaRPr lang="en-US" sz="1600" b="0" dirty="0">
-              <a:effectLst/>
-            </a:endParaRPr>
-          </a:p>
-          <a:p>
-            <a:pPr marL="742950" lvl="1" indent="-285750">
-              <a:buFont typeface="Arial" panose="020B0604020202020204" pitchFamily="34" charset="0"/>
-              <a:buChar char="•"/>
-            </a:pPr>
-            <a:endParaRPr lang="en-US" sz="1600" dirty="0"/>
-          </a:p>
-          <a:p>
-            <a:pPr marL="285750" indent="-285750">
-              <a:buFont typeface="Arial" panose="020B0604020202020204" pitchFamily="34" charset="0"/>
-              <a:buChar char="•"/>
-            </a:pPr>
-            <a:r>
-              <a:rPr lang="en-US" sz="1600" b="0" dirty="0">
-                <a:effectLst/>
-              </a:rPr>
-              <a:t>Observed Antibody Space :  </a:t>
-            </a:r>
-          </a:p>
-          <a:p>
-            <a:pPr marL="742950" lvl="1" indent="-285750">
-              <a:buFont typeface="Arial" panose="020B0604020202020204" pitchFamily="34" charset="0"/>
-              <a:buChar char="•"/>
-            </a:pPr>
-            <a:r>
-              <a:rPr lang="en-US" sz="1600" b="0" dirty="0">
-                <a:effectLst/>
-                <a:hlinkClick r:id="rId9"/>
-              </a:rPr>
-              <a:t>https://doi.org/10.4049/jimmunol.1800708</a:t>
-            </a:r>
-            <a:endParaRPr lang="en-US" sz="1600" b="0" dirty="0">
-              <a:effectLst/>
-            </a:endParaRPr>
-          </a:p>
-          <a:p>
-            <a:pPr marL="742950" lvl="1" indent="-285750">
-              <a:buFont typeface="Arial" panose="020B0604020202020204" pitchFamily="34" charset="0"/>
-              <a:buChar char="•"/>
-            </a:pPr>
-            <a:r>
-              <a:rPr lang="en-US" sz="1600" b="0" dirty="0">
-                <a:effectLst/>
-                <a:hlinkClick r:id="rId10"/>
-              </a:rPr>
-              <a:t>https://opig.stats.ox.ac.uk/webapps/oas/</a:t>
-            </a:r>
-            <a:endParaRPr lang="en-US" sz="1600" b="0" dirty="0">
-              <a:effectLst/>
-            </a:endParaRPr>
-          </a:p>
-          <a:p>
-            <a:pPr marL="742950" lvl="1" indent="-285750">
-              <a:buFont typeface="Arial" panose="020B0604020202020204" pitchFamily="34" charset="0"/>
-              <a:buChar char="•"/>
-            </a:pPr>
-            <a:endParaRPr lang="en-US" sz="1600" dirty="0"/>
-          </a:p>
-          <a:p>
-            <a:pPr marL="285750" indent="-285750">
-              <a:buFont typeface="Arial" panose="020B0604020202020204" pitchFamily="34" charset="0"/>
-              <a:buChar char="•"/>
-            </a:pPr>
-            <a:r>
-              <a:rPr lang="en-US" sz="1600" dirty="0"/>
-              <a:t>My </a:t>
-            </a:r>
-            <a:r>
-              <a:rPr lang="en-US" sz="1600" dirty="0" err="1"/>
-              <a:t>Github</a:t>
-            </a:r>
-            <a:r>
-              <a:rPr lang="en-US" sz="1600" dirty="0"/>
-              <a:t> repo for this homework’s code: </a:t>
-            </a:r>
-            <a:r>
-              <a:rPr lang="en-US" sz="1600" dirty="0">
-                <a:solidFill>
-                  <a:srgbClr val="FF0000"/>
-                </a:solidFill>
-              </a:rPr>
-              <a:t>TODO (2 repos) </a:t>
-            </a:r>
-            <a:r>
-              <a:rPr lang="en-US" sz="1600" dirty="0">
-                <a:hlinkClick r:id="rId11"/>
-              </a:rPr>
-              <a:t>https://github.com/planaria158/BERT.git</a:t>
-            </a:r>
-            <a:endParaRPr lang="en-US" sz="1600" dirty="0"/>
-          </a:p>
-          <a:p>
-            <a:pPr marL="285750" indent="-285750">
-              <a:buFont typeface="Arial" panose="020B0604020202020204" pitchFamily="34" charset="0"/>
-              <a:buChar char="•"/>
-            </a:pPr>
-            <a:endParaRPr lang="en-US" sz="1600" dirty="0"/>
-          </a:p>
-        </p:txBody>
-      </p:sp>
-      <p:sp>
-        <p:nvSpPr>
-          <p:cNvPr id="5" name="TextBox 4">
-            <a:extLst>
-              <a:ext uri="{FF2B5EF4-FFF2-40B4-BE49-F238E27FC236}">
-                <a16:creationId xmlns:a16="http://schemas.microsoft.com/office/drawing/2014/main" id="{00DEACF3-1DAE-F38C-6985-089A5766A04C}"/>
-              </a:ext>
-            </a:extLst>
-          </p:cNvPr>
-          <p:cNvSpPr txBox="1"/>
-          <p:nvPr/>
-        </p:nvSpPr>
-        <p:spPr>
-          <a:xfrm>
-            <a:off x="140127" y="679781"/>
-            <a:ext cx="9369296" cy="307777"/>
+            <a:off x="730398" y="723588"/>
+            <a:ext cx="2191626" cy="369332"/>
           </a:xfrm>
           <a:prstGeom prst="rect">
             <a:avLst/>
@@ -25496,8 +27003,113 @@
           <a:lstStyle/>
           <a:p>
             <a:r>
-              <a:rPr lang="en-US" sz="1400" dirty="0"/>
-              <a:t>Note: I did most of the BERT coding/testing in the 2 weeks before my call with Adrian (i.e. before getting the HW problem)</a:t>
+              <a:rPr lang="en-US" dirty="0"/>
+              <a:t>BERT pre-train, MLM</a:t>
+            </a:r>
+          </a:p>
+        </p:txBody>
+      </p:sp>
+      <p:sp>
+        <p:nvSpPr>
+          <p:cNvPr id="6" name="TextBox 5">
+            <a:extLst>
+              <a:ext uri="{FF2B5EF4-FFF2-40B4-BE49-F238E27FC236}">
+                <a16:creationId xmlns:a16="http://schemas.microsoft.com/office/drawing/2014/main" id="{8D727D7C-B7FF-B52A-765E-A4304408DCE8}"/>
+              </a:ext>
+            </a:extLst>
+          </p:cNvPr>
+          <p:cNvSpPr txBox="1"/>
+          <p:nvPr/>
+        </p:nvSpPr>
+        <p:spPr>
+          <a:xfrm>
+            <a:off x="730398" y="3760797"/>
+            <a:ext cx="1614929" cy="369332"/>
+          </a:xfrm>
+          <a:prstGeom prst="rect">
+            <a:avLst/>
+          </a:prstGeom>
+          <a:noFill/>
+        </p:spPr>
+        <p:txBody>
+          <a:bodyPr wrap="none" rtlCol="0">
+            <a:spAutoFit/>
+          </a:bodyPr>
+          <a:lstStyle/>
+          <a:p>
+            <a:r>
+              <a:rPr lang="en-US" dirty="0"/>
+              <a:t>BERT fine tune</a:t>
+            </a:r>
+          </a:p>
+        </p:txBody>
+      </p:sp>
+      <p:sp>
+        <p:nvSpPr>
+          <p:cNvPr id="7" name="TextBox 6">
+            <a:extLst>
+              <a:ext uri="{FF2B5EF4-FFF2-40B4-BE49-F238E27FC236}">
+                <a16:creationId xmlns:a16="http://schemas.microsoft.com/office/drawing/2014/main" id="{11BDF426-EAFE-3091-51B1-EF3CA945EE22}"/>
+              </a:ext>
+            </a:extLst>
+          </p:cNvPr>
+          <p:cNvSpPr txBox="1"/>
+          <p:nvPr/>
+        </p:nvSpPr>
+        <p:spPr>
+          <a:xfrm>
+            <a:off x="8297285" y="1891628"/>
+            <a:ext cx="3730445" cy="369332"/>
+          </a:xfrm>
+          <a:prstGeom prst="rect">
+            <a:avLst/>
+          </a:prstGeom>
+          <a:noFill/>
+        </p:spPr>
+        <p:txBody>
+          <a:bodyPr wrap="none" rtlCol="0">
+            <a:spAutoFit/>
+          </a:bodyPr>
+          <a:lstStyle/>
+          <a:p>
+            <a:r>
+              <a:rPr lang="en-US" dirty="0"/>
+              <a:t>Dataset: OAS light chain sequences</a:t>
+            </a:r>
+          </a:p>
+        </p:txBody>
+      </p:sp>
+      <p:sp>
+        <p:nvSpPr>
+          <p:cNvPr id="8" name="TextBox 7">
+            <a:extLst>
+              <a:ext uri="{FF2B5EF4-FFF2-40B4-BE49-F238E27FC236}">
+                <a16:creationId xmlns:a16="http://schemas.microsoft.com/office/drawing/2014/main" id="{9D9C1117-AE70-3B34-CBDC-766B07172B75}"/>
+              </a:ext>
+            </a:extLst>
+          </p:cNvPr>
+          <p:cNvSpPr txBox="1"/>
+          <p:nvPr/>
+        </p:nvSpPr>
+        <p:spPr>
+          <a:xfrm>
+            <a:off x="7529214" y="5113502"/>
+            <a:ext cx="3882153" cy="369332"/>
+          </a:xfrm>
+          <a:prstGeom prst="rect">
+            <a:avLst/>
+          </a:prstGeom>
+          <a:noFill/>
+        </p:spPr>
+        <p:txBody>
+          <a:bodyPr wrap="none" rtlCol="0">
+            <a:spAutoFit/>
+          </a:bodyPr>
+          <a:lstStyle/>
+          <a:p>
+            <a:r>
+              <a:rPr lang="en-US" dirty="0"/>
+              <a:t>Dataset:  A-Alpha Bio homework data</a:t>
             </a:r>
           </a:p>
         </p:txBody>
@@ -25505,7 +27117,7 @@
     </p:spTree>
     <p:extLst>
       <p:ext uri="{BB962C8B-B14F-4D97-AF65-F5344CB8AC3E}">
-        <p14:creationId xmlns:p14="http://schemas.microsoft.com/office/powerpoint/2010/main" val="1592508389"/>
+        <p14:creationId xmlns:p14="http://schemas.microsoft.com/office/powerpoint/2010/main" val="846146610"/>
       </p:ext>
     </p:extLst>
   </p:cSld>

--- a/Homework-aAlphaBio.pptx
+++ b/Homework-aAlphaBio.pptx
@@ -5020,7 +5020,7 @@
           <p:nvPr>
             <p:extLst>
               <p:ext uri="{D42A27DB-BD31-4B8C-83A1-F6EECF244321}">
-                <p14:modId xmlns:p14="http://schemas.microsoft.com/office/powerpoint/2010/main" val="1561107242"/>
+                <p14:modId xmlns:p14="http://schemas.microsoft.com/office/powerpoint/2010/main" val="2522421993"/>
               </p:ext>
             </p:extLst>
           </p:nvPr>
@@ -5624,7 +5624,7 @@
                     <a:p>
                       <a:r>
                         <a:rPr lang="en-US" dirty="0"/>
-                        <a:t>BERT (full) </a:t>
+                        <a:t>BERT </a:t>
                       </a:r>
                       <a:r>
                         <a:rPr lang="en-US" baseline="30000" dirty="0"/>
@@ -5670,12 +5670,9 @@
                       <a:pPr algn="ctr"/>
                       <a:r>
                         <a:rPr lang="en-US" dirty="0"/>
-                        <a:t>10 </a:t>
+                        <a:t>10</a:t>
                       </a:r>
-                      <a:r>
-                        <a:rPr lang="en-US" baseline="30000" dirty="0"/>
-                        <a:t>3</a:t>
-                      </a:r>
+                      <a:endParaRPr lang="en-US" baseline="30000" dirty="0"/>
                     </a:p>
                   </a:txBody>
                   <a:tcPr anchor="ctr"/>
@@ -5953,14 +5950,14 @@
           <p:nvPr>
             <p:extLst>
               <p:ext uri="{D42A27DB-BD31-4B8C-83A1-F6EECF244321}">
-                <p14:modId xmlns:p14="http://schemas.microsoft.com/office/powerpoint/2010/main" val="3225059863"/>
+                <p14:modId xmlns:p14="http://schemas.microsoft.com/office/powerpoint/2010/main" val="1877974373"/>
               </p:ext>
             </p:extLst>
           </p:nvPr>
         </p:nvGraphicFramePr>
         <p:xfrm>
           <a:off x="1729491" y="1086528"/>
-          <a:ext cx="8484186" cy="3167925"/>
+          <a:ext cx="8484186" cy="2662356"/>
         </p:xfrm>
         <a:graphic>
           <a:graphicData uri="http://schemas.openxmlformats.org/drawingml/2006/table">
@@ -6273,85 +6270,6 @@
                 </a:extLst>
               </a:tr>
               <a:tr h="505569">
-                <a:tc>
-                  <a:txBody>
-                    <a:bodyPr/>
-                    <a:lstStyle/>
-                    <a:p>
-                      <a:r>
-                        <a:rPr lang="en-US" dirty="0"/>
-                        <a:t>BERT (naive) </a:t>
-                      </a:r>
-                      <a:r>
-                        <a:rPr lang="en-US" baseline="30000" dirty="0"/>
-                        <a:t>1</a:t>
-                      </a:r>
-                    </a:p>
-                  </a:txBody>
-                  <a:tcPr anchor="ctr"/>
-                </a:tc>
-                <a:tc>
-                  <a:txBody>
-                    <a:bodyPr/>
-                    <a:lstStyle/>
-                    <a:p>
-                      <a:pPr algn="ctr"/>
-                      <a:endParaRPr lang="en-US" dirty="0"/>
-                    </a:p>
-                  </a:txBody>
-                  <a:tcPr anchor="ctr"/>
-                </a:tc>
-                <a:tc>
-                  <a:txBody>
-                    <a:bodyPr/>
-                    <a:lstStyle/>
-                    <a:p>
-                      <a:pPr algn="ctr"/>
-                      <a:endParaRPr lang="en-US" dirty="0"/>
-                    </a:p>
-                  </a:txBody>
-                  <a:tcPr anchor="ctr"/>
-                </a:tc>
-                <a:tc>
-                  <a:txBody>
-                    <a:bodyPr/>
-                    <a:lstStyle/>
-                    <a:p>
-                      <a:pPr algn="ctr"/>
-                      <a:endParaRPr lang="en-US" dirty="0"/>
-                    </a:p>
-                  </a:txBody>
-                  <a:tcPr anchor="ctr"/>
-                </a:tc>
-                <a:tc>
-                  <a:txBody>
-                    <a:bodyPr/>
-                    <a:lstStyle/>
-                    <a:p>
-                      <a:pPr algn="ctr"/>
-                      <a:endParaRPr lang="en-US" dirty="0"/>
-                    </a:p>
-                  </a:txBody>
-                  <a:tcPr anchor="ctr"/>
-                </a:tc>
-                <a:tc>
-                  <a:txBody>
-                    <a:bodyPr/>
-                    <a:lstStyle/>
-                    <a:p>
-                      <a:pPr algn="ctr"/>
-                      <a:endParaRPr lang="en-US" dirty="0"/>
-                    </a:p>
-                  </a:txBody>
-                  <a:tcPr anchor="ctr"/>
-                </a:tc>
-                <a:extLst>
-                  <a:ext uri="{0D108BD9-81ED-4DB2-BD59-A6C34878D82A}">
-                    <a16:rowId xmlns:a16="http://schemas.microsoft.com/office/drawing/2014/main" val="461321389"/>
-                  </a:ext>
-                </a:extLst>
-              </a:tr>
-              <a:tr h="505569">
                 <a:tc rowSpan="2">
                   <a:txBody>
                     <a:bodyPr/>
@@ -6359,11 +6277,11 @@
                     <a:p>
                       <a:r>
                         <a:rPr lang="en-US" dirty="0"/>
-                        <a:t>BERT (full) </a:t>
+                        <a:t>BERT </a:t>
                       </a:r>
                       <a:r>
                         <a:rPr lang="en-US" baseline="30000" dirty="0"/>
-                        <a:t>2</a:t>
+                        <a:t>1</a:t>
                       </a:r>
                     </a:p>
                   </a:txBody>
@@ -6527,7 +6445,7 @@
         <p:spPr>
           <a:xfrm>
             <a:off x="389614" y="5534108"/>
-            <a:ext cx="8333435" cy="646331"/>
+            <a:ext cx="6836487" cy="369332"/>
           </a:xfrm>
           <a:prstGeom prst="rect">
             <a:avLst/>
@@ -6539,23 +6457,6 @@
             <a:spAutoFit/>
           </a:bodyPr>
           <a:lstStyle/>
-          <a:p>
-            <a:pPr marL="342900" indent="-342900">
-              <a:buAutoNum type="arabicPeriod"/>
-            </a:pPr>
-            <a:r>
-              <a:rPr lang="en-US" dirty="0"/>
-              <a:t>Train the fine-tune BERT model from scratch (no pre-training) on </a:t>
-            </a:r>
-            <a:r>
-              <a:rPr lang="en-US" dirty="0" err="1"/>
-              <a:t>scFV</a:t>
-            </a:r>
-            <a:r>
-              <a:rPr lang="en-US" dirty="0"/>
-              <a:t> train data</a:t>
-            </a:r>
-          </a:p>
           <a:p>
             <a:pPr marL="342900" indent="-342900">
               <a:buAutoNum type="arabicPeriod"/>
@@ -6655,7 +6556,7 @@
           <p:nvPr>
             <p:extLst>
               <p:ext uri="{D42A27DB-BD31-4B8C-83A1-F6EECF244321}">
-                <p14:modId xmlns:p14="http://schemas.microsoft.com/office/powerpoint/2010/main" val="3799707048"/>
+                <p14:modId xmlns:p14="http://schemas.microsoft.com/office/powerpoint/2010/main" val="1568460435"/>
               </p:ext>
             </p:extLst>
           </p:nvPr>
@@ -7117,7 +7018,10 @@
                     <a:lstStyle/>
                     <a:p>
                       <a:pPr algn="ctr"/>
-                      <a:endParaRPr lang="en-US" dirty="0"/>
+                      <a:r>
+                        <a:rPr lang="en-US" dirty="0"/>
+                        <a:t>1.06</a:t>
+                      </a:r>
                     </a:p>
                   </a:txBody>
                   <a:tcPr anchor="ctr"/>
@@ -7393,10 +7297,9 @@
                     <a:p>
                       <a:pPr algn="ctr"/>
                       <a:r>
-                        <a:rPr lang="en-US"/>
+                        <a:rPr lang="en-US" dirty="0"/>
                         <a:t>0.18</a:t>
                       </a:r>
-                      <a:endParaRPr lang="en-US" dirty="0"/>
                     </a:p>
                   </a:txBody>
                   <a:tcPr anchor="ctr"/>
@@ -7421,7 +7324,10 @@
                     <a:lstStyle/>
                     <a:p>
                       <a:pPr algn="ctr"/>
-                      <a:endParaRPr lang="en-US" dirty="0"/>
+                      <a:r>
+                        <a:rPr lang="en-US" dirty="0"/>
+                        <a:t>1.06</a:t>
+                      </a:r>
                     </a:p>
                   </a:txBody>
                   <a:tcPr anchor="ctr"/>

--- a/Homework-aAlphaBio.pptx
+++ b/Homework-aAlphaBio.pptx
@@ -13,27 +13,28 @@
     <p:sldId id="333" r:id="rId7"/>
     <p:sldId id="342" r:id="rId8"/>
     <p:sldId id="336" r:id="rId9"/>
-    <p:sldId id="344" r:id="rId10"/>
-    <p:sldId id="343" r:id="rId11"/>
-    <p:sldId id="320" r:id="rId12"/>
-    <p:sldId id="334" r:id="rId13"/>
-    <p:sldId id="340" r:id="rId14"/>
-    <p:sldId id="341" r:id="rId15"/>
-    <p:sldId id="257" r:id="rId16"/>
-    <p:sldId id="258" r:id="rId17"/>
-    <p:sldId id="335" r:id="rId18"/>
-    <p:sldId id="337" r:id="rId19"/>
-    <p:sldId id="330" r:id="rId20"/>
-    <p:sldId id="329" r:id="rId21"/>
-    <p:sldId id="331" r:id="rId22"/>
-    <p:sldId id="318" r:id="rId23"/>
-    <p:sldId id="321" r:id="rId24"/>
-    <p:sldId id="259" r:id="rId25"/>
-    <p:sldId id="322" r:id="rId26"/>
-    <p:sldId id="260" r:id="rId27"/>
-    <p:sldId id="324" r:id="rId28"/>
-    <p:sldId id="261" r:id="rId29"/>
-    <p:sldId id="323" r:id="rId30"/>
+    <p:sldId id="345" r:id="rId10"/>
+    <p:sldId id="344" r:id="rId11"/>
+    <p:sldId id="343" r:id="rId12"/>
+    <p:sldId id="320" r:id="rId13"/>
+    <p:sldId id="334" r:id="rId14"/>
+    <p:sldId id="340" r:id="rId15"/>
+    <p:sldId id="341" r:id="rId16"/>
+    <p:sldId id="257" r:id="rId17"/>
+    <p:sldId id="258" r:id="rId18"/>
+    <p:sldId id="335" r:id="rId19"/>
+    <p:sldId id="337" r:id="rId20"/>
+    <p:sldId id="330" r:id="rId21"/>
+    <p:sldId id="329" r:id="rId22"/>
+    <p:sldId id="331" r:id="rId23"/>
+    <p:sldId id="318" r:id="rId24"/>
+    <p:sldId id="321" r:id="rId25"/>
+    <p:sldId id="259" r:id="rId26"/>
+    <p:sldId id="322" r:id="rId27"/>
+    <p:sldId id="260" r:id="rId28"/>
+    <p:sldId id="324" r:id="rId29"/>
+    <p:sldId id="261" r:id="rId30"/>
+    <p:sldId id="323" r:id="rId31"/>
   </p:sldIdLst>
   <p:sldSz cx="12192000" cy="6858000"/>
   <p:notesSz cx="6858000" cy="9144000"/>
@@ -3438,6 +3439,285 @@
 </file>
 
 <file path=ppt/slides/slide10.xml><?xml version="1.0" encoding="utf-8"?>
+<p:sld xmlns:a="http://schemas.openxmlformats.org/drawingml/2006/main" xmlns:r="http://schemas.openxmlformats.org/officeDocument/2006/relationships" xmlns:p="http://schemas.openxmlformats.org/presentationml/2006/main">
+  <p:cSld>
+    <p:spTree>
+      <p:nvGrpSpPr>
+        <p:cNvPr id="1" name=""/>
+        <p:cNvGrpSpPr/>
+        <p:nvPr/>
+      </p:nvGrpSpPr>
+      <p:grpSpPr>
+        <a:xfrm>
+          <a:off x="0" y="0"/>
+          <a:ext cx="0" cy="0"/>
+          <a:chOff x="0" y="0"/>
+          <a:chExt cx="0" cy="0"/>
+        </a:xfrm>
+      </p:grpSpPr>
+      <p:sp>
+        <p:nvSpPr>
+          <p:cNvPr id="2" name="TextBox 1">
+            <a:extLst>
+              <a:ext uri="{FF2B5EF4-FFF2-40B4-BE49-F238E27FC236}">
+                <a16:creationId xmlns:a16="http://schemas.microsoft.com/office/drawing/2014/main" id="{1AAA1C9C-FB2D-CD2D-F85E-23BCF1A59DF3}"/>
+              </a:ext>
+            </a:extLst>
+          </p:cNvPr>
+          <p:cNvSpPr txBox="1"/>
+          <p:nvPr/>
+        </p:nvSpPr>
+        <p:spPr>
+          <a:xfrm>
+            <a:off x="173866" y="154242"/>
+            <a:ext cx="869725" cy="461665"/>
+          </a:xfrm>
+          <a:prstGeom prst="rect">
+            <a:avLst/>
+          </a:prstGeom>
+          <a:noFill/>
+        </p:spPr>
+        <p:txBody>
+          <a:bodyPr wrap="none" rtlCol="0">
+            <a:spAutoFit/>
+          </a:bodyPr>
+          <a:lstStyle/>
+          <a:p>
+            <a:r>
+              <a:rPr lang="en-US" sz="2400" dirty="0"/>
+              <a:t>BERT</a:t>
+            </a:r>
+          </a:p>
+        </p:txBody>
+      </p:sp>
+      <p:pic>
+        <p:nvPicPr>
+          <p:cNvPr id="3" name="Picture 2">
+            <a:extLst>
+              <a:ext uri="{FF2B5EF4-FFF2-40B4-BE49-F238E27FC236}">
+                <a16:creationId xmlns:a16="http://schemas.microsoft.com/office/drawing/2014/main" id="{BE5CECA3-BD7D-460A-C42C-78CB24379D4B}"/>
+              </a:ext>
+            </a:extLst>
+          </p:cNvPr>
+          <p:cNvPicPr>
+            <a:picLocks noChangeAspect="1"/>
+          </p:cNvPicPr>
+          <p:nvPr/>
+        </p:nvPicPr>
+        <p:blipFill>
+          <a:blip r:embed="rId2"/>
+          <a:stretch>
+            <a:fillRect/>
+          </a:stretch>
+        </p:blipFill>
+        <p:spPr>
+          <a:xfrm>
+            <a:off x="861748" y="1092920"/>
+            <a:ext cx="7304187" cy="2336080"/>
+          </a:xfrm>
+          <a:prstGeom prst="rect">
+            <a:avLst/>
+          </a:prstGeom>
+          <a:ln>
+            <a:solidFill>
+              <a:schemeClr val="bg2">
+                <a:lumMod val="50000"/>
+              </a:schemeClr>
+            </a:solidFill>
+          </a:ln>
+        </p:spPr>
+      </p:pic>
+      <p:pic>
+        <p:nvPicPr>
+          <p:cNvPr id="4" name="Picture 3">
+            <a:extLst>
+              <a:ext uri="{FF2B5EF4-FFF2-40B4-BE49-F238E27FC236}">
+                <a16:creationId xmlns:a16="http://schemas.microsoft.com/office/drawing/2014/main" id="{7EABCB51-05DF-27E1-4369-F5A1A2870E22}"/>
+              </a:ext>
+            </a:extLst>
+          </p:cNvPr>
+          <p:cNvPicPr>
+            <a:picLocks noChangeAspect="1"/>
+          </p:cNvPicPr>
+          <p:nvPr/>
+        </p:nvPicPr>
+        <p:blipFill>
+          <a:blip r:embed="rId3"/>
+          <a:stretch>
+            <a:fillRect/>
+          </a:stretch>
+        </p:blipFill>
+        <p:spPr>
+          <a:xfrm>
+            <a:off x="861748" y="4130129"/>
+            <a:ext cx="6536116" cy="2336079"/>
+          </a:xfrm>
+          <a:prstGeom prst="rect">
+            <a:avLst/>
+          </a:prstGeom>
+          <a:ln>
+            <a:solidFill>
+              <a:schemeClr val="bg2">
+                <a:lumMod val="50000"/>
+              </a:schemeClr>
+            </a:solidFill>
+          </a:ln>
+        </p:spPr>
+      </p:pic>
+      <p:sp>
+        <p:nvSpPr>
+          <p:cNvPr id="5" name="TextBox 4">
+            <a:extLst>
+              <a:ext uri="{FF2B5EF4-FFF2-40B4-BE49-F238E27FC236}">
+                <a16:creationId xmlns:a16="http://schemas.microsoft.com/office/drawing/2014/main" id="{CCC6965F-FA30-7F55-A393-2A31108BF7F6}"/>
+              </a:ext>
+            </a:extLst>
+          </p:cNvPr>
+          <p:cNvSpPr txBox="1"/>
+          <p:nvPr/>
+        </p:nvSpPr>
+        <p:spPr>
+          <a:xfrm>
+            <a:off x="730398" y="723588"/>
+            <a:ext cx="2191626" cy="369332"/>
+          </a:xfrm>
+          <a:prstGeom prst="rect">
+            <a:avLst/>
+          </a:prstGeom>
+          <a:noFill/>
+        </p:spPr>
+        <p:txBody>
+          <a:bodyPr wrap="none" rtlCol="0">
+            <a:spAutoFit/>
+          </a:bodyPr>
+          <a:lstStyle/>
+          <a:p>
+            <a:r>
+              <a:rPr lang="en-US" dirty="0"/>
+              <a:t>BERT pre-train, MLM</a:t>
+            </a:r>
+          </a:p>
+        </p:txBody>
+      </p:sp>
+      <p:sp>
+        <p:nvSpPr>
+          <p:cNvPr id="6" name="TextBox 5">
+            <a:extLst>
+              <a:ext uri="{FF2B5EF4-FFF2-40B4-BE49-F238E27FC236}">
+                <a16:creationId xmlns:a16="http://schemas.microsoft.com/office/drawing/2014/main" id="{8D727D7C-B7FF-B52A-765E-A4304408DCE8}"/>
+              </a:ext>
+            </a:extLst>
+          </p:cNvPr>
+          <p:cNvSpPr txBox="1"/>
+          <p:nvPr/>
+        </p:nvSpPr>
+        <p:spPr>
+          <a:xfrm>
+            <a:off x="730398" y="3760797"/>
+            <a:ext cx="1614929" cy="369332"/>
+          </a:xfrm>
+          <a:prstGeom prst="rect">
+            <a:avLst/>
+          </a:prstGeom>
+          <a:noFill/>
+        </p:spPr>
+        <p:txBody>
+          <a:bodyPr wrap="none" rtlCol="0">
+            <a:spAutoFit/>
+          </a:bodyPr>
+          <a:lstStyle/>
+          <a:p>
+            <a:r>
+              <a:rPr lang="en-US" dirty="0"/>
+              <a:t>BERT fine tune</a:t>
+            </a:r>
+          </a:p>
+        </p:txBody>
+      </p:sp>
+      <p:sp>
+        <p:nvSpPr>
+          <p:cNvPr id="7" name="TextBox 6">
+            <a:extLst>
+              <a:ext uri="{FF2B5EF4-FFF2-40B4-BE49-F238E27FC236}">
+                <a16:creationId xmlns:a16="http://schemas.microsoft.com/office/drawing/2014/main" id="{11BDF426-EAFE-3091-51B1-EF3CA945EE22}"/>
+              </a:ext>
+            </a:extLst>
+          </p:cNvPr>
+          <p:cNvSpPr txBox="1"/>
+          <p:nvPr/>
+        </p:nvSpPr>
+        <p:spPr>
+          <a:xfrm>
+            <a:off x="8297285" y="1891628"/>
+            <a:ext cx="3730445" cy="369332"/>
+          </a:xfrm>
+          <a:prstGeom prst="rect">
+            <a:avLst/>
+          </a:prstGeom>
+          <a:noFill/>
+        </p:spPr>
+        <p:txBody>
+          <a:bodyPr wrap="none" rtlCol="0">
+            <a:spAutoFit/>
+          </a:bodyPr>
+          <a:lstStyle/>
+          <a:p>
+            <a:r>
+              <a:rPr lang="en-US" dirty="0"/>
+              <a:t>Dataset: OAS light chain sequences</a:t>
+            </a:r>
+          </a:p>
+        </p:txBody>
+      </p:sp>
+      <p:sp>
+        <p:nvSpPr>
+          <p:cNvPr id="8" name="TextBox 7">
+            <a:extLst>
+              <a:ext uri="{FF2B5EF4-FFF2-40B4-BE49-F238E27FC236}">
+                <a16:creationId xmlns:a16="http://schemas.microsoft.com/office/drawing/2014/main" id="{9D9C1117-AE70-3B34-CBDC-766B07172B75}"/>
+              </a:ext>
+            </a:extLst>
+          </p:cNvPr>
+          <p:cNvSpPr txBox="1"/>
+          <p:nvPr/>
+        </p:nvSpPr>
+        <p:spPr>
+          <a:xfrm>
+            <a:off x="7529214" y="5113502"/>
+            <a:ext cx="3882153" cy="369332"/>
+          </a:xfrm>
+          <a:prstGeom prst="rect">
+            <a:avLst/>
+          </a:prstGeom>
+          <a:noFill/>
+        </p:spPr>
+        <p:txBody>
+          <a:bodyPr wrap="none" rtlCol="0">
+            <a:spAutoFit/>
+          </a:bodyPr>
+          <a:lstStyle/>
+          <a:p>
+            <a:r>
+              <a:rPr lang="en-US" dirty="0"/>
+              <a:t>Dataset:  A-Alpha Bio homework data</a:t>
+            </a:r>
+          </a:p>
+        </p:txBody>
+      </p:sp>
+    </p:spTree>
+    <p:extLst>
+      <p:ext uri="{BB962C8B-B14F-4D97-AF65-F5344CB8AC3E}">
+        <p14:creationId xmlns:p14="http://schemas.microsoft.com/office/powerpoint/2010/main" val="846146610"/>
+      </p:ext>
+    </p:extLst>
+  </p:cSld>
+  <p:clrMapOvr>
+    <a:masterClrMapping/>
+  </p:clrMapOvr>
+</p:sld>
+</file>
+
+<file path=ppt/slides/slide11.xml><?xml version="1.0" encoding="utf-8"?>
 <p:sld xmlns:a="http://schemas.openxmlformats.org/drawingml/2006/main" xmlns:r="http://schemas.openxmlformats.org/officeDocument/2006/relationships" xmlns:p="http://schemas.openxmlformats.org/presentationml/2006/main">
   <p:cSld>
     <p:spTree>
@@ -4530,7 +4810,7 @@
 </p:sld>
 </file>
 
-<file path=ppt/slides/slide11.xml><?xml version="1.0" encoding="utf-8"?>
+<file path=ppt/slides/slide12.xml><?xml version="1.0" encoding="utf-8"?>
 <p:sld xmlns:a="http://schemas.openxmlformats.org/drawingml/2006/main" xmlns:r="http://schemas.openxmlformats.org/officeDocument/2006/relationships" xmlns:p="http://schemas.openxmlformats.org/presentationml/2006/main">
   <p:cSld>
     <p:spTree>
@@ -4953,7 +5233,7 @@
 </p:sld>
 </file>
 
-<file path=ppt/slides/slide12.xml><?xml version="1.0" encoding="utf-8"?>
+<file path=ppt/slides/slide13.xml><?xml version="1.0" encoding="utf-8"?>
 <p:sld xmlns:a="http://schemas.openxmlformats.org/drawingml/2006/main" xmlns:r="http://schemas.openxmlformats.org/officeDocument/2006/relationships" xmlns:p="http://schemas.openxmlformats.org/presentationml/2006/main">
   <p:cSld>
     <p:spTree>
@@ -5883,7 +6163,7 @@
 </p:sld>
 </file>
 
-<file path=ppt/slides/slide13.xml><?xml version="1.0" encoding="utf-8"?>
+<file path=ppt/slides/slide14.xml><?xml version="1.0" encoding="utf-8"?>
 <p:sld xmlns:a="http://schemas.openxmlformats.org/drawingml/2006/main" xmlns:r="http://schemas.openxmlformats.org/officeDocument/2006/relationships" xmlns:p="http://schemas.openxmlformats.org/presentationml/2006/main">
   <p:cSld>
     <p:spTree>
@@ -6489,7 +6769,7 @@
 </p:sld>
 </file>
 
-<file path=ppt/slides/slide14.xml><?xml version="1.0" encoding="utf-8"?>
+<file path=ppt/slides/slide15.xml><?xml version="1.0" encoding="utf-8"?>
 <p:sld xmlns:a="http://schemas.openxmlformats.org/drawingml/2006/main" xmlns:r="http://schemas.openxmlformats.org/officeDocument/2006/relationships" xmlns:p="http://schemas.openxmlformats.org/presentationml/2006/main">
   <p:cSld>
     <p:spTree>
@@ -7422,7 +7702,7 @@
 </p:sld>
 </file>
 
-<file path=ppt/slides/slide15.xml><?xml version="1.0" encoding="utf-8"?>
+<file path=ppt/slides/slide16.xml><?xml version="1.0" encoding="utf-8"?>
 <p:sld xmlns:a="http://schemas.openxmlformats.org/drawingml/2006/main" xmlns:r="http://schemas.openxmlformats.org/officeDocument/2006/relationships" xmlns:p="http://schemas.openxmlformats.org/presentationml/2006/main">
   <p:cSld>
     <p:spTree>
@@ -7825,7 +8105,7 @@
 </p:sld>
 </file>
 
-<file path=ppt/slides/slide16.xml><?xml version="1.0" encoding="utf-8"?>
+<file path=ppt/slides/slide17.xml><?xml version="1.0" encoding="utf-8"?>
 <p:sld xmlns:a="http://schemas.openxmlformats.org/drawingml/2006/main" xmlns:r="http://schemas.openxmlformats.org/officeDocument/2006/relationships" xmlns:p="http://schemas.openxmlformats.org/presentationml/2006/main">
   <p:cSld>
     <p:spTree>
@@ -8213,7 +8493,7 @@
 </p:sld>
 </file>
 
-<file path=ppt/slides/slide17.xml><?xml version="1.0" encoding="utf-8"?>
+<file path=ppt/slides/slide18.xml><?xml version="1.0" encoding="utf-8"?>
 <p:sld xmlns:a="http://schemas.openxmlformats.org/drawingml/2006/main" xmlns:r="http://schemas.openxmlformats.org/officeDocument/2006/relationships" xmlns:p="http://schemas.openxmlformats.org/presentationml/2006/main">
   <p:cSld>
     <p:spTree>
@@ -8598,7 +8878,7 @@
 </p:sld>
 </file>
 
-<file path=ppt/slides/slide18.xml><?xml version="1.0" encoding="utf-8"?>
+<file path=ppt/slides/slide19.xml><?xml version="1.0" encoding="utf-8"?>
 <p:sld xmlns:a="http://schemas.openxmlformats.org/drawingml/2006/main" xmlns:r="http://schemas.openxmlformats.org/officeDocument/2006/relationships" xmlns:p="http://schemas.openxmlformats.org/presentationml/2006/main">
   <p:cSld>
     <p:spTree>
@@ -10289,7 +10569,386 @@
 </p:sld>
 </file>
 
-<file path=ppt/slides/slide19.xml><?xml version="1.0" encoding="utf-8"?>
+<file path=ppt/slides/slide2.xml><?xml version="1.0" encoding="utf-8"?>
+<p:sld xmlns:a="http://schemas.openxmlformats.org/drawingml/2006/main" xmlns:r="http://schemas.openxmlformats.org/officeDocument/2006/relationships" xmlns:p="http://schemas.openxmlformats.org/presentationml/2006/main">
+  <p:cSld>
+    <p:spTree>
+      <p:nvGrpSpPr>
+        <p:cNvPr id="1" name=""/>
+        <p:cNvGrpSpPr/>
+        <p:nvPr/>
+      </p:nvGrpSpPr>
+      <p:grpSpPr>
+        <a:xfrm>
+          <a:off x="0" y="0"/>
+          <a:ext cx="0" cy="0"/>
+          <a:chOff x="0" y="0"/>
+          <a:chExt cx="0" cy="0"/>
+        </a:xfrm>
+      </p:grpSpPr>
+      <p:sp>
+        <p:nvSpPr>
+          <p:cNvPr id="2" name="TextBox 1">
+            <a:extLst>
+              <a:ext uri="{FF2B5EF4-FFF2-40B4-BE49-F238E27FC236}">
+                <a16:creationId xmlns:a16="http://schemas.microsoft.com/office/drawing/2014/main" id="{E758D5CD-18BF-EE2E-47E2-E832CEE7988E}"/>
+              </a:ext>
+            </a:extLst>
+          </p:cNvPr>
+          <p:cNvSpPr txBox="1"/>
+          <p:nvPr/>
+        </p:nvSpPr>
+        <p:spPr>
+          <a:xfrm>
+            <a:off x="140127" y="221836"/>
+            <a:ext cx="3472810" cy="461665"/>
+          </a:xfrm>
+          <a:prstGeom prst="rect">
+            <a:avLst/>
+          </a:prstGeom>
+          <a:noFill/>
+        </p:spPr>
+        <p:txBody>
+          <a:bodyPr wrap="none" rtlCol="0">
+            <a:spAutoFit/>
+          </a:bodyPr>
+          <a:lstStyle/>
+          <a:p>
+            <a:r>
+              <a:rPr lang="en-US" sz="2400" dirty="0"/>
+              <a:t>Data set analysis – part 1</a:t>
+            </a:r>
+          </a:p>
+        </p:txBody>
+      </p:sp>
+      <p:sp>
+        <p:nvSpPr>
+          <p:cNvPr id="5" name="TextBox 4">
+            <a:extLst>
+              <a:ext uri="{FF2B5EF4-FFF2-40B4-BE49-F238E27FC236}">
+                <a16:creationId xmlns:a16="http://schemas.microsoft.com/office/drawing/2014/main" id="{9D21562E-004E-F27D-F7B0-73BC9E3A90A1}"/>
+              </a:ext>
+            </a:extLst>
+          </p:cNvPr>
+          <p:cNvSpPr txBox="1"/>
+          <p:nvPr/>
+        </p:nvSpPr>
+        <p:spPr>
+          <a:xfrm>
+            <a:off x="223864" y="961394"/>
+            <a:ext cx="7074915" cy="2800767"/>
+          </a:xfrm>
+          <a:prstGeom prst="rect">
+            <a:avLst/>
+          </a:prstGeom>
+          <a:noFill/>
+        </p:spPr>
+        <p:txBody>
+          <a:bodyPr wrap="square">
+            <a:spAutoFit/>
+          </a:bodyPr>
+          <a:lstStyle/>
+          <a:p>
+            <a:r>
+              <a:rPr lang="en-US" sz="1600" b="1" dirty="0" err="1">
+                <a:effectLst/>
+              </a:rPr>
+              <a:t>alphaseq_data_train.csv</a:t>
+            </a:r>
+            <a:endParaRPr lang="en-US" sz="1600" b="1" dirty="0">
+              <a:effectLst/>
+            </a:endParaRPr>
+          </a:p>
+          <a:p>
+            <a:pPr marL="285750" indent="-285750">
+              <a:buFont typeface="Arial" panose="020B0604020202020204" pitchFamily="34" charset="0"/>
+              <a:buChar char="•"/>
+            </a:pPr>
+            <a:r>
+              <a:rPr lang="en-US" sz="1600" b="0" dirty="0">
+                <a:effectLst/>
+              </a:rPr>
+              <a:t>29199 unique aa sequences</a:t>
+            </a:r>
+          </a:p>
+          <a:p>
+            <a:pPr marL="742950" lvl="1" indent="-285750">
+              <a:buFont typeface="Arial" panose="020B0604020202020204" pitchFamily="34" charset="0"/>
+              <a:buChar char="•"/>
+            </a:pPr>
+            <a:r>
+              <a:rPr lang="en-US" sz="1600" dirty="0"/>
+              <a:t>For duplicate entries use the mean of their </a:t>
+            </a:r>
+            <a:r>
+              <a:rPr lang="en-US" sz="1600" dirty="0" err="1"/>
+              <a:t>Kd</a:t>
+            </a:r>
+            <a:r>
+              <a:rPr lang="en-US" sz="1600" dirty="0"/>
+              <a:t> values</a:t>
+            </a:r>
+            <a:endParaRPr lang="en-US" sz="1600" b="0" dirty="0">
+              <a:effectLst/>
+            </a:endParaRPr>
+          </a:p>
+          <a:p>
+            <a:pPr marL="285750" indent="-285750">
+              <a:buFont typeface="Arial" panose="020B0604020202020204" pitchFamily="34" charset="0"/>
+              <a:buChar char="•"/>
+            </a:pPr>
+            <a:r>
+              <a:rPr lang="en-US" sz="1600" b="0" dirty="0">
+                <a:effectLst/>
+              </a:rPr>
+              <a:t>remove all entries with NANs for </a:t>
+            </a:r>
+            <a:r>
+              <a:rPr lang="en-US" sz="1600" b="0" dirty="0" err="1">
+                <a:effectLst/>
+              </a:rPr>
+              <a:t>Kd</a:t>
+            </a:r>
+            <a:endParaRPr lang="en-US" sz="1600" b="0" dirty="0">
+              <a:effectLst/>
+            </a:endParaRPr>
+          </a:p>
+          <a:p>
+            <a:pPr marL="285750" indent="-285750">
+              <a:buFont typeface="Arial" panose="020B0604020202020204" pitchFamily="34" charset="0"/>
+              <a:buChar char="•"/>
+            </a:pPr>
+            <a:r>
+              <a:rPr lang="en-US" sz="1600" b="0" dirty="0">
+                <a:effectLst/>
+              </a:rPr>
+              <a:t>all sequences are same length: 246 residues</a:t>
+            </a:r>
+          </a:p>
+          <a:p>
+            <a:pPr marL="285750" indent="-285750">
+              <a:buFont typeface="Arial" panose="020B0604020202020204" pitchFamily="34" charset="0"/>
+              <a:buChar char="•"/>
+            </a:pPr>
+            <a:r>
+              <a:rPr lang="en-US" sz="1600" dirty="0"/>
+              <a:t>plot distribution of </a:t>
+            </a:r>
+            <a:r>
+              <a:rPr lang="en-US" sz="1600" dirty="0" err="1"/>
+              <a:t>Kd</a:t>
+            </a:r>
+            <a:r>
+              <a:rPr lang="en-US" sz="1600" dirty="0"/>
+              <a:t> values</a:t>
+            </a:r>
+          </a:p>
+          <a:p>
+            <a:pPr marL="742950" lvl="1" indent="-285750">
+              <a:buFont typeface="Arial" panose="020B0604020202020204" pitchFamily="34" charset="0"/>
+              <a:buChar char="•"/>
+            </a:pPr>
+            <a:r>
+              <a:rPr lang="en-US" sz="1600" dirty="0"/>
+              <a:t>interesting bimodal distribution</a:t>
+            </a:r>
+          </a:p>
+          <a:p>
+            <a:pPr marL="742950" lvl="1" indent="-285750">
+              <a:buFont typeface="Arial" panose="020B0604020202020204" pitchFamily="34" charset="0"/>
+              <a:buChar char="•"/>
+            </a:pPr>
+            <a:r>
+              <a:rPr lang="en-US" sz="1600" dirty="0"/>
+              <a:t>diff between the two peaks is ~0.25 kcal/mol </a:t>
+            </a:r>
+            <a:r>
+              <a:rPr lang="en-US" sz="1600" dirty="0">
+                <a:latin typeface="Symbol" pitchFamily="2" charset="2"/>
+              </a:rPr>
+              <a:t>D</a:t>
+            </a:r>
+            <a:r>
+              <a:rPr lang="en-US" sz="1600" dirty="0"/>
+              <a:t>G</a:t>
+            </a:r>
+          </a:p>
+          <a:p>
+            <a:pPr marL="285750" indent="-285750">
+              <a:buFont typeface="Arial" panose="020B0604020202020204" pitchFamily="34" charset="0"/>
+              <a:buChar char="•"/>
+            </a:pPr>
+            <a:r>
+              <a:rPr lang="en-US" sz="1600" b="0" dirty="0">
+                <a:effectLst/>
+              </a:rPr>
+              <a:t>plot the variability at each residue position in the sequence</a:t>
+            </a:r>
+          </a:p>
+          <a:p>
+            <a:pPr marL="742950" lvl="1" indent="-285750">
+              <a:buFont typeface="Arial" panose="020B0604020202020204" pitchFamily="34" charset="0"/>
+              <a:buChar char="•"/>
+            </a:pPr>
+            <a:r>
+              <a:rPr lang="en-US" sz="1600" dirty="0"/>
+              <a:t>80 residue region (position 29 to 108) has all the mutations</a:t>
+            </a:r>
+          </a:p>
+          <a:p>
+            <a:pPr marL="742950" lvl="1" indent="-285750">
+              <a:buFont typeface="Arial" panose="020B0604020202020204" pitchFamily="34" charset="0"/>
+              <a:buChar char="•"/>
+            </a:pPr>
+            <a:r>
+              <a:rPr lang="en-US" sz="1600" dirty="0"/>
+              <a:t>this is likely a CDR region</a:t>
+            </a:r>
+            <a:endParaRPr lang="en-US" sz="1600" b="0" dirty="0">
+              <a:effectLst/>
+            </a:endParaRPr>
+          </a:p>
+        </p:txBody>
+      </p:sp>
+      <p:pic>
+        <p:nvPicPr>
+          <p:cNvPr id="6" name="Picture 5">
+            <a:extLst>
+              <a:ext uri="{FF2B5EF4-FFF2-40B4-BE49-F238E27FC236}">
+                <a16:creationId xmlns:a16="http://schemas.microsoft.com/office/drawing/2014/main" id="{D17F21C1-D1A7-E53B-97D8-88CD6C8728DA}"/>
+              </a:ext>
+            </a:extLst>
+          </p:cNvPr>
+          <p:cNvPicPr>
+            <a:picLocks noChangeAspect="1"/>
+          </p:cNvPicPr>
+          <p:nvPr/>
+        </p:nvPicPr>
+        <p:blipFill>
+          <a:blip r:embed="rId2"/>
+          <a:stretch>
+            <a:fillRect/>
+          </a:stretch>
+        </p:blipFill>
+        <p:spPr>
+          <a:xfrm>
+            <a:off x="8015617" y="221836"/>
+            <a:ext cx="3683000" cy="2870200"/>
+          </a:xfrm>
+          <a:prstGeom prst="rect">
+            <a:avLst/>
+          </a:prstGeom>
+        </p:spPr>
+      </p:pic>
+      <p:sp>
+        <p:nvSpPr>
+          <p:cNvPr id="7" name="TextBox 6">
+            <a:extLst>
+              <a:ext uri="{FF2B5EF4-FFF2-40B4-BE49-F238E27FC236}">
+                <a16:creationId xmlns:a16="http://schemas.microsoft.com/office/drawing/2014/main" id="{6F74E53A-581B-C458-F657-00CE2DE6B2CE}"/>
+              </a:ext>
+            </a:extLst>
+          </p:cNvPr>
+          <p:cNvSpPr txBox="1"/>
+          <p:nvPr/>
+        </p:nvSpPr>
+        <p:spPr>
+          <a:xfrm>
+            <a:off x="8556321" y="3092036"/>
+            <a:ext cx="3288946" cy="523220"/>
+          </a:xfrm>
+          <a:prstGeom prst="rect">
+            <a:avLst/>
+          </a:prstGeom>
+          <a:noFill/>
+        </p:spPr>
+        <p:txBody>
+          <a:bodyPr wrap="square" rtlCol="0">
+            <a:spAutoFit/>
+          </a:bodyPr>
+          <a:lstStyle/>
+          <a:p>
+            <a:r>
+              <a:rPr lang="en-US" sz="1400" dirty="0"/>
+              <a:t>bimodal-like distribution is similar to that reported in the Nature paper</a:t>
+            </a:r>
+          </a:p>
+        </p:txBody>
+      </p:sp>
+      <p:pic>
+        <p:nvPicPr>
+          <p:cNvPr id="8" name="Picture 7">
+            <a:extLst>
+              <a:ext uri="{FF2B5EF4-FFF2-40B4-BE49-F238E27FC236}">
+                <a16:creationId xmlns:a16="http://schemas.microsoft.com/office/drawing/2014/main" id="{6A5B62CE-2B72-1D08-0C96-9BE8BE846DFD}"/>
+              </a:ext>
+            </a:extLst>
+          </p:cNvPr>
+          <p:cNvPicPr>
+            <a:picLocks noChangeAspect="1"/>
+          </p:cNvPicPr>
+          <p:nvPr/>
+        </p:nvPicPr>
+        <p:blipFill>
+          <a:blip r:embed="rId3"/>
+          <a:stretch>
+            <a:fillRect/>
+          </a:stretch>
+        </p:blipFill>
+        <p:spPr>
+          <a:xfrm>
+            <a:off x="2078121" y="4196152"/>
+            <a:ext cx="3366402" cy="2454215"/>
+          </a:xfrm>
+          <a:prstGeom prst="rect">
+            <a:avLst/>
+          </a:prstGeom>
+        </p:spPr>
+      </p:pic>
+      <p:pic>
+        <p:nvPicPr>
+          <p:cNvPr id="9" name="Picture 8">
+            <a:extLst>
+              <a:ext uri="{FF2B5EF4-FFF2-40B4-BE49-F238E27FC236}">
+                <a16:creationId xmlns:a16="http://schemas.microsoft.com/office/drawing/2014/main" id="{3BFBCF0B-3639-7E22-34EB-3B5317FFCBF8}"/>
+              </a:ext>
+            </a:extLst>
+          </p:cNvPr>
+          <p:cNvPicPr>
+            <a:picLocks noChangeAspect="1"/>
+          </p:cNvPicPr>
+          <p:nvPr/>
+        </p:nvPicPr>
+        <p:blipFill>
+          <a:blip r:embed="rId4"/>
+          <a:stretch>
+            <a:fillRect/>
+          </a:stretch>
+        </p:blipFill>
+        <p:spPr>
+          <a:xfrm>
+            <a:off x="6631692" y="3893149"/>
+            <a:ext cx="3225425" cy="2757218"/>
+          </a:xfrm>
+          <a:prstGeom prst="rect">
+            <a:avLst/>
+          </a:prstGeom>
+        </p:spPr>
+      </p:pic>
+    </p:spTree>
+    <p:extLst>
+      <p:ext uri="{BB962C8B-B14F-4D97-AF65-F5344CB8AC3E}">
+        <p14:creationId xmlns:p14="http://schemas.microsoft.com/office/powerpoint/2010/main" val="2470448845"/>
+      </p:ext>
+    </p:extLst>
+  </p:cSld>
+  <p:clrMapOvr>
+    <a:masterClrMapping/>
+  </p:clrMapOvr>
+</p:sld>
+</file>
+
+<file path=ppt/slides/slide20.xml><?xml version="1.0" encoding="utf-8"?>
 <p:sld xmlns:a="http://schemas.openxmlformats.org/drawingml/2006/main" xmlns:r="http://schemas.openxmlformats.org/officeDocument/2006/relationships" xmlns:p="http://schemas.openxmlformats.org/presentationml/2006/main">
   <p:cSld>
     <p:spTree>
@@ -10968,386 +11627,7 @@
 </p:sld>
 </file>
 
-<file path=ppt/slides/slide2.xml><?xml version="1.0" encoding="utf-8"?>
-<p:sld xmlns:a="http://schemas.openxmlformats.org/drawingml/2006/main" xmlns:r="http://schemas.openxmlformats.org/officeDocument/2006/relationships" xmlns:p="http://schemas.openxmlformats.org/presentationml/2006/main">
-  <p:cSld>
-    <p:spTree>
-      <p:nvGrpSpPr>
-        <p:cNvPr id="1" name=""/>
-        <p:cNvGrpSpPr/>
-        <p:nvPr/>
-      </p:nvGrpSpPr>
-      <p:grpSpPr>
-        <a:xfrm>
-          <a:off x="0" y="0"/>
-          <a:ext cx="0" cy="0"/>
-          <a:chOff x="0" y="0"/>
-          <a:chExt cx="0" cy="0"/>
-        </a:xfrm>
-      </p:grpSpPr>
-      <p:sp>
-        <p:nvSpPr>
-          <p:cNvPr id="2" name="TextBox 1">
-            <a:extLst>
-              <a:ext uri="{FF2B5EF4-FFF2-40B4-BE49-F238E27FC236}">
-                <a16:creationId xmlns:a16="http://schemas.microsoft.com/office/drawing/2014/main" id="{E758D5CD-18BF-EE2E-47E2-E832CEE7988E}"/>
-              </a:ext>
-            </a:extLst>
-          </p:cNvPr>
-          <p:cNvSpPr txBox="1"/>
-          <p:nvPr/>
-        </p:nvSpPr>
-        <p:spPr>
-          <a:xfrm>
-            <a:off x="140127" y="221836"/>
-            <a:ext cx="3472810" cy="461665"/>
-          </a:xfrm>
-          <a:prstGeom prst="rect">
-            <a:avLst/>
-          </a:prstGeom>
-          <a:noFill/>
-        </p:spPr>
-        <p:txBody>
-          <a:bodyPr wrap="none" rtlCol="0">
-            <a:spAutoFit/>
-          </a:bodyPr>
-          <a:lstStyle/>
-          <a:p>
-            <a:r>
-              <a:rPr lang="en-US" sz="2400" dirty="0"/>
-              <a:t>Data set analysis – part 1</a:t>
-            </a:r>
-          </a:p>
-        </p:txBody>
-      </p:sp>
-      <p:sp>
-        <p:nvSpPr>
-          <p:cNvPr id="5" name="TextBox 4">
-            <a:extLst>
-              <a:ext uri="{FF2B5EF4-FFF2-40B4-BE49-F238E27FC236}">
-                <a16:creationId xmlns:a16="http://schemas.microsoft.com/office/drawing/2014/main" id="{9D21562E-004E-F27D-F7B0-73BC9E3A90A1}"/>
-              </a:ext>
-            </a:extLst>
-          </p:cNvPr>
-          <p:cNvSpPr txBox="1"/>
-          <p:nvPr/>
-        </p:nvSpPr>
-        <p:spPr>
-          <a:xfrm>
-            <a:off x="223864" y="961394"/>
-            <a:ext cx="7074915" cy="2800767"/>
-          </a:xfrm>
-          <a:prstGeom prst="rect">
-            <a:avLst/>
-          </a:prstGeom>
-          <a:noFill/>
-        </p:spPr>
-        <p:txBody>
-          <a:bodyPr wrap="square">
-            <a:spAutoFit/>
-          </a:bodyPr>
-          <a:lstStyle/>
-          <a:p>
-            <a:r>
-              <a:rPr lang="en-US" sz="1600" b="1" dirty="0" err="1">
-                <a:effectLst/>
-              </a:rPr>
-              <a:t>alphaseq_data_train.csv</a:t>
-            </a:r>
-            <a:endParaRPr lang="en-US" sz="1600" b="1" dirty="0">
-              <a:effectLst/>
-            </a:endParaRPr>
-          </a:p>
-          <a:p>
-            <a:pPr marL="285750" indent="-285750">
-              <a:buFont typeface="Arial" panose="020B0604020202020204" pitchFamily="34" charset="0"/>
-              <a:buChar char="•"/>
-            </a:pPr>
-            <a:r>
-              <a:rPr lang="en-US" sz="1600" b="0" dirty="0">
-                <a:effectLst/>
-              </a:rPr>
-              <a:t>29199 unique aa sequences</a:t>
-            </a:r>
-          </a:p>
-          <a:p>
-            <a:pPr marL="742950" lvl="1" indent="-285750">
-              <a:buFont typeface="Arial" panose="020B0604020202020204" pitchFamily="34" charset="0"/>
-              <a:buChar char="•"/>
-            </a:pPr>
-            <a:r>
-              <a:rPr lang="en-US" sz="1600" dirty="0"/>
-              <a:t>For duplicate entries use the mean of their </a:t>
-            </a:r>
-            <a:r>
-              <a:rPr lang="en-US" sz="1600" dirty="0" err="1"/>
-              <a:t>Kd</a:t>
-            </a:r>
-            <a:r>
-              <a:rPr lang="en-US" sz="1600" dirty="0"/>
-              <a:t> values</a:t>
-            </a:r>
-            <a:endParaRPr lang="en-US" sz="1600" b="0" dirty="0">
-              <a:effectLst/>
-            </a:endParaRPr>
-          </a:p>
-          <a:p>
-            <a:pPr marL="285750" indent="-285750">
-              <a:buFont typeface="Arial" panose="020B0604020202020204" pitchFamily="34" charset="0"/>
-              <a:buChar char="•"/>
-            </a:pPr>
-            <a:r>
-              <a:rPr lang="en-US" sz="1600" b="0" dirty="0">
-                <a:effectLst/>
-              </a:rPr>
-              <a:t>remove all entries with NANs for </a:t>
-            </a:r>
-            <a:r>
-              <a:rPr lang="en-US" sz="1600" b="0" dirty="0" err="1">
-                <a:effectLst/>
-              </a:rPr>
-              <a:t>Kd</a:t>
-            </a:r>
-            <a:endParaRPr lang="en-US" sz="1600" b="0" dirty="0">
-              <a:effectLst/>
-            </a:endParaRPr>
-          </a:p>
-          <a:p>
-            <a:pPr marL="285750" indent="-285750">
-              <a:buFont typeface="Arial" panose="020B0604020202020204" pitchFamily="34" charset="0"/>
-              <a:buChar char="•"/>
-            </a:pPr>
-            <a:r>
-              <a:rPr lang="en-US" sz="1600" b="0" dirty="0">
-                <a:effectLst/>
-              </a:rPr>
-              <a:t>all sequences are same length: 246 residues</a:t>
-            </a:r>
-          </a:p>
-          <a:p>
-            <a:pPr marL="285750" indent="-285750">
-              <a:buFont typeface="Arial" panose="020B0604020202020204" pitchFamily="34" charset="0"/>
-              <a:buChar char="•"/>
-            </a:pPr>
-            <a:r>
-              <a:rPr lang="en-US" sz="1600" dirty="0"/>
-              <a:t>plot distribution of </a:t>
-            </a:r>
-            <a:r>
-              <a:rPr lang="en-US" sz="1600" dirty="0" err="1"/>
-              <a:t>Kd</a:t>
-            </a:r>
-            <a:r>
-              <a:rPr lang="en-US" sz="1600" dirty="0"/>
-              <a:t> values</a:t>
-            </a:r>
-          </a:p>
-          <a:p>
-            <a:pPr marL="742950" lvl="1" indent="-285750">
-              <a:buFont typeface="Arial" panose="020B0604020202020204" pitchFamily="34" charset="0"/>
-              <a:buChar char="•"/>
-            </a:pPr>
-            <a:r>
-              <a:rPr lang="en-US" sz="1600" dirty="0"/>
-              <a:t>interesting bimodal distribution</a:t>
-            </a:r>
-          </a:p>
-          <a:p>
-            <a:pPr marL="742950" lvl="1" indent="-285750">
-              <a:buFont typeface="Arial" panose="020B0604020202020204" pitchFamily="34" charset="0"/>
-              <a:buChar char="•"/>
-            </a:pPr>
-            <a:r>
-              <a:rPr lang="en-US" sz="1600" dirty="0"/>
-              <a:t>diff between the two peaks is ~0.25 kcal/mol </a:t>
-            </a:r>
-            <a:r>
-              <a:rPr lang="en-US" sz="1600" dirty="0">
-                <a:latin typeface="Symbol" pitchFamily="2" charset="2"/>
-              </a:rPr>
-              <a:t>D</a:t>
-            </a:r>
-            <a:r>
-              <a:rPr lang="en-US" sz="1600" dirty="0"/>
-              <a:t>G</a:t>
-            </a:r>
-          </a:p>
-          <a:p>
-            <a:pPr marL="285750" indent="-285750">
-              <a:buFont typeface="Arial" panose="020B0604020202020204" pitchFamily="34" charset="0"/>
-              <a:buChar char="•"/>
-            </a:pPr>
-            <a:r>
-              <a:rPr lang="en-US" sz="1600" b="0" dirty="0">
-                <a:effectLst/>
-              </a:rPr>
-              <a:t>plot the variability at each residue position in the sequence</a:t>
-            </a:r>
-          </a:p>
-          <a:p>
-            <a:pPr marL="742950" lvl="1" indent="-285750">
-              <a:buFont typeface="Arial" panose="020B0604020202020204" pitchFamily="34" charset="0"/>
-              <a:buChar char="•"/>
-            </a:pPr>
-            <a:r>
-              <a:rPr lang="en-US" sz="1600" dirty="0"/>
-              <a:t>80 residue region (position 29 to 108) has all the mutations</a:t>
-            </a:r>
-          </a:p>
-          <a:p>
-            <a:pPr marL="742950" lvl="1" indent="-285750">
-              <a:buFont typeface="Arial" panose="020B0604020202020204" pitchFamily="34" charset="0"/>
-              <a:buChar char="•"/>
-            </a:pPr>
-            <a:r>
-              <a:rPr lang="en-US" sz="1600" dirty="0"/>
-              <a:t>this is likely a CDR region</a:t>
-            </a:r>
-            <a:endParaRPr lang="en-US" sz="1600" b="0" dirty="0">
-              <a:effectLst/>
-            </a:endParaRPr>
-          </a:p>
-        </p:txBody>
-      </p:sp>
-      <p:pic>
-        <p:nvPicPr>
-          <p:cNvPr id="6" name="Picture 5">
-            <a:extLst>
-              <a:ext uri="{FF2B5EF4-FFF2-40B4-BE49-F238E27FC236}">
-                <a16:creationId xmlns:a16="http://schemas.microsoft.com/office/drawing/2014/main" id="{D17F21C1-D1A7-E53B-97D8-88CD6C8728DA}"/>
-              </a:ext>
-            </a:extLst>
-          </p:cNvPr>
-          <p:cNvPicPr>
-            <a:picLocks noChangeAspect="1"/>
-          </p:cNvPicPr>
-          <p:nvPr/>
-        </p:nvPicPr>
-        <p:blipFill>
-          <a:blip r:embed="rId2"/>
-          <a:stretch>
-            <a:fillRect/>
-          </a:stretch>
-        </p:blipFill>
-        <p:spPr>
-          <a:xfrm>
-            <a:off x="8015617" y="221836"/>
-            <a:ext cx="3683000" cy="2870200"/>
-          </a:xfrm>
-          <a:prstGeom prst="rect">
-            <a:avLst/>
-          </a:prstGeom>
-        </p:spPr>
-      </p:pic>
-      <p:sp>
-        <p:nvSpPr>
-          <p:cNvPr id="7" name="TextBox 6">
-            <a:extLst>
-              <a:ext uri="{FF2B5EF4-FFF2-40B4-BE49-F238E27FC236}">
-                <a16:creationId xmlns:a16="http://schemas.microsoft.com/office/drawing/2014/main" id="{6F74E53A-581B-C458-F657-00CE2DE6B2CE}"/>
-              </a:ext>
-            </a:extLst>
-          </p:cNvPr>
-          <p:cNvSpPr txBox="1"/>
-          <p:nvPr/>
-        </p:nvSpPr>
-        <p:spPr>
-          <a:xfrm>
-            <a:off x="8556321" y="3092036"/>
-            <a:ext cx="3288946" cy="523220"/>
-          </a:xfrm>
-          <a:prstGeom prst="rect">
-            <a:avLst/>
-          </a:prstGeom>
-          <a:noFill/>
-        </p:spPr>
-        <p:txBody>
-          <a:bodyPr wrap="square" rtlCol="0">
-            <a:spAutoFit/>
-          </a:bodyPr>
-          <a:lstStyle/>
-          <a:p>
-            <a:r>
-              <a:rPr lang="en-US" sz="1400" dirty="0"/>
-              <a:t>bimodal-like distribution is similar to that reported in the Nature paper</a:t>
-            </a:r>
-          </a:p>
-        </p:txBody>
-      </p:sp>
-      <p:pic>
-        <p:nvPicPr>
-          <p:cNvPr id="8" name="Picture 7">
-            <a:extLst>
-              <a:ext uri="{FF2B5EF4-FFF2-40B4-BE49-F238E27FC236}">
-                <a16:creationId xmlns:a16="http://schemas.microsoft.com/office/drawing/2014/main" id="{6A5B62CE-2B72-1D08-0C96-9BE8BE846DFD}"/>
-              </a:ext>
-            </a:extLst>
-          </p:cNvPr>
-          <p:cNvPicPr>
-            <a:picLocks noChangeAspect="1"/>
-          </p:cNvPicPr>
-          <p:nvPr/>
-        </p:nvPicPr>
-        <p:blipFill>
-          <a:blip r:embed="rId3"/>
-          <a:stretch>
-            <a:fillRect/>
-          </a:stretch>
-        </p:blipFill>
-        <p:spPr>
-          <a:xfrm>
-            <a:off x="2078121" y="4196152"/>
-            <a:ext cx="3366402" cy="2454215"/>
-          </a:xfrm>
-          <a:prstGeom prst="rect">
-            <a:avLst/>
-          </a:prstGeom>
-        </p:spPr>
-      </p:pic>
-      <p:pic>
-        <p:nvPicPr>
-          <p:cNvPr id="9" name="Picture 8">
-            <a:extLst>
-              <a:ext uri="{FF2B5EF4-FFF2-40B4-BE49-F238E27FC236}">
-                <a16:creationId xmlns:a16="http://schemas.microsoft.com/office/drawing/2014/main" id="{3BFBCF0B-3639-7E22-34EB-3B5317FFCBF8}"/>
-              </a:ext>
-            </a:extLst>
-          </p:cNvPr>
-          <p:cNvPicPr>
-            <a:picLocks noChangeAspect="1"/>
-          </p:cNvPicPr>
-          <p:nvPr/>
-        </p:nvPicPr>
-        <p:blipFill>
-          <a:blip r:embed="rId4"/>
-          <a:stretch>
-            <a:fillRect/>
-          </a:stretch>
-        </p:blipFill>
-        <p:spPr>
-          <a:xfrm>
-            <a:off x="6631692" y="3893149"/>
-            <a:ext cx="3225425" cy="2757218"/>
-          </a:xfrm>
-          <a:prstGeom prst="rect">
-            <a:avLst/>
-          </a:prstGeom>
-        </p:spPr>
-      </p:pic>
-    </p:spTree>
-    <p:extLst>
-      <p:ext uri="{BB962C8B-B14F-4D97-AF65-F5344CB8AC3E}">
-        <p14:creationId xmlns:p14="http://schemas.microsoft.com/office/powerpoint/2010/main" val="2470448845"/>
-      </p:ext>
-    </p:extLst>
-  </p:cSld>
-  <p:clrMapOvr>
-    <a:masterClrMapping/>
-  </p:clrMapOvr>
-</p:sld>
-</file>
-
-<file path=ppt/slides/slide20.xml><?xml version="1.0" encoding="utf-8"?>
+<file path=ppt/slides/slide21.xml><?xml version="1.0" encoding="utf-8"?>
 <p:sld xmlns:a="http://schemas.openxmlformats.org/drawingml/2006/main" xmlns:r="http://schemas.openxmlformats.org/officeDocument/2006/relationships" xmlns:p="http://schemas.openxmlformats.org/presentationml/2006/main">
   <p:cSld>
     <p:spTree>
@@ -12575,7 +12855,7 @@
 </p:sld>
 </file>
 
-<file path=ppt/slides/slide21.xml><?xml version="1.0" encoding="utf-8"?>
+<file path=ppt/slides/slide22.xml><?xml version="1.0" encoding="utf-8"?>
 <p:sld xmlns:a="http://schemas.openxmlformats.org/drawingml/2006/main" xmlns:r="http://schemas.openxmlformats.org/officeDocument/2006/relationships" xmlns:p="http://schemas.openxmlformats.org/presentationml/2006/main">
   <p:cSld>
     <p:spTree>
@@ -15398,7 +15678,7 @@
 </p:sld>
 </file>
 
-<file path=ppt/slides/slide22.xml><?xml version="1.0" encoding="utf-8"?>
+<file path=ppt/slides/slide23.xml><?xml version="1.0" encoding="utf-8"?>
 <p:sld xmlns:a="http://schemas.openxmlformats.org/drawingml/2006/main" xmlns:r="http://schemas.openxmlformats.org/officeDocument/2006/relationships" xmlns:p="http://schemas.openxmlformats.org/presentationml/2006/main">
   <p:cSld>
     <p:spTree>
@@ -19346,7 +19626,7 @@
 </p:sld>
 </file>
 
-<file path=ppt/slides/slide23.xml><?xml version="1.0" encoding="utf-8"?>
+<file path=ppt/slides/slide24.xml><?xml version="1.0" encoding="utf-8"?>
 <p:sld xmlns:a="http://schemas.openxmlformats.org/drawingml/2006/main" xmlns:r="http://schemas.openxmlformats.org/officeDocument/2006/relationships" xmlns:p="http://schemas.openxmlformats.org/presentationml/2006/main">
   <p:cSld>
     <p:spTree>
@@ -22361,7 +22641,7 @@
 </p:sld>
 </file>
 
-<file path=ppt/slides/slide24.xml><?xml version="1.0" encoding="utf-8"?>
+<file path=ppt/slides/slide25.xml><?xml version="1.0" encoding="utf-8"?>
 <p:sld xmlns:a="http://schemas.openxmlformats.org/drawingml/2006/main" xmlns:r="http://schemas.openxmlformats.org/officeDocument/2006/relationships" xmlns:p="http://schemas.openxmlformats.org/presentationml/2006/main">
   <p:cSld>
     <p:spTree>
@@ -22559,7 +22839,7 @@
 </p:sld>
 </file>
 
-<file path=ppt/slides/slide25.xml><?xml version="1.0" encoding="utf-8"?>
+<file path=ppt/slides/slide26.xml><?xml version="1.0" encoding="utf-8"?>
 <p:sld xmlns:a="http://schemas.openxmlformats.org/drawingml/2006/main" xmlns:r="http://schemas.openxmlformats.org/officeDocument/2006/relationships" xmlns:p="http://schemas.openxmlformats.org/presentationml/2006/main">
   <p:cSld>
     <p:spTree>
@@ -22896,7 +23176,7 @@
 </p:sld>
 </file>
 
-<file path=ppt/slides/slide26.xml><?xml version="1.0" encoding="utf-8"?>
+<file path=ppt/slides/slide27.xml><?xml version="1.0" encoding="utf-8"?>
 <p:sld xmlns:a="http://schemas.openxmlformats.org/drawingml/2006/main" xmlns:r="http://schemas.openxmlformats.org/officeDocument/2006/relationships" xmlns:p="http://schemas.openxmlformats.org/presentationml/2006/main">
   <p:cSld>
     <p:spTree>
@@ -23083,7 +23363,7 @@
 </p:sld>
 </file>
 
-<file path=ppt/slides/slide27.xml><?xml version="1.0" encoding="utf-8"?>
+<file path=ppt/slides/slide28.xml><?xml version="1.0" encoding="utf-8"?>
 <p:sld xmlns:a="http://schemas.openxmlformats.org/drawingml/2006/main" xmlns:r="http://schemas.openxmlformats.org/officeDocument/2006/relationships" xmlns:p="http://schemas.openxmlformats.org/presentationml/2006/main">
   <p:cSld>
     <p:spTree>
@@ -23635,7 +23915,7 @@
 </p:sld>
 </file>
 
-<file path=ppt/slides/slide28.xml><?xml version="1.0" encoding="utf-8"?>
+<file path=ppt/slides/slide29.xml><?xml version="1.0" encoding="utf-8"?>
 <p:sld xmlns:a="http://schemas.openxmlformats.org/drawingml/2006/main" xmlns:r="http://schemas.openxmlformats.org/officeDocument/2006/relationships" xmlns:p="http://schemas.openxmlformats.org/presentationml/2006/main">
   <p:cSld>
     <p:spTree>
@@ -23934,110 +24214,6 @@
     <p:extLst>
       <p:ext uri="{BB962C8B-B14F-4D97-AF65-F5344CB8AC3E}">
         <p14:creationId xmlns:p14="http://schemas.microsoft.com/office/powerpoint/2010/main" val="312208813"/>
-      </p:ext>
-    </p:extLst>
-  </p:cSld>
-  <p:clrMapOvr>
-    <a:masterClrMapping/>
-  </p:clrMapOvr>
-</p:sld>
-</file>
-
-<file path=ppt/slides/slide29.xml><?xml version="1.0" encoding="utf-8"?>
-<p:sld xmlns:a="http://schemas.openxmlformats.org/drawingml/2006/main" xmlns:r="http://schemas.openxmlformats.org/officeDocument/2006/relationships" xmlns:p="http://schemas.openxmlformats.org/presentationml/2006/main">
-  <p:cSld>
-    <p:spTree>
-      <p:nvGrpSpPr>
-        <p:cNvPr id="1" name=""/>
-        <p:cNvGrpSpPr/>
-        <p:nvPr/>
-      </p:nvGrpSpPr>
-      <p:grpSpPr>
-        <a:xfrm>
-          <a:off x="0" y="0"/>
-          <a:ext cx="0" cy="0"/>
-          <a:chOff x="0" y="0"/>
-          <a:chExt cx="0" cy="0"/>
-        </a:xfrm>
-      </p:grpSpPr>
-      <p:sp>
-        <p:nvSpPr>
-          <p:cNvPr id="2" name="TextBox 1">
-            <a:extLst>
-              <a:ext uri="{FF2B5EF4-FFF2-40B4-BE49-F238E27FC236}">
-                <a16:creationId xmlns:a16="http://schemas.microsoft.com/office/drawing/2014/main" id="{7CA6890A-9D45-137A-0C69-3C146C4F6C67}"/>
-              </a:ext>
-            </a:extLst>
-          </p:cNvPr>
-          <p:cNvSpPr txBox="1"/>
-          <p:nvPr/>
-        </p:nvSpPr>
-        <p:spPr>
-          <a:xfrm>
-            <a:off x="136762" y="204349"/>
-            <a:ext cx="1944250" cy="461665"/>
-          </a:xfrm>
-          <a:prstGeom prst="rect">
-            <a:avLst/>
-          </a:prstGeom>
-          <a:noFill/>
-        </p:spPr>
-        <p:txBody>
-          <a:bodyPr wrap="none" rtlCol="0">
-            <a:spAutoFit/>
-          </a:bodyPr>
-          <a:lstStyle/>
-          <a:p>
-            <a:r>
-              <a:rPr lang="en-US" sz="2400" dirty="0"/>
-              <a:t>t-SNE plots…</a:t>
-            </a:r>
-          </a:p>
-        </p:txBody>
-      </p:sp>
-      <p:sp>
-        <p:nvSpPr>
-          <p:cNvPr id="3" name="TextBox 2">
-            <a:extLst>
-              <a:ext uri="{FF2B5EF4-FFF2-40B4-BE49-F238E27FC236}">
-                <a16:creationId xmlns:a16="http://schemas.microsoft.com/office/drawing/2014/main" id="{0EB24D74-AB02-0F0F-2DB1-AC32FCC5C7EB}"/>
-              </a:ext>
-            </a:extLst>
-          </p:cNvPr>
-          <p:cNvSpPr txBox="1"/>
-          <p:nvPr/>
-        </p:nvSpPr>
-        <p:spPr>
-          <a:xfrm>
-            <a:off x="1160890" y="1590261"/>
-            <a:ext cx="1279646" cy="369332"/>
-          </a:xfrm>
-          <a:prstGeom prst="rect">
-            <a:avLst/>
-          </a:prstGeom>
-          <a:noFill/>
-        </p:spPr>
-        <p:txBody>
-          <a:bodyPr wrap="none" rtlCol="0">
-            <a:spAutoFit/>
-          </a:bodyPr>
-          <a:lstStyle/>
-          <a:p>
-            <a:r>
-              <a:rPr lang="en-US" dirty="0">
-                <a:highlight>
-                  <a:srgbClr val="FFFF00"/>
-                </a:highlight>
-              </a:rPr>
-              <a:t>In progress</a:t>
-            </a:r>
-          </a:p>
-        </p:txBody>
-      </p:sp>
-    </p:spTree>
-    <p:extLst>
-      <p:ext uri="{BB962C8B-B14F-4D97-AF65-F5344CB8AC3E}">
-        <p14:creationId xmlns:p14="http://schemas.microsoft.com/office/powerpoint/2010/main" val="3909576918"/>
       </p:ext>
     </p:extLst>
   </p:cSld>
@@ -24496,6 +24672,110 @@
     <p:extLst>
       <p:ext uri="{BB962C8B-B14F-4D97-AF65-F5344CB8AC3E}">
         <p14:creationId xmlns:p14="http://schemas.microsoft.com/office/powerpoint/2010/main" val="193642418"/>
+      </p:ext>
+    </p:extLst>
+  </p:cSld>
+  <p:clrMapOvr>
+    <a:masterClrMapping/>
+  </p:clrMapOvr>
+</p:sld>
+</file>
+
+<file path=ppt/slides/slide30.xml><?xml version="1.0" encoding="utf-8"?>
+<p:sld xmlns:a="http://schemas.openxmlformats.org/drawingml/2006/main" xmlns:r="http://schemas.openxmlformats.org/officeDocument/2006/relationships" xmlns:p="http://schemas.openxmlformats.org/presentationml/2006/main">
+  <p:cSld>
+    <p:spTree>
+      <p:nvGrpSpPr>
+        <p:cNvPr id="1" name=""/>
+        <p:cNvGrpSpPr/>
+        <p:nvPr/>
+      </p:nvGrpSpPr>
+      <p:grpSpPr>
+        <a:xfrm>
+          <a:off x="0" y="0"/>
+          <a:ext cx="0" cy="0"/>
+          <a:chOff x="0" y="0"/>
+          <a:chExt cx="0" cy="0"/>
+        </a:xfrm>
+      </p:grpSpPr>
+      <p:sp>
+        <p:nvSpPr>
+          <p:cNvPr id="2" name="TextBox 1">
+            <a:extLst>
+              <a:ext uri="{FF2B5EF4-FFF2-40B4-BE49-F238E27FC236}">
+                <a16:creationId xmlns:a16="http://schemas.microsoft.com/office/drawing/2014/main" id="{7CA6890A-9D45-137A-0C69-3C146C4F6C67}"/>
+              </a:ext>
+            </a:extLst>
+          </p:cNvPr>
+          <p:cNvSpPr txBox="1"/>
+          <p:nvPr/>
+        </p:nvSpPr>
+        <p:spPr>
+          <a:xfrm>
+            <a:off x="136762" y="204349"/>
+            <a:ext cx="1944250" cy="461665"/>
+          </a:xfrm>
+          <a:prstGeom prst="rect">
+            <a:avLst/>
+          </a:prstGeom>
+          <a:noFill/>
+        </p:spPr>
+        <p:txBody>
+          <a:bodyPr wrap="none" rtlCol="0">
+            <a:spAutoFit/>
+          </a:bodyPr>
+          <a:lstStyle/>
+          <a:p>
+            <a:r>
+              <a:rPr lang="en-US" sz="2400" dirty="0"/>
+              <a:t>t-SNE plots…</a:t>
+            </a:r>
+          </a:p>
+        </p:txBody>
+      </p:sp>
+      <p:sp>
+        <p:nvSpPr>
+          <p:cNvPr id="3" name="TextBox 2">
+            <a:extLst>
+              <a:ext uri="{FF2B5EF4-FFF2-40B4-BE49-F238E27FC236}">
+                <a16:creationId xmlns:a16="http://schemas.microsoft.com/office/drawing/2014/main" id="{0EB24D74-AB02-0F0F-2DB1-AC32FCC5C7EB}"/>
+              </a:ext>
+            </a:extLst>
+          </p:cNvPr>
+          <p:cNvSpPr txBox="1"/>
+          <p:nvPr/>
+        </p:nvSpPr>
+        <p:spPr>
+          <a:xfrm>
+            <a:off x="1160890" y="1590261"/>
+            <a:ext cx="1279646" cy="369332"/>
+          </a:xfrm>
+          <a:prstGeom prst="rect">
+            <a:avLst/>
+          </a:prstGeom>
+          <a:noFill/>
+        </p:spPr>
+        <p:txBody>
+          <a:bodyPr wrap="none" rtlCol="0">
+            <a:spAutoFit/>
+          </a:bodyPr>
+          <a:lstStyle/>
+          <a:p>
+            <a:r>
+              <a:rPr lang="en-US" dirty="0">
+                <a:highlight>
+                  <a:srgbClr val="FFFF00"/>
+                </a:highlight>
+              </a:rPr>
+              <a:t>In progress</a:t>
+            </a:r>
+          </a:p>
+        </p:txBody>
+      </p:sp>
+    </p:spTree>
+    <p:extLst>
+      <p:ext uri="{BB962C8B-B14F-4D97-AF65-F5344CB8AC3E}">
+        <p14:creationId xmlns:p14="http://schemas.microsoft.com/office/powerpoint/2010/main" val="3909576918"/>
       </p:ext>
     </p:extLst>
   </p:cSld>
@@ -26771,47 +27051,12 @@
           <a:chExt cx="0" cy="0"/>
         </a:xfrm>
       </p:grpSpPr>
-      <p:sp>
-        <p:nvSpPr>
-          <p:cNvPr id="2" name="TextBox 1">
+      <p:pic>
+        <p:nvPicPr>
+          <p:cNvPr id="2" name="Picture 1">
             <a:extLst>
               <a:ext uri="{FF2B5EF4-FFF2-40B4-BE49-F238E27FC236}">
-                <a16:creationId xmlns:a16="http://schemas.microsoft.com/office/drawing/2014/main" id="{1AAA1C9C-FB2D-CD2D-F85E-23BCF1A59DF3}"/>
-              </a:ext>
-            </a:extLst>
-          </p:cNvPr>
-          <p:cNvSpPr txBox="1"/>
-          <p:nvPr/>
-        </p:nvSpPr>
-        <p:spPr>
-          <a:xfrm>
-            <a:off x="173866" y="154242"/>
-            <a:ext cx="869725" cy="461665"/>
-          </a:xfrm>
-          <a:prstGeom prst="rect">
-            <a:avLst/>
-          </a:prstGeom>
-          <a:noFill/>
-        </p:spPr>
-        <p:txBody>
-          <a:bodyPr wrap="none" rtlCol="0">
-            <a:spAutoFit/>
-          </a:bodyPr>
-          <a:lstStyle/>
-          <a:p>
-            <a:r>
-              <a:rPr lang="en-US" sz="2400" dirty="0"/>
-              <a:t>BERT</a:t>
-            </a:r>
-          </a:p>
-        </p:txBody>
-      </p:sp>
-      <p:pic>
-        <p:nvPicPr>
-          <p:cNvPr id="3" name="Picture 2">
-            <a:extLst>
-              <a:ext uri="{FF2B5EF4-FFF2-40B4-BE49-F238E27FC236}">
-                <a16:creationId xmlns:a16="http://schemas.microsoft.com/office/drawing/2014/main" id="{BE5CECA3-BD7D-460A-C42C-78CB24379D4B}"/>
+                <a16:creationId xmlns:a16="http://schemas.microsoft.com/office/drawing/2014/main" id="{F41556B3-511A-1108-A537-E6FFA6435178}"/>
               </a:ext>
             </a:extLst>
           </p:cNvPr>
@@ -26828,27 +27073,20 @@
         </p:blipFill>
         <p:spPr>
           <a:xfrm>
-            <a:off x="861748" y="1092920"/>
-            <a:ext cx="7304187" cy="2336080"/>
+            <a:off x="8975385" y="1581871"/>
+            <a:ext cx="2275571" cy="2264631"/>
           </a:xfrm>
           <a:prstGeom prst="rect">
             <a:avLst/>
           </a:prstGeom>
-          <a:ln>
-            <a:solidFill>
-              <a:schemeClr val="bg2">
-                <a:lumMod val="50000"/>
-              </a:schemeClr>
-            </a:solidFill>
-          </a:ln>
         </p:spPr>
       </p:pic>
       <p:pic>
         <p:nvPicPr>
-          <p:cNvPr id="4" name="Picture 3">
+          <p:cNvPr id="3" name="Picture 2">
             <a:extLst>
               <a:ext uri="{FF2B5EF4-FFF2-40B4-BE49-F238E27FC236}">
-                <a16:creationId xmlns:a16="http://schemas.microsoft.com/office/drawing/2014/main" id="{7EABCB51-05DF-27E1-4369-F5A1A2870E22}"/>
+                <a16:creationId xmlns:a16="http://schemas.microsoft.com/office/drawing/2014/main" id="{DA389CC3-1D46-5A9F-D2FE-C2334F55C656}"/>
               </a:ext>
             </a:extLst>
           </p:cNvPr>
@@ -26865,27 +27103,20 @@
         </p:blipFill>
         <p:spPr>
           <a:xfrm>
-            <a:off x="861748" y="4130129"/>
-            <a:ext cx="6536116" cy="2336079"/>
+            <a:off x="337358" y="1581871"/>
+            <a:ext cx="2275571" cy="2264631"/>
           </a:xfrm>
           <a:prstGeom prst="rect">
             <a:avLst/>
           </a:prstGeom>
-          <a:ln>
-            <a:solidFill>
-              <a:schemeClr val="bg2">
-                <a:lumMod val="50000"/>
-              </a:schemeClr>
-            </a:solidFill>
-          </a:ln>
         </p:spPr>
       </p:pic>
       <p:sp>
         <p:nvSpPr>
-          <p:cNvPr id="5" name="TextBox 4">
+          <p:cNvPr id="4" name="TextBox 3">
             <a:extLst>
               <a:ext uri="{FF2B5EF4-FFF2-40B4-BE49-F238E27FC236}">
-                <a16:creationId xmlns:a16="http://schemas.microsoft.com/office/drawing/2014/main" id="{CCC6965F-FA30-7F55-A393-2A31108BF7F6}"/>
+                <a16:creationId xmlns:a16="http://schemas.microsoft.com/office/drawing/2014/main" id="{4DBE238F-C3BA-58E7-0749-02517CDFE9F8}"/>
               </a:ext>
             </a:extLst>
           </p:cNvPr>
@@ -26894,8 +27125,8 @@
         </p:nvSpPr>
         <p:spPr>
           <a:xfrm>
-            <a:off x="730398" y="723588"/>
-            <a:ext cx="2191626" cy="369332"/>
+            <a:off x="447619" y="3976777"/>
+            <a:ext cx="1964063" cy="923330"/>
           </a:xfrm>
           <a:prstGeom prst="rect">
             <a:avLst/>
@@ -26908,9 +27139,21 @@
           </a:bodyPr>
           <a:lstStyle/>
           <a:p>
+            <a:pPr algn="ctr"/>
             <a:r>
               <a:rPr lang="en-US" dirty="0"/>
-              <a:t>BERT pre-train, MLM</a:t>
+              <a:t>channel 1</a:t>
+            </a:r>
+          </a:p>
+          <a:p>
+            <a:pPr algn="ctr"/>
+            <a:endParaRPr lang="en-US" dirty="0"/>
+          </a:p>
+          <a:p>
+            <a:pPr algn="ctr"/>
+            <a:r>
+              <a:rPr lang="en-US" dirty="0"/>
+              <a:t>encoded residues</a:t>
             </a:r>
           </a:p>
         </p:txBody>
@@ -26920,7 +27163,7 @@
           <p:cNvPr id="6" name="TextBox 5">
             <a:extLst>
               <a:ext uri="{FF2B5EF4-FFF2-40B4-BE49-F238E27FC236}">
-                <a16:creationId xmlns:a16="http://schemas.microsoft.com/office/drawing/2014/main" id="{8D727D7C-B7FF-B52A-765E-A4304408DCE8}"/>
+                <a16:creationId xmlns:a16="http://schemas.microsoft.com/office/drawing/2014/main" id="{B5791715-B936-C6EE-40A8-5CFB15D58B80}"/>
               </a:ext>
             </a:extLst>
           </p:cNvPr>
@@ -26929,8 +27172,8 @@
         </p:nvSpPr>
         <p:spPr>
           <a:xfrm>
-            <a:off x="730398" y="3760797"/>
-            <a:ext cx="1614929" cy="369332"/>
+            <a:off x="3321008" y="3976775"/>
+            <a:ext cx="1447832" cy="2031325"/>
           </a:xfrm>
           <a:prstGeom prst="rect">
             <a:avLst/>
@@ -26943,10 +27186,71 @@
           </a:bodyPr>
           <a:lstStyle/>
           <a:p>
+            <a:pPr algn="ctr"/>
             <a:r>
               <a:rPr lang="en-US" dirty="0"/>
-              <a:t>BERT fine tune</a:t>
-            </a:r>
+              <a:t>channel 2</a:t>
+            </a:r>
+          </a:p>
+          <a:p>
+            <a:pPr algn="ctr"/>
+            <a:endParaRPr lang="en-US" dirty="0"/>
+          </a:p>
+          <a:p>
+            <a:r>
+              <a:rPr lang="en-US" dirty="0"/>
+              <a:t>aa groups</a:t>
+            </a:r>
+          </a:p>
+          <a:p>
+            <a:pPr marL="285750" indent="-285750">
+              <a:buFont typeface="Arial" panose="020B0604020202020204" pitchFamily="34" charset="0"/>
+              <a:buChar char="•"/>
+            </a:pPr>
+            <a:r>
+              <a:rPr lang="en-US" dirty="0"/>
+              <a:t>polar</a:t>
+            </a:r>
+          </a:p>
+          <a:p>
+            <a:pPr marL="285750" indent="-285750">
+              <a:buFont typeface="Arial" panose="020B0604020202020204" pitchFamily="34" charset="0"/>
+              <a:buChar char="•"/>
+            </a:pPr>
+            <a:r>
+              <a:rPr lang="en-US" dirty="0"/>
+              <a:t>non-polar</a:t>
+            </a:r>
+          </a:p>
+          <a:p>
+            <a:pPr marL="285750" indent="-285750">
+              <a:buFont typeface="Arial" panose="020B0604020202020204" pitchFamily="34" charset="0"/>
+              <a:buChar char="•"/>
+            </a:pPr>
+            <a:r>
+              <a:rPr lang="en-US" dirty="0"/>
+              <a:t>neg </a:t>
+            </a:r>
+            <a:r>
+              <a:rPr lang="en-US" dirty="0" err="1"/>
+              <a:t>chg</a:t>
+            </a:r>
+            <a:endParaRPr lang="en-US" dirty="0"/>
+          </a:p>
+          <a:p>
+            <a:pPr marL="285750" indent="-285750">
+              <a:buFont typeface="Arial" panose="020B0604020202020204" pitchFamily="34" charset="0"/>
+              <a:buChar char="•"/>
+            </a:pPr>
+            <a:r>
+              <a:rPr lang="en-US" dirty="0"/>
+              <a:t>pos </a:t>
+            </a:r>
+            <a:r>
+              <a:rPr lang="en-US" dirty="0" err="1"/>
+              <a:t>chg</a:t>
+            </a:r>
+            <a:endParaRPr lang="en-US" dirty="0"/>
           </a:p>
         </p:txBody>
       </p:sp>
@@ -26955,7 +27259,7 @@
           <p:cNvPr id="7" name="TextBox 6">
             <a:extLst>
               <a:ext uri="{FF2B5EF4-FFF2-40B4-BE49-F238E27FC236}">
-                <a16:creationId xmlns:a16="http://schemas.microsoft.com/office/drawing/2014/main" id="{11BDF426-EAFE-3091-51B1-EF3CA945EE22}"/>
+                <a16:creationId xmlns:a16="http://schemas.microsoft.com/office/drawing/2014/main" id="{BA1FFDD6-EB5B-1503-DD87-15B6AB8443C4}"/>
               </a:ext>
             </a:extLst>
           </p:cNvPr>
@@ -26964,8 +27268,8 @@
         </p:nvSpPr>
         <p:spPr>
           <a:xfrm>
-            <a:off x="8297285" y="1891628"/>
-            <a:ext cx="3730445" cy="369332"/>
+            <a:off x="6096000" y="3976774"/>
+            <a:ext cx="1529906" cy="923330"/>
           </a:xfrm>
           <a:prstGeom prst="rect">
             <a:avLst/>
@@ -26978,52 +27282,137 @@
           </a:bodyPr>
           <a:lstStyle/>
           <a:p>
+            <a:pPr algn="ctr"/>
             <a:r>
               <a:rPr lang="en-US" dirty="0"/>
-              <a:t>Dataset: OAS light chain sequences</a:t>
-            </a:r>
+              <a:t>channel 3</a:t>
+            </a:r>
+          </a:p>
+          <a:p>
+            <a:pPr algn="ctr"/>
+            <a:endParaRPr lang="en-US" dirty="0"/>
+          </a:p>
+          <a:p>
+            <a:pPr algn="ctr"/>
+            <a:r>
+              <a:rPr lang="en-US" dirty="0"/>
+              <a:t>mutation </a:t>
+            </a:r>
+            <a:r>
+              <a:rPr lang="en-US" dirty="0" err="1"/>
+              <a:t>freq</a:t>
+            </a:r>
+            <a:endParaRPr lang="en-US" dirty="0"/>
           </a:p>
         </p:txBody>
       </p:sp>
-      <p:sp>
-        <p:nvSpPr>
-          <p:cNvPr id="8" name="TextBox 7">
+      <p:pic>
+        <p:nvPicPr>
+          <p:cNvPr id="9" name="Picture 8">
             <a:extLst>
               <a:ext uri="{FF2B5EF4-FFF2-40B4-BE49-F238E27FC236}">
-                <a16:creationId xmlns:a16="http://schemas.microsoft.com/office/drawing/2014/main" id="{9D9C1117-AE70-3B34-CBDC-766B07172B75}"/>
+                <a16:creationId xmlns:a16="http://schemas.microsoft.com/office/drawing/2014/main" id="{5ADA95F7-51C3-4963-3557-3A15D5C5E97C}"/>
               </a:ext>
             </a:extLst>
           </p:cNvPr>
-          <p:cNvSpPr txBox="1"/>
+          <p:cNvPicPr>
+            <a:picLocks noChangeAspect="1"/>
+          </p:cNvPicPr>
           <p:nvPr/>
-        </p:nvSpPr>
+        </p:nvPicPr>
+        <p:blipFill>
+          <a:blip r:embed="rId4"/>
+          <a:stretch>
+            <a:fillRect/>
+          </a:stretch>
+        </p:blipFill>
         <p:spPr>
           <a:xfrm>
-            <a:off x="7529214" y="5113502"/>
-            <a:ext cx="3882153" cy="369332"/>
+            <a:off x="5637841" y="1581871"/>
+            <a:ext cx="2275571" cy="2264631"/>
           </a:xfrm>
           <a:prstGeom prst="rect">
             <a:avLst/>
           </a:prstGeom>
-          <a:noFill/>
         </p:spPr>
-        <p:txBody>
-          <a:bodyPr wrap="none" rtlCol="0">
-            <a:spAutoFit/>
-          </a:bodyPr>
-          <a:lstStyle/>
-          <a:p>
-            <a:r>
-              <a:rPr lang="en-US" dirty="0"/>
-              <a:t>Dataset:  A-Alpha Bio homework data</a:t>
-            </a:r>
-          </a:p>
-        </p:txBody>
-      </p:sp>
+      </p:pic>
+      <p:pic>
+        <p:nvPicPr>
+          <p:cNvPr id="10" name="Picture 9">
+            <a:extLst>
+              <a:ext uri="{FF2B5EF4-FFF2-40B4-BE49-F238E27FC236}">
+                <a16:creationId xmlns:a16="http://schemas.microsoft.com/office/drawing/2014/main" id="{B4342BE6-AE39-4D56-384E-FDD9DA4B3DE0}"/>
+              </a:ext>
+            </a:extLst>
+          </p:cNvPr>
+          <p:cNvPicPr>
+            <a:picLocks noChangeAspect="1"/>
+          </p:cNvPicPr>
+          <p:nvPr/>
+        </p:nvPicPr>
+        <p:blipFill>
+          <a:blip r:embed="rId5"/>
+          <a:stretch>
+            <a:fillRect/>
+          </a:stretch>
+        </p:blipFill>
+        <p:spPr>
+          <a:xfrm>
+            <a:off x="2907139" y="1581871"/>
+            <a:ext cx="2275571" cy="2264631"/>
+          </a:xfrm>
+          <a:prstGeom prst="rect">
+            <a:avLst/>
+          </a:prstGeom>
+        </p:spPr>
+      </p:pic>
+      <p:cxnSp>
+        <p:nvCxnSpPr>
+          <p:cNvPr id="12" name="Straight Arrow Connector 11">
+            <a:extLst>
+              <a:ext uri="{FF2B5EF4-FFF2-40B4-BE49-F238E27FC236}">
+                <a16:creationId xmlns:a16="http://schemas.microsoft.com/office/drawing/2014/main" id="{6C3D954F-79F3-1EB0-1683-CBEE21150551}"/>
+              </a:ext>
+            </a:extLst>
+          </p:cNvPr>
+          <p:cNvCxnSpPr>
+            <a:cxnSpLocks/>
+            <a:stCxn id="9" idx="3"/>
+            <a:endCxn id="2" idx="1"/>
+          </p:cNvCxnSpPr>
+          <p:nvPr/>
+        </p:nvCxnSpPr>
+        <p:spPr>
+          <a:xfrm>
+            <a:off x="7913412" y="2714187"/>
+            <a:ext cx="1061973" cy="0"/>
+          </a:xfrm>
+          <a:prstGeom prst="straightConnector1">
+            <a:avLst/>
+          </a:prstGeom>
+          <a:ln w="31750">
+            <a:tailEnd type="triangle"/>
+          </a:ln>
+        </p:spPr>
+        <p:style>
+          <a:lnRef idx="2">
+            <a:schemeClr val="accent1"/>
+          </a:lnRef>
+          <a:fillRef idx="0">
+            <a:schemeClr val="accent1"/>
+          </a:fillRef>
+          <a:effectRef idx="1">
+            <a:schemeClr val="accent1"/>
+          </a:effectRef>
+          <a:fontRef idx="minor">
+            <a:schemeClr val="tx1"/>
+          </a:fontRef>
+        </p:style>
+      </p:cxnSp>
     </p:spTree>
     <p:extLst>
       <p:ext uri="{BB962C8B-B14F-4D97-AF65-F5344CB8AC3E}">
-        <p14:creationId xmlns:p14="http://schemas.microsoft.com/office/powerpoint/2010/main" val="846146610"/>
+        <p14:creationId xmlns:p14="http://schemas.microsoft.com/office/powerpoint/2010/main" val="4139768711"/>
       </p:ext>
     </p:extLst>
   </p:cSld>

--- a/Homework-aAlphaBio.pptx
+++ b/Homework-aAlphaBio.pptx
@@ -4085,7 +4085,7 @@
               </a:pPr>
               <a:r>
                 <a:rPr lang="en-US" sz="1600" dirty="0"/>
-                <a:t>block size: 288</a:t>
+                <a:t>block size: 242</a:t>
               </a:r>
             </a:p>
             <a:p>
@@ -4099,7 +4099,7 @@
               </a:r>
               <a:r>
                 <a:rPr lang="en-US" sz="1600" dirty="0"/>
-                <a:t> size: (1,48,48)</a:t>
+                <a:t> size: (1,42,42)</a:t>
               </a:r>
             </a:p>
             <a:p>
@@ -4175,7 +4175,7 @@
               </a:r>
               <a:r>
                 <a:rPr lang="en-US" sz="1600" dirty="0"/>
-                <a:t>: 0.3</a:t>
+                <a:t>: 0.2</a:t>
               </a:r>
             </a:p>
             <a:p>
@@ -4193,7 +4193,7 @@
               </a:r>
               <a:r>
                 <a:rPr lang="en-US" sz="1600" dirty="0"/>
-                <a:t>: 0.1</a:t>
+                <a:t>: 0.2</a:t>
               </a:r>
             </a:p>
           </p:txBody>
@@ -4703,7 +4703,7 @@
         <p:spPr>
           <a:xfrm>
             <a:off x="436781" y="4430545"/>
-            <a:ext cx="10783018" cy="1815882"/>
+            <a:ext cx="10783018" cy="2062103"/>
           </a:xfrm>
           <a:prstGeom prst="rect">
             <a:avLst/>
@@ -4793,6 +4793,24 @@
             <a:r>
               <a:rPr lang="en-US" sz="1600" dirty="0"/>
               <a:t>Loss: MSE</a:t>
+            </a:r>
+          </a:p>
+          <a:p>
+            <a:pPr marL="285750" indent="-285750">
+              <a:buFont typeface="Arial" panose="020B0604020202020204" pitchFamily="34" charset="0"/>
+              <a:buChar char="•"/>
+            </a:pPr>
+            <a:r>
+              <a:rPr lang="en-US" sz="1600" dirty="0"/>
+              <a:t>VIT </a:t>
+            </a:r>
+            <a:r>
+              <a:rPr lang="en-US" sz="1600" dirty="0" err="1"/>
+              <a:t>blocksize</a:t>
+            </a:r>
+            <a:r>
+              <a:rPr lang="en-US" sz="1600" dirty="0"/>
+              <a:t>: I cut off the last 5 aa residues to better accommodate the dimensions needed for the VIT</a:t>
             </a:r>
           </a:p>
         </p:txBody>
@@ -5300,7 +5318,7 @@
           <p:nvPr>
             <p:extLst>
               <p:ext uri="{D42A27DB-BD31-4B8C-83A1-F6EECF244321}">
-                <p14:modId xmlns:p14="http://schemas.microsoft.com/office/powerpoint/2010/main" val="2522421993"/>
+                <p14:modId xmlns:p14="http://schemas.microsoft.com/office/powerpoint/2010/main" val="2999126274"/>
               </p:ext>
             </p:extLst>
           </p:nvPr>
@@ -5424,7 +5442,7 @@
                       <a:pPr algn="ctr"/>
                       <a:r>
                         <a:rPr lang="en-US" dirty="0"/>
-                        <a:t>RMSD </a:t>
+                        <a:t>RMSE </a:t>
                       </a:r>
                     </a:p>
                     <a:p>
@@ -6230,7 +6248,7 @@
           <p:nvPr>
             <p:extLst>
               <p:ext uri="{D42A27DB-BD31-4B8C-83A1-F6EECF244321}">
-                <p14:modId xmlns:p14="http://schemas.microsoft.com/office/powerpoint/2010/main" val="1877974373"/>
+                <p14:modId xmlns:p14="http://schemas.microsoft.com/office/powerpoint/2010/main" val="2953869188"/>
               </p:ext>
             </p:extLst>
           </p:nvPr>
@@ -6354,7 +6372,7 @@
                       <a:pPr algn="ctr"/>
                       <a:r>
                         <a:rPr lang="en-US" dirty="0"/>
-                        <a:t>RMSD</a:t>
+                        <a:t>RMSE</a:t>
                       </a:r>
                     </a:p>
                     <a:p>
@@ -6836,14 +6854,14 @@
           <p:nvPr>
             <p:extLst>
               <p:ext uri="{D42A27DB-BD31-4B8C-83A1-F6EECF244321}">
-                <p14:modId xmlns:p14="http://schemas.microsoft.com/office/powerpoint/2010/main" val="1568460435"/>
+                <p14:modId xmlns:p14="http://schemas.microsoft.com/office/powerpoint/2010/main" val="3854078045"/>
               </p:ext>
             </p:extLst>
           </p:nvPr>
         </p:nvGraphicFramePr>
         <p:xfrm>
           <a:off x="671456" y="784606"/>
-          <a:ext cx="9734939" cy="5020221"/>
+          <a:ext cx="9787683" cy="5466916"/>
         </p:xfrm>
         <a:graphic>
           <a:graphicData uri="http://schemas.openxmlformats.org/drawingml/2006/table">
@@ -6852,7 +6870,7 @@
                 <a:tableStyleId>{5C22544A-7EE6-4342-B048-85BDC9FD1C3A}</a:tableStyleId>
               </a:tblPr>
               <a:tblGrid>
-                <a:gridCol w="1655724">
+                <a:gridCol w="1708468">
                   <a:extLst>
                     <a:ext uri="{9D8B030D-6E8A-4147-A177-3AD203B41FA5}">
                       <a16:colId xmlns:a16="http://schemas.microsoft.com/office/drawing/2014/main" val="1065848917"/>
@@ -6960,7 +6978,7 @@
                       <a:pPr algn="ctr"/>
                       <a:r>
                         <a:rPr lang="en-US" dirty="0"/>
-                        <a:t>RMSD</a:t>
+                        <a:t>RMSE</a:t>
                       </a:r>
                     </a:p>
                     <a:p>
@@ -6999,6 +7017,7 @@
                     <a:bodyPr/>
                     <a:lstStyle/>
                     <a:p>
+                      <a:pPr algn="ctr"/>
                       <a:r>
                         <a:rPr lang="en-US" dirty="0"/>
                         <a:t>residual MLP</a:t>
@@ -7013,7 +7032,10 @@
                     <a:lstStyle/>
                     <a:p>
                       <a:pPr algn="ctr"/>
-                      <a:endParaRPr lang="en-US" dirty="0"/>
+                      <a:r>
+                        <a:rPr lang="en-US" dirty="0"/>
+                        <a:t>0.21</a:t>
+                      </a:r>
                     </a:p>
                   </a:txBody>
                   <a:tcPr anchor="ctr"/>
@@ -7024,7 +7046,10 @@
                     <a:lstStyle/>
                     <a:p>
                       <a:pPr algn="ctr"/>
-                      <a:endParaRPr lang="en-US" dirty="0"/>
+                      <a:r>
+                        <a:rPr lang="en-US" dirty="0"/>
+                        <a:t>0.33</a:t>
+                      </a:r>
                     </a:p>
                   </a:txBody>
                   <a:tcPr anchor="ctr"/>
@@ -7035,7 +7060,10 @@
                     <a:lstStyle/>
                     <a:p>
                       <a:pPr algn="ctr"/>
-                      <a:endParaRPr lang="en-US" dirty="0"/>
+                      <a:r>
+                        <a:rPr lang="en-US" dirty="0"/>
+                        <a:t>8360</a:t>
+                      </a:r>
                     </a:p>
                   </a:txBody>
                   <a:tcPr anchor="ctr"/>
@@ -7046,7 +7074,10 @@
                     <a:lstStyle/>
                     <a:p>
                       <a:pPr algn="ctr"/>
-                      <a:endParaRPr lang="en-US" dirty="0"/>
+                      <a:r>
+                        <a:rPr lang="en-US" dirty="0"/>
+                        <a:t>0.92</a:t>
+                      </a:r>
                     </a:p>
                   </a:txBody>
                   <a:tcPr anchor="ctr"/>
@@ -7074,9 +7105,10 @@
                     <a:bodyPr/>
                     <a:lstStyle/>
                     <a:p>
+                      <a:pPr algn="ctr"/>
                       <a:r>
                         <a:rPr lang="en-US" dirty="0"/>
-                        <a:t>VIT</a:t>
+                        <a:t>VIT (1-channel)</a:t>
                       </a:r>
                     </a:p>
                   </a:txBody>
@@ -7144,11 +7176,104 @@
                 </a:extLst>
               </a:tr>
               <a:tr h="446695">
+                <a:tc>
+                  <a:txBody>
+                    <a:bodyPr/>
+                    <a:lstStyle/>
+                    <a:p>
+                      <a:pPr marL="0" marR="0" lvl="0" indent="0" algn="ctr" defTabSz="914400" rtl="0" eaLnBrk="1" fontAlgn="auto" latinLnBrk="0" hangingPunct="1">
+                        <a:lnSpc>
+                          <a:spcPct val="100000"/>
+                        </a:lnSpc>
+                        <a:spcBef>
+                          <a:spcPts val="0"/>
+                        </a:spcBef>
+                        <a:spcAft>
+                          <a:spcPts val="0"/>
+                        </a:spcAft>
+                        <a:buClrTx/>
+                        <a:buSzTx/>
+                        <a:buFontTx/>
+                        <a:buNone/>
+                        <a:tabLst/>
+                        <a:defRPr/>
+                      </a:pPr>
+                      <a:r>
+                        <a:rPr lang="en-US" dirty="0"/>
+                        <a:t>VIT (3-channel)</a:t>
+                      </a:r>
+                    </a:p>
+                  </a:txBody>
+                  <a:tcPr anchor="ctr"/>
+                </a:tc>
+                <a:tc>
+                  <a:txBody>
+                    <a:bodyPr/>
+                    <a:lstStyle/>
+                    <a:p>
+                      <a:pPr algn="ctr"/>
+                      <a:endParaRPr lang="en-US" dirty="0"/>
+                    </a:p>
+                  </a:txBody>
+                  <a:tcPr anchor="ctr"/>
+                </a:tc>
+                <a:tc>
+                  <a:txBody>
+                    <a:bodyPr/>
+                    <a:lstStyle/>
+                    <a:p>
+                      <a:pPr algn="ctr"/>
+                      <a:endParaRPr lang="en-US" dirty="0"/>
+                    </a:p>
+                  </a:txBody>
+                  <a:tcPr anchor="ctr"/>
+                </a:tc>
+                <a:tc>
+                  <a:txBody>
+                    <a:bodyPr/>
+                    <a:lstStyle/>
+                    <a:p>
+                      <a:pPr algn="ctr"/>
+                      <a:endParaRPr lang="en-US" dirty="0"/>
+                    </a:p>
+                  </a:txBody>
+                  <a:tcPr anchor="ctr"/>
+                </a:tc>
+                <a:tc>
+                  <a:txBody>
+                    <a:bodyPr/>
+                    <a:lstStyle/>
+                    <a:p>
+                      <a:pPr algn="ctr"/>
+                      <a:endParaRPr lang="en-US" dirty="0"/>
+                    </a:p>
+                  </a:txBody>
+                  <a:tcPr anchor="ctr"/>
+                </a:tc>
+                <a:tc>
+                  <a:txBody>
+                    <a:bodyPr/>
+                    <a:lstStyle/>
+                    <a:p>
+                      <a:pPr algn="ctr"/>
+                      <a:endParaRPr lang="en-US" dirty="0"/>
+                    </a:p>
+                  </a:txBody>
+                  <a:tcPr anchor="ctr"/>
+                </a:tc>
+                <a:extLst>
+                  <a:ext uri="{0D108BD9-81ED-4DB2-BD59-A6C34878D82A}">
+                    <a16:rowId xmlns:a16="http://schemas.microsoft.com/office/drawing/2014/main" val="3346663948"/>
+                  </a:ext>
+                </a:extLst>
+              </a:tr>
+              <a:tr h="446695">
                 <a:tc rowSpan="5">
                   <a:txBody>
                     <a:bodyPr/>
                     <a:lstStyle/>
                     <a:p>
+                      <a:pPr algn="ctr"/>
                       <a:r>
                         <a:rPr lang="en-US" dirty="0"/>
                         <a:t>BERT </a:t>
@@ -27073,37 +27198,7 @@
         </p:blipFill>
         <p:spPr>
           <a:xfrm>
-            <a:off x="8975385" y="1581871"/>
-            <a:ext cx="2275571" cy="2264631"/>
-          </a:xfrm>
-          <a:prstGeom prst="rect">
-            <a:avLst/>
-          </a:prstGeom>
-        </p:spPr>
-      </p:pic>
-      <p:pic>
-        <p:nvPicPr>
-          <p:cNvPr id="3" name="Picture 2">
-            <a:extLst>
-              <a:ext uri="{FF2B5EF4-FFF2-40B4-BE49-F238E27FC236}">
-                <a16:creationId xmlns:a16="http://schemas.microsoft.com/office/drawing/2014/main" id="{DA389CC3-1D46-5A9F-D2FE-C2334F55C656}"/>
-              </a:ext>
-            </a:extLst>
-          </p:cNvPr>
-          <p:cNvPicPr>
-            <a:picLocks noChangeAspect="1"/>
-          </p:cNvPicPr>
-          <p:nvPr/>
-        </p:nvPicPr>
-        <p:blipFill>
-          <a:blip r:embed="rId3"/>
-          <a:stretch>
-            <a:fillRect/>
-          </a:stretch>
-        </p:blipFill>
-        <p:spPr>
-          <a:xfrm>
-            <a:off x="337358" y="1581871"/>
+            <a:off x="8975385" y="570756"/>
             <a:ext cx="2275571" cy="2264631"/>
           </a:xfrm>
           <a:prstGeom prst="rect">
@@ -27125,7 +27220,7 @@
         </p:nvSpPr>
         <p:spPr>
           <a:xfrm>
-            <a:off x="447619" y="3976777"/>
+            <a:off x="447619" y="2965662"/>
             <a:ext cx="1964063" cy="923330"/>
           </a:xfrm>
           <a:prstGeom prst="rect">
@@ -27172,7 +27267,7 @@
         </p:nvSpPr>
         <p:spPr>
           <a:xfrm>
-            <a:off x="3321008" y="3976775"/>
+            <a:off x="3321008" y="2965660"/>
             <a:ext cx="1447832" cy="2031325"/>
           </a:xfrm>
           <a:prstGeom prst="rect">
@@ -27268,7 +27363,7 @@
         </p:nvSpPr>
         <p:spPr>
           <a:xfrm>
-            <a:off x="6096000" y="3976774"/>
+            <a:off x="6096000" y="2965659"/>
             <a:ext cx="1529906" cy="923330"/>
           </a:xfrm>
           <a:prstGeom prst="rect">
@@ -27321,14 +27416,14 @@
           <p:nvPr/>
         </p:nvPicPr>
         <p:blipFill>
-          <a:blip r:embed="rId4"/>
+          <a:blip r:embed="rId3"/>
           <a:stretch>
             <a:fillRect/>
           </a:stretch>
         </p:blipFill>
         <p:spPr>
           <a:xfrm>
-            <a:off x="5637841" y="1581871"/>
+            <a:off x="5637841" y="570756"/>
             <a:ext cx="2275571" cy="2264631"/>
           </a:xfrm>
           <a:prstGeom prst="rect">
@@ -27351,14 +27446,14 @@
           <p:nvPr/>
         </p:nvPicPr>
         <p:blipFill>
-          <a:blip r:embed="rId5"/>
+          <a:blip r:embed="rId4"/>
           <a:stretch>
             <a:fillRect/>
           </a:stretch>
         </p:blipFill>
         <p:spPr>
           <a:xfrm>
-            <a:off x="2907139" y="1581871"/>
+            <a:off x="2907139" y="570756"/>
             <a:ext cx="2275571" cy="2264631"/>
           </a:xfrm>
           <a:prstGeom prst="rect">
@@ -27384,7 +27479,7 @@
         </p:nvCxnSpPr>
         <p:spPr>
           <a:xfrm>
-            <a:off x="7913412" y="2714187"/>
+            <a:off x="7913412" y="1703072"/>
             <a:ext cx="1061973" cy="0"/>
           </a:xfrm>
           <a:prstGeom prst="straightConnector1">
@@ -27409,6 +27504,101 @@
           </a:fontRef>
         </p:style>
       </p:cxnSp>
+      <p:pic>
+        <p:nvPicPr>
+          <p:cNvPr id="15" name="Picture 14">
+            <a:extLst>
+              <a:ext uri="{FF2B5EF4-FFF2-40B4-BE49-F238E27FC236}">
+                <a16:creationId xmlns:a16="http://schemas.microsoft.com/office/drawing/2014/main" id="{9A704FA5-B282-AC23-A35A-46FF832C39D0}"/>
+              </a:ext>
+            </a:extLst>
+          </p:cNvPr>
+          <p:cNvPicPr>
+            <a:picLocks noChangeAspect="1"/>
+          </p:cNvPicPr>
+          <p:nvPr/>
+        </p:nvPicPr>
+        <p:blipFill>
+          <a:blip r:embed="rId5"/>
+          <a:stretch>
+            <a:fillRect/>
+          </a:stretch>
+        </p:blipFill>
+        <p:spPr>
+          <a:xfrm>
+            <a:off x="5357446" y="4108507"/>
+            <a:ext cx="3536096" cy="2347058"/>
+          </a:xfrm>
+          <a:prstGeom prst="rect">
+            <a:avLst/>
+          </a:prstGeom>
+        </p:spPr>
+      </p:pic>
+      <p:pic>
+        <p:nvPicPr>
+          <p:cNvPr id="16" name="Picture 15">
+            <a:extLst>
+              <a:ext uri="{FF2B5EF4-FFF2-40B4-BE49-F238E27FC236}">
+                <a16:creationId xmlns:a16="http://schemas.microsoft.com/office/drawing/2014/main" id="{BA4BCBFE-101B-6D08-47C3-83CE724AFCA8}"/>
+              </a:ext>
+            </a:extLst>
+          </p:cNvPr>
+          <p:cNvPicPr>
+            <a:picLocks noChangeAspect="1"/>
+          </p:cNvPicPr>
+          <p:nvPr/>
+        </p:nvPicPr>
+        <p:blipFill>
+          <a:blip r:embed="rId6"/>
+          <a:stretch>
+            <a:fillRect/>
+          </a:stretch>
+        </p:blipFill>
+        <p:spPr>
+          <a:xfrm>
+            <a:off x="318224" y="570756"/>
+            <a:ext cx="2275570" cy="2264630"/>
+          </a:xfrm>
+          <a:prstGeom prst="rect">
+            <a:avLst/>
+          </a:prstGeom>
+        </p:spPr>
+      </p:pic>
+      <p:sp>
+        <p:nvSpPr>
+          <p:cNvPr id="17" name="TextBox 16">
+            <a:extLst>
+              <a:ext uri="{FF2B5EF4-FFF2-40B4-BE49-F238E27FC236}">
+                <a16:creationId xmlns:a16="http://schemas.microsoft.com/office/drawing/2014/main" id="{286256F7-1022-E9B3-CC3C-18EAAA4BA199}"/>
+              </a:ext>
+            </a:extLst>
+          </p:cNvPr>
+          <p:cNvSpPr txBox="1"/>
+          <p:nvPr/>
+        </p:nvSpPr>
+        <p:spPr>
+          <a:xfrm>
+            <a:off x="33573" y="6086233"/>
+            <a:ext cx="5120441" cy="369332"/>
+          </a:xfrm>
+          <a:prstGeom prst="rect">
+            <a:avLst/>
+          </a:prstGeom>
+          <a:noFill/>
+        </p:spPr>
+        <p:txBody>
+          <a:bodyPr wrap="none" rtlCol="0">
+            <a:spAutoFit/>
+          </a:bodyPr>
+          <a:lstStyle/>
+          <a:p>
+            <a:r>
+              <a:rPr lang="en-US" dirty="0"/>
+              <a:t>Looks pretty, but is it just a meaningless bit-salad?</a:t>
+            </a:r>
+          </a:p>
+        </p:txBody>
+      </p:sp>
     </p:spTree>
     <p:extLst>
       <p:ext uri="{BB962C8B-B14F-4D97-AF65-F5344CB8AC3E}">

--- a/Homework-aAlphaBio.pptx
+++ b/Homework-aAlphaBio.pptx
@@ -6101,7 +6101,7 @@
           <p:nvPr>
             <p:extLst>
               <p:ext uri="{D42A27DB-BD31-4B8C-83A1-F6EECF244321}">
-                <p14:modId xmlns:p14="http://schemas.microsoft.com/office/powerpoint/2010/main" val="2024949114"/>
+                <p14:modId xmlns:p14="http://schemas.microsoft.com/office/powerpoint/2010/main" val="2000244956"/>
               </p:ext>
             </p:extLst>
           </p:nvPr>
@@ -6520,7 +6520,15 @@
                       <a:pPr algn="ctr"/>
                       <a:r>
                         <a:rPr lang="en-US" sz="1400" dirty="0"/>
-                        <a:t>with augmentation</a:t>
+                        <a:t>2x2 </a:t>
+                      </a:r>
+                      <a:r>
+                        <a:rPr lang="en-US" sz="1400" dirty="0" err="1"/>
+                        <a:t>img</a:t>
+                      </a:r>
+                      <a:r>
+                        <a:rPr lang="en-US" sz="1400" dirty="0"/>
+                        <a:t> patches</a:t>
                       </a:r>
                     </a:p>
                   </a:txBody>

--- a/Homework-aAlphaBio.pptx
+++ b/Homework-aAlphaBio.pptx
@@ -26,16 +26,17 @@
     <p:sldId id="321" r:id="rId20"/>
     <p:sldId id="322" r:id="rId21"/>
     <p:sldId id="347" r:id="rId22"/>
-    <p:sldId id="339" r:id="rId23"/>
-    <p:sldId id="337" r:id="rId24"/>
-    <p:sldId id="330" r:id="rId25"/>
-    <p:sldId id="329" r:id="rId26"/>
-    <p:sldId id="331" r:id="rId27"/>
-    <p:sldId id="259" r:id="rId28"/>
-    <p:sldId id="260" r:id="rId29"/>
-    <p:sldId id="324" r:id="rId30"/>
-    <p:sldId id="261" r:id="rId31"/>
-    <p:sldId id="340" r:id="rId32"/>
+    <p:sldId id="349" r:id="rId23"/>
+    <p:sldId id="339" r:id="rId24"/>
+    <p:sldId id="337" r:id="rId25"/>
+    <p:sldId id="330" r:id="rId26"/>
+    <p:sldId id="329" r:id="rId27"/>
+    <p:sldId id="331" r:id="rId28"/>
+    <p:sldId id="259" r:id="rId29"/>
+    <p:sldId id="260" r:id="rId30"/>
+    <p:sldId id="324" r:id="rId31"/>
+    <p:sldId id="261" r:id="rId32"/>
+    <p:sldId id="340" r:id="rId33"/>
   </p:sldIdLst>
   <p:sldSz cx="12192000" cy="6858000"/>
   <p:notesSz cx="6858000" cy="9144000"/>
@@ -6101,14 +6102,14 @@
           <p:nvPr>
             <p:extLst>
               <p:ext uri="{D42A27DB-BD31-4B8C-83A1-F6EECF244321}">
-                <p14:modId xmlns:p14="http://schemas.microsoft.com/office/powerpoint/2010/main" val="2000244956"/>
+                <p14:modId xmlns:p14="http://schemas.microsoft.com/office/powerpoint/2010/main" val="3960947205"/>
               </p:ext>
             </p:extLst>
           </p:nvPr>
         </p:nvGraphicFramePr>
         <p:xfrm>
-          <a:off x="671456" y="784606"/>
-          <a:ext cx="9787683" cy="5651798"/>
+          <a:off x="973381" y="1535105"/>
+          <a:ext cx="9787683" cy="3416456"/>
         </p:xfrm>
         <a:graphic>
           <a:graphicData uri="http://schemas.openxmlformats.org/drawingml/2006/table">
@@ -6160,7 +6161,7 @@
                   </a:extLst>
                 </a:gridCol>
               </a:tblGrid>
-              <a:tr h="565542">
+              <a:tr h="944021">
                 <a:tc>
                   <a:txBody>
                     <a:bodyPr/>
@@ -6168,7 +6169,7 @@
                     <a:p>
                       <a:pPr algn="ctr"/>
                       <a:r>
-                        <a:rPr lang="en-US" dirty="0"/>
+                        <a:rPr lang="en-US" sz="1800" dirty="0"/>
                         <a:t>Model</a:t>
                       </a:r>
                     </a:p>
@@ -6182,7 +6183,7 @@
                     <a:p>
                       <a:pPr algn="ctr"/>
                       <a:r>
-                        <a:rPr lang="en-US" dirty="0"/>
+                        <a:rPr lang="en-US" sz="1800" dirty="0"/>
                         <a:t>Train Loss</a:t>
                       </a:r>
                     </a:p>
@@ -6196,7 +6197,7 @@
                     <a:p>
                       <a:pPr algn="ctr"/>
                       <a:r>
-                        <a:rPr lang="en-US" dirty="0"/>
+                        <a:rPr lang="en-US" sz="1800" dirty="0"/>
                         <a:t>Valid. Loss</a:t>
                       </a:r>
                     </a:p>
@@ -6210,7 +6211,7 @@
                     <a:p>
                       <a:pPr algn="ctr"/>
                       <a:r>
-                        <a:rPr lang="en-US" dirty="0"/>
+                        <a:rPr lang="en-US" sz="1800" dirty="0"/>
                         <a:t>Epochs</a:t>
                       </a:r>
                     </a:p>
@@ -6224,14 +6225,14 @@
                     <a:p>
                       <a:pPr algn="ctr"/>
                       <a:r>
-                        <a:rPr lang="en-US" dirty="0"/>
+                        <a:rPr lang="en-US" sz="1800" dirty="0"/>
                         <a:t>RMSE</a:t>
                       </a:r>
                     </a:p>
                     <a:p>
                       <a:pPr algn="ctr"/>
                       <a:r>
-                        <a:rPr lang="en-US" dirty="0"/>
+                        <a:rPr lang="en-US" sz="1800" dirty="0"/>
                         <a:t>(valid set)</a:t>
                       </a:r>
                     </a:p>
@@ -6245,7 +6246,7 @@
                     <a:p>
                       <a:pPr algn="ctr"/>
                       <a:r>
-                        <a:rPr lang="en-US" dirty="0"/>
+                        <a:rPr lang="en-US" sz="1800" dirty="0"/>
                         <a:t>Comment</a:t>
                       </a:r>
                     </a:p>
@@ -6258,7 +6259,7 @@
                   </a:ext>
                 </a:extLst>
               </a:tr>
-              <a:tr h="446695">
+              <a:tr h="494487">
                 <a:tc>
                   <a:txBody>
                     <a:bodyPr/>
@@ -6266,7 +6267,7 @@
                     <a:p>
                       <a:pPr algn="ctr"/>
                       <a:r>
-                        <a:rPr lang="en-US" dirty="0"/>
+                        <a:rPr lang="en-US" sz="1600" dirty="0"/>
                         <a:t>residual MLP</a:t>
                       </a:r>
                     </a:p>
@@ -6280,7 +6281,7 @@
                     <a:p>
                       <a:pPr algn="ctr"/>
                       <a:r>
-                        <a:rPr lang="en-US" dirty="0"/>
+                        <a:rPr lang="en-US" sz="1600" dirty="0"/>
                         <a:t>0.21</a:t>
                       </a:r>
                     </a:p>
@@ -6294,7 +6295,7 @@
                     <a:p>
                       <a:pPr algn="ctr"/>
                       <a:r>
-                        <a:rPr lang="en-US" dirty="0"/>
+                        <a:rPr lang="en-US" sz="1600" dirty="0"/>
                         <a:t>0.33</a:t>
                       </a:r>
                     </a:p>
@@ -6308,7 +6309,7 @@
                     <a:p>
                       <a:pPr algn="ctr"/>
                       <a:r>
-                        <a:rPr lang="en-US" dirty="0"/>
+                        <a:rPr lang="en-US" sz="1600" dirty="0"/>
                         <a:t>8360</a:t>
                       </a:r>
                     </a:p>
@@ -6322,7 +6323,7 @@
                     <a:p>
                       <a:pPr algn="ctr"/>
                       <a:r>
-                        <a:rPr lang="en-US" dirty="0"/>
+                        <a:rPr lang="en-US" sz="1600" dirty="0"/>
                         <a:t>0.92</a:t>
                       </a:r>
                     </a:p>
@@ -6335,7 +6336,7 @@
                     <a:lstStyle/>
                     <a:p>
                       <a:pPr algn="ctr"/>
-                      <a:endParaRPr lang="en-US" sz="1400" dirty="0"/>
+                      <a:endParaRPr lang="en-US" sz="1600" dirty="0"/>
                     </a:p>
                   </a:txBody>
                   <a:tcPr anchor="ctr"/>
@@ -6346,7 +6347,7 @@
                   </a:ext>
                 </a:extLst>
               </a:tr>
-              <a:tr h="446695">
+              <a:tr h="494487">
                 <a:tc>
                   <a:txBody>
                     <a:bodyPr/>
@@ -6354,7 +6355,7 @@
                     <a:p>
                       <a:pPr algn="ctr"/>
                       <a:r>
-                        <a:rPr lang="en-US" dirty="0"/>
+                        <a:rPr lang="en-US" sz="1600" dirty="0"/>
                         <a:t>VIT (1-channel)</a:t>
                       </a:r>
                     </a:p>
@@ -6368,7 +6369,7 @@
                     <a:p>
                       <a:pPr algn="ctr"/>
                       <a:r>
-                        <a:rPr lang="en-US" dirty="0"/>
+                        <a:rPr lang="en-US" sz="1600" dirty="0"/>
                         <a:t>0.14</a:t>
                       </a:r>
                     </a:p>
@@ -6382,7 +6383,7 @@
                     <a:p>
                       <a:pPr algn="ctr"/>
                       <a:r>
-                        <a:rPr lang="en-US" dirty="0"/>
+                        <a:rPr lang="en-US" sz="1600" dirty="0"/>
                         <a:t>0.21</a:t>
                       </a:r>
                     </a:p>
@@ -6396,7 +6397,7 @@
                     <a:p>
                       <a:pPr algn="ctr"/>
                       <a:r>
-                        <a:rPr lang="en-US" dirty="0"/>
+                        <a:rPr lang="en-US" sz="1600" dirty="0"/>
                         <a:t>1925</a:t>
                       </a:r>
                     </a:p>
@@ -6410,7 +6411,7 @@
                     <a:p>
                       <a:pPr algn="ctr"/>
                       <a:r>
-                        <a:rPr lang="en-US" dirty="0"/>
+                        <a:rPr lang="en-US" sz="1600" dirty="0"/>
                         <a:t>0.97</a:t>
                       </a:r>
                     </a:p>
@@ -6424,7 +6425,7 @@
                     <a:p>
                       <a:pPr algn="ctr"/>
                       <a:r>
-                        <a:rPr lang="en-US" sz="1400" dirty="0"/>
+                        <a:rPr lang="en-US" sz="1600" dirty="0"/>
                         <a:t>early stop to avoid overfit</a:t>
                       </a:r>
                     </a:p>
@@ -6437,7 +6438,7 @@
                   </a:ext>
                 </a:extLst>
               </a:tr>
-              <a:tr h="446695">
+              <a:tr h="494487">
                 <a:tc>
                   <a:txBody>
                     <a:bodyPr/>
@@ -6461,7 +6462,7 @@
                         <a:defRPr/>
                       </a:pPr>
                       <a:r>
-                        <a:rPr lang="en-US" dirty="0"/>
+                        <a:rPr lang="en-US" sz="1600" dirty="0"/>
                         <a:t>VIT (1-channel)</a:t>
                       </a:r>
                     </a:p>
@@ -6474,7 +6475,7 @@
                     <a:lstStyle/>
                     <a:p>
                       <a:pPr algn="ctr"/>
-                      <a:endParaRPr lang="en-US" dirty="0"/>
+                      <a:endParaRPr lang="en-US" sz="1600" dirty="0"/>
                     </a:p>
                   </a:txBody>
                   <a:tcPr anchor="ctr"/>
@@ -6485,7 +6486,7 @@
                     <a:lstStyle/>
                     <a:p>
                       <a:pPr algn="ctr"/>
-                      <a:endParaRPr lang="en-US" dirty="0"/>
+                      <a:endParaRPr lang="en-US" sz="1600" dirty="0"/>
                     </a:p>
                   </a:txBody>
                   <a:tcPr anchor="ctr"/>
@@ -6496,7 +6497,7 @@
                     <a:lstStyle/>
                     <a:p>
                       <a:pPr algn="ctr"/>
-                      <a:endParaRPr lang="en-US" dirty="0"/>
+                      <a:endParaRPr lang="en-US" sz="1600" dirty="0"/>
                     </a:p>
                   </a:txBody>
                   <a:tcPr anchor="ctr"/>
@@ -6507,7 +6508,7 @@
                     <a:lstStyle/>
                     <a:p>
                       <a:pPr algn="ctr"/>
-                      <a:endParaRPr lang="en-US" dirty="0"/>
+                      <a:endParaRPr lang="en-US" sz="1600" dirty="0"/>
                     </a:p>
                   </a:txBody>
                   <a:tcPr anchor="ctr"/>
@@ -6519,15 +6520,15 @@
                     <a:p>
                       <a:pPr algn="ctr"/>
                       <a:r>
-                        <a:rPr lang="en-US" sz="1400" dirty="0"/>
+                        <a:rPr lang="en-US" sz="1600" dirty="0"/>
                         <a:t>2x2 </a:t>
                       </a:r>
                       <a:r>
-                        <a:rPr lang="en-US" sz="1400" dirty="0" err="1"/>
+                        <a:rPr lang="en-US" sz="1600" dirty="0" err="1"/>
                         <a:t>img</a:t>
                       </a:r>
                       <a:r>
-                        <a:rPr lang="en-US" sz="1400" dirty="0"/>
+                        <a:rPr lang="en-US" sz="1600" dirty="0"/>
                         <a:t> patches</a:t>
                       </a:r>
                     </a:p>
@@ -6540,7 +6541,7 @@
                   </a:ext>
                 </a:extLst>
               </a:tr>
-              <a:tr h="446695">
+              <a:tr h="494487">
                 <a:tc>
                   <a:txBody>
                     <a:bodyPr/>
@@ -6564,7 +6565,7 @@
                         <a:defRPr/>
                       </a:pPr>
                       <a:r>
-                        <a:rPr lang="en-US" dirty="0"/>
+                        <a:rPr lang="en-US" sz="1600" dirty="0"/>
                         <a:t>VIT (3-channel)</a:t>
                       </a:r>
                     </a:p>
@@ -6577,7 +6578,7 @@
                     <a:lstStyle/>
                     <a:p>
                       <a:pPr algn="ctr"/>
-                      <a:endParaRPr lang="en-US" dirty="0"/>
+                      <a:endParaRPr lang="en-US" sz="1600" dirty="0"/>
                     </a:p>
                   </a:txBody>
                   <a:tcPr anchor="ctr"/>
@@ -6588,7 +6589,7 @@
                     <a:lstStyle/>
                     <a:p>
                       <a:pPr algn="ctr"/>
-                      <a:endParaRPr lang="en-US" dirty="0"/>
+                      <a:endParaRPr lang="en-US" sz="1600" dirty="0"/>
                     </a:p>
                   </a:txBody>
                   <a:tcPr anchor="ctr"/>
@@ -6599,7 +6600,7 @@
                     <a:lstStyle/>
                     <a:p>
                       <a:pPr algn="ctr"/>
-                      <a:endParaRPr lang="en-US" dirty="0"/>
+                      <a:endParaRPr lang="en-US" sz="1600" dirty="0"/>
                     </a:p>
                   </a:txBody>
                   <a:tcPr anchor="ctr"/>
@@ -6610,7 +6611,7 @@
                     <a:lstStyle/>
                     <a:p>
                       <a:pPr algn="ctr"/>
-                      <a:endParaRPr lang="en-US" dirty="0"/>
+                      <a:endParaRPr lang="en-US" sz="1600" dirty="0"/>
                     </a:p>
                   </a:txBody>
                   <a:tcPr anchor="ctr"/>
@@ -6621,7 +6622,7 @@
                     <a:lstStyle/>
                     <a:p>
                       <a:pPr algn="ctr"/>
-                      <a:endParaRPr lang="en-US" sz="1400" dirty="0"/>
+                      <a:endParaRPr lang="en-US" sz="1600" dirty="0"/>
                     </a:p>
                   </a:txBody>
                   <a:tcPr anchor="ctr"/>
@@ -6632,21 +6633,34 @@
                   </a:ext>
                 </a:extLst>
               </a:tr>
-              <a:tr h="446695">
-                <a:tc rowSpan="5">
+              <a:tr h="494487">
+                <a:tc>
                   <a:txBody>
                     <a:bodyPr/>
                     <a:lstStyle/>
                     <a:p>
-                      <a:pPr algn="ctr"/>
+                      <a:pPr marL="0" marR="0" lvl="0" indent="0" algn="ctr" defTabSz="914400" rtl="0" eaLnBrk="1" fontAlgn="auto" latinLnBrk="0" hangingPunct="1">
+                        <a:lnSpc>
+                          <a:spcPct val="100000"/>
+                        </a:lnSpc>
+                        <a:spcBef>
+                          <a:spcPts val="0"/>
+                        </a:spcBef>
+                        <a:spcAft>
+                          <a:spcPts val="0"/>
+                        </a:spcAft>
+                        <a:buClrTx/>
+                        <a:buSzTx/>
+                        <a:buFontTx/>
+                        <a:buNone/>
+                        <a:tabLst/>
+                        <a:defRPr/>
+                      </a:pPr>
                       <a:r>
-                        <a:rPr lang="en-US" dirty="0"/>
-                        <a:t>BERT </a:t>
+                        <a:rPr lang="en-US" sz="1600" dirty="0" err="1"/>
+                        <a:t>TFormMLP</a:t>
                       </a:r>
-                      <a:r>
-                        <a:rPr lang="en-US" baseline="30000" dirty="0"/>
-                        <a:t>1</a:t>
-                      </a:r>
+                      <a:endParaRPr lang="en-US" sz="1600" dirty="0"/>
                     </a:p>
                   </a:txBody>
                   <a:tcPr anchor="ctr"/>
@@ -6657,10 +6671,7 @@
                     <a:lstStyle/>
                     <a:p>
                       <a:pPr algn="ctr"/>
-                      <a:r>
-                        <a:rPr lang="en-US" dirty="0"/>
-                        <a:t>0.34</a:t>
-                      </a:r>
+                      <a:endParaRPr lang="en-US" sz="1600" dirty="0"/>
                     </a:p>
                   </a:txBody>
                   <a:tcPr anchor="ctr"/>
@@ -6671,10 +6682,7 @@
                     <a:lstStyle/>
                     <a:p>
                       <a:pPr algn="ctr"/>
-                      <a:r>
-                        <a:rPr lang="en-US" dirty="0"/>
-                        <a:t>0.33</a:t>
-                      </a:r>
+                      <a:endParaRPr lang="en-US" sz="1600" dirty="0"/>
                     </a:p>
                   </a:txBody>
                   <a:tcPr anchor="ctr"/>
@@ -6685,11 +6693,7 @@
                     <a:lstStyle/>
                     <a:p>
                       <a:pPr algn="ctr"/>
-                      <a:r>
-                        <a:rPr lang="en-US" dirty="0"/>
-                        <a:t>10</a:t>
-                      </a:r>
-                      <a:endParaRPr lang="en-US" baseline="30000" dirty="0"/>
+                      <a:endParaRPr lang="en-US" sz="1600" dirty="0"/>
                     </a:p>
                   </a:txBody>
                   <a:tcPr anchor="ctr"/>
@@ -6700,11 +6704,7 @@
                     <a:lstStyle/>
                     <a:p>
                       <a:pPr algn="ctr"/>
-                      <a:r>
-                        <a:rPr lang="en-US" dirty="0" err="1"/>
-                        <a:t>na</a:t>
-                      </a:r>
-                      <a:endParaRPr lang="en-US" dirty="0"/>
+                      <a:endParaRPr lang="en-US" sz="1600" dirty="0"/>
                     </a:p>
                   </a:txBody>
                   <a:tcPr anchor="ctr"/>
@@ -6715,410 +6715,14 @@
                     <a:lstStyle/>
                     <a:p>
                       <a:pPr algn="ctr"/>
-                      <a:r>
-                        <a:rPr lang="en-US" sz="1400" dirty="0"/>
-                        <a:t>pre-train</a:t>
-                      </a:r>
+                      <a:endParaRPr lang="en-US" sz="1600" dirty="0"/>
                     </a:p>
                   </a:txBody>
                   <a:tcPr anchor="ctr"/>
                 </a:tc>
                 <a:extLst>
                   <a:ext uri="{0D108BD9-81ED-4DB2-BD59-A6C34878D82A}">
-                    <a16:rowId xmlns:a16="http://schemas.microsoft.com/office/drawing/2014/main" val="4051566852"/>
-                  </a:ext>
-                </a:extLst>
-              </a:tr>
-              <a:tr h="538611">
-                <a:tc vMerge="1">
-                  <a:txBody>
-                    <a:bodyPr/>
-                    <a:lstStyle/>
-                    <a:p>
-                      <a:endParaRPr lang="en-US" baseline="30000" dirty="0"/>
-                    </a:p>
-                  </a:txBody>
-                  <a:tcPr/>
-                </a:tc>
-                <a:tc>
-                  <a:txBody>
-                    <a:bodyPr/>
-                    <a:lstStyle/>
-                    <a:p>
-                      <a:pPr algn="ctr"/>
-                      <a:r>
-                        <a:rPr lang="en-US" dirty="0"/>
-                        <a:t>0.51</a:t>
-                      </a:r>
-                    </a:p>
-                  </a:txBody>
-                  <a:tcPr anchor="ctr"/>
-                </a:tc>
-                <a:tc>
-                  <a:txBody>
-                    <a:bodyPr/>
-                    <a:lstStyle/>
-                    <a:p>
-                      <a:pPr algn="ctr"/>
-                      <a:r>
-                        <a:rPr lang="en-US" dirty="0"/>
-                        <a:t>0.52</a:t>
-                      </a:r>
-                    </a:p>
-                  </a:txBody>
-                  <a:tcPr anchor="ctr"/>
-                </a:tc>
-                <a:tc>
-                  <a:txBody>
-                    <a:bodyPr/>
-                    <a:lstStyle/>
-                    <a:p>
-                      <a:pPr algn="ctr"/>
-                      <a:r>
-                        <a:rPr lang="en-US" dirty="0"/>
-                        <a:t>160</a:t>
-                      </a:r>
-                    </a:p>
-                  </a:txBody>
-                  <a:tcPr anchor="ctr"/>
-                </a:tc>
-                <a:tc>
-                  <a:txBody>
-                    <a:bodyPr/>
-                    <a:lstStyle/>
-                    <a:p>
-                      <a:pPr algn="ctr"/>
-                      <a:r>
-                        <a:rPr lang="en-US" dirty="0"/>
-                        <a:t>1.06</a:t>
-                      </a:r>
-                    </a:p>
-                  </a:txBody>
-                  <a:tcPr anchor="ctr"/>
-                </a:tc>
-                <a:tc>
-                  <a:txBody>
-                    <a:bodyPr/>
-                    <a:lstStyle/>
-                    <a:p>
-                      <a:pPr algn="ctr"/>
-                      <a:r>
-                        <a:rPr lang="en-US" sz="1400" dirty="0"/>
-                        <a:t>fine-tune</a:t>
-                      </a:r>
-                    </a:p>
-                    <a:p>
-                      <a:pPr algn="ctr"/>
-                      <a:r>
-                        <a:rPr lang="en-US" sz="1400" dirty="0"/>
-                        <a:t>transformer frozen</a:t>
-                      </a:r>
-                    </a:p>
-                  </a:txBody>
-                  <a:tcPr anchor="ctr"/>
-                </a:tc>
-                <a:extLst>
-                  <a:ext uri="{0D108BD9-81ED-4DB2-BD59-A6C34878D82A}">
-                    <a16:rowId xmlns:a16="http://schemas.microsoft.com/office/drawing/2014/main" val="3788428899"/>
-                  </a:ext>
-                </a:extLst>
-              </a:tr>
-              <a:tr h="727125">
-                <a:tc vMerge="1">
-                  <a:txBody>
-                    <a:bodyPr/>
-                    <a:lstStyle/>
-                    <a:p>
-                      <a:endParaRPr lang="en-US"/>
-                    </a:p>
-                  </a:txBody>
-                  <a:tcPr/>
-                </a:tc>
-                <a:tc>
-                  <a:txBody>
-                    <a:bodyPr/>
-                    <a:lstStyle/>
-                    <a:p>
-                      <a:pPr algn="ctr"/>
-                      <a:r>
-                        <a:rPr lang="en-US" dirty="0"/>
-                        <a:t>0.50</a:t>
-                      </a:r>
-                    </a:p>
-                  </a:txBody>
-                  <a:tcPr anchor="ctr"/>
-                </a:tc>
-                <a:tc>
-                  <a:txBody>
-                    <a:bodyPr/>
-                    <a:lstStyle/>
-                    <a:p>
-                      <a:pPr algn="ctr"/>
-                      <a:r>
-                        <a:rPr lang="en-US" dirty="0"/>
-                        <a:t>0.52</a:t>
-                      </a:r>
-                    </a:p>
-                  </a:txBody>
-                  <a:tcPr anchor="ctr"/>
-                </a:tc>
-                <a:tc>
-                  <a:txBody>
-                    <a:bodyPr/>
-                    <a:lstStyle/>
-                    <a:p>
-                      <a:pPr algn="ctr"/>
-                      <a:r>
-                        <a:rPr lang="en-US" dirty="0"/>
-                        <a:t>335</a:t>
-                      </a:r>
-                    </a:p>
-                  </a:txBody>
-                  <a:tcPr anchor="ctr"/>
-                </a:tc>
-                <a:tc>
-                  <a:txBody>
-                    <a:bodyPr/>
-                    <a:lstStyle/>
-                    <a:p>
-                      <a:pPr algn="ctr"/>
-                      <a:endParaRPr lang="en-US" dirty="0"/>
-                    </a:p>
-                  </a:txBody>
-                  <a:tcPr anchor="ctr"/>
-                </a:tc>
-                <a:tc>
-                  <a:txBody>
-                    <a:bodyPr/>
-                    <a:lstStyle/>
-                    <a:p>
-                      <a:pPr algn="ctr"/>
-                      <a:r>
-                        <a:rPr lang="en-US" sz="1400" dirty="0"/>
-                        <a:t>fine-tune</a:t>
-                      </a:r>
-                    </a:p>
-                    <a:p>
-                      <a:pPr algn="ctr"/>
-                      <a:r>
-                        <a:rPr lang="en-US" sz="1400" dirty="0"/>
-                        <a:t>last 1 layer </a:t>
-                      </a:r>
-                      <a:r>
-                        <a:rPr lang="en-US" sz="1400" dirty="0" err="1"/>
-                        <a:t>tform</a:t>
-                      </a:r>
-                      <a:r>
-                        <a:rPr lang="en-US" sz="1400" dirty="0"/>
-                        <a:t> unfrozen</a:t>
-                      </a:r>
-                    </a:p>
-                    <a:p>
-                      <a:pPr algn="ctr"/>
-                      <a:r>
-                        <a:rPr lang="en-US" sz="1400" dirty="0"/>
-                        <a:t>maybe overfitting…</a:t>
-                      </a:r>
-                    </a:p>
-                  </a:txBody>
-                  <a:tcPr anchor="ctr"/>
-                </a:tc>
-                <a:extLst>
-                  <a:ext uri="{0D108BD9-81ED-4DB2-BD59-A6C34878D82A}">
-                    <a16:rowId xmlns:a16="http://schemas.microsoft.com/office/drawing/2014/main" val="3796785061"/>
-                  </a:ext>
-                </a:extLst>
-              </a:tr>
-              <a:tr h="754056">
-                <a:tc vMerge="1">
-                  <a:txBody>
-                    <a:bodyPr/>
-                    <a:lstStyle/>
-                    <a:p>
-                      <a:endParaRPr lang="en-US" baseline="30000" dirty="0"/>
-                    </a:p>
-                  </a:txBody>
-                  <a:tcPr anchor="ctr"/>
-                </a:tc>
-                <a:tc>
-                  <a:txBody>
-                    <a:bodyPr/>
-                    <a:lstStyle/>
-                    <a:p>
-                      <a:pPr algn="ctr"/>
-                      <a:r>
-                        <a:rPr lang="en-US" dirty="0"/>
-                        <a:t>0.24</a:t>
-                      </a:r>
-                    </a:p>
-                  </a:txBody>
-                  <a:tcPr anchor="ctr"/>
-                </a:tc>
-                <a:tc>
-                  <a:txBody>
-                    <a:bodyPr/>
-                    <a:lstStyle/>
-                    <a:p>
-                      <a:pPr algn="ctr"/>
-                      <a:r>
-                        <a:rPr lang="en-US" dirty="0"/>
-                        <a:t>0.29</a:t>
-                      </a:r>
-                    </a:p>
-                  </a:txBody>
-                  <a:tcPr anchor="ctr"/>
-                </a:tc>
-                <a:tc>
-                  <a:txBody>
-                    <a:bodyPr/>
-                    <a:lstStyle/>
-                    <a:p>
-                      <a:pPr algn="ctr"/>
-                      <a:r>
-                        <a:rPr lang="en-US" dirty="0"/>
-                        <a:t>460</a:t>
-                      </a:r>
-                    </a:p>
-                  </a:txBody>
-                  <a:tcPr anchor="ctr"/>
-                </a:tc>
-                <a:tc>
-                  <a:txBody>
-                    <a:bodyPr/>
-                    <a:lstStyle/>
-                    <a:p>
-                      <a:pPr algn="ctr"/>
-                      <a:endParaRPr lang="en-US" dirty="0"/>
-                    </a:p>
-                  </a:txBody>
-                  <a:tcPr anchor="ctr"/>
-                </a:tc>
-                <a:tc>
-                  <a:txBody>
-                    <a:bodyPr/>
-                    <a:lstStyle/>
-                    <a:p>
-                      <a:pPr algn="ctr"/>
-                      <a:r>
-                        <a:rPr lang="en-US" sz="1400" dirty="0"/>
-                        <a:t>fine-tune</a:t>
-                      </a:r>
-                    </a:p>
-                    <a:p>
-                      <a:pPr algn="ctr"/>
-                      <a:r>
-                        <a:rPr lang="en-US" sz="1400" dirty="0"/>
-                        <a:t>last 2 layers </a:t>
-                      </a:r>
-                      <a:r>
-                        <a:rPr lang="en-US" sz="1400" dirty="0" err="1"/>
-                        <a:t>tform</a:t>
-                      </a:r>
-                      <a:r>
-                        <a:rPr lang="en-US" sz="1400" dirty="0"/>
-                        <a:t> unfrozen</a:t>
-                      </a:r>
-                    </a:p>
-                    <a:p>
-                      <a:pPr algn="ctr"/>
-                      <a:r>
-                        <a:rPr lang="en-US" sz="1400" dirty="0"/>
-                        <a:t>maybe overfitting…</a:t>
-                      </a:r>
-                    </a:p>
-                  </a:txBody>
-                  <a:tcPr anchor="ctr"/>
-                </a:tc>
-                <a:extLst>
-                  <a:ext uri="{0D108BD9-81ED-4DB2-BD59-A6C34878D82A}">
-                    <a16:rowId xmlns:a16="http://schemas.microsoft.com/office/drawing/2014/main" val="3068902763"/>
-                  </a:ext>
-                </a:extLst>
-              </a:tr>
-              <a:tr h="754056">
-                <a:tc vMerge="1">
-                  <a:txBody>
-                    <a:bodyPr/>
-                    <a:lstStyle/>
-                    <a:p>
-                      <a:endParaRPr lang="en-US" baseline="30000" dirty="0"/>
-                    </a:p>
-                  </a:txBody>
-                  <a:tcPr anchor="ctr"/>
-                </a:tc>
-                <a:tc>
-                  <a:txBody>
-                    <a:bodyPr/>
-                    <a:lstStyle/>
-                    <a:p>
-                      <a:pPr algn="ctr"/>
-                      <a:r>
-                        <a:rPr lang="en-US" dirty="0"/>
-                        <a:t>0.05</a:t>
-                      </a:r>
-                    </a:p>
-                  </a:txBody>
-                  <a:tcPr anchor="ctr"/>
-                </a:tc>
-                <a:tc>
-                  <a:txBody>
-                    <a:bodyPr/>
-                    <a:lstStyle/>
-                    <a:p>
-                      <a:pPr algn="ctr"/>
-                      <a:r>
-                        <a:rPr lang="en-US" dirty="0"/>
-                        <a:t>0.18</a:t>
-                      </a:r>
-                    </a:p>
-                  </a:txBody>
-                  <a:tcPr anchor="ctr"/>
-                </a:tc>
-                <a:tc>
-                  <a:txBody>
-                    <a:bodyPr/>
-                    <a:lstStyle/>
-                    <a:p>
-                      <a:pPr algn="ctr"/>
-                      <a:r>
-                        <a:rPr lang="en-US" dirty="0"/>
-                        <a:t>675</a:t>
-                      </a:r>
-                    </a:p>
-                  </a:txBody>
-                  <a:tcPr anchor="ctr"/>
-                </a:tc>
-                <a:tc>
-                  <a:txBody>
-                    <a:bodyPr/>
-                    <a:lstStyle/>
-                    <a:p>
-                      <a:pPr algn="ctr"/>
-                      <a:r>
-                        <a:rPr lang="en-US" dirty="0"/>
-                        <a:t>1.06</a:t>
-                      </a:r>
-                    </a:p>
-                  </a:txBody>
-                  <a:tcPr anchor="ctr"/>
-                </a:tc>
-                <a:tc>
-                  <a:txBody>
-                    <a:bodyPr/>
-                    <a:lstStyle/>
-                    <a:p>
-                      <a:pPr algn="ctr"/>
-                      <a:r>
-                        <a:rPr lang="en-US" sz="1400" dirty="0"/>
-                        <a:t>unfreeze last 3 layers</a:t>
-                      </a:r>
-                    </a:p>
-                  </a:txBody>
-                  <a:tcPr anchor="ctr"/>
-                </a:tc>
-                <a:extLst>
-                  <a:ext uri="{0D108BD9-81ED-4DB2-BD59-A6C34878D82A}">
-                    <a16:rowId xmlns:a16="http://schemas.microsoft.com/office/drawing/2014/main" val="3315586637"/>
+                    <a16:rowId xmlns:a16="http://schemas.microsoft.com/office/drawing/2014/main" val="3477047939"/>
                   </a:ext>
                 </a:extLst>
               </a:tr>
@@ -7126,59 +6730,6 @@
           </a:graphicData>
         </a:graphic>
       </p:graphicFrame>
-      <p:sp>
-        <p:nvSpPr>
-          <p:cNvPr id="4" name="TextBox 3">
-            <a:extLst>
-              <a:ext uri="{FF2B5EF4-FFF2-40B4-BE49-F238E27FC236}">
-                <a16:creationId xmlns:a16="http://schemas.microsoft.com/office/drawing/2014/main" id="{00DD7777-9BF6-823F-4376-3C2BB81EAC9C}"/>
-              </a:ext>
-            </a:extLst>
-          </p:cNvPr>
-          <p:cNvSpPr txBox="1"/>
-          <p:nvPr/>
-        </p:nvSpPr>
-        <p:spPr>
-          <a:xfrm>
-            <a:off x="389614" y="6344991"/>
-            <a:ext cx="10016781" cy="369332"/>
-          </a:xfrm>
-          <a:prstGeom prst="rect">
-            <a:avLst/>
-          </a:prstGeom>
-          <a:noFill/>
-        </p:spPr>
-        <p:txBody>
-          <a:bodyPr wrap="none" rtlCol="0">
-            <a:spAutoFit/>
-          </a:bodyPr>
-          <a:lstStyle/>
-          <a:p>
-            <a:pPr marL="342900" indent="-342900">
-              <a:buAutoNum type="arabicPeriod"/>
-            </a:pPr>
-            <a:r>
-              <a:rPr lang="en-US" dirty="0"/>
-              <a:t>Pre-train BERT on OAS dataset, then fine-tune on </a:t>
-            </a:r>
-            <a:r>
-              <a:rPr lang="en-US" dirty="0" err="1"/>
-              <a:t>scFv</a:t>
-            </a:r>
-            <a:r>
-              <a:rPr lang="en-US" dirty="0"/>
-              <a:t> train data (OAS dataset is </a:t>
-            </a:r>
-            <a:r>
-              <a:rPr lang="en-US" b="0" dirty="0">
-                <a:effectLst/>
-              </a:rPr>
-              <a:t>18061315 rows)</a:t>
-            </a:r>
-            <a:endParaRPr lang="en-US" dirty="0"/>
-          </a:p>
-        </p:txBody>
-      </p:sp>
     </p:spTree>
     <p:extLst>
       <p:ext uri="{BB962C8B-B14F-4D97-AF65-F5344CB8AC3E}">
@@ -15838,6 +15389,103 @@
           </a:p>
         </p:txBody>
       </p:sp>
+      <p:sp>
+        <p:nvSpPr>
+          <p:cNvPr id="3" name="Rectangle 2">
+            <a:extLst>
+              <a:ext uri="{FF2B5EF4-FFF2-40B4-BE49-F238E27FC236}">
+                <a16:creationId xmlns:a16="http://schemas.microsoft.com/office/drawing/2014/main" id="{8CA518CF-F63E-2482-3ECD-6DC97B211E15}"/>
+              </a:ext>
+            </a:extLst>
+          </p:cNvPr>
+          <p:cNvSpPr/>
+          <p:nvPr/>
+        </p:nvSpPr>
+        <p:spPr>
+          <a:xfrm>
+            <a:off x="3217653" y="698740"/>
+            <a:ext cx="5279366" cy="4451230"/>
+          </a:xfrm>
+          <a:prstGeom prst="rect">
+            <a:avLst/>
+          </a:prstGeom>
+          <a:solidFill>
+            <a:schemeClr val="accent1">
+              <a:alpha val="23880"/>
+            </a:schemeClr>
+          </a:solidFill>
+        </p:spPr>
+        <p:style>
+          <a:lnRef idx="2">
+            <a:schemeClr val="accent1">
+              <a:shade val="15000"/>
+            </a:schemeClr>
+          </a:lnRef>
+          <a:fillRef idx="1">
+            <a:schemeClr val="accent1"/>
+          </a:fillRef>
+          <a:effectRef idx="0">
+            <a:schemeClr val="accent1"/>
+          </a:effectRef>
+          <a:fontRef idx="minor">
+            <a:schemeClr val="lt1"/>
+          </a:fontRef>
+        </p:style>
+        <p:txBody>
+          <a:bodyPr rtlCol="0" anchor="ctr"/>
+          <a:lstStyle/>
+          <a:p>
+            <a:pPr algn="ctr"/>
+            <a:endParaRPr lang="en-US"/>
+          </a:p>
+        </p:txBody>
+      </p:sp>
+      <p:sp>
+        <p:nvSpPr>
+          <p:cNvPr id="4" name="Down Arrow 3">
+            <a:extLst>
+              <a:ext uri="{FF2B5EF4-FFF2-40B4-BE49-F238E27FC236}">
+                <a16:creationId xmlns:a16="http://schemas.microsoft.com/office/drawing/2014/main" id="{21B313A4-B2FC-5120-3295-D9089515E066}"/>
+              </a:ext>
+            </a:extLst>
+          </p:cNvPr>
+          <p:cNvSpPr/>
+          <p:nvPr/>
+        </p:nvSpPr>
+        <p:spPr>
+          <a:xfrm>
+            <a:off x="5653466" y="5365631"/>
+            <a:ext cx="442534" cy="1121434"/>
+          </a:xfrm>
+          <a:prstGeom prst="downArrow">
+            <a:avLst/>
+          </a:prstGeom>
+        </p:spPr>
+        <p:style>
+          <a:lnRef idx="2">
+            <a:schemeClr val="accent1">
+              <a:shade val="15000"/>
+            </a:schemeClr>
+          </a:lnRef>
+          <a:fillRef idx="1">
+            <a:schemeClr val="accent1"/>
+          </a:fillRef>
+          <a:effectRef idx="0">
+            <a:schemeClr val="accent1"/>
+          </a:effectRef>
+          <a:fontRef idx="minor">
+            <a:schemeClr val="lt1"/>
+          </a:fontRef>
+        </p:style>
+        <p:txBody>
+          <a:bodyPr rtlCol="0" anchor="ctr"/>
+          <a:lstStyle/>
+          <a:p>
+            <a:pPr algn="ctr"/>
+            <a:endParaRPr lang="en-US"/>
+          </a:p>
+        </p:txBody>
+      </p:sp>
     </p:spTree>
     <p:extLst>
       <p:ext uri="{BB962C8B-B14F-4D97-AF65-F5344CB8AC3E}">
@@ -15852,6 +15500,1251 @@
 </file>
 
 <file path=ppt/slides/slide22.xml><?xml version="1.0" encoding="utf-8"?>
+<p:sld xmlns:a="http://schemas.openxmlformats.org/drawingml/2006/main" xmlns:r="http://schemas.openxmlformats.org/officeDocument/2006/relationships" xmlns:p="http://schemas.openxmlformats.org/presentationml/2006/main">
+  <p:cSld>
+    <p:spTree>
+      <p:nvGrpSpPr>
+        <p:cNvPr id="1" name=""/>
+        <p:cNvGrpSpPr/>
+        <p:nvPr/>
+      </p:nvGrpSpPr>
+      <p:grpSpPr>
+        <a:xfrm>
+          <a:off x="0" y="0"/>
+          <a:ext cx="0" cy="0"/>
+          <a:chOff x="0" y="0"/>
+          <a:chExt cx="0" cy="0"/>
+        </a:xfrm>
+      </p:grpSpPr>
+      <p:sp>
+        <p:nvSpPr>
+          <p:cNvPr id="2" name="TextBox 1">
+            <a:extLst>
+              <a:ext uri="{FF2B5EF4-FFF2-40B4-BE49-F238E27FC236}">
+                <a16:creationId xmlns:a16="http://schemas.microsoft.com/office/drawing/2014/main" id="{D7B699E5-6A91-D5D4-A6B0-C71C42589BC8}"/>
+              </a:ext>
+            </a:extLst>
+          </p:cNvPr>
+          <p:cNvSpPr txBox="1"/>
+          <p:nvPr/>
+        </p:nvSpPr>
+        <p:spPr>
+          <a:xfrm>
+            <a:off x="140127" y="221836"/>
+            <a:ext cx="3558346" cy="461665"/>
+          </a:xfrm>
+          <a:prstGeom prst="rect">
+            <a:avLst/>
+          </a:prstGeom>
+          <a:noFill/>
+        </p:spPr>
+        <p:txBody>
+          <a:bodyPr wrap="none" rtlCol="0">
+            <a:spAutoFit/>
+          </a:bodyPr>
+          <a:lstStyle/>
+          <a:p>
+            <a:r>
+              <a:rPr lang="en-US" sz="2400" dirty="0"/>
+              <a:t>Results:  Dataset Clean-3</a:t>
+            </a:r>
+          </a:p>
+        </p:txBody>
+      </p:sp>
+      <p:graphicFrame>
+        <p:nvGraphicFramePr>
+          <p:cNvPr id="3" name="Table 2">
+            <a:extLst>
+              <a:ext uri="{FF2B5EF4-FFF2-40B4-BE49-F238E27FC236}">
+                <a16:creationId xmlns:a16="http://schemas.microsoft.com/office/drawing/2014/main" id="{06968A34-6E02-9A89-9D28-711A65FA6A49}"/>
+              </a:ext>
+            </a:extLst>
+          </p:cNvPr>
+          <p:cNvGraphicFramePr>
+            <a:graphicFrameLocks noGrp="1"/>
+          </p:cNvGraphicFramePr>
+          <p:nvPr/>
+        </p:nvGraphicFramePr>
+        <p:xfrm>
+          <a:off x="671456" y="784607"/>
+          <a:ext cx="9787683" cy="4600597"/>
+        </p:xfrm>
+        <a:graphic>
+          <a:graphicData uri="http://schemas.openxmlformats.org/drawingml/2006/table">
+            <a:tbl>
+              <a:tblPr firstRow="1" bandRow="1">
+                <a:tableStyleId>{5C22544A-7EE6-4342-B048-85BDC9FD1C3A}</a:tableStyleId>
+              </a:tblPr>
+              <a:tblGrid>
+                <a:gridCol w="1708468">
+                  <a:extLst>
+                    <a:ext uri="{9D8B030D-6E8A-4147-A177-3AD203B41FA5}">
+                      <a16:colId xmlns:a16="http://schemas.microsoft.com/office/drawing/2014/main" val="1065848917"/>
+                    </a:ext>
+                  </a:extLst>
+                </a:gridCol>
+                <a:gridCol w="1396282">
+                  <a:extLst>
+                    <a:ext uri="{9D8B030D-6E8A-4147-A177-3AD203B41FA5}">
+                      <a16:colId xmlns:a16="http://schemas.microsoft.com/office/drawing/2014/main" val="873310604"/>
+                    </a:ext>
+                  </a:extLst>
+                </a:gridCol>
+                <a:gridCol w="1489386">
+                  <a:extLst>
+                    <a:ext uri="{9D8B030D-6E8A-4147-A177-3AD203B41FA5}">
+                      <a16:colId xmlns:a16="http://schemas.microsoft.com/office/drawing/2014/main" val="3981708244"/>
+                    </a:ext>
+                  </a:extLst>
+                </a:gridCol>
+                <a:gridCol w="1106226">
+                  <a:extLst>
+                    <a:ext uri="{9D8B030D-6E8A-4147-A177-3AD203B41FA5}">
+                      <a16:colId xmlns:a16="http://schemas.microsoft.com/office/drawing/2014/main" val="1135465181"/>
+                    </a:ext>
+                  </a:extLst>
+                </a:gridCol>
+                <a:gridCol w="1363281">
+                  <a:extLst>
+                    <a:ext uri="{9D8B030D-6E8A-4147-A177-3AD203B41FA5}">
+                      <a16:colId xmlns:a16="http://schemas.microsoft.com/office/drawing/2014/main" val="91865083"/>
+                    </a:ext>
+                  </a:extLst>
+                </a:gridCol>
+                <a:gridCol w="2724040">
+                  <a:extLst>
+                    <a:ext uri="{9D8B030D-6E8A-4147-A177-3AD203B41FA5}">
+                      <a16:colId xmlns:a16="http://schemas.microsoft.com/office/drawing/2014/main" val="2256753199"/>
+                    </a:ext>
+                  </a:extLst>
+                </a:gridCol>
+              </a:tblGrid>
+              <a:tr h="397911">
+                <a:tc>
+                  <a:txBody>
+                    <a:bodyPr/>
+                    <a:lstStyle/>
+                    <a:p>
+                      <a:pPr algn="ctr"/>
+                      <a:r>
+                        <a:rPr lang="en-US" sz="1200" dirty="0"/>
+                        <a:t>Model</a:t>
+                      </a:r>
+                    </a:p>
+                  </a:txBody>
+                  <a:tcPr anchor="ctr"/>
+                </a:tc>
+                <a:tc>
+                  <a:txBody>
+                    <a:bodyPr/>
+                    <a:lstStyle/>
+                    <a:p>
+                      <a:pPr algn="ctr"/>
+                      <a:r>
+                        <a:rPr lang="en-US" sz="1200" dirty="0"/>
+                        <a:t>Train Loss</a:t>
+                      </a:r>
+                    </a:p>
+                  </a:txBody>
+                  <a:tcPr anchor="ctr"/>
+                </a:tc>
+                <a:tc>
+                  <a:txBody>
+                    <a:bodyPr/>
+                    <a:lstStyle/>
+                    <a:p>
+                      <a:pPr algn="ctr"/>
+                      <a:r>
+                        <a:rPr lang="en-US" sz="1200" dirty="0"/>
+                        <a:t>Valid. Loss</a:t>
+                      </a:r>
+                    </a:p>
+                  </a:txBody>
+                  <a:tcPr anchor="ctr"/>
+                </a:tc>
+                <a:tc>
+                  <a:txBody>
+                    <a:bodyPr/>
+                    <a:lstStyle/>
+                    <a:p>
+                      <a:pPr algn="ctr"/>
+                      <a:r>
+                        <a:rPr lang="en-US" sz="1200" dirty="0"/>
+                        <a:t>Epochs</a:t>
+                      </a:r>
+                    </a:p>
+                  </a:txBody>
+                  <a:tcPr anchor="ctr"/>
+                </a:tc>
+                <a:tc>
+                  <a:txBody>
+                    <a:bodyPr/>
+                    <a:lstStyle/>
+                    <a:p>
+                      <a:pPr algn="ctr"/>
+                      <a:r>
+                        <a:rPr lang="en-US" sz="1200" dirty="0"/>
+                        <a:t>RMSE</a:t>
+                      </a:r>
+                    </a:p>
+                    <a:p>
+                      <a:pPr algn="ctr"/>
+                      <a:r>
+                        <a:rPr lang="en-US" sz="1200" dirty="0"/>
+                        <a:t>(valid set)</a:t>
+                      </a:r>
+                    </a:p>
+                  </a:txBody>
+                  <a:tcPr anchor="ctr"/>
+                </a:tc>
+                <a:tc>
+                  <a:txBody>
+                    <a:bodyPr/>
+                    <a:lstStyle/>
+                    <a:p>
+                      <a:pPr algn="ctr"/>
+                      <a:r>
+                        <a:rPr lang="en-US" sz="1200" dirty="0"/>
+                        <a:t>Comment</a:t>
+                      </a:r>
+                    </a:p>
+                  </a:txBody>
+                  <a:tcPr anchor="ctr"/>
+                </a:tc>
+                <a:extLst>
+                  <a:ext uri="{0D108BD9-81ED-4DB2-BD59-A6C34878D82A}">
+                    <a16:rowId xmlns:a16="http://schemas.microsoft.com/office/drawing/2014/main" val="1617347897"/>
+                  </a:ext>
+                </a:extLst>
+              </a:tr>
+              <a:tr h="312957">
+                <a:tc>
+                  <a:txBody>
+                    <a:bodyPr/>
+                    <a:lstStyle/>
+                    <a:p>
+                      <a:pPr algn="ctr"/>
+                      <a:r>
+                        <a:rPr lang="en-US" sz="1200" dirty="0"/>
+                        <a:t>residual MLP</a:t>
+                      </a:r>
+                    </a:p>
+                  </a:txBody>
+                  <a:tcPr anchor="ctr"/>
+                </a:tc>
+                <a:tc>
+                  <a:txBody>
+                    <a:bodyPr/>
+                    <a:lstStyle/>
+                    <a:p>
+                      <a:pPr algn="ctr"/>
+                      <a:r>
+                        <a:rPr lang="en-US" sz="1200" dirty="0"/>
+                        <a:t>0.21</a:t>
+                      </a:r>
+                    </a:p>
+                  </a:txBody>
+                  <a:tcPr anchor="ctr"/>
+                </a:tc>
+                <a:tc>
+                  <a:txBody>
+                    <a:bodyPr/>
+                    <a:lstStyle/>
+                    <a:p>
+                      <a:pPr algn="ctr"/>
+                      <a:r>
+                        <a:rPr lang="en-US" sz="1200" dirty="0"/>
+                        <a:t>0.33</a:t>
+                      </a:r>
+                    </a:p>
+                  </a:txBody>
+                  <a:tcPr anchor="ctr"/>
+                </a:tc>
+                <a:tc>
+                  <a:txBody>
+                    <a:bodyPr/>
+                    <a:lstStyle/>
+                    <a:p>
+                      <a:pPr algn="ctr"/>
+                      <a:r>
+                        <a:rPr lang="en-US" sz="1200" dirty="0"/>
+                        <a:t>8360</a:t>
+                      </a:r>
+                    </a:p>
+                  </a:txBody>
+                  <a:tcPr anchor="ctr"/>
+                </a:tc>
+                <a:tc>
+                  <a:txBody>
+                    <a:bodyPr/>
+                    <a:lstStyle/>
+                    <a:p>
+                      <a:pPr algn="ctr"/>
+                      <a:r>
+                        <a:rPr lang="en-US" sz="1200" dirty="0"/>
+                        <a:t>0.92</a:t>
+                      </a:r>
+                    </a:p>
+                  </a:txBody>
+                  <a:tcPr anchor="ctr"/>
+                </a:tc>
+                <a:tc>
+                  <a:txBody>
+                    <a:bodyPr/>
+                    <a:lstStyle/>
+                    <a:p>
+                      <a:pPr algn="ctr"/>
+                      <a:endParaRPr lang="en-US" sz="1200" dirty="0"/>
+                    </a:p>
+                  </a:txBody>
+                  <a:tcPr anchor="ctr"/>
+                </a:tc>
+                <a:extLst>
+                  <a:ext uri="{0D108BD9-81ED-4DB2-BD59-A6C34878D82A}">
+                    <a16:rowId xmlns:a16="http://schemas.microsoft.com/office/drawing/2014/main" val="3248717932"/>
+                  </a:ext>
+                </a:extLst>
+              </a:tr>
+              <a:tr h="312957">
+                <a:tc>
+                  <a:txBody>
+                    <a:bodyPr/>
+                    <a:lstStyle/>
+                    <a:p>
+                      <a:pPr algn="ctr"/>
+                      <a:r>
+                        <a:rPr lang="en-US" sz="1200" dirty="0"/>
+                        <a:t>VIT (1-channel)</a:t>
+                      </a:r>
+                    </a:p>
+                  </a:txBody>
+                  <a:tcPr anchor="ctr"/>
+                </a:tc>
+                <a:tc>
+                  <a:txBody>
+                    <a:bodyPr/>
+                    <a:lstStyle/>
+                    <a:p>
+                      <a:pPr algn="ctr"/>
+                      <a:r>
+                        <a:rPr lang="en-US" sz="1200" dirty="0"/>
+                        <a:t>0.14</a:t>
+                      </a:r>
+                    </a:p>
+                  </a:txBody>
+                  <a:tcPr anchor="ctr"/>
+                </a:tc>
+                <a:tc>
+                  <a:txBody>
+                    <a:bodyPr/>
+                    <a:lstStyle/>
+                    <a:p>
+                      <a:pPr algn="ctr"/>
+                      <a:r>
+                        <a:rPr lang="en-US" sz="1200" dirty="0"/>
+                        <a:t>0.21</a:t>
+                      </a:r>
+                    </a:p>
+                  </a:txBody>
+                  <a:tcPr anchor="ctr"/>
+                </a:tc>
+                <a:tc>
+                  <a:txBody>
+                    <a:bodyPr/>
+                    <a:lstStyle/>
+                    <a:p>
+                      <a:pPr algn="ctr"/>
+                      <a:r>
+                        <a:rPr lang="en-US" sz="1200" dirty="0"/>
+                        <a:t>1925</a:t>
+                      </a:r>
+                    </a:p>
+                  </a:txBody>
+                  <a:tcPr anchor="ctr"/>
+                </a:tc>
+                <a:tc>
+                  <a:txBody>
+                    <a:bodyPr/>
+                    <a:lstStyle/>
+                    <a:p>
+                      <a:pPr algn="ctr"/>
+                      <a:r>
+                        <a:rPr lang="en-US" sz="1200" dirty="0"/>
+                        <a:t>0.97</a:t>
+                      </a:r>
+                    </a:p>
+                  </a:txBody>
+                  <a:tcPr anchor="ctr"/>
+                </a:tc>
+                <a:tc>
+                  <a:txBody>
+                    <a:bodyPr/>
+                    <a:lstStyle/>
+                    <a:p>
+                      <a:pPr algn="ctr"/>
+                      <a:r>
+                        <a:rPr lang="en-US" sz="1200" dirty="0"/>
+                        <a:t>early stop to avoid overfit</a:t>
+                      </a:r>
+                    </a:p>
+                  </a:txBody>
+                  <a:tcPr anchor="ctr"/>
+                </a:tc>
+                <a:extLst>
+                  <a:ext uri="{0D108BD9-81ED-4DB2-BD59-A6C34878D82A}">
+                    <a16:rowId xmlns:a16="http://schemas.microsoft.com/office/drawing/2014/main" val="1232718432"/>
+                  </a:ext>
+                </a:extLst>
+              </a:tr>
+              <a:tr h="312957">
+                <a:tc>
+                  <a:txBody>
+                    <a:bodyPr/>
+                    <a:lstStyle/>
+                    <a:p>
+                      <a:pPr marL="0" marR="0" lvl="0" indent="0" algn="ctr" defTabSz="914400" rtl="0" eaLnBrk="1" fontAlgn="auto" latinLnBrk="0" hangingPunct="1">
+                        <a:lnSpc>
+                          <a:spcPct val="100000"/>
+                        </a:lnSpc>
+                        <a:spcBef>
+                          <a:spcPts val="0"/>
+                        </a:spcBef>
+                        <a:spcAft>
+                          <a:spcPts val="0"/>
+                        </a:spcAft>
+                        <a:buClrTx/>
+                        <a:buSzTx/>
+                        <a:buFontTx/>
+                        <a:buNone/>
+                        <a:tabLst/>
+                        <a:defRPr/>
+                      </a:pPr>
+                      <a:r>
+                        <a:rPr lang="en-US" sz="1200" dirty="0"/>
+                        <a:t>VIT (1-channel)</a:t>
+                      </a:r>
+                    </a:p>
+                  </a:txBody>
+                  <a:tcPr anchor="ctr"/>
+                </a:tc>
+                <a:tc>
+                  <a:txBody>
+                    <a:bodyPr/>
+                    <a:lstStyle/>
+                    <a:p>
+                      <a:pPr algn="ctr"/>
+                      <a:endParaRPr lang="en-US" sz="1200" dirty="0"/>
+                    </a:p>
+                  </a:txBody>
+                  <a:tcPr anchor="ctr"/>
+                </a:tc>
+                <a:tc>
+                  <a:txBody>
+                    <a:bodyPr/>
+                    <a:lstStyle/>
+                    <a:p>
+                      <a:pPr algn="ctr"/>
+                      <a:endParaRPr lang="en-US" sz="1200" dirty="0"/>
+                    </a:p>
+                  </a:txBody>
+                  <a:tcPr anchor="ctr"/>
+                </a:tc>
+                <a:tc>
+                  <a:txBody>
+                    <a:bodyPr/>
+                    <a:lstStyle/>
+                    <a:p>
+                      <a:pPr algn="ctr"/>
+                      <a:endParaRPr lang="en-US" sz="1200" dirty="0"/>
+                    </a:p>
+                  </a:txBody>
+                  <a:tcPr anchor="ctr"/>
+                </a:tc>
+                <a:tc>
+                  <a:txBody>
+                    <a:bodyPr/>
+                    <a:lstStyle/>
+                    <a:p>
+                      <a:pPr algn="ctr"/>
+                      <a:endParaRPr lang="en-US" sz="1200" dirty="0"/>
+                    </a:p>
+                  </a:txBody>
+                  <a:tcPr anchor="ctr"/>
+                </a:tc>
+                <a:tc>
+                  <a:txBody>
+                    <a:bodyPr/>
+                    <a:lstStyle/>
+                    <a:p>
+                      <a:pPr algn="ctr"/>
+                      <a:r>
+                        <a:rPr lang="en-US" sz="1200" dirty="0"/>
+                        <a:t>2x2 </a:t>
+                      </a:r>
+                      <a:r>
+                        <a:rPr lang="en-US" sz="1200" dirty="0" err="1"/>
+                        <a:t>img</a:t>
+                      </a:r>
+                      <a:r>
+                        <a:rPr lang="en-US" sz="1200" dirty="0"/>
+                        <a:t> patches</a:t>
+                      </a:r>
+                    </a:p>
+                  </a:txBody>
+                  <a:tcPr anchor="ctr"/>
+                </a:tc>
+                <a:extLst>
+                  <a:ext uri="{0D108BD9-81ED-4DB2-BD59-A6C34878D82A}">
+                    <a16:rowId xmlns:a16="http://schemas.microsoft.com/office/drawing/2014/main" val="4010417102"/>
+                  </a:ext>
+                </a:extLst>
+              </a:tr>
+              <a:tr h="312957">
+                <a:tc>
+                  <a:txBody>
+                    <a:bodyPr/>
+                    <a:lstStyle/>
+                    <a:p>
+                      <a:pPr marL="0" marR="0" lvl="0" indent="0" algn="ctr" defTabSz="914400" rtl="0" eaLnBrk="1" fontAlgn="auto" latinLnBrk="0" hangingPunct="1">
+                        <a:lnSpc>
+                          <a:spcPct val="100000"/>
+                        </a:lnSpc>
+                        <a:spcBef>
+                          <a:spcPts val="0"/>
+                        </a:spcBef>
+                        <a:spcAft>
+                          <a:spcPts val="0"/>
+                        </a:spcAft>
+                        <a:buClrTx/>
+                        <a:buSzTx/>
+                        <a:buFontTx/>
+                        <a:buNone/>
+                        <a:tabLst/>
+                        <a:defRPr/>
+                      </a:pPr>
+                      <a:r>
+                        <a:rPr lang="en-US" sz="1200" dirty="0"/>
+                        <a:t>VIT (3-channel)</a:t>
+                      </a:r>
+                    </a:p>
+                  </a:txBody>
+                  <a:tcPr anchor="ctr"/>
+                </a:tc>
+                <a:tc>
+                  <a:txBody>
+                    <a:bodyPr/>
+                    <a:lstStyle/>
+                    <a:p>
+                      <a:pPr algn="ctr"/>
+                      <a:endParaRPr lang="en-US" sz="1200" dirty="0"/>
+                    </a:p>
+                  </a:txBody>
+                  <a:tcPr anchor="ctr"/>
+                </a:tc>
+                <a:tc>
+                  <a:txBody>
+                    <a:bodyPr/>
+                    <a:lstStyle/>
+                    <a:p>
+                      <a:pPr algn="ctr"/>
+                      <a:endParaRPr lang="en-US" sz="1200" dirty="0"/>
+                    </a:p>
+                  </a:txBody>
+                  <a:tcPr anchor="ctr"/>
+                </a:tc>
+                <a:tc>
+                  <a:txBody>
+                    <a:bodyPr/>
+                    <a:lstStyle/>
+                    <a:p>
+                      <a:pPr algn="ctr"/>
+                      <a:endParaRPr lang="en-US" sz="1200" dirty="0"/>
+                    </a:p>
+                  </a:txBody>
+                  <a:tcPr anchor="ctr"/>
+                </a:tc>
+                <a:tc>
+                  <a:txBody>
+                    <a:bodyPr/>
+                    <a:lstStyle/>
+                    <a:p>
+                      <a:pPr algn="ctr"/>
+                      <a:endParaRPr lang="en-US" sz="1200" dirty="0"/>
+                    </a:p>
+                  </a:txBody>
+                  <a:tcPr anchor="ctr"/>
+                </a:tc>
+                <a:tc>
+                  <a:txBody>
+                    <a:bodyPr/>
+                    <a:lstStyle/>
+                    <a:p>
+                      <a:pPr algn="ctr"/>
+                      <a:endParaRPr lang="en-US" sz="1200" dirty="0"/>
+                    </a:p>
+                  </a:txBody>
+                  <a:tcPr anchor="ctr"/>
+                </a:tc>
+                <a:extLst>
+                  <a:ext uri="{0D108BD9-81ED-4DB2-BD59-A6C34878D82A}">
+                    <a16:rowId xmlns:a16="http://schemas.microsoft.com/office/drawing/2014/main" val="3346663948"/>
+                  </a:ext>
+                </a:extLst>
+              </a:tr>
+              <a:tr h="312957">
+                <a:tc>
+                  <a:txBody>
+                    <a:bodyPr/>
+                    <a:lstStyle/>
+                    <a:p>
+                      <a:pPr marL="0" marR="0" lvl="0" indent="0" algn="ctr" defTabSz="914400" rtl="0" eaLnBrk="1" fontAlgn="auto" latinLnBrk="0" hangingPunct="1">
+                        <a:lnSpc>
+                          <a:spcPct val="100000"/>
+                        </a:lnSpc>
+                        <a:spcBef>
+                          <a:spcPts val="0"/>
+                        </a:spcBef>
+                        <a:spcAft>
+                          <a:spcPts val="0"/>
+                        </a:spcAft>
+                        <a:buClrTx/>
+                        <a:buSzTx/>
+                        <a:buFontTx/>
+                        <a:buNone/>
+                        <a:tabLst/>
+                        <a:defRPr/>
+                      </a:pPr>
+                      <a:r>
+                        <a:rPr lang="en-US" sz="1200" dirty="0" err="1"/>
+                        <a:t>TFormMLP</a:t>
+                      </a:r>
+                      <a:endParaRPr lang="en-US" sz="1200" dirty="0"/>
+                    </a:p>
+                  </a:txBody>
+                  <a:tcPr anchor="ctr"/>
+                </a:tc>
+                <a:tc>
+                  <a:txBody>
+                    <a:bodyPr/>
+                    <a:lstStyle/>
+                    <a:p>
+                      <a:pPr algn="ctr"/>
+                      <a:endParaRPr lang="en-US" sz="1200" dirty="0"/>
+                    </a:p>
+                  </a:txBody>
+                  <a:tcPr anchor="ctr"/>
+                </a:tc>
+                <a:tc>
+                  <a:txBody>
+                    <a:bodyPr/>
+                    <a:lstStyle/>
+                    <a:p>
+                      <a:pPr algn="ctr"/>
+                      <a:endParaRPr lang="en-US" sz="1200" dirty="0"/>
+                    </a:p>
+                  </a:txBody>
+                  <a:tcPr anchor="ctr"/>
+                </a:tc>
+                <a:tc>
+                  <a:txBody>
+                    <a:bodyPr/>
+                    <a:lstStyle/>
+                    <a:p>
+                      <a:pPr algn="ctr"/>
+                      <a:endParaRPr lang="en-US" sz="1200" dirty="0"/>
+                    </a:p>
+                  </a:txBody>
+                  <a:tcPr anchor="ctr"/>
+                </a:tc>
+                <a:tc>
+                  <a:txBody>
+                    <a:bodyPr/>
+                    <a:lstStyle/>
+                    <a:p>
+                      <a:pPr algn="ctr"/>
+                      <a:endParaRPr lang="en-US" sz="1200" dirty="0"/>
+                    </a:p>
+                  </a:txBody>
+                  <a:tcPr anchor="ctr"/>
+                </a:tc>
+                <a:tc>
+                  <a:txBody>
+                    <a:bodyPr/>
+                    <a:lstStyle/>
+                    <a:p>
+                      <a:pPr algn="ctr"/>
+                      <a:endParaRPr lang="en-US" sz="1200" dirty="0"/>
+                    </a:p>
+                  </a:txBody>
+                  <a:tcPr anchor="ctr"/>
+                </a:tc>
+                <a:extLst>
+                  <a:ext uri="{0D108BD9-81ED-4DB2-BD59-A6C34878D82A}">
+                    <a16:rowId xmlns:a16="http://schemas.microsoft.com/office/drawing/2014/main" val="3477047939"/>
+                  </a:ext>
+                </a:extLst>
+              </a:tr>
+              <a:tr h="312957">
+                <a:tc rowSpan="5">
+                  <a:txBody>
+                    <a:bodyPr/>
+                    <a:lstStyle/>
+                    <a:p>
+                      <a:pPr algn="ctr"/>
+                      <a:r>
+                        <a:rPr lang="en-US" sz="1200" dirty="0"/>
+                        <a:t>BERT </a:t>
+                      </a:r>
+                      <a:r>
+                        <a:rPr lang="en-US" sz="1200" baseline="30000" dirty="0"/>
+                        <a:t>1</a:t>
+                      </a:r>
+                    </a:p>
+                  </a:txBody>
+                  <a:tcPr anchor="ctr"/>
+                </a:tc>
+                <a:tc>
+                  <a:txBody>
+                    <a:bodyPr/>
+                    <a:lstStyle/>
+                    <a:p>
+                      <a:pPr algn="ctr"/>
+                      <a:r>
+                        <a:rPr lang="en-US" sz="1200" dirty="0"/>
+                        <a:t>0.34</a:t>
+                      </a:r>
+                    </a:p>
+                  </a:txBody>
+                  <a:tcPr anchor="ctr"/>
+                </a:tc>
+                <a:tc>
+                  <a:txBody>
+                    <a:bodyPr/>
+                    <a:lstStyle/>
+                    <a:p>
+                      <a:pPr algn="ctr"/>
+                      <a:r>
+                        <a:rPr lang="en-US" sz="1200" dirty="0"/>
+                        <a:t>0.33</a:t>
+                      </a:r>
+                    </a:p>
+                  </a:txBody>
+                  <a:tcPr anchor="ctr"/>
+                </a:tc>
+                <a:tc>
+                  <a:txBody>
+                    <a:bodyPr/>
+                    <a:lstStyle/>
+                    <a:p>
+                      <a:pPr algn="ctr"/>
+                      <a:r>
+                        <a:rPr lang="en-US" sz="1200" dirty="0"/>
+                        <a:t>10</a:t>
+                      </a:r>
+                      <a:endParaRPr lang="en-US" sz="1200" baseline="30000" dirty="0"/>
+                    </a:p>
+                  </a:txBody>
+                  <a:tcPr anchor="ctr"/>
+                </a:tc>
+                <a:tc>
+                  <a:txBody>
+                    <a:bodyPr/>
+                    <a:lstStyle/>
+                    <a:p>
+                      <a:pPr algn="ctr"/>
+                      <a:r>
+                        <a:rPr lang="en-US" sz="1200" dirty="0" err="1"/>
+                        <a:t>na</a:t>
+                      </a:r>
+                      <a:endParaRPr lang="en-US" sz="1200" dirty="0"/>
+                    </a:p>
+                  </a:txBody>
+                  <a:tcPr anchor="ctr"/>
+                </a:tc>
+                <a:tc>
+                  <a:txBody>
+                    <a:bodyPr/>
+                    <a:lstStyle/>
+                    <a:p>
+                      <a:pPr algn="ctr"/>
+                      <a:r>
+                        <a:rPr lang="en-US" sz="1200" dirty="0"/>
+                        <a:t>pre-train</a:t>
+                      </a:r>
+                    </a:p>
+                  </a:txBody>
+                  <a:tcPr anchor="ctr"/>
+                </a:tc>
+                <a:extLst>
+                  <a:ext uri="{0D108BD9-81ED-4DB2-BD59-A6C34878D82A}">
+                    <a16:rowId xmlns:a16="http://schemas.microsoft.com/office/drawing/2014/main" val="4051566852"/>
+                  </a:ext>
+                </a:extLst>
+              </a:tr>
+              <a:tr h="397911">
+                <a:tc vMerge="1">
+                  <a:txBody>
+                    <a:bodyPr/>
+                    <a:lstStyle/>
+                    <a:p>
+                      <a:endParaRPr lang="en-US" baseline="30000" dirty="0"/>
+                    </a:p>
+                  </a:txBody>
+                  <a:tcPr/>
+                </a:tc>
+                <a:tc>
+                  <a:txBody>
+                    <a:bodyPr/>
+                    <a:lstStyle/>
+                    <a:p>
+                      <a:pPr algn="ctr"/>
+                      <a:r>
+                        <a:rPr lang="en-US" sz="1200" dirty="0"/>
+                        <a:t>0.51</a:t>
+                      </a:r>
+                    </a:p>
+                  </a:txBody>
+                  <a:tcPr anchor="ctr"/>
+                </a:tc>
+                <a:tc>
+                  <a:txBody>
+                    <a:bodyPr/>
+                    <a:lstStyle/>
+                    <a:p>
+                      <a:pPr algn="ctr"/>
+                      <a:r>
+                        <a:rPr lang="en-US" sz="1200" dirty="0"/>
+                        <a:t>0.52</a:t>
+                      </a:r>
+                    </a:p>
+                  </a:txBody>
+                  <a:tcPr anchor="ctr"/>
+                </a:tc>
+                <a:tc>
+                  <a:txBody>
+                    <a:bodyPr/>
+                    <a:lstStyle/>
+                    <a:p>
+                      <a:pPr algn="ctr"/>
+                      <a:r>
+                        <a:rPr lang="en-US" sz="1200" dirty="0"/>
+                        <a:t>160</a:t>
+                      </a:r>
+                    </a:p>
+                  </a:txBody>
+                  <a:tcPr anchor="ctr"/>
+                </a:tc>
+                <a:tc>
+                  <a:txBody>
+                    <a:bodyPr/>
+                    <a:lstStyle/>
+                    <a:p>
+                      <a:pPr algn="ctr"/>
+                      <a:r>
+                        <a:rPr lang="en-US" sz="1200" dirty="0"/>
+                        <a:t>1.06</a:t>
+                      </a:r>
+                    </a:p>
+                  </a:txBody>
+                  <a:tcPr anchor="ctr"/>
+                </a:tc>
+                <a:tc>
+                  <a:txBody>
+                    <a:bodyPr/>
+                    <a:lstStyle/>
+                    <a:p>
+                      <a:pPr algn="ctr"/>
+                      <a:r>
+                        <a:rPr lang="en-US" sz="1200" dirty="0"/>
+                        <a:t>fine-tune</a:t>
+                      </a:r>
+                    </a:p>
+                    <a:p>
+                      <a:pPr algn="ctr"/>
+                      <a:r>
+                        <a:rPr lang="en-US" sz="1200" dirty="0"/>
+                        <a:t>transformer frozen</a:t>
+                      </a:r>
+                    </a:p>
+                  </a:txBody>
+                  <a:tcPr anchor="ctr"/>
+                </a:tc>
+                <a:extLst>
+                  <a:ext uri="{0D108BD9-81ED-4DB2-BD59-A6C34878D82A}">
+                    <a16:rowId xmlns:a16="http://schemas.microsoft.com/office/drawing/2014/main" val="3788428899"/>
+                  </a:ext>
+                </a:extLst>
+              </a:tr>
+              <a:tr h="557075">
+                <a:tc vMerge="1">
+                  <a:txBody>
+                    <a:bodyPr/>
+                    <a:lstStyle/>
+                    <a:p>
+                      <a:endParaRPr lang="en-US"/>
+                    </a:p>
+                  </a:txBody>
+                  <a:tcPr/>
+                </a:tc>
+                <a:tc>
+                  <a:txBody>
+                    <a:bodyPr/>
+                    <a:lstStyle/>
+                    <a:p>
+                      <a:pPr algn="ctr"/>
+                      <a:r>
+                        <a:rPr lang="en-US" sz="1200" dirty="0"/>
+                        <a:t>0.50</a:t>
+                      </a:r>
+                    </a:p>
+                  </a:txBody>
+                  <a:tcPr anchor="ctr"/>
+                </a:tc>
+                <a:tc>
+                  <a:txBody>
+                    <a:bodyPr/>
+                    <a:lstStyle/>
+                    <a:p>
+                      <a:pPr algn="ctr"/>
+                      <a:r>
+                        <a:rPr lang="en-US" sz="1200" dirty="0"/>
+                        <a:t>0.52</a:t>
+                      </a:r>
+                    </a:p>
+                  </a:txBody>
+                  <a:tcPr anchor="ctr"/>
+                </a:tc>
+                <a:tc>
+                  <a:txBody>
+                    <a:bodyPr/>
+                    <a:lstStyle/>
+                    <a:p>
+                      <a:pPr algn="ctr"/>
+                      <a:r>
+                        <a:rPr lang="en-US" sz="1200" dirty="0"/>
+                        <a:t>335</a:t>
+                      </a:r>
+                    </a:p>
+                  </a:txBody>
+                  <a:tcPr anchor="ctr"/>
+                </a:tc>
+                <a:tc>
+                  <a:txBody>
+                    <a:bodyPr/>
+                    <a:lstStyle/>
+                    <a:p>
+                      <a:pPr algn="ctr"/>
+                      <a:endParaRPr lang="en-US" sz="1200" dirty="0"/>
+                    </a:p>
+                  </a:txBody>
+                  <a:tcPr anchor="ctr"/>
+                </a:tc>
+                <a:tc>
+                  <a:txBody>
+                    <a:bodyPr/>
+                    <a:lstStyle/>
+                    <a:p>
+                      <a:pPr algn="ctr"/>
+                      <a:r>
+                        <a:rPr lang="en-US" sz="1200" dirty="0"/>
+                        <a:t>fine-tune</a:t>
+                      </a:r>
+                    </a:p>
+                    <a:p>
+                      <a:pPr algn="ctr"/>
+                      <a:r>
+                        <a:rPr lang="en-US" sz="1200" dirty="0"/>
+                        <a:t>last 1 layer </a:t>
+                      </a:r>
+                      <a:r>
+                        <a:rPr lang="en-US" sz="1200" dirty="0" err="1"/>
+                        <a:t>tform</a:t>
+                      </a:r>
+                      <a:r>
+                        <a:rPr lang="en-US" sz="1200" dirty="0"/>
+                        <a:t> unfrozen</a:t>
+                      </a:r>
+                    </a:p>
+                    <a:p>
+                      <a:pPr algn="ctr"/>
+                      <a:r>
+                        <a:rPr lang="en-US" sz="1200" dirty="0"/>
+                        <a:t>maybe overfitting…</a:t>
+                      </a:r>
+                    </a:p>
+                  </a:txBody>
+                  <a:tcPr anchor="ctr"/>
+                </a:tc>
+                <a:extLst>
+                  <a:ext uri="{0D108BD9-81ED-4DB2-BD59-A6C34878D82A}">
+                    <a16:rowId xmlns:a16="http://schemas.microsoft.com/office/drawing/2014/main" val="3796785061"/>
+                  </a:ext>
+                </a:extLst>
+              </a:tr>
+              <a:tr h="557075">
+                <a:tc vMerge="1">
+                  <a:txBody>
+                    <a:bodyPr/>
+                    <a:lstStyle/>
+                    <a:p>
+                      <a:endParaRPr lang="en-US" baseline="30000" dirty="0"/>
+                    </a:p>
+                  </a:txBody>
+                  <a:tcPr anchor="ctr"/>
+                </a:tc>
+                <a:tc>
+                  <a:txBody>
+                    <a:bodyPr/>
+                    <a:lstStyle/>
+                    <a:p>
+                      <a:pPr algn="ctr"/>
+                      <a:r>
+                        <a:rPr lang="en-US" sz="1200" dirty="0"/>
+                        <a:t>0.24</a:t>
+                      </a:r>
+                    </a:p>
+                  </a:txBody>
+                  <a:tcPr anchor="ctr"/>
+                </a:tc>
+                <a:tc>
+                  <a:txBody>
+                    <a:bodyPr/>
+                    <a:lstStyle/>
+                    <a:p>
+                      <a:pPr algn="ctr"/>
+                      <a:r>
+                        <a:rPr lang="en-US" sz="1200" dirty="0"/>
+                        <a:t>0.29</a:t>
+                      </a:r>
+                    </a:p>
+                  </a:txBody>
+                  <a:tcPr anchor="ctr"/>
+                </a:tc>
+                <a:tc>
+                  <a:txBody>
+                    <a:bodyPr/>
+                    <a:lstStyle/>
+                    <a:p>
+                      <a:pPr algn="ctr"/>
+                      <a:r>
+                        <a:rPr lang="en-US" sz="1200" dirty="0"/>
+                        <a:t>460</a:t>
+                      </a:r>
+                    </a:p>
+                  </a:txBody>
+                  <a:tcPr anchor="ctr"/>
+                </a:tc>
+                <a:tc>
+                  <a:txBody>
+                    <a:bodyPr/>
+                    <a:lstStyle/>
+                    <a:p>
+                      <a:pPr algn="ctr"/>
+                      <a:endParaRPr lang="en-US" sz="1200" dirty="0"/>
+                    </a:p>
+                  </a:txBody>
+                  <a:tcPr anchor="ctr"/>
+                </a:tc>
+                <a:tc>
+                  <a:txBody>
+                    <a:bodyPr/>
+                    <a:lstStyle/>
+                    <a:p>
+                      <a:pPr algn="ctr"/>
+                      <a:r>
+                        <a:rPr lang="en-US" sz="1200" dirty="0"/>
+                        <a:t>fine-tune</a:t>
+                      </a:r>
+                    </a:p>
+                    <a:p>
+                      <a:pPr algn="ctr"/>
+                      <a:r>
+                        <a:rPr lang="en-US" sz="1200" dirty="0"/>
+                        <a:t>last 2 layers </a:t>
+                      </a:r>
+                      <a:r>
+                        <a:rPr lang="en-US" sz="1200" dirty="0" err="1"/>
+                        <a:t>tform</a:t>
+                      </a:r>
+                      <a:r>
+                        <a:rPr lang="en-US" sz="1200" dirty="0"/>
+                        <a:t> unfrozen</a:t>
+                      </a:r>
+                    </a:p>
+                    <a:p>
+                      <a:pPr algn="ctr"/>
+                      <a:r>
+                        <a:rPr lang="en-US" sz="1200" dirty="0"/>
+                        <a:t>maybe overfitting…</a:t>
+                      </a:r>
+                    </a:p>
+                  </a:txBody>
+                  <a:tcPr anchor="ctr"/>
+                </a:tc>
+                <a:extLst>
+                  <a:ext uri="{0D108BD9-81ED-4DB2-BD59-A6C34878D82A}">
+                    <a16:rowId xmlns:a16="http://schemas.microsoft.com/office/drawing/2014/main" val="3068902763"/>
+                  </a:ext>
+                </a:extLst>
+              </a:tr>
+              <a:tr h="528295">
+                <a:tc vMerge="1">
+                  <a:txBody>
+                    <a:bodyPr/>
+                    <a:lstStyle/>
+                    <a:p>
+                      <a:endParaRPr lang="en-US" baseline="30000" dirty="0"/>
+                    </a:p>
+                  </a:txBody>
+                  <a:tcPr anchor="ctr"/>
+                </a:tc>
+                <a:tc>
+                  <a:txBody>
+                    <a:bodyPr/>
+                    <a:lstStyle/>
+                    <a:p>
+                      <a:pPr algn="ctr"/>
+                      <a:r>
+                        <a:rPr lang="en-US" sz="1200" dirty="0"/>
+                        <a:t>0.05</a:t>
+                      </a:r>
+                    </a:p>
+                  </a:txBody>
+                  <a:tcPr anchor="ctr"/>
+                </a:tc>
+                <a:tc>
+                  <a:txBody>
+                    <a:bodyPr/>
+                    <a:lstStyle/>
+                    <a:p>
+                      <a:pPr algn="ctr"/>
+                      <a:r>
+                        <a:rPr lang="en-US" sz="1200" dirty="0"/>
+                        <a:t>0.18</a:t>
+                      </a:r>
+                    </a:p>
+                  </a:txBody>
+                  <a:tcPr anchor="ctr"/>
+                </a:tc>
+                <a:tc>
+                  <a:txBody>
+                    <a:bodyPr/>
+                    <a:lstStyle/>
+                    <a:p>
+                      <a:pPr algn="ctr"/>
+                      <a:r>
+                        <a:rPr lang="en-US" sz="1200" dirty="0"/>
+                        <a:t>675</a:t>
+                      </a:r>
+                    </a:p>
+                  </a:txBody>
+                  <a:tcPr anchor="ctr"/>
+                </a:tc>
+                <a:tc>
+                  <a:txBody>
+                    <a:bodyPr/>
+                    <a:lstStyle/>
+                    <a:p>
+                      <a:pPr algn="ctr"/>
+                      <a:r>
+                        <a:rPr lang="en-US" sz="1200" dirty="0"/>
+                        <a:t>1.06</a:t>
+                      </a:r>
+                    </a:p>
+                  </a:txBody>
+                  <a:tcPr anchor="ctr"/>
+                </a:tc>
+                <a:tc>
+                  <a:txBody>
+                    <a:bodyPr/>
+                    <a:lstStyle/>
+                    <a:p>
+                      <a:pPr algn="ctr"/>
+                      <a:r>
+                        <a:rPr lang="en-US" sz="1200" dirty="0"/>
+                        <a:t>unfreeze last 3 layers</a:t>
+                      </a:r>
+                    </a:p>
+                  </a:txBody>
+                  <a:tcPr anchor="ctr"/>
+                </a:tc>
+                <a:extLst>
+                  <a:ext uri="{0D108BD9-81ED-4DB2-BD59-A6C34878D82A}">
+                    <a16:rowId xmlns:a16="http://schemas.microsoft.com/office/drawing/2014/main" val="3315586637"/>
+                  </a:ext>
+                </a:extLst>
+              </a:tr>
+            </a:tbl>
+          </a:graphicData>
+        </a:graphic>
+      </p:graphicFrame>
+      <p:sp>
+        <p:nvSpPr>
+          <p:cNvPr id="4" name="TextBox 3">
+            <a:extLst>
+              <a:ext uri="{FF2B5EF4-FFF2-40B4-BE49-F238E27FC236}">
+                <a16:creationId xmlns:a16="http://schemas.microsoft.com/office/drawing/2014/main" id="{00DD7777-9BF6-823F-4376-3C2BB81EAC9C}"/>
+              </a:ext>
+            </a:extLst>
+          </p:cNvPr>
+          <p:cNvSpPr txBox="1"/>
+          <p:nvPr/>
+        </p:nvSpPr>
+        <p:spPr>
+          <a:xfrm>
+            <a:off x="389614" y="6344991"/>
+            <a:ext cx="10016781" cy="369332"/>
+          </a:xfrm>
+          <a:prstGeom prst="rect">
+            <a:avLst/>
+          </a:prstGeom>
+          <a:noFill/>
+        </p:spPr>
+        <p:txBody>
+          <a:bodyPr wrap="none" rtlCol="0">
+            <a:spAutoFit/>
+          </a:bodyPr>
+          <a:lstStyle/>
+          <a:p>
+            <a:pPr marL="342900" indent="-342900">
+              <a:buAutoNum type="arabicPeriod"/>
+            </a:pPr>
+            <a:r>
+              <a:rPr lang="en-US" dirty="0"/>
+              <a:t>Pre-train BERT on OAS dataset, then fine-tune on </a:t>
+            </a:r>
+            <a:r>
+              <a:rPr lang="en-US" dirty="0" err="1"/>
+              <a:t>scFv</a:t>
+            </a:r>
+            <a:r>
+              <a:rPr lang="en-US" dirty="0"/>
+              <a:t> train data (OAS dataset is </a:t>
+            </a:r>
+            <a:r>
+              <a:rPr lang="en-US" b="0" dirty="0">
+                <a:effectLst/>
+              </a:rPr>
+              <a:t>18061315 rows)</a:t>
+            </a:r>
+            <a:endParaRPr lang="en-US" dirty="0"/>
+          </a:p>
+        </p:txBody>
+      </p:sp>
+    </p:spTree>
+    <p:extLst>
+      <p:ext uri="{BB962C8B-B14F-4D97-AF65-F5344CB8AC3E}">
+        <p14:creationId xmlns:p14="http://schemas.microsoft.com/office/powerpoint/2010/main" val="2851684079"/>
+      </p:ext>
+    </p:extLst>
+  </p:cSld>
+  <p:clrMapOvr>
+    <a:masterClrMapping/>
+  </p:clrMapOvr>
+</p:sld>
+</file>
+
+<file path=ppt/slides/slide23.xml><?xml version="1.0" encoding="utf-8"?>
 <p:sld xmlns:a="http://schemas.openxmlformats.org/drawingml/2006/main" xmlns:r="http://schemas.openxmlformats.org/officeDocument/2006/relationships" xmlns:p="http://schemas.openxmlformats.org/presentationml/2006/main">
   <p:cSld>
     <p:spTree>
@@ -16114,7 +17007,7 @@
 </p:sld>
 </file>
 
-<file path=ppt/slides/slide23.xml><?xml version="1.0" encoding="utf-8"?>
+<file path=ppt/slides/slide24.xml><?xml version="1.0" encoding="utf-8"?>
 <p:sld xmlns:a="http://schemas.openxmlformats.org/drawingml/2006/main" xmlns:r="http://schemas.openxmlformats.org/officeDocument/2006/relationships" xmlns:p="http://schemas.openxmlformats.org/presentationml/2006/main">
   <p:cSld>
     <p:spTree>
@@ -18160,7 +19053,7 @@
 </p:sld>
 </file>
 
-<file path=ppt/slides/slide24.xml><?xml version="1.0" encoding="utf-8"?>
+<file path=ppt/slides/slide25.xml><?xml version="1.0" encoding="utf-8"?>
 <p:sld xmlns:a="http://schemas.openxmlformats.org/drawingml/2006/main" xmlns:r="http://schemas.openxmlformats.org/officeDocument/2006/relationships" xmlns:p="http://schemas.openxmlformats.org/presentationml/2006/main">
   <p:cSld>
     <p:spTree>
@@ -18839,7 +19732,7 @@
 </p:sld>
 </file>
 
-<file path=ppt/slides/slide25.xml><?xml version="1.0" encoding="utf-8"?>
+<file path=ppt/slides/slide26.xml><?xml version="1.0" encoding="utf-8"?>
 <p:sld xmlns:a="http://schemas.openxmlformats.org/drawingml/2006/main" xmlns:r="http://schemas.openxmlformats.org/officeDocument/2006/relationships" xmlns:p="http://schemas.openxmlformats.org/presentationml/2006/main">
   <p:cSld>
     <p:spTree>
@@ -20067,7 +20960,7 @@
 </p:sld>
 </file>
 
-<file path=ppt/slides/slide26.xml><?xml version="1.0" encoding="utf-8"?>
+<file path=ppt/slides/slide27.xml><?xml version="1.0" encoding="utf-8"?>
 <p:sld xmlns:a="http://schemas.openxmlformats.org/drawingml/2006/main" xmlns:r="http://schemas.openxmlformats.org/officeDocument/2006/relationships" xmlns:p="http://schemas.openxmlformats.org/presentationml/2006/main">
   <p:cSld>
     <p:spTree>
@@ -22890,7 +23783,7 @@
 </p:sld>
 </file>
 
-<file path=ppt/slides/slide27.xml><?xml version="1.0" encoding="utf-8"?>
+<file path=ppt/slides/slide28.xml><?xml version="1.0" encoding="utf-8"?>
 <p:sld xmlns:a="http://schemas.openxmlformats.org/drawingml/2006/main" xmlns:r="http://schemas.openxmlformats.org/officeDocument/2006/relationships" xmlns:p="http://schemas.openxmlformats.org/presentationml/2006/main">
   <p:cSld>
     <p:spTree>
@@ -23088,7 +23981,7 @@
 </p:sld>
 </file>
 
-<file path=ppt/slides/slide28.xml><?xml version="1.0" encoding="utf-8"?>
+<file path=ppt/slides/slide29.xml><?xml version="1.0" encoding="utf-8"?>
 <p:sld xmlns:a="http://schemas.openxmlformats.org/drawingml/2006/main" xmlns:r="http://schemas.openxmlformats.org/officeDocument/2006/relationships" xmlns:p="http://schemas.openxmlformats.org/presentationml/2006/main">
   <p:cSld>
     <p:spTree>
@@ -23266,558 +24159,6 @@
     <p:extLst>
       <p:ext uri="{BB962C8B-B14F-4D97-AF65-F5344CB8AC3E}">
         <p14:creationId xmlns:p14="http://schemas.microsoft.com/office/powerpoint/2010/main" val="441825283"/>
-      </p:ext>
-    </p:extLst>
-  </p:cSld>
-  <p:clrMapOvr>
-    <a:masterClrMapping/>
-  </p:clrMapOvr>
-</p:sld>
-</file>
-
-<file path=ppt/slides/slide29.xml><?xml version="1.0" encoding="utf-8"?>
-<p:sld xmlns:a="http://schemas.openxmlformats.org/drawingml/2006/main" xmlns:r="http://schemas.openxmlformats.org/officeDocument/2006/relationships" xmlns:p="http://schemas.openxmlformats.org/presentationml/2006/main">
-  <p:cSld>
-    <p:spTree>
-      <p:nvGrpSpPr>
-        <p:cNvPr id="1" name=""/>
-        <p:cNvGrpSpPr/>
-        <p:nvPr/>
-      </p:nvGrpSpPr>
-      <p:grpSpPr>
-        <a:xfrm>
-          <a:off x="0" y="0"/>
-          <a:ext cx="0" cy="0"/>
-          <a:chOff x="0" y="0"/>
-          <a:chExt cx="0" cy="0"/>
-        </a:xfrm>
-      </p:grpSpPr>
-      <p:sp>
-        <p:nvSpPr>
-          <p:cNvPr id="3" name="TextBox 2">
-            <a:extLst>
-              <a:ext uri="{FF2B5EF4-FFF2-40B4-BE49-F238E27FC236}">
-                <a16:creationId xmlns:a16="http://schemas.microsoft.com/office/drawing/2014/main" id="{DADAF6BF-3B4B-4B6A-1679-0DF3F3CCAEDD}"/>
-              </a:ext>
-            </a:extLst>
-          </p:cNvPr>
-          <p:cNvSpPr txBox="1"/>
-          <p:nvPr/>
-        </p:nvSpPr>
-        <p:spPr>
-          <a:xfrm>
-            <a:off x="585389" y="1508107"/>
-            <a:ext cx="7721849" cy="4401205"/>
-          </a:xfrm>
-          <a:prstGeom prst="rect">
-            <a:avLst/>
-          </a:prstGeom>
-          <a:noFill/>
-        </p:spPr>
-        <p:txBody>
-          <a:bodyPr wrap="square">
-            <a:spAutoFit/>
-          </a:bodyPr>
-          <a:lstStyle/>
-          <a:p>
-            <a:pPr marL="285750" indent="-285750">
-              <a:buFont typeface="Arial" panose="020B0604020202020204" pitchFamily="34" charset="0"/>
-              <a:buChar char="•"/>
-            </a:pPr>
-            <a:r>
-              <a:rPr lang="en-US" sz="1400" dirty="0"/>
-              <a:t>T</a:t>
-            </a:r>
-            <a:r>
-              <a:rPr lang="en-US" sz="1400" b="0" dirty="0">
-                <a:effectLst/>
-              </a:rPr>
-              <a:t>otal rows: 1109000</a:t>
-            </a:r>
-            <a:endParaRPr lang="en-US" sz="1400" dirty="0"/>
-          </a:p>
-          <a:p>
-            <a:pPr marL="285750" indent="-285750">
-              <a:buFont typeface="Arial" panose="020B0604020202020204" pitchFamily="34" charset="0"/>
-              <a:buChar char="•"/>
-            </a:pPr>
-            <a:r>
-              <a:rPr lang="en-US" sz="1400" b="0" dirty="0">
-                <a:effectLst/>
-              </a:rPr>
-              <a:t>Number of unique: 104972 (there are between 8-20 instances of each sequence)</a:t>
-            </a:r>
-          </a:p>
-          <a:p>
-            <a:pPr marL="285750" indent="-285750">
-              <a:buFont typeface="Arial" panose="020B0604020202020204" pitchFamily="34" charset="0"/>
-              <a:buChar char="•"/>
-            </a:pPr>
-            <a:endParaRPr lang="en-US" sz="1400" b="0" dirty="0">
-              <a:effectLst/>
-            </a:endParaRPr>
-          </a:p>
-          <a:p>
-            <a:pPr marL="285750" indent="-285750">
-              <a:buFont typeface="Arial" panose="020B0604020202020204" pitchFamily="34" charset="0"/>
-              <a:buChar char="•"/>
-            </a:pPr>
-            <a:r>
-              <a:rPr lang="en-US" sz="1400" b="0" dirty="0">
-                <a:effectLst/>
-              </a:rPr>
-              <a:t>Number of rows where </a:t>
-            </a:r>
-            <a:r>
-              <a:rPr lang="en-US" sz="1400" b="0" dirty="0" err="1">
-                <a:effectLst/>
-              </a:rPr>
-              <a:t>pred_Affinity</a:t>
-            </a:r>
-            <a:r>
-              <a:rPr lang="en-US" sz="1400" b="0" dirty="0">
-                <a:effectLst/>
-              </a:rPr>
-              <a:t> is not NAN : 340100</a:t>
-            </a:r>
-          </a:p>
-          <a:p>
-            <a:pPr marL="742950" lvl="1" indent="-285750">
-              <a:buFont typeface="Arial" panose="020B0604020202020204" pitchFamily="34" charset="0"/>
-              <a:buChar char="•"/>
-            </a:pPr>
-            <a:r>
-              <a:rPr lang="en-US" sz="1400" dirty="0"/>
-              <a:t>NANs are most likely non-binders (perhaps give them affinity 0?)</a:t>
-            </a:r>
-            <a:endParaRPr lang="en-US" sz="1400" b="0" dirty="0">
-              <a:effectLst/>
-            </a:endParaRPr>
-          </a:p>
-          <a:p>
-            <a:pPr marL="742950" lvl="1" indent="-285750">
-              <a:buFont typeface="Arial" panose="020B0604020202020204" pitchFamily="34" charset="0"/>
-              <a:buChar char="•"/>
-            </a:pPr>
-            <a:r>
-              <a:rPr lang="en-US" sz="1400" b="0" dirty="0">
-                <a:effectLst/>
-              </a:rPr>
-              <a:t>number of unique sequences in this subset: 87211</a:t>
-            </a:r>
-          </a:p>
-          <a:p>
-            <a:pPr marL="742950" lvl="1" indent="-285750">
-              <a:buFont typeface="Arial" panose="020B0604020202020204" pitchFamily="34" charset="0"/>
-              <a:buChar char="•"/>
-            </a:pPr>
-            <a:r>
-              <a:rPr lang="en-US" sz="1400" b="0" dirty="0">
-                <a:effectLst/>
-              </a:rPr>
-              <a:t>for each of these unique sequences, there are multiple binding affinity values</a:t>
-            </a:r>
-          </a:p>
-          <a:p>
-            <a:pPr marL="742950" lvl="1" indent="-285750">
-              <a:buFont typeface="Arial" panose="020B0604020202020204" pitchFamily="34" charset="0"/>
-              <a:buChar char="•"/>
-            </a:pPr>
-            <a:r>
-              <a:rPr lang="en-US" sz="1400" dirty="0"/>
-              <a:t>for example, </a:t>
-            </a:r>
-          </a:p>
-          <a:p>
-            <a:pPr marL="1200150" lvl="2" indent="-285750">
-              <a:buFont typeface="Arial" panose="020B0604020202020204" pitchFamily="34" charset="0"/>
-              <a:buChar char="•"/>
-            </a:pPr>
-            <a:r>
-              <a:rPr lang="en-US" sz="1400" b="0" dirty="0">
-                <a:effectLst/>
-              </a:rPr>
-              <a:t>seq 1: num affinity values = 6 , values: {</a:t>
-            </a:r>
-            <a:r>
-              <a:rPr lang="en-US" sz="1400" b="1" dirty="0">
-                <a:effectLst/>
-              </a:rPr>
-              <a:t>0.87</a:t>
-            </a:r>
-            <a:r>
-              <a:rPr lang="en-US" sz="1400" b="0" dirty="0">
-                <a:effectLst/>
-              </a:rPr>
-              <a:t>, 0.91, 0.96, </a:t>
-            </a:r>
-            <a:r>
-              <a:rPr lang="en-US" sz="1400" b="1" dirty="0">
-                <a:effectLst/>
-              </a:rPr>
-              <a:t>3.92</a:t>
-            </a:r>
-            <a:r>
-              <a:rPr lang="en-US" sz="1400" b="0" dirty="0">
-                <a:effectLst/>
-              </a:rPr>
-              <a:t>, </a:t>
-            </a:r>
-            <a:r>
-              <a:rPr lang="en-US" sz="1400" b="0" i="0" dirty="0">
-                <a:effectLst/>
-              </a:rPr>
-              <a:t>4.92, 5.72</a:t>
-            </a:r>
-            <a:r>
-              <a:rPr lang="en-US" sz="1400" b="0" dirty="0">
-                <a:effectLst/>
-              </a:rPr>
-              <a:t>}</a:t>
-            </a:r>
-          </a:p>
-          <a:p>
-            <a:pPr marL="1200150" lvl="2" indent="-285750">
-              <a:buFont typeface="Arial" panose="020B0604020202020204" pitchFamily="34" charset="0"/>
-              <a:buChar char="•"/>
-            </a:pPr>
-            <a:r>
-              <a:rPr lang="en-US" sz="1400" b="0" dirty="0">
-                <a:effectLst/>
-              </a:rPr>
-              <a:t>-RTlog10(</a:t>
-            </a:r>
-            <a:r>
-              <a:rPr lang="en-US" sz="1400" b="1" dirty="0"/>
-              <a:t>5.72</a:t>
-            </a:r>
-            <a:r>
-              <a:rPr lang="en-US" sz="1400" b="0" dirty="0">
-                <a:effectLst/>
-              </a:rPr>
-              <a:t>) = -4.88 kcal/mol binding free energy</a:t>
-            </a:r>
-          </a:p>
-          <a:p>
-            <a:pPr marL="1200150" lvl="2" indent="-285750">
-              <a:buFont typeface="Arial" panose="020B0604020202020204" pitchFamily="34" charset="0"/>
-              <a:buChar char="•"/>
-            </a:pPr>
-            <a:r>
-              <a:rPr lang="en-US" sz="1400" b="0" dirty="0">
-                <a:effectLst/>
-              </a:rPr>
-              <a:t>-RTlog10(</a:t>
-            </a:r>
-            <a:r>
-              <a:rPr lang="en-US" sz="1400" b="1" dirty="0">
-                <a:effectLst/>
-              </a:rPr>
-              <a:t>0.87</a:t>
-            </a:r>
-            <a:r>
-              <a:rPr lang="en-US" sz="1400" b="0" dirty="0">
-                <a:effectLst/>
-              </a:rPr>
-              <a:t>) = -5.36 kcal/mol</a:t>
-            </a:r>
-          </a:p>
-          <a:p>
-            <a:pPr marL="1200150" lvl="2" indent="-285750">
-              <a:buFont typeface="Arial" panose="020B0604020202020204" pitchFamily="34" charset="0"/>
-              <a:buChar char="•"/>
-            </a:pPr>
-            <a:r>
-              <a:rPr lang="en-US" sz="1400" b="0" dirty="0">
-                <a:effectLst/>
-              </a:rPr>
-              <a:t>for reference </a:t>
-            </a:r>
-            <a:r>
-              <a:rPr lang="en-US" sz="1400" b="0" dirty="0" err="1">
-                <a:effectLst/>
-              </a:rPr>
-              <a:t>kT</a:t>
-            </a:r>
-            <a:r>
-              <a:rPr lang="en-US" sz="1400" b="0" dirty="0">
-                <a:effectLst/>
-              </a:rPr>
-              <a:t> = 0.6 kcal/mol so this difference is on the order of </a:t>
-            </a:r>
-            <a:r>
-              <a:rPr lang="en-US" sz="1400" b="0" dirty="0" err="1">
-                <a:effectLst/>
-              </a:rPr>
-              <a:t>kT</a:t>
-            </a:r>
-            <a:endParaRPr lang="en-US" sz="1400" b="0" dirty="0">
-              <a:effectLst/>
-            </a:endParaRPr>
-          </a:p>
-          <a:p>
-            <a:pPr marL="285750" indent="-285750">
-              <a:buFont typeface="Arial" panose="020B0604020202020204" pitchFamily="34" charset="0"/>
-              <a:buChar char="•"/>
-            </a:pPr>
-            <a:endParaRPr lang="en-US" sz="1400" b="0" dirty="0">
-              <a:effectLst/>
-            </a:endParaRPr>
-          </a:p>
-          <a:p>
-            <a:pPr marL="285750" indent="-285750">
-              <a:buFont typeface="Arial" panose="020B0604020202020204" pitchFamily="34" charset="0"/>
-              <a:buChar char="•"/>
-            </a:pPr>
-            <a:endParaRPr lang="en-US" sz="1400" dirty="0"/>
-          </a:p>
-          <a:p>
-            <a:pPr marL="285750" indent="-285750">
-              <a:buFont typeface="Arial" panose="020B0604020202020204" pitchFamily="34" charset="0"/>
-              <a:buChar char="•"/>
-            </a:pPr>
-            <a:r>
-              <a:rPr lang="en-US" sz="1400" b="1" dirty="0">
-                <a:effectLst/>
-              </a:rPr>
-              <a:t>Final data set</a:t>
-            </a:r>
-            <a:r>
-              <a:rPr lang="en-US" sz="1400" b="0" dirty="0">
-                <a:effectLst/>
-              </a:rPr>
-              <a:t>:</a:t>
-            </a:r>
-          </a:p>
-          <a:p>
-            <a:pPr marL="742950" lvl="1" indent="-285750">
-              <a:buFont typeface="Arial" panose="020B0604020202020204" pitchFamily="34" charset="0"/>
-              <a:buChar char="•"/>
-            </a:pPr>
-            <a:r>
-              <a:rPr lang="en-US" sz="1400" dirty="0"/>
-              <a:t>87211 sequences</a:t>
-            </a:r>
-          </a:p>
-          <a:p>
-            <a:pPr marL="742950" lvl="1" indent="-285750">
-              <a:buFont typeface="Arial" panose="020B0604020202020204" pitchFamily="34" charset="0"/>
-              <a:buChar char="•"/>
-            </a:pPr>
-            <a:r>
-              <a:rPr lang="en-US" sz="1400" b="0" dirty="0">
-                <a:effectLst/>
-              </a:rPr>
-              <a:t>affinity will be the mean of each sequence’s multiple affinities</a:t>
-            </a:r>
-          </a:p>
-          <a:p>
-            <a:pPr marL="742950" lvl="1" indent="-285750">
-              <a:buFont typeface="Arial" panose="020B0604020202020204" pitchFamily="34" charset="0"/>
-              <a:buChar char="•"/>
-            </a:pPr>
-            <a:r>
-              <a:rPr lang="en-US" sz="1400" dirty="0"/>
-              <a:t>43 </a:t>
-            </a:r>
-            <a:r>
-              <a:rPr lang="en-US" sz="1400" dirty="0" err="1"/>
-              <a:t>Kd</a:t>
-            </a:r>
-            <a:r>
-              <a:rPr lang="en-US" sz="1400" dirty="0"/>
-              <a:t> values are negative (?!?!) : remove these.</a:t>
-            </a:r>
-          </a:p>
-          <a:p>
-            <a:pPr marL="742950" lvl="1" indent="-285750">
-              <a:buFont typeface="Arial" panose="020B0604020202020204" pitchFamily="34" charset="0"/>
-              <a:buChar char="•"/>
-            </a:pPr>
-            <a:r>
-              <a:rPr lang="en-US" sz="1400" b="0" dirty="0">
-                <a:effectLst/>
-              </a:rPr>
-              <a:t>Final row count = 87168</a:t>
-            </a:r>
-          </a:p>
-          <a:p>
-            <a:pPr marL="742950" lvl="1" indent="-285750">
-              <a:buFont typeface="Arial" panose="020B0604020202020204" pitchFamily="34" charset="0"/>
-              <a:buChar char="•"/>
-            </a:pPr>
-            <a:r>
-              <a:rPr lang="en-US" sz="1400" dirty="0"/>
-              <a:t>Train/test split 90/10: 78451/8717 rows, respectively</a:t>
-            </a:r>
-            <a:endParaRPr lang="en-US" sz="1400" b="0" dirty="0">
-              <a:effectLst/>
-            </a:endParaRPr>
-          </a:p>
-        </p:txBody>
-      </p:sp>
-      <p:sp>
-        <p:nvSpPr>
-          <p:cNvPr id="4" name="TextBox 3">
-            <a:extLst>
-              <a:ext uri="{FF2B5EF4-FFF2-40B4-BE49-F238E27FC236}">
-                <a16:creationId xmlns:a16="http://schemas.microsoft.com/office/drawing/2014/main" id="{066D4060-9E3D-9BF0-F507-08D8FA88FEE7}"/>
-              </a:ext>
-            </a:extLst>
-          </p:cNvPr>
-          <p:cNvSpPr txBox="1"/>
-          <p:nvPr/>
-        </p:nvSpPr>
-        <p:spPr>
-          <a:xfrm>
-            <a:off x="207034" y="258792"/>
-            <a:ext cx="2803585" cy="461665"/>
-          </a:xfrm>
-          <a:prstGeom prst="rect">
-            <a:avLst/>
-          </a:prstGeom>
-          <a:noFill/>
-        </p:spPr>
-        <p:txBody>
-          <a:bodyPr wrap="square" rtlCol="0">
-            <a:spAutoFit/>
-          </a:bodyPr>
-          <a:lstStyle/>
-          <a:p>
-            <a:r>
-              <a:rPr lang="en-US" sz="2400" dirty="0"/>
-              <a:t>Fine Tuning dataset</a:t>
-            </a:r>
-            <a:endParaRPr lang="en-US" sz="1600" dirty="0"/>
-          </a:p>
-        </p:txBody>
-      </p:sp>
-      <p:sp>
-        <p:nvSpPr>
-          <p:cNvPr id="5" name="TextBox 4">
-            <a:extLst>
-              <a:ext uri="{FF2B5EF4-FFF2-40B4-BE49-F238E27FC236}">
-                <a16:creationId xmlns:a16="http://schemas.microsoft.com/office/drawing/2014/main" id="{5C611D8E-C829-FF8A-3AF5-C19358C37D2B}"/>
-              </a:ext>
-            </a:extLst>
-          </p:cNvPr>
-          <p:cNvSpPr txBox="1"/>
-          <p:nvPr/>
-        </p:nvSpPr>
-        <p:spPr>
-          <a:xfrm>
-            <a:off x="379563" y="793630"/>
-            <a:ext cx="11177419" cy="369332"/>
-          </a:xfrm>
-          <a:prstGeom prst="rect">
-            <a:avLst/>
-          </a:prstGeom>
-          <a:noFill/>
-        </p:spPr>
-        <p:txBody>
-          <a:bodyPr wrap="none" rtlCol="0">
-            <a:spAutoFit/>
-          </a:bodyPr>
-          <a:lstStyle/>
-          <a:p>
-            <a:r>
-              <a:rPr lang="en-US" sz="1800" dirty="0">
-                <a:effectLst/>
-              </a:rPr>
-              <a:t>antibody_dataset_1 : the </a:t>
-            </a:r>
-            <a:r>
-              <a:rPr lang="en-US" sz="1800" dirty="0" err="1">
-                <a:effectLst/>
-              </a:rPr>
-              <a:t>scFv</a:t>
-            </a:r>
-            <a:r>
-              <a:rPr lang="en-US" sz="1800" dirty="0">
-                <a:effectLst/>
-              </a:rPr>
-              <a:t> antibody sequence/binding affinity data in the </a:t>
-            </a:r>
-            <a:r>
-              <a:rPr lang="en-US" sz="1800" dirty="0" err="1">
-                <a:effectLst/>
-              </a:rPr>
-              <a:t>AlphaSeq</a:t>
-            </a:r>
-            <a:r>
-              <a:rPr lang="en-US" sz="1800" dirty="0">
-                <a:effectLst/>
-              </a:rPr>
-              <a:t> experimental assay data</a:t>
-            </a:r>
-          </a:p>
-        </p:txBody>
-      </p:sp>
-      <p:sp>
-        <p:nvSpPr>
-          <p:cNvPr id="7" name="TextBox 6">
-            <a:extLst>
-              <a:ext uri="{FF2B5EF4-FFF2-40B4-BE49-F238E27FC236}">
-                <a16:creationId xmlns:a16="http://schemas.microsoft.com/office/drawing/2014/main" id="{1EB34716-DE6F-C17F-A2E0-42E7B410BA11}"/>
-              </a:ext>
-            </a:extLst>
-          </p:cNvPr>
-          <p:cNvSpPr txBox="1"/>
-          <p:nvPr/>
-        </p:nvSpPr>
-        <p:spPr>
-          <a:xfrm>
-            <a:off x="379563" y="6032207"/>
-            <a:ext cx="10191764" cy="461665"/>
-          </a:xfrm>
-          <a:prstGeom prst="rect">
-            <a:avLst/>
-          </a:prstGeom>
-          <a:noFill/>
-        </p:spPr>
-        <p:txBody>
-          <a:bodyPr wrap="none" rtlCol="0">
-            <a:spAutoFit/>
-          </a:bodyPr>
-          <a:lstStyle/>
-          <a:p>
-            <a:r>
-              <a:rPr lang="en-US" sz="1200" b="0" dirty="0">
-                <a:effectLst/>
-                <a:hlinkClick r:id="rId2"/>
-              </a:rPr>
-              <a:t>https://www.nature.com/articles/s41597-022-01779-4</a:t>
-            </a:r>
-            <a:endParaRPr lang="en-US" sz="1200" b="0" dirty="0">
-              <a:effectLst/>
-            </a:endParaRPr>
-          </a:p>
-          <a:p>
-            <a:r>
-              <a:rPr lang="en-US" sz="1200" b="0" dirty="0">
-                <a:effectLst/>
-              </a:rPr>
-              <a:t>"Of the 119,600 designs, 104,972 were successfully built into the </a:t>
-            </a:r>
-            <a:r>
-              <a:rPr lang="en-US" sz="1200" b="0" dirty="0" err="1">
-                <a:effectLst/>
-              </a:rPr>
-              <a:t>AlphaSeq</a:t>
-            </a:r>
-            <a:r>
-              <a:rPr lang="en-US" sz="1200" b="0" dirty="0">
-                <a:effectLst/>
-              </a:rPr>
-              <a:t> library and target binding was subsequently measured with 71,384 designs”</a:t>
-            </a:r>
-          </a:p>
-        </p:txBody>
-      </p:sp>
-    </p:spTree>
-    <p:extLst>
-      <p:ext uri="{BB962C8B-B14F-4D97-AF65-F5344CB8AC3E}">
-        <p14:creationId xmlns:p14="http://schemas.microsoft.com/office/powerpoint/2010/main" val="97067422"/>
       </p:ext>
     </p:extLst>
   </p:cSld>
@@ -24304,6 +24645,558 @@
       </p:grpSpPr>
       <p:sp>
         <p:nvSpPr>
+          <p:cNvPr id="3" name="TextBox 2">
+            <a:extLst>
+              <a:ext uri="{FF2B5EF4-FFF2-40B4-BE49-F238E27FC236}">
+                <a16:creationId xmlns:a16="http://schemas.microsoft.com/office/drawing/2014/main" id="{DADAF6BF-3B4B-4B6A-1679-0DF3F3CCAEDD}"/>
+              </a:ext>
+            </a:extLst>
+          </p:cNvPr>
+          <p:cNvSpPr txBox="1"/>
+          <p:nvPr/>
+        </p:nvSpPr>
+        <p:spPr>
+          <a:xfrm>
+            <a:off x="585389" y="1508107"/>
+            <a:ext cx="7721849" cy="4401205"/>
+          </a:xfrm>
+          <a:prstGeom prst="rect">
+            <a:avLst/>
+          </a:prstGeom>
+          <a:noFill/>
+        </p:spPr>
+        <p:txBody>
+          <a:bodyPr wrap="square">
+            <a:spAutoFit/>
+          </a:bodyPr>
+          <a:lstStyle/>
+          <a:p>
+            <a:pPr marL="285750" indent="-285750">
+              <a:buFont typeface="Arial" panose="020B0604020202020204" pitchFamily="34" charset="0"/>
+              <a:buChar char="•"/>
+            </a:pPr>
+            <a:r>
+              <a:rPr lang="en-US" sz="1400" dirty="0"/>
+              <a:t>T</a:t>
+            </a:r>
+            <a:r>
+              <a:rPr lang="en-US" sz="1400" b="0" dirty="0">
+                <a:effectLst/>
+              </a:rPr>
+              <a:t>otal rows: 1109000</a:t>
+            </a:r>
+            <a:endParaRPr lang="en-US" sz="1400" dirty="0"/>
+          </a:p>
+          <a:p>
+            <a:pPr marL="285750" indent="-285750">
+              <a:buFont typeface="Arial" panose="020B0604020202020204" pitchFamily="34" charset="0"/>
+              <a:buChar char="•"/>
+            </a:pPr>
+            <a:r>
+              <a:rPr lang="en-US" sz="1400" b="0" dirty="0">
+                <a:effectLst/>
+              </a:rPr>
+              <a:t>Number of unique: 104972 (there are between 8-20 instances of each sequence)</a:t>
+            </a:r>
+          </a:p>
+          <a:p>
+            <a:pPr marL="285750" indent="-285750">
+              <a:buFont typeface="Arial" panose="020B0604020202020204" pitchFamily="34" charset="0"/>
+              <a:buChar char="•"/>
+            </a:pPr>
+            <a:endParaRPr lang="en-US" sz="1400" b="0" dirty="0">
+              <a:effectLst/>
+            </a:endParaRPr>
+          </a:p>
+          <a:p>
+            <a:pPr marL="285750" indent="-285750">
+              <a:buFont typeface="Arial" panose="020B0604020202020204" pitchFamily="34" charset="0"/>
+              <a:buChar char="•"/>
+            </a:pPr>
+            <a:r>
+              <a:rPr lang="en-US" sz="1400" b="0" dirty="0">
+                <a:effectLst/>
+              </a:rPr>
+              <a:t>Number of rows where </a:t>
+            </a:r>
+            <a:r>
+              <a:rPr lang="en-US" sz="1400" b="0" dirty="0" err="1">
+                <a:effectLst/>
+              </a:rPr>
+              <a:t>pred_Affinity</a:t>
+            </a:r>
+            <a:r>
+              <a:rPr lang="en-US" sz="1400" b="0" dirty="0">
+                <a:effectLst/>
+              </a:rPr>
+              <a:t> is not NAN : 340100</a:t>
+            </a:r>
+          </a:p>
+          <a:p>
+            <a:pPr marL="742950" lvl="1" indent="-285750">
+              <a:buFont typeface="Arial" panose="020B0604020202020204" pitchFamily="34" charset="0"/>
+              <a:buChar char="•"/>
+            </a:pPr>
+            <a:r>
+              <a:rPr lang="en-US" sz="1400" dirty="0"/>
+              <a:t>NANs are most likely non-binders (perhaps give them affinity 0?)</a:t>
+            </a:r>
+            <a:endParaRPr lang="en-US" sz="1400" b="0" dirty="0">
+              <a:effectLst/>
+            </a:endParaRPr>
+          </a:p>
+          <a:p>
+            <a:pPr marL="742950" lvl="1" indent="-285750">
+              <a:buFont typeface="Arial" panose="020B0604020202020204" pitchFamily="34" charset="0"/>
+              <a:buChar char="•"/>
+            </a:pPr>
+            <a:r>
+              <a:rPr lang="en-US" sz="1400" b="0" dirty="0">
+                <a:effectLst/>
+              </a:rPr>
+              <a:t>number of unique sequences in this subset: 87211</a:t>
+            </a:r>
+          </a:p>
+          <a:p>
+            <a:pPr marL="742950" lvl="1" indent="-285750">
+              <a:buFont typeface="Arial" panose="020B0604020202020204" pitchFamily="34" charset="0"/>
+              <a:buChar char="•"/>
+            </a:pPr>
+            <a:r>
+              <a:rPr lang="en-US" sz="1400" b="0" dirty="0">
+                <a:effectLst/>
+              </a:rPr>
+              <a:t>for each of these unique sequences, there are multiple binding affinity values</a:t>
+            </a:r>
+          </a:p>
+          <a:p>
+            <a:pPr marL="742950" lvl="1" indent="-285750">
+              <a:buFont typeface="Arial" panose="020B0604020202020204" pitchFamily="34" charset="0"/>
+              <a:buChar char="•"/>
+            </a:pPr>
+            <a:r>
+              <a:rPr lang="en-US" sz="1400" dirty="0"/>
+              <a:t>for example, </a:t>
+            </a:r>
+          </a:p>
+          <a:p>
+            <a:pPr marL="1200150" lvl="2" indent="-285750">
+              <a:buFont typeface="Arial" panose="020B0604020202020204" pitchFamily="34" charset="0"/>
+              <a:buChar char="•"/>
+            </a:pPr>
+            <a:r>
+              <a:rPr lang="en-US" sz="1400" b="0" dirty="0">
+                <a:effectLst/>
+              </a:rPr>
+              <a:t>seq 1: num affinity values = 6 , values: {</a:t>
+            </a:r>
+            <a:r>
+              <a:rPr lang="en-US" sz="1400" b="1" dirty="0">
+                <a:effectLst/>
+              </a:rPr>
+              <a:t>0.87</a:t>
+            </a:r>
+            <a:r>
+              <a:rPr lang="en-US" sz="1400" b="0" dirty="0">
+                <a:effectLst/>
+              </a:rPr>
+              <a:t>, 0.91, 0.96, </a:t>
+            </a:r>
+            <a:r>
+              <a:rPr lang="en-US" sz="1400" b="1" dirty="0">
+                <a:effectLst/>
+              </a:rPr>
+              <a:t>3.92</a:t>
+            </a:r>
+            <a:r>
+              <a:rPr lang="en-US" sz="1400" b="0" dirty="0">
+                <a:effectLst/>
+              </a:rPr>
+              <a:t>, </a:t>
+            </a:r>
+            <a:r>
+              <a:rPr lang="en-US" sz="1400" b="0" i="0" dirty="0">
+                <a:effectLst/>
+              </a:rPr>
+              <a:t>4.92, 5.72</a:t>
+            </a:r>
+            <a:r>
+              <a:rPr lang="en-US" sz="1400" b="0" dirty="0">
+                <a:effectLst/>
+              </a:rPr>
+              <a:t>}</a:t>
+            </a:r>
+          </a:p>
+          <a:p>
+            <a:pPr marL="1200150" lvl="2" indent="-285750">
+              <a:buFont typeface="Arial" panose="020B0604020202020204" pitchFamily="34" charset="0"/>
+              <a:buChar char="•"/>
+            </a:pPr>
+            <a:r>
+              <a:rPr lang="en-US" sz="1400" b="0" dirty="0">
+                <a:effectLst/>
+              </a:rPr>
+              <a:t>-RTlog10(</a:t>
+            </a:r>
+            <a:r>
+              <a:rPr lang="en-US" sz="1400" b="1" dirty="0"/>
+              <a:t>5.72</a:t>
+            </a:r>
+            <a:r>
+              <a:rPr lang="en-US" sz="1400" b="0" dirty="0">
+                <a:effectLst/>
+              </a:rPr>
+              <a:t>) = -4.88 kcal/mol binding free energy</a:t>
+            </a:r>
+          </a:p>
+          <a:p>
+            <a:pPr marL="1200150" lvl="2" indent="-285750">
+              <a:buFont typeface="Arial" panose="020B0604020202020204" pitchFamily="34" charset="0"/>
+              <a:buChar char="•"/>
+            </a:pPr>
+            <a:r>
+              <a:rPr lang="en-US" sz="1400" b="0" dirty="0">
+                <a:effectLst/>
+              </a:rPr>
+              <a:t>-RTlog10(</a:t>
+            </a:r>
+            <a:r>
+              <a:rPr lang="en-US" sz="1400" b="1" dirty="0">
+                <a:effectLst/>
+              </a:rPr>
+              <a:t>0.87</a:t>
+            </a:r>
+            <a:r>
+              <a:rPr lang="en-US" sz="1400" b="0" dirty="0">
+                <a:effectLst/>
+              </a:rPr>
+              <a:t>) = -5.36 kcal/mol</a:t>
+            </a:r>
+          </a:p>
+          <a:p>
+            <a:pPr marL="1200150" lvl="2" indent="-285750">
+              <a:buFont typeface="Arial" panose="020B0604020202020204" pitchFamily="34" charset="0"/>
+              <a:buChar char="•"/>
+            </a:pPr>
+            <a:r>
+              <a:rPr lang="en-US" sz="1400" b="0" dirty="0">
+                <a:effectLst/>
+              </a:rPr>
+              <a:t>for reference </a:t>
+            </a:r>
+            <a:r>
+              <a:rPr lang="en-US" sz="1400" b="0" dirty="0" err="1">
+                <a:effectLst/>
+              </a:rPr>
+              <a:t>kT</a:t>
+            </a:r>
+            <a:r>
+              <a:rPr lang="en-US" sz="1400" b="0" dirty="0">
+                <a:effectLst/>
+              </a:rPr>
+              <a:t> = 0.6 kcal/mol so this difference is on the order of </a:t>
+            </a:r>
+            <a:r>
+              <a:rPr lang="en-US" sz="1400" b="0" dirty="0" err="1">
+                <a:effectLst/>
+              </a:rPr>
+              <a:t>kT</a:t>
+            </a:r>
+            <a:endParaRPr lang="en-US" sz="1400" b="0" dirty="0">
+              <a:effectLst/>
+            </a:endParaRPr>
+          </a:p>
+          <a:p>
+            <a:pPr marL="285750" indent="-285750">
+              <a:buFont typeface="Arial" panose="020B0604020202020204" pitchFamily="34" charset="0"/>
+              <a:buChar char="•"/>
+            </a:pPr>
+            <a:endParaRPr lang="en-US" sz="1400" b="0" dirty="0">
+              <a:effectLst/>
+            </a:endParaRPr>
+          </a:p>
+          <a:p>
+            <a:pPr marL="285750" indent="-285750">
+              <a:buFont typeface="Arial" panose="020B0604020202020204" pitchFamily="34" charset="0"/>
+              <a:buChar char="•"/>
+            </a:pPr>
+            <a:endParaRPr lang="en-US" sz="1400" dirty="0"/>
+          </a:p>
+          <a:p>
+            <a:pPr marL="285750" indent="-285750">
+              <a:buFont typeface="Arial" panose="020B0604020202020204" pitchFamily="34" charset="0"/>
+              <a:buChar char="•"/>
+            </a:pPr>
+            <a:r>
+              <a:rPr lang="en-US" sz="1400" b="1" dirty="0">
+                <a:effectLst/>
+              </a:rPr>
+              <a:t>Final data set</a:t>
+            </a:r>
+            <a:r>
+              <a:rPr lang="en-US" sz="1400" b="0" dirty="0">
+                <a:effectLst/>
+              </a:rPr>
+              <a:t>:</a:t>
+            </a:r>
+          </a:p>
+          <a:p>
+            <a:pPr marL="742950" lvl="1" indent="-285750">
+              <a:buFont typeface="Arial" panose="020B0604020202020204" pitchFamily="34" charset="0"/>
+              <a:buChar char="•"/>
+            </a:pPr>
+            <a:r>
+              <a:rPr lang="en-US" sz="1400" dirty="0"/>
+              <a:t>87211 sequences</a:t>
+            </a:r>
+          </a:p>
+          <a:p>
+            <a:pPr marL="742950" lvl="1" indent="-285750">
+              <a:buFont typeface="Arial" panose="020B0604020202020204" pitchFamily="34" charset="0"/>
+              <a:buChar char="•"/>
+            </a:pPr>
+            <a:r>
+              <a:rPr lang="en-US" sz="1400" b="0" dirty="0">
+                <a:effectLst/>
+              </a:rPr>
+              <a:t>affinity will be the mean of each sequence’s multiple affinities</a:t>
+            </a:r>
+          </a:p>
+          <a:p>
+            <a:pPr marL="742950" lvl="1" indent="-285750">
+              <a:buFont typeface="Arial" panose="020B0604020202020204" pitchFamily="34" charset="0"/>
+              <a:buChar char="•"/>
+            </a:pPr>
+            <a:r>
+              <a:rPr lang="en-US" sz="1400" dirty="0"/>
+              <a:t>43 </a:t>
+            </a:r>
+            <a:r>
+              <a:rPr lang="en-US" sz="1400" dirty="0" err="1"/>
+              <a:t>Kd</a:t>
+            </a:r>
+            <a:r>
+              <a:rPr lang="en-US" sz="1400" dirty="0"/>
+              <a:t> values are negative (?!?!) : remove these.</a:t>
+            </a:r>
+          </a:p>
+          <a:p>
+            <a:pPr marL="742950" lvl="1" indent="-285750">
+              <a:buFont typeface="Arial" panose="020B0604020202020204" pitchFamily="34" charset="0"/>
+              <a:buChar char="•"/>
+            </a:pPr>
+            <a:r>
+              <a:rPr lang="en-US" sz="1400" b="0" dirty="0">
+                <a:effectLst/>
+              </a:rPr>
+              <a:t>Final row count = 87168</a:t>
+            </a:r>
+          </a:p>
+          <a:p>
+            <a:pPr marL="742950" lvl="1" indent="-285750">
+              <a:buFont typeface="Arial" panose="020B0604020202020204" pitchFamily="34" charset="0"/>
+              <a:buChar char="•"/>
+            </a:pPr>
+            <a:r>
+              <a:rPr lang="en-US" sz="1400" dirty="0"/>
+              <a:t>Train/test split 90/10: 78451/8717 rows, respectively</a:t>
+            </a:r>
+            <a:endParaRPr lang="en-US" sz="1400" b="0" dirty="0">
+              <a:effectLst/>
+            </a:endParaRPr>
+          </a:p>
+        </p:txBody>
+      </p:sp>
+      <p:sp>
+        <p:nvSpPr>
+          <p:cNvPr id="4" name="TextBox 3">
+            <a:extLst>
+              <a:ext uri="{FF2B5EF4-FFF2-40B4-BE49-F238E27FC236}">
+                <a16:creationId xmlns:a16="http://schemas.microsoft.com/office/drawing/2014/main" id="{066D4060-9E3D-9BF0-F507-08D8FA88FEE7}"/>
+              </a:ext>
+            </a:extLst>
+          </p:cNvPr>
+          <p:cNvSpPr txBox="1"/>
+          <p:nvPr/>
+        </p:nvSpPr>
+        <p:spPr>
+          <a:xfrm>
+            <a:off x="207034" y="258792"/>
+            <a:ext cx="2803585" cy="461665"/>
+          </a:xfrm>
+          <a:prstGeom prst="rect">
+            <a:avLst/>
+          </a:prstGeom>
+          <a:noFill/>
+        </p:spPr>
+        <p:txBody>
+          <a:bodyPr wrap="square" rtlCol="0">
+            <a:spAutoFit/>
+          </a:bodyPr>
+          <a:lstStyle/>
+          <a:p>
+            <a:r>
+              <a:rPr lang="en-US" sz="2400" dirty="0"/>
+              <a:t>Fine Tuning dataset</a:t>
+            </a:r>
+            <a:endParaRPr lang="en-US" sz="1600" dirty="0"/>
+          </a:p>
+        </p:txBody>
+      </p:sp>
+      <p:sp>
+        <p:nvSpPr>
+          <p:cNvPr id="5" name="TextBox 4">
+            <a:extLst>
+              <a:ext uri="{FF2B5EF4-FFF2-40B4-BE49-F238E27FC236}">
+                <a16:creationId xmlns:a16="http://schemas.microsoft.com/office/drawing/2014/main" id="{5C611D8E-C829-FF8A-3AF5-C19358C37D2B}"/>
+              </a:ext>
+            </a:extLst>
+          </p:cNvPr>
+          <p:cNvSpPr txBox="1"/>
+          <p:nvPr/>
+        </p:nvSpPr>
+        <p:spPr>
+          <a:xfrm>
+            <a:off x="379563" y="793630"/>
+            <a:ext cx="11177419" cy="369332"/>
+          </a:xfrm>
+          <a:prstGeom prst="rect">
+            <a:avLst/>
+          </a:prstGeom>
+          <a:noFill/>
+        </p:spPr>
+        <p:txBody>
+          <a:bodyPr wrap="none" rtlCol="0">
+            <a:spAutoFit/>
+          </a:bodyPr>
+          <a:lstStyle/>
+          <a:p>
+            <a:r>
+              <a:rPr lang="en-US" sz="1800" dirty="0">
+                <a:effectLst/>
+              </a:rPr>
+              <a:t>antibody_dataset_1 : the </a:t>
+            </a:r>
+            <a:r>
+              <a:rPr lang="en-US" sz="1800" dirty="0" err="1">
+                <a:effectLst/>
+              </a:rPr>
+              <a:t>scFv</a:t>
+            </a:r>
+            <a:r>
+              <a:rPr lang="en-US" sz="1800" dirty="0">
+                <a:effectLst/>
+              </a:rPr>
+              <a:t> antibody sequence/binding affinity data in the </a:t>
+            </a:r>
+            <a:r>
+              <a:rPr lang="en-US" sz="1800" dirty="0" err="1">
+                <a:effectLst/>
+              </a:rPr>
+              <a:t>AlphaSeq</a:t>
+            </a:r>
+            <a:r>
+              <a:rPr lang="en-US" sz="1800" dirty="0">
+                <a:effectLst/>
+              </a:rPr>
+              <a:t> experimental assay data</a:t>
+            </a:r>
+          </a:p>
+        </p:txBody>
+      </p:sp>
+      <p:sp>
+        <p:nvSpPr>
+          <p:cNvPr id="7" name="TextBox 6">
+            <a:extLst>
+              <a:ext uri="{FF2B5EF4-FFF2-40B4-BE49-F238E27FC236}">
+                <a16:creationId xmlns:a16="http://schemas.microsoft.com/office/drawing/2014/main" id="{1EB34716-DE6F-C17F-A2E0-42E7B410BA11}"/>
+              </a:ext>
+            </a:extLst>
+          </p:cNvPr>
+          <p:cNvSpPr txBox="1"/>
+          <p:nvPr/>
+        </p:nvSpPr>
+        <p:spPr>
+          <a:xfrm>
+            <a:off x="379563" y="6032207"/>
+            <a:ext cx="10191764" cy="461665"/>
+          </a:xfrm>
+          <a:prstGeom prst="rect">
+            <a:avLst/>
+          </a:prstGeom>
+          <a:noFill/>
+        </p:spPr>
+        <p:txBody>
+          <a:bodyPr wrap="none" rtlCol="0">
+            <a:spAutoFit/>
+          </a:bodyPr>
+          <a:lstStyle/>
+          <a:p>
+            <a:r>
+              <a:rPr lang="en-US" sz="1200" b="0" dirty="0">
+                <a:effectLst/>
+                <a:hlinkClick r:id="rId2"/>
+              </a:rPr>
+              <a:t>https://www.nature.com/articles/s41597-022-01779-4</a:t>
+            </a:r>
+            <a:endParaRPr lang="en-US" sz="1200" b="0" dirty="0">
+              <a:effectLst/>
+            </a:endParaRPr>
+          </a:p>
+          <a:p>
+            <a:r>
+              <a:rPr lang="en-US" sz="1200" b="0" dirty="0">
+                <a:effectLst/>
+              </a:rPr>
+              <a:t>"Of the 119,600 designs, 104,972 were successfully built into the </a:t>
+            </a:r>
+            <a:r>
+              <a:rPr lang="en-US" sz="1200" b="0" dirty="0" err="1">
+                <a:effectLst/>
+              </a:rPr>
+              <a:t>AlphaSeq</a:t>
+            </a:r>
+            <a:r>
+              <a:rPr lang="en-US" sz="1200" b="0" dirty="0">
+                <a:effectLst/>
+              </a:rPr>
+              <a:t> library and target binding was subsequently measured with 71,384 designs”</a:t>
+            </a:r>
+          </a:p>
+        </p:txBody>
+      </p:sp>
+    </p:spTree>
+    <p:extLst>
+      <p:ext uri="{BB962C8B-B14F-4D97-AF65-F5344CB8AC3E}">
+        <p14:creationId xmlns:p14="http://schemas.microsoft.com/office/powerpoint/2010/main" val="97067422"/>
+      </p:ext>
+    </p:extLst>
+  </p:cSld>
+  <p:clrMapOvr>
+    <a:masterClrMapping/>
+  </p:clrMapOvr>
+</p:sld>
+</file>
+
+<file path=ppt/slides/slide31.xml><?xml version="1.0" encoding="utf-8"?>
+<p:sld xmlns:a="http://schemas.openxmlformats.org/drawingml/2006/main" xmlns:r="http://schemas.openxmlformats.org/officeDocument/2006/relationships" xmlns:p="http://schemas.openxmlformats.org/presentationml/2006/main">
+  <p:cSld>
+    <p:spTree>
+      <p:nvGrpSpPr>
+        <p:cNvPr id="1" name=""/>
+        <p:cNvGrpSpPr/>
+        <p:nvPr/>
+      </p:nvGrpSpPr>
+      <p:grpSpPr>
+        <a:xfrm>
+          <a:off x="0" y="0"/>
+          <a:ext cx="0" cy="0"/>
+          <a:chOff x="0" y="0"/>
+          <a:chExt cx="0" cy="0"/>
+        </a:xfrm>
+      </p:grpSpPr>
+      <p:sp>
+        <p:nvSpPr>
           <p:cNvPr id="2" name="TextBox 1">
             <a:extLst>
               <a:ext uri="{FF2B5EF4-FFF2-40B4-BE49-F238E27FC236}">
@@ -24593,7 +25486,7 @@
 </p:sld>
 </file>
 
-<file path=ppt/slides/slide31.xml><?xml version="1.0" encoding="utf-8"?>
+<file path=ppt/slides/slide32.xml><?xml version="1.0" encoding="utf-8"?>
 <p:sld xmlns:a="http://schemas.openxmlformats.org/drawingml/2006/main" xmlns:r="http://schemas.openxmlformats.org/officeDocument/2006/relationships" xmlns:p="http://schemas.openxmlformats.org/presentationml/2006/main">
   <p:cSld>
     <p:spTree>

--- a/Homework-aAlphaBio.pptx
+++ b/Homework-aAlphaBio.pptx
@@ -6102,7 +6102,7 @@
           <p:nvPr>
             <p:extLst>
               <p:ext uri="{D42A27DB-BD31-4B8C-83A1-F6EECF244321}">
-                <p14:modId xmlns:p14="http://schemas.microsoft.com/office/powerpoint/2010/main" val="3960947205"/>
+                <p14:modId xmlns:p14="http://schemas.microsoft.com/office/powerpoint/2010/main" val="1776903054"/>
               </p:ext>
             </p:extLst>
           </p:nvPr>
@@ -6475,6 +6475,24 @@
                     <a:lstStyle/>
                     <a:p>
                       <a:pPr algn="ctr"/>
+                      <a:r>
+                        <a:rPr lang="en-US" sz="1600" dirty="0"/>
+                        <a:t>0.20</a:t>
+                      </a:r>
+                    </a:p>
+                  </a:txBody>
+                  <a:tcPr anchor="ctr"/>
+                </a:tc>
+                <a:tc>
+                  <a:txBody>
+                    <a:bodyPr/>
+                    <a:lstStyle/>
+                    <a:p>
+                      <a:pPr algn="ctr"/>
+                      <a:r>
+                        <a:rPr lang="en-US" sz="1600"/>
+                        <a:t>0.28</a:t>
+                      </a:r>
                       <a:endParaRPr lang="en-US" sz="1600" dirty="0"/>
                     </a:p>
                   </a:txBody>
@@ -6486,18 +6504,10 @@
                     <a:lstStyle/>
                     <a:p>
                       <a:pPr algn="ctr"/>
-                      <a:endParaRPr lang="en-US" sz="1600" dirty="0"/>
-                    </a:p>
-                  </a:txBody>
-                  <a:tcPr anchor="ctr"/>
-                </a:tc>
-                <a:tc>
-                  <a:txBody>
-                    <a:bodyPr/>
-                    <a:lstStyle/>
-                    <a:p>
-                      <a:pPr algn="ctr"/>
-                      <a:endParaRPr lang="en-US" sz="1600" dirty="0"/>
+                      <a:r>
+                        <a:rPr lang="en-US" sz="1600" dirty="0"/>
+                        <a:t>2326</a:t>
+                      </a:r>
                     </a:p>
                   </a:txBody>
                   <a:tcPr anchor="ctr"/>

--- a/Homework-aAlphaBio.pptx
+++ b/Homework-aAlphaBio.pptx
@@ -9,34 +9,35 @@
     <p:sldId id="325" r:id="rId3"/>
     <p:sldId id="328" r:id="rId4"/>
     <p:sldId id="338" r:id="rId5"/>
-    <p:sldId id="333" r:id="rId6"/>
-    <p:sldId id="342" r:id="rId7"/>
-    <p:sldId id="336" r:id="rId8"/>
-    <p:sldId id="345" r:id="rId9"/>
-    <p:sldId id="344" r:id="rId10"/>
-    <p:sldId id="343" r:id="rId11"/>
-    <p:sldId id="320" r:id="rId12"/>
-    <p:sldId id="334" r:id="rId13"/>
-    <p:sldId id="348" r:id="rId14"/>
-    <p:sldId id="341" r:id="rId15"/>
-    <p:sldId id="346" r:id="rId16"/>
-    <p:sldId id="257" r:id="rId17"/>
-    <p:sldId id="258" r:id="rId18"/>
-    <p:sldId id="318" r:id="rId19"/>
-    <p:sldId id="321" r:id="rId20"/>
-    <p:sldId id="322" r:id="rId21"/>
-    <p:sldId id="347" r:id="rId22"/>
-    <p:sldId id="349" r:id="rId23"/>
-    <p:sldId id="339" r:id="rId24"/>
-    <p:sldId id="337" r:id="rId25"/>
-    <p:sldId id="330" r:id="rId26"/>
-    <p:sldId id="329" r:id="rId27"/>
-    <p:sldId id="331" r:id="rId28"/>
-    <p:sldId id="259" r:id="rId29"/>
-    <p:sldId id="260" r:id="rId30"/>
-    <p:sldId id="324" r:id="rId31"/>
-    <p:sldId id="261" r:id="rId32"/>
-    <p:sldId id="340" r:id="rId33"/>
+    <p:sldId id="350" r:id="rId6"/>
+    <p:sldId id="333" r:id="rId7"/>
+    <p:sldId id="342" r:id="rId8"/>
+    <p:sldId id="336" r:id="rId9"/>
+    <p:sldId id="345" r:id="rId10"/>
+    <p:sldId id="344" r:id="rId11"/>
+    <p:sldId id="343" r:id="rId12"/>
+    <p:sldId id="320" r:id="rId13"/>
+    <p:sldId id="334" r:id="rId14"/>
+    <p:sldId id="348" r:id="rId15"/>
+    <p:sldId id="341" r:id="rId16"/>
+    <p:sldId id="346" r:id="rId17"/>
+    <p:sldId id="257" r:id="rId18"/>
+    <p:sldId id="258" r:id="rId19"/>
+    <p:sldId id="318" r:id="rId20"/>
+    <p:sldId id="321" r:id="rId21"/>
+    <p:sldId id="322" r:id="rId22"/>
+    <p:sldId id="347" r:id="rId23"/>
+    <p:sldId id="349" r:id="rId24"/>
+    <p:sldId id="339" r:id="rId25"/>
+    <p:sldId id="337" r:id="rId26"/>
+    <p:sldId id="330" r:id="rId27"/>
+    <p:sldId id="329" r:id="rId28"/>
+    <p:sldId id="331" r:id="rId29"/>
+    <p:sldId id="259" r:id="rId30"/>
+    <p:sldId id="260" r:id="rId31"/>
+    <p:sldId id="324" r:id="rId32"/>
+    <p:sldId id="261" r:id="rId33"/>
+    <p:sldId id="340" r:id="rId34"/>
   </p:sldIdLst>
   <p:sldSz cx="12192000" cy="6858000"/>
   <p:notesSz cx="6858000" cy="9144000"/>
@@ -3441,6 +3442,285 @@
 </file>
 
 <file path=ppt/slides/slide10.xml><?xml version="1.0" encoding="utf-8"?>
+<p:sld xmlns:a="http://schemas.openxmlformats.org/drawingml/2006/main" xmlns:r="http://schemas.openxmlformats.org/officeDocument/2006/relationships" xmlns:p="http://schemas.openxmlformats.org/presentationml/2006/main">
+  <p:cSld>
+    <p:spTree>
+      <p:nvGrpSpPr>
+        <p:cNvPr id="1" name=""/>
+        <p:cNvGrpSpPr/>
+        <p:nvPr/>
+      </p:nvGrpSpPr>
+      <p:grpSpPr>
+        <a:xfrm>
+          <a:off x="0" y="0"/>
+          <a:ext cx="0" cy="0"/>
+          <a:chOff x="0" y="0"/>
+          <a:chExt cx="0" cy="0"/>
+        </a:xfrm>
+      </p:grpSpPr>
+      <p:sp>
+        <p:nvSpPr>
+          <p:cNvPr id="2" name="TextBox 1">
+            <a:extLst>
+              <a:ext uri="{FF2B5EF4-FFF2-40B4-BE49-F238E27FC236}">
+                <a16:creationId xmlns:a16="http://schemas.microsoft.com/office/drawing/2014/main" id="{1AAA1C9C-FB2D-CD2D-F85E-23BCF1A59DF3}"/>
+              </a:ext>
+            </a:extLst>
+          </p:cNvPr>
+          <p:cNvSpPr txBox="1"/>
+          <p:nvPr/>
+        </p:nvSpPr>
+        <p:spPr>
+          <a:xfrm>
+            <a:off x="173866" y="154242"/>
+            <a:ext cx="869725" cy="461665"/>
+          </a:xfrm>
+          <a:prstGeom prst="rect">
+            <a:avLst/>
+          </a:prstGeom>
+          <a:noFill/>
+        </p:spPr>
+        <p:txBody>
+          <a:bodyPr wrap="none" rtlCol="0">
+            <a:spAutoFit/>
+          </a:bodyPr>
+          <a:lstStyle/>
+          <a:p>
+            <a:r>
+              <a:rPr lang="en-US" sz="2400" dirty="0"/>
+              <a:t>BERT</a:t>
+            </a:r>
+          </a:p>
+        </p:txBody>
+      </p:sp>
+      <p:pic>
+        <p:nvPicPr>
+          <p:cNvPr id="3" name="Picture 2">
+            <a:extLst>
+              <a:ext uri="{FF2B5EF4-FFF2-40B4-BE49-F238E27FC236}">
+                <a16:creationId xmlns:a16="http://schemas.microsoft.com/office/drawing/2014/main" id="{BE5CECA3-BD7D-460A-C42C-78CB24379D4B}"/>
+              </a:ext>
+            </a:extLst>
+          </p:cNvPr>
+          <p:cNvPicPr>
+            <a:picLocks noChangeAspect="1"/>
+          </p:cNvPicPr>
+          <p:nvPr/>
+        </p:nvPicPr>
+        <p:blipFill>
+          <a:blip r:embed="rId2"/>
+          <a:stretch>
+            <a:fillRect/>
+          </a:stretch>
+        </p:blipFill>
+        <p:spPr>
+          <a:xfrm>
+            <a:off x="861748" y="1092920"/>
+            <a:ext cx="7304187" cy="2336080"/>
+          </a:xfrm>
+          <a:prstGeom prst="rect">
+            <a:avLst/>
+          </a:prstGeom>
+          <a:ln>
+            <a:solidFill>
+              <a:schemeClr val="bg2">
+                <a:lumMod val="50000"/>
+              </a:schemeClr>
+            </a:solidFill>
+          </a:ln>
+        </p:spPr>
+      </p:pic>
+      <p:pic>
+        <p:nvPicPr>
+          <p:cNvPr id="4" name="Picture 3">
+            <a:extLst>
+              <a:ext uri="{FF2B5EF4-FFF2-40B4-BE49-F238E27FC236}">
+                <a16:creationId xmlns:a16="http://schemas.microsoft.com/office/drawing/2014/main" id="{7EABCB51-05DF-27E1-4369-F5A1A2870E22}"/>
+              </a:ext>
+            </a:extLst>
+          </p:cNvPr>
+          <p:cNvPicPr>
+            <a:picLocks noChangeAspect="1"/>
+          </p:cNvPicPr>
+          <p:nvPr/>
+        </p:nvPicPr>
+        <p:blipFill>
+          <a:blip r:embed="rId3"/>
+          <a:stretch>
+            <a:fillRect/>
+          </a:stretch>
+        </p:blipFill>
+        <p:spPr>
+          <a:xfrm>
+            <a:off x="861748" y="4130129"/>
+            <a:ext cx="6536116" cy="2336079"/>
+          </a:xfrm>
+          <a:prstGeom prst="rect">
+            <a:avLst/>
+          </a:prstGeom>
+          <a:ln>
+            <a:solidFill>
+              <a:schemeClr val="bg2">
+                <a:lumMod val="50000"/>
+              </a:schemeClr>
+            </a:solidFill>
+          </a:ln>
+        </p:spPr>
+      </p:pic>
+      <p:sp>
+        <p:nvSpPr>
+          <p:cNvPr id="5" name="TextBox 4">
+            <a:extLst>
+              <a:ext uri="{FF2B5EF4-FFF2-40B4-BE49-F238E27FC236}">
+                <a16:creationId xmlns:a16="http://schemas.microsoft.com/office/drawing/2014/main" id="{CCC6965F-FA30-7F55-A393-2A31108BF7F6}"/>
+              </a:ext>
+            </a:extLst>
+          </p:cNvPr>
+          <p:cNvSpPr txBox="1"/>
+          <p:nvPr/>
+        </p:nvSpPr>
+        <p:spPr>
+          <a:xfrm>
+            <a:off x="730398" y="723588"/>
+            <a:ext cx="2191626" cy="369332"/>
+          </a:xfrm>
+          <a:prstGeom prst="rect">
+            <a:avLst/>
+          </a:prstGeom>
+          <a:noFill/>
+        </p:spPr>
+        <p:txBody>
+          <a:bodyPr wrap="none" rtlCol="0">
+            <a:spAutoFit/>
+          </a:bodyPr>
+          <a:lstStyle/>
+          <a:p>
+            <a:r>
+              <a:rPr lang="en-US" dirty="0"/>
+              <a:t>BERT pre-train, MLM</a:t>
+            </a:r>
+          </a:p>
+        </p:txBody>
+      </p:sp>
+      <p:sp>
+        <p:nvSpPr>
+          <p:cNvPr id="6" name="TextBox 5">
+            <a:extLst>
+              <a:ext uri="{FF2B5EF4-FFF2-40B4-BE49-F238E27FC236}">
+                <a16:creationId xmlns:a16="http://schemas.microsoft.com/office/drawing/2014/main" id="{8D727D7C-B7FF-B52A-765E-A4304408DCE8}"/>
+              </a:ext>
+            </a:extLst>
+          </p:cNvPr>
+          <p:cNvSpPr txBox="1"/>
+          <p:nvPr/>
+        </p:nvSpPr>
+        <p:spPr>
+          <a:xfrm>
+            <a:off x="730398" y="3760797"/>
+            <a:ext cx="1614929" cy="369332"/>
+          </a:xfrm>
+          <a:prstGeom prst="rect">
+            <a:avLst/>
+          </a:prstGeom>
+          <a:noFill/>
+        </p:spPr>
+        <p:txBody>
+          <a:bodyPr wrap="none" rtlCol="0">
+            <a:spAutoFit/>
+          </a:bodyPr>
+          <a:lstStyle/>
+          <a:p>
+            <a:r>
+              <a:rPr lang="en-US" dirty="0"/>
+              <a:t>BERT fine tune</a:t>
+            </a:r>
+          </a:p>
+        </p:txBody>
+      </p:sp>
+      <p:sp>
+        <p:nvSpPr>
+          <p:cNvPr id="7" name="TextBox 6">
+            <a:extLst>
+              <a:ext uri="{FF2B5EF4-FFF2-40B4-BE49-F238E27FC236}">
+                <a16:creationId xmlns:a16="http://schemas.microsoft.com/office/drawing/2014/main" id="{11BDF426-EAFE-3091-51B1-EF3CA945EE22}"/>
+              </a:ext>
+            </a:extLst>
+          </p:cNvPr>
+          <p:cNvSpPr txBox="1"/>
+          <p:nvPr/>
+        </p:nvSpPr>
+        <p:spPr>
+          <a:xfrm>
+            <a:off x="8297285" y="1891628"/>
+            <a:ext cx="3730445" cy="369332"/>
+          </a:xfrm>
+          <a:prstGeom prst="rect">
+            <a:avLst/>
+          </a:prstGeom>
+          <a:noFill/>
+        </p:spPr>
+        <p:txBody>
+          <a:bodyPr wrap="none" rtlCol="0">
+            <a:spAutoFit/>
+          </a:bodyPr>
+          <a:lstStyle/>
+          <a:p>
+            <a:r>
+              <a:rPr lang="en-US" dirty="0"/>
+              <a:t>Dataset: OAS light chain sequences</a:t>
+            </a:r>
+          </a:p>
+        </p:txBody>
+      </p:sp>
+      <p:sp>
+        <p:nvSpPr>
+          <p:cNvPr id="8" name="TextBox 7">
+            <a:extLst>
+              <a:ext uri="{FF2B5EF4-FFF2-40B4-BE49-F238E27FC236}">
+                <a16:creationId xmlns:a16="http://schemas.microsoft.com/office/drawing/2014/main" id="{9D9C1117-AE70-3B34-CBDC-766B07172B75}"/>
+              </a:ext>
+            </a:extLst>
+          </p:cNvPr>
+          <p:cNvSpPr txBox="1"/>
+          <p:nvPr/>
+        </p:nvSpPr>
+        <p:spPr>
+          <a:xfrm>
+            <a:off x="7529214" y="5113502"/>
+            <a:ext cx="3882153" cy="369332"/>
+          </a:xfrm>
+          <a:prstGeom prst="rect">
+            <a:avLst/>
+          </a:prstGeom>
+          <a:noFill/>
+        </p:spPr>
+        <p:txBody>
+          <a:bodyPr wrap="none" rtlCol="0">
+            <a:spAutoFit/>
+          </a:bodyPr>
+          <a:lstStyle/>
+          <a:p>
+            <a:r>
+              <a:rPr lang="en-US" dirty="0"/>
+              <a:t>Dataset:  A-Alpha Bio homework data</a:t>
+            </a:r>
+          </a:p>
+        </p:txBody>
+      </p:sp>
+    </p:spTree>
+    <p:extLst>
+      <p:ext uri="{BB962C8B-B14F-4D97-AF65-F5344CB8AC3E}">
+        <p14:creationId xmlns:p14="http://schemas.microsoft.com/office/powerpoint/2010/main" val="846146610"/>
+      </p:ext>
+    </p:extLst>
+  </p:cSld>
+  <p:clrMapOvr>
+    <a:masterClrMapping/>
+  </p:clrMapOvr>
+</p:sld>
+</file>
+
+<file path=ppt/slides/slide11.xml><?xml version="1.0" encoding="utf-8"?>
 <p:sld xmlns:a="http://schemas.openxmlformats.org/drawingml/2006/main" xmlns:r="http://schemas.openxmlformats.org/officeDocument/2006/relationships" xmlns:p="http://schemas.openxmlformats.org/presentationml/2006/main">
   <p:cSld>
     <p:spTree>
@@ -4551,7 +4831,7 @@
 </p:sld>
 </file>
 
-<file path=ppt/slides/slide11.xml><?xml version="1.0" encoding="utf-8"?>
+<file path=ppt/slides/slide12.xml><?xml version="1.0" encoding="utf-8"?>
 <p:sld xmlns:a="http://schemas.openxmlformats.org/drawingml/2006/main" xmlns:r="http://schemas.openxmlformats.org/officeDocument/2006/relationships" xmlns:p="http://schemas.openxmlformats.org/presentationml/2006/main">
   <p:cSld>
     <p:spTree>
@@ -4974,7 +5254,7 @@
 </p:sld>
 </file>
 
-<file path=ppt/slides/slide12.xml><?xml version="1.0" encoding="utf-8"?>
+<file path=ppt/slides/slide13.xml><?xml version="1.0" encoding="utf-8"?>
 <p:sld xmlns:a="http://schemas.openxmlformats.org/drawingml/2006/main" xmlns:r="http://schemas.openxmlformats.org/officeDocument/2006/relationships" xmlns:p="http://schemas.openxmlformats.org/presentationml/2006/main">
   <p:cSld>
     <p:spTree>
@@ -5904,7 +6184,7 @@
 </p:sld>
 </file>
 
-<file path=ppt/slides/slide13.xml><?xml version="1.0" encoding="utf-8"?>
+<file path=ppt/slides/slide14.xml><?xml version="1.0" encoding="utf-8"?>
 <p:sld xmlns:a="http://schemas.openxmlformats.org/drawingml/2006/main" xmlns:r="http://schemas.openxmlformats.org/officeDocument/2006/relationships" xmlns:p="http://schemas.openxmlformats.org/presentationml/2006/main">
   <p:cSld>
     <p:spTree>
@@ -6035,7 +6315,7 @@
 </p:sld>
 </file>
 
-<file path=ppt/slides/slide14.xml><?xml version="1.0" encoding="utf-8"?>
+<file path=ppt/slides/slide15.xml><?xml version="1.0" encoding="utf-8"?>
 <p:sld xmlns:a="http://schemas.openxmlformats.org/drawingml/2006/main" xmlns:r="http://schemas.openxmlformats.org/officeDocument/2006/relationships" xmlns:p="http://schemas.openxmlformats.org/presentationml/2006/main">
   <p:cSld>
     <p:spTree>
@@ -6490,10 +6770,9 @@
                     <a:p>
                       <a:pPr algn="ctr"/>
                       <a:r>
-                        <a:rPr lang="en-US" sz="1600"/>
+                        <a:rPr lang="en-US" sz="1600" dirty="0"/>
                         <a:t>0.28</a:t>
                       </a:r>
-                      <a:endParaRPr lang="en-US" sz="1600" dirty="0"/>
                     </a:p>
                   </a:txBody>
                   <a:tcPr anchor="ctr"/>
@@ -6753,7 +7032,7 @@
 </p:sld>
 </file>
 
-<file path=ppt/slides/slide15.xml><?xml version="1.0" encoding="utf-8"?>
+<file path=ppt/slides/slide16.xml><?xml version="1.0" encoding="utf-8"?>
 <p:sld xmlns:a="http://schemas.openxmlformats.org/drawingml/2006/main" xmlns:r="http://schemas.openxmlformats.org/officeDocument/2006/relationships" xmlns:p="http://schemas.openxmlformats.org/presentationml/2006/main">
   <p:cSld>
     <p:spTree>
@@ -6877,7 +7156,7 @@
 </p:sld>
 </file>
 
-<file path=ppt/slides/slide16.xml><?xml version="1.0" encoding="utf-8"?>
+<file path=ppt/slides/slide17.xml><?xml version="1.0" encoding="utf-8"?>
 <p:sld xmlns:a="http://schemas.openxmlformats.org/drawingml/2006/main" xmlns:r="http://schemas.openxmlformats.org/officeDocument/2006/relationships" xmlns:p="http://schemas.openxmlformats.org/presentationml/2006/main">
   <p:cSld>
     <p:spTree>
@@ -7280,7 +7559,7 @@
 </p:sld>
 </file>
 
-<file path=ppt/slides/slide17.xml><?xml version="1.0" encoding="utf-8"?>
+<file path=ppt/slides/slide18.xml><?xml version="1.0" encoding="utf-8"?>
 <p:sld xmlns:a="http://schemas.openxmlformats.org/drawingml/2006/main" xmlns:r="http://schemas.openxmlformats.org/officeDocument/2006/relationships" xmlns:p="http://schemas.openxmlformats.org/presentationml/2006/main">
   <p:cSld>
     <p:spTree>
@@ -7668,7 +7947,7 @@
 </p:sld>
 </file>
 
-<file path=ppt/slides/slide18.xml><?xml version="1.0" encoding="utf-8"?>
+<file path=ppt/slides/slide19.xml><?xml version="1.0" encoding="utf-8"?>
 <p:sld xmlns:a="http://schemas.openxmlformats.org/drawingml/2006/main" xmlns:r="http://schemas.openxmlformats.org/officeDocument/2006/relationships" xmlns:p="http://schemas.openxmlformats.org/presentationml/2006/main">
   <p:cSld>
     <p:spTree>
@@ -11616,7 +11895,386 @@
 </p:sld>
 </file>
 
-<file path=ppt/slides/slide19.xml><?xml version="1.0" encoding="utf-8"?>
+<file path=ppt/slides/slide2.xml><?xml version="1.0" encoding="utf-8"?>
+<p:sld xmlns:a="http://schemas.openxmlformats.org/drawingml/2006/main" xmlns:r="http://schemas.openxmlformats.org/officeDocument/2006/relationships" xmlns:p="http://schemas.openxmlformats.org/presentationml/2006/main">
+  <p:cSld>
+    <p:spTree>
+      <p:nvGrpSpPr>
+        <p:cNvPr id="1" name=""/>
+        <p:cNvGrpSpPr/>
+        <p:nvPr/>
+      </p:nvGrpSpPr>
+      <p:grpSpPr>
+        <a:xfrm>
+          <a:off x="0" y="0"/>
+          <a:ext cx="0" cy="0"/>
+          <a:chOff x="0" y="0"/>
+          <a:chExt cx="0" cy="0"/>
+        </a:xfrm>
+      </p:grpSpPr>
+      <p:sp>
+        <p:nvSpPr>
+          <p:cNvPr id="2" name="TextBox 1">
+            <a:extLst>
+              <a:ext uri="{FF2B5EF4-FFF2-40B4-BE49-F238E27FC236}">
+                <a16:creationId xmlns:a16="http://schemas.microsoft.com/office/drawing/2014/main" id="{E758D5CD-18BF-EE2E-47E2-E832CEE7988E}"/>
+              </a:ext>
+            </a:extLst>
+          </p:cNvPr>
+          <p:cNvSpPr txBox="1"/>
+          <p:nvPr/>
+        </p:nvSpPr>
+        <p:spPr>
+          <a:xfrm>
+            <a:off x="140127" y="221836"/>
+            <a:ext cx="3472810" cy="461665"/>
+          </a:xfrm>
+          <a:prstGeom prst="rect">
+            <a:avLst/>
+          </a:prstGeom>
+          <a:noFill/>
+        </p:spPr>
+        <p:txBody>
+          <a:bodyPr wrap="none" rtlCol="0">
+            <a:spAutoFit/>
+          </a:bodyPr>
+          <a:lstStyle/>
+          <a:p>
+            <a:r>
+              <a:rPr lang="en-US" sz="2400" dirty="0"/>
+              <a:t>Data set analysis – part 1</a:t>
+            </a:r>
+          </a:p>
+        </p:txBody>
+      </p:sp>
+      <p:sp>
+        <p:nvSpPr>
+          <p:cNvPr id="5" name="TextBox 4">
+            <a:extLst>
+              <a:ext uri="{FF2B5EF4-FFF2-40B4-BE49-F238E27FC236}">
+                <a16:creationId xmlns:a16="http://schemas.microsoft.com/office/drawing/2014/main" id="{9D21562E-004E-F27D-F7B0-73BC9E3A90A1}"/>
+              </a:ext>
+            </a:extLst>
+          </p:cNvPr>
+          <p:cNvSpPr txBox="1"/>
+          <p:nvPr/>
+        </p:nvSpPr>
+        <p:spPr>
+          <a:xfrm>
+            <a:off x="223864" y="961394"/>
+            <a:ext cx="7074915" cy="2800767"/>
+          </a:xfrm>
+          <a:prstGeom prst="rect">
+            <a:avLst/>
+          </a:prstGeom>
+          <a:noFill/>
+        </p:spPr>
+        <p:txBody>
+          <a:bodyPr wrap="square">
+            <a:spAutoFit/>
+          </a:bodyPr>
+          <a:lstStyle/>
+          <a:p>
+            <a:r>
+              <a:rPr lang="en-US" sz="1600" b="1" dirty="0" err="1">
+                <a:effectLst/>
+              </a:rPr>
+              <a:t>alphaseq_data_train.csv</a:t>
+            </a:r>
+            <a:endParaRPr lang="en-US" sz="1600" b="1" dirty="0">
+              <a:effectLst/>
+            </a:endParaRPr>
+          </a:p>
+          <a:p>
+            <a:pPr marL="285750" indent="-285750">
+              <a:buFont typeface="Arial" panose="020B0604020202020204" pitchFamily="34" charset="0"/>
+              <a:buChar char="•"/>
+            </a:pPr>
+            <a:r>
+              <a:rPr lang="en-US" sz="1600" b="0" dirty="0">
+                <a:effectLst/>
+              </a:rPr>
+              <a:t>29199 unique aa sequences</a:t>
+            </a:r>
+          </a:p>
+          <a:p>
+            <a:pPr marL="742950" lvl="1" indent="-285750">
+              <a:buFont typeface="Arial" panose="020B0604020202020204" pitchFamily="34" charset="0"/>
+              <a:buChar char="•"/>
+            </a:pPr>
+            <a:r>
+              <a:rPr lang="en-US" sz="1600" dirty="0"/>
+              <a:t>For duplicate entries use the mean of their </a:t>
+            </a:r>
+            <a:r>
+              <a:rPr lang="en-US" sz="1600" dirty="0" err="1"/>
+              <a:t>Kd</a:t>
+            </a:r>
+            <a:r>
+              <a:rPr lang="en-US" sz="1600" dirty="0"/>
+              <a:t> values</a:t>
+            </a:r>
+            <a:endParaRPr lang="en-US" sz="1600" b="0" dirty="0">
+              <a:effectLst/>
+            </a:endParaRPr>
+          </a:p>
+          <a:p>
+            <a:pPr marL="285750" indent="-285750">
+              <a:buFont typeface="Arial" panose="020B0604020202020204" pitchFamily="34" charset="0"/>
+              <a:buChar char="•"/>
+            </a:pPr>
+            <a:r>
+              <a:rPr lang="en-US" sz="1600" b="0" dirty="0">
+                <a:effectLst/>
+              </a:rPr>
+              <a:t>remove all entries with NANs for </a:t>
+            </a:r>
+            <a:r>
+              <a:rPr lang="en-US" sz="1600" b="0" dirty="0" err="1">
+                <a:effectLst/>
+              </a:rPr>
+              <a:t>Kd</a:t>
+            </a:r>
+            <a:endParaRPr lang="en-US" sz="1600" b="0" dirty="0">
+              <a:effectLst/>
+            </a:endParaRPr>
+          </a:p>
+          <a:p>
+            <a:pPr marL="285750" indent="-285750">
+              <a:buFont typeface="Arial" panose="020B0604020202020204" pitchFamily="34" charset="0"/>
+              <a:buChar char="•"/>
+            </a:pPr>
+            <a:r>
+              <a:rPr lang="en-US" sz="1600" b="0" dirty="0">
+                <a:effectLst/>
+              </a:rPr>
+              <a:t>all sequences are same length: 246 residues</a:t>
+            </a:r>
+          </a:p>
+          <a:p>
+            <a:pPr marL="285750" indent="-285750">
+              <a:buFont typeface="Arial" panose="020B0604020202020204" pitchFamily="34" charset="0"/>
+              <a:buChar char="•"/>
+            </a:pPr>
+            <a:r>
+              <a:rPr lang="en-US" sz="1600" dirty="0"/>
+              <a:t>plot distribution of </a:t>
+            </a:r>
+            <a:r>
+              <a:rPr lang="en-US" sz="1600" dirty="0" err="1"/>
+              <a:t>Kd</a:t>
+            </a:r>
+            <a:r>
+              <a:rPr lang="en-US" sz="1600" dirty="0"/>
+              <a:t> values</a:t>
+            </a:r>
+          </a:p>
+          <a:p>
+            <a:pPr marL="742950" lvl="1" indent="-285750">
+              <a:buFont typeface="Arial" panose="020B0604020202020204" pitchFamily="34" charset="0"/>
+              <a:buChar char="•"/>
+            </a:pPr>
+            <a:r>
+              <a:rPr lang="en-US" sz="1600" dirty="0"/>
+              <a:t>interesting bimodal distribution</a:t>
+            </a:r>
+          </a:p>
+          <a:p>
+            <a:pPr marL="742950" lvl="1" indent="-285750">
+              <a:buFont typeface="Arial" panose="020B0604020202020204" pitchFamily="34" charset="0"/>
+              <a:buChar char="•"/>
+            </a:pPr>
+            <a:r>
+              <a:rPr lang="en-US" sz="1600" dirty="0"/>
+              <a:t>diff between the two peaks is ~0.25 kcal/mol </a:t>
+            </a:r>
+            <a:r>
+              <a:rPr lang="en-US" sz="1600" dirty="0">
+                <a:latin typeface="Symbol" pitchFamily="2" charset="2"/>
+              </a:rPr>
+              <a:t>D</a:t>
+            </a:r>
+            <a:r>
+              <a:rPr lang="en-US" sz="1600" dirty="0"/>
+              <a:t>G</a:t>
+            </a:r>
+          </a:p>
+          <a:p>
+            <a:pPr marL="285750" indent="-285750">
+              <a:buFont typeface="Arial" panose="020B0604020202020204" pitchFamily="34" charset="0"/>
+              <a:buChar char="•"/>
+            </a:pPr>
+            <a:r>
+              <a:rPr lang="en-US" sz="1600" b="0" dirty="0">
+                <a:effectLst/>
+              </a:rPr>
+              <a:t>plot the variability at each residue position in the sequence</a:t>
+            </a:r>
+          </a:p>
+          <a:p>
+            <a:pPr marL="742950" lvl="1" indent="-285750">
+              <a:buFont typeface="Arial" panose="020B0604020202020204" pitchFamily="34" charset="0"/>
+              <a:buChar char="•"/>
+            </a:pPr>
+            <a:r>
+              <a:rPr lang="en-US" sz="1600" dirty="0"/>
+              <a:t>80 residue region (position 29 to 108) has all the mutations</a:t>
+            </a:r>
+          </a:p>
+          <a:p>
+            <a:pPr marL="742950" lvl="1" indent="-285750">
+              <a:buFont typeface="Arial" panose="020B0604020202020204" pitchFamily="34" charset="0"/>
+              <a:buChar char="•"/>
+            </a:pPr>
+            <a:r>
+              <a:rPr lang="en-US" sz="1600" dirty="0"/>
+              <a:t>this is likely a CDR region</a:t>
+            </a:r>
+            <a:endParaRPr lang="en-US" sz="1600" b="0" dirty="0">
+              <a:effectLst/>
+            </a:endParaRPr>
+          </a:p>
+        </p:txBody>
+      </p:sp>
+      <p:pic>
+        <p:nvPicPr>
+          <p:cNvPr id="6" name="Picture 5">
+            <a:extLst>
+              <a:ext uri="{FF2B5EF4-FFF2-40B4-BE49-F238E27FC236}">
+                <a16:creationId xmlns:a16="http://schemas.microsoft.com/office/drawing/2014/main" id="{D17F21C1-D1A7-E53B-97D8-88CD6C8728DA}"/>
+              </a:ext>
+            </a:extLst>
+          </p:cNvPr>
+          <p:cNvPicPr>
+            <a:picLocks noChangeAspect="1"/>
+          </p:cNvPicPr>
+          <p:nvPr/>
+        </p:nvPicPr>
+        <p:blipFill>
+          <a:blip r:embed="rId2"/>
+          <a:stretch>
+            <a:fillRect/>
+          </a:stretch>
+        </p:blipFill>
+        <p:spPr>
+          <a:xfrm>
+            <a:off x="8015617" y="221836"/>
+            <a:ext cx="3683000" cy="2870200"/>
+          </a:xfrm>
+          <a:prstGeom prst="rect">
+            <a:avLst/>
+          </a:prstGeom>
+        </p:spPr>
+      </p:pic>
+      <p:sp>
+        <p:nvSpPr>
+          <p:cNvPr id="7" name="TextBox 6">
+            <a:extLst>
+              <a:ext uri="{FF2B5EF4-FFF2-40B4-BE49-F238E27FC236}">
+                <a16:creationId xmlns:a16="http://schemas.microsoft.com/office/drawing/2014/main" id="{6F74E53A-581B-C458-F657-00CE2DE6B2CE}"/>
+              </a:ext>
+            </a:extLst>
+          </p:cNvPr>
+          <p:cNvSpPr txBox="1"/>
+          <p:nvPr/>
+        </p:nvSpPr>
+        <p:spPr>
+          <a:xfrm>
+            <a:off x="8556321" y="3092036"/>
+            <a:ext cx="3288946" cy="523220"/>
+          </a:xfrm>
+          <a:prstGeom prst="rect">
+            <a:avLst/>
+          </a:prstGeom>
+          <a:noFill/>
+        </p:spPr>
+        <p:txBody>
+          <a:bodyPr wrap="square" rtlCol="0">
+            <a:spAutoFit/>
+          </a:bodyPr>
+          <a:lstStyle/>
+          <a:p>
+            <a:r>
+              <a:rPr lang="en-US" sz="1400" dirty="0"/>
+              <a:t>bimodal-like distribution is similar to that reported in the Nature paper</a:t>
+            </a:r>
+          </a:p>
+        </p:txBody>
+      </p:sp>
+      <p:pic>
+        <p:nvPicPr>
+          <p:cNvPr id="8" name="Picture 7">
+            <a:extLst>
+              <a:ext uri="{FF2B5EF4-FFF2-40B4-BE49-F238E27FC236}">
+                <a16:creationId xmlns:a16="http://schemas.microsoft.com/office/drawing/2014/main" id="{6A5B62CE-2B72-1D08-0C96-9BE8BE846DFD}"/>
+              </a:ext>
+            </a:extLst>
+          </p:cNvPr>
+          <p:cNvPicPr>
+            <a:picLocks noChangeAspect="1"/>
+          </p:cNvPicPr>
+          <p:nvPr/>
+        </p:nvPicPr>
+        <p:blipFill>
+          <a:blip r:embed="rId3"/>
+          <a:stretch>
+            <a:fillRect/>
+          </a:stretch>
+        </p:blipFill>
+        <p:spPr>
+          <a:xfrm>
+            <a:off x="2078121" y="4196152"/>
+            <a:ext cx="3366402" cy="2454215"/>
+          </a:xfrm>
+          <a:prstGeom prst="rect">
+            <a:avLst/>
+          </a:prstGeom>
+        </p:spPr>
+      </p:pic>
+      <p:pic>
+        <p:nvPicPr>
+          <p:cNvPr id="9" name="Picture 8">
+            <a:extLst>
+              <a:ext uri="{FF2B5EF4-FFF2-40B4-BE49-F238E27FC236}">
+                <a16:creationId xmlns:a16="http://schemas.microsoft.com/office/drawing/2014/main" id="{3BFBCF0B-3639-7E22-34EB-3B5317FFCBF8}"/>
+              </a:ext>
+            </a:extLst>
+          </p:cNvPr>
+          <p:cNvPicPr>
+            <a:picLocks noChangeAspect="1"/>
+          </p:cNvPicPr>
+          <p:nvPr/>
+        </p:nvPicPr>
+        <p:blipFill>
+          <a:blip r:embed="rId4"/>
+          <a:stretch>
+            <a:fillRect/>
+          </a:stretch>
+        </p:blipFill>
+        <p:spPr>
+          <a:xfrm>
+            <a:off x="6631692" y="3893149"/>
+            <a:ext cx="3225425" cy="2757218"/>
+          </a:xfrm>
+          <a:prstGeom prst="rect">
+            <a:avLst/>
+          </a:prstGeom>
+        </p:spPr>
+      </p:pic>
+    </p:spTree>
+    <p:extLst>
+      <p:ext uri="{BB962C8B-B14F-4D97-AF65-F5344CB8AC3E}">
+        <p14:creationId xmlns:p14="http://schemas.microsoft.com/office/powerpoint/2010/main" val="2470448845"/>
+      </p:ext>
+    </p:extLst>
+  </p:cSld>
+  <p:clrMapOvr>
+    <a:masterClrMapping/>
+  </p:clrMapOvr>
+</p:sld>
+</file>
+
+<file path=ppt/slides/slide20.xml><?xml version="1.0" encoding="utf-8"?>
 <p:sld xmlns:a="http://schemas.openxmlformats.org/drawingml/2006/main" xmlns:r="http://schemas.openxmlformats.org/officeDocument/2006/relationships" xmlns:p="http://schemas.openxmlformats.org/presentationml/2006/main">
   <p:cSld>
     <p:spTree>
@@ -14631,386 +15289,7 @@
 </p:sld>
 </file>
 
-<file path=ppt/slides/slide2.xml><?xml version="1.0" encoding="utf-8"?>
-<p:sld xmlns:a="http://schemas.openxmlformats.org/drawingml/2006/main" xmlns:r="http://schemas.openxmlformats.org/officeDocument/2006/relationships" xmlns:p="http://schemas.openxmlformats.org/presentationml/2006/main">
-  <p:cSld>
-    <p:spTree>
-      <p:nvGrpSpPr>
-        <p:cNvPr id="1" name=""/>
-        <p:cNvGrpSpPr/>
-        <p:nvPr/>
-      </p:nvGrpSpPr>
-      <p:grpSpPr>
-        <a:xfrm>
-          <a:off x="0" y="0"/>
-          <a:ext cx="0" cy="0"/>
-          <a:chOff x="0" y="0"/>
-          <a:chExt cx="0" cy="0"/>
-        </a:xfrm>
-      </p:grpSpPr>
-      <p:sp>
-        <p:nvSpPr>
-          <p:cNvPr id="2" name="TextBox 1">
-            <a:extLst>
-              <a:ext uri="{FF2B5EF4-FFF2-40B4-BE49-F238E27FC236}">
-                <a16:creationId xmlns:a16="http://schemas.microsoft.com/office/drawing/2014/main" id="{E758D5CD-18BF-EE2E-47E2-E832CEE7988E}"/>
-              </a:ext>
-            </a:extLst>
-          </p:cNvPr>
-          <p:cNvSpPr txBox="1"/>
-          <p:nvPr/>
-        </p:nvSpPr>
-        <p:spPr>
-          <a:xfrm>
-            <a:off x="140127" y="221836"/>
-            <a:ext cx="3472810" cy="461665"/>
-          </a:xfrm>
-          <a:prstGeom prst="rect">
-            <a:avLst/>
-          </a:prstGeom>
-          <a:noFill/>
-        </p:spPr>
-        <p:txBody>
-          <a:bodyPr wrap="none" rtlCol="0">
-            <a:spAutoFit/>
-          </a:bodyPr>
-          <a:lstStyle/>
-          <a:p>
-            <a:r>
-              <a:rPr lang="en-US" sz="2400" dirty="0"/>
-              <a:t>Data set analysis – part 1</a:t>
-            </a:r>
-          </a:p>
-        </p:txBody>
-      </p:sp>
-      <p:sp>
-        <p:nvSpPr>
-          <p:cNvPr id="5" name="TextBox 4">
-            <a:extLst>
-              <a:ext uri="{FF2B5EF4-FFF2-40B4-BE49-F238E27FC236}">
-                <a16:creationId xmlns:a16="http://schemas.microsoft.com/office/drawing/2014/main" id="{9D21562E-004E-F27D-F7B0-73BC9E3A90A1}"/>
-              </a:ext>
-            </a:extLst>
-          </p:cNvPr>
-          <p:cNvSpPr txBox="1"/>
-          <p:nvPr/>
-        </p:nvSpPr>
-        <p:spPr>
-          <a:xfrm>
-            <a:off x="223864" y="961394"/>
-            <a:ext cx="7074915" cy="2800767"/>
-          </a:xfrm>
-          <a:prstGeom prst="rect">
-            <a:avLst/>
-          </a:prstGeom>
-          <a:noFill/>
-        </p:spPr>
-        <p:txBody>
-          <a:bodyPr wrap="square">
-            <a:spAutoFit/>
-          </a:bodyPr>
-          <a:lstStyle/>
-          <a:p>
-            <a:r>
-              <a:rPr lang="en-US" sz="1600" b="1" dirty="0" err="1">
-                <a:effectLst/>
-              </a:rPr>
-              <a:t>alphaseq_data_train.csv</a:t>
-            </a:r>
-            <a:endParaRPr lang="en-US" sz="1600" b="1" dirty="0">
-              <a:effectLst/>
-            </a:endParaRPr>
-          </a:p>
-          <a:p>
-            <a:pPr marL="285750" indent="-285750">
-              <a:buFont typeface="Arial" panose="020B0604020202020204" pitchFamily="34" charset="0"/>
-              <a:buChar char="•"/>
-            </a:pPr>
-            <a:r>
-              <a:rPr lang="en-US" sz="1600" b="0" dirty="0">
-                <a:effectLst/>
-              </a:rPr>
-              <a:t>29199 unique aa sequences</a:t>
-            </a:r>
-          </a:p>
-          <a:p>
-            <a:pPr marL="742950" lvl="1" indent="-285750">
-              <a:buFont typeface="Arial" panose="020B0604020202020204" pitchFamily="34" charset="0"/>
-              <a:buChar char="•"/>
-            </a:pPr>
-            <a:r>
-              <a:rPr lang="en-US" sz="1600" dirty="0"/>
-              <a:t>For duplicate entries use the mean of their </a:t>
-            </a:r>
-            <a:r>
-              <a:rPr lang="en-US" sz="1600" dirty="0" err="1"/>
-              <a:t>Kd</a:t>
-            </a:r>
-            <a:r>
-              <a:rPr lang="en-US" sz="1600" dirty="0"/>
-              <a:t> values</a:t>
-            </a:r>
-            <a:endParaRPr lang="en-US" sz="1600" b="0" dirty="0">
-              <a:effectLst/>
-            </a:endParaRPr>
-          </a:p>
-          <a:p>
-            <a:pPr marL="285750" indent="-285750">
-              <a:buFont typeface="Arial" panose="020B0604020202020204" pitchFamily="34" charset="0"/>
-              <a:buChar char="•"/>
-            </a:pPr>
-            <a:r>
-              <a:rPr lang="en-US" sz="1600" b="0" dirty="0">
-                <a:effectLst/>
-              </a:rPr>
-              <a:t>remove all entries with NANs for </a:t>
-            </a:r>
-            <a:r>
-              <a:rPr lang="en-US" sz="1600" b="0" dirty="0" err="1">
-                <a:effectLst/>
-              </a:rPr>
-              <a:t>Kd</a:t>
-            </a:r>
-            <a:endParaRPr lang="en-US" sz="1600" b="0" dirty="0">
-              <a:effectLst/>
-            </a:endParaRPr>
-          </a:p>
-          <a:p>
-            <a:pPr marL="285750" indent="-285750">
-              <a:buFont typeface="Arial" panose="020B0604020202020204" pitchFamily="34" charset="0"/>
-              <a:buChar char="•"/>
-            </a:pPr>
-            <a:r>
-              <a:rPr lang="en-US" sz="1600" b="0" dirty="0">
-                <a:effectLst/>
-              </a:rPr>
-              <a:t>all sequences are same length: 246 residues</a:t>
-            </a:r>
-          </a:p>
-          <a:p>
-            <a:pPr marL="285750" indent="-285750">
-              <a:buFont typeface="Arial" panose="020B0604020202020204" pitchFamily="34" charset="0"/>
-              <a:buChar char="•"/>
-            </a:pPr>
-            <a:r>
-              <a:rPr lang="en-US" sz="1600" dirty="0"/>
-              <a:t>plot distribution of </a:t>
-            </a:r>
-            <a:r>
-              <a:rPr lang="en-US" sz="1600" dirty="0" err="1"/>
-              <a:t>Kd</a:t>
-            </a:r>
-            <a:r>
-              <a:rPr lang="en-US" sz="1600" dirty="0"/>
-              <a:t> values</a:t>
-            </a:r>
-          </a:p>
-          <a:p>
-            <a:pPr marL="742950" lvl="1" indent="-285750">
-              <a:buFont typeface="Arial" panose="020B0604020202020204" pitchFamily="34" charset="0"/>
-              <a:buChar char="•"/>
-            </a:pPr>
-            <a:r>
-              <a:rPr lang="en-US" sz="1600" dirty="0"/>
-              <a:t>interesting bimodal distribution</a:t>
-            </a:r>
-          </a:p>
-          <a:p>
-            <a:pPr marL="742950" lvl="1" indent="-285750">
-              <a:buFont typeface="Arial" panose="020B0604020202020204" pitchFamily="34" charset="0"/>
-              <a:buChar char="•"/>
-            </a:pPr>
-            <a:r>
-              <a:rPr lang="en-US" sz="1600" dirty="0"/>
-              <a:t>diff between the two peaks is ~0.25 kcal/mol </a:t>
-            </a:r>
-            <a:r>
-              <a:rPr lang="en-US" sz="1600" dirty="0">
-                <a:latin typeface="Symbol" pitchFamily="2" charset="2"/>
-              </a:rPr>
-              <a:t>D</a:t>
-            </a:r>
-            <a:r>
-              <a:rPr lang="en-US" sz="1600" dirty="0"/>
-              <a:t>G</a:t>
-            </a:r>
-          </a:p>
-          <a:p>
-            <a:pPr marL="285750" indent="-285750">
-              <a:buFont typeface="Arial" panose="020B0604020202020204" pitchFamily="34" charset="0"/>
-              <a:buChar char="•"/>
-            </a:pPr>
-            <a:r>
-              <a:rPr lang="en-US" sz="1600" b="0" dirty="0">
-                <a:effectLst/>
-              </a:rPr>
-              <a:t>plot the variability at each residue position in the sequence</a:t>
-            </a:r>
-          </a:p>
-          <a:p>
-            <a:pPr marL="742950" lvl="1" indent="-285750">
-              <a:buFont typeface="Arial" panose="020B0604020202020204" pitchFamily="34" charset="0"/>
-              <a:buChar char="•"/>
-            </a:pPr>
-            <a:r>
-              <a:rPr lang="en-US" sz="1600" dirty="0"/>
-              <a:t>80 residue region (position 29 to 108) has all the mutations</a:t>
-            </a:r>
-          </a:p>
-          <a:p>
-            <a:pPr marL="742950" lvl="1" indent="-285750">
-              <a:buFont typeface="Arial" panose="020B0604020202020204" pitchFamily="34" charset="0"/>
-              <a:buChar char="•"/>
-            </a:pPr>
-            <a:r>
-              <a:rPr lang="en-US" sz="1600" dirty="0"/>
-              <a:t>this is likely a CDR region</a:t>
-            </a:r>
-            <a:endParaRPr lang="en-US" sz="1600" b="0" dirty="0">
-              <a:effectLst/>
-            </a:endParaRPr>
-          </a:p>
-        </p:txBody>
-      </p:sp>
-      <p:pic>
-        <p:nvPicPr>
-          <p:cNvPr id="6" name="Picture 5">
-            <a:extLst>
-              <a:ext uri="{FF2B5EF4-FFF2-40B4-BE49-F238E27FC236}">
-                <a16:creationId xmlns:a16="http://schemas.microsoft.com/office/drawing/2014/main" id="{D17F21C1-D1A7-E53B-97D8-88CD6C8728DA}"/>
-              </a:ext>
-            </a:extLst>
-          </p:cNvPr>
-          <p:cNvPicPr>
-            <a:picLocks noChangeAspect="1"/>
-          </p:cNvPicPr>
-          <p:nvPr/>
-        </p:nvPicPr>
-        <p:blipFill>
-          <a:blip r:embed="rId2"/>
-          <a:stretch>
-            <a:fillRect/>
-          </a:stretch>
-        </p:blipFill>
-        <p:spPr>
-          <a:xfrm>
-            <a:off x="8015617" y="221836"/>
-            <a:ext cx="3683000" cy="2870200"/>
-          </a:xfrm>
-          <a:prstGeom prst="rect">
-            <a:avLst/>
-          </a:prstGeom>
-        </p:spPr>
-      </p:pic>
-      <p:sp>
-        <p:nvSpPr>
-          <p:cNvPr id="7" name="TextBox 6">
-            <a:extLst>
-              <a:ext uri="{FF2B5EF4-FFF2-40B4-BE49-F238E27FC236}">
-                <a16:creationId xmlns:a16="http://schemas.microsoft.com/office/drawing/2014/main" id="{6F74E53A-581B-C458-F657-00CE2DE6B2CE}"/>
-              </a:ext>
-            </a:extLst>
-          </p:cNvPr>
-          <p:cNvSpPr txBox="1"/>
-          <p:nvPr/>
-        </p:nvSpPr>
-        <p:spPr>
-          <a:xfrm>
-            <a:off x="8556321" y="3092036"/>
-            <a:ext cx="3288946" cy="523220"/>
-          </a:xfrm>
-          <a:prstGeom prst="rect">
-            <a:avLst/>
-          </a:prstGeom>
-          <a:noFill/>
-        </p:spPr>
-        <p:txBody>
-          <a:bodyPr wrap="square" rtlCol="0">
-            <a:spAutoFit/>
-          </a:bodyPr>
-          <a:lstStyle/>
-          <a:p>
-            <a:r>
-              <a:rPr lang="en-US" sz="1400" dirty="0"/>
-              <a:t>bimodal-like distribution is similar to that reported in the Nature paper</a:t>
-            </a:r>
-          </a:p>
-        </p:txBody>
-      </p:sp>
-      <p:pic>
-        <p:nvPicPr>
-          <p:cNvPr id="8" name="Picture 7">
-            <a:extLst>
-              <a:ext uri="{FF2B5EF4-FFF2-40B4-BE49-F238E27FC236}">
-                <a16:creationId xmlns:a16="http://schemas.microsoft.com/office/drawing/2014/main" id="{6A5B62CE-2B72-1D08-0C96-9BE8BE846DFD}"/>
-              </a:ext>
-            </a:extLst>
-          </p:cNvPr>
-          <p:cNvPicPr>
-            <a:picLocks noChangeAspect="1"/>
-          </p:cNvPicPr>
-          <p:nvPr/>
-        </p:nvPicPr>
-        <p:blipFill>
-          <a:blip r:embed="rId3"/>
-          <a:stretch>
-            <a:fillRect/>
-          </a:stretch>
-        </p:blipFill>
-        <p:spPr>
-          <a:xfrm>
-            <a:off x="2078121" y="4196152"/>
-            <a:ext cx="3366402" cy="2454215"/>
-          </a:xfrm>
-          <a:prstGeom prst="rect">
-            <a:avLst/>
-          </a:prstGeom>
-        </p:spPr>
-      </p:pic>
-      <p:pic>
-        <p:nvPicPr>
-          <p:cNvPr id="9" name="Picture 8">
-            <a:extLst>
-              <a:ext uri="{FF2B5EF4-FFF2-40B4-BE49-F238E27FC236}">
-                <a16:creationId xmlns:a16="http://schemas.microsoft.com/office/drawing/2014/main" id="{3BFBCF0B-3639-7E22-34EB-3B5317FFCBF8}"/>
-              </a:ext>
-            </a:extLst>
-          </p:cNvPr>
-          <p:cNvPicPr>
-            <a:picLocks noChangeAspect="1"/>
-          </p:cNvPicPr>
-          <p:nvPr/>
-        </p:nvPicPr>
-        <p:blipFill>
-          <a:blip r:embed="rId4"/>
-          <a:stretch>
-            <a:fillRect/>
-          </a:stretch>
-        </p:blipFill>
-        <p:spPr>
-          <a:xfrm>
-            <a:off x="6631692" y="3893149"/>
-            <a:ext cx="3225425" cy="2757218"/>
-          </a:xfrm>
-          <a:prstGeom prst="rect">
-            <a:avLst/>
-          </a:prstGeom>
-        </p:spPr>
-      </p:pic>
-    </p:spTree>
-    <p:extLst>
-      <p:ext uri="{BB962C8B-B14F-4D97-AF65-F5344CB8AC3E}">
-        <p14:creationId xmlns:p14="http://schemas.microsoft.com/office/powerpoint/2010/main" val="2470448845"/>
-      </p:ext>
-    </p:extLst>
-  </p:cSld>
-  <p:clrMapOvr>
-    <a:masterClrMapping/>
-  </p:clrMapOvr>
-</p:sld>
-</file>
-
-<file path=ppt/slides/slide20.xml><?xml version="1.0" encoding="utf-8"?>
+<file path=ppt/slides/slide21.xml><?xml version="1.0" encoding="utf-8"?>
 <p:sld xmlns:a="http://schemas.openxmlformats.org/drawingml/2006/main" xmlns:r="http://schemas.openxmlformats.org/officeDocument/2006/relationships" xmlns:p="http://schemas.openxmlformats.org/presentationml/2006/main">
   <p:cSld>
     <p:spTree>
@@ -15347,7 +15626,7 @@
 </p:sld>
 </file>
 
-<file path=ppt/slides/slide21.xml><?xml version="1.0" encoding="utf-8"?>
+<file path=ppt/slides/slide22.xml><?xml version="1.0" encoding="utf-8"?>
 <p:sld xmlns:a="http://schemas.openxmlformats.org/drawingml/2006/main" xmlns:r="http://schemas.openxmlformats.org/officeDocument/2006/relationships" xmlns:p="http://schemas.openxmlformats.org/presentationml/2006/main">
   <p:cSld>
     <p:spTree>
@@ -15509,7 +15788,7 @@
 </p:sld>
 </file>
 
-<file path=ppt/slides/slide22.xml><?xml version="1.0" encoding="utf-8"?>
+<file path=ppt/slides/slide23.xml><?xml version="1.0" encoding="utf-8"?>
 <p:sld xmlns:a="http://schemas.openxmlformats.org/drawingml/2006/main" xmlns:r="http://schemas.openxmlformats.org/officeDocument/2006/relationships" xmlns:p="http://schemas.openxmlformats.org/presentationml/2006/main">
   <p:cSld>
     <p:spTree>
@@ -16754,7 +17033,7 @@
 </p:sld>
 </file>
 
-<file path=ppt/slides/slide23.xml><?xml version="1.0" encoding="utf-8"?>
+<file path=ppt/slides/slide24.xml><?xml version="1.0" encoding="utf-8"?>
 <p:sld xmlns:a="http://schemas.openxmlformats.org/drawingml/2006/main" xmlns:r="http://schemas.openxmlformats.org/officeDocument/2006/relationships" xmlns:p="http://schemas.openxmlformats.org/presentationml/2006/main">
   <p:cSld>
     <p:spTree>
@@ -17017,7 +17296,7 @@
 </p:sld>
 </file>
 
-<file path=ppt/slides/slide24.xml><?xml version="1.0" encoding="utf-8"?>
+<file path=ppt/slides/slide25.xml><?xml version="1.0" encoding="utf-8"?>
 <p:sld xmlns:a="http://schemas.openxmlformats.org/drawingml/2006/main" xmlns:r="http://schemas.openxmlformats.org/officeDocument/2006/relationships" xmlns:p="http://schemas.openxmlformats.org/presentationml/2006/main">
   <p:cSld>
     <p:spTree>
@@ -19063,7 +19342,7 @@
 </p:sld>
 </file>
 
-<file path=ppt/slides/slide25.xml><?xml version="1.0" encoding="utf-8"?>
+<file path=ppt/slides/slide26.xml><?xml version="1.0" encoding="utf-8"?>
 <p:sld xmlns:a="http://schemas.openxmlformats.org/drawingml/2006/main" xmlns:r="http://schemas.openxmlformats.org/officeDocument/2006/relationships" xmlns:p="http://schemas.openxmlformats.org/presentationml/2006/main">
   <p:cSld>
     <p:spTree>
@@ -19742,7 +20021,7 @@
 </p:sld>
 </file>
 
-<file path=ppt/slides/slide26.xml><?xml version="1.0" encoding="utf-8"?>
+<file path=ppt/slides/slide27.xml><?xml version="1.0" encoding="utf-8"?>
 <p:sld xmlns:a="http://schemas.openxmlformats.org/drawingml/2006/main" xmlns:r="http://schemas.openxmlformats.org/officeDocument/2006/relationships" xmlns:p="http://schemas.openxmlformats.org/presentationml/2006/main">
   <p:cSld>
     <p:spTree>
@@ -20970,7 +21249,7 @@
 </p:sld>
 </file>
 
-<file path=ppt/slides/slide27.xml><?xml version="1.0" encoding="utf-8"?>
+<file path=ppt/slides/slide28.xml><?xml version="1.0" encoding="utf-8"?>
 <p:sld xmlns:a="http://schemas.openxmlformats.org/drawingml/2006/main" xmlns:r="http://schemas.openxmlformats.org/officeDocument/2006/relationships" xmlns:p="http://schemas.openxmlformats.org/presentationml/2006/main">
   <p:cSld>
     <p:spTree>
@@ -23793,7 +24072,7 @@
 </p:sld>
 </file>
 
-<file path=ppt/slides/slide28.xml><?xml version="1.0" encoding="utf-8"?>
+<file path=ppt/slides/slide29.xml><?xml version="1.0" encoding="utf-8"?>
 <p:sld xmlns:a="http://schemas.openxmlformats.org/drawingml/2006/main" xmlns:r="http://schemas.openxmlformats.org/officeDocument/2006/relationships" xmlns:p="http://schemas.openxmlformats.org/presentationml/2006/main">
   <p:cSld>
     <p:spTree>
@@ -23982,193 +24261,6 @@
     <p:extLst>
       <p:ext uri="{BB962C8B-B14F-4D97-AF65-F5344CB8AC3E}">
         <p14:creationId xmlns:p14="http://schemas.microsoft.com/office/powerpoint/2010/main" val="1802993917"/>
-      </p:ext>
-    </p:extLst>
-  </p:cSld>
-  <p:clrMapOvr>
-    <a:masterClrMapping/>
-  </p:clrMapOvr>
-</p:sld>
-</file>
-
-<file path=ppt/slides/slide29.xml><?xml version="1.0" encoding="utf-8"?>
-<p:sld xmlns:a="http://schemas.openxmlformats.org/drawingml/2006/main" xmlns:r="http://schemas.openxmlformats.org/officeDocument/2006/relationships" xmlns:p="http://schemas.openxmlformats.org/presentationml/2006/main">
-  <p:cSld>
-    <p:spTree>
-      <p:nvGrpSpPr>
-        <p:cNvPr id="1" name=""/>
-        <p:cNvGrpSpPr/>
-        <p:nvPr/>
-      </p:nvGrpSpPr>
-      <p:grpSpPr>
-        <a:xfrm>
-          <a:off x="0" y="0"/>
-          <a:ext cx="0" cy="0"/>
-          <a:chOff x="0" y="0"/>
-          <a:chExt cx="0" cy="0"/>
-        </a:xfrm>
-      </p:grpSpPr>
-      <p:sp>
-        <p:nvSpPr>
-          <p:cNvPr id="2" name="TextBox 1">
-            <a:extLst>
-              <a:ext uri="{FF2B5EF4-FFF2-40B4-BE49-F238E27FC236}">
-                <a16:creationId xmlns:a16="http://schemas.microsoft.com/office/drawing/2014/main" id="{CC8E6E9A-245E-E1BD-B359-4DDAFACDC878}"/>
-              </a:ext>
-            </a:extLst>
-          </p:cNvPr>
-          <p:cNvSpPr txBox="1"/>
-          <p:nvPr/>
-        </p:nvSpPr>
-        <p:spPr>
-          <a:xfrm>
-            <a:off x="157088" y="190342"/>
-            <a:ext cx="2415661" cy="461665"/>
-          </a:xfrm>
-          <a:prstGeom prst="rect">
-            <a:avLst/>
-          </a:prstGeom>
-          <a:noFill/>
-        </p:spPr>
-        <p:txBody>
-          <a:bodyPr wrap="none" rtlCol="0">
-            <a:spAutoFit/>
-          </a:bodyPr>
-          <a:lstStyle/>
-          <a:p>
-            <a:r>
-              <a:rPr lang="en-US" sz="2400" dirty="0"/>
-              <a:t>Pre-training: loss</a:t>
-            </a:r>
-          </a:p>
-        </p:txBody>
-      </p:sp>
-      <p:sp>
-        <p:nvSpPr>
-          <p:cNvPr id="5" name="TextBox 4">
-            <a:extLst>
-              <a:ext uri="{FF2B5EF4-FFF2-40B4-BE49-F238E27FC236}">
-                <a16:creationId xmlns:a16="http://schemas.microsoft.com/office/drawing/2014/main" id="{CA101033-458C-FFAE-C6D6-2A3AFD19E36F}"/>
-              </a:ext>
-            </a:extLst>
-          </p:cNvPr>
-          <p:cNvSpPr txBox="1"/>
-          <p:nvPr/>
-        </p:nvSpPr>
-        <p:spPr>
-          <a:xfrm>
-            <a:off x="383816" y="981557"/>
-            <a:ext cx="2990499" cy="369332"/>
-          </a:xfrm>
-          <a:prstGeom prst="rect">
-            <a:avLst/>
-          </a:prstGeom>
-          <a:noFill/>
-        </p:spPr>
-        <p:txBody>
-          <a:bodyPr wrap="none" rtlCol="0">
-            <a:spAutoFit/>
-          </a:bodyPr>
-          <a:lstStyle/>
-          <a:p>
-            <a:r>
-              <a:rPr lang="en-US" dirty="0"/>
-              <a:t>Training loss:  after 5 epochs</a:t>
-            </a:r>
-          </a:p>
-        </p:txBody>
-      </p:sp>
-      <p:sp>
-        <p:nvSpPr>
-          <p:cNvPr id="6" name="TextBox 5">
-            <a:extLst>
-              <a:ext uri="{FF2B5EF4-FFF2-40B4-BE49-F238E27FC236}">
-                <a16:creationId xmlns:a16="http://schemas.microsoft.com/office/drawing/2014/main" id="{AB7D8057-A648-1BE7-1208-1BC4C3E7ED7B}"/>
-              </a:ext>
-            </a:extLst>
-          </p:cNvPr>
-          <p:cNvSpPr txBox="1"/>
-          <p:nvPr/>
-        </p:nvSpPr>
-        <p:spPr>
-          <a:xfrm>
-            <a:off x="842839" y="4583781"/>
-            <a:ext cx="2495235" cy="1200329"/>
-          </a:xfrm>
-          <a:prstGeom prst="rect">
-            <a:avLst/>
-          </a:prstGeom>
-          <a:noFill/>
-        </p:spPr>
-        <p:txBody>
-          <a:bodyPr wrap="none" rtlCol="0">
-            <a:spAutoFit/>
-          </a:bodyPr>
-          <a:lstStyle/>
-          <a:p>
-            <a:r>
-              <a:rPr lang="en-US" dirty="0"/>
-              <a:t>Stopped after 5 epochs</a:t>
-            </a:r>
-          </a:p>
-          <a:p>
-            <a:r>
-              <a:rPr lang="en-US" dirty="0"/>
-              <a:t>final losses</a:t>
-            </a:r>
-          </a:p>
-          <a:p>
-            <a:r>
-              <a:rPr lang="en-US" dirty="0"/>
-              <a:t>train:  0.32</a:t>
-            </a:r>
-          </a:p>
-          <a:p>
-            <a:r>
-              <a:rPr lang="en-US" dirty="0" err="1"/>
-              <a:t>val</a:t>
-            </a:r>
-            <a:r>
-              <a:rPr lang="en-US" dirty="0"/>
-              <a:t>:     0.31</a:t>
-            </a:r>
-          </a:p>
-        </p:txBody>
-      </p:sp>
-      <p:pic>
-        <p:nvPicPr>
-          <p:cNvPr id="10" name="Picture 9">
-            <a:extLst>
-              <a:ext uri="{FF2B5EF4-FFF2-40B4-BE49-F238E27FC236}">
-                <a16:creationId xmlns:a16="http://schemas.microsoft.com/office/drawing/2014/main" id="{F41B123F-A2C7-15D3-9DF1-EE0715CCCD8B}"/>
-              </a:ext>
-            </a:extLst>
-          </p:cNvPr>
-          <p:cNvPicPr>
-            <a:picLocks noChangeAspect="1"/>
-          </p:cNvPicPr>
-          <p:nvPr/>
-        </p:nvPicPr>
-        <p:blipFill>
-          <a:blip r:embed="rId2"/>
-          <a:stretch>
-            <a:fillRect/>
-          </a:stretch>
-        </p:blipFill>
-        <p:spPr>
-          <a:xfrm>
-            <a:off x="514897" y="1485059"/>
-            <a:ext cx="9825439" cy="2292093"/>
-          </a:xfrm>
-          <a:prstGeom prst="rect">
-            <a:avLst/>
-          </a:prstGeom>
-        </p:spPr>
-      </p:pic>
-    </p:spTree>
-    <p:extLst>
-      <p:ext uri="{BB962C8B-B14F-4D97-AF65-F5344CB8AC3E}">
-        <p14:creationId xmlns:p14="http://schemas.microsoft.com/office/powerpoint/2010/main" val="441825283"/>
       </p:ext>
     </p:extLst>
   </p:cSld>
@@ -24655,6 +24747,193 @@
       </p:grpSpPr>
       <p:sp>
         <p:nvSpPr>
+          <p:cNvPr id="2" name="TextBox 1">
+            <a:extLst>
+              <a:ext uri="{FF2B5EF4-FFF2-40B4-BE49-F238E27FC236}">
+                <a16:creationId xmlns:a16="http://schemas.microsoft.com/office/drawing/2014/main" id="{CC8E6E9A-245E-E1BD-B359-4DDAFACDC878}"/>
+              </a:ext>
+            </a:extLst>
+          </p:cNvPr>
+          <p:cNvSpPr txBox="1"/>
+          <p:nvPr/>
+        </p:nvSpPr>
+        <p:spPr>
+          <a:xfrm>
+            <a:off x="157088" y="190342"/>
+            <a:ext cx="2415661" cy="461665"/>
+          </a:xfrm>
+          <a:prstGeom prst="rect">
+            <a:avLst/>
+          </a:prstGeom>
+          <a:noFill/>
+        </p:spPr>
+        <p:txBody>
+          <a:bodyPr wrap="none" rtlCol="0">
+            <a:spAutoFit/>
+          </a:bodyPr>
+          <a:lstStyle/>
+          <a:p>
+            <a:r>
+              <a:rPr lang="en-US" sz="2400" dirty="0"/>
+              <a:t>Pre-training: loss</a:t>
+            </a:r>
+          </a:p>
+        </p:txBody>
+      </p:sp>
+      <p:sp>
+        <p:nvSpPr>
+          <p:cNvPr id="5" name="TextBox 4">
+            <a:extLst>
+              <a:ext uri="{FF2B5EF4-FFF2-40B4-BE49-F238E27FC236}">
+                <a16:creationId xmlns:a16="http://schemas.microsoft.com/office/drawing/2014/main" id="{CA101033-458C-FFAE-C6D6-2A3AFD19E36F}"/>
+              </a:ext>
+            </a:extLst>
+          </p:cNvPr>
+          <p:cNvSpPr txBox="1"/>
+          <p:nvPr/>
+        </p:nvSpPr>
+        <p:spPr>
+          <a:xfrm>
+            <a:off x="383816" y="981557"/>
+            <a:ext cx="2990499" cy="369332"/>
+          </a:xfrm>
+          <a:prstGeom prst="rect">
+            <a:avLst/>
+          </a:prstGeom>
+          <a:noFill/>
+        </p:spPr>
+        <p:txBody>
+          <a:bodyPr wrap="none" rtlCol="0">
+            <a:spAutoFit/>
+          </a:bodyPr>
+          <a:lstStyle/>
+          <a:p>
+            <a:r>
+              <a:rPr lang="en-US" dirty="0"/>
+              <a:t>Training loss:  after 5 epochs</a:t>
+            </a:r>
+          </a:p>
+        </p:txBody>
+      </p:sp>
+      <p:sp>
+        <p:nvSpPr>
+          <p:cNvPr id="6" name="TextBox 5">
+            <a:extLst>
+              <a:ext uri="{FF2B5EF4-FFF2-40B4-BE49-F238E27FC236}">
+                <a16:creationId xmlns:a16="http://schemas.microsoft.com/office/drawing/2014/main" id="{AB7D8057-A648-1BE7-1208-1BC4C3E7ED7B}"/>
+              </a:ext>
+            </a:extLst>
+          </p:cNvPr>
+          <p:cNvSpPr txBox="1"/>
+          <p:nvPr/>
+        </p:nvSpPr>
+        <p:spPr>
+          <a:xfrm>
+            <a:off x="842839" y="4583781"/>
+            <a:ext cx="2495235" cy="1200329"/>
+          </a:xfrm>
+          <a:prstGeom prst="rect">
+            <a:avLst/>
+          </a:prstGeom>
+          <a:noFill/>
+        </p:spPr>
+        <p:txBody>
+          <a:bodyPr wrap="none" rtlCol="0">
+            <a:spAutoFit/>
+          </a:bodyPr>
+          <a:lstStyle/>
+          <a:p>
+            <a:r>
+              <a:rPr lang="en-US" dirty="0"/>
+              <a:t>Stopped after 5 epochs</a:t>
+            </a:r>
+          </a:p>
+          <a:p>
+            <a:r>
+              <a:rPr lang="en-US" dirty="0"/>
+              <a:t>final losses</a:t>
+            </a:r>
+          </a:p>
+          <a:p>
+            <a:r>
+              <a:rPr lang="en-US" dirty="0"/>
+              <a:t>train:  0.32</a:t>
+            </a:r>
+          </a:p>
+          <a:p>
+            <a:r>
+              <a:rPr lang="en-US" dirty="0" err="1"/>
+              <a:t>val</a:t>
+            </a:r>
+            <a:r>
+              <a:rPr lang="en-US" dirty="0"/>
+              <a:t>:     0.31</a:t>
+            </a:r>
+          </a:p>
+        </p:txBody>
+      </p:sp>
+      <p:pic>
+        <p:nvPicPr>
+          <p:cNvPr id="10" name="Picture 9">
+            <a:extLst>
+              <a:ext uri="{FF2B5EF4-FFF2-40B4-BE49-F238E27FC236}">
+                <a16:creationId xmlns:a16="http://schemas.microsoft.com/office/drawing/2014/main" id="{F41B123F-A2C7-15D3-9DF1-EE0715CCCD8B}"/>
+              </a:ext>
+            </a:extLst>
+          </p:cNvPr>
+          <p:cNvPicPr>
+            <a:picLocks noChangeAspect="1"/>
+          </p:cNvPicPr>
+          <p:nvPr/>
+        </p:nvPicPr>
+        <p:blipFill>
+          <a:blip r:embed="rId2"/>
+          <a:stretch>
+            <a:fillRect/>
+          </a:stretch>
+        </p:blipFill>
+        <p:spPr>
+          <a:xfrm>
+            <a:off x="514897" y="1485059"/>
+            <a:ext cx="9825439" cy="2292093"/>
+          </a:xfrm>
+          <a:prstGeom prst="rect">
+            <a:avLst/>
+          </a:prstGeom>
+        </p:spPr>
+      </p:pic>
+    </p:spTree>
+    <p:extLst>
+      <p:ext uri="{BB962C8B-B14F-4D97-AF65-F5344CB8AC3E}">
+        <p14:creationId xmlns:p14="http://schemas.microsoft.com/office/powerpoint/2010/main" val="441825283"/>
+      </p:ext>
+    </p:extLst>
+  </p:cSld>
+  <p:clrMapOvr>
+    <a:masterClrMapping/>
+  </p:clrMapOvr>
+</p:sld>
+</file>
+
+<file path=ppt/slides/slide31.xml><?xml version="1.0" encoding="utf-8"?>
+<p:sld xmlns:a="http://schemas.openxmlformats.org/drawingml/2006/main" xmlns:r="http://schemas.openxmlformats.org/officeDocument/2006/relationships" xmlns:p="http://schemas.openxmlformats.org/presentationml/2006/main">
+  <p:cSld>
+    <p:spTree>
+      <p:nvGrpSpPr>
+        <p:cNvPr id="1" name=""/>
+        <p:cNvGrpSpPr/>
+        <p:nvPr/>
+      </p:nvGrpSpPr>
+      <p:grpSpPr>
+        <a:xfrm>
+          <a:off x="0" y="0"/>
+          <a:ext cx="0" cy="0"/>
+          <a:chOff x="0" y="0"/>
+          <a:chExt cx="0" cy="0"/>
+        </a:xfrm>
+      </p:grpSpPr>
+      <p:sp>
+        <p:nvSpPr>
           <p:cNvPr id="3" name="TextBox 2">
             <a:extLst>
               <a:ext uri="{FF2B5EF4-FFF2-40B4-BE49-F238E27FC236}">
@@ -25188,7 +25467,7 @@
 </p:sld>
 </file>
 
-<file path=ppt/slides/slide31.xml><?xml version="1.0" encoding="utf-8"?>
+<file path=ppt/slides/slide32.xml><?xml version="1.0" encoding="utf-8"?>
 <p:sld xmlns:a="http://schemas.openxmlformats.org/drawingml/2006/main" xmlns:r="http://schemas.openxmlformats.org/officeDocument/2006/relationships" xmlns:p="http://schemas.openxmlformats.org/presentationml/2006/main">
   <p:cSld>
     <p:spTree>
@@ -25496,7 +25775,7 @@
 </p:sld>
 </file>
 
-<file path=ppt/slides/slide32.xml><?xml version="1.0" encoding="utf-8"?>
+<file path=ppt/slides/slide33.xml><?xml version="1.0" encoding="utf-8"?>
 <p:sld xmlns:a="http://schemas.openxmlformats.org/drawingml/2006/main" xmlns:r="http://schemas.openxmlformats.org/officeDocument/2006/relationships" xmlns:p="http://schemas.openxmlformats.org/presentationml/2006/main">
   <p:cSld>
     <p:spTree>
@@ -26562,6 +26841,170 @@
           <p:cNvPr id="2" name="TextBox 1">
             <a:extLst>
               <a:ext uri="{FF2B5EF4-FFF2-40B4-BE49-F238E27FC236}">
+                <a16:creationId xmlns:a16="http://schemas.microsoft.com/office/drawing/2014/main" id="{9F382E66-7375-A439-64A2-669CD1B2CFA6}"/>
+              </a:ext>
+            </a:extLst>
+          </p:cNvPr>
+          <p:cNvSpPr txBox="1"/>
+          <p:nvPr/>
+        </p:nvSpPr>
+        <p:spPr>
+          <a:xfrm>
+            <a:off x="146649" y="184362"/>
+            <a:ext cx="2466124" cy="461665"/>
+          </a:xfrm>
+          <a:prstGeom prst="rect">
+            <a:avLst/>
+          </a:prstGeom>
+          <a:noFill/>
+        </p:spPr>
+        <p:txBody>
+          <a:bodyPr wrap="none" rtlCol="0">
+            <a:spAutoFit/>
+          </a:bodyPr>
+          <a:lstStyle/>
+          <a:p>
+            <a:r>
+              <a:rPr lang="en-US" sz="2400" dirty="0"/>
+              <a:t>Training Datasets</a:t>
+            </a:r>
+          </a:p>
+        </p:txBody>
+      </p:sp>
+      <p:sp>
+        <p:nvSpPr>
+          <p:cNvPr id="3" name="TextBox 2">
+            <a:extLst>
+              <a:ext uri="{FF2B5EF4-FFF2-40B4-BE49-F238E27FC236}">
+                <a16:creationId xmlns:a16="http://schemas.microsoft.com/office/drawing/2014/main" id="{3C68C520-266A-816C-EA7B-D11547DD2330}"/>
+              </a:ext>
+            </a:extLst>
+          </p:cNvPr>
+          <p:cNvSpPr txBox="1"/>
+          <p:nvPr/>
+        </p:nvSpPr>
+        <p:spPr>
+          <a:xfrm>
+            <a:off x="612475" y="992038"/>
+            <a:ext cx="6320769" cy="1754326"/>
+          </a:xfrm>
+          <a:prstGeom prst="rect">
+            <a:avLst/>
+          </a:prstGeom>
+          <a:noFill/>
+        </p:spPr>
+        <p:txBody>
+          <a:bodyPr wrap="none" rtlCol="0">
+            <a:spAutoFit/>
+          </a:bodyPr>
+          <a:lstStyle/>
+          <a:p>
+            <a:pPr marL="285750" indent="-285750">
+              <a:buFont typeface="Arial" panose="020B0604020202020204" pitchFamily="34" charset="0"/>
+              <a:buChar char="•"/>
+            </a:pPr>
+            <a:r>
+              <a:rPr lang="en-US" dirty="0"/>
+              <a:t>Clean-3 dataset is small: increased risk of overfitting</a:t>
+            </a:r>
+          </a:p>
+          <a:p>
+            <a:pPr marL="285750" indent="-285750">
+              <a:buFont typeface="Arial" panose="020B0604020202020204" pitchFamily="34" charset="0"/>
+              <a:buChar char="•"/>
+            </a:pPr>
+            <a:endParaRPr lang="en-US" dirty="0"/>
+          </a:p>
+          <a:p>
+            <a:pPr marL="285750" indent="-285750">
+              <a:buFont typeface="Arial" panose="020B0604020202020204" pitchFamily="34" charset="0"/>
+              <a:buChar char="•"/>
+            </a:pPr>
+            <a:r>
+              <a:rPr lang="en-US" dirty="0"/>
+              <a:t>Some regularization techniques used:</a:t>
+            </a:r>
+          </a:p>
+          <a:p>
+            <a:pPr marL="742950" lvl="1" indent="-285750">
+              <a:buFont typeface="Arial" panose="020B0604020202020204" pitchFamily="34" charset="0"/>
+              <a:buChar char="•"/>
+            </a:pPr>
+            <a:r>
+              <a:rPr lang="en-US" dirty="0"/>
+              <a:t>flip the aa-sequence back-to-front</a:t>
+            </a:r>
+          </a:p>
+          <a:p>
+            <a:pPr marL="742950" lvl="1" indent="-285750">
+              <a:buFont typeface="Arial" panose="020B0604020202020204" pitchFamily="34" charset="0"/>
+              <a:buChar char="•"/>
+            </a:pPr>
+            <a:r>
+              <a:rPr lang="en-US" dirty="0"/>
+              <a:t>replace aa residue(s) with other randomly chosen </a:t>
+            </a:r>
+            <a:r>
+              <a:rPr lang="en-US" dirty="0" err="1"/>
+              <a:t>aa’s</a:t>
+            </a:r>
+            <a:r>
+              <a:rPr lang="en-US" dirty="0"/>
+              <a:t> </a:t>
+            </a:r>
+          </a:p>
+          <a:p>
+            <a:pPr marL="1200150" lvl="2" indent="-285750">
+              <a:buFont typeface="Arial" panose="020B0604020202020204" pitchFamily="34" charset="0"/>
+              <a:buChar char="•"/>
+            </a:pPr>
+            <a:r>
+              <a:rPr lang="en-US" dirty="0"/>
+              <a:t>replace with other aa </a:t>
+            </a:r>
+            <a:r>
+              <a:rPr lang="en-US"/>
+              <a:t>or just a MASK token?</a:t>
+            </a:r>
+            <a:endParaRPr lang="en-US" dirty="0"/>
+          </a:p>
+        </p:txBody>
+      </p:sp>
+    </p:spTree>
+    <p:extLst>
+      <p:ext uri="{BB962C8B-B14F-4D97-AF65-F5344CB8AC3E}">
+        <p14:creationId xmlns:p14="http://schemas.microsoft.com/office/powerpoint/2010/main" val="3004767850"/>
+      </p:ext>
+    </p:extLst>
+  </p:cSld>
+  <p:clrMapOvr>
+    <a:masterClrMapping/>
+  </p:clrMapOvr>
+</p:sld>
+</file>
+
+<file path=ppt/slides/slide6.xml><?xml version="1.0" encoding="utf-8"?>
+<p:sld xmlns:a="http://schemas.openxmlformats.org/drawingml/2006/main" xmlns:r="http://schemas.openxmlformats.org/officeDocument/2006/relationships" xmlns:p="http://schemas.openxmlformats.org/presentationml/2006/main">
+  <p:cSld>
+    <p:spTree>
+      <p:nvGrpSpPr>
+        <p:cNvPr id="1" name=""/>
+        <p:cNvGrpSpPr/>
+        <p:nvPr/>
+      </p:nvGrpSpPr>
+      <p:grpSpPr>
+        <a:xfrm>
+          <a:off x="0" y="0"/>
+          <a:ext cx="0" cy="0"/>
+          <a:chOff x="0" y="0"/>
+          <a:chExt cx="0" cy="0"/>
+        </a:xfrm>
+      </p:grpSpPr>
+      <p:sp>
+        <p:nvSpPr>
+          <p:cNvPr id="2" name="TextBox 1">
+            <a:extLst>
+              <a:ext uri="{FF2B5EF4-FFF2-40B4-BE49-F238E27FC236}">
                 <a16:creationId xmlns:a16="http://schemas.microsoft.com/office/drawing/2014/main" id="{675F1028-AF52-FC77-F2B9-55008923521F}"/>
               </a:ext>
             </a:extLst>
@@ -27130,7 +27573,7 @@
 </p:sld>
 </file>
 
-<file path=ppt/slides/slide6.xml><?xml version="1.0" encoding="utf-8"?>
+<file path=ppt/slides/slide7.xml><?xml version="1.0" encoding="utf-8"?>
 <p:sld xmlns:a="http://schemas.openxmlformats.org/drawingml/2006/main" xmlns:r="http://schemas.openxmlformats.org/officeDocument/2006/relationships" xmlns:p="http://schemas.openxmlformats.org/presentationml/2006/main">
   <p:cSld>
     <p:spTree>
@@ -27312,7 +27755,7 @@
 </p:sld>
 </file>
 
-<file path=ppt/slides/slide7.xml><?xml version="1.0" encoding="utf-8"?>
+<file path=ppt/slides/slide8.xml><?xml version="1.0" encoding="utf-8"?>
 <p:sld xmlns:a="http://schemas.openxmlformats.org/drawingml/2006/main" xmlns:r="http://schemas.openxmlformats.org/officeDocument/2006/relationships" xmlns:p="http://schemas.openxmlformats.org/presentationml/2006/main">
   <p:cSld>
     <p:spTree>
@@ -27842,7 +28285,7 @@
 </p:sld>
 </file>
 
-<file path=ppt/slides/slide8.xml><?xml version="1.0" encoding="utf-8"?>
+<file path=ppt/slides/slide9.xml><?xml version="1.0" encoding="utf-8"?>
 <p:sld xmlns:a="http://schemas.openxmlformats.org/drawingml/2006/main" xmlns:r="http://schemas.openxmlformats.org/officeDocument/2006/relationships" xmlns:p="http://schemas.openxmlformats.org/presentationml/2006/main">
   <p:cSld>
     <p:spTree>
@@ -28286,285 +28729,6 @@
     <p:extLst>
       <p:ext uri="{BB962C8B-B14F-4D97-AF65-F5344CB8AC3E}">
         <p14:creationId xmlns:p14="http://schemas.microsoft.com/office/powerpoint/2010/main" val="4139768711"/>
-      </p:ext>
-    </p:extLst>
-  </p:cSld>
-  <p:clrMapOvr>
-    <a:masterClrMapping/>
-  </p:clrMapOvr>
-</p:sld>
-</file>
-
-<file path=ppt/slides/slide9.xml><?xml version="1.0" encoding="utf-8"?>
-<p:sld xmlns:a="http://schemas.openxmlformats.org/drawingml/2006/main" xmlns:r="http://schemas.openxmlformats.org/officeDocument/2006/relationships" xmlns:p="http://schemas.openxmlformats.org/presentationml/2006/main">
-  <p:cSld>
-    <p:spTree>
-      <p:nvGrpSpPr>
-        <p:cNvPr id="1" name=""/>
-        <p:cNvGrpSpPr/>
-        <p:nvPr/>
-      </p:nvGrpSpPr>
-      <p:grpSpPr>
-        <a:xfrm>
-          <a:off x="0" y="0"/>
-          <a:ext cx="0" cy="0"/>
-          <a:chOff x="0" y="0"/>
-          <a:chExt cx="0" cy="0"/>
-        </a:xfrm>
-      </p:grpSpPr>
-      <p:sp>
-        <p:nvSpPr>
-          <p:cNvPr id="2" name="TextBox 1">
-            <a:extLst>
-              <a:ext uri="{FF2B5EF4-FFF2-40B4-BE49-F238E27FC236}">
-                <a16:creationId xmlns:a16="http://schemas.microsoft.com/office/drawing/2014/main" id="{1AAA1C9C-FB2D-CD2D-F85E-23BCF1A59DF3}"/>
-              </a:ext>
-            </a:extLst>
-          </p:cNvPr>
-          <p:cNvSpPr txBox="1"/>
-          <p:nvPr/>
-        </p:nvSpPr>
-        <p:spPr>
-          <a:xfrm>
-            <a:off x="173866" y="154242"/>
-            <a:ext cx="869725" cy="461665"/>
-          </a:xfrm>
-          <a:prstGeom prst="rect">
-            <a:avLst/>
-          </a:prstGeom>
-          <a:noFill/>
-        </p:spPr>
-        <p:txBody>
-          <a:bodyPr wrap="none" rtlCol="0">
-            <a:spAutoFit/>
-          </a:bodyPr>
-          <a:lstStyle/>
-          <a:p>
-            <a:r>
-              <a:rPr lang="en-US" sz="2400" dirty="0"/>
-              <a:t>BERT</a:t>
-            </a:r>
-          </a:p>
-        </p:txBody>
-      </p:sp>
-      <p:pic>
-        <p:nvPicPr>
-          <p:cNvPr id="3" name="Picture 2">
-            <a:extLst>
-              <a:ext uri="{FF2B5EF4-FFF2-40B4-BE49-F238E27FC236}">
-                <a16:creationId xmlns:a16="http://schemas.microsoft.com/office/drawing/2014/main" id="{BE5CECA3-BD7D-460A-C42C-78CB24379D4B}"/>
-              </a:ext>
-            </a:extLst>
-          </p:cNvPr>
-          <p:cNvPicPr>
-            <a:picLocks noChangeAspect="1"/>
-          </p:cNvPicPr>
-          <p:nvPr/>
-        </p:nvPicPr>
-        <p:blipFill>
-          <a:blip r:embed="rId2"/>
-          <a:stretch>
-            <a:fillRect/>
-          </a:stretch>
-        </p:blipFill>
-        <p:spPr>
-          <a:xfrm>
-            <a:off x="861748" y="1092920"/>
-            <a:ext cx="7304187" cy="2336080"/>
-          </a:xfrm>
-          <a:prstGeom prst="rect">
-            <a:avLst/>
-          </a:prstGeom>
-          <a:ln>
-            <a:solidFill>
-              <a:schemeClr val="bg2">
-                <a:lumMod val="50000"/>
-              </a:schemeClr>
-            </a:solidFill>
-          </a:ln>
-        </p:spPr>
-      </p:pic>
-      <p:pic>
-        <p:nvPicPr>
-          <p:cNvPr id="4" name="Picture 3">
-            <a:extLst>
-              <a:ext uri="{FF2B5EF4-FFF2-40B4-BE49-F238E27FC236}">
-                <a16:creationId xmlns:a16="http://schemas.microsoft.com/office/drawing/2014/main" id="{7EABCB51-05DF-27E1-4369-F5A1A2870E22}"/>
-              </a:ext>
-            </a:extLst>
-          </p:cNvPr>
-          <p:cNvPicPr>
-            <a:picLocks noChangeAspect="1"/>
-          </p:cNvPicPr>
-          <p:nvPr/>
-        </p:nvPicPr>
-        <p:blipFill>
-          <a:blip r:embed="rId3"/>
-          <a:stretch>
-            <a:fillRect/>
-          </a:stretch>
-        </p:blipFill>
-        <p:spPr>
-          <a:xfrm>
-            <a:off x="861748" y="4130129"/>
-            <a:ext cx="6536116" cy="2336079"/>
-          </a:xfrm>
-          <a:prstGeom prst="rect">
-            <a:avLst/>
-          </a:prstGeom>
-          <a:ln>
-            <a:solidFill>
-              <a:schemeClr val="bg2">
-                <a:lumMod val="50000"/>
-              </a:schemeClr>
-            </a:solidFill>
-          </a:ln>
-        </p:spPr>
-      </p:pic>
-      <p:sp>
-        <p:nvSpPr>
-          <p:cNvPr id="5" name="TextBox 4">
-            <a:extLst>
-              <a:ext uri="{FF2B5EF4-FFF2-40B4-BE49-F238E27FC236}">
-                <a16:creationId xmlns:a16="http://schemas.microsoft.com/office/drawing/2014/main" id="{CCC6965F-FA30-7F55-A393-2A31108BF7F6}"/>
-              </a:ext>
-            </a:extLst>
-          </p:cNvPr>
-          <p:cNvSpPr txBox="1"/>
-          <p:nvPr/>
-        </p:nvSpPr>
-        <p:spPr>
-          <a:xfrm>
-            <a:off x="730398" y="723588"/>
-            <a:ext cx="2191626" cy="369332"/>
-          </a:xfrm>
-          <a:prstGeom prst="rect">
-            <a:avLst/>
-          </a:prstGeom>
-          <a:noFill/>
-        </p:spPr>
-        <p:txBody>
-          <a:bodyPr wrap="none" rtlCol="0">
-            <a:spAutoFit/>
-          </a:bodyPr>
-          <a:lstStyle/>
-          <a:p>
-            <a:r>
-              <a:rPr lang="en-US" dirty="0"/>
-              <a:t>BERT pre-train, MLM</a:t>
-            </a:r>
-          </a:p>
-        </p:txBody>
-      </p:sp>
-      <p:sp>
-        <p:nvSpPr>
-          <p:cNvPr id="6" name="TextBox 5">
-            <a:extLst>
-              <a:ext uri="{FF2B5EF4-FFF2-40B4-BE49-F238E27FC236}">
-                <a16:creationId xmlns:a16="http://schemas.microsoft.com/office/drawing/2014/main" id="{8D727D7C-B7FF-B52A-765E-A4304408DCE8}"/>
-              </a:ext>
-            </a:extLst>
-          </p:cNvPr>
-          <p:cNvSpPr txBox="1"/>
-          <p:nvPr/>
-        </p:nvSpPr>
-        <p:spPr>
-          <a:xfrm>
-            <a:off x="730398" y="3760797"/>
-            <a:ext cx="1614929" cy="369332"/>
-          </a:xfrm>
-          <a:prstGeom prst="rect">
-            <a:avLst/>
-          </a:prstGeom>
-          <a:noFill/>
-        </p:spPr>
-        <p:txBody>
-          <a:bodyPr wrap="none" rtlCol="0">
-            <a:spAutoFit/>
-          </a:bodyPr>
-          <a:lstStyle/>
-          <a:p>
-            <a:r>
-              <a:rPr lang="en-US" dirty="0"/>
-              <a:t>BERT fine tune</a:t>
-            </a:r>
-          </a:p>
-        </p:txBody>
-      </p:sp>
-      <p:sp>
-        <p:nvSpPr>
-          <p:cNvPr id="7" name="TextBox 6">
-            <a:extLst>
-              <a:ext uri="{FF2B5EF4-FFF2-40B4-BE49-F238E27FC236}">
-                <a16:creationId xmlns:a16="http://schemas.microsoft.com/office/drawing/2014/main" id="{11BDF426-EAFE-3091-51B1-EF3CA945EE22}"/>
-              </a:ext>
-            </a:extLst>
-          </p:cNvPr>
-          <p:cNvSpPr txBox="1"/>
-          <p:nvPr/>
-        </p:nvSpPr>
-        <p:spPr>
-          <a:xfrm>
-            <a:off x="8297285" y="1891628"/>
-            <a:ext cx="3730445" cy="369332"/>
-          </a:xfrm>
-          <a:prstGeom prst="rect">
-            <a:avLst/>
-          </a:prstGeom>
-          <a:noFill/>
-        </p:spPr>
-        <p:txBody>
-          <a:bodyPr wrap="none" rtlCol="0">
-            <a:spAutoFit/>
-          </a:bodyPr>
-          <a:lstStyle/>
-          <a:p>
-            <a:r>
-              <a:rPr lang="en-US" dirty="0"/>
-              <a:t>Dataset: OAS light chain sequences</a:t>
-            </a:r>
-          </a:p>
-        </p:txBody>
-      </p:sp>
-      <p:sp>
-        <p:nvSpPr>
-          <p:cNvPr id="8" name="TextBox 7">
-            <a:extLst>
-              <a:ext uri="{FF2B5EF4-FFF2-40B4-BE49-F238E27FC236}">
-                <a16:creationId xmlns:a16="http://schemas.microsoft.com/office/drawing/2014/main" id="{9D9C1117-AE70-3B34-CBDC-766B07172B75}"/>
-              </a:ext>
-            </a:extLst>
-          </p:cNvPr>
-          <p:cNvSpPr txBox="1"/>
-          <p:nvPr/>
-        </p:nvSpPr>
-        <p:spPr>
-          <a:xfrm>
-            <a:off x="7529214" y="5113502"/>
-            <a:ext cx="3882153" cy="369332"/>
-          </a:xfrm>
-          <a:prstGeom prst="rect">
-            <a:avLst/>
-          </a:prstGeom>
-          <a:noFill/>
-        </p:spPr>
-        <p:txBody>
-          <a:bodyPr wrap="none" rtlCol="0">
-            <a:spAutoFit/>
-          </a:bodyPr>
-          <a:lstStyle/>
-          <a:p>
-            <a:r>
-              <a:rPr lang="en-US" dirty="0"/>
-              <a:t>Dataset:  A-Alpha Bio homework data</a:t>
-            </a:r>
-          </a:p>
-        </p:txBody>
-      </p:sp>
-    </p:spTree>
-    <p:extLst>
-      <p:ext uri="{BB962C8B-B14F-4D97-AF65-F5344CB8AC3E}">
-        <p14:creationId xmlns:p14="http://schemas.microsoft.com/office/powerpoint/2010/main" val="846146610"/>
       </p:ext>
     </p:extLst>
   </p:cSld>

--- a/Homework-aAlphaBio.pptx
+++ b/Homework-aAlphaBio.pptx
@@ -16,8 +16,8 @@
     <p:sldId id="336" r:id="rId10"/>
     <p:sldId id="345" r:id="rId11"/>
     <p:sldId id="344" r:id="rId12"/>
-    <p:sldId id="343" r:id="rId13"/>
-    <p:sldId id="348" r:id="rId14"/>
+    <p:sldId id="348" r:id="rId13"/>
+    <p:sldId id="343" r:id="rId14"/>
     <p:sldId id="341" r:id="rId15"/>
     <p:sldId id="346" r:id="rId16"/>
     <p:sldId id="352" r:id="rId17"/>
@@ -4200,6 +4200,137 @@
           <p:cNvPr id="2" name="TextBox 1">
             <a:extLst>
               <a:ext uri="{FF2B5EF4-FFF2-40B4-BE49-F238E27FC236}">
+                <a16:creationId xmlns:a16="http://schemas.microsoft.com/office/drawing/2014/main" id="{98F002EE-68C6-88B6-E583-B54256E6E32C}"/>
+              </a:ext>
+            </a:extLst>
+          </p:cNvPr>
+          <p:cNvSpPr txBox="1"/>
+          <p:nvPr/>
+        </p:nvSpPr>
+        <p:spPr>
+          <a:xfrm>
+            <a:off x="173866" y="154242"/>
+            <a:ext cx="3552576" cy="461665"/>
+          </a:xfrm>
+          <a:prstGeom prst="rect">
+            <a:avLst/>
+          </a:prstGeom>
+          <a:noFill/>
+        </p:spPr>
+        <p:txBody>
+          <a:bodyPr wrap="none" rtlCol="0">
+            <a:spAutoFit/>
+          </a:bodyPr>
+          <a:lstStyle/>
+          <a:p>
+            <a:r>
+              <a:rPr lang="en-US" sz="2400" dirty="0"/>
+              <a:t>Preliminary Model results</a:t>
+            </a:r>
+          </a:p>
+        </p:txBody>
+      </p:sp>
+      <p:sp>
+        <p:nvSpPr>
+          <p:cNvPr id="3" name="TextBox 2">
+            <a:extLst>
+              <a:ext uri="{FF2B5EF4-FFF2-40B4-BE49-F238E27FC236}">
+                <a16:creationId xmlns:a16="http://schemas.microsoft.com/office/drawing/2014/main" id="{03174765-67F1-9687-C25D-F1FB53465851}"/>
+              </a:ext>
+            </a:extLst>
+          </p:cNvPr>
+          <p:cNvSpPr txBox="1"/>
+          <p:nvPr/>
+        </p:nvSpPr>
+        <p:spPr>
+          <a:xfrm>
+            <a:off x="439947" y="1155940"/>
+            <a:ext cx="9834113" cy="1477328"/>
+          </a:xfrm>
+          <a:prstGeom prst="rect">
+            <a:avLst/>
+          </a:prstGeom>
+          <a:noFill/>
+        </p:spPr>
+        <p:txBody>
+          <a:bodyPr wrap="square" rtlCol="0">
+            <a:spAutoFit/>
+          </a:bodyPr>
+          <a:lstStyle/>
+          <a:p>
+            <a:pPr marL="285750" indent="-285750">
+              <a:buFont typeface="Arial" panose="020B0604020202020204" pitchFamily="34" charset="0"/>
+              <a:buChar char="•"/>
+            </a:pPr>
+            <a:r>
+              <a:rPr lang="en-US" dirty="0"/>
+              <a:t>MLP-based models:</a:t>
+            </a:r>
+          </a:p>
+          <a:p>
+            <a:pPr marL="742950" lvl="1" indent="-285750">
+              <a:buFont typeface="Arial" panose="020B0604020202020204" pitchFamily="34" charset="0"/>
+              <a:buChar char="•"/>
+            </a:pPr>
+            <a:r>
+              <a:rPr lang="en-US" dirty="0"/>
+              <a:t>Some prelim experiments on the full dataset showed slightly better results obtained with residual MLP</a:t>
+            </a:r>
+          </a:p>
+          <a:p>
+            <a:pPr marL="742950" lvl="1" indent="-285750">
+              <a:buFont typeface="Arial" panose="020B0604020202020204" pitchFamily="34" charset="0"/>
+              <a:buChar char="•"/>
+            </a:pPr>
+            <a:endParaRPr lang="en-US" dirty="0"/>
+          </a:p>
+          <a:p>
+            <a:pPr marL="742950" lvl="1" indent="-285750">
+              <a:buFont typeface="Arial" panose="020B0604020202020204" pitchFamily="34" charset="0"/>
+              <a:buChar char="•"/>
+            </a:pPr>
+            <a:r>
+              <a:rPr lang="en-US" dirty="0"/>
+              <a:t>Going forward, I’ll only use the residual MLP (for an MLP representative model)</a:t>
+            </a:r>
+          </a:p>
+        </p:txBody>
+      </p:sp>
+    </p:spTree>
+    <p:extLst>
+      <p:ext uri="{BB962C8B-B14F-4D97-AF65-F5344CB8AC3E}">
+        <p14:creationId xmlns:p14="http://schemas.microsoft.com/office/powerpoint/2010/main" val="1870150635"/>
+      </p:ext>
+    </p:extLst>
+  </p:cSld>
+  <p:clrMapOvr>
+    <a:masterClrMapping/>
+  </p:clrMapOvr>
+</p:sld>
+</file>
+
+<file path=ppt/slides/slide13.xml><?xml version="1.0" encoding="utf-8"?>
+<p:sld xmlns:a="http://schemas.openxmlformats.org/drawingml/2006/main" xmlns:r="http://schemas.openxmlformats.org/officeDocument/2006/relationships" xmlns:p="http://schemas.openxmlformats.org/presentationml/2006/main">
+  <p:cSld>
+    <p:spTree>
+      <p:nvGrpSpPr>
+        <p:cNvPr id="1" name=""/>
+        <p:cNvGrpSpPr/>
+        <p:nvPr/>
+      </p:nvGrpSpPr>
+      <p:grpSpPr>
+        <a:xfrm>
+          <a:off x="0" y="0"/>
+          <a:ext cx="0" cy="0"/>
+          <a:chOff x="0" y="0"/>
+          <a:chExt cx="0" cy="0"/>
+        </a:xfrm>
+      </p:grpSpPr>
+      <p:sp>
+        <p:nvSpPr>
+          <p:cNvPr id="2" name="TextBox 1">
+            <a:extLst>
+              <a:ext uri="{FF2B5EF4-FFF2-40B4-BE49-F238E27FC236}">
                 <a16:creationId xmlns:a16="http://schemas.microsoft.com/office/drawing/2014/main" id="{F8E231D6-438C-BCE9-2D4A-B65BED30FBD7}"/>
               </a:ext>
             </a:extLst>
@@ -4244,7 +4375,7 @@
         </p:nvGrpSpPr>
         <p:grpSpPr>
           <a:xfrm>
-            <a:off x="966161" y="1052422"/>
+            <a:off x="457207" y="1052422"/>
             <a:ext cx="2435923" cy="2941608"/>
             <a:chOff x="681491" y="1052422"/>
             <a:chExt cx="2435923" cy="2941608"/>
@@ -4432,7 +4563,7 @@
         </p:nvGrpSpPr>
         <p:grpSpPr>
           <a:xfrm>
-            <a:off x="3953084" y="1052422"/>
+            <a:off x="3331988" y="1052422"/>
             <a:ext cx="2524089" cy="2941608"/>
             <a:chOff x="3219842" y="1052422"/>
             <a:chExt cx="2524089" cy="2941608"/>
@@ -4691,10 +4822,10 @@
         </p:nvGrpSpPr>
         <p:grpSpPr>
           <a:xfrm>
-            <a:off x="6872082" y="1052422"/>
-            <a:ext cx="2435923" cy="2941608"/>
+            <a:off x="6250990" y="1052422"/>
+            <a:ext cx="2435923" cy="3163085"/>
             <a:chOff x="5828290" y="1052422"/>
-            <a:chExt cx="2435923" cy="2941608"/>
+            <a:chExt cx="2435923" cy="3163085"/>
           </a:xfrm>
         </p:grpSpPr>
         <p:sp>
@@ -4807,7 +4938,7 @@
           <p:spPr>
             <a:xfrm>
               <a:off x="6080611" y="1414740"/>
-              <a:ext cx="1774973" cy="2554545"/>
+              <a:ext cx="1774973" cy="2800767"/>
             </a:xfrm>
             <a:prstGeom prst="rect">
               <a:avLst/>
@@ -4851,6 +4982,16 @@
               <a:r>
                 <a:rPr lang="en-US" sz="1600" dirty="0"/>
                 <a:t>heads: 8</a:t>
+              </a:r>
+            </a:p>
+            <a:p>
+              <a:pPr marL="285750" indent="-285750">
+                <a:buFont typeface="Arial" panose="020B0604020202020204" pitchFamily="34" charset="0"/>
+                <a:buChar char="•"/>
+              </a:pPr>
+              <a:r>
+                <a:rPr lang="en-US" sz="1600" dirty="0"/>
+                <a:t>head size: 64</a:t>
               </a:r>
             </a:p>
             <a:p>
@@ -5044,141 +5185,278 @@
           </a:p>
         </p:txBody>
       </p:sp>
+      <p:grpSp>
+        <p:nvGrpSpPr>
+          <p:cNvPr id="26" name="Group 25">
+            <a:extLst>
+              <a:ext uri="{FF2B5EF4-FFF2-40B4-BE49-F238E27FC236}">
+                <a16:creationId xmlns:a16="http://schemas.microsoft.com/office/drawing/2014/main" id="{AD067232-C46E-37E6-EE25-AF2D60E4B5DD}"/>
+              </a:ext>
+            </a:extLst>
+          </p:cNvPr>
+          <p:cNvGrpSpPr/>
+          <p:nvPr/>
+        </p:nvGrpSpPr>
+        <p:grpSpPr>
+          <a:xfrm>
+            <a:off x="9118209" y="1061059"/>
+            <a:ext cx="2435923" cy="3163085"/>
+            <a:chOff x="5828290" y="1052422"/>
+            <a:chExt cx="2435923" cy="3163085"/>
+          </a:xfrm>
+        </p:grpSpPr>
+        <p:sp>
+          <p:nvSpPr>
+            <p:cNvPr id="27" name="Rectangle 26">
+              <a:extLst>
+                <a:ext uri="{FF2B5EF4-FFF2-40B4-BE49-F238E27FC236}">
+                  <a16:creationId xmlns:a16="http://schemas.microsoft.com/office/drawing/2014/main" id="{79E89C9D-FDBD-C2CA-9295-56641C645DB6}"/>
+                </a:ext>
+              </a:extLst>
+            </p:cNvPr>
+            <p:cNvSpPr/>
+            <p:nvPr/>
+          </p:nvSpPr>
+          <p:spPr>
+            <a:xfrm>
+              <a:off x="5828290" y="1052422"/>
+              <a:ext cx="2435923" cy="2941608"/>
+            </a:xfrm>
+            <a:prstGeom prst="rect">
+              <a:avLst/>
+            </a:prstGeom>
+            <a:solidFill>
+              <a:schemeClr val="accent4">
+                <a:alpha val="19958"/>
+              </a:schemeClr>
+            </a:solidFill>
+            <a:ln>
+              <a:solidFill>
+                <a:schemeClr val="tx1"/>
+              </a:solidFill>
+            </a:ln>
+          </p:spPr>
+          <p:style>
+            <a:lnRef idx="2">
+              <a:schemeClr val="accent1">
+                <a:shade val="15000"/>
+              </a:schemeClr>
+            </a:lnRef>
+            <a:fillRef idx="1">
+              <a:schemeClr val="accent1"/>
+            </a:fillRef>
+            <a:effectRef idx="0">
+              <a:schemeClr val="accent1"/>
+            </a:effectRef>
+            <a:fontRef idx="minor">
+              <a:schemeClr val="lt1"/>
+            </a:fontRef>
+          </p:style>
+          <p:txBody>
+            <a:bodyPr rtlCol="0" anchor="ctr"/>
+            <a:lstStyle/>
+            <a:p>
+              <a:pPr algn="ctr"/>
+              <a:endParaRPr lang="en-US"/>
+            </a:p>
+          </p:txBody>
+        </p:sp>
+        <p:sp>
+          <p:nvSpPr>
+            <p:cNvPr id="28" name="TextBox 27">
+              <a:extLst>
+                <a:ext uri="{FF2B5EF4-FFF2-40B4-BE49-F238E27FC236}">
+                  <a16:creationId xmlns:a16="http://schemas.microsoft.com/office/drawing/2014/main" id="{16F6E8B5-F795-1A65-14C0-B48F67EB16CA}"/>
+                </a:ext>
+              </a:extLst>
+            </p:cNvPr>
+            <p:cNvSpPr txBox="1"/>
+            <p:nvPr/>
+          </p:nvSpPr>
+          <p:spPr>
+            <a:xfrm>
+              <a:off x="6176339" y="1052422"/>
+              <a:ext cx="1772537" cy="369332"/>
+            </a:xfrm>
+            <a:prstGeom prst="rect">
+              <a:avLst/>
+            </a:prstGeom>
+            <a:noFill/>
+          </p:spPr>
+          <p:txBody>
+            <a:bodyPr wrap="none" rtlCol="0">
+              <a:spAutoFit/>
+            </a:bodyPr>
+            <a:lstStyle/>
+            <a:p>
+              <a:r>
+                <a:rPr lang="en-US" dirty="0" err="1"/>
+                <a:t>TForm</a:t>
+              </a:r>
+              <a:r>
+                <a:rPr lang="en-US" dirty="0"/>
+                <a:t> MLP (big)</a:t>
+              </a:r>
+            </a:p>
+          </p:txBody>
+        </p:sp>
+        <p:sp>
+          <p:nvSpPr>
+            <p:cNvPr id="29" name="TextBox 28">
+              <a:extLst>
+                <a:ext uri="{FF2B5EF4-FFF2-40B4-BE49-F238E27FC236}">
+                  <a16:creationId xmlns:a16="http://schemas.microsoft.com/office/drawing/2014/main" id="{E352D573-F9CB-8BD9-1365-7441ECE45B4C}"/>
+                </a:ext>
+              </a:extLst>
+            </p:cNvPr>
+            <p:cNvSpPr txBox="1"/>
+            <p:nvPr/>
+          </p:nvSpPr>
+          <p:spPr>
+            <a:xfrm>
+              <a:off x="6080611" y="1414740"/>
+              <a:ext cx="1774973" cy="2800767"/>
+            </a:xfrm>
+            <a:prstGeom prst="rect">
+              <a:avLst/>
+            </a:prstGeom>
+            <a:noFill/>
+          </p:spPr>
+          <p:txBody>
+            <a:bodyPr wrap="none" rtlCol="0">
+              <a:spAutoFit/>
+            </a:bodyPr>
+            <a:lstStyle/>
+            <a:p>
+              <a:pPr marL="285750" indent="-285750">
+                <a:buFont typeface="Arial" panose="020B0604020202020204" pitchFamily="34" charset="0"/>
+                <a:buChar char="•"/>
+              </a:pPr>
+              <a:r>
+                <a:rPr lang="en-US" sz="1600" dirty="0"/>
+                <a:t>block size: 242</a:t>
+              </a:r>
+            </a:p>
+            <a:p>
+              <a:pPr marL="285750" indent="-285750">
+                <a:buFont typeface="Arial" panose="020B0604020202020204" pitchFamily="34" charset="0"/>
+                <a:buChar char="•"/>
+              </a:pPr>
+              <a:r>
+                <a:rPr lang="en-US" sz="1600" dirty="0" err="1"/>
+                <a:t>emb_dim</a:t>
+              </a:r>
+              <a:r>
+                <a:rPr lang="en-US" sz="1600" dirty="0"/>
+                <a:t>: 512</a:t>
+              </a:r>
+            </a:p>
+            <a:p>
+              <a:pPr marL="285750" indent="-285750">
+                <a:buFont typeface="Arial" panose="020B0604020202020204" pitchFamily="34" charset="0"/>
+                <a:buChar char="•"/>
+              </a:pPr>
+              <a:r>
+                <a:rPr lang="en-US" sz="1600" dirty="0"/>
+                <a:t>heads: 10</a:t>
+              </a:r>
+            </a:p>
+            <a:p>
+              <a:pPr marL="285750" indent="-285750">
+                <a:buFont typeface="Arial" panose="020B0604020202020204" pitchFamily="34" charset="0"/>
+                <a:buChar char="•"/>
+              </a:pPr>
+              <a:r>
+                <a:rPr lang="en-US" sz="1600" dirty="0"/>
+                <a:t>head size: 64</a:t>
+              </a:r>
+            </a:p>
+            <a:p>
+              <a:pPr marL="285750" indent="-285750">
+                <a:buFont typeface="Arial" panose="020B0604020202020204" pitchFamily="34" charset="0"/>
+                <a:buChar char="•"/>
+              </a:pPr>
+              <a:r>
+                <a:rPr lang="en-US" sz="1600" dirty="0"/>
+                <a:t>layers: 12</a:t>
+              </a:r>
+            </a:p>
+            <a:p>
+              <a:pPr marL="285750" indent="-285750">
+                <a:buFont typeface="Arial" panose="020B0604020202020204" pitchFamily="34" charset="0"/>
+                <a:buChar char="•"/>
+              </a:pPr>
+              <a:r>
+                <a:rPr lang="en-US" sz="1600" dirty="0"/>
+                <a:t>vocab size: 24</a:t>
+              </a:r>
+            </a:p>
+            <a:p>
+              <a:pPr marL="285750" indent="-285750">
+                <a:buFont typeface="Arial" panose="020B0604020202020204" pitchFamily="34" charset="0"/>
+                <a:buChar char="•"/>
+              </a:pPr>
+              <a:r>
+                <a:rPr lang="en-US" sz="1600" dirty="0"/>
+                <a:t>dropouts</a:t>
+              </a:r>
+            </a:p>
+            <a:p>
+              <a:pPr marL="742950" lvl="1" indent="-285750">
+                <a:buFont typeface="Arial" panose="020B0604020202020204" pitchFamily="34" charset="0"/>
+                <a:buChar char="•"/>
+              </a:pPr>
+              <a:r>
+                <a:rPr lang="en-US" sz="1600" dirty="0" err="1"/>
+                <a:t>emb</a:t>
+              </a:r>
+              <a:r>
+                <a:rPr lang="en-US" sz="1600" dirty="0"/>
+                <a:t>: 0.1</a:t>
+              </a:r>
+            </a:p>
+            <a:p>
+              <a:pPr marL="742950" lvl="1" indent="-285750">
+                <a:buFont typeface="Arial" panose="020B0604020202020204" pitchFamily="34" charset="0"/>
+                <a:buChar char="•"/>
+              </a:pPr>
+              <a:r>
+                <a:rPr lang="en-US" sz="1600" dirty="0" err="1"/>
+                <a:t>attn:</a:t>
+              </a:r>
+              <a:r>
+                <a:rPr lang="en-US" sz="1600" dirty="0"/>
+                <a:t> 0.1</a:t>
+              </a:r>
+            </a:p>
+            <a:p>
+              <a:pPr marL="742950" lvl="1" indent="-285750">
+                <a:buFont typeface="Arial" panose="020B0604020202020204" pitchFamily="34" charset="0"/>
+                <a:buChar char="•"/>
+              </a:pPr>
+              <a:r>
+                <a:rPr lang="en-US" sz="1600" dirty="0" err="1"/>
+                <a:t>mlp</a:t>
+              </a:r>
+              <a:r>
+                <a:rPr lang="en-US" sz="1600" dirty="0"/>
+                <a:t>: 0.02</a:t>
+              </a:r>
+            </a:p>
+            <a:p>
+              <a:pPr marL="285750" indent="-285750">
+                <a:buFont typeface="Arial" panose="020B0604020202020204" pitchFamily="34" charset="0"/>
+                <a:buChar char="•"/>
+              </a:pPr>
+              <a:endParaRPr lang="en-US" sz="1600" dirty="0"/>
+            </a:p>
+          </p:txBody>
+        </p:sp>
+      </p:grpSp>
     </p:spTree>
     <p:extLst>
       <p:ext uri="{BB962C8B-B14F-4D97-AF65-F5344CB8AC3E}">
         <p14:creationId xmlns:p14="http://schemas.microsoft.com/office/powerpoint/2010/main" val="4045523547"/>
-      </p:ext>
-    </p:extLst>
-  </p:cSld>
-  <p:clrMapOvr>
-    <a:masterClrMapping/>
-  </p:clrMapOvr>
-</p:sld>
-</file>
-
-<file path=ppt/slides/slide13.xml><?xml version="1.0" encoding="utf-8"?>
-<p:sld xmlns:a="http://schemas.openxmlformats.org/drawingml/2006/main" xmlns:r="http://schemas.openxmlformats.org/officeDocument/2006/relationships" xmlns:p="http://schemas.openxmlformats.org/presentationml/2006/main">
-  <p:cSld>
-    <p:spTree>
-      <p:nvGrpSpPr>
-        <p:cNvPr id="1" name=""/>
-        <p:cNvGrpSpPr/>
-        <p:nvPr/>
-      </p:nvGrpSpPr>
-      <p:grpSpPr>
-        <a:xfrm>
-          <a:off x="0" y="0"/>
-          <a:ext cx="0" cy="0"/>
-          <a:chOff x="0" y="0"/>
-          <a:chExt cx="0" cy="0"/>
-        </a:xfrm>
-      </p:grpSpPr>
-      <p:sp>
-        <p:nvSpPr>
-          <p:cNvPr id="2" name="TextBox 1">
-            <a:extLst>
-              <a:ext uri="{FF2B5EF4-FFF2-40B4-BE49-F238E27FC236}">
-                <a16:creationId xmlns:a16="http://schemas.microsoft.com/office/drawing/2014/main" id="{98F002EE-68C6-88B6-E583-B54256E6E32C}"/>
-              </a:ext>
-            </a:extLst>
-          </p:cNvPr>
-          <p:cNvSpPr txBox="1"/>
-          <p:nvPr/>
-        </p:nvSpPr>
-        <p:spPr>
-          <a:xfrm>
-            <a:off x="173866" y="154242"/>
-            <a:ext cx="3552576" cy="461665"/>
-          </a:xfrm>
-          <a:prstGeom prst="rect">
-            <a:avLst/>
-          </a:prstGeom>
-          <a:noFill/>
-        </p:spPr>
-        <p:txBody>
-          <a:bodyPr wrap="none" rtlCol="0">
-            <a:spAutoFit/>
-          </a:bodyPr>
-          <a:lstStyle/>
-          <a:p>
-            <a:r>
-              <a:rPr lang="en-US" sz="2400" dirty="0"/>
-              <a:t>Preliminary Model results</a:t>
-            </a:r>
-          </a:p>
-        </p:txBody>
-      </p:sp>
-      <p:sp>
-        <p:nvSpPr>
-          <p:cNvPr id="3" name="TextBox 2">
-            <a:extLst>
-              <a:ext uri="{FF2B5EF4-FFF2-40B4-BE49-F238E27FC236}">
-                <a16:creationId xmlns:a16="http://schemas.microsoft.com/office/drawing/2014/main" id="{03174765-67F1-9687-C25D-F1FB53465851}"/>
-              </a:ext>
-            </a:extLst>
-          </p:cNvPr>
-          <p:cNvSpPr txBox="1"/>
-          <p:nvPr/>
-        </p:nvSpPr>
-        <p:spPr>
-          <a:xfrm>
-            <a:off x="439947" y="1155940"/>
-            <a:ext cx="9834113" cy="1477328"/>
-          </a:xfrm>
-          <a:prstGeom prst="rect">
-            <a:avLst/>
-          </a:prstGeom>
-          <a:noFill/>
-        </p:spPr>
-        <p:txBody>
-          <a:bodyPr wrap="square" rtlCol="0">
-            <a:spAutoFit/>
-          </a:bodyPr>
-          <a:lstStyle/>
-          <a:p>
-            <a:pPr marL="285750" indent="-285750">
-              <a:buFont typeface="Arial" panose="020B0604020202020204" pitchFamily="34" charset="0"/>
-              <a:buChar char="•"/>
-            </a:pPr>
-            <a:r>
-              <a:rPr lang="en-US" dirty="0"/>
-              <a:t>MLP-based models:</a:t>
-            </a:r>
-          </a:p>
-          <a:p>
-            <a:pPr marL="742950" lvl="1" indent="-285750">
-              <a:buFont typeface="Arial" panose="020B0604020202020204" pitchFamily="34" charset="0"/>
-              <a:buChar char="•"/>
-            </a:pPr>
-            <a:r>
-              <a:rPr lang="en-US" dirty="0"/>
-              <a:t>Some prelim experiments on the full dataset showed slightly better results obtained with residual MLP</a:t>
-            </a:r>
-          </a:p>
-          <a:p>
-            <a:pPr marL="742950" lvl="1" indent="-285750">
-              <a:buFont typeface="Arial" panose="020B0604020202020204" pitchFamily="34" charset="0"/>
-              <a:buChar char="•"/>
-            </a:pPr>
-            <a:endParaRPr lang="en-US" dirty="0"/>
-          </a:p>
-          <a:p>
-            <a:pPr marL="742950" lvl="1" indent="-285750">
-              <a:buFont typeface="Arial" panose="020B0604020202020204" pitchFamily="34" charset="0"/>
-              <a:buChar char="•"/>
-            </a:pPr>
-            <a:r>
-              <a:rPr lang="en-US" dirty="0"/>
-              <a:t>Going forward, I’ll only use the residual MLP (for an MLP representative model)</a:t>
-            </a:r>
-          </a:p>
-        </p:txBody>
-      </p:sp>
-    </p:spTree>
-    <p:extLst>
-      <p:ext uri="{BB962C8B-B14F-4D97-AF65-F5344CB8AC3E}">
-        <p14:creationId xmlns:p14="http://schemas.microsoft.com/office/powerpoint/2010/main" val="1870150635"/>
       </p:ext>
     </p:extLst>
   </p:cSld>
@@ -5219,7 +5497,7 @@
         </p:nvSpPr>
         <p:spPr>
           <a:xfrm>
-            <a:off x="140127" y="221836"/>
+            <a:off x="114248" y="144344"/>
             <a:ext cx="3558346" cy="461665"/>
           </a:xfrm>
           <a:prstGeom prst="rect">
@@ -5255,14 +5533,14 @@
           <p:nvPr>
             <p:extLst>
               <p:ext uri="{D42A27DB-BD31-4B8C-83A1-F6EECF244321}">
-                <p14:modId xmlns:p14="http://schemas.microsoft.com/office/powerpoint/2010/main" val="4079022613"/>
+                <p14:modId xmlns:p14="http://schemas.microsoft.com/office/powerpoint/2010/main" val="1171801894"/>
               </p:ext>
             </p:extLst>
           </p:nvPr>
         </p:nvGraphicFramePr>
         <p:xfrm>
-          <a:off x="973381" y="1535105"/>
-          <a:ext cx="10152787" cy="3907388"/>
+          <a:off x="378160" y="1233181"/>
+          <a:ext cx="10484866" cy="3754988"/>
         </p:xfrm>
         <a:graphic>
           <a:graphicData uri="http://schemas.openxmlformats.org/drawingml/2006/table">
@@ -5271,49 +5549,63 @@
                 <a:tableStyleId>{5C22544A-7EE6-4342-B048-85BDC9FD1C3A}</a:tableStyleId>
               </a:tblPr>
               <a:tblGrid>
-                <a:gridCol w="1778433">
+                <a:gridCol w="2026348">
                   <a:extLst>
                     <a:ext uri="{9D8B030D-6E8A-4147-A177-3AD203B41FA5}">
                       <a16:colId xmlns:a16="http://schemas.microsoft.com/office/drawing/2014/main" val="1065848917"/>
                     </a:ext>
                   </a:extLst>
                 </a:gridCol>
-                <a:gridCol w="1129283">
+                <a:gridCol w="1143826">
                   <a:extLst>
                     <a:ext uri="{9D8B030D-6E8A-4147-A177-3AD203B41FA5}">
                       <a16:colId xmlns:a16="http://schemas.microsoft.com/office/drawing/2014/main" val="873310604"/>
                     </a:ext>
                   </a:extLst>
                 </a:gridCol>
-                <a:gridCol w="1339894">
+                <a:gridCol w="1217930">
                   <a:extLst>
                     <a:ext uri="{9D8B030D-6E8A-4147-A177-3AD203B41FA5}">
                       <a16:colId xmlns:a16="http://schemas.microsoft.com/office/drawing/2014/main" val="3981708244"/>
                     </a:ext>
                   </a:extLst>
                 </a:gridCol>
-                <a:gridCol w="995192">
+                <a:gridCol w="908368">
                   <a:extLst>
                     <a:ext uri="{9D8B030D-6E8A-4147-A177-3AD203B41FA5}">
                       <a16:colId xmlns:a16="http://schemas.microsoft.com/office/drawing/2014/main" val="1135465181"/>
                     </a:ext>
                   </a:extLst>
                 </a:gridCol>
-                <a:gridCol w="1232916">
+                <a:gridCol w="1120521">
                   <a:extLst>
                     <a:ext uri="{9D8B030D-6E8A-4147-A177-3AD203B41FA5}">
                       <a16:colId xmlns:a16="http://schemas.microsoft.com/office/drawing/2014/main" val="2228991909"/>
                     </a:ext>
                   </a:extLst>
                 </a:gridCol>
-                <a:gridCol w="1226446">
+                <a:gridCol w="1120521">
                   <a:extLst>
                     <a:ext uri="{9D8B030D-6E8A-4147-A177-3AD203B41FA5}">
                       <a16:colId xmlns:a16="http://schemas.microsoft.com/office/drawing/2014/main" val="91865083"/>
                     </a:ext>
                   </a:extLst>
                 </a:gridCol>
-                <a:gridCol w="2450623">
+                <a:gridCol w="875030">
+                  <a:extLst>
+                    <a:ext uri="{9D8B030D-6E8A-4147-A177-3AD203B41FA5}">
+                      <a16:colId xmlns:a16="http://schemas.microsoft.com/office/drawing/2014/main" val="2038468716"/>
+                    </a:ext>
+                  </a:extLst>
+                </a:gridCol>
+                <a:gridCol w="803592">
+                  <a:extLst>
+                    <a:ext uri="{9D8B030D-6E8A-4147-A177-3AD203B41FA5}">
+                      <a16:colId xmlns:a16="http://schemas.microsoft.com/office/drawing/2014/main" val="1596270969"/>
+                    </a:ext>
+                  </a:extLst>
+                </a:gridCol>
+                <a:gridCol w="1268730">
                   <a:extLst>
                     <a:ext uri="{9D8B030D-6E8A-4147-A177-3AD203B41FA5}">
                       <a16:colId xmlns:a16="http://schemas.microsoft.com/office/drawing/2014/main" val="2256753199"/>
@@ -5329,7 +5621,7 @@
                     <a:p>
                       <a:pPr algn="ctr"/>
                       <a:r>
-                        <a:rPr lang="en-US" sz="1800" dirty="0"/>
+                        <a:rPr lang="en-US" sz="1600" dirty="0"/>
                         <a:t>Model</a:t>
                       </a:r>
                     </a:p>
@@ -5343,14 +5635,28 @@
                     <a:p>
                       <a:pPr algn="ctr"/>
                       <a:r>
-                        <a:rPr lang="en-US" sz="1800" dirty="0"/>
+                        <a:rPr lang="en-US" sz="1600" dirty="0"/>
                         <a:t>Train Loss</a:t>
+                      </a:r>
+                    </a:p>
+                  </a:txBody>
+                  <a:tcPr anchor="ctr"/>
+                </a:tc>
+                <a:tc>
+                  <a:txBody>
+                    <a:bodyPr/>
+                    <a:lstStyle/>
+                    <a:p>
+                      <a:pPr algn="ctr"/>
+                      <a:r>
+                        <a:rPr lang="en-US" sz="1600" dirty="0"/>
+                        <a:t>Valid. Loss</a:t>
                       </a:r>
                     </a:p>
                     <a:p>
                       <a:pPr algn="ctr"/>
                       <a:r>
-                        <a:rPr lang="en-US" sz="1800" dirty="0"/>
+                        <a:rPr lang="en-US" sz="1600" dirty="0"/>
                         <a:t>(MSE)</a:t>
                       </a:r>
                     </a:p>
@@ -5364,28 +5670,7 @@
                     <a:p>
                       <a:pPr algn="ctr"/>
                       <a:r>
-                        <a:rPr lang="en-US" sz="1800" dirty="0"/>
-                        <a:t>Valid. Loss</a:t>
-                      </a:r>
-                    </a:p>
-                    <a:p>
-                      <a:pPr algn="ctr"/>
-                      <a:r>
-                        <a:rPr lang="en-US" sz="1800" dirty="0"/>
-                        <a:t>(MSE)</a:t>
-                      </a:r>
-                    </a:p>
-                  </a:txBody>
-                  <a:tcPr anchor="ctr"/>
-                </a:tc>
-                <a:tc>
-                  <a:txBody>
-                    <a:bodyPr/>
-                    <a:lstStyle/>
-                    <a:p>
-                      <a:pPr algn="ctr"/>
-                      <a:r>
-                        <a:rPr lang="en-US" sz="1800" dirty="0"/>
+                        <a:rPr lang="en-US" sz="1600" dirty="0"/>
                         <a:t>Epochs</a:t>
                       </a:r>
                     </a:p>
@@ -5399,15 +5684,8 @@
                     <a:p>
                       <a:pPr algn="ctr"/>
                       <a:r>
-                        <a:rPr lang="en-US" sz="1800" dirty="0"/>
+                        <a:rPr lang="en-US" sz="1600" dirty="0"/>
                         <a:t>MAE</a:t>
-                      </a:r>
-                    </a:p>
-                    <a:p>
-                      <a:pPr algn="ctr"/>
-                      <a:r>
-                        <a:rPr lang="en-US" sz="1800" dirty="0"/>
-                        <a:t>(valid set)</a:t>
                       </a:r>
                     </a:p>
                   </a:txBody>
@@ -5420,15 +5698,8 @@
                     <a:p>
                       <a:pPr algn="ctr"/>
                       <a:r>
-                        <a:rPr lang="en-US" sz="1800" dirty="0"/>
+                        <a:rPr lang="en-US" sz="1600" dirty="0"/>
                         <a:t>RMSE</a:t>
-                      </a:r>
-                    </a:p>
-                    <a:p>
-                      <a:pPr algn="ctr"/>
-                      <a:r>
-                        <a:rPr lang="en-US" sz="1800" dirty="0"/>
-                        <a:t>(valid set)</a:t>
                       </a:r>
                     </a:p>
                   </a:txBody>
@@ -5441,7 +5712,35 @@
                     <a:p>
                       <a:pPr algn="ctr"/>
                       <a:r>
-                        <a:rPr lang="en-US" sz="1800" dirty="0"/>
+                        <a:rPr lang="en-US" sz="1600" dirty="0"/>
+                        <a:t>MAPE</a:t>
+                      </a:r>
+                    </a:p>
+                  </a:txBody>
+                  <a:tcPr anchor="ctr"/>
+                </a:tc>
+                <a:tc>
+                  <a:txBody>
+                    <a:bodyPr/>
+                    <a:lstStyle/>
+                    <a:p>
+                      <a:pPr algn="ctr"/>
+                      <a:r>
+                        <a:rPr lang="en-US" sz="1600" dirty="0"/>
+                        <a:t>PPE10</a:t>
+                      </a:r>
+                    </a:p>
+                  </a:txBody>
+                  <a:tcPr anchor="ctr"/>
+                </a:tc>
+                <a:tc>
+                  <a:txBody>
+                    <a:bodyPr/>
+                    <a:lstStyle/>
+                    <a:p>
+                      <a:pPr algn="ctr"/>
+                      <a:r>
+                        <a:rPr lang="en-US" sz="1600" dirty="0"/>
                         <a:t>Comment</a:t>
                       </a:r>
                     </a:p>
@@ -5517,7 +5816,10 @@
                     <a:lstStyle/>
                     <a:p>
                       <a:pPr algn="ctr"/>
-                      <a:endParaRPr lang="en-US" sz="1600" dirty="0"/>
+                      <a:r>
+                        <a:rPr lang="en-US" sz="1600" dirty="0"/>
+                        <a:t>0.44</a:t>
+                      </a:r>
                     </a:p>
                   </a:txBody>
                   <a:tcPr anchor="ctr"/>
@@ -5530,7 +5832,35 @@
                       <a:pPr algn="ctr"/>
                       <a:r>
                         <a:rPr lang="en-US" sz="1600" dirty="0"/>
-                        <a:t>0.92</a:t>
+                        <a:t>0.57</a:t>
+                      </a:r>
+                    </a:p>
+                  </a:txBody>
+                  <a:tcPr anchor="ctr"/>
+                </a:tc>
+                <a:tc>
+                  <a:txBody>
+                    <a:bodyPr/>
+                    <a:lstStyle/>
+                    <a:p>
+                      <a:pPr algn="ctr"/>
+                      <a:r>
+                        <a:rPr lang="en-US" sz="1600" dirty="0"/>
+                        <a:t>0.27</a:t>
+                      </a:r>
+                    </a:p>
+                  </a:txBody>
+                  <a:tcPr anchor="ctr"/>
+                </a:tc>
+                <a:tc>
+                  <a:txBody>
+                    <a:bodyPr/>
+                    <a:lstStyle/>
+                    <a:p>
+                      <a:pPr algn="ctr"/>
+                      <a:r>
+                        <a:rPr lang="en-US" sz="1600" dirty="0"/>
+                        <a:t>33</a:t>
                       </a:r>
                     </a:p>
                   </a:txBody>
@@ -5585,7 +5915,7 @@
                       <a:pPr algn="ctr"/>
                       <a:r>
                         <a:rPr lang="en-US" sz="1600" dirty="0"/>
-                        <a:t>residual MLP head</a:t>
+                        <a:t>+ residual MLP head</a:t>
                       </a:r>
                     </a:p>
                   </a:txBody>
@@ -5672,10 +6002,9 @@
                         <a:defRPr/>
                       </a:pPr>
                       <a:r>
-                        <a:rPr lang="en-US" sz="1600"/>
-                        <a:t>0.76</a:t>
+                        <a:rPr lang="en-US" sz="1600" dirty="0"/>
+                        <a:t>0.28</a:t>
                       </a:r>
-                      <a:endParaRPr lang="en-US" sz="1600" dirty="0"/>
                     </a:p>
                   </a:txBody>
                   <a:tcPr anchor="ctr"/>
@@ -5688,7 +6017,35 @@
                       <a:pPr algn="ctr"/>
                       <a:r>
                         <a:rPr lang="en-US" sz="1600" dirty="0"/>
-                        <a:t>0.95</a:t>
+                        <a:t>0.39</a:t>
+                      </a:r>
+                    </a:p>
+                  </a:txBody>
+                  <a:tcPr anchor="ctr"/>
+                </a:tc>
+                <a:tc>
+                  <a:txBody>
+                    <a:bodyPr/>
+                    <a:lstStyle/>
+                    <a:p>
+                      <a:pPr algn="ctr"/>
+                      <a:r>
+                        <a:rPr lang="en-US" sz="1600" dirty="0"/>
+                        <a:t>0.17</a:t>
+                      </a:r>
+                    </a:p>
+                  </a:txBody>
+                  <a:tcPr anchor="ctr"/>
+                </a:tc>
+                <a:tc>
+                  <a:txBody>
+                    <a:bodyPr/>
+                    <a:lstStyle/>
+                    <a:p>
+                      <a:pPr algn="ctr"/>
+                      <a:r>
+                        <a:rPr lang="en-US" sz="1600" dirty="0"/>
+                        <a:t>46</a:t>
                       </a:r>
                     </a:p>
                   </a:txBody>
@@ -5762,7 +6119,7 @@
                       </a:pPr>
                       <a:r>
                         <a:rPr lang="en-US" sz="1600" dirty="0"/>
-                        <a:t>residual MLP head</a:t>
+                        <a:t> + residual MLP head</a:t>
                       </a:r>
                     </a:p>
                   </a:txBody>
@@ -5818,7 +6175,7 @@
                       <a:pPr algn="ctr"/>
                       <a:r>
                         <a:rPr lang="en-US" sz="1600" dirty="0"/>
-                        <a:t>0.79</a:t>
+                        <a:t>0.26</a:t>
                       </a:r>
                     </a:p>
                   </a:txBody>
@@ -5832,7 +6189,35 @@
                       <a:pPr algn="ctr"/>
                       <a:r>
                         <a:rPr lang="en-US" sz="1600" dirty="0"/>
-                        <a:t>0.99</a:t>
+                        <a:t>0.36</a:t>
+                      </a:r>
+                    </a:p>
+                  </a:txBody>
+                  <a:tcPr anchor="ctr"/>
+                </a:tc>
+                <a:tc>
+                  <a:txBody>
+                    <a:bodyPr/>
+                    <a:lstStyle/>
+                    <a:p>
+                      <a:pPr algn="ctr"/>
+                      <a:r>
+                        <a:rPr lang="en-US" sz="1600" dirty="0"/>
+                        <a:t>0.15</a:t>
+                      </a:r>
+                    </a:p>
+                  </a:txBody>
+                  <a:tcPr anchor="ctr"/>
+                </a:tc>
+                <a:tc>
+                  <a:txBody>
+                    <a:bodyPr/>
+                    <a:lstStyle/>
+                    <a:p>
+                      <a:pPr algn="ctr"/>
+                      <a:r>
+                        <a:rPr lang="en-US" sz="1600" dirty="0"/>
+                        <a:t>50</a:t>
                       </a:r>
                     </a:p>
                   </a:txBody>
@@ -5882,10 +6267,9 @@
                         <a:defRPr/>
                       </a:pPr>
                       <a:r>
-                        <a:rPr lang="en-US" sz="1600" dirty="0" err="1"/>
-                        <a:t>Tformer</a:t>
+                        <a:rPr lang="en-US" sz="1600" dirty="0"/>
+                        <a:t>Transformer</a:t>
                       </a:r>
-                      <a:endParaRPr lang="en-US" sz="1600" dirty="0"/>
                     </a:p>
                     <a:p>
                       <a:pPr marL="0" marR="0" lvl="0" indent="0" algn="ctr" defTabSz="914400" rtl="0" eaLnBrk="1" fontAlgn="auto" latinLnBrk="0" hangingPunct="1">
@@ -5907,7 +6291,7 @@
                       </a:pPr>
                       <a:r>
                         <a:rPr lang="en-US" sz="1600" dirty="0"/>
-                        <a:t>residual MLP head</a:t>
+                        <a:t>+ residual MLP head</a:t>
                       </a:r>
                     </a:p>
                   </a:txBody>
@@ -5921,7 +6305,7 @@
                       <a:pPr algn="ctr"/>
                       <a:r>
                         <a:rPr lang="en-US" sz="1600" dirty="0"/>
-                        <a:t>0.07</a:t>
+                        <a:t>0.08</a:t>
                       </a:r>
                     </a:p>
                   </a:txBody>
@@ -5935,7 +6319,7 @@
                       <a:pPr algn="ctr"/>
                       <a:r>
                         <a:rPr lang="en-US" sz="1600" dirty="0"/>
-                        <a:t>0.12</a:t>
+                        <a:t>0.14</a:t>
                       </a:r>
                     </a:p>
                   </a:txBody>
@@ -5949,7 +6333,138 @@
                       <a:pPr algn="ctr"/>
                       <a:r>
                         <a:rPr lang="en-US" sz="1600" dirty="0"/>
-                        <a:t>1906</a:t>
+                        <a:t>3600</a:t>
+                      </a:r>
+                    </a:p>
+                  </a:txBody>
+                  <a:tcPr anchor="ctr"/>
+                </a:tc>
+                <a:tc>
+                  <a:txBody>
+                    <a:bodyPr/>
+                    <a:lstStyle/>
+                    <a:p>
+                      <a:pPr algn="ctr"/>
+                      <a:r>
+                        <a:rPr lang="en-US" sz="1600" dirty="0"/>
+                        <a:t>0.27</a:t>
+                      </a:r>
+                    </a:p>
+                  </a:txBody>
+                  <a:tcPr anchor="ctr"/>
+                </a:tc>
+                <a:tc>
+                  <a:txBody>
+                    <a:bodyPr/>
+                    <a:lstStyle/>
+                    <a:p>
+                      <a:pPr algn="ctr"/>
+                      <a:r>
+                        <a:rPr lang="en-US" sz="1600" dirty="0"/>
+                        <a:t>0.38</a:t>
+                      </a:r>
+                    </a:p>
+                  </a:txBody>
+                  <a:tcPr anchor="ctr"/>
+                </a:tc>
+                <a:tc>
+                  <a:txBody>
+                    <a:bodyPr/>
+                    <a:lstStyle/>
+                    <a:p>
+                      <a:pPr algn="ctr"/>
+                      <a:r>
+                        <a:rPr lang="en-US" sz="1600" dirty="0"/>
+                        <a:t>0.16</a:t>
+                      </a:r>
+                    </a:p>
+                  </a:txBody>
+                  <a:tcPr anchor="ctr"/>
+                </a:tc>
+                <a:tc>
+                  <a:txBody>
+                    <a:bodyPr/>
+                    <a:lstStyle/>
+                    <a:p>
+                      <a:pPr algn="ctr"/>
+                      <a:r>
+                        <a:rPr lang="en-US" sz="1600" dirty="0"/>
+                        <a:t>50</a:t>
+                      </a:r>
+                    </a:p>
+                  </a:txBody>
+                  <a:tcPr anchor="ctr"/>
+                </a:tc>
+                <a:tc>
+                  <a:txBody>
+                    <a:bodyPr/>
+                    <a:lstStyle/>
+                    <a:p>
+                      <a:pPr algn="ctr"/>
+                      <a:endParaRPr lang="en-US" sz="1600" dirty="0"/>
+                    </a:p>
+                    <a:p>
+                      <a:pPr algn="ctr"/>
+                      <a:endParaRPr lang="en-US" sz="1600" dirty="0"/>
+                    </a:p>
+                  </a:txBody>
+                  <a:tcPr anchor="ctr"/>
+                </a:tc>
+                <a:extLst>
+                  <a:ext uri="{0D108BD9-81ED-4DB2-BD59-A6C34878D82A}">
+                    <a16:rowId xmlns:a16="http://schemas.microsoft.com/office/drawing/2014/main" val="3477047939"/>
+                  </a:ext>
+                </a:extLst>
+              </a:tr>
+              <a:tr h="494487">
+                <a:tc>
+                  <a:txBody>
+                    <a:bodyPr/>
+                    <a:lstStyle/>
+                    <a:p>
+                      <a:pPr marL="0" marR="0" lvl="0" indent="0" algn="ctr" defTabSz="914400" rtl="0" eaLnBrk="1" fontAlgn="auto" latinLnBrk="0" hangingPunct="1">
+                        <a:lnSpc>
+                          <a:spcPct val="100000"/>
+                        </a:lnSpc>
+                        <a:spcBef>
+                          <a:spcPts val="0"/>
+                        </a:spcBef>
+                        <a:spcAft>
+                          <a:spcPts val="0"/>
+                        </a:spcAft>
+                        <a:buClrTx/>
+                        <a:buSzTx/>
+                        <a:buFontTx/>
+                        <a:buNone/>
+                        <a:tabLst/>
+                        <a:defRPr/>
+                      </a:pPr>
+                      <a:r>
+                        <a:rPr lang="en-US" sz="1600" dirty="0"/>
+                        <a:t>Transformer (Big)</a:t>
+                      </a:r>
+                    </a:p>
+                    <a:p>
+                      <a:pPr marL="0" marR="0" lvl="0" indent="0" algn="ctr" defTabSz="914400" rtl="0" eaLnBrk="1" fontAlgn="auto" latinLnBrk="0" hangingPunct="1">
+                        <a:lnSpc>
+                          <a:spcPct val="100000"/>
+                        </a:lnSpc>
+                        <a:spcBef>
+                          <a:spcPts val="0"/>
+                        </a:spcBef>
+                        <a:spcAft>
+                          <a:spcPts val="0"/>
+                        </a:spcAft>
+                        <a:buClrTx/>
+                        <a:buSzTx/>
+                        <a:buFontTx/>
+                        <a:buNone/>
+                        <a:tabLst/>
+                        <a:defRPr/>
+                      </a:pPr>
+                      <a:r>
+                        <a:rPr lang="en-US" sz="1600" dirty="0"/>
+                        <a:t>+ residual MLP head</a:t>
                       </a:r>
                     </a:p>
                   </a:txBody>
@@ -5985,6 +6500,57 @@
                       <a:pPr algn="ctr"/>
                       <a:endParaRPr lang="en-US" sz="1600" dirty="0"/>
                     </a:p>
+                  </a:txBody>
+                  <a:tcPr anchor="ctr"/>
+                </a:tc>
+                <a:tc>
+                  <a:txBody>
+                    <a:bodyPr/>
+                    <a:lstStyle/>
+                    <a:p>
+                      <a:pPr algn="ctr"/>
+                      <a:endParaRPr lang="en-US" sz="1600" dirty="0"/>
+                    </a:p>
+                  </a:txBody>
+                  <a:tcPr anchor="ctr"/>
+                </a:tc>
+                <a:tc>
+                  <a:txBody>
+                    <a:bodyPr/>
+                    <a:lstStyle/>
+                    <a:p>
+                      <a:pPr algn="ctr"/>
+                      <a:endParaRPr lang="en-US" sz="1600" dirty="0"/>
+                    </a:p>
+                  </a:txBody>
+                  <a:tcPr anchor="ctr"/>
+                </a:tc>
+                <a:tc>
+                  <a:txBody>
+                    <a:bodyPr/>
+                    <a:lstStyle/>
+                    <a:p>
+                      <a:pPr algn="ctr"/>
+                      <a:endParaRPr lang="en-US" sz="1600" dirty="0"/>
+                    </a:p>
+                  </a:txBody>
+                  <a:tcPr anchor="ctr"/>
+                </a:tc>
+                <a:tc>
+                  <a:txBody>
+                    <a:bodyPr/>
+                    <a:lstStyle/>
+                    <a:p>
+                      <a:pPr algn="ctr"/>
+                      <a:endParaRPr lang="en-US" sz="1600" dirty="0"/>
+                    </a:p>
+                  </a:txBody>
+                  <a:tcPr anchor="ctr"/>
+                </a:tc>
+                <a:tc>
+                  <a:txBody>
+                    <a:bodyPr/>
+                    <a:lstStyle/>
                     <a:p>
                       <a:pPr algn="ctr"/>
                       <a:endParaRPr lang="en-US" sz="1600" dirty="0"/>
@@ -5994,7 +6560,7 @@
                 </a:tc>
                 <a:extLst>
                   <a:ext uri="{0D108BD9-81ED-4DB2-BD59-A6C34878D82A}">
-                    <a16:rowId xmlns:a16="http://schemas.microsoft.com/office/drawing/2014/main" val="3477047939"/>
+                    <a16:rowId xmlns:a16="http://schemas.microsoft.com/office/drawing/2014/main" val="3985759943"/>
                   </a:ext>
                 </a:extLst>
               </a:tr>
@@ -6002,6 +6568,90 @@
           </a:graphicData>
         </a:graphic>
       </p:graphicFrame>
+      <p:sp>
+        <p:nvSpPr>
+          <p:cNvPr id="5" name="TextBox 4">
+            <a:extLst>
+              <a:ext uri="{FF2B5EF4-FFF2-40B4-BE49-F238E27FC236}">
+                <a16:creationId xmlns:a16="http://schemas.microsoft.com/office/drawing/2014/main" id="{22E1360C-8E5D-E6DE-7E7C-AA2640FDD894}"/>
+              </a:ext>
+            </a:extLst>
+          </p:cNvPr>
+          <p:cNvSpPr txBox="1"/>
+          <p:nvPr/>
+        </p:nvSpPr>
+        <p:spPr>
+          <a:xfrm>
+            <a:off x="378160" y="5624819"/>
+            <a:ext cx="6823599" cy="584775"/>
+          </a:xfrm>
+          <a:prstGeom prst="rect">
+            <a:avLst/>
+          </a:prstGeom>
+          <a:noFill/>
+        </p:spPr>
+        <p:txBody>
+          <a:bodyPr wrap="none" rtlCol="0">
+            <a:spAutoFit/>
+          </a:bodyPr>
+          <a:lstStyle/>
+          <a:p>
+            <a:pPr marL="285750" indent="-285750">
+              <a:buFont typeface="Arial" panose="020B0604020202020204" pitchFamily="34" charset="0"/>
+              <a:buChar char="•"/>
+            </a:pPr>
+            <a:r>
+              <a:rPr lang="en-US" sz="1600" dirty="0"/>
+              <a:t>MAPE : mean absolute percentage error : mean(abs(actual-pred)/actual)</a:t>
+            </a:r>
+          </a:p>
+          <a:p>
+            <a:pPr marL="285750" indent="-285750">
+              <a:buFont typeface="Arial" panose="020B0604020202020204" pitchFamily="34" charset="0"/>
+              <a:buChar char="•"/>
+            </a:pPr>
+            <a:r>
+              <a:rPr lang="en-US" sz="1600" dirty="0"/>
+              <a:t>PPE10 : percentage of time prediction is within 10% of actual  </a:t>
+            </a:r>
+          </a:p>
+        </p:txBody>
+      </p:sp>
+      <p:sp>
+        <p:nvSpPr>
+          <p:cNvPr id="6" name="TextBox 5">
+            <a:extLst>
+              <a:ext uri="{FF2B5EF4-FFF2-40B4-BE49-F238E27FC236}">
+                <a16:creationId xmlns:a16="http://schemas.microsoft.com/office/drawing/2014/main" id="{81ADAF34-F149-F6E4-CCAD-6A94EE8DED2D}"/>
+              </a:ext>
+            </a:extLst>
+          </p:cNvPr>
+          <p:cNvSpPr txBox="1"/>
+          <p:nvPr/>
+        </p:nvSpPr>
+        <p:spPr>
+          <a:xfrm>
+            <a:off x="114248" y="616319"/>
+            <a:ext cx="4098238" cy="369332"/>
+          </a:xfrm>
+          <a:prstGeom prst="rect">
+            <a:avLst/>
+          </a:prstGeom>
+          <a:noFill/>
+        </p:spPr>
+        <p:txBody>
+          <a:bodyPr wrap="none" rtlCol="0">
+            <a:spAutoFit/>
+          </a:bodyPr>
+          <a:lstStyle/>
+          <a:p>
+            <a:r>
+              <a:rPr lang="en-US" dirty="0"/>
+              <a:t>metrics calculated on the validation set</a:t>
+            </a:r>
+          </a:p>
+        </p:txBody>
+      </p:sp>
     </p:spTree>
     <p:extLst>
       <p:ext uri="{BB962C8B-B14F-4D97-AF65-F5344CB8AC3E}">

--- a/Homework-aAlphaBio.pptx
+++ b/Homework-aAlphaBio.pptx
@@ -19,30 +19,32 @@
     <p:sldId id="348" r:id="rId13"/>
     <p:sldId id="343" r:id="rId14"/>
     <p:sldId id="341" r:id="rId15"/>
-    <p:sldId id="346" r:id="rId16"/>
-    <p:sldId id="352" r:id="rId17"/>
-    <p:sldId id="320" r:id="rId18"/>
-    <p:sldId id="257" r:id="rId19"/>
-    <p:sldId id="322" r:id="rId20"/>
-    <p:sldId id="355" r:id="rId21"/>
-    <p:sldId id="258" r:id="rId22"/>
-    <p:sldId id="318" r:id="rId23"/>
-    <p:sldId id="321" r:id="rId24"/>
-    <p:sldId id="349" r:id="rId25"/>
-    <p:sldId id="353" r:id="rId26"/>
-    <p:sldId id="347" r:id="rId27"/>
-    <p:sldId id="334" r:id="rId28"/>
-    <p:sldId id="354" r:id="rId29"/>
-    <p:sldId id="339" r:id="rId30"/>
-    <p:sldId id="337" r:id="rId31"/>
-    <p:sldId id="330" r:id="rId32"/>
-    <p:sldId id="329" r:id="rId33"/>
-    <p:sldId id="331" r:id="rId34"/>
-    <p:sldId id="259" r:id="rId35"/>
-    <p:sldId id="260" r:id="rId36"/>
-    <p:sldId id="324" r:id="rId37"/>
-    <p:sldId id="261" r:id="rId38"/>
-    <p:sldId id="340" r:id="rId39"/>
+    <p:sldId id="356" r:id="rId16"/>
+    <p:sldId id="357" r:id="rId17"/>
+    <p:sldId id="346" r:id="rId18"/>
+    <p:sldId id="352" r:id="rId19"/>
+    <p:sldId id="320" r:id="rId20"/>
+    <p:sldId id="257" r:id="rId21"/>
+    <p:sldId id="322" r:id="rId22"/>
+    <p:sldId id="355" r:id="rId23"/>
+    <p:sldId id="258" r:id="rId24"/>
+    <p:sldId id="318" r:id="rId25"/>
+    <p:sldId id="321" r:id="rId26"/>
+    <p:sldId id="349" r:id="rId27"/>
+    <p:sldId id="353" r:id="rId28"/>
+    <p:sldId id="347" r:id="rId29"/>
+    <p:sldId id="334" r:id="rId30"/>
+    <p:sldId id="354" r:id="rId31"/>
+    <p:sldId id="339" r:id="rId32"/>
+    <p:sldId id="337" r:id="rId33"/>
+    <p:sldId id="330" r:id="rId34"/>
+    <p:sldId id="329" r:id="rId35"/>
+    <p:sldId id="331" r:id="rId36"/>
+    <p:sldId id="259" r:id="rId37"/>
+    <p:sldId id="260" r:id="rId38"/>
+    <p:sldId id="324" r:id="rId39"/>
+    <p:sldId id="261" r:id="rId40"/>
+    <p:sldId id="340" r:id="rId41"/>
   </p:sldIdLst>
   <p:sldSz cx="12192000" cy="6858000"/>
   <p:notesSz cx="6858000" cy="9144000"/>
@@ -4363,10 +4365,10 @@
       </p:sp>
       <p:grpSp>
         <p:nvGrpSpPr>
-          <p:cNvPr id="22" name="Group 21">
+          <p:cNvPr id="37" name="Group 36">
             <a:extLst>
               <a:ext uri="{FF2B5EF4-FFF2-40B4-BE49-F238E27FC236}">
-                <a16:creationId xmlns:a16="http://schemas.microsoft.com/office/drawing/2014/main" id="{BB53754A-358D-9F4B-D58B-3A61F898B3A4}"/>
+                <a16:creationId xmlns:a16="http://schemas.microsoft.com/office/drawing/2014/main" id="{0D1C0C77-DC58-8907-431B-618511126BB1}"/>
               </a:ext>
             </a:extLst>
           </p:cNvPr>
@@ -4375,18 +4377,18 @@
         </p:nvGrpSpPr>
         <p:grpSpPr>
           <a:xfrm>
-            <a:off x="457207" y="1052422"/>
-            <a:ext cx="2435923" cy="2941608"/>
-            <a:chOff x="681491" y="1052422"/>
-            <a:chExt cx="2435923" cy="2941608"/>
+            <a:off x="1520703" y="862641"/>
+            <a:ext cx="2655761" cy="4028545"/>
+            <a:chOff x="1028999" y="1061051"/>
+            <a:chExt cx="2655761" cy="4028545"/>
           </a:xfrm>
         </p:grpSpPr>
         <p:sp>
           <p:nvSpPr>
-            <p:cNvPr id="13" name="Rectangle 12">
+            <p:cNvPr id="36" name="Rectangle 35">
               <a:extLst>
                 <a:ext uri="{FF2B5EF4-FFF2-40B4-BE49-F238E27FC236}">
-                  <a16:creationId xmlns:a16="http://schemas.microsoft.com/office/drawing/2014/main" id="{FFDC333F-D8D2-B5D5-CDC0-E75EA11236F7}"/>
+                  <a16:creationId xmlns:a16="http://schemas.microsoft.com/office/drawing/2014/main" id="{15D2C7F2-AA0F-C7D0-AFFC-B97BBB4FF134}"/>
                 </a:ext>
               </a:extLst>
             </p:cNvPr>
@@ -4395,8 +4397,8 @@
           </p:nvSpPr>
           <p:spPr>
             <a:xfrm>
-              <a:off x="681491" y="1052422"/>
-              <a:ext cx="2435923" cy="2941608"/>
+              <a:off x="1028999" y="1069685"/>
+              <a:ext cx="2655761" cy="4019911"/>
             </a:xfrm>
             <a:prstGeom prst="rect">
               <a:avLst/>
@@ -4451,7 +4453,7 @@
           </p:nvSpPr>
           <p:spPr>
             <a:xfrm>
-              <a:off x="1059560" y="1052425"/>
+              <a:off x="1585775" y="1061051"/>
               <a:ext cx="1531188" cy="369332"/>
             </a:xfrm>
             <a:prstGeom prst="rect">
@@ -4486,8 +4488,8 @@
           </p:nvSpPr>
           <p:spPr>
             <a:xfrm>
-              <a:off x="681491" y="1414740"/>
-              <a:ext cx="2435923" cy="1323439"/>
+              <a:off x="1155950" y="1423366"/>
+              <a:ext cx="2435923" cy="2062103"/>
             </a:xfrm>
             <a:prstGeom prst="rect">
               <a:avLst/>
@@ -4544,6 +4546,36 @@
                 <a:buFont typeface="Arial" panose="020B0604020202020204" pitchFamily="34" charset="0"/>
                 <a:buChar char="•"/>
               </a:pPr>
+              <a:r>
+                <a:rPr lang="en-US" sz="1600" dirty="0"/>
+                <a:t>regularize sequences</a:t>
+              </a:r>
+            </a:p>
+            <a:p>
+              <a:pPr marL="742950" lvl="1" indent="-285750">
+                <a:buFont typeface="Arial" panose="020B0604020202020204" pitchFamily="34" charset="0"/>
+                <a:buChar char="•"/>
+              </a:pPr>
+              <a:r>
+                <a:rPr lang="en-US" sz="1600" dirty="0"/>
+                <a:t>flip prob:</a:t>
+              </a:r>
+            </a:p>
+            <a:p>
+              <a:pPr marL="742950" lvl="1" indent="-285750">
+                <a:buFont typeface="Arial" panose="020B0604020202020204" pitchFamily="34" charset="0"/>
+                <a:buChar char="•"/>
+              </a:pPr>
+              <a:r>
+                <a:rPr lang="en-US" sz="1600" dirty="0"/>
+                <a:t>mask prob:</a:t>
+              </a:r>
+            </a:p>
+            <a:p>
+              <a:pPr marL="285750" indent="-285750">
+                <a:buFont typeface="Arial" panose="020B0604020202020204" pitchFamily="34" charset="0"/>
+                <a:buChar char="•"/>
+              </a:pPr>
               <a:endParaRPr lang="en-US" sz="1600" dirty="0"/>
             </a:p>
           </p:txBody>
@@ -4551,10 +4583,10 @@
       </p:grpSp>
       <p:grpSp>
         <p:nvGrpSpPr>
-          <p:cNvPr id="23" name="Group 22">
+          <p:cNvPr id="38" name="Group 37">
             <a:extLst>
               <a:ext uri="{FF2B5EF4-FFF2-40B4-BE49-F238E27FC236}">
-                <a16:creationId xmlns:a16="http://schemas.microsoft.com/office/drawing/2014/main" id="{0C3ECD85-051C-8EAD-5345-2A59D923A7E6}"/>
+                <a16:creationId xmlns:a16="http://schemas.microsoft.com/office/drawing/2014/main" id="{E6D59257-FFDB-E789-A1AA-B56DB1B66FF8}"/>
               </a:ext>
             </a:extLst>
           </p:cNvPr>
@@ -4563,10 +4595,10 @@
         </p:nvGrpSpPr>
         <p:grpSpPr>
           <a:xfrm>
-            <a:off x="3331988" y="1052422"/>
-            <a:ext cx="2524089" cy="2941608"/>
-            <a:chOff x="3219842" y="1052422"/>
-            <a:chExt cx="2524089" cy="2941608"/>
+            <a:off x="4495540" y="862641"/>
+            <a:ext cx="2655761" cy="4147971"/>
+            <a:chOff x="4003836" y="1061047"/>
+            <a:chExt cx="2655761" cy="4147971"/>
           </a:xfrm>
         </p:grpSpPr>
         <p:sp>
@@ -4583,8 +4615,8 @@
           </p:nvSpPr>
           <p:spPr>
             <a:xfrm>
-              <a:off x="3227451" y="1052422"/>
-              <a:ext cx="2435923" cy="2941608"/>
+              <a:off x="4003836" y="1061047"/>
+              <a:ext cx="2655761" cy="4019911"/>
             </a:xfrm>
             <a:prstGeom prst="rect">
               <a:avLst/>
@@ -4639,7 +4671,7 @@
           </p:nvSpPr>
           <p:spPr>
             <a:xfrm>
-              <a:off x="3219842" y="1052425"/>
+              <a:off x="4082487" y="1061051"/>
               <a:ext cx="2524089" cy="369332"/>
             </a:xfrm>
             <a:prstGeom prst="rect">
@@ -4674,8 +4706,8 @@
           </p:nvSpPr>
           <p:spPr>
             <a:xfrm>
-              <a:off x="3264470" y="1414740"/>
-              <a:ext cx="2258311" cy="2308324"/>
+              <a:off x="4101237" y="1423366"/>
+              <a:ext cx="2357120" cy="3785652"/>
             </a:xfrm>
             <a:prstGeom prst="rect">
               <a:avLst/>
@@ -4776,8 +4808,42 @@
               </a:pPr>
               <a:r>
                 <a:rPr lang="en-US" sz="1600" dirty="0"/>
-                <a:t>dropout </a:t>
+                <a:t>dropout</a:t>
               </a:r>
+            </a:p>
+            <a:p>
+              <a:pPr marL="742950" lvl="1" indent="-285750">
+                <a:buFont typeface="Arial" panose="020B0604020202020204" pitchFamily="34" charset="0"/>
+                <a:buChar char="•"/>
+              </a:pPr>
+              <a:r>
+                <a:rPr lang="en-US" sz="1600" dirty="0" err="1"/>
+                <a:t>emb</a:t>
+              </a:r>
+              <a:r>
+                <a:rPr lang="en-US" sz="1600" dirty="0"/>
+                <a:t>: 0.1</a:t>
+              </a:r>
+            </a:p>
+            <a:p>
+              <a:pPr marL="742950" lvl="1" indent="-285750">
+                <a:buFont typeface="Arial" panose="020B0604020202020204" pitchFamily="34" charset="0"/>
+                <a:buChar char="•"/>
+              </a:pPr>
+              <a:r>
+                <a:rPr lang="en-US" sz="1600" dirty="0" err="1"/>
+                <a:t>tform</a:t>
+              </a:r>
+              <a:r>
+                <a:rPr lang="en-US" sz="1600" dirty="0"/>
+                <a:t>: 0.1</a:t>
+              </a:r>
+            </a:p>
+            <a:p>
+              <a:pPr marL="742950" lvl="1" indent="-285750">
+                <a:buFont typeface="Arial" panose="020B0604020202020204" pitchFamily="34" charset="0"/>
+                <a:buChar char="•"/>
+              </a:pPr>
               <a:r>
                 <a:rPr lang="en-US" sz="1600" dirty="0" err="1"/>
                 <a:t>mlp</a:t>
@@ -4794,26 +4860,45 @@
               </a:pPr>
               <a:r>
                 <a:rPr lang="en-US" sz="1600" dirty="0"/>
-                <a:t>dropout </a:t>
+                <a:t>regularize sequences</a:t>
               </a:r>
-              <a:r>
-                <a:rPr lang="en-US" sz="1600" dirty="0" err="1"/>
-                <a:t>tformer</a:t>
-              </a:r>
+            </a:p>
+            <a:p>
+              <a:pPr marL="742950" lvl="1" indent="-285750">
+                <a:buFont typeface="Arial" panose="020B0604020202020204" pitchFamily="34" charset="0"/>
+                <a:buChar char="•"/>
+              </a:pPr>
               <a:r>
                 <a:rPr lang="en-US" sz="1600" dirty="0"/>
-                <a:t>: 0.2</a:t>
+                <a:t>flip prob: 0.1</a:t>
               </a:r>
+            </a:p>
+            <a:p>
+              <a:pPr marL="742950" lvl="1" indent="-285750">
+                <a:buFont typeface="Arial" panose="020B0604020202020204" pitchFamily="34" charset="0"/>
+                <a:buChar char="•"/>
+              </a:pPr>
+              <a:r>
+                <a:rPr lang="en-US" sz="1600" dirty="0"/>
+                <a:t>mask prob: 0.05</a:t>
+              </a:r>
+            </a:p>
+            <a:p>
+              <a:pPr marL="285750" indent="-285750">
+                <a:buFont typeface="Arial" panose="020B0604020202020204" pitchFamily="34" charset="0"/>
+                <a:buChar char="•"/>
+              </a:pPr>
+              <a:endParaRPr lang="en-US" sz="1600" dirty="0"/>
             </a:p>
           </p:txBody>
         </p:sp>
       </p:grpSp>
       <p:grpSp>
         <p:nvGrpSpPr>
-          <p:cNvPr id="24" name="Group 23">
+          <p:cNvPr id="39" name="Group 38">
             <a:extLst>
               <a:ext uri="{FF2B5EF4-FFF2-40B4-BE49-F238E27FC236}">
-                <a16:creationId xmlns:a16="http://schemas.microsoft.com/office/drawing/2014/main" id="{16549EC4-5C33-A19F-7347-12AA8BDDE2E3}"/>
+                <a16:creationId xmlns:a16="http://schemas.microsoft.com/office/drawing/2014/main" id="{A50EF4BA-52BE-C39D-B961-311BF8EDA1FB}"/>
               </a:ext>
             </a:extLst>
           </p:cNvPr>
@@ -4822,18 +4907,18 @@
         </p:nvGrpSpPr>
         <p:grpSpPr>
           <a:xfrm>
-            <a:off x="6250990" y="1052422"/>
-            <a:ext cx="2435923" cy="3163085"/>
-            <a:chOff x="5828290" y="1052422"/>
-            <a:chExt cx="2435923" cy="3163085"/>
+            <a:off x="7606395" y="862641"/>
+            <a:ext cx="2655761" cy="4139333"/>
+            <a:chOff x="7114691" y="1069685"/>
+            <a:chExt cx="2655761" cy="4139333"/>
           </a:xfrm>
         </p:grpSpPr>
         <p:sp>
           <p:nvSpPr>
-            <p:cNvPr id="15" name="Rectangle 14">
+            <p:cNvPr id="35" name="Rectangle 34">
               <a:extLst>
                 <a:ext uri="{FF2B5EF4-FFF2-40B4-BE49-F238E27FC236}">
-                  <a16:creationId xmlns:a16="http://schemas.microsoft.com/office/drawing/2014/main" id="{62BEBBAF-18EA-F3CD-2ECC-EA9E8D4B73D7}"/>
+                  <a16:creationId xmlns:a16="http://schemas.microsoft.com/office/drawing/2014/main" id="{7A8C9676-35FA-FB4C-ABC2-222BE641567F}"/>
                 </a:ext>
               </a:extLst>
             </p:cNvPr>
@@ -4842,8 +4927,8 @@
           </p:nvSpPr>
           <p:spPr>
             <a:xfrm>
-              <a:off x="5828290" y="1052422"/>
-              <a:ext cx="2435923" cy="2941608"/>
+              <a:off x="7114691" y="1069685"/>
+              <a:ext cx="2655761" cy="4019911"/>
             </a:xfrm>
             <a:prstGeom prst="rect">
               <a:avLst/>
@@ -4898,7 +4983,7 @@
           </p:nvSpPr>
           <p:spPr>
             <a:xfrm>
-              <a:off x="6399952" y="1061059"/>
+              <a:off x="7762931" y="1069685"/>
               <a:ext cx="1292598" cy="369332"/>
             </a:xfrm>
             <a:prstGeom prst="rect">
@@ -4937,8 +5022,8 @@
           </p:nvSpPr>
           <p:spPr>
             <a:xfrm>
-              <a:off x="6080611" y="1414740"/>
-              <a:ext cx="1774973" cy="2800767"/>
+              <a:off x="7253810" y="1423366"/>
+              <a:ext cx="2350836" cy="3785652"/>
             </a:xfrm>
             <a:prstGeom prst="rect">
               <a:avLst/>
@@ -5045,11 +5130,11 @@
               </a:pPr>
               <a:r>
                 <a:rPr lang="en-US" sz="1600" dirty="0" err="1"/>
-                <a:t>attn:</a:t>
+                <a:t>tform</a:t>
               </a:r>
               <a:r>
                 <a:rPr lang="en-US" sz="1600" dirty="0"/>
-                <a:t> 0.1</a:t>
+                <a:t>: 0.1</a:t>
               </a:r>
             </a:p>
             <a:p>
@@ -5063,8 +5148,45 @@
               </a:r>
               <a:r>
                 <a:rPr lang="en-US" sz="1600" dirty="0"/>
-                <a:t>: 0.02</a:t>
+                <a:t>: 0.2</a:t>
               </a:r>
+            </a:p>
+            <a:p>
+              <a:pPr marL="285750" indent="-285750">
+                <a:buFont typeface="Arial" panose="020B0604020202020204" pitchFamily="34" charset="0"/>
+                <a:buChar char="•"/>
+              </a:pPr>
+              <a:r>
+                <a:rPr lang="en-US" sz="1600" dirty="0"/>
+                <a:t>regularize sequences</a:t>
+              </a:r>
+            </a:p>
+            <a:p>
+              <a:pPr marL="742950" lvl="1" indent="-285750">
+                <a:buFont typeface="Arial" panose="020B0604020202020204" pitchFamily="34" charset="0"/>
+                <a:buChar char="•"/>
+              </a:pPr>
+              <a:r>
+                <a:rPr lang="en-US" sz="1600" dirty="0"/>
+                <a:t>flip prob: 0.1</a:t>
+              </a:r>
+            </a:p>
+            <a:p>
+              <a:pPr marL="742950" lvl="1" indent="-285750">
+                <a:buFont typeface="Arial" panose="020B0604020202020204" pitchFamily="34" charset="0"/>
+                <a:buChar char="•"/>
+              </a:pPr>
+              <a:r>
+                <a:rPr lang="en-US" sz="1600" dirty="0"/>
+                <a:t>mask prob: 0.05</a:t>
+              </a:r>
+            </a:p>
+            <a:p>
+              <a:pPr marL="285750" indent="-285750">
+                <a:buFont typeface="Arial" panose="020B0604020202020204" pitchFamily="34" charset="0"/>
+                <a:buChar char="•"/>
+              </a:pPr>
+              <a:endParaRPr lang="en-US" sz="1600" dirty="0"/>
             </a:p>
             <a:p>
               <a:pPr marL="285750" indent="-285750">
@@ -5090,8 +5212,8 @@
         </p:nvSpPr>
         <p:spPr>
           <a:xfrm>
-            <a:off x="436781" y="4430545"/>
-            <a:ext cx="10783018" cy="1569660"/>
+            <a:off x="379992" y="4949180"/>
+            <a:ext cx="10783018" cy="1384995"/>
           </a:xfrm>
           <a:prstGeom prst="rect">
             <a:avLst/>
@@ -5105,11 +5227,11 @@
           <a:lstStyle/>
           <a:p>
             <a:r>
-              <a:rPr lang="en-US" sz="1600" dirty="0" err="1"/>
+              <a:rPr lang="en-US" sz="1400" dirty="0" err="1"/>
               <a:t>Misc</a:t>
             </a:r>
             <a:r>
-              <a:rPr lang="en-US" sz="1600" dirty="0"/>
+              <a:rPr lang="en-US" sz="1400" dirty="0"/>
               <a:t>:</a:t>
             </a:r>
           </a:p>
@@ -5119,15 +5241,23 @@
               <a:buChar char="•"/>
             </a:pPr>
             <a:r>
-              <a:rPr lang="en-US" sz="1600" dirty="0"/>
-              <a:t>VIT: due to resource constraints, I could not explore larger attention heads (</a:t>
-            </a:r>
-            <a:r>
-              <a:rPr lang="en-US" sz="1600" dirty="0" err="1"/>
+              <a:rPr lang="en-US" sz="1400" dirty="0"/>
+              <a:t>VIT &amp; </a:t>
+            </a:r>
+            <a:r>
+              <a:rPr lang="en-US" sz="1400" dirty="0" err="1"/>
+              <a:t>TForm</a:t>
+            </a:r>
+            <a:r>
+              <a:rPr lang="en-US" sz="1400" dirty="0"/>
+              <a:t> models: due to resource constraints, I could not explore larger attention heads (</a:t>
+            </a:r>
+            <a:r>
+              <a:rPr lang="en-US" sz="1400" dirty="0" err="1"/>
               <a:t>emb</a:t>
             </a:r>
             <a:r>
-              <a:rPr lang="en-US" sz="1600" dirty="0"/>
+              <a:rPr lang="en-US" sz="1400" dirty="0"/>
               <a:t>, heads, layers)</a:t>
             </a:r>
           </a:p>
@@ -5137,12 +5267,12 @@
               <a:buChar char="•"/>
             </a:pPr>
             <a:r>
-              <a:rPr lang="en-US" sz="1600" dirty="0" err="1"/>
+              <a:rPr lang="en-US" sz="1400" dirty="0" err="1"/>
               <a:t>AdamW</a:t>
             </a:r>
             <a:r>
-              <a:rPr lang="en-US" sz="1600" dirty="0"/>
-              <a:t> and exponential learning rate decay for all trainings</a:t>
+              <a:rPr lang="en-US" sz="1400" dirty="0"/>
+              <a:t> and exponential learning rate decay in all cases</a:t>
             </a:r>
           </a:p>
           <a:p>
@@ -5151,8 +5281,8 @@
               <a:buChar char="•"/>
             </a:pPr>
             <a:r>
-              <a:rPr lang="en-US" sz="1600" dirty="0"/>
-              <a:t>Initial learning rate 0.0001</a:t>
+              <a:rPr lang="en-US" sz="1400" dirty="0"/>
+              <a:t>Initial learning rate 0.001</a:t>
             </a:r>
           </a:p>
           <a:p>
@@ -5161,7 +5291,7 @@
               <a:buChar char="•"/>
             </a:pPr>
             <a:r>
-              <a:rPr lang="en-US" sz="1600" dirty="0"/>
+              <a:rPr lang="en-US" sz="1400" dirty="0"/>
               <a:t>Loss: MSE</a:t>
             </a:r>
           </a:p>
@@ -5171,288 +5301,20 @@
               <a:buChar char="•"/>
             </a:pPr>
             <a:r>
-              <a:rPr lang="en-US" sz="1600" dirty="0"/>
+              <a:rPr lang="en-US" sz="1400" dirty="0"/>
               <a:t>VIT </a:t>
             </a:r>
             <a:r>
-              <a:rPr lang="en-US" sz="1600" dirty="0" err="1"/>
+              <a:rPr lang="en-US" sz="1400" dirty="0" err="1"/>
               <a:t>blocksize</a:t>
             </a:r>
             <a:r>
-              <a:rPr lang="en-US" sz="1600" dirty="0"/>
+              <a:rPr lang="en-US" sz="1400" dirty="0"/>
               <a:t>: I cut off the last 5 aa residues to better accommodate the dimensions needed for the VIT image patches</a:t>
             </a:r>
           </a:p>
         </p:txBody>
       </p:sp>
-      <p:grpSp>
-        <p:nvGrpSpPr>
-          <p:cNvPr id="26" name="Group 25">
-            <a:extLst>
-              <a:ext uri="{FF2B5EF4-FFF2-40B4-BE49-F238E27FC236}">
-                <a16:creationId xmlns:a16="http://schemas.microsoft.com/office/drawing/2014/main" id="{AD067232-C46E-37E6-EE25-AF2D60E4B5DD}"/>
-              </a:ext>
-            </a:extLst>
-          </p:cNvPr>
-          <p:cNvGrpSpPr/>
-          <p:nvPr/>
-        </p:nvGrpSpPr>
-        <p:grpSpPr>
-          <a:xfrm>
-            <a:off x="9118209" y="1061059"/>
-            <a:ext cx="2435923" cy="3163085"/>
-            <a:chOff x="5828290" y="1052422"/>
-            <a:chExt cx="2435923" cy="3163085"/>
-          </a:xfrm>
-        </p:grpSpPr>
-        <p:sp>
-          <p:nvSpPr>
-            <p:cNvPr id="27" name="Rectangle 26">
-              <a:extLst>
-                <a:ext uri="{FF2B5EF4-FFF2-40B4-BE49-F238E27FC236}">
-                  <a16:creationId xmlns:a16="http://schemas.microsoft.com/office/drawing/2014/main" id="{79E89C9D-FDBD-C2CA-9295-56641C645DB6}"/>
-                </a:ext>
-              </a:extLst>
-            </p:cNvPr>
-            <p:cNvSpPr/>
-            <p:nvPr/>
-          </p:nvSpPr>
-          <p:spPr>
-            <a:xfrm>
-              <a:off x="5828290" y="1052422"/>
-              <a:ext cx="2435923" cy="2941608"/>
-            </a:xfrm>
-            <a:prstGeom prst="rect">
-              <a:avLst/>
-            </a:prstGeom>
-            <a:solidFill>
-              <a:schemeClr val="accent4">
-                <a:alpha val="19958"/>
-              </a:schemeClr>
-            </a:solidFill>
-            <a:ln>
-              <a:solidFill>
-                <a:schemeClr val="tx1"/>
-              </a:solidFill>
-            </a:ln>
-          </p:spPr>
-          <p:style>
-            <a:lnRef idx="2">
-              <a:schemeClr val="accent1">
-                <a:shade val="15000"/>
-              </a:schemeClr>
-            </a:lnRef>
-            <a:fillRef idx="1">
-              <a:schemeClr val="accent1"/>
-            </a:fillRef>
-            <a:effectRef idx="0">
-              <a:schemeClr val="accent1"/>
-            </a:effectRef>
-            <a:fontRef idx="minor">
-              <a:schemeClr val="lt1"/>
-            </a:fontRef>
-          </p:style>
-          <p:txBody>
-            <a:bodyPr rtlCol="0" anchor="ctr"/>
-            <a:lstStyle/>
-            <a:p>
-              <a:pPr algn="ctr"/>
-              <a:endParaRPr lang="en-US"/>
-            </a:p>
-          </p:txBody>
-        </p:sp>
-        <p:sp>
-          <p:nvSpPr>
-            <p:cNvPr id="28" name="TextBox 27">
-              <a:extLst>
-                <a:ext uri="{FF2B5EF4-FFF2-40B4-BE49-F238E27FC236}">
-                  <a16:creationId xmlns:a16="http://schemas.microsoft.com/office/drawing/2014/main" id="{16F6E8B5-F795-1A65-14C0-B48F67EB16CA}"/>
-                </a:ext>
-              </a:extLst>
-            </p:cNvPr>
-            <p:cNvSpPr txBox="1"/>
-            <p:nvPr/>
-          </p:nvSpPr>
-          <p:spPr>
-            <a:xfrm>
-              <a:off x="6176339" y="1052422"/>
-              <a:ext cx="1772537" cy="369332"/>
-            </a:xfrm>
-            <a:prstGeom prst="rect">
-              <a:avLst/>
-            </a:prstGeom>
-            <a:noFill/>
-          </p:spPr>
-          <p:txBody>
-            <a:bodyPr wrap="none" rtlCol="0">
-              <a:spAutoFit/>
-            </a:bodyPr>
-            <a:lstStyle/>
-            <a:p>
-              <a:r>
-                <a:rPr lang="en-US" dirty="0" err="1"/>
-                <a:t>TForm</a:t>
-              </a:r>
-              <a:r>
-                <a:rPr lang="en-US" dirty="0"/>
-                <a:t> MLP (big)</a:t>
-              </a:r>
-            </a:p>
-          </p:txBody>
-        </p:sp>
-        <p:sp>
-          <p:nvSpPr>
-            <p:cNvPr id="29" name="TextBox 28">
-              <a:extLst>
-                <a:ext uri="{FF2B5EF4-FFF2-40B4-BE49-F238E27FC236}">
-                  <a16:creationId xmlns:a16="http://schemas.microsoft.com/office/drawing/2014/main" id="{E352D573-F9CB-8BD9-1365-7441ECE45B4C}"/>
-                </a:ext>
-              </a:extLst>
-            </p:cNvPr>
-            <p:cNvSpPr txBox="1"/>
-            <p:nvPr/>
-          </p:nvSpPr>
-          <p:spPr>
-            <a:xfrm>
-              <a:off x="6080611" y="1414740"/>
-              <a:ext cx="1774973" cy="2800767"/>
-            </a:xfrm>
-            <a:prstGeom prst="rect">
-              <a:avLst/>
-            </a:prstGeom>
-            <a:noFill/>
-          </p:spPr>
-          <p:txBody>
-            <a:bodyPr wrap="none" rtlCol="0">
-              <a:spAutoFit/>
-            </a:bodyPr>
-            <a:lstStyle/>
-            <a:p>
-              <a:pPr marL="285750" indent="-285750">
-                <a:buFont typeface="Arial" panose="020B0604020202020204" pitchFamily="34" charset="0"/>
-                <a:buChar char="•"/>
-              </a:pPr>
-              <a:r>
-                <a:rPr lang="en-US" sz="1600" dirty="0"/>
-                <a:t>block size: 242</a:t>
-              </a:r>
-            </a:p>
-            <a:p>
-              <a:pPr marL="285750" indent="-285750">
-                <a:buFont typeface="Arial" panose="020B0604020202020204" pitchFamily="34" charset="0"/>
-                <a:buChar char="•"/>
-              </a:pPr>
-              <a:r>
-                <a:rPr lang="en-US" sz="1600" dirty="0" err="1"/>
-                <a:t>emb_dim</a:t>
-              </a:r>
-              <a:r>
-                <a:rPr lang="en-US" sz="1600" dirty="0"/>
-                <a:t>: 512</a:t>
-              </a:r>
-            </a:p>
-            <a:p>
-              <a:pPr marL="285750" indent="-285750">
-                <a:buFont typeface="Arial" panose="020B0604020202020204" pitchFamily="34" charset="0"/>
-                <a:buChar char="•"/>
-              </a:pPr>
-              <a:r>
-                <a:rPr lang="en-US" sz="1600" dirty="0"/>
-                <a:t>heads: 10</a:t>
-              </a:r>
-            </a:p>
-            <a:p>
-              <a:pPr marL="285750" indent="-285750">
-                <a:buFont typeface="Arial" panose="020B0604020202020204" pitchFamily="34" charset="0"/>
-                <a:buChar char="•"/>
-              </a:pPr>
-              <a:r>
-                <a:rPr lang="en-US" sz="1600" dirty="0"/>
-                <a:t>head size: 64</a:t>
-              </a:r>
-            </a:p>
-            <a:p>
-              <a:pPr marL="285750" indent="-285750">
-                <a:buFont typeface="Arial" panose="020B0604020202020204" pitchFamily="34" charset="0"/>
-                <a:buChar char="•"/>
-              </a:pPr>
-              <a:r>
-                <a:rPr lang="en-US" sz="1600" dirty="0"/>
-                <a:t>layers: 12</a:t>
-              </a:r>
-            </a:p>
-            <a:p>
-              <a:pPr marL="285750" indent="-285750">
-                <a:buFont typeface="Arial" panose="020B0604020202020204" pitchFamily="34" charset="0"/>
-                <a:buChar char="•"/>
-              </a:pPr>
-              <a:r>
-                <a:rPr lang="en-US" sz="1600" dirty="0"/>
-                <a:t>vocab size: 24</a:t>
-              </a:r>
-            </a:p>
-            <a:p>
-              <a:pPr marL="285750" indent="-285750">
-                <a:buFont typeface="Arial" panose="020B0604020202020204" pitchFamily="34" charset="0"/>
-                <a:buChar char="•"/>
-              </a:pPr>
-              <a:r>
-                <a:rPr lang="en-US" sz="1600" dirty="0"/>
-                <a:t>dropouts</a:t>
-              </a:r>
-            </a:p>
-            <a:p>
-              <a:pPr marL="742950" lvl="1" indent="-285750">
-                <a:buFont typeface="Arial" panose="020B0604020202020204" pitchFamily="34" charset="0"/>
-                <a:buChar char="•"/>
-              </a:pPr>
-              <a:r>
-                <a:rPr lang="en-US" sz="1600" dirty="0" err="1"/>
-                <a:t>emb</a:t>
-              </a:r>
-              <a:r>
-                <a:rPr lang="en-US" sz="1600" dirty="0"/>
-                <a:t>: 0.1</a:t>
-              </a:r>
-            </a:p>
-            <a:p>
-              <a:pPr marL="742950" lvl="1" indent="-285750">
-                <a:buFont typeface="Arial" panose="020B0604020202020204" pitchFamily="34" charset="0"/>
-                <a:buChar char="•"/>
-              </a:pPr>
-              <a:r>
-                <a:rPr lang="en-US" sz="1600" dirty="0" err="1"/>
-                <a:t>attn:</a:t>
-              </a:r>
-              <a:r>
-                <a:rPr lang="en-US" sz="1600" dirty="0"/>
-                <a:t> 0.1</a:t>
-              </a:r>
-            </a:p>
-            <a:p>
-              <a:pPr marL="742950" lvl="1" indent="-285750">
-                <a:buFont typeface="Arial" panose="020B0604020202020204" pitchFamily="34" charset="0"/>
-                <a:buChar char="•"/>
-              </a:pPr>
-              <a:r>
-                <a:rPr lang="en-US" sz="1600" dirty="0" err="1"/>
-                <a:t>mlp</a:t>
-              </a:r>
-              <a:r>
-                <a:rPr lang="en-US" sz="1600" dirty="0"/>
-                <a:t>: 0.02</a:t>
-              </a:r>
-            </a:p>
-            <a:p>
-              <a:pPr marL="285750" indent="-285750">
-                <a:buFont typeface="Arial" panose="020B0604020202020204" pitchFamily="34" charset="0"/>
-                <a:buChar char="•"/>
-              </a:pPr>
-              <a:endParaRPr lang="en-US" sz="1600" dirty="0"/>
-            </a:p>
-          </p:txBody>
-        </p:sp>
-      </p:grpSp>
     </p:spTree>
     <p:extLst>
       <p:ext uri="{BB962C8B-B14F-4D97-AF65-F5344CB8AC3E}">
@@ -5533,14 +5395,14 @@
           <p:nvPr>
             <p:extLst>
               <p:ext uri="{D42A27DB-BD31-4B8C-83A1-F6EECF244321}">
-                <p14:modId xmlns:p14="http://schemas.microsoft.com/office/powerpoint/2010/main" val="1171801894"/>
+                <p14:modId xmlns:p14="http://schemas.microsoft.com/office/powerpoint/2010/main" val="354233810"/>
               </p:ext>
             </p:extLst>
           </p:nvPr>
         </p:nvGraphicFramePr>
         <p:xfrm>
-          <a:off x="378160" y="1233181"/>
-          <a:ext cx="10484866" cy="3754988"/>
+          <a:off x="611070" y="1096508"/>
+          <a:ext cx="10711440" cy="3487475"/>
         </p:xfrm>
         <a:graphic>
           <a:graphicData uri="http://schemas.openxmlformats.org/drawingml/2006/table">
@@ -5549,7 +5411,7 @@
                 <a:tableStyleId>{5C22544A-7EE6-4342-B048-85BDC9FD1C3A}</a:tableStyleId>
               </a:tblPr>
               <a:tblGrid>
-                <a:gridCol w="2026348">
+                <a:gridCol w="1531048">
                   <a:extLst>
                     <a:ext uri="{9D8B030D-6E8A-4147-A177-3AD203B41FA5}">
                       <a16:colId xmlns:a16="http://schemas.microsoft.com/office/drawing/2014/main" val="1065848917"/>
@@ -5570,42 +5432,49 @@
                     </a:ext>
                   </a:extLst>
                 </a:gridCol>
-                <a:gridCol w="908368">
+                <a:gridCol w="1107987">
                   <a:extLst>
                     <a:ext uri="{9D8B030D-6E8A-4147-A177-3AD203B41FA5}">
                       <a16:colId xmlns:a16="http://schemas.microsoft.com/office/drawing/2014/main" val="1135465181"/>
                     </a:ext>
                   </a:extLst>
                 </a:gridCol>
-                <a:gridCol w="1120521">
+                <a:gridCol w="694585">
                   <a:extLst>
                     <a:ext uri="{9D8B030D-6E8A-4147-A177-3AD203B41FA5}">
                       <a16:colId xmlns:a16="http://schemas.microsoft.com/office/drawing/2014/main" val="2228991909"/>
                     </a:ext>
                   </a:extLst>
                 </a:gridCol>
-                <a:gridCol w="1120521">
+                <a:gridCol w="832386">
                   <a:extLst>
                     <a:ext uri="{9D8B030D-6E8A-4147-A177-3AD203B41FA5}">
                       <a16:colId xmlns:a16="http://schemas.microsoft.com/office/drawing/2014/main" val="91865083"/>
                     </a:ext>
                   </a:extLst>
                 </a:gridCol>
-                <a:gridCol w="875030">
+                <a:gridCol w="970016">
                   <a:extLst>
                     <a:ext uri="{9D8B030D-6E8A-4147-A177-3AD203B41FA5}">
                       <a16:colId xmlns:a16="http://schemas.microsoft.com/office/drawing/2014/main" val="2038468716"/>
                     </a:ext>
                   </a:extLst>
                 </a:gridCol>
-                <a:gridCol w="803592">
+                <a:gridCol w="903605">
                   <a:extLst>
                     <a:ext uri="{9D8B030D-6E8A-4147-A177-3AD203B41FA5}">
                       <a16:colId xmlns:a16="http://schemas.microsoft.com/office/drawing/2014/main" val="1596270969"/>
                     </a:ext>
                   </a:extLst>
                 </a:gridCol>
-                <a:gridCol w="1268730">
+                <a:gridCol w="903605">
+                  <a:extLst>
+                    <a:ext uri="{9D8B030D-6E8A-4147-A177-3AD203B41FA5}">
+                      <a16:colId xmlns:a16="http://schemas.microsoft.com/office/drawing/2014/main" val="2430703789"/>
+                    </a:ext>
+                  </a:extLst>
+                </a:gridCol>
+                <a:gridCol w="1406452">
                   <a:extLst>
                     <a:ext uri="{9D8B030D-6E8A-4147-A177-3AD203B41FA5}">
                       <a16:colId xmlns:a16="http://schemas.microsoft.com/office/drawing/2014/main" val="2256753199"/>
@@ -5671,7 +5540,11 @@
                       <a:pPr algn="ctr"/>
                       <a:r>
                         <a:rPr lang="en-US" sz="1600" dirty="0"/>
-                        <a:t>Epochs</a:t>
+                        <a:t>Epochs </a:t>
+                      </a:r>
+                      <a:r>
+                        <a:rPr lang="en-US" sz="1600" baseline="30000" dirty="0"/>
+                        <a:t>5</a:t>
                       </a:r>
                     </a:p>
                   </a:txBody>
@@ -5713,7 +5586,11 @@
                       <a:pPr algn="ctr"/>
                       <a:r>
                         <a:rPr lang="en-US" sz="1600" dirty="0"/>
-                        <a:t>MAPE</a:t>
+                        <a:t>MAPE </a:t>
+                      </a:r>
+                      <a:r>
+                        <a:rPr lang="en-US" sz="1600" baseline="30000" dirty="0"/>
+                        <a:t>2</a:t>
                       </a:r>
                     </a:p>
                   </a:txBody>
@@ -5727,7 +5604,45 @@
                       <a:pPr algn="ctr"/>
                       <a:r>
                         <a:rPr lang="en-US" sz="1600" dirty="0"/>
-                        <a:t>PPE10</a:t>
+                        <a:t>PPE10 </a:t>
+                      </a:r>
+                      <a:r>
+                        <a:rPr lang="en-US" sz="1600" baseline="30000" dirty="0"/>
+                        <a:t>3</a:t>
+                      </a:r>
+                    </a:p>
+                  </a:txBody>
+                  <a:tcPr anchor="ctr"/>
+                </a:tc>
+                <a:tc>
+                  <a:txBody>
+                    <a:bodyPr/>
+                    <a:lstStyle/>
+                    <a:p>
+                      <a:pPr marL="0" marR="0" lvl="0" indent="0" algn="ctr" defTabSz="914400" rtl="0" eaLnBrk="1" fontAlgn="auto" latinLnBrk="0" hangingPunct="1">
+                        <a:lnSpc>
+                          <a:spcPct val="100000"/>
+                        </a:lnSpc>
+                        <a:spcBef>
+                          <a:spcPts val="0"/>
+                        </a:spcBef>
+                        <a:spcAft>
+                          <a:spcPts val="0"/>
+                        </a:spcAft>
+                        <a:buClrTx/>
+                        <a:buSzTx/>
+                        <a:buFontTx/>
+                        <a:buNone/>
+                        <a:tabLst/>
+                        <a:defRPr/>
+                      </a:pPr>
+                      <a:r>
+                        <a:rPr lang="en-US" sz="1600" dirty="0"/>
+                        <a:t>PPE20 </a:t>
+                      </a:r>
+                      <a:r>
+                        <a:rPr lang="en-US" sz="1600" baseline="30000" dirty="0"/>
+                        <a:t>4</a:t>
                       </a:r>
                     </a:p>
                   </a:txBody>
@@ -5762,6 +5677,201 @@
                       <a:pPr algn="ctr"/>
                       <a:r>
                         <a:rPr lang="en-US" sz="1600" dirty="0"/>
+                        <a:t>MLP</a:t>
+                      </a:r>
+                    </a:p>
+                  </a:txBody>
+                  <a:tcPr anchor="ctr"/>
+                </a:tc>
+                <a:tc>
+                  <a:txBody>
+                    <a:bodyPr/>
+                    <a:lstStyle/>
+                    <a:p>
+                      <a:pPr algn="ctr"/>
+                      <a:r>
+                        <a:rPr lang="en-US" sz="1600" dirty="0">
+                          <a:solidFill>
+                            <a:schemeClr val="tx1"/>
+                          </a:solidFill>
+                        </a:rPr>
+                        <a:t>0.36</a:t>
+                      </a:r>
+                    </a:p>
+                  </a:txBody>
+                  <a:tcPr anchor="ctr"/>
+                </a:tc>
+                <a:tc>
+                  <a:txBody>
+                    <a:bodyPr/>
+                    <a:lstStyle/>
+                    <a:p>
+                      <a:pPr algn="ctr"/>
+                      <a:r>
+                        <a:rPr lang="en-US" sz="1600" dirty="0">
+                          <a:solidFill>
+                            <a:schemeClr val="tx1"/>
+                          </a:solidFill>
+                        </a:rPr>
+                        <a:t>0.39</a:t>
+                      </a:r>
+                    </a:p>
+                  </a:txBody>
+                  <a:tcPr anchor="ctr"/>
+                </a:tc>
+                <a:tc>
+                  <a:txBody>
+                    <a:bodyPr/>
+                    <a:lstStyle/>
+                    <a:p>
+                      <a:pPr algn="ctr"/>
+                      <a:r>
+                        <a:rPr lang="en-US" sz="1600" dirty="0">
+                          <a:solidFill>
+                            <a:schemeClr val="tx1"/>
+                          </a:solidFill>
+                        </a:rPr>
+                        <a:t>10000</a:t>
+                      </a:r>
+                    </a:p>
+                  </a:txBody>
+                  <a:tcPr anchor="ctr"/>
+                </a:tc>
+                <a:tc>
+                  <a:txBody>
+                    <a:bodyPr/>
+                    <a:lstStyle/>
+                    <a:p>
+                      <a:pPr algn="ctr"/>
+                      <a:r>
+                        <a:rPr lang="en-US" sz="1600" dirty="0">
+                          <a:solidFill>
+                            <a:schemeClr val="tx1"/>
+                          </a:solidFill>
+                        </a:rPr>
+                        <a:t>0.51</a:t>
+                      </a:r>
+                    </a:p>
+                  </a:txBody>
+                  <a:tcPr anchor="ctr"/>
+                </a:tc>
+                <a:tc>
+                  <a:txBody>
+                    <a:bodyPr/>
+                    <a:lstStyle/>
+                    <a:p>
+                      <a:pPr algn="ctr"/>
+                      <a:r>
+                        <a:rPr lang="en-US" sz="1600" dirty="0">
+                          <a:solidFill>
+                            <a:schemeClr val="tx1"/>
+                          </a:solidFill>
+                        </a:rPr>
+                        <a:t>0.62</a:t>
+                      </a:r>
+                    </a:p>
+                  </a:txBody>
+                  <a:tcPr anchor="ctr"/>
+                </a:tc>
+                <a:tc>
+                  <a:txBody>
+                    <a:bodyPr/>
+                    <a:lstStyle/>
+                    <a:p>
+                      <a:pPr algn="ctr"/>
+                      <a:r>
+                        <a:rPr lang="en-US" sz="1600" dirty="0">
+                          <a:solidFill>
+                            <a:schemeClr val="tx1"/>
+                          </a:solidFill>
+                        </a:rPr>
+                        <a:t>0.36</a:t>
+                      </a:r>
+                    </a:p>
+                  </a:txBody>
+                  <a:tcPr anchor="ctr"/>
+                </a:tc>
+                <a:tc>
+                  <a:txBody>
+                    <a:bodyPr/>
+                    <a:lstStyle/>
+                    <a:p>
+                      <a:pPr algn="ctr"/>
+                      <a:r>
+                        <a:rPr lang="en-US" sz="1600" dirty="0">
+                          <a:solidFill>
+                            <a:schemeClr val="tx1"/>
+                          </a:solidFill>
+                        </a:rPr>
+                        <a:t>23</a:t>
+                      </a:r>
+                    </a:p>
+                  </a:txBody>
+                  <a:tcPr anchor="ctr"/>
+                </a:tc>
+                <a:tc>
+                  <a:txBody>
+                    <a:bodyPr/>
+                    <a:lstStyle/>
+                    <a:p>
+                      <a:pPr algn="ctr"/>
+                      <a:r>
+                        <a:rPr lang="en-US" sz="1600" dirty="0">
+                          <a:solidFill>
+                            <a:schemeClr val="tx1"/>
+                          </a:solidFill>
+                        </a:rPr>
+                        <a:t>46</a:t>
+                      </a:r>
+                    </a:p>
+                  </a:txBody>
+                  <a:tcPr anchor="ctr"/>
+                </a:tc>
+                <a:tc>
+                  <a:txBody>
+                    <a:bodyPr/>
+                    <a:lstStyle/>
+                    <a:p>
+                      <a:pPr marL="0" marR="0" lvl="0" indent="0" algn="ctr" defTabSz="914400" rtl="0" eaLnBrk="1" fontAlgn="auto" latinLnBrk="0" hangingPunct="1">
+                        <a:lnSpc>
+                          <a:spcPct val="100000"/>
+                        </a:lnSpc>
+                        <a:spcBef>
+                          <a:spcPts val="0"/>
+                        </a:spcBef>
+                        <a:spcAft>
+                          <a:spcPts val="0"/>
+                        </a:spcAft>
+                        <a:buClrTx/>
+                        <a:buSzTx/>
+                        <a:buFontTx/>
+                        <a:buNone/>
+                        <a:tabLst/>
+                        <a:defRPr/>
+                      </a:pPr>
+                      <a:r>
+                        <a:rPr lang="en-US" sz="1400" dirty="0"/>
+                        <a:t>no sequence regularization</a:t>
+                      </a:r>
+                    </a:p>
+                  </a:txBody>
+                  <a:tcPr anchor="ctr"/>
+                </a:tc>
+                <a:extLst>
+                  <a:ext uri="{0D108BD9-81ED-4DB2-BD59-A6C34878D82A}">
+                    <a16:rowId xmlns:a16="http://schemas.microsoft.com/office/drawing/2014/main" val="751442147"/>
+                  </a:ext>
+                </a:extLst>
+              </a:tr>
+              <a:tr h="494487">
+                <a:tc>
+                  <a:txBody>
+                    <a:bodyPr/>
+                    <a:lstStyle/>
+                    <a:p>
+                      <a:pPr algn="ctr"/>
+                      <a:r>
+                        <a:rPr lang="en-US" sz="1600" dirty="0"/>
                         <a:t>residual MLP</a:t>
                       </a:r>
                     </a:p>
@@ -5775,8 +5885,12 @@
                     <a:p>
                       <a:pPr algn="ctr"/>
                       <a:r>
-                        <a:rPr lang="en-US" sz="1600" dirty="0"/>
-                        <a:t>0.21</a:t>
+                        <a:rPr lang="en-US" sz="1600" dirty="0">
+                          <a:solidFill>
+                            <a:schemeClr val="tx1"/>
+                          </a:solidFill>
+                        </a:rPr>
+                        <a:t>0.22</a:t>
                       </a:r>
                     </a:p>
                   </a:txBody>
@@ -5789,8 +5903,12 @@
                     <a:p>
                       <a:pPr algn="ctr"/>
                       <a:r>
-                        <a:rPr lang="en-US" sz="1600" dirty="0"/>
-                        <a:t>0.33</a:t>
+                        <a:rPr lang="en-US" sz="1600" dirty="0">
+                          <a:solidFill>
+                            <a:schemeClr val="tx1"/>
+                          </a:solidFill>
+                        </a:rPr>
+                        <a:t>0.34</a:t>
                       </a:r>
                     </a:p>
                   </a:txBody>
@@ -5803,8 +5921,12 @@
                     <a:p>
                       <a:pPr algn="ctr"/>
                       <a:r>
-                        <a:rPr lang="en-US" sz="1600" dirty="0"/>
-                        <a:t>8360</a:t>
+                        <a:rPr lang="en-US" sz="1600" dirty="0">
+                          <a:solidFill>
+                            <a:schemeClr val="tx1"/>
+                          </a:solidFill>
+                        </a:rPr>
+                        <a:t>7150</a:t>
                       </a:r>
                     </a:p>
                   </a:txBody>
@@ -5817,8 +5939,12 @@
                     <a:p>
                       <a:pPr algn="ctr"/>
                       <a:r>
-                        <a:rPr lang="en-US" sz="1600" dirty="0"/>
-                        <a:t>0.44</a:t>
+                        <a:rPr lang="en-US" sz="1600" dirty="0">
+                          <a:solidFill>
+                            <a:schemeClr val="tx1"/>
+                          </a:solidFill>
+                        </a:rPr>
+                        <a:t>0.45</a:t>
                       </a:r>
                     </a:p>
                   </a:txBody>
@@ -5831,7 +5957,11 @@
                     <a:p>
                       <a:pPr algn="ctr"/>
                       <a:r>
-                        <a:rPr lang="en-US" sz="1600" dirty="0"/>
+                        <a:rPr lang="en-US" sz="1600" dirty="0">
+                          <a:solidFill>
+                            <a:schemeClr val="tx1"/>
+                          </a:solidFill>
+                        </a:rPr>
                         <a:t>0.57</a:t>
                       </a:r>
                     </a:p>
@@ -5845,8 +5975,12 @@
                     <a:p>
                       <a:pPr algn="ctr"/>
                       <a:r>
-                        <a:rPr lang="en-US" sz="1600" dirty="0"/>
-                        <a:t>0.27</a:t>
+                        <a:rPr lang="en-US" sz="1600" dirty="0">
+                          <a:solidFill>
+                            <a:schemeClr val="tx1"/>
+                          </a:solidFill>
+                        </a:rPr>
+                        <a:t>0.30</a:t>
                       </a:r>
                     </a:p>
                   </a:txBody>
@@ -5859,8 +5993,12 @@
                     <a:p>
                       <a:pPr algn="ctr"/>
                       <a:r>
-                        <a:rPr lang="en-US" sz="1600" dirty="0"/>
-                        <a:t>33</a:t>
+                        <a:rPr lang="en-US" sz="1600" dirty="0">
+                          <a:solidFill>
+                            <a:schemeClr val="tx1"/>
+                          </a:solidFill>
+                        </a:rPr>
+                        <a:t>30</a:t>
                       </a:r>
                     </a:p>
                   </a:txBody>
@@ -5872,7 +6010,28 @@
                     <a:lstStyle/>
                     <a:p>
                       <a:pPr algn="ctr"/>
-                      <a:endParaRPr lang="en-US" sz="1600" dirty="0"/>
+                      <a:r>
+                        <a:rPr lang="en-US" sz="1600" dirty="0">
+                          <a:solidFill>
+                            <a:schemeClr val="tx1"/>
+                          </a:solidFill>
+                        </a:rPr>
+                        <a:t>53</a:t>
+                      </a:r>
+                    </a:p>
+                  </a:txBody>
+                  <a:tcPr anchor="ctr"/>
+                </a:tc>
+                <a:tc>
+                  <a:txBody>
+                    <a:bodyPr/>
+                    <a:lstStyle/>
+                    <a:p>
+                      <a:pPr algn="ctr"/>
+                      <a:r>
+                        <a:rPr lang="en-US" sz="1400" dirty="0"/>
+                        <a:t>no sequence regularization</a:t>
+                      </a:r>
                     </a:p>
                   </a:txBody>
                   <a:tcPr anchor="ctr"/>
@@ -5910,12 +6069,9 @@
                         <a:rPr lang="en-US" sz="1600" dirty="0"/>
                         <a:t>VIT </a:t>
                       </a:r>
-                    </a:p>
-                    <a:p>
-                      <a:pPr algn="ctr"/>
                       <a:r>
-                        <a:rPr lang="en-US" sz="1600" dirty="0"/>
-                        <a:t>+ residual MLP head</a:t>
+                        <a:rPr lang="en-US" sz="1600" baseline="30000" dirty="0"/>
+                        <a:t>1</a:t>
                       </a:r>
                     </a:p>
                   </a:txBody>
@@ -5928,7 +6084,11 @@
                     <a:p>
                       <a:pPr algn="ctr"/>
                       <a:r>
-                        <a:rPr lang="en-US" sz="1600" dirty="0"/>
+                        <a:rPr lang="en-US" sz="1600" dirty="0">
+                          <a:solidFill>
+                            <a:schemeClr val="tx1"/>
+                          </a:solidFill>
+                        </a:rPr>
                         <a:t>0.09</a:t>
                       </a:r>
                     </a:p>
@@ -5942,7 +6102,11 @@
                     <a:p>
                       <a:pPr algn="ctr"/>
                       <a:r>
-                        <a:rPr lang="en-US" sz="1600" dirty="0"/>
+                        <a:rPr lang="en-US" sz="1600" dirty="0">
+                          <a:solidFill>
+                            <a:schemeClr val="tx1"/>
+                          </a:solidFill>
+                        </a:rPr>
                         <a:t>0.16</a:t>
                       </a:r>
                     </a:p>
@@ -5972,7 +6136,11 @@
                         <a:defRPr/>
                       </a:pPr>
                       <a:r>
-                        <a:rPr lang="en-US" sz="1600" dirty="0"/>
+                        <a:rPr lang="en-US" sz="1600" dirty="0">
+                          <a:solidFill>
+                            <a:schemeClr val="tx1"/>
+                          </a:solidFill>
+                        </a:rPr>
                         <a:t>1100</a:t>
                       </a:r>
                     </a:p>
@@ -6002,7 +6170,11 @@
                         <a:defRPr/>
                       </a:pPr>
                       <a:r>
-                        <a:rPr lang="en-US" sz="1600" dirty="0"/>
+                        <a:rPr lang="en-US" sz="1600" dirty="0">
+                          <a:solidFill>
+                            <a:schemeClr val="tx1"/>
+                          </a:solidFill>
+                        </a:rPr>
                         <a:t>0.28</a:t>
                       </a:r>
                     </a:p>
@@ -6016,7 +6188,11 @@
                     <a:p>
                       <a:pPr algn="ctr"/>
                       <a:r>
-                        <a:rPr lang="en-US" sz="1600" dirty="0"/>
+                        <a:rPr lang="en-US" sz="1600" dirty="0">
+                          <a:solidFill>
+                            <a:schemeClr val="tx1"/>
+                          </a:solidFill>
+                        </a:rPr>
                         <a:t>0.39</a:t>
                       </a:r>
                     </a:p>
@@ -6030,7 +6206,11 @@
                     <a:p>
                       <a:pPr algn="ctr"/>
                       <a:r>
-                        <a:rPr lang="en-US" sz="1600" dirty="0"/>
+                        <a:rPr lang="en-US" sz="1600" dirty="0">
+                          <a:solidFill>
+                            <a:schemeClr val="tx1"/>
+                          </a:solidFill>
+                        </a:rPr>
                         <a:t>0.17</a:t>
                       </a:r>
                     </a:p>
@@ -6044,7 +6224,11 @@
                     <a:p>
                       <a:pPr algn="ctr"/>
                       <a:r>
-                        <a:rPr lang="en-US" sz="1600" dirty="0"/>
+                        <a:rPr lang="en-US" sz="1600" dirty="0">
+                          <a:solidFill>
+                            <a:schemeClr val="tx1"/>
+                          </a:solidFill>
+                        </a:rPr>
                         <a:t>46</a:t>
                       </a:r>
                     </a:p>
@@ -6058,7 +6242,25 @@
                     <a:p>
                       <a:pPr algn="ctr"/>
                       <a:r>
-                        <a:rPr lang="en-US" sz="1600" dirty="0"/>
+                        <a:rPr lang="en-US" sz="1600" dirty="0">
+                          <a:solidFill>
+                            <a:schemeClr val="tx1"/>
+                          </a:solidFill>
+                        </a:rPr>
+                        <a:t>72</a:t>
+                      </a:r>
+                    </a:p>
+                  </a:txBody>
+                  <a:tcPr anchor="ctr"/>
+                </a:tc>
+                <a:tc>
+                  <a:txBody>
+                    <a:bodyPr/>
+                    <a:lstStyle/>
+                    <a:p>
+                      <a:pPr algn="ctr"/>
+                      <a:r>
+                        <a:rPr lang="en-US" sz="1400" dirty="0"/>
                         <a:t>1-channel</a:t>
                       </a:r>
                     </a:p>
@@ -6098,28 +6300,9 @@
                         <a:rPr lang="en-US" sz="1600" dirty="0"/>
                         <a:t>VIT </a:t>
                       </a:r>
-                    </a:p>
-                    <a:p>
-                      <a:pPr marL="0" marR="0" lvl="0" indent="0" algn="ctr" defTabSz="914400" rtl="0" eaLnBrk="1" fontAlgn="auto" latinLnBrk="0" hangingPunct="1">
-                        <a:lnSpc>
-                          <a:spcPct val="100000"/>
-                        </a:lnSpc>
-                        <a:spcBef>
-                          <a:spcPts val="0"/>
-                        </a:spcBef>
-                        <a:spcAft>
-                          <a:spcPts val="0"/>
-                        </a:spcAft>
-                        <a:buClrTx/>
-                        <a:buSzTx/>
-                        <a:buFontTx/>
-                        <a:buNone/>
-                        <a:tabLst/>
-                        <a:defRPr/>
-                      </a:pPr>
                       <a:r>
-                        <a:rPr lang="en-US" sz="1600" dirty="0"/>
-                        <a:t> + residual MLP head</a:t>
+                        <a:rPr lang="en-US" sz="1600" baseline="30000" dirty="0"/>
+                        <a:t>1</a:t>
                       </a:r>
                     </a:p>
                   </a:txBody>
@@ -6132,7 +6315,11 @@
                     <a:p>
                       <a:pPr algn="ctr"/>
                       <a:r>
-                        <a:rPr lang="en-US" sz="1600" dirty="0"/>
+                        <a:rPr lang="en-US" sz="1600" dirty="0">
+                          <a:solidFill>
+                            <a:schemeClr val="tx1"/>
+                          </a:solidFill>
+                        </a:rPr>
                         <a:t>0.05</a:t>
                       </a:r>
                     </a:p>
@@ -6146,7 +6333,11 @@
                     <a:p>
                       <a:pPr algn="ctr"/>
                       <a:r>
-                        <a:rPr lang="en-US" sz="1600" dirty="0"/>
+                        <a:rPr lang="en-US" sz="1600" dirty="0">
+                          <a:solidFill>
+                            <a:schemeClr val="tx1"/>
+                          </a:solidFill>
+                        </a:rPr>
                         <a:t>0.14</a:t>
                       </a:r>
                     </a:p>
@@ -6160,7 +6351,11 @@
                     <a:p>
                       <a:pPr algn="ctr"/>
                       <a:r>
-                        <a:rPr lang="en-US" sz="1600" dirty="0"/>
+                        <a:rPr lang="en-US" sz="1600" dirty="0">
+                          <a:solidFill>
+                            <a:schemeClr val="tx1"/>
+                          </a:solidFill>
+                        </a:rPr>
                         <a:t>1300</a:t>
                       </a:r>
                     </a:p>
@@ -6174,7 +6369,11 @@
                     <a:p>
                       <a:pPr algn="ctr"/>
                       <a:r>
-                        <a:rPr lang="en-US" sz="1600" dirty="0"/>
+                        <a:rPr lang="en-US" sz="1600" dirty="0">
+                          <a:solidFill>
+                            <a:schemeClr val="tx1"/>
+                          </a:solidFill>
+                        </a:rPr>
                         <a:t>0.26</a:t>
                       </a:r>
                     </a:p>
@@ -6188,7 +6387,11 @@
                     <a:p>
                       <a:pPr algn="ctr"/>
                       <a:r>
-                        <a:rPr lang="en-US" sz="1600" dirty="0"/>
+                        <a:rPr lang="en-US" sz="1600" dirty="0">
+                          <a:solidFill>
+                            <a:schemeClr val="tx1"/>
+                          </a:solidFill>
+                        </a:rPr>
                         <a:t>0.36</a:t>
                       </a:r>
                     </a:p>
@@ -6202,7 +6405,11 @@
                     <a:p>
                       <a:pPr algn="ctr"/>
                       <a:r>
-                        <a:rPr lang="en-US" sz="1600" dirty="0"/>
+                        <a:rPr lang="en-US" sz="1600" dirty="0">
+                          <a:solidFill>
+                            <a:schemeClr val="tx1"/>
+                          </a:solidFill>
+                        </a:rPr>
                         <a:t>0.15</a:t>
                       </a:r>
                     </a:p>
@@ -6216,7 +6423,11 @@
                     <a:p>
                       <a:pPr algn="ctr"/>
                       <a:r>
-                        <a:rPr lang="en-US" sz="1600" dirty="0"/>
+                        <a:rPr lang="en-US" sz="1600" dirty="0">
+                          <a:solidFill>
+                            <a:schemeClr val="tx1"/>
+                          </a:solidFill>
+                        </a:rPr>
                         <a:t>50</a:t>
                       </a:r>
                     </a:p>
@@ -6230,7 +6441,25 @@
                     <a:p>
                       <a:pPr algn="ctr"/>
                       <a:r>
-                        <a:rPr lang="en-US" sz="1600" dirty="0"/>
+                        <a:rPr lang="en-US" sz="1600" dirty="0">
+                          <a:solidFill>
+                            <a:schemeClr val="tx1"/>
+                          </a:solidFill>
+                        </a:rPr>
+                        <a:t>74</a:t>
+                      </a:r>
+                    </a:p>
+                  </a:txBody>
+                  <a:tcPr anchor="ctr"/>
+                </a:tc>
+                <a:tc>
+                  <a:txBody>
+                    <a:bodyPr/>
+                    <a:lstStyle/>
+                    <a:p>
+                      <a:pPr algn="ctr"/>
+                      <a:r>
+                        <a:rPr lang="en-US" sz="1400" dirty="0"/>
                         <a:t>3-channel</a:t>
                       </a:r>
                     </a:p>
@@ -6268,30 +6497,11 @@
                       </a:pPr>
                       <a:r>
                         <a:rPr lang="en-US" sz="1600" dirty="0"/>
-                        <a:t>Transformer</a:t>
+                        <a:t>Transformer </a:t>
                       </a:r>
-                    </a:p>
-                    <a:p>
-                      <a:pPr marL="0" marR="0" lvl="0" indent="0" algn="ctr" defTabSz="914400" rtl="0" eaLnBrk="1" fontAlgn="auto" latinLnBrk="0" hangingPunct="1">
-                        <a:lnSpc>
-                          <a:spcPct val="100000"/>
-                        </a:lnSpc>
-                        <a:spcBef>
-                          <a:spcPts val="0"/>
-                        </a:spcBef>
-                        <a:spcAft>
-                          <a:spcPts val="0"/>
-                        </a:spcAft>
-                        <a:buClrTx/>
-                        <a:buSzTx/>
-                        <a:buFontTx/>
-                        <a:buNone/>
-                        <a:tabLst/>
-                        <a:defRPr/>
-                      </a:pPr>
                       <a:r>
-                        <a:rPr lang="en-US" sz="1600" dirty="0"/>
-                        <a:t>+ residual MLP head</a:t>
+                        <a:rPr lang="en-US" sz="1600" baseline="30000" dirty="0"/>
+                        <a:t>1</a:t>
                       </a:r>
                     </a:p>
                   </a:txBody>
@@ -6304,7 +6514,11 @@
                     <a:p>
                       <a:pPr algn="ctr"/>
                       <a:r>
-                        <a:rPr lang="en-US" sz="1600" dirty="0"/>
+                        <a:rPr lang="en-US" sz="1600" dirty="0">
+                          <a:solidFill>
+                            <a:schemeClr val="tx1"/>
+                          </a:solidFill>
+                        </a:rPr>
                         <a:t>0.08</a:t>
                       </a:r>
                     </a:p>
@@ -6318,7 +6532,11 @@
                     <a:p>
                       <a:pPr algn="ctr"/>
                       <a:r>
-                        <a:rPr lang="en-US" sz="1600" dirty="0"/>
+                        <a:rPr lang="en-US" sz="1600" dirty="0">
+                          <a:solidFill>
+                            <a:schemeClr val="tx1"/>
+                          </a:solidFill>
+                        </a:rPr>
                         <a:t>0.14</a:t>
                       </a:r>
                     </a:p>
@@ -6332,7 +6550,11 @@
                     <a:p>
                       <a:pPr algn="ctr"/>
                       <a:r>
-                        <a:rPr lang="en-US" sz="1600" dirty="0"/>
+                        <a:rPr lang="en-US" sz="1600" dirty="0">
+                          <a:solidFill>
+                            <a:schemeClr val="tx1"/>
+                          </a:solidFill>
+                        </a:rPr>
                         <a:t>3600</a:t>
                       </a:r>
                     </a:p>
@@ -6346,7 +6568,11 @@
                     <a:p>
                       <a:pPr algn="ctr"/>
                       <a:r>
-                        <a:rPr lang="en-US" sz="1600" dirty="0"/>
+                        <a:rPr lang="en-US" sz="1600" dirty="0">
+                          <a:solidFill>
+                            <a:schemeClr val="tx1"/>
+                          </a:solidFill>
+                        </a:rPr>
                         <a:t>0.27</a:t>
                       </a:r>
                     </a:p>
@@ -6360,7 +6586,11 @@
                     <a:p>
                       <a:pPr algn="ctr"/>
                       <a:r>
-                        <a:rPr lang="en-US" sz="1600" dirty="0"/>
+                        <a:rPr lang="en-US" sz="1600" dirty="0">
+                          <a:solidFill>
+                            <a:schemeClr val="tx1"/>
+                          </a:solidFill>
+                        </a:rPr>
                         <a:t>0.38</a:t>
                       </a:r>
                     </a:p>
@@ -6374,7 +6604,11 @@
                     <a:p>
                       <a:pPr algn="ctr"/>
                       <a:r>
-                        <a:rPr lang="en-US" sz="1600" dirty="0"/>
+                        <a:rPr lang="en-US" sz="1600" dirty="0">
+                          <a:solidFill>
+                            <a:schemeClr val="tx1"/>
+                          </a:solidFill>
+                        </a:rPr>
                         <a:t>0.16</a:t>
                       </a:r>
                     </a:p>
@@ -6388,7 +6622,11 @@
                     <a:p>
                       <a:pPr algn="ctr"/>
                       <a:r>
-                        <a:rPr lang="en-US" sz="1600" dirty="0"/>
+                        <a:rPr lang="en-US" sz="1600" dirty="0">
+                          <a:solidFill>
+                            <a:schemeClr val="tx1"/>
+                          </a:solidFill>
+                        </a:rPr>
                         <a:t>50</a:t>
                       </a:r>
                     </a:p>
@@ -6401,70 +6639,13 @@
                     <a:lstStyle/>
                     <a:p>
                       <a:pPr algn="ctr"/>
-                      <a:endParaRPr lang="en-US" sz="1600" dirty="0"/>
-                    </a:p>
-                    <a:p>
-                      <a:pPr algn="ctr"/>
-                      <a:endParaRPr lang="en-US" sz="1600" dirty="0"/>
-                    </a:p>
-                  </a:txBody>
-                  <a:tcPr anchor="ctr"/>
-                </a:tc>
-                <a:extLst>
-                  <a:ext uri="{0D108BD9-81ED-4DB2-BD59-A6C34878D82A}">
-                    <a16:rowId xmlns:a16="http://schemas.microsoft.com/office/drawing/2014/main" val="3477047939"/>
-                  </a:ext>
-                </a:extLst>
-              </a:tr>
-              <a:tr h="494487">
-                <a:tc>
-                  <a:txBody>
-                    <a:bodyPr/>
-                    <a:lstStyle/>
-                    <a:p>
-                      <a:pPr marL="0" marR="0" lvl="0" indent="0" algn="ctr" defTabSz="914400" rtl="0" eaLnBrk="1" fontAlgn="auto" latinLnBrk="0" hangingPunct="1">
-                        <a:lnSpc>
-                          <a:spcPct val="100000"/>
-                        </a:lnSpc>
-                        <a:spcBef>
-                          <a:spcPts val="0"/>
-                        </a:spcBef>
-                        <a:spcAft>
-                          <a:spcPts val="0"/>
-                        </a:spcAft>
-                        <a:buClrTx/>
-                        <a:buSzTx/>
-                        <a:buFontTx/>
-                        <a:buNone/>
-                        <a:tabLst/>
-                        <a:defRPr/>
-                      </a:pPr>
                       <a:r>
-                        <a:rPr lang="en-US" sz="1600" dirty="0"/>
-                        <a:t>Transformer (Big)</a:t>
-                      </a:r>
-                    </a:p>
-                    <a:p>
-                      <a:pPr marL="0" marR="0" lvl="0" indent="0" algn="ctr" defTabSz="914400" rtl="0" eaLnBrk="1" fontAlgn="auto" latinLnBrk="0" hangingPunct="1">
-                        <a:lnSpc>
-                          <a:spcPct val="100000"/>
-                        </a:lnSpc>
-                        <a:spcBef>
-                          <a:spcPts val="0"/>
-                        </a:spcBef>
-                        <a:spcAft>
-                          <a:spcPts val="0"/>
-                        </a:spcAft>
-                        <a:buClrTx/>
-                        <a:buSzTx/>
-                        <a:buFontTx/>
-                        <a:buNone/>
-                        <a:tabLst/>
-                        <a:defRPr/>
-                      </a:pPr>
-                      <a:r>
-                        <a:rPr lang="en-US" sz="1600" dirty="0"/>
-                        <a:t>+ residual MLP head</a:t>
+                        <a:rPr lang="en-US" sz="1600" dirty="0">
+                          <a:solidFill>
+                            <a:schemeClr val="tx1"/>
+                          </a:solidFill>
+                        </a:rPr>
+                        <a:t>75</a:t>
                       </a:r>
                     </a:p>
                   </a:txBody>
@@ -6476,91 +6657,18 @@
                     <a:lstStyle/>
                     <a:p>
                       <a:pPr algn="ctr"/>
-                      <a:endParaRPr lang="en-US" sz="1600" dirty="0"/>
+                      <a:endParaRPr lang="en-US" sz="1400" dirty="0"/>
                     </a:p>
-                  </a:txBody>
-                  <a:tcPr anchor="ctr"/>
-                </a:tc>
-                <a:tc>
-                  <a:txBody>
-                    <a:bodyPr/>
-                    <a:lstStyle/>
                     <a:p>
                       <a:pPr algn="ctr"/>
-                      <a:endParaRPr lang="en-US" sz="1600" dirty="0"/>
-                    </a:p>
-                  </a:txBody>
-                  <a:tcPr anchor="ctr"/>
-                </a:tc>
-                <a:tc>
-                  <a:txBody>
-                    <a:bodyPr/>
-                    <a:lstStyle/>
-                    <a:p>
-                      <a:pPr algn="ctr"/>
-                      <a:endParaRPr lang="en-US" sz="1600" dirty="0"/>
-                    </a:p>
-                  </a:txBody>
-                  <a:tcPr anchor="ctr"/>
-                </a:tc>
-                <a:tc>
-                  <a:txBody>
-                    <a:bodyPr/>
-                    <a:lstStyle/>
-                    <a:p>
-                      <a:pPr algn="ctr"/>
-                      <a:endParaRPr lang="en-US" sz="1600" dirty="0"/>
-                    </a:p>
-                  </a:txBody>
-                  <a:tcPr anchor="ctr"/>
-                </a:tc>
-                <a:tc>
-                  <a:txBody>
-                    <a:bodyPr/>
-                    <a:lstStyle/>
-                    <a:p>
-                      <a:pPr algn="ctr"/>
-                      <a:endParaRPr lang="en-US" sz="1600" dirty="0"/>
-                    </a:p>
-                  </a:txBody>
-                  <a:tcPr anchor="ctr"/>
-                </a:tc>
-                <a:tc>
-                  <a:txBody>
-                    <a:bodyPr/>
-                    <a:lstStyle/>
-                    <a:p>
-                      <a:pPr algn="ctr"/>
-                      <a:endParaRPr lang="en-US" sz="1600" dirty="0"/>
-                    </a:p>
-                  </a:txBody>
-                  <a:tcPr anchor="ctr"/>
-                </a:tc>
-                <a:tc>
-                  <a:txBody>
-                    <a:bodyPr/>
-                    <a:lstStyle/>
-                    <a:p>
-                      <a:pPr algn="ctr"/>
-                      <a:endParaRPr lang="en-US" sz="1600" dirty="0"/>
-                    </a:p>
-                  </a:txBody>
-                  <a:tcPr anchor="ctr"/>
-                </a:tc>
-                <a:tc>
-                  <a:txBody>
-                    <a:bodyPr/>
-                    <a:lstStyle/>
-                    <a:p>
-                      <a:pPr algn="ctr"/>
-                      <a:endParaRPr lang="en-US" sz="1600" dirty="0"/>
+                      <a:endParaRPr lang="en-US" sz="1400" dirty="0"/>
                     </a:p>
                   </a:txBody>
                   <a:tcPr anchor="ctr"/>
                 </a:tc>
                 <a:extLst>
                   <a:ext uri="{0D108BD9-81ED-4DB2-BD59-A6C34878D82A}">
-                    <a16:rowId xmlns:a16="http://schemas.microsoft.com/office/drawing/2014/main" val="3985759943"/>
+                    <a16:rowId xmlns:a16="http://schemas.microsoft.com/office/drawing/2014/main" val="3477047939"/>
                   </a:ext>
                 </a:extLst>
               </a:tr>
@@ -6568,55 +6676,6 @@
           </a:graphicData>
         </a:graphic>
       </p:graphicFrame>
-      <p:sp>
-        <p:nvSpPr>
-          <p:cNvPr id="5" name="TextBox 4">
-            <a:extLst>
-              <a:ext uri="{FF2B5EF4-FFF2-40B4-BE49-F238E27FC236}">
-                <a16:creationId xmlns:a16="http://schemas.microsoft.com/office/drawing/2014/main" id="{22E1360C-8E5D-E6DE-7E7C-AA2640FDD894}"/>
-              </a:ext>
-            </a:extLst>
-          </p:cNvPr>
-          <p:cNvSpPr txBox="1"/>
-          <p:nvPr/>
-        </p:nvSpPr>
-        <p:spPr>
-          <a:xfrm>
-            <a:off x="378160" y="5624819"/>
-            <a:ext cx="6823599" cy="584775"/>
-          </a:xfrm>
-          <a:prstGeom prst="rect">
-            <a:avLst/>
-          </a:prstGeom>
-          <a:noFill/>
-        </p:spPr>
-        <p:txBody>
-          <a:bodyPr wrap="none" rtlCol="0">
-            <a:spAutoFit/>
-          </a:bodyPr>
-          <a:lstStyle/>
-          <a:p>
-            <a:pPr marL="285750" indent="-285750">
-              <a:buFont typeface="Arial" panose="020B0604020202020204" pitchFamily="34" charset="0"/>
-              <a:buChar char="•"/>
-            </a:pPr>
-            <a:r>
-              <a:rPr lang="en-US" sz="1600" dirty="0"/>
-              <a:t>MAPE : mean absolute percentage error : mean(abs(actual-pred)/actual)</a:t>
-            </a:r>
-          </a:p>
-          <a:p>
-            <a:pPr marL="285750" indent="-285750">
-              <a:buFont typeface="Arial" panose="020B0604020202020204" pitchFamily="34" charset="0"/>
-              <a:buChar char="•"/>
-            </a:pPr>
-            <a:r>
-              <a:rPr lang="en-US" sz="1600" dirty="0"/>
-              <a:t>PPE10 : percentage of time prediction is within 10% of actual  </a:t>
-            </a:r>
-          </a:p>
-        </p:txBody>
-      </p:sp>
       <p:sp>
         <p:nvSpPr>
           <p:cNvPr id="6" name="TextBox 5">
@@ -6648,6 +6707,82 @@
             <a:r>
               <a:rPr lang="en-US" dirty="0"/>
               <a:t>metrics calculated on the validation set</a:t>
+            </a:r>
+          </a:p>
+        </p:txBody>
+      </p:sp>
+      <p:sp>
+        <p:nvSpPr>
+          <p:cNvPr id="8" name="TextBox 7">
+            <a:extLst>
+              <a:ext uri="{FF2B5EF4-FFF2-40B4-BE49-F238E27FC236}">
+                <a16:creationId xmlns:a16="http://schemas.microsoft.com/office/drawing/2014/main" id="{8F40885F-7A78-2A00-FCB6-813865CA15EE}"/>
+              </a:ext>
+            </a:extLst>
+          </p:cNvPr>
+          <p:cNvSpPr txBox="1"/>
+          <p:nvPr/>
+        </p:nvSpPr>
+        <p:spPr>
+          <a:xfrm>
+            <a:off x="343654" y="5072130"/>
+            <a:ext cx="10289035" cy="1169551"/>
+          </a:xfrm>
+          <a:prstGeom prst="rect">
+            <a:avLst/>
+          </a:prstGeom>
+          <a:noFill/>
+        </p:spPr>
+        <p:txBody>
+          <a:bodyPr wrap="none" rtlCol="0">
+            <a:spAutoFit/>
+          </a:bodyPr>
+          <a:lstStyle/>
+          <a:p>
+            <a:pPr marL="342900" indent="-342900">
+              <a:buAutoNum type="arabicPeriod"/>
+            </a:pPr>
+            <a:r>
+              <a:rPr lang="en-US" sz="1400" dirty="0"/>
+              <a:t>Regression head is residual-MLP.  (interestingly, residual-MLP head gave better convergence properties than standard MLP)</a:t>
+            </a:r>
+          </a:p>
+          <a:p>
+            <a:pPr marL="342900" indent="-342900">
+              <a:buAutoNum type="arabicPeriod"/>
+            </a:pPr>
+            <a:r>
+              <a:rPr lang="en-US" sz="1400" dirty="0"/>
+              <a:t>MAPE : mean absolute percentage error : mean(abs(actual-pred)/actual).  Lower is better</a:t>
+            </a:r>
+          </a:p>
+          <a:p>
+            <a:pPr marL="342900" indent="-342900">
+              <a:buAutoNum type="arabicPeriod"/>
+            </a:pPr>
+            <a:r>
+              <a:rPr lang="en-US" sz="1400" dirty="0"/>
+              <a:t>PPE10 : percentage of time prediction is within 10% of ground truth.  Higher is better</a:t>
+            </a:r>
+          </a:p>
+          <a:p>
+            <a:pPr marL="342900" indent="-342900">
+              <a:buFontTx/>
+              <a:buAutoNum type="arabicPeriod"/>
+            </a:pPr>
+            <a:r>
+              <a:rPr lang="en-US" sz="1400" dirty="0"/>
+              <a:t>PPE20 : percentage of time prediction is within 20% of ground truth.  Higher is better</a:t>
+            </a:r>
+          </a:p>
+          <a:p>
+            <a:pPr marL="342900" indent="-342900">
+              <a:buFontTx/>
+              <a:buAutoNum type="arabicPeriod"/>
+            </a:pPr>
+            <a:r>
+              <a:rPr lang="en-US" sz="1400" dirty="0"/>
+              <a:t>I generally stopped when training had plateaued for ~100 epochs with respect to improved validation loss</a:t>
             </a:r>
           </a:p>
         </p:txBody>
@@ -6687,7 +6822,7 @@
           <p:cNvPr id="2" name="TextBox 1">
             <a:extLst>
               <a:ext uri="{FF2B5EF4-FFF2-40B4-BE49-F238E27FC236}">
-                <a16:creationId xmlns:a16="http://schemas.microsoft.com/office/drawing/2014/main" id="{20E0A661-F32C-A79C-1C36-4376CEED0ED1}"/>
+                <a16:creationId xmlns:a16="http://schemas.microsoft.com/office/drawing/2014/main" id="{EA7BC455-99A1-D435-6CD4-B5AC85612E00}"/>
               </a:ext>
             </a:extLst>
           </p:cNvPr>
@@ -6696,8 +6831,8 @@
         </p:nvSpPr>
         <p:spPr>
           <a:xfrm>
-            <a:off x="136762" y="204349"/>
-            <a:ext cx="1944250" cy="461665"/>
+            <a:off x="114248" y="144344"/>
+            <a:ext cx="6348726" cy="461665"/>
           </a:xfrm>
           <a:prstGeom prst="rect">
             <a:avLst/>
@@ -6712,17 +6847,47 @@
           <a:p>
             <a:r>
               <a:rPr lang="en-US" sz="2400" dirty="0"/>
-              <a:t>t-SNE plots…</a:t>
+              <a:t>Plots experiment vs predicted on validation set</a:t>
             </a:r>
           </a:p>
         </p:txBody>
       </p:sp>
+      <p:pic>
+        <p:nvPicPr>
+          <p:cNvPr id="3" name="Picture 2">
+            <a:extLst>
+              <a:ext uri="{FF2B5EF4-FFF2-40B4-BE49-F238E27FC236}">
+                <a16:creationId xmlns:a16="http://schemas.microsoft.com/office/drawing/2014/main" id="{D5DFF0BE-58F7-92ED-067E-38A1A0449860}"/>
+              </a:ext>
+            </a:extLst>
+          </p:cNvPr>
+          <p:cNvPicPr>
+            <a:picLocks noChangeAspect="1"/>
+          </p:cNvPicPr>
+          <p:nvPr/>
+        </p:nvPicPr>
+        <p:blipFill>
+          <a:blip r:embed="rId2"/>
+          <a:stretch>
+            <a:fillRect/>
+          </a:stretch>
+        </p:blipFill>
+        <p:spPr>
+          <a:xfrm>
+            <a:off x="552189" y="1211173"/>
+            <a:ext cx="2565487" cy="2015106"/>
+          </a:xfrm>
+          <a:prstGeom prst="rect">
+            <a:avLst/>
+          </a:prstGeom>
+        </p:spPr>
+      </p:pic>
       <p:sp>
         <p:nvSpPr>
-          <p:cNvPr id="3" name="TextBox 2">
+          <p:cNvPr id="4" name="TextBox 3">
             <a:extLst>
               <a:ext uri="{FF2B5EF4-FFF2-40B4-BE49-F238E27FC236}">
-                <a16:creationId xmlns:a16="http://schemas.microsoft.com/office/drawing/2014/main" id="{2E748981-9A0D-7BA2-9D42-D6D716F5B785}"/>
+                <a16:creationId xmlns:a16="http://schemas.microsoft.com/office/drawing/2014/main" id="{6505F90B-D32B-7873-D45D-1316E0996FF3}"/>
               </a:ext>
             </a:extLst>
           </p:cNvPr>
@@ -6731,8 +6896,8 @@
         </p:nvSpPr>
         <p:spPr>
           <a:xfrm>
-            <a:off x="1160890" y="1590261"/>
-            <a:ext cx="6479594" cy="923330"/>
+            <a:off x="1561381" y="3364302"/>
+            <a:ext cx="615874" cy="369332"/>
           </a:xfrm>
           <a:prstGeom prst="rect">
             <a:avLst/>
@@ -6746,32 +6911,1064 @@
           <a:lstStyle/>
           <a:p>
             <a:r>
-              <a:rPr lang="en-US" dirty="0">
+              <a:rPr lang="en-US" dirty="0"/>
+              <a:t>MLP</a:t>
+            </a:r>
+          </a:p>
+        </p:txBody>
+      </p:sp>
+      <p:pic>
+        <p:nvPicPr>
+          <p:cNvPr id="5" name="Picture 4">
+            <a:extLst>
+              <a:ext uri="{FF2B5EF4-FFF2-40B4-BE49-F238E27FC236}">
+                <a16:creationId xmlns:a16="http://schemas.microsoft.com/office/drawing/2014/main" id="{3B519764-CF23-0368-3F36-6637387B1FE2}"/>
+              </a:ext>
+            </a:extLst>
+          </p:cNvPr>
+          <p:cNvPicPr>
+            <a:picLocks noChangeAspect="1"/>
+          </p:cNvPicPr>
+          <p:nvPr/>
+        </p:nvPicPr>
+        <p:blipFill>
+          <a:blip r:embed="rId3"/>
+          <a:stretch>
+            <a:fillRect/>
+          </a:stretch>
+        </p:blipFill>
+        <p:spPr>
+          <a:xfrm>
+            <a:off x="3329198" y="1211173"/>
+            <a:ext cx="2565487" cy="2015106"/>
+          </a:xfrm>
+          <a:prstGeom prst="rect">
+            <a:avLst/>
+          </a:prstGeom>
+        </p:spPr>
+      </p:pic>
+      <p:sp>
+        <p:nvSpPr>
+          <p:cNvPr id="6" name="TextBox 5">
+            <a:extLst>
+              <a:ext uri="{FF2B5EF4-FFF2-40B4-BE49-F238E27FC236}">
+                <a16:creationId xmlns:a16="http://schemas.microsoft.com/office/drawing/2014/main" id="{1CC42835-134E-14C3-25AC-A780B097C1E6}"/>
+              </a:ext>
+            </a:extLst>
+          </p:cNvPr>
+          <p:cNvSpPr txBox="1"/>
+          <p:nvPr/>
+        </p:nvSpPr>
+        <p:spPr>
+          <a:xfrm>
+            <a:off x="3985403" y="3364302"/>
+            <a:ext cx="1531188" cy="369332"/>
+          </a:xfrm>
+          <a:prstGeom prst="rect">
+            <a:avLst/>
+          </a:prstGeom>
+          <a:noFill/>
+        </p:spPr>
+        <p:txBody>
+          <a:bodyPr wrap="none" rtlCol="0">
+            <a:spAutoFit/>
+          </a:bodyPr>
+          <a:lstStyle/>
+          <a:p>
+            <a:r>
+              <a:rPr lang="en-US" dirty="0"/>
+              <a:t>Residual MLP</a:t>
+            </a:r>
+          </a:p>
+        </p:txBody>
+      </p:sp>
+      <p:pic>
+        <p:nvPicPr>
+          <p:cNvPr id="7" name="Picture 6">
+            <a:extLst>
+              <a:ext uri="{FF2B5EF4-FFF2-40B4-BE49-F238E27FC236}">
+                <a16:creationId xmlns:a16="http://schemas.microsoft.com/office/drawing/2014/main" id="{0D63183A-F942-FECC-99CF-0E2FF50FA024}"/>
+              </a:ext>
+            </a:extLst>
+          </p:cNvPr>
+          <p:cNvPicPr>
+            <a:picLocks noChangeAspect="1"/>
+          </p:cNvPicPr>
+          <p:nvPr/>
+        </p:nvPicPr>
+        <p:blipFill>
+          <a:blip r:embed="rId4"/>
+          <a:stretch>
+            <a:fillRect/>
+          </a:stretch>
+        </p:blipFill>
+        <p:spPr>
+          <a:xfrm>
+            <a:off x="6106207" y="1211173"/>
+            <a:ext cx="2565487" cy="2015106"/>
+          </a:xfrm>
+          <a:prstGeom prst="rect">
+            <a:avLst/>
+          </a:prstGeom>
+        </p:spPr>
+      </p:pic>
+      <p:sp>
+        <p:nvSpPr>
+          <p:cNvPr id="8" name="TextBox 7">
+            <a:extLst>
+              <a:ext uri="{FF2B5EF4-FFF2-40B4-BE49-F238E27FC236}">
+                <a16:creationId xmlns:a16="http://schemas.microsoft.com/office/drawing/2014/main" id="{E362F41C-52FA-EEBF-8B96-EF60AEEACB96}"/>
+              </a:ext>
+            </a:extLst>
+          </p:cNvPr>
+          <p:cNvSpPr txBox="1"/>
+          <p:nvPr/>
+        </p:nvSpPr>
+        <p:spPr>
+          <a:xfrm>
+            <a:off x="6952891" y="3502325"/>
+            <a:ext cx="1544012" cy="369332"/>
+          </a:xfrm>
+          <a:prstGeom prst="rect">
+            <a:avLst/>
+          </a:prstGeom>
+          <a:noFill/>
+        </p:spPr>
+        <p:txBody>
+          <a:bodyPr wrap="none" rtlCol="0">
+            <a:spAutoFit/>
+          </a:bodyPr>
+          <a:lstStyle/>
+          <a:p>
+            <a:r>
+              <a:rPr lang="en-US" dirty="0"/>
+              <a:t>VIT 1-channel</a:t>
+            </a:r>
+          </a:p>
+        </p:txBody>
+      </p:sp>
+      <p:pic>
+        <p:nvPicPr>
+          <p:cNvPr id="9" name="Picture 8">
+            <a:extLst>
+              <a:ext uri="{FF2B5EF4-FFF2-40B4-BE49-F238E27FC236}">
+                <a16:creationId xmlns:a16="http://schemas.microsoft.com/office/drawing/2014/main" id="{9DCDA1C9-F8C5-67F8-0CC4-55BAF1D3F190}"/>
+              </a:ext>
+            </a:extLst>
+          </p:cNvPr>
+          <p:cNvPicPr>
+            <a:picLocks noChangeAspect="1"/>
+          </p:cNvPicPr>
+          <p:nvPr/>
+        </p:nvPicPr>
+        <p:blipFill>
+          <a:blip r:embed="rId5"/>
+          <a:stretch>
+            <a:fillRect/>
+          </a:stretch>
+        </p:blipFill>
+        <p:spPr>
+          <a:xfrm>
+            <a:off x="8956367" y="1211173"/>
+            <a:ext cx="2565487" cy="2015106"/>
+          </a:xfrm>
+          <a:prstGeom prst="rect">
+            <a:avLst/>
+          </a:prstGeom>
+        </p:spPr>
+      </p:pic>
+      <p:sp>
+        <p:nvSpPr>
+          <p:cNvPr id="10" name="TextBox 9">
+            <a:extLst>
+              <a:ext uri="{FF2B5EF4-FFF2-40B4-BE49-F238E27FC236}">
+                <a16:creationId xmlns:a16="http://schemas.microsoft.com/office/drawing/2014/main" id="{6AB2FD6A-2B76-751B-93E5-F15141C4921F}"/>
+              </a:ext>
+            </a:extLst>
+          </p:cNvPr>
+          <p:cNvSpPr txBox="1"/>
+          <p:nvPr/>
+        </p:nvSpPr>
+        <p:spPr>
+          <a:xfrm>
+            <a:off x="9825487" y="3579962"/>
+            <a:ext cx="1544012" cy="369332"/>
+          </a:xfrm>
+          <a:prstGeom prst="rect">
+            <a:avLst/>
+          </a:prstGeom>
+          <a:noFill/>
+        </p:spPr>
+        <p:txBody>
+          <a:bodyPr wrap="none" rtlCol="0">
+            <a:spAutoFit/>
+          </a:bodyPr>
+          <a:lstStyle/>
+          <a:p>
+            <a:r>
+              <a:rPr lang="en-US" dirty="0"/>
+              <a:t>VIT 3-channel</a:t>
+            </a:r>
+          </a:p>
+        </p:txBody>
+      </p:sp>
+      <p:pic>
+        <p:nvPicPr>
+          <p:cNvPr id="11" name="Picture 10">
+            <a:extLst>
+              <a:ext uri="{FF2B5EF4-FFF2-40B4-BE49-F238E27FC236}">
+                <a16:creationId xmlns:a16="http://schemas.microsoft.com/office/drawing/2014/main" id="{2D11AE27-7F66-BE3D-1C67-560DA1E19BF5}"/>
+              </a:ext>
+            </a:extLst>
+          </p:cNvPr>
+          <p:cNvPicPr>
+            <a:picLocks noChangeAspect="1"/>
+          </p:cNvPicPr>
+          <p:nvPr/>
+        </p:nvPicPr>
+        <p:blipFill>
+          <a:blip r:embed="rId6"/>
+          <a:stretch>
+            <a:fillRect/>
+          </a:stretch>
+        </p:blipFill>
+        <p:spPr>
+          <a:xfrm>
+            <a:off x="586578" y="4078654"/>
+            <a:ext cx="2565487" cy="2015105"/>
+          </a:xfrm>
+          <a:prstGeom prst="rect">
+            <a:avLst/>
+          </a:prstGeom>
+        </p:spPr>
+      </p:pic>
+      <p:sp>
+        <p:nvSpPr>
+          <p:cNvPr id="12" name="TextBox 11">
+            <a:extLst>
+              <a:ext uri="{FF2B5EF4-FFF2-40B4-BE49-F238E27FC236}">
+                <a16:creationId xmlns:a16="http://schemas.microsoft.com/office/drawing/2014/main" id="{15CC5EB0-73AA-63D8-98BC-76E9A6C7C505}"/>
+              </a:ext>
+            </a:extLst>
+          </p:cNvPr>
+          <p:cNvSpPr txBox="1"/>
+          <p:nvPr/>
+        </p:nvSpPr>
+        <p:spPr>
+          <a:xfrm>
+            <a:off x="1177942" y="6167887"/>
+            <a:ext cx="1382751" cy="369332"/>
+          </a:xfrm>
+          <a:prstGeom prst="rect">
+            <a:avLst/>
+          </a:prstGeom>
+          <a:noFill/>
+        </p:spPr>
+        <p:txBody>
+          <a:bodyPr wrap="none" rtlCol="0">
+            <a:spAutoFit/>
+          </a:bodyPr>
+          <a:lstStyle/>
+          <a:p>
+            <a:r>
+              <a:rPr lang="en-US" dirty="0"/>
+              <a:t>Transformer</a:t>
+            </a:r>
+          </a:p>
+        </p:txBody>
+      </p:sp>
+    </p:spTree>
+    <p:extLst>
+      <p:ext uri="{BB962C8B-B14F-4D97-AF65-F5344CB8AC3E}">
+        <p14:creationId xmlns:p14="http://schemas.microsoft.com/office/powerpoint/2010/main" val="4077744448"/>
+      </p:ext>
+    </p:extLst>
+  </p:cSld>
+  <p:clrMapOvr>
+    <a:masterClrMapping/>
+  </p:clrMapOvr>
+</p:sld>
+</file>
+
+<file path=ppt/slides/slide16.xml><?xml version="1.0" encoding="utf-8"?>
+<p:sld xmlns:a="http://schemas.openxmlformats.org/drawingml/2006/main" xmlns:r="http://schemas.openxmlformats.org/officeDocument/2006/relationships" xmlns:p="http://schemas.openxmlformats.org/presentationml/2006/main">
+  <p:cSld>
+    <p:spTree>
+      <p:nvGrpSpPr>
+        <p:cNvPr id="1" name=""/>
+        <p:cNvGrpSpPr/>
+        <p:nvPr/>
+      </p:nvGrpSpPr>
+      <p:grpSpPr>
+        <a:xfrm>
+          <a:off x="0" y="0"/>
+          <a:ext cx="0" cy="0"/>
+          <a:chOff x="0" y="0"/>
+          <a:chExt cx="0" cy="0"/>
+        </a:xfrm>
+      </p:grpSpPr>
+      <p:sp>
+        <p:nvSpPr>
+          <p:cNvPr id="2" name="TextBox 1">
+            <a:extLst>
+              <a:ext uri="{FF2B5EF4-FFF2-40B4-BE49-F238E27FC236}">
+                <a16:creationId xmlns:a16="http://schemas.microsoft.com/office/drawing/2014/main" id="{ADA6F59F-40C8-F00A-6C2D-A4D77F271087}"/>
+              </a:ext>
+            </a:extLst>
+          </p:cNvPr>
+          <p:cNvSpPr txBox="1"/>
+          <p:nvPr/>
+        </p:nvSpPr>
+        <p:spPr>
+          <a:xfrm>
+            <a:off x="114248" y="144344"/>
+            <a:ext cx="4930452" cy="461665"/>
+          </a:xfrm>
+          <a:prstGeom prst="rect">
+            <a:avLst/>
+          </a:prstGeom>
+          <a:noFill/>
+        </p:spPr>
+        <p:txBody>
+          <a:bodyPr wrap="none" rtlCol="0">
+            <a:spAutoFit/>
+          </a:bodyPr>
+          <a:lstStyle/>
+          <a:p>
+            <a:r>
+              <a:rPr lang="en-US" sz="2400" dirty="0"/>
+              <a:t>Plots </a:t>
+            </a:r>
+            <a:r>
+              <a:rPr lang="en-US" sz="2400" dirty="0" err="1"/>
+              <a:t>Kd</a:t>
+            </a:r>
+            <a:r>
+              <a:rPr lang="en-US" sz="2400" dirty="0"/>
+              <a:t> distribution on hold-out set</a:t>
+            </a:r>
+          </a:p>
+        </p:txBody>
+      </p:sp>
+    </p:spTree>
+    <p:extLst>
+      <p:ext uri="{BB962C8B-B14F-4D97-AF65-F5344CB8AC3E}">
+        <p14:creationId xmlns:p14="http://schemas.microsoft.com/office/powerpoint/2010/main" val="3624022855"/>
+      </p:ext>
+    </p:extLst>
+  </p:cSld>
+  <p:clrMapOvr>
+    <a:masterClrMapping/>
+  </p:clrMapOvr>
+</p:sld>
+</file>
+
+<file path=ppt/slides/slide17.xml><?xml version="1.0" encoding="utf-8"?>
+<p:sld xmlns:a="http://schemas.openxmlformats.org/drawingml/2006/main" xmlns:r="http://schemas.openxmlformats.org/officeDocument/2006/relationships" xmlns:p="http://schemas.openxmlformats.org/presentationml/2006/main">
+  <p:cSld>
+    <p:spTree>
+      <p:nvGrpSpPr>
+        <p:cNvPr id="1" name=""/>
+        <p:cNvGrpSpPr/>
+        <p:nvPr/>
+      </p:nvGrpSpPr>
+      <p:grpSpPr>
+        <a:xfrm>
+          <a:off x="0" y="0"/>
+          <a:ext cx="0" cy="0"/>
+          <a:chOff x="0" y="0"/>
+          <a:chExt cx="0" cy="0"/>
+        </a:xfrm>
+      </p:grpSpPr>
+      <p:sp>
+        <p:nvSpPr>
+          <p:cNvPr id="19" name="Rectangle 18">
+            <a:extLst>
+              <a:ext uri="{FF2B5EF4-FFF2-40B4-BE49-F238E27FC236}">
+                <a16:creationId xmlns:a16="http://schemas.microsoft.com/office/drawing/2014/main" id="{A73258FA-CD8D-B70C-C2EA-E2A9B3C90F14}"/>
+              </a:ext>
+            </a:extLst>
+          </p:cNvPr>
+          <p:cNvSpPr/>
+          <p:nvPr/>
+        </p:nvSpPr>
+        <p:spPr>
+          <a:xfrm>
+            <a:off x="6918808" y="1224951"/>
+            <a:ext cx="3366471" cy="543464"/>
+          </a:xfrm>
+          <a:prstGeom prst="rect">
+            <a:avLst/>
+          </a:prstGeom>
+          <a:solidFill>
+            <a:schemeClr val="accent1">
+              <a:alpha val="33024"/>
+            </a:schemeClr>
+          </a:solidFill>
+          <a:ln>
+            <a:solidFill>
+              <a:schemeClr val="accent1">
+                <a:shade val="15000"/>
+              </a:schemeClr>
+            </a:solidFill>
+          </a:ln>
+        </p:spPr>
+        <p:style>
+          <a:lnRef idx="2">
+            <a:schemeClr val="accent1">
+              <a:shade val="15000"/>
+            </a:schemeClr>
+          </a:lnRef>
+          <a:fillRef idx="1">
+            <a:schemeClr val="accent1"/>
+          </a:fillRef>
+          <a:effectRef idx="0">
+            <a:schemeClr val="accent1"/>
+          </a:effectRef>
+          <a:fontRef idx="minor">
+            <a:schemeClr val="lt1"/>
+          </a:fontRef>
+        </p:style>
+        <p:txBody>
+          <a:bodyPr rtlCol="0" anchor="ctr"/>
+          <a:lstStyle/>
+          <a:p>
+            <a:pPr algn="ctr"/>
+            <a:endParaRPr lang="en-US" dirty="0"/>
+          </a:p>
+        </p:txBody>
+      </p:sp>
+      <p:sp>
+        <p:nvSpPr>
+          <p:cNvPr id="2" name="TextBox 1">
+            <a:extLst>
+              <a:ext uri="{FF2B5EF4-FFF2-40B4-BE49-F238E27FC236}">
+                <a16:creationId xmlns:a16="http://schemas.microsoft.com/office/drawing/2014/main" id="{20E0A661-F32C-A79C-1C36-4376CEED0ED1}"/>
+              </a:ext>
+            </a:extLst>
+          </p:cNvPr>
+          <p:cNvSpPr txBox="1"/>
+          <p:nvPr/>
+        </p:nvSpPr>
+        <p:spPr>
+          <a:xfrm>
+            <a:off x="136762" y="204349"/>
+            <a:ext cx="4468724" cy="461665"/>
+          </a:xfrm>
+          <a:prstGeom prst="rect">
+            <a:avLst/>
+          </a:prstGeom>
+          <a:noFill/>
+        </p:spPr>
+        <p:txBody>
+          <a:bodyPr wrap="none" rtlCol="0">
+            <a:spAutoFit/>
+          </a:bodyPr>
+          <a:lstStyle/>
+          <a:p>
+            <a:r>
+              <a:rPr lang="en-US" sz="2400" dirty="0"/>
+              <a:t>t-SNE plots :  Transformer model</a:t>
+            </a:r>
+          </a:p>
+        </p:txBody>
+      </p:sp>
+      <p:pic>
+        <p:nvPicPr>
+          <p:cNvPr id="8" name="Picture 7">
+            <a:extLst>
+              <a:ext uri="{FF2B5EF4-FFF2-40B4-BE49-F238E27FC236}">
+                <a16:creationId xmlns:a16="http://schemas.microsoft.com/office/drawing/2014/main" id="{C7291BA8-051D-CD34-F16E-F65C2979B98A}"/>
+              </a:ext>
+            </a:extLst>
+          </p:cNvPr>
+          <p:cNvPicPr>
+            <a:picLocks noChangeAspect="1"/>
+          </p:cNvPicPr>
+          <p:nvPr/>
+        </p:nvPicPr>
+        <p:blipFill>
+          <a:blip r:embed="rId2"/>
+          <a:stretch>
+            <a:fillRect/>
+          </a:stretch>
+        </p:blipFill>
+        <p:spPr>
+          <a:xfrm>
+            <a:off x="434795" y="878696"/>
+            <a:ext cx="5473700" cy="4445000"/>
+          </a:xfrm>
+          <a:prstGeom prst="rect">
+            <a:avLst/>
+          </a:prstGeom>
+        </p:spPr>
+      </p:pic>
+      <p:sp>
+        <p:nvSpPr>
+          <p:cNvPr id="9" name="TextBox 8">
+            <a:extLst>
+              <a:ext uri="{FF2B5EF4-FFF2-40B4-BE49-F238E27FC236}">
+                <a16:creationId xmlns:a16="http://schemas.microsoft.com/office/drawing/2014/main" id="{E777ACD0-F709-BA92-11E4-D948F3FC7380}"/>
+              </a:ext>
+            </a:extLst>
+          </p:cNvPr>
+          <p:cNvSpPr txBox="1"/>
+          <p:nvPr/>
+        </p:nvSpPr>
+        <p:spPr>
+          <a:xfrm>
+            <a:off x="7694762" y="1311216"/>
+            <a:ext cx="2672078" cy="369332"/>
+          </a:xfrm>
+          <a:prstGeom prst="rect">
+            <a:avLst/>
+          </a:prstGeom>
+          <a:noFill/>
+        </p:spPr>
+        <p:txBody>
+          <a:bodyPr wrap="none" rtlCol="0">
+            <a:spAutoFit/>
+          </a:bodyPr>
+          <a:lstStyle/>
+          <a:p>
+            <a:r>
+              <a:rPr lang="en-US" dirty="0"/>
+              <a:t>[CLS</a:t>
+            </a:r>
+            <a:r>
+              <a:rPr lang="en-US" baseline="30000" dirty="0"/>
+              <a:t>*</a:t>
+            </a:r>
+            <a:r>
+              <a:rPr lang="en-US" dirty="0"/>
+              <a:t>, aa, aa, aa, aa, …..]</a:t>
+            </a:r>
+          </a:p>
+        </p:txBody>
+      </p:sp>
+      <p:sp>
+        <p:nvSpPr>
+          <p:cNvPr id="10" name="TextBox 9">
+            <a:extLst>
+              <a:ext uri="{FF2B5EF4-FFF2-40B4-BE49-F238E27FC236}">
+                <a16:creationId xmlns:a16="http://schemas.microsoft.com/office/drawing/2014/main" id="{94D09D50-6EBA-77AB-6F7F-ABBDD034C1B5}"/>
+              </a:ext>
+            </a:extLst>
+          </p:cNvPr>
+          <p:cNvSpPr txBox="1"/>
+          <p:nvPr/>
+        </p:nvSpPr>
+        <p:spPr>
+          <a:xfrm>
+            <a:off x="6941671" y="1311216"/>
+            <a:ext cx="753091" cy="369332"/>
+          </a:xfrm>
+          <a:prstGeom prst="rect">
+            <a:avLst/>
+          </a:prstGeom>
+          <a:noFill/>
+        </p:spPr>
+        <p:txBody>
+          <a:bodyPr wrap="none" rtlCol="0">
+            <a:spAutoFit/>
+          </a:bodyPr>
+          <a:lstStyle/>
+          <a:p>
+            <a:r>
+              <a:rPr lang="en-US" dirty="0"/>
+              <a:t>REGR</a:t>
+            </a:r>
+          </a:p>
+        </p:txBody>
+      </p:sp>
+      <p:cxnSp>
+        <p:nvCxnSpPr>
+          <p:cNvPr id="12" name="Straight Arrow Connector 11">
+            <a:extLst>
+              <a:ext uri="{FF2B5EF4-FFF2-40B4-BE49-F238E27FC236}">
+                <a16:creationId xmlns:a16="http://schemas.microsoft.com/office/drawing/2014/main" id="{4E356B48-D3E1-76F7-F930-F053CEE3046A}"/>
+              </a:ext>
+            </a:extLst>
+          </p:cNvPr>
+          <p:cNvCxnSpPr>
+            <a:cxnSpLocks/>
+          </p:cNvCxnSpPr>
+          <p:nvPr/>
+        </p:nvCxnSpPr>
+        <p:spPr>
+          <a:xfrm flipV="1">
+            <a:off x="8990020" y="1595887"/>
+            <a:ext cx="0" cy="854015"/>
+          </a:xfrm>
+          <a:prstGeom prst="straightConnector1">
+            <a:avLst/>
+          </a:prstGeom>
+          <a:ln>
+            <a:tailEnd type="triangle"/>
+          </a:ln>
+        </p:spPr>
+        <p:style>
+          <a:lnRef idx="2">
+            <a:schemeClr val="accent1"/>
+          </a:lnRef>
+          <a:fillRef idx="0">
+            <a:schemeClr val="accent1"/>
+          </a:fillRef>
+          <a:effectRef idx="1">
+            <a:schemeClr val="accent1"/>
+          </a:effectRef>
+          <a:fontRef idx="minor">
+            <a:schemeClr val="tx1"/>
+          </a:fontRef>
+        </p:style>
+      </p:cxnSp>
+      <p:sp>
+        <p:nvSpPr>
+          <p:cNvPr id="14" name="TextBox 13">
+            <a:extLst>
+              <a:ext uri="{FF2B5EF4-FFF2-40B4-BE49-F238E27FC236}">
+                <a16:creationId xmlns:a16="http://schemas.microsoft.com/office/drawing/2014/main" id="{CFEDB3BA-452B-08B6-439B-BC2846A64493}"/>
+              </a:ext>
+            </a:extLst>
+          </p:cNvPr>
+          <p:cNvSpPr txBox="1"/>
+          <p:nvPr/>
+        </p:nvSpPr>
+        <p:spPr>
+          <a:xfrm>
+            <a:off x="8833449" y="2449902"/>
+            <a:ext cx="2314864" cy="646331"/>
+          </a:xfrm>
+          <a:prstGeom prst="rect">
+            <a:avLst/>
+          </a:prstGeom>
+          <a:noFill/>
+        </p:spPr>
+        <p:txBody>
+          <a:bodyPr wrap="none" rtlCol="0">
+            <a:spAutoFit/>
+          </a:bodyPr>
+          <a:lstStyle/>
+          <a:p>
+            <a:r>
+              <a:rPr lang="en-US" dirty="0"/>
+              <a:t>sequence emitted by </a:t>
+            </a:r>
+          </a:p>
+          <a:p>
+            <a:r>
+              <a:rPr lang="en-US" dirty="0"/>
+              <a:t>dataset class</a:t>
+            </a:r>
+          </a:p>
+        </p:txBody>
+      </p:sp>
+      <p:sp>
+        <p:nvSpPr>
+          <p:cNvPr id="15" name="TextBox 14">
+            <a:extLst>
+              <a:ext uri="{FF2B5EF4-FFF2-40B4-BE49-F238E27FC236}">
+                <a16:creationId xmlns:a16="http://schemas.microsoft.com/office/drawing/2014/main" id="{60E226D2-AA94-ABDB-8A1E-E434D42B7790}"/>
+              </a:ext>
+            </a:extLst>
+          </p:cNvPr>
+          <p:cNvSpPr txBox="1"/>
+          <p:nvPr/>
+        </p:nvSpPr>
+        <p:spPr>
+          <a:xfrm>
+            <a:off x="6918808" y="3101196"/>
+            <a:ext cx="4755404" cy="369332"/>
+          </a:xfrm>
+          <a:prstGeom prst="rect">
+            <a:avLst/>
+          </a:prstGeom>
+          <a:noFill/>
+        </p:spPr>
+        <p:txBody>
+          <a:bodyPr wrap="none" rtlCol="0">
+            <a:spAutoFit/>
+          </a:bodyPr>
+          <a:lstStyle/>
+          <a:p>
+            <a:r>
+              <a:rPr lang="en-US" dirty="0"/>
+              <a:t>token added in the model to use for regression</a:t>
+            </a:r>
+          </a:p>
+        </p:txBody>
+      </p:sp>
+      <p:cxnSp>
+        <p:nvCxnSpPr>
+          <p:cNvPr id="16" name="Straight Arrow Connector 15">
+            <a:extLst>
+              <a:ext uri="{FF2B5EF4-FFF2-40B4-BE49-F238E27FC236}">
+                <a16:creationId xmlns:a16="http://schemas.microsoft.com/office/drawing/2014/main" id="{821456C9-A836-676C-3EC7-CBB5B1A2BCF4}"/>
+              </a:ext>
+            </a:extLst>
+          </p:cNvPr>
+          <p:cNvCxnSpPr>
+            <a:cxnSpLocks/>
+          </p:cNvCxnSpPr>
+          <p:nvPr/>
+        </p:nvCxnSpPr>
+        <p:spPr>
+          <a:xfrm flipV="1">
+            <a:off x="7318216" y="1595887"/>
+            <a:ext cx="0" cy="1505309"/>
+          </a:xfrm>
+          <a:prstGeom prst="straightConnector1">
+            <a:avLst/>
+          </a:prstGeom>
+          <a:ln>
+            <a:tailEnd type="triangle"/>
+          </a:ln>
+        </p:spPr>
+        <p:style>
+          <a:lnRef idx="2">
+            <a:schemeClr val="accent1"/>
+          </a:lnRef>
+          <a:fillRef idx="0">
+            <a:schemeClr val="accent1"/>
+          </a:fillRef>
+          <a:effectRef idx="1">
+            <a:schemeClr val="accent1"/>
+          </a:effectRef>
+          <a:fontRef idx="minor">
+            <a:schemeClr val="tx1"/>
+          </a:fontRef>
+        </p:style>
+      </p:cxnSp>
+      <p:sp>
+        <p:nvSpPr>
+          <p:cNvPr id="22" name="TextBox 21">
+            <a:extLst>
+              <a:ext uri="{FF2B5EF4-FFF2-40B4-BE49-F238E27FC236}">
+                <a16:creationId xmlns:a16="http://schemas.microsoft.com/office/drawing/2014/main" id="{A7AB843D-0FD2-EAA1-2D55-581A8E3A65AB}"/>
+              </a:ext>
+            </a:extLst>
+          </p:cNvPr>
+          <p:cNvSpPr txBox="1"/>
+          <p:nvPr/>
+        </p:nvSpPr>
+        <p:spPr>
+          <a:xfrm>
+            <a:off x="520202" y="5498125"/>
+            <a:ext cx="6517902" cy="1077218"/>
+          </a:xfrm>
+          <a:prstGeom prst="rect">
+            <a:avLst/>
+          </a:prstGeom>
+          <a:noFill/>
+        </p:spPr>
+        <p:txBody>
+          <a:bodyPr wrap="square" rtlCol="0">
+            <a:spAutoFit/>
+          </a:bodyPr>
+          <a:lstStyle/>
+          <a:p>
+            <a:r>
+              <a:rPr lang="en-US" sz="1600" b="0" dirty="0">
+                <a:effectLst/>
+              </a:rPr>
+              <a:t>Transformer-based models should learn relationships between the elements of the sequence</a:t>
+            </a:r>
+          </a:p>
+          <a:p>
+            <a:endParaRPr lang="en-US" sz="1600" dirty="0"/>
+          </a:p>
+          <a:p>
+            <a:r>
+              <a:rPr lang="en-US" sz="1600" b="0" dirty="0">
+                <a:effectLst/>
+              </a:rPr>
+              <a:t>t-SNE plots are not usually definitive, but are merely suggestive</a:t>
+            </a:r>
+          </a:p>
+        </p:txBody>
+      </p:sp>
+      <p:sp>
+        <p:nvSpPr>
+          <p:cNvPr id="23" name="TextBox 22">
+            <a:extLst>
+              <a:ext uri="{FF2B5EF4-FFF2-40B4-BE49-F238E27FC236}">
+                <a16:creationId xmlns:a16="http://schemas.microsoft.com/office/drawing/2014/main" id="{B4E69242-083C-CE32-BD93-A2F6D7103FB2}"/>
+              </a:ext>
+            </a:extLst>
+          </p:cNvPr>
+          <p:cNvSpPr txBox="1"/>
+          <p:nvPr/>
+        </p:nvSpPr>
+        <p:spPr>
+          <a:xfrm>
+            <a:off x="6633713" y="3778370"/>
+            <a:ext cx="4245136" cy="1323439"/>
+          </a:xfrm>
+          <a:prstGeom prst="rect">
+            <a:avLst/>
+          </a:prstGeom>
+          <a:noFill/>
+        </p:spPr>
+        <p:txBody>
+          <a:bodyPr wrap="none" rtlCol="0">
+            <a:spAutoFit/>
+          </a:bodyPr>
+          <a:lstStyle/>
+          <a:p>
+            <a:pPr marL="285750" indent="-285750">
+              <a:buFont typeface="Arial" panose="020B0604020202020204" pitchFamily="34" charset="0"/>
+              <a:buChar char="•"/>
+            </a:pPr>
+            <a:r>
+              <a:rPr lang="en-US" sz="1600" dirty="0"/>
+              <a:t>regress token clusters tightly: makes sense</a:t>
+            </a:r>
+          </a:p>
+          <a:p>
+            <a:pPr marL="285750" indent="-285750">
+              <a:buFont typeface="Arial" panose="020B0604020202020204" pitchFamily="34" charset="0"/>
+              <a:buChar char="•"/>
+            </a:pPr>
+            <a:r>
+              <a:rPr lang="en-US" sz="1600" dirty="0"/>
+              <a:t>CLS tokens cluster in a single region</a:t>
+            </a:r>
+          </a:p>
+          <a:p>
+            <a:pPr marL="285750" indent="-285750">
+              <a:buFont typeface="Arial" panose="020B0604020202020204" pitchFamily="34" charset="0"/>
+              <a:buChar char="•"/>
+            </a:pPr>
+            <a:r>
+              <a:rPr lang="en-US" sz="1600" dirty="0"/>
+              <a:t>CDR </a:t>
+            </a:r>
+            <a:r>
+              <a:rPr lang="en-US" sz="1600" dirty="0" err="1"/>
+              <a:t>aa’s</a:t>
+            </a:r>
+            <a:r>
+              <a:rPr lang="en-US" sz="1600" dirty="0"/>
+              <a:t> still scattered, however:</a:t>
+            </a:r>
+          </a:p>
+          <a:p>
+            <a:pPr marL="742950" lvl="1" indent="-285750">
+              <a:buFont typeface="Arial" panose="020B0604020202020204" pitchFamily="34" charset="0"/>
+              <a:buChar char="•"/>
+            </a:pPr>
+            <a:r>
+              <a:rPr lang="en-US" sz="1600" dirty="0"/>
+              <a:t>there are two tight CDR-only clusters</a:t>
+            </a:r>
+          </a:p>
+          <a:p>
+            <a:pPr marL="742950" lvl="1" indent="-285750">
+              <a:buFont typeface="Arial" panose="020B0604020202020204" pitchFamily="34" charset="0"/>
+              <a:buChar char="•"/>
+            </a:pPr>
+            <a:r>
+              <a:rPr lang="en-US" sz="1600" dirty="0" err="1">
+                <a:solidFill>
+                  <a:srgbClr val="FF0000"/>
+                </a:solidFill>
                 <a:highlight>
                   <a:srgbClr val="FFFF00"/>
                 </a:highlight>
               </a:rPr>
-              <a:t>Of the output of the transformer block</a:t>
-            </a:r>
-          </a:p>
-          <a:p>
-            <a:r>
-              <a:rPr lang="en-US" dirty="0">
+              <a:t>suss</a:t>
+            </a:r>
+            <a:r>
+              <a:rPr lang="en-US" sz="1600" dirty="0">
+                <a:solidFill>
+                  <a:srgbClr val="FF0000"/>
+                </a:solidFill>
                 <a:highlight>
                   <a:srgbClr val="FFFF00"/>
                 </a:highlight>
               </a:rPr>
-              <a:t>May see some interesting clustering of CDR vs non-CDR regions</a:t>
-            </a:r>
-          </a:p>
+              <a:t> this out??</a:t>
+            </a:r>
+          </a:p>
+        </p:txBody>
+      </p:sp>
+      <p:sp>
+        <p:nvSpPr>
+          <p:cNvPr id="24" name="TextBox 23">
+            <a:extLst>
+              <a:ext uri="{FF2B5EF4-FFF2-40B4-BE49-F238E27FC236}">
+                <a16:creationId xmlns:a16="http://schemas.microsoft.com/office/drawing/2014/main" id="{D9808841-543A-8743-3B05-B9C1589F2FC9}"/>
+              </a:ext>
+            </a:extLst>
+          </p:cNvPr>
+          <p:cNvSpPr txBox="1"/>
+          <p:nvPr/>
+        </p:nvSpPr>
+        <p:spPr>
+          <a:xfrm>
+            <a:off x="8186468" y="5719313"/>
+            <a:ext cx="2991716" cy="369332"/>
+          </a:xfrm>
+          <a:prstGeom prst="rect">
+            <a:avLst/>
+          </a:prstGeom>
+          <a:noFill/>
+        </p:spPr>
+        <p:txBody>
+          <a:bodyPr wrap="none" rtlCol="0">
+            <a:spAutoFit/>
+          </a:bodyPr>
+          <a:lstStyle/>
           <a:p>
             <a:r>
               <a:rPr lang="en-US" dirty="0">
+                <a:solidFill>
+                  <a:srgbClr val="FF0000"/>
+                </a:solidFill>
                 <a:highlight>
                   <a:srgbClr val="FFFF00"/>
                 </a:highlight>
               </a:rPr>
-              <a:t>or clustering by aa group type?</a:t>
+              <a:t>TODO: use aa group as label</a:t>
+            </a:r>
+          </a:p>
+        </p:txBody>
+      </p:sp>
+      <p:sp>
+        <p:nvSpPr>
+          <p:cNvPr id="27" name="Oval 26">
+            <a:extLst>
+              <a:ext uri="{FF2B5EF4-FFF2-40B4-BE49-F238E27FC236}">
+                <a16:creationId xmlns:a16="http://schemas.microsoft.com/office/drawing/2014/main" id="{D8E989E3-187D-B003-3685-962682FF3919}"/>
+              </a:ext>
+            </a:extLst>
+          </p:cNvPr>
+          <p:cNvSpPr/>
+          <p:nvPr/>
+        </p:nvSpPr>
+        <p:spPr>
+          <a:xfrm>
+            <a:off x="4601529" y="2219069"/>
+            <a:ext cx="500332" cy="461665"/>
+          </a:xfrm>
+          <a:prstGeom prst="ellipse">
+            <a:avLst/>
+          </a:prstGeom>
+          <a:noFill/>
+          <a:ln>
+            <a:solidFill>
+              <a:schemeClr val="tx1"/>
+            </a:solidFill>
+          </a:ln>
+        </p:spPr>
+        <p:style>
+          <a:lnRef idx="2">
+            <a:schemeClr val="accent1">
+              <a:shade val="15000"/>
+            </a:schemeClr>
+          </a:lnRef>
+          <a:fillRef idx="1">
+            <a:schemeClr val="accent1"/>
+          </a:fillRef>
+          <a:effectRef idx="0">
+            <a:schemeClr val="accent1"/>
+          </a:effectRef>
+          <a:fontRef idx="minor">
+            <a:schemeClr val="lt1"/>
+          </a:fontRef>
+        </p:style>
+        <p:txBody>
+          <a:bodyPr rtlCol="0" anchor="ctr"/>
+          <a:lstStyle/>
+          <a:p>
+            <a:pPr algn="ctr"/>
+            <a:endParaRPr lang="en-US" dirty="0"/>
+          </a:p>
+        </p:txBody>
+      </p:sp>
+      <p:sp>
+        <p:nvSpPr>
+          <p:cNvPr id="28" name="Oval 27">
+            <a:extLst>
+              <a:ext uri="{FF2B5EF4-FFF2-40B4-BE49-F238E27FC236}">
+                <a16:creationId xmlns:a16="http://schemas.microsoft.com/office/drawing/2014/main" id="{CBF93C22-48F6-4BAB-FAE2-1DE1533643AA}"/>
+              </a:ext>
+            </a:extLst>
+          </p:cNvPr>
+          <p:cNvSpPr/>
+          <p:nvPr/>
+        </p:nvSpPr>
+        <p:spPr>
+          <a:xfrm>
+            <a:off x="2239329" y="3696087"/>
+            <a:ext cx="500332" cy="461665"/>
+          </a:xfrm>
+          <a:prstGeom prst="ellipse">
+            <a:avLst/>
+          </a:prstGeom>
+          <a:noFill/>
+          <a:ln>
+            <a:solidFill>
+              <a:schemeClr val="tx1"/>
+            </a:solidFill>
+          </a:ln>
+        </p:spPr>
+        <p:style>
+          <a:lnRef idx="2">
+            <a:schemeClr val="accent1">
+              <a:shade val="15000"/>
+            </a:schemeClr>
+          </a:lnRef>
+          <a:fillRef idx="1">
+            <a:schemeClr val="accent1"/>
+          </a:fillRef>
+          <a:effectRef idx="0">
+            <a:schemeClr val="accent1"/>
+          </a:effectRef>
+          <a:fontRef idx="minor">
+            <a:schemeClr val="lt1"/>
+          </a:fontRef>
+        </p:style>
+        <p:txBody>
+          <a:bodyPr rtlCol="0" anchor="ctr"/>
+          <a:lstStyle/>
+          <a:p>
+            <a:pPr algn="ctr"/>
+            <a:endParaRPr lang="en-US" dirty="0"/>
+          </a:p>
+        </p:txBody>
+      </p:sp>
+      <p:sp>
+        <p:nvSpPr>
+          <p:cNvPr id="30" name="TextBox 29">
+            <a:extLst>
+              <a:ext uri="{FF2B5EF4-FFF2-40B4-BE49-F238E27FC236}">
+                <a16:creationId xmlns:a16="http://schemas.microsoft.com/office/drawing/2014/main" id="{0EBB5FAC-878F-0900-1B79-D2E1F8D04454}"/>
+              </a:ext>
+            </a:extLst>
+          </p:cNvPr>
+          <p:cNvSpPr txBox="1"/>
+          <p:nvPr/>
+        </p:nvSpPr>
+        <p:spPr>
+          <a:xfrm>
+            <a:off x="7490915" y="6375288"/>
+            <a:ext cx="4382821" cy="400110"/>
+          </a:xfrm>
+          <a:prstGeom prst="rect">
+            <a:avLst/>
+          </a:prstGeom>
+          <a:noFill/>
+        </p:spPr>
+        <p:txBody>
+          <a:bodyPr wrap="square" rtlCol="0">
+            <a:spAutoFit/>
+          </a:bodyPr>
+          <a:lstStyle/>
+          <a:p>
+            <a:r>
+              <a:rPr lang="en-US" sz="1000" dirty="0"/>
+              <a:t>* I should have left the CLS token out when constructing sequences since they are duplicated in the model by the regression token</a:t>
             </a:r>
           </a:p>
         </p:txBody>
@@ -6789,7 +7986,7 @@
 </p:sld>
 </file>
 
-<file path=ppt/slides/slide16.xml><?xml version="1.0" encoding="utf-8"?>
+<file path=ppt/slides/slide18.xml><?xml version="1.0" encoding="utf-8"?>
 <p:sld xmlns:a="http://schemas.openxmlformats.org/drawingml/2006/main" xmlns:r="http://schemas.openxmlformats.org/officeDocument/2006/relationships" xmlns:p="http://schemas.openxmlformats.org/presentationml/2006/main">
   <p:cSld>
     <p:spTree>
@@ -6895,7 +8092,7 @@
 </p:sld>
 </file>
 
-<file path=ppt/slides/slide17.xml><?xml version="1.0" encoding="utf-8"?>
+<file path=ppt/slides/slide19.xml><?xml version="1.0" encoding="utf-8"?>
 <p:sld xmlns:a="http://schemas.openxmlformats.org/drawingml/2006/main" xmlns:r="http://schemas.openxmlformats.org/officeDocument/2006/relationships" xmlns:p="http://schemas.openxmlformats.org/presentationml/2006/main">
   <p:cSld>
     <p:spTree>
@@ -7309,746 +8506,6 @@
     <p:extLst>
       <p:ext uri="{BB962C8B-B14F-4D97-AF65-F5344CB8AC3E}">
         <p14:creationId xmlns:p14="http://schemas.microsoft.com/office/powerpoint/2010/main" val="1592508389"/>
-      </p:ext>
-    </p:extLst>
-  </p:cSld>
-  <p:clrMapOvr>
-    <a:masterClrMapping/>
-  </p:clrMapOvr>
-</p:sld>
-</file>
-
-<file path=ppt/slides/slide18.xml><?xml version="1.0" encoding="utf-8"?>
-<p:sld xmlns:a="http://schemas.openxmlformats.org/drawingml/2006/main" xmlns:r="http://schemas.openxmlformats.org/officeDocument/2006/relationships" xmlns:p="http://schemas.openxmlformats.org/presentationml/2006/main">
-  <p:cSld>
-    <p:spTree>
-      <p:nvGrpSpPr>
-        <p:cNvPr id="1" name=""/>
-        <p:cNvGrpSpPr/>
-        <p:nvPr/>
-      </p:nvGrpSpPr>
-      <p:grpSpPr>
-        <a:xfrm>
-          <a:off x="0" y="0"/>
-          <a:ext cx="0" cy="0"/>
-          <a:chOff x="0" y="0"/>
-          <a:chExt cx="0" cy="0"/>
-        </a:xfrm>
-      </p:grpSpPr>
-      <p:sp>
-        <p:nvSpPr>
-          <p:cNvPr id="3" name="TextBox 2">
-            <a:extLst>
-              <a:ext uri="{FF2B5EF4-FFF2-40B4-BE49-F238E27FC236}">
-                <a16:creationId xmlns:a16="http://schemas.microsoft.com/office/drawing/2014/main" id="{956EFD40-D78B-378C-E823-CCF3AB5FFDA0}"/>
-              </a:ext>
-            </a:extLst>
-          </p:cNvPr>
-          <p:cNvSpPr txBox="1"/>
-          <p:nvPr/>
-        </p:nvSpPr>
-        <p:spPr>
-          <a:xfrm>
-            <a:off x="630945" y="2424644"/>
-            <a:ext cx="8760123" cy="3416320"/>
-          </a:xfrm>
-          <a:prstGeom prst="rect">
-            <a:avLst/>
-          </a:prstGeom>
-          <a:noFill/>
-        </p:spPr>
-        <p:txBody>
-          <a:bodyPr wrap="square">
-            <a:spAutoFit/>
-          </a:bodyPr>
-          <a:lstStyle/>
-          <a:p>
-            <a:r>
-              <a:rPr lang="en-US" b="1" dirty="0">
-                <a:effectLst/>
-              </a:rPr>
-              <a:t>Plan</a:t>
-            </a:r>
-            <a:endParaRPr lang="en-US" b="0" dirty="0">
-              <a:effectLst/>
-            </a:endParaRPr>
-          </a:p>
-          <a:p>
-            <a:pPr marL="285750" indent="-285750">
-              <a:buFont typeface="Arial" panose="020B0604020202020204" pitchFamily="34" charset="0"/>
-              <a:buChar char="•"/>
-            </a:pPr>
-            <a:r>
-              <a:rPr lang="en-US" b="0" dirty="0">
-                <a:effectLst/>
-              </a:rPr>
-              <a:t>focus on just </a:t>
-            </a:r>
-            <a:r>
-              <a:rPr lang="en-US" b="0" dirty="0" err="1">
-                <a:effectLst/>
-              </a:rPr>
-              <a:t>sequence_alignment_aa</a:t>
-            </a:r>
-            <a:r>
-              <a:rPr lang="en-US" b="0" dirty="0">
-                <a:effectLst/>
-              </a:rPr>
-              <a:t> column (not germline)</a:t>
-            </a:r>
-          </a:p>
-          <a:p>
-            <a:pPr marL="742950" lvl="1" indent="-285750">
-              <a:buFont typeface="Arial" panose="020B0604020202020204" pitchFamily="34" charset="0"/>
-              <a:buChar char="•"/>
-            </a:pPr>
-            <a:r>
-              <a:rPr lang="en-US" b="0" dirty="0">
-                <a:effectLst/>
-              </a:rPr>
-              <a:t>eliminate duplicates</a:t>
-            </a:r>
-          </a:p>
-          <a:p>
-            <a:pPr marL="285750" indent="-285750">
-              <a:buFont typeface="Arial" panose="020B0604020202020204" pitchFamily="34" charset="0"/>
-              <a:buChar char="•"/>
-            </a:pPr>
-            <a:r>
-              <a:rPr lang="en-US" b="0" dirty="0">
-                <a:effectLst/>
-              </a:rPr>
-              <a:t>ignore the separate v, d, and j (they are already in the light chain)</a:t>
-            </a:r>
-          </a:p>
-          <a:p>
-            <a:pPr marL="285750" indent="-285750">
-              <a:buFont typeface="Arial" panose="020B0604020202020204" pitchFamily="34" charset="0"/>
-              <a:buChar char="•"/>
-            </a:pPr>
-            <a:r>
-              <a:rPr lang="en-US" b="0" dirty="0">
-                <a:effectLst/>
-              </a:rPr>
-              <a:t>ignore fwr1, fwr2, fwr3, fwr4 regions (on the heavy chain?)</a:t>
-            </a:r>
-          </a:p>
-          <a:p>
-            <a:pPr marL="285750" indent="-285750">
-              <a:buFont typeface="Arial" panose="020B0604020202020204" pitchFamily="34" charset="0"/>
-              <a:buChar char="•"/>
-            </a:pPr>
-            <a:r>
-              <a:rPr lang="en-US" b="0" dirty="0">
-                <a:effectLst/>
-              </a:rPr>
-              <a:t>ignore </a:t>
-            </a:r>
-            <a:r>
-              <a:rPr lang="en-US" dirty="0"/>
-              <a:t>CDR</a:t>
-            </a:r>
-            <a:r>
-              <a:rPr lang="en-US" b="0" dirty="0">
-                <a:effectLst/>
-              </a:rPr>
-              <a:t> sequences (they are already contained in the longer light-chain sequences)</a:t>
-            </a:r>
-          </a:p>
-          <a:p>
-            <a:br>
-              <a:rPr lang="en-US" b="0" dirty="0">
-                <a:effectLst/>
-              </a:rPr>
-            </a:br>
-            <a:r>
-              <a:rPr lang="en-US" b="1" dirty="0">
-                <a:effectLst/>
-              </a:rPr>
-              <a:t>Result of data extraction</a:t>
-            </a:r>
-            <a:endParaRPr lang="en-US" b="0" dirty="0">
-              <a:effectLst/>
-            </a:endParaRPr>
-          </a:p>
-          <a:p>
-            <a:pPr marL="285750" indent="-285750">
-              <a:buFont typeface="Arial" panose="020B0604020202020204" pitchFamily="34" charset="0"/>
-              <a:buChar char="•"/>
-            </a:pPr>
-            <a:r>
-              <a:rPr lang="en-US" b="0" dirty="0">
-                <a:effectLst/>
-              </a:rPr>
-              <a:t>total rows 20306305, num unique, </a:t>
-            </a:r>
-            <a:r>
-              <a:rPr lang="en-US" b="0" dirty="0" err="1">
-                <a:effectLst/>
-              </a:rPr>
-              <a:t>len</a:t>
-            </a:r>
-            <a:r>
-              <a:rPr lang="en-US" b="0" dirty="0">
-                <a:effectLst/>
-              </a:rPr>
-              <a:t>(seqs): 18061315</a:t>
-            </a:r>
-          </a:p>
-          <a:p>
-            <a:pPr marL="285750" indent="-285750">
-              <a:buFont typeface="Arial" panose="020B0604020202020204" pitchFamily="34" charset="0"/>
-              <a:buChar char="•"/>
-            </a:pPr>
-            <a:r>
-              <a:rPr lang="en-US" b="0" dirty="0">
-                <a:effectLst/>
-              </a:rPr>
-              <a:t>range in length from </a:t>
-            </a:r>
-            <a:r>
-              <a:rPr lang="en-US" b="0" dirty="0" err="1">
-                <a:effectLst/>
-              </a:rPr>
-              <a:t>min_len</a:t>
-            </a:r>
-            <a:r>
-              <a:rPr lang="en-US" b="0" dirty="0">
-                <a:effectLst/>
-              </a:rPr>
-              <a:t>: 43 , </a:t>
-            </a:r>
-            <a:r>
-              <a:rPr lang="en-US" b="0" dirty="0" err="1">
-                <a:effectLst/>
-              </a:rPr>
-              <a:t>max_len</a:t>
-            </a:r>
-            <a:r>
-              <a:rPr lang="en-US" b="0" dirty="0">
-                <a:effectLst/>
-              </a:rPr>
-              <a:t>: 132</a:t>
-            </a:r>
-            <a:br>
-              <a:rPr lang="en-US" b="0" dirty="0">
-                <a:effectLst/>
-              </a:rPr>
-            </a:br>
-            <a:endParaRPr lang="en-US" b="0" dirty="0">
-              <a:effectLst/>
-            </a:endParaRPr>
-          </a:p>
-        </p:txBody>
-      </p:sp>
-      <p:sp>
-        <p:nvSpPr>
-          <p:cNvPr id="5" name="TextBox 4">
-            <a:extLst>
-              <a:ext uri="{FF2B5EF4-FFF2-40B4-BE49-F238E27FC236}">
-                <a16:creationId xmlns:a16="http://schemas.microsoft.com/office/drawing/2014/main" id="{134BD8A0-CE7C-283D-1E05-408E2C1C9AAE}"/>
-              </a:ext>
-            </a:extLst>
-          </p:cNvPr>
-          <p:cNvSpPr txBox="1"/>
-          <p:nvPr/>
-        </p:nvSpPr>
-        <p:spPr>
-          <a:xfrm>
-            <a:off x="698740" y="1547415"/>
-            <a:ext cx="4439420" cy="646331"/>
-          </a:xfrm>
-          <a:prstGeom prst="rect">
-            <a:avLst/>
-          </a:prstGeom>
-          <a:noFill/>
-        </p:spPr>
-        <p:txBody>
-          <a:bodyPr wrap="none" rtlCol="0">
-            <a:spAutoFit/>
-          </a:bodyPr>
-          <a:lstStyle/>
-          <a:p>
-            <a:r>
-              <a:rPr lang="en-US" dirty="0"/>
-              <a:t>Human, SARS-COV-2, light chain, unpaired</a:t>
-            </a:r>
-          </a:p>
-          <a:p>
-            <a:pPr marL="285750" indent="-285750">
-              <a:buFont typeface="Arial" panose="020B0604020202020204" pitchFamily="34" charset="0"/>
-              <a:buChar char="•"/>
-            </a:pPr>
-            <a:r>
-              <a:rPr lang="en-US" dirty="0"/>
-              <a:t>175 datafiles </a:t>
-            </a:r>
-          </a:p>
-        </p:txBody>
-      </p:sp>
-      <p:sp>
-        <p:nvSpPr>
-          <p:cNvPr id="6" name="TextBox 5">
-            <a:hlinkClick r:id="rId2"/>
-            <a:extLst>
-              <a:ext uri="{FF2B5EF4-FFF2-40B4-BE49-F238E27FC236}">
-                <a16:creationId xmlns:a16="http://schemas.microsoft.com/office/drawing/2014/main" id="{29B86055-40FC-B110-8BF1-C3F390607AFB}"/>
-              </a:ext>
-            </a:extLst>
-          </p:cNvPr>
-          <p:cNvSpPr txBox="1"/>
-          <p:nvPr/>
-        </p:nvSpPr>
-        <p:spPr>
-          <a:xfrm>
-            <a:off x="7625751" y="6071862"/>
-            <a:ext cx="4270400" cy="369332"/>
-          </a:xfrm>
-          <a:prstGeom prst="rect">
-            <a:avLst/>
-          </a:prstGeom>
-          <a:noFill/>
-        </p:spPr>
-        <p:txBody>
-          <a:bodyPr wrap="none" rtlCol="0">
-            <a:spAutoFit/>
-          </a:bodyPr>
-          <a:lstStyle/>
-          <a:p>
-            <a:r>
-              <a:rPr lang="en-US" dirty="0"/>
-              <a:t>https://</a:t>
-            </a:r>
-            <a:r>
-              <a:rPr lang="en-US" dirty="0" err="1"/>
-              <a:t>opig.stats.ox.ac.uk</a:t>
-            </a:r>
-            <a:r>
-              <a:rPr lang="en-US" dirty="0"/>
-              <a:t>/webapps/</a:t>
-            </a:r>
-            <a:r>
-              <a:rPr lang="en-US" dirty="0" err="1"/>
-              <a:t>oas</a:t>
-            </a:r>
-            <a:r>
-              <a:rPr lang="en-US" dirty="0"/>
-              <a:t>/</a:t>
-            </a:r>
-          </a:p>
-        </p:txBody>
-      </p:sp>
-      <p:sp>
-        <p:nvSpPr>
-          <p:cNvPr id="7" name="TextBox 6">
-            <a:extLst>
-              <a:ext uri="{FF2B5EF4-FFF2-40B4-BE49-F238E27FC236}">
-                <a16:creationId xmlns:a16="http://schemas.microsoft.com/office/drawing/2014/main" id="{9FCB3EB8-5AA1-7DF9-6F60-2FAA11D05739}"/>
-              </a:ext>
-            </a:extLst>
-          </p:cNvPr>
-          <p:cNvSpPr txBox="1"/>
-          <p:nvPr/>
-        </p:nvSpPr>
-        <p:spPr>
-          <a:xfrm>
-            <a:off x="630945" y="952711"/>
-            <a:ext cx="4102213" cy="369332"/>
-          </a:xfrm>
-          <a:prstGeom prst="rect">
-            <a:avLst/>
-          </a:prstGeom>
-          <a:noFill/>
-        </p:spPr>
-        <p:txBody>
-          <a:bodyPr wrap="none" rtlCol="0">
-            <a:spAutoFit/>
-          </a:bodyPr>
-          <a:lstStyle/>
-          <a:p>
-            <a:r>
-              <a:rPr lang="en-US" dirty="0"/>
-              <a:t>Pretrain (masked language model) with:</a:t>
-            </a:r>
-          </a:p>
-        </p:txBody>
-      </p:sp>
-      <p:sp>
-        <p:nvSpPr>
-          <p:cNvPr id="10" name="TextBox 9">
-            <a:extLst>
-              <a:ext uri="{FF2B5EF4-FFF2-40B4-BE49-F238E27FC236}">
-                <a16:creationId xmlns:a16="http://schemas.microsoft.com/office/drawing/2014/main" id="{997EC2EE-0227-F1B7-7BA5-DDB88BC4DBC8}"/>
-              </a:ext>
-            </a:extLst>
-          </p:cNvPr>
-          <p:cNvSpPr txBox="1"/>
-          <p:nvPr/>
-        </p:nvSpPr>
-        <p:spPr>
-          <a:xfrm>
-            <a:off x="157088" y="241780"/>
-            <a:ext cx="8903591" cy="461665"/>
-          </a:xfrm>
-          <a:prstGeom prst="rect">
-            <a:avLst/>
-          </a:prstGeom>
-          <a:noFill/>
-        </p:spPr>
-        <p:txBody>
-          <a:bodyPr wrap="none" rtlCol="0">
-            <a:spAutoFit/>
-          </a:bodyPr>
-          <a:lstStyle/>
-          <a:p>
-            <a:r>
-              <a:rPr lang="en-US" sz="2400" dirty="0"/>
-              <a:t>BERT pre-train dataset:  OAS (Observed Antibody Space) database</a:t>
-            </a:r>
-          </a:p>
-        </p:txBody>
-      </p:sp>
-    </p:spTree>
-    <p:extLst>
-      <p:ext uri="{BB962C8B-B14F-4D97-AF65-F5344CB8AC3E}">
-        <p14:creationId xmlns:p14="http://schemas.microsoft.com/office/powerpoint/2010/main" val="2598926606"/>
-      </p:ext>
-    </p:extLst>
-  </p:cSld>
-  <p:clrMapOvr>
-    <a:masterClrMapping/>
-  </p:clrMapOvr>
-</p:sld>
-</file>
-
-<file path=ppt/slides/slide19.xml><?xml version="1.0" encoding="utf-8"?>
-<p:sld xmlns:a="http://schemas.openxmlformats.org/drawingml/2006/main" xmlns:r="http://schemas.openxmlformats.org/officeDocument/2006/relationships" xmlns:p="http://schemas.openxmlformats.org/presentationml/2006/main">
-  <p:cSld>
-    <p:spTree>
-      <p:nvGrpSpPr>
-        <p:cNvPr id="1" name=""/>
-        <p:cNvGrpSpPr/>
-        <p:nvPr/>
-      </p:nvGrpSpPr>
-      <p:grpSpPr>
-        <a:xfrm>
-          <a:off x="0" y="0"/>
-          <a:ext cx="0" cy="0"/>
-          <a:chOff x="0" y="0"/>
-          <a:chExt cx="0" cy="0"/>
-        </a:xfrm>
-      </p:grpSpPr>
-      <p:sp>
-        <p:nvSpPr>
-          <p:cNvPr id="2" name="TextBox 1">
-            <a:extLst>
-              <a:ext uri="{FF2B5EF4-FFF2-40B4-BE49-F238E27FC236}">
-                <a16:creationId xmlns:a16="http://schemas.microsoft.com/office/drawing/2014/main" id="{F1009346-0A06-C618-B97B-16F018B30694}"/>
-              </a:ext>
-            </a:extLst>
-          </p:cNvPr>
-          <p:cNvSpPr txBox="1"/>
-          <p:nvPr/>
-        </p:nvSpPr>
-        <p:spPr>
-          <a:xfrm>
-            <a:off x="157088" y="241780"/>
-            <a:ext cx="3415166" cy="461665"/>
-          </a:xfrm>
-          <a:prstGeom prst="rect">
-            <a:avLst/>
-          </a:prstGeom>
-          <a:noFill/>
-        </p:spPr>
-        <p:txBody>
-          <a:bodyPr wrap="none" rtlCol="0">
-            <a:spAutoFit/>
-          </a:bodyPr>
-          <a:lstStyle/>
-          <a:p>
-            <a:r>
-              <a:rPr lang="en-US" sz="2400" dirty="0"/>
-              <a:t>Pre-training on OAS data</a:t>
-            </a:r>
-          </a:p>
-        </p:txBody>
-      </p:sp>
-      <p:sp>
-        <p:nvSpPr>
-          <p:cNvPr id="3" name="TextBox 2">
-            <a:extLst>
-              <a:ext uri="{FF2B5EF4-FFF2-40B4-BE49-F238E27FC236}">
-                <a16:creationId xmlns:a16="http://schemas.microsoft.com/office/drawing/2014/main" id="{E24C06AD-EB4C-77BC-393E-A30EC9AFB234}"/>
-              </a:ext>
-            </a:extLst>
-          </p:cNvPr>
-          <p:cNvSpPr txBox="1"/>
-          <p:nvPr/>
-        </p:nvSpPr>
-        <p:spPr>
-          <a:xfrm>
-            <a:off x="1426464" y="1161288"/>
-            <a:ext cx="8467767" cy="4801314"/>
-          </a:xfrm>
-          <a:prstGeom prst="rect">
-            <a:avLst/>
-          </a:prstGeom>
-          <a:noFill/>
-        </p:spPr>
-        <p:txBody>
-          <a:bodyPr wrap="none" rtlCol="0">
-            <a:spAutoFit/>
-          </a:bodyPr>
-          <a:lstStyle/>
-          <a:p>
-            <a:pPr marL="285750" indent="-285750">
-              <a:buFont typeface="Arial" panose="020B0604020202020204" pitchFamily="34" charset="0"/>
-              <a:buChar char="•"/>
-            </a:pPr>
-            <a:r>
-              <a:rPr lang="en-US" dirty="0"/>
-              <a:t>Code: </a:t>
-            </a:r>
-            <a:r>
-              <a:rPr lang="en-US" dirty="0" err="1"/>
-              <a:t>pytorch</a:t>
-            </a:r>
-            <a:r>
-              <a:rPr lang="en-US" dirty="0"/>
-              <a:t> with a </a:t>
-            </a:r>
-            <a:r>
-              <a:rPr lang="en-US" dirty="0" err="1"/>
-              <a:t>pytorch</a:t>
-            </a:r>
-            <a:r>
-              <a:rPr lang="en-US" dirty="0"/>
-              <a:t>-lightning (harness to manage the training, test loop)</a:t>
-            </a:r>
-          </a:p>
-          <a:p>
-            <a:pPr marL="285750" indent="-285750">
-              <a:buFont typeface="Arial" panose="020B0604020202020204" pitchFamily="34" charset="0"/>
-              <a:buChar char="•"/>
-            </a:pPr>
-            <a:endParaRPr lang="en-US" dirty="0"/>
-          </a:p>
-          <a:p>
-            <a:pPr marL="285750" indent="-285750">
-              <a:buFont typeface="Arial" panose="020B0604020202020204" pitchFamily="34" charset="0"/>
-              <a:buChar char="•"/>
-            </a:pPr>
-            <a:r>
-              <a:rPr lang="en-US" dirty="0"/>
-              <a:t>Hardware: two </a:t>
-            </a:r>
-            <a:r>
-              <a:rPr lang="en-US" b="0" dirty="0">
-                <a:effectLst/>
-              </a:rPr>
-              <a:t>GeForce RTX 2080 </a:t>
-            </a:r>
-            <a:r>
-              <a:rPr lang="en-US" b="0" dirty="0" err="1">
-                <a:effectLst/>
-              </a:rPr>
-              <a:t>Ti</a:t>
-            </a:r>
-            <a:r>
-              <a:rPr lang="en-US" b="0" dirty="0">
-                <a:effectLst/>
-              </a:rPr>
-              <a:t> with 11GB memory each.</a:t>
-            </a:r>
-          </a:p>
-          <a:p>
-            <a:pPr marL="285750" indent="-285750">
-              <a:buFont typeface="Arial" panose="020B0604020202020204" pitchFamily="34" charset="0"/>
-              <a:buChar char="•"/>
-            </a:pPr>
-            <a:endParaRPr lang="en-US" b="0" dirty="0">
-              <a:effectLst/>
-            </a:endParaRPr>
-          </a:p>
-          <a:p>
-            <a:pPr marL="285750" indent="-285750">
-              <a:buFont typeface="Arial" panose="020B0604020202020204" pitchFamily="34" charset="0"/>
-              <a:buChar char="•"/>
-            </a:pPr>
-            <a:r>
-              <a:rPr lang="en-US" dirty="0"/>
-              <a:t>Settings:</a:t>
-            </a:r>
-          </a:p>
-          <a:p>
-            <a:pPr marL="742950" lvl="1" indent="-285750">
-              <a:buFont typeface="Arial" panose="020B0604020202020204" pitchFamily="34" charset="0"/>
-              <a:buChar char="•"/>
-            </a:pPr>
-            <a:r>
-              <a:rPr lang="en-US" b="0" dirty="0" err="1">
-                <a:effectLst/>
-              </a:rPr>
-              <a:t>emb</a:t>
-            </a:r>
-            <a:r>
-              <a:rPr lang="en-US" b="0" dirty="0">
-                <a:effectLst/>
-              </a:rPr>
-              <a:t> dim: 512</a:t>
-            </a:r>
-          </a:p>
-          <a:p>
-            <a:pPr marL="742950" lvl="1" indent="-285750">
-              <a:buFont typeface="Arial" panose="020B0604020202020204" pitchFamily="34" charset="0"/>
-              <a:buChar char="•"/>
-            </a:pPr>
-            <a:r>
-              <a:rPr lang="en-US" dirty="0"/>
-              <a:t>layers: 12</a:t>
-            </a:r>
-          </a:p>
-          <a:p>
-            <a:pPr marL="742950" lvl="1" indent="-285750">
-              <a:buFont typeface="Arial" panose="020B0604020202020204" pitchFamily="34" charset="0"/>
-              <a:buChar char="•"/>
-            </a:pPr>
-            <a:r>
-              <a:rPr lang="en-US" b="0" dirty="0">
-                <a:effectLst/>
-              </a:rPr>
-              <a:t>heads: 16</a:t>
-            </a:r>
-          </a:p>
-          <a:p>
-            <a:pPr marL="742950" lvl="1" indent="-285750">
-              <a:buFont typeface="Arial" panose="020B0604020202020204" pitchFamily="34" charset="0"/>
-              <a:buChar char="•"/>
-            </a:pPr>
-            <a:r>
-              <a:rPr lang="en-US" dirty="0"/>
-              <a:t>dropouts: 0.1</a:t>
-            </a:r>
-          </a:p>
-          <a:p>
-            <a:pPr marL="742950" lvl="1" indent="-285750">
-              <a:buFont typeface="Arial" panose="020B0604020202020204" pitchFamily="34" charset="0"/>
-              <a:buChar char="•"/>
-            </a:pPr>
-            <a:r>
-              <a:rPr lang="en-US" b="0" dirty="0">
-                <a:effectLst/>
-              </a:rPr>
-              <a:t>vocab size: 23 (20 aa, CLS, X, and MASK tokens)</a:t>
-            </a:r>
-          </a:p>
-          <a:p>
-            <a:pPr marL="742950" lvl="1" indent="-285750">
-              <a:buFont typeface="Arial" panose="020B0604020202020204" pitchFamily="34" charset="0"/>
-              <a:buChar char="•"/>
-            </a:pPr>
-            <a:r>
-              <a:rPr lang="en-US" dirty="0"/>
-              <a:t>block size: 91 (CLS token + 90 aa)</a:t>
-            </a:r>
-          </a:p>
-          <a:p>
-            <a:pPr marL="742950" lvl="1" indent="-285750">
-              <a:buFont typeface="Arial" panose="020B0604020202020204" pitchFamily="34" charset="0"/>
-              <a:buChar char="•"/>
-            </a:pPr>
-            <a:r>
-              <a:rPr lang="en-US" b="0" dirty="0">
-                <a:effectLst/>
-              </a:rPr>
-              <a:t>mask pro</a:t>
-            </a:r>
-            <a:r>
-              <a:rPr lang="en-US" dirty="0"/>
-              <a:t>b: 0.15</a:t>
-            </a:r>
-          </a:p>
-          <a:p>
-            <a:pPr marL="742950" lvl="1" indent="-285750">
-              <a:buFont typeface="Arial" panose="020B0604020202020204" pitchFamily="34" charset="0"/>
-              <a:buChar char="•"/>
-            </a:pPr>
-            <a:r>
-              <a:rPr lang="en-US" b="0" dirty="0" err="1">
-                <a:effectLst/>
-              </a:rPr>
-              <a:t>AdamW</a:t>
-            </a:r>
-            <a:r>
-              <a:rPr lang="en-US" b="0" dirty="0">
-                <a:effectLst/>
-              </a:rPr>
-              <a:t>, </a:t>
-            </a:r>
-            <a:r>
-              <a:rPr lang="en-US" dirty="0"/>
-              <a:t>learn rate 10</a:t>
-            </a:r>
-            <a:r>
-              <a:rPr lang="en-US" baseline="30000" dirty="0"/>
-              <a:t>-4</a:t>
-            </a:r>
-            <a:r>
-              <a:rPr lang="en-US" dirty="0"/>
-              <a:t>, decay gamma: 0.9985</a:t>
-            </a:r>
-          </a:p>
-          <a:p>
-            <a:pPr marL="742950" lvl="1" indent="-285750">
-              <a:buFont typeface="Arial" panose="020B0604020202020204" pitchFamily="34" charset="0"/>
-              <a:buChar char="•"/>
-            </a:pPr>
-            <a:r>
-              <a:rPr lang="en-US" b="0" dirty="0">
-                <a:effectLst/>
-              </a:rPr>
-              <a:t>batch size: 120 (it’s what would fit on my compute resources)</a:t>
-            </a:r>
-          </a:p>
-          <a:p>
-            <a:pPr marL="742950" lvl="1" indent="-285750">
-              <a:buFont typeface="Arial" panose="020B0604020202020204" pitchFamily="34" charset="0"/>
-              <a:buChar char="•"/>
-            </a:pPr>
-            <a:r>
-              <a:rPr lang="en-US" dirty="0" err="1"/>
-              <a:t>gpus</a:t>
-            </a:r>
-            <a:r>
-              <a:rPr lang="en-US" dirty="0"/>
-              <a:t>: 2</a:t>
-            </a:r>
-          </a:p>
-          <a:p>
-            <a:pPr marL="742950" lvl="1" indent="-285750">
-              <a:buFont typeface="Arial" panose="020B0604020202020204" pitchFamily="34" charset="0"/>
-              <a:buChar char="•"/>
-            </a:pPr>
-            <a:r>
-              <a:rPr lang="en-US" b="0" dirty="0">
-                <a:effectLst/>
-              </a:rPr>
-              <a:t>max epochs: 10</a:t>
-            </a:r>
-          </a:p>
-          <a:p>
-            <a:pPr marL="285750" indent="-285750">
-              <a:buFont typeface="Arial" panose="020B0604020202020204" pitchFamily="34" charset="0"/>
-              <a:buChar char="•"/>
-            </a:pPr>
-            <a:endParaRPr lang="en-US" dirty="0"/>
-          </a:p>
-        </p:txBody>
-      </p:sp>
-    </p:spTree>
-    <p:extLst>
-      <p:ext uri="{BB962C8B-B14F-4D97-AF65-F5344CB8AC3E}">
-        <p14:creationId xmlns:p14="http://schemas.microsoft.com/office/powerpoint/2010/main" val="3493479101"/>
       </p:ext>
     </p:extLst>
   </p:cSld>
@@ -8438,6 +8895,746 @@
 </file>
 
 <file path=ppt/slides/slide20.xml><?xml version="1.0" encoding="utf-8"?>
+<p:sld xmlns:a="http://schemas.openxmlformats.org/drawingml/2006/main" xmlns:r="http://schemas.openxmlformats.org/officeDocument/2006/relationships" xmlns:p="http://schemas.openxmlformats.org/presentationml/2006/main">
+  <p:cSld>
+    <p:spTree>
+      <p:nvGrpSpPr>
+        <p:cNvPr id="1" name=""/>
+        <p:cNvGrpSpPr/>
+        <p:nvPr/>
+      </p:nvGrpSpPr>
+      <p:grpSpPr>
+        <a:xfrm>
+          <a:off x="0" y="0"/>
+          <a:ext cx="0" cy="0"/>
+          <a:chOff x="0" y="0"/>
+          <a:chExt cx="0" cy="0"/>
+        </a:xfrm>
+      </p:grpSpPr>
+      <p:sp>
+        <p:nvSpPr>
+          <p:cNvPr id="3" name="TextBox 2">
+            <a:extLst>
+              <a:ext uri="{FF2B5EF4-FFF2-40B4-BE49-F238E27FC236}">
+                <a16:creationId xmlns:a16="http://schemas.microsoft.com/office/drawing/2014/main" id="{956EFD40-D78B-378C-E823-CCF3AB5FFDA0}"/>
+              </a:ext>
+            </a:extLst>
+          </p:cNvPr>
+          <p:cNvSpPr txBox="1"/>
+          <p:nvPr/>
+        </p:nvSpPr>
+        <p:spPr>
+          <a:xfrm>
+            <a:off x="630945" y="2424644"/>
+            <a:ext cx="8760123" cy="3416320"/>
+          </a:xfrm>
+          <a:prstGeom prst="rect">
+            <a:avLst/>
+          </a:prstGeom>
+          <a:noFill/>
+        </p:spPr>
+        <p:txBody>
+          <a:bodyPr wrap="square">
+            <a:spAutoFit/>
+          </a:bodyPr>
+          <a:lstStyle/>
+          <a:p>
+            <a:r>
+              <a:rPr lang="en-US" b="1" dirty="0">
+                <a:effectLst/>
+              </a:rPr>
+              <a:t>Plan</a:t>
+            </a:r>
+            <a:endParaRPr lang="en-US" b="0" dirty="0">
+              <a:effectLst/>
+            </a:endParaRPr>
+          </a:p>
+          <a:p>
+            <a:pPr marL="285750" indent="-285750">
+              <a:buFont typeface="Arial" panose="020B0604020202020204" pitchFamily="34" charset="0"/>
+              <a:buChar char="•"/>
+            </a:pPr>
+            <a:r>
+              <a:rPr lang="en-US" b="0" dirty="0">
+                <a:effectLst/>
+              </a:rPr>
+              <a:t>focus on just </a:t>
+            </a:r>
+            <a:r>
+              <a:rPr lang="en-US" b="0" dirty="0" err="1">
+                <a:effectLst/>
+              </a:rPr>
+              <a:t>sequence_alignment_aa</a:t>
+            </a:r>
+            <a:r>
+              <a:rPr lang="en-US" b="0" dirty="0">
+                <a:effectLst/>
+              </a:rPr>
+              <a:t> column (not germline)</a:t>
+            </a:r>
+          </a:p>
+          <a:p>
+            <a:pPr marL="742950" lvl="1" indent="-285750">
+              <a:buFont typeface="Arial" panose="020B0604020202020204" pitchFamily="34" charset="0"/>
+              <a:buChar char="•"/>
+            </a:pPr>
+            <a:r>
+              <a:rPr lang="en-US" b="0" dirty="0">
+                <a:effectLst/>
+              </a:rPr>
+              <a:t>eliminate duplicates</a:t>
+            </a:r>
+          </a:p>
+          <a:p>
+            <a:pPr marL="285750" indent="-285750">
+              <a:buFont typeface="Arial" panose="020B0604020202020204" pitchFamily="34" charset="0"/>
+              <a:buChar char="•"/>
+            </a:pPr>
+            <a:r>
+              <a:rPr lang="en-US" b="0" dirty="0">
+                <a:effectLst/>
+              </a:rPr>
+              <a:t>ignore the separate v, d, and j (they are already in the light chain)</a:t>
+            </a:r>
+          </a:p>
+          <a:p>
+            <a:pPr marL="285750" indent="-285750">
+              <a:buFont typeface="Arial" panose="020B0604020202020204" pitchFamily="34" charset="0"/>
+              <a:buChar char="•"/>
+            </a:pPr>
+            <a:r>
+              <a:rPr lang="en-US" b="0" dirty="0">
+                <a:effectLst/>
+              </a:rPr>
+              <a:t>ignore fwr1, fwr2, fwr3, fwr4 regions (on the heavy chain?)</a:t>
+            </a:r>
+          </a:p>
+          <a:p>
+            <a:pPr marL="285750" indent="-285750">
+              <a:buFont typeface="Arial" panose="020B0604020202020204" pitchFamily="34" charset="0"/>
+              <a:buChar char="•"/>
+            </a:pPr>
+            <a:r>
+              <a:rPr lang="en-US" b="0" dirty="0">
+                <a:effectLst/>
+              </a:rPr>
+              <a:t>ignore </a:t>
+            </a:r>
+            <a:r>
+              <a:rPr lang="en-US" dirty="0"/>
+              <a:t>CDR</a:t>
+            </a:r>
+            <a:r>
+              <a:rPr lang="en-US" b="0" dirty="0">
+                <a:effectLst/>
+              </a:rPr>
+              <a:t> sequences (they are already contained in the longer light-chain sequences)</a:t>
+            </a:r>
+          </a:p>
+          <a:p>
+            <a:br>
+              <a:rPr lang="en-US" b="0" dirty="0">
+                <a:effectLst/>
+              </a:rPr>
+            </a:br>
+            <a:r>
+              <a:rPr lang="en-US" b="1" dirty="0">
+                <a:effectLst/>
+              </a:rPr>
+              <a:t>Result of data extraction</a:t>
+            </a:r>
+            <a:endParaRPr lang="en-US" b="0" dirty="0">
+              <a:effectLst/>
+            </a:endParaRPr>
+          </a:p>
+          <a:p>
+            <a:pPr marL="285750" indent="-285750">
+              <a:buFont typeface="Arial" panose="020B0604020202020204" pitchFamily="34" charset="0"/>
+              <a:buChar char="•"/>
+            </a:pPr>
+            <a:r>
+              <a:rPr lang="en-US" b="0" dirty="0">
+                <a:effectLst/>
+              </a:rPr>
+              <a:t>total rows 20306305, num unique, </a:t>
+            </a:r>
+            <a:r>
+              <a:rPr lang="en-US" b="0" dirty="0" err="1">
+                <a:effectLst/>
+              </a:rPr>
+              <a:t>len</a:t>
+            </a:r>
+            <a:r>
+              <a:rPr lang="en-US" b="0" dirty="0">
+                <a:effectLst/>
+              </a:rPr>
+              <a:t>(seqs): 18061315</a:t>
+            </a:r>
+          </a:p>
+          <a:p>
+            <a:pPr marL="285750" indent="-285750">
+              <a:buFont typeface="Arial" panose="020B0604020202020204" pitchFamily="34" charset="0"/>
+              <a:buChar char="•"/>
+            </a:pPr>
+            <a:r>
+              <a:rPr lang="en-US" b="0" dirty="0">
+                <a:effectLst/>
+              </a:rPr>
+              <a:t>range in length from </a:t>
+            </a:r>
+            <a:r>
+              <a:rPr lang="en-US" b="0" dirty="0" err="1">
+                <a:effectLst/>
+              </a:rPr>
+              <a:t>min_len</a:t>
+            </a:r>
+            <a:r>
+              <a:rPr lang="en-US" b="0" dirty="0">
+                <a:effectLst/>
+              </a:rPr>
+              <a:t>: 43 , </a:t>
+            </a:r>
+            <a:r>
+              <a:rPr lang="en-US" b="0" dirty="0" err="1">
+                <a:effectLst/>
+              </a:rPr>
+              <a:t>max_len</a:t>
+            </a:r>
+            <a:r>
+              <a:rPr lang="en-US" b="0" dirty="0">
+                <a:effectLst/>
+              </a:rPr>
+              <a:t>: 132</a:t>
+            </a:r>
+            <a:br>
+              <a:rPr lang="en-US" b="0" dirty="0">
+                <a:effectLst/>
+              </a:rPr>
+            </a:br>
+            <a:endParaRPr lang="en-US" b="0" dirty="0">
+              <a:effectLst/>
+            </a:endParaRPr>
+          </a:p>
+        </p:txBody>
+      </p:sp>
+      <p:sp>
+        <p:nvSpPr>
+          <p:cNvPr id="5" name="TextBox 4">
+            <a:extLst>
+              <a:ext uri="{FF2B5EF4-FFF2-40B4-BE49-F238E27FC236}">
+                <a16:creationId xmlns:a16="http://schemas.microsoft.com/office/drawing/2014/main" id="{134BD8A0-CE7C-283D-1E05-408E2C1C9AAE}"/>
+              </a:ext>
+            </a:extLst>
+          </p:cNvPr>
+          <p:cNvSpPr txBox="1"/>
+          <p:nvPr/>
+        </p:nvSpPr>
+        <p:spPr>
+          <a:xfrm>
+            <a:off x="698740" y="1547415"/>
+            <a:ext cx="4439420" cy="646331"/>
+          </a:xfrm>
+          <a:prstGeom prst="rect">
+            <a:avLst/>
+          </a:prstGeom>
+          <a:noFill/>
+        </p:spPr>
+        <p:txBody>
+          <a:bodyPr wrap="none" rtlCol="0">
+            <a:spAutoFit/>
+          </a:bodyPr>
+          <a:lstStyle/>
+          <a:p>
+            <a:r>
+              <a:rPr lang="en-US" dirty="0"/>
+              <a:t>Human, SARS-COV-2, light chain, unpaired</a:t>
+            </a:r>
+          </a:p>
+          <a:p>
+            <a:pPr marL="285750" indent="-285750">
+              <a:buFont typeface="Arial" panose="020B0604020202020204" pitchFamily="34" charset="0"/>
+              <a:buChar char="•"/>
+            </a:pPr>
+            <a:r>
+              <a:rPr lang="en-US" dirty="0"/>
+              <a:t>175 datafiles </a:t>
+            </a:r>
+          </a:p>
+        </p:txBody>
+      </p:sp>
+      <p:sp>
+        <p:nvSpPr>
+          <p:cNvPr id="6" name="TextBox 5">
+            <a:hlinkClick r:id="rId2"/>
+            <a:extLst>
+              <a:ext uri="{FF2B5EF4-FFF2-40B4-BE49-F238E27FC236}">
+                <a16:creationId xmlns:a16="http://schemas.microsoft.com/office/drawing/2014/main" id="{29B86055-40FC-B110-8BF1-C3F390607AFB}"/>
+              </a:ext>
+            </a:extLst>
+          </p:cNvPr>
+          <p:cNvSpPr txBox="1"/>
+          <p:nvPr/>
+        </p:nvSpPr>
+        <p:spPr>
+          <a:xfrm>
+            <a:off x="7625751" y="6071862"/>
+            <a:ext cx="4270400" cy="369332"/>
+          </a:xfrm>
+          <a:prstGeom prst="rect">
+            <a:avLst/>
+          </a:prstGeom>
+          <a:noFill/>
+        </p:spPr>
+        <p:txBody>
+          <a:bodyPr wrap="none" rtlCol="0">
+            <a:spAutoFit/>
+          </a:bodyPr>
+          <a:lstStyle/>
+          <a:p>
+            <a:r>
+              <a:rPr lang="en-US" dirty="0"/>
+              <a:t>https://</a:t>
+            </a:r>
+            <a:r>
+              <a:rPr lang="en-US" dirty="0" err="1"/>
+              <a:t>opig.stats.ox.ac.uk</a:t>
+            </a:r>
+            <a:r>
+              <a:rPr lang="en-US" dirty="0"/>
+              <a:t>/webapps/</a:t>
+            </a:r>
+            <a:r>
+              <a:rPr lang="en-US" dirty="0" err="1"/>
+              <a:t>oas</a:t>
+            </a:r>
+            <a:r>
+              <a:rPr lang="en-US" dirty="0"/>
+              <a:t>/</a:t>
+            </a:r>
+          </a:p>
+        </p:txBody>
+      </p:sp>
+      <p:sp>
+        <p:nvSpPr>
+          <p:cNvPr id="7" name="TextBox 6">
+            <a:extLst>
+              <a:ext uri="{FF2B5EF4-FFF2-40B4-BE49-F238E27FC236}">
+                <a16:creationId xmlns:a16="http://schemas.microsoft.com/office/drawing/2014/main" id="{9FCB3EB8-5AA1-7DF9-6F60-2FAA11D05739}"/>
+              </a:ext>
+            </a:extLst>
+          </p:cNvPr>
+          <p:cNvSpPr txBox="1"/>
+          <p:nvPr/>
+        </p:nvSpPr>
+        <p:spPr>
+          <a:xfrm>
+            <a:off x="630945" y="952711"/>
+            <a:ext cx="4102213" cy="369332"/>
+          </a:xfrm>
+          <a:prstGeom prst="rect">
+            <a:avLst/>
+          </a:prstGeom>
+          <a:noFill/>
+        </p:spPr>
+        <p:txBody>
+          <a:bodyPr wrap="none" rtlCol="0">
+            <a:spAutoFit/>
+          </a:bodyPr>
+          <a:lstStyle/>
+          <a:p>
+            <a:r>
+              <a:rPr lang="en-US" dirty="0"/>
+              <a:t>Pretrain (masked language model) with:</a:t>
+            </a:r>
+          </a:p>
+        </p:txBody>
+      </p:sp>
+      <p:sp>
+        <p:nvSpPr>
+          <p:cNvPr id="10" name="TextBox 9">
+            <a:extLst>
+              <a:ext uri="{FF2B5EF4-FFF2-40B4-BE49-F238E27FC236}">
+                <a16:creationId xmlns:a16="http://schemas.microsoft.com/office/drawing/2014/main" id="{997EC2EE-0227-F1B7-7BA5-DDB88BC4DBC8}"/>
+              </a:ext>
+            </a:extLst>
+          </p:cNvPr>
+          <p:cNvSpPr txBox="1"/>
+          <p:nvPr/>
+        </p:nvSpPr>
+        <p:spPr>
+          <a:xfrm>
+            <a:off x="157088" y="241780"/>
+            <a:ext cx="8903591" cy="461665"/>
+          </a:xfrm>
+          <a:prstGeom prst="rect">
+            <a:avLst/>
+          </a:prstGeom>
+          <a:noFill/>
+        </p:spPr>
+        <p:txBody>
+          <a:bodyPr wrap="none" rtlCol="0">
+            <a:spAutoFit/>
+          </a:bodyPr>
+          <a:lstStyle/>
+          <a:p>
+            <a:r>
+              <a:rPr lang="en-US" sz="2400" dirty="0"/>
+              <a:t>BERT pre-train dataset:  OAS (Observed Antibody Space) database</a:t>
+            </a:r>
+          </a:p>
+        </p:txBody>
+      </p:sp>
+    </p:spTree>
+    <p:extLst>
+      <p:ext uri="{BB962C8B-B14F-4D97-AF65-F5344CB8AC3E}">
+        <p14:creationId xmlns:p14="http://schemas.microsoft.com/office/powerpoint/2010/main" val="2598926606"/>
+      </p:ext>
+    </p:extLst>
+  </p:cSld>
+  <p:clrMapOvr>
+    <a:masterClrMapping/>
+  </p:clrMapOvr>
+</p:sld>
+</file>
+
+<file path=ppt/slides/slide21.xml><?xml version="1.0" encoding="utf-8"?>
+<p:sld xmlns:a="http://schemas.openxmlformats.org/drawingml/2006/main" xmlns:r="http://schemas.openxmlformats.org/officeDocument/2006/relationships" xmlns:p="http://schemas.openxmlformats.org/presentationml/2006/main">
+  <p:cSld>
+    <p:spTree>
+      <p:nvGrpSpPr>
+        <p:cNvPr id="1" name=""/>
+        <p:cNvGrpSpPr/>
+        <p:nvPr/>
+      </p:nvGrpSpPr>
+      <p:grpSpPr>
+        <a:xfrm>
+          <a:off x="0" y="0"/>
+          <a:ext cx="0" cy="0"/>
+          <a:chOff x="0" y="0"/>
+          <a:chExt cx="0" cy="0"/>
+        </a:xfrm>
+      </p:grpSpPr>
+      <p:sp>
+        <p:nvSpPr>
+          <p:cNvPr id="2" name="TextBox 1">
+            <a:extLst>
+              <a:ext uri="{FF2B5EF4-FFF2-40B4-BE49-F238E27FC236}">
+                <a16:creationId xmlns:a16="http://schemas.microsoft.com/office/drawing/2014/main" id="{F1009346-0A06-C618-B97B-16F018B30694}"/>
+              </a:ext>
+            </a:extLst>
+          </p:cNvPr>
+          <p:cNvSpPr txBox="1"/>
+          <p:nvPr/>
+        </p:nvSpPr>
+        <p:spPr>
+          <a:xfrm>
+            <a:off x="157088" y="241780"/>
+            <a:ext cx="3415166" cy="461665"/>
+          </a:xfrm>
+          <a:prstGeom prst="rect">
+            <a:avLst/>
+          </a:prstGeom>
+          <a:noFill/>
+        </p:spPr>
+        <p:txBody>
+          <a:bodyPr wrap="none" rtlCol="0">
+            <a:spAutoFit/>
+          </a:bodyPr>
+          <a:lstStyle/>
+          <a:p>
+            <a:r>
+              <a:rPr lang="en-US" sz="2400" dirty="0"/>
+              <a:t>Pre-training on OAS data</a:t>
+            </a:r>
+          </a:p>
+        </p:txBody>
+      </p:sp>
+      <p:sp>
+        <p:nvSpPr>
+          <p:cNvPr id="3" name="TextBox 2">
+            <a:extLst>
+              <a:ext uri="{FF2B5EF4-FFF2-40B4-BE49-F238E27FC236}">
+                <a16:creationId xmlns:a16="http://schemas.microsoft.com/office/drawing/2014/main" id="{E24C06AD-EB4C-77BC-393E-A30EC9AFB234}"/>
+              </a:ext>
+            </a:extLst>
+          </p:cNvPr>
+          <p:cNvSpPr txBox="1"/>
+          <p:nvPr/>
+        </p:nvSpPr>
+        <p:spPr>
+          <a:xfrm>
+            <a:off x="1426464" y="1161288"/>
+            <a:ext cx="8467767" cy="4801314"/>
+          </a:xfrm>
+          <a:prstGeom prst="rect">
+            <a:avLst/>
+          </a:prstGeom>
+          <a:noFill/>
+        </p:spPr>
+        <p:txBody>
+          <a:bodyPr wrap="none" rtlCol="0">
+            <a:spAutoFit/>
+          </a:bodyPr>
+          <a:lstStyle/>
+          <a:p>
+            <a:pPr marL="285750" indent="-285750">
+              <a:buFont typeface="Arial" panose="020B0604020202020204" pitchFamily="34" charset="0"/>
+              <a:buChar char="•"/>
+            </a:pPr>
+            <a:r>
+              <a:rPr lang="en-US" dirty="0"/>
+              <a:t>Code: </a:t>
+            </a:r>
+            <a:r>
+              <a:rPr lang="en-US" dirty="0" err="1"/>
+              <a:t>pytorch</a:t>
+            </a:r>
+            <a:r>
+              <a:rPr lang="en-US" dirty="0"/>
+              <a:t> with a </a:t>
+            </a:r>
+            <a:r>
+              <a:rPr lang="en-US" dirty="0" err="1"/>
+              <a:t>pytorch</a:t>
+            </a:r>
+            <a:r>
+              <a:rPr lang="en-US" dirty="0"/>
+              <a:t>-lightning (harness to manage the training, test loop)</a:t>
+            </a:r>
+          </a:p>
+          <a:p>
+            <a:pPr marL="285750" indent="-285750">
+              <a:buFont typeface="Arial" panose="020B0604020202020204" pitchFamily="34" charset="0"/>
+              <a:buChar char="•"/>
+            </a:pPr>
+            <a:endParaRPr lang="en-US" dirty="0"/>
+          </a:p>
+          <a:p>
+            <a:pPr marL="285750" indent="-285750">
+              <a:buFont typeface="Arial" panose="020B0604020202020204" pitchFamily="34" charset="0"/>
+              <a:buChar char="•"/>
+            </a:pPr>
+            <a:r>
+              <a:rPr lang="en-US" dirty="0"/>
+              <a:t>Hardware: two </a:t>
+            </a:r>
+            <a:r>
+              <a:rPr lang="en-US" b="0" dirty="0">
+                <a:effectLst/>
+              </a:rPr>
+              <a:t>GeForce RTX 2080 </a:t>
+            </a:r>
+            <a:r>
+              <a:rPr lang="en-US" b="0" dirty="0" err="1">
+                <a:effectLst/>
+              </a:rPr>
+              <a:t>Ti</a:t>
+            </a:r>
+            <a:r>
+              <a:rPr lang="en-US" b="0" dirty="0">
+                <a:effectLst/>
+              </a:rPr>
+              <a:t> with 11GB memory each.</a:t>
+            </a:r>
+          </a:p>
+          <a:p>
+            <a:pPr marL="285750" indent="-285750">
+              <a:buFont typeface="Arial" panose="020B0604020202020204" pitchFamily="34" charset="0"/>
+              <a:buChar char="•"/>
+            </a:pPr>
+            <a:endParaRPr lang="en-US" b="0" dirty="0">
+              <a:effectLst/>
+            </a:endParaRPr>
+          </a:p>
+          <a:p>
+            <a:pPr marL="285750" indent="-285750">
+              <a:buFont typeface="Arial" panose="020B0604020202020204" pitchFamily="34" charset="0"/>
+              <a:buChar char="•"/>
+            </a:pPr>
+            <a:r>
+              <a:rPr lang="en-US" dirty="0"/>
+              <a:t>Settings:</a:t>
+            </a:r>
+          </a:p>
+          <a:p>
+            <a:pPr marL="742950" lvl="1" indent="-285750">
+              <a:buFont typeface="Arial" panose="020B0604020202020204" pitchFamily="34" charset="0"/>
+              <a:buChar char="•"/>
+            </a:pPr>
+            <a:r>
+              <a:rPr lang="en-US" b="0" dirty="0" err="1">
+                <a:effectLst/>
+              </a:rPr>
+              <a:t>emb</a:t>
+            </a:r>
+            <a:r>
+              <a:rPr lang="en-US" b="0" dirty="0">
+                <a:effectLst/>
+              </a:rPr>
+              <a:t> dim: 512</a:t>
+            </a:r>
+          </a:p>
+          <a:p>
+            <a:pPr marL="742950" lvl="1" indent="-285750">
+              <a:buFont typeface="Arial" panose="020B0604020202020204" pitchFamily="34" charset="0"/>
+              <a:buChar char="•"/>
+            </a:pPr>
+            <a:r>
+              <a:rPr lang="en-US" dirty="0"/>
+              <a:t>layers: 12</a:t>
+            </a:r>
+          </a:p>
+          <a:p>
+            <a:pPr marL="742950" lvl="1" indent="-285750">
+              <a:buFont typeface="Arial" panose="020B0604020202020204" pitchFamily="34" charset="0"/>
+              <a:buChar char="•"/>
+            </a:pPr>
+            <a:r>
+              <a:rPr lang="en-US" b="0" dirty="0">
+                <a:effectLst/>
+              </a:rPr>
+              <a:t>heads: 16</a:t>
+            </a:r>
+          </a:p>
+          <a:p>
+            <a:pPr marL="742950" lvl="1" indent="-285750">
+              <a:buFont typeface="Arial" panose="020B0604020202020204" pitchFamily="34" charset="0"/>
+              <a:buChar char="•"/>
+            </a:pPr>
+            <a:r>
+              <a:rPr lang="en-US" dirty="0"/>
+              <a:t>dropouts: 0.1</a:t>
+            </a:r>
+          </a:p>
+          <a:p>
+            <a:pPr marL="742950" lvl="1" indent="-285750">
+              <a:buFont typeface="Arial" panose="020B0604020202020204" pitchFamily="34" charset="0"/>
+              <a:buChar char="•"/>
+            </a:pPr>
+            <a:r>
+              <a:rPr lang="en-US" b="0" dirty="0">
+                <a:effectLst/>
+              </a:rPr>
+              <a:t>vocab size: 23 (20 aa, CLS, X, and MASK tokens)</a:t>
+            </a:r>
+          </a:p>
+          <a:p>
+            <a:pPr marL="742950" lvl="1" indent="-285750">
+              <a:buFont typeface="Arial" panose="020B0604020202020204" pitchFamily="34" charset="0"/>
+              <a:buChar char="•"/>
+            </a:pPr>
+            <a:r>
+              <a:rPr lang="en-US" dirty="0"/>
+              <a:t>block size: 91 (CLS token + 90 aa)</a:t>
+            </a:r>
+          </a:p>
+          <a:p>
+            <a:pPr marL="742950" lvl="1" indent="-285750">
+              <a:buFont typeface="Arial" panose="020B0604020202020204" pitchFamily="34" charset="0"/>
+              <a:buChar char="•"/>
+            </a:pPr>
+            <a:r>
+              <a:rPr lang="en-US" b="0" dirty="0">
+                <a:effectLst/>
+              </a:rPr>
+              <a:t>mask pro</a:t>
+            </a:r>
+            <a:r>
+              <a:rPr lang="en-US" dirty="0"/>
+              <a:t>b: 0.15</a:t>
+            </a:r>
+          </a:p>
+          <a:p>
+            <a:pPr marL="742950" lvl="1" indent="-285750">
+              <a:buFont typeface="Arial" panose="020B0604020202020204" pitchFamily="34" charset="0"/>
+              <a:buChar char="•"/>
+            </a:pPr>
+            <a:r>
+              <a:rPr lang="en-US" b="0" dirty="0" err="1">
+                <a:effectLst/>
+              </a:rPr>
+              <a:t>AdamW</a:t>
+            </a:r>
+            <a:r>
+              <a:rPr lang="en-US" b="0" dirty="0">
+                <a:effectLst/>
+              </a:rPr>
+              <a:t>, </a:t>
+            </a:r>
+            <a:r>
+              <a:rPr lang="en-US" dirty="0"/>
+              <a:t>learn rate 10</a:t>
+            </a:r>
+            <a:r>
+              <a:rPr lang="en-US" baseline="30000" dirty="0"/>
+              <a:t>-4</a:t>
+            </a:r>
+            <a:r>
+              <a:rPr lang="en-US" dirty="0"/>
+              <a:t>, decay gamma: 0.9985</a:t>
+            </a:r>
+          </a:p>
+          <a:p>
+            <a:pPr marL="742950" lvl="1" indent="-285750">
+              <a:buFont typeface="Arial" panose="020B0604020202020204" pitchFamily="34" charset="0"/>
+              <a:buChar char="•"/>
+            </a:pPr>
+            <a:r>
+              <a:rPr lang="en-US" b="0" dirty="0">
+                <a:effectLst/>
+              </a:rPr>
+              <a:t>batch size: 120 (it’s what would fit on my compute resources)</a:t>
+            </a:r>
+          </a:p>
+          <a:p>
+            <a:pPr marL="742950" lvl="1" indent="-285750">
+              <a:buFont typeface="Arial" panose="020B0604020202020204" pitchFamily="34" charset="0"/>
+              <a:buChar char="•"/>
+            </a:pPr>
+            <a:r>
+              <a:rPr lang="en-US" dirty="0" err="1"/>
+              <a:t>gpus</a:t>
+            </a:r>
+            <a:r>
+              <a:rPr lang="en-US" dirty="0"/>
+              <a:t>: 2</a:t>
+            </a:r>
+          </a:p>
+          <a:p>
+            <a:pPr marL="742950" lvl="1" indent="-285750">
+              <a:buFont typeface="Arial" panose="020B0604020202020204" pitchFamily="34" charset="0"/>
+              <a:buChar char="•"/>
+            </a:pPr>
+            <a:r>
+              <a:rPr lang="en-US" b="0" dirty="0">
+                <a:effectLst/>
+              </a:rPr>
+              <a:t>max epochs: 10</a:t>
+            </a:r>
+          </a:p>
+          <a:p>
+            <a:pPr marL="285750" indent="-285750">
+              <a:buFont typeface="Arial" panose="020B0604020202020204" pitchFamily="34" charset="0"/>
+              <a:buChar char="•"/>
+            </a:pPr>
+            <a:endParaRPr lang="en-US" dirty="0"/>
+          </a:p>
+        </p:txBody>
+      </p:sp>
+    </p:spTree>
+    <p:extLst>
+      <p:ext uri="{BB962C8B-B14F-4D97-AF65-F5344CB8AC3E}">
+        <p14:creationId xmlns:p14="http://schemas.microsoft.com/office/powerpoint/2010/main" val="3493479101"/>
+      </p:ext>
+    </p:extLst>
+  </p:cSld>
+  <p:clrMapOvr>
+    <a:masterClrMapping/>
+  </p:clrMapOvr>
+</p:sld>
+</file>
+
+<file path=ppt/slides/slide22.xml><?xml version="1.0" encoding="utf-8"?>
 <p:sld xmlns:a="http://schemas.openxmlformats.org/drawingml/2006/main" xmlns:r="http://schemas.openxmlformats.org/officeDocument/2006/relationships" xmlns:p="http://schemas.openxmlformats.org/presentationml/2006/main">
   <p:cSld>
     <p:spTree>
@@ -9082,7 +10279,7 @@
 </p:sld>
 </file>
 
-<file path=ppt/slides/slide21.xml><?xml version="1.0" encoding="utf-8"?>
+<file path=ppt/slides/slide23.xml><?xml version="1.0" encoding="utf-8"?>
 <p:sld xmlns:a="http://schemas.openxmlformats.org/drawingml/2006/main" xmlns:r="http://schemas.openxmlformats.org/officeDocument/2006/relationships" xmlns:p="http://schemas.openxmlformats.org/presentationml/2006/main">
   <p:cSld>
     <p:spTree>
@@ -9470,7 +10667,7 @@
 </p:sld>
 </file>
 
-<file path=ppt/slides/slide22.xml><?xml version="1.0" encoding="utf-8"?>
+<file path=ppt/slides/slide24.xml><?xml version="1.0" encoding="utf-8"?>
 <p:sld xmlns:a="http://schemas.openxmlformats.org/drawingml/2006/main" xmlns:r="http://schemas.openxmlformats.org/officeDocument/2006/relationships" xmlns:p="http://schemas.openxmlformats.org/presentationml/2006/main">
   <p:cSld>
     <p:spTree>
@@ -13418,7 +14615,7 @@
 </p:sld>
 </file>
 
-<file path=ppt/slides/slide23.xml><?xml version="1.0" encoding="utf-8"?>
+<file path=ppt/slides/slide25.xml><?xml version="1.0" encoding="utf-8"?>
 <p:sld xmlns:a="http://schemas.openxmlformats.org/drawingml/2006/main" xmlns:r="http://schemas.openxmlformats.org/officeDocument/2006/relationships" xmlns:p="http://schemas.openxmlformats.org/presentationml/2006/main">
   <p:cSld>
     <p:spTree>
@@ -16433,7 +17630,7 @@
 </p:sld>
 </file>
 
-<file path=ppt/slides/slide24.xml><?xml version="1.0" encoding="utf-8"?>
+<file path=ppt/slides/slide26.xml><?xml version="1.0" encoding="utf-8"?>
 <p:sld xmlns:a="http://schemas.openxmlformats.org/drawingml/2006/main" xmlns:r="http://schemas.openxmlformats.org/officeDocument/2006/relationships" xmlns:p="http://schemas.openxmlformats.org/presentationml/2006/main">
   <p:cSld>
     <p:spTree>
@@ -17159,7 +18356,7 @@
 </p:sld>
 </file>
 
-<file path=ppt/slides/slide25.xml><?xml version="1.0" encoding="utf-8"?>
+<file path=ppt/slides/slide27.xml><?xml version="1.0" encoding="utf-8"?>
 <p:sld xmlns:a="http://schemas.openxmlformats.org/drawingml/2006/main" xmlns:r="http://schemas.openxmlformats.org/officeDocument/2006/relationships" xmlns:p="http://schemas.openxmlformats.org/presentationml/2006/main">
   <p:cSld>
     <p:spTree>
@@ -17189,7 +18386,7 @@
 </p:sld>
 </file>
 
-<file path=ppt/slides/slide26.xml><?xml version="1.0" encoding="utf-8"?>
+<file path=ppt/slides/slide28.xml><?xml version="1.0" encoding="utf-8"?>
 <p:sld xmlns:a="http://schemas.openxmlformats.org/drawingml/2006/main" xmlns:r="http://schemas.openxmlformats.org/officeDocument/2006/relationships" xmlns:p="http://schemas.openxmlformats.org/presentationml/2006/main">
   <p:cSld>
     <p:spTree>
@@ -17351,7 +18548,7 @@
 </p:sld>
 </file>
 
-<file path=ppt/slides/slide27.xml><?xml version="1.0" encoding="utf-8"?>
+<file path=ppt/slides/slide29.xml><?xml version="1.0" encoding="utf-8"?>
 <p:sld xmlns:a="http://schemas.openxmlformats.org/drawingml/2006/main" xmlns:r="http://schemas.openxmlformats.org/officeDocument/2006/relationships" xmlns:p="http://schemas.openxmlformats.org/presentationml/2006/main">
   <p:cSld>
     <p:spTree>
@@ -18281,7 +19478,465 @@
 </p:sld>
 </file>
 
-<file path=ppt/slides/slide28.xml><?xml version="1.0" encoding="utf-8"?>
+<file path=ppt/slides/slide3.xml><?xml version="1.0" encoding="utf-8"?>
+<p:sld xmlns:a="http://schemas.openxmlformats.org/drawingml/2006/main" xmlns:r="http://schemas.openxmlformats.org/officeDocument/2006/relationships" xmlns:p="http://schemas.openxmlformats.org/presentationml/2006/main">
+  <p:cSld>
+    <p:spTree>
+      <p:nvGrpSpPr>
+        <p:cNvPr id="1" name=""/>
+        <p:cNvGrpSpPr/>
+        <p:nvPr/>
+      </p:nvGrpSpPr>
+      <p:grpSpPr>
+        <a:xfrm>
+          <a:off x="0" y="0"/>
+          <a:ext cx="0" cy="0"/>
+          <a:chOff x="0" y="0"/>
+          <a:chExt cx="0" cy="0"/>
+        </a:xfrm>
+      </p:grpSpPr>
+      <p:pic>
+        <p:nvPicPr>
+          <p:cNvPr id="6" name="Picture 5">
+            <a:extLst>
+              <a:ext uri="{FF2B5EF4-FFF2-40B4-BE49-F238E27FC236}">
+                <a16:creationId xmlns:a16="http://schemas.microsoft.com/office/drawing/2014/main" id="{3AB9F594-C03F-C97E-A552-D21028275E9B}"/>
+              </a:ext>
+            </a:extLst>
+          </p:cNvPr>
+          <p:cNvPicPr>
+            <a:picLocks noChangeAspect="1"/>
+          </p:cNvPicPr>
+          <p:nvPr/>
+        </p:nvPicPr>
+        <p:blipFill>
+          <a:blip r:embed="rId2"/>
+          <a:stretch>
+            <a:fillRect/>
+          </a:stretch>
+        </p:blipFill>
+        <p:spPr>
+          <a:xfrm>
+            <a:off x="671064" y="3975100"/>
+            <a:ext cx="4000500" cy="2882900"/>
+          </a:xfrm>
+          <a:prstGeom prst="rect">
+            <a:avLst/>
+          </a:prstGeom>
+        </p:spPr>
+      </p:pic>
+      <p:sp>
+        <p:nvSpPr>
+          <p:cNvPr id="2" name="TextBox 1">
+            <a:extLst>
+              <a:ext uri="{FF2B5EF4-FFF2-40B4-BE49-F238E27FC236}">
+                <a16:creationId xmlns:a16="http://schemas.microsoft.com/office/drawing/2014/main" id="{E758D5CD-18BF-EE2E-47E2-E832CEE7988E}"/>
+              </a:ext>
+            </a:extLst>
+          </p:cNvPr>
+          <p:cNvSpPr txBox="1"/>
+          <p:nvPr/>
+        </p:nvSpPr>
+        <p:spPr>
+          <a:xfrm>
+            <a:off x="140127" y="221836"/>
+            <a:ext cx="3472810" cy="461665"/>
+          </a:xfrm>
+          <a:prstGeom prst="rect">
+            <a:avLst/>
+          </a:prstGeom>
+          <a:noFill/>
+        </p:spPr>
+        <p:txBody>
+          <a:bodyPr wrap="none" rtlCol="0">
+            <a:spAutoFit/>
+          </a:bodyPr>
+          <a:lstStyle/>
+          <a:p>
+            <a:r>
+              <a:rPr lang="en-US" sz="2400" dirty="0"/>
+              <a:t>Data set analysis – part 2</a:t>
+            </a:r>
+          </a:p>
+        </p:txBody>
+      </p:sp>
+      <p:pic>
+        <p:nvPicPr>
+          <p:cNvPr id="5" name="Picture 4">
+            <a:extLst>
+              <a:ext uri="{FF2B5EF4-FFF2-40B4-BE49-F238E27FC236}">
+                <a16:creationId xmlns:a16="http://schemas.microsoft.com/office/drawing/2014/main" id="{004E675A-1C32-B792-0686-94A327045471}"/>
+              </a:ext>
+            </a:extLst>
+          </p:cNvPr>
+          <p:cNvPicPr>
+            <a:picLocks noChangeAspect="1"/>
+          </p:cNvPicPr>
+          <p:nvPr/>
+        </p:nvPicPr>
+        <p:blipFill>
+          <a:blip r:embed="rId3"/>
+          <a:stretch>
+            <a:fillRect/>
+          </a:stretch>
+        </p:blipFill>
+        <p:spPr>
+          <a:xfrm>
+            <a:off x="3670560" y="698948"/>
+            <a:ext cx="3683000" cy="2882900"/>
+          </a:xfrm>
+          <a:prstGeom prst="rect">
+            <a:avLst/>
+          </a:prstGeom>
+        </p:spPr>
+      </p:pic>
+      <p:pic>
+        <p:nvPicPr>
+          <p:cNvPr id="7" name="Picture 6">
+            <a:extLst>
+              <a:ext uri="{FF2B5EF4-FFF2-40B4-BE49-F238E27FC236}">
+                <a16:creationId xmlns:a16="http://schemas.microsoft.com/office/drawing/2014/main" id="{27C0F13D-962E-3657-5DEE-34FD510A4981}"/>
+              </a:ext>
+            </a:extLst>
+          </p:cNvPr>
+          <p:cNvPicPr>
+            <a:picLocks noChangeAspect="1"/>
+          </p:cNvPicPr>
+          <p:nvPr/>
+        </p:nvPicPr>
+        <p:blipFill>
+          <a:blip r:embed="rId4"/>
+          <a:stretch>
+            <a:fillRect/>
+          </a:stretch>
+        </p:blipFill>
+        <p:spPr>
+          <a:xfrm>
+            <a:off x="7714172" y="711289"/>
+            <a:ext cx="3733800" cy="2882900"/>
+          </a:xfrm>
+          <a:prstGeom prst="rect">
+            <a:avLst/>
+          </a:prstGeom>
+        </p:spPr>
+      </p:pic>
+      <p:sp>
+        <p:nvSpPr>
+          <p:cNvPr id="8" name="Right Brace 7">
+            <a:extLst>
+              <a:ext uri="{FF2B5EF4-FFF2-40B4-BE49-F238E27FC236}">
+                <a16:creationId xmlns:a16="http://schemas.microsoft.com/office/drawing/2014/main" id="{384E57D8-39A4-D74D-ED33-24E95A329067}"/>
+              </a:ext>
+            </a:extLst>
+          </p:cNvPr>
+          <p:cNvSpPr/>
+          <p:nvPr/>
+        </p:nvSpPr>
+        <p:spPr>
+          <a:xfrm rot="3143533">
+            <a:off x="3147459" y="3942365"/>
+            <a:ext cx="297297" cy="2905664"/>
+          </a:xfrm>
+          <a:prstGeom prst="rightBrace">
+            <a:avLst/>
+          </a:prstGeom>
+        </p:spPr>
+        <p:style>
+          <a:lnRef idx="2">
+            <a:schemeClr val="accent1"/>
+          </a:lnRef>
+          <a:fillRef idx="0">
+            <a:schemeClr val="accent1"/>
+          </a:fillRef>
+          <a:effectRef idx="1">
+            <a:schemeClr val="accent1"/>
+          </a:effectRef>
+          <a:fontRef idx="minor">
+            <a:schemeClr val="tx1"/>
+          </a:fontRef>
+        </p:style>
+        <p:txBody>
+          <a:bodyPr rtlCol="0" anchor="ctr"/>
+          <a:lstStyle/>
+          <a:p>
+            <a:pPr algn="ctr"/>
+            <a:endParaRPr lang="en-US"/>
+          </a:p>
+        </p:txBody>
+      </p:sp>
+      <p:sp>
+        <p:nvSpPr>
+          <p:cNvPr id="9" name="TextBox 8">
+            <a:extLst>
+              <a:ext uri="{FF2B5EF4-FFF2-40B4-BE49-F238E27FC236}">
+                <a16:creationId xmlns:a16="http://schemas.microsoft.com/office/drawing/2014/main" id="{EC1A7CCE-E29E-8773-70DE-2B8B0A3A53C2}"/>
+              </a:ext>
+            </a:extLst>
+          </p:cNvPr>
+          <p:cNvSpPr txBox="1"/>
+          <p:nvPr/>
+        </p:nvSpPr>
+        <p:spPr>
+          <a:xfrm>
+            <a:off x="4996724" y="4364964"/>
+            <a:ext cx="6038000" cy="369332"/>
+          </a:xfrm>
+          <a:prstGeom prst="rect">
+            <a:avLst/>
+          </a:prstGeom>
+          <a:noFill/>
+        </p:spPr>
+        <p:txBody>
+          <a:bodyPr wrap="none" rtlCol="0">
+            <a:spAutoFit/>
+          </a:bodyPr>
+          <a:lstStyle/>
+          <a:p>
+            <a:r>
+              <a:rPr lang="en-US" dirty="0"/>
+              <a:t>Not surprising that larger </a:t>
+            </a:r>
+            <a:r>
+              <a:rPr lang="en-US" dirty="0" err="1">
+                <a:latin typeface="Symbol" pitchFamily="2" charset="2"/>
+              </a:rPr>
+              <a:t>D</a:t>
+            </a:r>
+            <a:r>
+              <a:rPr lang="en-US" dirty="0" err="1"/>
+              <a:t>Kd</a:t>
+            </a:r>
+            <a:r>
+              <a:rPr lang="en-US" dirty="0"/>
+              <a:t> correlate with larger </a:t>
+            </a:r>
+            <a:r>
+              <a:rPr lang="en-US" dirty="0" err="1"/>
+              <a:t>q_values</a:t>
+            </a:r>
+            <a:endParaRPr lang="en-US" dirty="0"/>
+          </a:p>
+        </p:txBody>
+      </p:sp>
+      <p:sp>
+        <p:nvSpPr>
+          <p:cNvPr id="10" name="TextBox 9">
+            <a:extLst>
+              <a:ext uri="{FF2B5EF4-FFF2-40B4-BE49-F238E27FC236}">
+                <a16:creationId xmlns:a16="http://schemas.microsoft.com/office/drawing/2014/main" id="{086D1D2D-CE4E-8707-3A56-AEBF7E6EF12B}"/>
+              </a:ext>
+            </a:extLst>
+          </p:cNvPr>
+          <p:cNvSpPr txBox="1"/>
+          <p:nvPr/>
+        </p:nvSpPr>
+        <p:spPr>
+          <a:xfrm>
+            <a:off x="5323334" y="302307"/>
+            <a:ext cx="582724" cy="369332"/>
+          </a:xfrm>
+          <a:prstGeom prst="rect">
+            <a:avLst/>
+          </a:prstGeom>
+          <a:noFill/>
+        </p:spPr>
+        <p:txBody>
+          <a:bodyPr wrap="none" rtlCol="0">
+            <a:spAutoFit/>
+          </a:bodyPr>
+          <a:lstStyle/>
+          <a:p>
+            <a:r>
+              <a:rPr lang="en-US" dirty="0" err="1">
+                <a:latin typeface="Symbol" pitchFamily="2" charset="2"/>
+              </a:rPr>
+              <a:t>D</a:t>
+            </a:r>
+            <a:r>
+              <a:rPr lang="en-US" dirty="0" err="1"/>
+              <a:t>Kd</a:t>
+            </a:r>
+            <a:endParaRPr lang="en-US" dirty="0"/>
+          </a:p>
+        </p:txBody>
+      </p:sp>
+      <p:sp>
+        <p:nvSpPr>
+          <p:cNvPr id="11" name="TextBox 10">
+            <a:extLst>
+              <a:ext uri="{FF2B5EF4-FFF2-40B4-BE49-F238E27FC236}">
+                <a16:creationId xmlns:a16="http://schemas.microsoft.com/office/drawing/2014/main" id="{C911AC79-99E3-3159-74E9-7C2EACF44FA1}"/>
+              </a:ext>
+            </a:extLst>
+          </p:cNvPr>
+          <p:cNvSpPr txBox="1"/>
+          <p:nvPr/>
+        </p:nvSpPr>
+        <p:spPr>
+          <a:xfrm>
+            <a:off x="9237548" y="314648"/>
+            <a:ext cx="1068754" cy="369332"/>
+          </a:xfrm>
+          <a:prstGeom prst="rect">
+            <a:avLst/>
+          </a:prstGeom>
+          <a:noFill/>
+        </p:spPr>
+        <p:txBody>
+          <a:bodyPr wrap="none" rtlCol="0">
+            <a:spAutoFit/>
+          </a:bodyPr>
+          <a:lstStyle/>
+          <a:p>
+            <a:r>
+              <a:rPr lang="en-US" dirty="0" err="1"/>
+              <a:t>q_values</a:t>
+            </a:r>
+            <a:endParaRPr lang="en-US" dirty="0"/>
+          </a:p>
+        </p:txBody>
+      </p:sp>
+      <p:sp>
+        <p:nvSpPr>
+          <p:cNvPr id="13" name="TextBox 12">
+            <a:extLst>
+              <a:ext uri="{FF2B5EF4-FFF2-40B4-BE49-F238E27FC236}">
+                <a16:creationId xmlns:a16="http://schemas.microsoft.com/office/drawing/2014/main" id="{D4AB0126-C1AF-39FE-F8F1-B266C4A5FFE9}"/>
+              </a:ext>
+            </a:extLst>
+          </p:cNvPr>
+          <p:cNvSpPr txBox="1"/>
+          <p:nvPr/>
+        </p:nvSpPr>
+        <p:spPr>
+          <a:xfrm>
+            <a:off x="1643252" y="3594189"/>
+            <a:ext cx="1662635" cy="369332"/>
+          </a:xfrm>
+          <a:prstGeom prst="rect">
+            <a:avLst/>
+          </a:prstGeom>
+          <a:noFill/>
+        </p:spPr>
+        <p:txBody>
+          <a:bodyPr wrap="none" rtlCol="0">
+            <a:spAutoFit/>
+          </a:bodyPr>
+          <a:lstStyle/>
+          <a:p>
+            <a:r>
+              <a:rPr lang="en-US" dirty="0" err="1">
+                <a:latin typeface="Symbol" pitchFamily="2" charset="2"/>
+              </a:rPr>
+              <a:t>D</a:t>
+            </a:r>
+            <a:r>
+              <a:rPr lang="en-US" dirty="0" err="1"/>
+              <a:t>Kd</a:t>
+            </a:r>
+            <a:r>
+              <a:rPr lang="en-US" dirty="0"/>
+              <a:t> vs </a:t>
+            </a:r>
+            <a:r>
+              <a:rPr lang="en-US" dirty="0" err="1"/>
+              <a:t>q_value</a:t>
+            </a:r>
+            <a:endParaRPr lang="en-US" dirty="0"/>
+          </a:p>
+        </p:txBody>
+      </p:sp>
+      <p:sp>
+        <p:nvSpPr>
+          <p:cNvPr id="14" name="TextBox 13">
+            <a:extLst>
+              <a:ext uri="{FF2B5EF4-FFF2-40B4-BE49-F238E27FC236}">
+                <a16:creationId xmlns:a16="http://schemas.microsoft.com/office/drawing/2014/main" id="{A11BB0B1-F8C8-C7DA-DD29-480E8BEA37CF}"/>
+              </a:ext>
+            </a:extLst>
+          </p:cNvPr>
+          <p:cNvSpPr txBox="1"/>
+          <p:nvPr/>
+        </p:nvSpPr>
+        <p:spPr>
+          <a:xfrm>
+            <a:off x="5037826" y="5365630"/>
+            <a:ext cx="5326138" cy="369332"/>
+          </a:xfrm>
+          <a:prstGeom prst="rect">
+            <a:avLst/>
+          </a:prstGeom>
+          <a:noFill/>
+        </p:spPr>
+        <p:txBody>
+          <a:bodyPr wrap="none" rtlCol="0">
+            <a:spAutoFit/>
+          </a:bodyPr>
+          <a:lstStyle/>
+          <a:p>
+            <a:r>
+              <a:rPr lang="en-US" dirty="0"/>
+              <a:t>Data in this region should be considered for removal</a:t>
+            </a:r>
+          </a:p>
+        </p:txBody>
+      </p:sp>
+      <p:cxnSp>
+        <p:nvCxnSpPr>
+          <p:cNvPr id="16" name="Straight Arrow Connector 15">
+            <a:extLst>
+              <a:ext uri="{FF2B5EF4-FFF2-40B4-BE49-F238E27FC236}">
+                <a16:creationId xmlns:a16="http://schemas.microsoft.com/office/drawing/2014/main" id="{E08DA9AE-070F-EC00-8E9C-B9BB358B7474}"/>
+              </a:ext>
+            </a:extLst>
+          </p:cNvPr>
+          <p:cNvCxnSpPr>
+            <a:cxnSpLocks/>
+            <a:stCxn id="14" idx="1"/>
+          </p:cNvCxnSpPr>
+          <p:nvPr/>
+        </p:nvCxnSpPr>
+        <p:spPr>
+          <a:xfrm flipH="1">
+            <a:off x="3485072" y="5550296"/>
+            <a:ext cx="1552754" cy="0"/>
+          </a:xfrm>
+          <a:prstGeom prst="straightConnector1">
+            <a:avLst/>
+          </a:prstGeom>
+          <a:ln>
+            <a:tailEnd type="triangle"/>
+          </a:ln>
+        </p:spPr>
+        <p:style>
+          <a:lnRef idx="2">
+            <a:schemeClr val="accent1"/>
+          </a:lnRef>
+          <a:fillRef idx="0">
+            <a:schemeClr val="accent1"/>
+          </a:fillRef>
+          <a:effectRef idx="1">
+            <a:schemeClr val="accent1"/>
+          </a:effectRef>
+          <a:fontRef idx="minor">
+            <a:schemeClr val="tx1"/>
+          </a:fontRef>
+        </p:style>
+      </p:cxnSp>
+    </p:spTree>
+    <p:extLst>
+      <p:ext uri="{BB962C8B-B14F-4D97-AF65-F5344CB8AC3E}">
+        <p14:creationId xmlns:p14="http://schemas.microsoft.com/office/powerpoint/2010/main" val="193642418"/>
+      </p:ext>
+    </p:extLst>
+  </p:cSld>
+  <p:clrMapOvr>
+    <a:masterClrMapping/>
+  </p:clrMapOvr>
+</p:sld>
+</file>
+
+<file path=ppt/slides/slide30.xml><?xml version="1.0" encoding="utf-8"?>
 <p:sld xmlns:a="http://schemas.openxmlformats.org/drawingml/2006/main" xmlns:r="http://schemas.openxmlformats.org/officeDocument/2006/relationships" xmlns:p="http://schemas.openxmlformats.org/presentationml/2006/main">
   <p:cSld>
     <p:spTree>
@@ -19526,7 +21181,7 @@
 </p:sld>
 </file>
 
-<file path=ppt/slides/slide29.xml><?xml version="1.0" encoding="utf-8"?>
+<file path=ppt/slides/slide31.xml><?xml version="1.0" encoding="utf-8"?>
 <p:sld xmlns:a="http://schemas.openxmlformats.org/drawingml/2006/main" xmlns:r="http://schemas.openxmlformats.org/officeDocument/2006/relationships" xmlns:p="http://schemas.openxmlformats.org/presentationml/2006/main">
   <p:cSld>
     <p:spTree>
@@ -19789,465 +21444,7 @@
 </p:sld>
 </file>
 
-<file path=ppt/slides/slide3.xml><?xml version="1.0" encoding="utf-8"?>
-<p:sld xmlns:a="http://schemas.openxmlformats.org/drawingml/2006/main" xmlns:r="http://schemas.openxmlformats.org/officeDocument/2006/relationships" xmlns:p="http://schemas.openxmlformats.org/presentationml/2006/main">
-  <p:cSld>
-    <p:spTree>
-      <p:nvGrpSpPr>
-        <p:cNvPr id="1" name=""/>
-        <p:cNvGrpSpPr/>
-        <p:nvPr/>
-      </p:nvGrpSpPr>
-      <p:grpSpPr>
-        <a:xfrm>
-          <a:off x="0" y="0"/>
-          <a:ext cx="0" cy="0"/>
-          <a:chOff x="0" y="0"/>
-          <a:chExt cx="0" cy="0"/>
-        </a:xfrm>
-      </p:grpSpPr>
-      <p:pic>
-        <p:nvPicPr>
-          <p:cNvPr id="6" name="Picture 5">
-            <a:extLst>
-              <a:ext uri="{FF2B5EF4-FFF2-40B4-BE49-F238E27FC236}">
-                <a16:creationId xmlns:a16="http://schemas.microsoft.com/office/drawing/2014/main" id="{3AB9F594-C03F-C97E-A552-D21028275E9B}"/>
-              </a:ext>
-            </a:extLst>
-          </p:cNvPr>
-          <p:cNvPicPr>
-            <a:picLocks noChangeAspect="1"/>
-          </p:cNvPicPr>
-          <p:nvPr/>
-        </p:nvPicPr>
-        <p:blipFill>
-          <a:blip r:embed="rId2"/>
-          <a:stretch>
-            <a:fillRect/>
-          </a:stretch>
-        </p:blipFill>
-        <p:spPr>
-          <a:xfrm>
-            <a:off x="671064" y="3975100"/>
-            <a:ext cx="4000500" cy="2882900"/>
-          </a:xfrm>
-          <a:prstGeom prst="rect">
-            <a:avLst/>
-          </a:prstGeom>
-        </p:spPr>
-      </p:pic>
-      <p:sp>
-        <p:nvSpPr>
-          <p:cNvPr id="2" name="TextBox 1">
-            <a:extLst>
-              <a:ext uri="{FF2B5EF4-FFF2-40B4-BE49-F238E27FC236}">
-                <a16:creationId xmlns:a16="http://schemas.microsoft.com/office/drawing/2014/main" id="{E758D5CD-18BF-EE2E-47E2-E832CEE7988E}"/>
-              </a:ext>
-            </a:extLst>
-          </p:cNvPr>
-          <p:cNvSpPr txBox="1"/>
-          <p:nvPr/>
-        </p:nvSpPr>
-        <p:spPr>
-          <a:xfrm>
-            <a:off x="140127" y="221836"/>
-            <a:ext cx="3472810" cy="461665"/>
-          </a:xfrm>
-          <a:prstGeom prst="rect">
-            <a:avLst/>
-          </a:prstGeom>
-          <a:noFill/>
-        </p:spPr>
-        <p:txBody>
-          <a:bodyPr wrap="none" rtlCol="0">
-            <a:spAutoFit/>
-          </a:bodyPr>
-          <a:lstStyle/>
-          <a:p>
-            <a:r>
-              <a:rPr lang="en-US" sz="2400" dirty="0"/>
-              <a:t>Data set analysis – part 2</a:t>
-            </a:r>
-          </a:p>
-        </p:txBody>
-      </p:sp>
-      <p:pic>
-        <p:nvPicPr>
-          <p:cNvPr id="5" name="Picture 4">
-            <a:extLst>
-              <a:ext uri="{FF2B5EF4-FFF2-40B4-BE49-F238E27FC236}">
-                <a16:creationId xmlns:a16="http://schemas.microsoft.com/office/drawing/2014/main" id="{004E675A-1C32-B792-0686-94A327045471}"/>
-              </a:ext>
-            </a:extLst>
-          </p:cNvPr>
-          <p:cNvPicPr>
-            <a:picLocks noChangeAspect="1"/>
-          </p:cNvPicPr>
-          <p:nvPr/>
-        </p:nvPicPr>
-        <p:blipFill>
-          <a:blip r:embed="rId3"/>
-          <a:stretch>
-            <a:fillRect/>
-          </a:stretch>
-        </p:blipFill>
-        <p:spPr>
-          <a:xfrm>
-            <a:off x="3670560" y="698948"/>
-            <a:ext cx="3683000" cy="2882900"/>
-          </a:xfrm>
-          <a:prstGeom prst="rect">
-            <a:avLst/>
-          </a:prstGeom>
-        </p:spPr>
-      </p:pic>
-      <p:pic>
-        <p:nvPicPr>
-          <p:cNvPr id="7" name="Picture 6">
-            <a:extLst>
-              <a:ext uri="{FF2B5EF4-FFF2-40B4-BE49-F238E27FC236}">
-                <a16:creationId xmlns:a16="http://schemas.microsoft.com/office/drawing/2014/main" id="{27C0F13D-962E-3657-5DEE-34FD510A4981}"/>
-              </a:ext>
-            </a:extLst>
-          </p:cNvPr>
-          <p:cNvPicPr>
-            <a:picLocks noChangeAspect="1"/>
-          </p:cNvPicPr>
-          <p:nvPr/>
-        </p:nvPicPr>
-        <p:blipFill>
-          <a:blip r:embed="rId4"/>
-          <a:stretch>
-            <a:fillRect/>
-          </a:stretch>
-        </p:blipFill>
-        <p:spPr>
-          <a:xfrm>
-            <a:off x="7714172" y="711289"/>
-            <a:ext cx="3733800" cy="2882900"/>
-          </a:xfrm>
-          <a:prstGeom prst="rect">
-            <a:avLst/>
-          </a:prstGeom>
-        </p:spPr>
-      </p:pic>
-      <p:sp>
-        <p:nvSpPr>
-          <p:cNvPr id="8" name="Right Brace 7">
-            <a:extLst>
-              <a:ext uri="{FF2B5EF4-FFF2-40B4-BE49-F238E27FC236}">
-                <a16:creationId xmlns:a16="http://schemas.microsoft.com/office/drawing/2014/main" id="{384E57D8-39A4-D74D-ED33-24E95A329067}"/>
-              </a:ext>
-            </a:extLst>
-          </p:cNvPr>
-          <p:cNvSpPr/>
-          <p:nvPr/>
-        </p:nvSpPr>
-        <p:spPr>
-          <a:xfrm rot="3143533">
-            <a:off x="3147459" y="3942365"/>
-            <a:ext cx="297297" cy="2905664"/>
-          </a:xfrm>
-          <a:prstGeom prst="rightBrace">
-            <a:avLst/>
-          </a:prstGeom>
-        </p:spPr>
-        <p:style>
-          <a:lnRef idx="2">
-            <a:schemeClr val="accent1"/>
-          </a:lnRef>
-          <a:fillRef idx="0">
-            <a:schemeClr val="accent1"/>
-          </a:fillRef>
-          <a:effectRef idx="1">
-            <a:schemeClr val="accent1"/>
-          </a:effectRef>
-          <a:fontRef idx="minor">
-            <a:schemeClr val="tx1"/>
-          </a:fontRef>
-        </p:style>
-        <p:txBody>
-          <a:bodyPr rtlCol="0" anchor="ctr"/>
-          <a:lstStyle/>
-          <a:p>
-            <a:pPr algn="ctr"/>
-            <a:endParaRPr lang="en-US"/>
-          </a:p>
-        </p:txBody>
-      </p:sp>
-      <p:sp>
-        <p:nvSpPr>
-          <p:cNvPr id="9" name="TextBox 8">
-            <a:extLst>
-              <a:ext uri="{FF2B5EF4-FFF2-40B4-BE49-F238E27FC236}">
-                <a16:creationId xmlns:a16="http://schemas.microsoft.com/office/drawing/2014/main" id="{EC1A7CCE-E29E-8773-70DE-2B8B0A3A53C2}"/>
-              </a:ext>
-            </a:extLst>
-          </p:cNvPr>
-          <p:cNvSpPr txBox="1"/>
-          <p:nvPr/>
-        </p:nvSpPr>
-        <p:spPr>
-          <a:xfrm>
-            <a:off x="4996724" y="4364964"/>
-            <a:ext cx="6038000" cy="369332"/>
-          </a:xfrm>
-          <a:prstGeom prst="rect">
-            <a:avLst/>
-          </a:prstGeom>
-          <a:noFill/>
-        </p:spPr>
-        <p:txBody>
-          <a:bodyPr wrap="none" rtlCol="0">
-            <a:spAutoFit/>
-          </a:bodyPr>
-          <a:lstStyle/>
-          <a:p>
-            <a:r>
-              <a:rPr lang="en-US" dirty="0"/>
-              <a:t>Not surprising that larger </a:t>
-            </a:r>
-            <a:r>
-              <a:rPr lang="en-US" dirty="0" err="1">
-                <a:latin typeface="Symbol" pitchFamily="2" charset="2"/>
-              </a:rPr>
-              <a:t>D</a:t>
-            </a:r>
-            <a:r>
-              <a:rPr lang="en-US" dirty="0" err="1"/>
-              <a:t>Kd</a:t>
-            </a:r>
-            <a:r>
-              <a:rPr lang="en-US" dirty="0"/>
-              <a:t> correlate with larger </a:t>
-            </a:r>
-            <a:r>
-              <a:rPr lang="en-US" dirty="0" err="1"/>
-              <a:t>q_values</a:t>
-            </a:r>
-            <a:endParaRPr lang="en-US" dirty="0"/>
-          </a:p>
-        </p:txBody>
-      </p:sp>
-      <p:sp>
-        <p:nvSpPr>
-          <p:cNvPr id="10" name="TextBox 9">
-            <a:extLst>
-              <a:ext uri="{FF2B5EF4-FFF2-40B4-BE49-F238E27FC236}">
-                <a16:creationId xmlns:a16="http://schemas.microsoft.com/office/drawing/2014/main" id="{086D1D2D-CE4E-8707-3A56-AEBF7E6EF12B}"/>
-              </a:ext>
-            </a:extLst>
-          </p:cNvPr>
-          <p:cNvSpPr txBox="1"/>
-          <p:nvPr/>
-        </p:nvSpPr>
-        <p:spPr>
-          <a:xfrm>
-            <a:off x="5323334" y="302307"/>
-            <a:ext cx="582724" cy="369332"/>
-          </a:xfrm>
-          <a:prstGeom prst="rect">
-            <a:avLst/>
-          </a:prstGeom>
-          <a:noFill/>
-        </p:spPr>
-        <p:txBody>
-          <a:bodyPr wrap="none" rtlCol="0">
-            <a:spAutoFit/>
-          </a:bodyPr>
-          <a:lstStyle/>
-          <a:p>
-            <a:r>
-              <a:rPr lang="en-US" dirty="0" err="1">
-                <a:latin typeface="Symbol" pitchFamily="2" charset="2"/>
-              </a:rPr>
-              <a:t>D</a:t>
-            </a:r>
-            <a:r>
-              <a:rPr lang="en-US" dirty="0" err="1"/>
-              <a:t>Kd</a:t>
-            </a:r>
-            <a:endParaRPr lang="en-US" dirty="0"/>
-          </a:p>
-        </p:txBody>
-      </p:sp>
-      <p:sp>
-        <p:nvSpPr>
-          <p:cNvPr id="11" name="TextBox 10">
-            <a:extLst>
-              <a:ext uri="{FF2B5EF4-FFF2-40B4-BE49-F238E27FC236}">
-                <a16:creationId xmlns:a16="http://schemas.microsoft.com/office/drawing/2014/main" id="{C911AC79-99E3-3159-74E9-7C2EACF44FA1}"/>
-              </a:ext>
-            </a:extLst>
-          </p:cNvPr>
-          <p:cNvSpPr txBox="1"/>
-          <p:nvPr/>
-        </p:nvSpPr>
-        <p:spPr>
-          <a:xfrm>
-            <a:off x="9237548" y="314648"/>
-            <a:ext cx="1068754" cy="369332"/>
-          </a:xfrm>
-          <a:prstGeom prst="rect">
-            <a:avLst/>
-          </a:prstGeom>
-          <a:noFill/>
-        </p:spPr>
-        <p:txBody>
-          <a:bodyPr wrap="none" rtlCol="0">
-            <a:spAutoFit/>
-          </a:bodyPr>
-          <a:lstStyle/>
-          <a:p>
-            <a:r>
-              <a:rPr lang="en-US" dirty="0" err="1"/>
-              <a:t>q_values</a:t>
-            </a:r>
-            <a:endParaRPr lang="en-US" dirty="0"/>
-          </a:p>
-        </p:txBody>
-      </p:sp>
-      <p:sp>
-        <p:nvSpPr>
-          <p:cNvPr id="13" name="TextBox 12">
-            <a:extLst>
-              <a:ext uri="{FF2B5EF4-FFF2-40B4-BE49-F238E27FC236}">
-                <a16:creationId xmlns:a16="http://schemas.microsoft.com/office/drawing/2014/main" id="{D4AB0126-C1AF-39FE-F8F1-B266C4A5FFE9}"/>
-              </a:ext>
-            </a:extLst>
-          </p:cNvPr>
-          <p:cNvSpPr txBox="1"/>
-          <p:nvPr/>
-        </p:nvSpPr>
-        <p:spPr>
-          <a:xfrm>
-            <a:off x="1643252" y="3594189"/>
-            <a:ext cx="1662635" cy="369332"/>
-          </a:xfrm>
-          <a:prstGeom prst="rect">
-            <a:avLst/>
-          </a:prstGeom>
-          <a:noFill/>
-        </p:spPr>
-        <p:txBody>
-          <a:bodyPr wrap="none" rtlCol="0">
-            <a:spAutoFit/>
-          </a:bodyPr>
-          <a:lstStyle/>
-          <a:p>
-            <a:r>
-              <a:rPr lang="en-US" dirty="0" err="1">
-                <a:latin typeface="Symbol" pitchFamily="2" charset="2"/>
-              </a:rPr>
-              <a:t>D</a:t>
-            </a:r>
-            <a:r>
-              <a:rPr lang="en-US" dirty="0" err="1"/>
-              <a:t>Kd</a:t>
-            </a:r>
-            <a:r>
-              <a:rPr lang="en-US" dirty="0"/>
-              <a:t> vs </a:t>
-            </a:r>
-            <a:r>
-              <a:rPr lang="en-US" dirty="0" err="1"/>
-              <a:t>q_value</a:t>
-            </a:r>
-            <a:endParaRPr lang="en-US" dirty="0"/>
-          </a:p>
-        </p:txBody>
-      </p:sp>
-      <p:sp>
-        <p:nvSpPr>
-          <p:cNvPr id="14" name="TextBox 13">
-            <a:extLst>
-              <a:ext uri="{FF2B5EF4-FFF2-40B4-BE49-F238E27FC236}">
-                <a16:creationId xmlns:a16="http://schemas.microsoft.com/office/drawing/2014/main" id="{A11BB0B1-F8C8-C7DA-DD29-480E8BEA37CF}"/>
-              </a:ext>
-            </a:extLst>
-          </p:cNvPr>
-          <p:cNvSpPr txBox="1"/>
-          <p:nvPr/>
-        </p:nvSpPr>
-        <p:spPr>
-          <a:xfrm>
-            <a:off x="5037826" y="5365630"/>
-            <a:ext cx="5326138" cy="369332"/>
-          </a:xfrm>
-          <a:prstGeom prst="rect">
-            <a:avLst/>
-          </a:prstGeom>
-          <a:noFill/>
-        </p:spPr>
-        <p:txBody>
-          <a:bodyPr wrap="none" rtlCol="0">
-            <a:spAutoFit/>
-          </a:bodyPr>
-          <a:lstStyle/>
-          <a:p>
-            <a:r>
-              <a:rPr lang="en-US" dirty="0"/>
-              <a:t>Data in this region should be considered for removal</a:t>
-            </a:r>
-          </a:p>
-        </p:txBody>
-      </p:sp>
-      <p:cxnSp>
-        <p:nvCxnSpPr>
-          <p:cNvPr id="16" name="Straight Arrow Connector 15">
-            <a:extLst>
-              <a:ext uri="{FF2B5EF4-FFF2-40B4-BE49-F238E27FC236}">
-                <a16:creationId xmlns:a16="http://schemas.microsoft.com/office/drawing/2014/main" id="{E08DA9AE-070F-EC00-8E9C-B9BB358B7474}"/>
-              </a:ext>
-            </a:extLst>
-          </p:cNvPr>
-          <p:cNvCxnSpPr>
-            <a:cxnSpLocks/>
-            <a:stCxn id="14" idx="1"/>
-          </p:cNvCxnSpPr>
-          <p:nvPr/>
-        </p:nvCxnSpPr>
-        <p:spPr>
-          <a:xfrm flipH="1">
-            <a:off x="3485072" y="5550296"/>
-            <a:ext cx="1552754" cy="0"/>
-          </a:xfrm>
-          <a:prstGeom prst="straightConnector1">
-            <a:avLst/>
-          </a:prstGeom>
-          <a:ln>
-            <a:tailEnd type="triangle"/>
-          </a:ln>
-        </p:spPr>
-        <p:style>
-          <a:lnRef idx="2">
-            <a:schemeClr val="accent1"/>
-          </a:lnRef>
-          <a:fillRef idx="0">
-            <a:schemeClr val="accent1"/>
-          </a:fillRef>
-          <a:effectRef idx="1">
-            <a:schemeClr val="accent1"/>
-          </a:effectRef>
-          <a:fontRef idx="minor">
-            <a:schemeClr val="tx1"/>
-          </a:fontRef>
-        </p:style>
-      </p:cxnSp>
-    </p:spTree>
-    <p:extLst>
-      <p:ext uri="{BB962C8B-B14F-4D97-AF65-F5344CB8AC3E}">
-        <p14:creationId xmlns:p14="http://schemas.microsoft.com/office/powerpoint/2010/main" val="193642418"/>
-      </p:ext>
-    </p:extLst>
-  </p:cSld>
-  <p:clrMapOvr>
-    <a:masterClrMapping/>
-  </p:clrMapOvr>
-</p:sld>
-</file>
-
-<file path=ppt/slides/slide30.xml><?xml version="1.0" encoding="utf-8"?>
+<file path=ppt/slides/slide32.xml><?xml version="1.0" encoding="utf-8"?>
 <p:sld xmlns:a="http://schemas.openxmlformats.org/drawingml/2006/main" xmlns:r="http://schemas.openxmlformats.org/officeDocument/2006/relationships" xmlns:p="http://schemas.openxmlformats.org/presentationml/2006/main">
   <p:cSld>
     <p:spTree>
@@ -22293,7 +23490,7 @@
 </p:sld>
 </file>
 
-<file path=ppt/slides/slide31.xml><?xml version="1.0" encoding="utf-8"?>
+<file path=ppt/slides/slide33.xml><?xml version="1.0" encoding="utf-8"?>
 <p:sld xmlns:a="http://schemas.openxmlformats.org/drawingml/2006/main" xmlns:r="http://schemas.openxmlformats.org/officeDocument/2006/relationships" xmlns:p="http://schemas.openxmlformats.org/presentationml/2006/main">
   <p:cSld>
     <p:spTree>
@@ -22972,7 +24169,7 @@
 </p:sld>
 </file>
 
-<file path=ppt/slides/slide32.xml><?xml version="1.0" encoding="utf-8"?>
+<file path=ppt/slides/slide34.xml><?xml version="1.0" encoding="utf-8"?>
 <p:sld xmlns:a="http://schemas.openxmlformats.org/drawingml/2006/main" xmlns:r="http://schemas.openxmlformats.org/officeDocument/2006/relationships" xmlns:p="http://schemas.openxmlformats.org/presentationml/2006/main">
   <p:cSld>
     <p:spTree>
@@ -24200,7 +25397,7 @@
 </p:sld>
 </file>
 
-<file path=ppt/slides/slide33.xml><?xml version="1.0" encoding="utf-8"?>
+<file path=ppt/slides/slide35.xml><?xml version="1.0" encoding="utf-8"?>
 <p:sld xmlns:a="http://schemas.openxmlformats.org/drawingml/2006/main" xmlns:r="http://schemas.openxmlformats.org/officeDocument/2006/relationships" xmlns:p="http://schemas.openxmlformats.org/presentationml/2006/main">
   <p:cSld>
     <p:spTree>
@@ -27023,7 +28220,7 @@
 </p:sld>
 </file>
 
-<file path=ppt/slides/slide34.xml><?xml version="1.0" encoding="utf-8"?>
+<file path=ppt/slides/slide36.xml><?xml version="1.0" encoding="utf-8"?>
 <p:sld xmlns:a="http://schemas.openxmlformats.org/drawingml/2006/main" xmlns:r="http://schemas.openxmlformats.org/officeDocument/2006/relationships" xmlns:p="http://schemas.openxmlformats.org/presentationml/2006/main">
   <p:cSld>
     <p:spTree>
@@ -27221,7 +28418,7 @@
 </p:sld>
 </file>
 
-<file path=ppt/slides/slide35.xml><?xml version="1.0" encoding="utf-8"?>
+<file path=ppt/slides/slide37.xml><?xml version="1.0" encoding="utf-8"?>
 <p:sld xmlns:a="http://schemas.openxmlformats.org/drawingml/2006/main" xmlns:r="http://schemas.openxmlformats.org/officeDocument/2006/relationships" xmlns:p="http://schemas.openxmlformats.org/presentationml/2006/main">
   <p:cSld>
     <p:spTree>
@@ -27408,7 +28605,7 @@
 </p:sld>
 </file>
 
-<file path=ppt/slides/slide36.xml><?xml version="1.0" encoding="utf-8"?>
+<file path=ppt/slides/slide38.xml><?xml version="1.0" encoding="utf-8"?>
 <p:sld xmlns:a="http://schemas.openxmlformats.org/drawingml/2006/main" xmlns:r="http://schemas.openxmlformats.org/officeDocument/2006/relationships" xmlns:p="http://schemas.openxmlformats.org/presentationml/2006/main">
   <p:cSld>
     <p:spTree>
@@ -27960,7 +29157,7 @@
 </p:sld>
 </file>
 
-<file path=ppt/slides/slide37.xml><?xml version="1.0" encoding="utf-8"?>
+<file path=ppt/slides/slide39.xml><?xml version="1.0" encoding="utf-8"?>
 <p:sld xmlns:a="http://schemas.openxmlformats.org/drawingml/2006/main" xmlns:r="http://schemas.openxmlformats.org/officeDocument/2006/relationships" xmlns:p="http://schemas.openxmlformats.org/presentationml/2006/main">
   <p:cSld>
     <p:spTree>
@@ -28268,7 +29465,451 @@
 </p:sld>
 </file>
 
-<file path=ppt/slides/slide38.xml><?xml version="1.0" encoding="utf-8"?>
+<file path=ppt/slides/slide4.xml><?xml version="1.0" encoding="utf-8"?>
+<p:sld xmlns:a="http://schemas.openxmlformats.org/drawingml/2006/main" xmlns:r="http://schemas.openxmlformats.org/officeDocument/2006/relationships" xmlns:p="http://schemas.openxmlformats.org/presentationml/2006/main">
+  <p:cSld>
+    <p:spTree>
+      <p:nvGrpSpPr>
+        <p:cNvPr id="1" name=""/>
+        <p:cNvGrpSpPr/>
+        <p:nvPr/>
+      </p:nvGrpSpPr>
+      <p:grpSpPr>
+        <a:xfrm>
+          <a:off x="0" y="0"/>
+          <a:ext cx="0" cy="0"/>
+          <a:chOff x="0" y="0"/>
+          <a:chExt cx="0" cy="0"/>
+        </a:xfrm>
+      </p:grpSpPr>
+      <p:sp>
+        <p:nvSpPr>
+          <p:cNvPr id="3" name="TextBox 2">
+            <a:extLst>
+              <a:ext uri="{FF2B5EF4-FFF2-40B4-BE49-F238E27FC236}">
+                <a16:creationId xmlns:a16="http://schemas.microsoft.com/office/drawing/2014/main" id="{90F59776-7CC5-CCAF-413F-1B038A87DE9F}"/>
+              </a:ext>
+            </a:extLst>
+          </p:cNvPr>
+          <p:cNvSpPr txBox="1"/>
+          <p:nvPr/>
+        </p:nvSpPr>
+        <p:spPr>
+          <a:xfrm>
+            <a:off x="933806" y="1292358"/>
+            <a:ext cx="7761620" cy="923330"/>
+          </a:xfrm>
+          <a:prstGeom prst="rect">
+            <a:avLst/>
+          </a:prstGeom>
+          <a:noFill/>
+        </p:spPr>
+        <p:txBody>
+          <a:bodyPr wrap="square">
+            <a:spAutoFit/>
+          </a:bodyPr>
+          <a:lstStyle/>
+          <a:p>
+            <a:pPr marL="285750" indent="-285750">
+              <a:buFont typeface="Arial" panose="020B0604020202020204" pitchFamily="34" charset="0"/>
+              <a:buChar char="•"/>
+            </a:pPr>
+            <a:r>
+              <a:rPr lang="en-US" dirty="0"/>
+              <a:t>remove NANs, duplicates, and use mean </a:t>
+            </a:r>
+            <a:r>
+              <a:rPr lang="en-US" dirty="0" err="1"/>
+              <a:t>Kd</a:t>
+            </a:r>
+            <a:r>
+              <a:rPr lang="en-US" dirty="0"/>
+              <a:t> for duplicates</a:t>
+            </a:r>
+            <a:endParaRPr lang="en-US" sz="1800" b="0" dirty="0">
+              <a:effectLst/>
+            </a:endParaRPr>
+          </a:p>
+          <a:p>
+            <a:pPr marL="285750" indent="-285750">
+              <a:buFont typeface="Arial" panose="020B0604020202020204" pitchFamily="34" charset="0"/>
+              <a:buChar char="•"/>
+            </a:pPr>
+            <a:r>
+              <a:rPr lang="en-US" sz="1800" b="0" dirty="0">
+                <a:effectLst/>
+              </a:rPr>
+              <a:t>90/10 split for train/validation sets</a:t>
+            </a:r>
+          </a:p>
+          <a:p>
+            <a:pPr marL="285750" indent="-285750">
+              <a:buFont typeface="Arial" panose="020B0604020202020204" pitchFamily="34" charset="0"/>
+              <a:buChar char="•"/>
+            </a:pPr>
+            <a:r>
+              <a:rPr lang="en-US" sz="1800" dirty="0"/>
+              <a:t>train (26279 rows), </a:t>
+            </a:r>
+            <a:r>
+              <a:rPr lang="en-US" sz="1800" dirty="0" err="1"/>
+              <a:t>val</a:t>
+            </a:r>
+            <a:r>
+              <a:rPr lang="en-US" sz="1800" dirty="0"/>
+              <a:t> (2920 rows)</a:t>
+            </a:r>
+          </a:p>
+        </p:txBody>
+      </p:sp>
+      <p:sp>
+        <p:nvSpPr>
+          <p:cNvPr id="4" name="TextBox 3">
+            <a:extLst>
+              <a:ext uri="{FF2B5EF4-FFF2-40B4-BE49-F238E27FC236}">
+                <a16:creationId xmlns:a16="http://schemas.microsoft.com/office/drawing/2014/main" id="{A823B7D1-6885-6524-808E-292692E93FBC}"/>
+              </a:ext>
+            </a:extLst>
+          </p:cNvPr>
+          <p:cNvSpPr txBox="1"/>
+          <p:nvPr/>
+        </p:nvSpPr>
+        <p:spPr>
+          <a:xfrm>
+            <a:off x="146649" y="184362"/>
+            <a:ext cx="4339008" cy="461665"/>
+          </a:xfrm>
+          <a:prstGeom prst="rect">
+            <a:avLst/>
+          </a:prstGeom>
+          <a:noFill/>
+        </p:spPr>
+        <p:txBody>
+          <a:bodyPr wrap="none" rtlCol="0">
+            <a:spAutoFit/>
+          </a:bodyPr>
+          <a:lstStyle/>
+          <a:p>
+            <a:r>
+              <a:rPr lang="en-US" sz="2400" dirty="0"/>
+              <a:t>Training Datasets : two versions</a:t>
+            </a:r>
+          </a:p>
+        </p:txBody>
+      </p:sp>
+      <p:sp>
+        <p:nvSpPr>
+          <p:cNvPr id="5" name="TextBox 4">
+            <a:extLst>
+              <a:ext uri="{FF2B5EF4-FFF2-40B4-BE49-F238E27FC236}">
+                <a16:creationId xmlns:a16="http://schemas.microsoft.com/office/drawing/2014/main" id="{B2600AAF-F4BA-D6D8-31D9-0D669D1AB800}"/>
+              </a:ext>
+            </a:extLst>
+          </p:cNvPr>
+          <p:cNvSpPr txBox="1"/>
+          <p:nvPr/>
+        </p:nvSpPr>
+        <p:spPr>
+          <a:xfrm>
+            <a:off x="586596" y="923026"/>
+            <a:ext cx="960776" cy="369332"/>
+          </a:xfrm>
+          <a:prstGeom prst="rect">
+            <a:avLst/>
+          </a:prstGeom>
+          <a:noFill/>
+        </p:spPr>
+        <p:txBody>
+          <a:bodyPr wrap="none" rtlCol="0">
+            <a:spAutoFit/>
+          </a:bodyPr>
+          <a:lstStyle/>
+          <a:p>
+            <a:r>
+              <a:rPr lang="en-US" dirty="0"/>
+              <a:t>Clean-1</a:t>
+            </a:r>
+          </a:p>
+        </p:txBody>
+      </p:sp>
+      <p:sp>
+        <p:nvSpPr>
+          <p:cNvPr id="9" name="TextBox 8">
+            <a:extLst>
+              <a:ext uri="{FF2B5EF4-FFF2-40B4-BE49-F238E27FC236}">
+                <a16:creationId xmlns:a16="http://schemas.microsoft.com/office/drawing/2014/main" id="{DEB93D53-C98F-967F-FD08-149A4D6157AA}"/>
+              </a:ext>
+            </a:extLst>
+          </p:cNvPr>
+          <p:cNvSpPr txBox="1"/>
+          <p:nvPr/>
+        </p:nvSpPr>
+        <p:spPr>
+          <a:xfrm>
+            <a:off x="7970807" y="3525647"/>
+            <a:ext cx="1783117" cy="369332"/>
+          </a:xfrm>
+          <a:prstGeom prst="rect">
+            <a:avLst/>
+          </a:prstGeom>
+          <a:noFill/>
+        </p:spPr>
+        <p:txBody>
+          <a:bodyPr wrap="none" rtlCol="0">
+            <a:spAutoFit/>
+          </a:bodyPr>
+          <a:lstStyle/>
+          <a:p>
+            <a:r>
+              <a:rPr lang="en-US" dirty="0"/>
+              <a:t>Clean-3 dataset</a:t>
+            </a:r>
+          </a:p>
+        </p:txBody>
+      </p:sp>
+      <p:pic>
+        <p:nvPicPr>
+          <p:cNvPr id="10" name="Picture 9">
+            <a:extLst>
+              <a:ext uri="{FF2B5EF4-FFF2-40B4-BE49-F238E27FC236}">
+                <a16:creationId xmlns:a16="http://schemas.microsoft.com/office/drawing/2014/main" id="{6395B665-70EA-5B20-8B8B-7EAA1ED916E2}"/>
+              </a:ext>
+            </a:extLst>
+          </p:cNvPr>
+          <p:cNvPicPr>
+            <a:picLocks noChangeAspect="1"/>
+          </p:cNvPicPr>
+          <p:nvPr/>
+        </p:nvPicPr>
+        <p:blipFill>
+          <a:blip r:embed="rId2"/>
+          <a:stretch>
+            <a:fillRect/>
+          </a:stretch>
+        </p:blipFill>
+        <p:spPr>
+          <a:xfrm>
+            <a:off x="7663580" y="704181"/>
+            <a:ext cx="2955538" cy="2154682"/>
+          </a:xfrm>
+          <a:prstGeom prst="rect">
+            <a:avLst/>
+          </a:prstGeom>
+        </p:spPr>
+      </p:pic>
+      <p:sp>
+        <p:nvSpPr>
+          <p:cNvPr id="11" name="TextBox 10">
+            <a:extLst>
+              <a:ext uri="{FF2B5EF4-FFF2-40B4-BE49-F238E27FC236}">
+                <a16:creationId xmlns:a16="http://schemas.microsoft.com/office/drawing/2014/main" id="{E352572C-0B04-B7EF-D36F-336747D674CB}"/>
+              </a:ext>
+            </a:extLst>
+          </p:cNvPr>
+          <p:cNvSpPr txBox="1"/>
+          <p:nvPr/>
+        </p:nvSpPr>
+        <p:spPr>
+          <a:xfrm>
+            <a:off x="8223210" y="345092"/>
+            <a:ext cx="1765740" cy="369332"/>
+          </a:xfrm>
+          <a:prstGeom prst="rect">
+            <a:avLst/>
+          </a:prstGeom>
+          <a:noFill/>
+        </p:spPr>
+        <p:txBody>
+          <a:bodyPr wrap="none" rtlCol="0">
+            <a:spAutoFit/>
+          </a:bodyPr>
+          <a:lstStyle/>
+          <a:p>
+            <a:r>
+              <a:rPr lang="en-US" dirty="0"/>
+              <a:t>Clean-1 dataset</a:t>
+            </a:r>
+          </a:p>
+        </p:txBody>
+      </p:sp>
+      <p:sp>
+        <p:nvSpPr>
+          <p:cNvPr id="12" name="TextBox 11">
+            <a:extLst>
+              <a:ext uri="{FF2B5EF4-FFF2-40B4-BE49-F238E27FC236}">
+                <a16:creationId xmlns:a16="http://schemas.microsoft.com/office/drawing/2014/main" id="{4379C880-87A8-E4F0-3029-8D5A6116FAEB}"/>
+              </a:ext>
+            </a:extLst>
+          </p:cNvPr>
+          <p:cNvSpPr txBox="1"/>
+          <p:nvPr/>
+        </p:nvSpPr>
+        <p:spPr>
+          <a:xfrm>
+            <a:off x="522259" y="3817601"/>
+            <a:ext cx="978153" cy="369332"/>
+          </a:xfrm>
+          <a:prstGeom prst="rect">
+            <a:avLst/>
+          </a:prstGeom>
+          <a:noFill/>
+        </p:spPr>
+        <p:txBody>
+          <a:bodyPr wrap="none" rtlCol="0">
+            <a:spAutoFit/>
+          </a:bodyPr>
+          <a:lstStyle/>
+          <a:p>
+            <a:r>
+              <a:rPr lang="en-US" dirty="0"/>
+              <a:t>Clean-3</a:t>
+            </a:r>
+          </a:p>
+        </p:txBody>
+      </p:sp>
+      <p:sp>
+        <p:nvSpPr>
+          <p:cNvPr id="13" name="TextBox 12">
+            <a:extLst>
+              <a:ext uri="{FF2B5EF4-FFF2-40B4-BE49-F238E27FC236}">
+                <a16:creationId xmlns:a16="http://schemas.microsoft.com/office/drawing/2014/main" id="{593741C5-6171-594F-EF0C-3540745BA613}"/>
+              </a:ext>
+            </a:extLst>
+          </p:cNvPr>
+          <p:cNvSpPr txBox="1"/>
+          <p:nvPr/>
+        </p:nvSpPr>
+        <p:spPr>
+          <a:xfrm>
+            <a:off x="857967" y="4186933"/>
+            <a:ext cx="6467660" cy="1200329"/>
+          </a:xfrm>
+          <a:prstGeom prst="rect">
+            <a:avLst/>
+          </a:prstGeom>
+          <a:noFill/>
+        </p:spPr>
+        <p:txBody>
+          <a:bodyPr wrap="square">
+            <a:spAutoFit/>
+          </a:bodyPr>
+          <a:lstStyle/>
+          <a:p>
+            <a:pPr marL="285750" indent="-285750">
+              <a:buFont typeface="Arial" panose="020B0604020202020204" pitchFamily="34" charset="0"/>
+              <a:buChar char="•"/>
+            </a:pPr>
+            <a:r>
+              <a:rPr lang="en-US" dirty="0"/>
+              <a:t>remove NANs, duplicates, and use mean </a:t>
+            </a:r>
+            <a:r>
+              <a:rPr lang="en-US" dirty="0" err="1"/>
+              <a:t>Kd</a:t>
+            </a:r>
+            <a:r>
+              <a:rPr lang="en-US" dirty="0"/>
+              <a:t> for duplicates</a:t>
+            </a:r>
+          </a:p>
+          <a:p>
+            <a:pPr marL="285750" indent="-285750">
+              <a:buFont typeface="Arial" panose="020B0604020202020204" pitchFamily="34" charset="0"/>
+              <a:buChar char="•"/>
+            </a:pPr>
+            <a:r>
+              <a:rPr lang="en-US" sz="1800" b="0" dirty="0">
+                <a:effectLst/>
+              </a:rPr>
+              <a:t>remove all rows with </a:t>
+            </a:r>
+            <a:r>
+              <a:rPr lang="en-US" sz="1800" b="0" dirty="0" err="1">
+                <a:effectLst/>
+              </a:rPr>
+              <a:t>q_value</a:t>
+            </a:r>
+            <a:r>
+              <a:rPr lang="en-US" sz="1800" b="0" dirty="0">
+                <a:effectLst/>
+              </a:rPr>
+              <a:t> &gt; 0.05 (9302 rows remain)</a:t>
+            </a:r>
+          </a:p>
+          <a:p>
+            <a:pPr marL="285750" indent="-285750">
+              <a:buFont typeface="Arial" panose="020B0604020202020204" pitchFamily="34" charset="0"/>
+              <a:buChar char="•"/>
+            </a:pPr>
+            <a:r>
+              <a:rPr lang="en-US" dirty="0"/>
+              <a:t>90/10 split: train(8325), </a:t>
+            </a:r>
+            <a:r>
+              <a:rPr lang="en-US" dirty="0" err="1"/>
+              <a:t>val</a:t>
+            </a:r>
+            <a:r>
+              <a:rPr lang="en-US" dirty="0"/>
+              <a:t>(925)</a:t>
+            </a:r>
+            <a:endParaRPr lang="en-US" sz="1800" b="0" dirty="0">
+              <a:effectLst/>
+            </a:endParaRPr>
+          </a:p>
+          <a:p>
+            <a:pPr marL="285750" indent="-285750">
+              <a:buFont typeface="Arial" panose="020B0604020202020204" pitchFamily="34" charset="0"/>
+              <a:buChar char="•"/>
+            </a:pPr>
+            <a:endParaRPr lang="en-US" dirty="0"/>
+          </a:p>
+        </p:txBody>
+      </p:sp>
+      <p:pic>
+        <p:nvPicPr>
+          <p:cNvPr id="14" name="Picture 13">
+            <a:extLst>
+              <a:ext uri="{FF2B5EF4-FFF2-40B4-BE49-F238E27FC236}">
+                <a16:creationId xmlns:a16="http://schemas.microsoft.com/office/drawing/2014/main" id="{B6B8555E-543F-42E6-240A-282609C1AB30}"/>
+              </a:ext>
+            </a:extLst>
+          </p:cNvPr>
+          <p:cNvPicPr>
+            <a:picLocks noChangeAspect="1"/>
+          </p:cNvPicPr>
+          <p:nvPr/>
+        </p:nvPicPr>
+        <p:blipFill>
+          <a:blip r:embed="rId3"/>
+          <a:stretch>
+            <a:fillRect/>
+          </a:stretch>
+        </p:blipFill>
+        <p:spPr>
+          <a:xfrm>
+            <a:off x="7879990" y="4089318"/>
+            <a:ext cx="2955537" cy="2154682"/>
+          </a:xfrm>
+          <a:prstGeom prst="rect">
+            <a:avLst/>
+          </a:prstGeom>
+        </p:spPr>
+      </p:pic>
+    </p:spTree>
+    <p:extLst>
+      <p:ext uri="{BB962C8B-B14F-4D97-AF65-F5344CB8AC3E}">
+        <p14:creationId xmlns:p14="http://schemas.microsoft.com/office/powerpoint/2010/main" val="1507180346"/>
+      </p:ext>
+    </p:extLst>
+  </p:cSld>
+  <p:clrMapOvr>
+    <a:masterClrMapping/>
+  </p:clrMapOvr>
+</p:sld>
+</file>
+
+<file path=ppt/slides/slide40.xml><?xml version="1.0" encoding="utf-8"?>
 <p:sld xmlns:a="http://schemas.openxmlformats.org/drawingml/2006/main" xmlns:r="http://schemas.openxmlformats.org/officeDocument/2006/relationships" xmlns:p="http://schemas.openxmlformats.org/presentationml/2006/main">
   <p:cSld>
     <p:spTree>
@@ -28868,450 +30509,6 @@
 </p:sld>
 </file>
 
-<file path=ppt/slides/slide4.xml><?xml version="1.0" encoding="utf-8"?>
-<p:sld xmlns:a="http://schemas.openxmlformats.org/drawingml/2006/main" xmlns:r="http://schemas.openxmlformats.org/officeDocument/2006/relationships" xmlns:p="http://schemas.openxmlformats.org/presentationml/2006/main">
-  <p:cSld>
-    <p:spTree>
-      <p:nvGrpSpPr>
-        <p:cNvPr id="1" name=""/>
-        <p:cNvGrpSpPr/>
-        <p:nvPr/>
-      </p:nvGrpSpPr>
-      <p:grpSpPr>
-        <a:xfrm>
-          <a:off x="0" y="0"/>
-          <a:ext cx="0" cy="0"/>
-          <a:chOff x="0" y="0"/>
-          <a:chExt cx="0" cy="0"/>
-        </a:xfrm>
-      </p:grpSpPr>
-      <p:sp>
-        <p:nvSpPr>
-          <p:cNvPr id="3" name="TextBox 2">
-            <a:extLst>
-              <a:ext uri="{FF2B5EF4-FFF2-40B4-BE49-F238E27FC236}">
-                <a16:creationId xmlns:a16="http://schemas.microsoft.com/office/drawing/2014/main" id="{90F59776-7CC5-CCAF-413F-1B038A87DE9F}"/>
-              </a:ext>
-            </a:extLst>
-          </p:cNvPr>
-          <p:cNvSpPr txBox="1"/>
-          <p:nvPr/>
-        </p:nvSpPr>
-        <p:spPr>
-          <a:xfrm>
-            <a:off x="933806" y="1292358"/>
-            <a:ext cx="7761620" cy="923330"/>
-          </a:xfrm>
-          <a:prstGeom prst="rect">
-            <a:avLst/>
-          </a:prstGeom>
-          <a:noFill/>
-        </p:spPr>
-        <p:txBody>
-          <a:bodyPr wrap="square">
-            <a:spAutoFit/>
-          </a:bodyPr>
-          <a:lstStyle/>
-          <a:p>
-            <a:pPr marL="285750" indent="-285750">
-              <a:buFont typeface="Arial" panose="020B0604020202020204" pitchFamily="34" charset="0"/>
-              <a:buChar char="•"/>
-            </a:pPr>
-            <a:r>
-              <a:rPr lang="en-US" dirty="0"/>
-              <a:t>remove NANs, duplicates, and use mean </a:t>
-            </a:r>
-            <a:r>
-              <a:rPr lang="en-US" dirty="0" err="1"/>
-              <a:t>Kd</a:t>
-            </a:r>
-            <a:r>
-              <a:rPr lang="en-US" dirty="0"/>
-              <a:t> for duplicates</a:t>
-            </a:r>
-            <a:endParaRPr lang="en-US" sz="1800" b="0" dirty="0">
-              <a:effectLst/>
-            </a:endParaRPr>
-          </a:p>
-          <a:p>
-            <a:pPr marL="285750" indent="-285750">
-              <a:buFont typeface="Arial" panose="020B0604020202020204" pitchFamily="34" charset="0"/>
-              <a:buChar char="•"/>
-            </a:pPr>
-            <a:r>
-              <a:rPr lang="en-US" sz="1800" b="0" dirty="0">
-                <a:effectLst/>
-              </a:rPr>
-              <a:t>90/10 split for train/validation sets</a:t>
-            </a:r>
-          </a:p>
-          <a:p>
-            <a:pPr marL="285750" indent="-285750">
-              <a:buFont typeface="Arial" panose="020B0604020202020204" pitchFamily="34" charset="0"/>
-              <a:buChar char="•"/>
-            </a:pPr>
-            <a:r>
-              <a:rPr lang="en-US" sz="1800" dirty="0"/>
-              <a:t>train (26279 rows), </a:t>
-            </a:r>
-            <a:r>
-              <a:rPr lang="en-US" sz="1800" dirty="0" err="1"/>
-              <a:t>val</a:t>
-            </a:r>
-            <a:r>
-              <a:rPr lang="en-US" sz="1800" dirty="0"/>
-              <a:t> (2920 rows)</a:t>
-            </a:r>
-          </a:p>
-        </p:txBody>
-      </p:sp>
-      <p:sp>
-        <p:nvSpPr>
-          <p:cNvPr id="4" name="TextBox 3">
-            <a:extLst>
-              <a:ext uri="{FF2B5EF4-FFF2-40B4-BE49-F238E27FC236}">
-                <a16:creationId xmlns:a16="http://schemas.microsoft.com/office/drawing/2014/main" id="{A823B7D1-6885-6524-808E-292692E93FBC}"/>
-              </a:ext>
-            </a:extLst>
-          </p:cNvPr>
-          <p:cNvSpPr txBox="1"/>
-          <p:nvPr/>
-        </p:nvSpPr>
-        <p:spPr>
-          <a:xfrm>
-            <a:off x="146649" y="184362"/>
-            <a:ext cx="4339008" cy="461665"/>
-          </a:xfrm>
-          <a:prstGeom prst="rect">
-            <a:avLst/>
-          </a:prstGeom>
-          <a:noFill/>
-        </p:spPr>
-        <p:txBody>
-          <a:bodyPr wrap="none" rtlCol="0">
-            <a:spAutoFit/>
-          </a:bodyPr>
-          <a:lstStyle/>
-          <a:p>
-            <a:r>
-              <a:rPr lang="en-US" sz="2400" dirty="0"/>
-              <a:t>Training Datasets : two versions</a:t>
-            </a:r>
-          </a:p>
-        </p:txBody>
-      </p:sp>
-      <p:sp>
-        <p:nvSpPr>
-          <p:cNvPr id="5" name="TextBox 4">
-            <a:extLst>
-              <a:ext uri="{FF2B5EF4-FFF2-40B4-BE49-F238E27FC236}">
-                <a16:creationId xmlns:a16="http://schemas.microsoft.com/office/drawing/2014/main" id="{B2600AAF-F4BA-D6D8-31D9-0D669D1AB800}"/>
-              </a:ext>
-            </a:extLst>
-          </p:cNvPr>
-          <p:cNvSpPr txBox="1"/>
-          <p:nvPr/>
-        </p:nvSpPr>
-        <p:spPr>
-          <a:xfrm>
-            <a:off x="586596" y="923026"/>
-            <a:ext cx="960776" cy="369332"/>
-          </a:xfrm>
-          <a:prstGeom prst="rect">
-            <a:avLst/>
-          </a:prstGeom>
-          <a:noFill/>
-        </p:spPr>
-        <p:txBody>
-          <a:bodyPr wrap="none" rtlCol="0">
-            <a:spAutoFit/>
-          </a:bodyPr>
-          <a:lstStyle/>
-          <a:p>
-            <a:r>
-              <a:rPr lang="en-US" dirty="0"/>
-              <a:t>Clean-1</a:t>
-            </a:r>
-          </a:p>
-        </p:txBody>
-      </p:sp>
-      <p:sp>
-        <p:nvSpPr>
-          <p:cNvPr id="9" name="TextBox 8">
-            <a:extLst>
-              <a:ext uri="{FF2B5EF4-FFF2-40B4-BE49-F238E27FC236}">
-                <a16:creationId xmlns:a16="http://schemas.microsoft.com/office/drawing/2014/main" id="{DEB93D53-C98F-967F-FD08-149A4D6157AA}"/>
-              </a:ext>
-            </a:extLst>
-          </p:cNvPr>
-          <p:cNvSpPr txBox="1"/>
-          <p:nvPr/>
-        </p:nvSpPr>
-        <p:spPr>
-          <a:xfrm>
-            <a:off x="7970807" y="3525647"/>
-            <a:ext cx="1783117" cy="369332"/>
-          </a:xfrm>
-          <a:prstGeom prst="rect">
-            <a:avLst/>
-          </a:prstGeom>
-          <a:noFill/>
-        </p:spPr>
-        <p:txBody>
-          <a:bodyPr wrap="none" rtlCol="0">
-            <a:spAutoFit/>
-          </a:bodyPr>
-          <a:lstStyle/>
-          <a:p>
-            <a:r>
-              <a:rPr lang="en-US" dirty="0"/>
-              <a:t>Clean-3 dataset</a:t>
-            </a:r>
-          </a:p>
-        </p:txBody>
-      </p:sp>
-      <p:pic>
-        <p:nvPicPr>
-          <p:cNvPr id="10" name="Picture 9">
-            <a:extLst>
-              <a:ext uri="{FF2B5EF4-FFF2-40B4-BE49-F238E27FC236}">
-                <a16:creationId xmlns:a16="http://schemas.microsoft.com/office/drawing/2014/main" id="{6395B665-70EA-5B20-8B8B-7EAA1ED916E2}"/>
-              </a:ext>
-            </a:extLst>
-          </p:cNvPr>
-          <p:cNvPicPr>
-            <a:picLocks noChangeAspect="1"/>
-          </p:cNvPicPr>
-          <p:nvPr/>
-        </p:nvPicPr>
-        <p:blipFill>
-          <a:blip r:embed="rId2"/>
-          <a:stretch>
-            <a:fillRect/>
-          </a:stretch>
-        </p:blipFill>
-        <p:spPr>
-          <a:xfrm>
-            <a:off x="7663580" y="704181"/>
-            <a:ext cx="2955538" cy="2154682"/>
-          </a:xfrm>
-          <a:prstGeom prst="rect">
-            <a:avLst/>
-          </a:prstGeom>
-        </p:spPr>
-      </p:pic>
-      <p:sp>
-        <p:nvSpPr>
-          <p:cNvPr id="11" name="TextBox 10">
-            <a:extLst>
-              <a:ext uri="{FF2B5EF4-FFF2-40B4-BE49-F238E27FC236}">
-                <a16:creationId xmlns:a16="http://schemas.microsoft.com/office/drawing/2014/main" id="{E352572C-0B04-B7EF-D36F-336747D674CB}"/>
-              </a:ext>
-            </a:extLst>
-          </p:cNvPr>
-          <p:cNvSpPr txBox="1"/>
-          <p:nvPr/>
-        </p:nvSpPr>
-        <p:spPr>
-          <a:xfrm>
-            <a:off x="8223210" y="345092"/>
-            <a:ext cx="1765740" cy="369332"/>
-          </a:xfrm>
-          <a:prstGeom prst="rect">
-            <a:avLst/>
-          </a:prstGeom>
-          <a:noFill/>
-        </p:spPr>
-        <p:txBody>
-          <a:bodyPr wrap="none" rtlCol="0">
-            <a:spAutoFit/>
-          </a:bodyPr>
-          <a:lstStyle/>
-          <a:p>
-            <a:r>
-              <a:rPr lang="en-US" dirty="0"/>
-              <a:t>Clean-1 dataset</a:t>
-            </a:r>
-          </a:p>
-        </p:txBody>
-      </p:sp>
-      <p:sp>
-        <p:nvSpPr>
-          <p:cNvPr id="12" name="TextBox 11">
-            <a:extLst>
-              <a:ext uri="{FF2B5EF4-FFF2-40B4-BE49-F238E27FC236}">
-                <a16:creationId xmlns:a16="http://schemas.microsoft.com/office/drawing/2014/main" id="{4379C880-87A8-E4F0-3029-8D5A6116FAEB}"/>
-              </a:ext>
-            </a:extLst>
-          </p:cNvPr>
-          <p:cNvSpPr txBox="1"/>
-          <p:nvPr/>
-        </p:nvSpPr>
-        <p:spPr>
-          <a:xfrm>
-            <a:off x="522259" y="3817601"/>
-            <a:ext cx="978153" cy="369332"/>
-          </a:xfrm>
-          <a:prstGeom prst="rect">
-            <a:avLst/>
-          </a:prstGeom>
-          <a:noFill/>
-        </p:spPr>
-        <p:txBody>
-          <a:bodyPr wrap="none" rtlCol="0">
-            <a:spAutoFit/>
-          </a:bodyPr>
-          <a:lstStyle/>
-          <a:p>
-            <a:r>
-              <a:rPr lang="en-US" dirty="0"/>
-              <a:t>Clean-3</a:t>
-            </a:r>
-          </a:p>
-        </p:txBody>
-      </p:sp>
-      <p:sp>
-        <p:nvSpPr>
-          <p:cNvPr id="13" name="TextBox 12">
-            <a:extLst>
-              <a:ext uri="{FF2B5EF4-FFF2-40B4-BE49-F238E27FC236}">
-                <a16:creationId xmlns:a16="http://schemas.microsoft.com/office/drawing/2014/main" id="{593741C5-6171-594F-EF0C-3540745BA613}"/>
-              </a:ext>
-            </a:extLst>
-          </p:cNvPr>
-          <p:cNvSpPr txBox="1"/>
-          <p:nvPr/>
-        </p:nvSpPr>
-        <p:spPr>
-          <a:xfrm>
-            <a:off x="857967" y="4186933"/>
-            <a:ext cx="6467660" cy="1200329"/>
-          </a:xfrm>
-          <a:prstGeom prst="rect">
-            <a:avLst/>
-          </a:prstGeom>
-          <a:noFill/>
-        </p:spPr>
-        <p:txBody>
-          <a:bodyPr wrap="square">
-            <a:spAutoFit/>
-          </a:bodyPr>
-          <a:lstStyle/>
-          <a:p>
-            <a:pPr marL="285750" indent="-285750">
-              <a:buFont typeface="Arial" panose="020B0604020202020204" pitchFamily="34" charset="0"/>
-              <a:buChar char="•"/>
-            </a:pPr>
-            <a:r>
-              <a:rPr lang="en-US" dirty="0"/>
-              <a:t>remove NANs, duplicates, and use mean </a:t>
-            </a:r>
-            <a:r>
-              <a:rPr lang="en-US" dirty="0" err="1"/>
-              <a:t>Kd</a:t>
-            </a:r>
-            <a:r>
-              <a:rPr lang="en-US" dirty="0"/>
-              <a:t> for duplicates</a:t>
-            </a:r>
-          </a:p>
-          <a:p>
-            <a:pPr marL="285750" indent="-285750">
-              <a:buFont typeface="Arial" panose="020B0604020202020204" pitchFamily="34" charset="0"/>
-              <a:buChar char="•"/>
-            </a:pPr>
-            <a:r>
-              <a:rPr lang="en-US" sz="1800" b="0" dirty="0">
-                <a:effectLst/>
-              </a:rPr>
-              <a:t>remove all rows with </a:t>
-            </a:r>
-            <a:r>
-              <a:rPr lang="en-US" sz="1800" b="0" dirty="0" err="1">
-                <a:effectLst/>
-              </a:rPr>
-              <a:t>q_value</a:t>
-            </a:r>
-            <a:r>
-              <a:rPr lang="en-US" sz="1800" b="0" dirty="0">
-                <a:effectLst/>
-              </a:rPr>
-              <a:t> &gt; 0.05 (9302 rows remain)</a:t>
-            </a:r>
-          </a:p>
-          <a:p>
-            <a:pPr marL="285750" indent="-285750">
-              <a:buFont typeface="Arial" panose="020B0604020202020204" pitchFamily="34" charset="0"/>
-              <a:buChar char="•"/>
-            </a:pPr>
-            <a:r>
-              <a:rPr lang="en-US" dirty="0"/>
-              <a:t>90/10 split: train(8325), </a:t>
-            </a:r>
-            <a:r>
-              <a:rPr lang="en-US" dirty="0" err="1"/>
-              <a:t>val</a:t>
-            </a:r>
-            <a:r>
-              <a:rPr lang="en-US" dirty="0"/>
-              <a:t>(925)</a:t>
-            </a:r>
-            <a:endParaRPr lang="en-US" sz="1800" b="0" dirty="0">
-              <a:effectLst/>
-            </a:endParaRPr>
-          </a:p>
-          <a:p>
-            <a:pPr marL="285750" indent="-285750">
-              <a:buFont typeface="Arial" panose="020B0604020202020204" pitchFamily="34" charset="0"/>
-              <a:buChar char="•"/>
-            </a:pPr>
-            <a:endParaRPr lang="en-US" dirty="0"/>
-          </a:p>
-        </p:txBody>
-      </p:sp>
-      <p:pic>
-        <p:nvPicPr>
-          <p:cNvPr id="14" name="Picture 13">
-            <a:extLst>
-              <a:ext uri="{FF2B5EF4-FFF2-40B4-BE49-F238E27FC236}">
-                <a16:creationId xmlns:a16="http://schemas.microsoft.com/office/drawing/2014/main" id="{B6B8555E-543F-42E6-240A-282609C1AB30}"/>
-              </a:ext>
-            </a:extLst>
-          </p:cNvPr>
-          <p:cNvPicPr>
-            <a:picLocks noChangeAspect="1"/>
-          </p:cNvPicPr>
-          <p:nvPr/>
-        </p:nvPicPr>
-        <p:blipFill>
-          <a:blip r:embed="rId3"/>
-          <a:stretch>
-            <a:fillRect/>
-          </a:stretch>
-        </p:blipFill>
-        <p:spPr>
-          <a:xfrm>
-            <a:off x="7879990" y="4089318"/>
-            <a:ext cx="2955537" cy="2154682"/>
-          </a:xfrm>
-          <a:prstGeom prst="rect">
-            <a:avLst/>
-          </a:prstGeom>
-        </p:spPr>
-      </p:pic>
-    </p:spTree>
-    <p:extLst>
-      <p:ext uri="{BB962C8B-B14F-4D97-AF65-F5344CB8AC3E}">
-        <p14:creationId xmlns:p14="http://schemas.microsoft.com/office/powerpoint/2010/main" val="1507180346"/>
-      </p:ext>
-    </p:extLst>
-  </p:cSld>
-  <p:clrMapOvr>
-    <a:masterClrMapping/>
-  </p:clrMapOvr>
-</p:sld>
-</file>
-
 <file path=ppt/slides/slide5.xml><?xml version="1.0" encoding="utf-8"?>
 <p:sld xmlns:a="http://schemas.openxmlformats.org/drawingml/2006/main" xmlns:r="http://schemas.openxmlformats.org/officeDocument/2006/relationships" xmlns:p="http://schemas.openxmlformats.org/presentationml/2006/main">
   <p:cSld>

--- a/Homework-aAlphaBio.pptx
+++ b/Homework-aAlphaBio.pptx
@@ -9,42 +9,46 @@
     <p:sldId id="325" r:id="rId3"/>
     <p:sldId id="328" r:id="rId4"/>
     <p:sldId id="338" r:id="rId5"/>
-    <p:sldId id="350" r:id="rId6"/>
-    <p:sldId id="351" r:id="rId7"/>
-    <p:sldId id="333" r:id="rId8"/>
-    <p:sldId id="342" r:id="rId9"/>
-    <p:sldId id="336" r:id="rId10"/>
-    <p:sldId id="345" r:id="rId11"/>
-    <p:sldId id="344" r:id="rId12"/>
-    <p:sldId id="348" r:id="rId13"/>
-    <p:sldId id="343" r:id="rId14"/>
-    <p:sldId id="341" r:id="rId15"/>
-    <p:sldId id="356" r:id="rId16"/>
-    <p:sldId id="357" r:id="rId17"/>
-    <p:sldId id="346" r:id="rId18"/>
-    <p:sldId id="352" r:id="rId19"/>
-    <p:sldId id="320" r:id="rId20"/>
-    <p:sldId id="257" r:id="rId21"/>
-    <p:sldId id="322" r:id="rId22"/>
-    <p:sldId id="355" r:id="rId23"/>
-    <p:sldId id="258" r:id="rId24"/>
-    <p:sldId id="318" r:id="rId25"/>
-    <p:sldId id="321" r:id="rId26"/>
-    <p:sldId id="349" r:id="rId27"/>
-    <p:sldId id="353" r:id="rId28"/>
-    <p:sldId id="347" r:id="rId29"/>
-    <p:sldId id="334" r:id="rId30"/>
-    <p:sldId id="354" r:id="rId31"/>
-    <p:sldId id="339" r:id="rId32"/>
-    <p:sldId id="337" r:id="rId33"/>
-    <p:sldId id="330" r:id="rId34"/>
-    <p:sldId id="329" r:id="rId35"/>
-    <p:sldId id="331" r:id="rId36"/>
-    <p:sldId id="259" r:id="rId37"/>
-    <p:sldId id="260" r:id="rId38"/>
-    <p:sldId id="324" r:id="rId39"/>
-    <p:sldId id="261" r:id="rId40"/>
-    <p:sldId id="340" r:id="rId41"/>
+    <p:sldId id="361" r:id="rId6"/>
+    <p:sldId id="350" r:id="rId7"/>
+    <p:sldId id="351" r:id="rId8"/>
+    <p:sldId id="333" r:id="rId9"/>
+    <p:sldId id="342" r:id="rId10"/>
+    <p:sldId id="336" r:id="rId11"/>
+    <p:sldId id="345" r:id="rId12"/>
+    <p:sldId id="344" r:id="rId13"/>
+    <p:sldId id="348" r:id="rId14"/>
+    <p:sldId id="343" r:id="rId15"/>
+    <p:sldId id="341" r:id="rId16"/>
+    <p:sldId id="356" r:id="rId17"/>
+    <p:sldId id="357" r:id="rId18"/>
+    <p:sldId id="346" r:id="rId19"/>
+    <p:sldId id="358" r:id="rId20"/>
+    <p:sldId id="360" r:id="rId21"/>
+    <p:sldId id="359" r:id="rId22"/>
+    <p:sldId id="352" r:id="rId23"/>
+    <p:sldId id="320" r:id="rId24"/>
+    <p:sldId id="257" r:id="rId25"/>
+    <p:sldId id="322" r:id="rId26"/>
+    <p:sldId id="355" r:id="rId27"/>
+    <p:sldId id="258" r:id="rId28"/>
+    <p:sldId id="318" r:id="rId29"/>
+    <p:sldId id="321" r:id="rId30"/>
+    <p:sldId id="349" r:id="rId31"/>
+    <p:sldId id="353" r:id="rId32"/>
+    <p:sldId id="347" r:id="rId33"/>
+    <p:sldId id="334" r:id="rId34"/>
+    <p:sldId id="354" r:id="rId35"/>
+    <p:sldId id="339" r:id="rId36"/>
+    <p:sldId id="337" r:id="rId37"/>
+    <p:sldId id="330" r:id="rId38"/>
+    <p:sldId id="329" r:id="rId39"/>
+    <p:sldId id="331" r:id="rId40"/>
+    <p:sldId id="259" r:id="rId41"/>
+    <p:sldId id="260" r:id="rId42"/>
+    <p:sldId id="324" r:id="rId43"/>
+    <p:sldId id="261" r:id="rId44"/>
+    <p:sldId id="340" r:id="rId45"/>
   </p:sldIdLst>
   <p:sldSz cx="12192000" cy="6858000"/>
   <p:notesSz cx="6858000" cy="9144000"/>
@@ -3383,7 +3387,7 @@
         </p:nvSpPr>
         <p:spPr>
           <a:xfrm>
-            <a:off x="1524000" y="380127"/>
+            <a:off x="1325593" y="362874"/>
             <a:ext cx="9144000" cy="1174353"/>
           </a:xfrm>
         </p:spPr>
@@ -3418,8 +3422,8 @@
         </p:nvSpPr>
         <p:spPr>
           <a:xfrm>
-            <a:off x="1524000" y="1745806"/>
-            <a:ext cx="9144000" cy="860379"/>
+            <a:off x="1187570" y="1771685"/>
+            <a:ext cx="9144000" cy="436677"/>
           </a:xfrm>
         </p:spPr>
         <p:txBody>
@@ -3449,6 +3453,536 @@
 </file>
 
 <file path=ppt/slides/slide10.xml><?xml version="1.0" encoding="utf-8"?>
+<p:sld xmlns:a="http://schemas.openxmlformats.org/drawingml/2006/main" xmlns:r="http://schemas.openxmlformats.org/officeDocument/2006/relationships" xmlns:p="http://schemas.openxmlformats.org/presentationml/2006/main">
+  <p:cSld>
+    <p:spTree>
+      <p:nvGrpSpPr>
+        <p:cNvPr id="1" name=""/>
+        <p:cNvGrpSpPr/>
+        <p:nvPr/>
+      </p:nvGrpSpPr>
+      <p:grpSpPr>
+        <a:xfrm>
+          <a:off x="0" y="0"/>
+          <a:ext cx="0" cy="0"/>
+          <a:chOff x="0" y="0"/>
+          <a:chExt cx="0" cy="0"/>
+        </a:xfrm>
+      </p:grpSpPr>
+      <p:pic>
+        <p:nvPicPr>
+          <p:cNvPr id="2" name="Picture 1">
+            <a:extLst>
+              <a:ext uri="{FF2B5EF4-FFF2-40B4-BE49-F238E27FC236}">
+                <a16:creationId xmlns:a16="http://schemas.microsoft.com/office/drawing/2014/main" id="{13D72AEF-BCEE-0137-2692-6CE2806A8BD0}"/>
+              </a:ext>
+            </a:extLst>
+          </p:cNvPr>
+          <p:cNvPicPr>
+            <a:picLocks noChangeAspect="1"/>
+          </p:cNvPicPr>
+          <p:nvPr/>
+        </p:nvPicPr>
+        <p:blipFill>
+          <a:blip r:embed="rId2"/>
+          <a:stretch>
+            <a:fillRect/>
+          </a:stretch>
+        </p:blipFill>
+        <p:spPr>
+          <a:xfrm>
+            <a:off x="729622" y="4521835"/>
+            <a:ext cx="1910062" cy="1900879"/>
+          </a:xfrm>
+          <a:prstGeom prst="rect">
+            <a:avLst/>
+          </a:prstGeom>
+        </p:spPr>
+      </p:pic>
+      <p:sp>
+        <p:nvSpPr>
+          <p:cNvPr id="7" name="TextBox 6">
+            <a:extLst>
+              <a:ext uri="{FF2B5EF4-FFF2-40B4-BE49-F238E27FC236}">
+                <a16:creationId xmlns:a16="http://schemas.microsoft.com/office/drawing/2014/main" id="{B46F76B6-E938-FE65-CE90-2F5BDE5886EB}"/>
+              </a:ext>
+            </a:extLst>
+          </p:cNvPr>
+          <p:cNvSpPr txBox="1"/>
+          <p:nvPr/>
+        </p:nvSpPr>
+        <p:spPr>
+          <a:xfrm>
+            <a:off x="640464" y="665975"/>
+            <a:ext cx="5242333" cy="369332"/>
+          </a:xfrm>
+          <a:prstGeom prst="rect">
+            <a:avLst/>
+          </a:prstGeom>
+          <a:noFill/>
+        </p:spPr>
+        <p:txBody>
+          <a:bodyPr wrap="none" rtlCol="0">
+            <a:spAutoFit/>
+          </a:bodyPr>
+          <a:lstStyle/>
+          <a:p>
+            <a:r>
+              <a:rPr lang="en-US" dirty="0"/>
+              <a:t>Convert the </a:t>
+            </a:r>
+            <a:r>
+              <a:rPr lang="en-US" dirty="0" err="1"/>
+              <a:t>scFv</a:t>
+            </a:r>
+            <a:r>
+              <a:rPr lang="en-US" dirty="0"/>
+              <a:t> sequences into 1-channel images</a:t>
+            </a:r>
+          </a:p>
+        </p:txBody>
+      </p:sp>
+      <p:grpSp>
+        <p:nvGrpSpPr>
+          <p:cNvPr id="28" name="Group 27">
+            <a:extLst>
+              <a:ext uri="{FF2B5EF4-FFF2-40B4-BE49-F238E27FC236}">
+                <a16:creationId xmlns:a16="http://schemas.microsoft.com/office/drawing/2014/main" id="{46D3CCCE-10BB-A7F0-E847-F3B504E206F7}"/>
+              </a:ext>
+            </a:extLst>
+          </p:cNvPr>
+          <p:cNvGrpSpPr/>
+          <p:nvPr/>
+        </p:nvGrpSpPr>
+        <p:grpSpPr>
+          <a:xfrm>
+            <a:off x="1389781" y="1500998"/>
+            <a:ext cx="9213091" cy="1751514"/>
+            <a:chOff x="1389781" y="992037"/>
+            <a:chExt cx="9213091" cy="1751514"/>
+          </a:xfrm>
+        </p:grpSpPr>
+        <p:sp>
+          <p:nvSpPr>
+            <p:cNvPr id="3" name="TextBox 2">
+              <a:extLst>
+                <a:ext uri="{FF2B5EF4-FFF2-40B4-BE49-F238E27FC236}">
+                  <a16:creationId xmlns:a16="http://schemas.microsoft.com/office/drawing/2014/main" id="{E9FDD25F-6501-8CA5-89EF-C711D6688400}"/>
+                </a:ext>
+              </a:extLst>
+            </p:cNvPr>
+            <p:cNvSpPr txBox="1"/>
+            <p:nvPr/>
+          </p:nvSpPr>
+          <p:spPr>
+            <a:xfrm>
+              <a:off x="1389781" y="992038"/>
+              <a:ext cx="4234942" cy="369332"/>
+            </a:xfrm>
+            <a:prstGeom prst="rect">
+              <a:avLst/>
+            </a:prstGeom>
+            <a:noFill/>
+          </p:spPr>
+          <p:txBody>
+            <a:bodyPr wrap="none" rtlCol="0">
+              <a:spAutoFit/>
+            </a:bodyPr>
+            <a:lstStyle/>
+            <a:p>
+              <a:r>
+                <a:rPr lang="en-US" dirty="0"/>
+                <a:t>aa sequence: </a:t>
+              </a:r>
+              <a:r>
+                <a:rPr lang="en-US" b="0" i="0" dirty="0">
+                  <a:effectLst/>
+                </a:rPr>
+                <a:t> ['CLS', 'Q', 'V', 'Q', 'L', 'V', ‘Q]</a:t>
+              </a:r>
+              <a:endParaRPr lang="en-US" dirty="0"/>
+            </a:p>
+          </p:txBody>
+        </p:sp>
+        <p:sp>
+          <p:nvSpPr>
+            <p:cNvPr id="5" name="TextBox 4">
+              <a:extLst>
+                <a:ext uri="{FF2B5EF4-FFF2-40B4-BE49-F238E27FC236}">
+                  <a16:creationId xmlns:a16="http://schemas.microsoft.com/office/drawing/2014/main" id="{155D5DCD-DEEC-39C6-6802-35236D434F1B}"/>
+                </a:ext>
+              </a:extLst>
+            </p:cNvPr>
+            <p:cNvSpPr txBox="1"/>
+            <p:nvPr/>
+          </p:nvSpPr>
+          <p:spPr>
+            <a:xfrm>
+              <a:off x="1389781" y="1683491"/>
+              <a:ext cx="3746538" cy="369332"/>
+            </a:xfrm>
+            <a:prstGeom prst="rect">
+              <a:avLst/>
+            </a:prstGeom>
+            <a:noFill/>
+          </p:spPr>
+          <p:txBody>
+            <a:bodyPr wrap="none" rtlCol="0">
+              <a:spAutoFit/>
+            </a:bodyPr>
+            <a:lstStyle/>
+            <a:p>
+              <a:r>
+                <a:rPr lang="en-US" dirty="0"/>
+                <a:t>encoded: </a:t>
+              </a:r>
+              <a:r>
+                <a:rPr lang="en-US" b="0" i="0" dirty="0">
+                  <a:effectLst/>
+                </a:rPr>
+                <a:t>[ 0, 14, 18, 14, 10, 18, 14]</a:t>
+              </a:r>
+              <a:endParaRPr lang="en-US" dirty="0"/>
+            </a:p>
+          </p:txBody>
+        </p:sp>
+        <p:sp>
+          <p:nvSpPr>
+            <p:cNvPr id="6" name="TextBox 5">
+              <a:extLst>
+                <a:ext uri="{FF2B5EF4-FFF2-40B4-BE49-F238E27FC236}">
+                  <a16:creationId xmlns:a16="http://schemas.microsoft.com/office/drawing/2014/main" id="{0FBB4CDD-25CA-0CF2-05D8-0166E2F0CA55}"/>
+                </a:ext>
+              </a:extLst>
+            </p:cNvPr>
+            <p:cNvSpPr txBox="1"/>
+            <p:nvPr/>
+          </p:nvSpPr>
+          <p:spPr>
+            <a:xfrm>
+              <a:off x="1389781" y="2374219"/>
+              <a:ext cx="6900351" cy="369332"/>
+            </a:xfrm>
+            <a:prstGeom prst="rect">
+              <a:avLst/>
+            </a:prstGeom>
+            <a:noFill/>
+          </p:spPr>
+          <p:txBody>
+            <a:bodyPr wrap="none" rtlCol="0">
+              <a:spAutoFit/>
+            </a:bodyPr>
+            <a:lstStyle/>
+            <a:p>
+              <a:r>
+                <a:rPr lang="en-US" b="0" i="0" dirty="0">
+                  <a:effectLst/>
+                </a:rPr>
+                <a:t>binary: [00000000000011010001001000…]    (using 8-bits per token)</a:t>
+              </a:r>
+              <a:endParaRPr lang="en-US" dirty="0"/>
+            </a:p>
+          </p:txBody>
+        </p:sp>
+        <p:cxnSp>
+          <p:nvCxnSpPr>
+            <p:cNvPr id="9" name="Curved Connector 8">
+              <a:extLst>
+                <a:ext uri="{FF2B5EF4-FFF2-40B4-BE49-F238E27FC236}">
+                  <a16:creationId xmlns:a16="http://schemas.microsoft.com/office/drawing/2014/main" id="{82820658-53FA-DD3B-39DC-7302B329DA04}"/>
+                </a:ext>
+              </a:extLst>
+            </p:cNvPr>
+            <p:cNvCxnSpPr>
+              <a:cxnSpLocks/>
+              <a:stCxn id="3" idx="1"/>
+              <a:endCxn id="5" idx="1"/>
+            </p:cNvCxnSpPr>
+            <p:nvPr/>
+          </p:nvCxnSpPr>
+          <p:spPr>
+            <a:xfrm rot="10800000" flipV="1">
+              <a:off x="1389781" y="1176703"/>
+              <a:ext cx="12700" cy="691453"/>
+            </a:xfrm>
+            <a:prstGeom prst="curvedConnector3">
+              <a:avLst>
+                <a:gd name="adj1" fmla="val 1800000"/>
+              </a:avLst>
+            </a:prstGeom>
+            <a:ln>
+              <a:tailEnd type="triangle" w="lg" len="lg"/>
+            </a:ln>
+          </p:spPr>
+          <p:style>
+            <a:lnRef idx="2">
+              <a:schemeClr val="accent1"/>
+            </a:lnRef>
+            <a:fillRef idx="0">
+              <a:schemeClr val="accent1"/>
+            </a:fillRef>
+            <a:effectRef idx="1">
+              <a:schemeClr val="accent1"/>
+            </a:effectRef>
+            <a:fontRef idx="minor">
+              <a:schemeClr val="tx1"/>
+            </a:fontRef>
+          </p:style>
+        </p:cxnSp>
+        <p:cxnSp>
+          <p:nvCxnSpPr>
+            <p:cNvPr id="11" name="Curved Connector 10">
+              <a:extLst>
+                <a:ext uri="{FF2B5EF4-FFF2-40B4-BE49-F238E27FC236}">
+                  <a16:creationId xmlns:a16="http://schemas.microsoft.com/office/drawing/2014/main" id="{75342AFA-FBFA-F9AD-8AC3-B9BAB0848A16}"/>
+                </a:ext>
+              </a:extLst>
+            </p:cNvPr>
+            <p:cNvCxnSpPr>
+              <a:cxnSpLocks/>
+              <a:stCxn id="5" idx="1"/>
+              <a:endCxn id="6" idx="1"/>
+            </p:cNvCxnSpPr>
+            <p:nvPr/>
+          </p:nvCxnSpPr>
+          <p:spPr>
+            <a:xfrm rot="10800000" flipV="1">
+              <a:off x="1389781" y="1868157"/>
+              <a:ext cx="12700" cy="690728"/>
+            </a:xfrm>
+            <a:prstGeom prst="curvedConnector3">
+              <a:avLst>
+                <a:gd name="adj1" fmla="val 1800000"/>
+              </a:avLst>
+            </a:prstGeom>
+            <a:ln>
+              <a:tailEnd type="triangle" w="lg" len="lg"/>
+            </a:ln>
+          </p:spPr>
+          <p:style>
+            <a:lnRef idx="2">
+              <a:schemeClr val="accent1"/>
+            </a:lnRef>
+            <a:fillRef idx="0">
+              <a:schemeClr val="accent1"/>
+            </a:fillRef>
+            <a:effectRef idx="1">
+              <a:schemeClr val="accent1"/>
+            </a:effectRef>
+            <a:fontRef idx="minor">
+              <a:schemeClr val="tx1"/>
+            </a:fontRef>
+          </p:style>
+        </p:cxnSp>
+        <p:sp>
+          <p:nvSpPr>
+            <p:cNvPr id="15" name="TextBox 14">
+              <a:extLst>
+                <a:ext uri="{FF2B5EF4-FFF2-40B4-BE49-F238E27FC236}">
+                  <a16:creationId xmlns:a16="http://schemas.microsoft.com/office/drawing/2014/main" id="{49C96ADA-8EDD-82DB-6425-07FC116B3FCD}"/>
+                </a:ext>
+              </a:extLst>
+            </p:cNvPr>
+            <p:cNvSpPr txBox="1"/>
+            <p:nvPr/>
+          </p:nvSpPr>
+          <p:spPr>
+            <a:xfrm>
+              <a:off x="5815856" y="992037"/>
+              <a:ext cx="4787016" cy="369332"/>
+            </a:xfrm>
+            <a:prstGeom prst="rect">
+              <a:avLst/>
+            </a:prstGeom>
+            <a:noFill/>
+          </p:spPr>
+          <p:txBody>
+            <a:bodyPr wrap="none" rtlCol="0">
+              <a:spAutoFit/>
+            </a:bodyPr>
+            <a:lstStyle/>
+            <a:p>
+              <a:r>
+                <a:rPr lang="en-US" dirty="0"/>
+                <a:t>(use </a:t>
+              </a:r>
+              <a:r>
+                <a:rPr lang="en-US" dirty="0" err="1"/>
+                <a:t>block_size</a:t>
+              </a:r>
+              <a:r>
+                <a:rPr lang="en-US" dirty="0"/>
+                <a:t> = 241 (drop the last 5 residues)</a:t>
+              </a:r>
+            </a:p>
+          </p:txBody>
+        </p:sp>
+      </p:grpSp>
+      <p:cxnSp>
+        <p:nvCxnSpPr>
+          <p:cNvPr id="20" name="Straight Arrow Connector 19">
+            <a:extLst>
+              <a:ext uri="{FF2B5EF4-FFF2-40B4-BE49-F238E27FC236}">
+                <a16:creationId xmlns:a16="http://schemas.microsoft.com/office/drawing/2014/main" id="{33F2553E-D858-87E9-D35A-54F54488FDCF}"/>
+              </a:ext>
+            </a:extLst>
+          </p:cNvPr>
+          <p:cNvCxnSpPr>
+            <a:cxnSpLocks/>
+            <a:endCxn id="2" idx="0"/>
+          </p:cNvCxnSpPr>
+          <p:nvPr/>
+        </p:nvCxnSpPr>
+        <p:spPr>
+          <a:xfrm>
+            <a:off x="1684653" y="3252512"/>
+            <a:ext cx="0" cy="1269323"/>
+          </a:xfrm>
+          <a:prstGeom prst="straightConnector1">
+            <a:avLst/>
+          </a:prstGeom>
+          <a:ln w="31750">
+            <a:tailEnd type="triangle"/>
+          </a:ln>
+        </p:spPr>
+        <p:style>
+          <a:lnRef idx="2">
+            <a:schemeClr val="accent1"/>
+          </a:lnRef>
+          <a:fillRef idx="0">
+            <a:schemeClr val="accent1"/>
+          </a:fillRef>
+          <a:effectRef idx="1">
+            <a:schemeClr val="accent1"/>
+          </a:effectRef>
+          <a:fontRef idx="minor">
+            <a:schemeClr val="tx1"/>
+          </a:fontRef>
+        </p:style>
+      </p:cxnSp>
+      <p:sp>
+        <p:nvSpPr>
+          <p:cNvPr id="24" name="TextBox 23">
+            <a:extLst>
+              <a:ext uri="{FF2B5EF4-FFF2-40B4-BE49-F238E27FC236}">
+                <a16:creationId xmlns:a16="http://schemas.microsoft.com/office/drawing/2014/main" id="{B26A3E11-8473-4A37-4C69-7B241757DAF2}"/>
+              </a:ext>
+            </a:extLst>
+          </p:cNvPr>
+          <p:cNvSpPr txBox="1"/>
+          <p:nvPr/>
+        </p:nvSpPr>
+        <p:spPr>
+          <a:xfrm>
+            <a:off x="1839927" y="3686811"/>
+            <a:ext cx="5412700" cy="369332"/>
+          </a:xfrm>
+          <a:prstGeom prst="rect">
+            <a:avLst/>
+          </a:prstGeom>
+          <a:noFill/>
+        </p:spPr>
+        <p:txBody>
+          <a:bodyPr wrap="none" rtlCol="0">
+            <a:spAutoFit/>
+          </a:bodyPr>
+          <a:lstStyle/>
+          <a:p>
+            <a:r>
+              <a:rPr lang="en-US" dirty="0"/>
+              <a:t>reshape: (1,44,44) </a:t>
+            </a:r>
+            <a:r>
+              <a:rPr lang="en-US" sz="1400" dirty="0"/>
+              <a:t>(after trimming off trailing 4 bits from above)</a:t>
+            </a:r>
+          </a:p>
+        </p:txBody>
+      </p:sp>
+      <p:sp>
+        <p:nvSpPr>
+          <p:cNvPr id="26" name="TextBox 25">
+            <a:extLst>
+              <a:ext uri="{FF2B5EF4-FFF2-40B4-BE49-F238E27FC236}">
+                <a16:creationId xmlns:a16="http://schemas.microsoft.com/office/drawing/2014/main" id="{6C423AA7-8846-61D8-5D84-61D9DFC52729}"/>
+              </a:ext>
+            </a:extLst>
+          </p:cNvPr>
+          <p:cNvSpPr txBox="1"/>
+          <p:nvPr/>
+        </p:nvSpPr>
+        <p:spPr>
+          <a:xfrm>
+            <a:off x="2835492" y="5172335"/>
+            <a:ext cx="5472075" cy="369332"/>
+          </a:xfrm>
+          <a:prstGeom prst="rect">
+            <a:avLst/>
+          </a:prstGeom>
+          <a:noFill/>
+        </p:spPr>
+        <p:txBody>
+          <a:bodyPr wrap="none" rtlCol="0">
+            <a:spAutoFit/>
+          </a:bodyPr>
+          <a:lstStyle/>
+          <a:p>
+            <a:r>
+              <a:rPr lang="en-US" dirty="0"/>
+              <a:t>Vision Transformer regression model on these images</a:t>
+            </a:r>
+          </a:p>
+        </p:txBody>
+      </p:sp>
+      <p:sp>
+        <p:nvSpPr>
+          <p:cNvPr id="29" name="TextBox 28">
+            <a:extLst>
+              <a:ext uri="{FF2B5EF4-FFF2-40B4-BE49-F238E27FC236}">
+                <a16:creationId xmlns:a16="http://schemas.microsoft.com/office/drawing/2014/main" id="{036B47F0-B1B5-5A30-CC20-8AD75B5B40CA}"/>
+              </a:ext>
+            </a:extLst>
+          </p:cNvPr>
+          <p:cNvSpPr txBox="1"/>
+          <p:nvPr/>
+        </p:nvSpPr>
+        <p:spPr>
+          <a:xfrm>
+            <a:off x="173866" y="154242"/>
+            <a:ext cx="2661626" cy="461665"/>
+          </a:xfrm>
+          <a:prstGeom prst="rect">
+            <a:avLst/>
+          </a:prstGeom>
+          <a:noFill/>
+        </p:spPr>
+        <p:txBody>
+          <a:bodyPr wrap="none" rtlCol="0">
+            <a:spAutoFit/>
+          </a:bodyPr>
+          <a:lstStyle/>
+          <a:p>
+            <a:r>
+              <a:rPr lang="en-US" sz="2400" dirty="0"/>
+              <a:t>Vision Transformer</a:t>
+            </a:r>
+          </a:p>
+        </p:txBody>
+      </p:sp>
+    </p:spTree>
+    <p:extLst>
+      <p:ext uri="{BB962C8B-B14F-4D97-AF65-F5344CB8AC3E}">
+        <p14:creationId xmlns:p14="http://schemas.microsoft.com/office/powerpoint/2010/main" val="658684484"/>
+      </p:ext>
+    </p:extLst>
+  </p:cSld>
+  <p:clrMapOvr>
+    <a:masterClrMapping/>
+  </p:clrMapOvr>
+</p:sld>
+</file>
+
+<file path=ppt/slides/slide11.xml><?xml version="1.0" encoding="utf-8"?>
 <p:sld xmlns:a="http://schemas.openxmlformats.org/drawingml/2006/main" xmlns:r="http://schemas.openxmlformats.org/officeDocument/2006/relationships" xmlns:p="http://schemas.openxmlformats.org/presentationml/2006/main">
   <p:cSld>
     <p:spTree>
@@ -3652,8 +4186,8 @@
         </p:nvSpPr>
         <p:spPr>
           <a:xfrm>
-            <a:off x="6096000" y="3465989"/>
-            <a:ext cx="1529906" cy="923330"/>
+            <a:off x="6060733" y="3465989"/>
+            <a:ext cx="1600438" cy="923330"/>
           </a:xfrm>
           <a:prstGeom prst="rect">
             <a:avLst/>
@@ -3686,7 +4220,11 @@
               <a:rPr lang="en-US" dirty="0" err="1"/>
               <a:t>freq</a:t>
             </a:r>
-            <a:endParaRPr lang="en-US" dirty="0"/>
+            <a:r>
+              <a:rPr lang="en-US" b="1" baseline="30000" dirty="0"/>
+              <a:t>*</a:t>
+            </a:r>
+            <a:endParaRPr lang="en-US" b="1" dirty="0"/>
           </a:p>
         </p:txBody>
       </p:sp>
@@ -3815,7 +4353,7 @@
         </p:blipFill>
         <p:spPr>
           <a:xfrm>
-            <a:off x="5446337" y="4481653"/>
+            <a:off x="5506719" y="4481653"/>
             <a:ext cx="3060409" cy="2031324"/>
           </a:xfrm>
           <a:prstGeom prst="rect">
@@ -3888,6 +4426,45 @@
           </a:p>
         </p:txBody>
       </p:sp>
+      <p:sp>
+        <p:nvSpPr>
+          <p:cNvPr id="19" name="TextBox 18">
+            <a:extLst>
+              <a:ext uri="{FF2B5EF4-FFF2-40B4-BE49-F238E27FC236}">
+                <a16:creationId xmlns:a16="http://schemas.microsoft.com/office/drawing/2014/main" id="{AE0DFB1A-1D6D-7194-1F79-869DADCC15F0}"/>
+              </a:ext>
+            </a:extLst>
+          </p:cNvPr>
+          <p:cNvSpPr txBox="1"/>
+          <p:nvPr/>
+        </p:nvSpPr>
+        <p:spPr>
+          <a:xfrm>
+            <a:off x="8325591" y="6374477"/>
+            <a:ext cx="3722879" cy="338554"/>
+          </a:xfrm>
+          <a:prstGeom prst="rect">
+            <a:avLst/>
+          </a:prstGeom>
+          <a:noFill/>
+        </p:spPr>
+        <p:txBody>
+          <a:bodyPr wrap="none" rtlCol="0">
+            <a:spAutoFit/>
+          </a:bodyPr>
+          <a:lstStyle/>
+          <a:p>
+            <a:r>
+              <a:rPr lang="en-US" sz="1600" b="1" dirty="0"/>
+              <a:t>*</a:t>
+            </a:r>
+            <a:r>
+              <a:rPr lang="en-US" sz="1200" dirty="0"/>
+              <a:t> relative variability by position over the entire dataset</a:t>
+            </a:r>
+          </a:p>
+        </p:txBody>
+      </p:sp>
     </p:spTree>
     <p:extLst>
       <p:ext uri="{BB962C8B-B14F-4D97-AF65-F5344CB8AC3E}">
@@ -3901,7 +4478,7 @@
 </p:sld>
 </file>
 
-<file path=ppt/slides/slide11.xml><?xml version="1.0" encoding="utf-8"?>
+<file path=ppt/slides/slide12.xml><?xml version="1.0" encoding="utf-8"?>
 <p:sld xmlns:a="http://schemas.openxmlformats.org/drawingml/2006/main" xmlns:r="http://schemas.openxmlformats.org/officeDocument/2006/relationships" xmlns:p="http://schemas.openxmlformats.org/presentationml/2006/main">
   <p:cSld>
     <p:spTree>
@@ -4180,7 +4757,7 @@
 </p:sld>
 </file>
 
-<file path=ppt/slides/slide12.xml><?xml version="1.0" encoding="utf-8"?>
+<file path=ppt/slides/slide13.xml><?xml version="1.0" encoding="utf-8"?>
 <p:sld xmlns:a="http://schemas.openxmlformats.org/drawingml/2006/main" xmlns:r="http://schemas.openxmlformats.org/officeDocument/2006/relationships" xmlns:p="http://schemas.openxmlformats.org/presentationml/2006/main">
   <p:cSld>
     <p:spTree>
@@ -4311,7 +4888,7 @@
 </p:sld>
 </file>
 
-<file path=ppt/slides/slide13.xml><?xml version="1.0" encoding="utf-8"?>
+<file path=ppt/slides/slide14.xml><?xml version="1.0" encoding="utf-8"?>
 <p:sld xmlns:a="http://schemas.openxmlformats.org/drawingml/2006/main" xmlns:r="http://schemas.openxmlformats.org/officeDocument/2006/relationships" xmlns:p="http://schemas.openxmlformats.org/presentationml/2006/main">
   <p:cSld>
     <p:spTree>
@@ -5328,7 +5905,7 @@
 </p:sld>
 </file>
 
-<file path=ppt/slides/slide14.xml><?xml version="1.0" encoding="utf-8"?>
+<file path=ppt/slides/slide15.xml><?xml version="1.0" encoding="utf-8"?>
 <p:sld xmlns:a="http://schemas.openxmlformats.org/drawingml/2006/main" xmlns:r="http://schemas.openxmlformats.org/officeDocument/2006/relationships" xmlns:p="http://schemas.openxmlformats.org/presentationml/2006/main">
   <p:cSld>
     <p:spTree>
@@ -5395,14 +5972,14 @@
           <p:nvPr>
             <p:extLst>
               <p:ext uri="{D42A27DB-BD31-4B8C-83A1-F6EECF244321}">
-                <p14:modId xmlns:p14="http://schemas.microsoft.com/office/powerpoint/2010/main" val="354233810"/>
+                <p14:modId xmlns:p14="http://schemas.microsoft.com/office/powerpoint/2010/main" val="769678155"/>
               </p:ext>
             </p:extLst>
           </p:nvPr>
         </p:nvGraphicFramePr>
         <p:xfrm>
           <a:off x="611070" y="1096508"/>
-          <a:ext cx="10711440" cy="3487475"/>
+          <a:ext cx="10711440" cy="3463802"/>
         </p:xfrm>
         <a:graphic>
           <a:graphicData uri="http://schemas.openxmlformats.org/drawingml/2006/table">
@@ -5849,10 +6426,7 @@
                         <a:tabLst/>
                         <a:defRPr/>
                       </a:pPr>
-                      <a:r>
-                        <a:rPr lang="en-US" sz="1400" dirty="0"/>
-                        <a:t>no sequence regularization</a:t>
-                      </a:r>
+                      <a:endParaRPr lang="en-US" sz="1400" dirty="0"/>
                     </a:p>
                   </a:txBody>
                   <a:tcPr anchor="ctr"/>
@@ -6782,7 +7356,7 @@
             </a:pPr>
             <a:r>
               <a:rPr lang="en-US" sz="1400" dirty="0"/>
-              <a:t>I generally stopped when training had plateaued for ~100 epochs with respect to improved validation loss</a:t>
+              <a:t>I generally stopped when training had plateaued for &gt;100 epochs with respect to improved validation loss</a:t>
             </a:r>
           </a:p>
         </p:txBody>
@@ -6800,7 +7374,7 @@
 </p:sld>
 </file>
 
-<file path=ppt/slides/slide15.xml><?xml version="1.0" encoding="utf-8"?>
+<file path=ppt/slides/slide16.xml><?xml version="1.0" encoding="utf-8"?>
 <p:sld xmlns:a="http://schemas.openxmlformats.org/drawingml/2006/main" xmlns:r="http://schemas.openxmlformats.org/officeDocument/2006/relationships" xmlns:p="http://schemas.openxmlformats.org/presentationml/2006/main">
   <p:cSld>
     <p:spTree>
@@ -7190,7 +7764,7 @@
 </p:sld>
 </file>
 
-<file path=ppt/slides/slide16.xml><?xml version="1.0" encoding="utf-8"?>
+<file path=ppt/slides/slide17.xml><?xml version="1.0" encoding="utf-8"?>
 <p:sld xmlns:a="http://schemas.openxmlformats.org/drawingml/2006/main" xmlns:r="http://schemas.openxmlformats.org/officeDocument/2006/relationships" xmlns:p="http://schemas.openxmlformats.org/presentationml/2006/main">
   <p:cSld>
     <p:spTree>
@@ -7263,7 +7837,7 @@
 </p:sld>
 </file>
 
-<file path=ppt/slides/slide17.xml><?xml version="1.0" encoding="utf-8"?>
+<file path=ppt/slides/slide18.xml><?xml version="1.0" encoding="utf-8"?>
 <p:sld xmlns:a="http://schemas.openxmlformats.org/drawingml/2006/main" xmlns:r="http://schemas.openxmlformats.org/officeDocument/2006/relationships" xmlns:p="http://schemas.openxmlformats.org/presentationml/2006/main">
   <p:cSld>
     <p:spTree>
@@ -7295,7 +7869,7 @@
         <p:spPr>
           <a:xfrm>
             <a:off x="6918808" y="1224951"/>
-            <a:ext cx="3366471" cy="543464"/>
+            <a:ext cx="3448030" cy="543464"/>
           </a:xfrm>
           <a:prstGeom prst="rect">
             <a:avLst/>
@@ -7353,7 +7927,7 @@
         <p:spPr>
           <a:xfrm>
             <a:off x="136762" y="204349"/>
-            <a:ext cx="4468724" cy="461665"/>
+            <a:ext cx="4621009" cy="461665"/>
           </a:xfrm>
           <a:prstGeom prst="rect">
             <a:avLst/>
@@ -7682,7 +8256,7 @@
               <a:rPr lang="en-US" sz="1600" b="0" dirty="0">
                 <a:effectLst/>
               </a:rPr>
-              <a:t>t-SNE plots are not usually definitive, but are merely suggestive</a:t>
+              <a:t>t-SNE plots are not usually definitive, but are merely suggestive…</a:t>
             </a:r>
           </a:p>
         </p:txBody>
@@ -7788,48 +8362,6 @@
                 </a:highlight>
               </a:rPr>
               <a:t> this out??</a:t>
-            </a:r>
-          </a:p>
-        </p:txBody>
-      </p:sp>
-      <p:sp>
-        <p:nvSpPr>
-          <p:cNvPr id="24" name="TextBox 23">
-            <a:extLst>
-              <a:ext uri="{FF2B5EF4-FFF2-40B4-BE49-F238E27FC236}">
-                <a16:creationId xmlns:a16="http://schemas.microsoft.com/office/drawing/2014/main" id="{D9808841-543A-8743-3B05-B9C1589F2FC9}"/>
-              </a:ext>
-            </a:extLst>
-          </p:cNvPr>
-          <p:cNvSpPr txBox="1"/>
-          <p:nvPr/>
-        </p:nvSpPr>
-        <p:spPr>
-          <a:xfrm>
-            <a:off x="8186468" y="5719313"/>
-            <a:ext cx="2991716" cy="369332"/>
-          </a:xfrm>
-          <a:prstGeom prst="rect">
-            <a:avLst/>
-          </a:prstGeom>
-          <a:noFill/>
-        </p:spPr>
-        <p:txBody>
-          <a:bodyPr wrap="none" rtlCol="0">
-            <a:spAutoFit/>
-          </a:bodyPr>
-          <a:lstStyle/>
-          <a:p>
-            <a:r>
-              <a:rPr lang="en-US" dirty="0">
-                <a:solidFill>
-                  <a:srgbClr val="FF0000"/>
-                </a:solidFill>
-                <a:highlight>
-                  <a:srgbClr val="FFFF00"/>
-                </a:highlight>
-              </a:rPr>
-              <a:t>TODO: use aa group as label</a:t>
             </a:r>
           </a:p>
         </p:txBody>
@@ -7952,8 +8484,8 @@
         </p:nvSpPr>
         <p:spPr>
           <a:xfrm>
-            <a:off x="7490915" y="6375288"/>
-            <a:ext cx="4382821" cy="400110"/>
+            <a:off x="7465036" y="6036734"/>
+            <a:ext cx="4382821" cy="615553"/>
           </a:xfrm>
           <a:prstGeom prst="rect">
             <a:avLst/>
@@ -7967,8 +8499,12 @@
           <a:lstStyle/>
           <a:p>
             <a:r>
+              <a:rPr lang="en-US" sz="1400" dirty="0"/>
+              <a:t>*</a:t>
+            </a:r>
+            <a:r>
               <a:rPr lang="en-US" sz="1000" dirty="0"/>
-              <a:t>* I should have left the CLS token out when constructing sequences since they are duplicated in the model by the regression token</a:t>
+              <a:t> I should have left the CLS token out when constructing sequences since they are duplicated in the model by the regression token.  (It was a holdover from my BERT mask-language-model dataset)</a:t>
             </a:r>
           </a:p>
         </p:txBody>
@@ -7977,112 +8513,6 @@
     <p:extLst>
       <p:ext uri="{BB962C8B-B14F-4D97-AF65-F5344CB8AC3E}">
         <p14:creationId xmlns:p14="http://schemas.microsoft.com/office/powerpoint/2010/main" val="3358689536"/>
-      </p:ext>
-    </p:extLst>
-  </p:cSld>
-  <p:clrMapOvr>
-    <a:masterClrMapping/>
-  </p:clrMapOvr>
-</p:sld>
-</file>
-
-<file path=ppt/slides/slide18.xml><?xml version="1.0" encoding="utf-8"?>
-<p:sld xmlns:a="http://schemas.openxmlformats.org/drawingml/2006/main" xmlns:r="http://schemas.openxmlformats.org/officeDocument/2006/relationships" xmlns:p="http://schemas.openxmlformats.org/presentationml/2006/main">
-  <p:cSld>
-    <p:spTree>
-      <p:nvGrpSpPr>
-        <p:cNvPr id="1" name=""/>
-        <p:cNvGrpSpPr/>
-        <p:nvPr/>
-      </p:nvGrpSpPr>
-      <p:grpSpPr>
-        <a:xfrm>
-          <a:off x="0" y="0"/>
-          <a:ext cx="0" cy="0"/>
-          <a:chOff x="0" y="0"/>
-          <a:chExt cx="0" cy="0"/>
-        </a:xfrm>
-      </p:grpSpPr>
-      <p:sp>
-        <p:nvSpPr>
-          <p:cNvPr id="2" name="TextBox 1">
-            <a:extLst>
-              <a:ext uri="{FF2B5EF4-FFF2-40B4-BE49-F238E27FC236}">
-                <a16:creationId xmlns:a16="http://schemas.microsoft.com/office/drawing/2014/main" id="{D76C9D15-9982-284B-95FD-545534D2B137}"/>
-              </a:ext>
-            </a:extLst>
-          </p:cNvPr>
-          <p:cNvSpPr txBox="1"/>
-          <p:nvPr/>
-        </p:nvSpPr>
-        <p:spPr>
-          <a:xfrm>
-            <a:off x="4080474" y="2585241"/>
-            <a:ext cx="3737754" cy="646331"/>
-          </a:xfrm>
-          <a:prstGeom prst="rect">
-            <a:avLst/>
-          </a:prstGeom>
-          <a:noFill/>
-        </p:spPr>
-        <p:txBody>
-          <a:bodyPr wrap="none" rtlCol="0">
-            <a:spAutoFit/>
-          </a:bodyPr>
-          <a:lstStyle/>
-          <a:p>
-            <a:r>
-              <a:rPr lang="en-US" sz="3600" dirty="0"/>
-              <a:t>Appendix 1:  BERT</a:t>
-            </a:r>
-          </a:p>
-        </p:txBody>
-      </p:sp>
-      <p:sp>
-        <p:nvSpPr>
-          <p:cNvPr id="3" name="TextBox 2">
-            <a:extLst>
-              <a:ext uri="{FF2B5EF4-FFF2-40B4-BE49-F238E27FC236}">
-                <a16:creationId xmlns:a16="http://schemas.microsoft.com/office/drawing/2014/main" id="{8B430510-D086-6521-A4AF-74E7DCA885E2}"/>
-              </a:ext>
-            </a:extLst>
-          </p:cNvPr>
-          <p:cNvSpPr txBox="1"/>
-          <p:nvPr/>
-        </p:nvSpPr>
-        <p:spPr>
-          <a:xfrm>
-            <a:off x="3191774" y="3856008"/>
-            <a:ext cx="5645328" cy="646331"/>
-          </a:xfrm>
-          <a:prstGeom prst="rect">
-            <a:avLst/>
-          </a:prstGeom>
-          <a:noFill/>
-        </p:spPr>
-        <p:txBody>
-          <a:bodyPr wrap="none" rtlCol="0">
-            <a:spAutoFit/>
-          </a:bodyPr>
-          <a:lstStyle/>
-          <a:p>
-            <a:r>
-              <a:rPr lang="en-US" dirty="0"/>
-              <a:t>This was too ambitious to complete for this assignment</a:t>
-            </a:r>
-          </a:p>
-          <a:p>
-            <a:r>
-              <a:rPr lang="en-US" dirty="0"/>
-              <a:t>I outline some of the work I did in this appendix</a:t>
-            </a:r>
-          </a:p>
-        </p:txBody>
-      </p:sp>
-    </p:spTree>
-    <p:extLst>
-      <p:ext uri="{BB962C8B-B14F-4D97-AF65-F5344CB8AC3E}">
-        <p14:creationId xmlns:p14="http://schemas.microsoft.com/office/powerpoint/2010/main" val="1960399377"/>
       </p:ext>
     </p:extLst>
   </p:cSld>
@@ -8114,7 +8544,7 @@
           <p:cNvPr id="2" name="TextBox 1">
             <a:extLst>
               <a:ext uri="{FF2B5EF4-FFF2-40B4-BE49-F238E27FC236}">
-                <a16:creationId xmlns:a16="http://schemas.microsoft.com/office/drawing/2014/main" id="{A6B8D544-62FB-BED5-1F3D-8DE1F9A51DC3}"/>
+                <a16:creationId xmlns:a16="http://schemas.microsoft.com/office/drawing/2014/main" id="{D4D99642-6CAD-3B7A-1935-75DEAB8CAB0D}"/>
               </a:ext>
             </a:extLst>
           </p:cNvPr>
@@ -8123,8 +8553,8 @@
         </p:nvSpPr>
         <p:spPr>
           <a:xfrm>
-            <a:off x="140127" y="221836"/>
-            <a:ext cx="6376297" cy="461665"/>
+            <a:off x="136762" y="204349"/>
+            <a:ext cx="4686411" cy="461665"/>
           </a:xfrm>
           <a:prstGeom prst="rect">
             <a:avLst/>
@@ -8139,365 +8569,7 @@
           <a:p>
             <a:r>
               <a:rPr lang="en-US" sz="2400" dirty="0"/>
-              <a:t>BERT Stuff:   Relevant literature, code, and data</a:t>
-            </a:r>
-          </a:p>
-        </p:txBody>
-      </p:sp>
-      <p:sp>
-        <p:nvSpPr>
-          <p:cNvPr id="3" name="TextBox 2">
-            <a:extLst>
-              <a:ext uri="{FF2B5EF4-FFF2-40B4-BE49-F238E27FC236}">
-                <a16:creationId xmlns:a16="http://schemas.microsoft.com/office/drawing/2014/main" id="{9750003C-8501-0DA4-F28D-311FF3F150A4}"/>
-              </a:ext>
-            </a:extLst>
-          </p:cNvPr>
-          <p:cNvSpPr txBox="1"/>
-          <p:nvPr/>
-        </p:nvSpPr>
-        <p:spPr>
-          <a:xfrm>
-            <a:off x="765387" y="1291616"/>
-            <a:ext cx="9574610" cy="5016758"/>
-          </a:xfrm>
-          <a:prstGeom prst="rect">
-            <a:avLst/>
-          </a:prstGeom>
-          <a:noFill/>
-        </p:spPr>
-        <p:txBody>
-          <a:bodyPr wrap="square" rtlCol="0">
-            <a:spAutoFit/>
-          </a:bodyPr>
-          <a:lstStyle/>
-          <a:p>
-            <a:pPr marL="285750" indent="-285750">
-              <a:buFont typeface="Arial" panose="020B0604020202020204" pitchFamily="34" charset="0"/>
-              <a:buChar char="•"/>
-            </a:pPr>
-            <a:r>
-              <a:rPr lang="en-US" sz="1600" dirty="0"/>
-              <a:t>BERT : </a:t>
-            </a:r>
-            <a:r>
-              <a:rPr lang="en-US" sz="1600" dirty="0">
-                <a:hlinkClick r:id="rId2"/>
-              </a:rPr>
-              <a:t>https://aclanthology.org/N19-1423.pdf</a:t>
-            </a:r>
-            <a:endParaRPr lang="en-US" sz="1600" dirty="0"/>
-          </a:p>
-          <a:p>
-            <a:pPr marL="285750" indent="-285750">
-              <a:buFont typeface="Arial" panose="020B0604020202020204" pitchFamily="34" charset="0"/>
-              <a:buChar char="•"/>
-            </a:pPr>
-            <a:endParaRPr lang="en-US" sz="1600" dirty="0"/>
-          </a:p>
-          <a:p>
-            <a:pPr marL="285750" indent="-285750">
-              <a:buFont typeface="Arial" panose="020B0604020202020204" pitchFamily="34" charset="0"/>
-              <a:buChar char="•"/>
-            </a:pPr>
-            <a:r>
-              <a:rPr lang="en-US" sz="1600" dirty="0" err="1"/>
-              <a:t>ProteinBERT</a:t>
-            </a:r>
-            <a:r>
-              <a:rPr lang="en-US" sz="1600" dirty="0"/>
-              <a:t> : </a:t>
-            </a:r>
-            <a:r>
-              <a:rPr lang="en-US" sz="1600" dirty="0">
-                <a:hlinkClick r:id="rId3"/>
-              </a:rPr>
-              <a:t>https://doi.org/10.1093/bioinformatics/btac020</a:t>
-            </a:r>
-            <a:endParaRPr lang="en-US" sz="1600" dirty="0"/>
-          </a:p>
-          <a:p>
-            <a:endParaRPr lang="en-US" sz="1600" dirty="0"/>
-          </a:p>
-          <a:p>
-            <a:pPr marL="285750" indent="-285750">
-              <a:buFont typeface="Arial" panose="020B0604020202020204" pitchFamily="34" charset="0"/>
-              <a:buChar char="•"/>
-            </a:pPr>
-            <a:r>
-              <a:rPr lang="en-US" sz="1600" dirty="0"/>
-              <a:t>Code partially taken from:</a:t>
-            </a:r>
-          </a:p>
-          <a:p>
-            <a:pPr marL="742950" lvl="1" indent="-285750">
-              <a:buFont typeface="Arial" panose="020B0604020202020204" pitchFamily="34" charset="0"/>
-              <a:buChar char="•"/>
-            </a:pPr>
-            <a:r>
-              <a:rPr lang="en-US" sz="1600" dirty="0"/>
-              <a:t>Barney Hill : </a:t>
-            </a:r>
-            <a:r>
-              <a:rPr lang="en-US" sz="1600" b="0" dirty="0">
-                <a:effectLst/>
-                <a:hlinkClick r:id="rId4"/>
-              </a:rPr>
-              <a:t>https://github.com/barneyhill/minBERT</a:t>
-            </a:r>
-            <a:endParaRPr lang="en-US" sz="1600" b="0" dirty="0">
-              <a:effectLst/>
-            </a:endParaRPr>
-          </a:p>
-          <a:p>
-            <a:pPr marL="742950" lvl="1" indent="-285750">
-              <a:buFont typeface="Arial" panose="020B0604020202020204" pitchFamily="34" charset="0"/>
-              <a:buChar char="•"/>
-            </a:pPr>
-            <a:r>
-              <a:rPr lang="en-US" sz="1600" dirty="0"/>
-              <a:t>Andrej </a:t>
-            </a:r>
-            <a:r>
-              <a:rPr lang="en-US" sz="1600" dirty="0" err="1"/>
-              <a:t>Karpathy</a:t>
-            </a:r>
-            <a:r>
-              <a:rPr lang="en-US" sz="1600" dirty="0"/>
-              <a:t>: </a:t>
-            </a:r>
-            <a:r>
-              <a:rPr lang="en-US" sz="1600" b="0" dirty="0">
-                <a:effectLst/>
-                <a:hlinkClick r:id="rId5"/>
-              </a:rPr>
-              <a:t>https://github.com/karpathy/minGPT</a:t>
-            </a:r>
-            <a:endParaRPr lang="en-US" sz="1600" b="0" dirty="0">
-              <a:effectLst/>
-            </a:endParaRPr>
-          </a:p>
-          <a:p>
-            <a:pPr marL="742950" lvl="1" indent="-285750">
-              <a:buFont typeface="Arial" panose="020B0604020202020204" pitchFamily="34" charset="0"/>
-              <a:buChar char="•"/>
-            </a:pPr>
-            <a:r>
-              <a:rPr lang="en-US" sz="1600" dirty="0"/>
-              <a:t>my Table Transformer code (from real-estate automated valuation model development)</a:t>
-            </a:r>
-          </a:p>
-          <a:p>
-            <a:pPr marL="742950" lvl="1" indent="-285750">
-              <a:buFont typeface="Arial" panose="020B0604020202020204" pitchFamily="34" charset="0"/>
-              <a:buChar char="•"/>
-            </a:pPr>
-            <a:endParaRPr lang="en-US" sz="1600" dirty="0"/>
-          </a:p>
-          <a:p>
-            <a:pPr marL="285750" indent="-285750">
-              <a:buFont typeface="Arial" panose="020B0604020202020204" pitchFamily="34" charset="0"/>
-              <a:buChar char="•"/>
-            </a:pPr>
-            <a:r>
-              <a:rPr lang="en-US" sz="1600" dirty="0"/>
-              <a:t>A</a:t>
-            </a:r>
-            <a:r>
-              <a:rPr lang="en-US" sz="1600" b="0" dirty="0">
-                <a:effectLst/>
-              </a:rPr>
-              <a:t>-Alpha Bio:</a:t>
-            </a:r>
-          </a:p>
-          <a:p>
-            <a:pPr marL="742950" lvl="1" indent="-285750">
-              <a:buFont typeface="Arial" panose="020B0604020202020204" pitchFamily="34" charset="0"/>
-              <a:buChar char="•"/>
-            </a:pPr>
-            <a:r>
-              <a:rPr lang="en-US" sz="1600" dirty="0"/>
-              <a:t>Nature Comm: </a:t>
-            </a:r>
-            <a:r>
-              <a:rPr lang="en-US" sz="1600" dirty="0">
-                <a:hlinkClick r:id="rId6"/>
-              </a:rPr>
-              <a:t>http://biorxiv.org/lookup/doi/10.1101/2022.10.07.502662</a:t>
-            </a:r>
-            <a:endParaRPr lang="en-US" sz="1600" dirty="0"/>
-          </a:p>
-          <a:p>
-            <a:pPr marL="742950" lvl="1" indent="-285750">
-              <a:buFont typeface="Arial" panose="020B0604020202020204" pitchFamily="34" charset="0"/>
-              <a:buChar char="•"/>
-            </a:pPr>
-            <a:r>
-              <a:rPr lang="en-US" sz="1600" dirty="0"/>
-              <a:t>Nature: </a:t>
-            </a:r>
-            <a:r>
-              <a:rPr lang="en-US" sz="1600" dirty="0">
-                <a:hlinkClick r:id="rId7"/>
-              </a:rPr>
-              <a:t>https://www.nature.com/articles/s41597-022-01779-4</a:t>
-            </a:r>
-            <a:endParaRPr lang="en-US" sz="1600" dirty="0"/>
-          </a:p>
-          <a:p>
-            <a:pPr marL="742950" lvl="1" indent="-285750">
-              <a:buFont typeface="Arial" panose="020B0604020202020204" pitchFamily="34" charset="0"/>
-              <a:buChar char="•"/>
-            </a:pPr>
-            <a:r>
-              <a:rPr lang="en-US" sz="1600" dirty="0" err="1"/>
-              <a:t>scFv</a:t>
-            </a:r>
-            <a:r>
-              <a:rPr lang="en-US" sz="1600" dirty="0"/>
-              <a:t> Datasets: </a:t>
-            </a:r>
-            <a:r>
-              <a:rPr lang="en-US" sz="1600" dirty="0">
-                <a:hlinkClick r:id="rId8"/>
-              </a:rPr>
-              <a:t>https://github.com/mit-ll/AlphaSeq_Antibody_Dataset.git</a:t>
-            </a:r>
-            <a:endParaRPr lang="en-US" sz="1600" b="0" dirty="0">
-              <a:effectLst/>
-            </a:endParaRPr>
-          </a:p>
-          <a:p>
-            <a:pPr marL="742950" lvl="1" indent="-285750">
-              <a:buFont typeface="Arial" panose="020B0604020202020204" pitchFamily="34" charset="0"/>
-              <a:buChar char="•"/>
-            </a:pPr>
-            <a:endParaRPr lang="en-US" sz="1600" dirty="0"/>
-          </a:p>
-          <a:p>
-            <a:pPr marL="285750" indent="-285750">
-              <a:buFont typeface="Arial" panose="020B0604020202020204" pitchFamily="34" charset="0"/>
-              <a:buChar char="•"/>
-            </a:pPr>
-            <a:r>
-              <a:rPr lang="en-US" sz="1600" b="0" dirty="0">
-                <a:effectLst/>
-              </a:rPr>
-              <a:t>Observed Antibody Space :  </a:t>
-            </a:r>
-          </a:p>
-          <a:p>
-            <a:pPr marL="742950" lvl="1" indent="-285750">
-              <a:buFont typeface="Arial" panose="020B0604020202020204" pitchFamily="34" charset="0"/>
-              <a:buChar char="•"/>
-            </a:pPr>
-            <a:r>
-              <a:rPr lang="en-US" sz="1600" b="0" dirty="0">
-                <a:effectLst/>
-                <a:hlinkClick r:id="rId9"/>
-              </a:rPr>
-              <a:t>https://doi.org/10.4049/jimmunol.1800708</a:t>
-            </a:r>
-            <a:endParaRPr lang="en-US" sz="1600" b="0" dirty="0">
-              <a:effectLst/>
-            </a:endParaRPr>
-          </a:p>
-          <a:p>
-            <a:pPr marL="742950" lvl="1" indent="-285750">
-              <a:buFont typeface="Arial" panose="020B0604020202020204" pitchFamily="34" charset="0"/>
-              <a:buChar char="•"/>
-            </a:pPr>
-            <a:r>
-              <a:rPr lang="en-US" sz="1600" b="0" dirty="0">
-                <a:effectLst/>
-                <a:hlinkClick r:id="rId10"/>
-              </a:rPr>
-              <a:t>https://opig.stats.ox.ac.uk/webapps/oas/</a:t>
-            </a:r>
-            <a:endParaRPr lang="en-US" sz="1600" b="0" dirty="0">
-              <a:effectLst/>
-            </a:endParaRPr>
-          </a:p>
-          <a:p>
-            <a:pPr marL="742950" lvl="1" indent="-285750">
-              <a:buFont typeface="Arial" panose="020B0604020202020204" pitchFamily="34" charset="0"/>
-              <a:buChar char="•"/>
-            </a:pPr>
-            <a:endParaRPr lang="en-US" sz="1600" dirty="0"/>
-          </a:p>
-          <a:p>
-            <a:pPr marL="285750" indent="-285750">
-              <a:buFont typeface="Arial" panose="020B0604020202020204" pitchFamily="34" charset="0"/>
-              <a:buChar char="•"/>
-            </a:pPr>
-            <a:r>
-              <a:rPr lang="en-US" sz="1600" dirty="0"/>
-              <a:t>My </a:t>
-            </a:r>
-            <a:r>
-              <a:rPr lang="en-US" sz="1600" dirty="0" err="1"/>
-              <a:t>Github</a:t>
-            </a:r>
-            <a:r>
-              <a:rPr lang="en-US" sz="1600" dirty="0"/>
-              <a:t> repo for this homework’s code:</a:t>
-            </a:r>
-            <a:r>
-              <a:rPr lang="en-US" sz="1600" dirty="0">
-                <a:solidFill>
-                  <a:srgbClr val="FF0000"/>
-                </a:solidFill>
-              </a:rPr>
-              <a:t> </a:t>
-            </a:r>
-            <a:r>
-              <a:rPr lang="en-US" sz="1600" dirty="0">
-                <a:hlinkClick r:id="rId11"/>
-              </a:rPr>
-              <a:t>https://github.com/planaria158/BERT.git</a:t>
-            </a:r>
-            <a:endParaRPr lang="en-US" sz="1600" dirty="0"/>
-          </a:p>
-          <a:p>
-            <a:pPr marL="285750" indent="-285750">
-              <a:buFont typeface="Arial" panose="020B0604020202020204" pitchFamily="34" charset="0"/>
-              <a:buChar char="•"/>
-            </a:pPr>
-            <a:endParaRPr lang="en-US" sz="1600" dirty="0"/>
-          </a:p>
-        </p:txBody>
-      </p:sp>
-      <p:sp>
-        <p:nvSpPr>
-          <p:cNvPr id="5" name="TextBox 4">
-            <a:extLst>
-              <a:ext uri="{FF2B5EF4-FFF2-40B4-BE49-F238E27FC236}">
-                <a16:creationId xmlns:a16="http://schemas.microsoft.com/office/drawing/2014/main" id="{00DEACF3-1DAE-F38C-6985-089A5766A04C}"/>
-              </a:ext>
-            </a:extLst>
-          </p:cNvPr>
-          <p:cNvSpPr txBox="1"/>
-          <p:nvPr/>
-        </p:nvSpPr>
-        <p:spPr>
-          <a:xfrm>
-            <a:off x="140127" y="679781"/>
-            <a:ext cx="9369296" cy="307777"/>
-          </a:xfrm>
-          <a:prstGeom prst="rect">
-            <a:avLst/>
-          </a:prstGeom>
-          <a:noFill/>
-        </p:spPr>
-        <p:txBody>
-          <a:bodyPr wrap="none" rtlCol="0">
-            <a:spAutoFit/>
-          </a:bodyPr>
-          <a:lstStyle/>
-          <a:p>
-            <a:r>
-              <a:rPr lang="en-US" sz="1400" dirty="0"/>
-              <a:t>Note: I did most of the BERT coding/testing in the 2 weeks before my call with Adrian (i.e. before getting the HW problem)</a:t>
+              <a:t>t-SNE plots :  VIT model 3-channel</a:t>
             </a:r>
           </a:p>
         </p:txBody>
@@ -8505,7 +8577,7 @@
     </p:spTree>
     <p:extLst>
       <p:ext uri="{BB962C8B-B14F-4D97-AF65-F5344CB8AC3E}">
-        <p14:creationId xmlns:p14="http://schemas.microsoft.com/office/powerpoint/2010/main" val="1592508389"/>
+        <p14:creationId xmlns:p14="http://schemas.microsoft.com/office/powerpoint/2010/main" val="3039534303"/>
       </p:ext>
     </p:extLst>
   </p:cSld>
@@ -8913,6 +8985,811 @@
       </p:grpSpPr>
       <p:sp>
         <p:nvSpPr>
+          <p:cNvPr id="2" name="TextBox 1">
+            <a:extLst>
+              <a:ext uri="{FF2B5EF4-FFF2-40B4-BE49-F238E27FC236}">
+                <a16:creationId xmlns:a16="http://schemas.microsoft.com/office/drawing/2014/main" id="{7E19F177-6D52-95C4-17E6-1DACA7719CA4}"/>
+              </a:ext>
+            </a:extLst>
+          </p:cNvPr>
+          <p:cNvSpPr txBox="1"/>
+          <p:nvPr/>
+        </p:nvSpPr>
+        <p:spPr>
+          <a:xfrm>
+            <a:off x="136762" y="204349"/>
+            <a:ext cx="4017254" cy="461665"/>
+          </a:xfrm>
+          <a:prstGeom prst="rect">
+            <a:avLst/>
+          </a:prstGeom>
+          <a:noFill/>
+        </p:spPr>
+        <p:txBody>
+          <a:bodyPr wrap="none" rtlCol="0">
+            <a:spAutoFit/>
+          </a:bodyPr>
+          <a:lstStyle/>
+          <a:p>
+            <a:r>
+              <a:rPr lang="en-US" sz="2400" dirty="0"/>
+              <a:t>Ensemble model regression?</a:t>
+            </a:r>
+          </a:p>
+        </p:txBody>
+      </p:sp>
+      <p:sp>
+        <p:nvSpPr>
+          <p:cNvPr id="3" name="TextBox 2">
+            <a:extLst>
+              <a:ext uri="{FF2B5EF4-FFF2-40B4-BE49-F238E27FC236}">
+                <a16:creationId xmlns:a16="http://schemas.microsoft.com/office/drawing/2014/main" id="{9E4B2BF0-6FE2-8BF1-DE26-BACEBBE17BCD}"/>
+              </a:ext>
+            </a:extLst>
+          </p:cNvPr>
+          <p:cNvSpPr txBox="1"/>
+          <p:nvPr/>
+        </p:nvSpPr>
+        <p:spPr>
+          <a:xfrm>
+            <a:off x="353683" y="992038"/>
+            <a:ext cx="8344913" cy="1200329"/>
+          </a:xfrm>
+          <a:prstGeom prst="rect">
+            <a:avLst/>
+          </a:prstGeom>
+          <a:noFill/>
+        </p:spPr>
+        <p:txBody>
+          <a:bodyPr wrap="none" rtlCol="0">
+            <a:spAutoFit/>
+          </a:bodyPr>
+          <a:lstStyle/>
+          <a:p>
+            <a:r>
+              <a:rPr lang="en-US" dirty="0"/>
+              <a:t>Train multiple models and combine their predictions into a linear-regression model</a:t>
+            </a:r>
+          </a:p>
+          <a:p>
+            <a:pPr marL="285750" indent="-285750">
+              <a:buFont typeface="Arial" panose="020B0604020202020204" pitchFamily="34" charset="0"/>
+              <a:buChar char="•"/>
+            </a:pPr>
+            <a:r>
+              <a:rPr lang="en-US" dirty="0"/>
+              <a:t>Transformer models (different objectives: MSE, MAE)</a:t>
+            </a:r>
+          </a:p>
+          <a:p>
+            <a:pPr marL="285750" indent="-285750">
+              <a:buFont typeface="Arial" panose="020B0604020202020204" pitchFamily="34" charset="0"/>
+              <a:buChar char="•"/>
+            </a:pPr>
+            <a:r>
+              <a:rPr lang="en-US" dirty="0"/>
+              <a:t>VIT 3-channel model (different objectives: MSE, MAE)</a:t>
+            </a:r>
+          </a:p>
+          <a:p>
+            <a:pPr marL="285750" indent="-285750">
+              <a:buFont typeface="Arial" panose="020B0604020202020204" pitchFamily="34" charset="0"/>
+              <a:buChar char="•"/>
+            </a:pPr>
+            <a:r>
+              <a:rPr lang="en-US" dirty="0" err="1"/>
+              <a:t>etc</a:t>
+            </a:r>
+            <a:r>
+              <a:rPr lang="en-US" dirty="0"/>
+              <a:t>…</a:t>
+            </a:r>
+          </a:p>
+        </p:txBody>
+      </p:sp>
+      <p:sp>
+        <p:nvSpPr>
+          <p:cNvPr id="4" name="TextBox 3">
+            <a:extLst>
+              <a:ext uri="{FF2B5EF4-FFF2-40B4-BE49-F238E27FC236}">
+                <a16:creationId xmlns:a16="http://schemas.microsoft.com/office/drawing/2014/main" id="{6610633D-793C-C9CB-99DE-F4EE31A65BA8}"/>
+              </a:ext>
+            </a:extLst>
+          </p:cNvPr>
+          <p:cNvSpPr txBox="1"/>
+          <p:nvPr/>
+        </p:nvSpPr>
+        <p:spPr>
+          <a:xfrm>
+            <a:off x="819509" y="2518391"/>
+            <a:ext cx="3372270" cy="646331"/>
+          </a:xfrm>
+          <a:prstGeom prst="rect">
+            <a:avLst/>
+          </a:prstGeom>
+          <a:noFill/>
+        </p:spPr>
+        <p:txBody>
+          <a:bodyPr wrap="none" rtlCol="0">
+            <a:spAutoFit/>
+          </a:bodyPr>
+          <a:lstStyle/>
+          <a:p>
+            <a:r>
+              <a:rPr lang="en-US" dirty="0"/>
+              <a:t>pred =  (c</a:t>
+            </a:r>
+            <a:r>
+              <a:rPr lang="en-US" baseline="-25000" dirty="0"/>
+              <a:t>1</a:t>
+            </a:r>
+            <a:r>
+              <a:rPr lang="en-US" dirty="0"/>
+              <a:t> * m</a:t>
+            </a:r>
+            <a:r>
+              <a:rPr lang="en-US" baseline="-25000" dirty="0"/>
+              <a:t>1</a:t>
+            </a:r>
+            <a:r>
+              <a:rPr lang="en-US" dirty="0"/>
+              <a:t>) +  (c</a:t>
+            </a:r>
+            <a:r>
+              <a:rPr lang="en-US" baseline="-25000" dirty="0"/>
+              <a:t>2</a:t>
+            </a:r>
+            <a:r>
+              <a:rPr lang="en-US" dirty="0"/>
+              <a:t> * m</a:t>
+            </a:r>
+            <a:r>
+              <a:rPr lang="en-US" baseline="-25000" dirty="0"/>
+              <a:t>2</a:t>
+            </a:r>
+            <a:r>
+              <a:rPr lang="en-US" dirty="0"/>
+              <a:t>) + ….</a:t>
+            </a:r>
+          </a:p>
+          <a:p>
+            <a:r>
+              <a:rPr lang="en-US" dirty="0"/>
+              <a:t>regression on the coefficients c</a:t>
+            </a:r>
+            <a:r>
+              <a:rPr lang="en-US" baseline="-25000" dirty="0"/>
+              <a:t>i</a:t>
+            </a:r>
+          </a:p>
+        </p:txBody>
+      </p:sp>
+    </p:spTree>
+    <p:extLst>
+      <p:ext uri="{BB962C8B-B14F-4D97-AF65-F5344CB8AC3E}">
+        <p14:creationId xmlns:p14="http://schemas.microsoft.com/office/powerpoint/2010/main" val="1625225048"/>
+      </p:ext>
+    </p:extLst>
+  </p:cSld>
+  <p:clrMapOvr>
+    <a:masterClrMapping/>
+  </p:clrMapOvr>
+</p:sld>
+</file>
+
+<file path=ppt/slides/slide21.xml><?xml version="1.0" encoding="utf-8"?>
+<p:sld xmlns:a="http://schemas.openxmlformats.org/drawingml/2006/main" xmlns:r="http://schemas.openxmlformats.org/officeDocument/2006/relationships" xmlns:p="http://schemas.openxmlformats.org/presentationml/2006/main">
+  <p:cSld>
+    <p:spTree>
+      <p:nvGrpSpPr>
+        <p:cNvPr id="1" name=""/>
+        <p:cNvGrpSpPr/>
+        <p:nvPr/>
+      </p:nvGrpSpPr>
+      <p:grpSpPr>
+        <a:xfrm>
+          <a:off x="0" y="0"/>
+          <a:ext cx="0" cy="0"/>
+          <a:chOff x="0" y="0"/>
+          <a:chExt cx="0" cy="0"/>
+        </a:xfrm>
+      </p:grpSpPr>
+      <p:sp>
+        <p:nvSpPr>
+          <p:cNvPr id="2" name="TextBox 1">
+            <a:extLst>
+              <a:ext uri="{FF2B5EF4-FFF2-40B4-BE49-F238E27FC236}">
+                <a16:creationId xmlns:a16="http://schemas.microsoft.com/office/drawing/2014/main" id="{D82E2508-34B9-E66B-316E-FC13ABDB8E01}"/>
+              </a:ext>
+            </a:extLst>
+          </p:cNvPr>
+          <p:cNvSpPr txBox="1"/>
+          <p:nvPr/>
+        </p:nvSpPr>
+        <p:spPr>
+          <a:xfrm>
+            <a:off x="136762" y="204349"/>
+            <a:ext cx="1863011" cy="461665"/>
+          </a:xfrm>
+          <a:prstGeom prst="rect">
+            <a:avLst/>
+          </a:prstGeom>
+          <a:noFill/>
+        </p:spPr>
+        <p:txBody>
+          <a:bodyPr wrap="none" rtlCol="0">
+            <a:spAutoFit/>
+          </a:bodyPr>
+          <a:lstStyle/>
+          <a:p>
+            <a:r>
+              <a:rPr lang="en-US" sz="2400" dirty="0"/>
+              <a:t>Conclusions</a:t>
+            </a:r>
+          </a:p>
+        </p:txBody>
+      </p:sp>
+    </p:spTree>
+    <p:extLst>
+      <p:ext uri="{BB962C8B-B14F-4D97-AF65-F5344CB8AC3E}">
+        <p14:creationId xmlns:p14="http://schemas.microsoft.com/office/powerpoint/2010/main" val="3288275664"/>
+      </p:ext>
+    </p:extLst>
+  </p:cSld>
+  <p:clrMapOvr>
+    <a:masterClrMapping/>
+  </p:clrMapOvr>
+</p:sld>
+</file>
+
+<file path=ppt/slides/slide22.xml><?xml version="1.0" encoding="utf-8"?>
+<p:sld xmlns:a="http://schemas.openxmlformats.org/drawingml/2006/main" xmlns:r="http://schemas.openxmlformats.org/officeDocument/2006/relationships" xmlns:p="http://schemas.openxmlformats.org/presentationml/2006/main">
+  <p:cSld>
+    <p:spTree>
+      <p:nvGrpSpPr>
+        <p:cNvPr id="1" name=""/>
+        <p:cNvGrpSpPr/>
+        <p:nvPr/>
+      </p:nvGrpSpPr>
+      <p:grpSpPr>
+        <a:xfrm>
+          <a:off x="0" y="0"/>
+          <a:ext cx="0" cy="0"/>
+          <a:chOff x="0" y="0"/>
+          <a:chExt cx="0" cy="0"/>
+        </a:xfrm>
+      </p:grpSpPr>
+      <p:sp>
+        <p:nvSpPr>
+          <p:cNvPr id="2" name="TextBox 1">
+            <a:extLst>
+              <a:ext uri="{FF2B5EF4-FFF2-40B4-BE49-F238E27FC236}">
+                <a16:creationId xmlns:a16="http://schemas.microsoft.com/office/drawing/2014/main" id="{D76C9D15-9982-284B-95FD-545534D2B137}"/>
+              </a:ext>
+            </a:extLst>
+          </p:cNvPr>
+          <p:cNvSpPr txBox="1"/>
+          <p:nvPr/>
+        </p:nvSpPr>
+        <p:spPr>
+          <a:xfrm>
+            <a:off x="4080474" y="2585241"/>
+            <a:ext cx="3737754" cy="646331"/>
+          </a:xfrm>
+          <a:prstGeom prst="rect">
+            <a:avLst/>
+          </a:prstGeom>
+          <a:noFill/>
+        </p:spPr>
+        <p:txBody>
+          <a:bodyPr wrap="none" rtlCol="0">
+            <a:spAutoFit/>
+          </a:bodyPr>
+          <a:lstStyle/>
+          <a:p>
+            <a:r>
+              <a:rPr lang="en-US" sz="3600" dirty="0"/>
+              <a:t>Appendix 1:  BERT</a:t>
+            </a:r>
+          </a:p>
+        </p:txBody>
+      </p:sp>
+      <p:sp>
+        <p:nvSpPr>
+          <p:cNvPr id="3" name="TextBox 2">
+            <a:extLst>
+              <a:ext uri="{FF2B5EF4-FFF2-40B4-BE49-F238E27FC236}">
+                <a16:creationId xmlns:a16="http://schemas.microsoft.com/office/drawing/2014/main" id="{8B430510-D086-6521-A4AF-74E7DCA885E2}"/>
+              </a:ext>
+            </a:extLst>
+          </p:cNvPr>
+          <p:cNvSpPr txBox="1"/>
+          <p:nvPr/>
+        </p:nvSpPr>
+        <p:spPr>
+          <a:xfrm>
+            <a:off x="3191774" y="3856008"/>
+            <a:ext cx="5645328" cy="646331"/>
+          </a:xfrm>
+          <a:prstGeom prst="rect">
+            <a:avLst/>
+          </a:prstGeom>
+          <a:noFill/>
+        </p:spPr>
+        <p:txBody>
+          <a:bodyPr wrap="none" rtlCol="0">
+            <a:spAutoFit/>
+          </a:bodyPr>
+          <a:lstStyle/>
+          <a:p>
+            <a:r>
+              <a:rPr lang="en-US" dirty="0"/>
+              <a:t>This was too ambitious to complete for this assignment</a:t>
+            </a:r>
+          </a:p>
+          <a:p>
+            <a:r>
+              <a:rPr lang="en-US" dirty="0"/>
+              <a:t>I outline some of the work I did in this appendix</a:t>
+            </a:r>
+          </a:p>
+        </p:txBody>
+      </p:sp>
+    </p:spTree>
+    <p:extLst>
+      <p:ext uri="{BB962C8B-B14F-4D97-AF65-F5344CB8AC3E}">
+        <p14:creationId xmlns:p14="http://schemas.microsoft.com/office/powerpoint/2010/main" val="1960399377"/>
+      </p:ext>
+    </p:extLst>
+  </p:cSld>
+  <p:clrMapOvr>
+    <a:masterClrMapping/>
+  </p:clrMapOvr>
+</p:sld>
+</file>
+
+<file path=ppt/slides/slide23.xml><?xml version="1.0" encoding="utf-8"?>
+<p:sld xmlns:a="http://schemas.openxmlformats.org/drawingml/2006/main" xmlns:r="http://schemas.openxmlformats.org/officeDocument/2006/relationships" xmlns:p="http://schemas.openxmlformats.org/presentationml/2006/main">
+  <p:cSld>
+    <p:spTree>
+      <p:nvGrpSpPr>
+        <p:cNvPr id="1" name=""/>
+        <p:cNvGrpSpPr/>
+        <p:nvPr/>
+      </p:nvGrpSpPr>
+      <p:grpSpPr>
+        <a:xfrm>
+          <a:off x="0" y="0"/>
+          <a:ext cx="0" cy="0"/>
+          <a:chOff x="0" y="0"/>
+          <a:chExt cx="0" cy="0"/>
+        </a:xfrm>
+      </p:grpSpPr>
+      <p:sp>
+        <p:nvSpPr>
+          <p:cNvPr id="2" name="TextBox 1">
+            <a:extLst>
+              <a:ext uri="{FF2B5EF4-FFF2-40B4-BE49-F238E27FC236}">
+                <a16:creationId xmlns:a16="http://schemas.microsoft.com/office/drawing/2014/main" id="{A6B8D544-62FB-BED5-1F3D-8DE1F9A51DC3}"/>
+              </a:ext>
+            </a:extLst>
+          </p:cNvPr>
+          <p:cNvSpPr txBox="1"/>
+          <p:nvPr/>
+        </p:nvSpPr>
+        <p:spPr>
+          <a:xfrm>
+            <a:off x="140127" y="221836"/>
+            <a:ext cx="6376297" cy="461665"/>
+          </a:xfrm>
+          <a:prstGeom prst="rect">
+            <a:avLst/>
+          </a:prstGeom>
+          <a:noFill/>
+        </p:spPr>
+        <p:txBody>
+          <a:bodyPr wrap="none" rtlCol="0">
+            <a:spAutoFit/>
+          </a:bodyPr>
+          <a:lstStyle/>
+          <a:p>
+            <a:r>
+              <a:rPr lang="en-US" sz="2400" dirty="0"/>
+              <a:t>BERT Stuff:   Relevant literature, code, and data</a:t>
+            </a:r>
+          </a:p>
+        </p:txBody>
+      </p:sp>
+      <p:sp>
+        <p:nvSpPr>
+          <p:cNvPr id="3" name="TextBox 2">
+            <a:extLst>
+              <a:ext uri="{FF2B5EF4-FFF2-40B4-BE49-F238E27FC236}">
+                <a16:creationId xmlns:a16="http://schemas.microsoft.com/office/drawing/2014/main" id="{9750003C-8501-0DA4-F28D-311FF3F150A4}"/>
+              </a:ext>
+            </a:extLst>
+          </p:cNvPr>
+          <p:cNvSpPr txBox="1"/>
+          <p:nvPr/>
+        </p:nvSpPr>
+        <p:spPr>
+          <a:xfrm>
+            <a:off x="765387" y="1291616"/>
+            <a:ext cx="9574610" cy="5016758"/>
+          </a:xfrm>
+          <a:prstGeom prst="rect">
+            <a:avLst/>
+          </a:prstGeom>
+          <a:noFill/>
+        </p:spPr>
+        <p:txBody>
+          <a:bodyPr wrap="square" rtlCol="0">
+            <a:spAutoFit/>
+          </a:bodyPr>
+          <a:lstStyle/>
+          <a:p>
+            <a:pPr marL="285750" indent="-285750">
+              <a:buFont typeface="Arial" panose="020B0604020202020204" pitchFamily="34" charset="0"/>
+              <a:buChar char="•"/>
+            </a:pPr>
+            <a:r>
+              <a:rPr lang="en-US" sz="1600" dirty="0"/>
+              <a:t>BERT : </a:t>
+            </a:r>
+            <a:r>
+              <a:rPr lang="en-US" sz="1600" dirty="0">
+                <a:hlinkClick r:id="rId2"/>
+              </a:rPr>
+              <a:t>https://aclanthology.org/N19-1423.pdf</a:t>
+            </a:r>
+            <a:endParaRPr lang="en-US" sz="1600" dirty="0"/>
+          </a:p>
+          <a:p>
+            <a:pPr marL="285750" indent="-285750">
+              <a:buFont typeface="Arial" panose="020B0604020202020204" pitchFamily="34" charset="0"/>
+              <a:buChar char="•"/>
+            </a:pPr>
+            <a:endParaRPr lang="en-US" sz="1600" dirty="0"/>
+          </a:p>
+          <a:p>
+            <a:pPr marL="285750" indent="-285750">
+              <a:buFont typeface="Arial" panose="020B0604020202020204" pitchFamily="34" charset="0"/>
+              <a:buChar char="•"/>
+            </a:pPr>
+            <a:r>
+              <a:rPr lang="en-US" sz="1600" dirty="0" err="1"/>
+              <a:t>ProteinBERT</a:t>
+            </a:r>
+            <a:r>
+              <a:rPr lang="en-US" sz="1600" dirty="0"/>
+              <a:t> : </a:t>
+            </a:r>
+            <a:r>
+              <a:rPr lang="en-US" sz="1600" dirty="0">
+                <a:hlinkClick r:id="rId3"/>
+              </a:rPr>
+              <a:t>https://doi.org/10.1093/bioinformatics/btac020</a:t>
+            </a:r>
+            <a:endParaRPr lang="en-US" sz="1600" dirty="0"/>
+          </a:p>
+          <a:p>
+            <a:endParaRPr lang="en-US" sz="1600" dirty="0"/>
+          </a:p>
+          <a:p>
+            <a:pPr marL="285750" indent="-285750">
+              <a:buFont typeface="Arial" panose="020B0604020202020204" pitchFamily="34" charset="0"/>
+              <a:buChar char="•"/>
+            </a:pPr>
+            <a:r>
+              <a:rPr lang="en-US" sz="1600" dirty="0"/>
+              <a:t>Code partially taken from:</a:t>
+            </a:r>
+          </a:p>
+          <a:p>
+            <a:pPr marL="742950" lvl="1" indent="-285750">
+              <a:buFont typeface="Arial" panose="020B0604020202020204" pitchFamily="34" charset="0"/>
+              <a:buChar char="•"/>
+            </a:pPr>
+            <a:r>
+              <a:rPr lang="en-US" sz="1600" dirty="0"/>
+              <a:t>Barney Hill : </a:t>
+            </a:r>
+            <a:r>
+              <a:rPr lang="en-US" sz="1600" b="0" dirty="0">
+                <a:effectLst/>
+                <a:hlinkClick r:id="rId4"/>
+              </a:rPr>
+              <a:t>https://github.com/barneyhill/minBERT</a:t>
+            </a:r>
+            <a:endParaRPr lang="en-US" sz="1600" b="0" dirty="0">
+              <a:effectLst/>
+            </a:endParaRPr>
+          </a:p>
+          <a:p>
+            <a:pPr marL="742950" lvl="1" indent="-285750">
+              <a:buFont typeface="Arial" panose="020B0604020202020204" pitchFamily="34" charset="0"/>
+              <a:buChar char="•"/>
+            </a:pPr>
+            <a:r>
+              <a:rPr lang="en-US" sz="1600" dirty="0"/>
+              <a:t>Andrej </a:t>
+            </a:r>
+            <a:r>
+              <a:rPr lang="en-US" sz="1600" dirty="0" err="1"/>
+              <a:t>Karpathy</a:t>
+            </a:r>
+            <a:r>
+              <a:rPr lang="en-US" sz="1600" dirty="0"/>
+              <a:t>: </a:t>
+            </a:r>
+            <a:r>
+              <a:rPr lang="en-US" sz="1600" b="0" dirty="0">
+                <a:effectLst/>
+                <a:hlinkClick r:id="rId5"/>
+              </a:rPr>
+              <a:t>https://github.com/karpathy/minGPT</a:t>
+            </a:r>
+            <a:endParaRPr lang="en-US" sz="1600" b="0" dirty="0">
+              <a:effectLst/>
+            </a:endParaRPr>
+          </a:p>
+          <a:p>
+            <a:pPr marL="742950" lvl="1" indent="-285750">
+              <a:buFont typeface="Arial" panose="020B0604020202020204" pitchFamily="34" charset="0"/>
+              <a:buChar char="•"/>
+            </a:pPr>
+            <a:r>
+              <a:rPr lang="en-US" sz="1600" dirty="0"/>
+              <a:t>my Table Transformer code (from real-estate automated valuation model development)</a:t>
+            </a:r>
+          </a:p>
+          <a:p>
+            <a:pPr marL="742950" lvl="1" indent="-285750">
+              <a:buFont typeface="Arial" panose="020B0604020202020204" pitchFamily="34" charset="0"/>
+              <a:buChar char="•"/>
+            </a:pPr>
+            <a:endParaRPr lang="en-US" sz="1600" dirty="0"/>
+          </a:p>
+          <a:p>
+            <a:pPr marL="285750" indent="-285750">
+              <a:buFont typeface="Arial" panose="020B0604020202020204" pitchFamily="34" charset="0"/>
+              <a:buChar char="•"/>
+            </a:pPr>
+            <a:r>
+              <a:rPr lang="en-US" sz="1600" dirty="0"/>
+              <a:t>A</a:t>
+            </a:r>
+            <a:r>
+              <a:rPr lang="en-US" sz="1600" b="0" dirty="0">
+                <a:effectLst/>
+              </a:rPr>
+              <a:t>-Alpha Bio:</a:t>
+            </a:r>
+          </a:p>
+          <a:p>
+            <a:pPr marL="742950" lvl="1" indent="-285750">
+              <a:buFont typeface="Arial" panose="020B0604020202020204" pitchFamily="34" charset="0"/>
+              <a:buChar char="•"/>
+            </a:pPr>
+            <a:r>
+              <a:rPr lang="en-US" sz="1600" dirty="0"/>
+              <a:t>Nature Comm: </a:t>
+            </a:r>
+            <a:r>
+              <a:rPr lang="en-US" sz="1600" dirty="0">
+                <a:hlinkClick r:id="rId6"/>
+              </a:rPr>
+              <a:t>http://biorxiv.org/lookup/doi/10.1101/2022.10.07.502662</a:t>
+            </a:r>
+            <a:endParaRPr lang="en-US" sz="1600" dirty="0"/>
+          </a:p>
+          <a:p>
+            <a:pPr marL="742950" lvl="1" indent="-285750">
+              <a:buFont typeface="Arial" panose="020B0604020202020204" pitchFamily="34" charset="0"/>
+              <a:buChar char="•"/>
+            </a:pPr>
+            <a:r>
+              <a:rPr lang="en-US" sz="1600" dirty="0"/>
+              <a:t>Nature: </a:t>
+            </a:r>
+            <a:r>
+              <a:rPr lang="en-US" sz="1600" dirty="0">
+                <a:hlinkClick r:id="rId7"/>
+              </a:rPr>
+              <a:t>https://www.nature.com/articles/s41597-022-01779-4</a:t>
+            </a:r>
+            <a:endParaRPr lang="en-US" sz="1600" dirty="0"/>
+          </a:p>
+          <a:p>
+            <a:pPr marL="742950" lvl="1" indent="-285750">
+              <a:buFont typeface="Arial" panose="020B0604020202020204" pitchFamily="34" charset="0"/>
+              <a:buChar char="•"/>
+            </a:pPr>
+            <a:r>
+              <a:rPr lang="en-US" sz="1600" dirty="0" err="1"/>
+              <a:t>scFv</a:t>
+            </a:r>
+            <a:r>
+              <a:rPr lang="en-US" sz="1600" dirty="0"/>
+              <a:t> Datasets: </a:t>
+            </a:r>
+            <a:r>
+              <a:rPr lang="en-US" sz="1600" dirty="0">
+                <a:hlinkClick r:id="rId8"/>
+              </a:rPr>
+              <a:t>https://github.com/mit-ll/AlphaSeq_Antibody_Dataset.git</a:t>
+            </a:r>
+            <a:endParaRPr lang="en-US" sz="1600" b="0" dirty="0">
+              <a:effectLst/>
+            </a:endParaRPr>
+          </a:p>
+          <a:p>
+            <a:pPr marL="742950" lvl="1" indent="-285750">
+              <a:buFont typeface="Arial" panose="020B0604020202020204" pitchFamily="34" charset="0"/>
+              <a:buChar char="•"/>
+            </a:pPr>
+            <a:endParaRPr lang="en-US" sz="1600" dirty="0"/>
+          </a:p>
+          <a:p>
+            <a:pPr marL="285750" indent="-285750">
+              <a:buFont typeface="Arial" panose="020B0604020202020204" pitchFamily="34" charset="0"/>
+              <a:buChar char="•"/>
+            </a:pPr>
+            <a:r>
+              <a:rPr lang="en-US" sz="1600" b="0" dirty="0">
+                <a:effectLst/>
+              </a:rPr>
+              <a:t>Observed Antibody Space :  </a:t>
+            </a:r>
+          </a:p>
+          <a:p>
+            <a:pPr marL="742950" lvl="1" indent="-285750">
+              <a:buFont typeface="Arial" panose="020B0604020202020204" pitchFamily="34" charset="0"/>
+              <a:buChar char="•"/>
+            </a:pPr>
+            <a:r>
+              <a:rPr lang="en-US" sz="1600" b="0" dirty="0">
+                <a:effectLst/>
+                <a:hlinkClick r:id="rId9"/>
+              </a:rPr>
+              <a:t>https://doi.org/10.4049/jimmunol.1800708</a:t>
+            </a:r>
+            <a:endParaRPr lang="en-US" sz="1600" b="0" dirty="0">
+              <a:effectLst/>
+            </a:endParaRPr>
+          </a:p>
+          <a:p>
+            <a:pPr marL="742950" lvl="1" indent="-285750">
+              <a:buFont typeface="Arial" panose="020B0604020202020204" pitchFamily="34" charset="0"/>
+              <a:buChar char="•"/>
+            </a:pPr>
+            <a:r>
+              <a:rPr lang="en-US" sz="1600" b="0" dirty="0">
+                <a:effectLst/>
+                <a:hlinkClick r:id="rId10"/>
+              </a:rPr>
+              <a:t>https://opig.stats.ox.ac.uk/webapps/oas/</a:t>
+            </a:r>
+            <a:endParaRPr lang="en-US" sz="1600" b="0" dirty="0">
+              <a:effectLst/>
+            </a:endParaRPr>
+          </a:p>
+          <a:p>
+            <a:pPr marL="742950" lvl="1" indent="-285750">
+              <a:buFont typeface="Arial" panose="020B0604020202020204" pitchFamily="34" charset="0"/>
+              <a:buChar char="•"/>
+            </a:pPr>
+            <a:endParaRPr lang="en-US" sz="1600" dirty="0"/>
+          </a:p>
+          <a:p>
+            <a:pPr marL="285750" indent="-285750">
+              <a:buFont typeface="Arial" panose="020B0604020202020204" pitchFamily="34" charset="0"/>
+              <a:buChar char="•"/>
+            </a:pPr>
+            <a:r>
+              <a:rPr lang="en-US" sz="1600" dirty="0"/>
+              <a:t>My </a:t>
+            </a:r>
+            <a:r>
+              <a:rPr lang="en-US" sz="1600" dirty="0" err="1"/>
+              <a:t>Github</a:t>
+            </a:r>
+            <a:r>
+              <a:rPr lang="en-US" sz="1600" dirty="0"/>
+              <a:t> repo for this homework’s code:</a:t>
+            </a:r>
+            <a:r>
+              <a:rPr lang="en-US" sz="1600" dirty="0">
+                <a:solidFill>
+                  <a:srgbClr val="FF0000"/>
+                </a:solidFill>
+              </a:rPr>
+              <a:t> </a:t>
+            </a:r>
+            <a:r>
+              <a:rPr lang="en-US" sz="1600" dirty="0">
+                <a:hlinkClick r:id="rId11"/>
+              </a:rPr>
+              <a:t>https://github.com/planaria158/BERT.git</a:t>
+            </a:r>
+            <a:endParaRPr lang="en-US" sz="1600" dirty="0"/>
+          </a:p>
+          <a:p>
+            <a:pPr marL="285750" indent="-285750">
+              <a:buFont typeface="Arial" panose="020B0604020202020204" pitchFamily="34" charset="0"/>
+              <a:buChar char="•"/>
+            </a:pPr>
+            <a:endParaRPr lang="en-US" sz="1600" dirty="0"/>
+          </a:p>
+        </p:txBody>
+      </p:sp>
+      <p:sp>
+        <p:nvSpPr>
+          <p:cNvPr id="5" name="TextBox 4">
+            <a:extLst>
+              <a:ext uri="{FF2B5EF4-FFF2-40B4-BE49-F238E27FC236}">
+                <a16:creationId xmlns:a16="http://schemas.microsoft.com/office/drawing/2014/main" id="{00DEACF3-1DAE-F38C-6985-089A5766A04C}"/>
+              </a:ext>
+            </a:extLst>
+          </p:cNvPr>
+          <p:cNvSpPr txBox="1"/>
+          <p:nvPr/>
+        </p:nvSpPr>
+        <p:spPr>
+          <a:xfrm>
+            <a:off x="140127" y="679781"/>
+            <a:ext cx="9369296" cy="307777"/>
+          </a:xfrm>
+          <a:prstGeom prst="rect">
+            <a:avLst/>
+          </a:prstGeom>
+          <a:noFill/>
+        </p:spPr>
+        <p:txBody>
+          <a:bodyPr wrap="none" rtlCol="0">
+            <a:spAutoFit/>
+          </a:bodyPr>
+          <a:lstStyle/>
+          <a:p>
+            <a:r>
+              <a:rPr lang="en-US" sz="1400" dirty="0"/>
+              <a:t>Note: I did most of the BERT coding/testing in the 2 weeks before my call with Adrian (i.e. before getting the HW problem)</a:t>
+            </a:r>
+          </a:p>
+        </p:txBody>
+      </p:sp>
+    </p:spTree>
+    <p:extLst>
+      <p:ext uri="{BB962C8B-B14F-4D97-AF65-F5344CB8AC3E}">
+        <p14:creationId xmlns:p14="http://schemas.microsoft.com/office/powerpoint/2010/main" val="1592508389"/>
+      </p:ext>
+    </p:extLst>
+  </p:cSld>
+  <p:clrMapOvr>
+    <a:masterClrMapping/>
+  </p:clrMapOvr>
+</p:sld>
+</file>
+
+<file path=ppt/slides/slide24.xml><?xml version="1.0" encoding="utf-8"?>
+<p:sld xmlns:a="http://schemas.openxmlformats.org/drawingml/2006/main" xmlns:r="http://schemas.openxmlformats.org/officeDocument/2006/relationships" xmlns:p="http://schemas.openxmlformats.org/presentationml/2006/main">
+  <p:cSld>
+    <p:spTree>
+      <p:nvGrpSpPr>
+        <p:cNvPr id="1" name=""/>
+        <p:cNvGrpSpPr/>
+        <p:nvPr/>
+      </p:nvGrpSpPr>
+      <p:grpSpPr>
+        <a:xfrm>
+          <a:off x="0" y="0"/>
+          <a:ext cx="0" cy="0"/>
+          <a:chOff x="0" y="0"/>
+          <a:chExt cx="0" cy="0"/>
+        </a:xfrm>
+      </p:grpSpPr>
+      <p:sp>
+        <p:nvSpPr>
           <p:cNvPr id="3" name="TextBox 2">
             <a:extLst>
               <a:ext uri="{FF2B5EF4-FFF2-40B4-BE49-F238E27FC236}">
@@ -9297,7 +10174,7 @@
 </p:sld>
 </file>
 
-<file path=ppt/slides/slide21.xml><?xml version="1.0" encoding="utf-8"?>
+<file path=ppt/slides/slide25.xml><?xml version="1.0" encoding="utf-8"?>
 <p:sld xmlns:a="http://schemas.openxmlformats.org/drawingml/2006/main" xmlns:r="http://schemas.openxmlformats.org/officeDocument/2006/relationships" xmlns:p="http://schemas.openxmlformats.org/presentationml/2006/main">
   <p:cSld>
     <p:spTree>
@@ -9634,7 +10511,7 @@
 </p:sld>
 </file>
 
-<file path=ppt/slides/slide22.xml><?xml version="1.0" encoding="utf-8"?>
+<file path=ppt/slides/slide26.xml><?xml version="1.0" encoding="utf-8"?>
 <p:sld xmlns:a="http://schemas.openxmlformats.org/drawingml/2006/main" xmlns:r="http://schemas.openxmlformats.org/officeDocument/2006/relationships" xmlns:p="http://schemas.openxmlformats.org/presentationml/2006/main">
   <p:cSld>
     <p:spTree>
@@ -10279,7 +11156,7 @@
 </p:sld>
 </file>
 
-<file path=ppt/slides/slide23.xml><?xml version="1.0" encoding="utf-8"?>
+<file path=ppt/slides/slide27.xml><?xml version="1.0" encoding="utf-8"?>
 <p:sld xmlns:a="http://schemas.openxmlformats.org/drawingml/2006/main" xmlns:r="http://schemas.openxmlformats.org/officeDocument/2006/relationships" xmlns:p="http://schemas.openxmlformats.org/presentationml/2006/main">
   <p:cSld>
     <p:spTree>
@@ -10667,7 +11544,7 @@
 </p:sld>
 </file>
 
-<file path=ppt/slides/slide24.xml><?xml version="1.0" encoding="utf-8"?>
+<file path=ppt/slides/slide28.xml><?xml version="1.0" encoding="utf-8"?>
 <p:sld xmlns:a="http://schemas.openxmlformats.org/drawingml/2006/main" xmlns:r="http://schemas.openxmlformats.org/officeDocument/2006/relationships" xmlns:p="http://schemas.openxmlformats.org/presentationml/2006/main">
   <p:cSld>
     <p:spTree>
@@ -14615,7 +15492,7 @@
 </p:sld>
 </file>
 
-<file path=ppt/slides/slide25.xml><?xml version="1.0" encoding="utf-8"?>
+<file path=ppt/slides/slide29.xml><?xml version="1.0" encoding="utf-8"?>
 <p:sld xmlns:a="http://schemas.openxmlformats.org/drawingml/2006/main" xmlns:r="http://schemas.openxmlformats.org/officeDocument/2006/relationships" xmlns:p="http://schemas.openxmlformats.org/presentationml/2006/main">
   <p:cSld>
     <p:spTree>
@@ -17630,7 +18507,465 @@
 </p:sld>
 </file>
 
-<file path=ppt/slides/slide26.xml><?xml version="1.0" encoding="utf-8"?>
+<file path=ppt/slides/slide3.xml><?xml version="1.0" encoding="utf-8"?>
+<p:sld xmlns:a="http://schemas.openxmlformats.org/drawingml/2006/main" xmlns:r="http://schemas.openxmlformats.org/officeDocument/2006/relationships" xmlns:p="http://schemas.openxmlformats.org/presentationml/2006/main">
+  <p:cSld>
+    <p:spTree>
+      <p:nvGrpSpPr>
+        <p:cNvPr id="1" name=""/>
+        <p:cNvGrpSpPr/>
+        <p:nvPr/>
+      </p:nvGrpSpPr>
+      <p:grpSpPr>
+        <a:xfrm>
+          <a:off x="0" y="0"/>
+          <a:ext cx="0" cy="0"/>
+          <a:chOff x="0" y="0"/>
+          <a:chExt cx="0" cy="0"/>
+        </a:xfrm>
+      </p:grpSpPr>
+      <p:pic>
+        <p:nvPicPr>
+          <p:cNvPr id="6" name="Picture 5">
+            <a:extLst>
+              <a:ext uri="{FF2B5EF4-FFF2-40B4-BE49-F238E27FC236}">
+                <a16:creationId xmlns:a16="http://schemas.microsoft.com/office/drawing/2014/main" id="{3AB9F594-C03F-C97E-A552-D21028275E9B}"/>
+              </a:ext>
+            </a:extLst>
+          </p:cNvPr>
+          <p:cNvPicPr>
+            <a:picLocks noChangeAspect="1"/>
+          </p:cNvPicPr>
+          <p:nvPr/>
+        </p:nvPicPr>
+        <p:blipFill>
+          <a:blip r:embed="rId2"/>
+          <a:stretch>
+            <a:fillRect/>
+          </a:stretch>
+        </p:blipFill>
+        <p:spPr>
+          <a:xfrm>
+            <a:off x="671064" y="3975100"/>
+            <a:ext cx="4000500" cy="2882900"/>
+          </a:xfrm>
+          <a:prstGeom prst="rect">
+            <a:avLst/>
+          </a:prstGeom>
+        </p:spPr>
+      </p:pic>
+      <p:sp>
+        <p:nvSpPr>
+          <p:cNvPr id="2" name="TextBox 1">
+            <a:extLst>
+              <a:ext uri="{FF2B5EF4-FFF2-40B4-BE49-F238E27FC236}">
+                <a16:creationId xmlns:a16="http://schemas.microsoft.com/office/drawing/2014/main" id="{E758D5CD-18BF-EE2E-47E2-E832CEE7988E}"/>
+              </a:ext>
+            </a:extLst>
+          </p:cNvPr>
+          <p:cNvSpPr txBox="1"/>
+          <p:nvPr/>
+        </p:nvSpPr>
+        <p:spPr>
+          <a:xfrm>
+            <a:off x="140127" y="221836"/>
+            <a:ext cx="3472810" cy="461665"/>
+          </a:xfrm>
+          <a:prstGeom prst="rect">
+            <a:avLst/>
+          </a:prstGeom>
+          <a:noFill/>
+        </p:spPr>
+        <p:txBody>
+          <a:bodyPr wrap="none" rtlCol="0">
+            <a:spAutoFit/>
+          </a:bodyPr>
+          <a:lstStyle/>
+          <a:p>
+            <a:r>
+              <a:rPr lang="en-US" sz="2400" dirty="0"/>
+              <a:t>Data set analysis – part 2</a:t>
+            </a:r>
+          </a:p>
+        </p:txBody>
+      </p:sp>
+      <p:pic>
+        <p:nvPicPr>
+          <p:cNvPr id="5" name="Picture 4">
+            <a:extLst>
+              <a:ext uri="{FF2B5EF4-FFF2-40B4-BE49-F238E27FC236}">
+                <a16:creationId xmlns:a16="http://schemas.microsoft.com/office/drawing/2014/main" id="{004E675A-1C32-B792-0686-94A327045471}"/>
+              </a:ext>
+            </a:extLst>
+          </p:cNvPr>
+          <p:cNvPicPr>
+            <a:picLocks noChangeAspect="1"/>
+          </p:cNvPicPr>
+          <p:nvPr/>
+        </p:nvPicPr>
+        <p:blipFill>
+          <a:blip r:embed="rId3"/>
+          <a:stretch>
+            <a:fillRect/>
+          </a:stretch>
+        </p:blipFill>
+        <p:spPr>
+          <a:xfrm>
+            <a:off x="3670560" y="698948"/>
+            <a:ext cx="3683000" cy="2882900"/>
+          </a:xfrm>
+          <a:prstGeom prst="rect">
+            <a:avLst/>
+          </a:prstGeom>
+        </p:spPr>
+      </p:pic>
+      <p:pic>
+        <p:nvPicPr>
+          <p:cNvPr id="7" name="Picture 6">
+            <a:extLst>
+              <a:ext uri="{FF2B5EF4-FFF2-40B4-BE49-F238E27FC236}">
+                <a16:creationId xmlns:a16="http://schemas.microsoft.com/office/drawing/2014/main" id="{27C0F13D-962E-3657-5DEE-34FD510A4981}"/>
+              </a:ext>
+            </a:extLst>
+          </p:cNvPr>
+          <p:cNvPicPr>
+            <a:picLocks noChangeAspect="1"/>
+          </p:cNvPicPr>
+          <p:nvPr/>
+        </p:nvPicPr>
+        <p:blipFill>
+          <a:blip r:embed="rId4"/>
+          <a:stretch>
+            <a:fillRect/>
+          </a:stretch>
+        </p:blipFill>
+        <p:spPr>
+          <a:xfrm>
+            <a:off x="7714172" y="711289"/>
+            <a:ext cx="3733800" cy="2882900"/>
+          </a:xfrm>
+          <a:prstGeom prst="rect">
+            <a:avLst/>
+          </a:prstGeom>
+        </p:spPr>
+      </p:pic>
+      <p:sp>
+        <p:nvSpPr>
+          <p:cNvPr id="8" name="Right Brace 7">
+            <a:extLst>
+              <a:ext uri="{FF2B5EF4-FFF2-40B4-BE49-F238E27FC236}">
+                <a16:creationId xmlns:a16="http://schemas.microsoft.com/office/drawing/2014/main" id="{384E57D8-39A4-D74D-ED33-24E95A329067}"/>
+              </a:ext>
+            </a:extLst>
+          </p:cNvPr>
+          <p:cNvSpPr/>
+          <p:nvPr/>
+        </p:nvSpPr>
+        <p:spPr>
+          <a:xfrm rot="3143533">
+            <a:off x="3147459" y="3942365"/>
+            <a:ext cx="297297" cy="2905664"/>
+          </a:xfrm>
+          <a:prstGeom prst="rightBrace">
+            <a:avLst/>
+          </a:prstGeom>
+        </p:spPr>
+        <p:style>
+          <a:lnRef idx="2">
+            <a:schemeClr val="accent1"/>
+          </a:lnRef>
+          <a:fillRef idx="0">
+            <a:schemeClr val="accent1"/>
+          </a:fillRef>
+          <a:effectRef idx="1">
+            <a:schemeClr val="accent1"/>
+          </a:effectRef>
+          <a:fontRef idx="minor">
+            <a:schemeClr val="tx1"/>
+          </a:fontRef>
+        </p:style>
+        <p:txBody>
+          <a:bodyPr rtlCol="0" anchor="ctr"/>
+          <a:lstStyle/>
+          <a:p>
+            <a:pPr algn="ctr"/>
+            <a:endParaRPr lang="en-US"/>
+          </a:p>
+        </p:txBody>
+      </p:sp>
+      <p:sp>
+        <p:nvSpPr>
+          <p:cNvPr id="9" name="TextBox 8">
+            <a:extLst>
+              <a:ext uri="{FF2B5EF4-FFF2-40B4-BE49-F238E27FC236}">
+                <a16:creationId xmlns:a16="http://schemas.microsoft.com/office/drawing/2014/main" id="{EC1A7CCE-E29E-8773-70DE-2B8B0A3A53C2}"/>
+              </a:ext>
+            </a:extLst>
+          </p:cNvPr>
+          <p:cNvSpPr txBox="1"/>
+          <p:nvPr/>
+        </p:nvSpPr>
+        <p:spPr>
+          <a:xfrm>
+            <a:off x="4996724" y="4364964"/>
+            <a:ext cx="6038000" cy="369332"/>
+          </a:xfrm>
+          <a:prstGeom prst="rect">
+            <a:avLst/>
+          </a:prstGeom>
+          <a:noFill/>
+        </p:spPr>
+        <p:txBody>
+          <a:bodyPr wrap="none" rtlCol="0">
+            <a:spAutoFit/>
+          </a:bodyPr>
+          <a:lstStyle/>
+          <a:p>
+            <a:r>
+              <a:rPr lang="en-US" dirty="0"/>
+              <a:t>Not surprising that larger </a:t>
+            </a:r>
+            <a:r>
+              <a:rPr lang="en-US" dirty="0" err="1">
+                <a:latin typeface="Symbol" pitchFamily="2" charset="2"/>
+              </a:rPr>
+              <a:t>D</a:t>
+            </a:r>
+            <a:r>
+              <a:rPr lang="en-US" dirty="0" err="1"/>
+              <a:t>Kd</a:t>
+            </a:r>
+            <a:r>
+              <a:rPr lang="en-US" dirty="0"/>
+              <a:t> correlate with larger </a:t>
+            </a:r>
+            <a:r>
+              <a:rPr lang="en-US" dirty="0" err="1"/>
+              <a:t>q_values</a:t>
+            </a:r>
+            <a:endParaRPr lang="en-US" dirty="0"/>
+          </a:p>
+        </p:txBody>
+      </p:sp>
+      <p:sp>
+        <p:nvSpPr>
+          <p:cNvPr id="10" name="TextBox 9">
+            <a:extLst>
+              <a:ext uri="{FF2B5EF4-FFF2-40B4-BE49-F238E27FC236}">
+                <a16:creationId xmlns:a16="http://schemas.microsoft.com/office/drawing/2014/main" id="{086D1D2D-CE4E-8707-3A56-AEBF7E6EF12B}"/>
+              </a:ext>
+            </a:extLst>
+          </p:cNvPr>
+          <p:cNvSpPr txBox="1"/>
+          <p:nvPr/>
+        </p:nvSpPr>
+        <p:spPr>
+          <a:xfrm>
+            <a:off x="5323334" y="302307"/>
+            <a:ext cx="582724" cy="369332"/>
+          </a:xfrm>
+          <a:prstGeom prst="rect">
+            <a:avLst/>
+          </a:prstGeom>
+          <a:noFill/>
+        </p:spPr>
+        <p:txBody>
+          <a:bodyPr wrap="none" rtlCol="0">
+            <a:spAutoFit/>
+          </a:bodyPr>
+          <a:lstStyle/>
+          <a:p>
+            <a:r>
+              <a:rPr lang="en-US" dirty="0" err="1">
+                <a:latin typeface="Symbol" pitchFamily="2" charset="2"/>
+              </a:rPr>
+              <a:t>D</a:t>
+            </a:r>
+            <a:r>
+              <a:rPr lang="en-US" dirty="0" err="1"/>
+              <a:t>Kd</a:t>
+            </a:r>
+            <a:endParaRPr lang="en-US" dirty="0"/>
+          </a:p>
+        </p:txBody>
+      </p:sp>
+      <p:sp>
+        <p:nvSpPr>
+          <p:cNvPr id="11" name="TextBox 10">
+            <a:extLst>
+              <a:ext uri="{FF2B5EF4-FFF2-40B4-BE49-F238E27FC236}">
+                <a16:creationId xmlns:a16="http://schemas.microsoft.com/office/drawing/2014/main" id="{C911AC79-99E3-3159-74E9-7C2EACF44FA1}"/>
+              </a:ext>
+            </a:extLst>
+          </p:cNvPr>
+          <p:cNvSpPr txBox="1"/>
+          <p:nvPr/>
+        </p:nvSpPr>
+        <p:spPr>
+          <a:xfrm>
+            <a:off x="9237548" y="314648"/>
+            <a:ext cx="1068754" cy="369332"/>
+          </a:xfrm>
+          <a:prstGeom prst="rect">
+            <a:avLst/>
+          </a:prstGeom>
+          <a:noFill/>
+        </p:spPr>
+        <p:txBody>
+          <a:bodyPr wrap="none" rtlCol="0">
+            <a:spAutoFit/>
+          </a:bodyPr>
+          <a:lstStyle/>
+          <a:p>
+            <a:r>
+              <a:rPr lang="en-US" dirty="0" err="1"/>
+              <a:t>q_values</a:t>
+            </a:r>
+            <a:endParaRPr lang="en-US" dirty="0"/>
+          </a:p>
+        </p:txBody>
+      </p:sp>
+      <p:sp>
+        <p:nvSpPr>
+          <p:cNvPr id="13" name="TextBox 12">
+            <a:extLst>
+              <a:ext uri="{FF2B5EF4-FFF2-40B4-BE49-F238E27FC236}">
+                <a16:creationId xmlns:a16="http://schemas.microsoft.com/office/drawing/2014/main" id="{D4AB0126-C1AF-39FE-F8F1-B266C4A5FFE9}"/>
+              </a:ext>
+            </a:extLst>
+          </p:cNvPr>
+          <p:cNvSpPr txBox="1"/>
+          <p:nvPr/>
+        </p:nvSpPr>
+        <p:spPr>
+          <a:xfrm>
+            <a:off x="1643252" y="3594189"/>
+            <a:ext cx="1662635" cy="369332"/>
+          </a:xfrm>
+          <a:prstGeom prst="rect">
+            <a:avLst/>
+          </a:prstGeom>
+          <a:noFill/>
+        </p:spPr>
+        <p:txBody>
+          <a:bodyPr wrap="none" rtlCol="0">
+            <a:spAutoFit/>
+          </a:bodyPr>
+          <a:lstStyle/>
+          <a:p>
+            <a:r>
+              <a:rPr lang="en-US" dirty="0" err="1">
+                <a:latin typeface="Symbol" pitchFamily="2" charset="2"/>
+              </a:rPr>
+              <a:t>D</a:t>
+            </a:r>
+            <a:r>
+              <a:rPr lang="en-US" dirty="0" err="1"/>
+              <a:t>Kd</a:t>
+            </a:r>
+            <a:r>
+              <a:rPr lang="en-US" dirty="0"/>
+              <a:t> vs </a:t>
+            </a:r>
+            <a:r>
+              <a:rPr lang="en-US" dirty="0" err="1"/>
+              <a:t>q_value</a:t>
+            </a:r>
+            <a:endParaRPr lang="en-US" dirty="0"/>
+          </a:p>
+        </p:txBody>
+      </p:sp>
+      <p:sp>
+        <p:nvSpPr>
+          <p:cNvPr id="14" name="TextBox 13">
+            <a:extLst>
+              <a:ext uri="{FF2B5EF4-FFF2-40B4-BE49-F238E27FC236}">
+                <a16:creationId xmlns:a16="http://schemas.microsoft.com/office/drawing/2014/main" id="{A11BB0B1-F8C8-C7DA-DD29-480E8BEA37CF}"/>
+              </a:ext>
+            </a:extLst>
+          </p:cNvPr>
+          <p:cNvSpPr txBox="1"/>
+          <p:nvPr/>
+        </p:nvSpPr>
+        <p:spPr>
+          <a:xfrm>
+            <a:off x="5037826" y="5365630"/>
+            <a:ext cx="5326138" cy="369332"/>
+          </a:xfrm>
+          <a:prstGeom prst="rect">
+            <a:avLst/>
+          </a:prstGeom>
+          <a:noFill/>
+        </p:spPr>
+        <p:txBody>
+          <a:bodyPr wrap="none" rtlCol="0">
+            <a:spAutoFit/>
+          </a:bodyPr>
+          <a:lstStyle/>
+          <a:p>
+            <a:r>
+              <a:rPr lang="en-US" dirty="0"/>
+              <a:t>Data in this region should be considered for removal</a:t>
+            </a:r>
+          </a:p>
+        </p:txBody>
+      </p:sp>
+      <p:cxnSp>
+        <p:nvCxnSpPr>
+          <p:cNvPr id="16" name="Straight Arrow Connector 15">
+            <a:extLst>
+              <a:ext uri="{FF2B5EF4-FFF2-40B4-BE49-F238E27FC236}">
+                <a16:creationId xmlns:a16="http://schemas.microsoft.com/office/drawing/2014/main" id="{E08DA9AE-070F-EC00-8E9C-B9BB358B7474}"/>
+              </a:ext>
+            </a:extLst>
+          </p:cNvPr>
+          <p:cNvCxnSpPr>
+            <a:cxnSpLocks/>
+            <a:stCxn id="14" idx="1"/>
+          </p:cNvCxnSpPr>
+          <p:nvPr/>
+        </p:nvCxnSpPr>
+        <p:spPr>
+          <a:xfrm flipH="1">
+            <a:off x="3485072" y="5550296"/>
+            <a:ext cx="1552754" cy="0"/>
+          </a:xfrm>
+          <a:prstGeom prst="straightConnector1">
+            <a:avLst/>
+          </a:prstGeom>
+          <a:ln>
+            <a:tailEnd type="triangle"/>
+          </a:ln>
+        </p:spPr>
+        <p:style>
+          <a:lnRef idx="2">
+            <a:schemeClr val="accent1"/>
+          </a:lnRef>
+          <a:fillRef idx="0">
+            <a:schemeClr val="accent1"/>
+          </a:fillRef>
+          <a:effectRef idx="1">
+            <a:schemeClr val="accent1"/>
+          </a:effectRef>
+          <a:fontRef idx="minor">
+            <a:schemeClr val="tx1"/>
+          </a:fontRef>
+        </p:style>
+      </p:cxnSp>
+    </p:spTree>
+    <p:extLst>
+      <p:ext uri="{BB962C8B-B14F-4D97-AF65-F5344CB8AC3E}">
+        <p14:creationId xmlns:p14="http://schemas.microsoft.com/office/powerpoint/2010/main" val="193642418"/>
+      </p:ext>
+    </p:extLst>
+  </p:cSld>
+  <p:clrMapOvr>
+    <a:masterClrMapping/>
+  </p:clrMapOvr>
+</p:sld>
+</file>
+
+<file path=ppt/slides/slide30.xml><?xml version="1.0" encoding="utf-8"?>
 <p:sld xmlns:a="http://schemas.openxmlformats.org/drawingml/2006/main" xmlns:r="http://schemas.openxmlformats.org/officeDocument/2006/relationships" xmlns:p="http://schemas.openxmlformats.org/presentationml/2006/main">
   <p:cSld>
     <p:spTree>
@@ -18356,7 +19691,7 @@
 </p:sld>
 </file>
 
-<file path=ppt/slides/slide27.xml><?xml version="1.0" encoding="utf-8"?>
+<file path=ppt/slides/slide31.xml><?xml version="1.0" encoding="utf-8"?>
 <p:sld xmlns:a="http://schemas.openxmlformats.org/drawingml/2006/main" xmlns:r="http://schemas.openxmlformats.org/officeDocument/2006/relationships" xmlns:p="http://schemas.openxmlformats.org/presentationml/2006/main">
   <p:cSld>
     <p:spTree>
@@ -18386,7 +19721,7 @@
 </p:sld>
 </file>
 
-<file path=ppt/slides/slide28.xml><?xml version="1.0" encoding="utf-8"?>
+<file path=ppt/slides/slide32.xml><?xml version="1.0" encoding="utf-8"?>
 <p:sld xmlns:a="http://schemas.openxmlformats.org/drawingml/2006/main" xmlns:r="http://schemas.openxmlformats.org/officeDocument/2006/relationships" xmlns:p="http://schemas.openxmlformats.org/presentationml/2006/main">
   <p:cSld>
     <p:spTree>
@@ -18548,7 +19883,7 @@
 </p:sld>
 </file>
 
-<file path=ppt/slides/slide29.xml><?xml version="1.0" encoding="utf-8"?>
+<file path=ppt/slides/slide33.xml><?xml version="1.0" encoding="utf-8"?>
 <p:sld xmlns:a="http://schemas.openxmlformats.org/drawingml/2006/main" xmlns:r="http://schemas.openxmlformats.org/officeDocument/2006/relationships" xmlns:p="http://schemas.openxmlformats.org/presentationml/2006/main">
   <p:cSld>
     <p:spTree>
@@ -19478,465 +20813,7 @@
 </p:sld>
 </file>
 
-<file path=ppt/slides/slide3.xml><?xml version="1.0" encoding="utf-8"?>
-<p:sld xmlns:a="http://schemas.openxmlformats.org/drawingml/2006/main" xmlns:r="http://schemas.openxmlformats.org/officeDocument/2006/relationships" xmlns:p="http://schemas.openxmlformats.org/presentationml/2006/main">
-  <p:cSld>
-    <p:spTree>
-      <p:nvGrpSpPr>
-        <p:cNvPr id="1" name=""/>
-        <p:cNvGrpSpPr/>
-        <p:nvPr/>
-      </p:nvGrpSpPr>
-      <p:grpSpPr>
-        <a:xfrm>
-          <a:off x="0" y="0"/>
-          <a:ext cx="0" cy="0"/>
-          <a:chOff x="0" y="0"/>
-          <a:chExt cx="0" cy="0"/>
-        </a:xfrm>
-      </p:grpSpPr>
-      <p:pic>
-        <p:nvPicPr>
-          <p:cNvPr id="6" name="Picture 5">
-            <a:extLst>
-              <a:ext uri="{FF2B5EF4-FFF2-40B4-BE49-F238E27FC236}">
-                <a16:creationId xmlns:a16="http://schemas.microsoft.com/office/drawing/2014/main" id="{3AB9F594-C03F-C97E-A552-D21028275E9B}"/>
-              </a:ext>
-            </a:extLst>
-          </p:cNvPr>
-          <p:cNvPicPr>
-            <a:picLocks noChangeAspect="1"/>
-          </p:cNvPicPr>
-          <p:nvPr/>
-        </p:nvPicPr>
-        <p:blipFill>
-          <a:blip r:embed="rId2"/>
-          <a:stretch>
-            <a:fillRect/>
-          </a:stretch>
-        </p:blipFill>
-        <p:spPr>
-          <a:xfrm>
-            <a:off x="671064" y="3975100"/>
-            <a:ext cx="4000500" cy="2882900"/>
-          </a:xfrm>
-          <a:prstGeom prst="rect">
-            <a:avLst/>
-          </a:prstGeom>
-        </p:spPr>
-      </p:pic>
-      <p:sp>
-        <p:nvSpPr>
-          <p:cNvPr id="2" name="TextBox 1">
-            <a:extLst>
-              <a:ext uri="{FF2B5EF4-FFF2-40B4-BE49-F238E27FC236}">
-                <a16:creationId xmlns:a16="http://schemas.microsoft.com/office/drawing/2014/main" id="{E758D5CD-18BF-EE2E-47E2-E832CEE7988E}"/>
-              </a:ext>
-            </a:extLst>
-          </p:cNvPr>
-          <p:cNvSpPr txBox="1"/>
-          <p:nvPr/>
-        </p:nvSpPr>
-        <p:spPr>
-          <a:xfrm>
-            <a:off x="140127" y="221836"/>
-            <a:ext cx="3472810" cy="461665"/>
-          </a:xfrm>
-          <a:prstGeom prst="rect">
-            <a:avLst/>
-          </a:prstGeom>
-          <a:noFill/>
-        </p:spPr>
-        <p:txBody>
-          <a:bodyPr wrap="none" rtlCol="0">
-            <a:spAutoFit/>
-          </a:bodyPr>
-          <a:lstStyle/>
-          <a:p>
-            <a:r>
-              <a:rPr lang="en-US" sz="2400" dirty="0"/>
-              <a:t>Data set analysis – part 2</a:t>
-            </a:r>
-          </a:p>
-        </p:txBody>
-      </p:sp>
-      <p:pic>
-        <p:nvPicPr>
-          <p:cNvPr id="5" name="Picture 4">
-            <a:extLst>
-              <a:ext uri="{FF2B5EF4-FFF2-40B4-BE49-F238E27FC236}">
-                <a16:creationId xmlns:a16="http://schemas.microsoft.com/office/drawing/2014/main" id="{004E675A-1C32-B792-0686-94A327045471}"/>
-              </a:ext>
-            </a:extLst>
-          </p:cNvPr>
-          <p:cNvPicPr>
-            <a:picLocks noChangeAspect="1"/>
-          </p:cNvPicPr>
-          <p:nvPr/>
-        </p:nvPicPr>
-        <p:blipFill>
-          <a:blip r:embed="rId3"/>
-          <a:stretch>
-            <a:fillRect/>
-          </a:stretch>
-        </p:blipFill>
-        <p:spPr>
-          <a:xfrm>
-            <a:off x="3670560" y="698948"/>
-            <a:ext cx="3683000" cy="2882900"/>
-          </a:xfrm>
-          <a:prstGeom prst="rect">
-            <a:avLst/>
-          </a:prstGeom>
-        </p:spPr>
-      </p:pic>
-      <p:pic>
-        <p:nvPicPr>
-          <p:cNvPr id="7" name="Picture 6">
-            <a:extLst>
-              <a:ext uri="{FF2B5EF4-FFF2-40B4-BE49-F238E27FC236}">
-                <a16:creationId xmlns:a16="http://schemas.microsoft.com/office/drawing/2014/main" id="{27C0F13D-962E-3657-5DEE-34FD510A4981}"/>
-              </a:ext>
-            </a:extLst>
-          </p:cNvPr>
-          <p:cNvPicPr>
-            <a:picLocks noChangeAspect="1"/>
-          </p:cNvPicPr>
-          <p:nvPr/>
-        </p:nvPicPr>
-        <p:blipFill>
-          <a:blip r:embed="rId4"/>
-          <a:stretch>
-            <a:fillRect/>
-          </a:stretch>
-        </p:blipFill>
-        <p:spPr>
-          <a:xfrm>
-            <a:off x="7714172" y="711289"/>
-            <a:ext cx="3733800" cy="2882900"/>
-          </a:xfrm>
-          <a:prstGeom prst="rect">
-            <a:avLst/>
-          </a:prstGeom>
-        </p:spPr>
-      </p:pic>
-      <p:sp>
-        <p:nvSpPr>
-          <p:cNvPr id="8" name="Right Brace 7">
-            <a:extLst>
-              <a:ext uri="{FF2B5EF4-FFF2-40B4-BE49-F238E27FC236}">
-                <a16:creationId xmlns:a16="http://schemas.microsoft.com/office/drawing/2014/main" id="{384E57D8-39A4-D74D-ED33-24E95A329067}"/>
-              </a:ext>
-            </a:extLst>
-          </p:cNvPr>
-          <p:cNvSpPr/>
-          <p:nvPr/>
-        </p:nvSpPr>
-        <p:spPr>
-          <a:xfrm rot="3143533">
-            <a:off x="3147459" y="3942365"/>
-            <a:ext cx="297297" cy="2905664"/>
-          </a:xfrm>
-          <a:prstGeom prst="rightBrace">
-            <a:avLst/>
-          </a:prstGeom>
-        </p:spPr>
-        <p:style>
-          <a:lnRef idx="2">
-            <a:schemeClr val="accent1"/>
-          </a:lnRef>
-          <a:fillRef idx="0">
-            <a:schemeClr val="accent1"/>
-          </a:fillRef>
-          <a:effectRef idx="1">
-            <a:schemeClr val="accent1"/>
-          </a:effectRef>
-          <a:fontRef idx="minor">
-            <a:schemeClr val="tx1"/>
-          </a:fontRef>
-        </p:style>
-        <p:txBody>
-          <a:bodyPr rtlCol="0" anchor="ctr"/>
-          <a:lstStyle/>
-          <a:p>
-            <a:pPr algn="ctr"/>
-            <a:endParaRPr lang="en-US"/>
-          </a:p>
-        </p:txBody>
-      </p:sp>
-      <p:sp>
-        <p:nvSpPr>
-          <p:cNvPr id="9" name="TextBox 8">
-            <a:extLst>
-              <a:ext uri="{FF2B5EF4-FFF2-40B4-BE49-F238E27FC236}">
-                <a16:creationId xmlns:a16="http://schemas.microsoft.com/office/drawing/2014/main" id="{EC1A7CCE-E29E-8773-70DE-2B8B0A3A53C2}"/>
-              </a:ext>
-            </a:extLst>
-          </p:cNvPr>
-          <p:cNvSpPr txBox="1"/>
-          <p:nvPr/>
-        </p:nvSpPr>
-        <p:spPr>
-          <a:xfrm>
-            <a:off x="4996724" y="4364964"/>
-            <a:ext cx="6038000" cy="369332"/>
-          </a:xfrm>
-          <a:prstGeom prst="rect">
-            <a:avLst/>
-          </a:prstGeom>
-          <a:noFill/>
-        </p:spPr>
-        <p:txBody>
-          <a:bodyPr wrap="none" rtlCol="0">
-            <a:spAutoFit/>
-          </a:bodyPr>
-          <a:lstStyle/>
-          <a:p>
-            <a:r>
-              <a:rPr lang="en-US" dirty="0"/>
-              <a:t>Not surprising that larger </a:t>
-            </a:r>
-            <a:r>
-              <a:rPr lang="en-US" dirty="0" err="1">
-                <a:latin typeface="Symbol" pitchFamily="2" charset="2"/>
-              </a:rPr>
-              <a:t>D</a:t>
-            </a:r>
-            <a:r>
-              <a:rPr lang="en-US" dirty="0" err="1"/>
-              <a:t>Kd</a:t>
-            </a:r>
-            <a:r>
-              <a:rPr lang="en-US" dirty="0"/>
-              <a:t> correlate with larger </a:t>
-            </a:r>
-            <a:r>
-              <a:rPr lang="en-US" dirty="0" err="1"/>
-              <a:t>q_values</a:t>
-            </a:r>
-            <a:endParaRPr lang="en-US" dirty="0"/>
-          </a:p>
-        </p:txBody>
-      </p:sp>
-      <p:sp>
-        <p:nvSpPr>
-          <p:cNvPr id="10" name="TextBox 9">
-            <a:extLst>
-              <a:ext uri="{FF2B5EF4-FFF2-40B4-BE49-F238E27FC236}">
-                <a16:creationId xmlns:a16="http://schemas.microsoft.com/office/drawing/2014/main" id="{086D1D2D-CE4E-8707-3A56-AEBF7E6EF12B}"/>
-              </a:ext>
-            </a:extLst>
-          </p:cNvPr>
-          <p:cNvSpPr txBox="1"/>
-          <p:nvPr/>
-        </p:nvSpPr>
-        <p:spPr>
-          <a:xfrm>
-            <a:off x="5323334" y="302307"/>
-            <a:ext cx="582724" cy="369332"/>
-          </a:xfrm>
-          <a:prstGeom prst="rect">
-            <a:avLst/>
-          </a:prstGeom>
-          <a:noFill/>
-        </p:spPr>
-        <p:txBody>
-          <a:bodyPr wrap="none" rtlCol="0">
-            <a:spAutoFit/>
-          </a:bodyPr>
-          <a:lstStyle/>
-          <a:p>
-            <a:r>
-              <a:rPr lang="en-US" dirty="0" err="1">
-                <a:latin typeface="Symbol" pitchFamily="2" charset="2"/>
-              </a:rPr>
-              <a:t>D</a:t>
-            </a:r>
-            <a:r>
-              <a:rPr lang="en-US" dirty="0" err="1"/>
-              <a:t>Kd</a:t>
-            </a:r>
-            <a:endParaRPr lang="en-US" dirty="0"/>
-          </a:p>
-        </p:txBody>
-      </p:sp>
-      <p:sp>
-        <p:nvSpPr>
-          <p:cNvPr id="11" name="TextBox 10">
-            <a:extLst>
-              <a:ext uri="{FF2B5EF4-FFF2-40B4-BE49-F238E27FC236}">
-                <a16:creationId xmlns:a16="http://schemas.microsoft.com/office/drawing/2014/main" id="{C911AC79-99E3-3159-74E9-7C2EACF44FA1}"/>
-              </a:ext>
-            </a:extLst>
-          </p:cNvPr>
-          <p:cNvSpPr txBox="1"/>
-          <p:nvPr/>
-        </p:nvSpPr>
-        <p:spPr>
-          <a:xfrm>
-            <a:off x="9237548" y="314648"/>
-            <a:ext cx="1068754" cy="369332"/>
-          </a:xfrm>
-          <a:prstGeom prst="rect">
-            <a:avLst/>
-          </a:prstGeom>
-          <a:noFill/>
-        </p:spPr>
-        <p:txBody>
-          <a:bodyPr wrap="none" rtlCol="0">
-            <a:spAutoFit/>
-          </a:bodyPr>
-          <a:lstStyle/>
-          <a:p>
-            <a:r>
-              <a:rPr lang="en-US" dirty="0" err="1"/>
-              <a:t>q_values</a:t>
-            </a:r>
-            <a:endParaRPr lang="en-US" dirty="0"/>
-          </a:p>
-        </p:txBody>
-      </p:sp>
-      <p:sp>
-        <p:nvSpPr>
-          <p:cNvPr id="13" name="TextBox 12">
-            <a:extLst>
-              <a:ext uri="{FF2B5EF4-FFF2-40B4-BE49-F238E27FC236}">
-                <a16:creationId xmlns:a16="http://schemas.microsoft.com/office/drawing/2014/main" id="{D4AB0126-C1AF-39FE-F8F1-B266C4A5FFE9}"/>
-              </a:ext>
-            </a:extLst>
-          </p:cNvPr>
-          <p:cNvSpPr txBox="1"/>
-          <p:nvPr/>
-        </p:nvSpPr>
-        <p:spPr>
-          <a:xfrm>
-            <a:off x="1643252" y="3594189"/>
-            <a:ext cx="1662635" cy="369332"/>
-          </a:xfrm>
-          <a:prstGeom prst="rect">
-            <a:avLst/>
-          </a:prstGeom>
-          <a:noFill/>
-        </p:spPr>
-        <p:txBody>
-          <a:bodyPr wrap="none" rtlCol="0">
-            <a:spAutoFit/>
-          </a:bodyPr>
-          <a:lstStyle/>
-          <a:p>
-            <a:r>
-              <a:rPr lang="en-US" dirty="0" err="1">
-                <a:latin typeface="Symbol" pitchFamily="2" charset="2"/>
-              </a:rPr>
-              <a:t>D</a:t>
-            </a:r>
-            <a:r>
-              <a:rPr lang="en-US" dirty="0" err="1"/>
-              <a:t>Kd</a:t>
-            </a:r>
-            <a:r>
-              <a:rPr lang="en-US" dirty="0"/>
-              <a:t> vs </a:t>
-            </a:r>
-            <a:r>
-              <a:rPr lang="en-US" dirty="0" err="1"/>
-              <a:t>q_value</a:t>
-            </a:r>
-            <a:endParaRPr lang="en-US" dirty="0"/>
-          </a:p>
-        </p:txBody>
-      </p:sp>
-      <p:sp>
-        <p:nvSpPr>
-          <p:cNvPr id="14" name="TextBox 13">
-            <a:extLst>
-              <a:ext uri="{FF2B5EF4-FFF2-40B4-BE49-F238E27FC236}">
-                <a16:creationId xmlns:a16="http://schemas.microsoft.com/office/drawing/2014/main" id="{A11BB0B1-F8C8-C7DA-DD29-480E8BEA37CF}"/>
-              </a:ext>
-            </a:extLst>
-          </p:cNvPr>
-          <p:cNvSpPr txBox="1"/>
-          <p:nvPr/>
-        </p:nvSpPr>
-        <p:spPr>
-          <a:xfrm>
-            <a:off x="5037826" y="5365630"/>
-            <a:ext cx="5326138" cy="369332"/>
-          </a:xfrm>
-          <a:prstGeom prst="rect">
-            <a:avLst/>
-          </a:prstGeom>
-          <a:noFill/>
-        </p:spPr>
-        <p:txBody>
-          <a:bodyPr wrap="none" rtlCol="0">
-            <a:spAutoFit/>
-          </a:bodyPr>
-          <a:lstStyle/>
-          <a:p>
-            <a:r>
-              <a:rPr lang="en-US" dirty="0"/>
-              <a:t>Data in this region should be considered for removal</a:t>
-            </a:r>
-          </a:p>
-        </p:txBody>
-      </p:sp>
-      <p:cxnSp>
-        <p:nvCxnSpPr>
-          <p:cNvPr id="16" name="Straight Arrow Connector 15">
-            <a:extLst>
-              <a:ext uri="{FF2B5EF4-FFF2-40B4-BE49-F238E27FC236}">
-                <a16:creationId xmlns:a16="http://schemas.microsoft.com/office/drawing/2014/main" id="{E08DA9AE-070F-EC00-8E9C-B9BB358B7474}"/>
-              </a:ext>
-            </a:extLst>
-          </p:cNvPr>
-          <p:cNvCxnSpPr>
-            <a:cxnSpLocks/>
-            <a:stCxn id="14" idx="1"/>
-          </p:cNvCxnSpPr>
-          <p:nvPr/>
-        </p:nvCxnSpPr>
-        <p:spPr>
-          <a:xfrm flipH="1">
-            <a:off x="3485072" y="5550296"/>
-            <a:ext cx="1552754" cy="0"/>
-          </a:xfrm>
-          <a:prstGeom prst="straightConnector1">
-            <a:avLst/>
-          </a:prstGeom>
-          <a:ln>
-            <a:tailEnd type="triangle"/>
-          </a:ln>
-        </p:spPr>
-        <p:style>
-          <a:lnRef idx="2">
-            <a:schemeClr val="accent1"/>
-          </a:lnRef>
-          <a:fillRef idx="0">
-            <a:schemeClr val="accent1"/>
-          </a:fillRef>
-          <a:effectRef idx="1">
-            <a:schemeClr val="accent1"/>
-          </a:effectRef>
-          <a:fontRef idx="minor">
-            <a:schemeClr val="tx1"/>
-          </a:fontRef>
-        </p:style>
-      </p:cxnSp>
-    </p:spTree>
-    <p:extLst>
-      <p:ext uri="{BB962C8B-B14F-4D97-AF65-F5344CB8AC3E}">
-        <p14:creationId xmlns:p14="http://schemas.microsoft.com/office/powerpoint/2010/main" val="193642418"/>
-      </p:ext>
-    </p:extLst>
-  </p:cSld>
-  <p:clrMapOvr>
-    <a:masterClrMapping/>
-  </p:clrMapOvr>
-</p:sld>
-</file>
-
-<file path=ppt/slides/slide30.xml><?xml version="1.0" encoding="utf-8"?>
+<file path=ppt/slides/slide34.xml><?xml version="1.0" encoding="utf-8"?>
 <p:sld xmlns:a="http://schemas.openxmlformats.org/drawingml/2006/main" xmlns:r="http://schemas.openxmlformats.org/officeDocument/2006/relationships" xmlns:p="http://schemas.openxmlformats.org/presentationml/2006/main">
   <p:cSld>
     <p:spTree>
@@ -21181,7 +22058,7 @@
 </p:sld>
 </file>
 
-<file path=ppt/slides/slide31.xml><?xml version="1.0" encoding="utf-8"?>
+<file path=ppt/slides/slide35.xml><?xml version="1.0" encoding="utf-8"?>
 <p:sld xmlns:a="http://schemas.openxmlformats.org/drawingml/2006/main" xmlns:r="http://schemas.openxmlformats.org/officeDocument/2006/relationships" xmlns:p="http://schemas.openxmlformats.org/presentationml/2006/main">
   <p:cSld>
     <p:spTree>
@@ -21444,7 +22321,7 @@
 </p:sld>
 </file>
 
-<file path=ppt/slides/slide32.xml><?xml version="1.0" encoding="utf-8"?>
+<file path=ppt/slides/slide36.xml><?xml version="1.0" encoding="utf-8"?>
 <p:sld xmlns:a="http://schemas.openxmlformats.org/drawingml/2006/main" xmlns:r="http://schemas.openxmlformats.org/officeDocument/2006/relationships" xmlns:p="http://schemas.openxmlformats.org/presentationml/2006/main">
   <p:cSld>
     <p:spTree>
@@ -23490,7 +24367,7 @@
 </p:sld>
 </file>
 
-<file path=ppt/slides/slide33.xml><?xml version="1.0" encoding="utf-8"?>
+<file path=ppt/slides/slide37.xml><?xml version="1.0" encoding="utf-8"?>
 <p:sld xmlns:a="http://schemas.openxmlformats.org/drawingml/2006/main" xmlns:r="http://schemas.openxmlformats.org/officeDocument/2006/relationships" xmlns:p="http://schemas.openxmlformats.org/presentationml/2006/main">
   <p:cSld>
     <p:spTree>
@@ -24169,7 +25046,7 @@
 </p:sld>
 </file>
 
-<file path=ppt/slides/slide34.xml><?xml version="1.0" encoding="utf-8"?>
+<file path=ppt/slides/slide38.xml><?xml version="1.0" encoding="utf-8"?>
 <p:sld xmlns:a="http://schemas.openxmlformats.org/drawingml/2006/main" xmlns:r="http://schemas.openxmlformats.org/officeDocument/2006/relationships" xmlns:p="http://schemas.openxmlformats.org/presentationml/2006/main">
   <p:cSld>
     <p:spTree>
@@ -25397,7 +26274,7 @@
 </p:sld>
 </file>
 
-<file path=ppt/slides/slide35.xml><?xml version="1.0" encoding="utf-8"?>
+<file path=ppt/slides/slide39.xml><?xml version="1.0" encoding="utf-8"?>
 <p:sld xmlns:a="http://schemas.openxmlformats.org/drawingml/2006/main" xmlns:r="http://schemas.openxmlformats.org/officeDocument/2006/relationships" xmlns:p="http://schemas.openxmlformats.org/presentationml/2006/main">
   <p:cSld>
     <p:spTree>
@@ -28220,1251 +29097,6 @@
 </p:sld>
 </file>
 
-<file path=ppt/slides/slide36.xml><?xml version="1.0" encoding="utf-8"?>
-<p:sld xmlns:a="http://schemas.openxmlformats.org/drawingml/2006/main" xmlns:r="http://schemas.openxmlformats.org/officeDocument/2006/relationships" xmlns:p="http://schemas.openxmlformats.org/presentationml/2006/main">
-  <p:cSld>
-    <p:spTree>
-      <p:nvGrpSpPr>
-        <p:cNvPr id="1" name=""/>
-        <p:cNvGrpSpPr/>
-        <p:nvPr/>
-      </p:nvGrpSpPr>
-      <p:grpSpPr>
-        <a:xfrm>
-          <a:off x="0" y="0"/>
-          <a:ext cx="0" cy="0"/>
-          <a:chOff x="0" y="0"/>
-          <a:chExt cx="0" cy="0"/>
-        </a:xfrm>
-      </p:grpSpPr>
-      <p:sp>
-        <p:nvSpPr>
-          <p:cNvPr id="2" name="TextBox 1">
-            <a:extLst>
-              <a:ext uri="{FF2B5EF4-FFF2-40B4-BE49-F238E27FC236}">
-                <a16:creationId xmlns:a16="http://schemas.microsoft.com/office/drawing/2014/main" id="{173364C4-CB84-A1D3-F6F3-AC3B3E94681F}"/>
-              </a:ext>
-            </a:extLst>
-          </p:cNvPr>
-          <p:cNvSpPr txBox="1"/>
-          <p:nvPr/>
-        </p:nvSpPr>
-        <p:spPr>
-          <a:xfrm>
-            <a:off x="933090" y="1100040"/>
-            <a:ext cx="10325819" cy="2308324"/>
-          </a:xfrm>
-          <a:prstGeom prst="rect">
-            <a:avLst/>
-          </a:prstGeom>
-          <a:noFill/>
-        </p:spPr>
-        <p:txBody>
-          <a:bodyPr wrap="square" rtlCol="0">
-            <a:spAutoFit/>
-          </a:bodyPr>
-          <a:lstStyle/>
-          <a:p>
-            <a:r>
-              <a:rPr lang="en-US" dirty="0"/>
-              <a:t>Position embedding:</a:t>
-            </a:r>
-          </a:p>
-          <a:p>
-            <a:pPr marL="342900" indent="-342900">
-              <a:buFont typeface="+mj-lt"/>
-              <a:buAutoNum type="arabicPeriod"/>
-            </a:pPr>
-            <a:r>
-              <a:rPr lang="en-US" dirty="0"/>
-              <a:t>Use absolute position determined from each specific aa sequence?</a:t>
-            </a:r>
-          </a:p>
-          <a:p>
-            <a:pPr marL="342900" indent="-342900">
-              <a:buFont typeface="+mj-lt"/>
-              <a:buAutoNum type="arabicPeriod"/>
-            </a:pPr>
-            <a:endParaRPr lang="en-US" dirty="0"/>
-          </a:p>
-          <a:p>
-            <a:pPr marL="342900" indent="-342900">
-              <a:buFont typeface="+mj-lt"/>
-              <a:buAutoNum type="arabicPeriod"/>
-            </a:pPr>
-            <a:r>
-              <a:rPr lang="en-US" dirty="0"/>
-              <a:t>Or, the absolute position in the entire human light chain? </a:t>
-            </a:r>
-          </a:p>
-          <a:p>
-            <a:pPr marL="742950" lvl="1" indent="-285750">
-              <a:buFont typeface="Arial" panose="020B0604020202020204" pitchFamily="34" charset="0"/>
-              <a:buChar char="•"/>
-            </a:pPr>
-            <a:r>
-              <a:rPr lang="en-US" dirty="0"/>
-              <a:t>makes more sense but not sure how I can get this information or if it changes for different antibody types (</a:t>
-            </a:r>
-            <a:r>
-              <a:rPr lang="en-US" dirty="0" err="1"/>
-              <a:t>ie</a:t>
-            </a:r>
-            <a:r>
-              <a:rPr lang="en-US" dirty="0"/>
-              <a:t>. IgG, IgA, </a:t>
-            </a:r>
-            <a:r>
-              <a:rPr lang="en-US" dirty="0" err="1"/>
-              <a:t>etc</a:t>
-            </a:r>
-            <a:r>
-              <a:rPr lang="en-US" dirty="0"/>
-              <a:t>)</a:t>
-            </a:r>
-          </a:p>
-          <a:p>
-            <a:pPr marL="742950" lvl="1" indent="-285750">
-              <a:buFont typeface="Arial" panose="020B0604020202020204" pitchFamily="34" charset="0"/>
-              <a:buChar char="•"/>
-            </a:pPr>
-            <a:r>
-              <a:rPr lang="en-US" dirty="0"/>
-              <a:t>There is no absolute light chain length for human IgG abs.  A few different chains have slightly different lengths.  Absolute alignment with reference light chains is probably not practical.</a:t>
-            </a:r>
-          </a:p>
-        </p:txBody>
-      </p:sp>
-      <p:sp>
-        <p:nvSpPr>
-          <p:cNvPr id="3" name="TextBox 2">
-            <a:extLst>
-              <a:ext uri="{FF2B5EF4-FFF2-40B4-BE49-F238E27FC236}">
-                <a16:creationId xmlns:a16="http://schemas.microsoft.com/office/drawing/2014/main" id="{86DCB64A-0BD4-1C80-7F06-5E42F0FEC3C4}"/>
-              </a:ext>
-            </a:extLst>
-          </p:cNvPr>
-          <p:cNvSpPr txBox="1"/>
-          <p:nvPr/>
-        </p:nvSpPr>
-        <p:spPr>
-          <a:xfrm>
-            <a:off x="219456" y="192024"/>
-            <a:ext cx="6630918" cy="461665"/>
-          </a:xfrm>
-          <a:prstGeom prst="rect">
-            <a:avLst/>
-          </a:prstGeom>
-          <a:noFill/>
-        </p:spPr>
-        <p:txBody>
-          <a:bodyPr wrap="none" rtlCol="0">
-            <a:spAutoFit/>
-          </a:bodyPr>
-          <a:lstStyle/>
-          <a:p>
-            <a:r>
-              <a:rPr lang="en-US" sz="2400" dirty="0"/>
-              <a:t>Issue(s) I have not resolved to my satisfaction yet</a:t>
-            </a:r>
-          </a:p>
-        </p:txBody>
-      </p:sp>
-      <p:sp>
-        <p:nvSpPr>
-          <p:cNvPr id="4" name="TextBox 3">
-            <a:extLst>
-              <a:ext uri="{FF2B5EF4-FFF2-40B4-BE49-F238E27FC236}">
-                <a16:creationId xmlns:a16="http://schemas.microsoft.com/office/drawing/2014/main" id="{F743C41F-EB12-14F8-5B10-D2C9FEE59C1B}"/>
-              </a:ext>
-            </a:extLst>
-          </p:cNvPr>
-          <p:cNvSpPr txBox="1"/>
-          <p:nvPr/>
-        </p:nvSpPr>
-        <p:spPr>
-          <a:xfrm>
-            <a:off x="630936" y="4233672"/>
-            <a:ext cx="2885342" cy="369332"/>
-          </a:xfrm>
-          <a:prstGeom prst="rect">
-            <a:avLst/>
-          </a:prstGeom>
-          <a:noFill/>
-        </p:spPr>
-        <p:txBody>
-          <a:bodyPr wrap="none" rtlCol="0">
-            <a:spAutoFit/>
-          </a:bodyPr>
-          <a:lstStyle/>
-          <a:p>
-            <a:r>
-              <a:rPr lang="en-US" dirty="0"/>
-              <a:t>I’ll pre-train using option #1</a:t>
-            </a:r>
-          </a:p>
-        </p:txBody>
-      </p:sp>
-    </p:spTree>
-    <p:extLst>
-      <p:ext uri="{BB962C8B-B14F-4D97-AF65-F5344CB8AC3E}">
-        <p14:creationId xmlns:p14="http://schemas.microsoft.com/office/powerpoint/2010/main" val="1802993917"/>
-      </p:ext>
-    </p:extLst>
-  </p:cSld>
-  <p:clrMapOvr>
-    <a:masterClrMapping/>
-  </p:clrMapOvr>
-</p:sld>
-</file>
-
-<file path=ppt/slides/slide37.xml><?xml version="1.0" encoding="utf-8"?>
-<p:sld xmlns:a="http://schemas.openxmlformats.org/drawingml/2006/main" xmlns:r="http://schemas.openxmlformats.org/officeDocument/2006/relationships" xmlns:p="http://schemas.openxmlformats.org/presentationml/2006/main">
-  <p:cSld>
-    <p:spTree>
-      <p:nvGrpSpPr>
-        <p:cNvPr id="1" name=""/>
-        <p:cNvGrpSpPr/>
-        <p:nvPr/>
-      </p:nvGrpSpPr>
-      <p:grpSpPr>
-        <a:xfrm>
-          <a:off x="0" y="0"/>
-          <a:ext cx="0" cy="0"/>
-          <a:chOff x="0" y="0"/>
-          <a:chExt cx="0" cy="0"/>
-        </a:xfrm>
-      </p:grpSpPr>
-      <p:sp>
-        <p:nvSpPr>
-          <p:cNvPr id="2" name="TextBox 1">
-            <a:extLst>
-              <a:ext uri="{FF2B5EF4-FFF2-40B4-BE49-F238E27FC236}">
-                <a16:creationId xmlns:a16="http://schemas.microsoft.com/office/drawing/2014/main" id="{CC8E6E9A-245E-E1BD-B359-4DDAFACDC878}"/>
-              </a:ext>
-            </a:extLst>
-          </p:cNvPr>
-          <p:cNvSpPr txBox="1"/>
-          <p:nvPr/>
-        </p:nvSpPr>
-        <p:spPr>
-          <a:xfrm>
-            <a:off x="157088" y="190342"/>
-            <a:ext cx="2415661" cy="461665"/>
-          </a:xfrm>
-          <a:prstGeom prst="rect">
-            <a:avLst/>
-          </a:prstGeom>
-          <a:noFill/>
-        </p:spPr>
-        <p:txBody>
-          <a:bodyPr wrap="none" rtlCol="0">
-            <a:spAutoFit/>
-          </a:bodyPr>
-          <a:lstStyle/>
-          <a:p>
-            <a:r>
-              <a:rPr lang="en-US" sz="2400" dirty="0"/>
-              <a:t>Pre-training: loss</a:t>
-            </a:r>
-          </a:p>
-        </p:txBody>
-      </p:sp>
-      <p:sp>
-        <p:nvSpPr>
-          <p:cNvPr id="5" name="TextBox 4">
-            <a:extLst>
-              <a:ext uri="{FF2B5EF4-FFF2-40B4-BE49-F238E27FC236}">
-                <a16:creationId xmlns:a16="http://schemas.microsoft.com/office/drawing/2014/main" id="{CA101033-458C-FFAE-C6D6-2A3AFD19E36F}"/>
-              </a:ext>
-            </a:extLst>
-          </p:cNvPr>
-          <p:cNvSpPr txBox="1"/>
-          <p:nvPr/>
-        </p:nvSpPr>
-        <p:spPr>
-          <a:xfrm>
-            <a:off x="383816" y="981557"/>
-            <a:ext cx="2990499" cy="369332"/>
-          </a:xfrm>
-          <a:prstGeom prst="rect">
-            <a:avLst/>
-          </a:prstGeom>
-          <a:noFill/>
-        </p:spPr>
-        <p:txBody>
-          <a:bodyPr wrap="none" rtlCol="0">
-            <a:spAutoFit/>
-          </a:bodyPr>
-          <a:lstStyle/>
-          <a:p>
-            <a:r>
-              <a:rPr lang="en-US" dirty="0"/>
-              <a:t>Training loss:  after 5 epochs</a:t>
-            </a:r>
-          </a:p>
-        </p:txBody>
-      </p:sp>
-      <p:sp>
-        <p:nvSpPr>
-          <p:cNvPr id="6" name="TextBox 5">
-            <a:extLst>
-              <a:ext uri="{FF2B5EF4-FFF2-40B4-BE49-F238E27FC236}">
-                <a16:creationId xmlns:a16="http://schemas.microsoft.com/office/drawing/2014/main" id="{AB7D8057-A648-1BE7-1208-1BC4C3E7ED7B}"/>
-              </a:ext>
-            </a:extLst>
-          </p:cNvPr>
-          <p:cNvSpPr txBox="1"/>
-          <p:nvPr/>
-        </p:nvSpPr>
-        <p:spPr>
-          <a:xfrm>
-            <a:off x="842839" y="4583781"/>
-            <a:ext cx="2495235" cy="1200329"/>
-          </a:xfrm>
-          <a:prstGeom prst="rect">
-            <a:avLst/>
-          </a:prstGeom>
-          <a:noFill/>
-        </p:spPr>
-        <p:txBody>
-          <a:bodyPr wrap="none" rtlCol="0">
-            <a:spAutoFit/>
-          </a:bodyPr>
-          <a:lstStyle/>
-          <a:p>
-            <a:r>
-              <a:rPr lang="en-US" dirty="0"/>
-              <a:t>Stopped after 5 epochs</a:t>
-            </a:r>
-          </a:p>
-          <a:p>
-            <a:r>
-              <a:rPr lang="en-US" dirty="0"/>
-              <a:t>final losses</a:t>
-            </a:r>
-          </a:p>
-          <a:p>
-            <a:r>
-              <a:rPr lang="en-US" dirty="0"/>
-              <a:t>train:  0.32</a:t>
-            </a:r>
-          </a:p>
-          <a:p>
-            <a:r>
-              <a:rPr lang="en-US" dirty="0" err="1"/>
-              <a:t>val</a:t>
-            </a:r>
-            <a:r>
-              <a:rPr lang="en-US" dirty="0"/>
-              <a:t>:     0.31</a:t>
-            </a:r>
-          </a:p>
-        </p:txBody>
-      </p:sp>
-      <p:pic>
-        <p:nvPicPr>
-          <p:cNvPr id="10" name="Picture 9">
-            <a:extLst>
-              <a:ext uri="{FF2B5EF4-FFF2-40B4-BE49-F238E27FC236}">
-                <a16:creationId xmlns:a16="http://schemas.microsoft.com/office/drawing/2014/main" id="{F41B123F-A2C7-15D3-9DF1-EE0715CCCD8B}"/>
-              </a:ext>
-            </a:extLst>
-          </p:cNvPr>
-          <p:cNvPicPr>
-            <a:picLocks noChangeAspect="1"/>
-          </p:cNvPicPr>
-          <p:nvPr/>
-        </p:nvPicPr>
-        <p:blipFill>
-          <a:blip r:embed="rId2"/>
-          <a:stretch>
-            <a:fillRect/>
-          </a:stretch>
-        </p:blipFill>
-        <p:spPr>
-          <a:xfrm>
-            <a:off x="514897" y="1485059"/>
-            <a:ext cx="9825439" cy="2292093"/>
-          </a:xfrm>
-          <a:prstGeom prst="rect">
-            <a:avLst/>
-          </a:prstGeom>
-        </p:spPr>
-      </p:pic>
-    </p:spTree>
-    <p:extLst>
-      <p:ext uri="{BB962C8B-B14F-4D97-AF65-F5344CB8AC3E}">
-        <p14:creationId xmlns:p14="http://schemas.microsoft.com/office/powerpoint/2010/main" val="441825283"/>
-      </p:ext>
-    </p:extLst>
-  </p:cSld>
-  <p:clrMapOvr>
-    <a:masterClrMapping/>
-  </p:clrMapOvr>
-</p:sld>
-</file>
-
-<file path=ppt/slides/slide38.xml><?xml version="1.0" encoding="utf-8"?>
-<p:sld xmlns:a="http://schemas.openxmlformats.org/drawingml/2006/main" xmlns:r="http://schemas.openxmlformats.org/officeDocument/2006/relationships" xmlns:p="http://schemas.openxmlformats.org/presentationml/2006/main">
-  <p:cSld>
-    <p:spTree>
-      <p:nvGrpSpPr>
-        <p:cNvPr id="1" name=""/>
-        <p:cNvGrpSpPr/>
-        <p:nvPr/>
-      </p:nvGrpSpPr>
-      <p:grpSpPr>
-        <a:xfrm>
-          <a:off x="0" y="0"/>
-          <a:ext cx="0" cy="0"/>
-          <a:chOff x="0" y="0"/>
-          <a:chExt cx="0" cy="0"/>
-        </a:xfrm>
-      </p:grpSpPr>
-      <p:sp>
-        <p:nvSpPr>
-          <p:cNvPr id="3" name="TextBox 2">
-            <a:extLst>
-              <a:ext uri="{FF2B5EF4-FFF2-40B4-BE49-F238E27FC236}">
-                <a16:creationId xmlns:a16="http://schemas.microsoft.com/office/drawing/2014/main" id="{DADAF6BF-3B4B-4B6A-1679-0DF3F3CCAEDD}"/>
-              </a:ext>
-            </a:extLst>
-          </p:cNvPr>
-          <p:cNvSpPr txBox="1"/>
-          <p:nvPr/>
-        </p:nvSpPr>
-        <p:spPr>
-          <a:xfrm>
-            <a:off x="585389" y="1508107"/>
-            <a:ext cx="7721849" cy="4401205"/>
-          </a:xfrm>
-          <a:prstGeom prst="rect">
-            <a:avLst/>
-          </a:prstGeom>
-          <a:noFill/>
-        </p:spPr>
-        <p:txBody>
-          <a:bodyPr wrap="square">
-            <a:spAutoFit/>
-          </a:bodyPr>
-          <a:lstStyle/>
-          <a:p>
-            <a:pPr marL="285750" indent="-285750">
-              <a:buFont typeface="Arial" panose="020B0604020202020204" pitchFamily="34" charset="0"/>
-              <a:buChar char="•"/>
-            </a:pPr>
-            <a:r>
-              <a:rPr lang="en-US" sz="1400" dirty="0"/>
-              <a:t>T</a:t>
-            </a:r>
-            <a:r>
-              <a:rPr lang="en-US" sz="1400" b="0" dirty="0">
-                <a:effectLst/>
-              </a:rPr>
-              <a:t>otal rows: 1109000</a:t>
-            </a:r>
-            <a:endParaRPr lang="en-US" sz="1400" dirty="0"/>
-          </a:p>
-          <a:p>
-            <a:pPr marL="285750" indent="-285750">
-              <a:buFont typeface="Arial" panose="020B0604020202020204" pitchFamily="34" charset="0"/>
-              <a:buChar char="•"/>
-            </a:pPr>
-            <a:r>
-              <a:rPr lang="en-US" sz="1400" b="0" dirty="0">
-                <a:effectLst/>
-              </a:rPr>
-              <a:t>Number of unique: 104972 (there are between 8-20 instances of each sequence)</a:t>
-            </a:r>
-          </a:p>
-          <a:p>
-            <a:pPr marL="285750" indent="-285750">
-              <a:buFont typeface="Arial" panose="020B0604020202020204" pitchFamily="34" charset="0"/>
-              <a:buChar char="•"/>
-            </a:pPr>
-            <a:endParaRPr lang="en-US" sz="1400" b="0" dirty="0">
-              <a:effectLst/>
-            </a:endParaRPr>
-          </a:p>
-          <a:p>
-            <a:pPr marL="285750" indent="-285750">
-              <a:buFont typeface="Arial" panose="020B0604020202020204" pitchFamily="34" charset="0"/>
-              <a:buChar char="•"/>
-            </a:pPr>
-            <a:r>
-              <a:rPr lang="en-US" sz="1400" b="0" dirty="0">
-                <a:effectLst/>
-              </a:rPr>
-              <a:t>Number of rows where </a:t>
-            </a:r>
-            <a:r>
-              <a:rPr lang="en-US" sz="1400" b="0" dirty="0" err="1">
-                <a:effectLst/>
-              </a:rPr>
-              <a:t>pred_Affinity</a:t>
-            </a:r>
-            <a:r>
-              <a:rPr lang="en-US" sz="1400" b="0" dirty="0">
-                <a:effectLst/>
-              </a:rPr>
-              <a:t> is not NAN : 340100</a:t>
-            </a:r>
-          </a:p>
-          <a:p>
-            <a:pPr marL="742950" lvl="1" indent="-285750">
-              <a:buFont typeface="Arial" panose="020B0604020202020204" pitchFamily="34" charset="0"/>
-              <a:buChar char="•"/>
-            </a:pPr>
-            <a:r>
-              <a:rPr lang="en-US" sz="1400" dirty="0"/>
-              <a:t>NANs are most likely non-binders (perhaps give them affinity 0?)</a:t>
-            </a:r>
-            <a:endParaRPr lang="en-US" sz="1400" b="0" dirty="0">
-              <a:effectLst/>
-            </a:endParaRPr>
-          </a:p>
-          <a:p>
-            <a:pPr marL="742950" lvl="1" indent="-285750">
-              <a:buFont typeface="Arial" panose="020B0604020202020204" pitchFamily="34" charset="0"/>
-              <a:buChar char="•"/>
-            </a:pPr>
-            <a:r>
-              <a:rPr lang="en-US" sz="1400" b="0" dirty="0">
-                <a:effectLst/>
-              </a:rPr>
-              <a:t>number of unique sequences in this subset: 87211</a:t>
-            </a:r>
-          </a:p>
-          <a:p>
-            <a:pPr marL="742950" lvl="1" indent="-285750">
-              <a:buFont typeface="Arial" panose="020B0604020202020204" pitchFamily="34" charset="0"/>
-              <a:buChar char="•"/>
-            </a:pPr>
-            <a:r>
-              <a:rPr lang="en-US" sz="1400" b="0" dirty="0">
-                <a:effectLst/>
-              </a:rPr>
-              <a:t>for each of these unique sequences, there are multiple binding affinity values</a:t>
-            </a:r>
-          </a:p>
-          <a:p>
-            <a:pPr marL="742950" lvl="1" indent="-285750">
-              <a:buFont typeface="Arial" panose="020B0604020202020204" pitchFamily="34" charset="0"/>
-              <a:buChar char="•"/>
-            </a:pPr>
-            <a:r>
-              <a:rPr lang="en-US" sz="1400" dirty="0"/>
-              <a:t>for example, </a:t>
-            </a:r>
-          </a:p>
-          <a:p>
-            <a:pPr marL="1200150" lvl="2" indent="-285750">
-              <a:buFont typeface="Arial" panose="020B0604020202020204" pitchFamily="34" charset="0"/>
-              <a:buChar char="•"/>
-            </a:pPr>
-            <a:r>
-              <a:rPr lang="en-US" sz="1400" b="0" dirty="0">
-                <a:effectLst/>
-              </a:rPr>
-              <a:t>seq 1: num affinity values = 6 , values: {</a:t>
-            </a:r>
-            <a:r>
-              <a:rPr lang="en-US" sz="1400" b="1" dirty="0">
-                <a:effectLst/>
-              </a:rPr>
-              <a:t>0.87</a:t>
-            </a:r>
-            <a:r>
-              <a:rPr lang="en-US" sz="1400" b="0" dirty="0">
-                <a:effectLst/>
-              </a:rPr>
-              <a:t>, 0.91, 0.96, </a:t>
-            </a:r>
-            <a:r>
-              <a:rPr lang="en-US" sz="1400" b="1" dirty="0">
-                <a:effectLst/>
-              </a:rPr>
-              <a:t>3.92</a:t>
-            </a:r>
-            <a:r>
-              <a:rPr lang="en-US" sz="1400" b="0" dirty="0">
-                <a:effectLst/>
-              </a:rPr>
-              <a:t>, </a:t>
-            </a:r>
-            <a:r>
-              <a:rPr lang="en-US" sz="1400" b="0" i="0" dirty="0">
-                <a:effectLst/>
-              </a:rPr>
-              <a:t>4.92, 5.72</a:t>
-            </a:r>
-            <a:r>
-              <a:rPr lang="en-US" sz="1400" b="0" dirty="0">
-                <a:effectLst/>
-              </a:rPr>
-              <a:t>}</a:t>
-            </a:r>
-          </a:p>
-          <a:p>
-            <a:pPr marL="1200150" lvl="2" indent="-285750">
-              <a:buFont typeface="Arial" panose="020B0604020202020204" pitchFamily="34" charset="0"/>
-              <a:buChar char="•"/>
-            </a:pPr>
-            <a:r>
-              <a:rPr lang="en-US" sz="1400" b="0" dirty="0">
-                <a:effectLst/>
-              </a:rPr>
-              <a:t>-RTlog10(</a:t>
-            </a:r>
-            <a:r>
-              <a:rPr lang="en-US" sz="1400" b="1" dirty="0"/>
-              <a:t>5.72</a:t>
-            </a:r>
-            <a:r>
-              <a:rPr lang="en-US" sz="1400" b="0" dirty="0">
-                <a:effectLst/>
-              </a:rPr>
-              <a:t>) = -4.88 kcal/mol binding free energy</a:t>
-            </a:r>
-          </a:p>
-          <a:p>
-            <a:pPr marL="1200150" lvl="2" indent="-285750">
-              <a:buFont typeface="Arial" panose="020B0604020202020204" pitchFamily="34" charset="0"/>
-              <a:buChar char="•"/>
-            </a:pPr>
-            <a:r>
-              <a:rPr lang="en-US" sz="1400" b="0" dirty="0">
-                <a:effectLst/>
-              </a:rPr>
-              <a:t>-RTlog10(</a:t>
-            </a:r>
-            <a:r>
-              <a:rPr lang="en-US" sz="1400" b="1" dirty="0">
-                <a:effectLst/>
-              </a:rPr>
-              <a:t>0.87</a:t>
-            </a:r>
-            <a:r>
-              <a:rPr lang="en-US" sz="1400" b="0" dirty="0">
-                <a:effectLst/>
-              </a:rPr>
-              <a:t>) = -5.36 kcal/mol</a:t>
-            </a:r>
-          </a:p>
-          <a:p>
-            <a:pPr marL="1200150" lvl="2" indent="-285750">
-              <a:buFont typeface="Arial" panose="020B0604020202020204" pitchFamily="34" charset="0"/>
-              <a:buChar char="•"/>
-            </a:pPr>
-            <a:r>
-              <a:rPr lang="en-US" sz="1400" b="0" dirty="0">
-                <a:effectLst/>
-              </a:rPr>
-              <a:t>for reference </a:t>
-            </a:r>
-            <a:r>
-              <a:rPr lang="en-US" sz="1400" b="0" dirty="0" err="1">
-                <a:effectLst/>
-              </a:rPr>
-              <a:t>kT</a:t>
-            </a:r>
-            <a:r>
-              <a:rPr lang="en-US" sz="1400" b="0" dirty="0">
-                <a:effectLst/>
-              </a:rPr>
-              <a:t> = 0.6 kcal/mol so this difference is on the order of </a:t>
-            </a:r>
-            <a:r>
-              <a:rPr lang="en-US" sz="1400" b="0" dirty="0" err="1">
-                <a:effectLst/>
-              </a:rPr>
-              <a:t>kT</a:t>
-            </a:r>
-            <a:endParaRPr lang="en-US" sz="1400" b="0" dirty="0">
-              <a:effectLst/>
-            </a:endParaRPr>
-          </a:p>
-          <a:p>
-            <a:pPr marL="285750" indent="-285750">
-              <a:buFont typeface="Arial" panose="020B0604020202020204" pitchFamily="34" charset="0"/>
-              <a:buChar char="•"/>
-            </a:pPr>
-            <a:endParaRPr lang="en-US" sz="1400" b="0" dirty="0">
-              <a:effectLst/>
-            </a:endParaRPr>
-          </a:p>
-          <a:p>
-            <a:pPr marL="285750" indent="-285750">
-              <a:buFont typeface="Arial" panose="020B0604020202020204" pitchFamily="34" charset="0"/>
-              <a:buChar char="•"/>
-            </a:pPr>
-            <a:endParaRPr lang="en-US" sz="1400" dirty="0"/>
-          </a:p>
-          <a:p>
-            <a:pPr marL="285750" indent="-285750">
-              <a:buFont typeface="Arial" panose="020B0604020202020204" pitchFamily="34" charset="0"/>
-              <a:buChar char="•"/>
-            </a:pPr>
-            <a:r>
-              <a:rPr lang="en-US" sz="1400" b="1" dirty="0">
-                <a:effectLst/>
-              </a:rPr>
-              <a:t>Final data set</a:t>
-            </a:r>
-            <a:r>
-              <a:rPr lang="en-US" sz="1400" b="0" dirty="0">
-                <a:effectLst/>
-              </a:rPr>
-              <a:t>:</a:t>
-            </a:r>
-          </a:p>
-          <a:p>
-            <a:pPr marL="742950" lvl="1" indent="-285750">
-              <a:buFont typeface="Arial" panose="020B0604020202020204" pitchFamily="34" charset="0"/>
-              <a:buChar char="•"/>
-            </a:pPr>
-            <a:r>
-              <a:rPr lang="en-US" sz="1400" dirty="0"/>
-              <a:t>87211 sequences</a:t>
-            </a:r>
-          </a:p>
-          <a:p>
-            <a:pPr marL="742950" lvl="1" indent="-285750">
-              <a:buFont typeface="Arial" panose="020B0604020202020204" pitchFamily="34" charset="0"/>
-              <a:buChar char="•"/>
-            </a:pPr>
-            <a:r>
-              <a:rPr lang="en-US" sz="1400" b="0" dirty="0">
-                <a:effectLst/>
-              </a:rPr>
-              <a:t>affinity will be the mean of each sequence’s multiple affinities</a:t>
-            </a:r>
-          </a:p>
-          <a:p>
-            <a:pPr marL="742950" lvl="1" indent="-285750">
-              <a:buFont typeface="Arial" panose="020B0604020202020204" pitchFamily="34" charset="0"/>
-              <a:buChar char="•"/>
-            </a:pPr>
-            <a:r>
-              <a:rPr lang="en-US" sz="1400" dirty="0"/>
-              <a:t>43 </a:t>
-            </a:r>
-            <a:r>
-              <a:rPr lang="en-US" sz="1400" dirty="0" err="1"/>
-              <a:t>Kd</a:t>
-            </a:r>
-            <a:r>
-              <a:rPr lang="en-US" sz="1400" dirty="0"/>
-              <a:t> values are negative (?!?!) : remove these.</a:t>
-            </a:r>
-          </a:p>
-          <a:p>
-            <a:pPr marL="742950" lvl="1" indent="-285750">
-              <a:buFont typeface="Arial" panose="020B0604020202020204" pitchFamily="34" charset="0"/>
-              <a:buChar char="•"/>
-            </a:pPr>
-            <a:r>
-              <a:rPr lang="en-US" sz="1400" b="0" dirty="0">
-                <a:effectLst/>
-              </a:rPr>
-              <a:t>Final row count = 87168</a:t>
-            </a:r>
-          </a:p>
-          <a:p>
-            <a:pPr marL="742950" lvl="1" indent="-285750">
-              <a:buFont typeface="Arial" panose="020B0604020202020204" pitchFamily="34" charset="0"/>
-              <a:buChar char="•"/>
-            </a:pPr>
-            <a:r>
-              <a:rPr lang="en-US" sz="1400" dirty="0"/>
-              <a:t>Train/test split 90/10: 78451/8717 rows, respectively</a:t>
-            </a:r>
-            <a:endParaRPr lang="en-US" sz="1400" b="0" dirty="0">
-              <a:effectLst/>
-            </a:endParaRPr>
-          </a:p>
-        </p:txBody>
-      </p:sp>
-      <p:sp>
-        <p:nvSpPr>
-          <p:cNvPr id="4" name="TextBox 3">
-            <a:extLst>
-              <a:ext uri="{FF2B5EF4-FFF2-40B4-BE49-F238E27FC236}">
-                <a16:creationId xmlns:a16="http://schemas.microsoft.com/office/drawing/2014/main" id="{066D4060-9E3D-9BF0-F507-08D8FA88FEE7}"/>
-              </a:ext>
-            </a:extLst>
-          </p:cNvPr>
-          <p:cNvSpPr txBox="1"/>
-          <p:nvPr/>
-        </p:nvSpPr>
-        <p:spPr>
-          <a:xfrm>
-            <a:off x="207034" y="258792"/>
-            <a:ext cx="2803585" cy="461665"/>
-          </a:xfrm>
-          <a:prstGeom prst="rect">
-            <a:avLst/>
-          </a:prstGeom>
-          <a:noFill/>
-        </p:spPr>
-        <p:txBody>
-          <a:bodyPr wrap="square" rtlCol="0">
-            <a:spAutoFit/>
-          </a:bodyPr>
-          <a:lstStyle/>
-          <a:p>
-            <a:r>
-              <a:rPr lang="en-US" sz="2400" dirty="0"/>
-              <a:t>Fine Tuning dataset</a:t>
-            </a:r>
-            <a:endParaRPr lang="en-US" sz="1600" dirty="0"/>
-          </a:p>
-        </p:txBody>
-      </p:sp>
-      <p:sp>
-        <p:nvSpPr>
-          <p:cNvPr id="5" name="TextBox 4">
-            <a:extLst>
-              <a:ext uri="{FF2B5EF4-FFF2-40B4-BE49-F238E27FC236}">
-                <a16:creationId xmlns:a16="http://schemas.microsoft.com/office/drawing/2014/main" id="{5C611D8E-C829-FF8A-3AF5-C19358C37D2B}"/>
-              </a:ext>
-            </a:extLst>
-          </p:cNvPr>
-          <p:cNvSpPr txBox="1"/>
-          <p:nvPr/>
-        </p:nvSpPr>
-        <p:spPr>
-          <a:xfrm>
-            <a:off x="379563" y="793630"/>
-            <a:ext cx="11177419" cy="369332"/>
-          </a:xfrm>
-          <a:prstGeom prst="rect">
-            <a:avLst/>
-          </a:prstGeom>
-          <a:noFill/>
-        </p:spPr>
-        <p:txBody>
-          <a:bodyPr wrap="none" rtlCol="0">
-            <a:spAutoFit/>
-          </a:bodyPr>
-          <a:lstStyle/>
-          <a:p>
-            <a:r>
-              <a:rPr lang="en-US" sz="1800" dirty="0">
-                <a:effectLst/>
-              </a:rPr>
-              <a:t>antibody_dataset_1 : the </a:t>
-            </a:r>
-            <a:r>
-              <a:rPr lang="en-US" sz="1800" dirty="0" err="1">
-                <a:effectLst/>
-              </a:rPr>
-              <a:t>scFv</a:t>
-            </a:r>
-            <a:r>
-              <a:rPr lang="en-US" sz="1800" dirty="0">
-                <a:effectLst/>
-              </a:rPr>
-              <a:t> antibody sequence/binding affinity data in the </a:t>
-            </a:r>
-            <a:r>
-              <a:rPr lang="en-US" sz="1800" dirty="0" err="1">
-                <a:effectLst/>
-              </a:rPr>
-              <a:t>AlphaSeq</a:t>
-            </a:r>
-            <a:r>
-              <a:rPr lang="en-US" sz="1800" dirty="0">
-                <a:effectLst/>
-              </a:rPr>
-              <a:t> experimental assay data</a:t>
-            </a:r>
-          </a:p>
-        </p:txBody>
-      </p:sp>
-      <p:sp>
-        <p:nvSpPr>
-          <p:cNvPr id="7" name="TextBox 6">
-            <a:extLst>
-              <a:ext uri="{FF2B5EF4-FFF2-40B4-BE49-F238E27FC236}">
-                <a16:creationId xmlns:a16="http://schemas.microsoft.com/office/drawing/2014/main" id="{1EB34716-DE6F-C17F-A2E0-42E7B410BA11}"/>
-              </a:ext>
-            </a:extLst>
-          </p:cNvPr>
-          <p:cNvSpPr txBox="1"/>
-          <p:nvPr/>
-        </p:nvSpPr>
-        <p:spPr>
-          <a:xfrm>
-            <a:off x="379563" y="6032207"/>
-            <a:ext cx="10191764" cy="461665"/>
-          </a:xfrm>
-          <a:prstGeom prst="rect">
-            <a:avLst/>
-          </a:prstGeom>
-          <a:noFill/>
-        </p:spPr>
-        <p:txBody>
-          <a:bodyPr wrap="none" rtlCol="0">
-            <a:spAutoFit/>
-          </a:bodyPr>
-          <a:lstStyle/>
-          <a:p>
-            <a:r>
-              <a:rPr lang="en-US" sz="1200" b="0" dirty="0">
-                <a:effectLst/>
-                <a:hlinkClick r:id="rId2"/>
-              </a:rPr>
-              <a:t>https://www.nature.com/articles/s41597-022-01779-4</a:t>
-            </a:r>
-            <a:endParaRPr lang="en-US" sz="1200" b="0" dirty="0">
-              <a:effectLst/>
-            </a:endParaRPr>
-          </a:p>
-          <a:p>
-            <a:r>
-              <a:rPr lang="en-US" sz="1200" b="0" dirty="0">
-                <a:effectLst/>
-              </a:rPr>
-              <a:t>"Of the 119,600 designs, 104,972 were successfully built into the </a:t>
-            </a:r>
-            <a:r>
-              <a:rPr lang="en-US" sz="1200" b="0" dirty="0" err="1">
-                <a:effectLst/>
-              </a:rPr>
-              <a:t>AlphaSeq</a:t>
-            </a:r>
-            <a:r>
-              <a:rPr lang="en-US" sz="1200" b="0" dirty="0">
-                <a:effectLst/>
-              </a:rPr>
-              <a:t> library and target binding was subsequently measured with 71,384 designs”</a:t>
-            </a:r>
-          </a:p>
-        </p:txBody>
-      </p:sp>
-    </p:spTree>
-    <p:extLst>
-      <p:ext uri="{BB962C8B-B14F-4D97-AF65-F5344CB8AC3E}">
-        <p14:creationId xmlns:p14="http://schemas.microsoft.com/office/powerpoint/2010/main" val="97067422"/>
-      </p:ext>
-    </p:extLst>
-  </p:cSld>
-  <p:clrMapOvr>
-    <a:masterClrMapping/>
-  </p:clrMapOvr>
-</p:sld>
-</file>
-
-<file path=ppt/slides/slide39.xml><?xml version="1.0" encoding="utf-8"?>
-<p:sld xmlns:a="http://schemas.openxmlformats.org/drawingml/2006/main" xmlns:r="http://schemas.openxmlformats.org/officeDocument/2006/relationships" xmlns:p="http://schemas.openxmlformats.org/presentationml/2006/main">
-  <p:cSld>
-    <p:spTree>
-      <p:nvGrpSpPr>
-        <p:cNvPr id="1" name=""/>
-        <p:cNvGrpSpPr/>
-        <p:nvPr/>
-      </p:nvGrpSpPr>
-      <p:grpSpPr>
-        <a:xfrm>
-          <a:off x="0" y="0"/>
-          <a:ext cx="0" cy="0"/>
-          <a:chOff x="0" y="0"/>
-          <a:chExt cx="0" cy="0"/>
-        </a:xfrm>
-      </p:grpSpPr>
-      <p:sp>
-        <p:nvSpPr>
-          <p:cNvPr id="2" name="TextBox 1">
-            <a:extLst>
-              <a:ext uri="{FF2B5EF4-FFF2-40B4-BE49-F238E27FC236}">
-                <a16:creationId xmlns:a16="http://schemas.microsoft.com/office/drawing/2014/main" id="{FFDAADAE-17FC-1795-F7A0-EC68D5D19BBA}"/>
-              </a:ext>
-            </a:extLst>
-          </p:cNvPr>
-          <p:cNvSpPr txBox="1"/>
-          <p:nvPr/>
-        </p:nvSpPr>
-        <p:spPr>
-          <a:xfrm>
-            <a:off x="136762" y="204349"/>
-            <a:ext cx="2383473" cy="461665"/>
-          </a:xfrm>
-          <a:prstGeom prst="rect">
-            <a:avLst/>
-          </a:prstGeom>
-          <a:noFill/>
-        </p:spPr>
-        <p:txBody>
-          <a:bodyPr wrap="none" rtlCol="0">
-            <a:spAutoFit/>
-          </a:bodyPr>
-          <a:lstStyle/>
-          <a:p>
-            <a:r>
-              <a:rPr lang="en-US" sz="2400" dirty="0"/>
-              <a:t>Fine tune results</a:t>
-            </a:r>
-          </a:p>
-        </p:txBody>
-      </p:sp>
-      <p:sp>
-        <p:nvSpPr>
-          <p:cNvPr id="3" name="TextBox 2">
-            <a:extLst>
-              <a:ext uri="{FF2B5EF4-FFF2-40B4-BE49-F238E27FC236}">
-                <a16:creationId xmlns:a16="http://schemas.microsoft.com/office/drawing/2014/main" id="{72E67A6E-78A0-730F-7A46-B503BAF44592}"/>
-              </a:ext>
-            </a:extLst>
-          </p:cNvPr>
-          <p:cNvSpPr txBox="1"/>
-          <p:nvPr/>
-        </p:nvSpPr>
-        <p:spPr>
-          <a:xfrm>
-            <a:off x="4576951" y="204349"/>
-            <a:ext cx="1279646" cy="369332"/>
-          </a:xfrm>
-          <a:prstGeom prst="rect">
-            <a:avLst/>
-          </a:prstGeom>
-          <a:noFill/>
-        </p:spPr>
-        <p:txBody>
-          <a:bodyPr wrap="none" rtlCol="0">
-            <a:spAutoFit/>
-          </a:bodyPr>
-          <a:lstStyle/>
-          <a:p>
-            <a:r>
-              <a:rPr lang="en-US" dirty="0">
-                <a:highlight>
-                  <a:srgbClr val="FFFF00"/>
-                </a:highlight>
-              </a:rPr>
-              <a:t>In progress</a:t>
-            </a:r>
-          </a:p>
-        </p:txBody>
-      </p:sp>
-      <p:sp>
-        <p:nvSpPr>
-          <p:cNvPr id="4" name="TextBox 3">
-            <a:extLst>
-              <a:ext uri="{FF2B5EF4-FFF2-40B4-BE49-F238E27FC236}">
-                <a16:creationId xmlns:a16="http://schemas.microsoft.com/office/drawing/2014/main" id="{D5B133ED-0AD7-1D30-086B-500BFED87CF6}"/>
-              </a:ext>
-            </a:extLst>
-          </p:cNvPr>
-          <p:cNvSpPr txBox="1"/>
-          <p:nvPr/>
-        </p:nvSpPr>
-        <p:spPr>
-          <a:xfrm>
-            <a:off x="457201" y="943930"/>
-            <a:ext cx="9914317" cy="2062103"/>
-          </a:xfrm>
-          <a:prstGeom prst="rect">
-            <a:avLst/>
-          </a:prstGeom>
-          <a:noFill/>
-        </p:spPr>
-        <p:txBody>
-          <a:bodyPr wrap="none" rtlCol="0">
-            <a:spAutoFit/>
-          </a:bodyPr>
-          <a:lstStyle/>
-          <a:p>
-            <a:r>
-              <a:rPr lang="en-US" sz="1600" dirty="0"/>
-              <a:t>issue?   block-size = 90 during pre-training.  How to adapt for fine-tune data of longer length?</a:t>
-            </a:r>
-          </a:p>
-          <a:p>
-            <a:r>
-              <a:rPr lang="en-US" sz="1600" dirty="0"/>
-              <a:t>See this link: </a:t>
-            </a:r>
-            <a:r>
-              <a:rPr lang="en-US" sz="1600" dirty="0">
-                <a:hlinkClick r:id="rId2"/>
-              </a:rPr>
-              <a:t>https://discuss.huggingface.co/t/fine-tuning-bert-with-sequences-longer-than-512-tokens/12652</a:t>
-            </a:r>
-            <a:endParaRPr lang="en-US" sz="1600" dirty="0"/>
-          </a:p>
-          <a:p>
-            <a:endParaRPr lang="en-US" sz="1600" dirty="0"/>
-          </a:p>
-          <a:p>
-            <a:pPr marL="285750" indent="-285750">
-              <a:buFont typeface="Arial" panose="020B0604020202020204" pitchFamily="34" charset="0"/>
-              <a:buChar char="•"/>
-            </a:pPr>
-            <a:r>
-              <a:rPr lang="en-US" sz="1600" dirty="0"/>
-              <a:t>I’ve </a:t>
-            </a:r>
-            <a:r>
-              <a:rPr lang="en-US" sz="1600" dirty="0" err="1"/>
-              <a:t>choosen</a:t>
-            </a:r>
-            <a:r>
-              <a:rPr lang="en-US" sz="1600" dirty="0"/>
-              <a:t> to use PAD tokens.</a:t>
-            </a:r>
-          </a:p>
-          <a:p>
-            <a:pPr marL="285750" indent="-285750">
-              <a:buFont typeface="Arial" panose="020B0604020202020204" pitchFamily="34" charset="0"/>
-              <a:buChar char="•"/>
-            </a:pPr>
-            <a:r>
-              <a:rPr lang="en-US" sz="1600" dirty="0"/>
-              <a:t>Set </a:t>
-            </a:r>
-            <a:r>
-              <a:rPr lang="en-US" sz="1600" dirty="0" err="1"/>
-              <a:t>block_size</a:t>
-            </a:r>
-            <a:r>
-              <a:rPr lang="en-US" sz="1600" dirty="0"/>
-              <a:t> = 256 (long enough for the </a:t>
-            </a:r>
-            <a:r>
-              <a:rPr lang="en-US" sz="1600" dirty="0" err="1"/>
-              <a:t>scFv</a:t>
-            </a:r>
-            <a:r>
-              <a:rPr lang="en-US" sz="1600" dirty="0"/>
-              <a:t> data set)</a:t>
-            </a:r>
-          </a:p>
-          <a:p>
-            <a:pPr marL="285750" indent="-285750">
-              <a:buFont typeface="Arial" panose="020B0604020202020204" pitchFamily="34" charset="0"/>
-              <a:buChar char="•"/>
-            </a:pPr>
-            <a:r>
-              <a:rPr lang="en-US" sz="1600" dirty="0"/>
-              <a:t>Redo pre-training on OAS data set with this new block size</a:t>
-            </a:r>
-          </a:p>
-          <a:p>
-            <a:pPr marL="285750" indent="-285750">
-              <a:buFont typeface="Arial" panose="020B0604020202020204" pitchFamily="34" charset="0"/>
-              <a:buChar char="•"/>
-            </a:pPr>
-            <a:r>
-              <a:rPr lang="en-US" sz="1600" dirty="0"/>
-              <a:t>Redo the fine-tuning</a:t>
-            </a:r>
-          </a:p>
-          <a:p>
-            <a:endParaRPr lang="en-US" sz="1600" dirty="0"/>
-          </a:p>
-        </p:txBody>
-      </p:sp>
-      <p:sp>
-        <p:nvSpPr>
-          <p:cNvPr id="5" name="TextBox 4">
-            <a:extLst>
-              <a:ext uri="{FF2B5EF4-FFF2-40B4-BE49-F238E27FC236}">
-                <a16:creationId xmlns:a16="http://schemas.microsoft.com/office/drawing/2014/main" id="{513AD935-8923-9A18-E0B5-40DD82EFCE21}"/>
-              </a:ext>
-            </a:extLst>
-          </p:cNvPr>
-          <p:cNvSpPr txBox="1"/>
-          <p:nvPr/>
-        </p:nvSpPr>
-        <p:spPr>
-          <a:xfrm>
-            <a:off x="457201" y="4345327"/>
-            <a:ext cx="6659592" cy="2308324"/>
-          </a:xfrm>
-          <a:prstGeom prst="rect">
-            <a:avLst/>
-          </a:prstGeom>
-          <a:noFill/>
-        </p:spPr>
-        <p:txBody>
-          <a:bodyPr wrap="square" rtlCol="0">
-            <a:spAutoFit/>
-          </a:bodyPr>
-          <a:lstStyle/>
-          <a:p>
-            <a:r>
-              <a:rPr lang="en-US" sz="1200" dirty="0" err="1"/>
-              <a:t>ProteinBERT</a:t>
-            </a:r>
-            <a:r>
-              <a:rPr lang="en-US" sz="1200" dirty="0"/>
-              <a:t> paper : </a:t>
-            </a:r>
-            <a:r>
-              <a:rPr lang="en-US" sz="1200" dirty="0">
-                <a:hlinkClick r:id="rId3"/>
-              </a:rPr>
-              <a:t>https://doi.org/10.1093/bioinformatics/btac020</a:t>
-            </a:r>
-            <a:endParaRPr lang="en-US" sz="1200" dirty="0"/>
-          </a:p>
-          <a:p>
-            <a:r>
-              <a:rPr lang="en-US" sz="1200" b="1" dirty="0"/>
-              <a:t>2.2 Sequence and annotation encoding </a:t>
-            </a:r>
-          </a:p>
-          <a:p>
-            <a:r>
-              <a:rPr lang="en-US" sz="1200" dirty="0"/>
-              <a:t>Protein sequences were encoded as sequences of integer tokens. We used 26 unique tokens representing the 20 standard amino acids, selenocysteine (U), an undefined amino-acid (X), another amino acid (OTHER) and 3 additional tokens (START, END and PAD). For each sequence, START and END tokens were added before the first amino acid and after the last amino acid, respectively. </a:t>
-            </a:r>
-            <a:r>
-              <a:rPr lang="en-US" sz="1200" u="sng" dirty="0"/>
-              <a:t>The PAD token was added to pad sequences shorter than the sequence length chosen for the minibatch</a:t>
-            </a:r>
-            <a:r>
-              <a:rPr lang="en-US" sz="1200" dirty="0"/>
-              <a:t>.</a:t>
-            </a:r>
-          </a:p>
-          <a:p>
-            <a:r>
-              <a:rPr lang="en-US" sz="1200" dirty="0"/>
-              <a:t>…..</a:t>
-            </a:r>
-          </a:p>
-          <a:p>
-            <a:r>
-              <a:rPr lang="en-US" sz="1200" dirty="0"/>
-              <a:t>An important feature of </a:t>
-            </a:r>
-            <a:r>
-              <a:rPr lang="en-US" sz="1200" dirty="0" err="1"/>
-              <a:t>ProteinBERT</a:t>
-            </a:r>
-            <a:r>
-              <a:rPr lang="en-US" sz="1200" dirty="0"/>
-              <a:t> is sequence length flexibility. To avoid the risk of overfitting the model to a specific constant length, we periodically (every 15 min of training) switched the encoding length of protein sequences, using lengths of 128, 512 or 1024 tokens.</a:t>
-            </a:r>
-          </a:p>
-        </p:txBody>
-      </p:sp>
-    </p:spTree>
-    <p:extLst>
-      <p:ext uri="{BB962C8B-B14F-4D97-AF65-F5344CB8AC3E}">
-        <p14:creationId xmlns:p14="http://schemas.microsoft.com/office/powerpoint/2010/main" val="312208813"/>
-      </p:ext>
-    </p:extLst>
-  </p:cSld>
-  <p:clrMapOvr>
-    <a:masterClrMapping/>
-  </p:clrMapOvr>
-</p:sld>
-</file>
-
 <file path=ppt/slides/slide4.xml><?xml version="1.0" encoding="utf-8"?>
 <p:sld xmlns:a="http://schemas.openxmlformats.org/drawingml/2006/main" xmlns:r="http://schemas.openxmlformats.org/officeDocument/2006/relationships" xmlns:p="http://schemas.openxmlformats.org/presentationml/2006/main">
   <p:cSld>
@@ -29646,7 +29278,7 @@
         </p:nvSpPr>
         <p:spPr>
           <a:xfrm>
-            <a:off x="7970807" y="3525647"/>
+            <a:off x="8205833" y="3632935"/>
             <a:ext cx="1783117" cy="369332"/>
           </a:xfrm>
           <a:prstGeom prst="rect">
@@ -29711,7 +29343,7 @@
         </p:nvSpPr>
         <p:spPr>
           <a:xfrm>
-            <a:off x="8223210" y="345092"/>
+            <a:off x="8205833" y="345092"/>
             <a:ext cx="1765740" cy="369332"/>
           </a:xfrm>
           <a:prstGeom prst="rect">
@@ -29843,7 +29475,7 @@
             </a:pPr>
             <a:r>
               <a:rPr lang="en-US" dirty="0"/>
-              <a:t>90/10 split: train(8325), </a:t>
+              <a:t>90/10/10 split: train(8325), </a:t>
             </a:r>
             <a:r>
               <a:rPr lang="en-US" dirty="0" err="1"/>
@@ -29851,7 +29483,7 @@
             </a:r>
             <a:r>
               <a:rPr lang="en-US" dirty="0"/>
-              <a:t>(925)</a:t>
+              <a:t>(925), test()</a:t>
             </a:r>
             <a:endParaRPr lang="en-US" sz="1800" b="0" dirty="0">
               <a:effectLst/>
@@ -29888,7 +29520,7 @@
         </p:blipFill>
         <p:spPr>
           <a:xfrm>
-            <a:off x="7879990" y="4089318"/>
+            <a:off x="7663580" y="4089318"/>
             <a:ext cx="2955537" cy="2154682"/>
           </a:xfrm>
           <a:prstGeom prst="rect">
@@ -29910,6 +29542,1251 @@
 </file>
 
 <file path=ppt/slides/slide40.xml><?xml version="1.0" encoding="utf-8"?>
+<p:sld xmlns:a="http://schemas.openxmlformats.org/drawingml/2006/main" xmlns:r="http://schemas.openxmlformats.org/officeDocument/2006/relationships" xmlns:p="http://schemas.openxmlformats.org/presentationml/2006/main">
+  <p:cSld>
+    <p:spTree>
+      <p:nvGrpSpPr>
+        <p:cNvPr id="1" name=""/>
+        <p:cNvGrpSpPr/>
+        <p:nvPr/>
+      </p:nvGrpSpPr>
+      <p:grpSpPr>
+        <a:xfrm>
+          <a:off x="0" y="0"/>
+          <a:ext cx="0" cy="0"/>
+          <a:chOff x="0" y="0"/>
+          <a:chExt cx="0" cy="0"/>
+        </a:xfrm>
+      </p:grpSpPr>
+      <p:sp>
+        <p:nvSpPr>
+          <p:cNvPr id="2" name="TextBox 1">
+            <a:extLst>
+              <a:ext uri="{FF2B5EF4-FFF2-40B4-BE49-F238E27FC236}">
+                <a16:creationId xmlns:a16="http://schemas.microsoft.com/office/drawing/2014/main" id="{173364C4-CB84-A1D3-F6F3-AC3B3E94681F}"/>
+              </a:ext>
+            </a:extLst>
+          </p:cNvPr>
+          <p:cNvSpPr txBox="1"/>
+          <p:nvPr/>
+        </p:nvSpPr>
+        <p:spPr>
+          <a:xfrm>
+            <a:off x="933090" y="1100040"/>
+            <a:ext cx="10325819" cy="2308324"/>
+          </a:xfrm>
+          <a:prstGeom prst="rect">
+            <a:avLst/>
+          </a:prstGeom>
+          <a:noFill/>
+        </p:spPr>
+        <p:txBody>
+          <a:bodyPr wrap="square" rtlCol="0">
+            <a:spAutoFit/>
+          </a:bodyPr>
+          <a:lstStyle/>
+          <a:p>
+            <a:r>
+              <a:rPr lang="en-US" dirty="0"/>
+              <a:t>Position embedding:</a:t>
+            </a:r>
+          </a:p>
+          <a:p>
+            <a:pPr marL="342900" indent="-342900">
+              <a:buFont typeface="+mj-lt"/>
+              <a:buAutoNum type="arabicPeriod"/>
+            </a:pPr>
+            <a:r>
+              <a:rPr lang="en-US" dirty="0"/>
+              <a:t>Use absolute position determined from each specific aa sequence?</a:t>
+            </a:r>
+          </a:p>
+          <a:p>
+            <a:pPr marL="342900" indent="-342900">
+              <a:buFont typeface="+mj-lt"/>
+              <a:buAutoNum type="arabicPeriod"/>
+            </a:pPr>
+            <a:endParaRPr lang="en-US" dirty="0"/>
+          </a:p>
+          <a:p>
+            <a:pPr marL="342900" indent="-342900">
+              <a:buFont typeface="+mj-lt"/>
+              <a:buAutoNum type="arabicPeriod"/>
+            </a:pPr>
+            <a:r>
+              <a:rPr lang="en-US" dirty="0"/>
+              <a:t>Or, the absolute position in the entire human light chain? </a:t>
+            </a:r>
+          </a:p>
+          <a:p>
+            <a:pPr marL="742950" lvl="1" indent="-285750">
+              <a:buFont typeface="Arial" panose="020B0604020202020204" pitchFamily="34" charset="0"/>
+              <a:buChar char="•"/>
+            </a:pPr>
+            <a:r>
+              <a:rPr lang="en-US" dirty="0"/>
+              <a:t>makes more sense but not sure how I can get this information or if it changes for different antibody types (</a:t>
+            </a:r>
+            <a:r>
+              <a:rPr lang="en-US" dirty="0" err="1"/>
+              <a:t>ie</a:t>
+            </a:r>
+            <a:r>
+              <a:rPr lang="en-US" dirty="0"/>
+              <a:t>. IgG, IgA, </a:t>
+            </a:r>
+            <a:r>
+              <a:rPr lang="en-US" dirty="0" err="1"/>
+              <a:t>etc</a:t>
+            </a:r>
+            <a:r>
+              <a:rPr lang="en-US" dirty="0"/>
+              <a:t>)</a:t>
+            </a:r>
+          </a:p>
+          <a:p>
+            <a:pPr marL="742950" lvl="1" indent="-285750">
+              <a:buFont typeface="Arial" panose="020B0604020202020204" pitchFamily="34" charset="0"/>
+              <a:buChar char="•"/>
+            </a:pPr>
+            <a:r>
+              <a:rPr lang="en-US" dirty="0"/>
+              <a:t>There is no absolute light chain length for human IgG abs.  A few different chains have slightly different lengths.  Absolute alignment with reference light chains is probably not practical.</a:t>
+            </a:r>
+          </a:p>
+        </p:txBody>
+      </p:sp>
+      <p:sp>
+        <p:nvSpPr>
+          <p:cNvPr id="3" name="TextBox 2">
+            <a:extLst>
+              <a:ext uri="{FF2B5EF4-FFF2-40B4-BE49-F238E27FC236}">
+                <a16:creationId xmlns:a16="http://schemas.microsoft.com/office/drawing/2014/main" id="{86DCB64A-0BD4-1C80-7F06-5E42F0FEC3C4}"/>
+              </a:ext>
+            </a:extLst>
+          </p:cNvPr>
+          <p:cNvSpPr txBox="1"/>
+          <p:nvPr/>
+        </p:nvSpPr>
+        <p:spPr>
+          <a:xfrm>
+            <a:off x="219456" y="192024"/>
+            <a:ext cx="6630918" cy="461665"/>
+          </a:xfrm>
+          <a:prstGeom prst="rect">
+            <a:avLst/>
+          </a:prstGeom>
+          <a:noFill/>
+        </p:spPr>
+        <p:txBody>
+          <a:bodyPr wrap="none" rtlCol="0">
+            <a:spAutoFit/>
+          </a:bodyPr>
+          <a:lstStyle/>
+          <a:p>
+            <a:r>
+              <a:rPr lang="en-US" sz="2400" dirty="0"/>
+              <a:t>Issue(s) I have not resolved to my satisfaction yet</a:t>
+            </a:r>
+          </a:p>
+        </p:txBody>
+      </p:sp>
+      <p:sp>
+        <p:nvSpPr>
+          <p:cNvPr id="4" name="TextBox 3">
+            <a:extLst>
+              <a:ext uri="{FF2B5EF4-FFF2-40B4-BE49-F238E27FC236}">
+                <a16:creationId xmlns:a16="http://schemas.microsoft.com/office/drawing/2014/main" id="{F743C41F-EB12-14F8-5B10-D2C9FEE59C1B}"/>
+              </a:ext>
+            </a:extLst>
+          </p:cNvPr>
+          <p:cNvSpPr txBox="1"/>
+          <p:nvPr/>
+        </p:nvSpPr>
+        <p:spPr>
+          <a:xfrm>
+            <a:off x="630936" y="4233672"/>
+            <a:ext cx="2885342" cy="369332"/>
+          </a:xfrm>
+          <a:prstGeom prst="rect">
+            <a:avLst/>
+          </a:prstGeom>
+          <a:noFill/>
+        </p:spPr>
+        <p:txBody>
+          <a:bodyPr wrap="none" rtlCol="0">
+            <a:spAutoFit/>
+          </a:bodyPr>
+          <a:lstStyle/>
+          <a:p>
+            <a:r>
+              <a:rPr lang="en-US" dirty="0"/>
+              <a:t>I’ll pre-train using option #1</a:t>
+            </a:r>
+          </a:p>
+        </p:txBody>
+      </p:sp>
+    </p:spTree>
+    <p:extLst>
+      <p:ext uri="{BB962C8B-B14F-4D97-AF65-F5344CB8AC3E}">
+        <p14:creationId xmlns:p14="http://schemas.microsoft.com/office/powerpoint/2010/main" val="1802993917"/>
+      </p:ext>
+    </p:extLst>
+  </p:cSld>
+  <p:clrMapOvr>
+    <a:masterClrMapping/>
+  </p:clrMapOvr>
+</p:sld>
+</file>
+
+<file path=ppt/slides/slide41.xml><?xml version="1.0" encoding="utf-8"?>
+<p:sld xmlns:a="http://schemas.openxmlformats.org/drawingml/2006/main" xmlns:r="http://schemas.openxmlformats.org/officeDocument/2006/relationships" xmlns:p="http://schemas.openxmlformats.org/presentationml/2006/main">
+  <p:cSld>
+    <p:spTree>
+      <p:nvGrpSpPr>
+        <p:cNvPr id="1" name=""/>
+        <p:cNvGrpSpPr/>
+        <p:nvPr/>
+      </p:nvGrpSpPr>
+      <p:grpSpPr>
+        <a:xfrm>
+          <a:off x="0" y="0"/>
+          <a:ext cx="0" cy="0"/>
+          <a:chOff x="0" y="0"/>
+          <a:chExt cx="0" cy="0"/>
+        </a:xfrm>
+      </p:grpSpPr>
+      <p:sp>
+        <p:nvSpPr>
+          <p:cNvPr id="2" name="TextBox 1">
+            <a:extLst>
+              <a:ext uri="{FF2B5EF4-FFF2-40B4-BE49-F238E27FC236}">
+                <a16:creationId xmlns:a16="http://schemas.microsoft.com/office/drawing/2014/main" id="{CC8E6E9A-245E-E1BD-B359-4DDAFACDC878}"/>
+              </a:ext>
+            </a:extLst>
+          </p:cNvPr>
+          <p:cNvSpPr txBox="1"/>
+          <p:nvPr/>
+        </p:nvSpPr>
+        <p:spPr>
+          <a:xfrm>
+            <a:off x="157088" y="190342"/>
+            <a:ext cx="2415661" cy="461665"/>
+          </a:xfrm>
+          <a:prstGeom prst="rect">
+            <a:avLst/>
+          </a:prstGeom>
+          <a:noFill/>
+        </p:spPr>
+        <p:txBody>
+          <a:bodyPr wrap="none" rtlCol="0">
+            <a:spAutoFit/>
+          </a:bodyPr>
+          <a:lstStyle/>
+          <a:p>
+            <a:r>
+              <a:rPr lang="en-US" sz="2400" dirty="0"/>
+              <a:t>Pre-training: loss</a:t>
+            </a:r>
+          </a:p>
+        </p:txBody>
+      </p:sp>
+      <p:sp>
+        <p:nvSpPr>
+          <p:cNvPr id="5" name="TextBox 4">
+            <a:extLst>
+              <a:ext uri="{FF2B5EF4-FFF2-40B4-BE49-F238E27FC236}">
+                <a16:creationId xmlns:a16="http://schemas.microsoft.com/office/drawing/2014/main" id="{CA101033-458C-FFAE-C6D6-2A3AFD19E36F}"/>
+              </a:ext>
+            </a:extLst>
+          </p:cNvPr>
+          <p:cNvSpPr txBox="1"/>
+          <p:nvPr/>
+        </p:nvSpPr>
+        <p:spPr>
+          <a:xfrm>
+            <a:off x="383816" y="981557"/>
+            <a:ext cx="2990499" cy="369332"/>
+          </a:xfrm>
+          <a:prstGeom prst="rect">
+            <a:avLst/>
+          </a:prstGeom>
+          <a:noFill/>
+        </p:spPr>
+        <p:txBody>
+          <a:bodyPr wrap="none" rtlCol="0">
+            <a:spAutoFit/>
+          </a:bodyPr>
+          <a:lstStyle/>
+          <a:p>
+            <a:r>
+              <a:rPr lang="en-US" dirty="0"/>
+              <a:t>Training loss:  after 5 epochs</a:t>
+            </a:r>
+          </a:p>
+        </p:txBody>
+      </p:sp>
+      <p:sp>
+        <p:nvSpPr>
+          <p:cNvPr id="6" name="TextBox 5">
+            <a:extLst>
+              <a:ext uri="{FF2B5EF4-FFF2-40B4-BE49-F238E27FC236}">
+                <a16:creationId xmlns:a16="http://schemas.microsoft.com/office/drawing/2014/main" id="{AB7D8057-A648-1BE7-1208-1BC4C3E7ED7B}"/>
+              </a:ext>
+            </a:extLst>
+          </p:cNvPr>
+          <p:cNvSpPr txBox="1"/>
+          <p:nvPr/>
+        </p:nvSpPr>
+        <p:spPr>
+          <a:xfrm>
+            <a:off x="842839" y="4583781"/>
+            <a:ext cx="2495235" cy="1200329"/>
+          </a:xfrm>
+          <a:prstGeom prst="rect">
+            <a:avLst/>
+          </a:prstGeom>
+          <a:noFill/>
+        </p:spPr>
+        <p:txBody>
+          <a:bodyPr wrap="none" rtlCol="0">
+            <a:spAutoFit/>
+          </a:bodyPr>
+          <a:lstStyle/>
+          <a:p>
+            <a:r>
+              <a:rPr lang="en-US" dirty="0"/>
+              <a:t>Stopped after 5 epochs</a:t>
+            </a:r>
+          </a:p>
+          <a:p>
+            <a:r>
+              <a:rPr lang="en-US" dirty="0"/>
+              <a:t>final losses</a:t>
+            </a:r>
+          </a:p>
+          <a:p>
+            <a:r>
+              <a:rPr lang="en-US" dirty="0"/>
+              <a:t>train:  0.32</a:t>
+            </a:r>
+          </a:p>
+          <a:p>
+            <a:r>
+              <a:rPr lang="en-US" dirty="0" err="1"/>
+              <a:t>val</a:t>
+            </a:r>
+            <a:r>
+              <a:rPr lang="en-US" dirty="0"/>
+              <a:t>:     0.31</a:t>
+            </a:r>
+          </a:p>
+        </p:txBody>
+      </p:sp>
+      <p:pic>
+        <p:nvPicPr>
+          <p:cNvPr id="10" name="Picture 9">
+            <a:extLst>
+              <a:ext uri="{FF2B5EF4-FFF2-40B4-BE49-F238E27FC236}">
+                <a16:creationId xmlns:a16="http://schemas.microsoft.com/office/drawing/2014/main" id="{F41B123F-A2C7-15D3-9DF1-EE0715CCCD8B}"/>
+              </a:ext>
+            </a:extLst>
+          </p:cNvPr>
+          <p:cNvPicPr>
+            <a:picLocks noChangeAspect="1"/>
+          </p:cNvPicPr>
+          <p:nvPr/>
+        </p:nvPicPr>
+        <p:blipFill>
+          <a:blip r:embed="rId2"/>
+          <a:stretch>
+            <a:fillRect/>
+          </a:stretch>
+        </p:blipFill>
+        <p:spPr>
+          <a:xfrm>
+            <a:off x="514897" y="1485059"/>
+            <a:ext cx="9825439" cy="2292093"/>
+          </a:xfrm>
+          <a:prstGeom prst="rect">
+            <a:avLst/>
+          </a:prstGeom>
+        </p:spPr>
+      </p:pic>
+    </p:spTree>
+    <p:extLst>
+      <p:ext uri="{BB962C8B-B14F-4D97-AF65-F5344CB8AC3E}">
+        <p14:creationId xmlns:p14="http://schemas.microsoft.com/office/powerpoint/2010/main" val="441825283"/>
+      </p:ext>
+    </p:extLst>
+  </p:cSld>
+  <p:clrMapOvr>
+    <a:masterClrMapping/>
+  </p:clrMapOvr>
+</p:sld>
+</file>
+
+<file path=ppt/slides/slide42.xml><?xml version="1.0" encoding="utf-8"?>
+<p:sld xmlns:a="http://schemas.openxmlformats.org/drawingml/2006/main" xmlns:r="http://schemas.openxmlformats.org/officeDocument/2006/relationships" xmlns:p="http://schemas.openxmlformats.org/presentationml/2006/main">
+  <p:cSld>
+    <p:spTree>
+      <p:nvGrpSpPr>
+        <p:cNvPr id="1" name=""/>
+        <p:cNvGrpSpPr/>
+        <p:nvPr/>
+      </p:nvGrpSpPr>
+      <p:grpSpPr>
+        <a:xfrm>
+          <a:off x="0" y="0"/>
+          <a:ext cx="0" cy="0"/>
+          <a:chOff x="0" y="0"/>
+          <a:chExt cx="0" cy="0"/>
+        </a:xfrm>
+      </p:grpSpPr>
+      <p:sp>
+        <p:nvSpPr>
+          <p:cNvPr id="3" name="TextBox 2">
+            <a:extLst>
+              <a:ext uri="{FF2B5EF4-FFF2-40B4-BE49-F238E27FC236}">
+                <a16:creationId xmlns:a16="http://schemas.microsoft.com/office/drawing/2014/main" id="{DADAF6BF-3B4B-4B6A-1679-0DF3F3CCAEDD}"/>
+              </a:ext>
+            </a:extLst>
+          </p:cNvPr>
+          <p:cNvSpPr txBox="1"/>
+          <p:nvPr/>
+        </p:nvSpPr>
+        <p:spPr>
+          <a:xfrm>
+            <a:off x="585389" y="1508107"/>
+            <a:ext cx="7721849" cy="4401205"/>
+          </a:xfrm>
+          <a:prstGeom prst="rect">
+            <a:avLst/>
+          </a:prstGeom>
+          <a:noFill/>
+        </p:spPr>
+        <p:txBody>
+          <a:bodyPr wrap="square">
+            <a:spAutoFit/>
+          </a:bodyPr>
+          <a:lstStyle/>
+          <a:p>
+            <a:pPr marL="285750" indent="-285750">
+              <a:buFont typeface="Arial" panose="020B0604020202020204" pitchFamily="34" charset="0"/>
+              <a:buChar char="•"/>
+            </a:pPr>
+            <a:r>
+              <a:rPr lang="en-US" sz="1400" dirty="0"/>
+              <a:t>T</a:t>
+            </a:r>
+            <a:r>
+              <a:rPr lang="en-US" sz="1400" b="0" dirty="0">
+                <a:effectLst/>
+              </a:rPr>
+              <a:t>otal rows: 1109000</a:t>
+            </a:r>
+            <a:endParaRPr lang="en-US" sz="1400" dirty="0"/>
+          </a:p>
+          <a:p>
+            <a:pPr marL="285750" indent="-285750">
+              <a:buFont typeface="Arial" panose="020B0604020202020204" pitchFamily="34" charset="0"/>
+              <a:buChar char="•"/>
+            </a:pPr>
+            <a:r>
+              <a:rPr lang="en-US" sz="1400" b="0" dirty="0">
+                <a:effectLst/>
+              </a:rPr>
+              <a:t>Number of unique: 104972 (there are between 8-20 instances of each sequence)</a:t>
+            </a:r>
+          </a:p>
+          <a:p>
+            <a:pPr marL="285750" indent="-285750">
+              <a:buFont typeface="Arial" panose="020B0604020202020204" pitchFamily="34" charset="0"/>
+              <a:buChar char="•"/>
+            </a:pPr>
+            <a:endParaRPr lang="en-US" sz="1400" b="0" dirty="0">
+              <a:effectLst/>
+            </a:endParaRPr>
+          </a:p>
+          <a:p>
+            <a:pPr marL="285750" indent="-285750">
+              <a:buFont typeface="Arial" panose="020B0604020202020204" pitchFamily="34" charset="0"/>
+              <a:buChar char="•"/>
+            </a:pPr>
+            <a:r>
+              <a:rPr lang="en-US" sz="1400" b="0" dirty="0">
+                <a:effectLst/>
+              </a:rPr>
+              <a:t>Number of rows where </a:t>
+            </a:r>
+            <a:r>
+              <a:rPr lang="en-US" sz="1400" b="0" dirty="0" err="1">
+                <a:effectLst/>
+              </a:rPr>
+              <a:t>pred_Affinity</a:t>
+            </a:r>
+            <a:r>
+              <a:rPr lang="en-US" sz="1400" b="0" dirty="0">
+                <a:effectLst/>
+              </a:rPr>
+              <a:t> is not NAN : 340100</a:t>
+            </a:r>
+          </a:p>
+          <a:p>
+            <a:pPr marL="742950" lvl="1" indent="-285750">
+              <a:buFont typeface="Arial" panose="020B0604020202020204" pitchFamily="34" charset="0"/>
+              <a:buChar char="•"/>
+            </a:pPr>
+            <a:r>
+              <a:rPr lang="en-US" sz="1400" dirty="0"/>
+              <a:t>NANs are most likely non-binders (perhaps give them affinity 0?)</a:t>
+            </a:r>
+            <a:endParaRPr lang="en-US" sz="1400" b="0" dirty="0">
+              <a:effectLst/>
+            </a:endParaRPr>
+          </a:p>
+          <a:p>
+            <a:pPr marL="742950" lvl="1" indent="-285750">
+              <a:buFont typeface="Arial" panose="020B0604020202020204" pitchFamily="34" charset="0"/>
+              <a:buChar char="•"/>
+            </a:pPr>
+            <a:r>
+              <a:rPr lang="en-US" sz="1400" b="0" dirty="0">
+                <a:effectLst/>
+              </a:rPr>
+              <a:t>number of unique sequences in this subset: 87211</a:t>
+            </a:r>
+          </a:p>
+          <a:p>
+            <a:pPr marL="742950" lvl="1" indent="-285750">
+              <a:buFont typeface="Arial" panose="020B0604020202020204" pitchFamily="34" charset="0"/>
+              <a:buChar char="•"/>
+            </a:pPr>
+            <a:r>
+              <a:rPr lang="en-US" sz="1400" b="0" dirty="0">
+                <a:effectLst/>
+              </a:rPr>
+              <a:t>for each of these unique sequences, there are multiple binding affinity values</a:t>
+            </a:r>
+          </a:p>
+          <a:p>
+            <a:pPr marL="742950" lvl="1" indent="-285750">
+              <a:buFont typeface="Arial" panose="020B0604020202020204" pitchFamily="34" charset="0"/>
+              <a:buChar char="•"/>
+            </a:pPr>
+            <a:r>
+              <a:rPr lang="en-US" sz="1400" dirty="0"/>
+              <a:t>for example, </a:t>
+            </a:r>
+          </a:p>
+          <a:p>
+            <a:pPr marL="1200150" lvl="2" indent="-285750">
+              <a:buFont typeface="Arial" panose="020B0604020202020204" pitchFamily="34" charset="0"/>
+              <a:buChar char="•"/>
+            </a:pPr>
+            <a:r>
+              <a:rPr lang="en-US" sz="1400" b="0" dirty="0">
+                <a:effectLst/>
+              </a:rPr>
+              <a:t>seq 1: num affinity values = 6 , values: {</a:t>
+            </a:r>
+            <a:r>
+              <a:rPr lang="en-US" sz="1400" b="1" dirty="0">
+                <a:effectLst/>
+              </a:rPr>
+              <a:t>0.87</a:t>
+            </a:r>
+            <a:r>
+              <a:rPr lang="en-US" sz="1400" b="0" dirty="0">
+                <a:effectLst/>
+              </a:rPr>
+              <a:t>, 0.91, 0.96, </a:t>
+            </a:r>
+            <a:r>
+              <a:rPr lang="en-US" sz="1400" b="1" dirty="0">
+                <a:effectLst/>
+              </a:rPr>
+              <a:t>3.92</a:t>
+            </a:r>
+            <a:r>
+              <a:rPr lang="en-US" sz="1400" b="0" dirty="0">
+                <a:effectLst/>
+              </a:rPr>
+              <a:t>, </a:t>
+            </a:r>
+            <a:r>
+              <a:rPr lang="en-US" sz="1400" b="0" i="0" dirty="0">
+                <a:effectLst/>
+              </a:rPr>
+              <a:t>4.92, 5.72</a:t>
+            </a:r>
+            <a:r>
+              <a:rPr lang="en-US" sz="1400" b="0" dirty="0">
+                <a:effectLst/>
+              </a:rPr>
+              <a:t>}</a:t>
+            </a:r>
+          </a:p>
+          <a:p>
+            <a:pPr marL="1200150" lvl="2" indent="-285750">
+              <a:buFont typeface="Arial" panose="020B0604020202020204" pitchFamily="34" charset="0"/>
+              <a:buChar char="•"/>
+            </a:pPr>
+            <a:r>
+              <a:rPr lang="en-US" sz="1400" b="0" dirty="0">
+                <a:effectLst/>
+              </a:rPr>
+              <a:t>-RTlog10(</a:t>
+            </a:r>
+            <a:r>
+              <a:rPr lang="en-US" sz="1400" b="1" dirty="0"/>
+              <a:t>5.72</a:t>
+            </a:r>
+            <a:r>
+              <a:rPr lang="en-US" sz="1400" b="0" dirty="0">
+                <a:effectLst/>
+              </a:rPr>
+              <a:t>) = -4.88 kcal/mol binding free energy</a:t>
+            </a:r>
+          </a:p>
+          <a:p>
+            <a:pPr marL="1200150" lvl="2" indent="-285750">
+              <a:buFont typeface="Arial" panose="020B0604020202020204" pitchFamily="34" charset="0"/>
+              <a:buChar char="•"/>
+            </a:pPr>
+            <a:r>
+              <a:rPr lang="en-US" sz="1400" b="0" dirty="0">
+                <a:effectLst/>
+              </a:rPr>
+              <a:t>-RTlog10(</a:t>
+            </a:r>
+            <a:r>
+              <a:rPr lang="en-US" sz="1400" b="1" dirty="0">
+                <a:effectLst/>
+              </a:rPr>
+              <a:t>0.87</a:t>
+            </a:r>
+            <a:r>
+              <a:rPr lang="en-US" sz="1400" b="0" dirty="0">
+                <a:effectLst/>
+              </a:rPr>
+              <a:t>) = -5.36 kcal/mol</a:t>
+            </a:r>
+          </a:p>
+          <a:p>
+            <a:pPr marL="1200150" lvl="2" indent="-285750">
+              <a:buFont typeface="Arial" panose="020B0604020202020204" pitchFamily="34" charset="0"/>
+              <a:buChar char="•"/>
+            </a:pPr>
+            <a:r>
+              <a:rPr lang="en-US" sz="1400" b="0" dirty="0">
+                <a:effectLst/>
+              </a:rPr>
+              <a:t>for reference </a:t>
+            </a:r>
+            <a:r>
+              <a:rPr lang="en-US" sz="1400" b="0" dirty="0" err="1">
+                <a:effectLst/>
+              </a:rPr>
+              <a:t>kT</a:t>
+            </a:r>
+            <a:r>
+              <a:rPr lang="en-US" sz="1400" b="0" dirty="0">
+                <a:effectLst/>
+              </a:rPr>
+              <a:t> = 0.6 kcal/mol so this difference is on the order of </a:t>
+            </a:r>
+            <a:r>
+              <a:rPr lang="en-US" sz="1400" b="0" dirty="0" err="1">
+                <a:effectLst/>
+              </a:rPr>
+              <a:t>kT</a:t>
+            </a:r>
+            <a:endParaRPr lang="en-US" sz="1400" b="0" dirty="0">
+              <a:effectLst/>
+            </a:endParaRPr>
+          </a:p>
+          <a:p>
+            <a:pPr marL="285750" indent="-285750">
+              <a:buFont typeface="Arial" panose="020B0604020202020204" pitchFamily="34" charset="0"/>
+              <a:buChar char="•"/>
+            </a:pPr>
+            <a:endParaRPr lang="en-US" sz="1400" b="0" dirty="0">
+              <a:effectLst/>
+            </a:endParaRPr>
+          </a:p>
+          <a:p>
+            <a:pPr marL="285750" indent="-285750">
+              <a:buFont typeface="Arial" panose="020B0604020202020204" pitchFamily="34" charset="0"/>
+              <a:buChar char="•"/>
+            </a:pPr>
+            <a:endParaRPr lang="en-US" sz="1400" dirty="0"/>
+          </a:p>
+          <a:p>
+            <a:pPr marL="285750" indent="-285750">
+              <a:buFont typeface="Arial" panose="020B0604020202020204" pitchFamily="34" charset="0"/>
+              <a:buChar char="•"/>
+            </a:pPr>
+            <a:r>
+              <a:rPr lang="en-US" sz="1400" b="1" dirty="0">
+                <a:effectLst/>
+              </a:rPr>
+              <a:t>Final data set</a:t>
+            </a:r>
+            <a:r>
+              <a:rPr lang="en-US" sz="1400" b="0" dirty="0">
+                <a:effectLst/>
+              </a:rPr>
+              <a:t>:</a:t>
+            </a:r>
+          </a:p>
+          <a:p>
+            <a:pPr marL="742950" lvl="1" indent="-285750">
+              <a:buFont typeface="Arial" panose="020B0604020202020204" pitchFamily="34" charset="0"/>
+              <a:buChar char="•"/>
+            </a:pPr>
+            <a:r>
+              <a:rPr lang="en-US" sz="1400" dirty="0"/>
+              <a:t>87211 sequences</a:t>
+            </a:r>
+          </a:p>
+          <a:p>
+            <a:pPr marL="742950" lvl="1" indent="-285750">
+              <a:buFont typeface="Arial" panose="020B0604020202020204" pitchFamily="34" charset="0"/>
+              <a:buChar char="•"/>
+            </a:pPr>
+            <a:r>
+              <a:rPr lang="en-US" sz="1400" b="0" dirty="0">
+                <a:effectLst/>
+              </a:rPr>
+              <a:t>affinity will be the mean of each sequence’s multiple affinities</a:t>
+            </a:r>
+          </a:p>
+          <a:p>
+            <a:pPr marL="742950" lvl="1" indent="-285750">
+              <a:buFont typeface="Arial" panose="020B0604020202020204" pitchFamily="34" charset="0"/>
+              <a:buChar char="•"/>
+            </a:pPr>
+            <a:r>
+              <a:rPr lang="en-US" sz="1400" dirty="0"/>
+              <a:t>43 </a:t>
+            </a:r>
+            <a:r>
+              <a:rPr lang="en-US" sz="1400" dirty="0" err="1"/>
+              <a:t>Kd</a:t>
+            </a:r>
+            <a:r>
+              <a:rPr lang="en-US" sz="1400" dirty="0"/>
+              <a:t> values are negative (?!?!) : remove these.</a:t>
+            </a:r>
+          </a:p>
+          <a:p>
+            <a:pPr marL="742950" lvl="1" indent="-285750">
+              <a:buFont typeface="Arial" panose="020B0604020202020204" pitchFamily="34" charset="0"/>
+              <a:buChar char="•"/>
+            </a:pPr>
+            <a:r>
+              <a:rPr lang="en-US" sz="1400" b="0" dirty="0">
+                <a:effectLst/>
+              </a:rPr>
+              <a:t>Final row count = 87168</a:t>
+            </a:r>
+          </a:p>
+          <a:p>
+            <a:pPr marL="742950" lvl="1" indent="-285750">
+              <a:buFont typeface="Arial" panose="020B0604020202020204" pitchFamily="34" charset="0"/>
+              <a:buChar char="•"/>
+            </a:pPr>
+            <a:r>
+              <a:rPr lang="en-US" sz="1400" dirty="0"/>
+              <a:t>Train/test split 90/10: 78451/8717 rows, respectively</a:t>
+            </a:r>
+            <a:endParaRPr lang="en-US" sz="1400" b="0" dirty="0">
+              <a:effectLst/>
+            </a:endParaRPr>
+          </a:p>
+        </p:txBody>
+      </p:sp>
+      <p:sp>
+        <p:nvSpPr>
+          <p:cNvPr id="4" name="TextBox 3">
+            <a:extLst>
+              <a:ext uri="{FF2B5EF4-FFF2-40B4-BE49-F238E27FC236}">
+                <a16:creationId xmlns:a16="http://schemas.microsoft.com/office/drawing/2014/main" id="{066D4060-9E3D-9BF0-F507-08D8FA88FEE7}"/>
+              </a:ext>
+            </a:extLst>
+          </p:cNvPr>
+          <p:cNvSpPr txBox="1"/>
+          <p:nvPr/>
+        </p:nvSpPr>
+        <p:spPr>
+          <a:xfrm>
+            <a:off x="207034" y="258792"/>
+            <a:ext cx="2803585" cy="461665"/>
+          </a:xfrm>
+          <a:prstGeom prst="rect">
+            <a:avLst/>
+          </a:prstGeom>
+          <a:noFill/>
+        </p:spPr>
+        <p:txBody>
+          <a:bodyPr wrap="square" rtlCol="0">
+            <a:spAutoFit/>
+          </a:bodyPr>
+          <a:lstStyle/>
+          <a:p>
+            <a:r>
+              <a:rPr lang="en-US" sz="2400" dirty="0"/>
+              <a:t>Fine Tuning dataset</a:t>
+            </a:r>
+            <a:endParaRPr lang="en-US" sz="1600" dirty="0"/>
+          </a:p>
+        </p:txBody>
+      </p:sp>
+      <p:sp>
+        <p:nvSpPr>
+          <p:cNvPr id="5" name="TextBox 4">
+            <a:extLst>
+              <a:ext uri="{FF2B5EF4-FFF2-40B4-BE49-F238E27FC236}">
+                <a16:creationId xmlns:a16="http://schemas.microsoft.com/office/drawing/2014/main" id="{5C611D8E-C829-FF8A-3AF5-C19358C37D2B}"/>
+              </a:ext>
+            </a:extLst>
+          </p:cNvPr>
+          <p:cNvSpPr txBox="1"/>
+          <p:nvPr/>
+        </p:nvSpPr>
+        <p:spPr>
+          <a:xfrm>
+            <a:off x="379563" y="793630"/>
+            <a:ext cx="11177419" cy="369332"/>
+          </a:xfrm>
+          <a:prstGeom prst="rect">
+            <a:avLst/>
+          </a:prstGeom>
+          <a:noFill/>
+        </p:spPr>
+        <p:txBody>
+          <a:bodyPr wrap="none" rtlCol="0">
+            <a:spAutoFit/>
+          </a:bodyPr>
+          <a:lstStyle/>
+          <a:p>
+            <a:r>
+              <a:rPr lang="en-US" sz="1800" dirty="0">
+                <a:effectLst/>
+              </a:rPr>
+              <a:t>antibody_dataset_1 : the </a:t>
+            </a:r>
+            <a:r>
+              <a:rPr lang="en-US" sz="1800" dirty="0" err="1">
+                <a:effectLst/>
+              </a:rPr>
+              <a:t>scFv</a:t>
+            </a:r>
+            <a:r>
+              <a:rPr lang="en-US" sz="1800" dirty="0">
+                <a:effectLst/>
+              </a:rPr>
+              <a:t> antibody sequence/binding affinity data in the </a:t>
+            </a:r>
+            <a:r>
+              <a:rPr lang="en-US" sz="1800" dirty="0" err="1">
+                <a:effectLst/>
+              </a:rPr>
+              <a:t>AlphaSeq</a:t>
+            </a:r>
+            <a:r>
+              <a:rPr lang="en-US" sz="1800" dirty="0">
+                <a:effectLst/>
+              </a:rPr>
+              <a:t> experimental assay data</a:t>
+            </a:r>
+          </a:p>
+        </p:txBody>
+      </p:sp>
+      <p:sp>
+        <p:nvSpPr>
+          <p:cNvPr id="7" name="TextBox 6">
+            <a:extLst>
+              <a:ext uri="{FF2B5EF4-FFF2-40B4-BE49-F238E27FC236}">
+                <a16:creationId xmlns:a16="http://schemas.microsoft.com/office/drawing/2014/main" id="{1EB34716-DE6F-C17F-A2E0-42E7B410BA11}"/>
+              </a:ext>
+            </a:extLst>
+          </p:cNvPr>
+          <p:cNvSpPr txBox="1"/>
+          <p:nvPr/>
+        </p:nvSpPr>
+        <p:spPr>
+          <a:xfrm>
+            <a:off x="379563" y="6032207"/>
+            <a:ext cx="10191764" cy="461665"/>
+          </a:xfrm>
+          <a:prstGeom prst="rect">
+            <a:avLst/>
+          </a:prstGeom>
+          <a:noFill/>
+        </p:spPr>
+        <p:txBody>
+          <a:bodyPr wrap="none" rtlCol="0">
+            <a:spAutoFit/>
+          </a:bodyPr>
+          <a:lstStyle/>
+          <a:p>
+            <a:r>
+              <a:rPr lang="en-US" sz="1200" b="0" dirty="0">
+                <a:effectLst/>
+                <a:hlinkClick r:id="rId2"/>
+              </a:rPr>
+              <a:t>https://www.nature.com/articles/s41597-022-01779-4</a:t>
+            </a:r>
+            <a:endParaRPr lang="en-US" sz="1200" b="0" dirty="0">
+              <a:effectLst/>
+            </a:endParaRPr>
+          </a:p>
+          <a:p>
+            <a:r>
+              <a:rPr lang="en-US" sz="1200" b="0" dirty="0">
+                <a:effectLst/>
+              </a:rPr>
+              <a:t>"Of the 119,600 designs, 104,972 were successfully built into the </a:t>
+            </a:r>
+            <a:r>
+              <a:rPr lang="en-US" sz="1200" b="0" dirty="0" err="1">
+                <a:effectLst/>
+              </a:rPr>
+              <a:t>AlphaSeq</a:t>
+            </a:r>
+            <a:r>
+              <a:rPr lang="en-US" sz="1200" b="0" dirty="0">
+                <a:effectLst/>
+              </a:rPr>
+              <a:t> library and target binding was subsequently measured with 71,384 designs”</a:t>
+            </a:r>
+          </a:p>
+        </p:txBody>
+      </p:sp>
+    </p:spTree>
+    <p:extLst>
+      <p:ext uri="{BB962C8B-B14F-4D97-AF65-F5344CB8AC3E}">
+        <p14:creationId xmlns:p14="http://schemas.microsoft.com/office/powerpoint/2010/main" val="97067422"/>
+      </p:ext>
+    </p:extLst>
+  </p:cSld>
+  <p:clrMapOvr>
+    <a:masterClrMapping/>
+  </p:clrMapOvr>
+</p:sld>
+</file>
+
+<file path=ppt/slides/slide43.xml><?xml version="1.0" encoding="utf-8"?>
+<p:sld xmlns:a="http://schemas.openxmlformats.org/drawingml/2006/main" xmlns:r="http://schemas.openxmlformats.org/officeDocument/2006/relationships" xmlns:p="http://schemas.openxmlformats.org/presentationml/2006/main">
+  <p:cSld>
+    <p:spTree>
+      <p:nvGrpSpPr>
+        <p:cNvPr id="1" name=""/>
+        <p:cNvGrpSpPr/>
+        <p:nvPr/>
+      </p:nvGrpSpPr>
+      <p:grpSpPr>
+        <a:xfrm>
+          <a:off x="0" y="0"/>
+          <a:ext cx="0" cy="0"/>
+          <a:chOff x="0" y="0"/>
+          <a:chExt cx="0" cy="0"/>
+        </a:xfrm>
+      </p:grpSpPr>
+      <p:sp>
+        <p:nvSpPr>
+          <p:cNvPr id="2" name="TextBox 1">
+            <a:extLst>
+              <a:ext uri="{FF2B5EF4-FFF2-40B4-BE49-F238E27FC236}">
+                <a16:creationId xmlns:a16="http://schemas.microsoft.com/office/drawing/2014/main" id="{FFDAADAE-17FC-1795-F7A0-EC68D5D19BBA}"/>
+              </a:ext>
+            </a:extLst>
+          </p:cNvPr>
+          <p:cNvSpPr txBox="1"/>
+          <p:nvPr/>
+        </p:nvSpPr>
+        <p:spPr>
+          <a:xfrm>
+            <a:off x="136762" y="204349"/>
+            <a:ext cx="2383473" cy="461665"/>
+          </a:xfrm>
+          <a:prstGeom prst="rect">
+            <a:avLst/>
+          </a:prstGeom>
+          <a:noFill/>
+        </p:spPr>
+        <p:txBody>
+          <a:bodyPr wrap="none" rtlCol="0">
+            <a:spAutoFit/>
+          </a:bodyPr>
+          <a:lstStyle/>
+          <a:p>
+            <a:r>
+              <a:rPr lang="en-US" sz="2400" dirty="0"/>
+              <a:t>Fine tune results</a:t>
+            </a:r>
+          </a:p>
+        </p:txBody>
+      </p:sp>
+      <p:sp>
+        <p:nvSpPr>
+          <p:cNvPr id="3" name="TextBox 2">
+            <a:extLst>
+              <a:ext uri="{FF2B5EF4-FFF2-40B4-BE49-F238E27FC236}">
+                <a16:creationId xmlns:a16="http://schemas.microsoft.com/office/drawing/2014/main" id="{72E67A6E-78A0-730F-7A46-B503BAF44592}"/>
+              </a:ext>
+            </a:extLst>
+          </p:cNvPr>
+          <p:cNvSpPr txBox="1"/>
+          <p:nvPr/>
+        </p:nvSpPr>
+        <p:spPr>
+          <a:xfrm>
+            <a:off x="4576951" y="204349"/>
+            <a:ext cx="1279646" cy="369332"/>
+          </a:xfrm>
+          <a:prstGeom prst="rect">
+            <a:avLst/>
+          </a:prstGeom>
+          <a:noFill/>
+        </p:spPr>
+        <p:txBody>
+          <a:bodyPr wrap="none" rtlCol="0">
+            <a:spAutoFit/>
+          </a:bodyPr>
+          <a:lstStyle/>
+          <a:p>
+            <a:r>
+              <a:rPr lang="en-US" dirty="0">
+                <a:highlight>
+                  <a:srgbClr val="FFFF00"/>
+                </a:highlight>
+              </a:rPr>
+              <a:t>In progress</a:t>
+            </a:r>
+          </a:p>
+        </p:txBody>
+      </p:sp>
+      <p:sp>
+        <p:nvSpPr>
+          <p:cNvPr id="4" name="TextBox 3">
+            <a:extLst>
+              <a:ext uri="{FF2B5EF4-FFF2-40B4-BE49-F238E27FC236}">
+                <a16:creationId xmlns:a16="http://schemas.microsoft.com/office/drawing/2014/main" id="{D5B133ED-0AD7-1D30-086B-500BFED87CF6}"/>
+              </a:ext>
+            </a:extLst>
+          </p:cNvPr>
+          <p:cNvSpPr txBox="1"/>
+          <p:nvPr/>
+        </p:nvSpPr>
+        <p:spPr>
+          <a:xfrm>
+            <a:off x="457201" y="943930"/>
+            <a:ext cx="9914317" cy="2062103"/>
+          </a:xfrm>
+          <a:prstGeom prst="rect">
+            <a:avLst/>
+          </a:prstGeom>
+          <a:noFill/>
+        </p:spPr>
+        <p:txBody>
+          <a:bodyPr wrap="none" rtlCol="0">
+            <a:spAutoFit/>
+          </a:bodyPr>
+          <a:lstStyle/>
+          <a:p>
+            <a:r>
+              <a:rPr lang="en-US" sz="1600" dirty="0"/>
+              <a:t>issue?   block-size = 90 during pre-training.  How to adapt for fine-tune data of longer length?</a:t>
+            </a:r>
+          </a:p>
+          <a:p>
+            <a:r>
+              <a:rPr lang="en-US" sz="1600" dirty="0"/>
+              <a:t>See this link: </a:t>
+            </a:r>
+            <a:r>
+              <a:rPr lang="en-US" sz="1600" dirty="0">
+                <a:hlinkClick r:id="rId2"/>
+              </a:rPr>
+              <a:t>https://discuss.huggingface.co/t/fine-tuning-bert-with-sequences-longer-than-512-tokens/12652</a:t>
+            </a:r>
+            <a:endParaRPr lang="en-US" sz="1600" dirty="0"/>
+          </a:p>
+          <a:p>
+            <a:endParaRPr lang="en-US" sz="1600" dirty="0"/>
+          </a:p>
+          <a:p>
+            <a:pPr marL="285750" indent="-285750">
+              <a:buFont typeface="Arial" panose="020B0604020202020204" pitchFamily="34" charset="0"/>
+              <a:buChar char="•"/>
+            </a:pPr>
+            <a:r>
+              <a:rPr lang="en-US" sz="1600" dirty="0"/>
+              <a:t>I’ve </a:t>
+            </a:r>
+            <a:r>
+              <a:rPr lang="en-US" sz="1600" dirty="0" err="1"/>
+              <a:t>choosen</a:t>
+            </a:r>
+            <a:r>
+              <a:rPr lang="en-US" sz="1600" dirty="0"/>
+              <a:t> to use PAD tokens.</a:t>
+            </a:r>
+          </a:p>
+          <a:p>
+            <a:pPr marL="285750" indent="-285750">
+              <a:buFont typeface="Arial" panose="020B0604020202020204" pitchFamily="34" charset="0"/>
+              <a:buChar char="•"/>
+            </a:pPr>
+            <a:r>
+              <a:rPr lang="en-US" sz="1600" dirty="0"/>
+              <a:t>Set </a:t>
+            </a:r>
+            <a:r>
+              <a:rPr lang="en-US" sz="1600" dirty="0" err="1"/>
+              <a:t>block_size</a:t>
+            </a:r>
+            <a:r>
+              <a:rPr lang="en-US" sz="1600" dirty="0"/>
+              <a:t> = 256 (long enough for the </a:t>
+            </a:r>
+            <a:r>
+              <a:rPr lang="en-US" sz="1600" dirty="0" err="1"/>
+              <a:t>scFv</a:t>
+            </a:r>
+            <a:r>
+              <a:rPr lang="en-US" sz="1600" dirty="0"/>
+              <a:t> data set)</a:t>
+            </a:r>
+          </a:p>
+          <a:p>
+            <a:pPr marL="285750" indent="-285750">
+              <a:buFont typeface="Arial" panose="020B0604020202020204" pitchFamily="34" charset="0"/>
+              <a:buChar char="•"/>
+            </a:pPr>
+            <a:r>
+              <a:rPr lang="en-US" sz="1600" dirty="0"/>
+              <a:t>Redo pre-training on OAS data set with this new block size</a:t>
+            </a:r>
+          </a:p>
+          <a:p>
+            <a:pPr marL="285750" indent="-285750">
+              <a:buFont typeface="Arial" panose="020B0604020202020204" pitchFamily="34" charset="0"/>
+              <a:buChar char="•"/>
+            </a:pPr>
+            <a:r>
+              <a:rPr lang="en-US" sz="1600" dirty="0"/>
+              <a:t>Redo the fine-tuning</a:t>
+            </a:r>
+          </a:p>
+          <a:p>
+            <a:endParaRPr lang="en-US" sz="1600" dirty="0"/>
+          </a:p>
+        </p:txBody>
+      </p:sp>
+      <p:sp>
+        <p:nvSpPr>
+          <p:cNvPr id="5" name="TextBox 4">
+            <a:extLst>
+              <a:ext uri="{FF2B5EF4-FFF2-40B4-BE49-F238E27FC236}">
+                <a16:creationId xmlns:a16="http://schemas.microsoft.com/office/drawing/2014/main" id="{513AD935-8923-9A18-E0B5-40DD82EFCE21}"/>
+              </a:ext>
+            </a:extLst>
+          </p:cNvPr>
+          <p:cNvSpPr txBox="1"/>
+          <p:nvPr/>
+        </p:nvSpPr>
+        <p:spPr>
+          <a:xfrm>
+            <a:off x="457201" y="4345327"/>
+            <a:ext cx="6659592" cy="2308324"/>
+          </a:xfrm>
+          <a:prstGeom prst="rect">
+            <a:avLst/>
+          </a:prstGeom>
+          <a:noFill/>
+        </p:spPr>
+        <p:txBody>
+          <a:bodyPr wrap="square" rtlCol="0">
+            <a:spAutoFit/>
+          </a:bodyPr>
+          <a:lstStyle/>
+          <a:p>
+            <a:r>
+              <a:rPr lang="en-US" sz="1200" dirty="0" err="1"/>
+              <a:t>ProteinBERT</a:t>
+            </a:r>
+            <a:r>
+              <a:rPr lang="en-US" sz="1200" dirty="0"/>
+              <a:t> paper : </a:t>
+            </a:r>
+            <a:r>
+              <a:rPr lang="en-US" sz="1200" dirty="0">
+                <a:hlinkClick r:id="rId3"/>
+              </a:rPr>
+              <a:t>https://doi.org/10.1093/bioinformatics/btac020</a:t>
+            </a:r>
+            <a:endParaRPr lang="en-US" sz="1200" dirty="0"/>
+          </a:p>
+          <a:p>
+            <a:r>
+              <a:rPr lang="en-US" sz="1200" b="1" dirty="0"/>
+              <a:t>2.2 Sequence and annotation encoding </a:t>
+            </a:r>
+          </a:p>
+          <a:p>
+            <a:r>
+              <a:rPr lang="en-US" sz="1200" dirty="0"/>
+              <a:t>Protein sequences were encoded as sequences of integer tokens. We used 26 unique tokens representing the 20 standard amino acids, selenocysteine (U), an undefined amino-acid (X), another amino acid (OTHER) and 3 additional tokens (START, END and PAD). For each sequence, START and END tokens were added before the first amino acid and after the last amino acid, respectively. </a:t>
+            </a:r>
+            <a:r>
+              <a:rPr lang="en-US" sz="1200" u="sng" dirty="0"/>
+              <a:t>The PAD token was added to pad sequences shorter than the sequence length chosen for the minibatch</a:t>
+            </a:r>
+            <a:r>
+              <a:rPr lang="en-US" sz="1200" dirty="0"/>
+              <a:t>.</a:t>
+            </a:r>
+          </a:p>
+          <a:p>
+            <a:r>
+              <a:rPr lang="en-US" sz="1200" dirty="0"/>
+              <a:t>…..</a:t>
+            </a:r>
+          </a:p>
+          <a:p>
+            <a:r>
+              <a:rPr lang="en-US" sz="1200" dirty="0"/>
+              <a:t>An important feature of </a:t>
+            </a:r>
+            <a:r>
+              <a:rPr lang="en-US" sz="1200" dirty="0" err="1"/>
+              <a:t>ProteinBERT</a:t>
+            </a:r>
+            <a:r>
+              <a:rPr lang="en-US" sz="1200" dirty="0"/>
+              <a:t> is sequence length flexibility. To avoid the risk of overfitting the model to a specific constant length, we periodically (every 15 min of training) switched the encoding length of protein sequences, using lengths of 128, 512 or 1024 tokens.</a:t>
+            </a:r>
+          </a:p>
+        </p:txBody>
+      </p:sp>
+    </p:spTree>
+    <p:extLst>
+      <p:ext uri="{BB962C8B-B14F-4D97-AF65-F5344CB8AC3E}">
+        <p14:creationId xmlns:p14="http://schemas.microsoft.com/office/powerpoint/2010/main" val="312208813"/>
+      </p:ext>
+    </p:extLst>
+  </p:cSld>
+  <p:clrMapOvr>
+    <a:masterClrMapping/>
+  </p:clrMapOvr>
+</p:sld>
+</file>
+
+<file path=ppt/slides/slide44.xml><?xml version="1.0" encoding="utf-8"?>
 <p:sld xmlns:a="http://schemas.openxmlformats.org/drawingml/2006/main" xmlns:r="http://schemas.openxmlformats.org/officeDocument/2006/relationships" xmlns:p="http://schemas.openxmlformats.org/presentationml/2006/main">
   <p:cSld>
     <p:spTree>
@@ -30526,6 +31403,481 @@
           <a:chExt cx="0" cy="0"/>
         </a:xfrm>
       </p:grpSpPr>
+      <p:graphicFrame>
+        <p:nvGraphicFramePr>
+          <p:cNvPr id="4" name="Table 3">
+            <a:extLst>
+              <a:ext uri="{FF2B5EF4-FFF2-40B4-BE49-F238E27FC236}">
+                <a16:creationId xmlns:a16="http://schemas.microsoft.com/office/drawing/2014/main" id="{1D82A056-A86A-59A1-BDB2-9142D9E30591}"/>
+              </a:ext>
+            </a:extLst>
+          </p:cNvPr>
+          <p:cNvGraphicFramePr>
+            <a:graphicFrameLocks noGrp="1"/>
+          </p:cNvGraphicFramePr>
+          <p:nvPr>
+            <p:extLst>
+              <p:ext uri="{D42A27DB-BD31-4B8C-83A1-F6EECF244321}">
+                <p14:modId xmlns:p14="http://schemas.microsoft.com/office/powerpoint/2010/main" val="615645312"/>
+              </p:ext>
+            </p:extLst>
+          </p:nvPr>
+        </p:nvGraphicFramePr>
+        <p:xfrm>
+          <a:off x="1842219" y="1112902"/>
+          <a:ext cx="5744631" cy="2461247"/>
+        </p:xfrm>
+        <a:graphic>
+          <a:graphicData uri="http://schemas.openxmlformats.org/drawingml/2006/table">
+            <a:tbl>
+              <a:tblPr firstRow="1" bandRow="1">
+                <a:tableStyleId>{5C22544A-7EE6-4342-B048-85BDC9FD1C3A}</a:tableStyleId>
+              </a:tblPr>
+              <a:tblGrid>
+                <a:gridCol w="1604944">
+                  <a:extLst>
+                    <a:ext uri="{9D8B030D-6E8A-4147-A177-3AD203B41FA5}">
+                      <a16:colId xmlns:a16="http://schemas.microsoft.com/office/drawing/2014/main" val="2397869438"/>
+                    </a:ext>
+                  </a:extLst>
+                </a:gridCol>
+                <a:gridCol w="1659675">
+                  <a:extLst>
+                    <a:ext uri="{9D8B030D-6E8A-4147-A177-3AD203B41FA5}">
+                      <a16:colId xmlns:a16="http://schemas.microsoft.com/office/drawing/2014/main" val="2684795497"/>
+                    </a:ext>
+                  </a:extLst>
+                </a:gridCol>
+                <a:gridCol w="2480012">
+                  <a:extLst>
+                    <a:ext uri="{9D8B030D-6E8A-4147-A177-3AD203B41FA5}">
+                      <a16:colId xmlns:a16="http://schemas.microsoft.com/office/drawing/2014/main" val="2600938863"/>
+                    </a:ext>
+                  </a:extLst>
+                </a:gridCol>
+              </a:tblGrid>
+              <a:tr h="658423">
+                <a:tc rowSpan="2">
+                  <a:txBody>
+                    <a:bodyPr/>
+                    <a:lstStyle/>
+                    <a:p>
+                      <a:pPr algn="ctr"/>
+                      <a:r>
+                        <a:rPr lang="en-US" dirty="0"/>
+                        <a:t>Sequence Length</a:t>
+                      </a:r>
+                    </a:p>
+                  </a:txBody>
+                  <a:tcPr anchor="ctr"/>
+                </a:tc>
+                <a:tc gridSpan="2">
+                  <a:txBody>
+                    <a:bodyPr/>
+                    <a:lstStyle/>
+                    <a:p>
+                      <a:pPr algn="ctr"/>
+                      <a:r>
+                        <a:rPr lang="en-US" dirty="0"/>
+                        <a:t>Number of sequences</a:t>
+                      </a:r>
+                    </a:p>
+                  </a:txBody>
+                  <a:tcPr anchor="ctr"/>
+                </a:tc>
+                <a:tc hMerge="1">
+                  <a:txBody>
+                    <a:bodyPr/>
+                    <a:lstStyle/>
+                    <a:p>
+                      <a:pPr algn="ctr"/>
+                      <a:endParaRPr lang="en-US" dirty="0"/>
+                    </a:p>
+                  </a:txBody>
+                  <a:tcPr anchor="ctr"/>
+                </a:tc>
+                <a:extLst>
+                  <a:ext uri="{0D108BD9-81ED-4DB2-BD59-A6C34878D82A}">
+                    <a16:rowId xmlns:a16="http://schemas.microsoft.com/office/drawing/2014/main" val="1711387217"/>
+                  </a:ext>
+                </a:extLst>
+              </a:tr>
+              <a:tr h="658423">
+                <a:tc vMerge="1">
+                  <a:txBody>
+                    <a:bodyPr/>
+                    <a:lstStyle/>
+                    <a:p>
+                      <a:endParaRPr dirty="0"/>
+                    </a:p>
+                  </a:txBody>
+                  <a:tcPr anchor="ctr"/>
+                </a:tc>
+                <a:tc>
+                  <a:txBody>
+                    <a:bodyPr/>
+                    <a:lstStyle/>
+                    <a:p>
+                      <a:pPr marL="0" marR="0" lvl="0" indent="0" algn="ctr" defTabSz="914400" rtl="0" eaLnBrk="1" fontAlgn="auto" latinLnBrk="0" hangingPunct="1">
+                        <a:lnSpc>
+                          <a:spcPct val="100000"/>
+                        </a:lnSpc>
+                        <a:spcBef>
+                          <a:spcPts val="0"/>
+                        </a:spcBef>
+                        <a:spcAft>
+                          <a:spcPts val="0"/>
+                        </a:spcAft>
+                        <a:buClrTx/>
+                        <a:buSzTx/>
+                        <a:buFontTx/>
+                        <a:buNone/>
+                        <a:tabLst/>
+                        <a:defRPr/>
+                      </a:pPr>
+                      <a:r>
+                        <a:rPr lang="en-US" dirty="0"/>
+                        <a:t>Holdout Set</a:t>
+                      </a:r>
+                    </a:p>
+                  </a:txBody>
+                  <a:tcPr anchor="ctr"/>
+                </a:tc>
+                <a:tc>
+                  <a:txBody>
+                    <a:bodyPr/>
+                    <a:lstStyle/>
+                    <a:p>
+                      <a:pPr marL="0" marR="0" lvl="0" indent="0" algn="ctr" defTabSz="914400" rtl="0" eaLnBrk="1" fontAlgn="auto" latinLnBrk="0" hangingPunct="1">
+                        <a:lnSpc>
+                          <a:spcPct val="100000"/>
+                        </a:lnSpc>
+                        <a:spcBef>
+                          <a:spcPts val="0"/>
+                        </a:spcBef>
+                        <a:spcAft>
+                          <a:spcPts val="0"/>
+                        </a:spcAft>
+                        <a:buClrTx/>
+                        <a:buSzTx/>
+                        <a:buFontTx/>
+                        <a:buNone/>
+                        <a:tabLst/>
+                        <a:defRPr/>
+                      </a:pPr>
+                      <a:r>
+                        <a:rPr lang="en-US" dirty="0"/>
+                        <a:t>Training Set (clean-3)</a:t>
+                      </a:r>
+                    </a:p>
+                  </a:txBody>
+                  <a:tcPr anchor="ctr"/>
+                </a:tc>
+                <a:extLst>
+                  <a:ext uri="{0D108BD9-81ED-4DB2-BD59-A6C34878D82A}">
+                    <a16:rowId xmlns:a16="http://schemas.microsoft.com/office/drawing/2014/main" val="993099948"/>
+                  </a:ext>
+                </a:extLst>
+              </a:tr>
+              <a:tr h="381467">
+                <a:tc>
+                  <a:txBody>
+                    <a:bodyPr/>
+                    <a:lstStyle/>
+                    <a:p>
+                      <a:pPr algn="ctr"/>
+                      <a:r>
+                        <a:rPr lang="en-US" dirty="0"/>
+                        <a:t>245</a:t>
+                      </a:r>
+                    </a:p>
+                  </a:txBody>
+                  <a:tcPr anchor="ctr"/>
+                </a:tc>
+                <a:tc>
+                  <a:txBody>
+                    <a:bodyPr/>
+                    <a:lstStyle/>
+                    <a:p>
+                      <a:pPr algn="ctr"/>
+                      <a:r>
+                        <a:rPr lang="en-US" dirty="0"/>
+                        <a:t>301</a:t>
+                      </a:r>
+                    </a:p>
+                  </a:txBody>
+                  <a:tcPr anchor="ctr"/>
+                </a:tc>
+                <a:tc>
+                  <a:txBody>
+                    <a:bodyPr/>
+                    <a:lstStyle/>
+                    <a:p>
+                      <a:pPr algn="ctr"/>
+                      <a:r>
+                        <a:rPr lang="en-US" dirty="0"/>
+                        <a:t>0</a:t>
+                      </a:r>
+                    </a:p>
+                  </a:txBody>
+                  <a:tcPr anchor="ctr"/>
+                </a:tc>
+                <a:extLst>
+                  <a:ext uri="{0D108BD9-81ED-4DB2-BD59-A6C34878D82A}">
+                    <a16:rowId xmlns:a16="http://schemas.microsoft.com/office/drawing/2014/main" val="2776180180"/>
+                  </a:ext>
+                </a:extLst>
+              </a:tr>
+              <a:tr h="381467">
+                <a:tc>
+                  <a:txBody>
+                    <a:bodyPr/>
+                    <a:lstStyle/>
+                    <a:p>
+                      <a:pPr algn="ctr"/>
+                      <a:r>
+                        <a:rPr lang="en-US" dirty="0"/>
+                        <a:t>246</a:t>
+                      </a:r>
+                    </a:p>
+                  </a:txBody>
+                  <a:tcPr anchor="ctr"/>
+                </a:tc>
+                <a:tc>
+                  <a:txBody>
+                    <a:bodyPr/>
+                    <a:lstStyle/>
+                    <a:p>
+                      <a:pPr algn="ctr"/>
+                      <a:r>
+                        <a:rPr lang="en-US" dirty="0"/>
+                        <a:t>24112</a:t>
+                      </a:r>
+                    </a:p>
+                  </a:txBody>
+                  <a:tcPr anchor="ctr"/>
+                </a:tc>
+                <a:tc>
+                  <a:txBody>
+                    <a:bodyPr/>
+                    <a:lstStyle/>
+                    <a:p>
+                      <a:pPr algn="ctr"/>
+                      <a:r>
+                        <a:rPr lang="en-US" sz="1800" b="0" dirty="0">
+                          <a:effectLst/>
+                        </a:rPr>
+                        <a:t>9302</a:t>
+                      </a:r>
+                      <a:endParaRPr lang="en-US" dirty="0"/>
+                    </a:p>
+                  </a:txBody>
+                  <a:tcPr anchor="ctr"/>
+                </a:tc>
+                <a:extLst>
+                  <a:ext uri="{0D108BD9-81ED-4DB2-BD59-A6C34878D82A}">
+                    <a16:rowId xmlns:a16="http://schemas.microsoft.com/office/drawing/2014/main" val="2143108276"/>
+                  </a:ext>
+                </a:extLst>
+              </a:tr>
+              <a:tr h="381467">
+                <a:tc>
+                  <a:txBody>
+                    <a:bodyPr/>
+                    <a:lstStyle/>
+                    <a:p>
+                      <a:pPr algn="ctr"/>
+                      <a:r>
+                        <a:rPr lang="en-US" dirty="0"/>
+                        <a:t>247</a:t>
+                      </a:r>
+                    </a:p>
+                  </a:txBody>
+                  <a:tcPr anchor="ctr"/>
+                </a:tc>
+                <a:tc>
+                  <a:txBody>
+                    <a:bodyPr/>
+                    <a:lstStyle/>
+                    <a:p>
+                      <a:pPr algn="ctr"/>
+                      <a:r>
+                        <a:rPr lang="en-US" dirty="0"/>
+                        <a:t>5658</a:t>
+                      </a:r>
+                    </a:p>
+                  </a:txBody>
+                  <a:tcPr anchor="ctr"/>
+                </a:tc>
+                <a:tc>
+                  <a:txBody>
+                    <a:bodyPr/>
+                    <a:lstStyle/>
+                    <a:p>
+                      <a:pPr algn="ctr"/>
+                      <a:r>
+                        <a:rPr lang="en-US" dirty="0"/>
+                        <a:t>0</a:t>
+                      </a:r>
+                    </a:p>
+                  </a:txBody>
+                  <a:tcPr anchor="ctr"/>
+                </a:tc>
+                <a:extLst>
+                  <a:ext uri="{0D108BD9-81ED-4DB2-BD59-A6C34878D82A}">
+                    <a16:rowId xmlns:a16="http://schemas.microsoft.com/office/drawing/2014/main" val="2951945719"/>
+                  </a:ext>
+                </a:extLst>
+              </a:tr>
+            </a:tbl>
+          </a:graphicData>
+        </a:graphic>
+      </p:graphicFrame>
+      <p:sp>
+        <p:nvSpPr>
+          <p:cNvPr id="5" name="TextBox 4">
+            <a:extLst>
+              <a:ext uri="{FF2B5EF4-FFF2-40B4-BE49-F238E27FC236}">
+                <a16:creationId xmlns:a16="http://schemas.microsoft.com/office/drawing/2014/main" id="{FCDD5289-1D4B-375A-6E73-1AFAAD08FC05}"/>
+              </a:ext>
+            </a:extLst>
+          </p:cNvPr>
+          <p:cNvSpPr txBox="1"/>
+          <p:nvPr/>
+        </p:nvSpPr>
+        <p:spPr>
+          <a:xfrm>
+            <a:off x="140127" y="221836"/>
+            <a:ext cx="6788397" cy="461665"/>
+          </a:xfrm>
+          <a:prstGeom prst="rect">
+            <a:avLst/>
+          </a:prstGeom>
+          <a:noFill/>
+        </p:spPr>
+        <p:txBody>
+          <a:bodyPr wrap="none" rtlCol="0">
+            <a:spAutoFit/>
+          </a:bodyPr>
+          <a:lstStyle/>
+          <a:p>
+            <a:r>
+              <a:rPr lang="en-US" sz="2400" dirty="0"/>
+              <a:t>Data set analysis – Sequence Length Distributions</a:t>
+            </a:r>
+          </a:p>
+        </p:txBody>
+      </p:sp>
+      <p:sp>
+        <p:nvSpPr>
+          <p:cNvPr id="6" name="TextBox 5">
+            <a:extLst>
+              <a:ext uri="{FF2B5EF4-FFF2-40B4-BE49-F238E27FC236}">
+                <a16:creationId xmlns:a16="http://schemas.microsoft.com/office/drawing/2014/main" id="{78EAF577-4DB7-FA1A-85E1-6BEB47F54E9B}"/>
+              </a:ext>
+            </a:extLst>
+          </p:cNvPr>
+          <p:cNvSpPr txBox="1"/>
+          <p:nvPr/>
+        </p:nvSpPr>
+        <p:spPr>
+          <a:xfrm>
+            <a:off x="284673" y="4183812"/>
+            <a:ext cx="11310147" cy="1298882"/>
+          </a:xfrm>
+          <a:prstGeom prst="rect">
+            <a:avLst/>
+          </a:prstGeom>
+          <a:noFill/>
+        </p:spPr>
+        <p:txBody>
+          <a:bodyPr wrap="none" rtlCol="0">
+            <a:spAutoFit/>
+          </a:bodyPr>
+          <a:lstStyle/>
+          <a:p>
+            <a:pPr marL="285750" indent="-285750">
+              <a:lnSpc>
+                <a:spcPct val="150000"/>
+              </a:lnSpc>
+              <a:buFont typeface="Arial" panose="020B0604020202020204" pitchFamily="34" charset="0"/>
+              <a:buChar char="•"/>
+            </a:pPr>
+            <a:r>
+              <a:rPr lang="en-US" dirty="0"/>
+              <a:t>Train the models using a </a:t>
+            </a:r>
+            <a:r>
+              <a:rPr lang="en-US" b="1" dirty="0" err="1"/>
+              <a:t>block_length</a:t>
+            </a:r>
+            <a:r>
+              <a:rPr lang="en-US" b="1" dirty="0"/>
+              <a:t> = 247</a:t>
+            </a:r>
+            <a:r>
+              <a:rPr lang="en-US" dirty="0"/>
+              <a:t> to accommodate the longest length in the holdout set</a:t>
+            </a:r>
+          </a:p>
+          <a:p>
+            <a:pPr marL="285750" indent="-285750">
+              <a:lnSpc>
+                <a:spcPct val="150000"/>
+              </a:lnSpc>
+              <a:buFont typeface="Arial" panose="020B0604020202020204" pitchFamily="34" charset="0"/>
+              <a:buChar char="•"/>
+            </a:pPr>
+            <a:r>
+              <a:rPr lang="en-US" dirty="0"/>
+              <a:t>(Exception : Visual Transformer model; clips the last 5 residues in training set to better fit the 2D image format)</a:t>
+            </a:r>
+          </a:p>
+          <a:p>
+            <a:pPr marL="285750" indent="-285750">
+              <a:lnSpc>
+                <a:spcPct val="150000"/>
+              </a:lnSpc>
+              <a:buFont typeface="Arial" panose="020B0604020202020204" pitchFamily="34" charset="0"/>
+              <a:buChar char="•"/>
+            </a:pPr>
+            <a:r>
+              <a:rPr lang="en-US" dirty="0"/>
+              <a:t>Pad the end of sequences shorter than 247 with ‘PAD’ token where necessary</a:t>
+            </a:r>
+          </a:p>
+        </p:txBody>
+      </p:sp>
+    </p:spTree>
+    <p:extLst>
+      <p:ext uri="{BB962C8B-B14F-4D97-AF65-F5344CB8AC3E}">
+        <p14:creationId xmlns:p14="http://schemas.microsoft.com/office/powerpoint/2010/main" val="597866300"/>
+      </p:ext>
+    </p:extLst>
+  </p:cSld>
+  <p:clrMapOvr>
+    <a:masterClrMapping/>
+  </p:clrMapOvr>
+</p:sld>
+</file>
+
+<file path=ppt/slides/slide6.xml><?xml version="1.0" encoding="utf-8"?>
+<p:sld xmlns:a="http://schemas.openxmlformats.org/drawingml/2006/main" xmlns:r="http://schemas.openxmlformats.org/officeDocument/2006/relationships" xmlns:p="http://schemas.openxmlformats.org/presentationml/2006/main">
+  <p:cSld>
+    <p:spTree>
+      <p:nvGrpSpPr>
+        <p:cNvPr id="1" name=""/>
+        <p:cNvGrpSpPr/>
+        <p:nvPr/>
+      </p:nvGrpSpPr>
+      <p:grpSpPr>
+        <a:xfrm>
+          <a:off x="0" y="0"/>
+          <a:ext cx="0" cy="0"/>
+          <a:chOff x="0" y="0"/>
+          <a:chExt cx="0" cy="0"/>
+        </a:xfrm>
+      </p:grpSpPr>
       <p:sp>
         <p:nvSpPr>
           <p:cNvPr id="2" name="TextBox 1">
@@ -30650,7 +32002,7 @@
 </p:sld>
 </file>
 
-<file path=ppt/slides/slide6.xml><?xml version="1.0" encoding="utf-8"?>
+<file path=ppt/slides/slide7.xml><?xml version="1.0" encoding="utf-8"?>
 <p:sld xmlns:a="http://schemas.openxmlformats.org/drawingml/2006/main" xmlns:r="http://schemas.openxmlformats.org/officeDocument/2006/relationships" xmlns:p="http://schemas.openxmlformats.org/presentationml/2006/main">
   <p:cSld>
     <p:spTree>
@@ -30839,7 +32191,7 @@
 </p:sld>
 </file>
 
-<file path=ppt/slides/slide7.xml><?xml version="1.0" encoding="utf-8"?>
+<file path=ppt/slides/slide8.xml><?xml version="1.0" encoding="utf-8"?>
 <p:sld xmlns:a="http://schemas.openxmlformats.org/drawingml/2006/main" xmlns:r="http://schemas.openxmlformats.org/officeDocument/2006/relationships" xmlns:p="http://schemas.openxmlformats.org/presentationml/2006/main">
   <p:cSld>
     <p:spTree>
@@ -30871,7 +32223,7 @@
         <p:spPr>
           <a:xfrm>
             <a:off x="0" y="42099"/>
-            <a:ext cx="3302251" cy="461665"/>
+            <a:ext cx="4894866" cy="461665"/>
           </a:xfrm>
           <a:prstGeom prst="rect">
             <a:avLst/>
@@ -30886,7 +32238,7 @@
           <a:p>
             <a:r>
               <a:rPr lang="en-US" sz="2400" dirty="0"/>
-              <a:t>Ideas for model training</a:t>
+              <a:t>Ideas I tried for model architectures</a:t>
             </a:r>
           </a:p>
         </p:txBody>
@@ -31221,7 +32573,7 @@
         </p:nvGrpSpPr>
         <p:grpSpPr>
           <a:xfrm>
-            <a:off x="7120612" y="954067"/>
+            <a:off x="7111986" y="1223659"/>
             <a:ext cx="2627479" cy="1578043"/>
             <a:chOff x="9061555" y="703901"/>
             <a:chExt cx="2627479" cy="1578043"/>
@@ -31477,7 +32829,7 @@
 </p:sld>
 </file>
 
-<file path=ppt/slides/slide8.xml><?xml version="1.0" encoding="utf-8"?>
+<file path=ppt/slides/slide9.xml><?xml version="1.0" encoding="utf-8"?>
 <p:sld xmlns:a="http://schemas.openxmlformats.org/drawingml/2006/main" xmlns:r="http://schemas.openxmlformats.org/officeDocument/2006/relationships" xmlns:p="http://schemas.openxmlformats.org/presentationml/2006/main">
   <p:cSld>
     <p:spTree>
@@ -31650,536 +33002,6 @@
     <p:extLst>
       <p:ext uri="{BB962C8B-B14F-4D97-AF65-F5344CB8AC3E}">
         <p14:creationId xmlns:p14="http://schemas.microsoft.com/office/powerpoint/2010/main" val="655398832"/>
-      </p:ext>
-    </p:extLst>
-  </p:cSld>
-  <p:clrMapOvr>
-    <a:masterClrMapping/>
-  </p:clrMapOvr>
-</p:sld>
-</file>
-
-<file path=ppt/slides/slide9.xml><?xml version="1.0" encoding="utf-8"?>
-<p:sld xmlns:a="http://schemas.openxmlformats.org/drawingml/2006/main" xmlns:r="http://schemas.openxmlformats.org/officeDocument/2006/relationships" xmlns:p="http://schemas.openxmlformats.org/presentationml/2006/main">
-  <p:cSld>
-    <p:spTree>
-      <p:nvGrpSpPr>
-        <p:cNvPr id="1" name=""/>
-        <p:cNvGrpSpPr/>
-        <p:nvPr/>
-      </p:nvGrpSpPr>
-      <p:grpSpPr>
-        <a:xfrm>
-          <a:off x="0" y="0"/>
-          <a:ext cx="0" cy="0"/>
-          <a:chOff x="0" y="0"/>
-          <a:chExt cx="0" cy="0"/>
-        </a:xfrm>
-      </p:grpSpPr>
-      <p:pic>
-        <p:nvPicPr>
-          <p:cNvPr id="2" name="Picture 1">
-            <a:extLst>
-              <a:ext uri="{FF2B5EF4-FFF2-40B4-BE49-F238E27FC236}">
-                <a16:creationId xmlns:a16="http://schemas.microsoft.com/office/drawing/2014/main" id="{13D72AEF-BCEE-0137-2692-6CE2806A8BD0}"/>
-              </a:ext>
-            </a:extLst>
-          </p:cNvPr>
-          <p:cNvPicPr>
-            <a:picLocks noChangeAspect="1"/>
-          </p:cNvPicPr>
-          <p:nvPr/>
-        </p:nvPicPr>
-        <p:blipFill>
-          <a:blip r:embed="rId2"/>
-          <a:stretch>
-            <a:fillRect/>
-          </a:stretch>
-        </p:blipFill>
-        <p:spPr>
-          <a:xfrm>
-            <a:off x="1040172" y="4521835"/>
-            <a:ext cx="1910062" cy="1900879"/>
-          </a:xfrm>
-          <a:prstGeom prst="rect">
-            <a:avLst/>
-          </a:prstGeom>
-        </p:spPr>
-      </p:pic>
-      <p:sp>
-        <p:nvSpPr>
-          <p:cNvPr id="7" name="TextBox 6">
-            <a:extLst>
-              <a:ext uri="{FF2B5EF4-FFF2-40B4-BE49-F238E27FC236}">
-                <a16:creationId xmlns:a16="http://schemas.microsoft.com/office/drawing/2014/main" id="{B46F76B6-E938-FE65-CE90-2F5BDE5886EB}"/>
-              </a:ext>
-            </a:extLst>
-          </p:cNvPr>
-          <p:cNvSpPr txBox="1"/>
-          <p:nvPr/>
-        </p:nvSpPr>
-        <p:spPr>
-          <a:xfrm>
-            <a:off x="640464" y="665975"/>
-            <a:ext cx="5242333" cy="369332"/>
-          </a:xfrm>
-          <a:prstGeom prst="rect">
-            <a:avLst/>
-          </a:prstGeom>
-          <a:noFill/>
-        </p:spPr>
-        <p:txBody>
-          <a:bodyPr wrap="none" rtlCol="0">
-            <a:spAutoFit/>
-          </a:bodyPr>
-          <a:lstStyle/>
-          <a:p>
-            <a:r>
-              <a:rPr lang="en-US" dirty="0"/>
-              <a:t>Convert the </a:t>
-            </a:r>
-            <a:r>
-              <a:rPr lang="en-US" dirty="0" err="1"/>
-              <a:t>scFv</a:t>
-            </a:r>
-            <a:r>
-              <a:rPr lang="en-US" dirty="0"/>
-              <a:t> sequences into 1-channel images</a:t>
-            </a:r>
-          </a:p>
-        </p:txBody>
-      </p:sp>
-      <p:grpSp>
-        <p:nvGrpSpPr>
-          <p:cNvPr id="28" name="Group 27">
-            <a:extLst>
-              <a:ext uri="{FF2B5EF4-FFF2-40B4-BE49-F238E27FC236}">
-                <a16:creationId xmlns:a16="http://schemas.microsoft.com/office/drawing/2014/main" id="{46D3CCCE-10BB-A7F0-E847-F3B504E206F7}"/>
-              </a:ext>
-            </a:extLst>
-          </p:cNvPr>
-          <p:cNvGrpSpPr/>
-          <p:nvPr/>
-        </p:nvGrpSpPr>
-        <p:grpSpPr>
-          <a:xfrm>
-            <a:off x="1389781" y="1500998"/>
-            <a:ext cx="9213091" cy="1751514"/>
-            <a:chOff x="1389781" y="992037"/>
-            <a:chExt cx="9213091" cy="1751514"/>
-          </a:xfrm>
-        </p:grpSpPr>
-        <p:sp>
-          <p:nvSpPr>
-            <p:cNvPr id="3" name="TextBox 2">
-              <a:extLst>
-                <a:ext uri="{FF2B5EF4-FFF2-40B4-BE49-F238E27FC236}">
-                  <a16:creationId xmlns:a16="http://schemas.microsoft.com/office/drawing/2014/main" id="{E9FDD25F-6501-8CA5-89EF-C711D6688400}"/>
-                </a:ext>
-              </a:extLst>
-            </p:cNvPr>
-            <p:cNvSpPr txBox="1"/>
-            <p:nvPr/>
-          </p:nvSpPr>
-          <p:spPr>
-            <a:xfrm>
-              <a:off x="1389781" y="992038"/>
-              <a:ext cx="4234942" cy="369332"/>
-            </a:xfrm>
-            <a:prstGeom prst="rect">
-              <a:avLst/>
-            </a:prstGeom>
-            <a:noFill/>
-          </p:spPr>
-          <p:txBody>
-            <a:bodyPr wrap="none" rtlCol="0">
-              <a:spAutoFit/>
-            </a:bodyPr>
-            <a:lstStyle/>
-            <a:p>
-              <a:r>
-                <a:rPr lang="en-US" dirty="0"/>
-                <a:t>aa sequence: </a:t>
-              </a:r>
-              <a:r>
-                <a:rPr lang="en-US" b="0" i="0" dirty="0">
-                  <a:effectLst/>
-                </a:rPr>
-                <a:t> ['CLS', 'Q', 'V', 'Q', 'L', 'V', ‘Q]</a:t>
-              </a:r>
-              <a:endParaRPr lang="en-US" dirty="0"/>
-            </a:p>
-          </p:txBody>
-        </p:sp>
-        <p:sp>
-          <p:nvSpPr>
-            <p:cNvPr id="5" name="TextBox 4">
-              <a:extLst>
-                <a:ext uri="{FF2B5EF4-FFF2-40B4-BE49-F238E27FC236}">
-                  <a16:creationId xmlns:a16="http://schemas.microsoft.com/office/drawing/2014/main" id="{155D5DCD-DEEC-39C6-6802-35236D434F1B}"/>
-                </a:ext>
-              </a:extLst>
-            </p:cNvPr>
-            <p:cNvSpPr txBox="1"/>
-            <p:nvPr/>
-          </p:nvSpPr>
-          <p:spPr>
-            <a:xfrm>
-              <a:off x="1389781" y="1683491"/>
-              <a:ext cx="3746538" cy="369332"/>
-            </a:xfrm>
-            <a:prstGeom prst="rect">
-              <a:avLst/>
-            </a:prstGeom>
-            <a:noFill/>
-          </p:spPr>
-          <p:txBody>
-            <a:bodyPr wrap="none" rtlCol="0">
-              <a:spAutoFit/>
-            </a:bodyPr>
-            <a:lstStyle/>
-            <a:p>
-              <a:r>
-                <a:rPr lang="en-US" dirty="0"/>
-                <a:t>encoded: </a:t>
-              </a:r>
-              <a:r>
-                <a:rPr lang="en-US" b="0" i="0" dirty="0">
-                  <a:effectLst/>
-                </a:rPr>
-                <a:t>[ 0, 14, 18, 14, 10, 18, 14]</a:t>
-              </a:r>
-              <a:endParaRPr lang="en-US" dirty="0"/>
-            </a:p>
-          </p:txBody>
-        </p:sp>
-        <p:sp>
-          <p:nvSpPr>
-            <p:cNvPr id="6" name="TextBox 5">
-              <a:extLst>
-                <a:ext uri="{FF2B5EF4-FFF2-40B4-BE49-F238E27FC236}">
-                  <a16:creationId xmlns:a16="http://schemas.microsoft.com/office/drawing/2014/main" id="{0FBB4CDD-25CA-0CF2-05D8-0166E2F0CA55}"/>
-                </a:ext>
-              </a:extLst>
-            </p:cNvPr>
-            <p:cNvSpPr txBox="1"/>
-            <p:nvPr/>
-          </p:nvSpPr>
-          <p:spPr>
-            <a:xfrm>
-              <a:off x="1389781" y="2374219"/>
-              <a:ext cx="6900351" cy="369332"/>
-            </a:xfrm>
-            <a:prstGeom prst="rect">
-              <a:avLst/>
-            </a:prstGeom>
-            <a:noFill/>
-          </p:spPr>
-          <p:txBody>
-            <a:bodyPr wrap="none" rtlCol="0">
-              <a:spAutoFit/>
-            </a:bodyPr>
-            <a:lstStyle/>
-            <a:p>
-              <a:r>
-                <a:rPr lang="en-US" b="0" i="0" dirty="0">
-                  <a:effectLst/>
-                </a:rPr>
-                <a:t>binary: [00000000000011010001001000…]    (using 8-bits per token)</a:t>
-              </a:r>
-              <a:endParaRPr lang="en-US" dirty="0"/>
-            </a:p>
-          </p:txBody>
-        </p:sp>
-        <p:cxnSp>
-          <p:nvCxnSpPr>
-            <p:cNvPr id="9" name="Curved Connector 8">
-              <a:extLst>
-                <a:ext uri="{FF2B5EF4-FFF2-40B4-BE49-F238E27FC236}">
-                  <a16:creationId xmlns:a16="http://schemas.microsoft.com/office/drawing/2014/main" id="{82820658-53FA-DD3B-39DC-7302B329DA04}"/>
-                </a:ext>
-              </a:extLst>
-            </p:cNvPr>
-            <p:cNvCxnSpPr>
-              <a:cxnSpLocks/>
-              <a:stCxn id="3" idx="1"/>
-              <a:endCxn id="5" idx="1"/>
-            </p:cNvCxnSpPr>
-            <p:nvPr/>
-          </p:nvCxnSpPr>
-          <p:spPr>
-            <a:xfrm rot="10800000" flipV="1">
-              <a:off x="1389781" y="1176703"/>
-              <a:ext cx="12700" cy="691453"/>
-            </a:xfrm>
-            <a:prstGeom prst="curvedConnector3">
-              <a:avLst>
-                <a:gd name="adj1" fmla="val 1800000"/>
-              </a:avLst>
-            </a:prstGeom>
-            <a:ln>
-              <a:tailEnd type="triangle" w="lg" len="lg"/>
-            </a:ln>
-          </p:spPr>
-          <p:style>
-            <a:lnRef idx="2">
-              <a:schemeClr val="accent1"/>
-            </a:lnRef>
-            <a:fillRef idx="0">
-              <a:schemeClr val="accent1"/>
-            </a:fillRef>
-            <a:effectRef idx="1">
-              <a:schemeClr val="accent1"/>
-            </a:effectRef>
-            <a:fontRef idx="minor">
-              <a:schemeClr val="tx1"/>
-            </a:fontRef>
-          </p:style>
-        </p:cxnSp>
-        <p:cxnSp>
-          <p:nvCxnSpPr>
-            <p:cNvPr id="11" name="Curved Connector 10">
-              <a:extLst>
-                <a:ext uri="{FF2B5EF4-FFF2-40B4-BE49-F238E27FC236}">
-                  <a16:creationId xmlns:a16="http://schemas.microsoft.com/office/drawing/2014/main" id="{75342AFA-FBFA-F9AD-8AC3-B9BAB0848A16}"/>
-                </a:ext>
-              </a:extLst>
-            </p:cNvPr>
-            <p:cNvCxnSpPr>
-              <a:cxnSpLocks/>
-              <a:stCxn id="5" idx="1"/>
-              <a:endCxn id="6" idx="1"/>
-            </p:cNvCxnSpPr>
-            <p:nvPr/>
-          </p:nvCxnSpPr>
-          <p:spPr>
-            <a:xfrm rot="10800000" flipV="1">
-              <a:off x="1389781" y="1868157"/>
-              <a:ext cx="12700" cy="690728"/>
-            </a:xfrm>
-            <a:prstGeom prst="curvedConnector3">
-              <a:avLst>
-                <a:gd name="adj1" fmla="val 1800000"/>
-              </a:avLst>
-            </a:prstGeom>
-            <a:ln>
-              <a:tailEnd type="triangle" w="lg" len="lg"/>
-            </a:ln>
-          </p:spPr>
-          <p:style>
-            <a:lnRef idx="2">
-              <a:schemeClr val="accent1"/>
-            </a:lnRef>
-            <a:fillRef idx="0">
-              <a:schemeClr val="accent1"/>
-            </a:fillRef>
-            <a:effectRef idx="1">
-              <a:schemeClr val="accent1"/>
-            </a:effectRef>
-            <a:fontRef idx="minor">
-              <a:schemeClr val="tx1"/>
-            </a:fontRef>
-          </p:style>
-        </p:cxnSp>
-        <p:sp>
-          <p:nvSpPr>
-            <p:cNvPr id="15" name="TextBox 14">
-              <a:extLst>
-                <a:ext uri="{FF2B5EF4-FFF2-40B4-BE49-F238E27FC236}">
-                  <a16:creationId xmlns:a16="http://schemas.microsoft.com/office/drawing/2014/main" id="{49C96ADA-8EDD-82DB-6425-07FC116B3FCD}"/>
-                </a:ext>
-              </a:extLst>
-            </p:cNvPr>
-            <p:cNvSpPr txBox="1"/>
-            <p:nvPr/>
-          </p:nvSpPr>
-          <p:spPr>
-            <a:xfrm>
-              <a:off x="5815856" y="992037"/>
-              <a:ext cx="4787016" cy="369332"/>
-            </a:xfrm>
-            <a:prstGeom prst="rect">
-              <a:avLst/>
-            </a:prstGeom>
-            <a:noFill/>
-          </p:spPr>
-          <p:txBody>
-            <a:bodyPr wrap="none" rtlCol="0">
-              <a:spAutoFit/>
-            </a:bodyPr>
-            <a:lstStyle/>
-            <a:p>
-              <a:r>
-                <a:rPr lang="en-US" dirty="0"/>
-                <a:t>(use </a:t>
-              </a:r>
-              <a:r>
-                <a:rPr lang="en-US" dirty="0" err="1"/>
-                <a:t>block_size</a:t>
-              </a:r>
-              <a:r>
-                <a:rPr lang="en-US" dirty="0"/>
-                <a:t> = 241 (drop the last 5 residues)</a:t>
-              </a:r>
-            </a:p>
-          </p:txBody>
-        </p:sp>
-      </p:grpSp>
-      <p:cxnSp>
-        <p:nvCxnSpPr>
-          <p:cNvPr id="20" name="Straight Arrow Connector 19">
-            <a:extLst>
-              <a:ext uri="{FF2B5EF4-FFF2-40B4-BE49-F238E27FC236}">
-                <a16:creationId xmlns:a16="http://schemas.microsoft.com/office/drawing/2014/main" id="{33F2553E-D858-87E9-D35A-54F54488FDCF}"/>
-              </a:ext>
-            </a:extLst>
-          </p:cNvPr>
-          <p:cNvCxnSpPr>
-            <a:cxnSpLocks/>
-            <a:endCxn id="2" idx="0"/>
-          </p:cNvCxnSpPr>
-          <p:nvPr/>
-        </p:nvCxnSpPr>
-        <p:spPr>
-          <a:xfrm>
-            <a:off x="1699404" y="3252512"/>
-            <a:ext cx="295799" cy="1269323"/>
-          </a:xfrm>
-          <a:prstGeom prst="straightConnector1">
-            <a:avLst/>
-          </a:prstGeom>
-          <a:ln>
-            <a:tailEnd type="triangle"/>
-          </a:ln>
-        </p:spPr>
-        <p:style>
-          <a:lnRef idx="2">
-            <a:schemeClr val="accent1"/>
-          </a:lnRef>
-          <a:fillRef idx="0">
-            <a:schemeClr val="accent1"/>
-          </a:fillRef>
-          <a:effectRef idx="1">
-            <a:schemeClr val="accent1"/>
-          </a:effectRef>
-          <a:fontRef idx="minor">
-            <a:schemeClr val="tx1"/>
-          </a:fontRef>
-        </p:style>
-      </p:cxnSp>
-      <p:sp>
-        <p:nvSpPr>
-          <p:cNvPr id="24" name="TextBox 23">
-            <a:extLst>
-              <a:ext uri="{FF2B5EF4-FFF2-40B4-BE49-F238E27FC236}">
-                <a16:creationId xmlns:a16="http://schemas.microsoft.com/office/drawing/2014/main" id="{B26A3E11-8473-4A37-4C69-7B241757DAF2}"/>
-              </a:ext>
-            </a:extLst>
-          </p:cNvPr>
-          <p:cNvSpPr txBox="1"/>
-          <p:nvPr/>
-        </p:nvSpPr>
-        <p:spPr>
-          <a:xfrm>
-            <a:off x="1995203" y="3696512"/>
-            <a:ext cx="5412700" cy="369332"/>
-          </a:xfrm>
-          <a:prstGeom prst="rect">
-            <a:avLst/>
-          </a:prstGeom>
-          <a:noFill/>
-        </p:spPr>
-        <p:txBody>
-          <a:bodyPr wrap="none" rtlCol="0">
-            <a:spAutoFit/>
-          </a:bodyPr>
-          <a:lstStyle/>
-          <a:p>
-            <a:r>
-              <a:rPr lang="en-US" dirty="0"/>
-              <a:t>reshape: (1,44,44) </a:t>
-            </a:r>
-            <a:r>
-              <a:rPr lang="en-US" sz="1400" dirty="0"/>
-              <a:t>(after trimming off trailing 4 bits from above)</a:t>
-            </a:r>
-          </a:p>
-        </p:txBody>
-      </p:sp>
-      <p:sp>
-        <p:nvSpPr>
-          <p:cNvPr id="26" name="TextBox 25">
-            <a:extLst>
-              <a:ext uri="{FF2B5EF4-FFF2-40B4-BE49-F238E27FC236}">
-                <a16:creationId xmlns:a16="http://schemas.microsoft.com/office/drawing/2014/main" id="{6C423AA7-8846-61D8-5D84-61D9DFC52729}"/>
-              </a:ext>
-            </a:extLst>
-          </p:cNvPr>
-          <p:cNvSpPr txBox="1"/>
-          <p:nvPr/>
-        </p:nvSpPr>
-        <p:spPr>
-          <a:xfrm>
-            <a:off x="3933646" y="4987671"/>
-            <a:ext cx="5472075" cy="369332"/>
-          </a:xfrm>
-          <a:prstGeom prst="rect">
-            <a:avLst/>
-          </a:prstGeom>
-          <a:noFill/>
-        </p:spPr>
-        <p:txBody>
-          <a:bodyPr wrap="none" rtlCol="0">
-            <a:spAutoFit/>
-          </a:bodyPr>
-          <a:lstStyle/>
-          <a:p>
-            <a:r>
-              <a:rPr lang="en-US" dirty="0"/>
-              <a:t>Vision Transformer regression model on these images</a:t>
-            </a:r>
-          </a:p>
-        </p:txBody>
-      </p:sp>
-      <p:sp>
-        <p:nvSpPr>
-          <p:cNvPr id="29" name="TextBox 28">
-            <a:extLst>
-              <a:ext uri="{FF2B5EF4-FFF2-40B4-BE49-F238E27FC236}">
-                <a16:creationId xmlns:a16="http://schemas.microsoft.com/office/drawing/2014/main" id="{036B47F0-B1B5-5A30-CC20-8AD75B5B40CA}"/>
-              </a:ext>
-            </a:extLst>
-          </p:cNvPr>
-          <p:cNvSpPr txBox="1"/>
-          <p:nvPr/>
-        </p:nvSpPr>
-        <p:spPr>
-          <a:xfrm>
-            <a:off x="173866" y="154242"/>
-            <a:ext cx="2661626" cy="461665"/>
-          </a:xfrm>
-          <a:prstGeom prst="rect">
-            <a:avLst/>
-          </a:prstGeom>
-          <a:noFill/>
-        </p:spPr>
-        <p:txBody>
-          <a:bodyPr wrap="none" rtlCol="0">
-            <a:spAutoFit/>
-          </a:bodyPr>
-          <a:lstStyle/>
-          <a:p>
-            <a:r>
-              <a:rPr lang="en-US" sz="2400" dirty="0"/>
-              <a:t>Vision Transformer</a:t>
-            </a:r>
-          </a:p>
-        </p:txBody>
-      </p:sp>
-    </p:spTree>
-    <p:extLst>
-      <p:ext uri="{BB962C8B-B14F-4D97-AF65-F5344CB8AC3E}">
-        <p14:creationId xmlns:p14="http://schemas.microsoft.com/office/powerpoint/2010/main" val="658684484"/>
       </p:ext>
     </p:extLst>
   </p:cSld>

--- a/Homework-aAlphaBio.pptx
+++ b/Homework-aAlphaBio.pptx
@@ -4766,7 +4766,7 @@
           <p:nvPr>
             <p:extLst>
               <p:ext uri="{D42A27DB-BD31-4B8C-83A1-F6EECF244321}">
-                <p14:modId xmlns:p14="http://schemas.microsoft.com/office/powerpoint/2010/main" val="2949008828"/>
+                <p14:modId xmlns:p14="http://schemas.microsoft.com/office/powerpoint/2010/main" val="4222309209"/>
               </p:ext>
             </p:extLst>
           </p:nvPr>
@@ -5265,7 +5265,7 @@
                             <a:schemeClr val="tx1"/>
                           </a:solidFill>
                         </a:rPr>
-                        <a:t>0.33</a:t>
+                        <a:t>0.39</a:t>
                       </a:r>
                     </a:p>
                   </a:txBody>
@@ -5366,7 +5366,11 @@
                     <a:p>
                       <a:pPr algn="ctr"/>
                       <a:r>
-                        <a:rPr lang="en-US" sz="1600" dirty="0"/>
+                        <a:rPr lang="en-US" sz="1600" dirty="0">
+                          <a:highlight>
+                            <a:srgbClr val="FFFF00"/>
+                          </a:highlight>
+                        </a:rPr>
                         <a:t>residual MLP</a:t>
                       </a:r>
                     </a:p>
@@ -5555,11 +5559,19 @@
                         <a:defRPr/>
                       </a:pPr>
                       <a:r>
-                        <a:rPr lang="en-US" sz="1600" dirty="0"/>
+                        <a:rPr lang="en-US" sz="1600" dirty="0">
+                          <a:highlight>
+                            <a:srgbClr val="FFFF00"/>
+                          </a:highlight>
+                        </a:rPr>
                         <a:t>VIT </a:t>
                       </a:r>
                       <a:r>
-                        <a:rPr lang="en-US" sz="1600" baseline="30000" dirty="0"/>
+                        <a:rPr lang="en-US" sz="1600" baseline="30000" dirty="0">
+                          <a:highlight>
+                            <a:srgbClr val="FFFF00"/>
+                          </a:highlight>
+                        </a:rPr>
                         <a:t>1</a:t>
                       </a:r>
                     </a:p>
@@ -5802,11 +5814,19 @@
                         <a:defRPr/>
                       </a:pPr>
                       <a:r>
-                        <a:rPr lang="en-US" sz="1600" dirty="0"/>
+                        <a:rPr lang="en-US" sz="1600" dirty="0">
+                          <a:highlight>
+                            <a:srgbClr val="FFFF00"/>
+                          </a:highlight>
+                        </a:rPr>
                         <a:t>VIT </a:t>
                       </a:r>
                       <a:r>
-                        <a:rPr lang="en-US" sz="1600" baseline="30000" dirty="0"/>
+                        <a:rPr lang="en-US" sz="1600" baseline="30000" dirty="0">
+                          <a:highlight>
+                            <a:srgbClr val="FFFF00"/>
+                          </a:highlight>
+                        </a:rPr>
                         <a:t>1</a:t>
                       </a:r>
                     </a:p>
@@ -5822,10 +5842,10 @@
                       <a:r>
                         <a:rPr lang="en-US" sz="1600" dirty="0">
                           <a:solidFill>
-                            <a:srgbClr val="FF0000"/>
+                            <a:schemeClr val="tx1"/>
                           </a:solidFill>
                         </a:rPr>
-                        <a:t>0.05</a:t>
+                        <a:t>0.10</a:t>
                       </a:r>
                     </a:p>
                   </a:txBody>
@@ -5840,10 +5860,10 @@
                       <a:r>
                         <a:rPr lang="en-US" sz="1600" dirty="0">
                           <a:solidFill>
-                            <a:srgbClr val="FF0000"/>
+                            <a:schemeClr val="tx1"/>
                           </a:solidFill>
                         </a:rPr>
-                        <a:t>0.14</a:t>
+                        <a:t>0.13</a:t>
                       </a:r>
                     </a:p>
                   </a:txBody>
@@ -5858,10 +5878,10 @@
                       <a:r>
                         <a:rPr lang="en-US" sz="1600" dirty="0">
                           <a:solidFill>
-                            <a:srgbClr val="FF0000"/>
+                            <a:schemeClr val="tx1"/>
                           </a:solidFill>
                         </a:rPr>
-                        <a:t>1300</a:t>
+                        <a:t>527</a:t>
                       </a:r>
                     </a:p>
                   </a:txBody>
@@ -5876,7 +5896,7 @@
                       <a:r>
                         <a:rPr lang="en-US" sz="1600" dirty="0">
                           <a:solidFill>
-                            <a:srgbClr val="FF0000"/>
+                            <a:schemeClr val="tx1"/>
                           </a:solidFill>
                         </a:rPr>
                         <a:t>0.26</a:t>
@@ -5891,11 +5911,14 @@
                     <a:lstStyle/>
                     <a:p>
                       <a:pPr algn="ctr"/>
-                      <a:endParaRPr lang="en-US" sz="1600" dirty="0">
-                        <a:solidFill>
-                          <a:srgbClr val="FF0000"/>
-                        </a:solidFill>
-                      </a:endParaRPr>
+                      <a:r>
+                        <a:rPr lang="en-US" sz="1600" dirty="0">
+                          <a:solidFill>
+                            <a:schemeClr val="tx1"/>
+                          </a:solidFill>
+                        </a:rPr>
+                        <a:t>0.13</a:t>
+                      </a:r>
                     </a:p>
                   </a:txBody>
                   <a:tcPr anchor="ctr"/>
@@ -5909,7 +5932,7 @@
                       <a:r>
                         <a:rPr lang="en-US" sz="1600" dirty="0">
                           <a:solidFill>
-                            <a:srgbClr val="FF0000"/>
+                            <a:schemeClr val="tx1"/>
                           </a:solidFill>
                         </a:rPr>
                         <a:t>0.15</a:t>
@@ -5927,10 +5950,10 @@
                       <a:r>
                         <a:rPr lang="en-US" sz="1600" dirty="0">
                           <a:solidFill>
-                            <a:srgbClr val="FF0000"/>
+                            <a:schemeClr val="tx1"/>
                           </a:solidFill>
                         </a:rPr>
-                        <a:t>50</a:t>
+                        <a:t>51</a:t>
                       </a:r>
                     </a:p>
                   </a:txBody>
@@ -5945,10 +5968,10 @@
                       <a:r>
                         <a:rPr lang="en-US" sz="1600" dirty="0">
                           <a:solidFill>
-                            <a:srgbClr val="FF0000"/>
+                            <a:schemeClr val="tx1"/>
                           </a:solidFill>
                         </a:rPr>
-                        <a:t>74</a:t>
+                        <a:t>75</a:t>
                       </a:r>
                     </a:p>
                   </a:txBody>
@@ -5998,8 +6021,16 @@
                         <a:defRPr/>
                       </a:pPr>
                       <a:r>
+                        <a:rPr lang="en-US" sz="1600" dirty="0">
+                          <a:highlight>
+                            <a:srgbClr val="FFFF00"/>
+                          </a:highlight>
+                        </a:rPr>
+                        <a:t>Transformer</a:t>
+                      </a:r>
+                      <a:r>
                         <a:rPr lang="en-US" sz="1600" dirty="0"/>
-                        <a:t>Transformer </a:t>
+                        <a:t> </a:t>
                       </a:r>
                       <a:r>
                         <a:rPr lang="en-US" sz="1600" baseline="30000" dirty="0"/>
@@ -6391,41 +6422,6 @@
       </p:sp>
       <p:sp>
         <p:nvSpPr>
-          <p:cNvPr id="6" name="TextBox 5">
-            <a:extLst>
-              <a:ext uri="{FF2B5EF4-FFF2-40B4-BE49-F238E27FC236}">
-                <a16:creationId xmlns:a16="http://schemas.microsoft.com/office/drawing/2014/main" id="{1CC42835-134E-14C3-25AC-A780B097C1E6}"/>
-              </a:ext>
-            </a:extLst>
-          </p:cNvPr>
-          <p:cNvSpPr txBox="1"/>
-          <p:nvPr/>
-        </p:nvSpPr>
-        <p:spPr>
-          <a:xfrm>
-            <a:off x="3985403" y="3364302"/>
-            <a:ext cx="1531188" cy="369332"/>
-          </a:xfrm>
-          <a:prstGeom prst="rect">
-            <a:avLst/>
-          </a:prstGeom>
-          <a:noFill/>
-        </p:spPr>
-        <p:txBody>
-          <a:bodyPr wrap="none" rtlCol="0">
-            <a:spAutoFit/>
-          </a:bodyPr>
-          <a:lstStyle/>
-          <a:p>
-            <a:r>
-              <a:rPr lang="en-US" dirty="0"/>
-              <a:t>Residual MLP</a:t>
-            </a:r>
-          </a:p>
-        </p:txBody>
-      </p:sp>
-      <p:sp>
-        <p:nvSpPr>
           <p:cNvPr id="8" name="TextBox 7">
             <a:extLst>
               <a:ext uri="{FF2B5EF4-FFF2-40B4-BE49-F238E27FC236}">
@@ -6438,7 +6434,7 @@
         </p:nvSpPr>
         <p:spPr>
           <a:xfrm>
-            <a:off x="6952891" y="3502325"/>
+            <a:off x="4459043" y="3431986"/>
             <a:ext cx="1544012" cy="369332"/>
           </a:xfrm>
           <a:prstGeom prst="rect">
@@ -6473,7 +6469,7 @@
         </p:nvSpPr>
         <p:spPr>
           <a:xfrm>
-            <a:off x="9825487" y="3579962"/>
+            <a:off x="7331639" y="3509623"/>
             <a:ext cx="1544012" cy="369332"/>
           </a:xfrm>
           <a:prstGeom prst="rect">
@@ -6581,8 +6577,38 @@
         </p:blipFill>
         <p:spPr>
           <a:xfrm>
-            <a:off x="6501674" y="1580723"/>
+            <a:off x="4007826" y="1510384"/>
             <a:ext cx="2446445" cy="1921602"/>
+          </a:xfrm>
+          <a:prstGeom prst="rect">
+            <a:avLst/>
+          </a:prstGeom>
+        </p:spPr>
+      </p:pic>
+      <p:pic>
+        <p:nvPicPr>
+          <p:cNvPr id="18" name="Picture 17">
+            <a:extLst>
+              <a:ext uri="{FF2B5EF4-FFF2-40B4-BE49-F238E27FC236}">
+                <a16:creationId xmlns:a16="http://schemas.microsoft.com/office/drawing/2014/main" id="{C362AFE6-F117-4EEC-DA1E-92F3B4424D24}"/>
+              </a:ext>
+            </a:extLst>
+          </p:cNvPr>
+          <p:cNvPicPr>
+            <a:picLocks noChangeAspect="1"/>
+          </p:cNvPicPr>
+          <p:nvPr/>
+        </p:nvPicPr>
+        <p:blipFill>
+          <a:blip r:embed="rId4"/>
+          <a:stretch>
+            <a:fillRect/>
+          </a:stretch>
+        </p:blipFill>
+        <p:spPr>
+          <a:xfrm>
+            <a:off x="6697837" y="1442700"/>
+            <a:ext cx="2591998" cy="2035929"/>
           </a:xfrm>
           <a:prstGeom prst="rect">
             <a:avLst/>
@@ -36492,27 +36518,7 @@
                   </a:schemeClr>
                 </a:solidFill>
               </a:rPr>
-              <a:t>don’t use: this breaks </a:t>
-            </a:r>
-            <a:r>
-              <a:rPr lang="en-US" sz="1600" dirty="0" err="1">
-                <a:solidFill>
-                  <a:schemeClr val="bg1">
-                    <a:lumMod val="65000"/>
-                  </a:schemeClr>
-                </a:solidFill>
-              </a:rPr>
-              <a:t>tformer</a:t>
-            </a:r>
-            <a:r>
-              <a:rPr lang="en-US" sz="1600" dirty="0">
-                <a:solidFill>
-                  <a:schemeClr val="bg1">
-                    <a:lumMod val="65000"/>
-                  </a:schemeClr>
-                </a:solidFill>
-              </a:rPr>
-              <a:t> position embedding? (fine for MLP though)</a:t>
+              <a:t>don’t use: this breaks transformer position embedding? (fine for MLP though)</a:t>
             </a:r>
           </a:p>
           <a:p>
@@ -36544,27 +36550,7 @@
                   </a:schemeClr>
                 </a:solidFill>
               </a:rPr>
-              <a:t>don’t use: this breaks </a:t>
-            </a:r>
-            <a:r>
-              <a:rPr lang="en-US" sz="1600" dirty="0" err="1">
-                <a:solidFill>
-                  <a:schemeClr val="bg1">
-                    <a:lumMod val="65000"/>
-                  </a:schemeClr>
-                </a:solidFill>
-              </a:rPr>
-              <a:t>tformer</a:t>
-            </a:r>
-            <a:r>
-              <a:rPr lang="en-US" sz="1600" dirty="0">
-                <a:solidFill>
-                  <a:schemeClr val="bg1">
-                    <a:lumMod val="65000"/>
-                  </a:schemeClr>
-                </a:solidFill>
-              </a:rPr>
-              <a:t> position embedding? (fine for MLP though)</a:t>
+              <a:t>don’t use: this breaks transformer position embedding? (fine for MLP though)</a:t>
             </a:r>
           </a:p>
           <a:p>
@@ -36600,7 +36586,7 @@
             </a:pPr>
             <a:r>
               <a:rPr lang="en-US" sz="1600" dirty="0"/>
-              <a:t>Augmentation (just some thoughts for now….)</a:t>
+              <a:t>Augmentation (not done)</a:t>
             </a:r>
           </a:p>
           <a:p>
@@ -36609,15 +36595,33 @@
               <a:buChar char="•"/>
             </a:pPr>
             <a:r>
-              <a:rPr lang="en-US" sz="1600" dirty="0"/>
+              <a:rPr lang="en-US" sz="1600" dirty="0">
+                <a:solidFill>
+                  <a:schemeClr val="bg1">
+                    <a:lumMod val="50000"/>
+                  </a:schemeClr>
+                </a:solidFill>
+              </a:rPr>
               <a:t>Use sequences from the dataset A-</a:t>
             </a:r>
             <a:r>
-              <a:rPr lang="en-US" sz="1600" dirty="0" err="1"/>
+              <a:rPr lang="en-US" sz="1600" dirty="0" err="1">
+                <a:solidFill>
+                  <a:schemeClr val="bg1">
+                    <a:lumMod val="50000"/>
+                  </a:schemeClr>
+                </a:solidFill>
+              </a:rPr>
               <a:t>AlphaBio</a:t>
             </a:r>
             <a:r>
-              <a:rPr lang="en-US" sz="1600" dirty="0"/>
+              <a:rPr lang="en-US" sz="1600" dirty="0">
+                <a:solidFill>
+                  <a:schemeClr val="bg1">
+                    <a:lumMod val="50000"/>
+                  </a:schemeClr>
+                </a:solidFill>
+              </a:rPr>
               <a:t> Nature paper (as long as no sequences match this training set or the holdout set)</a:t>
             </a:r>
           </a:p>
@@ -36626,7 +36630,13 @@
               <a:buFont typeface="Arial" panose="020B0604020202020204" pitchFamily="34" charset="0"/>
               <a:buChar char="•"/>
             </a:pPr>
-            <a:endParaRPr lang="en-US" sz="1600" dirty="0"/>
+            <a:endParaRPr lang="en-US" sz="1600" dirty="0">
+              <a:solidFill>
+                <a:schemeClr val="bg1">
+                  <a:lumMod val="50000"/>
+                </a:schemeClr>
+              </a:solidFill>
+            </a:endParaRPr>
           </a:p>
           <a:p>
             <a:pPr marL="742950" lvl="1" indent="-285750">
@@ -36634,7 +36644,13 @@
               <a:buChar char="•"/>
             </a:pPr>
             <a:r>
-              <a:rPr lang="en-US" sz="1600" dirty="0"/>
+              <a:rPr lang="en-US" sz="1600" dirty="0">
+                <a:solidFill>
+                  <a:schemeClr val="bg1">
+                    <a:lumMod val="50000"/>
+                  </a:schemeClr>
+                </a:solidFill>
+              </a:rPr>
               <a:t>Use sequences from Nature paper dataset #2 (the generated sequences) with the same caveat as above</a:t>
             </a:r>
           </a:p>
@@ -36643,7 +36659,13 @@
               <a:buFont typeface="Arial" panose="020B0604020202020204" pitchFamily="34" charset="0"/>
               <a:buChar char="•"/>
             </a:pPr>
-            <a:endParaRPr lang="en-US" sz="1600" dirty="0"/>
+            <a:endParaRPr lang="en-US" sz="1600" dirty="0">
+              <a:solidFill>
+                <a:schemeClr val="bg1">
+                  <a:lumMod val="50000"/>
+                </a:schemeClr>
+              </a:solidFill>
+            </a:endParaRPr>
           </a:p>
           <a:p>
             <a:pPr marL="742950" lvl="1" indent="-285750">
@@ -36651,7 +36673,13 @@
               <a:buChar char="•"/>
             </a:pPr>
             <a:r>
-              <a:rPr lang="en-US" sz="1600" dirty="0"/>
+              <a:rPr lang="en-US" sz="1600" dirty="0">
+                <a:solidFill>
+                  <a:schemeClr val="bg1">
+                    <a:lumMod val="50000"/>
+                  </a:schemeClr>
+                </a:solidFill>
+              </a:rPr>
               <a:t>Semi-supervised training; possible sources of unlabeled data</a:t>
             </a:r>
           </a:p>
@@ -36661,29 +36689,55 @@
               <a:buChar char="•"/>
             </a:pPr>
             <a:r>
-              <a:rPr lang="en-US" sz="1600" dirty="0"/>
+              <a:rPr lang="en-US" sz="1600" dirty="0">
+                <a:solidFill>
+                  <a:schemeClr val="bg1">
+                    <a:lumMod val="50000"/>
+                  </a:schemeClr>
+                </a:solidFill>
+              </a:rPr>
               <a:t>Use </a:t>
             </a:r>
             <a:r>
               <a:rPr lang="en-US" sz="1600" dirty="0" err="1">
+                <a:solidFill>
+                  <a:schemeClr val="bg1">
+                    <a:lumMod val="50000"/>
+                  </a:schemeClr>
+                </a:solidFill>
                 <a:effectLst/>
               </a:rPr>
               <a:t>alphaseq_data_train.csv</a:t>
             </a:r>
             <a:r>
               <a:rPr lang="en-US" sz="1600" dirty="0">
+                <a:solidFill>
+                  <a:schemeClr val="bg1">
+                    <a:lumMod val="50000"/>
+                  </a:schemeClr>
+                </a:solidFill>
                 <a:effectLst/>
               </a:rPr>
               <a:t> data with </a:t>
             </a:r>
             <a:r>
               <a:rPr lang="en-US" sz="1600" dirty="0" err="1">
+                <a:solidFill>
+                  <a:schemeClr val="bg1">
+                    <a:lumMod val="50000"/>
+                  </a:schemeClr>
+                </a:solidFill>
                 <a:effectLst/>
               </a:rPr>
               <a:t>Kd</a:t>
             </a:r>
             <a:r>
               <a:rPr lang="en-US" sz="1600" dirty="0">
+                <a:solidFill>
+                  <a:schemeClr val="bg1">
+                    <a:lumMod val="50000"/>
+                  </a:schemeClr>
+                </a:solidFill>
                 <a:effectLst/>
               </a:rPr>
               <a:t>=NANs</a:t>
@@ -36695,17 +36749,33 @@
               <a:buChar char="•"/>
             </a:pPr>
             <a:r>
-              <a:rPr lang="en-US" sz="1600" dirty="0"/>
+              <a:rPr lang="en-US" sz="1600" dirty="0">
+                <a:solidFill>
+                  <a:schemeClr val="bg1">
+                    <a:lumMod val="50000"/>
+                  </a:schemeClr>
+                </a:solidFill>
+              </a:rPr>
               <a:t>Use </a:t>
             </a:r>
             <a:r>
               <a:rPr lang="en-US" sz="1600" dirty="0" err="1">
+                <a:solidFill>
+                  <a:schemeClr val="bg1">
+                    <a:lumMod val="50000"/>
+                  </a:schemeClr>
+                </a:solidFill>
                 <a:effectLst/>
               </a:rPr>
               <a:t>alphaseq_data_train.csv</a:t>
             </a:r>
             <a:r>
               <a:rPr lang="en-US" sz="1600" dirty="0">
+                <a:solidFill>
+                  <a:schemeClr val="bg1">
+                    <a:lumMod val="50000"/>
+                  </a:schemeClr>
+                </a:solidFill>
                 <a:effectLst/>
               </a:rPr>
               <a:t> data with q-value &gt; 0.5</a:t>
@@ -36716,7 +36786,13 @@
               <a:buFont typeface="Arial" panose="020B0604020202020204" pitchFamily="34" charset="0"/>
               <a:buChar char="•"/>
             </a:pPr>
-            <a:endParaRPr lang="en-US" sz="1600" dirty="0"/>
+            <a:endParaRPr lang="en-US" sz="1600" dirty="0">
+              <a:solidFill>
+                <a:schemeClr val="bg1">
+                  <a:lumMod val="50000"/>
+                </a:schemeClr>
+              </a:solidFill>
+            </a:endParaRPr>
           </a:p>
           <a:p>
             <a:pPr marL="742950" lvl="1" indent="-285750">
@@ -36725,6 +36801,11 @@
             </a:pPr>
             <a:r>
               <a:rPr lang="en-US" sz="1600" dirty="0">
+                <a:solidFill>
+                  <a:schemeClr val="bg1">
+                    <a:lumMod val="50000"/>
+                  </a:schemeClr>
+                </a:solidFill>
                 <a:effectLst/>
               </a:rPr>
               <a:t>Pre-training (like BERT) on large set of similar sequences.</a:t>

--- a/Homework-aAlphaBio.pptx
+++ b/Homework-aAlphaBio.pptx
@@ -4766,7 +4766,7 @@
           <p:nvPr>
             <p:extLst>
               <p:ext uri="{D42A27DB-BD31-4B8C-83A1-F6EECF244321}">
-                <p14:modId xmlns:p14="http://schemas.microsoft.com/office/powerpoint/2010/main" val="4222309209"/>
+                <p14:modId xmlns:p14="http://schemas.microsoft.com/office/powerpoint/2010/main" val="2956466103"/>
               </p:ext>
             </p:extLst>
           </p:nvPr>
@@ -5559,19 +5559,11 @@
                         <a:defRPr/>
                       </a:pPr>
                       <a:r>
-                        <a:rPr lang="en-US" sz="1600" dirty="0">
-                          <a:highlight>
-                            <a:srgbClr val="FFFF00"/>
-                          </a:highlight>
-                        </a:rPr>
+                        <a:rPr lang="en-US" sz="1600" dirty="0"/>
                         <a:t>VIT </a:t>
                       </a:r>
                       <a:r>
-                        <a:rPr lang="en-US" sz="1600" baseline="30000" dirty="0">
-                          <a:highlight>
-                            <a:srgbClr val="FFFF00"/>
-                          </a:highlight>
-                        </a:rPr>
+                        <a:rPr lang="en-US" sz="1600" baseline="30000" dirty="0"/>
                         <a:t>1</a:t>
                       </a:r>
                     </a:p>
@@ -5590,7 +5582,7 @@
                             <a:schemeClr val="tx1"/>
                           </a:solidFill>
                         </a:rPr>
-                        <a:t>0.08</a:t>
+                        <a:t>0.12</a:t>
                       </a:r>
                     </a:p>
                   </a:txBody>
@@ -5642,7 +5634,7 @@
                             <a:schemeClr val="tx1"/>
                           </a:solidFill>
                         </a:rPr>
-                        <a:t>890</a:t>
+                        <a:t>700</a:t>
                       </a:r>
                     </a:p>
                   </a:txBody>
@@ -5710,6 +5702,24 @@
                             <a:schemeClr val="tx1"/>
                           </a:solidFill>
                         </a:rPr>
+                        <a:t>0.16</a:t>
+                      </a:r>
+                    </a:p>
+                  </a:txBody>
+                  <a:tcPr anchor="ctr"/>
+                </a:tc>
+                <a:tc>
+                  <a:txBody>
+                    <a:bodyPr/>
+                    <a:lstStyle/>
+                    <a:p>
+                      <a:pPr algn="ctr"/>
+                      <a:r>
+                        <a:rPr lang="en-US" sz="1600" dirty="0">
+                          <a:solidFill>
+                            <a:schemeClr val="tx1"/>
+                          </a:solidFill>
+                        </a:rPr>
                         <a:t>0.17</a:t>
                       </a:r>
                     </a:p>
@@ -5728,7 +5738,7 @@
                             <a:schemeClr val="tx1"/>
                           </a:solidFill>
                         </a:rPr>
-                        <a:t>0.18</a:t>
+                        <a:t>48</a:t>
                       </a:r>
                     </a:p>
                   </a:txBody>
@@ -5746,25 +5756,7 @@
                             <a:schemeClr val="tx1"/>
                           </a:solidFill>
                         </a:rPr>
-                        <a:t>49</a:t>
-                      </a:r>
-                    </a:p>
-                  </a:txBody>
-                  <a:tcPr anchor="ctr"/>
-                </a:tc>
-                <a:tc>
-                  <a:txBody>
-                    <a:bodyPr/>
-                    <a:lstStyle/>
-                    <a:p>
-                      <a:pPr algn="ctr"/>
-                      <a:r>
-                        <a:rPr lang="en-US" sz="1600" dirty="0">
-                          <a:solidFill>
-                            <a:schemeClr val="tx1"/>
-                          </a:solidFill>
-                        </a:rPr>
-                        <a:t>68</a:t>
+                        <a:t>70</a:t>
                       </a:r>
                     </a:p>
                   </a:txBody>

--- a/Homework-aAlphaBio.pptx
+++ b/Homework-aAlphaBio.pptx
@@ -20,37 +20,38 @@
     <p:sldId id="357" r:id="rId14"/>
     <p:sldId id="346" r:id="rId15"/>
     <p:sldId id="358" r:id="rId16"/>
-    <p:sldId id="360" r:id="rId17"/>
+    <p:sldId id="365" r:id="rId17"/>
     <p:sldId id="359" r:id="rId18"/>
-    <p:sldId id="352" r:id="rId19"/>
-    <p:sldId id="320" r:id="rId20"/>
-    <p:sldId id="257" r:id="rId21"/>
-    <p:sldId id="258" r:id="rId22"/>
-    <p:sldId id="318" r:id="rId23"/>
-    <p:sldId id="321" r:id="rId24"/>
-    <p:sldId id="355" r:id="rId25"/>
-    <p:sldId id="349" r:id="rId26"/>
-    <p:sldId id="353" r:id="rId27"/>
-    <p:sldId id="347" r:id="rId28"/>
-    <p:sldId id="363" r:id="rId29"/>
-    <p:sldId id="364" r:id="rId30"/>
-    <p:sldId id="351" r:id="rId31"/>
-    <p:sldId id="342" r:id="rId32"/>
-    <p:sldId id="322" r:id="rId33"/>
-    <p:sldId id="334" r:id="rId34"/>
-    <p:sldId id="354" r:id="rId35"/>
-    <p:sldId id="339" r:id="rId36"/>
-    <p:sldId id="344" r:id="rId37"/>
-    <p:sldId id="362" r:id="rId38"/>
-    <p:sldId id="337" r:id="rId39"/>
-    <p:sldId id="330" r:id="rId40"/>
-    <p:sldId id="329" r:id="rId41"/>
-    <p:sldId id="331" r:id="rId42"/>
-    <p:sldId id="259" r:id="rId43"/>
-    <p:sldId id="260" r:id="rId44"/>
-    <p:sldId id="324" r:id="rId45"/>
-    <p:sldId id="261" r:id="rId46"/>
-    <p:sldId id="340" r:id="rId47"/>
+    <p:sldId id="360" r:id="rId19"/>
+    <p:sldId id="352" r:id="rId20"/>
+    <p:sldId id="320" r:id="rId21"/>
+    <p:sldId id="257" r:id="rId22"/>
+    <p:sldId id="258" r:id="rId23"/>
+    <p:sldId id="318" r:id="rId24"/>
+    <p:sldId id="321" r:id="rId25"/>
+    <p:sldId id="355" r:id="rId26"/>
+    <p:sldId id="349" r:id="rId27"/>
+    <p:sldId id="353" r:id="rId28"/>
+    <p:sldId id="347" r:id="rId29"/>
+    <p:sldId id="363" r:id="rId30"/>
+    <p:sldId id="364" r:id="rId31"/>
+    <p:sldId id="351" r:id="rId32"/>
+    <p:sldId id="342" r:id="rId33"/>
+    <p:sldId id="322" r:id="rId34"/>
+    <p:sldId id="334" r:id="rId35"/>
+    <p:sldId id="354" r:id="rId36"/>
+    <p:sldId id="339" r:id="rId37"/>
+    <p:sldId id="344" r:id="rId38"/>
+    <p:sldId id="362" r:id="rId39"/>
+    <p:sldId id="337" r:id="rId40"/>
+    <p:sldId id="330" r:id="rId41"/>
+    <p:sldId id="329" r:id="rId42"/>
+    <p:sldId id="331" r:id="rId43"/>
+    <p:sldId id="259" r:id="rId44"/>
+    <p:sldId id="260" r:id="rId45"/>
+    <p:sldId id="324" r:id="rId46"/>
+    <p:sldId id="261" r:id="rId47"/>
+    <p:sldId id="340" r:id="rId48"/>
   </p:sldIdLst>
   <p:sldSz cx="12192000" cy="6858000"/>
   <p:notesSz cx="6858000" cy="9144000"/>
@@ -3485,7 +3486,7 @@
         </p:nvSpPr>
         <p:spPr>
           <a:xfrm>
-            <a:off x="173866" y="154242"/>
+            <a:off x="61724" y="59354"/>
             <a:ext cx="4369851" cy="461665"/>
           </a:xfrm>
           <a:prstGeom prst="rect">
@@ -3508,10 +3509,10 @@
       </p:sp>
       <p:grpSp>
         <p:nvGrpSpPr>
-          <p:cNvPr id="37" name="Group 36">
+          <p:cNvPr id="45" name="Group 44">
             <a:extLst>
               <a:ext uri="{FF2B5EF4-FFF2-40B4-BE49-F238E27FC236}">
-                <a16:creationId xmlns:a16="http://schemas.microsoft.com/office/drawing/2014/main" id="{0D1C0C77-DC58-8907-431B-618511126BB1}"/>
+                <a16:creationId xmlns:a16="http://schemas.microsoft.com/office/drawing/2014/main" id="{E067DA6E-2248-1E64-86A0-856C5429F4F5}"/>
               </a:ext>
             </a:extLst>
           </p:cNvPr>
@@ -3520,227 +3521,9 @@
         </p:nvGrpSpPr>
         <p:grpSpPr>
           <a:xfrm>
-            <a:off x="3296147" y="862641"/>
-            <a:ext cx="2655761" cy="4028545"/>
-            <a:chOff x="1028999" y="1061051"/>
-            <a:chExt cx="2655761" cy="4028545"/>
-          </a:xfrm>
-        </p:grpSpPr>
-        <p:sp>
-          <p:nvSpPr>
-            <p:cNvPr id="36" name="Rectangle 35">
-              <a:extLst>
-                <a:ext uri="{FF2B5EF4-FFF2-40B4-BE49-F238E27FC236}">
-                  <a16:creationId xmlns:a16="http://schemas.microsoft.com/office/drawing/2014/main" id="{15D2C7F2-AA0F-C7D0-AFFC-B97BBB4FF134}"/>
-                </a:ext>
-              </a:extLst>
-            </p:cNvPr>
-            <p:cNvSpPr/>
-            <p:nvPr/>
-          </p:nvSpPr>
-          <p:spPr>
-            <a:xfrm>
-              <a:off x="1028999" y="1069685"/>
-              <a:ext cx="2655761" cy="4019911"/>
-            </a:xfrm>
-            <a:prstGeom prst="rect">
-              <a:avLst/>
-            </a:prstGeom>
-            <a:solidFill>
-              <a:schemeClr val="accent4">
-                <a:alpha val="19958"/>
-              </a:schemeClr>
-            </a:solidFill>
-            <a:ln>
-              <a:solidFill>
-                <a:schemeClr val="tx1"/>
-              </a:solidFill>
-            </a:ln>
-          </p:spPr>
-          <p:style>
-            <a:lnRef idx="2">
-              <a:schemeClr val="accent1">
-                <a:shade val="15000"/>
-              </a:schemeClr>
-            </a:lnRef>
-            <a:fillRef idx="1">
-              <a:schemeClr val="accent1"/>
-            </a:fillRef>
-            <a:effectRef idx="0">
-              <a:schemeClr val="accent1"/>
-            </a:effectRef>
-            <a:fontRef idx="minor">
-              <a:schemeClr val="lt1"/>
-            </a:fontRef>
-          </p:style>
-          <p:txBody>
-            <a:bodyPr rtlCol="0" anchor="ctr"/>
-            <a:lstStyle/>
-            <a:p>
-              <a:pPr algn="ctr"/>
-              <a:endParaRPr lang="en-US"/>
-            </a:p>
-          </p:txBody>
-        </p:sp>
-        <p:sp>
-          <p:nvSpPr>
-            <p:cNvPr id="8" name="TextBox 7">
-              <a:extLst>
-                <a:ext uri="{FF2B5EF4-FFF2-40B4-BE49-F238E27FC236}">
-                  <a16:creationId xmlns:a16="http://schemas.microsoft.com/office/drawing/2014/main" id="{A8AD42C4-3C54-2DA7-EBC4-0680E29331FB}"/>
-                </a:ext>
-              </a:extLst>
-            </p:cNvPr>
-            <p:cNvSpPr txBox="1"/>
-            <p:nvPr/>
-          </p:nvSpPr>
-          <p:spPr>
-            <a:xfrm>
-              <a:off x="1585775" y="1061051"/>
-              <a:ext cx="1531188" cy="369332"/>
-            </a:xfrm>
-            <a:prstGeom prst="rect">
-              <a:avLst/>
-            </a:prstGeom>
-            <a:noFill/>
-          </p:spPr>
-          <p:txBody>
-            <a:bodyPr wrap="none" rtlCol="0">
-              <a:spAutoFit/>
-            </a:bodyPr>
-            <a:lstStyle/>
-            <a:p>
-              <a:r>
-                <a:rPr lang="en-US" dirty="0"/>
-                <a:t>Residual MLP</a:t>
-              </a:r>
-            </a:p>
-          </p:txBody>
-        </p:sp>
-        <p:sp>
-          <p:nvSpPr>
-            <p:cNvPr id="9" name="TextBox 8">
-              <a:extLst>
-                <a:ext uri="{FF2B5EF4-FFF2-40B4-BE49-F238E27FC236}">
-                  <a16:creationId xmlns:a16="http://schemas.microsoft.com/office/drawing/2014/main" id="{9D35129A-ADAA-58D1-D1A6-5D364944A302}"/>
-                </a:ext>
-              </a:extLst>
-            </p:cNvPr>
-            <p:cNvSpPr txBox="1"/>
-            <p:nvPr/>
-          </p:nvSpPr>
-          <p:spPr>
-            <a:xfrm>
-              <a:off x="1155950" y="1423366"/>
-              <a:ext cx="2435923" cy="2062103"/>
-            </a:xfrm>
-            <a:prstGeom prst="rect">
-              <a:avLst/>
-            </a:prstGeom>
-            <a:noFill/>
-          </p:spPr>
-          <p:txBody>
-            <a:bodyPr wrap="none" rtlCol="0">
-              <a:spAutoFit/>
-            </a:bodyPr>
-            <a:lstStyle/>
-            <a:p>
-              <a:pPr marL="285750" indent="-285750">
-                <a:buFont typeface="Arial" panose="020B0604020202020204" pitchFamily="34" charset="0"/>
-                <a:buChar char="•"/>
-              </a:pPr>
-              <a:r>
-                <a:rPr lang="en-US" sz="1600" dirty="0"/>
-                <a:t>8 layers</a:t>
-              </a:r>
-            </a:p>
-            <a:p>
-              <a:pPr marL="285750" indent="-285750">
-                <a:buFont typeface="Arial" panose="020B0604020202020204" pitchFamily="34" charset="0"/>
-                <a:buChar char="•"/>
-              </a:pPr>
-              <a:r>
-                <a:rPr lang="en-US" sz="1600" dirty="0"/>
-                <a:t>input/output size : 247</a:t>
-              </a:r>
-            </a:p>
-            <a:p>
-              <a:pPr marL="285750" indent="-285750">
-                <a:buFont typeface="Arial" panose="020B0604020202020204" pitchFamily="34" charset="0"/>
-                <a:buChar char="•"/>
-              </a:pPr>
-              <a:r>
-                <a:rPr lang="en-US" sz="1600" dirty="0"/>
-                <a:t>dropout : 0.2</a:t>
-              </a:r>
-            </a:p>
-            <a:p>
-              <a:pPr marL="285750" indent="-285750">
-                <a:buFont typeface="Arial" panose="020B0604020202020204" pitchFamily="34" charset="0"/>
-                <a:buChar char="•"/>
-              </a:pPr>
-              <a:r>
-                <a:rPr lang="en-US" sz="1600" dirty="0"/>
-                <a:t>vocab size: 24</a:t>
-              </a:r>
-            </a:p>
-            <a:p>
-              <a:pPr marL="285750" indent="-285750">
-                <a:buFont typeface="Arial" panose="020B0604020202020204" pitchFamily="34" charset="0"/>
-                <a:buChar char="•"/>
-              </a:pPr>
-              <a:r>
-                <a:rPr lang="en-US" sz="1600" dirty="0"/>
-                <a:t>regularize sequences</a:t>
-              </a:r>
-            </a:p>
-            <a:p>
-              <a:pPr marL="742950" lvl="1" indent="-285750">
-                <a:buFont typeface="Arial" panose="020B0604020202020204" pitchFamily="34" charset="0"/>
-                <a:buChar char="•"/>
-              </a:pPr>
-              <a:r>
-                <a:rPr lang="en-US" sz="1600" dirty="0"/>
-                <a:t>flip prob:</a:t>
-              </a:r>
-            </a:p>
-            <a:p>
-              <a:pPr marL="742950" lvl="1" indent="-285750">
-                <a:buFont typeface="Arial" panose="020B0604020202020204" pitchFamily="34" charset="0"/>
-                <a:buChar char="•"/>
-              </a:pPr>
-              <a:r>
-                <a:rPr lang="en-US" sz="1600" dirty="0"/>
-                <a:t>mask prob:</a:t>
-              </a:r>
-            </a:p>
-            <a:p>
-              <a:pPr marL="285750" indent="-285750">
-                <a:buFont typeface="Arial" panose="020B0604020202020204" pitchFamily="34" charset="0"/>
-                <a:buChar char="•"/>
-              </a:pPr>
-              <a:endParaRPr lang="en-US" sz="1600" dirty="0"/>
-            </a:p>
-          </p:txBody>
-        </p:sp>
-      </p:grpSp>
-      <p:grpSp>
-        <p:nvGrpSpPr>
-          <p:cNvPr id="38" name="Group 37">
-            <a:extLst>
-              <a:ext uri="{FF2B5EF4-FFF2-40B4-BE49-F238E27FC236}">
-                <a16:creationId xmlns:a16="http://schemas.microsoft.com/office/drawing/2014/main" id="{E6D59257-FFDB-E789-A1AA-B56DB1B66FF8}"/>
-              </a:ext>
-            </a:extLst>
-          </p:cNvPr>
-          <p:cNvGrpSpPr/>
-          <p:nvPr/>
-        </p:nvGrpSpPr>
-        <p:grpSpPr>
-          <a:xfrm>
-            <a:off x="6095738" y="862641"/>
+            <a:off x="4828505" y="763005"/>
             <a:ext cx="2655761" cy="4394192"/>
-            <a:chOff x="4003836" y="1061047"/>
+            <a:chOff x="4630099" y="883773"/>
             <a:chExt cx="2655761" cy="4394192"/>
           </a:xfrm>
         </p:grpSpPr>
@@ -3758,8 +3541,8 @@
           </p:nvSpPr>
           <p:spPr>
             <a:xfrm>
-              <a:off x="4003836" y="1061047"/>
-              <a:ext cx="2655761" cy="4019911"/>
+              <a:off x="4630099" y="883773"/>
+              <a:ext cx="2655761" cy="4317955"/>
             </a:xfrm>
             <a:prstGeom prst="rect">
               <a:avLst/>
@@ -3814,7 +3597,7 @@
           </p:nvSpPr>
           <p:spPr>
             <a:xfrm>
-              <a:off x="4082487" y="1061051"/>
+              <a:off x="4708750" y="883777"/>
               <a:ext cx="2524089" cy="369332"/>
             </a:xfrm>
             <a:prstGeom prst="rect">
@@ -3849,7 +3632,7 @@
           </p:nvSpPr>
           <p:spPr>
             <a:xfrm>
-              <a:off x="4101237" y="1423366"/>
+              <a:off x="4727500" y="1246092"/>
               <a:ext cx="2357120" cy="4031873"/>
             </a:xfrm>
             <a:prstGeom prst="rect">
@@ -4048,10 +3831,10 @@
       </p:grpSp>
       <p:grpSp>
         <p:nvGrpSpPr>
-          <p:cNvPr id="39" name="Group 38">
+          <p:cNvPr id="44" name="Group 43">
             <a:extLst>
               <a:ext uri="{FF2B5EF4-FFF2-40B4-BE49-F238E27FC236}">
-                <a16:creationId xmlns:a16="http://schemas.microsoft.com/office/drawing/2014/main" id="{A50EF4BA-52BE-C39D-B961-311BF8EDA1FB}"/>
+                <a16:creationId xmlns:a16="http://schemas.microsoft.com/office/drawing/2014/main" id="{C76F3825-4763-B9D0-8B34-3ABB21D21E6A}"/>
               </a:ext>
             </a:extLst>
           </p:cNvPr>
@@ -4060,10 +3843,10 @@
         </p:nvGrpSpPr>
         <p:grpSpPr>
           <a:xfrm>
-            <a:off x="8881278" y="862641"/>
-            <a:ext cx="2655761" cy="4139333"/>
-            <a:chOff x="7114691" y="1069685"/>
-            <a:chExt cx="2655761" cy="4139333"/>
+            <a:off x="8304153" y="763005"/>
+            <a:ext cx="2655761" cy="4317955"/>
+            <a:chOff x="8105747" y="883773"/>
+            <a:chExt cx="2655761" cy="4317955"/>
           </a:xfrm>
         </p:grpSpPr>
         <p:sp>
@@ -4080,8 +3863,8 @@
           </p:nvSpPr>
           <p:spPr>
             <a:xfrm>
-              <a:off x="7114691" y="1069685"/>
-              <a:ext cx="2655761" cy="4019911"/>
+              <a:off x="8105747" y="883773"/>
+              <a:ext cx="2655761" cy="4317955"/>
             </a:xfrm>
             <a:prstGeom prst="rect">
               <a:avLst/>
@@ -4136,7 +3919,7 @@
           </p:nvSpPr>
           <p:spPr>
             <a:xfrm>
-              <a:off x="7762931" y="1069685"/>
+              <a:off x="8753987" y="883773"/>
               <a:ext cx="1292598" cy="369332"/>
             </a:xfrm>
             <a:prstGeom prst="rect">
@@ -4175,7 +3958,7 @@
           </p:nvSpPr>
           <p:spPr>
             <a:xfrm>
-              <a:off x="7253810" y="1423366"/>
+              <a:off x="8244866" y="1237454"/>
               <a:ext cx="2350836" cy="3785652"/>
             </a:xfrm>
             <a:prstGeom prst="rect">
@@ -4365,8 +4148,8 @@
         </p:nvSpPr>
         <p:spPr>
           <a:xfrm>
-            <a:off x="537848" y="5277965"/>
-            <a:ext cx="10783018" cy="1384995"/>
+            <a:off x="1089939" y="5314200"/>
+            <a:ext cx="9603626" cy="1384995"/>
           </a:xfrm>
           <a:prstGeom prst="rect">
             <a:avLst/>
@@ -4470,10 +4253,10 @@
       </p:sp>
       <p:grpSp>
         <p:nvGrpSpPr>
-          <p:cNvPr id="40" name="Group 39">
+          <p:cNvPr id="46" name="Group 45">
             <a:extLst>
               <a:ext uri="{FF2B5EF4-FFF2-40B4-BE49-F238E27FC236}">
-                <a16:creationId xmlns:a16="http://schemas.microsoft.com/office/drawing/2014/main" id="{55803DDA-563E-6B65-5807-83A2730F2D93}"/>
+                <a16:creationId xmlns:a16="http://schemas.microsoft.com/office/drawing/2014/main" id="{13EDE633-466B-8B68-7304-761EB2C126EB}"/>
               </a:ext>
             </a:extLst>
           </p:cNvPr>
@@ -4482,10 +4265,10 @@
         </p:nvGrpSpPr>
         <p:grpSpPr>
           <a:xfrm>
-            <a:off x="538031" y="862641"/>
-            <a:ext cx="2655761" cy="4028545"/>
-            <a:chOff x="1028999" y="1061051"/>
-            <a:chExt cx="2655761" cy="4028545"/>
+            <a:off x="1427657" y="749998"/>
+            <a:ext cx="2655761" cy="4326589"/>
+            <a:chOff x="1229251" y="870766"/>
+            <a:chExt cx="2655761" cy="4326589"/>
           </a:xfrm>
         </p:grpSpPr>
         <p:sp>
@@ -4502,8 +4285,8 @@
           </p:nvSpPr>
           <p:spPr>
             <a:xfrm>
-              <a:off x="1028999" y="1069685"/>
-              <a:ext cx="2655761" cy="4019911"/>
+              <a:off x="1229251" y="879400"/>
+              <a:ext cx="2655761" cy="4317955"/>
             </a:xfrm>
             <a:prstGeom prst="rect">
               <a:avLst/>
@@ -4558,7 +4341,7 @@
           </p:nvSpPr>
           <p:spPr>
             <a:xfrm>
-              <a:off x="1585775" y="1061051"/>
+              <a:off x="1786027" y="870766"/>
               <a:ext cx="1354858" cy="369332"/>
             </a:xfrm>
             <a:prstGeom prst="rect">
@@ -4593,7 +4376,7 @@
           </p:nvSpPr>
           <p:spPr>
             <a:xfrm>
-              <a:off x="1155950" y="1423366"/>
+              <a:off x="1356202" y="1233081"/>
               <a:ext cx="2435923" cy="2062103"/>
             </a:xfrm>
             <a:prstGeom prst="rect">
@@ -4766,14 +4549,14 @@
           <p:nvPr>
             <p:extLst>
               <p:ext uri="{D42A27DB-BD31-4B8C-83A1-F6EECF244321}">
-                <p14:modId xmlns:p14="http://schemas.microsoft.com/office/powerpoint/2010/main" val="2956466103"/>
+                <p14:modId xmlns:p14="http://schemas.microsoft.com/office/powerpoint/2010/main" val="4091308545"/>
               </p:ext>
             </p:extLst>
           </p:nvPr>
         </p:nvGraphicFramePr>
         <p:xfrm>
-          <a:off x="680081" y="1219495"/>
-          <a:ext cx="10134867" cy="3383675"/>
+          <a:off x="611069" y="1581805"/>
+          <a:ext cx="10134867" cy="2889188"/>
         </p:xfrm>
         <a:graphic>
           <a:graphicData uri="http://schemas.openxmlformats.org/drawingml/2006/table">
@@ -4907,12 +4690,9 @@
                       <a:pPr algn="ctr"/>
                       <a:r>
                         <a:rPr lang="en-US" sz="1600" dirty="0"/>
-                        <a:t>Epochs </a:t>
+                        <a:t>Epochs</a:t>
                       </a:r>
-                      <a:r>
-                        <a:rPr lang="en-US" sz="1600" baseline="30000" dirty="0"/>
-                        <a:t>5</a:t>
-                      </a:r>
+                      <a:endParaRPr lang="en-US" sz="1600" baseline="30000" dirty="0"/>
                     </a:p>
                   </a:txBody>
                   <a:tcPr anchor="ctr"/>
@@ -5355,183 +5135,6 @@
                 <a:extLst>
                   <a:ext uri="{0D108BD9-81ED-4DB2-BD59-A6C34878D82A}">
                     <a16:rowId xmlns:a16="http://schemas.microsoft.com/office/drawing/2014/main" val="751442147"/>
-                  </a:ext>
-                </a:extLst>
-              </a:tr>
-              <a:tr h="494487">
-                <a:tc>
-                  <a:txBody>
-                    <a:bodyPr/>
-                    <a:lstStyle/>
-                    <a:p>
-                      <a:pPr algn="ctr"/>
-                      <a:r>
-                        <a:rPr lang="en-US" sz="1600" dirty="0">
-                          <a:highlight>
-                            <a:srgbClr val="FFFF00"/>
-                          </a:highlight>
-                        </a:rPr>
-                        <a:t>residual MLP</a:t>
-                      </a:r>
-                    </a:p>
-                  </a:txBody>
-                  <a:tcPr anchor="ctr"/>
-                </a:tc>
-                <a:tc>
-                  <a:txBody>
-                    <a:bodyPr/>
-                    <a:lstStyle/>
-                    <a:p>
-                      <a:pPr algn="ctr"/>
-                      <a:r>
-                        <a:rPr lang="en-US" sz="1600" dirty="0">
-                          <a:solidFill>
-                            <a:srgbClr val="FF0000"/>
-                          </a:solidFill>
-                        </a:rPr>
-                        <a:t>0.22</a:t>
-                      </a:r>
-                    </a:p>
-                  </a:txBody>
-                  <a:tcPr anchor="ctr"/>
-                </a:tc>
-                <a:tc>
-                  <a:txBody>
-                    <a:bodyPr/>
-                    <a:lstStyle/>
-                    <a:p>
-                      <a:pPr algn="ctr"/>
-                      <a:r>
-                        <a:rPr lang="en-US" sz="1600" dirty="0">
-                          <a:solidFill>
-                            <a:srgbClr val="FF0000"/>
-                          </a:solidFill>
-                        </a:rPr>
-                        <a:t>0.34</a:t>
-                      </a:r>
-                    </a:p>
-                  </a:txBody>
-                  <a:tcPr anchor="ctr"/>
-                </a:tc>
-                <a:tc>
-                  <a:txBody>
-                    <a:bodyPr/>
-                    <a:lstStyle/>
-                    <a:p>
-                      <a:pPr algn="ctr"/>
-                      <a:r>
-                        <a:rPr lang="en-US" sz="1600" dirty="0">
-                          <a:solidFill>
-                            <a:srgbClr val="FF0000"/>
-                          </a:solidFill>
-                        </a:rPr>
-                        <a:t>7150</a:t>
-                      </a:r>
-                    </a:p>
-                  </a:txBody>
-                  <a:tcPr anchor="ctr"/>
-                </a:tc>
-                <a:tc>
-                  <a:txBody>
-                    <a:bodyPr/>
-                    <a:lstStyle/>
-                    <a:p>
-                      <a:pPr algn="ctr"/>
-                      <a:r>
-                        <a:rPr lang="en-US" sz="1600" dirty="0">
-                          <a:solidFill>
-                            <a:srgbClr val="FF0000"/>
-                          </a:solidFill>
-                        </a:rPr>
-                        <a:t>0.45</a:t>
-                      </a:r>
-                    </a:p>
-                  </a:txBody>
-                  <a:tcPr anchor="ctr"/>
-                </a:tc>
-                <a:tc>
-                  <a:txBody>
-                    <a:bodyPr/>
-                    <a:lstStyle/>
-                    <a:p>
-                      <a:pPr algn="ctr"/>
-                      <a:endParaRPr lang="en-US" sz="1600" dirty="0">
-                        <a:solidFill>
-                          <a:srgbClr val="FF0000"/>
-                        </a:solidFill>
-                      </a:endParaRPr>
-                    </a:p>
-                  </a:txBody>
-                  <a:tcPr anchor="ctr"/>
-                </a:tc>
-                <a:tc>
-                  <a:txBody>
-                    <a:bodyPr/>
-                    <a:lstStyle/>
-                    <a:p>
-                      <a:pPr algn="ctr"/>
-                      <a:r>
-                        <a:rPr lang="en-US" sz="1600" dirty="0">
-                          <a:solidFill>
-                            <a:srgbClr val="FF0000"/>
-                          </a:solidFill>
-                        </a:rPr>
-                        <a:t>0.30</a:t>
-                      </a:r>
-                    </a:p>
-                  </a:txBody>
-                  <a:tcPr anchor="ctr"/>
-                </a:tc>
-                <a:tc>
-                  <a:txBody>
-                    <a:bodyPr/>
-                    <a:lstStyle/>
-                    <a:p>
-                      <a:pPr algn="ctr"/>
-                      <a:r>
-                        <a:rPr lang="en-US" sz="1600" dirty="0">
-                          <a:solidFill>
-                            <a:srgbClr val="FF0000"/>
-                          </a:solidFill>
-                        </a:rPr>
-                        <a:t>30</a:t>
-                      </a:r>
-                    </a:p>
-                  </a:txBody>
-                  <a:tcPr anchor="ctr"/>
-                </a:tc>
-                <a:tc>
-                  <a:txBody>
-                    <a:bodyPr/>
-                    <a:lstStyle/>
-                    <a:p>
-                      <a:pPr algn="ctr"/>
-                      <a:r>
-                        <a:rPr lang="en-US" sz="1600" dirty="0">
-                          <a:solidFill>
-                            <a:srgbClr val="FF0000"/>
-                          </a:solidFill>
-                        </a:rPr>
-                        <a:t>53</a:t>
-                      </a:r>
-                    </a:p>
-                  </a:txBody>
-                  <a:tcPr anchor="ctr"/>
-                </a:tc>
-                <a:tc>
-                  <a:txBody>
-                    <a:bodyPr/>
-                    <a:lstStyle/>
-                    <a:p>
-                      <a:pPr algn="ctr"/>
-                      <a:endParaRPr lang="en-US" sz="1400" dirty="0"/>
-                    </a:p>
-                  </a:txBody>
-                  <a:tcPr anchor="ctr"/>
-                </a:tc>
-                <a:extLst>
-                  <a:ext uri="{0D108BD9-81ED-4DB2-BD59-A6C34878D82A}">
-                    <a16:rowId xmlns:a16="http://schemas.microsoft.com/office/drawing/2014/main" val="3248717932"/>
                   </a:ext>
                 </a:extLst>
               </a:tr>
@@ -6013,16 +5616,8 @@
                         <a:defRPr/>
                       </a:pPr>
                       <a:r>
-                        <a:rPr lang="en-US" sz="1600" dirty="0">
-                          <a:highlight>
-                            <a:srgbClr val="FFFF00"/>
-                          </a:highlight>
-                        </a:rPr>
-                        <a:t>Transformer</a:t>
-                      </a:r>
-                      <a:r>
                         <a:rPr lang="en-US" sz="1600" dirty="0"/>
-                        <a:t> </a:t>
+                        <a:t>Transformer </a:t>
                       </a:r>
                       <a:r>
                         <a:rPr lang="en-US" sz="1600" baseline="30000" dirty="0"/>
@@ -6044,7 +5639,7 @@
                             <a:schemeClr val="tx1"/>
                           </a:solidFill>
                         </a:rPr>
-                        <a:t>0.07</a:t>
+                        <a:t>0.02</a:t>
                       </a:r>
                     </a:p>
                   </a:txBody>
@@ -6062,7 +5657,7 @@
                             <a:schemeClr val="tx1"/>
                           </a:solidFill>
                         </a:rPr>
-                        <a:t>0.14</a:t>
+                        <a:t>0.12</a:t>
                       </a:r>
                     </a:p>
                   </a:txBody>
@@ -6080,7 +5675,7 @@
                             <a:schemeClr val="tx1"/>
                           </a:solidFill>
                         </a:rPr>
-                        <a:t>435</a:t>
+                        <a:t>183</a:t>
                       </a:r>
                     </a:p>
                   </a:txBody>
@@ -6098,7 +5693,7 @@
                             <a:schemeClr val="tx1"/>
                           </a:solidFill>
                         </a:rPr>
-                        <a:t>0.27</a:t>
+                        <a:t>0.28</a:t>
                       </a:r>
                     </a:p>
                   </a:txBody>
@@ -6134,7 +5729,7 @@
                             <a:schemeClr val="tx1"/>
                           </a:solidFill>
                         </a:rPr>
-                        <a:t>0.10</a:t>
+                        <a:t>0.17</a:t>
                       </a:r>
                     </a:p>
                   </a:txBody>
@@ -6170,7 +5765,7 @@
                             <a:schemeClr val="tx1"/>
                           </a:solidFill>
                         </a:rPr>
-                        <a:t>72</a:t>
+                        <a:t>71</a:t>
                       </a:r>
                     </a:p>
                   </a:txBody>
@@ -6250,8 +5845,8 @@
         </p:nvSpPr>
         <p:spPr>
           <a:xfrm>
-            <a:off x="326401" y="5596298"/>
-            <a:ext cx="10289035" cy="1169551"/>
+            <a:off x="611069" y="5493362"/>
+            <a:ext cx="9962920" cy="954107"/>
           </a:xfrm>
           <a:prstGeom prst="rect">
             <a:avLst/>
@@ -6300,15 +5895,53 @@
               <a:t>PPE20 : percentage of time prediction is within 20% of ground truth.  Higher is better</a:t>
             </a:r>
           </a:p>
-          <a:p>
-            <a:pPr marL="342900" indent="-342900">
-              <a:buFontTx/>
-              <a:buAutoNum type="arabicPeriod"/>
-            </a:pPr>
-            <a:r>
-              <a:rPr lang="en-US" sz="1400" dirty="0"/>
-              <a:t>I generally stopped when training had plateaued for &gt;100 epochs with respect to improved validation loss</a:t>
-            </a:r>
+        </p:txBody>
+      </p:sp>
+      <p:sp>
+        <p:nvSpPr>
+          <p:cNvPr id="11" name="TextBox 10">
+            <a:extLst>
+              <a:ext uri="{FF2B5EF4-FFF2-40B4-BE49-F238E27FC236}">
+                <a16:creationId xmlns:a16="http://schemas.microsoft.com/office/drawing/2014/main" id="{851A88B6-27DA-41C4-297F-6B4477D00C33}"/>
+              </a:ext>
+            </a:extLst>
+          </p:cNvPr>
+          <p:cNvSpPr txBox="1"/>
+          <p:nvPr/>
+        </p:nvSpPr>
+        <p:spPr>
+          <a:xfrm>
+            <a:off x="517585" y="4612845"/>
+            <a:ext cx="2343462" cy="369332"/>
+          </a:xfrm>
+          <a:prstGeom prst="rect">
+            <a:avLst/>
+          </a:prstGeom>
+          <a:noFill/>
+        </p:spPr>
+        <p:txBody>
+          <a:bodyPr wrap="none" rtlCol="0">
+            <a:spAutoFit/>
+          </a:bodyPr>
+          <a:lstStyle/>
+          <a:p>
+            <a:r>
+              <a:rPr lang="en-US" dirty="0">
+                <a:solidFill>
+                  <a:srgbClr val="FF0000"/>
+                </a:solidFill>
+              </a:rPr>
+              <a:t>* </a:t>
+            </a:r>
+            <a:r>
+              <a:rPr lang="en-US" sz="1600" dirty="0"/>
+              <a:t>best performing model</a:t>
+            </a:r>
+            <a:endParaRPr lang="en-US" dirty="0">
+              <a:solidFill>
+                <a:srgbClr val="FF0000"/>
+              </a:solidFill>
+            </a:endParaRPr>
           </a:p>
         </p:txBody>
       </p:sp>
@@ -6391,7 +6024,7 @@
         </p:nvSpPr>
         <p:spPr>
           <a:xfrm>
-            <a:off x="1561381" y="3364302"/>
+            <a:off x="1368482" y="3364302"/>
             <a:ext cx="615874" cy="369332"/>
           </a:xfrm>
           <a:prstGeom prst="rect">
@@ -6426,7 +6059,7 @@
         </p:nvSpPr>
         <p:spPr>
           <a:xfrm>
-            <a:off x="4459043" y="3431986"/>
+            <a:off x="3751677" y="3382357"/>
             <a:ext cx="1544012" cy="369332"/>
           </a:xfrm>
           <a:prstGeom prst="rect">
@@ -6461,7 +6094,7 @@
         </p:nvSpPr>
         <p:spPr>
           <a:xfrm>
-            <a:off x="7331639" y="3509623"/>
+            <a:off x="6624273" y="3459994"/>
             <a:ext cx="1544012" cy="369332"/>
           </a:xfrm>
           <a:prstGeom prst="rect">
@@ -6496,7 +6129,7 @@
         </p:nvSpPr>
         <p:spPr>
           <a:xfrm>
-            <a:off x="1177942" y="6167887"/>
+            <a:off x="9735346" y="3429000"/>
             <a:ext cx="1382751" cy="369332"/>
           </a:xfrm>
           <a:prstGeom prst="rect">
@@ -6539,7 +6172,7 @@
         </p:blipFill>
         <p:spPr>
           <a:xfrm>
-            <a:off x="634884" y="1442700"/>
+            <a:off x="441985" y="1442700"/>
             <a:ext cx="2446445" cy="1921602"/>
           </a:xfrm>
           <a:prstGeom prst="rect">
@@ -6569,7 +6202,7 @@
         </p:blipFill>
         <p:spPr>
           <a:xfrm>
-            <a:off x="4007826" y="1510384"/>
+            <a:off x="3300460" y="1460755"/>
             <a:ext cx="2446445" cy="1921602"/>
           </a:xfrm>
           <a:prstGeom prst="rect">
@@ -6599,7 +6232,7 @@
         </p:blipFill>
         <p:spPr>
           <a:xfrm>
-            <a:off x="6697837" y="1442700"/>
+            <a:off x="5990471" y="1393071"/>
             <a:ext cx="2591998" cy="2035929"/>
           </a:xfrm>
           <a:prstGeom prst="rect">
@@ -6607,6 +6240,41 @@
           </a:prstGeom>
         </p:spPr>
       </p:pic>
+      <p:sp>
+        <p:nvSpPr>
+          <p:cNvPr id="19" name="TextBox 18">
+            <a:extLst>
+              <a:ext uri="{FF2B5EF4-FFF2-40B4-BE49-F238E27FC236}">
+                <a16:creationId xmlns:a16="http://schemas.microsoft.com/office/drawing/2014/main" id="{5D7B70F8-97D0-5EB9-25C9-E0F0212652B2}"/>
+              </a:ext>
+            </a:extLst>
+          </p:cNvPr>
+          <p:cNvSpPr txBox="1"/>
+          <p:nvPr/>
+        </p:nvSpPr>
+        <p:spPr>
+          <a:xfrm>
+            <a:off x="1777041" y="5119293"/>
+            <a:ext cx="7686135" cy="369332"/>
+          </a:xfrm>
+          <a:prstGeom prst="rect">
+            <a:avLst/>
+          </a:prstGeom>
+          <a:noFill/>
+        </p:spPr>
+        <p:txBody>
+          <a:bodyPr wrap="square" rtlCol="0">
+            <a:spAutoFit/>
+          </a:bodyPr>
+          <a:lstStyle/>
+          <a:p>
+            <a:r>
+              <a:rPr lang="en-US" dirty="0"/>
+              <a:t>The clustering about the x=y line is tighter for models that performed better</a:t>
+            </a:r>
+          </a:p>
+        </p:txBody>
+      </p:sp>
     </p:spTree>
     <p:extLst>
       <p:ext uri="{BB962C8B-B14F-4D97-AF65-F5344CB8AC3E}">
@@ -7464,7 +7132,7 @@
           <a:p>
             <a:r>
               <a:rPr lang="en-US" sz="2400" dirty="0"/>
-              <a:t>t-SNE plots :  VIT model 3-channel</a:t>
+              <a:t>t-SNE plots :  VIT model 1-channel</a:t>
             </a:r>
           </a:p>
         </p:txBody>
@@ -7504,7 +7172,7 @@
           <p:cNvPr id="2" name="TextBox 1">
             <a:extLst>
               <a:ext uri="{FF2B5EF4-FFF2-40B4-BE49-F238E27FC236}">
-                <a16:creationId xmlns:a16="http://schemas.microsoft.com/office/drawing/2014/main" id="{7E19F177-6D52-95C4-17E6-1DACA7719CA4}"/>
+                <a16:creationId xmlns:a16="http://schemas.microsoft.com/office/drawing/2014/main" id="{D4D99642-6CAD-3B7A-1935-75DEAB8CAB0D}"/>
               </a:ext>
             </a:extLst>
           </p:cNvPr>
@@ -7514,7 +7182,7 @@
         <p:spPr>
           <a:xfrm>
             <a:off x="136762" y="204349"/>
-            <a:ext cx="4017254" cy="461665"/>
+            <a:ext cx="4686411" cy="461665"/>
           </a:xfrm>
           <a:prstGeom prst="rect">
             <a:avLst/>
@@ -7529,188 +7197,7 @@
           <a:p>
             <a:r>
               <a:rPr lang="en-US" sz="2400" dirty="0"/>
-              <a:t>Ensemble model regression?</a:t>
-            </a:r>
-          </a:p>
-        </p:txBody>
-      </p:sp>
-      <p:sp>
-        <p:nvSpPr>
-          <p:cNvPr id="3" name="TextBox 2">
-            <a:extLst>
-              <a:ext uri="{FF2B5EF4-FFF2-40B4-BE49-F238E27FC236}">
-                <a16:creationId xmlns:a16="http://schemas.microsoft.com/office/drawing/2014/main" id="{9E4B2BF0-6FE2-8BF1-DE26-BACEBBE17BCD}"/>
-              </a:ext>
-            </a:extLst>
-          </p:cNvPr>
-          <p:cNvSpPr txBox="1"/>
-          <p:nvPr/>
-        </p:nvSpPr>
-        <p:spPr>
-          <a:xfrm>
-            <a:off x="353683" y="992038"/>
-            <a:ext cx="8344913" cy="1200329"/>
-          </a:xfrm>
-          <a:prstGeom prst="rect">
-            <a:avLst/>
-          </a:prstGeom>
-          <a:noFill/>
-        </p:spPr>
-        <p:txBody>
-          <a:bodyPr wrap="none" rtlCol="0">
-            <a:spAutoFit/>
-          </a:bodyPr>
-          <a:lstStyle/>
-          <a:p>
-            <a:r>
-              <a:rPr lang="en-US" dirty="0"/>
-              <a:t>Train multiple models and combine their predictions into a linear-regression model</a:t>
-            </a:r>
-          </a:p>
-          <a:p>
-            <a:pPr marL="285750" indent="-285750">
-              <a:buFont typeface="Arial" panose="020B0604020202020204" pitchFamily="34" charset="0"/>
-              <a:buChar char="•"/>
-            </a:pPr>
-            <a:r>
-              <a:rPr lang="en-US" dirty="0"/>
-              <a:t>Transformer models (different objectives: MSE, MAE)</a:t>
-            </a:r>
-          </a:p>
-          <a:p>
-            <a:pPr marL="285750" indent="-285750">
-              <a:buFont typeface="Arial" panose="020B0604020202020204" pitchFamily="34" charset="0"/>
-              <a:buChar char="•"/>
-            </a:pPr>
-            <a:r>
-              <a:rPr lang="en-US" dirty="0"/>
-              <a:t>VIT 3-channel model (different objectives: MSE, MAE)</a:t>
-            </a:r>
-          </a:p>
-          <a:p>
-            <a:pPr marL="285750" indent="-285750">
-              <a:buFont typeface="Arial" panose="020B0604020202020204" pitchFamily="34" charset="0"/>
-              <a:buChar char="•"/>
-            </a:pPr>
-            <a:r>
-              <a:rPr lang="en-US" dirty="0" err="1"/>
-              <a:t>etc</a:t>
-            </a:r>
-            <a:r>
-              <a:rPr lang="en-US" dirty="0"/>
-              <a:t>…</a:t>
-            </a:r>
-          </a:p>
-        </p:txBody>
-      </p:sp>
-      <p:sp>
-        <p:nvSpPr>
-          <p:cNvPr id="4" name="TextBox 3">
-            <a:extLst>
-              <a:ext uri="{FF2B5EF4-FFF2-40B4-BE49-F238E27FC236}">
-                <a16:creationId xmlns:a16="http://schemas.microsoft.com/office/drawing/2014/main" id="{6610633D-793C-C9CB-99DE-F4EE31A65BA8}"/>
-              </a:ext>
-            </a:extLst>
-          </p:cNvPr>
-          <p:cNvSpPr txBox="1"/>
-          <p:nvPr/>
-        </p:nvSpPr>
-        <p:spPr>
-          <a:xfrm>
-            <a:off x="819509" y="2518391"/>
-            <a:ext cx="3372270" cy="646331"/>
-          </a:xfrm>
-          <a:prstGeom prst="rect">
-            <a:avLst/>
-          </a:prstGeom>
-          <a:noFill/>
-        </p:spPr>
-        <p:txBody>
-          <a:bodyPr wrap="none" rtlCol="0">
-            <a:spAutoFit/>
-          </a:bodyPr>
-          <a:lstStyle/>
-          <a:p>
-            <a:r>
-              <a:rPr lang="en-US" dirty="0"/>
-              <a:t>pred =  (c</a:t>
-            </a:r>
-            <a:r>
-              <a:rPr lang="en-US" baseline="-25000" dirty="0"/>
-              <a:t>1</a:t>
-            </a:r>
-            <a:r>
-              <a:rPr lang="en-US" dirty="0"/>
-              <a:t> * m</a:t>
-            </a:r>
-            <a:r>
-              <a:rPr lang="en-US" baseline="-25000" dirty="0"/>
-              <a:t>1</a:t>
-            </a:r>
-            <a:r>
-              <a:rPr lang="en-US" dirty="0"/>
-              <a:t>) +  (c</a:t>
-            </a:r>
-            <a:r>
-              <a:rPr lang="en-US" baseline="-25000" dirty="0"/>
-              <a:t>2</a:t>
-            </a:r>
-            <a:r>
-              <a:rPr lang="en-US" dirty="0"/>
-              <a:t> * m</a:t>
-            </a:r>
-            <a:r>
-              <a:rPr lang="en-US" baseline="-25000" dirty="0"/>
-              <a:t>2</a:t>
-            </a:r>
-            <a:r>
-              <a:rPr lang="en-US" dirty="0"/>
-              <a:t>) + ….</a:t>
-            </a:r>
-          </a:p>
-          <a:p>
-            <a:r>
-              <a:rPr lang="en-US" dirty="0"/>
-              <a:t>regress the coefficients c</a:t>
-            </a:r>
-            <a:r>
-              <a:rPr lang="en-US" baseline="-25000" dirty="0"/>
-              <a:t>i</a:t>
-            </a:r>
-          </a:p>
-        </p:txBody>
-      </p:sp>
-      <p:sp>
-        <p:nvSpPr>
-          <p:cNvPr id="5" name="TextBox 4">
-            <a:extLst>
-              <a:ext uri="{FF2B5EF4-FFF2-40B4-BE49-F238E27FC236}">
-                <a16:creationId xmlns:a16="http://schemas.microsoft.com/office/drawing/2014/main" id="{1CA94FDA-D33D-B8D0-B153-1E608F93FC56}"/>
-              </a:ext>
-            </a:extLst>
-          </p:cNvPr>
-          <p:cNvSpPr txBox="1"/>
-          <p:nvPr/>
-        </p:nvSpPr>
-        <p:spPr>
-          <a:xfrm>
-            <a:off x="353683" y="3614468"/>
-            <a:ext cx="5178982" cy="369332"/>
-          </a:xfrm>
-          <a:prstGeom prst="rect">
-            <a:avLst/>
-          </a:prstGeom>
-          <a:noFill/>
-        </p:spPr>
-        <p:txBody>
-          <a:bodyPr wrap="none" rtlCol="0">
-            <a:spAutoFit/>
-          </a:bodyPr>
-          <a:lstStyle/>
-          <a:p>
-            <a:r>
-              <a:rPr lang="en-US" dirty="0"/>
-              <a:t>Or, obviously, try more ambitious models like BERT</a:t>
+              <a:t>t-SNE plots :  VIT model 3-channel</a:t>
             </a:r>
           </a:p>
         </p:txBody>
@@ -7718,7 +7205,7 @@
     </p:spTree>
     <p:extLst>
       <p:ext uri="{BB962C8B-B14F-4D97-AF65-F5344CB8AC3E}">
-        <p14:creationId xmlns:p14="http://schemas.microsoft.com/office/powerpoint/2010/main" val="1625225048"/>
+        <p14:creationId xmlns:p14="http://schemas.microsoft.com/office/powerpoint/2010/main" val="1072182388"/>
       </p:ext>
     </p:extLst>
   </p:cSld>
@@ -7780,6 +7267,133 @@
           </a:p>
         </p:txBody>
       </p:sp>
+      <p:sp>
+        <p:nvSpPr>
+          <p:cNvPr id="3" name="TextBox 2">
+            <a:extLst>
+              <a:ext uri="{FF2B5EF4-FFF2-40B4-BE49-F238E27FC236}">
+                <a16:creationId xmlns:a16="http://schemas.microsoft.com/office/drawing/2014/main" id="{FA742F59-10DC-50B3-599C-9B3227711F13}"/>
+              </a:ext>
+            </a:extLst>
+          </p:cNvPr>
+          <p:cNvSpPr txBox="1"/>
+          <p:nvPr/>
+        </p:nvSpPr>
+        <p:spPr>
+          <a:xfrm>
+            <a:off x="1337094" y="1026543"/>
+            <a:ext cx="8574657" cy="4801314"/>
+          </a:xfrm>
+          <a:prstGeom prst="rect">
+            <a:avLst/>
+          </a:prstGeom>
+          <a:noFill/>
+        </p:spPr>
+        <p:txBody>
+          <a:bodyPr wrap="square" rtlCol="0">
+            <a:spAutoFit/>
+          </a:bodyPr>
+          <a:lstStyle/>
+          <a:p>
+            <a:pPr marL="285750" indent="-285750">
+              <a:buFont typeface="Arial" panose="020B0604020202020204" pitchFamily="34" charset="0"/>
+              <a:buChar char="•"/>
+            </a:pPr>
+            <a:r>
+              <a:rPr lang="en-US" dirty="0"/>
+              <a:t>MLP models do not treat relationships between different elements in a sequence.  For this sequence-to-affinity regression problem, MLP, not surprisingly, performed the poorest</a:t>
+            </a:r>
+          </a:p>
+          <a:p>
+            <a:pPr marL="285750" indent="-285750">
+              <a:buFont typeface="Arial" panose="020B0604020202020204" pitchFamily="34" charset="0"/>
+              <a:buChar char="•"/>
+            </a:pPr>
+            <a:endParaRPr lang="en-US" dirty="0"/>
+          </a:p>
+          <a:p>
+            <a:pPr marL="285750" indent="-285750">
+              <a:buFont typeface="Arial" panose="020B0604020202020204" pitchFamily="34" charset="0"/>
+              <a:buChar char="•"/>
+            </a:pPr>
+            <a:r>
+              <a:rPr lang="en-US" dirty="0"/>
+              <a:t>Transformer-based models explicitly treat these interactions via the self-attention mechanism and this proves advantageous in this study</a:t>
+            </a:r>
+          </a:p>
+          <a:p>
+            <a:pPr marL="742950" lvl="1" indent="-285750">
+              <a:buFont typeface="Arial" panose="020B0604020202020204" pitchFamily="34" charset="0"/>
+              <a:buChar char="•"/>
+            </a:pPr>
+            <a:r>
+              <a:rPr lang="en-US" dirty="0"/>
+              <a:t>also, these converge much faster than the MLP models tried.</a:t>
+            </a:r>
+          </a:p>
+          <a:p>
+            <a:pPr marL="285750" indent="-285750">
+              <a:buFont typeface="Arial" panose="020B0604020202020204" pitchFamily="34" charset="0"/>
+              <a:buChar char="•"/>
+            </a:pPr>
+            <a:endParaRPr lang="en-US" dirty="0"/>
+          </a:p>
+          <a:p>
+            <a:pPr marL="285750" indent="-285750">
+              <a:buFont typeface="Arial" panose="020B0604020202020204" pitchFamily="34" charset="0"/>
+              <a:buChar char="•"/>
+            </a:pPr>
+            <a:r>
+              <a:rPr lang="en-US" dirty="0"/>
+              <a:t>Vision transformer on this problem proved surprisingly effective</a:t>
+            </a:r>
+          </a:p>
+          <a:p>
+            <a:pPr marL="742950" lvl="1" indent="-285750">
+              <a:buFont typeface="Arial" panose="020B0604020202020204" pitchFamily="34" charset="0"/>
+              <a:buChar char="•"/>
+            </a:pPr>
+            <a:r>
+              <a:rPr lang="en-US" dirty="0"/>
+              <a:t>3-channel approach did slightly better than 1-channel and the more straightforward transformer model.</a:t>
+            </a:r>
+          </a:p>
+          <a:p>
+            <a:pPr marL="742950" lvl="1" indent="-285750">
+              <a:buFont typeface="Arial" panose="020B0604020202020204" pitchFamily="34" charset="0"/>
+              <a:buChar char="•"/>
+            </a:pPr>
+            <a:r>
+              <a:rPr lang="en-US" dirty="0"/>
+              <a:t>Would be interesting to explore other encodings for these layers and other types of data to add in additional layers</a:t>
+            </a:r>
+          </a:p>
+          <a:p>
+            <a:pPr marL="285750" indent="-285750">
+              <a:buFont typeface="Arial" panose="020B0604020202020204" pitchFamily="34" charset="0"/>
+              <a:buChar char="•"/>
+            </a:pPr>
+            <a:endParaRPr lang="en-US" dirty="0"/>
+          </a:p>
+          <a:p>
+            <a:pPr marL="285750" indent="-285750">
+              <a:buFont typeface="Arial" panose="020B0604020202020204" pitchFamily="34" charset="0"/>
+              <a:buChar char="•"/>
+            </a:pPr>
+            <a:r>
+              <a:rPr lang="en-US" dirty="0"/>
+              <a:t>The t-SNE plots show that clustering of features occurs, likely due to the self-attention mechanism.  Additional work on this would be interesting,</a:t>
+            </a:r>
+          </a:p>
+          <a:p>
+            <a:pPr marL="285750" indent="-285750">
+              <a:buFont typeface="Arial" panose="020B0604020202020204" pitchFamily="34" charset="0"/>
+              <a:buChar char="•"/>
+            </a:pPr>
+            <a:endParaRPr lang="en-US" dirty="0"/>
+          </a:p>
+        </p:txBody>
+      </p:sp>
     </p:spTree>
     <p:extLst>
       <p:ext uri="{BB962C8B-B14F-4D97-AF65-F5344CB8AC3E}">
@@ -7794,6 +7408,252 @@
 </file>
 
 <file path=ppt/slides/slide18.xml><?xml version="1.0" encoding="utf-8"?>
+<p:sld xmlns:a="http://schemas.openxmlformats.org/drawingml/2006/main" xmlns:r="http://schemas.openxmlformats.org/officeDocument/2006/relationships" xmlns:p="http://schemas.openxmlformats.org/presentationml/2006/main">
+  <p:cSld>
+    <p:spTree>
+      <p:nvGrpSpPr>
+        <p:cNvPr id="1" name=""/>
+        <p:cNvGrpSpPr/>
+        <p:nvPr/>
+      </p:nvGrpSpPr>
+      <p:grpSpPr>
+        <a:xfrm>
+          <a:off x="0" y="0"/>
+          <a:ext cx="0" cy="0"/>
+          <a:chOff x="0" y="0"/>
+          <a:chExt cx="0" cy="0"/>
+        </a:xfrm>
+      </p:grpSpPr>
+      <p:sp>
+        <p:nvSpPr>
+          <p:cNvPr id="2" name="TextBox 1">
+            <a:extLst>
+              <a:ext uri="{FF2B5EF4-FFF2-40B4-BE49-F238E27FC236}">
+                <a16:creationId xmlns:a16="http://schemas.microsoft.com/office/drawing/2014/main" id="{7E19F177-6D52-95C4-17E6-1DACA7719CA4}"/>
+              </a:ext>
+            </a:extLst>
+          </p:cNvPr>
+          <p:cNvSpPr txBox="1"/>
+          <p:nvPr/>
+        </p:nvSpPr>
+        <p:spPr>
+          <a:xfrm>
+            <a:off x="136762" y="204349"/>
+            <a:ext cx="4017254" cy="461665"/>
+          </a:xfrm>
+          <a:prstGeom prst="rect">
+            <a:avLst/>
+          </a:prstGeom>
+          <a:noFill/>
+        </p:spPr>
+        <p:txBody>
+          <a:bodyPr wrap="none" rtlCol="0">
+            <a:spAutoFit/>
+          </a:bodyPr>
+          <a:lstStyle/>
+          <a:p>
+            <a:r>
+              <a:rPr lang="en-US" sz="2400" dirty="0"/>
+              <a:t>Ensemble model regression?</a:t>
+            </a:r>
+          </a:p>
+        </p:txBody>
+      </p:sp>
+      <p:sp>
+        <p:nvSpPr>
+          <p:cNvPr id="3" name="TextBox 2">
+            <a:extLst>
+              <a:ext uri="{FF2B5EF4-FFF2-40B4-BE49-F238E27FC236}">
+                <a16:creationId xmlns:a16="http://schemas.microsoft.com/office/drawing/2014/main" id="{9E4B2BF0-6FE2-8BF1-DE26-BACEBBE17BCD}"/>
+              </a:ext>
+            </a:extLst>
+          </p:cNvPr>
+          <p:cNvSpPr txBox="1"/>
+          <p:nvPr/>
+        </p:nvSpPr>
+        <p:spPr>
+          <a:xfrm>
+            <a:off x="353683" y="992038"/>
+            <a:ext cx="8344913" cy="1200329"/>
+          </a:xfrm>
+          <a:prstGeom prst="rect">
+            <a:avLst/>
+          </a:prstGeom>
+          <a:noFill/>
+        </p:spPr>
+        <p:txBody>
+          <a:bodyPr wrap="none" rtlCol="0">
+            <a:spAutoFit/>
+          </a:bodyPr>
+          <a:lstStyle/>
+          <a:p>
+            <a:r>
+              <a:rPr lang="en-US" dirty="0"/>
+              <a:t>Train multiple models and combine their predictions into a linear-regression model</a:t>
+            </a:r>
+          </a:p>
+          <a:p>
+            <a:pPr marL="285750" indent="-285750">
+              <a:buFont typeface="Arial" panose="020B0604020202020204" pitchFamily="34" charset="0"/>
+              <a:buChar char="•"/>
+            </a:pPr>
+            <a:r>
+              <a:rPr lang="en-US" dirty="0"/>
+              <a:t>Transformer models (different objectives: MSE, MAE)</a:t>
+            </a:r>
+          </a:p>
+          <a:p>
+            <a:pPr marL="285750" indent="-285750">
+              <a:buFont typeface="Arial" panose="020B0604020202020204" pitchFamily="34" charset="0"/>
+              <a:buChar char="•"/>
+            </a:pPr>
+            <a:r>
+              <a:rPr lang="en-US" dirty="0"/>
+              <a:t>VIT 3-channel model (different objectives: MSE, MAE)</a:t>
+            </a:r>
+          </a:p>
+          <a:p>
+            <a:pPr marL="285750" indent="-285750">
+              <a:buFont typeface="Arial" panose="020B0604020202020204" pitchFamily="34" charset="0"/>
+              <a:buChar char="•"/>
+            </a:pPr>
+            <a:r>
+              <a:rPr lang="en-US" dirty="0" err="1"/>
+              <a:t>etc</a:t>
+            </a:r>
+            <a:r>
+              <a:rPr lang="en-US" dirty="0"/>
+              <a:t>…</a:t>
+            </a:r>
+          </a:p>
+        </p:txBody>
+      </p:sp>
+      <p:sp>
+        <p:nvSpPr>
+          <p:cNvPr id="4" name="TextBox 3">
+            <a:extLst>
+              <a:ext uri="{FF2B5EF4-FFF2-40B4-BE49-F238E27FC236}">
+                <a16:creationId xmlns:a16="http://schemas.microsoft.com/office/drawing/2014/main" id="{6610633D-793C-C9CB-99DE-F4EE31A65BA8}"/>
+              </a:ext>
+            </a:extLst>
+          </p:cNvPr>
+          <p:cNvSpPr txBox="1"/>
+          <p:nvPr/>
+        </p:nvSpPr>
+        <p:spPr>
+          <a:xfrm>
+            <a:off x="819509" y="2518391"/>
+            <a:ext cx="3372270" cy="646331"/>
+          </a:xfrm>
+          <a:prstGeom prst="rect">
+            <a:avLst/>
+          </a:prstGeom>
+          <a:noFill/>
+        </p:spPr>
+        <p:txBody>
+          <a:bodyPr wrap="none" rtlCol="0">
+            <a:spAutoFit/>
+          </a:bodyPr>
+          <a:lstStyle/>
+          <a:p>
+            <a:r>
+              <a:rPr lang="en-US" dirty="0"/>
+              <a:t>pred =  (c</a:t>
+            </a:r>
+            <a:r>
+              <a:rPr lang="en-US" baseline="-25000" dirty="0"/>
+              <a:t>1</a:t>
+            </a:r>
+            <a:r>
+              <a:rPr lang="en-US" dirty="0"/>
+              <a:t> * m</a:t>
+            </a:r>
+            <a:r>
+              <a:rPr lang="en-US" baseline="-25000" dirty="0"/>
+              <a:t>1</a:t>
+            </a:r>
+            <a:r>
+              <a:rPr lang="en-US" dirty="0"/>
+              <a:t>) +  (c</a:t>
+            </a:r>
+            <a:r>
+              <a:rPr lang="en-US" baseline="-25000" dirty="0"/>
+              <a:t>2</a:t>
+            </a:r>
+            <a:r>
+              <a:rPr lang="en-US" dirty="0"/>
+              <a:t> * m</a:t>
+            </a:r>
+            <a:r>
+              <a:rPr lang="en-US" baseline="-25000" dirty="0"/>
+              <a:t>2</a:t>
+            </a:r>
+            <a:r>
+              <a:rPr lang="en-US" dirty="0"/>
+              <a:t>) + ….</a:t>
+            </a:r>
+          </a:p>
+          <a:p>
+            <a:r>
+              <a:rPr lang="en-US" dirty="0"/>
+              <a:t>regress the coefficients c</a:t>
+            </a:r>
+            <a:r>
+              <a:rPr lang="en-US" baseline="-25000" dirty="0"/>
+              <a:t>i</a:t>
+            </a:r>
+          </a:p>
+        </p:txBody>
+      </p:sp>
+      <p:sp>
+        <p:nvSpPr>
+          <p:cNvPr id="5" name="TextBox 4">
+            <a:extLst>
+              <a:ext uri="{FF2B5EF4-FFF2-40B4-BE49-F238E27FC236}">
+                <a16:creationId xmlns:a16="http://schemas.microsoft.com/office/drawing/2014/main" id="{1CA94FDA-D33D-B8D0-B153-1E608F93FC56}"/>
+              </a:ext>
+            </a:extLst>
+          </p:cNvPr>
+          <p:cNvSpPr txBox="1"/>
+          <p:nvPr/>
+        </p:nvSpPr>
+        <p:spPr>
+          <a:xfrm>
+            <a:off x="353683" y="3614468"/>
+            <a:ext cx="5178982" cy="369332"/>
+          </a:xfrm>
+          <a:prstGeom prst="rect">
+            <a:avLst/>
+          </a:prstGeom>
+          <a:noFill/>
+        </p:spPr>
+        <p:txBody>
+          <a:bodyPr wrap="none" rtlCol="0">
+            <a:spAutoFit/>
+          </a:bodyPr>
+          <a:lstStyle/>
+          <a:p>
+            <a:r>
+              <a:rPr lang="en-US" dirty="0"/>
+              <a:t>Or, obviously, try more ambitious models like BERT</a:t>
+            </a:r>
+          </a:p>
+        </p:txBody>
+      </p:sp>
+    </p:spTree>
+    <p:extLst>
+      <p:ext uri="{BB962C8B-B14F-4D97-AF65-F5344CB8AC3E}">
+        <p14:creationId xmlns:p14="http://schemas.microsoft.com/office/powerpoint/2010/main" val="1625225048"/>
+      </p:ext>
+    </p:extLst>
+  </p:cSld>
+  <p:clrMapOvr>
+    <a:masterClrMapping/>
+  </p:clrMapOvr>
+</p:sld>
+</file>
+
+<file path=ppt/slides/slide19.xml><?xml version="1.0" encoding="utf-8"?>
 <p:sld xmlns:a="http://schemas.openxmlformats.org/drawingml/2006/main" xmlns:r="http://schemas.openxmlformats.org/officeDocument/2006/relationships" xmlns:p="http://schemas.openxmlformats.org/presentationml/2006/main">
   <p:cSld>
     <p:spTree>
@@ -7890,429 +7750,6 @@
     <p:extLst>
       <p:ext uri="{BB962C8B-B14F-4D97-AF65-F5344CB8AC3E}">
         <p14:creationId xmlns:p14="http://schemas.microsoft.com/office/powerpoint/2010/main" val="1960399377"/>
-      </p:ext>
-    </p:extLst>
-  </p:cSld>
-  <p:clrMapOvr>
-    <a:masterClrMapping/>
-  </p:clrMapOvr>
-</p:sld>
-</file>
-
-<file path=ppt/slides/slide19.xml><?xml version="1.0" encoding="utf-8"?>
-<p:sld xmlns:a="http://schemas.openxmlformats.org/drawingml/2006/main" xmlns:r="http://schemas.openxmlformats.org/officeDocument/2006/relationships" xmlns:p="http://schemas.openxmlformats.org/presentationml/2006/main">
-  <p:cSld>
-    <p:spTree>
-      <p:nvGrpSpPr>
-        <p:cNvPr id="1" name=""/>
-        <p:cNvGrpSpPr/>
-        <p:nvPr/>
-      </p:nvGrpSpPr>
-      <p:grpSpPr>
-        <a:xfrm>
-          <a:off x="0" y="0"/>
-          <a:ext cx="0" cy="0"/>
-          <a:chOff x="0" y="0"/>
-          <a:chExt cx="0" cy="0"/>
-        </a:xfrm>
-      </p:grpSpPr>
-      <p:sp>
-        <p:nvSpPr>
-          <p:cNvPr id="2" name="TextBox 1">
-            <a:extLst>
-              <a:ext uri="{FF2B5EF4-FFF2-40B4-BE49-F238E27FC236}">
-                <a16:creationId xmlns:a16="http://schemas.microsoft.com/office/drawing/2014/main" id="{A6B8D544-62FB-BED5-1F3D-8DE1F9A51DC3}"/>
-              </a:ext>
-            </a:extLst>
-          </p:cNvPr>
-          <p:cNvSpPr txBox="1"/>
-          <p:nvPr/>
-        </p:nvSpPr>
-        <p:spPr>
-          <a:xfrm>
-            <a:off x="140127" y="221836"/>
-            <a:ext cx="6376297" cy="461665"/>
-          </a:xfrm>
-          <a:prstGeom prst="rect">
-            <a:avLst/>
-          </a:prstGeom>
-          <a:noFill/>
-        </p:spPr>
-        <p:txBody>
-          <a:bodyPr wrap="none" rtlCol="0">
-            <a:spAutoFit/>
-          </a:bodyPr>
-          <a:lstStyle/>
-          <a:p>
-            <a:r>
-              <a:rPr lang="en-US" sz="2400" dirty="0"/>
-              <a:t>BERT Stuff:   Relevant literature, code, and data</a:t>
-            </a:r>
-          </a:p>
-        </p:txBody>
-      </p:sp>
-      <p:sp>
-        <p:nvSpPr>
-          <p:cNvPr id="3" name="TextBox 2">
-            <a:extLst>
-              <a:ext uri="{FF2B5EF4-FFF2-40B4-BE49-F238E27FC236}">
-                <a16:creationId xmlns:a16="http://schemas.microsoft.com/office/drawing/2014/main" id="{9750003C-8501-0DA4-F28D-311FF3F150A4}"/>
-              </a:ext>
-            </a:extLst>
-          </p:cNvPr>
-          <p:cNvSpPr txBox="1"/>
-          <p:nvPr/>
-        </p:nvSpPr>
-        <p:spPr>
-          <a:xfrm>
-            <a:off x="765387" y="1291616"/>
-            <a:ext cx="9574610" cy="5016758"/>
-          </a:xfrm>
-          <a:prstGeom prst="rect">
-            <a:avLst/>
-          </a:prstGeom>
-          <a:noFill/>
-        </p:spPr>
-        <p:txBody>
-          <a:bodyPr wrap="square" rtlCol="0">
-            <a:spAutoFit/>
-          </a:bodyPr>
-          <a:lstStyle/>
-          <a:p>
-            <a:pPr marL="285750" indent="-285750">
-              <a:buFont typeface="Arial" panose="020B0604020202020204" pitchFamily="34" charset="0"/>
-              <a:buChar char="•"/>
-            </a:pPr>
-            <a:r>
-              <a:rPr lang="en-US" sz="1600" dirty="0"/>
-              <a:t>BERT : </a:t>
-            </a:r>
-            <a:r>
-              <a:rPr lang="en-US" sz="1600" dirty="0">
-                <a:hlinkClick r:id="rId2"/>
-              </a:rPr>
-              <a:t>https://aclanthology.org/N19-1423.pdf</a:t>
-            </a:r>
-            <a:endParaRPr lang="en-US" sz="1600" dirty="0"/>
-          </a:p>
-          <a:p>
-            <a:pPr marL="285750" indent="-285750">
-              <a:buFont typeface="Arial" panose="020B0604020202020204" pitchFamily="34" charset="0"/>
-              <a:buChar char="•"/>
-            </a:pPr>
-            <a:endParaRPr lang="en-US" sz="1600" dirty="0"/>
-          </a:p>
-          <a:p>
-            <a:pPr marL="285750" indent="-285750">
-              <a:buFont typeface="Arial" panose="020B0604020202020204" pitchFamily="34" charset="0"/>
-              <a:buChar char="•"/>
-            </a:pPr>
-            <a:r>
-              <a:rPr lang="en-US" sz="1600" dirty="0" err="1"/>
-              <a:t>ProteinBERT</a:t>
-            </a:r>
-            <a:r>
-              <a:rPr lang="en-US" sz="1600" dirty="0"/>
-              <a:t> : </a:t>
-            </a:r>
-            <a:r>
-              <a:rPr lang="en-US" sz="1600" dirty="0">
-                <a:hlinkClick r:id="rId3"/>
-              </a:rPr>
-              <a:t>https://doi.org/10.1093/bioinformatics/btac020</a:t>
-            </a:r>
-            <a:endParaRPr lang="en-US" sz="1600" dirty="0"/>
-          </a:p>
-          <a:p>
-            <a:endParaRPr lang="en-US" sz="1600" dirty="0"/>
-          </a:p>
-          <a:p>
-            <a:pPr marL="285750" indent="-285750">
-              <a:buFont typeface="Arial" panose="020B0604020202020204" pitchFamily="34" charset="0"/>
-              <a:buChar char="•"/>
-            </a:pPr>
-            <a:r>
-              <a:rPr lang="en-US" sz="1600" dirty="0"/>
-              <a:t>Code partially taken from:</a:t>
-            </a:r>
-          </a:p>
-          <a:p>
-            <a:pPr marL="742950" lvl="1" indent="-285750">
-              <a:buFont typeface="Arial" panose="020B0604020202020204" pitchFamily="34" charset="0"/>
-              <a:buChar char="•"/>
-            </a:pPr>
-            <a:r>
-              <a:rPr lang="en-US" sz="1600" dirty="0"/>
-              <a:t>Barney Hill : </a:t>
-            </a:r>
-            <a:r>
-              <a:rPr lang="en-US" sz="1600" b="0" dirty="0">
-                <a:effectLst/>
-                <a:hlinkClick r:id="rId4"/>
-              </a:rPr>
-              <a:t>https://github.com/barneyhill/minBERT</a:t>
-            </a:r>
-            <a:endParaRPr lang="en-US" sz="1600" b="0" dirty="0">
-              <a:effectLst/>
-            </a:endParaRPr>
-          </a:p>
-          <a:p>
-            <a:pPr marL="742950" lvl="1" indent="-285750">
-              <a:buFont typeface="Arial" panose="020B0604020202020204" pitchFamily="34" charset="0"/>
-              <a:buChar char="•"/>
-            </a:pPr>
-            <a:r>
-              <a:rPr lang="en-US" sz="1600" dirty="0"/>
-              <a:t>Andrej </a:t>
-            </a:r>
-            <a:r>
-              <a:rPr lang="en-US" sz="1600" dirty="0" err="1"/>
-              <a:t>Karpathy</a:t>
-            </a:r>
-            <a:r>
-              <a:rPr lang="en-US" sz="1600" dirty="0"/>
-              <a:t>: </a:t>
-            </a:r>
-            <a:r>
-              <a:rPr lang="en-US" sz="1600" b="0" dirty="0">
-                <a:effectLst/>
-                <a:hlinkClick r:id="rId5"/>
-              </a:rPr>
-              <a:t>https://github.com/karpathy/minGPT</a:t>
-            </a:r>
-            <a:endParaRPr lang="en-US" sz="1600" b="0" dirty="0">
-              <a:effectLst/>
-            </a:endParaRPr>
-          </a:p>
-          <a:p>
-            <a:pPr marL="742950" lvl="1" indent="-285750">
-              <a:buFont typeface="Arial" panose="020B0604020202020204" pitchFamily="34" charset="0"/>
-              <a:buChar char="•"/>
-            </a:pPr>
-            <a:r>
-              <a:rPr lang="en-US" sz="1600" dirty="0"/>
-              <a:t>my Table Transformer code (from real-estate automated valuation model development)</a:t>
-            </a:r>
-          </a:p>
-          <a:p>
-            <a:pPr marL="742950" lvl="1" indent="-285750">
-              <a:buFont typeface="Arial" panose="020B0604020202020204" pitchFamily="34" charset="0"/>
-              <a:buChar char="•"/>
-            </a:pPr>
-            <a:endParaRPr lang="en-US" sz="1600" dirty="0"/>
-          </a:p>
-          <a:p>
-            <a:pPr marL="285750" indent="-285750">
-              <a:buFont typeface="Arial" panose="020B0604020202020204" pitchFamily="34" charset="0"/>
-              <a:buChar char="•"/>
-            </a:pPr>
-            <a:r>
-              <a:rPr lang="en-US" sz="1600" dirty="0"/>
-              <a:t>A</a:t>
-            </a:r>
-            <a:r>
-              <a:rPr lang="en-US" sz="1600" b="0" dirty="0">
-                <a:effectLst/>
-              </a:rPr>
-              <a:t>-Alpha Bio:</a:t>
-            </a:r>
-          </a:p>
-          <a:p>
-            <a:pPr marL="742950" lvl="1" indent="-285750">
-              <a:buFont typeface="Arial" panose="020B0604020202020204" pitchFamily="34" charset="0"/>
-              <a:buChar char="•"/>
-            </a:pPr>
-            <a:r>
-              <a:rPr lang="en-US" sz="1600" dirty="0"/>
-              <a:t>Nature Comm: </a:t>
-            </a:r>
-            <a:r>
-              <a:rPr lang="en-US" sz="1600" dirty="0">
-                <a:hlinkClick r:id="rId6"/>
-              </a:rPr>
-              <a:t>http://biorxiv.org/lookup/doi/10.1101/2022.10.07.502662</a:t>
-            </a:r>
-            <a:endParaRPr lang="en-US" sz="1600" dirty="0"/>
-          </a:p>
-          <a:p>
-            <a:pPr marL="742950" lvl="1" indent="-285750">
-              <a:buFont typeface="Arial" panose="020B0604020202020204" pitchFamily="34" charset="0"/>
-              <a:buChar char="•"/>
-            </a:pPr>
-            <a:r>
-              <a:rPr lang="en-US" sz="1600" dirty="0"/>
-              <a:t>Nature: </a:t>
-            </a:r>
-            <a:r>
-              <a:rPr lang="en-US" sz="1600" dirty="0">
-                <a:hlinkClick r:id="rId7"/>
-              </a:rPr>
-              <a:t>https://www.nature.com/articles/s41597-022-01779-4</a:t>
-            </a:r>
-            <a:endParaRPr lang="en-US" sz="1600" dirty="0"/>
-          </a:p>
-          <a:p>
-            <a:pPr marL="742950" lvl="1" indent="-285750">
-              <a:buFont typeface="Arial" panose="020B0604020202020204" pitchFamily="34" charset="0"/>
-              <a:buChar char="•"/>
-            </a:pPr>
-            <a:r>
-              <a:rPr lang="en-US" sz="1600" dirty="0" err="1"/>
-              <a:t>scFv</a:t>
-            </a:r>
-            <a:r>
-              <a:rPr lang="en-US" sz="1600" dirty="0"/>
-              <a:t> Datasets: </a:t>
-            </a:r>
-            <a:r>
-              <a:rPr lang="en-US" sz="1600" dirty="0">
-                <a:hlinkClick r:id="rId8"/>
-              </a:rPr>
-              <a:t>https://github.com/mit-ll/AlphaSeq_Antibody_Dataset.git</a:t>
-            </a:r>
-            <a:endParaRPr lang="en-US" sz="1600" b="0" dirty="0">
-              <a:effectLst/>
-            </a:endParaRPr>
-          </a:p>
-          <a:p>
-            <a:pPr marL="742950" lvl="1" indent="-285750">
-              <a:buFont typeface="Arial" panose="020B0604020202020204" pitchFamily="34" charset="0"/>
-              <a:buChar char="•"/>
-            </a:pPr>
-            <a:endParaRPr lang="en-US" sz="1600" dirty="0"/>
-          </a:p>
-          <a:p>
-            <a:pPr marL="285750" indent="-285750">
-              <a:buFont typeface="Arial" panose="020B0604020202020204" pitchFamily="34" charset="0"/>
-              <a:buChar char="•"/>
-            </a:pPr>
-            <a:r>
-              <a:rPr lang="en-US" sz="1600" b="0" dirty="0">
-                <a:effectLst/>
-              </a:rPr>
-              <a:t>Observed Antibody Space :  </a:t>
-            </a:r>
-          </a:p>
-          <a:p>
-            <a:pPr marL="742950" lvl="1" indent="-285750">
-              <a:buFont typeface="Arial" panose="020B0604020202020204" pitchFamily="34" charset="0"/>
-              <a:buChar char="•"/>
-            </a:pPr>
-            <a:r>
-              <a:rPr lang="en-US" sz="1600" b="0" dirty="0">
-                <a:effectLst/>
-                <a:hlinkClick r:id="rId9"/>
-              </a:rPr>
-              <a:t>https://doi.org/10.4049/jimmunol.1800708</a:t>
-            </a:r>
-            <a:endParaRPr lang="en-US" sz="1600" b="0" dirty="0">
-              <a:effectLst/>
-            </a:endParaRPr>
-          </a:p>
-          <a:p>
-            <a:pPr marL="742950" lvl="1" indent="-285750">
-              <a:buFont typeface="Arial" panose="020B0604020202020204" pitchFamily="34" charset="0"/>
-              <a:buChar char="•"/>
-            </a:pPr>
-            <a:r>
-              <a:rPr lang="en-US" sz="1600" b="0" dirty="0">
-                <a:effectLst/>
-                <a:hlinkClick r:id="rId10"/>
-              </a:rPr>
-              <a:t>https://opig.stats.ox.ac.uk/webapps/oas/</a:t>
-            </a:r>
-            <a:endParaRPr lang="en-US" sz="1600" b="0" dirty="0">
-              <a:effectLst/>
-            </a:endParaRPr>
-          </a:p>
-          <a:p>
-            <a:pPr marL="742950" lvl="1" indent="-285750">
-              <a:buFont typeface="Arial" panose="020B0604020202020204" pitchFamily="34" charset="0"/>
-              <a:buChar char="•"/>
-            </a:pPr>
-            <a:endParaRPr lang="en-US" sz="1600" dirty="0"/>
-          </a:p>
-          <a:p>
-            <a:pPr marL="285750" indent="-285750">
-              <a:buFont typeface="Arial" panose="020B0604020202020204" pitchFamily="34" charset="0"/>
-              <a:buChar char="•"/>
-            </a:pPr>
-            <a:r>
-              <a:rPr lang="en-US" sz="1600" dirty="0"/>
-              <a:t>My </a:t>
-            </a:r>
-            <a:r>
-              <a:rPr lang="en-US" sz="1600" dirty="0" err="1"/>
-              <a:t>Github</a:t>
-            </a:r>
-            <a:r>
-              <a:rPr lang="en-US" sz="1600" dirty="0"/>
-              <a:t> repo for this homework’s code:</a:t>
-            </a:r>
-            <a:r>
-              <a:rPr lang="en-US" sz="1600" dirty="0">
-                <a:solidFill>
-                  <a:srgbClr val="FF0000"/>
-                </a:solidFill>
-              </a:rPr>
-              <a:t> </a:t>
-            </a:r>
-            <a:r>
-              <a:rPr lang="en-US" sz="1600" dirty="0">
-                <a:hlinkClick r:id="rId11"/>
-              </a:rPr>
-              <a:t>https://github.com/planaria158/BERT.git</a:t>
-            </a:r>
-            <a:endParaRPr lang="en-US" sz="1600" dirty="0"/>
-          </a:p>
-          <a:p>
-            <a:pPr marL="285750" indent="-285750">
-              <a:buFont typeface="Arial" panose="020B0604020202020204" pitchFamily="34" charset="0"/>
-              <a:buChar char="•"/>
-            </a:pPr>
-            <a:endParaRPr lang="en-US" sz="1600" dirty="0"/>
-          </a:p>
-        </p:txBody>
-      </p:sp>
-      <p:sp>
-        <p:nvSpPr>
-          <p:cNvPr id="5" name="TextBox 4">
-            <a:extLst>
-              <a:ext uri="{FF2B5EF4-FFF2-40B4-BE49-F238E27FC236}">
-                <a16:creationId xmlns:a16="http://schemas.microsoft.com/office/drawing/2014/main" id="{00DEACF3-1DAE-F38C-6985-089A5766A04C}"/>
-              </a:ext>
-            </a:extLst>
-          </p:cNvPr>
-          <p:cNvSpPr txBox="1"/>
-          <p:nvPr/>
-        </p:nvSpPr>
-        <p:spPr>
-          <a:xfrm>
-            <a:off x="140127" y="679781"/>
-            <a:ext cx="9941248" cy="307777"/>
-          </a:xfrm>
-          <a:prstGeom prst="rect">
-            <a:avLst/>
-          </a:prstGeom>
-          <a:noFill/>
-        </p:spPr>
-        <p:txBody>
-          <a:bodyPr wrap="none" rtlCol="0">
-            <a:spAutoFit/>
-          </a:bodyPr>
-          <a:lstStyle/>
-          <a:p>
-            <a:r>
-              <a:rPr lang="en-US" sz="1400" dirty="0"/>
-              <a:t>Note: I did most of the BERT coding/testing in the 2 weeks before my call with Adrian (i.e. before getting the homework problem)</a:t>
-            </a:r>
-          </a:p>
-        </p:txBody>
-      </p:sp>
-    </p:spTree>
-    <p:extLst>
-      <p:ext uri="{BB962C8B-B14F-4D97-AF65-F5344CB8AC3E}">
-        <p14:creationId xmlns:p14="http://schemas.microsoft.com/office/powerpoint/2010/main" val="1592508389"/>
       </p:ext>
     </p:extLst>
   </p:cSld>
@@ -8720,6 +8157,429 @@
       </p:grpSpPr>
       <p:sp>
         <p:nvSpPr>
+          <p:cNvPr id="2" name="TextBox 1">
+            <a:extLst>
+              <a:ext uri="{FF2B5EF4-FFF2-40B4-BE49-F238E27FC236}">
+                <a16:creationId xmlns:a16="http://schemas.microsoft.com/office/drawing/2014/main" id="{A6B8D544-62FB-BED5-1F3D-8DE1F9A51DC3}"/>
+              </a:ext>
+            </a:extLst>
+          </p:cNvPr>
+          <p:cNvSpPr txBox="1"/>
+          <p:nvPr/>
+        </p:nvSpPr>
+        <p:spPr>
+          <a:xfrm>
+            <a:off x="140127" y="221836"/>
+            <a:ext cx="6376297" cy="461665"/>
+          </a:xfrm>
+          <a:prstGeom prst="rect">
+            <a:avLst/>
+          </a:prstGeom>
+          <a:noFill/>
+        </p:spPr>
+        <p:txBody>
+          <a:bodyPr wrap="none" rtlCol="0">
+            <a:spAutoFit/>
+          </a:bodyPr>
+          <a:lstStyle/>
+          <a:p>
+            <a:r>
+              <a:rPr lang="en-US" sz="2400" dirty="0"/>
+              <a:t>BERT Stuff:   Relevant literature, code, and data</a:t>
+            </a:r>
+          </a:p>
+        </p:txBody>
+      </p:sp>
+      <p:sp>
+        <p:nvSpPr>
+          <p:cNvPr id="3" name="TextBox 2">
+            <a:extLst>
+              <a:ext uri="{FF2B5EF4-FFF2-40B4-BE49-F238E27FC236}">
+                <a16:creationId xmlns:a16="http://schemas.microsoft.com/office/drawing/2014/main" id="{9750003C-8501-0DA4-F28D-311FF3F150A4}"/>
+              </a:ext>
+            </a:extLst>
+          </p:cNvPr>
+          <p:cNvSpPr txBox="1"/>
+          <p:nvPr/>
+        </p:nvSpPr>
+        <p:spPr>
+          <a:xfrm>
+            <a:off x="765387" y="1291616"/>
+            <a:ext cx="9574610" cy="5016758"/>
+          </a:xfrm>
+          <a:prstGeom prst="rect">
+            <a:avLst/>
+          </a:prstGeom>
+          <a:noFill/>
+        </p:spPr>
+        <p:txBody>
+          <a:bodyPr wrap="square" rtlCol="0">
+            <a:spAutoFit/>
+          </a:bodyPr>
+          <a:lstStyle/>
+          <a:p>
+            <a:pPr marL="285750" indent="-285750">
+              <a:buFont typeface="Arial" panose="020B0604020202020204" pitchFamily="34" charset="0"/>
+              <a:buChar char="•"/>
+            </a:pPr>
+            <a:r>
+              <a:rPr lang="en-US" sz="1600" dirty="0"/>
+              <a:t>BERT : </a:t>
+            </a:r>
+            <a:r>
+              <a:rPr lang="en-US" sz="1600" dirty="0">
+                <a:hlinkClick r:id="rId2"/>
+              </a:rPr>
+              <a:t>https://aclanthology.org/N19-1423.pdf</a:t>
+            </a:r>
+            <a:endParaRPr lang="en-US" sz="1600" dirty="0"/>
+          </a:p>
+          <a:p>
+            <a:pPr marL="285750" indent="-285750">
+              <a:buFont typeface="Arial" panose="020B0604020202020204" pitchFamily="34" charset="0"/>
+              <a:buChar char="•"/>
+            </a:pPr>
+            <a:endParaRPr lang="en-US" sz="1600" dirty="0"/>
+          </a:p>
+          <a:p>
+            <a:pPr marL="285750" indent="-285750">
+              <a:buFont typeface="Arial" panose="020B0604020202020204" pitchFamily="34" charset="0"/>
+              <a:buChar char="•"/>
+            </a:pPr>
+            <a:r>
+              <a:rPr lang="en-US" sz="1600" dirty="0" err="1"/>
+              <a:t>ProteinBERT</a:t>
+            </a:r>
+            <a:r>
+              <a:rPr lang="en-US" sz="1600" dirty="0"/>
+              <a:t> : </a:t>
+            </a:r>
+            <a:r>
+              <a:rPr lang="en-US" sz="1600" dirty="0">
+                <a:hlinkClick r:id="rId3"/>
+              </a:rPr>
+              <a:t>https://doi.org/10.1093/bioinformatics/btac020</a:t>
+            </a:r>
+            <a:endParaRPr lang="en-US" sz="1600" dirty="0"/>
+          </a:p>
+          <a:p>
+            <a:endParaRPr lang="en-US" sz="1600" dirty="0"/>
+          </a:p>
+          <a:p>
+            <a:pPr marL="285750" indent="-285750">
+              <a:buFont typeface="Arial" panose="020B0604020202020204" pitchFamily="34" charset="0"/>
+              <a:buChar char="•"/>
+            </a:pPr>
+            <a:r>
+              <a:rPr lang="en-US" sz="1600" dirty="0"/>
+              <a:t>Code partially taken from:</a:t>
+            </a:r>
+          </a:p>
+          <a:p>
+            <a:pPr marL="742950" lvl="1" indent="-285750">
+              <a:buFont typeface="Arial" panose="020B0604020202020204" pitchFamily="34" charset="0"/>
+              <a:buChar char="•"/>
+            </a:pPr>
+            <a:r>
+              <a:rPr lang="en-US" sz="1600" dirty="0"/>
+              <a:t>Barney Hill : </a:t>
+            </a:r>
+            <a:r>
+              <a:rPr lang="en-US" sz="1600" b="0" dirty="0">
+                <a:effectLst/>
+                <a:hlinkClick r:id="rId4"/>
+              </a:rPr>
+              <a:t>https://github.com/barneyhill/minBERT</a:t>
+            </a:r>
+            <a:endParaRPr lang="en-US" sz="1600" b="0" dirty="0">
+              <a:effectLst/>
+            </a:endParaRPr>
+          </a:p>
+          <a:p>
+            <a:pPr marL="742950" lvl="1" indent="-285750">
+              <a:buFont typeface="Arial" panose="020B0604020202020204" pitchFamily="34" charset="0"/>
+              <a:buChar char="•"/>
+            </a:pPr>
+            <a:r>
+              <a:rPr lang="en-US" sz="1600" dirty="0"/>
+              <a:t>Andrej </a:t>
+            </a:r>
+            <a:r>
+              <a:rPr lang="en-US" sz="1600" dirty="0" err="1"/>
+              <a:t>Karpathy</a:t>
+            </a:r>
+            <a:r>
+              <a:rPr lang="en-US" sz="1600" dirty="0"/>
+              <a:t>: </a:t>
+            </a:r>
+            <a:r>
+              <a:rPr lang="en-US" sz="1600" b="0" dirty="0">
+                <a:effectLst/>
+                <a:hlinkClick r:id="rId5"/>
+              </a:rPr>
+              <a:t>https://github.com/karpathy/minGPT</a:t>
+            </a:r>
+            <a:endParaRPr lang="en-US" sz="1600" b="0" dirty="0">
+              <a:effectLst/>
+            </a:endParaRPr>
+          </a:p>
+          <a:p>
+            <a:pPr marL="742950" lvl="1" indent="-285750">
+              <a:buFont typeface="Arial" panose="020B0604020202020204" pitchFamily="34" charset="0"/>
+              <a:buChar char="•"/>
+            </a:pPr>
+            <a:r>
+              <a:rPr lang="en-US" sz="1600" dirty="0"/>
+              <a:t>my Table Transformer code (from real-estate automated valuation model development)</a:t>
+            </a:r>
+          </a:p>
+          <a:p>
+            <a:pPr marL="742950" lvl="1" indent="-285750">
+              <a:buFont typeface="Arial" panose="020B0604020202020204" pitchFamily="34" charset="0"/>
+              <a:buChar char="•"/>
+            </a:pPr>
+            <a:endParaRPr lang="en-US" sz="1600" dirty="0"/>
+          </a:p>
+          <a:p>
+            <a:pPr marL="285750" indent="-285750">
+              <a:buFont typeface="Arial" panose="020B0604020202020204" pitchFamily="34" charset="0"/>
+              <a:buChar char="•"/>
+            </a:pPr>
+            <a:r>
+              <a:rPr lang="en-US" sz="1600" dirty="0"/>
+              <a:t>A</a:t>
+            </a:r>
+            <a:r>
+              <a:rPr lang="en-US" sz="1600" b="0" dirty="0">
+                <a:effectLst/>
+              </a:rPr>
+              <a:t>-Alpha Bio:</a:t>
+            </a:r>
+          </a:p>
+          <a:p>
+            <a:pPr marL="742950" lvl="1" indent="-285750">
+              <a:buFont typeface="Arial" panose="020B0604020202020204" pitchFamily="34" charset="0"/>
+              <a:buChar char="•"/>
+            </a:pPr>
+            <a:r>
+              <a:rPr lang="en-US" sz="1600" dirty="0"/>
+              <a:t>Nature Comm: </a:t>
+            </a:r>
+            <a:r>
+              <a:rPr lang="en-US" sz="1600" dirty="0">
+                <a:hlinkClick r:id="rId6"/>
+              </a:rPr>
+              <a:t>http://biorxiv.org/lookup/doi/10.1101/2022.10.07.502662</a:t>
+            </a:r>
+            <a:endParaRPr lang="en-US" sz="1600" dirty="0"/>
+          </a:p>
+          <a:p>
+            <a:pPr marL="742950" lvl="1" indent="-285750">
+              <a:buFont typeface="Arial" panose="020B0604020202020204" pitchFamily="34" charset="0"/>
+              <a:buChar char="•"/>
+            </a:pPr>
+            <a:r>
+              <a:rPr lang="en-US" sz="1600" dirty="0"/>
+              <a:t>Nature: </a:t>
+            </a:r>
+            <a:r>
+              <a:rPr lang="en-US" sz="1600" dirty="0">
+                <a:hlinkClick r:id="rId7"/>
+              </a:rPr>
+              <a:t>https://www.nature.com/articles/s41597-022-01779-4</a:t>
+            </a:r>
+            <a:endParaRPr lang="en-US" sz="1600" dirty="0"/>
+          </a:p>
+          <a:p>
+            <a:pPr marL="742950" lvl="1" indent="-285750">
+              <a:buFont typeface="Arial" panose="020B0604020202020204" pitchFamily="34" charset="0"/>
+              <a:buChar char="•"/>
+            </a:pPr>
+            <a:r>
+              <a:rPr lang="en-US" sz="1600" dirty="0" err="1"/>
+              <a:t>scFv</a:t>
+            </a:r>
+            <a:r>
+              <a:rPr lang="en-US" sz="1600" dirty="0"/>
+              <a:t> Datasets: </a:t>
+            </a:r>
+            <a:r>
+              <a:rPr lang="en-US" sz="1600" dirty="0">
+                <a:hlinkClick r:id="rId8"/>
+              </a:rPr>
+              <a:t>https://github.com/mit-ll/AlphaSeq_Antibody_Dataset.git</a:t>
+            </a:r>
+            <a:endParaRPr lang="en-US" sz="1600" b="0" dirty="0">
+              <a:effectLst/>
+            </a:endParaRPr>
+          </a:p>
+          <a:p>
+            <a:pPr marL="742950" lvl="1" indent="-285750">
+              <a:buFont typeface="Arial" panose="020B0604020202020204" pitchFamily="34" charset="0"/>
+              <a:buChar char="•"/>
+            </a:pPr>
+            <a:endParaRPr lang="en-US" sz="1600" dirty="0"/>
+          </a:p>
+          <a:p>
+            <a:pPr marL="285750" indent="-285750">
+              <a:buFont typeface="Arial" panose="020B0604020202020204" pitchFamily="34" charset="0"/>
+              <a:buChar char="•"/>
+            </a:pPr>
+            <a:r>
+              <a:rPr lang="en-US" sz="1600" b="0" dirty="0">
+                <a:effectLst/>
+              </a:rPr>
+              <a:t>Observed Antibody Space :  </a:t>
+            </a:r>
+          </a:p>
+          <a:p>
+            <a:pPr marL="742950" lvl="1" indent="-285750">
+              <a:buFont typeface="Arial" panose="020B0604020202020204" pitchFamily="34" charset="0"/>
+              <a:buChar char="•"/>
+            </a:pPr>
+            <a:r>
+              <a:rPr lang="en-US" sz="1600" b="0" dirty="0">
+                <a:effectLst/>
+                <a:hlinkClick r:id="rId9"/>
+              </a:rPr>
+              <a:t>https://doi.org/10.4049/jimmunol.1800708</a:t>
+            </a:r>
+            <a:endParaRPr lang="en-US" sz="1600" b="0" dirty="0">
+              <a:effectLst/>
+            </a:endParaRPr>
+          </a:p>
+          <a:p>
+            <a:pPr marL="742950" lvl="1" indent="-285750">
+              <a:buFont typeface="Arial" panose="020B0604020202020204" pitchFamily="34" charset="0"/>
+              <a:buChar char="•"/>
+            </a:pPr>
+            <a:r>
+              <a:rPr lang="en-US" sz="1600" b="0" dirty="0">
+                <a:effectLst/>
+                <a:hlinkClick r:id="rId10"/>
+              </a:rPr>
+              <a:t>https://opig.stats.ox.ac.uk/webapps/oas/</a:t>
+            </a:r>
+            <a:endParaRPr lang="en-US" sz="1600" b="0" dirty="0">
+              <a:effectLst/>
+            </a:endParaRPr>
+          </a:p>
+          <a:p>
+            <a:pPr marL="742950" lvl="1" indent="-285750">
+              <a:buFont typeface="Arial" panose="020B0604020202020204" pitchFamily="34" charset="0"/>
+              <a:buChar char="•"/>
+            </a:pPr>
+            <a:endParaRPr lang="en-US" sz="1600" dirty="0"/>
+          </a:p>
+          <a:p>
+            <a:pPr marL="285750" indent="-285750">
+              <a:buFont typeface="Arial" panose="020B0604020202020204" pitchFamily="34" charset="0"/>
+              <a:buChar char="•"/>
+            </a:pPr>
+            <a:r>
+              <a:rPr lang="en-US" sz="1600" dirty="0"/>
+              <a:t>My </a:t>
+            </a:r>
+            <a:r>
+              <a:rPr lang="en-US" sz="1600" dirty="0" err="1"/>
+              <a:t>Github</a:t>
+            </a:r>
+            <a:r>
+              <a:rPr lang="en-US" sz="1600" dirty="0"/>
+              <a:t> repo for this homework’s code:</a:t>
+            </a:r>
+            <a:r>
+              <a:rPr lang="en-US" sz="1600" dirty="0">
+                <a:solidFill>
+                  <a:srgbClr val="FF0000"/>
+                </a:solidFill>
+              </a:rPr>
+              <a:t> </a:t>
+            </a:r>
+            <a:r>
+              <a:rPr lang="en-US" sz="1600" dirty="0">
+                <a:hlinkClick r:id="rId11"/>
+              </a:rPr>
+              <a:t>https://github.com/planaria158/BERT.git</a:t>
+            </a:r>
+            <a:endParaRPr lang="en-US" sz="1600" dirty="0"/>
+          </a:p>
+          <a:p>
+            <a:pPr marL="285750" indent="-285750">
+              <a:buFont typeface="Arial" panose="020B0604020202020204" pitchFamily="34" charset="0"/>
+              <a:buChar char="•"/>
+            </a:pPr>
+            <a:endParaRPr lang="en-US" sz="1600" dirty="0"/>
+          </a:p>
+        </p:txBody>
+      </p:sp>
+      <p:sp>
+        <p:nvSpPr>
+          <p:cNvPr id="5" name="TextBox 4">
+            <a:extLst>
+              <a:ext uri="{FF2B5EF4-FFF2-40B4-BE49-F238E27FC236}">
+                <a16:creationId xmlns:a16="http://schemas.microsoft.com/office/drawing/2014/main" id="{00DEACF3-1DAE-F38C-6985-089A5766A04C}"/>
+              </a:ext>
+            </a:extLst>
+          </p:cNvPr>
+          <p:cNvSpPr txBox="1"/>
+          <p:nvPr/>
+        </p:nvSpPr>
+        <p:spPr>
+          <a:xfrm>
+            <a:off x="140127" y="679781"/>
+            <a:ext cx="9941248" cy="307777"/>
+          </a:xfrm>
+          <a:prstGeom prst="rect">
+            <a:avLst/>
+          </a:prstGeom>
+          <a:noFill/>
+        </p:spPr>
+        <p:txBody>
+          <a:bodyPr wrap="none" rtlCol="0">
+            <a:spAutoFit/>
+          </a:bodyPr>
+          <a:lstStyle/>
+          <a:p>
+            <a:r>
+              <a:rPr lang="en-US" sz="1400" dirty="0"/>
+              <a:t>Note: I did most of the BERT coding/testing in the 2 weeks before my call with Adrian (i.e. before getting the homework problem)</a:t>
+            </a:r>
+          </a:p>
+        </p:txBody>
+      </p:sp>
+    </p:spTree>
+    <p:extLst>
+      <p:ext uri="{BB962C8B-B14F-4D97-AF65-F5344CB8AC3E}">
+        <p14:creationId xmlns:p14="http://schemas.microsoft.com/office/powerpoint/2010/main" val="1592508389"/>
+      </p:ext>
+    </p:extLst>
+  </p:cSld>
+  <p:clrMapOvr>
+    <a:masterClrMapping/>
+  </p:clrMapOvr>
+</p:sld>
+</file>
+
+<file path=ppt/slides/slide21.xml><?xml version="1.0" encoding="utf-8"?>
+<p:sld xmlns:a="http://schemas.openxmlformats.org/drawingml/2006/main" xmlns:r="http://schemas.openxmlformats.org/officeDocument/2006/relationships" xmlns:p="http://schemas.openxmlformats.org/presentationml/2006/main">
+  <p:cSld>
+    <p:spTree>
+      <p:nvGrpSpPr>
+        <p:cNvPr id="1" name=""/>
+        <p:cNvGrpSpPr/>
+        <p:nvPr/>
+      </p:nvGrpSpPr>
+      <p:grpSpPr>
+        <a:xfrm>
+          <a:off x="0" y="0"/>
+          <a:ext cx="0" cy="0"/>
+          <a:chOff x="0" y="0"/>
+          <a:chExt cx="0" cy="0"/>
+        </a:xfrm>
+      </p:grpSpPr>
+      <p:sp>
+        <p:nvSpPr>
           <p:cNvPr id="3" name="TextBox 2">
             <a:extLst>
               <a:ext uri="{FF2B5EF4-FFF2-40B4-BE49-F238E27FC236}">
@@ -9104,7 +8964,7 @@
 </p:sld>
 </file>
 
-<file path=ppt/slides/slide21.xml><?xml version="1.0" encoding="utf-8"?>
+<file path=ppt/slides/slide22.xml><?xml version="1.0" encoding="utf-8"?>
 <p:sld xmlns:a="http://schemas.openxmlformats.org/drawingml/2006/main" xmlns:r="http://schemas.openxmlformats.org/officeDocument/2006/relationships" xmlns:p="http://schemas.openxmlformats.org/presentationml/2006/main">
   <p:cSld>
     <p:spTree>
@@ -9492,7 +9352,7 @@
 </p:sld>
 </file>
 
-<file path=ppt/slides/slide22.xml><?xml version="1.0" encoding="utf-8"?>
+<file path=ppt/slides/slide23.xml><?xml version="1.0" encoding="utf-8"?>
 <p:sld xmlns:a="http://schemas.openxmlformats.org/drawingml/2006/main" xmlns:r="http://schemas.openxmlformats.org/officeDocument/2006/relationships" xmlns:p="http://schemas.openxmlformats.org/presentationml/2006/main">
   <p:cSld>
     <p:spTree>
@@ -13440,7 +13300,7 @@
 </p:sld>
 </file>
 
-<file path=ppt/slides/slide23.xml><?xml version="1.0" encoding="utf-8"?>
+<file path=ppt/slides/slide24.xml><?xml version="1.0" encoding="utf-8"?>
 <p:sld xmlns:a="http://schemas.openxmlformats.org/drawingml/2006/main" xmlns:r="http://schemas.openxmlformats.org/officeDocument/2006/relationships" xmlns:p="http://schemas.openxmlformats.org/presentationml/2006/main">
   <p:cSld>
     <p:spTree>
@@ -16455,7 +16315,7 @@
 </p:sld>
 </file>
 
-<file path=ppt/slides/slide24.xml><?xml version="1.0" encoding="utf-8"?>
+<file path=ppt/slides/slide25.xml><?xml version="1.0" encoding="utf-8"?>
 <p:sld xmlns:a="http://schemas.openxmlformats.org/drawingml/2006/main" xmlns:r="http://schemas.openxmlformats.org/officeDocument/2006/relationships" xmlns:p="http://schemas.openxmlformats.org/presentationml/2006/main">
   <p:cSld>
     <p:spTree>
@@ -17100,7 +16960,7 @@
 </p:sld>
 </file>
 
-<file path=ppt/slides/slide25.xml><?xml version="1.0" encoding="utf-8"?>
+<file path=ppt/slides/slide26.xml><?xml version="1.0" encoding="utf-8"?>
 <p:sld xmlns:a="http://schemas.openxmlformats.org/drawingml/2006/main" xmlns:r="http://schemas.openxmlformats.org/officeDocument/2006/relationships" xmlns:p="http://schemas.openxmlformats.org/presentationml/2006/main">
   <p:cSld>
     <p:spTree>
@@ -17826,7 +17686,7 @@
 </p:sld>
 </file>
 
-<file path=ppt/slides/slide26.xml><?xml version="1.0" encoding="utf-8"?>
+<file path=ppt/slides/slide27.xml><?xml version="1.0" encoding="utf-8"?>
 <p:sld xmlns:a="http://schemas.openxmlformats.org/drawingml/2006/main" xmlns:r="http://schemas.openxmlformats.org/officeDocument/2006/relationships" xmlns:p="http://schemas.openxmlformats.org/presentationml/2006/main">
   <p:cSld>
     <p:spTree>
@@ -17856,7 +17716,7 @@
 </p:sld>
 </file>
 
-<file path=ppt/slides/slide27.xml><?xml version="1.0" encoding="utf-8"?>
+<file path=ppt/slides/slide28.xml><?xml version="1.0" encoding="utf-8"?>
 <p:sld xmlns:a="http://schemas.openxmlformats.org/drawingml/2006/main" xmlns:r="http://schemas.openxmlformats.org/officeDocument/2006/relationships" xmlns:p="http://schemas.openxmlformats.org/presentationml/2006/main">
   <p:cSld>
     <p:spTree>
@@ -18018,7 +17878,7 @@
 </p:sld>
 </file>
 
-<file path=ppt/slides/slide28.xml><?xml version="1.0" encoding="utf-8"?>
+<file path=ppt/slides/slide29.xml><?xml version="1.0" encoding="utf-8"?>
 <p:sld xmlns:a="http://schemas.openxmlformats.org/drawingml/2006/main" xmlns:r="http://schemas.openxmlformats.org/officeDocument/2006/relationships" xmlns:p="http://schemas.openxmlformats.org/presentationml/2006/main">
   <p:cSld>
     <p:spTree>
@@ -19520,435 +19380,6 @@
 </p:sld>
 </file>
 
-<file path=ppt/slides/slide29.xml><?xml version="1.0" encoding="utf-8"?>
-<p:sld xmlns:a="http://schemas.openxmlformats.org/drawingml/2006/main" xmlns:r="http://schemas.openxmlformats.org/officeDocument/2006/relationships" xmlns:p="http://schemas.openxmlformats.org/presentationml/2006/main">
-  <p:cSld>
-    <p:spTree>
-      <p:nvGrpSpPr>
-        <p:cNvPr id="1" name=""/>
-        <p:cNvGrpSpPr/>
-        <p:nvPr/>
-      </p:nvGrpSpPr>
-      <p:grpSpPr>
-        <a:xfrm>
-          <a:off x="0" y="0"/>
-          <a:ext cx="0" cy="0"/>
-          <a:chOff x="0" y="0"/>
-          <a:chExt cx="0" cy="0"/>
-        </a:xfrm>
-      </p:grpSpPr>
-      <p:sp>
-        <p:nvSpPr>
-          <p:cNvPr id="2" name="TextBox 1">
-            <a:extLst>
-              <a:ext uri="{FF2B5EF4-FFF2-40B4-BE49-F238E27FC236}">
-                <a16:creationId xmlns:a16="http://schemas.microsoft.com/office/drawing/2014/main" id="{EA7BC455-99A1-D435-6CD4-B5AC85612E00}"/>
-              </a:ext>
-            </a:extLst>
-          </p:cNvPr>
-          <p:cNvSpPr txBox="1"/>
-          <p:nvPr/>
-        </p:nvSpPr>
-        <p:spPr>
-          <a:xfrm>
-            <a:off x="114248" y="144344"/>
-            <a:ext cx="6348726" cy="461665"/>
-          </a:xfrm>
-          <a:prstGeom prst="rect">
-            <a:avLst/>
-          </a:prstGeom>
-          <a:noFill/>
-        </p:spPr>
-        <p:txBody>
-          <a:bodyPr wrap="none" rtlCol="0">
-            <a:spAutoFit/>
-          </a:bodyPr>
-          <a:lstStyle/>
-          <a:p>
-            <a:r>
-              <a:rPr lang="en-US" sz="2400" dirty="0"/>
-              <a:t>Plots experiment vs predicted on validation set</a:t>
-            </a:r>
-          </a:p>
-        </p:txBody>
-      </p:sp>
-      <p:pic>
-        <p:nvPicPr>
-          <p:cNvPr id="3" name="Picture 2">
-            <a:extLst>
-              <a:ext uri="{FF2B5EF4-FFF2-40B4-BE49-F238E27FC236}">
-                <a16:creationId xmlns:a16="http://schemas.microsoft.com/office/drawing/2014/main" id="{D5DFF0BE-58F7-92ED-067E-38A1A0449860}"/>
-              </a:ext>
-            </a:extLst>
-          </p:cNvPr>
-          <p:cNvPicPr>
-            <a:picLocks noChangeAspect="1"/>
-          </p:cNvPicPr>
-          <p:nvPr/>
-        </p:nvPicPr>
-        <p:blipFill>
-          <a:blip r:embed="rId2"/>
-          <a:stretch>
-            <a:fillRect/>
-          </a:stretch>
-        </p:blipFill>
-        <p:spPr>
-          <a:xfrm>
-            <a:off x="552189" y="1211173"/>
-            <a:ext cx="2565487" cy="2015106"/>
-          </a:xfrm>
-          <a:prstGeom prst="rect">
-            <a:avLst/>
-          </a:prstGeom>
-        </p:spPr>
-      </p:pic>
-      <p:sp>
-        <p:nvSpPr>
-          <p:cNvPr id="4" name="TextBox 3">
-            <a:extLst>
-              <a:ext uri="{FF2B5EF4-FFF2-40B4-BE49-F238E27FC236}">
-                <a16:creationId xmlns:a16="http://schemas.microsoft.com/office/drawing/2014/main" id="{6505F90B-D32B-7873-D45D-1316E0996FF3}"/>
-              </a:ext>
-            </a:extLst>
-          </p:cNvPr>
-          <p:cNvSpPr txBox="1"/>
-          <p:nvPr/>
-        </p:nvSpPr>
-        <p:spPr>
-          <a:xfrm>
-            <a:off x="1561381" y="3364302"/>
-            <a:ext cx="615874" cy="369332"/>
-          </a:xfrm>
-          <a:prstGeom prst="rect">
-            <a:avLst/>
-          </a:prstGeom>
-          <a:noFill/>
-        </p:spPr>
-        <p:txBody>
-          <a:bodyPr wrap="none" rtlCol="0">
-            <a:spAutoFit/>
-          </a:bodyPr>
-          <a:lstStyle/>
-          <a:p>
-            <a:r>
-              <a:rPr lang="en-US" dirty="0"/>
-              <a:t>MLP</a:t>
-            </a:r>
-          </a:p>
-        </p:txBody>
-      </p:sp>
-      <p:pic>
-        <p:nvPicPr>
-          <p:cNvPr id="5" name="Picture 4">
-            <a:extLst>
-              <a:ext uri="{FF2B5EF4-FFF2-40B4-BE49-F238E27FC236}">
-                <a16:creationId xmlns:a16="http://schemas.microsoft.com/office/drawing/2014/main" id="{3B519764-CF23-0368-3F36-6637387B1FE2}"/>
-              </a:ext>
-            </a:extLst>
-          </p:cNvPr>
-          <p:cNvPicPr>
-            <a:picLocks noChangeAspect="1"/>
-          </p:cNvPicPr>
-          <p:nvPr/>
-        </p:nvPicPr>
-        <p:blipFill>
-          <a:blip r:embed="rId3"/>
-          <a:stretch>
-            <a:fillRect/>
-          </a:stretch>
-        </p:blipFill>
-        <p:spPr>
-          <a:xfrm>
-            <a:off x="3329198" y="1211173"/>
-            <a:ext cx="2565487" cy="2015106"/>
-          </a:xfrm>
-          <a:prstGeom prst="rect">
-            <a:avLst/>
-          </a:prstGeom>
-        </p:spPr>
-      </p:pic>
-      <p:sp>
-        <p:nvSpPr>
-          <p:cNvPr id="6" name="TextBox 5">
-            <a:extLst>
-              <a:ext uri="{FF2B5EF4-FFF2-40B4-BE49-F238E27FC236}">
-                <a16:creationId xmlns:a16="http://schemas.microsoft.com/office/drawing/2014/main" id="{1CC42835-134E-14C3-25AC-A780B097C1E6}"/>
-              </a:ext>
-            </a:extLst>
-          </p:cNvPr>
-          <p:cNvSpPr txBox="1"/>
-          <p:nvPr/>
-        </p:nvSpPr>
-        <p:spPr>
-          <a:xfrm>
-            <a:off x="3985403" y="3364302"/>
-            <a:ext cx="1531188" cy="369332"/>
-          </a:xfrm>
-          <a:prstGeom prst="rect">
-            <a:avLst/>
-          </a:prstGeom>
-          <a:noFill/>
-        </p:spPr>
-        <p:txBody>
-          <a:bodyPr wrap="none" rtlCol="0">
-            <a:spAutoFit/>
-          </a:bodyPr>
-          <a:lstStyle/>
-          <a:p>
-            <a:r>
-              <a:rPr lang="en-US" dirty="0"/>
-              <a:t>Residual MLP</a:t>
-            </a:r>
-          </a:p>
-        </p:txBody>
-      </p:sp>
-      <p:pic>
-        <p:nvPicPr>
-          <p:cNvPr id="7" name="Picture 6">
-            <a:extLst>
-              <a:ext uri="{FF2B5EF4-FFF2-40B4-BE49-F238E27FC236}">
-                <a16:creationId xmlns:a16="http://schemas.microsoft.com/office/drawing/2014/main" id="{0D63183A-F942-FECC-99CF-0E2FF50FA024}"/>
-              </a:ext>
-            </a:extLst>
-          </p:cNvPr>
-          <p:cNvPicPr>
-            <a:picLocks noChangeAspect="1"/>
-          </p:cNvPicPr>
-          <p:nvPr/>
-        </p:nvPicPr>
-        <p:blipFill>
-          <a:blip r:embed="rId4"/>
-          <a:stretch>
-            <a:fillRect/>
-          </a:stretch>
-        </p:blipFill>
-        <p:spPr>
-          <a:xfrm>
-            <a:off x="6106207" y="1211173"/>
-            <a:ext cx="2565487" cy="2015106"/>
-          </a:xfrm>
-          <a:prstGeom prst="rect">
-            <a:avLst/>
-          </a:prstGeom>
-        </p:spPr>
-      </p:pic>
-      <p:sp>
-        <p:nvSpPr>
-          <p:cNvPr id="8" name="TextBox 7">
-            <a:extLst>
-              <a:ext uri="{FF2B5EF4-FFF2-40B4-BE49-F238E27FC236}">
-                <a16:creationId xmlns:a16="http://schemas.microsoft.com/office/drawing/2014/main" id="{E362F41C-52FA-EEBF-8B96-EF60AEEACB96}"/>
-              </a:ext>
-            </a:extLst>
-          </p:cNvPr>
-          <p:cNvSpPr txBox="1"/>
-          <p:nvPr/>
-        </p:nvSpPr>
-        <p:spPr>
-          <a:xfrm>
-            <a:off x="6952891" y="3502325"/>
-            <a:ext cx="1544012" cy="369332"/>
-          </a:xfrm>
-          <a:prstGeom prst="rect">
-            <a:avLst/>
-          </a:prstGeom>
-          <a:noFill/>
-        </p:spPr>
-        <p:txBody>
-          <a:bodyPr wrap="none" rtlCol="0">
-            <a:spAutoFit/>
-          </a:bodyPr>
-          <a:lstStyle/>
-          <a:p>
-            <a:r>
-              <a:rPr lang="en-US" dirty="0"/>
-              <a:t>VIT 1-channel</a:t>
-            </a:r>
-          </a:p>
-        </p:txBody>
-      </p:sp>
-      <p:pic>
-        <p:nvPicPr>
-          <p:cNvPr id="9" name="Picture 8">
-            <a:extLst>
-              <a:ext uri="{FF2B5EF4-FFF2-40B4-BE49-F238E27FC236}">
-                <a16:creationId xmlns:a16="http://schemas.microsoft.com/office/drawing/2014/main" id="{9DCDA1C9-F8C5-67F8-0CC4-55BAF1D3F190}"/>
-              </a:ext>
-            </a:extLst>
-          </p:cNvPr>
-          <p:cNvPicPr>
-            <a:picLocks noChangeAspect="1"/>
-          </p:cNvPicPr>
-          <p:nvPr/>
-        </p:nvPicPr>
-        <p:blipFill>
-          <a:blip r:embed="rId5"/>
-          <a:stretch>
-            <a:fillRect/>
-          </a:stretch>
-        </p:blipFill>
-        <p:spPr>
-          <a:xfrm>
-            <a:off x="8956367" y="1211173"/>
-            <a:ext cx="2565487" cy="2015106"/>
-          </a:xfrm>
-          <a:prstGeom prst="rect">
-            <a:avLst/>
-          </a:prstGeom>
-        </p:spPr>
-      </p:pic>
-      <p:sp>
-        <p:nvSpPr>
-          <p:cNvPr id="10" name="TextBox 9">
-            <a:extLst>
-              <a:ext uri="{FF2B5EF4-FFF2-40B4-BE49-F238E27FC236}">
-                <a16:creationId xmlns:a16="http://schemas.microsoft.com/office/drawing/2014/main" id="{6AB2FD6A-2B76-751B-93E5-F15141C4921F}"/>
-              </a:ext>
-            </a:extLst>
-          </p:cNvPr>
-          <p:cNvSpPr txBox="1"/>
-          <p:nvPr/>
-        </p:nvSpPr>
-        <p:spPr>
-          <a:xfrm>
-            <a:off x="9825487" y="3579962"/>
-            <a:ext cx="1544012" cy="369332"/>
-          </a:xfrm>
-          <a:prstGeom prst="rect">
-            <a:avLst/>
-          </a:prstGeom>
-          <a:noFill/>
-        </p:spPr>
-        <p:txBody>
-          <a:bodyPr wrap="none" rtlCol="0">
-            <a:spAutoFit/>
-          </a:bodyPr>
-          <a:lstStyle/>
-          <a:p>
-            <a:r>
-              <a:rPr lang="en-US" dirty="0"/>
-              <a:t>VIT 3-channel</a:t>
-            </a:r>
-          </a:p>
-        </p:txBody>
-      </p:sp>
-      <p:pic>
-        <p:nvPicPr>
-          <p:cNvPr id="11" name="Picture 10">
-            <a:extLst>
-              <a:ext uri="{FF2B5EF4-FFF2-40B4-BE49-F238E27FC236}">
-                <a16:creationId xmlns:a16="http://schemas.microsoft.com/office/drawing/2014/main" id="{2D11AE27-7F66-BE3D-1C67-560DA1E19BF5}"/>
-              </a:ext>
-            </a:extLst>
-          </p:cNvPr>
-          <p:cNvPicPr>
-            <a:picLocks noChangeAspect="1"/>
-          </p:cNvPicPr>
-          <p:nvPr/>
-        </p:nvPicPr>
-        <p:blipFill>
-          <a:blip r:embed="rId6"/>
-          <a:stretch>
-            <a:fillRect/>
-          </a:stretch>
-        </p:blipFill>
-        <p:spPr>
-          <a:xfrm>
-            <a:off x="586578" y="4078654"/>
-            <a:ext cx="2565487" cy="2015105"/>
-          </a:xfrm>
-          <a:prstGeom prst="rect">
-            <a:avLst/>
-          </a:prstGeom>
-        </p:spPr>
-      </p:pic>
-      <p:sp>
-        <p:nvSpPr>
-          <p:cNvPr id="12" name="TextBox 11">
-            <a:extLst>
-              <a:ext uri="{FF2B5EF4-FFF2-40B4-BE49-F238E27FC236}">
-                <a16:creationId xmlns:a16="http://schemas.microsoft.com/office/drawing/2014/main" id="{15CC5EB0-73AA-63D8-98BC-76E9A6C7C505}"/>
-              </a:ext>
-            </a:extLst>
-          </p:cNvPr>
-          <p:cNvSpPr txBox="1"/>
-          <p:nvPr/>
-        </p:nvSpPr>
-        <p:spPr>
-          <a:xfrm>
-            <a:off x="1177942" y="6167887"/>
-            <a:ext cx="1382751" cy="369332"/>
-          </a:xfrm>
-          <a:prstGeom prst="rect">
-            <a:avLst/>
-          </a:prstGeom>
-          <a:noFill/>
-        </p:spPr>
-        <p:txBody>
-          <a:bodyPr wrap="none" rtlCol="0">
-            <a:spAutoFit/>
-          </a:bodyPr>
-          <a:lstStyle/>
-          <a:p>
-            <a:r>
-              <a:rPr lang="en-US" dirty="0"/>
-              <a:t>Transformer</a:t>
-            </a:r>
-          </a:p>
-        </p:txBody>
-      </p:sp>
-      <p:sp>
-        <p:nvSpPr>
-          <p:cNvPr id="14" name="TextBox 13">
-            <a:extLst>
-              <a:ext uri="{FF2B5EF4-FFF2-40B4-BE49-F238E27FC236}">
-                <a16:creationId xmlns:a16="http://schemas.microsoft.com/office/drawing/2014/main" id="{2478E74C-4B44-428E-755D-55742468244F}"/>
-              </a:ext>
-            </a:extLst>
-          </p:cNvPr>
-          <p:cNvSpPr txBox="1"/>
-          <p:nvPr/>
-        </p:nvSpPr>
-        <p:spPr>
-          <a:xfrm>
-            <a:off x="7605344" y="519152"/>
-            <a:ext cx="1783117" cy="369332"/>
-          </a:xfrm>
-          <a:prstGeom prst="rect">
-            <a:avLst/>
-          </a:prstGeom>
-          <a:noFill/>
-        </p:spPr>
-        <p:txBody>
-          <a:bodyPr wrap="none" rtlCol="0">
-            <a:spAutoFit/>
-          </a:bodyPr>
-          <a:lstStyle/>
-          <a:p>
-            <a:r>
-              <a:rPr lang="en-US" dirty="0">
-                <a:highlight>
-                  <a:srgbClr val="FFFF00"/>
-                </a:highlight>
-              </a:rPr>
-              <a:t>Clean-2 dataset</a:t>
-            </a:r>
-          </a:p>
-        </p:txBody>
-      </p:sp>
-    </p:spTree>
-    <p:extLst>
-      <p:ext uri="{BB962C8B-B14F-4D97-AF65-F5344CB8AC3E}">
-        <p14:creationId xmlns:p14="http://schemas.microsoft.com/office/powerpoint/2010/main" val="662968788"/>
-      </p:ext>
-    </p:extLst>
-  </p:cSld>
-  <p:clrMapOvr>
-    <a:masterClrMapping/>
-  </p:clrMapOvr>
-</p:sld>
-</file>
-
 <file path=ppt/slides/slide3.xml><?xml version="1.0" encoding="utf-8"?>
 <p:sld xmlns:a="http://schemas.openxmlformats.org/drawingml/2006/main" xmlns:r="http://schemas.openxmlformats.org/officeDocument/2006/relationships" xmlns:p="http://schemas.openxmlformats.org/presentationml/2006/main">
   <p:cSld>
@@ -20429,6 +19860,435 @@
           <p:cNvPr id="2" name="TextBox 1">
             <a:extLst>
               <a:ext uri="{FF2B5EF4-FFF2-40B4-BE49-F238E27FC236}">
+                <a16:creationId xmlns:a16="http://schemas.microsoft.com/office/drawing/2014/main" id="{EA7BC455-99A1-D435-6CD4-B5AC85612E00}"/>
+              </a:ext>
+            </a:extLst>
+          </p:cNvPr>
+          <p:cNvSpPr txBox="1"/>
+          <p:nvPr/>
+        </p:nvSpPr>
+        <p:spPr>
+          <a:xfrm>
+            <a:off x="114248" y="144344"/>
+            <a:ext cx="6348726" cy="461665"/>
+          </a:xfrm>
+          <a:prstGeom prst="rect">
+            <a:avLst/>
+          </a:prstGeom>
+          <a:noFill/>
+        </p:spPr>
+        <p:txBody>
+          <a:bodyPr wrap="none" rtlCol="0">
+            <a:spAutoFit/>
+          </a:bodyPr>
+          <a:lstStyle/>
+          <a:p>
+            <a:r>
+              <a:rPr lang="en-US" sz="2400" dirty="0"/>
+              <a:t>Plots experiment vs predicted on validation set</a:t>
+            </a:r>
+          </a:p>
+        </p:txBody>
+      </p:sp>
+      <p:pic>
+        <p:nvPicPr>
+          <p:cNvPr id="3" name="Picture 2">
+            <a:extLst>
+              <a:ext uri="{FF2B5EF4-FFF2-40B4-BE49-F238E27FC236}">
+                <a16:creationId xmlns:a16="http://schemas.microsoft.com/office/drawing/2014/main" id="{D5DFF0BE-58F7-92ED-067E-38A1A0449860}"/>
+              </a:ext>
+            </a:extLst>
+          </p:cNvPr>
+          <p:cNvPicPr>
+            <a:picLocks noChangeAspect="1"/>
+          </p:cNvPicPr>
+          <p:nvPr/>
+        </p:nvPicPr>
+        <p:blipFill>
+          <a:blip r:embed="rId2"/>
+          <a:stretch>
+            <a:fillRect/>
+          </a:stretch>
+        </p:blipFill>
+        <p:spPr>
+          <a:xfrm>
+            <a:off x="552189" y="1211173"/>
+            <a:ext cx="2565487" cy="2015106"/>
+          </a:xfrm>
+          <a:prstGeom prst="rect">
+            <a:avLst/>
+          </a:prstGeom>
+        </p:spPr>
+      </p:pic>
+      <p:sp>
+        <p:nvSpPr>
+          <p:cNvPr id="4" name="TextBox 3">
+            <a:extLst>
+              <a:ext uri="{FF2B5EF4-FFF2-40B4-BE49-F238E27FC236}">
+                <a16:creationId xmlns:a16="http://schemas.microsoft.com/office/drawing/2014/main" id="{6505F90B-D32B-7873-D45D-1316E0996FF3}"/>
+              </a:ext>
+            </a:extLst>
+          </p:cNvPr>
+          <p:cNvSpPr txBox="1"/>
+          <p:nvPr/>
+        </p:nvSpPr>
+        <p:spPr>
+          <a:xfrm>
+            <a:off x="1561381" y="3364302"/>
+            <a:ext cx="615874" cy="369332"/>
+          </a:xfrm>
+          <a:prstGeom prst="rect">
+            <a:avLst/>
+          </a:prstGeom>
+          <a:noFill/>
+        </p:spPr>
+        <p:txBody>
+          <a:bodyPr wrap="none" rtlCol="0">
+            <a:spAutoFit/>
+          </a:bodyPr>
+          <a:lstStyle/>
+          <a:p>
+            <a:r>
+              <a:rPr lang="en-US" dirty="0"/>
+              <a:t>MLP</a:t>
+            </a:r>
+          </a:p>
+        </p:txBody>
+      </p:sp>
+      <p:pic>
+        <p:nvPicPr>
+          <p:cNvPr id="5" name="Picture 4">
+            <a:extLst>
+              <a:ext uri="{FF2B5EF4-FFF2-40B4-BE49-F238E27FC236}">
+                <a16:creationId xmlns:a16="http://schemas.microsoft.com/office/drawing/2014/main" id="{3B519764-CF23-0368-3F36-6637387B1FE2}"/>
+              </a:ext>
+            </a:extLst>
+          </p:cNvPr>
+          <p:cNvPicPr>
+            <a:picLocks noChangeAspect="1"/>
+          </p:cNvPicPr>
+          <p:nvPr/>
+        </p:nvPicPr>
+        <p:blipFill>
+          <a:blip r:embed="rId3"/>
+          <a:stretch>
+            <a:fillRect/>
+          </a:stretch>
+        </p:blipFill>
+        <p:spPr>
+          <a:xfrm>
+            <a:off x="3329198" y="1211173"/>
+            <a:ext cx="2565487" cy="2015106"/>
+          </a:xfrm>
+          <a:prstGeom prst="rect">
+            <a:avLst/>
+          </a:prstGeom>
+        </p:spPr>
+      </p:pic>
+      <p:sp>
+        <p:nvSpPr>
+          <p:cNvPr id="6" name="TextBox 5">
+            <a:extLst>
+              <a:ext uri="{FF2B5EF4-FFF2-40B4-BE49-F238E27FC236}">
+                <a16:creationId xmlns:a16="http://schemas.microsoft.com/office/drawing/2014/main" id="{1CC42835-134E-14C3-25AC-A780B097C1E6}"/>
+              </a:ext>
+            </a:extLst>
+          </p:cNvPr>
+          <p:cNvSpPr txBox="1"/>
+          <p:nvPr/>
+        </p:nvSpPr>
+        <p:spPr>
+          <a:xfrm>
+            <a:off x="3985403" y="3364302"/>
+            <a:ext cx="1531188" cy="369332"/>
+          </a:xfrm>
+          <a:prstGeom prst="rect">
+            <a:avLst/>
+          </a:prstGeom>
+          <a:noFill/>
+        </p:spPr>
+        <p:txBody>
+          <a:bodyPr wrap="none" rtlCol="0">
+            <a:spAutoFit/>
+          </a:bodyPr>
+          <a:lstStyle/>
+          <a:p>
+            <a:r>
+              <a:rPr lang="en-US" dirty="0"/>
+              <a:t>Residual MLP</a:t>
+            </a:r>
+          </a:p>
+        </p:txBody>
+      </p:sp>
+      <p:pic>
+        <p:nvPicPr>
+          <p:cNvPr id="7" name="Picture 6">
+            <a:extLst>
+              <a:ext uri="{FF2B5EF4-FFF2-40B4-BE49-F238E27FC236}">
+                <a16:creationId xmlns:a16="http://schemas.microsoft.com/office/drawing/2014/main" id="{0D63183A-F942-FECC-99CF-0E2FF50FA024}"/>
+              </a:ext>
+            </a:extLst>
+          </p:cNvPr>
+          <p:cNvPicPr>
+            <a:picLocks noChangeAspect="1"/>
+          </p:cNvPicPr>
+          <p:nvPr/>
+        </p:nvPicPr>
+        <p:blipFill>
+          <a:blip r:embed="rId4"/>
+          <a:stretch>
+            <a:fillRect/>
+          </a:stretch>
+        </p:blipFill>
+        <p:spPr>
+          <a:xfrm>
+            <a:off x="6106207" y="1211173"/>
+            <a:ext cx="2565487" cy="2015106"/>
+          </a:xfrm>
+          <a:prstGeom prst="rect">
+            <a:avLst/>
+          </a:prstGeom>
+        </p:spPr>
+      </p:pic>
+      <p:sp>
+        <p:nvSpPr>
+          <p:cNvPr id="8" name="TextBox 7">
+            <a:extLst>
+              <a:ext uri="{FF2B5EF4-FFF2-40B4-BE49-F238E27FC236}">
+                <a16:creationId xmlns:a16="http://schemas.microsoft.com/office/drawing/2014/main" id="{E362F41C-52FA-EEBF-8B96-EF60AEEACB96}"/>
+              </a:ext>
+            </a:extLst>
+          </p:cNvPr>
+          <p:cNvSpPr txBox="1"/>
+          <p:nvPr/>
+        </p:nvSpPr>
+        <p:spPr>
+          <a:xfrm>
+            <a:off x="6952891" y="3502325"/>
+            <a:ext cx="1544012" cy="369332"/>
+          </a:xfrm>
+          <a:prstGeom prst="rect">
+            <a:avLst/>
+          </a:prstGeom>
+          <a:noFill/>
+        </p:spPr>
+        <p:txBody>
+          <a:bodyPr wrap="none" rtlCol="0">
+            <a:spAutoFit/>
+          </a:bodyPr>
+          <a:lstStyle/>
+          <a:p>
+            <a:r>
+              <a:rPr lang="en-US" dirty="0"/>
+              <a:t>VIT 1-channel</a:t>
+            </a:r>
+          </a:p>
+        </p:txBody>
+      </p:sp>
+      <p:pic>
+        <p:nvPicPr>
+          <p:cNvPr id="9" name="Picture 8">
+            <a:extLst>
+              <a:ext uri="{FF2B5EF4-FFF2-40B4-BE49-F238E27FC236}">
+                <a16:creationId xmlns:a16="http://schemas.microsoft.com/office/drawing/2014/main" id="{9DCDA1C9-F8C5-67F8-0CC4-55BAF1D3F190}"/>
+              </a:ext>
+            </a:extLst>
+          </p:cNvPr>
+          <p:cNvPicPr>
+            <a:picLocks noChangeAspect="1"/>
+          </p:cNvPicPr>
+          <p:nvPr/>
+        </p:nvPicPr>
+        <p:blipFill>
+          <a:blip r:embed="rId5"/>
+          <a:stretch>
+            <a:fillRect/>
+          </a:stretch>
+        </p:blipFill>
+        <p:spPr>
+          <a:xfrm>
+            <a:off x="8956367" y="1211173"/>
+            <a:ext cx="2565487" cy="2015106"/>
+          </a:xfrm>
+          <a:prstGeom prst="rect">
+            <a:avLst/>
+          </a:prstGeom>
+        </p:spPr>
+      </p:pic>
+      <p:sp>
+        <p:nvSpPr>
+          <p:cNvPr id="10" name="TextBox 9">
+            <a:extLst>
+              <a:ext uri="{FF2B5EF4-FFF2-40B4-BE49-F238E27FC236}">
+                <a16:creationId xmlns:a16="http://schemas.microsoft.com/office/drawing/2014/main" id="{6AB2FD6A-2B76-751B-93E5-F15141C4921F}"/>
+              </a:ext>
+            </a:extLst>
+          </p:cNvPr>
+          <p:cNvSpPr txBox="1"/>
+          <p:nvPr/>
+        </p:nvSpPr>
+        <p:spPr>
+          <a:xfrm>
+            <a:off x="9825487" y="3579962"/>
+            <a:ext cx="1544012" cy="369332"/>
+          </a:xfrm>
+          <a:prstGeom prst="rect">
+            <a:avLst/>
+          </a:prstGeom>
+          <a:noFill/>
+        </p:spPr>
+        <p:txBody>
+          <a:bodyPr wrap="none" rtlCol="0">
+            <a:spAutoFit/>
+          </a:bodyPr>
+          <a:lstStyle/>
+          <a:p>
+            <a:r>
+              <a:rPr lang="en-US" dirty="0"/>
+              <a:t>VIT 3-channel</a:t>
+            </a:r>
+          </a:p>
+        </p:txBody>
+      </p:sp>
+      <p:pic>
+        <p:nvPicPr>
+          <p:cNvPr id="11" name="Picture 10">
+            <a:extLst>
+              <a:ext uri="{FF2B5EF4-FFF2-40B4-BE49-F238E27FC236}">
+                <a16:creationId xmlns:a16="http://schemas.microsoft.com/office/drawing/2014/main" id="{2D11AE27-7F66-BE3D-1C67-560DA1E19BF5}"/>
+              </a:ext>
+            </a:extLst>
+          </p:cNvPr>
+          <p:cNvPicPr>
+            <a:picLocks noChangeAspect="1"/>
+          </p:cNvPicPr>
+          <p:nvPr/>
+        </p:nvPicPr>
+        <p:blipFill>
+          <a:blip r:embed="rId6"/>
+          <a:stretch>
+            <a:fillRect/>
+          </a:stretch>
+        </p:blipFill>
+        <p:spPr>
+          <a:xfrm>
+            <a:off x="586578" y="4078654"/>
+            <a:ext cx="2565487" cy="2015105"/>
+          </a:xfrm>
+          <a:prstGeom prst="rect">
+            <a:avLst/>
+          </a:prstGeom>
+        </p:spPr>
+      </p:pic>
+      <p:sp>
+        <p:nvSpPr>
+          <p:cNvPr id="12" name="TextBox 11">
+            <a:extLst>
+              <a:ext uri="{FF2B5EF4-FFF2-40B4-BE49-F238E27FC236}">
+                <a16:creationId xmlns:a16="http://schemas.microsoft.com/office/drawing/2014/main" id="{15CC5EB0-73AA-63D8-98BC-76E9A6C7C505}"/>
+              </a:ext>
+            </a:extLst>
+          </p:cNvPr>
+          <p:cNvSpPr txBox="1"/>
+          <p:nvPr/>
+        </p:nvSpPr>
+        <p:spPr>
+          <a:xfrm>
+            <a:off x="1177942" y="6167887"/>
+            <a:ext cx="1382751" cy="369332"/>
+          </a:xfrm>
+          <a:prstGeom prst="rect">
+            <a:avLst/>
+          </a:prstGeom>
+          <a:noFill/>
+        </p:spPr>
+        <p:txBody>
+          <a:bodyPr wrap="none" rtlCol="0">
+            <a:spAutoFit/>
+          </a:bodyPr>
+          <a:lstStyle/>
+          <a:p>
+            <a:r>
+              <a:rPr lang="en-US" dirty="0"/>
+              <a:t>Transformer</a:t>
+            </a:r>
+          </a:p>
+        </p:txBody>
+      </p:sp>
+      <p:sp>
+        <p:nvSpPr>
+          <p:cNvPr id="14" name="TextBox 13">
+            <a:extLst>
+              <a:ext uri="{FF2B5EF4-FFF2-40B4-BE49-F238E27FC236}">
+                <a16:creationId xmlns:a16="http://schemas.microsoft.com/office/drawing/2014/main" id="{2478E74C-4B44-428E-755D-55742468244F}"/>
+              </a:ext>
+            </a:extLst>
+          </p:cNvPr>
+          <p:cNvSpPr txBox="1"/>
+          <p:nvPr/>
+        </p:nvSpPr>
+        <p:spPr>
+          <a:xfrm>
+            <a:off x="7605344" y="519152"/>
+            <a:ext cx="1783117" cy="369332"/>
+          </a:xfrm>
+          <a:prstGeom prst="rect">
+            <a:avLst/>
+          </a:prstGeom>
+          <a:noFill/>
+        </p:spPr>
+        <p:txBody>
+          <a:bodyPr wrap="none" rtlCol="0">
+            <a:spAutoFit/>
+          </a:bodyPr>
+          <a:lstStyle/>
+          <a:p>
+            <a:r>
+              <a:rPr lang="en-US" dirty="0">
+                <a:highlight>
+                  <a:srgbClr val="FFFF00"/>
+                </a:highlight>
+              </a:rPr>
+              <a:t>Clean-2 dataset</a:t>
+            </a:r>
+          </a:p>
+        </p:txBody>
+      </p:sp>
+    </p:spTree>
+    <p:extLst>
+      <p:ext uri="{BB962C8B-B14F-4D97-AF65-F5344CB8AC3E}">
+        <p14:creationId xmlns:p14="http://schemas.microsoft.com/office/powerpoint/2010/main" val="662968788"/>
+      </p:ext>
+    </p:extLst>
+  </p:cSld>
+  <p:clrMapOvr>
+    <a:masterClrMapping/>
+  </p:clrMapOvr>
+</p:sld>
+</file>
+
+<file path=ppt/slides/slide31.xml><?xml version="1.0" encoding="utf-8"?>
+<p:sld xmlns:a="http://schemas.openxmlformats.org/drawingml/2006/main" xmlns:r="http://schemas.openxmlformats.org/officeDocument/2006/relationships" xmlns:p="http://schemas.openxmlformats.org/presentationml/2006/main">
+  <p:cSld>
+    <p:spTree>
+      <p:nvGrpSpPr>
+        <p:cNvPr id="1" name=""/>
+        <p:cNvGrpSpPr/>
+        <p:nvPr/>
+      </p:nvGrpSpPr>
+      <p:grpSpPr>
+        <a:xfrm>
+          <a:off x="0" y="0"/>
+          <a:ext cx="0" cy="0"/>
+          <a:chOff x="0" y="0"/>
+          <a:chExt cx="0" cy="0"/>
+        </a:xfrm>
+      </p:grpSpPr>
+      <p:sp>
+        <p:nvSpPr>
+          <p:cNvPr id="2" name="TextBox 1">
+            <a:extLst>
+              <a:ext uri="{FF2B5EF4-FFF2-40B4-BE49-F238E27FC236}">
                 <a16:creationId xmlns:a16="http://schemas.microsoft.com/office/drawing/2014/main" id="{62BC4F38-626B-282E-A70A-39582D638626}"/>
               </a:ext>
             </a:extLst>
@@ -20596,7 +20456,7 @@
 </p:sld>
 </file>
 
-<file path=ppt/slides/slide31.xml><?xml version="1.0" encoding="utf-8"?>
+<file path=ppt/slides/slide32.xml><?xml version="1.0" encoding="utf-8"?>
 <p:sld xmlns:a="http://schemas.openxmlformats.org/drawingml/2006/main" xmlns:r="http://schemas.openxmlformats.org/officeDocument/2006/relationships" xmlns:p="http://schemas.openxmlformats.org/presentationml/2006/main">
   <p:cSld>
     <p:spTree>
@@ -20778,7 +20638,7 @@
 </p:sld>
 </file>
 
-<file path=ppt/slides/slide32.xml><?xml version="1.0" encoding="utf-8"?>
+<file path=ppt/slides/slide33.xml><?xml version="1.0" encoding="utf-8"?>
 <p:sld xmlns:a="http://schemas.openxmlformats.org/drawingml/2006/main" xmlns:r="http://schemas.openxmlformats.org/officeDocument/2006/relationships" xmlns:p="http://schemas.openxmlformats.org/presentationml/2006/main">
   <p:cSld>
     <p:spTree>
@@ -21115,7 +20975,7 @@
 </p:sld>
 </file>
 
-<file path=ppt/slides/slide33.xml><?xml version="1.0" encoding="utf-8"?>
+<file path=ppt/slides/slide34.xml><?xml version="1.0" encoding="utf-8"?>
 <p:sld xmlns:a="http://schemas.openxmlformats.org/drawingml/2006/main" xmlns:r="http://schemas.openxmlformats.org/officeDocument/2006/relationships" xmlns:p="http://schemas.openxmlformats.org/presentationml/2006/main">
   <p:cSld>
     <p:spTree>
@@ -22045,7 +21905,7 @@
 </p:sld>
 </file>
 
-<file path=ppt/slides/slide34.xml><?xml version="1.0" encoding="utf-8"?>
+<file path=ppt/slides/slide35.xml><?xml version="1.0" encoding="utf-8"?>
 <p:sld xmlns:a="http://schemas.openxmlformats.org/drawingml/2006/main" xmlns:r="http://schemas.openxmlformats.org/officeDocument/2006/relationships" xmlns:p="http://schemas.openxmlformats.org/presentationml/2006/main">
   <p:cSld>
     <p:spTree>
@@ -23290,7 +23150,7 @@
 </p:sld>
 </file>
 
-<file path=ppt/slides/slide35.xml><?xml version="1.0" encoding="utf-8"?>
+<file path=ppt/slides/slide36.xml><?xml version="1.0" encoding="utf-8"?>
 <p:sld xmlns:a="http://schemas.openxmlformats.org/drawingml/2006/main" xmlns:r="http://schemas.openxmlformats.org/officeDocument/2006/relationships" xmlns:p="http://schemas.openxmlformats.org/presentationml/2006/main">
   <p:cSld>
     <p:spTree>
@@ -23553,7 +23413,7 @@
 </p:sld>
 </file>
 
-<file path=ppt/slides/slide36.xml><?xml version="1.0" encoding="utf-8"?>
+<file path=ppt/slides/slide37.xml><?xml version="1.0" encoding="utf-8"?>
 <p:sld xmlns:a="http://schemas.openxmlformats.org/drawingml/2006/main" xmlns:r="http://schemas.openxmlformats.org/officeDocument/2006/relationships" xmlns:p="http://schemas.openxmlformats.org/presentationml/2006/main">
   <p:cSld>
     <p:spTree>
@@ -23832,7 +23692,7 @@
 </p:sld>
 </file>
 
-<file path=ppt/slides/slide37.xml><?xml version="1.0" encoding="utf-8"?>
+<file path=ppt/slides/slide38.xml><?xml version="1.0" encoding="utf-8"?>
 <p:sld xmlns:a="http://schemas.openxmlformats.org/drawingml/2006/main" xmlns:r="http://schemas.openxmlformats.org/officeDocument/2006/relationships" xmlns:p="http://schemas.openxmlformats.org/presentationml/2006/main">
   <p:cSld>
     <p:spTree>
@@ -26502,7 +26362,7 @@
 </p:sld>
 </file>
 
-<file path=ppt/slides/slide38.xml><?xml version="1.0" encoding="utf-8"?>
+<file path=ppt/slides/slide39.xml><?xml version="1.0" encoding="utf-8"?>
 <p:sld xmlns:a="http://schemas.openxmlformats.org/drawingml/2006/main" xmlns:r="http://schemas.openxmlformats.org/officeDocument/2006/relationships" xmlns:p="http://schemas.openxmlformats.org/presentationml/2006/main">
   <p:cSld>
     <p:spTree>
@@ -28634,7 +28494,637 @@
 </p:sld>
 </file>
 
-<file path=ppt/slides/slide39.xml><?xml version="1.0" encoding="utf-8"?>
+<file path=ppt/slides/slide4.xml><?xml version="1.0" encoding="utf-8"?>
+<p:sld xmlns:a="http://schemas.openxmlformats.org/drawingml/2006/main" xmlns:r="http://schemas.openxmlformats.org/officeDocument/2006/relationships" xmlns:p="http://schemas.openxmlformats.org/presentationml/2006/main">
+  <p:cSld>
+    <p:spTree>
+      <p:nvGrpSpPr>
+        <p:cNvPr id="1" name=""/>
+        <p:cNvGrpSpPr/>
+        <p:nvPr/>
+      </p:nvGrpSpPr>
+      <p:grpSpPr>
+        <a:xfrm>
+          <a:off x="0" y="0"/>
+          <a:ext cx="0" cy="0"/>
+          <a:chOff x="0" y="0"/>
+          <a:chExt cx="0" cy="0"/>
+        </a:xfrm>
+      </p:grpSpPr>
+      <p:sp>
+        <p:nvSpPr>
+          <p:cNvPr id="3" name="TextBox 2">
+            <a:extLst>
+              <a:ext uri="{FF2B5EF4-FFF2-40B4-BE49-F238E27FC236}">
+                <a16:creationId xmlns:a16="http://schemas.microsoft.com/office/drawing/2014/main" id="{90F59776-7CC5-CCAF-413F-1B038A87DE9F}"/>
+              </a:ext>
+            </a:extLst>
+          </p:cNvPr>
+          <p:cNvSpPr txBox="1"/>
+          <p:nvPr/>
+        </p:nvSpPr>
+        <p:spPr>
+          <a:xfrm>
+            <a:off x="933806" y="1292358"/>
+            <a:ext cx="7761620" cy="923330"/>
+          </a:xfrm>
+          <a:prstGeom prst="rect">
+            <a:avLst/>
+          </a:prstGeom>
+          <a:noFill/>
+        </p:spPr>
+        <p:txBody>
+          <a:bodyPr wrap="square">
+            <a:spAutoFit/>
+          </a:bodyPr>
+          <a:lstStyle/>
+          <a:p>
+            <a:pPr marL="285750" indent="-285750">
+              <a:buFont typeface="Arial" panose="020B0604020202020204" pitchFamily="34" charset="0"/>
+              <a:buChar char="•"/>
+            </a:pPr>
+            <a:r>
+              <a:rPr lang="en-US" dirty="0"/>
+              <a:t>remove NANs, duplicates, and use mean </a:t>
+            </a:r>
+            <a:r>
+              <a:rPr lang="en-US" dirty="0" err="1"/>
+              <a:t>Kd</a:t>
+            </a:r>
+            <a:r>
+              <a:rPr lang="en-US" dirty="0"/>
+              <a:t> for duplicates</a:t>
+            </a:r>
+            <a:endParaRPr lang="en-US" sz="1800" b="0" dirty="0">
+              <a:effectLst/>
+            </a:endParaRPr>
+          </a:p>
+          <a:p>
+            <a:pPr marL="285750" indent="-285750">
+              <a:buFont typeface="Arial" panose="020B0604020202020204" pitchFamily="34" charset="0"/>
+              <a:buChar char="•"/>
+            </a:pPr>
+            <a:r>
+              <a:rPr lang="en-US" sz="1800" b="0" dirty="0">
+                <a:effectLst/>
+              </a:rPr>
+              <a:t>90/10 split for train/validation sets</a:t>
+            </a:r>
+          </a:p>
+          <a:p>
+            <a:pPr marL="285750" indent="-285750">
+              <a:buFont typeface="Arial" panose="020B0604020202020204" pitchFamily="34" charset="0"/>
+              <a:buChar char="•"/>
+            </a:pPr>
+            <a:r>
+              <a:rPr lang="en-US" sz="1800" dirty="0"/>
+              <a:t>train (26279 rows), </a:t>
+            </a:r>
+            <a:r>
+              <a:rPr lang="en-US" sz="1800" dirty="0" err="1"/>
+              <a:t>val</a:t>
+            </a:r>
+            <a:r>
+              <a:rPr lang="en-US" sz="1800" dirty="0"/>
+              <a:t> (2920 rows)</a:t>
+            </a:r>
+          </a:p>
+        </p:txBody>
+      </p:sp>
+      <p:sp>
+        <p:nvSpPr>
+          <p:cNvPr id="4" name="TextBox 3">
+            <a:extLst>
+              <a:ext uri="{FF2B5EF4-FFF2-40B4-BE49-F238E27FC236}">
+                <a16:creationId xmlns:a16="http://schemas.microsoft.com/office/drawing/2014/main" id="{A823B7D1-6885-6524-808E-292692E93FBC}"/>
+              </a:ext>
+            </a:extLst>
+          </p:cNvPr>
+          <p:cNvSpPr txBox="1"/>
+          <p:nvPr/>
+        </p:nvSpPr>
+        <p:spPr>
+          <a:xfrm>
+            <a:off x="146649" y="184362"/>
+            <a:ext cx="4339008" cy="461665"/>
+          </a:xfrm>
+          <a:prstGeom prst="rect">
+            <a:avLst/>
+          </a:prstGeom>
+          <a:noFill/>
+        </p:spPr>
+        <p:txBody>
+          <a:bodyPr wrap="none" rtlCol="0">
+            <a:spAutoFit/>
+          </a:bodyPr>
+          <a:lstStyle/>
+          <a:p>
+            <a:r>
+              <a:rPr lang="en-US" sz="2400" dirty="0"/>
+              <a:t>Training Datasets : two versions</a:t>
+            </a:r>
+          </a:p>
+        </p:txBody>
+      </p:sp>
+      <p:sp>
+        <p:nvSpPr>
+          <p:cNvPr id="5" name="TextBox 4">
+            <a:extLst>
+              <a:ext uri="{FF2B5EF4-FFF2-40B4-BE49-F238E27FC236}">
+                <a16:creationId xmlns:a16="http://schemas.microsoft.com/office/drawing/2014/main" id="{B2600AAF-F4BA-D6D8-31D9-0D669D1AB800}"/>
+              </a:ext>
+            </a:extLst>
+          </p:cNvPr>
+          <p:cNvSpPr txBox="1"/>
+          <p:nvPr/>
+        </p:nvSpPr>
+        <p:spPr>
+          <a:xfrm>
+            <a:off x="586596" y="923026"/>
+            <a:ext cx="960776" cy="369332"/>
+          </a:xfrm>
+          <a:prstGeom prst="rect">
+            <a:avLst/>
+          </a:prstGeom>
+          <a:noFill/>
+        </p:spPr>
+        <p:txBody>
+          <a:bodyPr wrap="none" rtlCol="0">
+            <a:spAutoFit/>
+          </a:bodyPr>
+          <a:lstStyle/>
+          <a:p>
+            <a:r>
+              <a:rPr lang="en-US" dirty="0"/>
+              <a:t>Clean-1</a:t>
+            </a:r>
+          </a:p>
+        </p:txBody>
+      </p:sp>
+      <p:sp>
+        <p:nvSpPr>
+          <p:cNvPr id="9" name="TextBox 8">
+            <a:extLst>
+              <a:ext uri="{FF2B5EF4-FFF2-40B4-BE49-F238E27FC236}">
+                <a16:creationId xmlns:a16="http://schemas.microsoft.com/office/drawing/2014/main" id="{DEB93D53-C98F-967F-FD08-149A4D6157AA}"/>
+              </a:ext>
+            </a:extLst>
+          </p:cNvPr>
+          <p:cNvSpPr txBox="1"/>
+          <p:nvPr/>
+        </p:nvSpPr>
+        <p:spPr>
+          <a:xfrm>
+            <a:off x="7760669" y="2998994"/>
+            <a:ext cx="1783117" cy="369332"/>
+          </a:xfrm>
+          <a:prstGeom prst="rect">
+            <a:avLst/>
+          </a:prstGeom>
+          <a:noFill/>
+        </p:spPr>
+        <p:txBody>
+          <a:bodyPr wrap="none" rtlCol="0">
+            <a:spAutoFit/>
+          </a:bodyPr>
+          <a:lstStyle/>
+          <a:p>
+            <a:r>
+              <a:rPr lang="en-US" dirty="0">
+                <a:highlight>
+                  <a:srgbClr val="FFFF00"/>
+                </a:highlight>
+              </a:rPr>
+              <a:t>Clean-3 dataset</a:t>
+            </a:r>
+          </a:p>
+        </p:txBody>
+      </p:sp>
+      <p:pic>
+        <p:nvPicPr>
+          <p:cNvPr id="10" name="Picture 9">
+            <a:extLst>
+              <a:ext uri="{FF2B5EF4-FFF2-40B4-BE49-F238E27FC236}">
+                <a16:creationId xmlns:a16="http://schemas.microsoft.com/office/drawing/2014/main" id="{6395B665-70EA-5B20-8B8B-7EAA1ED916E2}"/>
+              </a:ext>
+            </a:extLst>
+          </p:cNvPr>
+          <p:cNvPicPr>
+            <a:picLocks noChangeAspect="1"/>
+          </p:cNvPicPr>
+          <p:nvPr/>
+        </p:nvPicPr>
+        <p:blipFill>
+          <a:blip r:embed="rId2"/>
+          <a:stretch>
+            <a:fillRect/>
+          </a:stretch>
+        </p:blipFill>
+        <p:spPr>
+          <a:xfrm>
+            <a:off x="7652542" y="1018885"/>
+            <a:ext cx="2016751" cy="1470276"/>
+          </a:xfrm>
+          <a:prstGeom prst="rect">
+            <a:avLst/>
+          </a:prstGeom>
+        </p:spPr>
+      </p:pic>
+      <p:sp>
+        <p:nvSpPr>
+          <p:cNvPr id="11" name="TextBox 10">
+            <a:extLst>
+              <a:ext uri="{FF2B5EF4-FFF2-40B4-BE49-F238E27FC236}">
+                <a16:creationId xmlns:a16="http://schemas.microsoft.com/office/drawing/2014/main" id="{E352572C-0B04-B7EF-D36F-336747D674CB}"/>
+              </a:ext>
+            </a:extLst>
+          </p:cNvPr>
+          <p:cNvSpPr txBox="1"/>
+          <p:nvPr/>
+        </p:nvSpPr>
+        <p:spPr>
+          <a:xfrm>
+            <a:off x="7778047" y="553694"/>
+            <a:ext cx="1765740" cy="369332"/>
+          </a:xfrm>
+          <a:prstGeom prst="rect">
+            <a:avLst/>
+          </a:prstGeom>
+          <a:noFill/>
+        </p:spPr>
+        <p:txBody>
+          <a:bodyPr wrap="none" rtlCol="0">
+            <a:spAutoFit/>
+          </a:bodyPr>
+          <a:lstStyle/>
+          <a:p>
+            <a:r>
+              <a:rPr lang="en-US" dirty="0">
+                <a:highlight>
+                  <a:srgbClr val="FFFF00"/>
+                </a:highlight>
+              </a:rPr>
+              <a:t>Clean-1 dataset</a:t>
+            </a:r>
+          </a:p>
+        </p:txBody>
+      </p:sp>
+      <p:sp>
+        <p:nvSpPr>
+          <p:cNvPr id="12" name="TextBox 11">
+            <a:extLst>
+              <a:ext uri="{FF2B5EF4-FFF2-40B4-BE49-F238E27FC236}">
+                <a16:creationId xmlns:a16="http://schemas.microsoft.com/office/drawing/2014/main" id="{4379C880-87A8-E4F0-3029-8D5A6116FAEB}"/>
+              </a:ext>
+            </a:extLst>
+          </p:cNvPr>
+          <p:cNvSpPr txBox="1"/>
+          <p:nvPr/>
+        </p:nvSpPr>
+        <p:spPr>
+          <a:xfrm>
+            <a:off x="513466" y="2955955"/>
+            <a:ext cx="1107996" cy="369332"/>
+          </a:xfrm>
+          <a:prstGeom prst="rect">
+            <a:avLst/>
+          </a:prstGeom>
+          <a:noFill/>
+        </p:spPr>
+        <p:txBody>
+          <a:bodyPr wrap="none" rtlCol="0">
+            <a:spAutoFit/>
+          </a:bodyPr>
+          <a:lstStyle/>
+          <a:p>
+            <a:r>
+              <a:rPr lang="en-US" dirty="0"/>
+              <a:t>Clean-3b</a:t>
+            </a:r>
+          </a:p>
+        </p:txBody>
+      </p:sp>
+      <p:sp>
+        <p:nvSpPr>
+          <p:cNvPr id="13" name="TextBox 12">
+            <a:extLst>
+              <a:ext uri="{FF2B5EF4-FFF2-40B4-BE49-F238E27FC236}">
+                <a16:creationId xmlns:a16="http://schemas.microsoft.com/office/drawing/2014/main" id="{593741C5-6171-594F-EF0C-3540745BA613}"/>
+              </a:ext>
+            </a:extLst>
+          </p:cNvPr>
+          <p:cNvSpPr txBox="1"/>
+          <p:nvPr/>
+        </p:nvSpPr>
+        <p:spPr>
+          <a:xfrm>
+            <a:off x="849174" y="3325287"/>
+            <a:ext cx="6467660" cy="1200329"/>
+          </a:xfrm>
+          <a:prstGeom prst="rect">
+            <a:avLst/>
+          </a:prstGeom>
+          <a:noFill/>
+        </p:spPr>
+        <p:txBody>
+          <a:bodyPr wrap="square">
+            <a:spAutoFit/>
+          </a:bodyPr>
+          <a:lstStyle/>
+          <a:p>
+            <a:pPr marL="285750" indent="-285750">
+              <a:buFont typeface="Arial" panose="020B0604020202020204" pitchFamily="34" charset="0"/>
+              <a:buChar char="•"/>
+            </a:pPr>
+            <a:r>
+              <a:rPr lang="en-US" dirty="0"/>
+              <a:t>remove NANs, duplicates, and use mean </a:t>
+            </a:r>
+            <a:r>
+              <a:rPr lang="en-US" dirty="0" err="1"/>
+              <a:t>Kd</a:t>
+            </a:r>
+            <a:r>
+              <a:rPr lang="en-US" dirty="0"/>
+              <a:t> for duplicates</a:t>
+            </a:r>
+          </a:p>
+          <a:p>
+            <a:pPr marL="285750" indent="-285750">
+              <a:buFont typeface="Arial" panose="020B0604020202020204" pitchFamily="34" charset="0"/>
+              <a:buChar char="•"/>
+            </a:pPr>
+            <a:r>
+              <a:rPr lang="en-US" sz="1800" b="0" dirty="0">
+                <a:effectLst/>
+              </a:rPr>
+              <a:t>keep only rows with </a:t>
+            </a:r>
+            <a:r>
+              <a:rPr lang="en-US" sz="1800" b="0" dirty="0" err="1">
+                <a:effectLst/>
+              </a:rPr>
+              <a:t>q_value</a:t>
+            </a:r>
+            <a:r>
+              <a:rPr lang="en-US" sz="1800" b="0" dirty="0">
+                <a:effectLst/>
+              </a:rPr>
+              <a:t> &lt; 0.05 (9302 rows remain)</a:t>
+            </a:r>
+          </a:p>
+          <a:p>
+            <a:pPr marL="285750" indent="-285750">
+              <a:buFont typeface="Arial" panose="020B0604020202020204" pitchFamily="34" charset="0"/>
+              <a:buChar char="•"/>
+            </a:pPr>
+            <a:r>
+              <a:rPr lang="en-US" dirty="0"/>
+              <a:t>85/7.5/7.5 split: train(7862), </a:t>
+            </a:r>
+            <a:r>
+              <a:rPr lang="en-US" dirty="0" err="1"/>
+              <a:t>val</a:t>
+            </a:r>
+            <a:r>
+              <a:rPr lang="en-US" dirty="0"/>
+              <a:t>(694), test(694)</a:t>
+            </a:r>
+            <a:endParaRPr lang="en-US" sz="1800" b="0" dirty="0">
+              <a:effectLst/>
+            </a:endParaRPr>
+          </a:p>
+          <a:p>
+            <a:pPr marL="285750" indent="-285750">
+              <a:buFont typeface="Arial" panose="020B0604020202020204" pitchFamily="34" charset="0"/>
+              <a:buChar char="•"/>
+            </a:pPr>
+            <a:endParaRPr lang="en-US" dirty="0"/>
+          </a:p>
+        </p:txBody>
+      </p:sp>
+      <p:pic>
+        <p:nvPicPr>
+          <p:cNvPr id="14" name="Picture 13">
+            <a:extLst>
+              <a:ext uri="{FF2B5EF4-FFF2-40B4-BE49-F238E27FC236}">
+                <a16:creationId xmlns:a16="http://schemas.microsoft.com/office/drawing/2014/main" id="{B6B8555E-543F-42E6-240A-282609C1AB30}"/>
+              </a:ext>
+            </a:extLst>
+          </p:cNvPr>
+          <p:cNvPicPr>
+            <a:picLocks noChangeAspect="1"/>
+          </p:cNvPicPr>
+          <p:nvPr/>
+        </p:nvPicPr>
+        <p:blipFill>
+          <a:blip r:embed="rId3"/>
+          <a:stretch>
+            <a:fillRect/>
+          </a:stretch>
+        </p:blipFill>
+        <p:spPr>
+          <a:xfrm>
+            <a:off x="7652541" y="3429000"/>
+            <a:ext cx="2016751" cy="1470277"/>
+          </a:xfrm>
+          <a:prstGeom prst="rect">
+            <a:avLst/>
+          </a:prstGeom>
+        </p:spPr>
+      </p:pic>
+      <p:sp>
+        <p:nvSpPr>
+          <p:cNvPr id="15" name="TextBox 14">
+            <a:extLst>
+              <a:ext uri="{FF2B5EF4-FFF2-40B4-BE49-F238E27FC236}">
+                <a16:creationId xmlns:a16="http://schemas.microsoft.com/office/drawing/2014/main" id="{4C5E23BE-CC77-2A8B-093D-8B06E84CE434}"/>
+              </a:ext>
+            </a:extLst>
+          </p:cNvPr>
+          <p:cNvSpPr txBox="1"/>
+          <p:nvPr/>
+        </p:nvSpPr>
+        <p:spPr>
+          <a:xfrm>
+            <a:off x="511992" y="4642288"/>
+            <a:ext cx="978153" cy="369332"/>
+          </a:xfrm>
+          <a:prstGeom prst="rect">
+            <a:avLst/>
+          </a:prstGeom>
+          <a:noFill/>
+        </p:spPr>
+        <p:txBody>
+          <a:bodyPr wrap="none" rtlCol="0">
+            <a:spAutoFit/>
+          </a:bodyPr>
+          <a:lstStyle/>
+          <a:p>
+            <a:r>
+              <a:rPr lang="en-US" dirty="0"/>
+              <a:t>Clean-4</a:t>
+            </a:r>
+          </a:p>
+        </p:txBody>
+      </p:sp>
+      <p:sp>
+        <p:nvSpPr>
+          <p:cNvPr id="16" name="TextBox 15">
+            <a:extLst>
+              <a:ext uri="{FF2B5EF4-FFF2-40B4-BE49-F238E27FC236}">
+                <a16:creationId xmlns:a16="http://schemas.microsoft.com/office/drawing/2014/main" id="{4B593975-C03F-F861-FB9A-E077DED89E51}"/>
+              </a:ext>
+            </a:extLst>
+          </p:cNvPr>
+          <p:cNvSpPr txBox="1"/>
+          <p:nvPr/>
+        </p:nvSpPr>
+        <p:spPr>
+          <a:xfrm>
+            <a:off x="847700" y="5011620"/>
+            <a:ext cx="6467660" cy="1200329"/>
+          </a:xfrm>
+          <a:prstGeom prst="rect">
+            <a:avLst/>
+          </a:prstGeom>
+          <a:noFill/>
+        </p:spPr>
+        <p:txBody>
+          <a:bodyPr wrap="square">
+            <a:spAutoFit/>
+          </a:bodyPr>
+          <a:lstStyle/>
+          <a:p>
+            <a:pPr marL="285750" indent="-285750">
+              <a:buFont typeface="Arial" panose="020B0604020202020204" pitchFamily="34" charset="0"/>
+              <a:buChar char="•"/>
+            </a:pPr>
+            <a:r>
+              <a:rPr lang="en-US" dirty="0"/>
+              <a:t>remove NANs, duplicates, and use mean </a:t>
+            </a:r>
+            <a:r>
+              <a:rPr lang="en-US" dirty="0" err="1"/>
+              <a:t>Kd</a:t>
+            </a:r>
+            <a:r>
+              <a:rPr lang="en-US" dirty="0"/>
+              <a:t> for duplicates</a:t>
+            </a:r>
+          </a:p>
+          <a:p>
+            <a:pPr marL="285750" indent="-285750">
+              <a:buFont typeface="Arial" panose="020B0604020202020204" pitchFamily="34" charset="0"/>
+              <a:buChar char="•"/>
+            </a:pPr>
+            <a:r>
+              <a:rPr lang="en-US" sz="1800" b="0" dirty="0">
+                <a:effectLst/>
+              </a:rPr>
+              <a:t>keep only rows with </a:t>
+            </a:r>
+            <a:r>
+              <a:rPr lang="en-US" sz="1800" b="0" dirty="0" err="1">
+                <a:effectLst/>
+              </a:rPr>
+              <a:t>q_value</a:t>
+            </a:r>
+            <a:r>
+              <a:rPr lang="en-US" dirty="0" err="1"/>
+              <a:t>s</a:t>
+            </a:r>
+            <a:r>
+              <a:rPr lang="en-US" sz="1800" b="0" dirty="0">
+                <a:effectLst/>
+              </a:rPr>
+              <a:t> </a:t>
+            </a:r>
+            <a:r>
+              <a:rPr lang="en-US" dirty="0"/>
+              <a:t>&lt;</a:t>
+            </a:r>
+            <a:r>
+              <a:rPr lang="en-US" sz="1800" b="0" dirty="0">
+                <a:effectLst/>
+              </a:rPr>
+              <a:t> 0.50 (12320 rows remain)</a:t>
+            </a:r>
+          </a:p>
+          <a:p>
+            <a:pPr marL="285750" indent="-285750">
+              <a:buFont typeface="Arial" panose="020B0604020202020204" pitchFamily="34" charset="0"/>
+              <a:buChar char="•"/>
+            </a:pPr>
+            <a:r>
+              <a:rPr lang="en-US" dirty="0"/>
+              <a:t>80/10/10 split: train(9856), </a:t>
+            </a:r>
+            <a:r>
+              <a:rPr lang="en-US" dirty="0" err="1"/>
+              <a:t>val</a:t>
+            </a:r>
+            <a:r>
+              <a:rPr lang="en-US" dirty="0"/>
+              <a:t>(1232), test(1232)</a:t>
+            </a:r>
+            <a:endParaRPr lang="en-US" sz="1800" b="0" dirty="0">
+              <a:effectLst/>
+            </a:endParaRPr>
+          </a:p>
+          <a:p>
+            <a:pPr marL="285750" indent="-285750">
+              <a:buFont typeface="Arial" panose="020B0604020202020204" pitchFamily="34" charset="0"/>
+              <a:buChar char="•"/>
+            </a:pPr>
+            <a:endParaRPr lang="en-US" dirty="0"/>
+          </a:p>
+        </p:txBody>
+      </p:sp>
+      <p:pic>
+        <p:nvPicPr>
+          <p:cNvPr id="17" name="Picture 16">
+            <a:extLst>
+              <a:ext uri="{FF2B5EF4-FFF2-40B4-BE49-F238E27FC236}">
+                <a16:creationId xmlns:a16="http://schemas.microsoft.com/office/drawing/2014/main" id="{755D7FE7-1608-A0DA-C250-784EB3FE3ABF}"/>
+              </a:ext>
+            </a:extLst>
+          </p:cNvPr>
+          <p:cNvPicPr>
+            <a:picLocks noChangeAspect="1"/>
+          </p:cNvPicPr>
+          <p:nvPr/>
+        </p:nvPicPr>
+        <p:blipFill>
+          <a:blip r:embed="rId4"/>
+          <a:stretch>
+            <a:fillRect/>
+          </a:stretch>
+        </p:blipFill>
+        <p:spPr>
+          <a:xfrm>
+            <a:off x="7321816" y="5117612"/>
+            <a:ext cx="2476371" cy="1643673"/>
+          </a:xfrm>
+          <a:prstGeom prst="rect">
+            <a:avLst/>
+          </a:prstGeom>
+        </p:spPr>
+      </p:pic>
+    </p:spTree>
+    <p:extLst>
+      <p:ext uri="{BB962C8B-B14F-4D97-AF65-F5344CB8AC3E}">
+        <p14:creationId xmlns:p14="http://schemas.microsoft.com/office/powerpoint/2010/main" val="1507180346"/>
+      </p:ext>
+    </p:extLst>
+  </p:cSld>
+  <p:clrMapOvr>
+    <a:masterClrMapping/>
+  </p:clrMapOvr>
+</p:sld>
+</file>
+
+<file path=ppt/slides/slide40.xml><?xml version="1.0" encoding="utf-8"?>
 <p:sld xmlns:a="http://schemas.openxmlformats.org/drawingml/2006/main" xmlns:r="http://schemas.openxmlformats.org/officeDocument/2006/relationships" xmlns:p="http://schemas.openxmlformats.org/presentationml/2006/main">
   <p:cSld>
     <p:spTree>
@@ -29313,629 +29803,7 @@
 </p:sld>
 </file>
 
-<file path=ppt/slides/slide4.xml><?xml version="1.0" encoding="utf-8"?>
-<p:sld xmlns:a="http://schemas.openxmlformats.org/drawingml/2006/main" xmlns:r="http://schemas.openxmlformats.org/officeDocument/2006/relationships" xmlns:p="http://schemas.openxmlformats.org/presentationml/2006/main">
-  <p:cSld>
-    <p:spTree>
-      <p:nvGrpSpPr>
-        <p:cNvPr id="1" name=""/>
-        <p:cNvGrpSpPr/>
-        <p:nvPr/>
-      </p:nvGrpSpPr>
-      <p:grpSpPr>
-        <a:xfrm>
-          <a:off x="0" y="0"/>
-          <a:ext cx="0" cy="0"/>
-          <a:chOff x="0" y="0"/>
-          <a:chExt cx="0" cy="0"/>
-        </a:xfrm>
-      </p:grpSpPr>
-      <p:sp>
-        <p:nvSpPr>
-          <p:cNvPr id="3" name="TextBox 2">
-            <a:extLst>
-              <a:ext uri="{FF2B5EF4-FFF2-40B4-BE49-F238E27FC236}">
-                <a16:creationId xmlns:a16="http://schemas.microsoft.com/office/drawing/2014/main" id="{90F59776-7CC5-CCAF-413F-1B038A87DE9F}"/>
-              </a:ext>
-            </a:extLst>
-          </p:cNvPr>
-          <p:cNvSpPr txBox="1"/>
-          <p:nvPr/>
-        </p:nvSpPr>
-        <p:spPr>
-          <a:xfrm>
-            <a:off x="933806" y="1292358"/>
-            <a:ext cx="7761620" cy="923330"/>
-          </a:xfrm>
-          <a:prstGeom prst="rect">
-            <a:avLst/>
-          </a:prstGeom>
-          <a:noFill/>
-        </p:spPr>
-        <p:txBody>
-          <a:bodyPr wrap="square">
-            <a:spAutoFit/>
-          </a:bodyPr>
-          <a:lstStyle/>
-          <a:p>
-            <a:pPr marL="285750" indent="-285750">
-              <a:buFont typeface="Arial" panose="020B0604020202020204" pitchFamily="34" charset="0"/>
-              <a:buChar char="•"/>
-            </a:pPr>
-            <a:r>
-              <a:rPr lang="en-US" dirty="0"/>
-              <a:t>remove NANs, duplicates, and use mean </a:t>
-            </a:r>
-            <a:r>
-              <a:rPr lang="en-US" dirty="0" err="1"/>
-              <a:t>Kd</a:t>
-            </a:r>
-            <a:r>
-              <a:rPr lang="en-US" dirty="0"/>
-              <a:t> for duplicates</a:t>
-            </a:r>
-            <a:endParaRPr lang="en-US" sz="1800" b="0" dirty="0">
-              <a:effectLst/>
-            </a:endParaRPr>
-          </a:p>
-          <a:p>
-            <a:pPr marL="285750" indent="-285750">
-              <a:buFont typeface="Arial" panose="020B0604020202020204" pitchFamily="34" charset="0"/>
-              <a:buChar char="•"/>
-            </a:pPr>
-            <a:r>
-              <a:rPr lang="en-US" sz="1800" b="0" dirty="0">
-                <a:effectLst/>
-              </a:rPr>
-              <a:t>90/10 split for train/validation sets</a:t>
-            </a:r>
-          </a:p>
-          <a:p>
-            <a:pPr marL="285750" indent="-285750">
-              <a:buFont typeface="Arial" panose="020B0604020202020204" pitchFamily="34" charset="0"/>
-              <a:buChar char="•"/>
-            </a:pPr>
-            <a:r>
-              <a:rPr lang="en-US" sz="1800" dirty="0"/>
-              <a:t>train (26279 rows), </a:t>
-            </a:r>
-            <a:r>
-              <a:rPr lang="en-US" sz="1800" dirty="0" err="1"/>
-              <a:t>val</a:t>
-            </a:r>
-            <a:r>
-              <a:rPr lang="en-US" sz="1800" dirty="0"/>
-              <a:t> (2920 rows)</a:t>
-            </a:r>
-          </a:p>
-        </p:txBody>
-      </p:sp>
-      <p:sp>
-        <p:nvSpPr>
-          <p:cNvPr id="4" name="TextBox 3">
-            <a:extLst>
-              <a:ext uri="{FF2B5EF4-FFF2-40B4-BE49-F238E27FC236}">
-                <a16:creationId xmlns:a16="http://schemas.microsoft.com/office/drawing/2014/main" id="{A823B7D1-6885-6524-808E-292692E93FBC}"/>
-              </a:ext>
-            </a:extLst>
-          </p:cNvPr>
-          <p:cNvSpPr txBox="1"/>
-          <p:nvPr/>
-        </p:nvSpPr>
-        <p:spPr>
-          <a:xfrm>
-            <a:off x="146649" y="184362"/>
-            <a:ext cx="4339008" cy="461665"/>
-          </a:xfrm>
-          <a:prstGeom prst="rect">
-            <a:avLst/>
-          </a:prstGeom>
-          <a:noFill/>
-        </p:spPr>
-        <p:txBody>
-          <a:bodyPr wrap="none" rtlCol="0">
-            <a:spAutoFit/>
-          </a:bodyPr>
-          <a:lstStyle/>
-          <a:p>
-            <a:r>
-              <a:rPr lang="en-US" sz="2400" dirty="0"/>
-              <a:t>Training Datasets : two versions</a:t>
-            </a:r>
-          </a:p>
-        </p:txBody>
-      </p:sp>
-      <p:sp>
-        <p:nvSpPr>
-          <p:cNvPr id="5" name="TextBox 4">
-            <a:extLst>
-              <a:ext uri="{FF2B5EF4-FFF2-40B4-BE49-F238E27FC236}">
-                <a16:creationId xmlns:a16="http://schemas.microsoft.com/office/drawing/2014/main" id="{B2600AAF-F4BA-D6D8-31D9-0D669D1AB800}"/>
-              </a:ext>
-            </a:extLst>
-          </p:cNvPr>
-          <p:cNvSpPr txBox="1"/>
-          <p:nvPr/>
-        </p:nvSpPr>
-        <p:spPr>
-          <a:xfrm>
-            <a:off x="586596" y="923026"/>
-            <a:ext cx="960776" cy="369332"/>
-          </a:xfrm>
-          <a:prstGeom prst="rect">
-            <a:avLst/>
-          </a:prstGeom>
-          <a:noFill/>
-        </p:spPr>
-        <p:txBody>
-          <a:bodyPr wrap="none" rtlCol="0">
-            <a:spAutoFit/>
-          </a:bodyPr>
-          <a:lstStyle/>
-          <a:p>
-            <a:r>
-              <a:rPr lang="en-US" dirty="0"/>
-              <a:t>Clean-1</a:t>
-            </a:r>
-          </a:p>
-        </p:txBody>
-      </p:sp>
-      <p:sp>
-        <p:nvSpPr>
-          <p:cNvPr id="9" name="TextBox 8">
-            <a:extLst>
-              <a:ext uri="{FF2B5EF4-FFF2-40B4-BE49-F238E27FC236}">
-                <a16:creationId xmlns:a16="http://schemas.microsoft.com/office/drawing/2014/main" id="{DEB93D53-C98F-967F-FD08-149A4D6157AA}"/>
-              </a:ext>
-            </a:extLst>
-          </p:cNvPr>
-          <p:cNvSpPr txBox="1"/>
-          <p:nvPr/>
-        </p:nvSpPr>
-        <p:spPr>
-          <a:xfrm>
-            <a:off x="7760669" y="2998994"/>
-            <a:ext cx="1783117" cy="369332"/>
-          </a:xfrm>
-          <a:prstGeom prst="rect">
-            <a:avLst/>
-          </a:prstGeom>
-          <a:noFill/>
-        </p:spPr>
-        <p:txBody>
-          <a:bodyPr wrap="none" rtlCol="0">
-            <a:spAutoFit/>
-          </a:bodyPr>
-          <a:lstStyle/>
-          <a:p>
-            <a:r>
-              <a:rPr lang="en-US" dirty="0"/>
-              <a:t>Clean-3 dataset</a:t>
-            </a:r>
-          </a:p>
-        </p:txBody>
-      </p:sp>
-      <p:pic>
-        <p:nvPicPr>
-          <p:cNvPr id="10" name="Picture 9">
-            <a:extLst>
-              <a:ext uri="{FF2B5EF4-FFF2-40B4-BE49-F238E27FC236}">
-                <a16:creationId xmlns:a16="http://schemas.microsoft.com/office/drawing/2014/main" id="{6395B665-70EA-5B20-8B8B-7EAA1ED916E2}"/>
-              </a:ext>
-            </a:extLst>
-          </p:cNvPr>
-          <p:cNvPicPr>
-            <a:picLocks noChangeAspect="1"/>
-          </p:cNvPicPr>
-          <p:nvPr/>
-        </p:nvPicPr>
-        <p:blipFill>
-          <a:blip r:embed="rId2"/>
-          <a:stretch>
-            <a:fillRect/>
-          </a:stretch>
-        </p:blipFill>
-        <p:spPr>
-          <a:xfrm>
-            <a:off x="7652542" y="1018885"/>
-            <a:ext cx="2016751" cy="1470276"/>
-          </a:xfrm>
-          <a:prstGeom prst="rect">
-            <a:avLst/>
-          </a:prstGeom>
-        </p:spPr>
-      </p:pic>
-      <p:sp>
-        <p:nvSpPr>
-          <p:cNvPr id="11" name="TextBox 10">
-            <a:extLst>
-              <a:ext uri="{FF2B5EF4-FFF2-40B4-BE49-F238E27FC236}">
-                <a16:creationId xmlns:a16="http://schemas.microsoft.com/office/drawing/2014/main" id="{E352572C-0B04-B7EF-D36F-336747D674CB}"/>
-              </a:ext>
-            </a:extLst>
-          </p:cNvPr>
-          <p:cNvSpPr txBox="1"/>
-          <p:nvPr/>
-        </p:nvSpPr>
-        <p:spPr>
-          <a:xfrm>
-            <a:off x="7778047" y="553694"/>
-            <a:ext cx="1765740" cy="369332"/>
-          </a:xfrm>
-          <a:prstGeom prst="rect">
-            <a:avLst/>
-          </a:prstGeom>
-          <a:noFill/>
-        </p:spPr>
-        <p:txBody>
-          <a:bodyPr wrap="none" rtlCol="0">
-            <a:spAutoFit/>
-          </a:bodyPr>
-          <a:lstStyle/>
-          <a:p>
-            <a:r>
-              <a:rPr lang="en-US" dirty="0"/>
-              <a:t>Clean-1 dataset</a:t>
-            </a:r>
-          </a:p>
-        </p:txBody>
-      </p:sp>
-      <p:sp>
-        <p:nvSpPr>
-          <p:cNvPr id="12" name="TextBox 11">
-            <a:extLst>
-              <a:ext uri="{FF2B5EF4-FFF2-40B4-BE49-F238E27FC236}">
-                <a16:creationId xmlns:a16="http://schemas.microsoft.com/office/drawing/2014/main" id="{4379C880-87A8-E4F0-3029-8D5A6116FAEB}"/>
-              </a:ext>
-            </a:extLst>
-          </p:cNvPr>
-          <p:cNvSpPr txBox="1"/>
-          <p:nvPr/>
-        </p:nvSpPr>
-        <p:spPr>
-          <a:xfrm>
-            <a:off x="513466" y="2955955"/>
-            <a:ext cx="1107996" cy="369332"/>
-          </a:xfrm>
-          <a:prstGeom prst="rect">
-            <a:avLst/>
-          </a:prstGeom>
-          <a:noFill/>
-        </p:spPr>
-        <p:txBody>
-          <a:bodyPr wrap="none" rtlCol="0">
-            <a:spAutoFit/>
-          </a:bodyPr>
-          <a:lstStyle/>
-          <a:p>
-            <a:r>
-              <a:rPr lang="en-US" dirty="0"/>
-              <a:t>Clean-3b</a:t>
-            </a:r>
-          </a:p>
-        </p:txBody>
-      </p:sp>
-      <p:sp>
-        <p:nvSpPr>
-          <p:cNvPr id="13" name="TextBox 12">
-            <a:extLst>
-              <a:ext uri="{FF2B5EF4-FFF2-40B4-BE49-F238E27FC236}">
-                <a16:creationId xmlns:a16="http://schemas.microsoft.com/office/drawing/2014/main" id="{593741C5-6171-594F-EF0C-3540745BA613}"/>
-              </a:ext>
-            </a:extLst>
-          </p:cNvPr>
-          <p:cNvSpPr txBox="1"/>
-          <p:nvPr/>
-        </p:nvSpPr>
-        <p:spPr>
-          <a:xfrm>
-            <a:off x="849174" y="3325287"/>
-            <a:ext cx="6467660" cy="1200329"/>
-          </a:xfrm>
-          <a:prstGeom prst="rect">
-            <a:avLst/>
-          </a:prstGeom>
-          <a:noFill/>
-        </p:spPr>
-        <p:txBody>
-          <a:bodyPr wrap="square">
-            <a:spAutoFit/>
-          </a:bodyPr>
-          <a:lstStyle/>
-          <a:p>
-            <a:pPr marL="285750" indent="-285750">
-              <a:buFont typeface="Arial" panose="020B0604020202020204" pitchFamily="34" charset="0"/>
-              <a:buChar char="•"/>
-            </a:pPr>
-            <a:r>
-              <a:rPr lang="en-US" dirty="0"/>
-              <a:t>remove NANs, duplicates, and use mean </a:t>
-            </a:r>
-            <a:r>
-              <a:rPr lang="en-US" dirty="0" err="1"/>
-              <a:t>Kd</a:t>
-            </a:r>
-            <a:r>
-              <a:rPr lang="en-US" dirty="0"/>
-              <a:t> for duplicates</a:t>
-            </a:r>
-          </a:p>
-          <a:p>
-            <a:pPr marL="285750" indent="-285750">
-              <a:buFont typeface="Arial" panose="020B0604020202020204" pitchFamily="34" charset="0"/>
-              <a:buChar char="•"/>
-            </a:pPr>
-            <a:r>
-              <a:rPr lang="en-US" sz="1800" b="0" dirty="0">
-                <a:effectLst/>
-              </a:rPr>
-              <a:t>keep only rows with </a:t>
-            </a:r>
-            <a:r>
-              <a:rPr lang="en-US" sz="1800" b="0" dirty="0" err="1">
-                <a:effectLst/>
-              </a:rPr>
-              <a:t>q_value</a:t>
-            </a:r>
-            <a:r>
-              <a:rPr lang="en-US" sz="1800" b="0" dirty="0">
-                <a:effectLst/>
-              </a:rPr>
-              <a:t> &lt; 0.05 (9302 rows remain)</a:t>
-            </a:r>
-          </a:p>
-          <a:p>
-            <a:pPr marL="285750" indent="-285750">
-              <a:buFont typeface="Arial" panose="020B0604020202020204" pitchFamily="34" charset="0"/>
-              <a:buChar char="•"/>
-            </a:pPr>
-            <a:r>
-              <a:rPr lang="en-US" dirty="0"/>
-              <a:t>85/7.5/7.5 split: train(7862), </a:t>
-            </a:r>
-            <a:r>
-              <a:rPr lang="en-US" dirty="0" err="1"/>
-              <a:t>val</a:t>
-            </a:r>
-            <a:r>
-              <a:rPr lang="en-US" dirty="0"/>
-              <a:t>(694), test(694)</a:t>
-            </a:r>
-            <a:endParaRPr lang="en-US" sz="1800" b="0" dirty="0">
-              <a:effectLst/>
-            </a:endParaRPr>
-          </a:p>
-          <a:p>
-            <a:pPr marL="285750" indent="-285750">
-              <a:buFont typeface="Arial" panose="020B0604020202020204" pitchFamily="34" charset="0"/>
-              <a:buChar char="•"/>
-            </a:pPr>
-            <a:endParaRPr lang="en-US" dirty="0"/>
-          </a:p>
-        </p:txBody>
-      </p:sp>
-      <p:pic>
-        <p:nvPicPr>
-          <p:cNvPr id="14" name="Picture 13">
-            <a:extLst>
-              <a:ext uri="{FF2B5EF4-FFF2-40B4-BE49-F238E27FC236}">
-                <a16:creationId xmlns:a16="http://schemas.microsoft.com/office/drawing/2014/main" id="{B6B8555E-543F-42E6-240A-282609C1AB30}"/>
-              </a:ext>
-            </a:extLst>
-          </p:cNvPr>
-          <p:cNvPicPr>
-            <a:picLocks noChangeAspect="1"/>
-          </p:cNvPicPr>
-          <p:nvPr/>
-        </p:nvPicPr>
-        <p:blipFill>
-          <a:blip r:embed="rId3"/>
-          <a:stretch>
-            <a:fillRect/>
-          </a:stretch>
-        </p:blipFill>
-        <p:spPr>
-          <a:xfrm>
-            <a:off x="7652541" y="3429000"/>
-            <a:ext cx="2016751" cy="1470277"/>
-          </a:xfrm>
-          <a:prstGeom prst="rect">
-            <a:avLst/>
-          </a:prstGeom>
-        </p:spPr>
-      </p:pic>
-      <p:sp>
-        <p:nvSpPr>
-          <p:cNvPr id="15" name="TextBox 14">
-            <a:extLst>
-              <a:ext uri="{FF2B5EF4-FFF2-40B4-BE49-F238E27FC236}">
-                <a16:creationId xmlns:a16="http://schemas.microsoft.com/office/drawing/2014/main" id="{4C5E23BE-CC77-2A8B-093D-8B06E84CE434}"/>
-              </a:ext>
-            </a:extLst>
-          </p:cNvPr>
-          <p:cNvSpPr txBox="1"/>
-          <p:nvPr/>
-        </p:nvSpPr>
-        <p:spPr>
-          <a:xfrm>
-            <a:off x="511992" y="4642288"/>
-            <a:ext cx="978153" cy="369332"/>
-          </a:xfrm>
-          <a:prstGeom prst="rect">
-            <a:avLst/>
-          </a:prstGeom>
-          <a:noFill/>
-        </p:spPr>
-        <p:txBody>
-          <a:bodyPr wrap="none" rtlCol="0">
-            <a:spAutoFit/>
-          </a:bodyPr>
-          <a:lstStyle/>
-          <a:p>
-            <a:r>
-              <a:rPr lang="en-US" dirty="0"/>
-              <a:t>Clean-4</a:t>
-            </a:r>
-          </a:p>
-        </p:txBody>
-      </p:sp>
-      <p:sp>
-        <p:nvSpPr>
-          <p:cNvPr id="16" name="TextBox 15">
-            <a:extLst>
-              <a:ext uri="{FF2B5EF4-FFF2-40B4-BE49-F238E27FC236}">
-                <a16:creationId xmlns:a16="http://schemas.microsoft.com/office/drawing/2014/main" id="{4B593975-C03F-F861-FB9A-E077DED89E51}"/>
-              </a:ext>
-            </a:extLst>
-          </p:cNvPr>
-          <p:cNvSpPr txBox="1"/>
-          <p:nvPr/>
-        </p:nvSpPr>
-        <p:spPr>
-          <a:xfrm>
-            <a:off x="847700" y="5011620"/>
-            <a:ext cx="6467660" cy="1200329"/>
-          </a:xfrm>
-          <a:prstGeom prst="rect">
-            <a:avLst/>
-          </a:prstGeom>
-          <a:noFill/>
-        </p:spPr>
-        <p:txBody>
-          <a:bodyPr wrap="square">
-            <a:spAutoFit/>
-          </a:bodyPr>
-          <a:lstStyle/>
-          <a:p>
-            <a:pPr marL="285750" indent="-285750">
-              <a:buFont typeface="Arial" panose="020B0604020202020204" pitchFamily="34" charset="0"/>
-              <a:buChar char="•"/>
-            </a:pPr>
-            <a:r>
-              <a:rPr lang="en-US" dirty="0"/>
-              <a:t>remove NANs, duplicates, and use mean </a:t>
-            </a:r>
-            <a:r>
-              <a:rPr lang="en-US" dirty="0" err="1"/>
-              <a:t>Kd</a:t>
-            </a:r>
-            <a:r>
-              <a:rPr lang="en-US" dirty="0"/>
-              <a:t> for duplicates</a:t>
-            </a:r>
-          </a:p>
-          <a:p>
-            <a:pPr marL="285750" indent="-285750">
-              <a:buFont typeface="Arial" panose="020B0604020202020204" pitchFamily="34" charset="0"/>
-              <a:buChar char="•"/>
-            </a:pPr>
-            <a:r>
-              <a:rPr lang="en-US" sz="1800" b="0" dirty="0">
-                <a:effectLst/>
-              </a:rPr>
-              <a:t>keep only rows with </a:t>
-            </a:r>
-            <a:r>
-              <a:rPr lang="en-US" sz="1800" b="0" dirty="0" err="1">
-                <a:effectLst/>
-              </a:rPr>
-              <a:t>q_value</a:t>
-            </a:r>
-            <a:r>
-              <a:rPr lang="en-US" dirty="0" err="1"/>
-              <a:t>s</a:t>
-            </a:r>
-            <a:r>
-              <a:rPr lang="en-US" sz="1800" b="0" dirty="0">
-                <a:effectLst/>
-              </a:rPr>
-              <a:t> </a:t>
-            </a:r>
-            <a:r>
-              <a:rPr lang="en-US" dirty="0"/>
-              <a:t>&lt;</a:t>
-            </a:r>
-            <a:r>
-              <a:rPr lang="en-US" sz="1800" b="0" dirty="0">
-                <a:effectLst/>
-              </a:rPr>
-              <a:t> 0.50 (12320 rows remain)</a:t>
-            </a:r>
-          </a:p>
-          <a:p>
-            <a:pPr marL="285750" indent="-285750">
-              <a:buFont typeface="Arial" panose="020B0604020202020204" pitchFamily="34" charset="0"/>
-              <a:buChar char="•"/>
-            </a:pPr>
-            <a:r>
-              <a:rPr lang="en-US" dirty="0"/>
-              <a:t>80/10/10 split: train(9856), </a:t>
-            </a:r>
-            <a:r>
-              <a:rPr lang="en-US" dirty="0" err="1"/>
-              <a:t>val</a:t>
-            </a:r>
-            <a:r>
-              <a:rPr lang="en-US" dirty="0"/>
-              <a:t>(1232), test(1232)</a:t>
-            </a:r>
-            <a:endParaRPr lang="en-US" sz="1800" b="0" dirty="0">
-              <a:effectLst/>
-            </a:endParaRPr>
-          </a:p>
-          <a:p>
-            <a:pPr marL="285750" indent="-285750">
-              <a:buFont typeface="Arial" panose="020B0604020202020204" pitchFamily="34" charset="0"/>
-              <a:buChar char="•"/>
-            </a:pPr>
-            <a:endParaRPr lang="en-US" dirty="0"/>
-          </a:p>
-        </p:txBody>
-      </p:sp>
-      <p:pic>
-        <p:nvPicPr>
-          <p:cNvPr id="17" name="Picture 16">
-            <a:extLst>
-              <a:ext uri="{FF2B5EF4-FFF2-40B4-BE49-F238E27FC236}">
-                <a16:creationId xmlns:a16="http://schemas.microsoft.com/office/drawing/2014/main" id="{755D7FE7-1608-A0DA-C250-784EB3FE3ABF}"/>
-              </a:ext>
-            </a:extLst>
-          </p:cNvPr>
-          <p:cNvPicPr>
-            <a:picLocks noChangeAspect="1"/>
-          </p:cNvPicPr>
-          <p:nvPr/>
-        </p:nvPicPr>
-        <p:blipFill>
-          <a:blip r:embed="rId4"/>
-          <a:stretch>
-            <a:fillRect/>
-          </a:stretch>
-        </p:blipFill>
-        <p:spPr>
-          <a:xfrm>
-            <a:off x="7321816" y="5117612"/>
-            <a:ext cx="2476371" cy="1643673"/>
-          </a:xfrm>
-          <a:prstGeom prst="rect">
-            <a:avLst/>
-          </a:prstGeom>
-        </p:spPr>
-      </p:pic>
-    </p:spTree>
-    <p:extLst>
-      <p:ext uri="{BB962C8B-B14F-4D97-AF65-F5344CB8AC3E}">
-        <p14:creationId xmlns:p14="http://schemas.microsoft.com/office/powerpoint/2010/main" val="1507180346"/>
-      </p:ext>
-    </p:extLst>
-  </p:cSld>
-  <p:clrMapOvr>
-    <a:masterClrMapping/>
-  </p:clrMapOvr>
-</p:sld>
-</file>
-
-<file path=ppt/slides/slide40.xml><?xml version="1.0" encoding="utf-8"?>
+<file path=ppt/slides/slide41.xml><?xml version="1.0" encoding="utf-8"?>
 <p:sld xmlns:a="http://schemas.openxmlformats.org/drawingml/2006/main" xmlns:r="http://schemas.openxmlformats.org/officeDocument/2006/relationships" xmlns:p="http://schemas.openxmlformats.org/presentationml/2006/main">
   <p:cSld>
     <p:spTree>
@@ -31163,7 +31031,7 @@
 </p:sld>
 </file>
 
-<file path=ppt/slides/slide41.xml><?xml version="1.0" encoding="utf-8"?>
+<file path=ppt/slides/slide42.xml><?xml version="1.0" encoding="utf-8"?>
 <p:sld xmlns:a="http://schemas.openxmlformats.org/drawingml/2006/main" xmlns:r="http://schemas.openxmlformats.org/officeDocument/2006/relationships" xmlns:p="http://schemas.openxmlformats.org/presentationml/2006/main">
   <p:cSld>
     <p:spTree>
@@ -33986,7 +33854,7 @@
 </p:sld>
 </file>
 
-<file path=ppt/slides/slide42.xml><?xml version="1.0" encoding="utf-8"?>
+<file path=ppt/slides/slide43.xml><?xml version="1.0" encoding="utf-8"?>
 <p:sld xmlns:a="http://schemas.openxmlformats.org/drawingml/2006/main" xmlns:r="http://schemas.openxmlformats.org/officeDocument/2006/relationships" xmlns:p="http://schemas.openxmlformats.org/presentationml/2006/main">
   <p:cSld>
     <p:spTree>
@@ -34184,7 +34052,7 @@
 </p:sld>
 </file>
 
-<file path=ppt/slides/slide43.xml><?xml version="1.0" encoding="utf-8"?>
+<file path=ppt/slides/slide44.xml><?xml version="1.0" encoding="utf-8"?>
 <p:sld xmlns:a="http://schemas.openxmlformats.org/drawingml/2006/main" xmlns:r="http://schemas.openxmlformats.org/officeDocument/2006/relationships" xmlns:p="http://schemas.openxmlformats.org/presentationml/2006/main">
   <p:cSld>
     <p:spTree>
@@ -34371,7 +34239,7 @@
 </p:sld>
 </file>
 
-<file path=ppt/slides/slide44.xml><?xml version="1.0" encoding="utf-8"?>
+<file path=ppt/slides/slide45.xml><?xml version="1.0" encoding="utf-8"?>
 <p:sld xmlns:a="http://schemas.openxmlformats.org/drawingml/2006/main" xmlns:r="http://schemas.openxmlformats.org/officeDocument/2006/relationships" xmlns:p="http://schemas.openxmlformats.org/presentationml/2006/main">
   <p:cSld>
     <p:spTree>
@@ -34923,7 +34791,7 @@
 </p:sld>
 </file>
 
-<file path=ppt/slides/slide45.xml><?xml version="1.0" encoding="utf-8"?>
+<file path=ppt/slides/slide46.xml><?xml version="1.0" encoding="utf-8"?>
 <p:sld xmlns:a="http://schemas.openxmlformats.org/drawingml/2006/main" xmlns:r="http://schemas.openxmlformats.org/officeDocument/2006/relationships" xmlns:p="http://schemas.openxmlformats.org/presentationml/2006/main">
   <p:cSld>
     <p:spTree>
@@ -35231,7 +35099,7 @@
 </p:sld>
 </file>
 
-<file path=ppt/slides/slide46.xml><?xml version="1.0" encoding="utf-8"?>
+<file path=ppt/slides/slide47.xml><?xml version="1.0" encoding="utf-8"?>
 <p:sld xmlns:a="http://schemas.openxmlformats.org/drawingml/2006/main" xmlns:r="http://schemas.openxmlformats.org/officeDocument/2006/relationships" xmlns:p="http://schemas.openxmlformats.org/presentationml/2006/main">
   <p:cSld>
     <p:spTree>
@@ -35863,13 +35731,13 @@
           <p:nvPr>
             <p:extLst>
               <p:ext uri="{D42A27DB-BD31-4B8C-83A1-F6EECF244321}">
-                <p14:modId xmlns:p14="http://schemas.microsoft.com/office/powerpoint/2010/main" val="615645312"/>
+                <p14:modId xmlns:p14="http://schemas.microsoft.com/office/powerpoint/2010/main" val="1932237538"/>
               </p:ext>
             </p:extLst>
           </p:nvPr>
         </p:nvGraphicFramePr>
         <p:xfrm>
-          <a:off x="1842219" y="1112902"/>
+          <a:off x="2609970" y="1285430"/>
           <a:ext cx="5744631" cy="2461247"/>
         </p:xfrm>
         <a:graphic>
@@ -36372,8 +36240,8 @@
         </p:nvSpPr>
         <p:spPr>
           <a:xfrm>
-            <a:off x="502136" y="1164438"/>
-            <a:ext cx="10591434" cy="5262979"/>
+            <a:off x="1235381" y="1526748"/>
+            <a:ext cx="9487253" cy="3293209"/>
           </a:xfrm>
           <a:prstGeom prst="rect">
             <a:avLst/>
@@ -36396,175 +36264,6 @@
             </a:r>
           </a:p>
           <a:p>
-            <a:pPr marL="742950" lvl="1" indent="-285750">
-              <a:buFont typeface="Arial" panose="020B0604020202020204" pitchFamily="34" charset="0"/>
-              <a:buChar char="•"/>
-            </a:pPr>
-            <a:r>
-              <a:rPr lang="en-US" sz="1600" dirty="0"/>
-              <a:t>replace aa residue(s) with MASK token (like a dropout); note this is not MLM as done in BERT</a:t>
-            </a:r>
-          </a:p>
-          <a:p>
-            <a:pPr marL="742950" lvl="1" indent="-285750">
-              <a:buFont typeface="Arial" panose="020B0604020202020204" pitchFamily="34" charset="0"/>
-              <a:buChar char="•"/>
-            </a:pPr>
-            <a:r>
-              <a:rPr lang="en-US" sz="1600" dirty="0">
-                <a:solidFill>
-                  <a:schemeClr val="bg1">
-                    <a:lumMod val="65000"/>
-                  </a:schemeClr>
-                </a:solidFill>
-              </a:rPr>
-              <a:t>randomly choose </a:t>
-            </a:r>
-            <a:r>
-              <a:rPr lang="en-US" sz="1600" dirty="0" err="1">
-                <a:solidFill>
-                  <a:schemeClr val="bg1">
-                    <a:lumMod val="65000"/>
-                  </a:schemeClr>
-                </a:solidFill>
-              </a:rPr>
-              <a:t>Kd</a:t>
-            </a:r>
-            <a:r>
-              <a:rPr lang="en-US" sz="1600" dirty="0">
-                <a:solidFill>
-                  <a:schemeClr val="bg1">
-                    <a:lumMod val="65000"/>
-                  </a:schemeClr>
-                </a:solidFill>
-              </a:rPr>
-              <a:t> values over range [</a:t>
-            </a:r>
-            <a:r>
-              <a:rPr lang="en-US" sz="1600" dirty="0" err="1">
-                <a:solidFill>
-                  <a:schemeClr val="bg1">
-                    <a:lumMod val="65000"/>
-                  </a:schemeClr>
-                </a:solidFill>
-              </a:rPr>
-              <a:t>Kd_lower_bound</a:t>
-            </a:r>
-            <a:r>
-              <a:rPr lang="en-US" sz="1600" dirty="0">
-                <a:solidFill>
-                  <a:schemeClr val="bg1">
-                    <a:lumMod val="65000"/>
-                  </a:schemeClr>
-                </a:solidFill>
-              </a:rPr>
-              <a:t>, </a:t>
-            </a:r>
-            <a:r>
-              <a:rPr lang="en-US" sz="1600" dirty="0" err="1">
-                <a:solidFill>
-                  <a:schemeClr val="bg1">
-                    <a:lumMod val="65000"/>
-                  </a:schemeClr>
-                </a:solidFill>
-              </a:rPr>
-              <a:t>Kd_upper_bound</a:t>
-            </a:r>
-            <a:r>
-              <a:rPr lang="en-US" sz="1600" dirty="0">
-                <a:solidFill>
-                  <a:schemeClr val="bg1">
-                    <a:lumMod val="65000"/>
-                  </a:schemeClr>
-                </a:solidFill>
-              </a:rPr>
-              <a:t>]</a:t>
-            </a:r>
-          </a:p>
-          <a:p>
-            <a:pPr marL="742950" lvl="1" indent="-285750">
-              <a:buFont typeface="Arial" panose="020B0604020202020204" pitchFamily="34" charset="0"/>
-              <a:buChar char="•"/>
-            </a:pPr>
-            <a:r>
-              <a:rPr lang="en-US" sz="1600" dirty="0">
-                <a:solidFill>
-                  <a:schemeClr val="bg1">
-                    <a:lumMod val="65000"/>
-                  </a:schemeClr>
-                </a:solidFill>
-              </a:rPr>
-              <a:t>flip the aa-sequence back-to-front </a:t>
-            </a:r>
-          </a:p>
-          <a:p>
-            <a:pPr marL="1200150" lvl="2" indent="-285750">
-              <a:buFont typeface="Arial" panose="020B0604020202020204" pitchFamily="34" charset="0"/>
-              <a:buChar char="•"/>
-            </a:pPr>
-            <a:r>
-              <a:rPr lang="en-US" sz="1600" dirty="0">
-                <a:solidFill>
-                  <a:schemeClr val="bg1">
-                    <a:lumMod val="65000"/>
-                  </a:schemeClr>
-                </a:solidFill>
-              </a:rPr>
-              <a:t>don’t use: this breaks transformer position embedding? (fine for MLP though)</a:t>
-            </a:r>
-          </a:p>
-          <a:p>
-            <a:pPr marL="742950" lvl="1" indent="-285750">
-              <a:buFont typeface="Arial" panose="020B0604020202020204" pitchFamily="34" charset="0"/>
-              <a:buChar char="•"/>
-            </a:pPr>
-            <a:r>
-              <a:rPr lang="en-US" sz="1600" dirty="0">
-                <a:solidFill>
-                  <a:schemeClr val="bg1">
-                    <a:lumMod val="65000"/>
-                  </a:schemeClr>
-                </a:solidFill>
-              </a:rPr>
-              <a:t>roll the aa-sequence either direction a random number of residues</a:t>
-            </a:r>
-          </a:p>
-          <a:p>
-            <a:pPr marL="1200150" lvl="2" indent="-285750">
-              <a:buFont typeface="Arial" panose="020B0604020202020204" pitchFamily="34" charset="0"/>
-              <a:buChar char="•"/>
-            </a:pPr>
-            <a:r>
-              <a:rPr lang="en-US" sz="1600" dirty="0">
-                <a:solidFill>
-                  <a:schemeClr val="bg1">
-                    <a:lumMod val="65000"/>
-                  </a:schemeClr>
-                </a:solidFill>
-              </a:rPr>
-              <a:t>don’t use: this breaks transformer position embedding? (fine for MLP though)</a:t>
-            </a:r>
-          </a:p>
-          <a:p>
-            <a:pPr lvl="1"/>
-            <a:endParaRPr lang="en-US" sz="1600" dirty="0"/>
-          </a:p>
-          <a:p>
-            <a:pPr marL="285750" indent="-285750">
-              <a:buFont typeface="Arial" panose="020B0604020202020204" pitchFamily="34" charset="0"/>
-              <a:buChar char="•"/>
-            </a:pPr>
-            <a:r>
-              <a:rPr lang="en-US" sz="1600" dirty="0"/>
-              <a:t>In model, use standard dropout for weights, </a:t>
-            </a:r>
-            <a:r>
-              <a:rPr lang="en-US" sz="1600" dirty="0" err="1"/>
-              <a:t>etc</a:t>
-            </a:r>
-            <a:endParaRPr lang="en-US" sz="1600" dirty="0"/>
-          </a:p>
-          <a:p>
             <a:pPr marL="285750" indent="-285750">
               <a:buFont typeface="Arial" panose="020B0604020202020204" pitchFamily="34" charset="0"/>
               <a:buChar char="•"/>
@@ -36572,236 +36271,131 @@
             <a:endParaRPr lang="en-US" sz="1600" dirty="0"/>
           </a:p>
           <a:p>
+            <a:pPr marL="742950" lvl="1" indent="-285750">
+              <a:buFont typeface="Arial" panose="020B0604020202020204" pitchFamily="34" charset="0"/>
+              <a:buChar char="•"/>
+            </a:pPr>
+            <a:r>
+              <a:rPr lang="en-US" sz="1600" dirty="0"/>
+              <a:t>replace aa residue(s) with MASK token (like a dropout); (note this is not MLM as done in BERT)</a:t>
+            </a:r>
+          </a:p>
+          <a:p>
+            <a:pPr marL="742950" lvl="1" indent="-285750">
+              <a:buFont typeface="Arial" panose="020B0604020202020204" pitchFamily="34" charset="0"/>
+              <a:buChar char="•"/>
+            </a:pPr>
+            <a:endParaRPr lang="en-US" sz="1600" dirty="0"/>
+          </a:p>
+          <a:p>
+            <a:pPr marL="742950" lvl="1" indent="-285750">
+              <a:buFont typeface="Arial" panose="020B0604020202020204" pitchFamily="34" charset="0"/>
+              <a:buChar char="•"/>
+            </a:pPr>
+            <a:r>
+              <a:rPr lang="en-US" sz="1600" dirty="0"/>
+              <a:t>randomly choose </a:t>
+            </a:r>
+            <a:r>
+              <a:rPr lang="en-US" sz="1600" dirty="0" err="1"/>
+              <a:t>Kd</a:t>
+            </a:r>
+            <a:r>
+              <a:rPr lang="en-US" sz="1600" dirty="0"/>
+              <a:t> values over range [</a:t>
+            </a:r>
+            <a:r>
+              <a:rPr lang="en-US" sz="1600" dirty="0" err="1"/>
+              <a:t>Kd_lower_bound</a:t>
+            </a:r>
+            <a:r>
+              <a:rPr lang="en-US" sz="1600" dirty="0"/>
+              <a:t>, </a:t>
+            </a:r>
+            <a:r>
+              <a:rPr lang="en-US" sz="1600" dirty="0" err="1"/>
+              <a:t>Kd_upper_bound</a:t>
+            </a:r>
+            <a:r>
+              <a:rPr lang="en-US" sz="1600" dirty="0"/>
+              <a:t>] </a:t>
+            </a:r>
+          </a:p>
+          <a:p>
+            <a:pPr marL="1200150" lvl="2" indent="-285750">
+              <a:buFont typeface="Arial" panose="020B0604020202020204" pitchFamily="34" charset="0"/>
+              <a:buChar char="•"/>
+            </a:pPr>
+            <a:r>
+              <a:rPr lang="en-US" sz="1600" dirty="0"/>
+              <a:t>I did not have time to try this; I think this would be interesting</a:t>
+            </a:r>
+          </a:p>
+          <a:p>
+            <a:pPr marL="1200150" lvl="2" indent="-285750">
+              <a:buFont typeface="Arial" panose="020B0604020202020204" pitchFamily="34" charset="0"/>
+              <a:buChar char="•"/>
+            </a:pPr>
+            <a:endParaRPr lang="en-US" sz="1600" dirty="0"/>
+          </a:p>
+          <a:p>
+            <a:pPr marL="742950" lvl="1" indent="-285750">
+              <a:buFont typeface="Arial" panose="020B0604020202020204" pitchFamily="34" charset="0"/>
+              <a:buChar char="•"/>
+            </a:pPr>
+            <a:r>
+              <a:rPr lang="en-US" sz="1600" dirty="0"/>
+              <a:t>flip the aa-sequence back-to-front </a:t>
+            </a:r>
+          </a:p>
+          <a:p>
+            <a:pPr marL="1200150" lvl="2" indent="-285750">
+              <a:buFont typeface="Arial" panose="020B0604020202020204" pitchFamily="34" charset="0"/>
+              <a:buChar char="•"/>
+            </a:pPr>
+            <a:r>
+              <a:rPr lang="en-US" sz="1600" dirty="0"/>
+              <a:t>this probably breaks the transformer position embedding (is fine for MLP though)</a:t>
+            </a:r>
+          </a:p>
+          <a:p>
+            <a:pPr marL="742950" lvl="1" indent="-285750">
+              <a:buFont typeface="Arial" panose="020B0604020202020204" pitchFamily="34" charset="0"/>
+              <a:buChar char="•"/>
+            </a:pPr>
+            <a:r>
+              <a:rPr lang="en-US" sz="1600" dirty="0"/>
+              <a:t>roll the aa-sequence either direction a random number of residues</a:t>
+            </a:r>
+          </a:p>
+          <a:p>
+            <a:pPr marL="1200150" lvl="2" indent="-285750">
+              <a:buFont typeface="Arial" panose="020B0604020202020204" pitchFamily="34" charset="0"/>
+              <a:buChar char="•"/>
+            </a:pPr>
+            <a:r>
+              <a:rPr lang="en-US" sz="1600" dirty="0"/>
+              <a:t>this probably breaks the transformer position embedding (is fine for MLP though)</a:t>
+            </a:r>
+          </a:p>
+          <a:p>
+            <a:pPr lvl="1"/>
+            <a:endParaRPr lang="en-US" sz="1600" dirty="0"/>
+          </a:p>
+          <a:p>
             <a:pPr marL="285750" indent="-285750">
               <a:buFont typeface="Arial" panose="020B0604020202020204" pitchFamily="34" charset="0"/>
               <a:buChar char="•"/>
             </a:pPr>
             <a:r>
               <a:rPr lang="en-US" sz="1600" dirty="0"/>
-              <a:t>Augmentation (not done)</a:t>
-            </a:r>
-          </a:p>
-          <a:p>
-            <a:pPr marL="742950" lvl="1" indent="-285750">
-              <a:buFont typeface="Arial" panose="020B0604020202020204" pitchFamily="34" charset="0"/>
-              <a:buChar char="•"/>
-            </a:pPr>
-            <a:r>
-              <a:rPr lang="en-US" sz="1600" dirty="0">
-                <a:solidFill>
-                  <a:schemeClr val="bg1">
-                    <a:lumMod val="50000"/>
-                  </a:schemeClr>
-                </a:solidFill>
-              </a:rPr>
-              <a:t>Use sequences from the dataset A-</a:t>
-            </a:r>
-            <a:r>
-              <a:rPr lang="en-US" sz="1600" dirty="0" err="1">
-                <a:solidFill>
-                  <a:schemeClr val="bg1">
-                    <a:lumMod val="50000"/>
-                  </a:schemeClr>
-                </a:solidFill>
-              </a:rPr>
-              <a:t>AlphaBio</a:t>
-            </a:r>
-            <a:r>
-              <a:rPr lang="en-US" sz="1600" dirty="0">
-                <a:solidFill>
-                  <a:schemeClr val="bg1">
-                    <a:lumMod val="50000"/>
-                  </a:schemeClr>
-                </a:solidFill>
-              </a:rPr>
-              <a:t> Nature paper (as long as no sequences match this training set or the holdout set)</a:t>
-            </a:r>
-          </a:p>
-          <a:p>
-            <a:pPr marL="742950" lvl="1" indent="-285750">
-              <a:buFont typeface="Arial" panose="020B0604020202020204" pitchFamily="34" charset="0"/>
-              <a:buChar char="•"/>
-            </a:pPr>
-            <a:endParaRPr lang="en-US" sz="1600" dirty="0">
-              <a:solidFill>
-                <a:schemeClr val="bg1">
-                  <a:lumMod val="50000"/>
-                </a:schemeClr>
-              </a:solidFill>
-            </a:endParaRPr>
-          </a:p>
-          <a:p>
-            <a:pPr marL="742950" lvl="1" indent="-285750">
-              <a:buFont typeface="Arial" panose="020B0604020202020204" pitchFamily="34" charset="0"/>
-              <a:buChar char="•"/>
-            </a:pPr>
-            <a:r>
-              <a:rPr lang="en-US" sz="1600" dirty="0">
-                <a:solidFill>
-                  <a:schemeClr val="bg1">
-                    <a:lumMod val="50000"/>
-                  </a:schemeClr>
-                </a:solidFill>
-              </a:rPr>
-              <a:t>Use sequences from Nature paper dataset #2 (the generated sequences) with the same caveat as above</a:t>
-            </a:r>
-          </a:p>
-          <a:p>
-            <a:pPr marL="742950" lvl="1" indent="-285750">
-              <a:buFont typeface="Arial" panose="020B0604020202020204" pitchFamily="34" charset="0"/>
-              <a:buChar char="•"/>
-            </a:pPr>
-            <a:endParaRPr lang="en-US" sz="1600" dirty="0">
-              <a:solidFill>
-                <a:schemeClr val="bg1">
-                  <a:lumMod val="50000"/>
-                </a:schemeClr>
-              </a:solidFill>
-            </a:endParaRPr>
-          </a:p>
-          <a:p>
-            <a:pPr marL="742950" lvl="1" indent="-285750">
-              <a:buFont typeface="Arial" panose="020B0604020202020204" pitchFamily="34" charset="0"/>
-              <a:buChar char="•"/>
-            </a:pPr>
-            <a:r>
-              <a:rPr lang="en-US" sz="1600" dirty="0">
-                <a:solidFill>
-                  <a:schemeClr val="bg1">
-                    <a:lumMod val="50000"/>
-                  </a:schemeClr>
-                </a:solidFill>
-              </a:rPr>
-              <a:t>Semi-supervised training; possible sources of unlabeled data</a:t>
-            </a:r>
-          </a:p>
-          <a:p>
-            <a:pPr marL="1200150" lvl="2" indent="-285750">
-              <a:buFont typeface="Arial" panose="020B0604020202020204" pitchFamily="34" charset="0"/>
-              <a:buChar char="•"/>
-            </a:pPr>
-            <a:r>
-              <a:rPr lang="en-US" sz="1600" dirty="0">
-                <a:solidFill>
-                  <a:schemeClr val="bg1">
-                    <a:lumMod val="50000"/>
-                  </a:schemeClr>
-                </a:solidFill>
-              </a:rPr>
-              <a:t>Use </a:t>
-            </a:r>
-            <a:r>
-              <a:rPr lang="en-US" sz="1600" dirty="0" err="1">
-                <a:solidFill>
-                  <a:schemeClr val="bg1">
-                    <a:lumMod val="50000"/>
-                  </a:schemeClr>
-                </a:solidFill>
-                <a:effectLst/>
-              </a:rPr>
-              <a:t>alphaseq_data_train.csv</a:t>
-            </a:r>
-            <a:r>
-              <a:rPr lang="en-US" sz="1600" dirty="0">
-                <a:solidFill>
-                  <a:schemeClr val="bg1">
-                    <a:lumMod val="50000"/>
-                  </a:schemeClr>
-                </a:solidFill>
-                <a:effectLst/>
-              </a:rPr>
-              <a:t> data with </a:t>
-            </a:r>
-            <a:r>
-              <a:rPr lang="en-US" sz="1600" dirty="0" err="1">
-                <a:solidFill>
-                  <a:schemeClr val="bg1">
-                    <a:lumMod val="50000"/>
-                  </a:schemeClr>
-                </a:solidFill>
-                <a:effectLst/>
-              </a:rPr>
-              <a:t>Kd</a:t>
-            </a:r>
-            <a:r>
-              <a:rPr lang="en-US" sz="1600" dirty="0">
-                <a:solidFill>
-                  <a:schemeClr val="bg1">
-                    <a:lumMod val="50000"/>
-                  </a:schemeClr>
-                </a:solidFill>
-                <a:effectLst/>
-              </a:rPr>
-              <a:t>=NANs</a:t>
-            </a:r>
-          </a:p>
-          <a:p>
-            <a:pPr marL="1200150" lvl="2" indent="-285750">
-              <a:buFont typeface="Arial" panose="020B0604020202020204" pitchFamily="34" charset="0"/>
-              <a:buChar char="•"/>
-            </a:pPr>
-            <a:r>
-              <a:rPr lang="en-US" sz="1600" dirty="0">
-                <a:solidFill>
-                  <a:schemeClr val="bg1">
-                    <a:lumMod val="50000"/>
-                  </a:schemeClr>
-                </a:solidFill>
-              </a:rPr>
-              <a:t>Use </a:t>
-            </a:r>
-            <a:r>
-              <a:rPr lang="en-US" sz="1600" dirty="0" err="1">
-                <a:solidFill>
-                  <a:schemeClr val="bg1">
-                    <a:lumMod val="50000"/>
-                  </a:schemeClr>
-                </a:solidFill>
-                <a:effectLst/>
-              </a:rPr>
-              <a:t>alphaseq_data_train.csv</a:t>
-            </a:r>
-            <a:r>
-              <a:rPr lang="en-US" sz="1600" dirty="0">
-                <a:solidFill>
-                  <a:schemeClr val="bg1">
-                    <a:lumMod val="50000"/>
-                  </a:schemeClr>
-                </a:solidFill>
-                <a:effectLst/>
-              </a:rPr>
-              <a:t> data with q-value &gt; 0.5</a:t>
-            </a:r>
-          </a:p>
-          <a:p>
-            <a:pPr marL="1200150" lvl="2" indent="-285750">
-              <a:buFont typeface="Arial" panose="020B0604020202020204" pitchFamily="34" charset="0"/>
-              <a:buChar char="•"/>
-            </a:pPr>
-            <a:endParaRPr lang="en-US" sz="1600" dirty="0">
-              <a:solidFill>
-                <a:schemeClr val="bg1">
-                  <a:lumMod val="50000"/>
-                </a:schemeClr>
-              </a:solidFill>
-            </a:endParaRPr>
-          </a:p>
-          <a:p>
-            <a:pPr marL="742950" lvl="1" indent="-285750">
-              <a:buFont typeface="Arial" panose="020B0604020202020204" pitchFamily="34" charset="0"/>
-              <a:buChar char="•"/>
-            </a:pPr>
-            <a:r>
-              <a:rPr lang="en-US" sz="1600" dirty="0">
-                <a:solidFill>
-                  <a:schemeClr val="bg1">
-                    <a:lumMod val="50000"/>
-                  </a:schemeClr>
-                </a:solidFill>
-                <a:effectLst/>
-              </a:rPr>
-              <a:t>Pre-training (like BERT) on large set of similar sequences.</a:t>
-            </a:r>
+              <a:t>And of course, use the use standard dropout in the model for weights, embeddings, </a:t>
+            </a:r>
+            <a:r>
+              <a:rPr lang="en-US" sz="1600" dirty="0" err="1"/>
+              <a:t>etc</a:t>
+            </a:r>
+            <a:endParaRPr lang="en-US" sz="1600" dirty="0"/>
           </a:p>
         </p:txBody>
       </p:sp>
@@ -36819,8 +36413,8 @@
         </p:nvSpPr>
         <p:spPr>
           <a:xfrm>
-            <a:off x="219807" y="646027"/>
-            <a:ext cx="6054927" cy="369332"/>
+            <a:off x="146649" y="809929"/>
+            <a:ext cx="6648038" cy="369332"/>
           </a:xfrm>
           <a:prstGeom prst="rect">
             <a:avLst/>
@@ -36835,7 +36429,7 @@
           <a:p>
             <a:r>
               <a:rPr lang="en-US" sz="1800" dirty="0"/>
-              <a:t>cleaned datasets are small with increased risk of overfitting</a:t>
+              <a:t>These cleaned datasets are small with increased risk of overfitting</a:t>
             </a:r>
             <a:endParaRPr lang="en-US" dirty="0"/>
           </a:p>
@@ -37092,8 +36686,8 @@
         </p:nvSpPr>
         <p:spPr>
           <a:xfrm>
-            <a:off x="1428242" y="5770982"/>
-            <a:ext cx="2038379" cy="369332"/>
+            <a:off x="817612" y="5866331"/>
+            <a:ext cx="3597652" cy="646331"/>
           </a:xfrm>
           <a:prstGeom prst="rect">
             <a:avLst/>
@@ -37106,9 +36700,17 @@
           </a:bodyPr>
           <a:lstStyle/>
           <a:p>
+            <a:pPr algn="ctr"/>
             <a:r>
               <a:rPr lang="en-US" dirty="0"/>
               <a:t>Vision Transformer</a:t>
+            </a:r>
+          </a:p>
+          <a:p>
+            <a:pPr algn="ctr"/>
+            <a:r>
+              <a:rPr lang="en-US" dirty="0"/>
+              <a:t>with residual-MLP regression head</a:t>
             </a:r>
           </a:p>
         </p:txBody>
@@ -37127,8 +36729,8 @@
         </p:nvSpPr>
         <p:spPr>
           <a:xfrm>
-            <a:off x="6171926" y="5770982"/>
-            <a:ext cx="3960508" cy="369332"/>
+            <a:off x="7065205" y="5804965"/>
+            <a:ext cx="3597652" cy="646331"/>
           </a:xfrm>
           <a:prstGeom prst="rect">
             <a:avLst/>
@@ -37141,9 +36743,17 @@
           </a:bodyPr>
           <a:lstStyle/>
           <a:p>
+            <a:pPr algn="ctr"/>
             <a:r>
               <a:rPr lang="en-US" dirty="0"/>
-              <a:t>Transformer with MLP regression head</a:t>
+              <a:t>Transformer </a:t>
+            </a:r>
+          </a:p>
+          <a:p>
+            <a:pPr algn="ctr"/>
+            <a:r>
+              <a:rPr lang="en-US" dirty="0"/>
+              <a:t>with residual-MLP regression head</a:t>
             </a:r>
           </a:p>
         </p:txBody>
@@ -37170,7 +36780,7 @@
         </p:blipFill>
         <p:spPr>
           <a:xfrm>
-            <a:off x="5586045" y="3770401"/>
+            <a:off x="6034617" y="3770401"/>
             <a:ext cx="5292981" cy="1863940"/>
           </a:xfrm>
           <a:prstGeom prst="rect">

--- a/Homework-aAlphaBio.pptx
+++ b/Homework-aAlphaBio.pptx
@@ -9,49 +9,52 @@
     <p:sldId id="325" r:id="rId3"/>
     <p:sldId id="328" r:id="rId4"/>
     <p:sldId id="338" r:id="rId5"/>
-    <p:sldId id="361" r:id="rId6"/>
-    <p:sldId id="350" r:id="rId7"/>
-    <p:sldId id="333" r:id="rId8"/>
-    <p:sldId id="336" r:id="rId9"/>
-    <p:sldId id="345" r:id="rId10"/>
-    <p:sldId id="343" r:id="rId11"/>
-    <p:sldId id="341" r:id="rId12"/>
-    <p:sldId id="356" r:id="rId13"/>
-    <p:sldId id="357" r:id="rId14"/>
-    <p:sldId id="346" r:id="rId15"/>
-    <p:sldId id="358" r:id="rId16"/>
-    <p:sldId id="365" r:id="rId17"/>
-    <p:sldId id="359" r:id="rId18"/>
-    <p:sldId id="360" r:id="rId19"/>
-    <p:sldId id="352" r:id="rId20"/>
-    <p:sldId id="320" r:id="rId21"/>
-    <p:sldId id="257" r:id="rId22"/>
-    <p:sldId id="258" r:id="rId23"/>
-    <p:sldId id="318" r:id="rId24"/>
-    <p:sldId id="321" r:id="rId25"/>
-    <p:sldId id="355" r:id="rId26"/>
-    <p:sldId id="349" r:id="rId27"/>
-    <p:sldId id="353" r:id="rId28"/>
-    <p:sldId id="347" r:id="rId29"/>
-    <p:sldId id="363" r:id="rId30"/>
-    <p:sldId id="364" r:id="rId31"/>
-    <p:sldId id="351" r:id="rId32"/>
-    <p:sldId id="342" r:id="rId33"/>
-    <p:sldId id="322" r:id="rId34"/>
-    <p:sldId id="334" r:id="rId35"/>
-    <p:sldId id="354" r:id="rId36"/>
-    <p:sldId id="339" r:id="rId37"/>
-    <p:sldId id="344" r:id="rId38"/>
-    <p:sldId id="362" r:id="rId39"/>
-    <p:sldId id="337" r:id="rId40"/>
-    <p:sldId id="330" r:id="rId41"/>
-    <p:sldId id="329" r:id="rId42"/>
-    <p:sldId id="331" r:id="rId43"/>
-    <p:sldId id="259" r:id="rId44"/>
-    <p:sldId id="260" r:id="rId45"/>
-    <p:sldId id="324" r:id="rId46"/>
-    <p:sldId id="261" r:id="rId47"/>
-    <p:sldId id="340" r:id="rId48"/>
+    <p:sldId id="367" r:id="rId6"/>
+    <p:sldId id="361" r:id="rId7"/>
+    <p:sldId id="350" r:id="rId8"/>
+    <p:sldId id="333" r:id="rId9"/>
+    <p:sldId id="336" r:id="rId10"/>
+    <p:sldId id="345" r:id="rId11"/>
+    <p:sldId id="343" r:id="rId12"/>
+    <p:sldId id="341" r:id="rId13"/>
+    <p:sldId id="366" r:id="rId14"/>
+    <p:sldId id="368" r:id="rId15"/>
+    <p:sldId id="356" r:id="rId16"/>
+    <p:sldId id="357" r:id="rId17"/>
+    <p:sldId id="346" r:id="rId18"/>
+    <p:sldId id="358" r:id="rId19"/>
+    <p:sldId id="365" r:id="rId20"/>
+    <p:sldId id="359" r:id="rId21"/>
+    <p:sldId id="360" r:id="rId22"/>
+    <p:sldId id="352" r:id="rId23"/>
+    <p:sldId id="320" r:id="rId24"/>
+    <p:sldId id="257" r:id="rId25"/>
+    <p:sldId id="258" r:id="rId26"/>
+    <p:sldId id="318" r:id="rId27"/>
+    <p:sldId id="321" r:id="rId28"/>
+    <p:sldId id="355" r:id="rId29"/>
+    <p:sldId id="349" r:id="rId30"/>
+    <p:sldId id="353" r:id="rId31"/>
+    <p:sldId id="347" r:id="rId32"/>
+    <p:sldId id="363" r:id="rId33"/>
+    <p:sldId id="364" r:id="rId34"/>
+    <p:sldId id="351" r:id="rId35"/>
+    <p:sldId id="342" r:id="rId36"/>
+    <p:sldId id="322" r:id="rId37"/>
+    <p:sldId id="334" r:id="rId38"/>
+    <p:sldId id="354" r:id="rId39"/>
+    <p:sldId id="339" r:id="rId40"/>
+    <p:sldId id="344" r:id="rId41"/>
+    <p:sldId id="362" r:id="rId42"/>
+    <p:sldId id="337" r:id="rId43"/>
+    <p:sldId id="330" r:id="rId44"/>
+    <p:sldId id="329" r:id="rId45"/>
+    <p:sldId id="331" r:id="rId46"/>
+    <p:sldId id="259" r:id="rId47"/>
+    <p:sldId id="260" r:id="rId48"/>
+    <p:sldId id="324" r:id="rId49"/>
+    <p:sldId id="261" r:id="rId50"/>
+    <p:sldId id="340" r:id="rId51"/>
   </p:sldIdLst>
   <p:sldSz cx="12192000" cy="6858000"/>
   <p:notesSz cx="6858000" cy="9144000"/>
@@ -3426,7 +3429,7 @@
         <p:spPr>
           <a:xfrm>
             <a:off x="1187570" y="1771685"/>
-            <a:ext cx="9144000" cy="436677"/>
+            <a:ext cx="9144000" cy="1998058"/>
           </a:xfrm>
         </p:spPr>
         <p:txBody>
@@ -3439,6 +3442,15 @@
               <a:rPr lang="en-US" dirty="0"/>
               <a:t>Mark Thompson</a:t>
             </a:r>
+          </a:p>
+          <a:p>
+            <a:r>
+              <a:rPr lang="en-US" dirty="0"/>
+              <a:t>Submitted in partial fulfillment for Data Scientist application</a:t>
+            </a:r>
+          </a:p>
+          <a:p>
+            <a:endParaRPr lang="en-US" dirty="0"/>
           </a:p>
         </p:txBody>
       </p:sp>
@@ -3456,6 +3468,502 @@
 </file>
 
 <file path=ppt/slides/slide10.xml><?xml version="1.0" encoding="utf-8"?>
+<p:sld xmlns:a="http://schemas.openxmlformats.org/drawingml/2006/main" xmlns:r="http://schemas.openxmlformats.org/officeDocument/2006/relationships" xmlns:p="http://schemas.openxmlformats.org/presentationml/2006/main">
+  <p:cSld>
+    <p:spTree>
+      <p:nvGrpSpPr>
+        <p:cNvPr id="1" name=""/>
+        <p:cNvGrpSpPr/>
+        <p:nvPr/>
+      </p:nvGrpSpPr>
+      <p:grpSpPr>
+        <a:xfrm>
+          <a:off x="0" y="0"/>
+          <a:ext cx="0" cy="0"/>
+          <a:chOff x="0" y="0"/>
+          <a:chExt cx="0" cy="0"/>
+        </a:xfrm>
+      </p:grpSpPr>
+      <p:pic>
+        <p:nvPicPr>
+          <p:cNvPr id="2" name="Picture 1">
+            <a:extLst>
+              <a:ext uri="{FF2B5EF4-FFF2-40B4-BE49-F238E27FC236}">
+                <a16:creationId xmlns:a16="http://schemas.microsoft.com/office/drawing/2014/main" id="{F41556B3-511A-1108-A537-E6FFA6435178}"/>
+              </a:ext>
+            </a:extLst>
+          </p:cNvPr>
+          <p:cNvPicPr>
+            <a:picLocks noChangeAspect="1"/>
+          </p:cNvPicPr>
+          <p:nvPr/>
+        </p:nvPicPr>
+        <p:blipFill>
+          <a:blip r:embed="rId2"/>
+          <a:stretch>
+            <a:fillRect/>
+          </a:stretch>
+        </p:blipFill>
+        <p:spPr>
+          <a:xfrm>
+            <a:off x="8975385" y="1071086"/>
+            <a:ext cx="2275571" cy="2264631"/>
+          </a:xfrm>
+          <a:prstGeom prst="rect">
+            <a:avLst/>
+          </a:prstGeom>
+        </p:spPr>
+      </p:pic>
+      <p:sp>
+        <p:nvSpPr>
+          <p:cNvPr id="4" name="TextBox 3">
+            <a:extLst>
+              <a:ext uri="{FF2B5EF4-FFF2-40B4-BE49-F238E27FC236}">
+                <a16:creationId xmlns:a16="http://schemas.microsoft.com/office/drawing/2014/main" id="{4DBE238F-C3BA-58E7-0749-02517CDFE9F8}"/>
+              </a:ext>
+            </a:extLst>
+          </p:cNvPr>
+          <p:cNvSpPr txBox="1"/>
+          <p:nvPr/>
+        </p:nvSpPr>
+        <p:spPr>
+          <a:xfrm>
+            <a:off x="447619" y="3465992"/>
+            <a:ext cx="1964063" cy="923330"/>
+          </a:xfrm>
+          <a:prstGeom prst="rect">
+            <a:avLst/>
+          </a:prstGeom>
+          <a:noFill/>
+        </p:spPr>
+        <p:txBody>
+          <a:bodyPr wrap="none" rtlCol="0">
+            <a:spAutoFit/>
+          </a:bodyPr>
+          <a:lstStyle/>
+          <a:p>
+            <a:pPr algn="ctr"/>
+            <a:r>
+              <a:rPr lang="en-US" dirty="0"/>
+              <a:t>channel 1</a:t>
+            </a:r>
+          </a:p>
+          <a:p>
+            <a:pPr algn="ctr"/>
+            <a:endParaRPr lang="en-US" dirty="0"/>
+          </a:p>
+          <a:p>
+            <a:pPr algn="ctr"/>
+            <a:r>
+              <a:rPr lang="en-US" dirty="0"/>
+              <a:t>encoded residues</a:t>
+            </a:r>
+          </a:p>
+        </p:txBody>
+      </p:sp>
+      <p:sp>
+        <p:nvSpPr>
+          <p:cNvPr id="6" name="TextBox 5">
+            <a:extLst>
+              <a:ext uri="{FF2B5EF4-FFF2-40B4-BE49-F238E27FC236}">
+                <a16:creationId xmlns:a16="http://schemas.microsoft.com/office/drawing/2014/main" id="{B5791715-B936-C6EE-40A8-5CFB15D58B80}"/>
+              </a:ext>
+            </a:extLst>
+          </p:cNvPr>
+          <p:cNvSpPr txBox="1"/>
+          <p:nvPr/>
+        </p:nvSpPr>
+        <p:spPr>
+          <a:xfrm>
+            <a:off x="3321008" y="3465990"/>
+            <a:ext cx="1447832" cy="2031325"/>
+          </a:xfrm>
+          <a:prstGeom prst="rect">
+            <a:avLst/>
+          </a:prstGeom>
+          <a:noFill/>
+        </p:spPr>
+        <p:txBody>
+          <a:bodyPr wrap="none" rtlCol="0">
+            <a:spAutoFit/>
+          </a:bodyPr>
+          <a:lstStyle/>
+          <a:p>
+            <a:pPr algn="ctr"/>
+            <a:r>
+              <a:rPr lang="en-US" dirty="0"/>
+              <a:t>channel 2</a:t>
+            </a:r>
+          </a:p>
+          <a:p>
+            <a:pPr algn="ctr"/>
+            <a:endParaRPr lang="en-US" dirty="0"/>
+          </a:p>
+          <a:p>
+            <a:r>
+              <a:rPr lang="en-US" dirty="0"/>
+              <a:t>aa groups</a:t>
+            </a:r>
+          </a:p>
+          <a:p>
+            <a:pPr marL="285750" indent="-285750">
+              <a:buFont typeface="Arial" panose="020B0604020202020204" pitchFamily="34" charset="0"/>
+              <a:buChar char="•"/>
+            </a:pPr>
+            <a:r>
+              <a:rPr lang="en-US" dirty="0"/>
+              <a:t>polar</a:t>
+            </a:r>
+          </a:p>
+          <a:p>
+            <a:pPr marL="285750" indent="-285750">
+              <a:buFont typeface="Arial" panose="020B0604020202020204" pitchFamily="34" charset="0"/>
+              <a:buChar char="•"/>
+            </a:pPr>
+            <a:r>
+              <a:rPr lang="en-US" dirty="0"/>
+              <a:t>non-polar</a:t>
+            </a:r>
+          </a:p>
+          <a:p>
+            <a:pPr marL="285750" indent="-285750">
+              <a:buFont typeface="Arial" panose="020B0604020202020204" pitchFamily="34" charset="0"/>
+              <a:buChar char="•"/>
+            </a:pPr>
+            <a:r>
+              <a:rPr lang="en-US" dirty="0"/>
+              <a:t>neg </a:t>
+            </a:r>
+            <a:r>
+              <a:rPr lang="en-US" dirty="0" err="1"/>
+              <a:t>chg</a:t>
+            </a:r>
+            <a:endParaRPr lang="en-US" dirty="0"/>
+          </a:p>
+          <a:p>
+            <a:pPr marL="285750" indent="-285750">
+              <a:buFont typeface="Arial" panose="020B0604020202020204" pitchFamily="34" charset="0"/>
+              <a:buChar char="•"/>
+            </a:pPr>
+            <a:r>
+              <a:rPr lang="en-US" dirty="0"/>
+              <a:t>pos </a:t>
+            </a:r>
+            <a:r>
+              <a:rPr lang="en-US" dirty="0" err="1"/>
+              <a:t>chg</a:t>
+            </a:r>
+            <a:endParaRPr lang="en-US" dirty="0"/>
+          </a:p>
+        </p:txBody>
+      </p:sp>
+      <p:sp>
+        <p:nvSpPr>
+          <p:cNvPr id="7" name="TextBox 6">
+            <a:extLst>
+              <a:ext uri="{FF2B5EF4-FFF2-40B4-BE49-F238E27FC236}">
+                <a16:creationId xmlns:a16="http://schemas.microsoft.com/office/drawing/2014/main" id="{BA1FFDD6-EB5B-1503-DD87-15B6AB8443C4}"/>
+              </a:ext>
+            </a:extLst>
+          </p:cNvPr>
+          <p:cNvSpPr txBox="1"/>
+          <p:nvPr/>
+        </p:nvSpPr>
+        <p:spPr>
+          <a:xfrm>
+            <a:off x="6060733" y="3465989"/>
+            <a:ext cx="1600438" cy="923330"/>
+          </a:xfrm>
+          <a:prstGeom prst="rect">
+            <a:avLst/>
+          </a:prstGeom>
+          <a:noFill/>
+        </p:spPr>
+        <p:txBody>
+          <a:bodyPr wrap="none" rtlCol="0">
+            <a:spAutoFit/>
+          </a:bodyPr>
+          <a:lstStyle/>
+          <a:p>
+            <a:pPr algn="ctr"/>
+            <a:r>
+              <a:rPr lang="en-US" dirty="0"/>
+              <a:t>channel 3</a:t>
+            </a:r>
+          </a:p>
+          <a:p>
+            <a:pPr algn="ctr"/>
+            <a:endParaRPr lang="en-US" dirty="0"/>
+          </a:p>
+          <a:p>
+            <a:pPr algn="ctr"/>
+            <a:r>
+              <a:rPr lang="en-US" dirty="0"/>
+              <a:t>mutation </a:t>
+            </a:r>
+            <a:r>
+              <a:rPr lang="en-US" dirty="0" err="1"/>
+              <a:t>freq</a:t>
+            </a:r>
+            <a:r>
+              <a:rPr lang="en-US" b="1" baseline="30000" dirty="0"/>
+              <a:t>*</a:t>
+            </a:r>
+            <a:endParaRPr lang="en-US" b="1" dirty="0"/>
+          </a:p>
+        </p:txBody>
+      </p:sp>
+      <p:pic>
+        <p:nvPicPr>
+          <p:cNvPr id="9" name="Picture 8">
+            <a:extLst>
+              <a:ext uri="{FF2B5EF4-FFF2-40B4-BE49-F238E27FC236}">
+                <a16:creationId xmlns:a16="http://schemas.microsoft.com/office/drawing/2014/main" id="{5ADA95F7-51C3-4963-3557-3A15D5C5E97C}"/>
+              </a:ext>
+            </a:extLst>
+          </p:cNvPr>
+          <p:cNvPicPr>
+            <a:picLocks noChangeAspect="1"/>
+          </p:cNvPicPr>
+          <p:nvPr/>
+        </p:nvPicPr>
+        <p:blipFill>
+          <a:blip r:embed="rId3"/>
+          <a:stretch>
+            <a:fillRect/>
+          </a:stretch>
+        </p:blipFill>
+        <p:spPr>
+          <a:xfrm>
+            <a:off x="5637841" y="1071086"/>
+            <a:ext cx="2275571" cy="2264631"/>
+          </a:xfrm>
+          <a:prstGeom prst="rect">
+            <a:avLst/>
+          </a:prstGeom>
+        </p:spPr>
+      </p:pic>
+      <p:pic>
+        <p:nvPicPr>
+          <p:cNvPr id="10" name="Picture 9">
+            <a:extLst>
+              <a:ext uri="{FF2B5EF4-FFF2-40B4-BE49-F238E27FC236}">
+                <a16:creationId xmlns:a16="http://schemas.microsoft.com/office/drawing/2014/main" id="{B4342BE6-AE39-4D56-384E-FDD9DA4B3DE0}"/>
+              </a:ext>
+            </a:extLst>
+          </p:cNvPr>
+          <p:cNvPicPr>
+            <a:picLocks noChangeAspect="1"/>
+          </p:cNvPicPr>
+          <p:nvPr/>
+        </p:nvPicPr>
+        <p:blipFill>
+          <a:blip r:embed="rId4"/>
+          <a:stretch>
+            <a:fillRect/>
+          </a:stretch>
+        </p:blipFill>
+        <p:spPr>
+          <a:xfrm>
+            <a:off x="2907139" y="1071086"/>
+            <a:ext cx="2275571" cy="2264631"/>
+          </a:xfrm>
+          <a:prstGeom prst="rect">
+            <a:avLst/>
+          </a:prstGeom>
+        </p:spPr>
+      </p:pic>
+      <p:cxnSp>
+        <p:nvCxnSpPr>
+          <p:cNvPr id="12" name="Straight Arrow Connector 11">
+            <a:extLst>
+              <a:ext uri="{FF2B5EF4-FFF2-40B4-BE49-F238E27FC236}">
+                <a16:creationId xmlns:a16="http://schemas.microsoft.com/office/drawing/2014/main" id="{6C3D954F-79F3-1EB0-1683-CBEE21150551}"/>
+              </a:ext>
+            </a:extLst>
+          </p:cNvPr>
+          <p:cNvCxnSpPr>
+            <a:cxnSpLocks/>
+            <a:stCxn id="9" idx="3"/>
+            <a:endCxn id="2" idx="1"/>
+          </p:cNvCxnSpPr>
+          <p:nvPr/>
+        </p:nvCxnSpPr>
+        <p:spPr>
+          <a:xfrm>
+            <a:off x="7913412" y="2203402"/>
+            <a:ext cx="1061973" cy="0"/>
+          </a:xfrm>
+          <a:prstGeom prst="straightConnector1">
+            <a:avLst/>
+          </a:prstGeom>
+          <a:ln w="31750">
+            <a:tailEnd type="triangle"/>
+          </a:ln>
+        </p:spPr>
+        <p:style>
+          <a:lnRef idx="2">
+            <a:schemeClr val="accent1"/>
+          </a:lnRef>
+          <a:fillRef idx="0">
+            <a:schemeClr val="accent1"/>
+          </a:fillRef>
+          <a:effectRef idx="1">
+            <a:schemeClr val="accent1"/>
+          </a:effectRef>
+          <a:fontRef idx="minor">
+            <a:schemeClr val="tx1"/>
+          </a:fontRef>
+        </p:style>
+      </p:cxnSp>
+      <p:pic>
+        <p:nvPicPr>
+          <p:cNvPr id="15" name="Picture 14">
+            <a:extLst>
+              <a:ext uri="{FF2B5EF4-FFF2-40B4-BE49-F238E27FC236}">
+                <a16:creationId xmlns:a16="http://schemas.microsoft.com/office/drawing/2014/main" id="{9A704FA5-B282-AC23-A35A-46FF832C39D0}"/>
+              </a:ext>
+            </a:extLst>
+          </p:cNvPr>
+          <p:cNvPicPr>
+            <a:picLocks noChangeAspect="1"/>
+          </p:cNvPicPr>
+          <p:nvPr/>
+        </p:nvPicPr>
+        <p:blipFill>
+          <a:blip r:embed="rId5"/>
+          <a:stretch>
+            <a:fillRect/>
+          </a:stretch>
+        </p:blipFill>
+        <p:spPr>
+          <a:xfrm>
+            <a:off x="5506719" y="4481653"/>
+            <a:ext cx="3060409" cy="2031324"/>
+          </a:xfrm>
+          <a:prstGeom prst="rect">
+            <a:avLst/>
+          </a:prstGeom>
+        </p:spPr>
+      </p:pic>
+      <p:pic>
+        <p:nvPicPr>
+          <p:cNvPr id="16" name="Picture 15">
+            <a:extLst>
+              <a:ext uri="{FF2B5EF4-FFF2-40B4-BE49-F238E27FC236}">
+                <a16:creationId xmlns:a16="http://schemas.microsoft.com/office/drawing/2014/main" id="{BA4BCBFE-101B-6D08-47C3-83CE724AFCA8}"/>
+              </a:ext>
+            </a:extLst>
+          </p:cNvPr>
+          <p:cNvPicPr>
+            <a:picLocks noChangeAspect="1"/>
+          </p:cNvPicPr>
+          <p:nvPr/>
+        </p:nvPicPr>
+        <p:blipFill>
+          <a:blip r:embed="rId6"/>
+          <a:stretch>
+            <a:fillRect/>
+          </a:stretch>
+        </p:blipFill>
+        <p:spPr>
+          <a:xfrm>
+            <a:off x="318224" y="1071086"/>
+            <a:ext cx="2275570" cy="2264630"/>
+          </a:xfrm>
+          <a:prstGeom prst="rect">
+            <a:avLst/>
+          </a:prstGeom>
+        </p:spPr>
+      </p:pic>
+      <p:sp>
+        <p:nvSpPr>
+          <p:cNvPr id="18" name="TextBox 17">
+            <a:extLst>
+              <a:ext uri="{FF2B5EF4-FFF2-40B4-BE49-F238E27FC236}">
+                <a16:creationId xmlns:a16="http://schemas.microsoft.com/office/drawing/2014/main" id="{EF0A900A-3D5A-AA68-0C04-083AC8408629}"/>
+              </a:ext>
+            </a:extLst>
+          </p:cNvPr>
+          <p:cNvSpPr txBox="1"/>
+          <p:nvPr/>
+        </p:nvSpPr>
+        <p:spPr>
+          <a:xfrm>
+            <a:off x="173866" y="154242"/>
+            <a:ext cx="5179303" cy="461665"/>
+          </a:xfrm>
+          <a:prstGeom prst="rect">
+            <a:avLst/>
+          </a:prstGeom>
+          <a:noFill/>
+        </p:spPr>
+        <p:txBody>
+          <a:bodyPr wrap="none" rtlCol="0">
+            <a:spAutoFit/>
+          </a:bodyPr>
+          <a:lstStyle/>
+          <a:p>
+            <a:r>
+              <a:rPr lang="en-US" sz="2400" dirty="0"/>
+              <a:t>Vision Transformer: 3-channel image</a:t>
+            </a:r>
+          </a:p>
+        </p:txBody>
+      </p:sp>
+      <p:sp>
+        <p:nvSpPr>
+          <p:cNvPr id="19" name="TextBox 18">
+            <a:extLst>
+              <a:ext uri="{FF2B5EF4-FFF2-40B4-BE49-F238E27FC236}">
+                <a16:creationId xmlns:a16="http://schemas.microsoft.com/office/drawing/2014/main" id="{AE0DFB1A-1D6D-7194-1F79-869DADCC15F0}"/>
+              </a:ext>
+            </a:extLst>
+          </p:cNvPr>
+          <p:cNvSpPr txBox="1"/>
+          <p:nvPr/>
+        </p:nvSpPr>
+        <p:spPr>
+          <a:xfrm>
+            <a:off x="8325591" y="6374477"/>
+            <a:ext cx="3722879" cy="338554"/>
+          </a:xfrm>
+          <a:prstGeom prst="rect">
+            <a:avLst/>
+          </a:prstGeom>
+          <a:noFill/>
+        </p:spPr>
+        <p:txBody>
+          <a:bodyPr wrap="none" rtlCol="0">
+            <a:spAutoFit/>
+          </a:bodyPr>
+          <a:lstStyle/>
+          <a:p>
+            <a:r>
+              <a:rPr lang="en-US" sz="1600" b="1" dirty="0"/>
+              <a:t>*</a:t>
+            </a:r>
+            <a:r>
+              <a:rPr lang="en-US" sz="1200" dirty="0"/>
+              <a:t> relative variability by position over the entire dataset</a:t>
+            </a:r>
+          </a:p>
+        </p:txBody>
+      </p:sp>
+    </p:spTree>
+    <p:extLst>
+      <p:ext uri="{BB962C8B-B14F-4D97-AF65-F5344CB8AC3E}">
+        <p14:creationId xmlns:p14="http://schemas.microsoft.com/office/powerpoint/2010/main" val="4139768711"/>
+      </p:ext>
+    </p:extLst>
+  </p:cSld>
+  <p:clrMapOvr>
+    <a:masterClrMapping/>
+  </p:clrMapOvr>
+</p:sld>
+</file>
+
+<file path=ppt/slides/slide11.xml><?xml version="1.0" encoding="utf-8"?>
 <p:sld xmlns:a="http://schemas.openxmlformats.org/drawingml/2006/main" xmlns:r="http://schemas.openxmlformats.org/officeDocument/2006/relationships" xmlns:p="http://schemas.openxmlformats.org/presentationml/2006/main">
   <p:cSld>
     <p:spTree>
@@ -3919,8 +4427,8 @@
           </p:nvSpPr>
           <p:spPr>
             <a:xfrm>
-              <a:off x="8753987" y="883773"/>
-              <a:ext cx="1292598" cy="369332"/>
+              <a:off x="8626410" y="883777"/>
+              <a:ext cx="1382751" cy="369332"/>
             </a:xfrm>
             <a:prstGeom prst="rect">
               <a:avLst/>
@@ -3934,13 +4442,10 @@
             <a:lstStyle/>
             <a:p>
               <a:r>
-                <a:rPr lang="en-US" dirty="0" err="1"/>
-                <a:t>TForm</a:t>
+                <a:rPr lang="en-US" sz="1800" dirty="0"/>
+                <a:t>Transformer</a:t>
               </a:r>
-              <a:r>
-                <a:rPr lang="en-US" dirty="0"/>
-                <a:t> MLP</a:t>
-              </a:r>
+              <a:endParaRPr lang="en-US" dirty="0"/>
             </a:p>
           </p:txBody>
         </p:sp>
@@ -4482,7 +4987,7 @@
 </p:sld>
 </file>
 
-<file path=ppt/slides/slide11.xml><?xml version="1.0" encoding="utf-8"?>
+<file path=ppt/slides/slide12.xml><?xml version="1.0" encoding="utf-8"?>
 <p:sld xmlns:a="http://schemas.openxmlformats.org/drawingml/2006/main" xmlns:r="http://schemas.openxmlformats.org/officeDocument/2006/relationships" xmlns:p="http://schemas.openxmlformats.org/presentationml/2006/main">
   <p:cSld>
     <p:spTree>
@@ -4549,14 +5054,14 @@
           <p:nvPr>
             <p:extLst>
               <p:ext uri="{D42A27DB-BD31-4B8C-83A1-F6EECF244321}">
-                <p14:modId xmlns:p14="http://schemas.microsoft.com/office/powerpoint/2010/main" val="4091308545"/>
+                <p14:modId xmlns:p14="http://schemas.microsoft.com/office/powerpoint/2010/main" val="2111394956"/>
               </p:ext>
             </p:extLst>
           </p:nvPr>
         </p:nvGraphicFramePr>
         <p:xfrm>
           <a:off x="611069" y="1581805"/>
-          <a:ext cx="10134867" cy="2889188"/>
+          <a:ext cx="10231006" cy="2889188"/>
         </p:xfrm>
         <a:graphic>
           <a:graphicData uri="http://schemas.openxmlformats.org/drawingml/2006/table">
@@ -4565,7 +5070,7 @@
                 <a:tableStyleId>{5C22544A-7EE6-4342-B048-85BDC9FD1C3A}</a:tableStyleId>
               </a:tblPr>
               <a:tblGrid>
-                <a:gridCol w="1381125">
+                <a:gridCol w="1477264">
                   <a:extLst>
                     <a:ext uri="{9D8B030D-6E8A-4147-A177-3AD203B41FA5}">
                       <a16:colId xmlns:a16="http://schemas.microsoft.com/office/drawing/2014/main" val="1065848917"/>
@@ -5409,19 +5914,11 @@
                         <a:defRPr/>
                       </a:pPr>
                       <a:r>
-                        <a:rPr lang="en-US" sz="1600" dirty="0">
-                          <a:highlight>
-                            <a:srgbClr val="FFFF00"/>
-                          </a:highlight>
-                        </a:rPr>
+                        <a:rPr lang="en-US" sz="1600" dirty="0"/>
                         <a:t>VIT </a:t>
                       </a:r>
                       <a:r>
-                        <a:rPr lang="en-US" sz="1600" baseline="30000" dirty="0">
-                          <a:highlight>
-                            <a:srgbClr val="FFFF00"/>
-                          </a:highlight>
-                        </a:rPr>
+                        <a:rPr lang="en-US" sz="1600" baseline="30000" dirty="0"/>
                         <a:t>1</a:t>
                       </a:r>
                     </a:p>
@@ -5476,7 +5973,7 @@
                             <a:schemeClr val="tx1"/>
                           </a:solidFill>
                         </a:rPr>
-                        <a:t>527</a:t>
+                        <a:t>500</a:t>
                       </a:r>
                     </a:p>
                   </a:txBody>
@@ -5494,7 +5991,7 @@
                             <a:schemeClr val="tx1"/>
                           </a:solidFill>
                         </a:rPr>
-                        <a:t>0.26</a:t>
+                        <a:t>0.27</a:t>
                       </a:r>
                     </a:p>
                   </a:txBody>
@@ -5512,7 +6009,7 @@
                             <a:schemeClr val="tx1"/>
                           </a:solidFill>
                         </a:rPr>
-                        <a:t>0.13</a:t>
+                        <a:t>0.16</a:t>
                       </a:r>
                     </a:p>
                   </a:txBody>
@@ -5530,7 +6027,7 @@
                             <a:schemeClr val="tx1"/>
                           </a:solidFill>
                         </a:rPr>
-                        <a:t>0.15</a:t>
+                        <a:t>0.16</a:t>
                       </a:r>
                     </a:p>
                   </a:txBody>
@@ -5548,7 +6045,7 @@
                             <a:schemeClr val="tx1"/>
                           </a:solidFill>
                         </a:rPr>
-                        <a:t>51</a:t>
+                        <a:t>50</a:t>
                       </a:r>
                     </a:p>
                   </a:txBody>
@@ -5566,7 +6063,7 @@
                             <a:schemeClr val="tx1"/>
                           </a:solidFill>
                         </a:rPr>
-                        <a:t>75</a:t>
+                        <a:t>74</a:t>
                       </a:r>
                     </a:p>
                   </a:txBody>
@@ -5615,6 +6112,14 @@
                         <a:tabLst/>
                         <a:defRPr/>
                       </a:pPr>
+                      <a:r>
+                        <a:rPr lang="en-US" sz="1600" baseline="0" dirty="0">
+                          <a:solidFill>
+                            <a:srgbClr val="FF0000"/>
+                          </a:solidFill>
+                        </a:rPr>
+                        <a:t>*</a:t>
+                      </a:r>
                       <a:r>
                         <a:rPr lang="en-US" sz="1600" dirty="0"/>
                         <a:t>Transformer </a:t>
@@ -5958,7 +6463,1493 @@
 </p:sld>
 </file>
 
-<file path=ppt/slides/slide12.xml><?xml version="1.0" encoding="utf-8"?>
+<file path=ppt/slides/slide13.xml><?xml version="1.0" encoding="utf-8"?>
+<p:sld xmlns:a="http://schemas.openxmlformats.org/drawingml/2006/main" xmlns:r="http://schemas.openxmlformats.org/officeDocument/2006/relationships" xmlns:p="http://schemas.openxmlformats.org/presentationml/2006/main">
+  <p:cSld>
+    <p:spTree>
+      <p:nvGrpSpPr>
+        <p:cNvPr id="1" name=""/>
+        <p:cNvGrpSpPr/>
+        <p:nvPr/>
+      </p:nvGrpSpPr>
+      <p:grpSpPr>
+        <a:xfrm>
+          <a:off x="0" y="0"/>
+          <a:ext cx="0" cy="0"/>
+          <a:chOff x="0" y="0"/>
+          <a:chExt cx="0" cy="0"/>
+        </a:xfrm>
+      </p:grpSpPr>
+      <p:sp>
+        <p:nvSpPr>
+          <p:cNvPr id="2" name="TextBox 1">
+            <a:extLst>
+              <a:ext uri="{FF2B5EF4-FFF2-40B4-BE49-F238E27FC236}">
+                <a16:creationId xmlns:a16="http://schemas.microsoft.com/office/drawing/2014/main" id="{D7B699E5-6A91-D5D4-A6B0-C71C42589BC8}"/>
+              </a:ext>
+            </a:extLst>
+          </p:cNvPr>
+          <p:cNvSpPr txBox="1"/>
+          <p:nvPr/>
+        </p:nvSpPr>
+        <p:spPr>
+          <a:xfrm>
+            <a:off x="114248" y="144344"/>
+            <a:ext cx="6887655" cy="461665"/>
+          </a:xfrm>
+          <a:prstGeom prst="rect">
+            <a:avLst/>
+          </a:prstGeom>
+          <a:noFill/>
+        </p:spPr>
+        <p:txBody>
+          <a:bodyPr wrap="none" rtlCol="0">
+            <a:spAutoFit/>
+          </a:bodyPr>
+          <a:lstStyle/>
+          <a:p>
+            <a:r>
+              <a:rPr lang="en-US" sz="2400" dirty="0"/>
+              <a:t>Results: Transformer on different cleaned datasets</a:t>
+            </a:r>
+            <a:endParaRPr lang="en-US" sz="2400" dirty="0">
+              <a:highlight>
+                <a:srgbClr val="FFFF00"/>
+              </a:highlight>
+            </a:endParaRPr>
+          </a:p>
+        </p:txBody>
+      </p:sp>
+      <p:graphicFrame>
+        <p:nvGraphicFramePr>
+          <p:cNvPr id="3" name="Table 2">
+            <a:extLst>
+              <a:ext uri="{FF2B5EF4-FFF2-40B4-BE49-F238E27FC236}">
+                <a16:creationId xmlns:a16="http://schemas.microsoft.com/office/drawing/2014/main" id="{06968A34-6E02-9A89-9D28-711A65FA6A49}"/>
+              </a:ext>
+            </a:extLst>
+          </p:cNvPr>
+          <p:cNvGraphicFramePr>
+            <a:graphicFrameLocks noGrp="1"/>
+          </p:cNvGraphicFramePr>
+          <p:nvPr>
+            <p:extLst>
+              <p:ext uri="{D42A27DB-BD31-4B8C-83A1-F6EECF244321}">
+                <p14:modId xmlns:p14="http://schemas.microsoft.com/office/powerpoint/2010/main" val="3222493632"/>
+              </p:ext>
+            </p:extLst>
+          </p:nvPr>
+        </p:nvGraphicFramePr>
+        <p:xfrm>
+          <a:off x="412662" y="2088163"/>
+          <a:ext cx="10621990" cy="2394701"/>
+        </p:xfrm>
+        <a:graphic>
+          <a:graphicData uri="http://schemas.openxmlformats.org/drawingml/2006/table">
+            <a:tbl>
+              <a:tblPr firstRow="1" bandRow="1">
+                <a:tableStyleId>{5C22544A-7EE6-4342-B048-85BDC9FD1C3A}</a:tableStyleId>
+              </a:tblPr>
+              <a:tblGrid>
+                <a:gridCol w="1104824">
+                  <a:extLst>
+                    <a:ext uri="{9D8B030D-6E8A-4147-A177-3AD203B41FA5}">
+                      <a16:colId xmlns:a16="http://schemas.microsoft.com/office/drawing/2014/main" val="1065848917"/>
+                    </a:ext>
+                  </a:extLst>
+                </a:gridCol>
+                <a:gridCol w="979234">
+                  <a:extLst>
+                    <a:ext uri="{9D8B030D-6E8A-4147-A177-3AD203B41FA5}">
+                      <a16:colId xmlns:a16="http://schemas.microsoft.com/office/drawing/2014/main" val="3693395859"/>
+                    </a:ext>
+                  </a:extLst>
+                </a:gridCol>
+                <a:gridCol w="1104824">
+                  <a:extLst>
+                    <a:ext uri="{9D8B030D-6E8A-4147-A177-3AD203B41FA5}">
+                      <a16:colId xmlns:a16="http://schemas.microsoft.com/office/drawing/2014/main" val="1248994108"/>
+                    </a:ext>
+                  </a:extLst>
+                </a:gridCol>
+                <a:gridCol w="679222">
+                  <a:extLst>
+                    <a:ext uri="{9D8B030D-6E8A-4147-A177-3AD203B41FA5}">
+                      <a16:colId xmlns:a16="http://schemas.microsoft.com/office/drawing/2014/main" val="873310604"/>
+                    </a:ext>
+                  </a:extLst>
+                </a:gridCol>
+                <a:gridCol w="698144">
+                  <a:extLst>
+                    <a:ext uri="{9D8B030D-6E8A-4147-A177-3AD203B41FA5}">
+                      <a16:colId xmlns:a16="http://schemas.microsoft.com/office/drawing/2014/main" val="3981708244"/>
+                    </a:ext>
+                  </a:extLst>
+                </a:gridCol>
+                <a:gridCol w="1008380">
+                  <a:extLst>
+                    <a:ext uri="{9D8B030D-6E8A-4147-A177-3AD203B41FA5}">
+                      <a16:colId xmlns:a16="http://schemas.microsoft.com/office/drawing/2014/main" val="1135465181"/>
+                    </a:ext>
+                  </a:extLst>
+                </a:gridCol>
+                <a:gridCol w="693457">
+                  <a:extLst>
+                    <a:ext uri="{9D8B030D-6E8A-4147-A177-3AD203B41FA5}">
+                      <a16:colId xmlns:a16="http://schemas.microsoft.com/office/drawing/2014/main" val="2228991909"/>
+                    </a:ext>
+                  </a:extLst>
+                </a:gridCol>
+                <a:gridCol w="669055">
+                  <a:extLst>
+                    <a:ext uri="{9D8B030D-6E8A-4147-A177-3AD203B41FA5}">
+                      <a16:colId xmlns:a16="http://schemas.microsoft.com/office/drawing/2014/main" val="1586729873"/>
+                    </a:ext>
+                  </a:extLst>
+                </a:gridCol>
+                <a:gridCol w="733742">
+                  <a:extLst>
+                    <a:ext uri="{9D8B030D-6E8A-4147-A177-3AD203B41FA5}">
+                      <a16:colId xmlns:a16="http://schemas.microsoft.com/office/drawing/2014/main" val="3668445144"/>
+                    </a:ext>
+                  </a:extLst>
+                </a:gridCol>
+                <a:gridCol w="787718">
+                  <a:extLst>
+                    <a:ext uri="{9D8B030D-6E8A-4147-A177-3AD203B41FA5}">
+                      <a16:colId xmlns:a16="http://schemas.microsoft.com/office/drawing/2014/main" val="3665151200"/>
+                    </a:ext>
+                  </a:extLst>
+                </a:gridCol>
+                <a:gridCol w="787718">
+                  <a:extLst>
+                    <a:ext uri="{9D8B030D-6E8A-4147-A177-3AD203B41FA5}">
+                      <a16:colId xmlns:a16="http://schemas.microsoft.com/office/drawing/2014/main" val="2888677663"/>
+                    </a:ext>
+                  </a:extLst>
+                </a:gridCol>
+                <a:gridCol w="1375672">
+                  <a:extLst>
+                    <a:ext uri="{9D8B030D-6E8A-4147-A177-3AD203B41FA5}">
+                      <a16:colId xmlns:a16="http://schemas.microsoft.com/office/drawing/2014/main" val="2256753199"/>
+                    </a:ext>
+                  </a:extLst>
+                </a:gridCol>
+              </a:tblGrid>
+              <a:tr h="430367">
+                <a:tc rowSpan="2">
+                  <a:txBody>
+                    <a:bodyPr/>
+                    <a:lstStyle/>
+                    <a:p>
+                      <a:pPr algn="ctr"/>
+                      <a:r>
+                        <a:rPr lang="en-US" sz="1600" dirty="0"/>
+                        <a:t>Dataset</a:t>
+                      </a:r>
+                      <a:endParaRPr sz="1600" dirty="0"/>
+                    </a:p>
+                  </a:txBody>
+                  <a:tcPr anchor="ctr"/>
+                </a:tc>
+                <a:tc rowSpan="2">
+                  <a:txBody>
+                    <a:bodyPr/>
+                    <a:lstStyle/>
+                    <a:p>
+                      <a:pPr algn="ctr"/>
+                      <a:r>
+                        <a:rPr lang="en-US" sz="1600" dirty="0" err="1"/>
+                        <a:t>q_value</a:t>
+                      </a:r>
+                      <a:r>
+                        <a:rPr lang="en-US" sz="1600" dirty="0"/>
+                        <a:t> </a:t>
+                      </a:r>
+                    </a:p>
+                    <a:p>
+                      <a:pPr algn="ctr"/>
+                      <a:r>
+                        <a:rPr lang="en-US" sz="1600" dirty="0"/>
+                        <a:t>cutoff </a:t>
+                      </a:r>
+                      <a:r>
+                        <a:rPr lang="en-US" sz="1600" baseline="30000" dirty="0"/>
+                        <a:t>1</a:t>
+                      </a:r>
+                      <a:endParaRPr sz="1600" baseline="30000" dirty="0"/>
+                    </a:p>
+                  </a:txBody>
+                  <a:tcPr anchor="ctr"/>
+                </a:tc>
+                <a:tc rowSpan="2">
+                  <a:txBody>
+                    <a:bodyPr/>
+                    <a:lstStyle/>
+                    <a:p>
+                      <a:pPr algn="ctr"/>
+                      <a:r>
+                        <a:rPr lang="en-US" sz="1600" dirty="0"/>
+                        <a:t>data set size</a:t>
+                      </a:r>
+                      <a:endParaRPr sz="1600" dirty="0"/>
+                    </a:p>
+                  </a:txBody>
+                  <a:tcPr anchor="ctr"/>
+                </a:tc>
+                <a:tc rowSpan="2">
+                  <a:txBody>
+                    <a:bodyPr/>
+                    <a:lstStyle/>
+                    <a:p>
+                      <a:pPr algn="ctr"/>
+                      <a:r>
+                        <a:rPr lang="en-US" sz="1600" dirty="0"/>
+                        <a:t>Train loss</a:t>
+                      </a:r>
+                      <a:endParaRPr sz="1600" dirty="0"/>
+                    </a:p>
+                  </a:txBody>
+                  <a:tcPr anchor="ctr"/>
+                </a:tc>
+                <a:tc rowSpan="2">
+                  <a:txBody>
+                    <a:bodyPr/>
+                    <a:lstStyle/>
+                    <a:p>
+                      <a:pPr algn="ctr"/>
+                      <a:r>
+                        <a:rPr lang="en-US" sz="1600" dirty="0"/>
+                        <a:t>Val loss</a:t>
+                      </a:r>
+                      <a:endParaRPr sz="1600" dirty="0"/>
+                    </a:p>
+                  </a:txBody>
+                  <a:tcPr anchor="ctr"/>
+                </a:tc>
+                <a:tc rowSpan="2">
+                  <a:txBody>
+                    <a:bodyPr/>
+                    <a:lstStyle/>
+                    <a:p>
+                      <a:pPr algn="ctr"/>
+                      <a:r>
+                        <a:rPr lang="en-US" sz="1600" dirty="0"/>
+                        <a:t>Epochs </a:t>
+                      </a:r>
+                      <a:r>
+                        <a:rPr lang="en-US" sz="1600" baseline="30000" dirty="0"/>
+                        <a:t>2</a:t>
+                      </a:r>
+                    </a:p>
+                  </a:txBody>
+                  <a:tcPr anchor="ctr"/>
+                </a:tc>
+                <a:tc gridSpan="5">
+                  <a:txBody>
+                    <a:bodyPr/>
+                    <a:lstStyle/>
+                    <a:p>
+                      <a:pPr algn="ctr"/>
+                      <a:r>
+                        <a:rPr lang="en-US" sz="1600" b="1" dirty="0"/>
+                        <a:t>Test set</a:t>
+                      </a:r>
+                    </a:p>
+                  </a:txBody>
+                  <a:tcPr anchor="ctr"/>
+                </a:tc>
+                <a:tc hMerge="1">
+                  <a:txBody>
+                    <a:bodyPr/>
+                    <a:lstStyle/>
+                    <a:p>
+                      <a:pPr algn="ctr"/>
+                      <a:endParaRPr lang="en-US" sz="1600" dirty="0"/>
+                    </a:p>
+                  </a:txBody>
+                  <a:tcPr anchor="ctr"/>
+                </a:tc>
+                <a:tc hMerge="1">
+                  <a:txBody>
+                    <a:bodyPr/>
+                    <a:lstStyle/>
+                    <a:p>
+                      <a:pPr algn="ctr"/>
+                      <a:endParaRPr lang="en-US" sz="1600" b="1" dirty="0"/>
+                    </a:p>
+                  </a:txBody>
+                  <a:tcPr anchor="ctr"/>
+                </a:tc>
+                <a:tc hMerge="1">
+                  <a:txBody>
+                    <a:bodyPr/>
+                    <a:lstStyle/>
+                    <a:p>
+                      <a:pPr algn="ctr"/>
+                      <a:endParaRPr lang="en-US" sz="1600" b="1" dirty="0"/>
+                    </a:p>
+                  </a:txBody>
+                  <a:tcPr anchor="ctr"/>
+                </a:tc>
+                <a:tc hMerge="1">
+                  <a:txBody>
+                    <a:bodyPr/>
+                    <a:lstStyle/>
+                    <a:p>
+                      <a:pPr algn="ctr"/>
+                      <a:endParaRPr lang="en-US" sz="1600" b="1" dirty="0"/>
+                    </a:p>
+                  </a:txBody>
+                  <a:tcPr anchor="ctr"/>
+                </a:tc>
+                <a:tc rowSpan="2">
+                  <a:txBody>
+                    <a:bodyPr/>
+                    <a:lstStyle/>
+                    <a:p>
+                      <a:pPr algn="ctr"/>
+                      <a:r>
+                        <a:rPr lang="en-US" sz="1600" dirty="0"/>
+                        <a:t>Comment</a:t>
+                      </a:r>
+                    </a:p>
+                  </a:txBody>
+                  <a:tcPr anchor="ctr"/>
+                </a:tc>
+                <a:extLst>
+                  <a:ext uri="{0D108BD9-81ED-4DB2-BD59-A6C34878D82A}">
+                    <a16:rowId xmlns:a16="http://schemas.microsoft.com/office/drawing/2014/main" val="4196566999"/>
+                  </a:ext>
+                </a:extLst>
+              </a:tr>
+              <a:tr h="457200">
+                <a:tc vMerge="1">
+                  <a:txBody>
+                    <a:bodyPr/>
+                    <a:lstStyle/>
+                    <a:p>
+                      <a:endParaRPr dirty="0"/>
+                    </a:p>
+                  </a:txBody>
+                  <a:tcPr anchor="ctr"/>
+                </a:tc>
+                <a:tc vMerge="1">
+                  <a:txBody>
+                    <a:bodyPr/>
+                    <a:lstStyle/>
+                    <a:p>
+                      <a:endParaRPr lang="en-US"/>
+                    </a:p>
+                  </a:txBody>
+                  <a:tcPr/>
+                </a:tc>
+                <a:tc vMerge="1">
+                  <a:txBody>
+                    <a:bodyPr/>
+                    <a:lstStyle/>
+                    <a:p>
+                      <a:endParaRPr lang="en-US"/>
+                    </a:p>
+                  </a:txBody>
+                  <a:tcPr/>
+                </a:tc>
+                <a:tc vMerge="1">
+                  <a:txBody>
+                    <a:bodyPr/>
+                    <a:lstStyle/>
+                    <a:p>
+                      <a:endParaRPr dirty="0"/>
+                    </a:p>
+                  </a:txBody>
+                  <a:tcPr anchor="ctr"/>
+                </a:tc>
+                <a:tc vMerge="1">
+                  <a:txBody>
+                    <a:bodyPr/>
+                    <a:lstStyle/>
+                    <a:p>
+                      <a:endParaRPr dirty="0"/>
+                    </a:p>
+                  </a:txBody>
+                  <a:tcPr anchor="ctr"/>
+                </a:tc>
+                <a:tc vMerge="1">
+                  <a:txBody>
+                    <a:bodyPr/>
+                    <a:lstStyle/>
+                    <a:p>
+                      <a:endParaRPr dirty="0"/>
+                    </a:p>
+                  </a:txBody>
+                  <a:tcPr anchor="ctr"/>
+                </a:tc>
+                <a:tc>
+                  <a:txBody>
+                    <a:bodyPr/>
+                    <a:lstStyle/>
+                    <a:p>
+                      <a:pPr algn="ctr"/>
+                      <a:r>
+                        <a:rPr lang="en-US" sz="1600" dirty="0"/>
+                        <a:t>MAE</a:t>
+                      </a:r>
+                    </a:p>
+                  </a:txBody>
+                  <a:tcPr anchor="ctr"/>
+                </a:tc>
+                <a:tc>
+                  <a:txBody>
+                    <a:bodyPr/>
+                    <a:lstStyle/>
+                    <a:p>
+                      <a:pPr algn="ctr"/>
+                      <a:r>
+                        <a:rPr lang="en-US" sz="1600" dirty="0"/>
+                        <a:t>MSE</a:t>
+                      </a:r>
+                    </a:p>
+                  </a:txBody>
+                  <a:tcPr anchor="ctr"/>
+                </a:tc>
+                <a:tc>
+                  <a:txBody>
+                    <a:bodyPr/>
+                    <a:lstStyle/>
+                    <a:p>
+                      <a:pPr algn="ctr"/>
+                      <a:r>
+                        <a:rPr lang="en-US" sz="1600" dirty="0"/>
+                        <a:t>MAPE</a:t>
+                      </a:r>
+                    </a:p>
+                  </a:txBody>
+                  <a:tcPr anchor="ctr"/>
+                </a:tc>
+                <a:tc>
+                  <a:txBody>
+                    <a:bodyPr/>
+                    <a:lstStyle/>
+                    <a:p>
+                      <a:pPr algn="ctr"/>
+                      <a:r>
+                        <a:rPr lang="en-US" sz="1600" dirty="0"/>
+                        <a:t>PPE10</a:t>
+                      </a:r>
+                    </a:p>
+                  </a:txBody>
+                  <a:tcPr anchor="ctr"/>
+                </a:tc>
+                <a:tc>
+                  <a:txBody>
+                    <a:bodyPr/>
+                    <a:lstStyle/>
+                    <a:p>
+                      <a:pPr algn="ctr"/>
+                      <a:r>
+                        <a:rPr lang="en-US" sz="1600" dirty="0"/>
+                        <a:t>PPE20</a:t>
+                      </a:r>
+                    </a:p>
+                  </a:txBody>
+                  <a:tcPr anchor="ctr"/>
+                </a:tc>
+                <a:tc vMerge="1">
+                  <a:txBody>
+                    <a:bodyPr/>
+                    <a:lstStyle/>
+                    <a:p>
+                      <a:endParaRPr dirty="0"/>
+                    </a:p>
+                  </a:txBody>
+                  <a:tcPr anchor="ctr"/>
+                </a:tc>
+                <a:extLst>
+                  <a:ext uri="{0D108BD9-81ED-4DB2-BD59-A6C34878D82A}">
+                    <a16:rowId xmlns:a16="http://schemas.microsoft.com/office/drawing/2014/main" val="1617347897"/>
+                  </a:ext>
+                </a:extLst>
+              </a:tr>
+              <a:tr h="494487">
+                <a:tc>
+                  <a:txBody>
+                    <a:bodyPr/>
+                    <a:lstStyle/>
+                    <a:p>
+                      <a:pPr marL="0" marR="0" lvl="0" indent="0" algn="ctr" defTabSz="914400" rtl="0" eaLnBrk="1" fontAlgn="auto" latinLnBrk="0" hangingPunct="1">
+                        <a:lnSpc>
+                          <a:spcPct val="100000"/>
+                        </a:lnSpc>
+                        <a:spcBef>
+                          <a:spcPts val="0"/>
+                        </a:spcBef>
+                        <a:spcAft>
+                          <a:spcPts val="0"/>
+                        </a:spcAft>
+                        <a:buClrTx/>
+                        <a:buSzTx/>
+                        <a:buFontTx/>
+                        <a:buNone/>
+                        <a:tabLst/>
+                        <a:defRPr/>
+                      </a:pPr>
+                      <a:r>
+                        <a:rPr lang="en-US" sz="1600" dirty="0"/>
+                        <a:t>Clean-3b</a:t>
+                      </a:r>
+                      <a:endParaRPr lang="en-US" sz="1600" baseline="30000" dirty="0"/>
+                    </a:p>
+                  </a:txBody>
+                  <a:tcPr anchor="ctr"/>
+                </a:tc>
+                <a:tc>
+                  <a:txBody>
+                    <a:bodyPr/>
+                    <a:lstStyle/>
+                    <a:p>
+                      <a:pPr marL="0" marR="0" lvl="0" indent="0" algn="ctr" defTabSz="914400" rtl="0" eaLnBrk="1" fontAlgn="auto" latinLnBrk="0" hangingPunct="1">
+                        <a:lnSpc>
+                          <a:spcPct val="100000"/>
+                        </a:lnSpc>
+                        <a:spcBef>
+                          <a:spcPts val="0"/>
+                        </a:spcBef>
+                        <a:spcAft>
+                          <a:spcPts val="0"/>
+                        </a:spcAft>
+                        <a:buClrTx/>
+                        <a:buSzTx/>
+                        <a:buFontTx/>
+                        <a:buNone/>
+                        <a:tabLst/>
+                        <a:defRPr/>
+                      </a:pPr>
+                      <a:r>
+                        <a:rPr lang="en-US" sz="1600" baseline="0" dirty="0"/>
+                        <a:t>0.05</a:t>
+                      </a:r>
+                    </a:p>
+                  </a:txBody>
+                  <a:tcPr anchor="ctr"/>
+                </a:tc>
+                <a:tc>
+                  <a:txBody>
+                    <a:bodyPr/>
+                    <a:lstStyle/>
+                    <a:p>
+                      <a:pPr marL="0" marR="0" lvl="0" indent="0" algn="ctr" defTabSz="914400" rtl="0" eaLnBrk="1" fontAlgn="auto" latinLnBrk="0" hangingPunct="1">
+                        <a:lnSpc>
+                          <a:spcPct val="100000"/>
+                        </a:lnSpc>
+                        <a:spcBef>
+                          <a:spcPts val="0"/>
+                        </a:spcBef>
+                        <a:spcAft>
+                          <a:spcPts val="0"/>
+                        </a:spcAft>
+                        <a:buClrTx/>
+                        <a:buSzTx/>
+                        <a:buFontTx/>
+                        <a:buNone/>
+                        <a:tabLst/>
+                        <a:defRPr/>
+                      </a:pPr>
+                      <a:r>
+                        <a:rPr lang="en-US" sz="1600" baseline="0" dirty="0"/>
+                        <a:t>9302</a:t>
+                      </a:r>
+                    </a:p>
+                  </a:txBody>
+                  <a:tcPr anchor="ctr"/>
+                </a:tc>
+                <a:tc>
+                  <a:txBody>
+                    <a:bodyPr/>
+                    <a:lstStyle/>
+                    <a:p>
+                      <a:pPr algn="ctr"/>
+                      <a:r>
+                        <a:rPr lang="en-US" sz="1600" dirty="0">
+                          <a:solidFill>
+                            <a:schemeClr val="tx1"/>
+                          </a:solidFill>
+                        </a:rPr>
+                        <a:t>0.02</a:t>
+                      </a:r>
+                    </a:p>
+                  </a:txBody>
+                  <a:tcPr anchor="ctr"/>
+                </a:tc>
+                <a:tc>
+                  <a:txBody>
+                    <a:bodyPr/>
+                    <a:lstStyle/>
+                    <a:p>
+                      <a:pPr algn="ctr"/>
+                      <a:r>
+                        <a:rPr lang="en-US" sz="1600" dirty="0">
+                          <a:solidFill>
+                            <a:schemeClr val="tx1"/>
+                          </a:solidFill>
+                        </a:rPr>
+                        <a:t>0.12</a:t>
+                      </a:r>
+                    </a:p>
+                  </a:txBody>
+                  <a:tcPr anchor="ctr"/>
+                </a:tc>
+                <a:tc>
+                  <a:txBody>
+                    <a:bodyPr/>
+                    <a:lstStyle/>
+                    <a:p>
+                      <a:pPr algn="ctr"/>
+                      <a:r>
+                        <a:rPr lang="en-US" sz="1600" dirty="0">
+                          <a:solidFill>
+                            <a:schemeClr val="tx1"/>
+                          </a:solidFill>
+                        </a:rPr>
+                        <a:t>183</a:t>
+                      </a:r>
+                    </a:p>
+                  </a:txBody>
+                  <a:tcPr anchor="ctr"/>
+                </a:tc>
+                <a:tc>
+                  <a:txBody>
+                    <a:bodyPr/>
+                    <a:lstStyle/>
+                    <a:p>
+                      <a:pPr algn="ctr"/>
+                      <a:r>
+                        <a:rPr lang="en-US" sz="1600" dirty="0">
+                          <a:solidFill>
+                            <a:schemeClr val="tx1"/>
+                          </a:solidFill>
+                        </a:rPr>
+                        <a:t>0.28</a:t>
+                      </a:r>
+                    </a:p>
+                  </a:txBody>
+                  <a:tcPr anchor="ctr"/>
+                </a:tc>
+                <a:tc>
+                  <a:txBody>
+                    <a:bodyPr/>
+                    <a:lstStyle/>
+                    <a:p>
+                      <a:pPr algn="ctr"/>
+                      <a:r>
+                        <a:rPr lang="en-US" sz="1600" dirty="0">
+                          <a:solidFill>
+                            <a:schemeClr val="tx1"/>
+                          </a:solidFill>
+                        </a:rPr>
+                        <a:t>0.15</a:t>
+                      </a:r>
+                    </a:p>
+                  </a:txBody>
+                  <a:tcPr anchor="ctr"/>
+                </a:tc>
+                <a:tc>
+                  <a:txBody>
+                    <a:bodyPr/>
+                    <a:lstStyle/>
+                    <a:p>
+                      <a:pPr algn="ctr"/>
+                      <a:r>
+                        <a:rPr lang="en-US" sz="1600" dirty="0">
+                          <a:solidFill>
+                            <a:schemeClr val="tx1"/>
+                          </a:solidFill>
+                        </a:rPr>
+                        <a:t>0.17</a:t>
+                      </a:r>
+                    </a:p>
+                  </a:txBody>
+                  <a:tcPr anchor="ctr"/>
+                </a:tc>
+                <a:tc>
+                  <a:txBody>
+                    <a:bodyPr/>
+                    <a:lstStyle/>
+                    <a:p>
+                      <a:pPr algn="ctr"/>
+                      <a:r>
+                        <a:rPr lang="en-US" sz="1600" dirty="0">
+                          <a:solidFill>
+                            <a:schemeClr val="tx1"/>
+                          </a:solidFill>
+                        </a:rPr>
+                        <a:t>49</a:t>
+                      </a:r>
+                    </a:p>
+                  </a:txBody>
+                  <a:tcPr anchor="ctr"/>
+                </a:tc>
+                <a:tc>
+                  <a:txBody>
+                    <a:bodyPr/>
+                    <a:lstStyle/>
+                    <a:p>
+                      <a:pPr algn="ctr"/>
+                      <a:r>
+                        <a:rPr lang="en-US" sz="1600" dirty="0">
+                          <a:solidFill>
+                            <a:schemeClr val="tx1"/>
+                          </a:solidFill>
+                        </a:rPr>
+                        <a:t>71</a:t>
+                      </a:r>
+                    </a:p>
+                  </a:txBody>
+                  <a:tcPr anchor="ctr"/>
+                </a:tc>
+                <a:tc>
+                  <a:txBody>
+                    <a:bodyPr/>
+                    <a:lstStyle/>
+                    <a:p>
+                      <a:pPr algn="ctr"/>
+                      <a:endParaRPr lang="en-US" sz="1400" dirty="0"/>
+                    </a:p>
+                  </a:txBody>
+                  <a:tcPr anchor="ctr"/>
+                </a:tc>
+                <a:extLst>
+                  <a:ext uri="{0D108BD9-81ED-4DB2-BD59-A6C34878D82A}">
+                    <a16:rowId xmlns:a16="http://schemas.microsoft.com/office/drawing/2014/main" val="3346663948"/>
+                  </a:ext>
+                </a:extLst>
+              </a:tr>
+              <a:tr h="494487">
+                <a:tc>
+                  <a:txBody>
+                    <a:bodyPr/>
+                    <a:lstStyle/>
+                    <a:p>
+                      <a:pPr marL="0" marR="0" lvl="0" indent="0" algn="ctr" defTabSz="914400" rtl="0" eaLnBrk="1" fontAlgn="auto" latinLnBrk="0" hangingPunct="1">
+                        <a:lnSpc>
+                          <a:spcPct val="100000"/>
+                        </a:lnSpc>
+                        <a:spcBef>
+                          <a:spcPts val="0"/>
+                        </a:spcBef>
+                        <a:spcAft>
+                          <a:spcPts val="0"/>
+                        </a:spcAft>
+                        <a:buClrTx/>
+                        <a:buSzTx/>
+                        <a:buFontTx/>
+                        <a:buNone/>
+                        <a:tabLst/>
+                        <a:defRPr/>
+                      </a:pPr>
+                      <a:r>
+                        <a:rPr lang="en-US" sz="1600" dirty="0"/>
+                        <a:t>Clean-4</a:t>
+                      </a:r>
+                      <a:endParaRPr lang="en-US" sz="1600" baseline="30000" dirty="0"/>
+                    </a:p>
+                  </a:txBody>
+                  <a:tcPr anchor="ctr"/>
+                </a:tc>
+                <a:tc>
+                  <a:txBody>
+                    <a:bodyPr/>
+                    <a:lstStyle/>
+                    <a:p>
+                      <a:pPr marL="0" marR="0" lvl="0" indent="0" algn="ctr" defTabSz="914400" rtl="0" eaLnBrk="1" fontAlgn="auto" latinLnBrk="0" hangingPunct="1">
+                        <a:lnSpc>
+                          <a:spcPct val="100000"/>
+                        </a:lnSpc>
+                        <a:spcBef>
+                          <a:spcPts val="0"/>
+                        </a:spcBef>
+                        <a:spcAft>
+                          <a:spcPts val="0"/>
+                        </a:spcAft>
+                        <a:buClrTx/>
+                        <a:buSzTx/>
+                        <a:buFontTx/>
+                        <a:buNone/>
+                        <a:tabLst/>
+                        <a:defRPr/>
+                      </a:pPr>
+                      <a:r>
+                        <a:rPr lang="en-US" sz="1600" baseline="0" dirty="0"/>
+                        <a:t>0.5</a:t>
+                      </a:r>
+                    </a:p>
+                  </a:txBody>
+                  <a:tcPr anchor="ctr"/>
+                </a:tc>
+                <a:tc>
+                  <a:txBody>
+                    <a:bodyPr/>
+                    <a:lstStyle/>
+                    <a:p>
+                      <a:pPr marL="0" marR="0" lvl="0" indent="0" algn="ctr" defTabSz="914400" rtl="0" eaLnBrk="1" fontAlgn="auto" latinLnBrk="0" hangingPunct="1">
+                        <a:lnSpc>
+                          <a:spcPct val="100000"/>
+                        </a:lnSpc>
+                        <a:spcBef>
+                          <a:spcPts val="0"/>
+                        </a:spcBef>
+                        <a:spcAft>
+                          <a:spcPts val="0"/>
+                        </a:spcAft>
+                        <a:buClrTx/>
+                        <a:buSzTx/>
+                        <a:buFontTx/>
+                        <a:buNone/>
+                        <a:tabLst/>
+                        <a:defRPr/>
+                      </a:pPr>
+                      <a:r>
+                        <a:rPr lang="en-US" sz="1600" baseline="0" dirty="0"/>
+                        <a:t>12320</a:t>
+                      </a:r>
+                    </a:p>
+                  </a:txBody>
+                  <a:tcPr anchor="ctr"/>
+                </a:tc>
+                <a:tc>
+                  <a:txBody>
+                    <a:bodyPr/>
+                    <a:lstStyle/>
+                    <a:p>
+                      <a:pPr algn="ctr"/>
+                      <a:r>
+                        <a:rPr lang="en-US" sz="1600" dirty="0">
+                          <a:solidFill>
+                            <a:schemeClr val="tx1"/>
+                          </a:solidFill>
+                        </a:rPr>
+                        <a:t>0.05</a:t>
+                      </a:r>
+                    </a:p>
+                  </a:txBody>
+                  <a:tcPr anchor="ctr"/>
+                </a:tc>
+                <a:tc>
+                  <a:txBody>
+                    <a:bodyPr/>
+                    <a:lstStyle/>
+                    <a:p>
+                      <a:pPr algn="ctr"/>
+                      <a:r>
+                        <a:rPr lang="en-US" sz="1600" dirty="0">
+                          <a:solidFill>
+                            <a:schemeClr val="tx1"/>
+                          </a:solidFill>
+                        </a:rPr>
+                        <a:t>0.11</a:t>
+                      </a:r>
+                    </a:p>
+                  </a:txBody>
+                  <a:tcPr anchor="ctr"/>
+                </a:tc>
+                <a:tc>
+                  <a:txBody>
+                    <a:bodyPr/>
+                    <a:lstStyle/>
+                    <a:p>
+                      <a:pPr algn="ctr"/>
+                      <a:r>
+                        <a:rPr lang="en-US" sz="1600" dirty="0">
+                          <a:solidFill>
+                            <a:schemeClr val="tx1"/>
+                          </a:solidFill>
+                        </a:rPr>
+                        <a:t>316</a:t>
+                      </a:r>
+                    </a:p>
+                  </a:txBody>
+                  <a:tcPr anchor="ctr"/>
+                </a:tc>
+                <a:tc>
+                  <a:txBody>
+                    <a:bodyPr/>
+                    <a:lstStyle/>
+                    <a:p>
+                      <a:pPr algn="ctr"/>
+                      <a:r>
+                        <a:rPr lang="en-US" sz="1600" dirty="0">
+                          <a:solidFill>
+                            <a:schemeClr val="tx1"/>
+                          </a:solidFill>
+                        </a:rPr>
+                        <a:t>0.26</a:t>
+                      </a:r>
+                    </a:p>
+                  </a:txBody>
+                  <a:tcPr anchor="ctr"/>
+                </a:tc>
+                <a:tc>
+                  <a:txBody>
+                    <a:bodyPr/>
+                    <a:lstStyle/>
+                    <a:p>
+                      <a:pPr algn="ctr"/>
+                      <a:r>
+                        <a:rPr lang="en-US" sz="1600" dirty="0">
+                          <a:solidFill>
+                            <a:schemeClr val="tx1"/>
+                          </a:solidFill>
+                        </a:rPr>
+                        <a:t>0.13</a:t>
+                      </a:r>
+                    </a:p>
+                  </a:txBody>
+                  <a:tcPr anchor="ctr"/>
+                </a:tc>
+                <a:tc>
+                  <a:txBody>
+                    <a:bodyPr/>
+                    <a:lstStyle/>
+                    <a:p>
+                      <a:pPr algn="ctr"/>
+                      <a:r>
+                        <a:rPr lang="en-US" sz="1600" dirty="0">
+                          <a:solidFill>
+                            <a:schemeClr val="tx1"/>
+                          </a:solidFill>
+                        </a:rPr>
+                        <a:t>0.15</a:t>
+                      </a:r>
+                    </a:p>
+                  </a:txBody>
+                  <a:tcPr anchor="ctr"/>
+                </a:tc>
+                <a:tc>
+                  <a:txBody>
+                    <a:bodyPr/>
+                    <a:lstStyle/>
+                    <a:p>
+                      <a:pPr algn="ctr"/>
+                      <a:r>
+                        <a:rPr lang="en-US" sz="1600" dirty="0">
+                          <a:solidFill>
+                            <a:schemeClr val="tx1"/>
+                          </a:solidFill>
+                        </a:rPr>
+                        <a:t>54</a:t>
+                      </a:r>
+                    </a:p>
+                  </a:txBody>
+                  <a:tcPr anchor="ctr"/>
+                </a:tc>
+                <a:tc>
+                  <a:txBody>
+                    <a:bodyPr/>
+                    <a:lstStyle/>
+                    <a:p>
+                      <a:pPr algn="ctr"/>
+                      <a:r>
+                        <a:rPr lang="en-US" sz="1600" dirty="0">
+                          <a:solidFill>
+                            <a:schemeClr val="tx1"/>
+                          </a:solidFill>
+                        </a:rPr>
+                        <a:t>79</a:t>
+                      </a:r>
+                    </a:p>
+                  </a:txBody>
+                  <a:tcPr anchor="ctr"/>
+                </a:tc>
+                <a:tc>
+                  <a:txBody>
+                    <a:bodyPr/>
+                    <a:lstStyle/>
+                    <a:p>
+                      <a:pPr algn="ctr"/>
+                      <a:endParaRPr lang="en-US" sz="1400" dirty="0"/>
+                    </a:p>
+                    <a:p>
+                      <a:pPr algn="ctr"/>
+                      <a:endParaRPr lang="en-US" sz="1400" dirty="0"/>
+                    </a:p>
+                  </a:txBody>
+                  <a:tcPr anchor="ctr"/>
+                </a:tc>
+                <a:extLst>
+                  <a:ext uri="{0D108BD9-81ED-4DB2-BD59-A6C34878D82A}">
+                    <a16:rowId xmlns:a16="http://schemas.microsoft.com/office/drawing/2014/main" val="3477047939"/>
+                  </a:ext>
+                </a:extLst>
+              </a:tr>
+              <a:tr h="494487">
+                <a:tc>
+                  <a:txBody>
+                    <a:bodyPr/>
+                    <a:lstStyle/>
+                    <a:p>
+                      <a:pPr marL="0" marR="0" lvl="0" indent="0" algn="ctr" defTabSz="914400" rtl="0" eaLnBrk="1" fontAlgn="auto" latinLnBrk="0" hangingPunct="1">
+                        <a:lnSpc>
+                          <a:spcPct val="100000"/>
+                        </a:lnSpc>
+                        <a:spcBef>
+                          <a:spcPts val="0"/>
+                        </a:spcBef>
+                        <a:spcAft>
+                          <a:spcPts val="0"/>
+                        </a:spcAft>
+                        <a:buClrTx/>
+                        <a:buSzTx/>
+                        <a:buFontTx/>
+                        <a:buNone/>
+                        <a:tabLst/>
+                        <a:defRPr/>
+                      </a:pPr>
+                      <a:r>
+                        <a:rPr lang="en-US" sz="1600" baseline="0" dirty="0"/>
+                        <a:t>Clean-1</a:t>
+                      </a:r>
+                    </a:p>
+                  </a:txBody>
+                  <a:tcPr anchor="ctr"/>
+                </a:tc>
+                <a:tc>
+                  <a:txBody>
+                    <a:bodyPr/>
+                    <a:lstStyle/>
+                    <a:p>
+                      <a:pPr marL="0" marR="0" lvl="0" indent="0" algn="ctr" defTabSz="914400" rtl="0" eaLnBrk="1" fontAlgn="auto" latinLnBrk="0" hangingPunct="1">
+                        <a:lnSpc>
+                          <a:spcPct val="100000"/>
+                        </a:lnSpc>
+                        <a:spcBef>
+                          <a:spcPts val="0"/>
+                        </a:spcBef>
+                        <a:spcAft>
+                          <a:spcPts val="0"/>
+                        </a:spcAft>
+                        <a:buClrTx/>
+                        <a:buSzTx/>
+                        <a:buFontTx/>
+                        <a:buNone/>
+                        <a:tabLst/>
+                        <a:defRPr/>
+                      </a:pPr>
+                      <a:r>
+                        <a:rPr lang="en-US" sz="1600" baseline="0" dirty="0"/>
+                        <a:t>1.0</a:t>
+                      </a:r>
+                    </a:p>
+                  </a:txBody>
+                  <a:tcPr anchor="ctr"/>
+                </a:tc>
+                <a:tc>
+                  <a:txBody>
+                    <a:bodyPr/>
+                    <a:lstStyle/>
+                    <a:p>
+                      <a:pPr marL="0" marR="0" lvl="0" indent="0" algn="ctr" defTabSz="914400" rtl="0" eaLnBrk="1" fontAlgn="auto" latinLnBrk="0" hangingPunct="1">
+                        <a:lnSpc>
+                          <a:spcPct val="100000"/>
+                        </a:lnSpc>
+                        <a:spcBef>
+                          <a:spcPts val="0"/>
+                        </a:spcBef>
+                        <a:spcAft>
+                          <a:spcPts val="0"/>
+                        </a:spcAft>
+                        <a:buClrTx/>
+                        <a:buSzTx/>
+                        <a:buFontTx/>
+                        <a:buNone/>
+                        <a:tabLst/>
+                        <a:defRPr/>
+                      </a:pPr>
+                      <a:r>
+                        <a:rPr lang="en-US" sz="1600" baseline="0" dirty="0"/>
+                        <a:t>29199</a:t>
+                      </a:r>
+                    </a:p>
+                  </a:txBody>
+                  <a:tcPr anchor="ctr"/>
+                </a:tc>
+                <a:tc>
+                  <a:txBody>
+                    <a:bodyPr/>
+                    <a:lstStyle/>
+                    <a:p>
+                      <a:pPr algn="ctr"/>
+                      <a:endParaRPr lang="en-US" sz="1600" dirty="0">
+                        <a:solidFill>
+                          <a:schemeClr val="tx1"/>
+                        </a:solidFill>
+                      </a:endParaRPr>
+                    </a:p>
+                  </a:txBody>
+                  <a:tcPr anchor="ctr"/>
+                </a:tc>
+                <a:tc>
+                  <a:txBody>
+                    <a:bodyPr/>
+                    <a:lstStyle/>
+                    <a:p>
+                      <a:pPr algn="ctr"/>
+                      <a:endParaRPr lang="en-US" sz="1600" dirty="0">
+                        <a:solidFill>
+                          <a:schemeClr val="tx1"/>
+                        </a:solidFill>
+                      </a:endParaRPr>
+                    </a:p>
+                  </a:txBody>
+                  <a:tcPr anchor="ctr"/>
+                </a:tc>
+                <a:tc>
+                  <a:txBody>
+                    <a:bodyPr/>
+                    <a:lstStyle/>
+                    <a:p>
+                      <a:pPr algn="ctr"/>
+                      <a:endParaRPr lang="en-US" sz="1600" dirty="0">
+                        <a:solidFill>
+                          <a:schemeClr val="tx1"/>
+                        </a:solidFill>
+                      </a:endParaRPr>
+                    </a:p>
+                  </a:txBody>
+                  <a:tcPr anchor="ctr"/>
+                </a:tc>
+                <a:tc>
+                  <a:txBody>
+                    <a:bodyPr/>
+                    <a:lstStyle/>
+                    <a:p>
+                      <a:pPr algn="ctr"/>
+                      <a:endParaRPr lang="en-US" sz="1600" dirty="0">
+                        <a:solidFill>
+                          <a:schemeClr val="tx1"/>
+                        </a:solidFill>
+                      </a:endParaRPr>
+                    </a:p>
+                  </a:txBody>
+                  <a:tcPr anchor="ctr"/>
+                </a:tc>
+                <a:tc>
+                  <a:txBody>
+                    <a:bodyPr/>
+                    <a:lstStyle/>
+                    <a:p>
+                      <a:pPr algn="ctr"/>
+                      <a:endParaRPr lang="en-US" sz="1600" dirty="0">
+                        <a:solidFill>
+                          <a:schemeClr val="tx1"/>
+                        </a:solidFill>
+                      </a:endParaRPr>
+                    </a:p>
+                  </a:txBody>
+                  <a:tcPr anchor="ctr"/>
+                </a:tc>
+                <a:tc>
+                  <a:txBody>
+                    <a:bodyPr/>
+                    <a:lstStyle/>
+                    <a:p>
+                      <a:pPr algn="ctr"/>
+                      <a:endParaRPr lang="en-US" sz="1600" dirty="0">
+                        <a:solidFill>
+                          <a:schemeClr val="tx1"/>
+                        </a:solidFill>
+                      </a:endParaRPr>
+                    </a:p>
+                  </a:txBody>
+                  <a:tcPr anchor="ctr"/>
+                </a:tc>
+                <a:tc>
+                  <a:txBody>
+                    <a:bodyPr/>
+                    <a:lstStyle/>
+                    <a:p>
+                      <a:pPr algn="ctr"/>
+                      <a:endParaRPr lang="en-US" sz="1600" dirty="0">
+                        <a:solidFill>
+                          <a:schemeClr val="tx1"/>
+                        </a:solidFill>
+                      </a:endParaRPr>
+                    </a:p>
+                  </a:txBody>
+                  <a:tcPr anchor="ctr"/>
+                </a:tc>
+                <a:tc>
+                  <a:txBody>
+                    <a:bodyPr/>
+                    <a:lstStyle/>
+                    <a:p>
+                      <a:pPr algn="ctr"/>
+                      <a:endParaRPr lang="en-US" sz="1600" dirty="0">
+                        <a:solidFill>
+                          <a:schemeClr val="tx1"/>
+                        </a:solidFill>
+                      </a:endParaRPr>
+                    </a:p>
+                  </a:txBody>
+                  <a:tcPr anchor="ctr"/>
+                </a:tc>
+                <a:tc>
+                  <a:txBody>
+                    <a:bodyPr/>
+                    <a:lstStyle/>
+                    <a:p>
+                      <a:pPr algn="ctr"/>
+                      <a:endParaRPr lang="en-US" sz="1400" dirty="0"/>
+                    </a:p>
+                  </a:txBody>
+                  <a:tcPr anchor="ctr"/>
+                </a:tc>
+                <a:extLst>
+                  <a:ext uri="{0D108BD9-81ED-4DB2-BD59-A6C34878D82A}">
+                    <a16:rowId xmlns:a16="http://schemas.microsoft.com/office/drawing/2014/main" val="3187293433"/>
+                  </a:ext>
+                </a:extLst>
+              </a:tr>
+            </a:tbl>
+          </a:graphicData>
+        </a:graphic>
+      </p:graphicFrame>
+      <p:sp>
+        <p:nvSpPr>
+          <p:cNvPr id="6" name="TextBox 5">
+            <a:extLst>
+              <a:ext uri="{FF2B5EF4-FFF2-40B4-BE49-F238E27FC236}">
+                <a16:creationId xmlns:a16="http://schemas.microsoft.com/office/drawing/2014/main" id="{81ADAF34-F149-F6E4-CCAD-6A94EE8DED2D}"/>
+              </a:ext>
+            </a:extLst>
+          </p:cNvPr>
+          <p:cNvSpPr txBox="1"/>
+          <p:nvPr/>
+        </p:nvSpPr>
+        <p:spPr>
+          <a:xfrm>
+            <a:off x="304029" y="719307"/>
+            <a:ext cx="4914679" cy="646331"/>
+          </a:xfrm>
+          <a:prstGeom prst="rect">
+            <a:avLst/>
+          </a:prstGeom>
+          <a:noFill/>
+        </p:spPr>
+        <p:txBody>
+          <a:bodyPr wrap="none" rtlCol="0">
+            <a:spAutoFit/>
+          </a:bodyPr>
+          <a:lstStyle/>
+          <a:p>
+            <a:r>
+              <a:rPr lang="en-US" dirty="0"/>
+              <a:t>model trained on each dataset</a:t>
+            </a:r>
+          </a:p>
+          <a:p>
+            <a:r>
+              <a:rPr lang="en-US" dirty="0"/>
+              <a:t>metrics calculated on that dataset’s test subset</a:t>
+            </a:r>
+          </a:p>
+        </p:txBody>
+      </p:sp>
+      <p:sp>
+        <p:nvSpPr>
+          <p:cNvPr id="4" name="TextBox 3">
+            <a:extLst>
+              <a:ext uri="{FF2B5EF4-FFF2-40B4-BE49-F238E27FC236}">
+                <a16:creationId xmlns:a16="http://schemas.microsoft.com/office/drawing/2014/main" id="{726F59A5-82A7-17FB-F33E-CE22C04CCA31}"/>
+              </a:ext>
+            </a:extLst>
+          </p:cNvPr>
+          <p:cNvSpPr txBox="1"/>
+          <p:nvPr/>
+        </p:nvSpPr>
+        <p:spPr>
+          <a:xfrm>
+            <a:off x="471222" y="5129165"/>
+            <a:ext cx="9581534" cy="738664"/>
+          </a:xfrm>
+          <a:prstGeom prst="rect">
+            <a:avLst/>
+          </a:prstGeom>
+          <a:noFill/>
+        </p:spPr>
+        <p:txBody>
+          <a:bodyPr wrap="none" rtlCol="0">
+            <a:spAutoFit/>
+          </a:bodyPr>
+          <a:lstStyle/>
+          <a:p>
+            <a:pPr marL="342900" indent="-342900">
+              <a:buAutoNum type="arabicPeriod"/>
+            </a:pPr>
+            <a:r>
+              <a:rPr lang="en-US" sz="1400" dirty="0"/>
+              <a:t>only data with </a:t>
+            </a:r>
+            <a:r>
+              <a:rPr lang="en-US" sz="1400" dirty="0" err="1"/>
+              <a:t>q_value</a:t>
+            </a:r>
+            <a:r>
+              <a:rPr lang="en-US" sz="1400" dirty="0"/>
+              <a:t> less than this value included in dataset</a:t>
+            </a:r>
+          </a:p>
+          <a:p>
+            <a:pPr marL="342900" indent="-342900">
+              <a:buAutoNum type="arabicPeriod"/>
+            </a:pPr>
+            <a:r>
+              <a:rPr lang="en-US" sz="1400" dirty="0"/>
+              <a:t>epochs value is from the best </a:t>
+            </a:r>
+            <a:r>
+              <a:rPr lang="en-US" sz="1400" dirty="0" err="1"/>
+              <a:t>val</a:t>
+            </a:r>
+            <a:r>
+              <a:rPr lang="en-US" sz="1400" dirty="0"/>
+              <a:t> loss checkpoint.  Typically, the training jobs was set to run either 500 or 1000 epochs</a:t>
+            </a:r>
+          </a:p>
+          <a:p>
+            <a:pPr marL="342900" indent="-342900">
+              <a:buAutoNum type="arabicPeriod"/>
+            </a:pPr>
+            <a:r>
+              <a:rPr lang="en-US" sz="1400" dirty="0"/>
+              <a:t>It’s noted in the Table-Transformer literature that the transformer architecture can be surprisingly robust to “dirty” data</a:t>
+            </a:r>
+          </a:p>
+        </p:txBody>
+      </p:sp>
+    </p:spTree>
+    <p:extLst>
+      <p:ext uri="{BB962C8B-B14F-4D97-AF65-F5344CB8AC3E}">
+        <p14:creationId xmlns:p14="http://schemas.microsoft.com/office/powerpoint/2010/main" val="2386522198"/>
+      </p:ext>
+    </p:extLst>
+  </p:cSld>
+  <p:clrMapOvr>
+    <a:masterClrMapping/>
+  </p:clrMapOvr>
+</p:sld>
+</file>
+
+<file path=ppt/slides/slide14.xml><?xml version="1.0" encoding="utf-8"?>
+<p:sld xmlns:a="http://schemas.openxmlformats.org/drawingml/2006/main" xmlns:r="http://schemas.openxmlformats.org/officeDocument/2006/relationships" xmlns:p="http://schemas.openxmlformats.org/presentationml/2006/main">
+  <p:cSld>
+    <p:spTree>
+      <p:nvGrpSpPr>
+        <p:cNvPr id="1" name=""/>
+        <p:cNvGrpSpPr/>
+        <p:nvPr/>
+      </p:nvGrpSpPr>
+      <p:grpSpPr>
+        <a:xfrm>
+          <a:off x="0" y="0"/>
+          <a:ext cx="0" cy="0"/>
+          <a:chOff x="0" y="0"/>
+          <a:chExt cx="0" cy="0"/>
+        </a:xfrm>
+      </p:grpSpPr>
+      <p:sp>
+        <p:nvSpPr>
+          <p:cNvPr id="2" name="TextBox 1">
+            <a:extLst>
+              <a:ext uri="{FF2B5EF4-FFF2-40B4-BE49-F238E27FC236}">
+                <a16:creationId xmlns:a16="http://schemas.microsoft.com/office/drawing/2014/main" id="{D1CBBD56-9420-4880-818B-83ACF006D3E6}"/>
+              </a:ext>
+            </a:extLst>
+          </p:cNvPr>
+          <p:cNvSpPr txBox="1"/>
+          <p:nvPr/>
+        </p:nvSpPr>
+        <p:spPr>
+          <a:xfrm>
+            <a:off x="114248" y="144344"/>
+            <a:ext cx="2955874" cy="461665"/>
+          </a:xfrm>
+          <a:prstGeom prst="rect">
+            <a:avLst/>
+          </a:prstGeom>
+          <a:noFill/>
+        </p:spPr>
+        <p:txBody>
+          <a:bodyPr wrap="none" rtlCol="0">
+            <a:spAutoFit/>
+          </a:bodyPr>
+          <a:lstStyle/>
+          <a:p>
+            <a:r>
+              <a:rPr lang="en-US" sz="2400" dirty="0"/>
+              <a:t>Results: Loss Curves</a:t>
+            </a:r>
+            <a:endParaRPr lang="en-US" sz="2400" dirty="0">
+              <a:highlight>
+                <a:srgbClr val="FFFF00"/>
+              </a:highlight>
+            </a:endParaRPr>
+          </a:p>
+        </p:txBody>
+      </p:sp>
+      <p:sp>
+        <p:nvSpPr>
+          <p:cNvPr id="3" name="TextBox 2">
+            <a:extLst>
+              <a:ext uri="{FF2B5EF4-FFF2-40B4-BE49-F238E27FC236}">
+                <a16:creationId xmlns:a16="http://schemas.microsoft.com/office/drawing/2014/main" id="{3350F0E0-9A6D-2859-52EE-EEA8BA2E9DB2}"/>
+              </a:ext>
+            </a:extLst>
+          </p:cNvPr>
+          <p:cNvSpPr txBox="1"/>
+          <p:nvPr/>
+        </p:nvSpPr>
+        <p:spPr>
+          <a:xfrm>
+            <a:off x="207034" y="785004"/>
+            <a:ext cx="4244688" cy="646331"/>
+          </a:xfrm>
+          <a:prstGeom prst="rect">
+            <a:avLst/>
+          </a:prstGeom>
+          <a:noFill/>
+        </p:spPr>
+        <p:txBody>
+          <a:bodyPr wrap="none" rtlCol="0">
+            <a:spAutoFit/>
+          </a:bodyPr>
+          <a:lstStyle/>
+          <a:p>
+            <a:r>
+              <a:rPr lang="en-US" dirty="0"/>
+              <a:t>Transformer model</a:t>
+            </a:r>
+          </a:p>
+          <a:p>
+            <a:r>
+              <a:rPr lang="en-US" dirty="0"/>
+              <a:t>Clean-1, Clean-4, and Clean-3b datasets</a:t>
+            </a:r>
+          </a:p>
+        </p:txBody>
+      </p:sp>
+    </p:spTree>
+    <p:extLst>
+      <p:ext uri="{BB962C8B-B14F-4D97-AF65-F5344CB8AC3E}">
+        <p14:creationId xmlns:p14="http://schemas.microsoft.com/office/powerpoint/2010/main" val="3874216005"/>
+      </p:ext>
+    </p:extLst>
+  </p:cSld>
+  <p:clrMapOvr>
+    <a:masterClrMapping/>
+  </p:clrMapOvr>
+</p:sld>
+</file>
+
+<file path=ppt/slides/slide15.xml><?xml version="1.0" encoding="utf-8"?>
 <p:sld xmlns:a="http://schemas.openxmlformats.org/drawingml/2006/main" xmlns:r="http://schemas.openxmlformats.org/officeDocument/2006/relationships" xmlns:p="http://schemas.openxmlformats.org/presentationml/2006/main">
   <p:cSld>
     <p:spTree>
@@ -6288,7 +8279,7 @@
 </p:sld>
 </file>
 
-<file path=ppt/slides/slide13.xml><?xml version="1.0" encoding="utf-8"?>
+<file path=ppt/slides/slide16.xml><?xml version="1.0" encoding="utf-8"?>
 <p:sld xmlns:a="http://schemas.openxmlformats.org/drawingml/2006/main" xmlns:r="http://schemas.openxmlformats.org/officeDocument/2006/relationships" xmlns:p="http://schemas.openxmlformats.org/presentationml/2006/main">
   <p:cSld>
     <p:spTree>
@@ -6361,7 +8352,7 @@
 </p:sld>
 </file>
 
-<file path=ppt/slides/slide14.xml><?xml version="1.0" encoding="utf-8"?>
+<file path=ppt/slides/slide17.xml><?xml version="1.0" encoding="utf-8"?>
 <p:sld xmlns:a="http://schemas.openxmlformats.org/drawingml/2006/main" xmlns:r="http://schemas.openxmlformats.org/officeDocument/2006/relationships" xmlns:p="http://schemas.openxmlformats.org/presentationml/2006/main">
   <p:cSld>
     <p:spTree>
@@ -7085,7 +9076,7 @@
 </p:sld>
 </file>
 
-<file path=ppt/slides/slide15.xml><?xml version="1.0" encoding="utf-8"?>
+<file path=ppt/slides/slide18.xml><?xml version="1.0" encoding="utf-8"?>
 <p:sld xmlns:a="http://schemas.openxmlformats.org/drawingml/2006/main" xmlns:r="http://schemas.openxmlformats.org/officeDocument/2006/relationships" xmlns:p="http://schemas.openxmlformats.org/presentationml/2006/main">
   <p:cSld>
     <p:spTree>
@@ -7150,7 +9141,7 @@
 </p:sld>
 </file>
 
-<file path=ppt/slides/slide16.xml><?xml version="1.0" encoding="utf-8"?>
+<file path=ppt/slides/slide19.xml><?xml version="1.0" encoding="utf-8"?>
 <p:sld xmlns:a="http://schemas.openxmlformats.org/drawingml/2006/main" xmlns:r="http://schemas.openxmlformats.org/officeDocument/2006/relationships" xmlns:p="http://schemas.openxmlformats.org/presentationml/2006/main">
   <p:cSld>
     <p:spTree>
@@ -7206,550 +9197,6 @@
     <p:extLst>
       <p:ext uri="{BB962C8B-B14F-4D97-AF65-F5344CB8AC3E}">
         <p14:creationId xmlns:p14="http://schemas.microsoft.com/office/powerpoint/2010/main" val="1072182388"/>
-      </p:ext>
-    </p:extLst>
-  </p:cSld>
-  <p:clrMapOvr>
-    <a:masterClrMapping/>
-  </p:clrMapOvr>
-</p:sld>
-</file>
-
-<file path=ppt/slides/slide17.xml><?xml version="1.0" encoding="utf-8"?>
-<p:sld xmlns:a="http://schemas.openxmlformats.org/drawingml/2006/main" xmlns:r="http://schemas.openxmlformats.org/officeDocument/2006/relationships" xmlns:p="http://schemas.openxmlformats.org/presentationml/2006/main">
-  <p:cSld>
-    <p:spTree>
-      <p:nvGrpSpPr>
-        <p:cNvPr id="1" name=""/>
-        <p:cNvGrpSpPr/>
-        <p:nvPr/>
-      </p:nvGrpSpPr>
-      <p:grpSpPr>
-        <a:xfrm>
-          <a:off x="0" y="0"/>
-          <a:ext cx="0" cy="0"/>
-          <a:chOff x="0" y="0"/>
-          <a:chExt cx="0" cy="0"/>
-        </a:xfrm>
-      </p:grpSpPr>
-      <p:sp>
-        <p:nvSpPr>
-          <p:cNvPr id="2" name="TextBox 1">
-            <a:extLst>
-              <a:ext uri="{FF2B5EF4-FFF2-40B4-BE49-F238E27FC236}">
-                <a16:creationId xmlns:a16="http://schemas.microsoft.com/office/drawing/2014/main" id="{D82E2508-34B9-E66B-316E-FC13ABDB8E01}"/>
-              </a:ext>
-            </a:extLst>
-          </p:cNvPr>
-          <p:cNvSpPr txBox="1"/>
-          <p:nvPr/>
-        </p:nvSpPr>
-        <p:spPr>
-          <a:xfrm>
-            <a:off x="136762" y="204349"/>
-            <a:ext cx="1863011" cy="461665"/>
-          </a:xfrm>
-          <a:prstGeom prst="rect">
-            <a:avLst/>
-          </a:prstGeom>
-          <a:noFill/>
-        </p:spPr>
-        <p:txBody>
-          <a:bodyPr wrap="none" rtlCol="0">
-            <a:spAutoFit/>
-          </a:bodyPr>
-          <a:lstStyle/>
-          <a:p>
-            <a:r>
-              <a:rPr lang="en-US" sz="2400" dirty="0"/>
-              <a:t>Conclusions</a:t>
-            </a:r>
-          </a:p>
-        </p:txBody>
-      </p:sp>
-      <p:sp>
-        <p:nvSpPr>
-          <p:cNvPr id="3" name="TextBox 2">
-            <a:extLst>
-              <a:ext uri="{FF2B5EF4-FFF2-40B4-BE49-F238E27FC236}">
-                <a16:creationId xmlns:a16="http://schemas.microsoft.com/office/drawing/2014/main" id="{FA742F59-10DC-50B3-599C-9B3227711F13}"/>
-              </a:ext>
-            </a:extLst>
-          </p:cNvPr>
-          <p:cNvSpPr txBox="1"/>
-          <p:nvPr/>
-        </p:nvSpPr>
-        <p:spPr>
-          <a:xfrm>
-            <a:off x="1337094" y="1026543"/>
-            <a:ext cx="8574657" cy="4801314"/>
-          </a:xfrm>
-          <a:prstGeom prst="rect">
-            <a:avLst/>
-          </a:prstGeom>
-          <a:noFill/>
-        </p:spPr>
-        <p:txBody>
-          <a:bodyPr wrap="square" rtlCol="0">
-            <a:spAutoFit/>
-          </a:bodyPr>
-          <a:lstStyle/>
-          <a:p>
-            <a:pPr marL="285750" indent="-285750">
-              <a:buFont typeface="Arial" panose="020B0604020202020204" pitchFamily="34" charset="0"/>
-              <a:buChar char="•"/>
-            </a:pPr>
-            <a:r>
-              <a:rPr lang="en-US" dirty="0"/>
-              <a:t>MLP models do not treat relationships between different elements in a sequence.  For this sequence-to-affinity regression problem, MLP, not surprisingly, performed the poorest</a:t>
-            </a:r>
-          </a:p>
-          <a:p>
-            <a:pPr marL="285750" indent="-285750">
-              <a:buFont typeface="Arial" panose="020B0604020202020204" pitchFamily="34" charset="0"/>
-              <a:buChar char="•"/>
-            </a:pPr>
-            <a:endParaRPr lang="en-US" dirty="0"/>
-          </a:p>
-          <a:p>
-            <a:pPr marL="285750" indent="-285750">
-              <a:buFont typeface="Arial" panose="020B0604020202020204" pitchFamily="34" charset="0"/>
-              <a:buChar char="•"/>
-            </a:pPr>
-            <a:r>
-              <a:rPr lang="en-US" dirty="0"/>
-              <a:t>Transformer-based models explicitly treat these interactions via the self-attention mechanism and this proves advantageous in this study</a:t>
-            </a:r>
-          </a:p>
-          <a:p>
-            <a:pPr marL="742950" lvl="1" indent="-285750">
-              <a:buFont typeface="Arial" panose="020B0604020202020204" pitchFamily="34" charset="0"/>
-              <a:buChar char="•"/>
-            </a:pPr>
-            <a:r>
-              <a:rPr lang="en-US" dirty="0"/>
-              <a:t>also, these converge much faster than the MLP models tried.</a:t>
-            </a:r>
-          </a:p>
-          <a:p>
-            <a:pPr marL="285750" indent="-285750">
-              <a:buFont typeface="Arial" panose="020B0604020202020204" pitchFamily="34" charset="0"/>
-              <a:buChar char="•"/>
-            </a:pPr>
-            <a:endParaRPr lang="en-US" dirty="0"/>
-          </a:p>
-          <a:p>
-            <a:pPr marL="285750" indent="-285750">
-              <a:buFont typeface="Arial" panose="020B0604020202020204" pitchFamily="34" charset="0"/>
-              <a:buChar char="•"/>
-            </a:pPr>
-            <a:r>
-              <a:rPr lang="en-US" dirty="0"/>
-              <a:t>Vision transformer on this problem proved surprisingly effective</a:t>
-            </a:r>
-          </a:p>
-          <a:p>
-            <a:pPr marL="742950" lvl="1" indent="-285750">
-              <a:buFont typeface="Arial" panose="020B0604020202020204" pitchFamily="34" charset="0"/>
-              <a:buChar char="•"/>
-            </a:pPr>
-            <a:r>
-              <a:rPr lang="en-US" dirty="0"/>
-              <a:t>3-channel approach did slightly better than 1-channel and the more straightforward transformer model.</a:t>
-            </a:r>
-          </a:p>
-          <a:p>
-            <a:pPr marL="742950" lvl="1" indent="-285750">
-              <a:buFont typeface="Arial" panose="020B0604020202020204" pitchFamily="34" charset="0"/>
-              <a:buChar char="•"/>
-            </a:pPr>
-            <a:r>
-              <a:rPr lang="en-US" dirty="0"/>
-              <a:t>Would be interesting to explore other encodings for these layers and other types of data to add in additional layers</a:t>
-            </a:r>
-          </a:p>
-          <a:p>
-            <a:pPr marL="285750" indent="-285750">
-              <a:buFont typeface="Arial" panose="020B0604020202020204" pitchFamily="34" charset="0"/>
-              <a:buChar char="•"/>
-            </a:pPr>
-            <a:endParaRPr lang="en-US" dirty="0"/>
-          </a:p>
-          <a:p>
-            <a:pPr marL="285750" indent="-285750">
-              <a:buFont typeface="Arial" panose="020B0604020202020204" pitchFamily="34" charset="0"/>
-              <a:buChar char="•"/>
-            </a:pPr>
-            <a:r>
-              <a:rPr lang="en-US" dirty="0"/>
-              <a:t>The t-SNE plots show that clustering of features occurs, likely due to the self-attention mechanism.  Additional work on this would be interesting,</a:t>
-            </a:r>
-          </a:p>
-          <a:p>
-            <a:pPr marL="285750" indent="-285750">
-              <a:buFont typeface="Arial" panose="020B0604020202020204" pitchFamily="34" charset="0"/>
-              <a:buChar char="•"/>
-            </a:pPr>
-            <a:endParaRPr lang="en-US" dirty="0"/>
-          </a:p>
-        </p:txBody>
-      </p:sp>
-    </p:spTree>
-    <p:extLst>
-      <p:ext uri="{BB962C8B-B14F-4D97-AF65-F5344CB8AC3E}">
-        <p14:creationId xmlns:p14="http://schemas.microsoft.com/office/powerpoint/2010/main" val="3288275664"/>
-      </p:ext>
-    </p:extLst>
-  </p:cSld>
-  <p:clrMapOvr>
-    <a:masterClrMapping/>
-  </p:clrMapOvr>
-</p:sld>
-</file>
-
-<file path=ppt/slides/slide18.xml><?xml version="1.0" encoding="utf-8"?>
-<p:sld xmlns:a="http://schemas.openxmlformats.org/drawingml/2006/main" xmlns:r="http://schemas.openxmlformats.org/officeDocument/2006/relationships" xmlns:p="http://schemas.openxmlformats.org/presentationml/2006/main">
-  <p:cSld>
-    <p:spTree>
-      <p:nvGrpSpPr>
-        <p:cNvPr id="1" name=""/>
-        <p:cNvGrpSpPr/>
-        <p:nvPr/>
-      </p:nvGrpSpPr>
-      <p:grpSpPr>
-        <a:xfrm>
-          <a:off x="0" y="0"/>
-          <a:ext cx="0" cy="0"/>
-          <a:chOff x="0" y="0"/>
-          <a:chExt cx="0" cy="0"/>
-        </a:xfrm>
-      </p:grpSpPr>
-      <p:sp>
-        <p:nvSpPr>
-          <p:cNvPr id="2" name="TextBox 1">
-            <a:extLst>
-              <a:ext uri="{FF2B5EF4-FFF2-40B4-BE49-F238E27FC236}">
-                <a16:creationId xmlns:a16="http://schemas.microsoft.com/office/drawing/2014/main" id="{7E19F177-6D52-95C4-17E6-1DACA7719CA4}"/>
-              </a:ext>
-            </a:extLst>
-          </p:cNvPr>
-          <p:cNvSpPr txBox="1"/>
-          <p:nvPr/>
-        </p:nvSpPr>
-        <p:spPr>
-          <a:xfrm>
-            <a:off x="136762" y="204349"/>
-            <a:ext cx="4017254" cy="461665"/>
-          </a:xfrm>
-          <a:prstGeom prst="rect">
-            <a:avLst/>
-          </a:prstGeom>
-          <a:noFill/>
-        </p:spPr>
-        <p:txBody>
-          <a:bodyPr wrap="none" rtlCol="0">
-            <a:spAutoFit/>
-          </a:bodyPr>
-          <a:lstStyle/>
-          <a:p>
-            <a:r>
-              <a:rPr lang="en-US" sz="2400" dirty="0"/>
-              <a:t>Ensemble model regression?</a:t>
-            </a:r>
-          </a:p>
-        </p:txBody>
-      </p:sp>
-      <p:sp>
-        <p:nvSpPr>
-          <p:cNvPr id="3" name="TextBox 2">
-            <a:extLst>
-              <a:ext uri="{FF2B5EF4-FFF2-40B4-BE49-F238E27FC236}">
-                <a16:creationId xmlns:a16="http://schemas.microsoft.com/office/drawing/2014/main" id="{9E4B2BF0-6FE2-8BF1-DE26-BACEBBE17BCD}"/>
-              </a:ext>
-            </a:extLst>
-          </p:cNvPr>
-          <p:cNvSpPr txBox="1"/>
-          <p:nvPr/>
-        </p:nvSpPr>
-        <p:spPr>
-          <a:xfrm>
-            <a:off x="353683" y="992038"/>
-            <a:ext cx="8344913" cy="1200329"/>
-          </a:xfrm>
-          <a:prstGeom prst="rect">
-            <a:avLst/>
-          </a:prstGeom>
-          <a:noFill/>
-        </p:spPr>
-        <p:txBody>
-          <a:bodyPr wrap="none" rtlCol="0">
-            <a:spAutoFit/>
-          </a:bodyPr>
-          <a:lstStyle/>
-          <a:p>
-            <a:r>
-              <a:rPr lang="en-US" dirty="0"/>
-              <a:t>Train multiple models and combine their predictions into a linear-regression model</a:t>
-            </a:r>
-          </a:p>
-          <a:p>
-            <a:pPr marL="285750" indent="-285750">
-              <a:buFont typeface="Arial" panose="020B0604020202020204" pitchFamily="34" charset="0"/>
-              <a:buChar char="•"/>
-            </a:pPr>
-            <a:r>
-              <a:rPr lang="en-US" dirty="0"/>
-              <a:t>Transformer models (different objectives: MSE, MAE)</a:t>
-            </a:r>
-          </a:p>
-          <a:p>
-            <a:pPr marL="285750" indent="-285750">
-              <a:buFont typeface="Arial" panose="020B0604020202020204" pitchFamily="34" charset="0"/>
-              <a:buChar char="•"/>
-            </a:pPr>
-            <a:r>
-              <a:rPr lang="en-US" dirty="0"/>
-              <a:t>VIT 3-channel model (different objectives: MSE, MAE)</a:t>
-            </a:r>
-          </a:p>
-          <a:p>
-            <a:pPr marL="285750" indent="-285750">
-              <a:buFont typeface="Arial" panose="020B0604020202020204" pitchFamily="34" charset="0"/>
-              <a:buChar char="•"/>
-            </a:pPr>
-            <a:r>
-              <a:rPr lang="en-US" dirty="0" err="1"/>
-              <a:t>etc</a:t>
-            </a:r>
-            <a:r>
-              <a:rPr lang="en-US" dirty="0"/>
-              <a:t>…</a:t>
-            </a:r>
-          </a:p>
-        </p:txBody>
-      </p:sp>
-      <p:sp>
-        <p:nvSpPr>
-          <p:cNvPr id="4" name="TextBox 3">
-            <a:extLst>
-              <a:ext uri="{FF2B5EF4-FFF2-40B4-BE49-F238E27FC236}">
-                <a16:creationId xmlns:a16="http://schemas.microsoft.com/office/drawing/2014/main" id="{6610633D-793C-C9CB-99DE-F4EE31A65BA8}"/>
-              </a:ext>
-            </a:extLst>
-          </p:cNvPr>
-          <p:cNvSpPr txBox="1"/>
-          <p:nvPr/>
-        </p:nvSpPr>
-        <p:spPr>
-          <a:xfrm>
-            <a:off x="819509" y="2518391"/>
-            <a:ext cx="3372270" cy="646331"/>
-          </a:xfrm>
-          <a:prstGeom prst="rect">
-            <a:avLst/>
-          </a:prstGeom>
-          <a:noFill/>
-        </p:spPr>
-        <p:txBody>
-          <a:bodyPr wrap="none" rtlCol="0">
-            <a:spAutoFit/>
-          </a:bodyPr>
-          <a:lstStyle/>
-          <a:p>
-            <a:r>
-              <a:rPr lang="en-US" dirty="0"/>
-              <a:t>pred =  (c</a:t>
-            </a:r>
-            <a:r>
-              <a:rPr lang="en-US" baseline="-25000" dirty="0"/>
-              <a:t>1</a:t>
-            </a:r>
-            <a:r>
-              <a:rPr lang="en-US" dirty="0"/>
-              <a:t> * m</a:t>
-            </a:r>
-            <a:r>
-              <a:rPr lang="en-US" baseline="-25000" dirty="0"/>
-              <a:t>1</a:t>
-            </a:r>
-            <a:r>
-              <a:rPr lang="en-US" dirty="0"/>
-              <a:t>) +  (c</a:t>
-            </a:r>
-            <a:r>
-              <a:rPr lang="en-US" baseline="-25000" dirty="0"/>
-              <a:t>2</a:t>
-            </a:r>
-            <a:r>
-              <a:rPr lang="en-US" dirty="0"/>
-              <a:t> * m</a:t>
-            </a:r>
-            <a:r>
-              <a:rPr lang="en-US" baseline="-25000" dirty="0"/>
-              <a:t>2</a:t>
-            </a:r>
-            <a:r>
-              <a:rPr lang="en-US" dirty="0"/>
-              <a:t>) + ….</a:t>
-            </a:r>
-          </a:p>
-          <a:p>
-            <a:r>
-              <a:rPr lang="en-US" dirty="0"/>
-              <a:t>regress the coefficients c</a:t>
-            </a:r>
-            <a:r>
-              <a:rPr lang="en-US" baseline="-25000" dirty="0"/>
-              <a:t>i</a:t>
-            </a:r>
-          </a:p>
-        </p:txBody>
-      </p:sp>
-      <p:sp>
-        <p:nvSpPr>
-          <p:cNvPr id="5" name="TextBox 4">
-            <a:extLst>
-              <a:ext uri="{FF2B5EF4-FFF2-40B4-BE49-F238E27FC236}">
-                <a16:creationId xmlns:a16="http://schemas.microsoft.com/office/drawing/2014/main" id="{1CA94FDA-D33D-B8D0-B153-1E608F93FC56}"/>
-              </a:ext>
-            </a:extLst>
-          </p:cNvPr>
-          <p:cNvSpPr txBox="1"/>
-          <p:nvPr/>
-        </p:nvSpPr>
-        <p:spPr>
-          <a:xfrm>
-            <a:off x="353683" y="3614468"/>
-            <a:ext cx="5178982" cy="369332"/>
-          </a:xfrm>
-          <a:prstGeom prst="rect">
-            <a:avLst/>
-          </a:prstGeom>
-          <a:noFill/>
-        </p:spPr>
-        <p:txBody>
-          <a:bodyPr wrap="none" rtlCol="0">
-            <a:spAutoFit/>
-          </a:bodyPr>
-          <a:lstStyle/>
-          <a:p>
-            <a:r>
-              <a:rPr lang="en-US" dirty="0"/>
-              <a:t>Or, obviously, try more ambitious models like BERT</a:t>
-            </a:r>
-          </a:p>
-        </p:txBody>
-      </p:sp>
-    </p:spTree>
-    <p:extLst>
-      <p:ext uri="{BB962C8B-B14F-4D97-AF65-F5344CB8AC3E}">
-        <p14:creationId xmlns:p14="http://schemas.microsoft.com/office/powerpoint/2010/main" val="1625225048"/>
-      </p:ext>
-    </p:extLst>
-  </p:cSld>
-  <p:clrMapOvr>
-    <a:masterClrMapping/>
-  </p:clrMapOvr>
-</p:sld>
-</file>
-
-<file path=ppt/slides/slide19.xml><?xml version="1.0" encoding="utf-8"?>
-<p:sld xmlns:a="http://schemas.openxmlformats.org/drawingml/2006/main" xmlns:r="http://schemas.openxmlformats.org/officeDocument/2006/relationships" xmlns:p="http://schemas.openxmlformats.org/presentationml/2006/main">
-  <p:cSld>
-    <p:spTree>
-      <p:nvGrpSpPr>
-        <p:cNvPr id="1" name=""/>
-        <p:cNvGrpSpPr/>
-        <p:nvPr/>
-      </p:nvGrpSpPr>
-      <p:grpSpPr>
-        <a:xfrm>
-          <a:off x="0" y="0"/>
-          <a:ext cx="0" cy="0"/>
-          <a:chOff x="0" y="0"/>
-          <a:chExt cx="0" cy="0"/>
-        </a:xfrm>
-      </p:grpSpPr>
-      <p:sp>
-        <p:nvSpPr>
-          <p:cNvPr id="2" name="TextBox 1">
-            <a:extLst>
-              <a:ext uri="{FF2B5EF4-FFF2-40B4-BE49-F238E27FC236}">
-                <a16:creationId xmlns:a16="http://schemas.microsoft.com/office/drawing/2014/main" id="{D76C9D15-9982-284B-95FD-545534D2B137}"/>
-              </a:ext>
-            </a:extLst>
-          </p:cNvPr>
-          <p:cNvSpPr txBox="1"/>
-          <p:nvPr/>
-        </p:nvSpPr>
-        <p:spPr>
-          <a:xfrm>
-            <a:off x="4080474" y="2585241"/>
-            <a:ext cx="3737754" cy="646331"/>
-          </a:xfrm>
-          <a:prstGeom prst="rect">
-            <a:avLst/>
-          </a:prstGeom>
-          <a:noFill/>
-        </p:spPr>
-        <p:txBody>
-          <a:bodyPr wrap="none" rtlCol="0">
-            <a:spAutoFit/>
-          </a:bodyPr>
-          <a:lstStyle/>
-          <a:p>
-            <a:r>
-              <a:rPr lang="en-US" sz="3600" dirty="0"/>
-              <a:t>Appendix 1:  BERT</a:t>
-            </a:r>
-          </a:p>
-        </p:txBody>
-      </p:sp>
-      <p:sp>
-        <p:nvSpPr>
-          <p:cNvPr id="3" name="TextBox 2">
-            <a:extLst>
-              <a:ext uri="{FF2B5EF4-FFF2-40B4-BE49-F238E27FC236}">
-                <a16:creationId xmlns:a16="http://schemas.microsoft.com/office/drawing/2014/main" id="{8B430510-D086-6521-A4AF-74E7DCA885E2}"/>
-              </a:ext>
-            </a:extLst>
-          </p:cNvPr>
-          <p:cNvSpPr txBox="1"/>
-          <p:nvPr/>
-        </p:nvSpPr>
-        <p:spPr>
-          <a:xfrm>
-            <a:off x="3191774" y="3856008"/>
-            <a:ext cx="5645328" cy="646331"/>
-          </a:xfrm>
-          <a:prstGeom prst="rect">
-            <a:avLst/>
-          </a:prstGeom>
-          <a:noFill/>
-        </p:spPr>
-        <p:txBody>
-          <a:bodyPr wrap="none" rtlCol="0">
-            <a:spAutoFit/>
-          </a:bodyPr>
-          <a:lstStyle/>
-          <a:p>
-            <a:r>
-              <a:rPr lang="en-US" dirty="0"/>
-              <a:t>This was too ambitious to complete for this assignment</a:t>
-            </a:r>
-          </a:p>
-          <a:p>
-            <a:r>
-              <a:rPr lang="en-US" dirty="0"/>
-              <a:t>Below, I outline some of the preliminary work I did</a:t>
-            </a:r>
-          </a:p>
-        </p:txBody>
-      </p:sp>
-    </p:spTree>
-    <p:extLst>
-      <p:ext uri="{BB962C8B-B14F-4D97-AF65-F5344CB8AC3E}">
-        <p14:creationId xmlns:p14="http://schemas.microsoft.com/office/powerpoint/2010/main" val="1960399377"/>
       </p:ext>
     </p:extLst>
   </p:cSld>
@@ -8160,6 +9607,560 @@
           <p:cNvPr id="2" name="TextBox 1">
             <a:extLst>
               <a:ext uri="{FF2B5EF4-FFF2-40B4-BE49-F238E27FC236}">
+                <a16:creationId xmlns:a16="http://schemas.microsoft.com/office/drawing/2014/main" id="{D82E2508-34B9-E66B-316E-FC13ABDB8E01}"/>
+              </a:ext>
+            </a:extLst>
+          </p:cNvPr>
+          <p:cNvSpPr txBox="1"/>
+          <p:nvPr/>
+        </p:nvSpPr>
+        <p:spPr>
+          <a:xfrm>
+            <a:off x="136762" y="204349"/>
+            <a:ext cx="1863011" cy="461665"/>
+          </a:xfrm>
+          <a:prstGeom prst="rect">
+            <a:avLst/>
+          </a:prstGeom>
+          <a:noFill/>
+        </p:spPr>
+        <p:txBody>
+          <a:bodyPr wrap="none" rtlCol="0">
+            <a:spAutoFit/>
+          </a:bodyPr>
+          <a:lstStyle/>
+          <a:p>
+            <a:r>
+              <a:rPr lang="en-US" sz="2400" dirty="0"/>
+              <a:t>Conclusions</a:t>
+            </a:r>
+          </a:p>
+        </p:txBody>
+      </p:sp>
+      <p:sp>
+        <p:nvSpPr>
+          <p:cNvPr id="3" name="TextBox 2">
+            <a:extLst>
+              <a:ext uri="{FF2B5EF4-FFF2-40B4-BE49-F238E27FC236}">
+                <a16:creationId xmlns:a16="http://schemas.microsoft.com/office/drawing/2014/main" id="{FA742F59-10DC-50B3-599C-9B3227711F13}"/>
+              </a:ext>
+            </a:extLst>
+          </p:cNvPr>
+          <p:cNvSpPr txBox="1"/>
+          <p:nvPr/>
+        </p:nvSpPr>
+        <p:spPr>
+          <a:xfrm>
+            <a:off x="996234" y="879894"/>
+            <a:ext cx="10847834" cy="4801314"/>
+          </a:xfrm>
+          <a:prstGeom prst="rect">
+            <a:avLst/>
+          </a:prstGeom>
+          <a:noFill/>
+        </p:spPr>
+        <p:txBody>
+          <a:bodyPr wrap="square" rtlCol="0">
+            <a:spAutoFit/>
+          </a:bodyPr>
+          <a:lstStyle/>
+          <a:p>
+            <a:pPr marL="285750" indent="-285750">
+              <a:buFont typeface="Arial" panose="020B0604020202020204" pitchFamily="34" charset="0"/>
+              <a:buChar char="•"/>
+            </a:pPr>
+            <a:r>
+              <a:rPr lang="en-US" dirty="0"/>
+              <a:t>MLP models do not treat relationships between different elements in a sequence.  For sequence-to-affinity regression problem, MLP, not surprisingly, performed the poorest</a:t>
+            </a:r>
+          </a:p>
+          <a:p>
+            <a:pPr marL="285750" indent="-285750">
+              <a:buFont typeface="Arial" panose="020B0604020202020204" pitchFamily="34" charset="0"/>
+              <a:buChar char="•"/>
+            </a:pPr>
+            <a:endParaRPr lang="en-US" dirty="0"/>
+          </a:p>
+          <a:p>
+            <a:pPr marL="285750" indent="-285750">
+              <a:buFont typeface="Arial" panose="020B0604020202020204" pitchFamily="34" charset="0"/>
+              <a:buChar char="•"/>
+            </a:pPr>
+            <a:r>
+              <a:rPr lang="en-US" dirty="0"/>
+              <a:t>Transformer-based models explicitly treat these interactions via the self-attention mechanism and this proves advantageous in this study</a:t>
+            </a:r>
+          </a:p>
+          <a:p>
+            <a:pPr marL="742950" lvl="1" indent="-285750">
+              <a:buFont typeface="Arial" panose="020B0604020202020204" pitchFamily="34" charset="0"/>
+              <a:buChar char="•"/>
+            </a:pPr>
+            <a:r>
+              <a:rPr lang="en-US" dirty="0"/>
+              <a:t>also, these converge faster than the MLP models I tried.</a:t>
+            </a:r>
+          </a:p>
+          <a:p>
+            <a:pPr marL="285750" indent="-285750">
+              <a:buFont typeface="Arial" panose="020B0604020202020204" pitchFamily="34" charset="0"/>
+              <a:buChar char="•"/>
+            </a:pPr>
+            <a:endParaRPr lang="en-US" dirty="0"/>
+          </a:p>
+          <a:p>
+            <a:pPr marL="285750" indent="-285750">
+              <a:buFont typeface="Arial" panose="020B0604020202020204" pitchFamily="34" charset="0"/>
+              <a:buChar char="•"/>
+            </a:pPr>
+            <a:r>
+              <a:rPr lang="en-US" dirty="0"/>
+              <a:t>Vision transformer on this data proved surprisingly effective</a:t>
+            </a:r>
+          </a:p>
+          <a:p>
+            <a:pPr marL="742950" lvl="1" indent="-285750">
+              <a:buFont typeface="Arial" panose="020B0604020202020204" pitchFamily="34" charset="0"/>
+              <a:buChar char="•"/>
+            </a:pPr>
+            <a:r>
+              <a:rPr lang="en-US" dirty="0"/>
+              <a:t>3-channel approach did slightly better than 1-channel.</a:t>
+            </a:r>
+          </a:p>
+          <a:p>
+            <a:pPr marL="742950" lvl="1" indent="-285750">
+              <a:buFont typeface="Arial" panose="020B0604020202020204" pitchFamily="34" charset="0"/>
+              <a:buChar char="•"/>
+            </a:pPr>
+            <a:r>
+              <a:rPr lang="en-US" dirty="0"/>
+              <a:t>Would be interesting to explore other encodings for these layers and other types of data to add in additional layers</a:t>
+            </a:r>
+          </a:p>
+          <a:p>
+            <a:pPr marL="742950" lvl="1" indent="-285750">
+              <a:buFont typeface="Arial" panose="020B0604020202020204" pitchFamily="34" charset="0"/>
+              <a:buChar char="•"/>
+            </a:pPr>
+            <a:r>
+              <a:rPr lang="en-US" dirty="0"/>
+              <a:t>In hindsight, I could simply have encoded/embed the same data as channels 2,3 into the linear Transformer model as well; which is probably more straightforward</a:t>
+            </a:r>
+          </a:p>
+          <a:p>
+            <a:pPr marL="285750" indent="-285750">
+              <a:buFont typeface="Arial" panose="020B0604020202020204" pitchFamily="34" charset="0"/>
+              <a:buChar char="•"/>
+            </a:pPr>
+            <a:endParaRPr lang="en-US" dirty="0"/>
+          </a:p>
+          <a:p>
+            <a:pPr marL="285750" indent="-285750">
+              <a:buFont typeface="Arial" panose="020B0604020202020204" pitchFamily="34" charset="0"/>
+              <a:buChar char="•"/>
+            </a:pPr>
+            <a:r>
+              <a:rPr lang="en-US" dirty="0"/>
+              <a:t>The t-SNE plots show that clustering of features occurs which is expected from self-attention.  Additional work on this would be interesting,</a:t>
+            </a:r>
+          </a:p>
+          <a:p>
+            <a:pPr marL="285750" indent="-285750">
+              <a:buFont typeface="Arial" panose="020B0604020202020204" pitchFamily="34" charset="0"/>
+              <a:buChar char="•"/>
+            </a:pPr>
+            <a:endParaRPr lang="en-US" dirty="0"/>
+          </a:p>
+        </p:txBody>
+      </p:sp>
+    </p:spTree>
+    <p:extLst>
+      <p:ext uri="{BB962C8B-B14F-4D97-AF65-F5344CB8AC3E}">
+        <p14:creationId xmlns:p14="http://schemas.microsoft.com/office/powerpoint/2010/main" val="3288275664"/>
+      </p:ext>
+    </p:extLst>
+  </p:cSld>
+  <p:clrMapOvr>
+    <a:masterClrMapping/>
+  </p:clrMapOvr>
+</p:sld>
+</file>
+
+<file path=ppt/slides/slide21.xml><?xml version="1.0" encoding="utf-8"?>
+<p:sld xmlns:a="http://schemas.openxmlformats.org/drawingml/2006/main" xmlns:r="http://schemas.openxmlformats.org/officeDocument/2006/relationships" xmlns:p="http://schemas.openxmlformats.org/presentationml/2006/main">
+  <p:cSld>
+    <p:spTree>
+      <p:nvGrpSpPr>
+        <p:cNvPr id="1" name=""/>
+        <p:cNvGrpSpPr/>
+        <p:nvPr/>
+      </p:nvGrpSpPr>
+      <p:grpSpPr>
+        <a:xfrm>
+          <a:off x="0" y="0"/>
+          <a:ext cx="0" cy="0"/>
+          <a:chOff x="0" y="0"/>
+          <a:chExt cx="0" cy="0"/>
+        </a:xfrm>
+      </p:grpSpPr>
+      <p:sp>
+        <p:nvSpPr>
+          <p:cNvPr id="2" name="TextBox 1">
+            <a:extLst>
+              <a:ext uri="{FF2B5EF4-FFF2-40B4-BE49-F238E27FC236}">
+                <a16:creationId xmlns:a16="http://schemas.microsoft.com/office/drawing/2014/main" id="{7E19F177-6D52-95C4-17E6-1DACA7719CA4}"/>
+              </a:ext>
+            </a:extLst>
+          </p:cNvPr>
+          <p:cNvSpPr txBox="1"/>
+          <p:nvPr/>
+        </p:nvSpPr>
+        <p:spPr>
+          <a:xfrm>
+            <a:off x="136762" y="204349"/>
+            <a:ext cx="2591350" cy="461665"/>
+          </a:xfrm>
+          <a:prstGeom prst="rect">
+            <a:avLst/>
+          </a:prstGeom>
+          <a:noFill/>
+        </p:spPr>
+        <p:txBody>
+          <a:bodyPr wrap="none" rtlCol="0">
+            <a:spAutoFit/>
+          </a:bodyPr>
+          <a:lstStyle/>
+          <a:p>
+            <a:r>
+              <a:rPr lang="en-US" sz="2400" dirty="0"/>
+              <a:t>Other approaches</a:t>
+            </a:r>
+          </a:p>
+        </p:txBody>
+      </p:sp>
+      <p:sp>
+        <p:nvSpPr>
+          <p:cNvPr id="3" name="TextBox 2">
+            <a:extLst>
+              <a:ext uri="{FF2B5EF4-FFF2-40B4-BE49-F238E27FC236}">
+                <a16:creationId xmlns:a16="http://schemas.microsoft.com/office/drawing/2014/main" id="{9E4B2BF0-6FE2-8BF1-DE26-BACEBBE17BCD}"/>
+              </a:ext>
+            </a:extLst>
+          </p:cNvPr>
+          <p:cNvSpPr txBox="1"/>
+          <p:nvPr/>
+        </p:nvSpPr>
+        <p:spPr>
+          <a:xfrm>
+            <a:off x="353683" y="992038"/>
+            <a:ext cx="8344913" cy="1200329"/>
+          </a:xfrm>
+          <a:prstGeom prst="rect">
+            <a:avLst/>
+          </a:prstGeom>
+          <a:noFill/>
+        </p:spPr>
+        <p:txBody>
+          <a:bodyPr wrap="none" rtlCol="0">
+            <a:spAutoFit/>
+          </a:bodyPr>
+          <a:lstStyle/>
+          <a:p>
+            <a:r>
+              <a:rPr lang="en-US" dirty="0"/>
+              <a:t>Train multiple models and combine their predictions into a linear-regression model</a:t>
+            </a:r>
+          </a:p>
+          <a:p>
+            <a:pPr marL="285750" indent="-285750">
+              <a:buFont typeface="Arial" panose="020B0604020202020204" pitchFamily="34" charset="0"/>
+              <a:buChar char="•"/>
+            </a:pPr>
+            <a:r>
+              <a:rPr lang="en-US" dirty="0"/>
+              <a:t>Transformer models (different objectives: MSE, MAE)</a:t>
+            </a:r>
+          </a:p>
+          <a:p>
+            <a:pPr marL="285750" indent="-285750">
+              <a:buFont typeface="Arial" panose="020B0604020202020204" pitchFamily="34" charset="0"/>
+              <a:buChar char="•"/>
+            </a:pPr>
+            <a:r>
+              <a:rPr lang="en-US" dirty="0"/>
+              <a:t>VIT 3-channel model (different objectives: MSE, MAE)</a:t>
+            </a:r>
+          </a:p>
+          <a:p>
+            <a:pPr marL="285750" indent="-285750">
+              <a:buFont typeface="Arial" panose="020B0604020202020204" pitchFamily="34" charset="0"/>
+              <a:buChar char="•"/>
+            </a:pPr>
+            <a:r>
+              <a:rPr lang="en-US" dirty="0" err="1"/>
+              <a:t>etc</a:t>
+            </a:r>
+            <a:r>
+              <a:rPr lang="en-US" dirty="0"/>
+              <a:t>…</a:t>
+            </a:r>
+          </a:p>
+        </p:txBody>
+      </p:sp>
+      <p:sp>
+        <p:nvSpPr>
+          <p:cNvPr id="4" name="TextBox 3">
+            <a:extLst>
+              <a:ext uri="{FF2B5EF4-FFF2-40B4-BE49-F238E27FC236}">
+                <a16:creationId xmlns:a16="http://schemas.microsoft.com/office/drawing/2014/main" id="{6610633D-793C-C9CB-99DE-F4EE31A65BA8}"/>
+              </a:ext>
+            </a:extLst>
+          </p:cNvPr>
+          <p:cNvSpPr txBox="1"/>
+          <p:nvPr/>
+        </p:nvSpPr>
+        <p:spPr>
+          <a:xfrm>
+            <a:off x="2639683" y="2195225"/>
+            <a:ext cx="3372270" cy="646331"/>
+          </a:xfrm>
+          <a:prstGeom prst="rect">
+            <a:avLst/>
+          </a:prstGeom>
+          <a:noFill/>
+        </p:spPr>
+        <p:txBody>
+          <a:bodyPr wrap="none" rtlCol="0">
+            <a:spAutoFit/>
+          </a:bodyPr>
+          <a:lstStyle/>
+          <a:p>
+            <a:r>
+              <a:rPr lang="en-US" dirty="0"/>
+              <a:t>pred =  (c</a:t>
+            </a:r>
+            <a:r>
+              <a:rPr lang="en-US" baseline="-25000" dirty="0"/>
+              <a:t>1</a:t>
+            </a:r>
+            <a:r>
+              <a:rPr lang="en-US" dirty="0"/>
+              <a:t> * m</a:t>
+            </a:r>
+            <a:r>
+              <a:rPr lang="en-US" baseline="-25000" dirty="0"/>
+              <a:t>1</a:t>
+            </a:r>
+            <a:r>
+              <a:rPr lang="en-US" dirty="0"/>
+              <a:t>) +  (c</a:t>
+            </a:r>
+            <a:r>
+              <a:rPr lang="en-US" baseline="-25000" dirty="0"/>
+              <a:t>2</a:t>
+            </a:r>
+            <a:r>
+              <a:rPr lang="en-US" dirty="0"/>
+              <a:t> * m</a:t>
+            </a:r>
+            <a:r>
+              <a:rPr lang="en-US" baseline="-25000" dirty="0"/>
+              <a:t>2</a:t>
+            </a:r>
+            <a:r>
+              <a:rPr lang="en-US" dirty="0"/>
+              <a:t>) + ….</a:t>
+            </a:r>
+          </a:p>
+          <a:p>
+            <a:r>
+              <a:rPr lang="en-US" dirty="0"/>
+              <a:t>regress the coefficients c</a:t>
+            </a:r>
+            <a:r>
+              <a:rPr lang="en-US" baseline="-25000" dirty="0"/>
+              <a:t>i</a:t>
+            </a:r>
+          </a:p>
+        </p:txBody>
+      </p:sp>
+      <p:sp>
+        <p:nvSpPr>
+          <p:cNvPr id="5" name="TextBox 4">
+            <a:extLst>
+              <a:ext uri="{FF2B5EF4-FFF2-40B4-BE49-F238E27FC236}">
+                <a16:creationId xmlns:a16="http://schemas.microsoft.com/office/drawing/2014/main" id="{1CA94FDA-D33D-B8D0-B153-1E608F93FC56}"/>
+              </a:ext>
+            </a:extLst>
+          </p:cNvPr>
+          <p:cNvSpPr txBox="1"/>
+          <p:nvPr/>
+        </p:nvSpPr>
+        <p:spPr>
+          <a:xfrm>
+            <a:off x="353683" y="3614468"/>
+            <a:ext cx="4821833" cy="369332"/>
+          </a:xfrm>
+          <a:prstGeom prst="rect">
+            <a:avLst/>
+          </a:prstGeom>
+          <a:noFill/>
+        </p:spPr>
+        <p:txBody>
+          <a:bodyPr wrap="none" rtlCol="0">
+            <a:spAutoFit/>
+          </a:bodyPr>
+          <a:lstStyle/>
+          <a:p>
+            <a:r>
+              <a:rPr lang="en-US" dirty="0"/>
+              <a:t>Or, obviously, try more robust models like BERT</a:t>
+            </a:r>
+          </a:p>
+        </p:txBody>
+      </p:sp>
+    </p:spTree>
+    <p:extLst>
+      <p:ext uri="{BB962C8B-B14F-4D97-AF65-F5344CB8AC3E}">
+        <p14:creationId xmlns:p14="http://schemas.microsoft.com/office/powerpoint/2010/main" val="1625225048"/>
+      </p:ext>
+    </p:extLst>
+  </p:cSld>
+  <p:clrMapOvr>
+    <a:masterClrMapping/>
+  </p:clrMapOvr>
+</p:sld>
+</file>
+
+<file path=ppt/slides/slide22.xml><?xml version="1.0" encoding="utf-8"?>
+<p:sld xmlns:a="http://schemas.openxmlformats.org/drawingml/2006/main" xmlns:r="http://schemas.openxmlformats.org/officeDocument/2006/relationships" xmlns:p="http://schemas.openxmlformats.org/presentationml/2006/main">
+  <p:cSld>
+    <p:spTree>
+      <p:nvGrpSpPr>
+        <p:cNvPr id="1" name=""/>
+        <p:cNvGrpSpPr/>
+        <p:nvPr/>
+      </p:nvGrpSpPr>
+      <p:grpSpPr>
+        <a:xfrm>
+          <a:off x="0" y="0"/>
+          <a:ext cx="0" cy="0"/>
+          <a:chOff x="0" y="0"/>
+          <a:chExt cx="0" cy="0"/>
+        </a:xfrm>
+      </p:grpSpPr>
+      <p:sp>
+        <p:nvSpPr>
+          <p:cNvPr id="2" name="TextBox 1">
+            <a:extLst>
+              <a:ext uri="{FF2B5EF4-FFF2-40B4-BE49-F238E27FC236}">
+                <a16:creationId xmlns:a16="http://schemas.microsoft.com/office/drawing/2014/main" id="{D76C9D15-9982-284B-95FD-545534D2B137}"/>
+              </a:ext>
+            </a:extLst>
+          </p:cNvPr>
+          <p:cNvSpPr txBox="1"/>
+          <p:nvPr/>
+        </p:nvSpPr>
+        <p:spPr>
+          <a:xfrm>
+            <a:off x="4080474" y="2585241"/>
+            <a:ext cx="3737754" cy="646331"/>
+          </a:xfrm>
+          <a:prstGeom prst="rect">
+            <a:avLst/>
+          </a:prstGeom>
+          <a:noFill/>
+        </p:spPr>
+        <p:txBody>
+          <a:bodyPr wrap="none" rtlCol="0">
+            <a:spAutoFit/>
+          </a:bodyPr>
+          <a:lstStyle/>
+          <a:p>
+            <a:r>
+              <a:rPr lang="en-US" sz="3600" dirty="0"/>
+              <a:t>Appendix 1:  BERT</a:t>
+            </a:r>
+          </a:p>
+        </p:txBody>
+      </p:sp>
+      <p:sp>
+        <p:nvSpPr>
+          <p:cNvPr id="3" name="TextBox 2">
+            <a:extLst>
+              <a:ext uri="{FF2B5EF4-FFF2-40B4-BE49-F238E27FC236}">
+                <a16:creationId xmlns:a16="http://schemas.microsoft.com/office/drawing/2014/main" id="{8B430510-D086-6521-A4AF-74E7DCA885E2}"/>
+              </a:ext>
+            </a:extLst>
+          </p:cNvPr>
+          <p:cNvSpPr txBox="1"/>
+          <p:nvPr/>
+        </p:nvSpPr>
+        <p:spPr>
+          <a:xfrm>
+            <a:off x="3191774" y="3856008"/>
+            <a:ext cx="5645328" cy="646331"/>
+          </a:xfrm>
+          <a:prstGeom prst="rect">
+            <a:avLst/>
+          </a:prstGeom>
+          <a:noFill/>
+        </p:spPr>
+        <p:txBody>
+          <a:bodyPr wrap="none" rtlCol="0">
+            <a:spAutoFit/>
+          </a:bodyPr>
+          <a:lstStyle/>
+          <a:p>
+            <a:r>
+              <a:rPr lang="en-US" dirty="0"/>
+              <a:t>This was too ambitious to complete for this assignment</a:t>
+            </a:r>
+          </a:p>
+          <a:p>
+            <a:r>
+              <a:rPr lang="en-US" dirty="0"/>
+              <a:t>Below, I outline some of the preliminary work I did</a:t>
+            </a:r>
+          </a:p>
+        </p:txBody>
+      </p:sp>
+    </p:spTree>
+    <p:extLst>
+      <p:ext uri="{BB962C8B-B14F-4D97-AF65-F5344CB8AC3E}">
+        <p14:creationId xmlns:p14="http://schemas.microsoft.com/office/powerpoint/2010/main" val="1960399377"/>
+      </p:ext>
+    </p:extLst>
+  </p:cSld>
+  <p:clrMapOvr>
+    <a:masterClrMapping/>
+  </p:clrMapOvr>
+</p:sld>
+</file>
+
+<file path=ppt/slides/slide23.xml><?xml version="1.0" encoding="utf-8"?>
+<p:sld xmlns:a="http://schemas.openxmlformats.org/drawingml/2006/main" xmlns:r="http://schemas.openxmlformats.org/officeDocument/2006/relationships" xmlns:p="http://schemas.openxmlformats.org/presentationml/2006/main">
+  <p:cSld>
+    <p:spTree>
+      <p:nvGrpSpPr>
+        <p:cNvPr id="1" name=""/>
+        <p:cNvGrpSpPr/>
+        <p:nvPr/>
+      </p:nvGrpSpPr>
+      <p:grpSpPr>
+        <a:xfrm>
+          <a:off x="0" y="0"/>
+          <a:ext cx="0" cy="0"/>
+          <a:chOff x="0" y="0"/>
+          <a:chExt cx="0" cy="0"/>
+        </a:xfrm>
+      </p:grpSpPr>
+      <p:sp>
+        <p:nvSpPr>
+          <p:cNvPr id="2" name="TextBox 1">
+            <a:extLst>
+              <a:ext uri="{FF2B5EF4-FFF2-40B4-BE49-F238E27FC236}">
                 <a16:creationId xmlns:a16="http://schemas.microsoft.com/office/drawing/2014/main" id="{A6B8D544-62FB-BED5-1F3D-8DE1F9A51DC3}"/>
               </a:ext>
             </a:extLst>
@@ -8561,7 +10562,7 @@
 </p:sld>
 </file>
 
-<file path=ppt/slides/slide21.xml><?xml version="1.0" encoding="utf-8"?>
+<file path=ppt/slides/slide24.xml><?xml version="1.0" encoding="utf-8"?>
 <p:sld xmlns:a="http://schemas.openxmlformats.org/drawingml/2006/main" xmlns:r="http://schemas.openxmlformats.org/officeDocument/2006/relationships" xmlns:p="http://schemas.openxmlformats.org/presentationml/2006/main">
   <p:cSld>
     <p:spTree>
@@ -8964,7 +10965,7 @@
 </p:sld>
 </file>
 
-<file path=ppt/slides/slide22.xml><?xml version="1.0" encoding="utf-8"?>
+<file path=ppt/slides/slide25.xml><?xml version="1.0" encoding="utf-8"?>
 <p:sld xmlns:a="http://schemas.openxmlformats.org/drawingml/2006/main" xmlns:r="http://schemas.openxmlformats.org/officeDocument/2006/relationships" xmlns:p="http://schemas.openxmlformats.org/presentationml/2006/main">
   <p:cSld>
     <p:spTree>
@@ -9352,7 +11353,7 @@
 </p:sld>
 </file>
 
-<file path=ppt/slides/slide23.xml><?xml version="1.0" encoding="utf-8"?>
+<file path=ppt/slides/slide26.xml><?xml version="1.0" encoding="utf-8"?>
 <p:sld xmlns:a="http://schemas.openxmlformats.org/drawingml/2006/main" xmlns:r="http://schemas.openxmlformats.org/officeDocument/2006/relationships" xmlns:p="http://schemas.openxmlformats.org/presentationml/2006/main">
   <p:cSld>
     <p:spTree>
@@ -13300,7 +15301,7 @@
 </p:sld>
 </file>
 
-<file path=ppt/slides/slide24.xml><?xml version="1.0" encoding="utf-8"?>
+<file path=ppt/slides/slide27.xml><?xml version="1.0" encoding="utf-8"?>
 <p:sld xmlns:a="http://schemas.openxmlformats.org/drawingml/2006/main" xmlns:r="http://schemas.openxmlformats.org/officeDocument/2006/relationships" xmlns:p="http://schemas.openxmlformats.org/presentationml/2006/main">
   <p:cSld>
     <p:spTree>
@@ -16315,7 +18316,7 @@
 </p:sld>
 </file>
 
-<file path=ppt/slides/slide25.xml><?xml version="1.0" encoding="utf-8"?>
+<file path=ppt/slides/slide28.xml><?xml version="1.0" encoding="utf-8"?>
 <p:sld xmlns:a="http://schemas.openxmlformats.org/drawingml/2006/main" xmlns:r="http://schemas.openxmlformats.org/officeDocument/2006/relationships" xmlns:p="http://schemas.openxmlformats.org/presentationml/2006/main">
   <p:cSld>
     <p:spTree>
@@ -16347,7 +18348,7 @@
         <p:spPr>
           <a:xfrm>
             <a:off x="173866" y="154242"/>
-            <a:ext cx="2433551" cy="461665"/>
+            <a:ext cx="6862328" cy="461665"/>
           </a:xfrm>
           <a:prstGeom prst="rect">
             <a:avLst/>
@@ -16362,7 +18363,7 @@
           <a:p>
             <a:r>
               <a:rPr lang="en-US" sz="2400" dirty="0"/>
-              <a:t>Settings for BERT</a:t>
+              <a:t>Settings for BERT that I tried on the homework data</a:t>
             </a:r>
           </a:p>
         </p:txBody>
@@ -16960,7 +18961,7 @@
 </p:sld>
 </file>
 
-<file path=ppt/slides/slide26.xml><?xml version="1.0" encoding="utf-8"?>
+<file path=ppt/slides/slide29.xml><?xml version="1.0" encoding="utf-8"?>
 <p:sld xmlns:a="http://schemas.openxmlformats.org/drawingml/2006/main" xmlns:r="http://schemas.openxmlformats.org/officeDocument/2006/relationships" xmlns:p="http://schemas.openxmlformats.org/presentationml/2006/main">
   <p:cSld>
     <p:spTree>
@@ -17686,7 +19687,465 @@
 </p:sld>
 </file>
 
-<file path=ppt/slides/slide27.xml><?xml version="1.0" encoding="utf-8"?>
+<file path=ppt/slides/slide3.xml><?xml version="1.0" encoding="utf-8"?>
+<p:sld xmlns:a="http://schemas.openxmlformats.org/drawingml/2006/main" xmlns:r="http://schemas.openxmlformats.org/officeDocument/2006/relationships" xmlns:p="http://schemas.openxmlformats.org/presentationml/2006/main">
+  <p:cSld>
+    <p:spTree>
+      <p:nvGrpSpPr>
+        <p:cNvPr id="1" name=""/>
+        <p:cNvGrpSpPr/>
+        <p:nvPr/>
+      </p:nvGrpSpPr>
+      <p:grpSpPr>
+        <a:xfrm>
+          <a:off x="0" y="0"/>
+          <a:ext cx="0" cy="0"/>
+          <a:chOff x="0" y="0"/>
+          <a:chExt cx="0" cy="0"/>
+        </a:xfrm>
+      </p:grpSpPr>
+      <p:pic>
+        <p:nvPicPr>
+          <p:cNvPr id="6" name="Picture 5">
+            <a:extLst>
+              <a:ext uri="{FF2B5EF4-FFF2-40B4-BE49-F238E27FC236}">
+                <a16:creationId xmlns:a16="http://schemas.microsoft.com/office/drawing/2014/main" id="{3AB9F594-C03F-C97E-A552-D21028275E9B}"/>
+              </a:ext>
+            </a:extLst>
+          </p:cNvPr>
+          <p:cNvPicPr>
+            <a:picLocks noChangeAspect="1"/>
+          </p:cNvPicPr>
+          <p:nvPr/>
+        </p:nvPicPr>
+        <p:blipFill>
+          <a:blip r:embed="rId2"/>
+          <a:stretch>
+            <a:fillRect/>
+          </a:stretch>
+        </p:blipFill>
+        <p:spPr>
+          <a:xfrm>
+            <a:off x="671064" y="3975100"/>
+            <a:ext cx="4000500" cy="2882900"/>
+          </a:xfrm>
+          <a:prstGeom prst="rect">
+            <a:avLst/>
+          </a:prstGeom>
+        </p:spPr>
+      </p:pic>
+      <p:sp>
+        <p:nvSpPr>
+          <p:cNvPr id="2" name="TextBox 1">
+            <a:extLst>
+              <a:ext uri="{FF2B5EF4-FFF2-40B4-BE49-F238E27FC236}">
+                <a16:creationId xmlns:a16="http://schemas.microsoft.com/office/drawing/2014/main" id="{E758D5CD-18BF-EE2E-47E2-E832CEE7988E}"/>
+              </a:ext>
+            </a:extLst>
+          </p:cNvPr>
+          <p:cNvSpPr txBox="1"/>
+          <p:nvPr/>
+        </p:nvSpPr>
+        <p:spPr>
+          <a:xfrm>
+            <a:off x="140127" y="221836"/>
+            <a:ext cx="3472810" cy="461665"/>
+          </a:xfrm>
+          <a:prstGeom prst="rect">
+            <a:avLst/>
+          </a:prstGeom>
+          <a:noFill/>
+        </p:spPr>
+        <p:txBody>
+          <a:bodyPr wrap="none" rtlCol="0">
+            <a:spAutoFit/>
+          </a:bodyPr>
+          <a:lstStyle/>
+          <a:p>
+            <a:r>
+              <a:rPr lang="en-US" sz="2400" dirty="0"/>
+              <a:t>Data set analysis – part 2</a:t>
+            </a:r>
+          </a:p>
+        </p:txBody>
+      </p:sp>
+      <p:pic>
+        <p:nvPicPr>
+          <p:cNvPr id="5" name="Picture 4">
+            <a:extLst>
+              <a:ext uri="{FF2B5EF4-FFF2-40B4-BE49-F238E27FC236}">
+                <a16:creationId xmlns:a16="http://schemas.microsoft.com/office/drawing/2014/main" id="{004E675A-1C32-B792-0686-94A327045471}"/>
+              </a:ext>
+            </a:extLst>
+          </p:cNvPr>
+          <p:cNvPicPr>
+            <a:picLocks noChangeAspect="1"/>
+          </p:cNvPicPr>
+          <p:nvPr/>
+        </p:nvPicPr>
+        <p:blipFill>
+          <a:blip r:embed="rId3"/>
+          <a:stretch>
+            <a:fillRect/>
+          </a:stretch>
+        </p:blipFill>
+        <p:spPr>
+          <a:xfrm>
+            <a:off x="3670560" y="698948"/>
+            <a:ext cx="3683000" cy="2882900"/>
+          </a:xfrm>
+          <a:prstGeom prst="rect">
+            <a:avLst/>
+          </a:prstGeom>
+        </p:spPr>
+      </p:pic>
+      <p:pic>
+        <p:nvPicPr>
+          <p:cNvPr id="7" name="Picture 6">
+            <a:extLst>
+              <a:ext uri="{FF2B5EF4-FFF2-40B4-BE49-F238E27FC236}">
+                <a16:creationId xmlns:a16="http://schemas.microsoft.com/office/drawing/2014/main" id="{27C0F13D-962E-3657-5DEE-34FD510A4981}"/>
+              </a:ext>
+            </a:extLst>
+          </p:cNvPr>
+          <p:cNvPicPr>
+            <a:picLocks noChangeAspect="1"/>
+          </p:cNvPicPr>
+          <p:nvPr/>
+        </p:nvPicPr>
+        <p:blipFill>
+          <a:blip r:embed="rId4"/>
+          <a:stretch>
+            <a:fillRect/>
+          </a:stretch>
+        </p:blipFill>
+        <p:spPr>
+          <a:xfrm>
+            <a:off x="7714172" y="711289"/>
+            <a:ext cx="3733800" cy="2882900"/>
+          </a:xfrm>
+          <a:prstGeom prst="rect">
+            <a:avLst/>
+          </a:prstGeom>
+        </p:spPr>
+      </p:pic>
+      <p:sp>
+        <p:nvSpPr>
+          <p:cNvPr id="8" name="Right Brace 7">
+            <a:extLst>
+              <a:ext uri="{FF2B5EF4-FFF2-40B4-BE49-F238E27FC236}">
+                <a16:creationId xmlns:a16="http://schemas.microsoft.com/office/drawing/2014/main" id="{384E57D8-39A4-D74D-ED33-24E95A329067}"/>
+              </a:ext>
+            </a:extLst>
+          </p:cNvPr>
+          <p:cNvSpPr/>
+          <p:nvPr/>
+        </p:nvSpPr>
+        <p:spPr>
+          <a:xfrm rot="3143533">
+            <a:off x="3147459" y="3942365"/>
+            <a:ext cx="297297" cy="2905664"/>
+          </a:xfrm>
+          <a:prstGeom prst="rightBrace">
+            <a:avLst/>
+          </a:prstGeom>
+        </p:spPr>
+        <p:style>
+          <a:lnRef idx="2">
+            <a:schemeClr val="accent1"/>
+          </a:lnRef>
+          <a:fillRef idx="0">
+            <a:schemeClr val="accent1"/>
+          </a:fillRef>
+          <a:effectRef idx="1">
+            <a:schemeClr val="accent1"/>
+          </a:effectRef>
+          <a:fontRef idx="minor">
+            <a:schemeClr val="tx1"/>
+          </a:fontRef>
+        </p:style>
+        <p:txBody>
+          <a:bodyPr rtlCol="0" anchor="ctr"/>
+          <a:lstStyle/>
+          <a:p>
+            <a:pPr algn="ctr"/>
+            <a:endParaRPr lang="en-US"/>
+          </a:p>
+        </p:txBody>
+      </p:sp>
+      <p:sp>
+        <p:nvSpPr>
+          <p:cNvPr id="9" name="TextBox 8">
+            <a:extLst>
+              <a:ext uri="{FF2B5EF4-FFF2-40B4-BE49-F238E27FC236}">
+                <a16:creationId xmlns:a16="http://schemas.microsoft.com/office/drawing/2014/main" id="{EC1A7CCE-E29E-8773-70DE-2B8B0A3A53C2}"/>
+              </a:ext>
+            </a:extLst>
+          </p:cNvPr>
+          <p:cNvSpPr txBox="1"/>
+          <p:nvPr/>
+        </p:nvSpPr>
+        <p:spPr>
+          <a:xfrm>
+            <a:off x="4996724" y="4364964"/>
+            <a:ext cx="6038000" cy="369332"/>
+          </a:xfrm>
+          <a:prstGeom prst="rect">
+            <a:avLst/>
+          </a:prstGeom>
+          <a:noFill/>
+        </p:spPr>
+        <p:txBody>
+          <a:bodyPr wrap="none" rtlCol="0">
+            <a:spAutoFit/>
+          </a:bodyPr>
+          <a:lstStyle/>
+          <a:p>
+            <a:r>
+              <a:rPr lang="en-US" dirty="0"/>
+              <a:t>Not surprising that larger </a:t>
+            </a:r>
+            <a:r>
+              <a:rPr lang="en-US" dirty="0" err="1">
+                <a:latin typeface="Symbol" pitchFamily="2" charset="2"/>
+              </a:rPr>
+              <a:t>D</a:t>
+            </a:r>
+            <a:r>
+              <a:rPr lang="en-US" dirty="0" err="1"/>
+              <a:t>Kd</a:t>
+            </a:r>
+            <a:r>
+              <a:rPr lang="en-US" dirty="0"/>
+              <a:t> correlate with larger </a:t>
+            </a:r>
+            <a:r>
+              <a:rPr lang="en-US" dirty="0" err="1"/>
+              <a:t>q_values</a:t>
+            </a:r>
+            <a:endParaRPr lang="en-US" dirty="0"/>
+          </a:p>
+        </p:txBody>
+      </p:sp>
+      <p:sp>
+        <p:nvSpPr>
+          <p:cNvPr id="10" name="TextBox 9">
+            <a:extLst>
+              <a:ext uri="{FF2B5EF4-FFF2-40B4-BE49-F238E27FC236}">
+                <a16:creationId xmlns:a16="http://schemas.microsoft.com/office/drawing/2014/main" id="{086D1D2D-CE4E-8707-3A56-AEBF7E6EF12B}"/>
+              </a:ext>
+            </a:extLst>
+          </p:cNvPr>
+          <p:cNvSpPr txBox="1"/>
+          <p:nvPr/>
+        </p:nvSpPr>
+        <p:spPr>
+          <a:xfrm>
+            <a:off x="5323334" y="302307"/>
+            <a:ext cx="582724" cy="369332"/>
+          </a:xfrm>
+          <a:prstGeom prst="rect">
+            <a:avLst/>
+          </a:prstGeom>
+          <a:noFill/>
+        </p:spPr>
+        <p:txBody>
+          <a:bodyPr wrap="none" rtlCol="0">
+            <a:spAutoFit/>
+          </a:bodyPr>
+          <a:lstStyle/>
+          <a:p>
+            <a:r>
+              <a:rPr lang="en-US" dirty="0" err="1">
+                <a:latin typeface="Symbol" pitchFamily="2" charset="2"/>
+              </a:rPr>
+              <a:t>D</a:t>
+            </a:r>
+            <a:r>
+              <a:rPr lang="en-US" dirty="0" err="1"/>
+              <a:t>Kd</a:t>
+            </a:r>
+            <a:endParaRPr lang="en-US" dirty="0"/>
+          </a:p>
+        </p:txBody>
+      </p:sp>
+      <p:sp>
+        <p:nvSpPr>
+          <p:cNvPr id="11" name="TextBox 10">
+            <a:extLst>
+              <a:ext uri="{FF2B5EF4-FFF2-40B4-BE49-F238E27FC236}">
+                <a16:creationId xmlns:a16="http://schemas.microsoft.com/office/drawing/2014/main" id="{C911AC79-99E3-3159-74E9-7C2EACF44FA1}"/>
+              </a:ext>
+            </a:extLst>
+          </p:cNvPr>
+          <p:cNvSpPr txBox="1"/>
+          <p:nvPr/>
+        </p:nvSpPr>
+        <p:spPr>
+          <a:xfrm>
+            <a:off x="9237548" y="314648"/>
+            <a:ext cx="1068754" cy="369332"/>
+          </a:xfrm>
+          <a:prstGeom prst="rect">
+            <a:avLst/>
+          </a:prstGeom>
+          <a:noFill/>
+        </p:spPr>
+        <p:txBody>
+          <a:bodyPr wrap="none" rtlCol="0">
+            <a:spAutoFit/>
+          </a:bodyPr>
+          <a:lstStyle/>
+          <a:p>
+            <a:r>
+              <a:rPr lang="en-US" dirty="0" err="1"/>
+              <a:t>q_values</a:t>
+            </a:r>
+            <a:endParaRPr lang="en-US" dirty="0"/>
+          </a:p>
+        </p:txBody>
+      </p:sp>
+      <p:sp>
+        <p:nvSpPr>
+          <p:cNvPr id="13" name="TextBox 12">
+            <a:extLst>
+              <a:ext uri="{FF2B5EF4-FFF2-40B4-BE49-F238E27FC236}">
+                <a16:creationId xmlns:a16="http://schemas.microsoft.com/office/drawing/2014/main" id="{D4AB0126-C1AF-39FE-F8F1-B266C4A5FFE9}"/>
+              </a:ext>
+            </a:extLst>
+          </p:cNvPr>
+          <p:cNvSpPr txBox="1"/>
+          <p:nvPr/>
+        </p:nvSpPr>
+        <p:spPr>
+          <a:xfrm>
+            <a:off x="1643252" y="3594189"/>
+            <a:ext cx="1662635" cy="369332"/>
+          </a:xfrm>
+          <a:prstGeom prst="rect">
+            <a:avLst/>
+          </a:prstGeom>
+          <a:noFill/>
+        </p:spPr>
+        <p:txBody>
+          <a:bodyPr wrap="none" rtlCol="0">
+            <a:spAutoFit/>
+          </a:bodyPr>
+          <a:lstStyle/>
+          <a:p>
+            <a:r>
+              <a:rPr lang="en-US" dirty="0" err="1">
+                <a:latin typeface="Symbol" pitchFamily="2" charset="2"/>
+              </a:rPr>
+              <a:t>D</a:t>
+            </a:r>
+            <a:r>
+              <a:rPr lang="en-US" dirty="0" err="1"/>
+              <a:t>Kd</a:t>
+            </a:r>
+            <a:r>
+              <a:rPr lang="en-US" dirty="0"/>
+              <a:t> vs </a:t>
+            </a:r>
+            <a:r>
+              <a:rPr lang="en-US" dirty="0" err="1"/>
+              <a:t>q_value</a:t>
+            </a:r>
+            <a:endParaRPr lang="en-US" dirty="0"/>
+          </a:p>
+        </p:txBody>
+      </p:sp>
+      <p:sp>
+        <p:nvSpPr>
+          <p:cNvPr id="14" name="TextBox 13">
+            <a:extLst>
+              <a:ext uri="{FF2B5EF4-FFF2-40B4-BE49-F238E27FC236}">
+                <a16:creationId xmlns:a16="http://schemas.microsoft.com/office/drawing/2014/main" id="{A11BB0B1-F8C8-C7DA-DD29-480E8BEA37CF}"/>
+              </a:ext>
+            </a:extLst>
+          </p:cNvPr>
+          <p:cNvSpPr txBox="1"/>
+          <p:nvPr/>
+        </p:nvSpPr>
+        <p:spPr>
+          <a:xfrm>
+            <a:off x="5037826" y="5365630"/>
+            <a:ext cx="5326138" cy="369332"/>
+          </a:xfrm>
+          <a:prstGeom prst="rect">
+            <a:avLst/>
+          </a:prstGeom>
+          <a:noFill/>
+        </p:spPr>
+        <p:txBody>
+          <a:bodyPr wrap="none" rtlCol="0">
+            <a:spAutoFit/>
+          </a:bodyPr>
+          <a:lstStyle/>
+          <a:p>
+            <a:r>
+              <a:rPr lang="en-US" dirty="0"/>
+              <a:t>Data in this region should be considered for removal</a:t>
+            </a:r>
+          </a:p>
+        </p:txBody>
+      </p:sp>
+      <p:cxnSp>
+        <p:nvCxnSpPr>
+          <p:cNvPr id="16" name="Straight Arrow Connector 15">
+            <a:extLst>
+              <a:ext uri="{FF2B5EF4-FFF2-40B4-BE49-F238E27FC236}">
+                <a16:creationId xmlns:a16="http://schemas.microsoft.com/office/drawing/2014/main" id="{E08DA9AE-070F-EC00-8E9C-B9BB358B7474}"/>
+              </a:ext>
+            </a:extLst>
+          </p:cNvPr>
+          <p:cNvCxnSpPr>
+            <a:cxnSpLocks/>
+            <a:stCxn id="14" idx="1"/>
+          </p:cNvCxnSpPr>
+          <p:nvPr/>
+        </p:nvCxnSpPr>
+        <p:spPr>
+          <a:xfrm flipH="1">
+            <a:off x="3485072" y="5550296"/>
+            <a:ext cx="1552754" cy="0"/>
+          </a:xfrm>
+          <a:prstGeom prst="straightConnector1">
+            <a:avLst/>
+          </a:prstGeom>
+          <a:ln>
+            <a:tailEnd type="triangle"/>
+          </a:ln>
+        </p:spPr>
+        <p:style>
+          <a:lnRef idx="2">
+            <a:schemeClr val="accent1"/>
+          </a:lnRef>
+          <a:fillRef idx="0">
+            <a:schemeClr val="accent1"/>
+          </a:fillRef>
+          <a:effectRef idx="1">
+            <a:schemeClr val="accent1"/>
+          </a:effectRef>
+          <a:fontRef idx="minor">
+            <a:schemeClr val="tx1"/>
+          </a:fontRef>
+        </p:style>
+      </p:cxnSp>
+    </p:spTree>
+    <p:extLst>
+      <p:ext uri="{BB962C8B-B14F-4D97-AF65-F5344CB8AC3E}">
+        <p14:creationId xmlns:p14="http://schemas.microsoft.com/office/powerpoint/2010/main" val="193642418"/>
+      </p:ext>
+    </p:extLst>
+  </p:cSld>
+  <p:clrMapOvr>
+    <a:masterClrMapping/>
+  </p:clrMapOvr>
+</p:sld>
+</file>
+
+<file path=ppt/slides/slide30.xml><?xml version="1.0" encoding="utf-8"?>
 <p:sld xmlns:a="http://schemas.openxmlformats.org/drawingml/2006/main" xmlns:r="http://schemas.openxmlformats.org/officeDocument/2006/relationships" xmlns:p="http://schemas.openxmlformats.org/presentationml/2006/main">
   <p:cSld>
     <p:spTree>
@@ -17716,7 +20175,7 @@
 </p:sld>
 </file>
 
-<file path=ppt/slides/slide28.xml><?xml version="1.0" encoding="utf-8"?>
+<file path=ppt/slides/slide31.xml><?xml version="1.0" encoding="utf-8"?>
 <p:sld xmlns:a="http://schemas.openxmlformats.org/drawingml/2006/main" xmlns:r="http://schemas.openxmlformats.org/officeDocument/2006/relationships" xmlns:p="http://schemas.openxmlformats.org/presentationml/2006/main">
   <p:cSld>
     <p:spTree>
@@ -17878,7 +20337,7 @@
 </p:sld>
 </file>
 
-<file path=ppt/slides/slide29.xml><?xml version="1.0" encoding="utf-8"?>
+<file path=ppt/slides/slide32.xml><?xml version="1.0" encoding="utf-8"?>
 <p:sld xmlns:a="http://schemas.openxmlformats.org/drawingml/2006/main" xmlns:r="http://schemas.openxmlformats.org/officeDocument/2006/relationships" xmlns:p="http://schemas.openxmlformats.org/presentationml/2006/main">
   <p:cSld>
     <p:spTree>
@@ -19380,465 +21839,7 @@
 </p:sld>
 </file>
 
-<file path=ppt/slides/slide3.xml><?xml version="1.0" encoding="utf-8"?>
-<p:sld xmlns:a="http://schemas.openxmlformats.org/drawingml/2006/main" xmlns:r="http://schemas.openxmlformats.org/officeDocument/2006/relationships" xmlns:p="http://schemas.openxmlformats.org/presentationml/2006/main">
-  <p:cSld>
-    <p:spTree>
-      <p:nvGrpSpPr>
-        <p:cNvPr id="1" name=""/>
-        <p:cNvGrpSpPr/>
-        <p:nvPr/>
-      </p:nvGrpSpPr>
-      <p:grpSpPr>
-        <a:xfrm>
-          <a:off x="0" y="0"/>
-          <a:ext cx="0" cy="0"/>
-          <a:chOff x="0" y="0"/>
-          <a:chExt cx="0" cy="0"/>
-        </a:xfrm>
-      </p:grpSpPr>
-      <p:pic>
-        <p:nvPicPr>
-          <p:cNvPr id="6" name="Picture 5">
-            <a:extLst>
-              <a:ext uri="{FF2B5EF4-FFF2-40B4-BE49-F238E27FC236}">
-                <a16:creationId xmlns:a16="http://schemas.microsoft.com/office/drawing/2014/main" id="{3AB9F594-C03F-C97E-A552-D21028275E9B}"/>
-              </a:ext>
-            </a:extLst>
-          </p:cNvPr>
-          <p:cNvPicPr>
-            <a:picLocks noChangeAspect="1"/>
-          </p:cNvPicPr>
-          <p:nvPr/>
-        </p:nvPicPr>
-        <p:blipFill>
-          <a:blip r:embed="rId2"/>
-          <a:stretch>
-            <a:fillRect/>
-          </a:stretch>
-        </p:blipFill>
-        <p:spPr>
-          <a:xfrm>
-            <a:off x="671064" y="3975100"/>
-            <a:ext cx="4000500" cy="2882900"/>
-          </a:xfrm>
-          <a:prstGeom prst="rect">
-            <a:avLst/>
-          </a:prstGeom>
-        </p:spPr>
-      </p:pic>
-      <p:sp>
-        <p:nvSpPr>
-          <p:cNvPr id="2" name="TextBox 1">
-            <a:extLst>
-              <a:ext uri="{FF2B5EF4-FFF2-40B4-BE49-F238E27FC236}">
-                <a16:creationId xmlns:a16="http://schemas.microsoft.com/office/drawing/2014/main" id="{E758D5CD-18BF-EE2E-47E2-E832CEE7988E}"/>
-              </a:ext>
-            </a:extLst>
-          </p:cNvPr>
-          <p:cNvSpPr txBox="1"/>
-          <p:nvPr/>
-        </p:nvSpPr>
-        <p:spPr>
-          <a:xfrm>
-            <a:off x="140127" y="221836"/>
-            <a:ext cx="3472810" cy="461665"/>
-          </a:xfrm>
-          <a:prstGeom prst="rect">
-            <a:avLst/>
-          </a:prstGeom>
-          <a:noFill/>
-        </p:spPr>
-        <p:txBody>
-          <a:bodyPr wrap="none" rtlCol="0">
-            <a:spAutoFit/>
-          </a:bodyPr>
-          <a:lstStyle/>
-          <a:p>
-            <a:r>
-              <a:rPr lang="en-US" sz="2400" dirty="0"/>
-              <a:t>Data set analysis – part 2</a:t>
-            </a:r>
-          </a:p>
-        </p:txBody>
-      </p:sp>
-      <p:pic>
-        <p:nvPicPr>
-          <p:cNvPr id="5" name="Picture 4">
-            <a:extLst>
-              <a:ext uri="{FF2B5EF4-FFF2-40B4-BE49-F238E27FC236}">
-                <a16:creationId xmlns:a16="http://schemas.microsoft.com/office/drawing/2014/main" id="{004E675A-1C32-B792-0686-94A327045471}"/>
-              </a:ext>
-            </a:extLst>
-          </p:cNvPr>
-          <p:cNvPicPr>
-            <a:picLocks noChangeAspect="1"/>
-          </p:cNvPicPr>
-          <p:nvPr/>
-        </p:nvPicPr>
-        <p:blipFill>
-          <a:blip r:embed="rId3"/>
-          <a:stretch>
-            <a:fillRect/>
-          </a:stretch>
-        </p:blipFill>
-        <p:spPr>
-          <a:xfrm>
-            <a:off x="3670560" y="698948"/>
-            <a:ext cx="3683000" cy="2882900"/>
-          </a:xfrm>
-          <a:prstGeom prst="rect">
-            <a:avLst/>
-          </a:prstGeom>
-        </p:spPr>
-      </p:pic>
-      <p:pic>
-        <p:nvPicPr>
-          <p:cNvPr id="7" name="Picture 6">
-            <a:extLst>
-              <a:ext uri="{FF2B5EF4-FFF2-40B4-BE49-F238E27FC236}">
-                <a16:creationId xmlns:a16="http://schemas.microsoft.com/office/drawing/2014/main" id="{27C0F13D-962E-3657-5DEE-34FD510A4981}"/>
-              </a:ext>
-            </a:extLst>
-          </p:cNvPr>
-          <p:cNvPicPr>
-            <a:picLocks noChangeAspect="1"/>
-          </p:cNvPicPr>
-          <p:nvPr/>
-        </p:nvPicPr>
-        <p:blipFill>
-          <a:blip r:embed="rId4"/>
-          <a:stretch>
-            <a:fillRect/>
-          </a:stretch>
-        </p:blipFill>
-        <p:spPr>
-          <a:xfrm>
-            <a:off x="7714172" y="711289"/>
-            <a:ext cx="3733800" cy="2882900"/>
-          </a:xfrm>
-          <a:prstGeom prst="rect">
-            <a:avLst/>
-          </a:prstGeom>
-        </p:spPr>
-      </p:pic>
-      <p:sp>
-        <p:nvSpPr>
-          <p:cNvPr id="8" name="Right Brace 7">
-            <a:extLst>
-              <a:ext uri="{FF2B5EF4-FFF2-40B4-BE49-F238E27FC236}">
-                <a16:creationId xmlns:a16="http://schemas.microsoft.com/office/drawing/2014/main" id="{384E57D8-39A4-D74D-ED33-24E95A329067}"/>
-              </a:ext>
-            </a:extLst>
-          </p:cNvPr>
-          <p:cNvSpPr/>
-          <p:nvPr/>
-        </p:nvSpPr>
-        <p:spPr>
-          <a:xfrm rot="3143533">
-            <a:off x="3147459" y="3942365"/>
-            <a:ext cx="297297" cy="2905664"/>
-          </a:xfrm>
-          <a:prstGeom prst="rightBrace">
-            <a:avLst/>
-          </a:prstGeom>
-        </p:spPr>
-        <p:style>
-          <a:lnRef idx="2">
-            <a:schemeClr val="accent1"/>
-          </a:lnRef>
-          <a:fillRef idx="0">
-            <a:schemeClr val="accent1"/>
-          </a:fillRef>
-          <a:effectRef idx="1">
-            <a:schemeClr val="accent1"/>
-          </a:effectRef>
-          <a:fontRef idx="minor">
-            <a:schemeClr val="tx1"/>
-          </a:fontRef>
-        </p:style>
-        <p:txBody>
-          <a:bodyPr rtlCol="0" anchor="ctr"/>
-          <a:lstStyle/>
-          <a:p>
-            <a:pPr algn="ctr"/>
-            <a:endParaRPr lang="en-US"/>
-          </a:p>
-        </p:txBody>
-      </p:sp>
-      <p:sp>
-        <p:nvSpPr>
-          <p:cNvPr id="9" name="TextBox 8">
-            <a:extLst>
-              <a:ext uri="{FF2B5EF4-FFF2-40B4-BE49-F238E27FC236}">
-                <a16:creationId xmlns:a16="http://schemas.microsoft.com/office/drawing/2014/main" id="{EC1A7CCE-E29E-8773-70DE-2B8B0A3A53C2}"/>
-              </a:ext>
-            </a:extLst>
-          </p:cNvPr>
-          <p:cNvSpPr txBox="1"/>
-          <p:nvPr/>
-        </p:nvSpPr>
-        <p:spPr>
-          <a:xfrm>
-            <a:off x="4996724" y="4364964"/>
-            <a:ext cx="6038000" cy="369332"/>
-          </a:xfrm>
-          <a:prstGeom prst="rect">
-            <a:avLst/>
-          </a:prstGeom>
-          <a:noFill/>
-        </p:spPr>
-        <p:txBody>
-          <a:bodyPr wrap="none" rtlCol="0">
-            <a:spAutoFit/>
-          </a:bodyPr>
-          <a:lstStyle/>
-          <a:p>
-            <a:r>
-              <a:rPr lang="en-US" dirty="0"/>
-              <a:t>Not surprising that larger </a:t>
-            </a:r>
-            <a:r>
-              <a:rPr lang="en-US" dirty="0" err="1">
-                <a:latin typeface="Symbol" pitchFamily="2" charset="2"/>
-              </a:rPr>
-              <a:t>D</a:t>
-            </a:r>
-            <a:r>
-              <a:rPr lang="en-US" dirty="0" err="1"/>
-              <a:t>Kd</a:t>
-            </a:r>
-            <a:r>
-              <a:rPr lang="en-US" dirty="0"/>
-              <a:t> correlate with larger </a:t>
-            </a:r>
-            <a:r>
-              <a:rPr lang="en-US" dirty="0" err="1"/>
-              <a:t>q_values</a:t>
-            </a:r>
-            <a:endParaRPr lang="en-US" dirty="0"/>
-          </a:p>
-        </p:txBody>
-      </p:sp>
-      <p:sp>
-        <p:nvSpPr>
-          <p:cNvPr id="10" name="TextBox 9">
-            <a:extLst>
-              <a:ext uri="{FF2B5EF4-FFF2-40B4-BE49-F238E27FC236}">
-                <a16:creationId xmlns:a16="http://schemas.microsoft.com/office/drawing/2014/main" id="{086D1D2D-CE4E-8707-3A56-AEBF7E6EF12B}"/>
-              </a:ext>
-            </a:extLst>
-          </p:cNvPr>
-          <p:cNvSpPr txBox="1"/>
-          <p:nvPr/>
-        </p:nvSpPr>
-        <p:spPr>
-          <a:xfrm>
-            <a:off x="5323334" y="302307"/>
-            <a:ext cx="582724" cy="369332"/>
-          </a:xfrm>
-          <a:prstGeom prst="rect">
-            <a:avLst/>
-          </a:prstGeom>
-          <a:noFill/>
-        </p:spPr>
-        <p:txBody>
-          <a:bodyPr wrap="none" rtlCol="0">
-            <a:spAutoFit/>
-          </a:bodyPr>
-          <a:lstStyle/>
-          <a:p>
-            <a:r>
-              <a:rPr lang="en-US" dirty="0" err="1">
-                <a:latin typeface="Symbol" pitchFamily="2" charset="2"/>
-              </a:rPr>
-              <a:t>D</a:t>
-            </a:r>
-            <a:r>
-              <a:rPr lang="en-US" dirty="0" err="1"/>
-              <a:t>Kd</a:t>
-            </a:r>
-            <a:endParaRPr lang="en-US" dirty="0"/>
-          </a:p>
-        </p:txBody>
-      </p:sp>
-      <p:sp>
-        <p:nvSpPr>
-          <p:cNvPr id="11" name="TextBox 10">
-            <a:extLst>
-              <a:ext uri="{FF2B5EF4-FFF2-40B4-BE49-F238E27FC236}">
-                <a16:creationId xmlns:a16="http://schemas.microsoft.com/office/drawing/2014/main" id="{C911AC79-99E3-3159-74E9-7C2EACF44FA1}"/>
-              </a:ext>
-            </a:extLst>
-          </p:cNvPr>
-          <p:cNvSpPr txBox="1"/>
-          <p:nvPr/>
-        </p:nvSpPr>
-        <p:spPr>
-          <a:xfrm>
-            <a:off x="9237548" y="314648"/>
-            <a:ext cx="1068754" cy="369332"/>
-          </a:xfrm>
-          <a:prstGeom prst="rect">
-            <a:avLst/>
-          </a:prstGeom>
-          <a:noFill/>
-        </p:spPr>
-        <p:txBody>
-          <a:bodyPr wrap="none" rtlCol="0">
-            <a:spAutoFit/>
-          </a:bodyPr>
-          <a:lstStyle/>
-          <a:p>
-            <a:r>
-              <a:rPr lang="en-US" dirty="0" err="1"/>
-              <a:t>q_values</a:t>
-            </a:r>
-            <a:endParaRPr lang="en-US" dirty="0"/>
-          </a:p>
-        </p:txBody>
-      </p:sp>
-      <p:sp>
-        <p:nvSpPr>
-          <p:cNvPr id="13" name="TextBox 12">
-            <a:extLst>
-              <a:ext uri="{FF2B5EF4-FFF2-40B4-BE49-F238E27FC236}">
-                <a16:creationId xmlns:a16="http://schemas.microsoft.com/office/drawing/2014/main" id="{D4AB0126-C1AF-39FE-F8F1-B266C4A5FFE9}"/>
-              </a:ext>
-            </a:extLst>
-          </p:cNvPr>
-          <p:cNvSpPr txBox="1"/>
-          <p:nvPr/>
-        </p:nvSpPr>
-        <p:spPr>
-          <a:xfrm>
-            <a:off x="1643252" y="3594189"/>
-            <a:ext cx="1662635" cy="369332"/>
-          </a:xfrm>
-          <a:prstGeom prst="rect">
-            <a:avLst/>
-          </a:prstGeom>
-          <a:noFill/>
-        </p:spPr>
-        <p:txBody>
-          <a:bodyPr wrap="none" rtlCol="0">
-            <a:spAutoFit/>
-          </a:bodyPr>
-          <a:lstStyle/>
-          <a:p>
-            <a:r>
-              <a:rPr lang="en-US" dirty="0" err="1">
-                <a:latin typeface="Symbol" pitchFamily="2" charset="2"/>
-              </a:rPr>
-              <a:t>D</a:t>
-            </a:r>
-            <a:r>
-              <a:rPr lang="en-US" dirty="0" err="1"/>
-              <a:t>Kd</a:t>
-            </a:r>
-            <a:r>
-              <a:rPr lang="en-US" dirty="0"/>
-              <a:t> vs </a:t>
-            </a:r>
-            <a:r>
-              <a:rPr lang="en-US" dirty="0" err="1"/>
-              <a:t>q_value</a:t>
-            </a:r>
-            <a:endParaRPr lang="en-US" dirty="0"/>
-          </a:p>
-        </p:txBody>
-      </p:sp>
-      <p:sp>
-        <p:nvSpPr>
-          <p:cNvPr id="14" name="TextBox 13">
-            <a:extLst>
-              <a:ext uri="{FF2B5EF4-FFF2-40B4-BE49-F238E27FC236}">
-                <a16:creationId xmlns:a16="http://schemas.microsoft.com/office/drawing/2014/main" id="{A11BB0B1-F8C8-C7DA-DD29-480E8BEA37CF}"/>
-              </a:ext>
-            </a:extLst>
-          </p:cNvPr>
-          <p:cNvSpPr txBox="1"/>
-          <p:nvPr/>
-        </p:nvSpPr>
-        <p:spPr>
-          <a:xfrm>
-            <a:off x="5037826" y="5365630"/>
-            <a:ext cx="5326138" cy="369332"/>
-          </a:xfrm>
-          <a:prstGeom prst="rect">
-            <a:avLst/>
-          </a:prstGeom>
-          <a:noFill/>
-        </p:spPr>
-        <p:txBody>
-          <a:bodyPr wrap="none" rtlCol="0">
-            <a:spAutoFit/>
-          </a:bodyPr>
-          <a:lstStyle/>
-          <a:p>
-            <a:r>
-              <a:rPr lang="en-US" dirty="0"/>
-              <a:t>Data in this region should be considered for removal</a:t>
-            </a:r>
-          </a:p>
-        </p:txBody>
-      </p:sp>
-      <p:cxnSp>
-        <p:nvCxnSpPr>
-          <p:cNvPr id="16" name="Straight Arrow Connector 15">
-            <a:extLst>
-              <a:ext uri="{FF2B5EF4-FFF2-40B4-BE49-F238E27FC236}">
-                <a16:creationId xmlns:a16="http://schemas.microsoft.com/office/drawing/2014/main" id="{E08DA9AE-070F-EC00-8E9C-B9BB358B7474}"/>
-              </a:ext>
-            </a:extLst>
-          </p:cNvPr>
-          <p:cNvCxnSpPr>
-            <a:cxnSpLocks/>
-            <a:stCxn id="14" idx="1"/>
-          </p:cNvCxnSpPr>
-          <p:nvPr/>
-        </p:nvCxnSpPr>
-        <p:spPr>
-          <a:xfrm flipH="1">
-            <a:off x="3485072" y="5550296"/>
-            <a:ext cx="1552754" cy="0"/>
-          </a:xfrm>
-          <a:prstGeom prst="straightConnector1">
-            <a:avLst/>
-          </a:prstGeom>
-          <a:ln>
-            <a:tailEnd type="triangle"/>
-          </a:ln>
-        </p:spPr>
-        <p:style>
-          <a:lnRef idx="2">
-            <a:schemeClr val="accent1"/>
-          </a:lnRef>
-          <a:fillRef idx="0">
-            <a:schemeClr val="accent1"/>
-          </a:fillRef>
-          <a:effectRef idx="1">
-            <a:schemeClr val="accent1"/>
-          </a:effectRef>
-          <a:fontRef idx="minor">
-            <a:schemeClr val="tx1"/>
-          </a:fontRef>
-        </p:style>
-      </p:cxnSp>
-    </p:spTree>
-    <p:extLst>
-      <p:ext uri="{BB962C8B-B14F-4D97-AF65-F5344CB8AC3E}">
-        <p14:creationId xmlns:p14="http://schemas.microsoft.com/office/powerpoint/2010/main" val="193642418"/>
-      </p:ext>
-    </p:extLst>
-  </p:cSld>
-  <p:clrMapOvr>
-    <a:masterClrMapping/>
-  </p:clrMapOvr>
-</p:sld>
-</file>
-
-<file path=ppt/slides/slide30.xml><?xml version="1.0" encoding="utf-8"?>
+<file path=ppt/slides/slide33.xml><?xml version="1.0" encoding="utf-8"?>
 <p:sld xmlns:a="http://schemas.openxmlformats.org/drawingml/2006/main" xmlns:r="http://schemas.openxmlformats.org/officeDocument/2006/relationships" xmlns:p="http://schemas.openxmlformats.org/presentationml/2006/main">
   <p:cSld>
     <p:spTree>
@@ -20267,7 +22268,7 @@
 </p:sld>
 </file>
 
-<file path=ppt/slides/slide31.xml><?xml version="1.0" encoding="utf-8"?>
+<file path=ppt/slides/slide34.xml><?xml version="1.0" encoding="utf-8"?>
 <p:sld xmlns:a="http://schemas.openxmlformats.org/drawingml/2006/main" xmlns:r="http://schemas.openxmlformats.org/officeDocument/2006/relationships" xmlns:p="http://schemas.openxmlformats.org/presentationml/2006/main">
   <p:cSld>
     <p:spTree>
@@ -20456,7 +22457,7 @@
 </p:sld>
 </file>
 
-<file path=ppt/slides/slide32.xml><?xml version="1.0" encoding="utf-8"?>
+<file path=ppt/slides/slide35.xml><?xml version="1.0" encoding="utf-8"?>
 <p:sld xmlns:a="http://schemas.openxmlformats.org/drawingml/2006/main" xmlns:r="http://schemas.openxmlformats.org/officeDocument/2006/relationships" xmlns:p="http://schemas.openxmlformats.org/presentationml/2006/main">
   <p:cSld>
     <p:spTree>
@@ -20638,7 +22639,7 @@
 </p:sld>
 </file>
 
-<file path=ppt/slides/slide33.xml><?xml version="1.0" encoding="utf-8"?>
+<file path=ppt/slides/slide36.xml><?xml version="1.0" encoding="utf-8"?>
 <p:sld xmlns:a="http://schemas.openxmlformats.org/drawingml/2006/main" xmlns:r="http://schemas.openxmlformats.org/officeDocument/2006/relationships" xmlns:p="http://schemas.openxmlformats.org/presentationml/2006/main">
   <p:cSld>
     <p:spTree>
@@ -20975,7 +22976,7 @@
 </p:sld>
 </file>
 
-<file path=ppt/slides/slide34.xml><?xml version="1.0" encoding="utf-8"?>
+<file path=ppt/slides/slide37.xml><?xml version="1.0" encoding="utf-8"?>
 <p:sld xmlns:a="http://schemas.openxmlformats.org/drawingml/2006/main" xmlns:r="http://schemas.openxmlformats.org/officeDocument/2006/relationships" xmlns:p="http://schemas.openxmlformats.org/presentationml/2006/main">
   <p:cSld>
     <p:spTree>
@@ -21905,7 +23906,7 @@
 </p:sld>
 </file>
 
-<file path=ppt/slides/slide35.xml><?xml version="1.0" encoding="utf-8"?>
+<file path=ppt/slides/slide38.xml><?xml version="1.0" encoding="utf-8"?>
 <p:sld xmlns:a="http://schemas.openxmlformats.org/drawingml/2006/main" xmlns:r="http://schemas.openxmlformats.org/officeDocument/2006/relationships" xmlns:p="http://schemas.openxmlformats.org/presentationml/2006/main">
   <p:cSld>
     <p:spTree>
@@ -23150,7 +25151,7 @@
 </p:sld>
 </file>
 
-<file path=ppt/slides/slide36.xml><?xml version="1.0" encoding="utf-8"?>
+<file path=ppt/slides/slide39.xml><?xml version="1.0" encoding="utf-8"?>
 <p:sld xmlns:a="http://schemas.openxmlformats.org/drawingml/2006/main" xmlns:r="http://schemas.openxmlformats.org/officeDocument/2006/relationships" xmlns:p="http://schemas.openxmlformats.org/presentationml/2006/main">
   <p:cSld>
     <p:spTree>
@@ -23413,7 +25414,530 @@
 </p:sld>
 </file>
 
-<file path=ppt/slides/slide37.xml><?xml version="1.0" encoding="utf-8"?>
+<file path=ppt/slides/slide4.xml><?xml version="1.0" encoding="utf-8"?>
+<p:sld xmlns:a="http://schemas.openxmlformats.org/drawingml/2006/main" xmlns:r="http://schemas.openxmlformats.org/officeDocument/2006/relationships" xmlns:p="http://schemas.openxmlformats.org/presentationml/2006/main">
+  <p:cSld>
+    <p:spTree>
+      <p:nvGrpSpPr>
+        <p:cNvPr id="1" name=""/>
+        <p:cNvGrpSpPr/>
+        <p:nvPr/>
+      </p:nvGrpSpPr>
+      <p:grpSpPr>
+        <a:xfrm>
+          <a:off x="0" y="0"/>
+          <a:ext cx="0" cy="0"/>
+          <a:chOff x="0" y="0"/>
+          <a:chExt cx="0" cy="0"/>
+        </a:xfrm>
+      </p:grpSpPr>
+      <p:sp>
+        <p:nvSpPr>
+          <p:cNvPr id="4" name="TextBox 3">
+            <a:extLst>
+              <a:ext uri="{FF2B5EF4-FFF2-40B4-BE49-F238E27FC236}">
+                <a16:creationId xmlns:a16="http://schemas.microsoft.com/office/drawing/2014/main" id="{A823B7D1-6885-6524-808E-292692E93FBC}"/>
+              </a:ext>
+            </a:extLst>
+          </p:cNvPr>
+          <p:cNvSpPr txBox="1"/>
+          <p:nvPr/>
+        </p:nvSpPr>
+        <p:spPr>
+          <a:xfrm>
+            <a:off x="146649" y="184362"/>
+            <a:ext cx="4542975" cy="461665"/>
+          </a:xfrm>
+          <a:prstGeom prst="rect">
+            <a:avLst/>
+          </a:prstGeom>
+          <a:noFill/>
+        </p:spPr>
+        <p:txBody>
+          <a:bodyPr wrap="none" rtlCol="0">
+            <a:spAutoFit/>
+          </a:bodyPr>
+          <a:lstStyle/>
+          <a:p>
+            <a:r>
+              <a:rPr lang="en-US" sz="2400" dirty="0"/>
+              <a:t>Training Datasets : three versions</a:t>
+            </a:r>
+          </a:p>
+        </p:txBody>
+      </p:sp>
+      <p:grpSp>
+        <p:nvGrpSpPr>
+          <p:cNvPr id="26" name="Group 25">
+            <a:extLst>
+              <a:ext uri="{FF2B5EF4-FFF2-40B4-BE49-F238E27FC236}">
+                <a16:creationId xmlns:a16="http://schemas.microsoft.com/office/drawing/2014/main" id="{C770E91E-1E35-3E88-9960-86E8224D68B6}"/>
+              </a:ext>
+            </a:extLst>
+          </p:cNvPr>
+          <p:cNvGrpSpPr/>
+          <p:nvPr/>
+        </p:nvGrpSpPr>
+        <p:grpSpPr>
+          <a:xfrm>
+            <a:off x="1735340" y="991092"/>
+            <a:ext cx="6728764" cy="1292662"/>
+            <a:chOff x="1735340" y="999718"/>
+            <a:chExt cx="6728764" cy="1292662"/>
+          </a:xfrm>
+        </p:grpSpPr>
+        <p:sp>
+          <p:nvSpPr>
+            <p:cNvPr id="3" name="TextBox 2">
+              <a:extLst>
+                <a:ext uri="{FF2B5EF4-FFF2-40B4-BE49-F238E27FC236}">
+                  <a16:creationId xmlns:a16="http://schemas.microsoft.com/office/drawing/2014/main" id="{90F59776-7CC5-CCAF-413F-1B038A87DE9F}"/>
+                </a:ext>
+              </a:extLst>
+            </p:cNvPr>
+            <p:cNvSpPr txBox="1"/>
+            <p:nvPr/>
+          </p:nvSpPr>
+          <p:spPr>
+            <a:xfrm>
+              <a:off x="2082550" y="1369050"/>
+              <a:ext cx="6381554" cy="923330"/>
+            </a:xfrm>
+            <a:prstGeom prst="rect">
+              <a:avLst/>
+            </a:prstGeom>
+            <a:noFill/>
+          </p:spPr>
+          <p:txBody>
+            <a:bodyPr wrap="square">
+              <a:spAutoFit/>
+            </a:bodyPr>
+            <a:lstStyle/>
+            <a:p>
+              <a:pPr marL="285750" indent="-285750">
+                <a:buFont typeface="Arial" panose="020B0604020202020204" pitchFamily="34" charset="0"/>
+                <a:buChar char="•"/>
+              </a:pPr>
+              <a:r>
+                <a:rPr lang="en-US" dirty="0"/>
+                <a:t>remove NANs, duplicates, and use mean </a:t>
+              </a:r>
+              <a:r>
+                <a:rPr lang="en-US" dirty="0" err="1"/>
+                <a:t>Kd</a:t>
+              </a:r>
+              <a:r>
+                <a:rPr lang="en-US" dirty="0"/>
+                <a:t> for duplicates</a:t>
+              </a:r>
+              <a:endParaRPr lang="en-US" sz="1800" b="0" dirty="0">
+                <a:effectLst/>
+              </a:endParaRPr>
+            </a:p>
+            <a:p>
+              <a:pPr marL="285750" indent="-285750">
+                <a:buFont typeface="Arial" panose="020B0604020202020204" pitchFamily="34" charset="0"/>
+                <a:buChar char="•"/>
+              </a:pPr>
+              <a:r>
+                <a:rPr lang="en-US" dirty="0"/>
+                <a:t>keep </a:t>
+              </a:r>
+              <a:r>
+                <a:rPr lang="en-US" b="1" dirty="0"/>
+                <a:t>all rows (29199 rows)</a:t>
+              </a:r>
+              <a:endParaRPr lang="en-US" sz="1800" b="1" dirty="0">
+                <a:effectLst/>
+              </a:endParaRPr>
+            </a:p>
+            <a:p>
+              <a:pPr marL="285750" indent="-285750">
+                <a:buFont typeface="Arial" panose="020B0604020202020204" pitchFamily="34" charset="0"/>
+                <a:buChar char="•"/>
+              </a:pPr>
+              <a:r>
+                <a:rPr lang="en-US" sz="1800" dirty="0"/>
+                <a:t>80/10/10 split train (23359 rows), </a:t>
+              </a:r>
+              <a:r>
+                <a:rPr lang="en-US" sz="1800" dirty="0" err="1"/>
+                <a:t>val</a:t>
+              </a:r>
+              <a:r>
+                <a:rPr lang="en-US" sz="1800" dirty="0"/>
+                <a:t> (2920 rows), test (2920)</a:t>
+              </a:r>
+            </a:p>
+          </p:txBody>
+        </p:sp>
+        <p:sp>
+          <p:nvSpPr>
+            <p:cNvPr id="5" name="TextBox 4">
+              <a:extLst>
+                <a:ext uri="{FF2B5EF4-FFF2-40B4-BE49-F238E27FC236}">
+                  <a16:creationId xmlns:a16="http://schemas.microsoft.com/office/drawing/2014/main" id="{B2600AAF-F4BA-D6D8-31D9-0D669D1AB800}"/>
+                </a:ext>
+              </a:extLst>
+            </p:cNvPr>
+            <p:cNvSpPr txBox="1"/>
+            <p:nvPr/>
+          </p:nvSpPr>
+          <p:spPr>
+            <a:xfrm>
+              <a:off x="1735340" y="999718"/>
+              <a:ext cx="960776" cy="369332"/>
+            </a:xfrm>
+            <a:prstGeom prst="rect">
+              <a:avLst/>
+            </a:prstGeom>
+            <a:noFill/>
+          </p:spPr>
+          <p:txBody>
+            <a:bodyPr wrap="none" rtlCol="0">
+              <a:spAutoFit/>
+            </a:bodyPr>
+            <a:lstStyle/>
+            <a:p>
+              <a:r>
+                <a:rPr lang="en-US" dirty="0"/>
+                <a:t>Clean-1</a:t>
+              </a:r>
+            </a:p>
+          </p:txBody>
+        </p:sp>
+      </p:grpSp>
+      <p:grpSp>
+        <p:nvGrpSpPr>
+          <p:cNvPr id="25" name="Group 24">
+            <a:extLst>
+              <a:ext uri="{FF2B5EF4-FFF2-40B4-BE49-F238E27FC236}">
+                <a16:creationId xmlns:a16="http://schemas.microsoft.com/office/drawing/2014/main" id="{FC15B14D-A0C3-7D4F-9BC1-BED73BA03700}"/>
+              </a:ext>
+            </a:extLst>
+          </p:cNvPr>
+          <p:cNvGrpSpPr/>
+          <p:nvPr/>
+        </p:nvGrpSpPr>
+        <p:grpSpPr>
+          <a:xfrm>
+            <a:off x="1735340" y="4656531"/>
+            <a:ext cx="6803368" cy="1569661"/>
+            <a:chOff x="1708030" y="2698601"/>
+            <a:chExt cx="6803368" cy="1569661"/>
+          </a:xfrm>
+        </p:grpSpPr>
+        <p:sp>
+          <p:nvSpPr>
+            <p:cNvPr id="12" name="TextBox 11">
+              <a:extLst>
+                <a:ext uri="{FF2B5EF4-FFF2-40B4-BE49-F238E27FC236}">
+                  <a16:creationId xmlns:a16="http://schemas.microsoft.com/office/drawing/2014/main" id="{4379C880-87A8-E4F0-3029-8D5A6116FAEB}"/>
+                </a:ext>
+              </a:extLst>
+            </p:cNvPr>
+            <p:cNvSpPr txBox="1"/>
+            <p:nvPr/>
+          </p:nvSpPr>
+          <p:spPr>
+            <a:xfrm>
+              <a:off x="1708030" y="2698601"/>
+              <a:ext cx="1107996" cy="369332"/>
+            </a:xfrm>
+            <a:prstGeom prst="rect">
+              <a:avLst/>
+            </a:prstGeom>
+            <a:noFill/>
+          </p:spPr>
+          <p:txBody>
+            <a:bodyPr wrap="none" rtlCol="0">
+              <a:spAutoFit/>
+            </a:bodyPr>
+            <a:lstStyle/>
+            <a:p>
+              <a:r>
+                <a:rPr lang="en-US" dirty="0"/>
+                <a:t>Clean-3b</a:t>
+              </a:r>
+            </a:p>
+          </p:txBody>
+        </p:sp>
+        <p:sp>
+          <p:nvSpPr>
+            <p:cNvPr id="13" name="TextBox 12">
+              <a:extLst>
+                <a:ext uri="{FF2B5EF4-FFF2-40B4-BE49-F238E27FC236}">
+                  <a16:creationId xmlns:a16="http://schemas.microsoft.com/office/drawing/2014/main" id="{593741C5-6171-594F-EF0C-3540745BA613}"/>
+                </a:ext>
+              </a:extLst>
+            </p:cNvPr>
+            <p:cNvSpPr txBox="1"/>
+            <p:nvPr/>
+          </p:nvSpPr>
+          <p:spPr>
+            <a:xfrm>
+              <a:off x="2043738" y="3067933"/>
+              <a:ext cx="6467660" cy="1200329"/>
+            </a:xfrm>
+            <a:prstGeom prst="rect">
+              <a:avLst/>
+            </a:prstGeom>
+            <a:noFill/>
+          </p:spPr>
+          <p:txBody>
+            <a:bodyPr wrap="square">
+              <a:spAutoFit/>
+            </a:bodyPr>
+            <a:lstStyle/>
+            <a:p>
+              <a:pPr marL="285750" indent="-285750">
+                <a:buFont typeface="Arial" panose="020B0604020202020204" pitchFamily="34" charset="0"/>
+                <a:buChar char="•"/>
+              </a:pPr>
+              <a:r>
+                <a:rPr lang="en-US" dirty="0"/>
+                <a:t>remove NANs, duplicates, and use mean </a:t>
+              </a:r>
+              <a:r>
+                <a:rPr lang="en-US" dirty="0" err="1"/>
+                <a:t>Kd</a:t>
+              </a:r>
+              <a:r>
+                <a:rPr lang="en-US" dirty="0"/>
+                <a:t> for duplicates</a:t>
+              </a:r>
+            </a:p>
+            <a:p>
+              <a:pPr marL="285750" indent="-285750">
+                <a:buFont typeface="Arial" panose="020B0604020202020204" pitchFamily="34" charset="0"/>
+                <a:buChar char="•"/>
+              </a:pPr>
+              <a:r>
+                <a:rPr lang="en-US" sz="1800" b="0" dirty="0">
+                  <a:effectLst/>
+                </a:rPr>
+                <a:t>keep only rows with </a:t>
+              </a:r>
+              <a:r>
+                <a:rPr lang="en-US" sz="1800" b="1" dirty="0" err="1">
+                  <a:effectLst/>
+                </a:rPr>
+                <a:t>q_value</a:t>
+              </a:r>
+              <a:r>
+                <a:rPr lang="en-US" sz="1800" b="1" dirty="0">
+                  <a:effectLst/>
+                </a:rPr>
+                <a:t> &lt; 0.05 (9302 rows)</a:t>
+              </a:r>
+            </a:p>
+            <a:p>
+              <a:pPr marL="285750" indent="-285750">
+                <a:buFont typeface="Arial" panose="020B0604020202020204" pitchFamily="34" charset="0"/>
+                <a:buChar char="•"/>
+              </a:pPr>
+              <a:r>
+                <a:rPr lang="en-US" dirty="0"/>
+                <a:t>85/7.5/7.5 split: train(7862), </a:t>
+              </a:r>
+              <a:r>
+                <a:rPr lang="en-US" dirty="0" err="1"/>
+                <a:t>val</a:t>
+              </a:r>
+              <a:r>
+                <a:rPr lang="en-US" dirty="0"/>
+                <a:t> (694), test(694)</a:t>
+              </a:r>
+              <a:endParaRPr lang="en-US" sz="1800" b="0" dirty="0">
+                <a:effectLst/>
+              </a:endParaRPr>
+            </a:p>
+            <a:p>
+              <a:pPr marL="285750" indent="-285750">
+                <a:buFont typeface="Arial" panose="020B0604020202020204" pitchFamily="34" charset="0"/>
+                <a:buChar char="•"/>
+              </a:pPr>
+              <a:endParaRPr lang="en-US" dirty="0"/>
+            </a:p>
+          </p:txBody>
+        </p:sp>
+      </p:grpSp>
+      <p:grpSp>
+        <p:nvGrpSpPr>
+          <p:cNvPr id="27" name="Group 26">
+            <a:extLst>
+              <a:ext uri="{FF2B5EF4-FFF2-40B4-BE49-F238E27FC236}">
+                <a16:creationId xmlns:a16="http://schemas.microsoft.com/office/drawing/2014/main" id="{37F5CD2E-7883-B6AF-D5C4-F8A1AB3C2C80}"/>
+              </a:ext>
+            </a:extLst>
+          </p:cNvPr>
+          <p:cNvGrpSpPr/>
+          <p:nvPr/>
+        </p:nvGrpSpPr>
+        <p:grpSpPr>
+          <a:xfrm>
+            <a:off x="1735340" y="2752782"/>
+            <a:ext cx="6803368" cy="1292662"/>
+            <a:chOff x="1735340" y="4463708"/>
+            <a:chExt cx="6803368" cy="1292662"/>
+          </a:xfrm>
+        </p:grpSpPr>
+        <p:sp>
+          <p:nvSpPr>
+            <p:cNvPr id="15" name="TextBox 14">
+              <a:extLst>
+                <a:ext uri="{FF2B5EF4-FFF2-40B4-BE49-F238E27FC236}">
+                  <a16:creationId xmlns:a16="http://schemas.microsoft.com/office/drawing/2014/main" id="{4C5E23BE-CC77-2A8B-093D-8B06E84CE434}"/>
+                </a:ext>
+              </a:extLst>
+            </p:cNvPr>
+            <p:cNvSpPr txBox="1"/>
+            <p:nvPr/>
+          </p:nvSpPr>
+          <p:spPr>
+            <a:xfrm>
+              <a:off x="1735340" y="4463708"/>
+              <a:ext cx="978153" cy="369332"/>
+            </a:xfrm>
+            <a:prstGeom prst="rect">
+              <a:avLst/>
+            </a:prstGeom>
+            <a:noFill/>
+          </p:spPr>
+          <p:txBody>
+            <a:bodyPr wrap="none" rtlCol="0">
+              <a:spAutoFit/>
+            </a:bodyPr>
+            <a:lstStyle/>
+            <a:p>
+              <a:r>
+                <a:rPr lang="en-US" dirty="0"/>
+                <a:t>Clean-4</a:t>
+              </a:r>
+            </a:p>
+          </p:txBody>
+        </p:sp>
+        <p:sp>
+          <p:nvSpPr>
+            <p:cNvPr id="16" name="TextBox 15">
+              <a:extLst>
+                <a:ext uri="{FF2B5EF4-FFF2-40B4-BE49-F238E27FC236}">
+                  <a16:creationId xmlns:a16="http://schemas.microsoft.com/office/drawing/2014/main" id="{4B593975-C03F-F861-FB9A-E077DED89E51}"/>
+                </a:ext>
+              </a:extLst>
+            </p:cNvPr>
+            <p:cNvSpPr txBox="1"/>
+            <p:nvPr/>
+          </p:nvSpPr>
+          <p:spPr>
+            <a:xfrm>
+              <a:off x="2071048" y="4833040"/>
+              <a:ext cx="6467660" cy="923330"/>
+            </a:xfrm>
+            <a:prstGeom prst="rect">
+              <a:avLst/>
+            </a:prstGeom>
+            <a:noFill/>
+          </p:spPr>
+          <p:txBody>
+            <a:bodyPr wrap="square">
+              <a:spAutoFit/>
+            </a:bodyPr>
+            <a:lstStyle/>
+            <a:p>
+              <a:pPr marL="285750" indent="-285750">
+                <a:buFont typeface="Arial" panose="020B0604020202020204" pitchFamily="34" charset="0"/>
+                <a:buChar char="•"/>
+              </a:pPr>
+              <a:r>
+                <a:rPr lang="en-US" dirty="0"/>
+                <a:t>remove NANs, duplicates, and use mean </a:t>
+              </a:r>
+              <a:r>
+                <a:rPr lang="en-US" dirty="0" err="1"/>
+                <a:t>Kd</a:t>
+              </a:r>
+              <a:r>
+                <a:rPr lang="en-US" dirty="0"/>
+                <a:t> for duplicates</a:t>
+              </a:r>
+            </a:p>
+            <a:p>
+              <a:pPr marL="285750" indent="-285750">
+                <a:buFont typeface="Arial" panose="020B0604020202020204" pitchFamily="34" charset="0"/>
+                <a:buChar char="•"/>
+              </a:pPr>
+              <a:r>
+                <a:rPr lang="en-US" sz="1800" b="0" dirty="0">
+                  <a:effectLst/>
+                </a:rPr>
+                <a:t>keep only rows with </a:t>
+              </a:r>
+              <a:r>
+                <a:rPr lang="en-US" sz="1800" b="1" dirty="0" err="1">
+                  <a:effectLst/>
+                </a:rPr>
+                <a:t>q_value</a:t>
+              </a:r>
+              <a:r>
+                <a:rPr lang="en-US" b="1" dirty="0" err="1"/>
+                <a:t>s</a:t>
+              </a:r>
+              <a:r>
+                <a:rPr lang="en-US" sz="1800" b="1" dirty="0">
+                  <a:effectLst/>
+                </a:rPr>
+                <a:t> </a:t>
+              </a:r>
+              <a:r>
+                <a:rPr lang="en-US" b="1" dirty="0"/>
+                <a:t>&lt;</a:t>
+              </a:r>
+              <a:r>
+                <a:rPr lang="en-US" sz="1800" b="1" dirty="0">
+                  <a:effectLst/>
+                </a:rPr>
+                <a:t> 0.50 (12320 rows)</a:t>
+              </a:r>
+            </a:p>
+            <a:p>
+              <a:pPr marL="285750" indent="-285750">
+                <a:buFont typeface="Arial" panose="020B0604020202020204" pitchFamily="34" charset="0"/>
+                <a:buChar char="•"/>
+              </a:pPr>
+              <a:r>
+                <a:rPr lang="en-US" dirty="0"/>
+                <a:t>80/10/10 split: train(9856), </a:t>
+              </a:r>
+              <a:r>
+                <a:rPr lang="en-US" dirty="0" err="1"/>
+                <a:t>val</a:t>
+              </a:r>
+              <a:r>
+                <a:rPr lang="en-US" dirty="0"/>
+                <a:t> (1232), test(1232)</a:t>
+              </a:r>
+              <a:endParaRPr lang="en-US" sz="1800" b="0" dirty="0">
+                <a:effectLst/>
+              </a:endParaRPr>
+            </a:p>
+          </p:txBody>
+        </p:sp>
+      </p:grpSp>
+    </p:spTree>
+    <p:extLst>
+      <p:ext uri="{BB962C8B-B14F-4D97-AF65-F5344CB8AC3E}">
+        <p14:creationId xmlns:p14="http://schemas.microsoft.com/office/powerpoint/2010/main" val="1507180346"/>
+      </p:ext>
+    </p:extLst>
+  </p:cSld>
+  <p:clrMapOvr>
+    <a:masterClrMapping/>
+  </p:clrMapOvr>
+</p:sld>
+</file>
+
+<file path=ppt/slides/slide40.xml><?xml version="1.0" encoding="utf-8"?>
 <p:sld xmlns:a="http://schemas.openxmlformats.org/drawingml/2006/main" xmlns:r="http://schemas.openxmlformats.org/officeDocument/2006/relationships" xmlns:p="http://schemas.openxmlformats.org/presentationml/2006/main">
   <p:cSld>
     <p:spTree>
@@ -23692,7 +26216,7 @@
 </p:sld>
 </file>
 
-<file path=ppt/slides/slide38.xml><?xml version="1.0" encoding="utf-8"?>
+<file path=ppt/slides/slide41.xml><?xml version="1.0" encoding="utf-8"?>
 <p:sld xmlns:a="http://schemas.openxmlformats.org/drawingml/2006/main" xmlns:r="http://schemas.openxmlformats.org/officeDocument/2006/relationships" xmlns:p="http://schemas.openxmlformats.org/presentationml/2006/main">
   <p:cSld>
     <p:spTree>
@@ -26362,7 +28886,7 @@
 </p:sld>
 </file>
 
-<file path=ppt/slides/slide39.xml><?xml version="1.0" encoding="utf-8"?>
+<file path=ppt/slides/slide42.xml><?xml version="1.0" encoding="utf-8"?>
 <p:sld xmlns:a="http://schemas.openxmlformats.org/drawingml/2006/main" xmlns:r="http://schemas.openxmlformats.org/officeDocument/2006/relationships" xmlns:p="http://schemas.openxmlformats.org/presentationml/2006/main">
   <p:cSld>
     <p:spTree>
@@ -28494,637 +31018,7 @@
 </p:sld>
 </file>
 
-<file path=ppt/slides/slide4.xml><?xml version="1.0" encoding="utf-8"?>
-<p:sld xmlns:a="http://schemas.openxmlformats.org/drawingml/2006/main" xmlns:r="http://schemas.openxmlformats.org/officeDocument/2006/relationships" xmlns:p="http://schemas.openxmlformats.org/presentationml/2006/main">
-  <p:cSld>
-    <p:spTree>
-      <p:nvGrpSpPr>
-        <p:cNvPr id="1" name=""/>
-        <p:cNvGrpSpPr/>
-        <p:nvPr/>
-      </p:nvGrpSpPr>
-      <p:grpSpPr>
-        <a:xfrm>
-          <a:off x="0" y="0"/>
-          <a:ext cx="0" cy="0"/>
-          <a:chOff x="0" y="0"/>
-          <a:chExt cx="0" cy="0"/>
-        </a:xfrm>
-      </p:grpSpPr>
-      <p:sp>
-        <p:nvSpPr>
-          <p:cNvPr id="3" name="TextBox 2">
-            <a:extLst>
-              <a:ext uri="{FF2B5EF4-FFF2-40B4-BE49-F238E27FC236}">
-                <a16:creationId xmlns:a16="http://schemas.microsoft.com/office/drawing/2014/main" id="{90F59776-7CC5-CCAF-413F-1B038A87DE9F}"/>
-              </a:ext>
-            </a:extLst>
-          </p:cNvPr>
-          <p:cNvSpPr txBox="1"/>
-          <p:nvPr/>
-        </p:nvSpPr>
-        <p:spPr>
-          <a:xfrm>
-            <a:off x="933806" y="1292358"/>
-            <a:ext cx="7761620" cy="923330"/>
-          </a:xfrm>
-          <a:prstGeom prst="rect">
-            <a:avLst/>
-          </a:prstGeom>
-          <a:noFill/>
-        </p:spPr>
-        <p:txBody>
-          <a:bodyPr wrap="square">
-            <a:spAutoFit/>
-          </a:bodyPr>
-          <a:lstStyle/>
-          <a:p>
-            <a:pPr marL="285750" indent="-285750">
-              <a:buFont typeface="Arial" panose="020B0604020202020204" pitchFamily="34" charset="0"/>
-              <a:buChar char="•"/>
-            </a:pPr>
-            <a:r>
-              <a:rPr lang="en-US" dirty="0"/>
-              <a:t>remove NANs, duplicates, and use mean </a:t>
-            </a:r>
-            <a:r>
-              <a:rPr lang="en-US" dirty="0" err="1"/>
-              <a:t>Kd</a:t>
-            </a:r>
-            <a:r>
-              <a:rPr lang="en-US" dirty="0"/>
-              <a:t> for duplicates</a:t>
-            </a:r>
-            <a:endParaRPr lang="en-US" sz="1800" b="0" dirty="0">
-              <a:effectLst/>
-            </a:endParaRPr>
-          </a:p>
-          <a:p>
-            <a:pPr marL="285750" indent="-285750">
-              <a:buFont typeface="Arial" panose="020B0604020202020204" pitchFamily="34" charset="0"/>
-              <a:buChar char="•"/>
-            </a:pPr>
-            <a:r>
-              <a:rPr lang="en-US" sz="1800" b="0" dirty="0">
-                <a:effectLst/>
-              </a:rPr>
-              <a:t>90/10 split for train/validation sets</a:t>
-            </a:r>
-          </a:p>
-          <a:p>
-            <a:pPr marL="285750" indent="-285750">
-              <a:buFont typeface="Arial" panose="020B0604020202020204" pitchFamily="34" charset="0"/>
-              <a:buChar char="•"/>
-            </a:pPr>
-            <a:r>
-              <a:rPr lang="en-US" sz="1800" dirty="0"/>
-              <a:t>train (26279 rows), </a:t>
-            </a:r>
-            <a:r>
-              <a:rPr lang="en-US" sz="1800" dirty="0" err="1"/>
-              <a:t>val</a:t>
-            </a:r>
-            <a:r>
-              <a:rPr lang="en-US" sz="1800" dirty="0"/>
-              <a:t> (2920 rows)</a:t>
-            </a:r>
-          </a:p>
-        </p:txBody>
-      </p:sp>
-      <p:sp>
-        <p:nvSpPr>
-          <p:cNvPr id="4" name="TextBox 3">
-            <a:extLst>
-              <a:ext uri="{FF2B5EF4-FFF2-40B4-BE49-F238E27FC236}">
-                <a16:creationId xmlns:a16="http://schemas.microsoft.com/office/drawing/2014/main" id="{A823B7D1-6885-6524-808E-292692E93FBC}"/>
-              </a:ext>
-            </a:extLst>
-          </p:cNvPr>
-          <p:cNvSpPr txBox="1"/>
-          <p:nvPr/>
-        </p:nvSpPr>
-        <p:spPr>
-          <a:xfrm>
-            <a:off x="146649" y="184362"/>
-            <a:ext cx="4339008" cy="461665"/>
-          </a:xfrm>
-          <a:prstGeom prst="rect">
-            <a:avLst/>
-          </a:prstGeom>
-          <a:noFill/>
-        </p:spPr>
-        <p:txBody>
-          <a:bodyPr wrap="none" rtlCol="0">
-            <a:spAutoFit/>
-          </a:bodyPr>
-          <a:lstStyle/>
-          <a:p>
-            <a:r>
-              <a:rPr lang="en-US" sz="2400" dirty="0"/>
-              <a:t>Training Datasets : two versions</a:t>
-            </a:r>
-          </a:p>
-        </p:txBody>
-      </p:sp>
-      <p:sp>
-        <p:nvSpPr>
-          <p:cNvPr id="5" name="TextBox 4">
-            <a:extLst>
-              <a:ext uri="{FF2B5EF4-FFF2-40B4-BE49-F238E27FC236}">
-                <a16:creationId xmlns:a16="http://schemas.microsoft.com/office/drawing/2014/main" id="{B2600AAF-F4BA-D6D8-31D9-0D669D1AB800}"/>
-              </a:ext>
-            </a:extLst>
-          </p:cNvPr>
-          <p:cNvSpPr txBox="1"/>
-          <p:nvPr/>
-        </p:nvSpPr>
-        <p:spPr>
-          <a:xfrm>
-            <a:off x="586596" y="923026"/>
-            <a:ext cx="960776" cy="369332"/>
-          </a:xfrm>
-          <a:prstGeom prst="rect">
-            <a:avLst/>
-          </a:prstGeom>
-          <a:noFill/>
-        </p:spPr>
-        <p:txBody>
-          <a:bodyPr wrap="none" rtlCol="0">
-            <a:spAutoFit/>
-          </a:bodyPr>
-          <a:lstStyle/>
-          <a:p>
-            <a:r>
-              <a:rPr lang="en-US" dirty="0"/>
-              <a:t>Clean-1</a:t>
-            </a:r>
-          </a:p>
-        </p:txBody>
-      </p:sp>
-      <p:sp>
-        <p:nvSpPr>
-          <p:cNvPr id="9" name="TextBox 8">
-            <a:extLst>
-              <a:ext uri="{FF2B5EF4-FFF2-40B4-BE49-F238E27FC236}">
-                <a16:creationId xmlns:a16="http://schemas.microsoft.com/office/drawing/2014/main" id="{DEB93D53-C98F-967F-FD08-149A4D6157AA}"/>
-              </a:ext>
-            </a:extLst>
-          </p:cNvPr>
-          <p:cNvSpPr txBox="1"/>
-          <p:nvPr/>
-        </p:nvSpPr>
-        <p:spPr>
-          <a:xfrm>
-            <a:off x="7760669" y="2998994"/>
-            <a:ext cx="1783117" cy="369332"/>
-          </a:xfrm>
-          <a:prstGeom prst="rect">
-            <a:avLst/>
-          </a:prstGeom>
-          <a:noFill/>
-        </p:spPr>
-        <p:txBody>
-          <a:bodyPr wrap="none" rtlCol="0">
-            <a:spAutoFit/>
-          </a:bodyPr>
-          <a:lstStyle/>
-          <a:p>
-            <a:r>
-              <a:rPr lang="en-US" dirty="0">
-                <a:highlight>
-                  <a:srgbClr val="FFFF00"/>
-                </a:highlight>
-              </a:rPr>
-              <a:t>Clean-3 dataset</a:t>
-            </a:r>
-          </a:p>
-        </p:txBody>
-      </p:sp>
-      <p:pic>
-        <p:nvPicPr>
-          <p:cNvPr id="10" name="Picture 9">
-            <a:extLst>
-              <a:ext uri="{FF2B5EF4-FFF2-40B4-BE49-F238E27FC236}">
-                <a16:creationId xmlns:a16="http://schemas.microsoft.com/office/drawing/2014/main" id="{6395B665-70EA-5B20-8B8B-7EAA1ED916E2}"/>
-              </a:ext>
-            </a:extLst>
-          </p:cNvPr>
-          <p:cNvPicPr>
-            <a:picLocks noChangeAspect="1"/>
-          </p:cNvPicPr>
-          <p:nvPr/>
-        </p:nvPicPr>
-        <p:blipFill>
-          <a:blip r:embed="rId2"/>
-          <a:stretch>
-            <a:fillRect/>
-          </a:stretch>
-        </p:blipFill>
-        <p:spPr>
-          <a:xfrm>
-            <a:off x="7652542" y="1018885"/>
-            <a:ext cx="2016751" cy="1470276"/>
-          </a:xfrm>
-          <a:prstGeom prst="rect">
-            <a:avLst/>
-          </a:prstGeom>
-        </p:spPr>
-      </p:pic>
-      <p:sp>
-        <p:nvSpPr>
-          <p:cNvPr id="11" name="TextBox 10">
-            <a:extLst>
-              <a:ext uri="{FF2B5EF4-FFF2-40B4-BE49-F238E27FC236}">
-                <a16:creationId xmlns:a16="http://schemas.microsoft.com/office/drawing/2014/main" id="{E352572C-0B04-B7EF-D36F-336747D674CB}"/>
-              </a:ext>
-            </a:extLst>
-          </p:cNvPr>
-          <p:cNvSpPr txBox="1"/>
-          <p:nvPr/>
-        </p:nvSpPr>
-        <p:spPr>
-          <a:xfrm>
-            <a:off x="7778047" y="553694"/>
-            <a:ext cx="1765740" cy="369332"/>
-          </a:xfrm>
-          <a:prstGeom prst="rect">
-            <a:avLst/>
-          </a:prstGeom>
-          <a:noFill/>
-        </p:spPr>
-        <p:txBody>
-          <a:bodyPr wrap="none" rtlCol="0">
-            <a:spAutoFit/>
-          </a:bodyPr>
-          <a:lstStyle/>
-          <a:p>
-            <a:r>
-              <a:rPr lang="en-US" dirty="0">
-                <a:highlight>
-                  <a:srgbClr val="FFFF00"/>
-                </a:highlight>
-              </a:rPr>
-              <a:t>Clean-1 dataset</a:t>
-            </a:r>
-          </a:p>
-        </p:txBody>
-      </p:sp>
-      <p:sp>
-        <p:nvSpPr>
-          <p:cNvPr id="12" name="TextBox 11">
-            <a:extLst>
-              <a:ext uri="{FF2B5EF4-FFF2-40B4-BE49-F238E27FC236}">
-                <a16:creationId xmlns:a16="http://schemas.microsoft.com/office/drawing/2014/main" id="{4379C880-87A8-E4F0-3029-8D5A6116FAEB}"/>
-              </a:ext>
-            </a:extLst>
-          </p:cNvPr>
-          <p:cNvSpPr txBox="1"/>
-          <p:nvPr/>
-        </p:nvSpPr>
-        <p:spPr>
-          <a:xfrm>
-            <a:off x="513466" y="2955955"/>
-            <a:ext cx="1107996" cy="369332"/>
-          </a:xfrm>
-          <a:prstGeom prst="rect">
-            <a:avLst/>
-          </a:prstGeom>
-          <a:noFill/>
-        </p:spPr>
-        <p:txBody>
-          <a:bodyPr wrap="none" rtlCol="0">
-            <a:spAutoFit/>
-          </a:bodyPr>
-          <a:lstStyle/>
-          <a:p>
-            <a:r>
-              <a:rPr lang="en-US" dirty="0"/>
-              <a:t>Clean-3b</a:t>
-            </a:r>
-          </a:p>
-        </p:txBody>
-      </p:sp>
-      <p:sp>
-        <p:nvSpPr>
-          <p:cNvPr id="13" name="TextBox 12">
-            <a:extLst>
-              <a:ext uri="{FF2B5EF4-FFF2-40B4-BE49-F238E27FC236}">
-                <a16:creationId xmlns:a16="http://schemas.microsoft.com/office/drawing/2014/main" id="{593741C5-6171-594F-EF0C-3540745BA613}"/>
-              </a:ext>
-            </a:extLst>
-          </p:cNvPr>
-          <p:cNvSpPr txBox="1"/>
-          <p:nvPr/>
-        </p:nvSpPr>
-        <p:spPr>
-          <a:xfrm>
-            <a:off x="849174" y="3325287"/>
-            <a:ext cx="6467660" cy="1200329"/>
-          </a:xfrm>
-          <a:prstGeom prst="rect">
-            <a:avLst/>
-          </a:prstGeom>
-          <a:noFill/>
-        </p:spPr>
-        <p:txBody>
-          <a:bodyPr wrap="square">
-            <a:spAutoFit/>
-          </a:bodyPr>
-          <a:lstStyle/>
-          <a:p>
-            <a:pPr marL="285750" indent="-285750">
-              <a:buFont typeface="Arial" panose="020B0604020202020204" pitchFamily="34" charset="0"/>
-              <a:buChar char="•"/>
-            </a:pPr>
-            <a:r>
-              <a:rPr lang="en-US" dirty="0"/>
-              <a:t>remove NANs, duplicates, and use mean </a:t>
-            </a:r>
-            <a:r>
-              <a:rPr lang="en-US" dirty="0" err="1"/>
-              <a:t>Kd</a:t>
-            </a:r>
-            <a:r>
-              <a:rPr lang="en-US" dirty="0"/>
-              <a:t> for duplicates</a:t>
-            </a:r>
-          </a:p>
-          <a:p>
-            <a:pPr marL="285750" indent="-285750">
-              <a:buFont typeface="Arial" panose="020B0604020202020204" pitchFamily="34" charset="0"/>
-              <a:buChar char="•"/>
-            </a:pPr>
-            <a:r>
-              <a:rPr lang="en-US" sz="1800" b="0" dirty="0">
-                <a:effectLst/>
-              </a:rPr>
-              <a:t>keep only rows with </a:t>
-            </a:r>
-            <a:r>
-              <a:rPr lang="en-US" sz="1800" b="0" dirty="0" err="1">
-                <a:effectLst/>
-              </a:rPr>
-              <a:t>q_value</a:t>
-            </a:r>
-            <a:r>
-              <a:rPr lang="en-US" sz="1800" b="0" dirty="0">
-                <a:effectLst/>
-              </a:rPr>
-              <a:t> &lt; 0.05 (9302 rows remain)</a:t>
-            </a:r>
-          </a:p>
-          <a:p>
-            <a:pPr marL="285750" indent="-285750">
-              <a:buFont typeface="Arial" panose="020B0604020202020204" pitchFamily="34" charset="0"/>
-              <a:buChar char="•"/>
-            </a:pPr>
-            <a:r>
-              <a:rPr lang="en-US" dirty="0"/>
-              <a:t>85/7.5/7.5 split: train(7862), </a:t>
-            </a:r>
-            <a:r>
-              <a:rPr lang="en-US" dirty="0" err="1"/>
-              <a:t>val</a:t>
-            </a:r>
-            <a:r>
-              <a:rPr lang="en-US" dirty="0"/>
-              <a:t>(694), test(694)</a:t>
-            </a:r>
-            <a:endParaRPr lang="en-US" sz="1800" b="0" dirty="0">
-              <a:effectLst/>
-            </a:endParaRPr>
-          </a:p>
-          <a:p>
-            <a:pPr marL="285750" indent="-285750">
-              <a:buFont typeface="Arial" panose="020B0604020202020204" pitchFamily="34" charset="0"/>
-              <a:buChar char="•"/>
-            </a:pPr>
-            <a:endParaRPr lang="en-US" dirty="0"/>
-          </a:p>
-        </p:txBody>
-      </p:sp>
-      <p:pic>
-        <p:nvPicPr>
-          <p:cNvPr id="14" name="Picture 13">
-            <a:extLst>
-              <a:ext uri="{FF2B5EF4-FFF2-40B4-BE49-F238E27FC236}">
-                <a16:creationId xmlns:a16="http://schemas.microsoft.com/office/drawing/2014/main" id="{B6B8555E-543F-42E6-240A-282609C1AB30}"/>
-              </a:ext>
-            </a:extLst>
-          </p:cNvPr>
-          <p:cNvPicPr>
-            <a:picLocks noChangeAspect="1"/>
-          </p:cNvPicPr>
-          <p:nvPr/>
-        </p:nvPicPr>
-        <p:blipFill>
-          <a:blip r:embed="rId3"/>
-          <a:stretch>
-            <a:fillRect/>
-          </a:stretch>
-        </p:blipFill>
-        <p:spPr>
-          <a:xfrm>
-            <a:off x="7652541" y="3429000"/>
-            <a:ext cx="2016751" cy="1470277"/>
-          </a:xfrm>
-          <a:prstGeom prst="rect">
-            <a:avLst/>
-          </a:prstGeom>
-        </p:spPr>
-      </p:pic>
-      <p:sp>
-        <p:nvSpPr>
-          <p:cNvPr id="15" name="TextBox 14">
-            <a:extLst>
-              <a:ext uri="{FF2B5EF4-FFF2-40B4-BE49-F238E27FC236}">
-                <a16:creationId xmlns:a16="http://schemas.microsoft.com/office/drawing/2014/main" id="{4C5E23BE-CC77-2A8B-093D-8B06E84CE434}"/>
-              </a:ext>
-            </a:extLst>
-          </p:cNvPr>
-          <p:cNvSpPr txBox="1"/>
-          <p:nvPr/>
-        </p:nvSpPr>
-        <p:spPr>
-          <a:xfrm>
-            <a:off x="511992" y="4642288"/>
-            <a:ext cx="978153" cy="369332"/>
-          </a:xfrm>
-          <a:prstGeom prst="rect">
-            <a:avLst/>
-          </a:prstGeom>
-          <a:noFill/>
-        </p:spPr>
-        <p:txBody>
-          <a:bodyPr wrap="none" rtlCol="0">
-            <a:spAutoFit/>
-          </a:bodyPr>
-          <a:lstStyle/>
-          <a:p>
-            <a:r>
-              <a:rPr lang="en-US" dirty="0"/>
-              <a:t>Clean-4</a:t>
-            </a:r>
-          </a:p>
-        </p:txBody>
-      </p:sp>
-      <p:sp>
-        <p:nvSpPr>
-          <p:cNvPr id="16" name="TextBox 15">
-            <a:extLst>
-              <a:ext uri="{FF2B5EF4-FFF2-40B4-BE49-F238E27FC236}">
-                <a16:creationId xmlns:a16="http://schemas.microsoft.com/office/drawing/2014/main" id="{4B593975-C03F-F861-FB9A-E077DED89E51}"/>
-              </a:ext>
-            </a:extLst>
-          </p:cNvPr>
-          <p:cNvSpPr txBox="1"/>
-          <p:nvPr/>
-        </p:nvSpPr>
-        <p:spPr>
-          <a:xfrm>
-            <a:off x="847700" y="5011620"/>
-            <a:ext cx="6467660" cy="1200329"/>
-          </a:xfrm>
-          <a:prstGeom prst="rect">
-            <a:avLst/>
-          </a:prstGeom>
-          <a:noFill/>
-        </p:spPr>
-        <p:txBody>
-          <a:bodyPr wrap="square">
-            <a:spAutoFit/>
-          </a:bodyPr>
-          <a:lstStyle/>
-          <a:p>
-            <a:pPr marL="285750" indent="-285750">
-              <a:buFont typeface="Arial" panose="020B0604020202020204" pitchFamily="34" charset="0"/>
-              <a:buChar char="•"/>
-            </a:pPr>
-            <a:r>
-              <a:rPr lang="en-US" dirty="0"/>
-              <a:t>remove NANs, duplicates, and use mean </a:t>
-            </a:r>
-            <a:r>
-              <a:rPr lang="en-US" dirty="0" err="1"/>
-              <a:t>Kd</a:t>
-            </a:r>
-            <a:r>
-              <a:rPr lang="en-US" dirty="0"/>
-              <a:t> for duplicates</a:t>
-            </a:r>
-          </a:p>
-          <a:p>
-            <a:pPr marL="285750" indent="-285750">
-              <a:buFont typeface="Arial" panose="020B0604020202020204" pitchFamily="34" charset="0"/>
-              <a:buChar char="•"/>
-            </a:pPr>
-            <a:r>
-              <a:rPr lang="en-US" sz="1800" b="0" dirty="0">
-                <a:effectLst/>
-              </a:rPr>
-              <a:t>keep only rows with </a:t>
-            </a:r>
-            <a:r>
-              <a:rPr lang="en-US" sz="1800" b="0" dirty="0" err="1">
-                <a:effectLst/>
-              </a:rPr>
-              <a:t>q_value</a:t>
-            </a:r>
-            <a:r>
-              <a:rPr lang="en-US" dirty="0" err="1"/>
-              <a:t>s</a:t>
-            </a:r>
-            <a:r>
-              <a:rPr lang="en-US" sz="1800" b="0" dirty="0">
-                <a:effectLst/>
-              </a:rPr>
-              <a:t> </a:t>
-            </a:r>
-            <a:r>
-              <a:rPr lang="en-US" dirty="0"/>
-              <a:t>&lt;</a:t>
-            </a:r>
-            <a:r>
-              <a:rPr lang="en-US" sz="1800" b="0" dirty="0">
-                <a:effectLst/>
-              </a:rPr>
-              <a:t> 0.50 (12320 rows remain)</a:t>
-            </a:r>
-          </a:p>
-          <a:p>
-            <a:pPr marL="285750" indent="-285750">
-              <a:buFont typeface="Arial" panose="020B0604020202020204" pitchFamily="34" charset="0"/>
-              <a:buChar char="•"/>
-            </a:pPr>
-            <a:r>
-              <a:rPr lang="en-US" dirty="0"/>
-              <a:t>80/10/10 split: train(9856), </a:t>
-            </a:r>
-            <a:r>
-              <a:rPr lang="en-US" dirty="0" err="1"/>
-              <a:t>val</a:t>
-            </a:r>
-            <a:r>
-              <a:rPr lang="en-US" dirty="0"/>
-              <a:t>(1232), test(1232)</a:t>
-            </a:r>
-            <a:endParaRPr lang="en-US" sz="1800" b="0" dirty="0">
-              <a:effectLst/>
-            </a:endParaRPr>
-          </a:p>
-          <a:p>
-            <a:pPr marL="285750" indent="-285750">
-              <a:buFont typeface="Arial" panose="020B0604020202020204" pitchFamily="34" charset="0"/>
-              <a:buChar char="•"/>
-            </a:pPr>
-            <a:endParaRPr lang="en-US" dirty="0"/>
-          </a:p>
-        </p:txBody>
-      </p:sp>
-      <p:pic>
-        <p:nvPicPr>
-          <p:cNvPr id="17" name="Picture 16">
-            <a:extLst>
-              <a:ext uri="{FF2B5EF4-FFF2-40B4-BE49-F238E27FC236}">
-                <a16:creationId xmlns:a16="http://schemas.microsoft.com/office/drawing/2014/main" id="{755D7FE7-1608-A0DA-C250-784EB3FE3ABF}"/>
-              </a:ext>
-            </a:extLst>
-          </p:cNvPr>
-          <p:cNvPicPr>
-            <a:picLocks noChangeAspect="1"/>
-          </p:cNvPicPr>
-          <p:nvPr/>
-        </p:nvPicPr>
-        <p:blipFill>
-          <a:blip r:embed="rId4"/>
-          <a:stretch>
-            <a:fillRect/>
-          </a:stretch>
-        </p:blipFill>
-        <p:spPr>
-          <a:xfrm>
-            <a:off x="7321816" y="5117612"/>
-            <a:ext cx="2476371" cy="1643673"/>
-          </a:xfrm>
-          <a:prstGeom prst="rect">
-            <a:avLst/>
-          </a:prstGeom>
-        </p:spPr>
-      </p:pic>
-    </p:spTree>
-    <p:extLst>
-      <p:ext uri="{BB962C8B-B14F-4D97-AF65-F5344CB8AC3E}">
-        <p14:creationId xmlns:p14="http://schemas.microsoft.com/office/powerpoint/2010/main" val="1507180346"/>
-      </p:ext>
-    </p:extLst>
-  </p:cSld>
-  <p:clrMapOvr>
-    <a:masterClrMapping/>
-  </p:clrMapOvr>
-</p:sld>
-</file>
-
-<file path=ppt/slides/slide40.xml><?xml version="1.0" encoding="utf-8"?>
+<file path=ppt/slides/slide43.xml><?xml version="1.0" encoding="utf-8"?>
 <p:sld xmlns:a="http://schemas.openxmlformats.org/drawingml/2006/main" xmlns:r="http://schemas.openxmlformats.org/officeDocument/2006/relationships" xmlns:p="http://schemas.openxmlformats.org/presentationml/2006/main">
   <p:cSld>
     <p:spTree>
@@ -29803,7 +31697,7 @@
 </p:sld>
 </file>
 
-<file path=ppt/slides/slide41.xml><?xml version="1.0" encoding="utf-8"?>
+<file path=ppt/slides/slide44.xml><?xml version="1.0" encoding="utf-8"?>
 <p:sld xmlns:a="http://schemas.openxmlformats.org/drawingml/2006/main" xmlns:r="http://schemas.openxmlformats.org/officeDocument/2006/relationships" xmlns:p="http://schemas.openxmlformats.org/presentationml/2006/main">
   <p:cSld>
     <p:spTree>
@@ -31031,7 +32925,7 @@
 </p:sld>
 </file>
 
-<file path=ppt/slides/slide42.xml><?xml version="1.0" encoding="utf-8"?>
+<file path=ppt/slides/slide45.xml><?xml version="1.0" encoding="utf-8"?>
 <p:sld xmlns:a="http://schemas.openxmlformats.org/drawingml/2006/main" xmlns:r="http://schemas.openxmlformats.org/officeDocument/2006/relationships" xmlns:p="http://schemas.openxmlformats.org/presentationml/2006/main">
   <p:cSld>
     <p:spTree>
@@ -33854,7 +35748,7 @@
 </p:sld>
 </file>
 
-<file path=ppt/slides/slide43.xml><?xml version="1.0" encoding="utf-8"?>
+<file path=ppt/slides/slide46.xml><?xml version="1.0" encoding="utf-8"?>
 <p:sld xmlns:a="http://schemas.openxmlformats.org/drawingml/2006/main" xmlns:r="http://schemas.openxmlformats.org/officeDocument/2006/relationships" xmlns:p="http://schemas.openxmlformats.org/presentationml/2006/main">
   <p:cSld>
     <p:spTree>
@@ -34052,7 +35946,7 @@
 </p:sld>
 </file>
 
-<file path=ppt/slides/slide44.xml><?xml version="1.0" encoding="utf-8"?>
+<file path=ppt/slides/slide47.xml><?xml version="1.0" encoding="utf-8"?>
 <p:sld xmlns:a="http://schemas.openxmlformats.org/drawingml/2006/main" xmlns:r="http://schemas.openxmlformats.org/officeDocument/2006/relationships" xmlns:p="http://schemas.openxmlformats.org/presentationml/2006/main">
   <p:cSld>
     <p:spTree>
@@ -34239,7 +36133,7 @@
 </p:sld>
 </file>
 
-<file path=ppt/slides/slide45.xml><?xml version="1.0" encoding="utf-8"?>
+<file path=ppt/slides/slide48.xml><?xml version="1.0" encoding="utf-8"?>
 <p:sld xmlns:a="http://schemas.openxmlformats.org/drawingml/2006/main" xmlns:r="http://schemas.openxmlformats.org/officeDocument/2006/relationships" xmlns:p="http://schemas.openxmlformats.org/presentationml/2006/main">
   <p:cSld>
     <p:spTree>
@@ -34791,7 +36685,7 @@
 </p:sld>
 </file>
 
-<file path=ppt/slides/slide46.xml><?xml version="1.0" encoding="utf-8"?>
+<file path=ppt/slides/slide49.xml><?xml version="1.0" encoding="utf-8"?>
 <p:sld xmlns:a="http://schemas.openxmlformats.org/drawingml/2006/main" xmlns:r="http://schemas.openxmlformats.org/officeDocument/2006/relationships" xmlns:p="http://schemas.openxmlformats.org/presentationml/2006/main">
   <p:cSld>
     <p:spTree>
@@ -35099,7 +36993,417 @@
 </p:sld>
 </file>
 
-<file path=ppt/slides/slide47.xml><?xml version="1.0" encoding="utf-8"?>
+<file path=ppt/slides/slide5.xml><?xml version="1.0" encoding="utf-8"?>
+<p:sld xmlns:a="http://schemas.openxmlformats.org/drawingml/2006/main" xmlns:r="http://schemas.openxmlformats.org/officeDocument/2006/relationships" xmlns:p="http://schemas.openxmlformats.org/presentationml/2006/main">
+  <p:cSld>
+    <p:spTree>
+      <p:nvGrpSpPr>
+        <p:cNvPr id="1" name=""/>
+        <p:cNvGrpSpPr/>
+        <p:nvPr/>
+      </p:nvGrpSpPr>
+      <p:grpSpPr>
+        <a:xfrm>
+          <a:off x="0" y="0"/>
+          <a:ext cx="0" cy="0"/>
+          <a:chOff x="0" y="0"/>
+          <a:chExt cx="0" cy="0"/>
+        </a:xfrm>
+      </p:grpSpPr>
+      <p:sp>
+        <p:nvSpPr>
+          <p:cNvPr id="4" name="TextBox 3">
+            <a:extLst>
+              <a:ext uri="{FF2B5EF4-FFF2-40B4-BE49-F238E27FC236}">
+                <a16:creationId xmlns:a16="http://schemas.microsoft.com/office/drawing/2014/main" id="{A823B7D1-6885-6524-808E-292692E93FBC}"/>
+              </a:ext>
+            </a:extLst>
+          </p:cNvPr>
+          <p:cNvSpPr txBox="1"/>
+          <p:nvPr/>
+        </p:nvSpPr>
+        <p:spPr>
+          <a:xfrm>
+            <a:off x="146649" y="184362"/>
+            <a:ext cx="2466124" cy="461665"/>
+          </a:xfrm>
+          <a:prstGeom prst="rect">
+            <a:avLst/>
+          </a:prstGeom>
+          <a:noFill/>
+        </p:spPr>
+        <p:txBody>
+          <a:bodyPr wrap="none" rtlCol="0">
+            <a:spAutoFit/>
+          </a:bodyPr>
+          <a:lstStyle/>
+          <a:p>
+            <a:r>
+              <a:rPr lang="en-US" sz="2400" dirty="0"/>
+              <a:t>Training Datasets</a:t>
+            </a:r>
+          </a:p>
+        </p:txBody>
+      </p:sp>
+      <p:grpSp>
+        <p:nvGrpSpPr>
+          <p:cNvPr id="10" name="Group 9">
+            <a:extLst>
+              <a:ext uri="{FF2B5EF4-FFF2-40B4-BE49-F238E27FC236}">
+                <a16:creationId xmlns:a16="http://schemas.microsoft.com/office/drawing/2014/main" id="{F5172D89-4EF7-2642-B028-388CC3302708}"/>
+              </a:ext>
+            </a:extLst>
+          </p:cNvPr>
+          <p:cNvGrpSpPr/>
+          <p:nvPr/>
+        </p:nvGrpSpPr>
+        <p:grpSpPr>
+          <a:xfrm>
+            <a:off x="7834644" y="1423473"/>
+            <a:ext cx="4033366" cy="3757982"/>
+            <a:chOff x="4090780" y="1423473"/>
+            <a:chExt cx="4033366" cy="3757982"/>
+          </a:xfrm>
+        </p:grpSpPr>
+        <p:sp>
+          <p:nvSpPr>
+            <p:cNvPr id="9" name="TextBox 8">
+              <a:extLst>
+                <a:ext uri="{FF2B5EF4-FFF2-40B4-BE49-F238E27FC236}">
+                  <a16:creationId xmlns:a16="http://schemas.microsoft.com/office/drawing/2014/main" id="{DEB93D53-C98F-967F-FD08-149A4D6157AA}"/>
+                </a:ext>
+              </a:extLst>
+            </p:cNvPr>
+            <p:cNvSpPr txBox="1"/>
+            <p:nvPr/>
+          </p:nvSpPr>
+          <p:spPr>
+            <a:xfrm>
+              <a:off x="5106675" y="4812123"/>
+              <a:ext cx="1783117" cy="369332"/>
+            </a:xfrm>
+            <a:prstGeom prst="rect">
+              <a:avLst/>
+            </a:prstGeom>
+            <a:noFill/>
+          </p:spPr>
+          <p:txBody>
+            <a:bodyPr wrap="none" rtlCol="0">
+              <a:spAutoFit/>
+            </a:bodyPr>
+            <a:lstStyle/>
+            <a:p>
+              <a:r>
+                <a:rPr lang="en-US" dirty="0"/>
+                <a:t>Clean-3 dataset</a:t>
+              </a:r>
+            </a:p>
+          </p:txBody>
+        </p:sp>
+        <p:pic>
+          <p:nvPicPr>
+            <p:cNvPr id="20" name="Picture 19">
+              <a:extLst>
+                <a:ext uri="{FF2B5EF4-FFF2-40B4-BE49-F238E27FC236}">
+                  <a16:creationId xmlns:a16="http://schemas.microsoft.com/office/drawing/2014/main" id="{C1038154-5D7A-B535-E72C-6F71E15A8B37}"/>
+                </a:ext>
+              </a:extLst>
+            </p:cNvPr>
+            <p:cNvPicPr>
+              <a:picLocks noChangeAspect="1"/>
+            </p:cNvPicPr>
+            <p:nvPr/>
+          </p:nvPicPr>
+          <p:blipFill>
+            <a:blip r:embed="rId2"/>
+            <a:stretch>
+              <a:fillRect/>
+            </a:stretch>
+          </p:blipFill>
+          <p:spPr>
+            <a:xfrm>
+              <a:off x="4090780" y="1423473"/>
+              <a:ext cx="4033366" cy="3148973"/>
+            </a:xfrm>
+            <a:prstGeom prst="rect">
+              <a:avLst/>
+            </a:prstGeom>
+          </p:spPr>
+        </p:pic>
+      </p:grpSp>
+      <p:grpSp>
+        <p:nvGrpSpPr>
+          <p:cNvPr id="14" name="Group 13">
+            <a:extLst>
+              <a:ext uri="{FF2B5EF4-FFF2-40B4-BE49-F238E27FC236}">
+                <a16:creationId xmlns:a16="http://schemas.microsoft.com/office/drawing/2014/main" id="{3CFA440A-B1CF-3ADE-7103-B27B033D0850}"/>
+              </a:ext>
+            </a:extLst>
+          </p:cNvPr>
+          <p:cNvGrpSpPr/>
+          <p:nvPr/>
+        </p:nvGrpSpPr>
+        <p:grpSpPr>
+          <a:xfrm>
+            <a:off x="225042" y="1423473"/>
+            <a:ext cx="4033366" cy="3757982"/>
+            <a:chOff x="225042" y="1423473"/>
+            <a:chExt cx="4033366" cy="3757982"/>
+          </a:xfrm>
+        </p:grpSpPr>
+        <p:sp>
+          <p:nvSpPr>
+            <p:cNvPr id="11" name="TextBox 10">
+              <a:extLst>
+                <a:ext uri="{FF2B5EF4-FFF2-40B4-BE49-F238E27FC236}">
+                  <a16:creationId xmlns:a16="http://schemas.microsoft.com/office/drawing/2014/main" id="{E352572C-0B04-B7EF-D36F-336747D674CB}"/>
+                </a:ext>
+              </a:extLst>
+            </p:cNvPr>
+            <p:cNvSpPr txBox="1"/>
+            <p:nvPr/>
+          </p:nvSpPr>
+          <p:spPr>
+            <a:xfrm>
+              <a:off x="1094274" y="4812123"/>
+              <a:ext cx="1765740" cy="369332"/>
+            </a:xfrm>
+            <a:prstGeom prst="rect">
+              <a:avLst/>
+            </a:prstGeom>
+            <a:noFill/>
+          </p:spPr>
+          <p:txBody>
+            <a:bodyPr wrap="none" rtlCol="0">
+              <a:spAutoFit/>
+            </a:bodyPr>
+            <a:lstStyle/>
+            <a:p>
+              <a:r>
+                <a:rPr lang="en-US" dirty="0"/>
+                <a:t>Clean-1 dataset</a:t>
+              </a:r>
+            </a:p>
+          </p:txBody>
+        </p:sp>
+        <p:pic>
+          <p:nvPicPr>
+            <p:cNvPr id="21" name="Picture 20">
+              <a:extLst>
+                <a:ext uri="{FF2B5EF4-FFF2-40B4-BE49-F238E27FC236}">
+                  <a16:creationId xmlns:a16="http://schemas.microsoft.com/office/drawing/2014/main" id="{7E15F6C0-DAEB-57DE-8319-FA75D954AD61}"/>
+                </a:ext>
+              </a:extLst>
+            </p:cNvPr>
+            <p:cNvPicPr>
+              <a:picLocks noChangeAspect="1"/>
+            </p:cNvPicPr>
+            <p:nvPr/>
+          </p:nvPicPr>
+          <p:blipFill>
+            <a:blip r:embed="rId3"/>
+            <a:stretch>
+              <a:fillRect/>
+            </a:stretch>
+          </p:blipFill>
+          <p:spPr>
+            <a:xfrm>
+              <a:off x="225042" y="1423473"/>
+              <a:ext cx="4033366" cy="3148974"/>
+            </a:xfrm>
+            <a:prstGeom prst="rect">
+              <a:avLst/>
+            </a:prstGeom>
+          </p:spPr>
+        </p:pic>
+      </p:grpSp>
+      <p:grpSp>
+        <p:nvGrpSpPr>
+          <p:cNvPr id="8" name="Group 7">
+            <a:extLst>
+              <a:ext uri="{FF2B5EF4-FFF2-40B4-BE49-F238E27FC236}">
+                <a16:creationId xmlns:a16="http://schemas.microsoft.com/office/drawing/2014/main" id="{6B02CA0B-30C2-0ADF-6150-9012DA793899}"/>
+              </a:ext>
+            </a:extLst>
+          </p:cNvPr>
+          <p:cNvGrpSpPr/>
+          <p:nvPr/>
+        </p:nvGrpSpPr>
+        <p:grpSpPr>
+          <a:xfrm>
+            <a:off x="3905772" y="1420578"/>
+            <a:ext cx="4042032" cy="3730686"/>
+            <a:chOff x="8149968" y="1423473"/>
+            <a:chExt cx="4042032" cy="3730686"/>
+          </a:xfrm>
+        </p:grpSpPr>
+        <p:pic>
+          <p:nvPicPr>
+            <p:cNvPr id="22" name="Picture 21">
+              <a:extLst>
+                <a:ext uri="{FF2B5EF4-FFF2-40B4-BE49-F238E27FC236}">
+                  <a16:creationId xmlns:a16="http://schemas.microsoft.com/office/drawing/2014/main" id="{11951687-A464-0317-1C02-F3C4615B6C78}"/>
+                </a:ext>
+              </a:extLst>
+            </p:cNvPr>
+            <p:cNvPicPr>
+              <a:picLocks noChangeAspect="1"/>
+            </p:cNvPicPr>
+            <p:nvPr/>
+          </p:nvPicPr>
+          <p:blipFill>
+            <a:blip r:embed="rId4"/>
+            <a:stretch>
+              <a:fillRect/>
+            </a:stretch>
+          </p:blipFill>
+          <p:spPr>
+            <a:xfrm>
+              <a:off x="8149968" y="1423473"/>
+              <a:ext cx="4042032" cy="3155739"/>
+            </a:xfrm>
+            <a:prstGeom prst="rect">
+              <a:avLst/>
+            </a:prstGeom>
+          </p:spPr>
+        </p:pic>
+        <p:sp>
+          <p:nvSpPr>
+            <p:cNvPr id="2" name="TextBox 1">
+              <a:extLst>
+                <a:ext uri="{FF2B5EF4-FFF2-40B4-BE49-F238E27FC236}">
+                  <a16:creationId xmlns:a16="http://schemas.microsoft.com/office/drawing/2014/main" id="{0D363818-7BFD-9A72-E1BB-FCE7B53D0A00}"/>
+                </a:ext>
+              </a:extLst>
+            </p:cNvPr>
+            <p:cNvSpPr txBox="1"/>
+            <p:nvPr/>
+          </p:nvSpPr>
+          <p:spPr>
+            <a:xfrm>
+              <a:off x="9209974" y="4784827"/>
+              <a:ext cx="1783117" cy="369332"/>
+            </a:xfrm>
+            <a:prstGeom prst="rect">
+              <a:avLst/>
+            </a:prstGeom>
+            <a:noFill/>
+          </p:spPr>
+          <p:txBody>
+            <a:bodyPr wrap="none" rtlCol="0">
+              <a:spAutoFit/>
+            </a:bodyPr>
+            <a:lstStyle/>
+            <a:p>
+              <a:r>
+                <a:rPr lang="en-US" dirty="0"/>
+                <a:t>Clean-4 dataset</a:t>
+              </a:r>
+            </a:p>
+          </p:txBody>
+        </p:sp>
+      </p:grpSp>
+      <p:sp>
+        <p:nvSpPr>
+          <p:cNvPr id="6" name="Rectangle 5">
+            <a:extLst>
+              <a:ext uri="{FF2B5EF4-FFF2-40B4-BE49-F238E27FC236}">
+                <a16:creationId xmlns:a16="http://schemas.microsoft.com/office/drawing/2014/main" id="{14AFF784-48D6-D6CC-D5BC-709CAA57A15A}"/>
+              </a:ext>
+            </a:extLst>
+          </p:cNvPr>
+          <p:cNvSpPr/>
+          <p:nvPr/>
+        </p:nvSpPr>
+        <p:spPr>
+          <a:xfrm>
+            <a:off x="225042" y="1250828"/>
+            <a:ext cx="11895071" cy="362309"/>
+          </a:xfrm>
+          <a:prstGeom prst="rect">
+            <a:avLst/>
+          </a:prstGeom>
+          <a:solidFill>
+            <a:schemeClr val="bg1"/>
+          </a:solidFill>
+          <a:ln>
+            <a:noFill/>
+          </a:ln>
+        </p:spPr>
+        <p:style>
+          <a:lnRef idx="2">
+            <a:schemeClr val="accent1">
+              <a:shade val="15000"/>
+            </a:schemeClr>
+          </a:lnRef>
+          <a:fillRef idx="1">
+            <a:schemeClr val="accent1"/>
+          </a:fillRef>
+          <a:effectRef idx="0">
+            <a:schemeClr val="accent1"/>
+          </a:effectRef>
+          <a:fontRef idx="minor">
+            <a:schemeClr val="lt1"/>
+          </a:fontRef>
+        </p:style>
+        <p:txBody>
+          <a:bodyPr rtlCol="0" anchor="ctr"/>
+          <a:lstStyle/>
+          <a:p>
+            <a:pPr algn="ctr"/>
+            <a:endParaRPr lang="en-US" dirty="0"/>
+          </a:p>
+        </p:txBody>
+      </p:sp>
+      <p:sp>
+        <p:nvSpPr>
+          <p:cNvPr id="7" name="TextBox 6">
+            <a:extLst>
+              <a:ext uri="{FF2B5EF4-FFF2-40B4-BE49-F238E27FC236}">
+                <a16:creationId xmlns:a16="http://schemas.microsoft.com/office/drawing/2014/main" id="{E0FE2D7C-EC55-EBC4-8260-437AA46BC51F}"/>
+              </a:ext>
+            </a:extLst>
+          </p:cNvPr>
+          <p:cNvSpPr txBox="1"/>
+          <p:nvPr/>
+        </p:nvSpPr>
+        <p:spPr>
+          <a:xfrm>
+            <a:off x="221042" y="749637"/>
+            <a:ext cx="4885633" cy="369332"/>
+          </a:xfrm>
+          <a:prstGeom prst="rect">
+            <a:avLst/>
+          </a:prstGeom>
+          <a:noFill/>
+        </p:spPr>
+        <p:txBody>
+          <a:bodyPr wrap="none" rtlCol="0">
+            <a:spAutoFit/>
+          </a:bodyPr>
+          <a:lstStyle/>
+          <a:p>
+            <a:r>
+              <a:rPr lang="en-US" dirty="0"/>
+              <a:t>Relative variability of sequence data by position</a:t>
+            </a:r>
+          </a:p>
+        </p:txBody>
+      </p:sp>
+    </p:spTree>
+    <p:extLst>
+      <p:ext uri="{BB962C8B-B14F-4D97-AF65-F5344CB8AC3E}">
+        <p14:creationId xmlns:p14="http://schemas.microsoft.com/office/powerpoint/2010/main" val="32218150"/>
+      </p:ext>
+    </p:extLst>
+  </p:cSld>
+  <p:clrMapOvr>
+    <a:masterClrMapping/>
+  </p:clrMapOvr>
+</p:sld>
+</file>
+
+<file path=ppt/slides/slide50.xml><?xml version="1.0" encoding="utf-8"?>
 <p:sld xmlns:a="http://schemas.openxmlformats.org/drawingml/2006/main" xmlns:r="http://schemas.openxmlformats.org/officeDocument/2006/relationships" xmlns:p="http://schemas.openxmlformats.org/presentationml/2006/main">
   <p:cSld>
     <p:spTree>
@@ -35699,7 +38003,7 @@
 </p:sld>
 </file>
 
-<file path=ppt/slides/slide5.xml><?xml version="1.0" encoding="utf-8"?>
+<file path=ppt/slides/slide6.xml><?xml version="1.0" encoding="utf-8"?>
 <p:sld xmlns:a="http://schemas.openxmlformats.org/drawingml/2006/main" xmlns:r="http://schemas.openxmlformats.org/officeDocument/2006/relationships" xmlns:p="http://schemas.openxmlformats.org/presentationml/2006/main">
   <p:cSld>
     <p:spTree>
@@ -35731,7 +38035,7 @@
           <p:nvPr>
             <p:extLst>
               <p:ext uri="{D42A27DB-BD31-4B8C-83A1-F6EECF244321}">
-                <p14:modId xmlns:p14="http://schemas.microsoft.com/office/powerpoint/2010/main" val="1932237538"/>
+                <p14:modId xmlns:p14="http://schemas.microsoft.com/office/powerpoint/2010/main" val="4207181676"/>
               </p:ext>
             </p:extLst>
           </p:nvPr>
@@ -35880,7 +38184,7 @@
                       </a:pPr>
                       <a:r>
                         <a:rPr lang="en-US" dirty="0"/>
-                        <a:t>Training Set (clean-3)</a:t>
+                        <a:t>Training Set (clean-1)</a:t>
                       </a:r>
                     </a:p>
                   </a:txBody>
@@ -35980,7 +38284,7 @@
                         <a:rPr lang="en-US" sz="1800" b="0" dirty="0">
                           <a:effectLst/>
                         </a:rPr>
-                        <a:t>9302</a:t>
+                        <a:t>29199</a:t>
                       </a:r>
                       <a:endParaRPr lang="en-US" dirty="0"/>
                     </a:p>
@@ -36174,7 +38478,7 @@
 </p:sld>
 </file>
 
-<file path=ppt/slides/slide6.xml><?xml version="1.0" encoding="utf-8"?>
+<file path=ppt/slides/slide7.xml><?xml version="1.0" encoding="utf-8"?>
 <p:sld xmlns:a="http://schemas.openxmlformats.org/drawingml/2006/main" xmlns:r="http://schemas.openxmlformats.org/officeDocument/2006/relationships" xmlns:p="http://schemas.openxmlformats.org/presentationml/2006/main">
   <p:cSld>
     <p:spTree>
@@ -36241,7 +38545,7 @@
         <p:spPr>
           <a:xfrm>
             <a:off x="1235381" y="1526748"/>
-            <a:ext cx="9487253" cy="3293209"/>
+            <a:ext cx="9487253" cy="4278094"/>
           </a:xfrm>
           <a:prstGeom prst="rect">
             <a:avLst/>
@@ -36327,8 +38631,8 @@
               <a:buChar char="•"/>
             </a:pPr>
             <a:r>
-              <a:rPr lang="en-US" sz="1600" dirty="0"/>
-              <a:t>I did not have time to try this; I think this would be interesting</a:t>
+              <a:rPr lang="en-US" sz="1600" b="1" dirty="0"/>
+              <a:t>I did not have time to try this</a:t>
             </a:r>
           </a:p>
           <a:p>
@@ -36396,6 +38700,48 @@
               <a:t>etc</a:t>
             </a:r>
             <a:endParaRPr lang="en-US" sz="1600" dirty="0"/>
+          </a:p>
+          <a:p>
+            <a:pPr marL="285750" indent="-285750">
+              <a:buFont typeface="Arial" panose="020B0604020202020204" pitchFamily="34" charset="0"/>
+              <a:buChar char="•"/>
+            </a:pPr>
+            <a:endParaRPr lang="en-US" sz="1600" dirty="0"/>
+          </a:p>
+          <a:p>
+            <a:pPr marL="285750" indent="-285750">
+              <a:buFont typeface="Arial" panose="020B0604020202020204" pitchFamily="34" charset="0"/>
+              <a:buChar char="•"/>
+            </a:pPr>
+            <a:r>
+              <a:rPr lang="en-US" sz="1600" dirty="0"/>
+              <a:t>Checkpoints saved based on best </a:t>
+            </a:r>
+            <a:r>
+              <a:rPr lang="en-US" sz="1600" dirty="0" err="1"/>
+              <a:t>val</a:t>
+            </a:r>
+            <a:r>
+              <a:rPr lang="en-US" sz="1600" dirty="0"/>
+              <a:t> loss</a:t>
+            </a:r>
+          </a:p>
+          <a:p>
+            <a:pPr marL="285750" indent="-285750">
+              <a:buFont typeface="Arial" panose="020B0604020202020204" pitchFamily="34" charset="0"/>
+              <a:buChar char="•"/>
+            </a:pPr>
+            <a:endParaRPr lang="en-US" sz="1600" dirty="0"/>
+          </a:p>
+          <a:p>
+            <a:pPr marL="285750" indent="-285750">
+              <a:buFont typeface="Arial" panose="020B0604020202020204" pitchFamily="34" charset="0"/>
+              <a:buChar char="•"/>
+            </a:pPr>
+            <a:r>
+              <a:rPr lang="en-US" sz="1600" dirty="0"/>
+              <a:t>Early stopping where noted</a:t>
+            </a:r>
           </a:p>
         </p:txBody>
       </p:sp>
@@ -36414,7 +38760,7 @@
         <p:spPr>
           <a:xfrm>
             <a:off x="146649" y="809929"/>
-            <a:ext cx="6648038" cy="369332"/>
+            <a:ext cx="5863400" cy="369332"/>
           </a:xfrm>
           <a:prstGeom prst="rect">
             <a:avLst/>
@@ -36429,7 +38775,7 @@
           <a:p>
             <a:r>
               <a:rPr lang="en-US" sz="1800" dirty="0"/>
-              <a:t>These cleaned datasets are small with increased risk of overfitting</a:t>
+              <a:t>Clean-3b dataset is small with increased risk of overfitting</a:t>
             </a:r>
             <a:endParaRPr lang="en-US" dirty="0"/>
           </a:p>
@@ -36448,7 +38794,7 @@
 </p:sld>
 </file>
 
-<file path=ppt/slides/slide7.xml><?xml version="1.0" encoding="utf-8"?>
+<file path=ppt/slides/slide8.xml><?xml version="1.0" encoding="utf-8"?>
 <p:sld xmlns:a="http://schemas.openxmlformats.org/drawingml/2006/main" xmlns:r="http://schemas.openxmlformats.org/officeDocument/2006/relationships" xmlns:p="http://schemas.openxmlformats.org/presentationml/2006/main">
   <p:cSld>
     <p:spTree>
@@ -36480,7 +38826,7 @@
         <p:spPr>
           <a:xfrm>
             <a:off x="174038" y="52508"/>
-            <a:ext cx="5217582" cy="461665"/>
+            <a:ext cx="5858720" cy="461665"/>
           </a:xfrm>
           <a:prstGeom prst="rect">
             <a:avLst/>
@@ -36495,7 +38841,7 @@
           <a:p>
             <a:r>
               <a:rPr lang="en-US" sz="2400" dirty="0"/>
-              <a:t>Model architectures used in this study</a:t>
+              <a:t>Model architectures examined in this study</a:t>
             </a:r>
           </a:p>
         </p:txBody>
@@ -36514,7 +38860,7 @@
         </p:nvGrpSpPr>
         <p:grpSpPr>
           <a:xfrm>
-            <a:off x="1701357" y="1023522"/>
+            <a:off x="1976442" y="1034481"/>
             <a:ext cx="1492151" cy="1778180"/>
             <a:chOff x="4588256" y="503764"/>
             <a:chExt cx="1492151" cy="1778180"/>
@@ -36600,10 +38946,10 @@
         </p:nvGrpSpPr>
         <p:grpSpPr>
           <a:xfrm>
-            <a:off x="4049537" y="1165590"/>
-            <a:ext cx="2627479" cy="1578043"/>
-            <a:chOff x="9061555" y="703901"/>
-            <a:chExt cx="2627479" cy="1578043"/>
+            <a:off x="6443742" y="1223659"/>
+            <a:ext cx="3747693" cy="1578043"/>
+            <a:chOff x="8663294" y="703901"/>
+            <a:chExt cx="3747693" cy="1578043"/>
           </a:xfrm>
         </p:grpSpPr>
         <p:sp>
@@ -36620,8 +38966,8 @@
           </p:nvSpPr>
           <p:spPr>
             <a:xfrm>
-              <a:off x="9724343" y="1912612"/>
-              <a:ext cx="1531188" cy="369332"/>
+              <a:off x="8663294" y="1912612"/>
+              <a:ext cx="3747693" cy="369332"/>
             </a:xfrm>
             <a:prstGeom prst="rect">
               <a:avLst/>
@@ -36636,7 +38982,7 @@
             <a:p>
               <a:r>
                 <a:rPr lang="en-US" dirty="0"/>
-                <a:t>Residual MLP</a:t>
+                <a:t>Residual MLP (as a regression head)</a:t>
               </a:r>
             </a:p>
           </p:txBody>
@@ -37029,71 +39375,6 @@
           </a:prstGeom>
         </p:spPr>
       </p:pic>
-      <p:pic>
-        <p:nvPicPr>
-          <p:cNvPr id="36" name="Picture 35">
-            <a:extLst>
-              <a:ext uri="{FF2B5EF4-FFF2-40B4-BE49-F238E27FC236}">
-                <a16:creationId xmlns:a16="http://schemas.microsoft.com/office/drawing/2014/main" id="{5A58869A-66AA-2E04-F746-F3C39B34193B}"/>
-              </a:ext>
-            </a:extLst>
-          </p:cNvPr>
-          <p:cNvPicPr>
-            <a:picLocks noChangeAspect="1"/>
-          </p:cNvPicPr>
-          <p:nvPr/>
-        </p:nvPicPr>
-        <p:blipFill>
-          <a:blip r:embed="rId7"/>
-          <a:stretch>
-            <a:fillRect/>
-          </a:stretch>
-        </p:blipFill>
-        <p:spPr>
-          <a:xfrm>
-            <a:off x="8998494" y="514173"/>
-            <a:ext cx="945602" cy="2100843"/>
-          </a:xfrm>
-          <a:prstGeom prst="rect">
-            <a:avLst/>
-          </a:prstGeom>
-        </p:spPr>
-      </p:pic>
-      <p:sp>
-        <p:nvSpPr>
-          <p:cNvPr id="37" name="TextBox 36">
-            <a:extLst>
-              <a:ext uri="{FF2B5EF4-FFF2-40B4-BE49-F238E27FC236}">
-                <a16:creationId xmlns:a16="http://schemas.microsoft.com/office/drawing/2014/main" id="{690AA35A-C00E-6A49-F6DF-7A19B1FEA233}"/>
-              </a:ext>
-            </a:extLst>
-          </p:cNvPr>
-          <p:cNvSpPr txBox="1"/>
-          <p:nvPr/>
-        </p:nvSpPr>
-        <p:spPr>
-          <a:xfrm>
-            <a:off x="7908431" y="2638710"/>
-            <a:ext cx="3125727" cy="369332"/>
-          </a:xfrm>
-          <a:prstGeom prst="rect">
-            <a:avLst/>
-          </a:prstGeom>
-          <a:noFill/>
-        </p:spPr>
-        <p:txBody>
-          <a:bodyPr wrap="none" rtlCol="0">
-            <a:spAutoFit/>
-          </a:bodyPr>
-          <a:lstStyle/>
-          <a:p>
-            <a:r>
-              <a:rPr lang="en-US" dirty="0"/>
-              <a:t>Models that use Transformers</a:t>
-            </a:r>
-          </a:p>
-        </p:txBody>
-      </p:sp>
     </p:spTree>
     <p:extLst>
       <p:ext uri="{BB962C8B-B14F-4D97-AF65-F5344CB8AC3E}">
@@ -37107,7 +39388,7 @@
 </p:sld>
 </file>
 
-<file path=ppt/slides/slide8.xml><?xml version="1.0" encoding="utf-8"?>
+<file path=ppt/slides/slide9.xml><?xml version="1.0" encoding="utf-8"?>
 <p:sld xmlns:a="http://schemas.openxmlformats.org/drawingml/2006/main" xmlns:r="http://schemas.openxmlformats.org/officeDocument/2006/relationships" xmlns:p="http://schemas.openxmlformats.org/presentationml/2006/main">
   <p:cSld>
     <p:spTree>
@@ -37146,7 +39427,7 @@
         </p:blipFill>
         <p:spPr>
           <a:xfrm>
-            <a:off x="729622" y="4521835"/>
+            <a:off x="2101222" y="3376534"/>
             <a:ext cx="1910062" cy="1900879"/>
           </a:xfrm>
           <a:prstGeom prst="rect">
@@ -37154,49 +39435,6 @@
           </a:prstGeom>
         </p:spPr>
       </p:pic>
-      <p:sp>
-        <p:nvSpPr>
-          <p:cNvPr id="7" name="TextBox 6">
-            <a:extLst>
-              <a:ext uri="{FF2B5EF4-FFF2-40B4-BE49-F238E27FC236}">
-                <a16:creationId xmlns:a16="http://schemas.microsoft.com/office/drawing/2014/main" id="{B46F76B6-E938-FE65-CE90-2F5BDE5886EB}"/>
-              </a:ext>
-            </a:extLst>
-          </p:cNvPr>
-          <p:cNvSpPr txBox="1"/>
-          <p:nvPr/>
-        </p:nvSpPr>
-        <p:spPr>
-          <a:xfrm>
-            <a:off x="640464" y="665975"/>
-            <a:ext cx="5242333" cy="369332"/>
-          </a:xfrm>
-          <a:prstGeom prst="rect">
-            <a:avLst/>
-          </a:prstGeom>
-          <a:noFill/>
-        </p:spPr>
-        <p:txBody>
-          <a:bodyPr wrap="none" rtlCol="0">
-            <a:spAutoFit/>
-          </a:bodyPr>
-          <a:lstStyle/>
-          <a:p>
-            <a:r>
-              <a:rPr lang="en-US" dirty="0"/>
-              <a:t>Convert the </a:t>
-            </a:r>
-            <a:r>
-              <a:rPr lang="en-US" dirty="0" err="1"/>
-              <a:t>scFv</a:t>
-            </a:r>
-            <a:r>
-              <a:rPr lang="en-US" dirty="0"/>
-              <a:t> sequences into 1-channel images</a:t>
-            </a:r>
-          </a:p>
-        </p:txBody>
-      </p:sp>
       <p:grpSp>
         <p:nvGrpSpPr>
           <p:cNvPr id="28" name="Group 27">
@@ -37211,10 +39449,10 @@
         </p:nvGrpSpPr>
         <p:grpSpPr>
           <a:xfrm>
-            <a:off x="1389781" y="1500998"/>
-            <a:ext cx="9213091" cy="1751514"/>
-            <a:chOff x="1389781" y="992037"/>
-            <a:chExt cx="9213091" cy="1751514"/>
+            <a:off x="2381819" y="1300647"/>
+            <a:ext cx="8032904" cy="1214715"/>
+            <a:chOff x="1389781" y="980476"/>
+            <a:chExt cx="8032904" cy="1214715"/>
           </a:xfrm>
         </p:grpSpPr>
         <p:sp>
@@ -37232,7 +39470,7 @@
           <p:spPr>
             <a:xfrm>
               <a:off x="1389781" y="992038"/>
-              <a:ext cx="4234942" cy="369332"/>
+              <a:ext cx="3754489" cy="338554"/>
             </a:xfrm>
             <a:prstGeom prst="rect">
               <a:avLst/>
@@ -37246,16 +39484,16 @@
             <a:lstStyle/>
             <a:p>
               <a:r>
-                <a:rPr lang="en-US" dirty="0"/>
+                <a:rPr lang="en-US" sz="1600" dirty="0"/>
                 <a:t>aa sequence: </a:t>
               </a:r>
               <a:r>
-                <a:rPr lang="en-US" b="0" i="0" dirty="0">
+                <a:rPr lang="en-US" sz="1600" b="0" i="0" dirty="0">
                   <a:effectLst/>
                 </a:rPr>
                 <a:t> ['CLS', 'Q', 'V', 'Q', 'L', 'V', ‘Q]</a:t>
               </a:r>
-              <a:endParaRPr lang="en-US" dirty="0"/>
+              <a:endParaRPr lang="en-US" sz="1600" dirty="0"/>
             </a:p>
           </p:txBody>
         </p:sp>
@@ -37273,8 +39511,8 @@
           </p:nvSpPr>
           <p:spPr>
             <a:xfrm>
-              <a:off x="1389781" y="1683491"/>
-              <a:ext cx="3746538" cy="369332"/>
+              <a:off x="1389781" y="1450583"/>
+              <a:ext cx="3252814" cy="338554"/>
             </a:xfrm>
             <a:prstGeom prst="rect">
               <a:avLst/>
@@ -37288,16 +39526,16 @@
             <a:lstStyle/>
             <a:p>
               <a:r>
-                <a:rPr lang="en-US" dirty="0"/>
+                <a:rPr lang="en-US" sz="1600" dirty="0"/>
                 <a:t>encoded: </a:t>
               </a:r>
               <a:r>
-                <a:rPr lang="en-US" b="0" i="0" dirty="0">
+                <a:rPr lang="en-US" sz="1600" b="0" i="0" dirty="0">
                   <a:effectLst/>
                 </a:rPr>
                 <a:t>[ 0, 14, 18, 14, 10, 18, 14]</a:t>
               </a:r>
-              <a:endParaRPr lang="en-US" dirty="0"/>
+              <a:endParaRPr lang="en-US" sz="1600" dirty="0"/>
             </a:p>
           </p:txBody>
         </p:sp>
@@ -37315,8 +39553,8 @@
           </p:nvSpPr>
           <p:spPr>
             <a:xfrm>
-              <a:off x="1389781" y="2374219"/>
-              <a:ext cx="6900351" cy="369332"/>
+              <a:off x="1389781" y="1856637"/>
+              <a:ext cx="6148927" cy="338554"/>
             </a:xfrm>
             <a:prstGeom prst="rect">
               <a:avLst/>
@@ -37330,12 +39568,12 @@
             <a:lstStyle/>
             <a:p>
               <a:r>
-                <a:rPr lang="en-US" b="0" i="0" dirty="0">
+                <a:rPr lang="en-US" sz="1600" b="0" i="0" dirty="0">
                   <a:effectLst/>
                 </a:rPr>
                 <a:t>binary: [00000000000011010001001000…]    (using 8-bits per token)</a:t>
               </a:r>
-              <a:endParaRPr lang="en-US" dirty="0"/>
+              <a:endParaRPr lang="en-US" sz="1600" dirty="0"/>
             </a:p>
           </p:txBody>
         </p:sp>
@@ -37357,8 +39595,8 @@
           </p:nvCxnSpPr>
           <p:spPr>
             <a:xfrm rot="10800000" flipV="1">
-              <a:off x="1389781" y="1176703"/>
-              <a:ext cx="12700" cy="691453"/>
+              <a:off x="1389781" y="1161314"/>
+              <a:ext cx="12700" cy="458545"/>
             </a:xfrm>
             <a:prstGeom prst="curvedConnector3">
               <a:avLst>
@@ -37402,8 +39640,8 @@
           </p:nvCxnSpPr>
           <p:spPr>
             <a:xfrm rot="10800000" flipV="1">
-              <a:off x="1389781" y="1868157"/>
-              <a:ext cx="12700" cy="690728"/>
+              <a:off x="1389781" y="1619860"/>
+              <a:ext cx="12700" cy="406054"/>
             </a:xfrm>
             <a:prstGeom prst="curvedConnector3">
               <a:avLst>
@@ -37443,8 +39681,8 @@
           </p:nvSpPr>
           <p:spPr>
             <a:xfrm>
-              <a:off x="5815856" y="992037"/>
-              <a:ext cx="4787016" cy="369332"/>
+              <a:off x="5144270" y="980476"/>
+              <a:ext cx="4278415" cy="338554"/>
             </a:xfrm>
             <a:prstGeom prst="rect">
               <a:avLst/>
@@ -37458,15 +39696,15 @@
             <a:lstStyle/>
             <a:p>
               <a:r>
-                <a:rPr lang="en-US" dirty="0"/>
+                <a:rPr lang="en-US" sz="1600" dirty="0"/>
                 <a:t>(use </a:t>
               </a:r>
               <a:r>
-                <a:rPr lang="en-US" dirty="0" err="1"/>
+                <a:rPr lang="en-US" sz="1600" dirty="0" err="1"/>
                 <a:t>block_size</a:t>
               </a:r>
               <a:r>
-                <a:rPr lang="en-US" dirty="0"/>
+                <a:rPr lang="en-US" sz="1600" dirty="0"/>
                 <a:t> = 241 (drop the last 5 residues)</a:t>
               </a:r>
             </a:p>
@@ -37484,14 +39722,13 @@
           </p:cNvPr>
           <p:cNvCxnSpPr>
             <a:cxnSpLocks/>
-            <a:endCxn id="2" idx="0"/>
           </p:cNvCxnSpPr>
           <p:nvPr/>
         </p:nvCxnSpPr>
         <p:spPr>
           <a:xfrm>
-            <a:off x="1684653" y="3252512"/>
-            <a:ext cx="0" cy="1269323"/>
+            <a:off x="3056253" y="2716306"/>
+            <a:ext cx="0" cy="427316"/>
           </a:xfrm>
           <a:prstGeom prst="straightConnector1">
             <a:avLst/>
@@ -37529,8 +39766,8 @@
         </p:nvSpPr>
         <p:spPr>
           <a:xfrm>
-            <a:off x="1839927" y="3686811"/>
-            <a:ext cx="5412700" cy="369332"/>
+            <a:off x="3125603" y="2693097"/>
+            <a:ext cx="1989712" cy="369332"/>
           </a:xfrm>
           <a:prstGeom prst="rect">
             <a:avLst/>
@@ -37545,47 +39782,9 @@
           <a:p>
             <a:r>
               <a:rPr lang="en-US" dirty="0"/>
-              <a:t>reshape: (1,44,44) </a:t>
-            </a:r>
-            <a:r>
-              <a:rPr lang="en-US" sz="1400" dirty="0"/>
-              <a:t>(after trimming off trailing 4 bits from above)</a:t>
-            </a:r>
-          </a:p>
-        </p:txBody>
-      </p:sp>
-      <p:sp>
-        <p:nvSpPr>
-          <p:cNvPr id="26" name="TextBox 25">
-            <a:extLst>
-              <a:ext uri="{FF2B5EF4-FFF2-40B4-BE49-F238E27FC236}">
-                <a16:creationId xmlns:a16="http://schemas.microsoft.com/office/drawing/2014/main" id="{6C423AA7-8846-61D8-5D84-61D9DFC52729}"/>
-              </a:ext>
-            </a:extLst>
-          </p:cNvPr>
-          <p:cNvSpPr txBox="1"/>
-          <p:nvPr/>
-        </p:nvSpPr>
-        <p:spPr>
-          <a:xfrm>
-            <a:off x="2835492" y="5172335"/>
-            <a:ext cx="5472075" cy="369332"/>
-          </a:xfrm>
-          <a:prstGeom prst="rect">
-            <a:avLst/>
-          </a:prstGeom>
-          <a:noFill/>
-        </p:spPr>
-        <p:txBody>
-          <a:bodyPr wrap="none" rtlCol="0">
-            <a:spAutoFit/>
-          </a:bodyPr>
-          <a:lstStyle/>
-          <a:p>
-            <a:r>
-              <a:rPr lang="en-US" dirty="0"/>
-              <a:t>Vision Transformer regression model on these images</a:t>
-            </a:r>
+              <a:t>reshape: (1,44,44)</a:t>
+            </a:r>
+            <a:endParaRPr lang="en-US" sz="1400" dirty="0"/>
           </a:p>
         </p:txBody>
       </p:sp>
@@ -37604,7 +39803,7 @@
         <p:spPr>
           <a:xfrm>
             <a:off x="173866" y="154242"/>
-            <a:ext cx="5241820" cy="461665"/>
+            <a:ext cx="5092741" cy="461665"/>
           </a:xfrm>
           <a:prstGeom prst="rect">
             <a:avLst/>
@@ -37619,7 +39818,7 @@
           <a:p>
             <a:r>
               <a:rPr lang="en-US" sz="2400" dirty="0"/>
-              <a:t>Vision Transformer:  1-channel images</a:t>
+              <a:t>Vision Transformer:  1-channel image</a:t>
             </a:r>
           </a:p>
         </p:txBody>
@@ -37628,502 +39827,6 @@
     <p:extLst>
       <p:ext uri="{BB962C8B-B14F-4D97-AF65-F5344CB8AC3E}">
         <p14:creationId xmlns:p14="http://schemas.microsoft.com/office/powerpoint/2010/main" val="658684484"/>
-      </p:ext>
-    </p:extLst>
-  </p:cSld>
-  <p:clrMapOvr>
-    <a:masterClrMapping/>
-  </p:clrMapOvr>
-</p:sld>
-</file>
-
-<file path=ppt/slides/slide9.xml><?xml version="1.0" encoding="utf-8"?>
-<p:sld xmlns:a="http://schemas.openxmlformats.org/drawingml/2006/main" xmlns:r="http://schemas.openxmlformats.org/officeDocument/2006/relationships" xmlns:p="http://schemas.openxmlformats.org/presentationml/2006/main">
-  <p:cSld>
-    <p:spTree>
-      <p:nvGrpSpPr>
-        <p:cNvPr id="1" name=""/>
-        <p:cNvGrpSpPr/>
-        <p:nvPr/>
-      </p:nvGrpSpPr>
-      <p:grpSpPr>
-        <a:xfrm>
-          <a:off x="0" y="0"/>
-          <a:ext cx="0" cy="0"/>
-          <a:chOff x="0" y="0"/>
-          <a:chExt cx="0" cy="0"/>
-        </a:xfrm>
-      </p:grpSpPr>
-      <p:pic>
-        <p:nvPicPr>
-          <p:cNvPr id="2" name="Picture 1">
-            <a:extLst>
-              <a:ext uri="{FF2B5EF4-FFF2-40B4-BE49-F238E27FC236}">
-                <a16:creationId xmlns:a16="http://schemas.microsoft.com/office/drawing/2014/main" id="{F41556B3-511A-1108-A537-E6FFA6435178}"/>
-              </a:ext>
-            </a:extLst>
-          </p:cNvPr>
-          <p:cNvPicPr>
-            <a:picLocks noChangeAspect="1"/>
-          </p:cNvPicPr>
-          <p:nvPr/>
-        </p:nvPicPr>
-        <p:blipFill>
-          <a:blip r:embed="rId2"/>
-          <a:stretch>
-            <a:fillRect/>
-          </a:stretch>
-        </p:blipFill>
-        <p:spPr>
-          <a:xfrm>
-            <a:off x="8975385" y="1071086"/>
-            <a:ext cx="2275571" cy="2264631"/>
-          </a:xfrm>
-          <a:prstGeom prst="rect">
-            <a:avLst/>
-          </a:prstGeom>
-        </p:spPr>
-      </p:pic>
-      <p:sp>
-        <p:nvSpPr>
-          <p:cNvPr id="4" name="TextBox 3">
-            <a:extLst>
-              <a:ext uri="{FF2B5EF4-FFF2-40B4-BE49-F238E27FC236}">
-                <a16:creationId xmlns:a16="http://schemas.microsoft.com/office/drawing/2014/main" id="{4DBE238F-C3BA-58E7-0749-02517CDFE9F8}"/>
-              </a:ext>
-            </a:extLst>
-          </p:cNvPr>
-          <p:cNvSpPr txBox="1"/>
-          <p:nvPr/>
-        </p:nvSpPr>
-        <p:spPr>
-          <a:xfrm>
-            <a:off x="447619" y="3465992"/>
-            <a:ext cx="1964063" cy="923330"/>
-          </a:xfrm>
-          <a:prstGeom prst="rect">
-            <a:avLst/>
-          </a:prstGeom>
-          <a:noFill/>
-        </p:spPr>
-        <p:txBody>
-          <a:bodyPr wrap="none" rtlCol="0">
-            <a:spAutoFit/>
-          </a:bodyPr>
-          <a:lstStyle/>
-          <a:p>
-            <a:pPr algn="ctr"/>
-            <a:r>
-              <a:rPr lang="en-US" dirty="0"/>
-              <a:t>channel 1</a:t>
-            </a:r>
-          </a:p>
-          <a:p>
-            <a:pPr algn="ctr"/>
-            <a:endParaRPr lang="en-US" dirty="0"/>
-          </a:p>
-          <a:p>
-            <a:pPr algn="ctr"/>
-            <a:r>
-              <a:rPr lang="en-US" dirty="0"/>
-              <a:t>encoded residues</a:t>
-            </a:r>
-          </a:p>
-        </p:txBody>
-      </p:sp>
-      <p:sp>
-        <p:nvSpPr>
-          <p:cNvPr id="6" name="TextBox 5">
-            <a:extLst>
-              <a:ext uri="{FF2B5EF4-FFF2-40B4-BE49-F238E27FC236}">
-                <a16:creationId xmlns:a16="http://schemas.microsoft.com/office/drawing/2014/main" id="{B5791715-B936-C6EE-40A8-5CFB15D58B80}"/>
-              </a:ext>
-            </a:extLst>
-          </p:cNvPr>
-          <p:cNvSpPr txBox="1"/>
-          <p:nvPr/>
-        </p:nvSpPr>
-        <p:spPr>
-          <a:xfrm>
-            <a:off x="3321008" y="3465990"/>
-            <a:ext cx="1447832" cy="2031325"/>
-          </a:xfrm>
-          <a:prstGeom prst="rect">
-            <a:avLst/>
-          </a:prstGeom>
-          <a:noFill/>
-        </p:spPr>
-        <p:txBody>
-          <a:bodyPr wrap="none" rtlCol="0">
-            <a:spAutoFit/>
-          </a:bodyPr>
-          <a:lstStyle/>
-          <a:p>
-            <a:pPr algn="ctr"/>
-            <a:r>
-              <a:rPr lang="en-US" dirty="0"/>
-              <a:t>channel 2</a:t>
-            </a:r>
-          </a:p>
-          <a:p>
-            <a:pPr algn="ctr"/>
-            <a:endParaRPr lang="en-US" dirty="0"/>
-          </a:p>
-          <a:p>
-            <a:r>
-              <a:rPr lang="en-US" dirty="0"/>
-              <a:t>aa groups</a:t>
-            </a:r>
-          </a:p>
-          <a:p>
-            <a:pPr marL="285750" indent="-285750">
-              <a:buFont typeface="Arial" panose="020B0604020202020204" pitchFamily="34" charset="0"/>
-              <a:buChar char="•"/>
-            </a:pPr>
-            <a:r>
-              <a:rPr lang="en-US" dirty="0"/>
-              <a:t>polar</a:t>
-            </a:r>
-          </a:p>
-          <a:p>
-            <a:pPr marL="285750" indent="-285750">
-              <a:buFont typeface="Arial" panose="020B0604020202020204" pitchFamily="34" charset="0"/>
-              <a:buChar char="•"/>
-            </a:pPr>
-            <a:r>
-              <a:rPr lang="en-US" dirty="0"/>
-              <a:t>non-polar</a:t>
-            </a:r>
-          </a:p>
-          <a:p>
-            <a:pPr marL="285750" indent="-285750">
-              <a:buFont typeface="Arial" panose="020B0604020202020204" pitchFamily="34" charset="0"/>
-              <a:buChar char="•"/>
-            </a:pPr>
-            <a:r>
-              <a:rPr lang="en-US" dirty="0"/>
-              <a:t>neg </a:t>
-            </a:r>
-            <a:r>
-              <a:rPr lang="en-US" dirty="0" err="1"/>
-              <a:t>chg</a:t>
-            </a:r>
-            <a:endParaRPr lang="en-US" dirty="0"/>
-          </a:p>
-          <a:p>
-            <a:pPr marL="285750" indent="-285750">
-              <a:buFont typeface="Arial" panose="020B0604020202020204" pitchFamily="34" charset="0"/>
-              <a:buChar char="•"/>
-            </a:pPr>
-            <a:r>
-              <a:rPr lang="en-US" dirty="0"/>
-              <a:t>pos </a:t>
-            </a:r>
-            <a:r>
-              <a:rPr lang="en-US" dirty="0" err="1"/>
-              <a:t>chg</a:t>
-            </a:r>
-            <a:endParaRPr lang="en-US" dirty="0"/>
-          </a:p>
-        </p:txBody>
-      </p:sp>
-      <p:sp>
-        <p:nvSpPr>
-          <p:cNvPr id="7" name="TextBox 6">
-            <a:extLst>
-              <a:ext uri="{FF2B5EF4-FFF2-40B4-BE49-F238E27FC236}">
-                <a16:creationId xmlns:a16="http://schemas.microsoft.com/office/drawing/2014/main" id="{BA1FFDD6-EB5B-1503-DD87-15B6AB8443C4}"/>
-              </a:ext>
-            </a:extLst>
-          </p:cNvPr>
-          <p:cNvSpPr txBox="1"/>
-          <p:nvPr/>
-        </p:nvSpPr>
-        <p:spPr>
-          <a:xfrm>
-            <a:off x="6060733" y="3465989"/>
-            <a:ext cx="1600438" cy="923330"/>
-          </a:xfrm>
-          <a:prstGeom prst="rect">
-            <a:avLst/>
-          </a:prstGeom>
-          <a:noFill/>
-        </p:spPr>
-        <p:txBody>
-          <a:bodyPr wrap="none" rtlCol="0">
-            <a:spAutoFit/>
-          </a:bodyPr>
-          <a:lstStyle/>
-          <a:p>
-            <a:pPr algn="ctr"/>
-            <a:r>
-              <a:rPr lang="en-US" dirty="0"/>
-              <a:t>channel 3</a:t>
-            </a:r>
-          </a:p>
-          <a:p>
-            <a:pPr algn="ctr"/>
-            <a:endParaRPr lang="en-US" dirty="0"/>
-          </a:p>
-          <a:p>
-            <a:pPr algn="ctr"/>
-            <a:r>
-              <a:rPr lang="en-US" dirty="0"/>
-              <a:t>mutation </a:t>
-            </a:r>
-            <a:r>
-              <a:rPr lang="en-US" dirty="0" err="1"/>
-              <a:t>freq</a:t>
-            </a:r>
-            <a:r>
-              <a:rPr lang="en-US" b="1" baseline="30000" dirty="0"/>
-              <a:t>*</a:t>
-            </a:r>
-            <a:endParaRPr lang="en-US" b="1" dirty="0"/>
-          </a:p>
-        </p:txBody>
-      </p:sp>
-      <p:pic>
-        <p:nvPicPr>
-          <p:cNvPr id="9" name="Picture 8">
-            <a:extLst>
-              <a:ext uri="{FF2B5EF4-FFF2-40B4-BE49-F238E27FC236}">
-                <a16:creationId xmlns:a16="http://schemas.microsoft.com/office/drawing/2014/main" id="{5ADA95F7-51C3-4963-3557-3A15D5C5E97C}"/>
-              </a:ext>
-            </a:extLst>
-          </p:cNvPr>
-          <p:cNvPicPr>
-            <a:picLocks noChangeAspect="1"/>
-          </p:cNvPicPr>
-          <p:nvPr/>
-        </p:nvPicPr>
-        <p:blipFill>
-          <a:blip r:embed="rId3"/>
-          <a:stretch>
-            <a:fillRect/>
-          </a:stretch>
-        </p:blipFill>
-        <p:spPr>
-          <a:xfrm>
-            <a:off x="5637841" y="1071086"/>
-            <a:ext cx="2275571" cy="2264631"/>
-          </a:xfrm>
-          <a:prstGeom prst="rect">
-            <a:avLst/>
-          </a:prstGeom>
-        </p:spPr>
-      </p:pic>
-      <p:pic>
-        <p:nvPicPr>
-          <p:cNvPr id="10" name="Picture 9">
-            <a:extLst>
-              <a:ext uri="{FF2B5EF4-FFF2-40B4-BE49-F238E27FC236}">
-                <a16:creationId xmlns:a16="http://schemas.microsoft.com/office/drawing/2014/main" id="{B4342BE6-AE39-4D56-384E-FDD9DA4B3DE0}"/>
-              </a:ext>
-            </a:extLst>
-          </p:cNvPr>
-          <p:cNvPicPr>
-            <a:picLocks noChangeAspect="1"/>
-          </p:cNvPicPr>
-          <p:nvPr/>
-        </p:nvPicPr>
-        <p:blipFill>
-          <a:blip r:embed="rId4"/>
-          <a:stretch>
-            <a:fillRect/>
-          </a:stretch>
-        </p:blipFill>
-        <p:spPr>
-          <a:xfrm>
-            <a:off x="2907139" y="1071086"/>
-            <a:ext cx="2275571" cy="2264631"/>
-          </a:xfrm>
-          <a:prstGeom prst="rect">
-            <a:avLst/>
-          </a:prstGeom>
-        </p:spPr>
-      </p:pic>
-      <p:cxnSp>
-        <p:nvCxnSpPr>
-          <p:cNvPr id="12" name="Straight Arrow Connector 11">
-            <a:extLst>
-              <a:ext uri="{FF2B5EF4-FFF2-40B4-BE49-F238E27FC236}">
-                <a16:creationId xmlns:a16="http://schemas.microsoft.com/office/drawing/2014/main" id="{6C3D954F-79F3-1EB0-1683-CBEE21150551}"/>
-              </a:ext>
-            </a:extLst>
-          </p:cNvPr>
-          <p:cNvCxnSpPr>
-            <a:cxnSpLocks/>
-            <a:stCxn id="9" idx="3"/>
-            <a:endCxn id="2" idx="1"/>
-          </p:cNvCxnSpPr>
-          <p:nvPr/>
-        </p:nvCxnSpPr>
-        <p:spPr>
-          <a:xfrm>
-            <a:off x="7913412" y="2203402"/>
-            <a:ext cx="1061973" cy="0"/>
-          </a:xfrm>
-          <a:prstGeom prst="straightConnector1">
-            <a:avLst/>
-          </a:prstGeom>
-          <a:ln w="31750">
-            <a:tailEnd type="triangle"/>
-          </a:ln>
-        </p:spPr>
-        <p:style>
-          <a:lnRef idx="2">
-            <a:schemeClr val="accent1"/>
-          </a:lnRef>
-          <a:fillRef idx="0">
-            <a:schemeClr val="accent1"/>
-          </a:fillRef>
-          <a:effectRef idx="1">
-            <a:schemeClr val="accent1"/>
-          </a:effectRef>
-          <a:fontRef idx="minor">
-            <a:schemeClr val="tx1"/>
-          </a:fontRef>
-        </p:style>
-      </p:cxnSp>
-      <p:pic>
-        <p:nvPicPr>
-          <p:cNvPr id="15" name="Picture 14">
-            <a:extLst>
-              <a:ext uri="{FF2B5EF4-FFF2-40B4-BE49-F238E27FC236}">
-                <a16:creationId xmlns:a16="http://schemas.microsoft.com/office/drawing/2014/main" id="{9A704FA5-B282-AC23-A35A-46FF832C39D0}"/>
-              </a:ext>
-            </a:extLst>
-          </p:cNvPr>
-          <p:cNvPicPr>
-            <a:picLocks noChangeAspect="1"/>
-          </p:cNvPicPr>
-          <p:nvPr/>
-        </p:nvPicPr>
-        <p:blipFill>
-          <a:blip r:embed="rId5"/>
-          <a:stretch>
-            <a:fillRect/>
-          </a:stretch>
-        </p:blipFill>
-        <p:spPr>
-          <a:xfrm>
-            <a:off x="5506719" y="4481653"/>
-            <a:ext cx="3060409" cy="2031324"/>
-          </a:xfrm>
-          <a:prstGeom prst="rect">
-            <a:avLst/>
-          </a:prstGeom>
-        </p:spPr>
-      </p:pic>
-      <p:pic>
-        <p:nvPicPr>
-          <p:cNvPr id="16" name="Picture 15">
-            <a:extLst>
-              <a:ext uri="{FF2B5EF4-FFF2-40B4-BE49-F238E27FC236}">
-                <a16:creationId xmlns:a16="http://schemas.microsoft.com/office/drawing/2014/main" id="{BA4BCBFE-101B-6D08-47C3-83CE724AFCA8}"/>
-              </a:ext>
-            </a:extLst>
-          </p:cNvPr>
-          <p:cNvPicPr>
-            <a:picLocks noChangeAspect="1"/>
-          </p:cNvPicPr>
-          <p:nvPr/>
-        </p:nvPicPr>
-        <p:blipFill>
-          <a:blip r:embed="rId6"/>
-          <a:stretch>
-            <a:fillRect/>
-          </a:stretch>
-        </p:blipFill>
-        <p:spPr>
-          <a:xfrm>
-            <a:off x="318224" y="1071086"/>
-            <a:ext cx="2275570" cy="2264630"/>
-          </a:xfrm>
-          <a:prstGeom prst="rect">
-            <a:avLst/>
-          </a:prstGeom>
-        </p:spPr>
-      </p:pic>
-      <p:sp>
-        <p:nvSpPr>
-          <p:cNvPr id="18" name="TextBox 17">
-            <a:extLst>
-              <a:ext uri="{FF2B5EF4-FFF2-40B4-BE49-F238E27FC236}">
-                <a16:creationId xmlns:a16="http://schemas.microsoft.com/office/drawing/2014/main" id="{EF0A900A-3D5A-AA68-0C04-083AC8408629}"/>
-              </a:ext>
-            </a:extLst>
-          </p:cNvPr>
-          <p:cNvSpPr txBox="1"/>
-          <p:nvPr/>
-        </p:nvSpPr>
-        <p:spPr>
-          <a:xfrm>
-            <a:off x="173866" y="154242"/>
-            <a:ext cx="5179303" cy="461665"/>
-          </a:xfrm>
-          <a:prstGeom prst="rect">
-            <a:avLst/>
-          </a:prstGeom>
-          <a:noFill/>
-        </p:spPr>
-        <p:txBody>
-          <a:bodyPr wrap="none" rtlCol="0">
-            <a:spAutoFit/>
-          </a:bodyPr>
-          <a:lstStyle/>
-          <a:p>
-            <a:r>
-              <a:rPr lang="en-US" sz="2400" dirty="0"/>
-              <a:t>Vision Transformer: 3-channel images</a:t>
-            </a:r>
-          </a:p>
-        </p:txBody>
-      </p:sp>
-      <p:sp>
-        <p:nvSpPr>
-          <p:cNvPr id="19" name="TextBox 18">
-            <a:extLst>
-              <a:ext uri="{FF2B5EF4-FFF2-40B4-BE49-F238E27FC236}">
-                <a16:creationId xmlns:a16="http://schemas.microsoft.com/office/drawing/2014/main" id="{AE0DFB1A-1D6D-7194-1F79-869DADCC15F0}"/>
-              </a:ext>
-            </a:extLst>
-          </p:cNvPr>
-          <p:cNvSpPr txBox="1"/>
-          <p:nvPr/>
-        </p:nvSpPr>
-        <p:spPr>
-          <a:xfrm>
-            <a:off x="8325591" y="6374477"/>
-            <a:ext cx="3722879" cy="338554"/>
-          </a:xfrm>
-          <a:prstGeom prst="rect">
-            <a:avLst/>
-          </a:prstGeom>
-          <a:noFill/>
-        </p:spPr>
-        <p:txBody>
-          <a:bodyPr wrap="none" rtlCol="0">
-            <a:spAutoFit/>
-          </a:bodyPr>
-          <a:lstStyle/>
-          <a:p>
-            <a:r>
-              <a:rPr lang="en-US" sz="1600" b="1" dirty="0"/>
-              <a:t>*</a:t>
-            </a:r>
-            <a:r>
-              <a:rPr lang="en-US" sz="1200" dirty="0"/>
-              <a:t> relative variability by position over the entire dataset</a:t>
-            </a:r>
-          </a:p>
-        </p:txBody>
-      </p:sp>
-    </p:spTree>
-    <p:extLst>
-      <p:ext uri="{BB962C8B-B14F-4D97-AF65-F5344CB8AC3E}">
-        <p14:creationId xmlns:p14="http://schemas.microsoft.com/office/powerpoint/2010/main" val="4139768711"/>
       </p:ext>
     </p:extLst>
   </p:cSld>

--- a/Homework-aAlphaBio.pptx
+++ b/Homework-aAlphaBio.pptx
@@ -7870,7 +7870,7 @@
         <p:spPr>
           <a:xfrm>
             <a:off x="114248" y="144344"/>
-            <a:ext cx="2955874" cy="461665"/>
+            <a:ext cx="1809341" cy="461665"/>
           </a:xfrm>
           <a:prstGeom prst="rect">
             <a:avLst/>
@@ -7885,7 +7885,7 @@
           <a:p>
             <a:r>
               <a:rPr lang="en-US" sz="2400" dirty="0"/>
-              <a:t>Results: Loss Curves</a:t>
+              <a:t>Loss Curves</a:t>
             </a:r>
             <a:endParaRPr lang="en-US" sz="2400" dirty="0">
               <a:highlight>
@@ -7910,7 +7910,7 @@
         <p:spPr>
           <a:xfrm>
             <a:off x="207034" y="785004"/>
-            <a:ext cx="4244688" cy="646331"/>
+            <a:ext cx="4244688" cy="923330"/>
           </a:xfrm>
           <a:prstGeom prst="rect">
             <a:avLst/>
@@ -7932,6 +7932,313 @@
             <a:r>
               <a:rPr lang="en-US" dirty="0"/>
               <a:t>Clean-1, Clean-4, and Clean-3b datasets</a:t>
+            </a:r>
+          </a:p>
+          <a:p>
+            <a:r>
+              <a:rPr lang="en-US" dirty="0"/>
+              <a:t>Show just the first 8K batches</a:t>
+            </a:r>
+          </a:p>
+        </p:txBody>
+      </p:sp>
+      <p:grpSp>
+        <p:nvGrpSpPr>
+          <p:cNvPr id="12" name="Group 11">
+            <a:extLst>
+              <a:ext uri="{FF2B5EF4-FFF2-40B4-BE49-F238E27FC236}">
+                <a16:creationId xmlns:a16="http://schemas.microsoft.com/office/drawing/2014/main" id="{66D3C5FD-A463-7C18-1C9B-60512BCAE7EC}"/>
+              </a:ext>
+            </a:extLst>
+          </p:cNvPr>
+          <p:cNvGrpSpPr/>
+          <p:nvPr/>
+        </p:nvGrpSpPr>
+        <p:grpSpPr>
+          <a:xfrm>
+            <a:off x="5565475" y="474454"/>
+            <a:ext cx="5028157" cy="2791753"/>
+            <a:chOff x="5298057" y="785004"/>
+            <a:chExt cx="5028157" cy="2791753"/>
+          </a:xfrm>
+        </p:grpSpPr>
+        <p:pic>
+          <p:nvPicPr>
+            <p:cNvPr id="4" name="Picture 3">
+              <a:extLst>
+                <a:ext uri="{FF2B5EF4-FFF2-40B4-BE49-F238E27FC236}">
+                  <a16:creationId xmlns:a16="http://schemas.microsoft.com/office/drawing/2014/main" id="{7E1B1903-3000-FC12-8843-4FB5F17F53BB}"/>
+                </a:ext>
+              </a:extLst>
+            </p:cNvPr>
+            <p:cNvPicPr>
+              <a:picLocks noChangeAspect="1"/>
+            </p:cNvPicPr>
+            <p:nvPr/>
+          </p:nvPicPr>
+          <p:blipFill>
+            <a:blip r:embed="rId2"/>
+            <a:stretch>
+              <a:fillRect/>
+            </a:stretch>
+          </p:blipFill>
+          <p:spPr>
+            <a:xfrm>
+              <a:off x="5298057" y="785004"/>
+              <a:ext cx="5028157" cy="2791753"/>
+            </a:xfrm>
+            <a:prstGeom prst="rect">
+              <a:avLst/>
+            </a:prstGeom>
+          </p:spPr>
+        </p:pic>
+        <p:sp>
+          <p:nvSpPr>
+            <p:cNvPr id="6" name="TextBox 5">
+              <a:extLst>
+                <a:ext uri="{FF2B5EF4-FFF2-40B4-BE49-F238E27FC236}">
+                  <a16:creationId xmlns:a16="http://schemas.microsoft.com/office/drawing/2014/main" id="{976CD68A-F0FC-D483-14D2-D75D6134A3AA}"/>
+                </a:ext>
+              </a:extLst>
+            </p:cNvPr>
+            <p:cNvSpPr txBox="1"/>
+            <p:nvPr/>
+          </p:nvSpPr>
+          <p:spPr>
+            <a:xfrm>
+              <a:off x="9034634" y="1062003"/>
+              <a:ext cx="659540" cy="369332"/>
+            </a:xfrm>
+            <a:prstGeom prst="rect">
+              <a:avLst/>
+            </a:prstGeom>
+            <a:noFill/>
+          </p:spPr>
+          <p:txBody>
+            <a:bodyPr wrap="none" rtlCol="0">
+              <a:spAutoFit/>
+            </a:bodyPr>
+            <a:lstStyle/>
+            <a:p>
+              <a:r>
+                <a:rPr lang="en-US" dirty="0"/>
+                <a:t>Train</a:t>
+              </a:r>
+            </a:p>
+          </p:txBody>
+        </p:sp>
+      </p:grpSp>
+      <p:grpSp>
+        <p:nvGrpSpPr>
+          <p:cNvPr id="11" name="Group 10">
+            <a:extLst>
+              <a:ext uri="{FF2B5EF4-FFF2-40B4-BE49-F238E27FC236}">
+                <a16:creationId xmlns:a16="http://schemas.microsoft.com/office/drawing/2014/main" id="{2523D04C-85CA-CC0B-BAFC-A07C23403F6C}"/>
+              </a:ext>
+            </a:extLst>
+          </p:cNvPr>
+          <p:cNvGrpSpPr/>
+          <p:nvPr/>
+        </p:nvGrpSpPr>
+        <p:grpSpPr>
+          <a:xfrm>
+            <a:off x="5565475" y="3807455"/>
+            <a:ext cx="5028157" cy="2860764"/>
+            <a:chOff x="5298057" y="3807455"/>
+            <a:chExt cx="5028157" cy="2860764"/>
+          </a:xfrm>
+        </p:grpSpPr>
+        <p:grpSp>
+          <p:nvGrpSpPr>
+            <p:cNvPr id="10" name="Group 9">
+              <a:extLst>
+                <a:ext uri="{FF2B5EF4-FFF2-40B4-BE49-F238E27FC236}">
+                  <a16:creationId xmlns:a16="http://schemas.microsoft.com/office/drawing/2014/main" id="{0E561BA5-A06A-B5D0-75AD-B7D1AFB75C9B}"/>
+                </a:ext>
+              </a:extLst>
+            </p:cNvPr>
+            <p:cNvGrpSpPr/>
+            <p:nvPr/>
+          </p:nvGrpSpPr>
+          <p:grpSpPr>
+            <a:xfrm>
+              <a:off x="5298057" y="3807455"/>
+              <a:ext cx="5028157" cy="2860764"/>
+              <a:chOff x="5298057" y="3807455"/>
+              <a:chExt cx="5028157" cy="2860764"/>
+            </a:xfrm>
+          </p:grpSpPr>
+          <p:pic>
+            <p:nvPicPr>
+              <p:cNvPr id="5" name="Picture 4">
+                <a:extLst>
+                  <a:ext uri="{FF2B5EF4-FFF2-40B4-BE49-F238E27FC236}">
+                    <a16:creationId xmlns:a16="http://schemas.microsoft.com/office/drawing/2014/main" id="{3A903185-6BEC-D400-C7DF-0F06CF607331}"/>
+                  </a:ext>
+                </a:extLst>
+              </p:cNvPr>
+              <p:cNvPicPr>
+                <a:picLocks noChangeAspect="1"/>
+              </p:cNvPicPr>
+              <p:nvPr/>
+            </p:nvPicPr>
+            <p:blipFill>
+              <a:blip r:embed="rId3"/>
+              <a:stretch>
+                <a:fillRect/>
+              </a:stretch>
+            </p:blipFill>
+            <p:spPr>
+              <a:xfrm>
+                <a:off x="5298057" y="3807455"/>
+                <a:ext cx="5028157" cy="2791753"/>
+              </a:xfrm>
+              <a:prstGeom prst="rect">
+                <a:avLst/>
+              </a:prstGeom>
+            </p:spPr>
+          </p:pic>
+          <p:sp>
+            <p:nvSpPr>
+              <p:cNvPr id="9" name="Rectangle 8">
+                <a:extLst>
+                  <a:ext uri="{FF2B5EF4-FFF2-40B4-BE49-F238E27FC236}">
+                    <a16:creationId xmlns:a16="http://schemas.microsoft.com/office/drawing/2014/main" id="{EA6D5C2A-E1DC-00D4-06C8-10C7D6FCEEB9}"/>
+                  </a:ext>
+                </a:extLst>
+              </p:cNvPr>
+              <p:cNvSpPr/>
+              <p:nvPr/>
+            </p:nvSpPr>
+            <p:spPr>
+              <a:xfrm>
+                <a:off x="7755147" y="5969479"/>
+                <a:ext cx="2458528" cy="698740"/>
+              </a:xfrm>
+              <a:prstGeom prst="rect">
+                <a:avLst/>
+              </a:prstGeom>
+              <a:solidFill>
+                <a:schemeClr val="bg1"/>
+              </a:solidFill>
+              <a:ln>
+                <a:noFill/>
+              </a:ln>
+            </p:spPr>
+            <p:style>
+              <a:lnRef idx="2">
+                <a:schemeClr val="accent1">
+                  <a:shade val="15000"/>
+                </a:schemeClr>
+              </a:lnRef>
+              <a:fillRef idx="1">
+                <a:schemeClr val="accent1"/>
+              </a:fillRef>
+              <a:effectRef idx="0">
+                <a:schemeClr val="accent1"/>
+              </a:effectRef>
+              <a:fontRef idx="minor">
+                <a:schemeClr val="lt1"/>
+              </a:fontRef>
+            </p:style>
+            <p:txBody>
+              <a:bodyPr rtlCol="0" anchor="ctr"/>
+              <a:lstStyle/>
+              <a:p>
+                <a:pPr algn="ctr"/>
+                <a:endParaRPr lang="en-US" dirty="0"/>
+              </a:p>
+            </p:txBody>
+          </p:sp>
+        </p:grpSp>
+        <p:sp>
+          <p:nvSpPr>
+            <p:cNvPr id="7" name="TextBox 6">
+              <a:extLst>
+                <a:ext uri="{FF2B5EF4-FFF2-40B4-BE49-F238E27FC236}">
+                  <a16:creationId xmlns:a16="http://schemas.microsoft.com/office/drawing/2014/main" id="{9E290CE2-E27E-392F-258A-235779997317}"/>
+                </a:ext>
+              </a:extLst>
+            </p:cNvPr>
+            <p:cNvSpPr txBox="1"/>
+            <p:nvPr/>
+          </p:nvSpPr>
+          <p:spPr>
+            <a:xfrm>
+              <a:off x="9034634" y="4009362"/>
+              <a:ext cx="1179041" cy="369332"/>
+            </a:xfrm>
+            <a:prstGeom prst="rect">
+              <a:avLst/>
+            </a:prstGeom>
+            <a:noFill/>
+          </p:spPr>
+          <p:txBody>
+            <a:bodyPr wrap="none" rtlCol="0">
+              <a:spAutoFit/>
+            </a:bodyPr>
+            <a:lstStyle/>
+            <a:p>
+              <a:r>
+                <a:rPr lang="en-US" dirty="0"/>
+                <a:t>Validation</a:t>
+              </a:r>
+            </a:p>
+          </p:txBody>
+        </p:sp>
+      </p:grpSp>
+      <p:sp>
+        <p:nvSpPr>
+          <p:cNvPr id="8" name="TextBox 7">
+            <a:extLst>
+              <a:ext uri="{FF2B5EF4-FFF2-40B4-BE49-F238E27FC236}">
+                <a16:creationId xmlns:a16="http://schemas.microsoft.com/office/drawing/2014/main" id="{4439A001-AA92-8200-A90C-A9671B15989A}"/>
+              </a:ext>
+            </a:extLst>
+          </p:cNvPr>
+          <p:cNvSpPr txBox="1"/>
+          <p:nvPr/>
+        </p:nvSpPr>
+        <p:spPr>
+          <a:xfrm>
+            <a:off x="199451" y="2337757"/>
+            <a:ext cx="5028157" cy="1077218"/>
+          </a:xfrm>
+          <a:prstGeom prst="rect">
+            <a:avLst/>
+          </a:prstGeom>
+          <a:noFill/>
+        </p:spPr>
+        <p:txBody>
+          <a:bodyPr wrap="square" rtlCol="0">
+            <a:spAutoFit/>
+          </a:bodyPr>
+          <a:lstStyle/>
+          <a:p>
+            <a:pPr marL="285750" indent="-285750">
+              <a:buFont typeface="Arial" panose="020B0604020202020204" pitchFamily="34" charset="0"/>
+              <a:buChar char="•"/>
+            </a:pPr>
+            <a:r>
+              <a:rPr lang="en-US" sz="1600" dirty="0"/>
+              <a:t>Smaller dataset converges faster (not surprising)</a:t>
+            </a:r>
+          </a:p>
+          <a:p>
+            <a:pPr marL="285750" indent="-285750">
+              <a:buFont typeface="Arial" panose="020B0604020202020204" pitchFamily="34" charset="0"/>
+              <a:buChar char="•"/>
+            </a:pPr>
+            <a:endParaRPr lang="en-US" sz="1600" dirty="0"/>
+          </a:p>
+          <a:p>
+            <a:pPr marL="285750" indent="-285750">
+              <a:buFont typeface="Arial" panose="020B0604020202020204" pitchFamily="34" charset="0"/>
+              <a:buChar char="•"/>
+            </a:pPr>
+            <a:r>
+              <a:rPr lang="en-US" sz="1600" dirty="0"/>
+              <a:t>In spite of it’s larger size, clean-1 dataset shows signs of overfitting</a:t>
             </a:r>
           </a:p>
         </p:txBody>

--- a/Homework-aAlphaBio.pptx
+++ b/Homework-aAlphaBio.pptx
@@ -19,42 +19,41 @@
     <p:sldId id="341" r:id="rId13"/>
     <p:sldId id="366" r:id="rId14"/>
     <p:sldId id="368" r:id="rId15"/>
-    <p:sldId id="356" r:id="rId16"/>
-    <p:sldId id="357" r:id="rId17"/>
-    <p:sldId id="346" r:id="rId18"/>
-    <p:sldId id="358" r:id="rId19"/>
-    <p:sldId id="365" r:id="rId20"/>
-    <p:sldId id="359" r:id="rId21"/>
-    <p:sldId id="360" r:id="rId22"/>
-    <p:sldId id="352" r:id="rId23"/>
-    <p:sldId id="320" r:id="rId24"/>
-    <p:sldId id="257" r:id="rId25"/>
-    <p:sldId id="258" r:id="rId26"/>
-    <p:sldId id="318" r:id="rId27"/>
-    <p:sldId id="321" r:id="rId28"/>
-    <p:sldId id="355" r:id="rId29"/>
-    <p:sldId id="349" r:id="rId30"/>
-    <p:sldId id="353" r:id="rId31"/>
-    <p:sldId id="347" r:id="rId32"/>
-    <p:sldId id="363" r:id="rId33"/>
-    <p:sldId id="364" r:id="rId34"/>
-    <p:sldId id="351" r:id="rId35"/>
-    <p:sldId id="342" r:id="rId36"/>
-    <p:sldId id="322" r:id="rId37"/>
-    <p:sldId id="334" r:id="rId38"/>
-    <p:sldId id="354" r:id="rId39"/>
-    <p:sldId id="339" r:id="rId40"/>
-    <p:sldId id="344" r:id="rId41"/>
-    <p:sldId id="362" r:id="rId42"/>
-    <p:sldId id="337" r:id="rId43"/>
-    <p:sldId id="330" r:id="rId44"/>
-    <p:sldId id="329" r:id="rId45"/>
-    <p:sldId id="331" r:id="rId46"/>
-    <p:sldId id="259" r:id="rId47"/>
-    <p:sldId id="260" r:id="rId48"/>
-    <p:sldId id="324" r:id="rId49"/>
-    <p:sldId id="261" r:id="rId50"/>
-    <p:sldId id="340" r:id="rId51"/>
+    <p:sldId id="369" r:id="rId16"/>
+    <p:sldId id="356" r:id="rId17"/>
+    <p:sldId id="357" r:id="rId18"/>
+    <p:sldId id="359" r:id="rId19"/>
+    <p:sldId id="360" r:id="rId20"/>
+    <p:sldId id="352" r:id="rId21"/>
+    <p:sldId id="320" r:id="rId22"/>
+    <p:sldId id="257" r:id="rId23"/>
+    <p:sldId id="258" r:id="rId24"/>
+    <p:sldId id="318" r:id="rId25"/>
+    <p:sldId id="321" r:id="rId26"/>
+    <p:sldId id="355" r:id="rId27"/>
+    <p:sldId id="349" r:id="rId28"/>
+    <p:sldId id="353" r:id="rId29"/>
+    <p:sldId id="347" r:id="rId30"/>
+    <p:sldId id="346" r:id="rId31"/>
+    <p:sldId id="363" r:id="rId32"/>
+    <p:sldId id="364" r:id="rId33"/>
+    <p:sldId id="351" r:id="rId34"/>
+    <p:sldId id="342" r:id="rId35"/>
+    <p:sldId id="322" r:id="rId36"/>
+    <p:sldId id="334" r:id="rId37"/>
+    <p:sldId id="354" r:id="rId38"/>
+    <p:sldId id="339" r:id="rId39"/>
+    <p:sldId id="344" r:id="rId40"/>
+    <p:sldId id="362" r:id="rId41"/>
+    <p:sldId id="337" r:id="rId42"/>
+    <p:sldId id="330" r:id="rId43"/>
+    <p:sldId id="329" r:id="rId44"/>
+    <p:sldId id="331" r:id="rId45"/>
+    <p:sldId id="259" r:id="rId46"/>
+    <p:sldId id="260" r:id="rId47"/>
+    <p:sldId id="324" r:id="rId48"/>
+    <p:sldId id="261" r:id="rId49"/>
+    <p:sldId id="340" r:id="rId50"/>
   </p:sldIdLst>
   <p:sldSz cx="12192000" cy="6858000"/>
   <p:notesSz cx="6858000" cy="9144000"/>
@@ -5054,7 +5053,7 @@
           <p:nvPr>
             <p:extLst>
               <p:ext uri="{D42A27DB-BD31-4B8C-83A1-F6EECF244321}">
-                <p14:modId xmlns:p14="http://schemas.microsoft.com/office/powerpoint/2010/main" val="2111394956"/>
+                <p14:modId xmlns:p14="http://schemas.microsoft.com/office/powerpoint/2010/main" val="1020674830"/>
               </p:ext>
             </p:extLst>
           </p:nvPr>
@@ -5690,7 +5689,7 @@
                             <a:schemeClr val="tx1"/>
                           </a:solidFill>
                         </a:rPr>
-                        <a:t>0.12</a:t>
+                        <a:t>0.14</a:t>
                       </a:r>
                     </a:p>
                   </a:txBody>
@@ -5708,7 +5707,7 @@
                             <a:schemeClr val="tx1"/>
                           </a:solidFill>
                         </a:rPr>
-                        <a:t>0.16</a:t>
+                        <a:t>0.17</a:t>
                       </a:r>
                     </a:p>
                   </a:txBody>
@@ -5742,7 +5741,7 @@
                             <a:schemeClr val="tx1"/>
                           </a:solidFill>
                         </a:rPr>
-                        <a:t>700</a:t>
+                        <a:t>500</a:t>
                       </a:r>
                     </a:p>
                   </a:txBody>
@@ -5775,6 +5774,9 @@
                           <a:solidFill>
                             <a:schemeClr val="tx1"/>
                           </a:solidFill>
+                          <a:highlight>
+                            <a:srgbClr val="FFFF00"/>
+                          </a:highlight>
                         </a:rPr>
                         <a:t>0.29</a:t>
                       </a:r>
@@ -5809,6 +5811,9 @@
                           <a:solidFill>
                             <a:schemeClr val="tx1"/>
                           </a:solidFill>
+                          <a:highlight>
+                            <a:srgbClr val="FFFF00"/>
+                          </a:highlight>
                         </a:rPr>
                         <a:t>0.16</a:t>
                       </a:r>
@@ -5827,6 +5832,9 @@
                           <a:solidFill>
                             <a:schemeClr val="tx1"/>
                           </a:solidFill>
+                          <a:highlight>
+                            <a:srgbClr val="FFFF00"/>
+                          </a:highlight>
                         </a:rPr>
                         <a:t>0.17</a:t>
                       </a:r>
@@ -5845,6 +5853,9 @@
                           <a:solidFill>
                             <a:schemeClr val="tx1"/>
                           </a:solidFill>
+                          <a:highlight>
+                            <a:srgbClr val="FFFF00"/>
+                          </a:highlight>
                         </a:rPr>
                         <a:t>48</a:t>
                       </a:r>
@@ -5863,6 +5874,9 @@
                           <a:solidFill>
                             <a:schemeClr val="tx1"/>
                           </a:solidFill>
+                          <a:highlight>
+                            <a:srgbClr val="FFFF00"/>
+                          </a:highlight>
                         </a:rPr>
                         <a:t>70</a:t>
                       </a:r>
@@ -6535,14 +6549,14 @@
           <p:nvPr>
             <p:extLst>
               <p:ext uri="{D42A27DB-BD31-4B8C-83A1-F6EECF244321}">
-                <p14:modId xmlns:p14="http://schemas.microsoft.com/office/powerpoint/2010/main" val="3222493632"/>
+                <p14:modId xmlns:p14="http://schemas.microsoft.com/office/powerpoint/2010/main" val="2805334686"/>
               </p:ext>
             </p:extLst>
           </p:nvPr>
         </p:nvGraphicFramePr>
         <p:xfrm>
           <a:off x="412662" y="2088163"/>
-          <a:ext cx="10621990" cy="2394701"/>
+          <a:ext cx="10621990" cy="2418374"/>
         </p:xfrm>
         <a:graphic>
           <a:graphicData uri="http://schemas.openxmlformats.org/drawingml/2006/table">
@@ -6803,7 +6817,7 @@
                   </a:txBody>
                   <a:tcPr anchor="ctr"/>
                 </a:tc>
-                <a:tc rowSpan="2">
+                <a:tc>
                   <a:txBody>
                     <a:bodyPr/>
                     <a:lstStyle/>
@@ -6954,7 +6968,7 @@
                   </a:txBody>
                   <a:tcPr anchor="ctr"/>
                 </a:tc>
-                <a:tc vMerge="1">
+                <a:tc>
                   <a:txBody>
                     <a:bodyPr/>
                     <a:lstStyle/>
@@ -7247,6 +7261,14 @@
                         <a:defRPr/>
                       </a:pPr>
                       <a:r>
+                        <a:rPr lang="en-US" sz="1600" baseline="0" dirty="0">
+                          <a:solidFill>
+                            <a:srgbClr val="FF0000"/>
+                          </a:solidFill>
+                        </a:rPr>
+                        <a:t>* </a:t>
+                      </a:r>
+                      <a:r>
                         <a:rPr lang="en-US" sz="1600" dirty="0"/>
                         <a:t>Clean-4</a:t>
                       </a:r>
@@ -7453,7 +7475,7 @@
                             <a:schemeClr val="tx1"/>
                           </a:solidFill>
                         </a:rPr>
-                        <a:t>79</a:t>
+                        <a:t>80</a:t>
                       </a:r>
                     </a:p>
                   </a:txBody>
@@ -7577,11 +7599,14 @@
                     <a:lstStyle/>
                     <a:p>
                       <a:pPr algn="ctr"/>
-                      <a:endParaRPr lang="en-US" sz="1600" dirty="0">
-                        <a:solidFill>
-                          <a:schemeClr val="tx1"/>
-                        </a:solidFill>
-                      </a:endParaRPr>
+                      <a:r>
+                        <a:rPr lang="en-US" sz="1600" dirty="0">
+                          <a:solidFill>
+                            <a:schemeClr val="tx1"/>
+                          </a:solidFill>
+                        </a:rPr>
+                        <a:t>0.16</a:t>
+                      </a:r>
                     </a:p>
                   </a:txBody>
                   <a:tcPr anchor="ctr"/>
@@ -7592,11 +7617,14 @@
                     <a:lstStyle/>
                     <a:p>
                       <a:pPr algn="ctr"/>
-                      <a:endParaRPr lang="en-US" sz="1600" dirty="0">
-                        <a:solidFill>
-                          <a:schemeClr val="tx1"/>
-                        </a:solidFill>
-                      </a:endParaRPr>
+                      <a:r>
+                        <a:rPr lang="en-US" sz="1600" dirty="0">
+                          <a:solidFill>
+                            <a:schemeClr val="tx1"/>
+                          </a:solidFill>
+                        </a:rPr>
+                        <a:t>0.13</a:t>
+                      </a:r>
                     </a:p>
                   </a:txBody>
                   <a:tcPr anchor="ctr"/>
@@ -7607,11 +7635,14 @@
                     <a:lstStyle/>
                     <a:p>
                       <a:pPr algn="ctr"/>
-                      <a:endParaRPr lang="en-US" sz="1600" dirty="0">
-                        <a:solidFill>
-                          <a:schemeClr val="tx1"/>
-                        </a:solidFill>
-                      </a:endParaRPr>
+                      <a:r>
+                        <a:rPr lang="en-US" sz="1600" dirty="0">
+                          <a:solidFill>
+                            <a:schemeClr val="tx1"/>
+                          </a:solidFill>
+                        </a:rPr>
+                        <a:t>86</a:t>
+                      </a:r>
                     </a:p>
                   </a:txBody>
                   <a:tcPr anchor="ctr"/>
@@ -7622,11 +7653,14 @@
                     <a:lstStyle/>
                     <a:p>
                       <a:pPr algn="ctr"/>
-                      <a:endParaRPr lang="en-US" sz="1600" dirty="0">
-                        <a:solidFill>
-                          <a:schemeClr val="tx1"/>
-                        </a:solidFill>
-                      </a:endParaRPr>
+                      <a:r>
+                        <a:rPr lang="en-US" sz="1600" dirty="0">
+                          <a:solidFill>
+                            <a:schemeClr val="tx1"/>
+                          </a:solidFill>
+                        </a:rPr>
+                        <a:t>0.30</a:t>
+                      </a:r>
                     </a:p>
                   </a:txBody>
                   <a:tcPr anchor="ctr"/>
@@ -7637,11 +7671,14 @@
                     <a:lstStyle/>
                     <a:p>
                       <a:pPr algn="ctr"/>
-                      <a:endParaRPr lang="en-US" sz="1600" dirty="0">
-                        <a:solidFill>
-                          <a:schemeClr val="tx1"/>
-                        </a:solidFill>
-                      </a:endParaRPr>
+                      <a:r>
+                        <a:rPr lang="en-US" sz="1600" dirty="0">
+                          <a:solidFill>
+                            <a:schemeClr val="tx1"/>
+                          </a:solidFill>
+                        </a:rPr>
+                        <a:t>0.15</a:t>
+                      </a:r>
                     </a:p>
                   </a:txBody>
                   <a:tcPr anchor="ctr"/>
@@ -7652,11 +7689,14 @@
                     <a:lstStyle/>
                     <a:p>
                       <a:pPr algn="ctr"/>
-                      <a:endParaRPr lang="en-US" sz="1600" dirty="0">
-                        <a:solidFill>
-                          <a:schemeClr val="tx1"/>
-                        </a:solidFill>
-                      </a:endParaRPr>
+                      <a:r>
+                        <a:rPr lang="en-US" sz="1600" dirty="0">
+                          <a:solidFill>
+                            <a:schemeClr val="tx1"/>
+                          </a:solidFill>
+                        </a:rPr>
+                        <a:t>0.12</a:t>
+                      </a:r>
                     </a:p>
                   </a:txBody>
                   <a:tcPr anchor="ctr"/>
@@ -7667,11 +7707,14 @@
                     <a:lstStyle/>
                     <a:p>
                       <a:pPr algn="ctr"/>
-                      <a:endParaRPr lang="en-US" sz="1600" dirty="0">
-                        <a:solidFill>
-                          <a:schemeClr val="tx1"/>
-                        </a:solidFill>
-                      </a:endParaRPr>
+                      <a:r>
+                        <a:rPr lang="en-US" sz="1600" dirty="0">
+                          <a:solidFill>
+                            <a:schemeClr val="tx1"/>
+                          </a:solidFill>
+                        </a:rPr>
+                        <a:t>54</a:t>
+                      </a:r>
                     </a:p>
                   </a:txBody>
                   <a:tcPr anchor="ctr"/>
@@ -7682,11 +7725,14 @@
                     <a:lstStyle/>
                     <a:p>
                       <a:pPr algn="ctr"/>
-                      <a:endParaRPr lang="en-US" sz="1600" dirty="0">
-                        <a:solidFill>
-                          <a:schemeClr val="tx1"/>
-                        </a:solidFill>
-                      </a:endParaRPr>
+                      <a:r>
+                        <a:rPr lang="en-US" sz="1600" dirty="0">
+                          <a:solidFill>
+                            <a:schemeClr val="tx1"/>
+                          </a:solidFill>
+                        </a:rPr>
+                        <a:t>85</a:t>
+                      </a:r>
                     </a:p>
                   </a:txBody>
                   <a:tcPr anchor="ctr"/>
@@ -7697,7 +7743,10 @@
                     <a:lstStyle/>
                     <a:p>
                       <a:pPr algn="ctr"/>
-                      <a:endParaRPr lang="en-US" sz="1400" dirty="0"/>
+                      <a:r>
+                        <a:rPr lang="en-US" sz="1400" dirty="0"/>
+                        <a:t>shows some overfitting</a:t>
+                      </a:r>
                     </a:p>
                   </a:txBody>
                   <a:tcPr anchor="ctr"/>
@@ -7767,7 +7816,7 @@
         </p:nvSpPr>
         <p:spPr>
           <a:xfrm>
-            <a:off x="471222" y="5129165"/>
+            <a:off x="427941" y="5619359"/>
             <a:ext cx="9581534" cy="738664"/>
           </a:xfrm>
           <a:prstGeom prst="rect">
@@ -7822,6 +7871,62 @@
               <a:rPr lang="en-US" sz="1400" dirty="0"/>
               <a:t>It’s noted in the Table-Transformer literature that the transformer architecture can be surprisingly robust to “dirty” data</a:t>
             </a:r>
+          </a:p>
+        </p:txBody>
+      </p:sp>
+      <p:sp>
+        <p:nvSpPr>
+          <p:cNvPr id="5" name="TextBox 4">
+            <a:extLst>
+              <a:ext uri="{FF2B5EF4-FFF2-40B4-BE49-F238E27FC236}">
+                <a16:creationId xmlns:a16="http://schemas.microsoft.com/office/drawing/2014/main" id="{377F4825-62BA-1608-F21A-FFFBFC1BC466}"/>
+              </a:ext>
+            </a:extLst>
+          </p:cNvPr>
+          <p:cNvSpPr txBox="1"/>
+          <p:nvPr/>
+        </p:nvSpPr>
+        <p:spPr>
+          <a:xfrm>
+            <a:off x="517585" y="4612845"/>
+            <a:ext cx="6112251" cy="369332"/>
+          </a:xfrm>
+          <a:prstGeom prst="rect">
+            <a:avLst/>
+          </a:prstGeom>
+          <a:noFill/>
+        </p:spPr>
+        <p:txBody>
+          <a:bodyPr wrap="none" rtlCol="0">
+            <a:spAutoFit/>
+          </a:bodyPr>
+          <a:lstStyle/>
+          <a:p>
+            <a:r>
+              <a:rPr lang="en-US" dirty="0">
+                <a:solidFill>
+                  <a:srgbClr val="FF0000"/>
+                </a:solidFill>
+              </a:rPr>
+              <a:t>* </a:t>
+            </a:r>
+            <a:r>
+              <a:rPr lang="en-US" sz="1600" dirty="0"/>
+              <a:t>best performing dataset (based on </a:t>
+            </a:r>
+            <a:r>
+              <a:rPr lang="en-US" sz="1600" dirty="0" err="1"/>
+              <a:t>val</a:t>
+            </a:r>
+            <a:r>
+              <a:rPr lang="en-US" sz="1600" dirty="0"/>
+              <a:t> loss and test set MSE value)</a:t>
+            </a:r>
+            <a:endParaRPr lang="en-US" dirty="0">
+              <a:solidFill>
+                <a:srgbClr val="FF0000"/>
+              </a:solidFill>
+            </a:endParaRPr>
           </a:p>
         </p:txBody>
       </p:sp>
@@ -7937,17 +8042,73 @@
           <a:p>
             <a:r>
               <a:rPr lang="en-US" dirty="0"/>
-              <a:t>Show just the first 8K batches</a:t>
+              <a:t>Show the first 16K batches</a:t>
+            </a:r>
+          </a:p>
+        </p:txBody>
+      </p:sp>
+      <p:sp>
+        <p:nvSpPr>
+          <p:cNvPr id="8" name="TextBox 7">
+            <a:extLst>
+              <a:ext uri="{FF2B5EF4-FFF2-40B4-BE49-F238E27FC236}">
+                <a16:creationId xmlns:a16="http://schemas.microsoft.com/office/drawing/2014/main" id="{4439A001-AA92-8200-A90C-A9671B15989A}"/>
+              </a:ext>
+            </a:extLst>
+          </p:cNvPr>
+          <p:cNvSpPr txBox="1"/>
+          <p:nvPr/>
+        </p:nvSpPr>
+        <p:spPr>
+          <a:xfrm>
+            <a:off x="199451" y="2337757"/>
+            <a:ext cx="5028157" cy="1323439"/>
+          </a:xfrm>
+          <a:prstGeom prst="rect">
+            <a:avLst/>
+          </a:prstGeom>
+          <a:noFill/>
+        </p:spPr>
+        <p:txBody>
+          <a:bodyPr wrap="square" rtlCol="0">
+            <a:spAutoFit/>
+          </a:bodyPr>
+          <a:lstStyle/>
+          <a:p>
+            <a:pPr marL="285750" indent="-285750">
+              <a:buFont typeface="Arial" panose="020B0604020202020204" pitchFamily="34" charset="0"/>
+              <a:buChar char="•"/>
+            </a:pPr>
+            <a:r>
+              <a:rPr lang="en-US" sz="1600" dirty="0"/>
+              <a:t>Training converges faster for smaller datasets (not surprising)</a:t>
+            </a:r>
+          </a:p>
+          <a:p>
+            <a:pPr marL="285750" indent="-285750">
+              <a:buFont typeface="Arial" panose="020B0604020202020204" pitchFamily="34" charset="0"/>
+              <a:buChar char="•"/>
+            </a:pPr>
+            <a:endParaRPr lang="en-US" sz="1600" dirty="0"/>
+          </a:p>
+          <a:p>
+            <a:pPr marL="285750" indent="-285750">
+              <a:buFont typeface="Arial" panose="020B0604020202020204" pitchFamily="34" charset="0"/>
+              <a:buChar char="•"/>
+            </a:pPr>
+            <a:r>
+              <a:rPr lang="en-US" sz="1600" dirty="0"/>
+              <a:t>In spite of it’s larger size, clean-1 dataset shows small signs of overfitting</a:t>
             </a:r>
           </a:p>
         </p:txBody>
       </p:sp>
       <p:grpSp>
         <p:nvGrpSpPr>
-          <p:cNvPr id="12" name="Group 11">
+          <p:cNvPr id="20" name="Group 19">
             <a:extLst>
               <a:ext uri="{FF2B5EF4-FFF2-40B4-BE49-F238E27FC236}">
-                <a16:creationId xmlns:a16="http://schemas.microsoft.com/office/drawing/2014/main" id="{66D3C5FD-A463-7C18-1C9B-60512BCAE7EC}"/>
+                <a16:creationId xmlns:a16="http://schemas.microsoft.com/office/drawing/2014/main" id="{C4FA53B7-7771-D6C8-25F7-6A4C25A269DE}"/>
               </a:ext>
             </a:extLst>
           </p:cNvPr>
@@ -7956,18 +8117,18 @@
         </p:nvGrpSpPr>
         <p:grpSpPr>
           <a:xfrm>
-            <a:off x="5565475" y="474454"/>
-            <a:ext cx="5028157" cy="2791753"/>
-            <a:chOff x="5298057" y="785004"/>
-            <a:chExt cx="5028157" cy="2791753"/>
+            <a:off x="5565475" y="415672"/>
+            <a:ext cx="4915619" cy="2798298"/>
+            <a:chOff x="5565475" y="415672"/>
+            <a:chExt cx="4915619" cy="2798298"/>
           </a:xfrm>
         </p:grpSpPr>
         <p:pic>
           <p:nvPicPr>
-            <p:cNvPr id="4" name="Picture 3">
+            <p:cNvPr id="13" name="Picture 12">
               <a:extLst>
                 <a:ext uri="{FF2B5EF4-FFF2-40B4-BE49-F238E27FC236}">
-                  <a16:creationId xmlns:a16="http://schemas.microsoft.com/office/drawing/2014/main" id="{7E1B1903-3000-FC12-8843-4FB5F17F53BB}"/>
+                  <a16:creationId xmlns:a16="http://schemas.microsoft.com/office/drawing/2014/main" id="{7DC63519-FDCF-AB19-F4D0-A9E7D497914E}"/>
                 </a:ext>
               </a:extLst>
             </p:cNvPr>
@@ -7984,8 +8145,8 @@
           </p:blipFill>
           <p:spPr>
             <a:xfrm>
-              <a:off x="5298057" y="785004"/>
-              <a:ext cx="5028157" cy="2791753"/>
+              <a:off x="5565475" y="467442"/>
+              <a:ext cx="4915619" cy="2746528"/>
             </a:xfrm>
             <a:prstGeom prst="rect">
               <a:avLst/>
@@ -7994,10 +8155,10 @@
         </p:pic>
         <p:sp>
           <p:nvSpPr>
-            <p:cNvPr id="6" name="TextBox 5">
+            <p:cNvPr id="17" name="TextBox 16">
               <a:extLst>
                 <a:ext uri="{FF2B5EF4-FFF2-40B4-BE49-F238E27FC236}">
-                  <a16:creationId xmlns:a16="http://schemas.microsoft.com/office/drawing/2014/main" id="{976CD68A-F0FC-D483-14D2-D75D6134A3AA}"/>
+                  <a16:creationId xmlns:a16="http://schemas.microsoft.com/office/drawing/2014/main" id="{F01BCC10-EEDC-C6B3-906F-8BE62D43D79E}"/>
                 </a:ext>
               </a:extLst>
             </p:cNvPr>
@@ -8006,7 +8167,7 @@
           </p:nvSpPr>
           <p:spPr>
             <a:xfrm>
-              <a:off x="9034634" y="1062003"/>
+              <a:off x="6392695" y="415672"/>
               <a:ext cx="659540" cy="369332"/>
             </a:xfrm>
             <a:prstGeom prst="rect">
@@ -8030,10 +8191,10 @@
       </p:grpSp>
       <p:grpSp>
         <p:nvGrpSpPr>
-          <p:cNvPr id="11" name="Group 10">
+          <p:cNvPr id="19" name="Group 18">
             <a:extLst>
               <a:ext uri="{FF2B5EF4-FFF2-40B4-BE49-F238E27FC236}">
-                <a16:creationId xmlns:a16="http://schemas.microsoft.com/office/drawing/2014/main" id="{2523D04C-85CA-CC0B-BAFC-A07C23403F6C}"/>
+                <a16:creationId xmlns:a16="http://schemas.microsoft.com/office/drawing/2014/main" id="{A38DA434-3E7C-7198-FC36-C0B6B47C363F}"/>
               </a:ext>
             </a:extLst>
           </p:cNvPr>
@@ -8042,18 +8203,18 @@
         </p:nvGrpSpPr>
         <p:grpSpPr>
           <a:xfrm>
-            <a:off x="5565475" y="3807455"/>
-            <a:ext cx="5028157" cy="2860764"/>
-            <a:chOff x="5298057" y="3807455"/>
-            <a:chExt cx="5028157" cy="2860764"/>
+            <a:off x="5529164" y="3545626"/>
+            <a:ext cx="4813909" cy="2874365"/>
+            <a:chOff x="5667185" y="3459365"/>
+            <a:chExt cx="4813909" cy="2874365"/>
           </a:xfrm>
         </p:grpSpPr>
         <p:grpSp>
           <p:nvGrpSpPr>
-            <p:cNvPr id="10" name="Group 9">
+            <p:cNvPr id="16" name="Group 15">
               <a:extLst>
                 <a:ext uri="{FF2B5EF4-FFF2-40B4-BE49-F238E27FC236}">
-                  <a16:creationId xmlns:a16="http://schemas.microsoft.com/office/drawing/2014/main" id="{0E561BA5-A06A-B5D0-75AD-B7D1AFB75C9B}"/>
+                  <a16:creationId xmlns:a16="http://schemas.microsoft.com/office/drawing/2014/main" id="{7F56BEF3-B942-AA05-2248-78FDAE280F4F}"/>
                 </a:ext>
               </a:extLst>
             </p:cNvPr>
@@ -8062,18 +8223,18 @@
           </p:nvGrpSpPr>
           <p:grpSpPr>
             <a:xfrm>
-              <a:off x="5298057" y="3807455"/>
-              <a:ext cx="5028157" cy="2860764"/>
-              <a:chOff x="5298057" y="3807455"/>
-              <a:chExt cx="5028157" cy="2860764"/>
+              <a:off x="5667185" y="3644031"/>
+              <a:ext cx="4813909" cy="2689699"/>
+              <a:chOff x="5667185" y="3644031"/>
+              <a:chExt cx="4813909" cy="2689699"/>
             </a:xfrm>
           </p:grpSpPr>
           <p:pic>
             <p:nvPicPr>
-              <p:cNvPr id="5" name="Picture 4">
+              <p:cNvPr id="14" name="Picture 13">
                 <a:extLst>
                   <a:ext uri="{FF2B5EF4-FFF2-40B4-BE49-F238E27FC236}">
-                    <a16:creationId xmlns:a16="http://schemas.microsoft.com/office/drawing/2014/main" id="{3A903185-6BEC-D400-C7DF-0F06CF607331}"/>
+                    <a16:creationId xmlns:a16="http://schemas.microsoft.com/office/drawing/2014/main" id="{59410459-4AE0-764A-D625-8D555D64DEE4}"/>
                   </a:ext>
                 </a:extLst>
               </p:cNvPr>
@@ -8090,8 +8251,8 @@
             </p:blipFill>
             <p:spPr>
               <a:xfrm>
-                <a:off x="5298057" y="3807455"/>
-                <a:ext cx="5028157" cy="2791753"/>
+                <a:off x="5667185" y="3644031"/>
+                <a:ext cx="4813909" cy="2689699"/>
               </a:xfrm>
               <a:prstGeom prst="rect">
                 <a:avLst/>
@@ -8100,10 +8261,10 @@
           </p:pic>
           <p:sp>
             <p:nvSpPr>
-              <p:cNvPr id="9" name="Rectangle 8">
+              <p:cNvPr id="15" name="Rectangle 14">
                 <a:extLst>
                   <a:ext uri="{FF2B5EF4-FFF2-40B4-BE49-F238E27FC236}">
-                    <a16:creationId xmlns:a16="http://schemas.microsoft.com/office/drawing/2014/main" id="{EA6D5C2A-E1DC-00D4-06C8-10C7D6FCEEB9}"/>
+                    <a16:creationId xmlns:a16="http://schemas.microsoft.com/office/drawing/2014/main" id="{76C02550-6AA1-2272-4E06-C2B62DBEC70E}"/>
                   </a:ext>
                 </a:extLst>
               </p:cNvPr>
@@ -8112,8 +8273,8 @@
             </p:nvSpPr>
             <p:spPr>
               <a:xfrm>
-                <a:off x="7755147" y="5969479"/>
-                <a:ext cx="2458528" cy="698740"/>
+                <a:off x="8428008" y="5702060"/>
+                <a:ext cx="1768415" cy="631670"/>
               </a:xfrm>
               <a:prstGeom prst="rect">
                 <a:avLst/>
@@ -8153,10 +8314,10 @@
         </p:grpSp>
         <p:sp>
           <p:nvSpPr>
-            <p:cNvPr id="7" name="TextBox 6">
+            <p:cNvPr id="18" name="TextBox 17">
               <a:extLst>
                 <a:ext uri="{FF2B5EF4-FFF2-40B4-BE49-F238E27FC236}">
-                  <a16:creationId xmlns:a16="http://schemas.microsoft.com/office/drawing/2014/main" id="{9E290CE2-E27E-392F-258A-235779997317}"/>
+                  <a16:creationId xmlns:a16="http://schemas.microsoft.com/office/drawing/2014/main" id="{5B2C9B4B-D3E5-7D00-F970-D607D79ECF7A}"/>
                 </a:ext>
               </a:extLst>
             </p:cNvPr>
@@ -8165,7 +8326,7 @@
           </p:nvSpPr>
           <p:spPr>
             <a:xfrm>
-              <a:off x="9034634" y="4009362"/>
+              <a:off x="6392695" y="3459365"/>
               <a:ext cx="1179041" cy="369332"/>
             </a:xfrm>
             <a:prstGeom prst="rect">
@@ -8187,62 +8348,6 @@
           </p:txBody>
         </p:sp>
       </p:grpSp>
-      <p:sp>
-        <p:nvSpPr>
-          <p:cNvPr id="8" name="TextBox 7">
-            <a:extLst>
-              <a:ext uri="{FF2B5EF4-FFF2-40B4-BE49-F238E27FC236}">
-                <a16:creationId xmlns:a16="http://schemas.microsoft.com/office/drawing/2014/main" id="{4439A001-AA92-8200-A90C-A9671B15989A}"/>
-              </a:ext>
-            </a:extLst>
-          </p:cNvPr>
-          <p:cNvSpPr txBox="1"/>
-          <p:nvPr/>
-        </p:nvSpPr>
-        <p:spPr>
-          <a:xfrm>
-            <a:off x="199451" y="2337757"/>
-            <a:ext cx="5028157" cy="1077218"/>
-          </a:xfrm>
-          <a:prstGeom prst="rect">
-            <a:avLst/>
-          </a:prstGeom>
-          <a:noFill/>
-        </p:spPr>
-        <p:txBody>
-          <a:bodyPr wrap="square" rtlCol="0">
-            <a:spAutoFit/>
-          </a:bodyPr>
-          <a:lstStyle/>
-          <a:p>
-            <a:pPr marL="285750" indent="-285750">
-              <a:buFont typeface="Arial" panose="020B0604020202020204" pitchFamily="34" charset="0"/>
-              <a:buChar char="•"/>
-            </a:pPr>
-            <a:r>
-              <a:rPr lang="en-US" sz="1600" dirty="0"/>
-              <a:t>Smaller dataset converges faster (not surprising)</a:t>
-            </a:r>
-          </a:p>
-          <a:p>
-            <a:pPr marL="285750" indent="-285750">
-              <a:buFont typeface="Arial" panose="020B0604020202020204" pitchFamily="34" charset="0"/>
-              <a:buChar char="•"/>
-            </a:pPr>
-            <a:endParaRPr lang="en-US" sz="1600" dirty="0"/>
-          </a:p>
-          <a:p>
-            <a:pPr marL="285750" indent="-285750">
-              <a:buFont typeface="Arial" panose="020B0604020202020204" pitchFamily="34" charset="0"/>
-              <a:buChar char="•"/>
-            </a:pPr>
-            <a:r>
-              <a:rPr lang="en-US" sz="1600" dirty="0"/>
-              <a:t>In spite of it’s larger size, clean-1 dataset shows signs of overfitting</a:t>
-            </a:r>
-          </a:p>
-        </p:txBody>
-      </p:sp>
     </p:spTree>
     <p:extLst>
       <p:ext uri="{BB962C8B-B14F-4D97-AF65-F5344CB8AC3E}">
@@ -8278,7 +8383,7 @@
           <p:cNvPr id="2" name="TextBox 1">
             <a:extLst>
               <a:ext uri="{FF2B5EF4-FFF2-40B4-BE49-F238E27FC236}">
-                <a16:creationId xmlns:a16="http://schemas.microsoft.com/office/drawing/2014/main" id="{EA7BC455-99A1-D435-6CD4-B5AC85612E00}"/>
+                <a16:creationId xmlns:a16="http://schemas.microsoft.com/office/drawing/2014/main" id="{58FE3A38-CA35-DDEF-E8C4-13CA64D25E79}"/>
               </a:ext>
             </a:extLst>
           </p:cNvPr>
@@ -8288,7 +8393,7 @@
         <p:spPr>
           <a:xfrm>
             <a:off x="114248" y="144344"/>
-            <a:ext cx="7892161" cy="461665"/>
+            <a:ext cx="8927187" cy="461665"/>
           </a:xfrm>
           <a:prstGeom prst="rect">
             <a:avLst/>
@@ -8303,7 +8408,72 @@
           <a:p>
             <a:r>
               <a:rPr lang="en-US" sz="2400" dirty="0"/>
-              <a:t>Plots experiment vs predicted on test set : Clean-3 dataset</a:t>
+              <a:t>Which trained Transformer model to use for holdout set inference?</a:t>
+            </a:r>
+          </a:p>
+        </p:txBody>
+      </p:sp>
+    </p:spTree>
+    <p:extLst>
+      <p:ext uri="{BB962C8B-B14F-4D97-AF65-F5344CB8AC3E}">
+        <p14:creationId xmlns:p14="http://schemas.microsoft.com/office/powerpoint/2010/main" val="1664795375"/>
+      </p:ext>
+    </p:extLst>
+  </p:cSld>
+  <p:clrMapOvr>
+    <a:masterClrMapping/>
+  </p:clrMapOvr>
+</p:sld>
+</file>
+
+<file path=ppt/slides/slide16.xml><?xml version="1.0" encoding="utf-8"?>
+<p:sld xmlns:a="http://schemas.openxmlformats.org/drawingml/2006/main" xmlns:r="http://schemas.openxmlformats.org/officeDocument/2006/relationships" xmlns:p="http://schemas.openxmlformats.org/presentationml/2006/main">
+  <p:cSld>
+    <p:spTree>
+      <p:nvGrpSpPr>
+        <p:cNvPr id="1" name=""/>
+        <p:cNvGrpSpPr/>
+        <p:nvPr/>
+      </p:nvGrpSpPr>
+      <p:grpSpPr>
+        <a:xfrm>
+          <a:off x="0" y="0"/>
+          <a:ext cx="0" cy="0"/>
+          <a:chOff x="0" y="0"/>
+          <a:chExt cx="0" cy="0"/>
+        </a:xfrm>
+      </p:grpSpPr>
+      <p:sp>
+        <p:nvSpPr>
+          <p:cNvPr id="2" name="TextBox 1">
+            <a:extLst>
+              <a:ext uri="{FF2B5EF4-FFF2-40B4-BE49-F238E27FC236}">
+                <a16:creationId xmlns:a16="http://schemas.microsoft.com/office/drawing/2014/main" id="{EA7BC455-99A1-D435-6CD4-B5AC85612E00}"/>
+              </a:ext>
+            </a:extLst>
+          </p:cNvPr>
+          <p:cNvSpPr txBox="1"/>
+          <p:nvPr/>
+        </p:nvSpPr>
+        <p:spPr>
+          <a:xfrm>
+            <a:off x="114248" y="144344"/>
+            <a:ext cx="5703164" cy="461665"/>
+          </a:xfrm>
+          <a:prstGeom prst="rect">
+            <a:avLst/>
+          </a:prstGeom>
+          <a:noFill/>
+        </p:spPr>
+        <p:txBody>
+          <a:bodyPr wrap="none" rtlCol="0">
+            <a:spAutoFit/>
+          </a:bodyPr>
+          <a:lstStyle/>
+          <a:p>
+            <a:r>
+              <a:rPr lang="en-US" sz="2400" dirty="0"/>
+              <a:t>Plots experiment vs predicted on test set :</a:t>
             </a:r>
           </a:p>
         </p:txBody>
@@ -8427,7 +8597,7 @@
         </p:nvSpPr>
         <p:spPr>
           <a:xfrm>
-            <a:off x="9735346" y="3429000"/>
+            <a:off x="9666335" y="3412549"/>
             <a:ext cx="1382751" cy="369332"/>
           </a:xfrm>
           <a:prstGeom prst="rect">
@@ -8573,6 +8743,158 @@
           </a:p>
         </p:txBody>
       </p:sp>
+      <p:sp>
+        <p:nvSpPr>
+          <p:cNvPr id="20" name="TextBox 19">
+            <a:extLst>
+              <a:ext uri="{FF2B5EF4-FFF2-40B4-BE49-F238E27FC236}">
+                <a16:creationId xmlns:a16="http://schemas.microsoft.com/office/drawing/2014/main" id="{9586AE9A-280A-4AB3-BB8E-6B9CC529F18A}"/>
+              </a:ext>
+            </a:extLst>
+          </p:cNvPr>
+          <p:cNvSpPr txBox="1"/>
+          <p:nvPr/>
+        </p:nvSpPr>
+        <p:spPr>
+          <a:xfrm>
+            <a:off x="885482" y="3751689"/>
+            <a:ext cx="1912960" cy="369332"/>
+          </a:xfrm>
+          <a:prstGeom prst="rect">
+            <a:avLst/>
+          </a:prstGeom>
+          <a:noFill/>
+        </p:spPr>
+        <p:txBody>
+          <a:bodyPr wrap="none" rtlCol="0">
+            <a:spAutoFit/>
+          </a:bodyPr>
+          <a:lstStyle/>
+          <a:p>
+            <a:r>
+              <a:rPr lang="en-US" sz="1800" dirty="0"/>
+              <a:t>Clean-3b dataset</a:t>
+            </a:r>
+            <a:endParaRPr lang="en-US" dirty="0"/>
+          </a:p>
+        </p:txBody>
+      </p:sp>
+      <p:sp>
+        <p:nvSpPr>
+          <p:cNvPr id="21" name="TextBox 20">
+            <a:extLst>
+              <a:ext uri="{FF2B5EF4-FFF2-40B4-BE49-F238E27FC236}">
+                <a16:creationId xmlns:a16="http://schemas.microsoft.com/office/drawing/2014/main" id="{DDD751CC-A688-7D2D-3509-774074120CDD}"/>
+              </a:ext>
+            </a:extLst>
+          </p:cNvPr>
+          <p:cNvSpPr txBox="1"/>
+          <p:nvPr/>
+        </p:nvSpPr>
+        <p:spPr>
+          <a:xfrm>
+            <a:off x="3512572" y="3798332"/>
+            <a:ext cx="1912960" cy="369332"/>
+          </a:xfrm>
+          <a:prstGeom prst="rect">
+            <a:avLst/>
+          </a:prstGeom>
+          <a:noFill/>
+        </p:spPr>
+        <p:txBody>
+          <a:bodyPr wrap="none" rtlCol="0">
+            <a:spAutoFit/>
+          </a:bodyPr>
+          <a:lstStyle/>
+          <a:p>
+            <a:r>
+              <a:rPr lang="en-US" sz="1800" dirty="0"/>
+              <a:t>Clean-3b dataset</a:t>
+            </a:r>
+            <a:endParaRPr lang="en-US" dirty="0"/>
+          </a:p>
+        </p:txBody>
+      </p:sp>
+      <p:sp>
+        <p:nvSpPr>
+          <p:cNvPr id="22" name="TextBox 21">
+            <a:extLst>
+              <a:ext uri="{FF2B5EF4-FFF2-40B4-BE49-F238E27FC236}">
+                <a16:creationId xmlns:a16="http://schemas.microsoft.com/office/drawing/2014/main" id="{1D507EC1-020E-3EC7-E6F8-6F95BDA0E05C}"/>
+              </a:ext>
+            </a:extLst>
+          </p:cNvPr>
+          <p:cNvSpPr txBox="1"/>
+          <p:nvPr/>
+        </p:nvSpPr>
+        <p:spPr>
+          <a:xfrm>
+            <a:off x="6504720" y="3902271"/>
+            <a:ext cx="1912960" cy="369332"/>
+          </a:xfrm>
+          <a:prstGeom prst="rect">
+            <a:avLst/>
+          </a:prstGeom>
+          <a:noFill/>
+        </p:spPr>
+        <p:txBody>
+          <a:bodyPr wrap="none" rtlCol="0">
+            <a:spAutoFit/>
+          </a:bodyPr>
+          <a:lstStyle/>
+          <a:p>
+            <a:r>
+              <a:rPr lang="en-US" sz="1800" dirty="0"/>
+              <a:t>Clean-3b dataset</a:t>
+            </a:r>
+            <a:endParaRPr lang="en-US" dirty="0"/>
+          </a:p>
+        </p:txBody>
+      </p:sp>
+      <p:sp>
+        <p:nvSpPr>
+          <p:cNvPr id="23" name="TextBox 22">
+            <a:extLst>
+              <a:ext uri="{FF2B5EF4-FFF2-40B4-BE49-F238E27FC236}">
+                <a16:creationId xmlns:a16="http://schemas.microsoft.com/office/drawing/2014/main" id="{46DD394D-F34D-5F31-97C7-248B1A1D9660}"/>
+              </a:ext>
+            </a:extLst>
+          </p:cNvPr>
+          <p:cNvSpPr txBox="1"/>
+          <p:nvPr/>
+        </p:nvSpPr>
+        <p:spPr>
+          <a:xfrm>
+            <a:off x="9463176" y="3832852"/>
+            <a:ext cx="1783117" cy="369332"/>
+          </a:xfrm>
+          <a:prstGeom prst="rect">
+            <a:avLst/>
+          </a:prstGeom>
+          <a:noFill/>
+        </p:spPr>
+        <p:txBody>
+          <a:bodyPr wrap="none" rtlCol="0">
+            <a:spAutoFit/>
+          </a:bodyPr>
+          <a:lstStyle/>
+          <a:p>
+            <a:r>
+              <a:rPr lang="en-US" sz="1800" dirty="0">
+                <a:highlight>
+                  <a:srgbClr val="FFFF00"/>
+                </a:highlight>
+              </a:rPr>
+              <a:t>Clean-4</a:t>
+            </a:r>
+            <a:r>
+              <a:rPr lang="en-US" sz="1800" dirty="0"/>
+              <a:t> dataset</a:t>
+            </a:r>
+            <a:endParaRPr lang="en-US" dirty="0"/>
+          </a:p>
+        </p:txBody>
+      </p:sp>
     </p:spTree>
     <p:extLst>
       <p:ext uri="{BB962C8B-B14F-4D97-AF65-F5344CB8AC3E}">
@@ -8586,7 +8908,7 @@
 </p:sld>
 </file>
 
-<file path=ppt/slides/slide16.xml><?xml version="1.0" encoding="utf-8"?>
+<file path=ppt/slides/slide17.xml><?xml version="1.0" encoding="utf-8"?>
 <p:sld xmlns:a="http://schemas.openxmlformats.org/drawingml/2006/main" xmlns:r="http://schemas.openxmlformats.org/officeDocument/2006/relationships" xmlns:p="http://schemas.openxmlformats.org/presentationml/2006/main">
   <p:cSld>
     <p:spTree>
@@ -8659,730 +8981,6 @@
 </p:sld>
 </file>
 
-<file path=ppt/slides/slide17.xml><?xml version="1.0" encoding="utf-8"?>
-<p:sld xmlns:a="http://schemas.openxmlformats.org/drawingml/2006/main" xmlns:r="http://schemas.openxmlformats.org/officeDocument/2006/relationships" xmlns:p="http://schemas.openxmlformats.org/presentationml/2006/main">
-  <p:cSld>
-    <p:spTree>
-      <p:nvGrpSpPr>
-        <p:cNvPr id="1" name=""/>
-        <p:cNvGrpSpPr/>
-        <p:nvPr/>
-      </p:nvGrpSpPr>
-      <p:grpSpPr>
-        <a:xfrm>
-          <a:off x="0" y="0"/>
-          <a:ext cx="0" cy="0"/>
-          <a:chOff x="0" y="0"/>
-          <a:chExt cx="0" cy="0"/>
-        </a:xfrm>
-      </p:grpSpPr>
-      <p:sp>
-        <p:nvSpPr>
-          <p:cNvPr id="19" name="Rectangle 18">
-            <a:extLst>
-              <a:ext uri="{FF2B5EF4-FFF2-40B4-BE49-F238E27FC236}">
-                <a16:creationId xmlns:a16="http://schemas.microsoft.com/office/drawing/2014/main" id="{A73258FA-CD8D-B70C-C2EA-E2A9B3C90F14}"/>
-              </a:ext>
-            </a:extLst>
-          </p:cNvPr>
-          <p:cNvSpPr/>
-          <p:nvPr/>
-        </p:nvSpPr>
-        <p:spPr>
-          <a:xfrm>
-            <a:off x="6918808" y="1224951"/>
-            <a:ext cx="3448030" cy="543464"/>
-          </a:xfrm>
-          <a:prstGeom prst="rect">
-            <a:avLst/>
-          </a:prstGeom>
-          <a:solidFill>
-            <a:schemeClr val="accent1">
-              <a:alpha val="33024"/>
-            </a:schemeClr>
-          </a:solidFill>
-          <a:ln>
-            <a:solidFill>
-              <a:schemeClr val="accent1">
-                <a:shade val="15000"/>
-              </a:schemeClr>
-            </a:solidFill>
-          </a:ln>
-        </p:spPr>
-        <p:style>
-          <a:lnRef idx="2">
-            <a:schemeClr val="accent1">
-              <a:shade val="15000"/>
-            </a:schemeClr>
-          </a:lnRef>
-          <a:fillRef idx="1">
-            <a:schemeClr val="accent1"/>
-          </a:fillRef>
-          <a:effectRef idx="0">
-            <a:schemeClr val="accent1"/>
-          </a:effectRef>
-          <a:fontRef idx="minor">
-            <a:schemeClr val="lt1"/>
-          </a:fontRef>
-        </p:style>
-        <p:txBody>
-          <a:bodyPr rtlCol="0" anchor="ctr"/>
-          <a:lstStyle/>
-          <a:p>
-            <a:pPr algn="ctr"/>
-            <a:endParaRPr lang="en-US" dirty="0"/>
-          </a:p>
-        </p:txBody>
-      </p:sp>
-      <p:sp>
-        <p:nvSpPr>
-          <p:cNvPr id="2" name="TextBox 1">
-            <a:extLst>
-              <a:ext uri="{FF2B5EF4-FFF2-40B4-BE49-F238E27FC236}">
-                <a16:creationId xmlns:a16="http://schemas.microsoft.com/office/drawing/2014/main" id="{20E0A661-F32C-A79C-1C36-4376CEED0ED1}"/>
-              </a:ext>
-            </a:extLst>
-          </p:cNvPr>
-          <p:cNvSpPr txBox="1"/>
-          <p:nvPr/>
-        </p:nvSpPr>
-        <p:spPr>
-          <a:xfrm>
-            <a:off x="136762" y="204349"/>
-            <a:ext cx="4621009" cy="461665"/>
-          </a:xfrm>
-          <a:prstGeom prst="rect">
-            <a:avLst/>
-          </a:prstGeom>
-          <a:noFill/>
-        </p:spPr>
-        <p:txBody>
-          <a:bodyPr wrap="none" rtlCol="0">
-            <a:spAutoFit/>
-          </a:bodyPr>
-          <a:lstStyle/>
-          <a:p>
-            <a:r>
-              <a:rPr lang="en-US" sz="2400" dirty="0"/>
-              <a:t>t-SNE plots :  Transformer model</a:t>
-            </a:r>
-          </a:p>
-        </p:txBody>
-      </p:sp>
-      <p:pic>
-        <p:nvPicPr>
-          <p:cNvPr id="8" name="Picture 7">
-            <a:extLst>
-              <a:ext uri="{FF2B5EF4-FFF2-40B4-BE49-F238E27FC236}">
-                <a16:creationId xmlns:a16="http://schemas.microsoft.com/office/drawing/2014/main" id="{C7291BA8-051D-CD34-F16E-F65C2979B98A}"/>
-              </a:ext>
-            </a:extLst>
-          </p:cNvPr>
-          <p:cNvPicPr>
-            <a:picLocks noChangeAspect="1"/>
-          </p:cNvPicPr>
-          <p:nvPr/>
-        </p:nvPicPr>
-        <p:blipFill>
-          <a:blip r:embed="rId2"/>
-          <a:stretch>
-            <a:fillRect/>
-          </a:stretch>
-        </p:blipFill>
-        <p:spPr>
-          <a:xfrm>
-            <a:off x="434795" y="878696"/>
-            <a:ext cx="5473700" cy="4445000"/>
-          </a:xfrm>
-          <a:prstGeom prst="rect">
-            <a:avLst/>
-          </a:prstGeom>
-        </p:spPr>
-      </p:pic>
-      <p:sp>
-        <p:nvSpPr>
-          <p:cNvPr id="9" name="TextBox 8">
-            <a:extLst>
-              <a:ext uri="{FF2B5EF4-FFF2-40B4-BE49-F238E27FC236}">
-                <a16:creationId xmlns:a16="http://schemas.microsoft.com/office/drawing/2014/main" id="{E777ACD0-F709-BA92-11E4-D948F3FC7380}"/>
-              </a:ext>
-            </a:extLst>
-          </p:cNvPr>
-          <p:cNvSpPr txBox="1"/>
-          <p:nvPr/>
-        </p:nvSpPr>
-        <p:spPr>
-          <a:xfrm>
-            <a:off x="7694762" y="1311216"/>
-            <a:ext cx="2672078" cy="369332"/>
-          </a:xfrm>
-          <a:prstGeom prst="rect">
-            <a:avLst/>
-          </a:prstGeom>
-          <a:noFill/>
-        </p:spPr>
-        <p:txBody>
-          <a:bodyPr wrap="none" rtlCol="0">
-            <a:spAutoFit/>
-          </a:bodyPr>
-          <a:lstStyle/>
-          <a:p>
-            <a:r>
-              <a:rPr lang="en-US" dirty="0"/>
-              <a:t>[CLS</a:t>
-            </a:r>
-            <a:r>
-              <a:rPr lang="en-US" baseline="30000" dirty="0"/>
-              <a:t>*</a:t>
-            </a:r>
-            <a:r>
-              <a:rPr lang="en-US" dirty="0"/>
-              <a:t>, aa, aa, aa, aa, …..]</a:t>
-            </a:r>
-          </a:p>
-        </p:txBody>
-      </p:sp>
-      <p:sp>
-        <p:nvSpPr>
-          <p:cNvPr id="10" name="TextBox 9">
-            <a:extLst>
-              <a:ext uri="{FF2B5EF4-FFF2-40B4-BE49-F238E27FC236}">
-                <a16:creationId xmlns:a16="http://schemas.microsoft.com/office/drawing/2014/main" id="{94D09D50-6EBA-77AB-6F7F-ABBDD034C1B5}"/>
-              </a:ext>
-            </a:extLst>
-          </p:cNvPr>
-          <p:cNvSpPr txBox="1"/>
-          <p:nvPr/>
-        </p:nvSpPr>
-        <p:spPr>
-          <a:xfrm>
-            <a:off x="6941671" y="1311216"/>
-            <a:ext cx="753091" cy="369332"/>
-          </a:xfrm>
-          <a:prstGeom prst="rect">
-            <a:avLst/>
-          </a:prstGeom>
-          <a:noFill/>
-        </p:spPr>
-        <p:txBody>
-          <a:bodyPr wrap="none" rtlCol="0">
-            <a:spAutoFit/>
-          </a:bodyPr>
-          <a:lstStyle/>
-          <a:p>
-            <a:r>
-              <a:rPr lang="en-US" dirty="0"/>
-              <a:t>REGR</a:t>
-            </a:r>
-          </a:p>
-        </p:txBody>
-      </p:sp>
-      <p:cxnSp>
-        <p:nvCxnSpPr>
-          <p:cNvPr id="12" name="Straight Arrow Connector 11">
-            <a:extLst>
-              <a:ext uri="{FF2B5EF4-FFF2-40B4-BE49-F238E27FC236}">
-                <a16:creationId xmlns:a16="http://schemas.microsoft.com/office/drawing/2014/main" id="{4E356B48-D3E1-76F7-F930-F053CEE3046A}"/>
-              </a:ext>
-            </a:extLst>
-          </p:cNvPr>
-          <p:cNvCxnSpPr>
-            <a:cxnSpLocks/>
-          </p:cNvCxnSpPr>
-          <p:nvPr/>
-        </p:nvCxnSpPr>
-        <p:spPr>
-          <a:xfrm flipV="1">
-            <a:off x="8990020" y="1595887"/>
-            <a:ext cx="0" cy="854015"/>
-          </a:xfrm>
-          <a:prstGeom prst="straightConnector1">
-            <a:avLst/>
-          </a:prstGeom>
-          <a:ln>
-            <a:tailEnd type="triangle"/>
-          </a:ln>
-        </p:spPr>
-        <p:style>
-          <a:lnRef idx="2">
-            <a:schemeClr val="accent1"/>
-          </a:lnRef>
-          <a:fillRef idx="0">
-            <a:schemeClr val="accent1"/>
-          </a:fillRef>
-          <a:effectRef idx="1">
-            <a:schemeClr val="accent1"/>
-          </a:effectRef>
-          <a:fontRef idx="minor">
-            <a:schemeClr val="tx1"/>
-          </a:fontRef>
-        </p:style>
-      </p:cxnSp>
-      <p:sp>
-        <p:nvSpPr>
-          <p:cNvPr id="14" name="TextBox 13">
-            <a:extLst>
-              <a:ext uri="{FF2B5EF4-FFF2-40B4-BE49-F238E27FC236}">
-                <a16:creationId xmlns:a16="http://schemas.microsoft.com/office/drawing/2014/main" id="{CFEDB3BA-452B-08B6-439B-BC2846A64493}"/>
-              </a:ext>
-            </a:extLst>
-          </p:cNvPr>
-          <p:cNvSpPr txBox="1"/>
-          <p:nvPr/>
-        </p:nvSpPr>
-        <p:spPr>
-          <a:xfrm>
-            <a:off x="8833449" y="2449902"/>
-            <a:ext cx="2314864" cy="646331"/>
-          </a:xfrm>
-          <a:prstGeom prst="rect">
-            <a:avLst/>
-          </a:prstGeom>
-          <a:noFill/>
-        </p:spPr>
-        <p:txBody>
-          <a:bodyPr wrap="none" rtlCol="0">
-            <a:spAutoFit/>
-          </a:bodyPr>
-          <a:lstStyle/>
-          <a:p>
-            <a:r>
-              <a:rPr lang="en-US" dirty="0"/>
-              <a:t>sequence emitted by </a:t>
-            </a:r>
-          </a:p>
-          <a:p>
-            <a:r>
-              <a:rPr lang="en-US" dirty="0"/>
-              <a:t>dataset class</a:t>
-            </a:r>
-          </a:p>
-        </p:txBody>
-      </p:sp>
-      <p:sp>
-        <p:nvSpPr>
-          <p:cNvPr id="15" name="TextBox 14">
-            <a:extLst>
-              <a:ext uri="{FF2B5EF4-FFF2-40B4-BE49-F238E27FC236}">
-                <a16:creationId xmlns:a16="http://schemas.microsoft.com/office/drawing/2014/main" id="{60E226D2-AA94-ABDB-8A1E-E434D42B7790}"/>
-              </a:ext>
-            </a:extLst>
-          </p:cNvPr>
-          <p:cNvSpPr txBox="1"/>
-          <p:nvPr/>
-        </p:nvSpPr>
-        <p:spPr>
-          <a:xfrm>
-            <a:off x="6918808" y="3101196"/>
-            <a:ext cx="4755404" cy="369332"/>
-          </a:xfrm>
-          <a:prstGeom prst="rect">
-            <a:avLst/>
-          </a:prstGeom>
-          <a:noFill/>
-        </p:spPr>
-        <p:txBody>
-          <a:bodyPr wrap="none" rtlCol="0">
-            <a:spAutoFit/>
-          </a:bodyPr>
-          <a:lstStyle/>
-          <a:p>
-            <a:r>
-              <a:rPr lang="en-US" dirty="0"/>
-              <a:t>token added in the model to use for regression</a:t>
-            </a:r>
-          </a:p>
-        </p:txBody>
-      </p:sp>
-      <p:cxnSp>
-        <p:nvCxnSpPr>
-          <p:cNvPr id="16" name="Straight Arrow Connector 15">
-            <a:extLst>
-              <a:ext uri="{FF2B5EF4-FFF2-40B4-BE49-F238E27FC236}">
-                <a16:creationId xmlns:a16="http://schemas.microsoft.com/office/drawing/2014/main" id="{821456C9-A836-676C-3EC7-CBB5B1A2BCF4}"/>
-              </a:ext>
-            </a:extLst>
-          </p:cNvPr>
-          <p:cNvCxnSpPr>
-            <a:cxnSpLocks/>
-          </p:cNvCxnSpPr>
-          <p:nvPr/>
-        </p:nvCxnSpPr>
-        <p:spPr>
-          <a:xfrm flipV="1">
-            <a:off x="7318216" y="1595887"/>
-            <a:ext cx="0" cy="1505309"/>
-          </a:xfrm>
-          <a:prstGeom prst="straightConnector1">
-            <a:avLst/>
-          </a:prstGeom>
-          <a:ln>
-            <a:tailEnd type="triangle"/>
-          </a:ln>
-        </p:spPr>
-        <p:style>
-          <a:lnRef idx="2">
-            <a:schemeClr val="accent1"/>
-          </a:lnRef>
-          <a:fillRef idx="0">
-            <a:schemeClr val="accent1"/>
-          </a:fillRef>
-          <a:effectRef idx="1">
-            <a:schemeClr val="accent1"/>
-          </a:effectRef>
-          <a:fontRef idx="minor">
-            <a:schemeClr val="tx1"/>
-          </a:fontRef>
-        </p:style>
-      </p:cxnSp>
-      <p:sp>
-        <p:nvSpPr>
-          <p:cNvPr id="22" name="TextBox 21">
-            <a:extLst>
-              <a:ext uri="{FF2B5EF4-FFF2-40B4-BE49-F238E27FC236}">
-                <a16:creationId xmlns:a16="http://schemas.microsoft.com/office/drawing/2014/main" id="{A7AB843D-0FD2-EAA1-2D55-581A8E3A65AB}"/>
-              </a:ext>
-            </a:extLst>
-          </p:cNvPr>
-          <p:cNvSpPr txBox="1"/>
-          <p:nvPr/>
-        </p:nvSpPr>
-        <p:spPr>
-          <a:xfrm>
-            <a:off x="520202" y="5498125"/>
-            <a:ext cx="6517902" cy="1077218"/>
-          </a:xfrm>
-          <a:prstGeom prst="rect">
-            <a:avLst/>
-          </a:prstGeom>
-          <a:noFill/>
-        </p:spPr>
-        <p:txBody>
-          <a:bodyPr wrap="square" rtlCol="0">
-            <a:spAutoFit/>
-          </a:bodyPr>
-          <a:lstStyle/>
-          <a:p>
-            <a:r>
-              <a:rPr lang="en-US" sz="1600" b="0" dirty="0">
-                <a:effectLst/>
-              </a:rPr>
-              <a:t>Transformer-based models should learn relationships between the elements of the sequence</a:t>
-            </a:r>
-          </a:p>
-          <a:p>
-            <a:endParaRPr lang="en-US" sz="1600" dirty="0"/>
-          </a:p>
-          <a:p>
-            <a:r>
-              <a:rPr lang="en-US" sz="1600" b="0" dirty="0">
-                <a:effectLst/>
-              </a:rPr>
-              <a:t>t-SNE plots are not usually definitive, but are merely suggestive…</a:t>
-            </a:r>
-          </a:p>
-        </p:txBody>
-      </p:sp>
-      <p:sp>
-        <p:nvSpPr>
-          <p:cNvPr id="23" name="TextBox 22">
-            <a:extLst>
-              <a:ext uri="{FF2B5EF4-FFF2-40B4-BE49-F238E27FC236}">
-                <a16:creationId xmlns:a16="http://schemas.microsoft.com/office/drawing/2014/main" id="{B4E69242-083C-CE32-BD93-A2F6D7103FB2}"/>
-              </a:ext>
-            </a:extLst>
-          </p:cNvPr>
-          <p:cNvSpPr txBox="1"/>
-          <p:nvPr/>
-        </p:nvSpPr>
-        <p:spPr>
-          <a:xfrm>
-            <a:off x="6633713" y="3778370"/>
-            <a:ext cx="4245136" cy="1323439"/>
-          </a:xfrm>
-          <a:prstGeom prst="rect">
-            <a:avLst/>
-          </a:prstGeom>
-          <a:noFill/>
-        </p:spPr>
-        <p:txBody>
-          <a:bodyPr wrap="none" rtlCol="0">
-            <a:spAutoFit/>
-          </a:bodyPr>
-          <a:lstStyle/>
-          <a:p>
-            <a:pPr marL="285750" indent="-285750">
-              <a:buFont typeface="Arial" panose="020B0604020202020204" pitchFamily="34" charset="0"/>
-              <a:buChar char="•"/>
-            </a:pPr>
-            <a:r>
-              <a:rPr lang="en-US" sz="1600" dirty="0"/>
-              <a:t>regress token clusters tightly: makes sense</a:t>
-            </a:r>
-          </a:p>
-          <a:p>
-            <a:pPr marL="285750" indent="-285750">
-              <a:buFont typeface="Arial" panose="020B0604020202020204" pitchFamily="34" charset="0"/>
-              <a:buChar char="•"/>
-            </a:pPr>
-            <a:r>
-              <a:rPr lang="en-US" sz="1600" dirty="0"/>
-              <a:t>CLS tokens cluster in a single region</a:t>
-            </a:r>
-          </a:p>
-          <a:p>
-            <a:pPr marL="285750" indent="-285750">
-              <a:buFont typeface="Arial" panose="020B0604020202020204" pitchFamily="34" charset="0"/>
-              <a:buChar char="•"/>
-            </a:pPr>
-            <a:r>
-              <a:rPr lang="en-US" sz="1600" dirty="0"/>
-              <a:t>CDR </a:t>
-            </a:r>
-            <a:r>
-              <a:rPr lang="en-US" sz="1600" dirty="0" err="1"/>
-              <a:t>aa’s</a:t>
-            </a:r>
-            <a:r>
-              <a:rPr lang="en-US" sz="1600" dirty="0"/>
-              <a:t> still scattered, however:</a:t>
-            </a:r>
-          </a:p>
-          <a:p>
-            <a:pPr marL="742950" lvl="1" indent="-285750">
-              <a:buFont typeface="Arial" panose="020B0604020202020204" pitchFamily="34" charset="0"/>
-              <a:buChar char="•"/>
-            </a:pPr>
-            <a:r>
-              <a:rPr lang="en-US" sz="1600" dirty="0"/>
-              <a:t>there are two tight CDR-only clusters</a:t>
-            </a:r>
-          </a:p>
-          <a:p>
-            <a:pPr marL="742950" lvl="1" indent="-285750">
-              <a:buFont typeface="Arial" panose="020B0604020202020204" pitchFamily="34" charset="0"/>
-              <a:buChar char="•"/>
-            </a:pPr>
-            <a:r>
-              <a:rPr lang="en-US" sz="1600" dirty="0" err="1">
-                <a:solidFill>
-                  <a:srgbClr val="FF0000"/>
-                </a:solidFill>
-                <a:highlight>
-                  <a:srgbClr val="FFFF00"/>
-                </a:highlight>
-              </a:rPr>
-              <a:t>suss</a:t>
-            </a:r>
-            <a:r>
-              <a:rPr lang="en-US" sz="1600" dirty="0">
-                <a:solidFill>
-                  <a:srgbClr val="FF0000"/>
-                </a:solidFill>
-                <a:highlight>
-                  <a:srgbClr val="FFFF00"/>
-                </a:highlight>
-              </a:rPr>
-              <a:t> this out??</a:t>
-            </a:r>
-          </a:p>
-        </p:txBody>
-      </p:sp>
-      <p:sp>
-        <p:nvSpPr>
-          <p:cNvPr id="27" name="Oval 26">
-            <a:extLst>
-              <a:ext uri="{FF2B5EF4-FFF2-40B4-BE49-F238E27FC236}">
-                <a16:creationId xmlns:a16="http://schemas.microsoft.com/office/drawing/2014/main" id="{D8E989E3-187D-B003-3685-962682FF3919}"/>
-              </a:ext>
-            </a:extLst>
-          </p:cNvPr>
-          <p:cNvSpPr/>
-          <p:nvPr/>
-        </p:nvSpPr>
-        <p:spPr>
-          <a:xfrm>
-            <a:off x="4601529" y="2219069"/>
-            <a:ext cx="500332" cy="461665"/>
-          </a:xfrm>
-          <a:prstGeom prst="ellipse">
-            <a:avLst/>
-          </a:prstGeom>
-          <a:noFill/>
-          <a:ln>
-            <a:solidFill>
-              <a:schemeClr val="tx1"/>
-            </a:solidFill>
-          </a:ln>
-        </p:spPr>
-        <p:style>
-          <a:lnRef idx="2">
-            <a:schemeClr val="accent1">
-              <a:shade val="15000"/>
-            </a:schemeClr>
-          </a:lnRef>
-          <a:fillRef idx="1">
-            <a:schemeClr val="accent1"/>
-          </a:fillRef>
-          <a:effectRef idx="0">
-            <a:schemeClr val="accent1"/>
-          </a:effectRef>
-          <a:fontRef idx="minor">
-            <a:schemeClr val="lt1"/>
-          </a:fontRef>
-        </p:style>
-        <p:txBody>
-          <a:bodyPr rtlCol="0" anchor="ctr"/>
-          <a:lstStyle/>
-          <a:p>
-            <a:pPr algn="ctr"/>
-            <a:endParaRPr lang="en-US" dirty="0"/>
-          </a:p>
-        </p:txBody>
-      </p:sp>
-      <p:sp>
-        <p:nvSpPr>
-          <p:cNvPr id="28" name="Oval 27">
-            <a:extLst>
-              <a:ext uri="{FF2B5EF4-FFF2-40B4-BE49-F238E27FC236}">
-                <a16:creationId xmlns:a16="http://schemas.microsoft.com/office/drawing/2014/main" id="{CBF93C22-48F6-4BAB-FAE2-1DE1533643AA}"/>
-              </a:ext>
-            </a:extLst>
-          </p:cNvPr>
-          <p:cNvSpPr/>
-          <p:nvPr/>
-        </p:nvSpPr>
-        <p:spPr>
-          <a:xfrm>
-            <a:off x="2239329" y="3696087"/>
-            <a:ext cx="500332" cy="461665"/>
-          </a:xfrm>
-          <a:prstGeom prst="ellipse">
-            <a:avLst/>
-          </a:prstGeom>
-          <a:noFill/>
-          <a:ln>
-            <a:solidFill>
-              <a:schemeClr val="tx1"/>
-            </a:solidFill>
-          </a:ln>
-        </p:spPr>
-        <p:style>
-          <a:lnRef idx="2">
-            <a:schemeClr val="accent1">
-              <a:shade val="15000"/>
-            </a:schemeClr>
-          </a:lnRef>
-          <a:fillRef idx="1">
-            <a:schemeClr val="accent1"/>
-          </a:fillRef>
-          <a:effectRef idx="0">
-            <a:schemeClr val="accent1"/>
-          </a:effectRef>
-          <a:fontRef idx="minor">
-            <a:schemeClr val="lt1"/>
-          </a:fontRef>
-        </p:style>
-        <p:txBody>
-          <a:bodyPr rtlCol="0" anchor="ctr"/>
-          <a:lstStyle/>
-          <a:p>
-            <a:pPr algn="ctr"/>
-            <a:endParaRPr lang="en-US" dirty="0"/>
-          </a:p>
-        </p:txBody>
-      </p:sp>
-      <p:sp>
-        <p:nvSpPr>
-          <p:cNvPr id="30" name="TextBox 29">
-            <a:extLst>
-              <a:ext uri="{FF2B5EF4-FFF2-40B4-BE49-F238E27FC236}">
-                <a16:creationId xmlns:a16="http://schemas.microsoft.com/office/drawing/2014/main" id="{0EBB5FAC-878F-0900-1B79-D2E1F8D04454}"/>
-              </a:ext>
-            </a:extLst>
-          </p:cNvPr>
-          <p:cNvSpPr txBox="1"/>
-          <p:nvPr/>
-        </p:nvSpPr>
-        <p:spPr>
-          <a:xfrm>
-            <a:off x="7465036" y="6036734"/>
-            <a:ext cx="4382821" cy="615553"/>
-          </a:xfrm>
-          <a:prstGeom prst="rect">
-            <a:avLst/>
-          </a:prstGeom>
-          <a:noFill/>
-        </p:spPr>
-        <p:txBody>
-          <a:bodyPr wrap="square" rtlCol="0">
-            <a:spAutoFit/>
-          </a:bodyPr>
-          <a:lstStyle/>
-          <a:p>
-            <a:r>
-              <a:rPr lang="en-US" sz="1400" dirty="0"/>
-              <a:t>*</a:t>
-            </a:r>
-            <a:r>
-              <a:rPr lang="en-US" sz="1000" dirty="0"/>
-              <a:t> I should have left the CLS token out when constructing sequences since they are duplicated in the model by the regression token.  (It was a holdover from my BERT mask-language-model dataset)</a:t>
-            </a:r>
-          </a:p>
-        </p:txBody>
-      </p:sp>
-      <p:sp>
-        <p:nvSpPr>
-          <p:cNvPr id="31" name="TextBox 30">
-            <a:extLst>
-              <a:ext uri="{FF2B5EF4-FFF2-40B4-BE49-F238E27FC236}">
-                <a16:creationId xmlns:a16="http://schemas.microsoft.com/office/drawing/2014/main" id="{83C75FC4-71C5-6B54-AA7E-FD3B26C1D865}"/>
-              </a:ext>
-            </a:extLst>
-          </p:cNvPr>
-          <p:cNvSpPr txBox="1"/>
-          <p:nvPr/>
-        </p:nvSpPr>
-        <p:spPr>
-          <a:xfrm>
-            <a:off x="5101861" y="334935"/>
-            <a:ext cx="636777" cy="369332"/>
-          </a:xfrm>
-          <a:prstGeom prst="rect">
-            <a:avLst/>
-          </a:prstGeom>
-          <a:noFill/>
-        </p:spPr>
-        <p:txBody>
-          <a:bodyPr wrap="none" rtlCol="0">
-            <a:spAutoFit/>
-          </a:bodyPr>
-          <a:lstStyle/>
-          <a:p>
-            <a:r>
-              <a:rPr lang="en-US" dirty="0">
-                <a:highlight>
-                  <a:srgbClr val="FFFF00"/>
-                </a:highlight>
-              </a:rPr>
-              <a:t>redo</a:t>
-            </a:r>
-          </a:p>
-        </p:txBody>
-      </p:sp>
-    </p:spTree>
-    <p:extLst>
-      <p:ext uri="{BB962C8B-B14F-4D97-AF65-F5344CB8AC3E}">
-        <p14:creationId xmlns:p14="http://schemas.microsoft.com/office/powerpoint/2010/main" val="3358689536"/>
-      </p:ext>
-    </p:extLst>
-  </p:cSld>
-  <p:clrMapOvr>
-    <a:masterClrMapping/>
-  </p:clrMapOvr>
-</p:sld>
-</file>
-
 <file path=ppt/slides/slide18.xml><?xml version="1.0" encoding="utf-8"?>
 <p:sld xmlns:a="http://schemas.openxmlformats.org/drawingml/2006/main" xmlns:r="http://schemas.openxmlformats.org/officeDocument/2006/relationships" xmlns:p="http://schemas.openxmlformats.org/presentationml/2006/main">
   <p:cSld>
@@ -9405,7 +9003,7 @@
           <p:cNvPr id="2" name="TextBox 1">
             <a:extLst>
               <a:ext uri="{FF2B5EF4-FFF2-40B4-BE49-F238E27FC236}">
-                <a16:creationId xmlns:a16="http://schemas.microsoft.com/office/drawing/2014/main" id="{D4D99642-6CAD-3B7A-1935-75DEAB8CAB0D}"/>
+                <a16:creationId xmlns:a16="http://schemas.microsoft.com/office/drawing/2014/main" id="{D82E2508-34B9-E66B-316E-FC13ABDB8E01}"/>
               </a:ext>
             </a:extLst>
           </p:cNvPr>
@@ -9415,7 +9013,7 @@
         <p:spPr>
           <a:xfrm>
             <a:off x="136762" y="204349"/>
-            <a:ext cx="4686411" cy="461665"/>
+            <a:ext cx="1863011" cy="461665"/>
           </a:xfrm>
           <a:prstGeom prst="rect">
             <a:avLst/>
@@ -9430,15 +9028,135 @@
           <a:p>
             <a:r>
               <a:rPr lang="en-US" sz="2400" dirty="0"/>
-              <a:t>t-SNE plots :  VIT model 1-channel</a:t>
-            </a:r>
+              <a:t>Conclusions</a:t>
+            </a:r>
+          </a:p>
+        </p:txBody>
+      </p:sp>
+      <p:sp>
+        <p:nvSpPr>
+          <p:cNvPr id="3" name="TextBox 2">
+            <a:extLst>
+              <a:ext uri="{FF2B5EF4-FFF2-40B4-BE49-F238E27FC236}">
+                <a16:creationId xmlns:a16="http://schemas.microsoft.com/office/drawing/2014/main" id="{FA742F59-10DC-50B3-599C-9B3227711F13}"/>
+              </a:ext>
+            </a:extLst>
+          </p:cNvPr>
+          <p:cNvSpPr txBox="1"/>
+          <p:nvPr/>
+        </p:nvSpPr>
+        <p:spPr>
+          <a:xfrm>
+            <a:off x="944476" y="1362973"/>
+            <a:ext cx="10847834" cy="3970318"/>
+          </a:xfrm>
+          <a:prstGeom prst="rect">
+            <a:avLst/>
+          </a:prstGeom>
+          <a:noFill/>
+        </p:spPr>
+        <p:txBody>
+          <a:bodyPr wrap="square" rtlCol="0">
+            <a:spAutoFit/>
+          </a:bodyPr>
+          <a:lstStyle/>
+          <a:p>
+            <a:pPr marL="285750" indent="-285750">
+              <a:buFont typeface="Arial" panose="020B0604020202020204" pitchFamily="34" charset="0"/>
+              <a:buChar char="•"/>
+            </a:pPr>
+            <a:r>
+              <a:rPr lang="en-US" dirty="0"/>
+              <a:t>MLP models do not treat relationships between different elements in a sequence.  For sequence-to-affinity regression problem, MLP, not surprisingly, performed the poorest</a:t>
+            </a:r>
+          </a:p>
+          <a:p>
+            <a:pPr marL="285750" indent="-285750